--- a/Data_Science_ita.pptx
+++ b/Data_Science_ita.pptx
@@ -5,17 +5,20 @@
     <p:sldMasterId id="2147483648" r:id="rId5"/>
   </p:sldMasterIdLst>
   <p:notesMasterIdLst>
-    <p:notesMasterId r:id="rId14"/>
+    <p:notesMasterId r:id="rId17"/>
   </p:notesMasterIdLst>
   <p:sldIdLst>
     <p:sldId id="256" r:id="rId6"/>
-    <p:sldId id="335" r:id="rId7"/>
-    <p:sldId id="334" r:id="rId8"/>
-    <p:sldId id="319" r:id="rId9"/>
-    <p:sldId id="336" r:id="rId10"/>
-    <p:sldId id="337" r:id="rId11"/>
+    <p:sldId id="319" r:id="rId7"/>
+    <p:sldId id="340" r:id="rId8"/>
+    <p:sldId id="341" r:id="rId9"/>
+    <p:sldId id="342" r:id="rId10"/>
+    <p:sldId id="336" r:id="rId11"/>
     <p:sldId id="338" r:id="rId12"/>
-    <p:sldId id="339" r:id="rId13"/>
+    <p:sldId id="337" r:id="rId13"/>
+    <p:sldId id="339" r:id="rId14"/>
+    <p:sldId id="344" r:id="rId15"/>
+    <p:sldId id="343" r:id="rId16"/>
   </p:sldIdLst>
   <p:sldSz cx="12192000" cy="6858000"/>
   <p:notesSz cx="6858000" cy="9144000"/>
@@ -273,7 +276,7 @@
               <a:pPr>
                 <a:defRPr/>
               </a:pPr>
-              <a:t>6/19/2022</a:t>
+              <a:t>6/25/2022</a:t>
             </a:fld>
             <a:endParaRPr lang="en-US"/>
           </a:p>
@@ -6786,7 +6789,7 @@
 </p:sld>
 </file>
 
-<file path=ppt/slides/slide2.xml><?xml version="1.0" encoding="utf-8"?>
+<file path=ppt/slides/slide10.xml><?xml version="1.0" encoding="utf-8"?>
 <p:sld xmlns:a="http://schemas.openxmlformats.org/drawingml/2006/main" xmlns:r="http://schemas.openxmlformats.org/officeDocument/2006/relationships" xmlns:p="http://schemas.openxmlformats.org/presentationml/2006/main">
   <p:cSld>
     <p:spTree>
@@ -6822,14 +6825,39 @@
         <p:spPr>
           <a:xfrm>
             <a:off x="326297" y="1213806"/>
-            <a:ext cx="11645309" cy="4392612"/>
+            <a:ext cx="11518700" cy="4392612"/>
           </a:xfrm>
         </p:spPr>
         <p:txBody>
           <a:bodyPr/>
           <a:lstStyle/>
           <a:p>
-            <a:pPr algn="l"/>
+            <a:pPr marL="342900" indent="-342900">
+              <a:buFont typeface="Wingdings" panose="05000000000000000000" pitchFamily="2" charset="2"/>
+              <a:buChar char="ü"/>
+            </a:pPr>
+            <a:r>
+              <a:rPr lang="it-IT" sz="2400" b="1" dirty="0">
+                <a:solidFill>
+                  <a:schemeClr val="tx1"/>
+                </a:solidFill>
+                <a:latin typeface="Tahoma" panose="020B0604030504040204" pitchFamily="34" charset="0"/>
+                <a:ea typeface="Tahoma" panose="020B0604030504040204" pitchFamily="34" charset="0"/>
+                <a:cs typeface="Tahoma" panose="020B0604030504040204" pitchFamily="34" charset="0"/>
+              </a:rPr>
+              <a:t>La </a:t>
+            </a:r>
+            <a:r>
+              <a:rPr lang="it-IT" sz="2400" b="1" dirty="0" err="1">
+                <a:solidFill>
+                  <a:schemeClr val="tx1"/>
+                </a:solidFill>
+                <a:latin typeface="Tahoma" panose="020B0604030504040204" pitchFamily="34" charset="0"/>
+                <a:ea typeface="Tahoma" panose="020B0604030504040204" pitchFamily="34" charset="0"/>
+                <a:cs typeface="Tahoma" panose="020B0604030504040204" pitchFamily="34" charset="0"/>
+              </a:rPr>
+              <a:t>stETL</a:t>
+            </a:r>
             <a:r>
               <a:rPr lang="it-IT" sz="2400" dirty="0">
                 <a:solidFill>
@@ -6839,39 +6867,58 @@
                 <a:ea typeface="Tahoma" panose="020B0604030504040204" pitchFamily="34" charset="0"/>
                 <a:cs typeface="Tahoma" panose="020B0604030504040204" pitchFamily="34" charset="0"/>
               </a:rPr>
-              <a:t>- Sistemi per la memorizzazione e l’analisi di Big Data e per l’accesso a basi dati.</a:t>
-            </a:r>
-          </a:p>
-          <a:p>
-            <a:pPr algn="l"/>
+              <a:t>, è un processo di Data Integration (Integrazione Dati) che combina i dati provenienti da diverse sorgenti di dati all’interno di una singola data store consistente che è in genere caricato in un data </a:t>
+            </a:r>
+            <a:r>
+              <a:rPr lang="it-IT" sz="2400" dirty="0" err="1">
+                <a:solidFill>
+                  <a:schemeClr val="tx1"/>
+                </a:solidFill>
+                <a:latin typeface="Tahoma" panose="020B0604030504040204" pitchFamily="34" charset="0"/>
+                <a:ea typeface="Tahoma" panose="020B0604030504040204" pitchFamily="34" charset="0"/>
+                <a:cs typeface="Tahoma" panose="020B0604030504040204" pitchFamily="34" charset="0"/>
+              </a:rPr>
+              <a:t>warehouse</a:t>
+            </a:r>
             <a:r>
               <a:rPr lang="it-IT" sz="2400" dirty="0">
                 <a:solidFill>
-                  <a:srgbClr val="FF0000"/>
-                </a:solidFill>
-                <a:latin typeface="Tahoma" panose="020B0604030504040204" pitchFamily="34" charset="0"/>
-                <a:ea typeface="Tahoma" panose="020B0604030504040204" pitchFamily="34" charset="0"/>
-                <a:cs typeface="Tahoma" panose="020B0604030504040204" pitchFamily="34" charset="0"/>
-              </a:rPr>
-              <a:t>- Linguaggi e strumenti per l’analisi e la trasformazione dei dati.</a:t>
-            </a:r>
-          </a:p>
-          <a:p>
-            <a:pPr algn="l"/>
+                  <a:schemeClr val="tx1"/>
+                </a:solidFill>
+                <a:latin typeface="Tahoma" panose="020B0604030504040204" pitchFamily="34" charset="0"/>
+                <a:ea typeface="Tahoma" panose="020B0604030504040204" pitchFamily="34" charset="0"/>
+                <a:cs typeface="Tahoma" panose="020B0604030504040204" pitchFamily="34" charset="0"/>
+              </a:rPr>
+              <a:t> o un sistema Target. </a:t>
+            </a:r>
+          </a:p>
+          <a:p>
+            <a:pPr marL="342900" indent="-342900">
+              <a:buFont typeface="Wingdings" panose="05000000000000000000" pitchFamily="2" charset="2"/>
+              <a:buChar char="ü"/>
+            </a:pPr>
             <a:r>
               <a:rPr lang="it-IT" sz="2400" dirty="0">
                 <a:solidFill>
-                  <a:srgbClr val="FF0000"/>
-                </a:solidFill>
-                <a:latin typeface="Tahoma" panose="020B0604030504040204" pitchFamily="34" charset="0"/>
-                <a:ea typeface="Tahoma" panose="020B0604030504040204" pitchFamily="34" charset="0"/>
-                <a:cs typeface="Tahoma" panose="020B0604030504040204" pitchFamily="34" charset="0"/>
-              </a:rPr>
-              <a:t>- Metodi per la progettazione e realizzazione di flussi di trasformazione di dati.</a:t>
-            </a:r>
-          </a:p>
-          <a:p>
-            <a:pPr algn="l"/>
+                  <a:schemeClr val="tx1"/>
+                </a:solidFill>
+                <a:latin typeface="Tahoma" panose="020B0604030504040204" pitchFamily="34" charset="0"/>
+                <a:ea typeface="Tahoma" panose="020B0604030504040204" pitchFamily="34" charset="0"/>
+                <a:cs typeface="Tahoma" panose="020B0604030504040204" pitchFamily="34" charset="0"/>
+              </a:rPr>
+              <a:t>Man mano che i database sono cresciuti in popolarità intorno al 1970, </a:t>
+            </a:r>
+            <a:r>
+              <a:rPr lang="it-IT" sz="2400" b="1" dirty="0">
+                <a:solidFill>
+                  <a:schemeClr val="tx1"/>
+                </a:solidFill>
+                <a:latin typeface="Tahoma" panose="020B0604030504040204" pitchFamily="34" charset="0"/>
+                <a:ea typeface="Tahoma" panose="020B0604030504040204" pitchFamily="34" charset="0"/>
+                <a:cs typeface="Tahoma" panose="020B0604030504040204" pitchFamily="34" charset="0"/>
+              </a:rPr>
+              <a:t>l’ETL</a:t>
+            </a:r>
             <a:r>
               <a:rPr lang="it-IT" sz="2400" dirty="0">
                 <a:solidFill>
@@ -6881,22 +6928,36 @@
                 <a:ea typeface="Tahoma" panose="020B0604030504040204" pitchFamily="34" charset="0"/>
                 <a:cs typeface="Tahoma" panose="020B0604030504040204" pitchFamily="34" charset="0"/>
               </a:rPr>
-              <a:t>- </a:t>
+              <a:t> fu introdotto come processo di integrazione e caricamento dati per elaborazione ed analisi, e alla fine è divenuto il metodo primario per processare dati per i progetti di data </a:t>
+            </a:r>
+            <a:r>
+              <a:rPr lang="it-IT" sz="2400" b="1" dirty="0">
+                <a:solidFill>
+                  <a:schemeClr val="tx1"/>
+                </a:solidFill>
+                <a:latin typeface="Tahoma" panose="020B0604030504040204" pitchFamily="34" charset="0"/>
+                <a:ea typeface="Tahoma" panose="020B0604030504040204" pitchFamily="34" charset="0"/>
+                <a:cs typeface="Tahoma" panose="020B0604030504040204" pitchFamily="34" charset="0"/>
+              </a:rPr>
+              <a:t>warehousing</a:t>
             </a:r>
             <a:r>
               <a:rPr lang="it-IT" sz="2400" dirty="0">
                 <a:solidFill>
-                  <a:srgbClr val="FF0000"/>
-                </a:solidFill>
-                <a:latin typeface="Tahoma" panose="020B0604030504040204" pitchFamily="34" charset="0"/>
-                <a:ea typeface="Tahoma" panose="020B0604030504040204" pitchFamily="34" charset="0"/>
-                <a:cs typeface="Tahoma" panose="020B0604030504040204" pitchFamily="34" charset="0"/>
-              </a:rPr>
-              <a:t>Modellazione di ontologie per la gestione dei dati.</a:t>
-            </a:r>
-          </a:p>
-          <a:p>
-            <a:pPr algn="l"/>
+                  <a:schemeClr val="tx1"/>
+                </a:solidFill>
+                <a:latin typeface="Tahoma" panose="020B0604030504040204" pitchFamily="34" charset="0"/>
+                <a:ea typeface="Tahoma" panose="020B0604030504040204" pitchFamily="34" charset="0"/>
+                <a:cs typeface="Tahoma" panose="020B0604030504040204" pitchFamily="34" charset="0"/>
+              </a:rPr>
+              <a:t>.</a:t>
+            </a:r>
+          </a:p>
+          <a:p>
+            <a:pPr marL="342900" indent="-342900">
+              <a:buFont typeface="Wingdings" panose="05000000000000000000" pitchFamily="2" charset="2"/>
+              <a:buChar char="ü"/>
+            </a:pPr>
             <a:r>
               <a:rPr lang="it-IT" sz="2400" dirty="0">
                 <a:solidFill>
@@ -6906,11 +6967,19 @@
                 <a:ea typeface="Tahoma" panose="020B0604030504040204" pitchFamily="34" charset="0"/>
                 <a:cs typeface="Tahoma" panose="020B0604030504040204" pitchFamily="34" charset="0"/>
               </a:rPr>
-              <a:t>- Conoscenza di metodi e strumenti di Machine Learning e di Natural Language Processing.</a:t>
-            </a:r>
-          </a:p>
-          <a:p>
-            <a:pPr algn="l"/>
+              <a:t>Un Enterprise Data </a:t>
+            </a:r>
+            <a:r>
+              <a:rPr lang="it-IT" sz="2400" dirty="0" err="1">
+                <a:solidFill>
+                  <a:schemeClr val="tx1"/>
+                </a:solidFill>
+                <a:latin typeface="Tahoma" panose="020B0604030504040204" pitchFamily="34" charset="0"/>
+                <a:ea typeface="Tahoma" panose="020B0604030504040204" pitchFamily="34" charset="0"/>
+                <a:cs typeface="Tahoma" panose="020B0604030504040204" pitchFamily="34" charset="0"/>
+              </a:rPr>
+              <a:t>Warehouse</a:t>
+            </a:r>
             <a:r>
               <a:rPr lang="it-IT" sz="2400" dirty="0">
                 <a:solidFill>
@@ -6920,22 +6989,66 @@
                 <a:ea typeface="Tahoma" panose="020B0604030504040204" pitchFamily="34" charset="0"/>
                 <a:cs typeface="Tahoma" panose="020B0604030504040204" pitchFamily="34" charset="0"/>
               </a:rPr>
-              <a:t>- Tecniche e strumenti per l’analisi di dati non strutturati, e text mining.</a:t>
-            </a:r>
-          </a:p>
-          <a:p>
-            <a:pPr algn="l"/>
+              <a:t> (EDW) è un sistema che aggrega dati provenienti da differenti sorgenti in un singolo data store che supporti processi come: data </a:t>
+            </a:r>
+            <a:r>
+              <a:rPr lang="it-IT" sz="2400" dirty="0" err="1">
+                <a:solidFill>
+                  <a:schemeClr val="tx1"/>
+                </a:solidFill>
+                <a:latin typeface="Tahoma" panose="020B0604030504040204" pitchFamily="34" charset="0"/>
+                <a:ea typeface="Tahoma" panose="020B0604030504040204" pitchFamily="34" charset="0"/>
+                <a:cs typeface="Tahoma" panose="020B0604030504040204" pitchFamily="34" charset="0"/>
+              </a:rPr>
+              <a:t>analysis</a:t>
+            </a:r>
             <a:r>
               <a:rPr lang="it-IT" sz="2400" dirty="0">
                 <a:solidFill>
-                  <a:srgbClr val="FF0000"/>
-                </a:solidFill>
-                <a:latin typeface="Tahoma" panose="020B0604030504040204" pitchFamily="34" charset="0"/>
-                <a:ea typeface="Tahoma" panose="020B0604030504040204" pitchFamily="34" charset="0"/>
-                <a:cs typeface="Tahoma" panose="020B0604030504040204" pitchFamily="34" charset="0"/>
-              </a:rPr>
-              <a:t>- Strumenti e tecniche di analisi predittiva, statistica e visuale dei dati.</a:t>
-            </a:r>
+                  <a:schemeClr val="tx1"/>
+                </a:solidFill>
+                <a:latin typeface="Tahoma" panose="020B0604030504040204" pitchFamily="34" charset="0"/>
+                <a:ea typeface="Tahoma" panose="020B0604030504040204" pitchFamily="34" charset="0"/>
+                <a:cs typeface="Tahoma" panose="020B0604030504040204" pitchFamily="34" charset="0"/>
+              </a:rPr>
+              <a:t>, data mining or </a:t>
+            </a:r>
+            <a:r>
+              <a:rPr lang="it-IT" sz="2400" dirty="0" err="1">
+                <a:solidFill>
+                  <a:schemeClr val="tx1"/>
+                </a:solidFill>
+                <a:latin typeface="Tahoma" panose="020B0604030504040204" pitchFamily="34" charset="0"/>
+                <a:ea typeface="Tahoma" panose="020B0604030504040204" pitchFamily="34" charset="0"/>
+                <a:cs typeface="Tahoma" panose="020B0604030504040204" pitchFamily="34" charset="0"/>
+              </a:rPr>
+              <a:t>Artificial</a:t>
+            </a:r>
+            <a:r>
+              <a:rPr lang="it-IT" sz="2400" dirty="0">
+                <a:solidFill>
+                  <a:schemeClr val="tx1"/>
+                </a:solidFill>
+                <a:latin typeface="Tahoma" panose="020B0604030504040204" pitchFamily="34" charset="0"/>
+                <a:ea typeface="Tahoma" panose="020B0604030504040204" pitchFamily="34" charset="0"/>
+                <a:cs typeface="Tahoma" panose="020B0604030504040204" pitchFamily="34" charset="0"/>
+              </a:rPr>
+              <a:t> Intelligence (AI, ML) </a:t>
+            </a:r>
+          </a:p>
+          <a:p>
+            <a:pPr marL="457200" indent="-457200">
+              <a:buFontTx/>
+              <a:buAutoNum type="arabicParenR"/>
+            </a:pPr>
+            <a:endParaRPr lang="it-IT" sz="2400" dirty="0">
+              <a:solidFill>
+                <a:schemeClr val="tx1"/>
+              </a:solidFill>
+              <a:latin typeface="Tahoma" panose="020B0604030504040204" pitchFamily="34" charset="0"/>
+              <a:ea typeface="Tahoma" panose="020B0604030504040204" pitchFamily="34" charset="0"/>
+              <a:cs typeface="Tahoma" panose="020B0604030504040204" pitchFamily="34" charset="0"/>
+            </a:endParaRPr>
           </a:p>
         </p:txBody>
       </p:sp>
@@ -6968,7 +7081,7 @@
               <a:pPr>
                 <a:defRPr/>
               </a:pPr>
-              <a:t>2</a:t>
+              <a:t>10</a:t>
             </a:fld>
             <a:endParaRPr lang="en-US" dirty="0"/>
           </a:p>
@@ -7001,17 +7114,46 @@
           <a:lstStyle/>
           <a:p>
             <a:r>
-              <a:rPr lang="it-IT" altLang="it-IT" dirty="0"/>
-              <a:t>Programma generale</a:t>
-            </a:r>
-            <a:endParaRPr lang="it-IT" dirty="0"/>
+              <a:rPr lang="it-IT" dirty="0"/>
+              <a:t>Statistica </a:t>
+            </a:r>
           </a:p>
         </p:txBody>
       </p:sp>
+      <p:pic>
+        <p:nvPicPr>
+          <p:cNvPr id="4" name="Immagine 3">
+            <a:extLst>
+              <a:ext uri="{FF2B5EF4-FFF2-40B4-BE49-F238E27FC236}">
+                <a16:creationId xmlns:a16="http://schemas.microsoft.com/office/drawing/2014/main" id="{F086394A-6065-C8CF-4979-81B8F4EA4859}"/>
+              </a:ext>
+            </a:extLst>
+          </p:cNvPr>
+          <p:cNvPicPr>
+            <a:picLocks noChangeAspect="1"/>
+          </p:cNvPicPr>
+          <p:nvPr/>
+        </p:nvPicPr>
+        <p:blipFill>
+          <a:blip r:embed="rId2"/>
+          <a:stretch>
+            <a:fillRect/>
+          </a:stretch>
+        </p:blipFill>
+        <p:spPr>
+          <a:xfrm>
+            <a:off x="8088923" y="4951829"/>
+            <a:ext cx="3776780" cy="1742110"/>
+          </a:xfrm>
+          <a:prstGeom prst="rect">
+            <a:avLst/>
+          </a:prstGeom>
+        </p:spPr>
+      </p:pic>
     </p:spTree>
     <p:extLst>
       <p:ext uri="{BB962C8B-B14F-4D97-AF65-F5344CB8AC3E}">
-        <p14:creationId xmlns:p14="http://schemas.microsoft.com/office/powerpoint/2010/main" val="363331763"/>
+        <p14:creationId xmlns:p14="http://schemas.microsoft.com/office/powerpoint/2010/main" val="395650612"/>
       </p:ext>
     </p:extLst>
   </p:cSld>
@@ -7021,7 +7163,7 @@
 </p:sld>
 </file>
 
-<file path=ppt/slides/slide3.xml><?xml version="1.0" encoding="utf-8"?>
+<file path=ppt/slides/slide11.xml><?xml version="1.0" encoding="utf-8"?>
 <p:sld xmlns:a="http://schemas.openxmlformats.org/drawingml/2006/main" xmlns:r="http://schemas.openxmlformats.org/officeDocument/2006/relationships" xmlns:p="http://schemas.openxmlformats.org/presentationml/2006/main">
   <p:cSld>
     <p:spTree>
@@ -7040,177 +7182,6 @@
       </p:grpSpPr>
       <p:sp>
         <p:nvSpPr>
-          <p:cNvPr id="2" name="Segnaposto testo 1">
-            <a:extLst>
-              <a:ext uri="{FF2B5EF4-FFF2-40B4-BE49-F238E27FC236}">
-                <a16:creationId xmlns:a16="http://schemas.microsoft.com/office/drawing/2014/main" id="{E5AE986C-196F-4141-A898-FA4C4198CDCC}"/>
-              </a:ext>
-            </a:extLst>
-          </p:cNvPr>
-          <p:cNvSpPr>
-            <a:spLocks noGrp="1"/>
-          </p:cNvSpPr>
-          <p:nvPr>
-            <p:ph type="body" idx="1"/>
-          </p:nvPr>
-        </p:nvSpPr>
-        <p:spPr>
-          <a:xfrm>
-            <a:off x="326297" y="1213806"/>
-            <a:ext cx="11269307" cy="4392612"/>
-          </a:xfrm>
-        </p:spPr>
-        <p:txBody>
-          <a:bodyPr/>
-          <a:lstStyle/>
-          <a:p>
-            <a:pPr algn="l"/>
-            <a:r>
-              <a:rPr lang="it-IT" sz="2400" dirty="0">
-                <a:solidFill>
-                  <a:schemeClr val="tx1"/>
-                </a:solidFill>
-                <a:latin typeface="Tahoma" panose="020B0604030504040204" pitchFamily="34" charset="0"/>
-                <a:ea typeface="Tahoma" panose="020B0604030504040204" pitchFamily="34" charset="0"/>
-                <a:cs typeface="Tahoma" panose="020B0604030504040204" pitchFamily="34" charset="0"/>
-              </a:rPr>
-              <a:t>1) Metodi e tecniche per la progettazione e realizzazione di basi di dati e di sistemi di calcolo, modelli e tecniche di analisi statistica descrittiva e inferenziale</a:t>
-            </a:r>
-          </a:p>
-          <a:p>
-            <a:pPr algn="l"/>
-            <a:r>
-              <a:rPr lang="it-IT" sz="2400" dirty="0">
-                <a:solidFill>
-                  <a:schemeClr val="tx1"/>
-                </a:solidFill>
-                <a:latin typeface="Tahoma" panose="020B0604030504040204" pitchFamily="34" charset="0"/>
-                <a:ea typeface="Tahoma" panose="020B0604030504040204" pitchFamily="34" charset="0"/>
-                <a:cs typeface="Tahoma" panose="020B0604030504040204" pitchFamily="34" charset="0"/>
-              </a:rPr>
-              <a:t>2) Metodi e tecniche di controllo e correzione dei dati, metodi e tecniche di integrazione dei dati, linguaggi di programmazione orientati all’analisi statistica (R, SAS, SPSS, </a:t>
-            </a:r>
-            <a:r>
-              <a:rPr lang="en-US" sz="2400" dirty="0">
-                <a:solidFill>
-                  <a:schemeClr val="tx1"/>
-                </a:solidFill>
-                <a:latin typeface="Tahoma" panose="020B0604030504040204" pitchFamily="34" charset="0"/>
-                <a:ea typeface="Tahoma" panose="020B0604030504040204" pitchFamily="34" charset="0"/>
-                <a:cs typeface="Tahoma" panose="020B0604030504040204" pitchFamily="34" charset="0"/>
-              </a:rPr>
-              <a:t>etc.). Machine learning, </a:t>
-            </a:r>
-            <a:r>
-              <a:rPr lang="en-US" sz="2400" dirty="0" err="1">
-                <a:solidFill>
-                  <a:schemeClr val="tx1"/>
-                </a:solidFill>
-                <a:latin typeface="Tahoma" panose="020B0604030504040204" pitchFamily="34" charset="0"/>
-                <a:ea typeface="Tahoma" panose="020B0604030504040204" pitchFamily="34" charset="0"/>
-                <a:cs typeface="Tahoma" panose="020B0604030504040204" pitchFamily="34" charset="0"/>
-              </a:rPr>
-              <a:t>analisi</a:t>
-            </a:r>
-            <a:r>
-              <a:rPr lang="en-US" sz="2400" dirty="0">
-                <a:solidFill>
-                  <a:schemeClr val="tx1"/>
-                </a:solidFill>
-                <a:latin typeface="Tahoma" panose="020B0604030504040204" pitchFamily="34" charset="0"/>
-                <a:ea typeface="Tahoma" panose="020B0604030504040204" pitchFamily="34" charset="0"/>
-                <a:cs typeface="Tahoma" panose="020B0604030504040204" pitchFamily="34" charset="0"/>
-              </a:rPr>
-              <a:t> di </a:t>
-            </a:r>
-            <a:r>
-              <a:rPr lang="en-US" sz="2400" dirty="0" err="1">
-                <a:solidFill>
-                  <a:schemeClr val="tx1"/>
-                </a:solidFill>
-                <a:latin typeface="Tahoma" panose="020B0604030504040204" pitchFamily="34" charset="0"/>
-                <a:ea typeface="Tahoma" panose="020B0604030504040204" pitchFamily="34" charset="0"/>
-                <a:cs typeface="Tahoma" panose="020B0604030504040204" pitchFamily="34" charset="0"/>
-              </a:rPr>
-              <a:t>testi</a:t>
-            </a:r>
-            <a:r>
-              <a:rPr lang="en-US" sz="2400" dirty="0">
-                <a:solidFill>
-                  <a:schemeClr val="tx1"/>
-                </a:solidFill>
-                <a:latin typeface="Tahoma" panose="020B0604030504040204" pitchFamily="34" charset="0"/>
-                <a:ea typeface="Tahoma" panose="020B0604030504040204" pitchFamily="34" charset="0"/>
-                <a:cs typeface="Tahoma" panose="020B0604030504040204" pitchFamily="34" charset="0"/>
-              </a:rPr>
-              <a:t> (text mining). </a:t>
-            </a:r>
-            <a:r>
-              <a:rPr lang="it-IT" sz="2400" dirty="0">
-                <a:solidFill>
-                  <a:schemeClr val="tx1"/>
-                </a:solidFill>
-                <a:latin typeface="Tahoma" panose="020B0604030504040204" pitchFamily="34" charset="0"/>
-                <a:ea typeface="Tahoma" panose="020B0604030504040204" pitchFamily="34" charset="0"/>
-                <a:cs typeface="Tahoma" panose="020B0604030504040204" pitchFamily="34" charset="0"/>
-              </a:rPr>
-              <a:t>Memorizzazione e analisi di Big Data, linguaggi di programmazione orientati all’analisi statistica (R, SAS, SPSS, etc.), modellazione di ontologie, progettazione e realizzazione di basi di dati relazionali e </a:t>
-            </a:r>
-            <a:r>
-              <a:rPr lang="it-IT" sz="2400" dirty="0" err="1">
-                <a:solidFill>
-                  <a:schemeClr val="tx1"/>
-                </a:solidFill>
-                <a:latin typeface="Tahoma" panose="020B0604030504040204" pitchFamily="34" charset="0"/>
-                <a:ea typeface="Tahoma" panose="020B0604030504040204" pitchFamily="34" charset="0"/>
-                <a:cs typeface="Tahoma" panose="020B0604030504040204" pitchFamily="34" charset="0"/>
-              </a:rPr>
-              <a:t>NoSQL</a:t>
-            </a:r>
-            <a:r>
-              <a:rPr lang="it-IT" sz="2400" dirty="0">
-                <a:solidFill>
-                  <a:schemeClr val="tx1"/>
-                </a:solidFill>
-                <a:latin typeface="Tahoma" panose="020B0604030504040204" pitchFamily="34" charset="0"/>
-                <a:ea typeface="Tahoma" panose="020B0604030504040204" pitchFamily="34" charset="0"/>
-                <a:cs typeface="Tahoma" panose="020B0604030504040204" pitchFamily="34" charset="0"/>
-              </a:rPr>
-              <a:t>, progettazione e realizzazione di flussi di trasformazione e integrazione di dati, misurazione e miglioramento della qualità dei dati.</a:t>
-            </a:r>
-          </a:p>
-          <a:p>
-            <a:pPr algn="l"/>
-            <a:r>
-              <a:rPr lang="it-IT" sz="2400" dirty="0">
-                <a:solidFill>
-                  <a:schemeClr val="tx1"/>
-                </a:solidFill>
-                <a:latin typeface="Tahoma" panose="020B0604030504040204" pitchFamily="34" charset="0"/>
-                <a:ea typeface="Tahoma" panose="020B0604030504040204" pitchFamily="34" charset="0"/>
-                <a:cs typeface="Tahoma" panose="020B0604030504040204" pitchFamily="34" charset="0"/>
-              </a:rPr>
-              <a:t>3) Materie oggetto delle prove scritte, accertamento della conoscenza della lingua inglese e dell’uso delle apparecchiature e delle applicazioni informatiche più diffuse </a:t>
-            </a:r>
-          </a:p>
-          <a:p>
-            <a:pPr marL="457200" indent="-457200">
-              <a:buFontTx/>
-              <a:buAutoNum type="arabicParenR"/>
-            </a:pPr>
-            <a:endParaRPr lang="it-IT" sz="2400" dirty="0">
-              <a:solidFill>
-                <a:schemeClr val="tx1"/>
-              </a:solidFill>
-              <a:latin typeface="Tahoma" panose="020B0604030504040204" pitchFamily="34" charset="0"/>
-              <a:ea typeface="Tahoma" panose="020B0604030504040204" pitchFamily="34" charset="0"/>
-              <a:cs typeface="Tahoma" panose="020B0604030504040204" pitchFamily="34" charset="0"/>
-            </a:endParaRPr>
-          </a:p>
-        </p:txBody>
-      </p:sp>
-      <p:sp>
-        <p:nvSpPr>
           <p:cNvPr id="7" name="Segnaposto numero diapositiva 6">
             <a:extLst>
               <a:ext uri="{FF2B5EF4-FFF2-40B4-BE49-F238E27FC236}">
@@ -7238,7 +7209,7 @@
               <a:pPr>
                 <a:defRPr/>
               </a:pPr>
-              <a:t>3</a:t>
+              <a:t>11</a:t>
             </a:fld>
             <a:endParaRPr lang="en-US" dirty="0"/>
           </a:p>
@@ -7271,9 +7242,43 @@
           <a:lstStyle/>
           <a:p>
             <a:r>
-              <a:rPr lang="it-IT" altLang="it-IT" dirty="0"/>
-              <a:t>Programma prove</a:t>
-            </a:r>
+              <a:rPr lang="it-IT" altLang="it-IT" dirty="0" err="1"/>
+              <a:t>References</a:t>
+            </a:r>
+            <a:endParaRPr lang="it-IT" dirty="0"/>
+          </a:p>
+        </p:txBody>
+      </p:sp>
+      <p:sp>
+        <p:nvSpPr>
+          <p:cNvPr id="3" name="Segnaposto testo 2">
+            <a:extLst>
+              <a:ext uri="{FF2B5EF4-FFF2-40B4-BE49-F238E27FC236}">
+                <a16:creationId xmlns:a16="http://schemas.microsoft.com/office/drawing/2014/main" id="{15CD42DB-61E6-AA3D-7125-BF4BEDB5D886}"/>
+              </a:ext>
+            </a:extLst>
+          </p:cNvPr>
+          <p:cNvSpPr>
+            <a:spLocks noGrp="1"/>
+          </p:cNvSpPr>
+          <p:nvPr>
+            <p:ph type="body" idx="1"/>
+          </p:nvPr>
+        </p:nvSpPr>
+        <p:spPr/>
+        <p:txBody>
+          <a:bodyPr/>
+          <a:lstStyle/>
+          <a:p>
+            <a:r>
+              <a:rPr lang="it-IT" dirty="0">
+                <a:hlinkClick r:id="rId2"/>
+              </a:rPr>
+              <a:t>https://www.stitchdata.com/resources/data-transformation</a:t>
+            </a:r>
+            <a:endParaRPr lang="it-IT" dirty="0"/>
+          </a:p>
+          <a:p>
             <a:endParaRPr lang="it-IT" dirty="0"/>
           </a:p>
         </p:txBody>
@@ -7281,7 +7286,7 @@
     </p:spTree>
     <p:extLst>
       <p:ext uri="{BB962C8B-B14F-4D97-AF65-F5344CB8AC3E}">
-        <p14:creationId xmlns:p14="http://schemas.microsoft.com/office/powerpoint/2010/main" val="3633363929"/>
+        <p14:creationId xmlns:p14="http://schemas.microsoft.com/office/powerpoint/2010/main" val="3490964097"/>
       </p:ext>
     </p:extLst>
   </p:cSld>
@@ -7291,7 +7296,7 @@
 </p:sld>
 </file>
 
-<file path=ppt/slides/slide4.xml><?xml version="1.0" encoding="utf-8"?>
+<file path=ppt/slides/slide2.xml><?xml version="1.0" encoding="utf-8"?>
 <p:sld xmlns:a="http://schemas.openxmlformats.org/drawingml/2006/main" xmlns:r="http://schemas.openxmlformats.org/officeDocument/2006/relationships" xmlns:p="http://schemas.openxmlformats.org/presentationml/2006/main">
   <p:cSld>
     <p:bg>
@@ -7580,7 +7585,7 @@
               <a:pPr>
                 <a:defRPr/>
               </a:pPr>
-              <a:t>4</a:t>
+              <a:t>2</a:t>
             </a:fld>
             <a:endParaRPr lang="en-US" dirty="0"/>
           </a:p>
@@ -7675,6 +7680,777 @@
   </p:cSld>
   <p:clrMapOvr>
     <a:overrideClrMapping bg1="lt1" tx1="dk1" bg2="lt2" tx2="dk2" accent1="accent1" accent2="accent2" accent3="accent3" accent4="accent4" accent5="accent5" accent6="accent6" hlink="hlink" folHlink="folHlink"/>
+  </p:clrMapOvr>
+</p:sld>
+</file>
+
+<file path=ppt/slides/slide3.xml><?xml version="1.0" encoding="utf-8"?>
+<p:sld xmlns:a="http://schemas.openxmlformats.org/drawingml/2006/main" xmlns:r="http://schemas.openxmlformats.org/officeDocument/2006/relationships" xmlns:p="http://schemas.openxmlformats.org/presentationml/2006/main">
+  <p:cSld>
+    <p:spTree>
+      <p:nvGrpSpPr>
+        <p:cNvPr id="1" name=""/>
+        <p:cNvGrpSpPr/>
+        <p:nvPr/>
+      </p:nvGrpSpPr>
+      <p:grpSpPr>
+        <a:xfrm>
+          <a:off x="0" y="0"/>
+          <a:ext cx="0" cy="0"/>
+          <a:chOff x="0" y="0"/>
+          <a:chExt cx="0" cy="0"/>
+        </a:xfrm>
+      </p:grpSpPr>
+      <p:sp>
+        <p:nvSpPr>
+          <p:cNvPr id="2" name="Segnaposto testo 1">
+            <a:extLst>
+              <a:ext uri="{FF2B5EF4-FFF2-40B4-BE49-F238E27FC236}">
+                <a16:creationId xmlns:a16="http://schemas.microsoft.com/office/drawing/2014/main" id="{E5AE986C-196F-4141-A898-FA4C4198CDCC}"/>
+              </a:ext>
+            </a:extLst>
+          </p:cNvPr>
+          <p:cNvSpPr>
+            <a:spLocks noGrp="1"/>
+          </p:cNvSpPr>
+          <p:nvPr>
+            <p:ph type="body" idx="1"/>
+          </p:nvPr>
+        </p:nvSpPr>
+        <p:spPr>
+          <a:xfrm>
+            <a:off x="326297" y="1213806"/>
+            <a:ext cx="11518700" cy="4392612"/>
+          </a:xfrm>
+        </p:spPr>
+        <p:txBody>
+          <a:bodyPr/>
+          <a:lstStyle/>
+          <a:p>
+            <a:pPr marL="342900" indent="-342900">
+              <a:buFont typeface="Wingdings" panose="05000000000000000000" pitchFamily="2" charset="2"/>
+              <a:buChar char="ü"/>
+            </a:pPr>
+            <a:r>
+              <a:rPr lang="it-IT" sz="2400" dirty="0">
+                <a:solidFill>
+                  <a:schemeClr val="tx1"/>
+                </a:solidFill>
+                <a:latin typeface="Tahoma" panose="020B0604030504040204" pitchFamily="34" charset="0"/>
+                <a:ea typeface="Tahoma" panose="020B0604030504040204" pitchFamily="34" charset="0"/>
+                <a:cs typeface="Tahoma" panose="020B0604030504040204" pitchFamily="34" charset="0"/>
+              </a:rPr>
+              <a:t>Un </a:t>
+            </a:r>
+            <a:r>
+              <a:rPr lang="it-IT" sz="2400" b="1" dirty="0">
+                <a:solidFill>
+                  <a:schemeClr val="tx1"/>
+                </a:solidFill>
+                <a:latin typeface="Tahoma" panose="020B0604030504040204" pitchFamily="34" charset="0"/>
+                <a:ea typeface="Tahoma" panose="020B0604030504040204" pitchFamily="34" charset="0"/>
+                <a:cs typeface="Tahoma" panose="020B0604030504040204" pitchFamily="34" charset="0"/>
+              </a:rPr>
+              <a:t>Data </a:t>
+            </a:r>
+            <a:r>
+              <a:rPr lang="it-IT" sz="2400" b="1" dirty="0" err="1">
+                <a:solidFill>
+                  <a:schemeClr val="tx1"/>
+                </a:solidFill>
+                <a:latin typeface="Tahoma" panose="020B0604030504040204" pitchFamily="34" charset="0"/>
+                <a:ea typeface="Tahoma" panose="020B0604030504040204" pitchFamily="34" charset="0"/>
+                <a:cs typeface="Tahoma" panose="020B0604030504040204" pitchFamily="34" charset="0"/>
+              </a:rPr>
+              <a:t>Warehouse</a:t>
+            </a:r>
+            <a:r>
+              <a:rPr lang="it-IT" sz="2400" b="1" dirty="0">
+                <a:solidFill>
+                  <a:schemeClr val="tx1"/>
+                </a:solidFill>
+                <a:latin typeface="Tahoma" panose="020B0604030504040204" pitchFamily="34" charset="0"/>
+                <a:ea typeface="Tahoma" panose="020B0604030504040204" pitchFamily="34" charset="0"/>
+                <a:cs typeface="Tahoma" panose="020B0604030504040204" pitchFamily="34" charset="0"/>
+              </a:rPr>
+              <a:t> </a:t>
+            </a:r>
+            <a:r>
+              <a:rPr lang="it-IT" sz="2400" dirty="0">
+                <a:solidFill>
+                  <a:schemeClr val="tx1"/>
+                </a:solidFill>
+                <a:latin typeface="Tahoma" panose="020B0604030504040204" pitchFamily="34" charset="0"/>
+                <a:ea typeface="Tahoma" panose="020B0604030504040204" pitchFamily="34" charset="0"/>
+                <a:cs typeface="Tahoma" panose="020B0604030504040204" pitchFamily="34" charset="0"/>
+              </a:rPr>
+              <a:t>è un sistema che permette ad un’organizzazione di eseguire potenti analisi su elevati volumi (petabytes e petabytes) di dati in modalità che un database standard non è in grado di eseguire. </a:t>
+            </a:r>
+          </a:p>
+          <a:p>
+            <a:pPr marL="342900" indent="-342900">
+              <a:buFont typeface="Wingdings" panose="05000000000000000000" pitchFamily="2" charset="2"/>
+              <a:buChar char="ü"/>
+            </a:pPr>
+            <a:r>
+              <a:rPr lang="it-IT" sz="2400" dirty="0">
+                <a:solidFill>
+                  <a:schemeClr val="tx1"/>
+                </a:solidFill>
+                <a:latin typeface="Tahoma" panose="020B0604030504040204" pitchFamily="34" charset="0"/>
+                <a:ea typeface="Tahoma" panose="020B0604030504040204" pitchFamily="34" charset="0"/>
+                <a:cs typeface="Tahoma" panose="020B0604030504040204" pitchFamily="34" charset="0"/>
+              </a:rPr>
+              <a:t>I sistemi di </a:t>
+            </a:r>
+            <a:r>
+              <a:rPr lang="it-IT" sz="2400" b="1" dirty="0">
+                <a:solidFill>
+                  <a:schemeClr val="tx1"/>
+                </a:solidFill>
+                <a:latin typeface="Tahoma" panose="020B0604030504040204" pitchFamily="34" charset="0"/>
+                <a:ea typeface="Tahoma" panose="020B0604030504040204" pitchFamily="34" charset="0"/>
+                <a:cs typeface="Tahoma" panose="020B0604030504040204" pitchFamily="34" charset="0"/>
+              </a:rPr>
+              <a:t>Data</a:t>
+            </a:r>
+            <a:r>
+              <a:rPr lang="it-IT" sz="2400" dirty="0">
+                <a:solidFill>
+                  <a:schemeClr val="tx1"/>
+                </a:solidFill>
+                <a:latin typeface="Tahoma" panose="020B0604030504040204" pitchFamily="34" charset="0"/>
+                <a:ea typeface="Tahoma" panose="020B0604030504040204" pitchFamily="34" charset="0"/>
+                <a:cs typeface="Tahoma" panose="020B0604030504040204" pitchFamily="34" charset="0"/>
+              </a:rPr>
+              <a:t> </a:t>
+            </a:r>
+            <a:r>
+              <a:rPr lang="it-IT" sz="2400" b="1" dirty="0" err="1">
+                <a:solidFill>
+                  <a:schemeClr val="tx1"/>
+                </a:solidFill>
+                <a:latin typeface="Tahoma" panose="020B0604030504040204" pitchFamily="34" charset="0"/>
+                <a:ea typeface="Tahoma" panose="020B0604030504040204" pitchFamily="34" charset="0"/>
+                <a:cs typeface="Tahoma" panose="020B0604030504040204" pitchFamily="34" charset="0"/>
+              </a:rPr>
+              <a:t>Warehouse</a:t>
+            </a:r>
+            <a:r>
+              <a:rPr lang="it-IT" sz="2400" dirty="0">
+                <a:solidFill>
+                  <a:schemeClr val="tx1"/>
+                </a:solidFill>
+                <a:latin typeface="Tahoma" panose="020B0604030504040204" pitchFamily="34" charset="0"/>
+                <a:ea typeface="Tahoma" panose="020B0604030504040204" pitchFamily="34" charset="0"/>
+                <a:cs typeface="Tahoma" panose="020B0604030504040204" pitchFamily="34" charset="0"/>
+              </a:rPr>
+              <a:t> sono stati una parte dei sistemi di Business Intelligence per oltre 3 decenni, ma si sono evoluti solo di recente mediante nuovi </a:t>
+            </a:r>
+            <a:r>
+              <a:rPr lang="it-IT" sz="2400" dirty="0" err="1">
+                <a:solidFill>
+                  <a:schemeClr val="tx1"/>
+                </a:solidFill>
+                <a:latin typeface="Tahoma" panose="020B0604030504040204" pitchFamily="34" charset="0"/>
+                <a:ea typeface="Tahoma" panose="020B0604030504040204" pitchFamily="34" charset="0"/>
+                <a:cs typeface="Tahoma" panose="020B0604030504040204" pitchFamily="34" charset="0"/>
+              </a:rPr>
+              <a:t>titpi</a:t>
+            </a:r>
+            <a:r>
+              <a:rPr lang="it-IT" sz="2400" dirty="0">
+                <a:solidFill>
+                  <a:schemeClr val="tx1"/>
+                </a:solidFill>
+                <a:latin typeface="Tahoma" panose="020B0604030504040204" pitchFamily="34" charset="0"/>
+                <a:ea typeface="Tahoma" panose="020B0604030504040204" pitchFamily="34" charset="0"/>
+                <a:cs typeface="Tahoma" panose="020B0604030504040204" pitchFamily="34" charset="0"/>
+              </a:rPr>
+              <a:t> di dati e metodi di hosting. </a:t>
+            </a:r>
+          </a:p>
+          <a:p>
+            <a:pPr marL="342900" indent="-342900">
+              <a:buFont typeface="Wingdings" panose="05000000000000000000" pitchFamily="2" charset="2"/>
+              <a:buChar char="ü"/>
+            </a:pPr>
+            <a:r>
+              <a:rPr lang="it-IT" sz="2400" b="0" i="0" dirty="0">
+                <a:solidFill>
+                  <a:schemeClr val="tx1"/>
+                </a:solidFill>
+                <a:effectLst/>
+                <a:latin typeface="Tahoma" panose="020B0604030504040204" pitchFamily="34" charset="0"/>
+                <a:ea typeface="Tahoma" panose="020B0604030504040204" pitchFamily="34" charset="0"/>
+                <a:cs typeface="Tahoma" panose="020B0604030504040204" pitchFamily="34" charset="0"/>
+              </a:rPr>
+              <a:t>Originariamente un Data </a:t>
+            </a:r>
+            <a:r>
+              <a:rPr lang="it-IT" sz="2400" b="0" i="0" dirty="0" err="1">
+                <a:solidFill>
+                  <a:schemeClr val="tx1"/>
+                </a:solidFill>
+                <a:effectLst/>
+                <a:latin typeface="Tahoma" panose="020B0604030504040204" pitchFamily="34" charset="0"/>
+                <a:ea typeface="Tahoma" panose="020B0604030504040204" pitchFamily="34" charset="0"/>
+                <a:cs typeface="Tahoma" panose="020B0604030504040204" pitchFamily="34" charset="0"/>
+              </a:rPr>
+              <a:t>Warehouse</a:t>
+            </a:r>
+            <a:r>
+              <a:rPr lang="it-IT" sz="2400" b="0" i="0" dirty="0">
+                <a:solidFill>
+                  <a:schemeClr val="tx1"/>
+                </a:solidFill>
+                <a:effectLst/>
+                <a:latin typeface="Tahoma" panose="020B0604030504040204" pitchFamily="34" charset="0"/>
+                <a:ea typeface="Tahoma" panose="020B0604030504040204" pitchFamily="34" charset="0"/>
+                <a:cs typeface="Tahoma" panose="020B0604030504040204" pitchFamily="34" charset="0"/>
+              </a:rPr>
+              <a:t> veniva ospitato on-</a:t>
+            </a:r>
+            <a:r>
+              <a:rPr lang="it-IT" sz="2400" b="0" i="0" dirty="0" err="1">
+                <a:solidFill>
+                  <a:schemeClr val="tx1"/>
+                </a:solidFill>
+                <a:effectLst/>
+                <a:latin typeface="Tahoma" panose="020B0604030504040204" pitchFamily="34" charset="0"/>
+                <a:ea typeface="Tahoma" panose="020B0604030504040204" pitchFamily="34" charset="0"/>
+                <a:cs typeface="Tahoma" panose="020B0604030504040204" pitchFamily="34" charset="0"/>
+              </a:rPr>
+              <a:t>premises</a:t>
+            </a:r>
+            <a:r>
+              <a:rPr lang="it-IT" sz="2400" b="0" i="0" dirty="0">
+                <a:solidFill>
+                  <a:schemeClr val="tx1"/>
+                </a:solidFill>
+                <a:effectLst/>
+                <a:latin typeface="Tahoma" panose="020B0604030504040204" pitchFamily="34" charset="0"/>
+                <a:ea typeface="Tahoma" panose="020B0604030504040204" pitchFamily="34" charset="0"/>
+                <a:cs typeface="Tahoma" panose="020B0604030504040204" pitchFamily="34" charset="0"/>
+              </a:rPr>
+              <a:t> su un computer mainframe, e le sue funzionalità si focalizzavano sull’estrazione dei dati da varie sorgenti, pulizia e preparazione dei dati, caricamento e immagazzinamento dei dati all’interno di un database relazionale. </a:t>
+            </a:r>
+          </a:p>
+          <a:p>
+            <a:pPr marL="342900" indent="-342900">
+              <a:buFont typeface="Wingdings" panose="05000000000000000000" pitchFamily="2" charset="2"/>
+              <a:buChar char="ü"/>
+            </a:pPr>
+            <a:r>
+              <a:rPr lang="it-IT" sz="2400" dirty="0">
+                <a:solidFill>
+                  <a:schemeClr val="tx1"/>
+                </a:solidFill>
+                <a:latin typeface="Tahoma" panose="020B0604030504040204" pitchFamily="34" charset="0"/>
+                <a:ea typeface="Tahoma" panose="020B0604030504040204" pitchFamily="34" charset="0"/>
+                <a:cs typeface="Tahoma" panose="020B0604030504040204" pitchFamily="34" charset="0"/>
+              </a:rPr>
+              <a:t>Più recentemente, un Data </a:t>
+            </a:r>
+            <a:r>
+              <a:rPr lang="it-IT" sz="2400" dirty="0" err="1">
+                <a:solidFill>
+                  <a:schemeClr val="tx1"/>
+                </a:solidFill>
+                <a:latin typeface="Tahoma" panose="020B0604030504040204" pitchFamily="34" charset="0"/>
+                <a:ea typeface="Tahoma" panose="020B0604030504040204" pitchFamily="34" charset="0"/>
+                <a:cs typeface="Tahoma" panose="020B0604030504040204" pitchFamily="34" charset="0"/>
+              </a:rPr>
+              <a:t>Warehouse</a:t>
+            </a:r>
+            <a:r>
+              <a:rPr lang="it-IT" sz="2400" dirty="0">
+                <a:solidFill>
+                  <a:schemeClr val="tx1"/>
+                </a:solidFill>
+                <a:latin typeface="Tahoma" panose="020B0604030504040204" pitchFamily="34" charset="0"/>
+                <a:ea typeface="Tahoma" panose="020B0604030504040204" pitchFamily="34" charset="0"/>
+                <a:cs typeface="Tahoma" panose="020B0604030504040204" pitchFamily="34" charset="0"/>
+              </a:rPr>
+              <a:t> può essere ospitato su un dispositivo dedicato o su un cloud, e alla maggior parte dei sistemi di Data </a:t>
+            </a:r>
+            <a:r>
+              <a:rPr lang="it-IT" sz="2400" dirty="0" err="1">
+                <a:solidFill>
+                  <a:schemeClr val="tx1"/>
+                </a:solidFill>
+                <a:latin typeface="Tahoma" panose="020B0604030504040204" pitchFamily="34" charset="0"/>
+                <a:ea typeface="Tahoma" panose="020B0604030504040204" pitchFamily="34" charset="0"/>
+                <a:cs typeface="Tahoma" panose="020B0604030504040204" pitchFamily="34" charset="0"/>
+              </a:rPr>
+              <a:t>Warehouse</a:t>
+            </a:r>
+            <a:r>
+              <a:rPr lang="it-IT" sz="2400" dirty="0">
+                <a:solidFill>
+                  <a:schemeClr val="tx1"/>
+                </a:solidFill>
+                <a:latin typeface="Tahoma" panose="020B0604030504040204" pitchFamily="34" charset="0"/>
+                <a:ea typeface="Tahoma" panose="020B0604030504040204" pitchFamily="34" charset="0"/>
+                <a:cs typeface="Tahoma" panose="020B0604030504040204" pitchFamily="34" charset="0"/>
+              </a:rPr>
+              <a:t> sono state aggiunte capacità analitiche, di visualizzazione dati e tool di presentazione.</a:t>
+            </a:r>
+            <a:endParaRPr lang="en-US" sz="2400" b="0" i="0" dirty="0">
+              <a:solidFill>
+                <a:srgbClr val="525252"/>
+              </a:solidFill>
+              <a:effectLst/>
+              <a:latin typeface="IBM Plex Sans" panose="020B0604020202020204" pitchFamily="34" charset="0"/>
+            </a:endParaRPr>
+          </a:p>
+        </p:txBody>
+      </p:sp>
+      <p:sp>
+        <p:nvSpPr>
+          <p:cNvPr id="7" name="Segnaposto numero diapositiva 6">
+            <a:extLst>
+              <a:ext uri="{FF2B5EF4-FFF2-40B4-BE49-F238E27FC236}">
+                <a16:creationId xmlns:a16="http://schemas.microsoft.com/office/drawing/2014/main" id="{AB740BE9-E218-4144-BFDE-AE473D230A3D}"/>
+              </a:ext>
+            </a:extLst>
+          </p:cNvPr>
+          <p:cNvSpPr>
+            <a:spLocks noGrp="1"/>
+          </p:cNvSpPr>
+          <p:nvPr>
+            <p:ph type="sldNum" sz="quarter" idx="12"/>
+          </p:nvPr>
+        </p:nvSpPr>
+        <p:spPr/>
+        <p:txBody>
+          <a:bodyPr/>
+          <a:lstStyle/>
+          <a:p>
+            <a:pPr>
+              <a:defRPr/>
+            </a:pPr>
+            <a:fld id="{48B4153A-D4C5-4CEF-8992-0D8815C829E3}" type="slidenum">
+              <a:rPr lang="en-US" smtClean="0"/>
+              <a:pPr>
+                <a:defRPr/>
+              </a:pPr>
+              <a:t>3</a:t>
+            </a:fld>
+            <a:endParaRPr lang="en-US" dirty="0"/>
+          </a:p>
+        </p:txBody>
+      </p:sp>
+      <p:sp>
+        <p:nvSpPr>
+          <p:cNvPr id="5" name="Titolo 4">
+            <a:extLst>
+              <a:ext uri="{FF2B5EF4-FFF2-40B4-BE49-F238E27FC236}">
+                <a16:creationId xmlns:a16="http://schemas.microsoft.com/office/drawing/2014/main" id="{82C46BA2-B380-4357-B125-BA9F08A643F5}"/>
+              </a:ext>
+            </a:extLst>
+          </p:cNvPr>
+          <p:cNvSpPr>
+            <a:spLocks noGrp="1"/>
+          </p:cNvSpPr>
+          <p:nvPr>
+            <p:ph type="title"/>
+          </p:nvPr>
+        </p:nvSpPr>
+        <p:spPr>
+          <a:xfrm>
+            <a:off x="468895" y="503475"/>
+            <a:ext cx="11269308" cy="384721"/>
+          </a:xfrm>
+        </p:spPr>
+        <p:txBody>
+          <a:bodyPr/>
+          <a:lstStyle/>
+          <a:p>
+            <a:r>
+              <a:rPr lang="it-IT" altLang="it-IT" dirty="0"/>
+              <a:t>ETL – Data </a:t>
+            </a:r>
+            <a:r>
+              <a:rPr lang="it-IT" altLang="it-IT" dirty="0" err="1"/>
+              <a:t>Warehouse</a:t>
+            </a:r>
+            <a:endParaRPr lang="it-IT" dirty="0"/>
+          </a:p>
+        </p:txBody>
+      </p:sp>
+    </p:spTree>
+    <p:extLst>
+      <p:ext uri="{BB962C8B-B14F-4D97-AF65-F5344CB8AC3E}">
+        <p14:creationId xmlns:p14="http://schemas.microsoft.com/office/powerpoint/2010/main" val="277461911"/>
+      </p:ext>
+    </p:extLst>
+  </p:cSld>
+  <p:clrMapOvr>
+    <a:masterClrMapping/>
+  </p:clrMapOvr>
+</p:sld>
+</file>
+
+<file path=ppt/slides/slide4.xml><?xml version="1.0" encoding="utf-8"?>
+<p:sld xmlns:a="http://schemas.openxmlformats.org/drawingml/2006/main" xmlns:r="http://schemas.openxmlformats.org/officeDocument/2006/relationships" xmlns:p="http://schemas.openxmlformats.org/presentationml/2006/main">
+  <p:cSld>
+    <p:spTree>
+      <p:nvGrpSpPr>
+        <p:cNvPr id="1" name=""/>
+        <p:cNvGrpSpPr/>
+        <p:nvPr/>
+      </p:nvGrpSpPr>
+      <p:grpSpPr>
+        <a:xfrm>
+          <a:off x="0" y="0"/>
+          <a:ext cx="0" cy="0"/>
+          <a:chOff x="0" y="0"/>
+          <a:chExt cx="0" cy="0"/>
+        </a:xfrm>
+      </p:grpSpPr>
+      <p:sp>
+        <p:nvSpPr>
+          <p:cNvPr id="2" name="Segnaposto testo 1">
+            <a:extLst>
+              <a:ext uri="{FF2B5EF4-FFF2-40B4-BE49-F238E27FC236}">
+                <a16:creationId xmlns:a16="http://schemas.microsoft.com/office/drawing/2014/main" id="{E5AE986C-196F-4141-A898-FA4C4198CDCC}"/>
+              </a:ext>
+            </a:extLst>
+          </p:cNvPr>
+          <p:cNvSpPr>
+            <a:spLocks noGrp="1"/>
+          </p:cNvSpPr>
+          <p:nvPr>
+            <p:ph type="body" idx="1"/>
+          </p:nvPr>
+        </p:nvSpPr>
+        <p:spPr>
+          <a:xfrm>
+            <a:off x="326297" y="1213806"/>
+            <a:ext cx="5342983" cy="4392612"/>
+          </a:xfrm>
+        </p:spPr>
+        <p:txBody>
+          <a:bodyPr/>
+          <a:lstStyle/>
+          <a:p>
+            <a:pPr marL="342900" indent="-342900">
+              <a:buFont typeface="Wingdings" panose="05000000000000000000" pitchFamily="2" charset="2"/>
+              <a:buChar char="ü"/>
+            </a:pPr>
+            <a:r>
+              <a:rPr lang="it-IT" sz="2400" dirty="0">
+                <a:solidFill>
+                  <a:schemeClr val="tx1"/>
+                </a:solidFill>
+                <a:latin typeface="Tahoma" panose="020B0604030504040204" pitchFamily="34" charset="0"/>
+                <a:ea typeface="Tahoma" panose="020B0604030504040204" pitchFamily="34" charset="0"/>
+                <a:cs typeface="Tahoma" panose="020B0604030504040204" pitchFamily="34" charset="0"/>
+              </a:rPr>
+              <a:t>Generalmente parlando ha una architettura </a:t>
+            </a:r>
+            <a:r>
+              <a:rPr lang="it-IT" sz="2400" dirty="0" err="1">
+                <a:solidFill>
+                  <a:schemeClr val="tx1"/>
+                </a:solidFill>
+                <a:latin typeface="Tahoma" panose="020B0604030504040204" pitchFamily="34" charset="0"/>
+                <a:ea typeface="Tahoma" panose="020B0604030504040204" pitchFamily="34" charset="0"/>
+                <a:cs typeface="Tahoma" panose="020B0604030504040204" pitchFamily="34" charset="0"/>
+              </a:rPr>
+              <a:t>three-tier</a:t>
+            </a:r>
+            <a:r>
+              <a:rPr lang="it-IT" sz="2400" dirty="0">
+                <a:solidFill>
+                  <a:schemeClr val="tx1"/>
+                </a:solidFill>
+                <a:latin typeface="Tahoma" panose="020B0604030504040204" pitchFamily="34" charset="0"/>
+                <a:ea typeface="Tahoma" panose="020B0604030504040204" pitchFamily="34" charset="0"/>
+                <a:cs typeface="Tahoma" panose="020B0604030504040204" pitchFamily="34" charset="0"/>
+              </a:rPr>
+              <a:t> (3 livelli):</a:t>
+            </a:r>
+          </a:p>
+          <a:p>
+            <a:r>
+              <a:rPr lang="it-IT" sz="2400" b="1" dirty="0">
+                <a:solidFill>
+                  <a:schemeClr val="tx1"/>
+                </a:solidFill>
+                <a:latin typeface="Tahoma" panose="020B0604030504040204" pitchFamily="34" charset="0"/>
+                <a:ea typeface="Tahoma" panose="020B0604030504040204" pitchFamily="34" charset="0"/>
+                <a:cs typeface="Tahoma" panose="020B0604030504040204" pitchFamily="34" charset="0"/>
+              </a:rPr>
+              <a:t>Bottom </a:t>
+            </a:r>
+            <a:r>
+              <a:rPr lang="it-IT" sz="2400" b="1" dirty="0" err="1">
+                <a:solidFill>
+                  <a:schemeClr val="tx1"/>
+                </a:solidFill>
+                <a:latin typeface="Tahoma" panose="020B0604030504040204" pitchFamily="34" charset="0"/>
+                <a:ea typeface="Tahoma" panose="020B0604030504040204" pitchFamily="34" charset="0"/>
+                <a:cs typeface="Tahoma" panose="020B0604030504040204" pitchFamily="34" charset="0"/>
+              </a:rPr>
+              <a:t>tier</a:t>
+            </a:r>
+            <a:r>
+              <a:rPr lang="it-IT" sz="2400" b="1" dirty="0">
+                <a:solidFill>
+                  <a:schemeClr val="tx1"/>
+                </a:solidFill>
+                <a:latin typeface="Tahoma" panose="020B0604030504040204" pitchFamily="34" charset="0"/>
+                <a:ea typeface="Tahoma" panose="020B0604030504040204" pitchFamily="34" charset="0"/>
+                <a:cs typeface="Tahoma" panose="020B0604030504040204" pitchFamily="34" charset="0"/>
+              </a:rPr>
+              <a:t>: </a:t>
+            </a:r>
+            <a:r>
+              <a:rPr lang="it-IT" sz="2400" dirty="0">
+                <a:solidFill>
+                  <a:schemeClr val="tx1"/>
+                </a:solidFill>
+                <a:latin typeface="Tahoma" panose="020B0604030504040204" pitchFamily="34" charset="0"/>
+                <a:ea typeface="Tahoma" panose="020B0604030504040204" pitchFamily="34" charset="0"/>
+                <a:cs typeface="Tahoma" panose="020B0604030504040204" pitchFamily="34" charset="0"/>
+              </a:rPr>
+              <a:t>E’ costituito da una data </a:t>
+            </a:r>
+            <a:r>
+              <a:rPr lang="it-IT" sz="2400" dirty="0" err="1">
+                <a:solidFill>
+                  <a:schemeClr val="tx1"/>
+                </a:solidFill>
+                <a:latin typeface="Tahoma" panose="020B0604030504040204" pitchFamily="34" charset="0"/>
+                <a:ea typeface="Tahoma" panose="020B0604030504040204" pitchFamily="34" charset="0"/>
+                <a:cs typeface="Tahoma" panose="020B0604030504040204" pitchFamily="34" charset="0"/>
+              </a:rPr>
+              <a:t>warehouse</a:t>
+            </a:r>
+            <a:r>
+              <a:rPr lang="it-IT" sz="2400" dirty="0">
+                <a:solidFill>
+                  <a:schemeClr val="tx1"/>
+                </a:solidFill>
+                <a:latin typeface="Tahoma" panose="020B0604030504040204" pitchFamily="34" charset="0"/>
+                <a:ea typeface="Tahoma" panose="020B0604030504040204" pitchFamily="34" charset="0"/>
+                <a:cs typeface="Tahoma" panose="020B0604030504040204" pitchFamily="34" charset="0"/>
+              </a:rPr>
+              <a:t> server, di solito si tratta di un sistema database relazionale, il quale colleziona, ripulisce e trasforma i dati provenienti da sorgenti di dati multiple attraverso un processo conosciuto come ETL (</a:t>
+            </a:r>
+            <a:r>
+              <a:rPr lang="it-IT" sz="2400" dirty="0" err="1">
+                <a:solidFill>
+                  <a:schemeClr val="tx1"/>
+                </a:solidFill>
+                <a:latin typeface="Tahoma" panose="020B0604030504040204" pitchFamily="34" charset="0"/>
+                <a:ea typeface="Tahoma" panose="020B0604030504040204" pitchFamily="34" charset="0"/>
+                <a:cs typeface="Tahoma" panose="020B0604030504040204" pitchFamily="34" charset="0"/>
+              </a:rPr>
+              <a:t>Extract</a:t>
+            </a:r>
+            <a:r>
+              <a:rPr lang="it-IT" sz="2400" dirty="0">
+                <a:solidFill>
+                  <a:schemeClr val="tx1"/>
+                </a:solidFill>
+                <a:latin typeface="Tahoma" panose="020B0604030504040204" pitchFamily="34" charset="0"/>
+                <a:ea typeface="Tahoma" panose="020B0604030504040204" pitchFamily="34" charset="0"/>
+                <a:cs typeface="Tahoma" panose="020B0604030504040204" pitchFamily="34" charset="0"/>
+              </a:rPr>
+              <a:t>, </a:t>
+            </a:r>
+            <a:r>
+              <a:rPr lang="it-IT" sz="2400" dirty="0" err="1">
+                <a:solidFill>
+                  <a:schemeClr val="tx1"/>
+                </a:solidFill>
+                <a:latin typeface="Tahoma" panose="020B0604030504040204" pitchFamily="34" charset="0"/>
+                <a:ea typeface="Tahoma" panose="020B0604030504040204" pitchFamily="34" charset="0"/>
+                <a:cs typeface="Tahoma" panose="020B0604030504040204" pitchFamily="34" charset="0"/>
+              </a:rPr>
+              <a:t>Transform</a:t>
+            </a:r>
+            <a:r>
+              <a:rPr lang="it-IT" sz="2400" dirty="0">
+                <a:solidFill>
+                  <a:schemeClr val="tx1"/>
+                </a:solidFill>
+                <a:latin typeface="Tahoma" panose="020B0604030504040204" pitchFamily="34" charset="0"/>
+                <a:ea typeface="Tahoma" panose="020B0604030504040204" pitchFamily="34" charset="0"/>
+                <a:cs typeface="Tahoma" panose="020B0604030504040204" pitchFamily="34" charset="0"/>
+              </a:rPr>
+              <a:t> and Load) o un processo conosciuto come </a:t>
+            </a:r>
+            <a:r>
+              <a:rPr lang="it-IT" sz="2400" dirty="0" err="1">
+                <a:solidFill>
+                  <a:schemeClr val="tx1"/>
+                </a:solidFill>
+                <a:latin typeface="Tahoma" panose="020B0604030504040204" pitchFamily="34" charset="0"/>
+                <a:ea typeface="Tahoma" panose="020B0604030504040204" pitchFamily="34" charset="0"/>
+                <a:cs typeface="Tahoma" panose="020B0604030504040204" pitchFamily="34" charset="0"/>
+              </a:rPr>
+              <a:t>Extract</a:t>
+            </a:r>
+            <a:r>
+              <a:rPr lang="it-IT" sz="2400" dirty="0">
+                <a:solidFill>
+                  <a:schemeClr val="tx1"/>
+                </a:solidFill>
+                <a:latin typeface="Tahoma" panose="020B0604030504040204" pitchFamily="34" charset="0"/>
+                <a:ea typeface="Tahoma" panose="020B0604030504040204" pitchFamily="34" charset="0"/>
+                <a:cs typeface="Tahoma" panose="020B0604030504040204" pitchFamily="34" charset="0"/>
+              </a:rPr>
+              <a:t>, Load and </a:t>
+            </a:r>
+            <a:r>
+              <a:rPr lang="it-IT" sz="2400" dirty="0" err="1">
+                <a:solidFill>
+                  <a:schemeClr val="tx1"/>
+                </a:solidFill>
+                <a:latin typeface="Tahoma" panose="020B0604030504040204" pitchFamily="34" charset="0"/>
+                <a:ea typeface="Tahoma" panose="020B0604030504040204" pitchFamily="34" charset="0"/>
+                <a:cs typeface="Tahoma" panose="020B0604030504040204" pitchFamily="34" charset="0"/>
+              </a:rPr>
+              <a:t>Transform</a:t>
+            </a:r>
+            <a:r>
+              <a:rPr lang="it-IT" sz="2400" dirty="0">
+                <a:solidFill>
+                  <a:schemeClr val="tx1"/>
+                </a:solidFill>
+                <a:latin typeface="Tahoma" panose="020B0604030504040204" pitchFamily="34" charset="0"/>
+                <a:ea typeface="Tahoma" panose="020B0604030504040204" pitchFamily="34" charset="0"/>
+                <a:cs typeface="Tahoma" panose="020B0604030504040204" pitchFamily="34" charset="0"/>
+              </a:rPr>
+              <a:t> (ELT).</a:t>
+            </a:r>
+            <a:endParaRPr lang="it-IT" sz="2400" b="1" dirty="0">
+              <a:solidFill>
+                <a:schemeClr val="tx1"/>
+              </a:solidFill>
+              <a:latin typeface="Tahoma" panose="020B0604030504040204" pitchFamily="34" charset="0"/>
+              <a:ea typeface="Tahoma" panose="020B0604030504040204" pitchFamily="34" charset="0"/>
+              <a:cs typeface="Tahoma" panose="020B0604030504040204" pitchFamily="34" charset="0"/>
+            </a:endParaRPr>
+          </a:p>
+        </p:txBody>
+      </p:sp>
+      <p:sp>
+        <p:nvSpPr>
+          <p:cNvPr id="7" name="Segnaposto numero diapositiva 6">
+            <a:extLst>
+              <a:ext uri="{FF2B5EF4-FFF2-40B4-BE49-F238E27FC236}">
+                <a16:creationId xmlns:a16="http://schemas.microsoft.com/office/drawing/2014/main" id="{AB740BE9-E218-4144-BFDE-AE473D230A3D}"/>
+              </a:ext>
+            </a:extLst>
+          </p:cNvPr>
+          <p:cNvSpPr>
+            <a:spLocks noGrp="1"/>
+          </p:cNvSpPr>
+          <p:nvPr>
+            <p:ph type="sldNum" sz="quarter" idx="12"/>
+          </p:nvPr>
+        </p:nvSpPr>
+        <p:spPr/>
+        <p:txBody>
+          <a:bodyPr/>
+          <a:lstStyle/>
+          <a:p>
+            <a:pPr>
+              <a:defRPr/>
+            </a:pPr>
+            <a:fld id="{48B4153A-D4C5-4CEF-8992-0D8815C829E3}" type="slidenum">
+              <a:rPr lang="en-US" smtClean="0"/>
+              <a:pPr>
+                <a:defRPr/>
+              </a:pPr>
+              <a:t>4</a:t>
+            </a:fld>
+            <a:endParaRPr lang="en-US" dirty="0"/>
+          </a:p>
+        </p:txBody>
+      </p:sp>
+      <p:sp>
+        <p:nvSpPr>
+          <p:cNvPr id="5" name="Titolo 4">
+            <a:extLst>
+              <a:ext uri="{FF2B5EF4-FFF2-40B4-BE49-F238E27FC236}">
+                <a16:creationId xmlns:a16="http://schemas.microsoft.com/office/drawing/2014/main" id="{82C46BA2-B380-4357-B125-BA9F08A643F5}"/>
+              </a:ext>
+            </a:extLst>
+          </p:cNvPr>
+          <p:cNvSpPr>
+            <a:spLocks noGrp="1"/>
+          </p:cNvSpPr>
+          <p:nvPr>
+            <p:ph type="title"/>
+          </p:nvPr>
+        </p:nvSpPr>
+        <p:spPr>
+          <a:xfrm>
+            <a:off x="468895" y="503475"/>
+            <a:ext cx="11269308" cy="384721"/>
+          </a:xfrm>
+        </p:spPr>
+        <p:txBody>
+          <a:bodyPr/>
+          <a:lstStyle/>
+          <a:p>
+            <a:r>
+              <a:rPr lang="it-IT" altLang="it-IT" dirty="0"/>
+              <a:t>ETL – Architettura di un Data </a:t>
+            </a:r>
+            <a:r>
+              <a:rPr lang="it-IT" altLang="it-IT" dirty="0" err="1"/>
+              <a:t>Warehouse</a:t>
+            </a:r>
+            <a:endParaRPr lang="it-IT" dirty="0"/>
+          </a:p>
+        </p:txBody>
+      </p:sp>
+      <p:pic>
+        <p:nvPicPr>
+          <p:cNvPr id="4" name="Immagine 3">
+            <a:extLst>
+              <a:ext uri="{FF2B5EF4-FFF2-40B4-BE49-F238E27FC236}">
+                <a16:creationId xmlns:a16="http://schemas.microsoft.com/office/drawing/2014/main" id="{14290B2D-95D8-5FC8-2E34-E781049810DB}"/>
+              </a:ext>
+            </a:extLst>
+          </p:cNvPr>
+          <p:cNvPicPr>
+            <a:picLocks noChangeAspect="1"/>
+          </p:cNvPicPr>
+          <p:nvPr/>
+        </p:nvPicPr>
+        <p:blipFill>
+          <a:blip r:embed="rId2"/>
+          <a:stretch>
+            <a:fillRect/>
+          </a:stretch>
+        </p:blipFill>
+        <p:spPr>
+          <a:xfrm>
+            <a:off x="5634677" y="1831918"/>
+            <a:ext cx="6231026" cy="4169903"/>
+          </a:xfrm>
+          <a:prstGeom prst="rect">
+            <a:avLst/>
+          </a:prstGeom>
+        </p:spPr>
+      </p:pic>
+    </p:spTree>
+    <p:extLst>
+      <p:ext uri="{BB962C8B-B14F-4D97-AF65-F5344CB8AC3E}">
+        <p14:creationId xmlns:p14="http://schemas.microsoft.com/office/powerpoint/2010/main" val="2883046441"/>
+      </p:ext>
+    </p:extLst>
+  </p:cSld>
+  <p:clrMapOvr>
+    <a:masterClrMapping/>
   </p:clrMapOvr>
 </p:sld>
 </file>
@@ -7714,18 +8490,61 @@
         </p:nvSpPr>
         <p:spPr>
           <a:xfrm>
-            <a:off x="326297" y="1213805"/>
-            <a:ext cx="7706355" cy="4833033"/>
+            <a:off x="326298" y="1213806"/>
+            <a:ext cx="6468397" cy="4392612"/>
           </a:xfrm>
         </p:spPr>
         <p:txBody>
           <a:bodyPr/>
           <a:lstStyle/>
           <a:p>
-            <a:pPr marL="342900" indent="-342900">
-              <a:buFont typeface="Wingdings" panose="05000000000000000000" pitchFamily="2" charset="2"/>
-              <a:buChar char="ü"/>
-            </a:pPr>
+            <a:r>
+              <a:rPr lang="it-IT" sz="2400" b="1" i="0" dirty="0">
+                <a:solidFill>
+                  <a:schemeClr val="tx1"/>
+                </a:solidFill>
+                <a:effectLst/>
+                <a:latin typeface="Tahoma" panose="020B0604030504040204" pitchFamily="34" charset="0"/>
+                <a:ea typeface="Tahoma" panose="020B0604030504040204" pitchFamily="34" charset="0"/>
+                <a:cs typeface="Tahoma" panose="020B0604030504040204" pitchFamily="34" charset="0"/>
+              </a:rPr>
+              <a:t>Middle </a:t>
+            </a:r>
+            <a:r>
+              <a:rPr lang="it-IT" sz="2400" b="1" i="0" dirty="0" err="1">
+                <a:solidFill>
+                  <a:schemeClr val="tx1"/>
+                </a:solidFill>
+                <a:effectLst/>
+                <a:latin typeface="Tahoma" panose="020B0604030504040204" pitchFamily="34" charset="0"/>
+                <a:ea typeface="Tahoma" panose="020B0604030504040204" pitchFamily="34" charset="0"/>
+                <a:cs typeface="Tahoma" panose="020B0604030504040204" pitchFamily="34" charset="0"/>
+              </a:rPr>
+              <a:t>tier</a:t>
+            </a:r>
+            <a:r>
+              <a:rPr lang="it-IT" sz="2400" b="1" i="0" dirty="0">
+                <a:solidFill>
+                  <a:schemeClr val="tx1"/>
+                </a:solidFill>
+                <a:effectLst/>
+                <a:latin typeface="Tahoma" panose="020B0604030504040204" pitchFamily="34" charset="0"/>
+                <a:ea typeface="Tahoma" panose="020B0604030504040204" pitchFamily="34" charset="0"/>
+                <a:cs typeface="Tahoma" panose="020B0604030504040204" pitchFamily="34" charset="0"/>
+              </a:rPr>
+              <a:t>: </a:t>
+            </a:r>
+            <a:r>
+              <a:rPr lang="it-IT" sz="2400" dirty="0">
+                <a:solidFill>
+                  <a:schemeClr val="tx1"/>
+                </a:solidFill>
+                <a:latin typeface="Tahoma" panose="020B0604030504040204" pitchFamily="34" charset="0"/>
+                <a:ea typeface="Tahoma" panose="020B0604030504040204" pitchFamily="34" charset="0"/>
+                <a:cs typeface="Tahoma" panose="020B0604030504040204" pitchFamily="34" charset="0"/>
+              </a:rPr>
+              <a:t>Questo è costituito da un </a:t>
+            </a:r>
             <a:r>
               <a:rPr lang="it-IT" sz="2400" b="1" dirty="0">
                 <a:solidFill>
@@ -7735,7 +8554,7 @@
                 <a:ea typeface="Tahoma" panose="020B0604030504040204" pitchFamily="34" charset="0"/>
                 <a:cs typeface="Tahoma" panose="020B0604030504040204" pitchFamily="34" charset="0"/>
               </a:rPr>
-              <a:t>ETL </a:t>
+              <a:t>OLAP</a:t>
             </a:r>
             <a:r>
               <a:rPr lang="it-IT" sz="2400" dirty="0">
@@ -7746,7 +8565,51 @@
                 <a:ea typeface="Tahoma" panose="020B0604030504040204" pitchFamily="34" charset="0"/>
                 <a:cs typeface="Tahoma" panose="020B0604030504040204" pitchFamily="34" charset="0"/>
               </a:rPr>
-              <a:t>fornisce le fondamenta per la data </a:t>
+              <a:t> (ossia un </a:t>
+            </a:r>
+            <a:r>
+              <a:rPr lang="it-IT" sz="2400" b="1" dirty="0">
+                <a:solidFill>
+                  <a:schemeClr val="tx1"/>
+                </a:solidFill>
+                <a:latin typeface="Tahoma" panose="020B0604030504040204" pitchFamily="34" charset="0"/>
+                <a:ea typeface="Tahoma" panose="020B0604030504040204" pitchFamily="34" charset="0"/>
+                <a:cs typeface="Tahoma" panose="020B0604030504040204" pitchFamily="34" charset="0"/>
+              </a:rPr>
+              <a:t>OnLine </a:t>
+            </a:r>
+            <a:r>
+              <a:rPr lang="it-IT" sz="2400" b="1" dirty="0" err="1">
+                <a:solidFill>
+                  <a:schemeClr val="tx1"/>
+                </a:solidFill>
+                <a:latin typeface="Tahoma" panose="020B0604030504040204" pitchFamily="34" charset="0"/>
+                <a:ea typeface="Tahoma" panose="020B0604030504040204" pitchFamily="34" charset="0"/>
+                <a:cs typeface="Tahoma" panose="020B0604030504040204" pitchFamily="34" charset="0"/>
+              </a:rPr>
+              <a:t>Analytical</a:t>
+            </a:r>
+            <a:r>
+              <a:rPr lang="it-IT" sz="2400" b="1" dirty="0">
+                <a:solidFill>
+                  <a:schemeClr val="tx1"/>
+                </a:solidFill>
+                <a:latin typeface="Tahoma" panose="020B0604030504040204" pitchFamily="34" charset="0"/>
+                <a:ea typeface="Tahoma" panose="020B0604030504040204" pitchFamily="34" charset="0"/>
+                <a:cs typeface="Tahoma" panose="020B0604030504040204" pitchFamily="34" charset="0"/>
+              </a:rPr>
+              <a:t> Processing</a:t>
+            </a:r>
+            <a:r>
+              <a:rPr lang="it-IT" sz="2400" dirty="0">
+                <a:solidFill>
+                  <a:schemeClr val="tx1"/>
+                </a:solidFill>
+                <a:latin typeface="Tahoma" panose="020B0604030504040204" pitchFamily="34" charset="0"/>
+                <a:ea typeface="Tahoma" panose="020B0604030504040204" pitchFamily="34" charset="0"/>
+                <a:cs typeface="Tahoma" panose="020B0604030504040204" pitchFamily="34" charset="0"/>
+              </a:rPr>
+              <a:t>) Server che abilita l’utente ad avere delle velocità di query elevate. Esistono 3 tipi di modelli OLAP che possono essere usati in questo </a:t>
             </a:r>
             <a:r>
               <a:rPr lang="it-IT" sz="2400" dirty="0" err="1">
@@ -7757,7 +8620,7 @@
                 <a:ea typeface="Tahoma" panose="020B0604030504040204" pitchFamily="34" charset="0"/>
                 <a:cs typeface="Tahoma" panose="020B0604030504040204" pitchFamily="34" charset="0"/>
               </a:rPr>
-              <a:t>analytics</a:t>
+              <a:t>tier</a:t>
             </a:r>
             <a:r>
               <a:rPr lang="it-IT" sz="2400" dirty="0">
@@ -7768,18 +8631,18 @@
                 <a:ea typeface="Tahoma" panose="020B0604030504040204" pitchFamily="34" charset="0"/>
                 <a:cs typeface="Tahoma" panose="020B0604030504040204" pitchFamily="34" charset="0"/>
               </a:rPr>
-              <a:t> e i </a:t>
-            </a:r>
-            <a:r>
-              <a:rPr lang="it-IT" sz="2400" dirty="0" err="1">
-                <a:solidFill>
-                  <a:schemeClr val="tx1"/>
-                </a:solidFill>
-                <a:latin typeface="Tahoma" panose="020B0604030504040204" pitchFamily="34" charset="0"/>
-                <a:ea typeface="Tahoma" panose="020B0604030504040204" pitchFamily="34" charset="0"/>
-                <a:cs typeface="Tahoma" panose="020B0604030504040204" pitchFamily="34" charset="0"/>
-              </a:rPr>
-              <a:t>workstream</a:t>
+              <a:t> conosciuti come: </a:t>
+            </a:r>
+            <a:r>
+              <a:rPr lang="it-IT" sz="2400" b="1" dirty="0">
+                <a:solidFill>
+                  <a:schemeClr val="tx1"/>
+                </a:solidFill>
+                <a:latin typeface="Tahoma" panose="020B0604030504040204" pitchFamily="34" charset="0"/>
+                <a:ea typeface="Tahoma" panose="020B0604030504040204" pitchFamily="34" charset="0"/>
+                <a:cs typeface="Tahoma" panose="020B0604030504040204" pitchFamily="34" charset="0"/>
+              </a:rPr>
+              <a:t>ROLAP</a:t>
             </a:r>
             <a:r>
               <a:rPr lang="it-IT" sz="2400" dirty="0">
@@ -7790,18 +8653,18 @@
                 <a:ea typeface="Tahoma" panose="020B0604030504040204" pitchFamily="34" charset="0"/>
                 <a:cs typeface="Tahoma" panose="020B0604030504040204" pitchFamily="34" charset="0"/>
               </a:rPr>
-              <a:t> di machine learning. Attraverso una serie di regole, l’ETL purifica e organizza i dati in un modo che incontra specifici bisogni di business intelligence, come report mensili ma </a:t>
-            </a:r>
-            <a:r>
-              <a:rPr lang="it-IT" sz="2400" dirty="0" err="1">
-                <a:solidFill>
-                  <a:schemeClr val="tx1"/>
-                </a:solidFill>
-                <a:latin typeface="Tahoma" panose="020B0604030504040204" pitchFamily="34" charset="0"/>
-                <a:ea typeface="Tahoma" panose="020B0604030504040204" pitchFamily="34" charset="0"/>
-                <a:cs typeface="Tahoma" panose="020B0604030504040204" pitchFamily="34" charset="0"/>
-              </a:rPr>
-              <a:t>piuò</a:t>
+              <a:t>, </a:t>
+            </a:r>
+            <a:r>
+              <a:rPr lang="it-IT" sz="2400" b="1" dirty="0">
+                <a:solidFill>
+                  <a:schemeClr val="tx1"/>
+                </a:solidFill>
+                <a:latin typeface="Tahoma" panose="020B0604030504040204" pitchFamily="34" charset="0"/>
+                <a:ea typeface="Tahoma" panose="020B0604030504040204" pitchFamily="34" charset="0"/>
+                <a:cs typeface="Tahoma" panose="020B0604030504040204" pitchFamily="34" charset="0"/>
+              </a:rPr>
+              <a:t>MOLAP</a:t>
             </a:r>
             <a:r>
               <a:rPr lang="it-IT" sz="2400" dirty="0">
@@ -7812,14 +8675,19 @@
                 <a:ea typeface="Tahoma" panose="020B0604030504040204" pitchFamily="34" charset="0"/>
                 <a:cs typeface="Tahoma" panose="020B0604030504040204" pitchFamily="34" charset="0"/>
               </a:rPr>
-              <a:t> anche migliorare i processi di back-end o l’esperienza dell’utente finale. </a:t>
-            </a:r>
-          </a:p>
-          <a:p>
-            <a:pPr marL="342900" indent="-342900">
-              <a:buFont typeface="Wingdings" panose="05000000000000000000" pitchFamily="2" charset="2"/>
-              <a:buChar char="ü"/>
-            </a:pPr>
+              <a:t> e </a:t>
+            </a:r>
+            <a:r>
+              <a:rPr lang="it-IT" sz="2400" b="1" dirty="0">
+                <a:solidFill>
+                  <a:schemeClr val="tx1"/>
+                </a:solidFill>
+                <a:latin typeface="Tahoma" panose="020B0604030504040204" pitchFamily="34" charset="0"/>
+                <a:ea typeface="Tahoma" panose="020B0604030504040204" pitchFamily="34" charset="0"/>
+                <a:cs typeface="Tahoma" panose="020B0604030504040204" pitchFamily="34" charset="0"/>
+              </a:rPr>
+              <a:t>HOLAP</a:t>
+            </a:r>
             <a:r>
               <a:rPr lang="it-IT" sz="2400" dirty="0">
                 <a:solidFill>
@@ -7829,8 +8697,29 @@
                 <a:ea typeface="Tahoma" panose="020B0604030504040204" pitchFamily="34" charset="0"/>
                 <a:cs typeface="Tahoma" panose="020B0604030504040204" pitchFamily="34" charset="0"/>
               </a:rPr>
-              <a:t>In genere </a:t>
-            </a:r>
+              <a:t>. Il tipo di modello OLAP usato è dipendente dal tipo di sistema database che esiste</a:t>
+            </a:r>
+            <a:r>
+              <a:rPr lang="en-US" sz="2400" b="0" i="0" dirty="0">
+                <a:solidFill>
+                  <a:srgbClr val="525252"/>
+                </a:solidFill>
+                <a:effectLst/>
+                <a:latin typeface="IBM Plex Sans" panose="020B0503050203000203" pitchFamily="34" charset="0"/>
+              </a:rPr>
+              <a:t>.</a:t>
+            </a:r>
+            <a:endParaRPr lang="it-IT" sz="2400" b="1" i="0" dirty="0">
+              <a:solidFill>
+                <a:schemeClr val="tx1"/>
+              </a:solidFill>
+              <a:effectLst/>
+              <a:latin typeface="Tahoma" panose="020B0604030504040204" pitchFamily="34" charset="0"/>
+              <a:ea typeface="Tahoma" panose="020B0604030504040204" pitchFamily="34" charset="0"/>
+              <a:cs typeface="Tahoma" panose="020B0604030504040204" pitchFamily="34" charset="0"/>
+            </a:endParaRPr>
+          </a:p>
+          <a:p>
             <a:r>
               <a:rPr lang="it-IT" sz="2400" b="1" dirty="0">
                 <a:solidFill>
@@ -7840,7 +8729,29 @@
                 <a:ea typeface="Tahoma" panose="020B0604030504040204" pitchFamily="34" charset="0"/>
                 <a:cs typeface="Tahoma" panose="020B0604030504040204" pitchFamily="34" charset="0"/>
               </a:rPr>
-              <a:t>l’ETL</a:t>
+              <a:t>Top </a:t>
+            </a:r>
+            <a:r>
+              <a:rPr lang="it-IT" sz="2400" b="1" dirty="0" err="1">
+                <a:solidFill>
+                  <a:schemeClr val="tx1"/>
+                </a:solidFill>
+                <a:latin typeface="Tahoma" panose="020B0604030504040204" pitchFamily="34" charset="0"/>
+                <a:ea typeface="Tahoma" panose="020B0604030504040204" pitchFamily="34" charset="0"/>
+                <a:cs typeface="Tahoma" panose="020B0604030504040204" pitchFamily="34" charset="0"/>
+              </a:rPr>
+              <a:t>tier</a:t>
+            </a:r>
+            <a:r>
+              <a:rPr lang="it-IT" sz="2400" b="1" dirty="0">
+                <a:solidFill>
+                  <a:schemeClr val="tx1"/>
+                </a:solidFill>
+                <a:latin typeface="Tahoma" panose="020B0604030504040204" pitchFamily="34" charset="0"/>
+                <a:ea typeface="Tahoma" panose="020B0604030504040204" pitchFamily="34" charset="0"/>
+                <a:cs typeface="Tahoma" panose="020B0604030504040204" pitchFamily="34" charset="0"/>
+              </a:rPr>
+              <a:t>: </a:t>
             </a:r>
             <a:r>
               <a:rPr lang="it-IT" sz="2400" dirty="0">
@@ -7851,101 +8762,37 @@
                 <a:ea typeface="Tahoma" panose="020B0604030504040204" pitchFamily="34" charset="0"/>
                 <a:cs typeface="Tahoma" panose="020B0604030504040204" pitchFamily="34" charset="0"/>
               </a:rPr>
-              <a:t> è utilizzato dalle organizzazioni per: </a:t>
-            </a:r>
-          </a:p>
-          <a:p>
-            <a:pPr marL="971550" lvl="1" indent="-514350">
-              <a:buAutoNum type="arabicParenR"/>
-            </a:pPr>
-            <a:r>
-              <a:rPr lang="it-IT" sz="2600" b="0" dirty="0">
-                <a:solidFill>
-                  <a:schemeClr val="tx1"/>
-                </a:solidFill>
-                <a:latin typeface="Tahoma" panose="020B0604030504040204" pitchFamily="34" charset="0"/>
-                <a:ea typeface="Tahoma" panose="020B0604030504040204" pitchFamily="34" charset="0"/>
-                <a:cs typeface="Tahoma" panose="020B0604030504040204" pitchFamily="34" charset="0"/>
-              </a:rPr>
-              <a:t>Estrarre dati da sistemi legacy</a:t>
-            </a:r>
-          </a:p>
-          <a:p>
-            <a:pPr marL="971550" lvl="1" indent="-514350">
-              <a:buAutoNum type="arabicParenR"/>
-            </a:pPr>
-            <a:r>
-              <a:rPr lang="it-IT" sz="2600" b="0" dirty="0">
-                <a:solidFill>
-                  <a:schemeClr val="tx1"/>
-                </a:solidFill>
-                <a:latin typeface="Tahoma" panose="020B0604030504040204" pitchFamily="34" charset="0"/>
-                <a:ea typeface="Tahoma" panose="020B0604030504040204" pitchFamily="34" charset="0"/>
-                <a:cs typeface="Tahoma" panose="020B0604030504040204" pitchFamily="34" charset="0"/>
-              </a:rPr>
-              <a:t>Ripulire i dati per </a:t>
-            </a:r>
-            <a:r>
-              <a:rPr lang="it-IT" sz="2600" b="0" dirty="0" err="1">
-                <a:solidFill>
-                  <a:schemeClr val="tx1"/>
-                </a:solidFill>
-                <a:latin typeface="Tahoma" panose="020B0604030504040204" pitchFamily="34" charset="0"/>
-                <a:ea typeface="Tahoma" panose="020B0604030504040204" pitchFamily="34" charset="0"/>
-                <a:cs typeface="Tahoma" panose="020B0604030504040204" pitchFamily="34" charset="0"/>
-              </a:rPr>
-              <a:t>miglirarne</a:t>
-            </a:r>
-            <a:r>
-              <a:rPr lang="it-IT" sz="2600" b="0" dirty="0">
-                <a:solidFill>
-                  <a:schemeClr val="tx1"/>
-                </a:solidFill>
-                <a:latin typeface="Tahoma" panose="020B0604030504040204" pitchFamily="34" charset="0"/>
-                <a:ea typeface="Tahoma" panose="020B0604030504040204" pitchFamily="34" charset="0"/>
-                <a:cs typeface="Tahoma" panose="020B0604030504040204" pitchFamily="34" charset="0"/>
-              </a:rPr>
-              <a:t> la qualità e </a:t>
-            </a:r>
-          </a:p>
-          <a:p>
-            <a:pPr lvl="1"/>
-            <a:r>
-              <a:rPr lang="it-IT" sz="2600" b="0" dirty="0">
-                <a:solidFill>
-                  <a:schemeClr val="tx1"/>
-                </a:solidFill>
-                <a:latin typeface="Tahoma" panose="020B0604030504040204" pitchFamily="34" charset="0"/>
-                <a:ea typeface="Tahoma" panose="020B0604030504040204" pitchFamily="34" charset="0"/>
-                <a:cs typeface="Tahoma" panose="020B0604030504040204" pitchFamily="34" charset="0"/>
-              </a:rPr>
-              <a:t>	renderli consistenti</a:t>
-            </a:r>
-          </a:p>
-          <a:p>
-            <a:pPr lvl="1"/>
-            <a:r>
-              <a:rPr lang="it-IT" sz="2600" b="0" dirty="0">
-                <a:solidFill>
-                  <a:srgbClr val="FF0000"/>
-                </a:solidFill>
-                <a:latin typeface="Tahoma" panose="020B0604030504040204" pitchFamily="34" charset="0"/>
-                <a:ea typeface="Tahoma" panose="020B0604030504040204" pitchFamily="34" charset="0"/>
-                <a:cs typeface="Tahoma" panose="020B0604030504040204" pitchFamily="34" charset="0"/>
-              </a:rPr>
-              <a:t>3) </a:t>
-            </a:r>
-            <a:r>
-              <a:rPr lang="it-IT" sz="2600" b="0" dirty="0">
-                <a:solidFill>
-                  <a:schemeClr val="tx1"/>
-                </a:solidFill>
-                <a:latin typeface="Tahoma" panose="020B0604030504040204" pitchFamily="34" charset="0"/>
-                <a:ea typeface="Tahoma" panose="020B0604030504040204" pitchFamily="34" charset="0"/>
-                <a:cs typeface="Tahoma" panose="020B0604030504040204" pitchFamily="34" charset="0"/>
-              </a:rPr>
-              <a:t>Caricare i dati all’interno di un database target</a:t>
-            </a:r>
+              <a:t>Questo livello è rappresentato da qualcosa del tipo interfaccia </a:t>
+            </a:r>
+            <a:r>
+              <a:rPr lang="it-IT" sz="2400" b="1" dirty="0">
+                <a:solidFill>
+                  <a:schemeClr val="tx1"/>
+                </a:solidFill>
+                <a:latin typeface="Tahoma" panose="020B0604030504040204" pitchFamily="34" charset="0"/>
+                <a:ea typeface="Tahoma" panose="020B0604030504040204" pitchFamily="34" charset="0"/>
+                <a:cs typeface="Tahoma" panose="020B0604030504040204" pitchFamily="34" charset="0"/>
+              </a:rPr>
+              <a:t>front-end user </a:t>
+            </a:r>
+            <a:r>
+              <a:rPr lang="it-IT" sz="2400" dirty="0">
+                <a:solidFill>
+                  <a:schemeClr val="tx1"/>
+                </a:solidFill>
+                <a:latin typeface="Tahoma" panose="020B0604030504040204" pitchFamily="34" charset="0"/>
+                <a:ea typeface="Tahoma" panose="020B0604030504040204" pitchFamily="34" charset="0"/>
+                <a:cs typeface="Tahoma" panose="020B0604030504040204" pitchFamily="34" charset="0"/>
+              </a:rPr>
+              <a:t>o vari tool di reportistica, che abilita l’utente finale a condurre analisi ad-hoc sui loro dati di business. </a:t>
+            </a:r>
+            <a:endParaRPr lang="en-US" sz="2400" b="1" i="0" dirty="0">
+              <a:solidFill>
+                <a:srgbClr val="525252"/>
+              </a:solidFill>
+              <a:effectLst/>
+              <a:latin typeface="IBM Plex Sans" panose="020B0604020202020204" pitchFamily="34" charset="0"/>
+            </a:endParaRPr>
           </a:p>
         </p:txBody>
       </p:sp>
@@ -8012,23 +8859,11 @@
           <a:p>
             <a:r>
               <a:rPr lang="it-IT" altLang="it-IT" dirty="0"/>
-              <a:t>ETL – </a:t>
+              <a:t>ETL – Architettura di un Data </a:t>
             </a:r>
             <a:r>
               <a:rPr lang="it-IT" altLang="it-IT" dirty="0" err="1"/>
-              <a:t>Extract</a:t>
-            </a:r>
-            <a:r>
-              <a:rPr lang="it-IT" altLang="it-IT" dirty="0"/>
-              <a:t>, </a:t>
-            </a:r>
-            <a:r>
-              <a:rPr lang="it-IT" altLang="it-IT" dirty="0" err="1"/>
-              <a:t>Transform</a:t>
-            </a:r>
-            <a:r>
-              <a:rPr lang="it-IT" altLang="it-IT" dirty="0"/>
-              <a:t> and Load</a:t>
+              <a:t>Warehouse</a:t>
             </a:r>
             <a:endParaRPr lang="it-IT" dirty="0"/>
           </a:p>
@@ -8036,10 +8871,10 @@
       </p:sp>
       <p:pic>
         <p:nvPicPr>
-          <p:cNvPr id="6" name="Immagine 5" descr="Immagine che contiene testo&#10;&#10;Descrizione generata automaticamente">
+          <p:cNvPr id="4" name="Immagine 3">
             <a:extLst>
               <a:ext uri="{FF2B5EF4-FFF2-40B4-BE49-F238E27FC236}">
-                <a16:creationId xmlns:a16="http://schemas.microsoft.com/office/drawing/2014/main" id="{39F9FEBF-2449-D3F8-4D77-33C401C96EC9}"/>
+                <a16:creationId xmlns:a16="http://schemas.microsoft.com/office/drawing/2014/main" id="{68F11151-C0B8-4612-FFDB-06B9C8A1D12B}"/>
               </a:ext>
             </a:extLst>
           </p:cNvPr>
@@ -8056,8 +8891,8 @@
         </p:blipFill>
         <p:spPr>
           <a:xfrm>
-            <a:off x="8091882" y="2857797"/>
-            <a:ext cx="3773821" cy="2600468"/>
+            <a:off x="6949440" y="2615295"/>
+            <a:ext cx="4534852" cy="2449074"/>
           </a:xfrm>
           <a:prstGeom prst="rect">
             <a:avLst/>
@@ -8067,7 +8902,7 @@
     </p:spTree>
     <p:extLst>
       <p:ext uri="{BB962C8B-B14F-4D97-AF65-F5344CB8AC3E}">
-        <p14:creationId xmlns:p14="http://schemas.microsoft.com/office/powerpoint/2010/main" val="2736730313"/>
+        <p14:creationId xmlns:p14="http://schemas.microsoft.com/office/powerpoint/2010/main" val="1980472192"/>
       </p:ext>
     </p:extLst>
   </p:cSld>
@@ -8112,8 +8947,8 @@
         </p:nvSpPr>
         <p:spPr>
           <a:xfrm>
-            <a:off x="326297" y="1213806"/>
-            <a:ext cx="11518700" cy="4392612"/>
+            <a:off x="326297" y="1213805"/>
+            <a:ext cx="7706355" cy="4833033"/>
           </a:xfrm>
         </p:spPr>
         <p:txBody>
@@ -8133,7 +8968,7 @@
                 <a:ea typeface="Tahoma" panose="020B0604030504040204" pitchFamily="34" charset="0"/>
                 <a:cs typeface="Tahoma" panose="020B0604030504040204" pitchFamily="34" charset="0"/>
               </a:rPr>
-              <a:t>ETL</a:t>
+              <a:t>ETL </a:t>
             </a:r>
             <a:r>
               <a:rPr lang="it-IT" sz="2400" dirty="0">
@@ -8144,7 +8979,7 @@
                 <a:ea typeface="Tahoma" panose="020B0604030504040204" pitchFamily="34" charset="0"/>
                 <a:cs typeface="Tahoma" panose="020B0604030504040204" pitchFamily="34" charset="0"/>
               </a:rPr>
-              <a:t>, è un processo di Data Integration (Integrazione Dati) che combina i dati provenienti da diverse sorgenti di dati all’interno di una singola data store consistente che è in genere caricato in un data </a:t>
+              <a:t>fornisce le fondamenta per la data </a:t>
             </a:r>
             <a:r>
               <a:rPr lang="it-IT" sz="2400" dirty="0" err="1">
@@ -8155,7 +8990,7 @@
                 <a:ea typeface="Tahoma" panose="020B0604030504040204" pitchFamily="34" charset="0"/>
                 <a:cs typeface="Tahoma" panose="020B0604030504040204" pitchFamily="34" charset="0"/>
               </a:rPr>
-              <a:t>warehouse</a:t>
+              <a:t>analytics</a:t>
             </a:r>
             <a:r>
               <a:rPr lang="it-IT" sz="2400" dirty="0">
@@ -8166,7 +9001,51 @@
                 <a:ea typeface="Tahoma" panose="020B0604030504040204" pitchFamily="34" charset="0"/>
                 <a:cs typeface="Tahoma" panose="020B0604030504040204" pitchFamily="34" charset="0"/>
               </a:rPr>
-              <a:t> o un sistema Target. </a:t>
+              <a:t> e i </a:t>
+            </a:r>
+            <a:r>
+              <a:rPr lang="it-IT" sz="2400" dirty="0" err="1">
+                <a:solidFill>
+                  <a:schemeClr val="tx1"/>
+                </a:solidFill>
+                <a:latin typeface="Tahoma" panose="020B0604030504040204" pitchFamily="34" charset="0"/>
+                <a:ea typeface="Tahoma" panose="020B0604030504040204" pitchFamily="34" charset="0"/>
+                <a:cs typeface="Tahoma" panose="020B0604030504040204" pitchFamily="34" charset="0"/>
+              </a:rPr>
+              <a:t>workstream</a:t>
+            </a:r>
+            <a:r>
+              <a:rPr lang="it-IT" sz="2400" dirty="0">
+                <a:solidFill>
+                  <a:schemeClr val="tx1"/>
+                </a:solidFill>
+                <a:latin typeface="Tahoma" panose="020B0604030504040204" pitchFamily="34" charset="0"/>
+                <a:ea typeface="Tahoma" panose="020B0604030504040204" pitchFamily="34" charset="0"/>
+                <a:cs typeface="Tahoma" panose="020B0604030504040204" pitchFamily="34" charset="0"/>
+              </a:rPr>
+              <a:t> di machine learning. Attraverso una serie di regole, l’ETL purifica e organizza i dati in un modo che incontra specifici bisogni di business intelligence, come report mensili ma </a:t>
+            </a:r>
+            <a:r>
+              <a:rPr lang="it-IT" sz="2400" dirty="0" err="1">
+                <a:solidFill>
+                  <a:schemeClr val="tx1"/>
+                </a:solidFill>
+                <a:latin typeface="Tahoma" panose="020B0604030504040204" pitchFamily="34" charset="0"/>
+                <a:ea typeface="Tahoma" panose="020B0604030504040204" pitchFamily="34" charset="0"/>
+                <a:cs typeface="Tahoma" panose="020B0604030504040204" pitchFamily="34" charset="0"/>
+              </a:rPr>
+              <a:t>piuò</a:t>
+            </a:r>
+            <a:r>
+              <a:rPr lang="it-IT" sz="2400" dirty="0">
+                <a:solidFill>
+                  <a:schemeClr val="tx1"/>
+                </a:solidFill>
+                <a:latin typeface="Tahoma" panose="020B0604030504040204" pitchFamily="34" charset="0"/>
+                <a:ea typeface="Tahoma" panose="020B0604030504040204" pitchFamily="34" charset="0"/>
+                <a:cs typeface="Tahoma" panose="020B0604030504040204" pitchFamily="34" charset="0"/>
+              </a:rPr>
+              <a:t> anche migliorare i processi di back-end o l’esperienza dell’utente finale. </a:t>
             </a:r>
           </a:p>
           <a:p>
@@ -8183,7 +9062,7 @@
                 <a:ea typeface="Tahoma" panose="020B0604030504040204" pitchFamily="34" charset="0"/>
                 <a:cs typeface="Tahoma" panose="020B0604030504040204" pitchFamily="34" charset="0"/>
               </a:rPr>
-              <a:t>Man mano che i database sono cresciuti in popolarità intorno al 1970, </a:t>
+              <a:t>In genere </a:t>
             </a:r>
             <a:r>
               <a:rPr lang="it-IT" sz="2400" b="1" dirty="0">
@@ -8205,127 +9084,101 @@
                 <a:ea typeface="Tahoma" panose="020B0604030504040204" pitchFamily="34" charset="0"/>
                 <a:cs typeface="Tahoma" panose="020B0604030504040204" pitchFamily="34" charset="0"/>
               </a:rPr>
-              <a:t> fu introdotto come processo di integrazione e caricamento dati per elaborazione ed analisi, e alla fine è divenuto il metodo primario per processare dati per i progetti di data </a:t>
-            </a:r>
-            <a:r>
-              <a:rPr lang="it-IT" sz="2400" b="1" dirty="0">
-                <a:solidFill>
-                  <a:schemeClr val="tx1"/>
-                </a:solidFill>
-                <a:latin typeface="Tahoma" panose="020B0604030504040204" pitchFamily="34" charset="0"/>
-                <a:ea typeface="Tahoma" panose="020B0604030504040204" pitchFamily="34" charset="0"/>
-                <a:cs typeface="Tahoma" panose="020B0604030504040204" pitchFamily="34" charset="0"/>
-              </a:rPr>
-              <a:t>warehousing</a:t>
-            </a:r>
-            <a:r>
-              <a:rPr lang="it-IT" sz="2400" dirty="0">
-                <a:solidFill>
-                  <a:schemeClr val="tx1"/>
-                </a:solidFill>
-                <a:latin typeface="Tahoma" panose="020B0604030504040204" pitchFamily="34" charset="0"/>
-                <a:ea typeface="Tahoma" panose="020B0604030504040204" pitchFamily="34" charset="0"/>
-                <a:cs typeface="Tahoma" panose="020B0604030504040204" pitchFamily="34" charset="0"/>
-              </a:rPr>
-              <a:t>.</a:t>
-            </a:r>
-          </a:p>
-          <a:p>
-            <a:pPr marL="342900" indent="-342900">
-              <a:buFont typeface="Wingdings" panose="05000000000000000000" pitchFamily="2" charset="2"/>
-              <a:buChar char="ü"/>
-            </a:pPr>
-            <a:r>
-              <a:rPr lang="it-IT" sz="2400" dirty="0">
-                <a:solidFill>
-                  <a:schemeClr val="tx1"/>
-                </a:solidFill>
-                <a:latin typeface="Tahoma" panose="020B0604030504040204" pitchFamily="34" charset="0"/>
-                <a:ea typeface="Tahoma" panose="020B0604030504040204" pitchFamily="34" charset="0"/>
-                <a:cs typeface="Tahoma" panose="020B0604030504040204" pitchFamily="34" charset="0"/>
-              </a:rPr>
-              <a:t>Un Enterprise Data </a:t>
-            </a:r>
-            <a:r>
-              <a:rPr lang="it-IT" sz="2400" dirty="0" err="1">
-                <a:solidFill>
-                  <a:schemeClr val="tx1"/>
-                </a:solidFill>
-                <a:latin typeface="Tahoma" panose="020B0604030504040204" pitchFamily="34" charset="0"/>
-                <a:ea typeface="Tahoma" panose="020B0604030504040204" pitchFamily="34" charset="0"/>
-                <a:cs typeface="Tahoma" panose="020B0604030504040204" pitchFamily="34" charset="0"/>
-              </a:rPr>
-              <a:t>Warehouse</a:t>
-            </a:r>
-            <a:r>
-              <a:rPr lang="it-IT" sz="2400" dirty="0">
-                <a:solidFill>
-                  <a:schemeClr val="tx1"/>
-                </a:solidFill>
-                <a:latin typeface="Tahoma" panose="020B0604030504040204" pitchFamily="34" charset="0"/>
-                <a:ea typeface="Tahoma" panose="020B0604030504040204" pitchFamily="34" charset="0"/>
-                <a:cs typeface="Tahoma" panose="020B0604030504040204" pitchFamily="34" charset="0"/>
-              </a:rPr>
-              <a:t> (EDW) è un sistema che aggrega dati provenienti da differenti sorgenti in un singolo data store che supporti processi come: data </a:t>
-            </a:r>
-            <a:r>
-              <a:rPr lang="it-IT" sz="2400" dirty="0" err="1">
-                <a:solidFill>
-                  <a:schemeClr val="tx1"/>
-                </a:solidFill>
-                <a:latin typeface="Tahoma" panose="020B0604030504040204" pitchFamily="34" charset="0"/>
-                <a:ea typeface="Tahoma" panose="020B0604030504040204" pitchFamily="34" charset="0"/>
-                <a:cs typeface="Tahoma" panose="020B0604030504040204" pitchFamily="34" charset="0"/>
-              </a:rPr>
-              <a:t>analysis</a:t>
-            </a:r>
-            <a:r>
-              <a:rPr lang="it-IT" sz="2400" dirty="0">
-                <a:solidFill>
-                  <a:schemeClr val="tx1"/>
-                </a:solidFill>
-                <a:latin typeface="Tahoma" panose="020B0604030504040204" pitchFamily="34" charset="0"/>
-                <a:ea typeface="Tahoma" panose="020B0604030504040204" pitchFamily="34" charset="0"/>
-                <a:cs typeface="Tahoma" panose="020B0604030504040204" pitchFamily="34" charset="0"/>
-              </a:rPr>
-              <a:t>, data mining or </a:t>
-            </a:r>
-            <a:r>
-              <a:rPr lang="it-IT" sz="2400" dirty="0" err="1">
-                <a:solidFill>
-                  <a:schemeClr val="tx1"/>
-                </a:solidFill>
-                <a:latin typeface="Tahoma" panose="020B0604030504040204" pitchFamily="34" charset="0"/>
-                <a:ea typeface="Tahoma" panose="020B0604030504040204" pitchFamily="34" charset="0"/>
-                <a:cs typeface="Tahoma" panose="020B0604030504040204" pitchFamily="34" charset="0"/>
-              </a:rPr>
-              <a:t>Artificial</a:t>
-            </a:r>
-            <a:r>
-              <a:rPr lang="it-IT" sz="2400" dirty="0">
-                <a:solidFill>
-                  <a:schemeClr val="tx1"/>
-                </a:solidFill>
-                <a:latin typeface="Tahoma" panose="020B0604030504040204" pitchFamily="34" charset="0"/>
-                <a:ea typeface="Tahoma" panose="020B0604030504040204" pitchFamily="34" charset="0"/>
-                <a:cs typeface="Tahoma" panose="020B0604030504040204" pitchFamily="34" charset="0"/>
-              </a:rPr>
-              <a:t> Intelligence (AI, ML) </a:t>
-            </a:r>
-          </a:p>
-          <a:p>
-            <a:pPr marL="457200" indent="-457200">
-              <a:buFontTx/>
+              <a:t> è utilizzato dalle organizzazioni per: </a:t>
+            </a:r>
+          </a:p>
+          <a:p>
+            <a:pPr marL="971550" lvl="1" indent="-514350">
               <a:buAutoNum type="arabicParenR"/>
             </a:pPr>
-            <a:endParaRPr lang="it-IT" sz="2400" dirty="0">
-              <a:solidFill>
-                <a:schemeClr val="tx1"/>
-              </a:solidFill>
-              <a:latin typeface="Tahoma" panose="020B0604030504040204" pitchFamily="34" charset="0"/>
-              <a:ea typeface="Tahoma" panose="020B0604030504040204" pitchFamily="34" charset="0"/>
-              <a:cs typeface="Tahoma" panose="020B0604030504040204" pitchFamily="34" charset="0"/>
-            </a:endParaRPr>
+            <a:r>
+              <a:rPr lang="it-IT" sz="2600" b="0" dirty="0">
+                <a:solidFill>
+                  <a:schemeClr val="tx1"/>
+                </a:solidFill>
+                <a:latin typeface="Tahoma" panose="020B0604030504040204" pitchFamily="34" charset="0"/>
+                <a:ea typeface="Tahoma" panose="020B0604030504040204" pitchFamily="34" charset="0"/>
+                <a:cs typeface="Tahoma" panose="020B0604030504040204" pitchFamily="34" charset="0"/>
+              </a:rPr>
+              <a:t>Estrarre dati da sistemi legacy</a:t>
+            </a:r>
+          </a:p>
+          <a:p>
+            <a:pPr marL="971550" lvl="1" indent="-514350">
+              <a:buAutoNum type="arabicParenR"/>
+            </a:pPr>
+            <a:r>
+              <a:rPr lang="it-IT" sz="2600" b="0" dirty="0">
+                <a:solidFill>
+                  <a:schemeClr val="tx1"/>
+                </a:solidFill>
+                <a:latin typeface="Tahoma" panose="020B0604030504040204" pitchFamily="34" charset="0"/>
+                <a:ea typeface="Tahoma" panose="020B0604030504040204" pitchFamily="34" charset="0"/>
+                <a:cs typeface="Tahoma" panose="020B0604030504040204" pitchFamily="34" charset="0"/>
+              </a:rPr>
+              <a:t>Ripulire i dati per </a:t>
+            </a:r>
+            <a:r>
+              <a:rPr lang="it-IT" sz="2600" b="0" dirty="0" err="1">
+                <a:solidFill>
+                  <a:schemeClr val="tx1"/>
+                </a:solidFill>
+                <a:latin typeface="Tahoma" panose="020B0604030504040204" pitchFamily="34" charset="0"/>
+                <a:ea typeface="Tahoma" panose="020B0604030504040204" pitchFamily="34" charset="0"/>
+                <a:cs typeface="Tahoma" panose="020B0604030504040204" pitchFamily="34" charset="0"/>
+              </a:rPr>
+              <a:t>miglirarne</a:t>
+            </a:r>
+            <a:r>
+              <a:rPr lang="it-IT" sz="2600" b="0" dirty="0">
+                <a:solidFill>
+                  <a:schemeClr val="tx1"/>
+                </a:solidFill>
+                <a:latin typeface="Tahoma" panose="020B0604030504040204" pitchFamily="34" charset="0"/>
+                <a:ea typeface="Tahoma" panose="020B0604030504040204" pitchFamily="34" charset="0"/>
+                <a:cs typeface="Tahoma" panose="020B0604030504040204" pitchFamily="34" charset="0"/>
+              </a:rPr>
+              <a:t> la qualità e </a:t>
+            </a:r>
+          </a:p>
+          <a:p>
+            <a:pPr lvl="1"/>
+            <a:r>
+              <a:rPr lang="it-IT" sz="2600" b="0" dirty="0">
+                <a:solidFill>
+                  <a:schemeClr val="tx1"/>
+                </a:solidFill>
+                <a:latin typeface="Tahoma" panose="020B0604030504040204" pitchFamily="34" charset="0"/>
+                <a:ea typeface="Tahoma" panose="020B0604030504040204" pitchFamily="34" charset="0"/>
+                <a:cs typeface="Tahoma" panose="020B0604030504040204" pitchFamily="34" charset="0"/>
+              </a:rPr>
+              <a:t>	renderli consistenti</a:t>
+            </a:r>
+          </a:p>
+          <a:p>
+            <a:pPr lvl="1"/>
+            <a:r>
+              <a:rPr lang="it-IT" sz="2600" b="0" dirty="0">
+                <a:solidFill>
+                  <a:srgbClr val="FF0000"/>
+                </a:solidFill>
+                <a:latin typeface="Tahoma" panose="020B0604030504040204" pitchFamily="34" charset="0"/>
+                <a:ea typeface="Tahoma" panose="020B0604030504040204" pitchFamily="34" charset="0"/>
+                <a:cs typeface="Tahoma" panose="020B0604030504040204" pitchFamily="34" charset="0"/>
+              </a:rPr>
+              <a:t>3) </a:t>
+            </a:r>
+            <a:r>
+              <a:rPr lang="it-IT" sz="2600" b="0" dirty="0">
+                <a:solidFill>
+                  <a:schemeClr val="tx1"/>
+                </a:solidFill>
+                <a:latin typeface="Tahoma" panose="020B0604030504040204" pitchFamily="34" charset="0"/>
+                <a:ea typeface="Tahoma" panose="020B0604030504040204" pitchFamily="34" charset="0"/>
+                <a:cs typeface="Tahoma" panose="020B0604030504040204" pitchFamily="34" charset="0"/>
+              </a:rPr>
+              <a:t>Caricare i dati all’interno di un database target</a:t>
+            </a:r>
           </a:p>
         </p:txBody>
       </p:sp>
@@ -8416,10 +9269,10 @@
       </p:sp>
       <p:pic>
         <p:nvPicPr>
-          <p:cNvPr id="4" name="Immagine 3">
+          <p:cNvPr id="6" name="Immagine 5" descr="Immagine che contiene testo&#10;&#10;Descrizione generata automaticamente">
             <a:extLst>
               <a:ext uri="{FF2B5EF4-FFF2-40B4-BE49-F238E27FC236}">
-                <a16:creationId xmlns:a16="http://schemas.microsoft.com/office/drawing/2014/main" id="{F086394A-6065-C8CF-4979-81B8F4EA4859}"/>
+                <a16:creationId xmlns:a16="http://schemas.microsoft.com/office/drawing/2014/main" id="{39F9FEBF-2449-D3F8-4D77-33C401C96EC9}"/>
               </a:ext>
             </a:extLst>
           </p:cNvPr>
@@ -8436,8 +9289,8 @@
         </p:blipFill>
         <p:spPr>
           <a:xfrm>
-            <a:off x="8088923" y="4951829"/>
-            <a:ext cx="3776780" cy="1742110"/>
+            <a:off x="8091882" y="2857797"/>
+            <a:ext cx="3773821" cy="2600468"/>
           </a:xfrm>
           <a:prstGeom prst="rect">
             <a:avLst/>
@@ -8447,7 +9300,7 @@
     </p:spTree>
     <p:extLst>
       <p:ext uri="{BB962C8B-B14F-4D97-AF65-F5344CB8AC3E}">
-        <p14:creationId xmlns:p14="http://schemas.microsoft.com/office/powerpoint/2010/main" val="95832058"/>
+        <p14:creationId xmlns:p14="http://schemas.microsoft.com/office/powerpoint/2010/main" val="2736730313"/>
       </p:ext>
     </p:extLst>
   </p:cSld>
@@ -8492,7 +9345,7 @@
         </p:nvSpPr>
         <p:spPr>
           <a:xfrm>
-            <a:off x="326297" y="1213806"/>
+            <a:off x="336650" y="1115332"/>
             <a:ext cx="11518700" cy="4392612"/>
           </a:xfrm>
         </p:spPr>
@@ -8505,6 +9358,17 @@
               <a:buChar char="ü"/>
             </a:pPr>
             <a:r>
+              <a:rPr lang="it-IT" sz="2400" dirty="0">
+                <a:solidFill>
+                  <a:schemeClr val="tx1"/>
+                </a:solidFill>
+                <a:latin typeface="Tahoma" panose="020B0604030504040204" pitchFamily="34" charset="0"/>
+                <a:ea typeface="Tahoma" panose="020B0604030504040204" pitchFamily="34" charset="0"/>
+                <a:cs typeface="Tahoma" panose="020B0604030504040204" pitchFamily="34" charset="0"/>
+              </a:rPr>
+              <a:t>La più semplice differenza tra </a:t>
+            </a:r>
+            <a:r>
               <a:rPr lang="it-IT" sz="2400" b="1" dirty="0">
                 <a:solidFill>
                   <a:schemeClr val="tx1"/>
@@ -8513,7 +9377,7 @@
                 <a:ea typeface="Tahoma" panose="020B0604030504040204" pitchFamily="34" charset="0"/>
                 <a:cs typeface="Tahoma" panose="020B0604030504040204" pitchFamily="34" charset="0"/>
               </a:rPr>
-              <a:t>ETL</a:t>
+              <a:t>ETL </a:t>
             </a:r>
             <a:r>
               <a:rPr lang="it-IT" sz="2400" dirty="0">
@@ -8524,18 +9388,18 @@
                 <a:ea typeface="Tahoma" panose="020B0604030504040204" pitchFamily="34" charset="0"/>
                 <a:cs typeface="Tahoma" panose="020B0604030504040204" pitchFamily="34" charset="0"/>
               </a:rPr>
-              <a:t>, è un processo di Data Integration (Integrazione Dati) che combina i dati provenienti da diverse sorgenti di dati all’interno di una singola data store consistente che è in genere caricato in un data </a:t>
-            </a:r>
-            <a:r>
-              <a:rPr lang="it-IT" sz="2400" dirty="0" err="1">
-                <a:solidFill>
-                  <a:schemeClr val="tx1"/>
-                </a:solidFill>
-                <a:latin typeface="Tahoma" panose="020B0604030504040204" pitchFamily="34" charset="0"/>
-                <a:ea typeface="Tahoma" panose="020B0604030504040204" pitchFamily="34" charset="0"/>
-                <a:cs typeface="Tahoma" panose="020B0604030504040204" pitchFamily="34" charset="0"/>
-              </a:rPr>
-              <a:t>warehouse</a:t>
+              <a:t>e </a:t>
+            </a:r>
+            <a:r>
+              <a:rPr lang="it-IT" sz="2400" b="1" dirty="0">
+                <a:solidFill>
+                  <a:schemeClr val="tx1"/>
+                </a:solidFill>
+                <a:latin typeface="Tahoma" panose="020B0604030504040204" pitchFamily="34" charset="0"/>
+                <a:ea typeface="Tahoma" panose="020B0604030504040204" pitchFamily="34" charset="0"/>
+                <a:cs typeface="Tahoma" panose="020B0604030504040204" pitchFamily="34" charset="0"/>
+              </a:rPr>
+              <a:t>ELT </a:t>
             </a:r>
             <a:r>
               <a:rPr lang="it-IT" sz="2400" dirty="0">
@@ -8546,7 +9410,51 @@
                 <a:ea typeface="Tahoma" panose="020B0604030504040204" pitchFamily="34" charset="0"/>
                 <a:cs typeface="Tahoma" panose="020B0604030504040204" pitchFamily="34" charset="0"/>
               </a:rPr>
-              <a:t> o un sistema Target. </a:t>
+              <a:t>è in termini di operazioni. </a:t>
+            </a:r>
+            <a:r>
+              <a:rPr lang="it-IT" sz="2400" b="1" dirty="0">
+                <a:solidFill>
+                  <a:schemeClr val="tx1"/>
+                </a:solidFill>
+                <a:latin typeface="Tahoma" panose="020B0604030504040204" pitchFamily="34" charset="0"/>
+                <a:ea typeface="Tahoma" panose="020B0604030504040204" pitchFamily="34" charset="0"/>
+                <a:cs typeface="Tahoma" panose="020B0604030504040204" pitchFamily="34" charset="0"/>
+              </a:rPr>
+              <a:t>ELT </a:t>
+            </a:r>
+            <a:r>
+              <a:rPr lang="it-IT" sz="2400" dirty="0">
+                <a:solidFill>
+                  <a:schemeClr val="tx1"/>
+                </a:solidFill>
+                <a:latin typeface="Tahoma" panose="020B0604030504040204" pitchFamily="34" charset="0"/>
+                <a:ea typeface="Tahoma" panose="020B0604030504040204" pitchFamily="34" charset="0"/>
+                <a:cs typeface="Tahoma" panose="020B0604030504040204" pitchFamily="34" charset="0"/>
+              </a:rPr>
+              <a:t>copia ed esporta i dati dalle sorgenti, ma invece di caricarli in su un’area per la trasformazione successiva, </a:t>
+            </a:r>
+            <a:r>
+              <a:rPr lang="it-IT" sz="2400" b="1" dirty="0">
+                <a:solidFill>
+                  <a:schemeClr val="tx1"/>
+                </a:solidFill>
+                <a:latin typeface="Tahoma" panose="020B0604030504040204" pitchFamily="34" charset="0"/>
+                <a:ea typeface="Tahoma" panose="020B0604030504040204" pitchFamily="34" charset="0"/>
+                <a:cs typeface="Tahoma" panose="020B0604030504040204" pitchFamily="34" charset="0"/>
+              </a:rPr>
+              <a:t>l’ELT</a:t>
+            </a:r>
+            <a:r>
+              <a:rPr lang="it-IT" sz="2400" dirty="0">
+                <a:solidFill>
+                  <a:schemeClr val="tx1"/>
+                </a:solidFill>
+                <a:latin typeface="Tahoma" panose="020B0604030504040204" pitchFamily="34" charset="0"/>
+                <a:ea typeface="Tahoma" panose="020B0604030504040204" pitchFamily="34" charset="0"/>
+                <a:cs typeface="Tahoma" panose="020B0604030504040204" pitchFamily="34" charset="0"/>
+              </a:rPr>
+              <a:t> carica i dati grezzi direttamente sullo store di target dei dati per poter essere trasformati alla bisogna.</a:t>
             </a:r>
           </a:p>
           <a:p>
@@ -8555,6 +9463,66 @@
               <a:buChar char="ü"/>
             </a:pPr>
             <a:r>
+              <a:rPr lang="it-IT" sz="2400" b="0" i="0" dirty="0">
+                <a:solidFill>
+                  <a:schemeClr val="tx1"/>
+                </a:solidFill>
+                <a:effectLst/>
+                <a:latin typeface="Tahoma" panose="020B0604030504040204" pitchFamily="34" charset="0"/>
+                <a:ea typeface="Tahoma" panose="020B0604030504040204" pitchFamily="34" charset="0"/>
+                <a:cs typeface="Tahoma" panose="020B0604030504040204" pitchFamily="34" charset="0"/>
+              </a:rPr>
+              <a:t>Mentre entrambi </a:t>
+            </a:r>
+            <a:r>
+              <a:rPr lang="it-IT" sz="2400" b="1" i="0" dirty="0">
+                <a:solidFill>
+                  <a:schemeClr val="tx1"/>
+                </a:solidFill>
+                <a:effectLst/>
+                <a:latin typeface="Tahoma" panose="020B0604030504040204" pitchFamily="34" charset="0"/>
+                <a:ea typeface="Tahoma" panose="020B0604030504040204" pitchFamily="34" charset="0"/>
+                <a:cs typeface="Tahoma" panose="020B0604030504040204" pitchFamily="34" charset="0"/>
+              </a:rPr>
+              <a:t>ETL</a:t>
+            </a:r>
+            <a:r>
+              <a:rPr lang="it-IT" sz="2400" b="0" i="0" dirty="0">
+                <a:solidFill>
+                  <a:schemeClr val="tx1"/>
+                </a:solidFill>
+                <a:effectLst/>
+                <a:latin typeface="Tahoma" panose="020B0604030504040204" pitchFamily="34" charset="0"/>
+                <a:ea typeface="Tahoma" panose="020B0604030504040204" pitchFamily="34" charset="0"/>
+                <a:cs typeface="Tahoma" panose="020B0604030504040204" pitchFamily="34" charset="0"/>
+              </a:rPr>
+              <a:t> e </a:t>
+            </a:r>
+            <a:r>
+              <a:rPr lang="it-IT" sz="2400" b="1" i="0" dirty="0">
+                <a:solidFill>
+                  <a:schemeClr val="tx1"/>
+                </a:solidFill>
+                <a:effectLst/>
+                <a:latin typeface="Tahoma" panose="020B0604030504040204" pitchFamily="34" charset="0"/>
+                <a:ea typeface="Tahoma" panose="020B0604030504040204" pitchFamily="34" charset="0"/>
+                <a:cs typeface="Tahoma" panose="020B0604030504040204" pitchFamily="34" charset="0"/>
+              </a:rPr>
+              <a:t>ELT </a:t>
+            </a:r>
+            <a:r>
+              <a:rPr lang="it-IT" sz="2400" i="0" dirty="0">
+                <a:solidFill>
+                  <a:schemeClr val="tx1"/>
+                </a:solidFill>
+                <a:effectLst/>
+                <a:latin typeface="Tahoma" panose="020B0604030504040204" pitchFamily="34" charset="0"/>
+                <a:ea typeface="Tahoma" panose="020B0604030504040204" pitchFamily="34" charset="0"/>
+                <a:cs typeface="Tahoma" panose="020B0604030504040204" pitchFamily="34" charset="0"/>
+              </a:rPr>
+              <a:t>fanno le</a:t>
+            </a:r>
+            <a:r>
               <a:rPr lang="it-IT" sz="2400" dirty="0">
                 <a:solidFill>
                   <a:schemeClr val="tx1"/>
@@ -8563,18 +9531,18 @@
                 <a:ea typeface="Tahoma" panose="020B0604030504040204" pitchFamily="34" charset="0"/>
                 <a:cs typeface="Tahoma" panose="020B0604030504040204" pitchFamily="34" charset="0"/>
               </a:rPr>
-              <a:t>Man mano che i database sono cresciuti in popolarità intorno al 1970, </a:t>
-            </a:r>
-            <a:r>
-              <a:rPr lang="it-IT" sz="2400" b="1" dirty="0">
-                <a:solidFill>
-                  <a:schemeClr val="tx1"/>
-                </a:solidFill>
-                <a:latin typeface="Tahoma" panose="020B0604030504040204" pitchFamily="34" charset="0"/>
-                <a:ea typeface="Tahoma" panose="020B0604030504040204" pitchFamily="34" charset="0"/>
-                <a:cs typeface="Tahoma" panose="020B0604030504040204" pitchFamily="34" charset="0"/>
-              </a:rPr>
-              <a:t>l’ETL</a:t>
+              <a:t>va su una varietà di repository di dati, quali database, data </a:t>
+            </a:r>
+            <a:r>
+              <a:rPr lang="it-IT" sz="2400" dirty="0" err="1">
+                <a:solidFill>
+                  <a:schemeClr val="tx1"/>
+                </a:solidFill>
+                <a:latin typeface="Tahoma" panose="020B0604030504040204" pitchFamily="34" charset="0"/>
+                <a:ea typeface="Tahoma" panose="020B0604030504040204" pitchFamily="34" charset="0"/>
+                <a:cs typeface="Tahoma" panose="020B0604030504040204" pitchFamily="34" charset="0"/>
+              </a:rPr>
+              <a:t>warehouse</a:t>
             </a:r>
             <a:r>
               <a:rPr lang="it-IT" sz="2400" dirty="0">
@@ -8585,18 +9553,18 @@
                 <a:ea typeface="Tahoma" panose="020B0604030504040204" pitchFamily="34" charset="0"/>
                 <a:cs typeface="Tahoma" panose="020B0604030504040204" pitchFamily="34" charset="0"/>
               </a:rPr>
-              <a:t> fu introdotto come processo di integrazione e caricamento dati per elaborazione ed analisi, e alla fine è divenuto il metodo primario per processare dati per i progetti di data </a:t>
-            </a:r>
-            <a:r>
-              <a:rPr lang="it-IT" sz="2400" b="1" dirty="0">
-                <a:solidFill>
-                  <a:schemeClr val="tx1"/>
-                </a:solidFill>
-                <a:latin typeface="Tahoma" panose="020B0604030504040204" pitchFamily="34" charset="0"/>
-                <a:ea typeface="Tahoma" panose="020B0604030504040204" pitchFamily="34" charset="0"/>
-                <a:cs typeface="Tahoma" panose="020B0604030504040204" pitchFamily="34" charset="0"/>
-              </a:rPr>
-              <a:t>warehousing</a:t>
+              <a:t> e data </a:t>
+            </a:r>
+            <a:r>
+              <a:rPr lang="it-IT" sz="2400" dirty="0" err="1">
+                <a:solidFill>
+                  <a:schemeClr val="tx1"/>
+                </a:solidFill>
+                <a:latin typeface="Tahoma" panose="020B0604030504040204" pitchFamily="34" charset="0"/>
+                <a:ea typeface="Tahoma" panose="020B0604030504040204" pitchFamily="34" charset="0"/>
+                <a:cs typeface="Tahoma" panose="020B0604030504040204" pitchFamily="34" charset="0"/>
+              </a:rPr>
+              <a:t>lake</a:t>
             </a:r>
             <a:r>
               <a:rPr lang="it-IT" sz="2400" dirty="0">
@@ -8607,104 +9575,189 @@
                 <a:ea typeface="Tahoma" panose="020B0604030504040204" pitchFamily="34" charset="0"/>
                 <a:cs typeface="Tahoma" panose="020B0604030504040204" pitchFamily="34" charset="0"/>
               </a:rPr>
-              <a:t>.</a:t>
-            </a:r>
-          </a:p>
-          <a:p>
-            <a:pPr marL="342900" indent="-342900">
-              <a:buFont typeface="Wingdings" panose="05000000000000000000" pitchFamily="2" charset="2"/>
-              <a:buChar char="ü"/>
+              <a:t>, ciascuno dei due processi possiede i suoi vantaggi e svantaggi. </a:t>
+            </a:r>
+          </a:p>
+          <a:p>
+            <a:pPr marL="1828800" lvl="3" indent="-457200">
+              <a:buFont typeface="+mj-lt"/>
+              <a:buAutoNum type="arabicPeriod"/>
             </a:pPr>
             <a:r>
-              <a:rPr lang="it-IT" sz="2400" dirty="0">
-                <a:solidFill>
-                  <a:schemeClr val="tx1"/>
-                </a:solidFill>
-                <a:latin typeface="Tahoma" panose="020B0604030504040204" pitchFamily="34" charset="0"/>
-                <a:ea typeface="Tahoma" panose="020B0604030504040204" pitchFamily="34" charset="0"/>
-                <a:cs typeface="Tahoma" panose="020B0604030504040204" pitchFamily="34" charset="0"/>
-              </a:rPr>
-              <a:t>Un Enterprise Data </a:t>
-            </a:r>
-            <a:r>
-              <a:rPr lang="it-IT" sz="2400" dirty="0" err="1">
-                <a:solidFill>
-                  <a:schemeClr val="tx1"/>
-                </a:solidFill>
-                <a:latin typeface="Tahoma" panose="020B0604030504040204" pitchFamily="34" charset="0"/>
-                <a:ea typeface="Tahoma" panose="020B0604030504040204" pitchFamily="34" charset="0"/>
-                <a:cs typeface="Tahoma" panose="020B0604030504040204" pitchFamily="34" charset="0"/>
-              </a:rPr>
-              <a:t>Warehouse</a:t>
-            </a:r>
-            <a:r>
-              <a:rPr lang="it-IT" sz="2400" dirty="0">
-                <a:solidFill>
-                  <a:schemeClr val="tx1"/>
-                </a:solidFill>
-                <a:latin typeface="Tahoma" panose="020B0604030504040204" pitchFamily="34" charset="0"/>
-                <a:ea typeface="Tahoma" panose="020B0604030504040204" pitchFamily="34" charset="0"/>
-                <a:cs typeface="Tahoma" panose="020B0604030504040204" pitchFamily="34" charset="0"/>
-              </a:rPr>
-              <a:t> (EDW) è un sistema che aggrega dati provenienti da differenti sorgenti in un singolo data store che supporti processi come: data </a:t>
-            </a:r>
-            <a:r>
-              <a:rPr lang="it-IT" sz="2400" dirty="0" err="1">
-                <a:solidFill>
-                  <a:schemeClr val="tx1"/>
-                </a:solidFill>
-                <a:latin typeface="Tahoma" panose="020B0604030504040204" pitchFamily="34" charset="0"/>
-                <a:ea typeface="Tahoma" panose="020B0604030504040204" pitchFamily="34" charset="0"/>
-                <a:cs typeface="Tahoma" panose="020B0604030504040204" pitchFamily="34" charset="0"/>
-              </a:rPr>
-              <a:t>analysis</a:t>
-            </a:r>
-            <a:r>
-              <a:rPr lang="it-IT" sz="2400" dirty="0">
-                <a:solidFill>
-                  <a:schemeClr val="tx1"/>
-                </a:solidFill>
-                <a:latin typeface="Tahoma" panose="020B0604030504040204" pitchFamily="34" charset="0"/>
-                <a:ea typeface="Tahoma" panose="020B0604030504040204" pitchFamily="34" charset="0"/>
-                <a:cs typeface="Tahoma" panose="020B0604030504040204" pitchFamily="34" charset="0"/>
-              </a:rPr>
-              <a:t>, data mining or </a:t>
-            </a:r>
-            <a:r>
-              <a:rPr lang="it-IT" sz="2400" dirty="0" err="1">
-                <a:solidFill>
-                  <a:schemeClr val="tx1"/>
-                </a:solidFill>
-                <a:latin typeface="Tahoma" panose="020B0604030504040204" pitchFamily="34" charset="0"/>
-                <a:ea typeface="Tahoma" panose="020B0604030504040204" pitchFamily="34" charset="0"/>
-                <a:cs typeface="Tahoma" panose="020B0604030504040204" pitchFamily="34" charset="0"/>
-              </a:rPr>
-              <a:t>Artificial</a:t>
-            </a:r>
-            <a:r>
-              <a:rPr lang="it-IT" sz="2400" dirty="0">
-                <a:solidFill>
-                  <a:schemeClr val="tx1"/>
-                </a:solidFill>
-                <a:latin typeface="Tahoma" panose="020B0604030504040204" pitchFamily="34" charset="0"/>
-                <a:ea typeface="Tahoma" panose="020B0604030504040204" pitchFamily="34" charset="0"/>
-                <a:cs typeface="Tahoma" panose="020B0604030504040204" pitchFamily="34" charset="0"/>
-              </a:rPr>
-              <a:t> Intelligence (AI, ML) </a:t>
-            </a:r>
-          </a:p>
-          <a:p>
-            <a:pPr marL="457200" indent="-457200">
-              <a:buFontTx/>
-              <a:buAutoNum type="arabicParenR"/>
+              <a:rPr lang="it-IT" sz="2200" b="1" i="0" dirty="0">
+                <a:solidFill>
+                  <a:schemeClr val="tx1"/>
+                </a:solidFill>
+                <a:effectLst/>
+                <a:latin typeface="Tahoma" panose="020B0604030504040204" pitchFamily="34" charset="0"/>
+                <a:ea typeface="Tahoma" panose="020B0604030504040204" pitchFamily="34" charset="0"/>
+                <a:cs typeface="Tahoma" panose="020B0604030504040204" pitchFamily="34" charset="0"/>
+              </a:rPr>
+              <a:t>ETL </a:t>
+            </a:r>
+            <a:r>
+              <a:rPr lang="it-IT" sz="2200" b="0" i="0" dirty="0">
+                <a:solidFill>
+                  <a:schemeClr val="tx1"/>
+                </a:solidFill>
+                <a:effectLst/>
+                <a:latin typeface="Tahoma" panose="020B0604030504040204" pitchFamily="34" charset="0"/>
+                <a:ea typeface="Tahoma" panose="020B0604030504040204" pitchFamily="34" charset="0"/>
+                <a:cs typeface="Tahoma" panose="020B0604030504040204" pitchFamily="34" charset="0"/>
+              </a:rPr>
+              <a:t>è particolarmente utile per dataset ad alto volume non strutturati dal momento che il caricamento può avvenire direttamente dalla sorgente. Questo processo richiede più definizione all’inizio, le regole di business per la data </a:t>
+            </a:r>
+            <a:r>
+              <a:rPr lang="it-IT" sz="2200" b="0" i="0" dirty="0" err="1">
+                <a:solidFill>
+                  <a:schemeClr val="tx1"/>
+                </a:solidFill>
+                <a:effectLst/>
+                <a:latin typeface="Tahoma" panose="020B0604030504040204" pitchFamily="34" charset="0"/>
+                <a:ea typeface="Tahoma" panose="020B0604030504040204" pitchFamily="34" charset="0"/>
+                <a:cs typeface="Tahoma" panose="020B0604030504040204" pitchFamily="34" charset="0"/>
+              </a:rPr>
+              <a:t>transformation</a:t>
+            </a:r>
+            <a:r>
+              <a:rPr lang="it-IT" sz="2200" b="0" i="0" dirty="0">
+                <a:solidFill>
+                  <a:schemeClr val="tx1"/>
+                </a:solidFill>
+                <a:effectLst/>
+                <a:latin typeface="Tahoma" panose="020B0604030504040204" pitchFamily="34" charset="0"/>
+                <a:ea typeface="Tahoma" panose="020B0604030504040204" pitchFamily="34" charset="0"/>
+                <a:cs typeface="Tahoma" panose="020B0604030504040204" pitchFamily="34" charset="0"/>
+              </a:rPr>
+              <a:t> hanno bisogno di essere costruite. </a:t>
+            </a:r>
+          </a:p>
+          <a:p>
+            <a:pPr marL="1828800" lvl="3" indent="-457200">
+              <a:buFont typeface="+mj-lt"/>
+              <a:buAutoNum type="arabicPeriod"/>
             </a:pPr>
-            <a:endParaRPr lang="it-IT" sz="2400" dirty="0">
+            <a:r>
+              <a:rPr lang="it-IT" sz="2200" dirty="0">
+                <a:solidFill>
+                  <a:schemeClr val="tx1"/>
+                </a:solidFill>
+                <a:latin typeface="Tahoma" panose="020B0604030504040204" pitchFamily="34" charset="0"/>
+                <a:ea typeface="Tahoma" panose="020B0604030504040204" pitchFamily="34" charset="0"/>
+                <a:cs typeface="Tahoma" panose="020B0604030504040204" pitchFamily="34" charset="0"/>
+              </a:rPr>
+              <a:t>ELT</a:t>
+            </a:r>
+            <a:r>
+              <a:rPr lang="it-IT" sz="2200" b="0" dirty="0">
+                <a:solidFill>
+                  <a:schemeClr val="tx1"/>
+                </a:solidFill>
+                <a:latin typeface="Tahoma" panose="020B0604030504040204" pitchFamily="34" charset="0"/>
+                <a:ea typeface="Tahoma" panose="020B0604030504040204" pitchFamily="34" charset="0"/>
+                <a:cs typeface="Tahoma" panose="020B0604030504040204" pitchFamily="34" charset="0"/>
+              </a:rPr>
+              <a:t> è più ideale per nel </a:t>
+            </a:r>
+            <a:r>
+              <a:rPr lang="it-IT" sz="2200" b="0" dirty="0">
+                <a:solidFill>
+                  <a:schemeClr val="tx1"/>
+                </a:solidFill>
+                <a:effectLst/>
+                <a:latin typeface="Tahoma" panose="020B0604030504040204" pitchFamily="34" charset="0"/>
+                <a:ea typeface="Tahoma" panose="020B0604030504040204" pitchFamily="34" charset="0"/>
+                <a:cs typeface="Tahoma" panose="020B0604030504040204" pitchFamily="34" charset="0"/>
+              </a:rPr>
+              <a:t>mondo dei Big Data dal momento che non richiede una progettazione anticipata per la data </a:t>
+            </a:r>
+            <a:r>
+              <a:rPr lang="it-IT" sz="2200" b="0" dirty="0" err="1">
+                <a:solidFill>
+                  <a:schemeClr val="tx1"/>
+                </a:solidFill>
+                <a:effectLst/>
+                <a:latin typeface="Tahoma" panose="020B0604030504040204" pitchFamily="34" charset="0"/>
+                <a:ea typeface="Tahoma" panose="020B0604030504040204" pitchFamily="34" charset="0"/>
+                <a:cs typeface="Tahoma" panose="020B0604030504040204" pitchFamily="34" charset="0"/>
+              </a:rPr>
+              <a:t>extraction</a:t>
+            </a:r>
+            <a:r>
+              <a:rPr lang="it-IT" sz="2200" b="0" dirty="0">
+                <a:solidFill>
+                  <a:schemeClr val="tx1"/>
+                </a:solidFill>
+                <a:effectLst/>
+                <a:latin typeface="Tahoma" panose="020B0604030504040204" pitchFamily="34" charset="0"/>
+                <a:ea typeface="Tahoma" panose="020B0604030504040204" pitchFamily="34" charset="0"/>
+                <a:cs typeface="Tahoma" panose="020B0604030504040204" pitchFamily="34" charset="0"/>
+              </a:rPr>
+              <a:t> e lo storage dei dati. </a:t>
+            </a:r>
+            <a:r>
+              <a:rPr lang="it-IT" sz="2200" dirty="0">
+                <a:solidFill>
+                  <a:schemeClr val="tx1"/>
+                </a:solidFill>
+                <a:effectLst/>
+                <a:latin typeface="Tahoma" panose="020B0604030504040204" pitchFamily="34" charset="0"/>
+                <a:ea typeface="Tahoma" panose="020B0604030504040204" pitchFamily="34" charset="0"/>
+                <a:cs typeface="Tahoma" panose="020B0604030504040204" pitchFamily="34" charset="0"/>
+              </a:rPr>
+              <a:t>ELT </a:t>
+            </a:r>
+            <a:r>
+              <a:rPr lang="it-IT" sz="2200" b="0" dirty="0">
+                <a:solidFill>
+                  <a:schemeClr val="tx1"/>
+                </a:solidFill>
+                <a:effectLst/>
+                <a:latin typeface="Tahoma" panose="020B0604030504040204" pitchFamily="34" charset="0"/>
+                <a:ea typeface="Tahoma" panose="020B0604030504040204" pitchFamily="34" charset="0"/>
+                <a:cs typeface="Tahoma" panose="020B0604030504040204" pitchFamily="34" charset="0"/>
+              </a:rPr>
+              <a:t>è divenuto più popolare con l’adozione dei database su cloud</a:t>
+            </a:r>
+            <a:r>
+              <a:rPr lang="it-IT" sz="2200" b="0" dirty="0">
+                <a:solidFill>
+                  <a:schemeClr val="tx1"/>
+                </a:solidFill>
+                <a:latin typeface="Tahoma" panose="020B0604030504040204" pitchFamily="34" charset="0"/>
+                <a:ea typeface="Tahoma" panose="020B0604030504040204" pitchFamily="34" charset="0"/>
+                <a:cs typeface="Tahoma" panose="020B0604030504040204" pitchFamily="34" charset="0"/>
+              </a:rPr>
+              <a:t>, anche se non ci sono ancora molte best practices su </a:t>
+            </a:r>
+            <a:r>
+              <a:rPr lang="it-IT" sz="2200" dirty="0">
+                <a:solidFill>
+                  <a:schemeClr val="tx1"/>
+                </a:solidFill>
+                <a:latin typeface="Tahoma" panose="020B0604030504040204" pitchFamily="34" charset="0"/>
+                <a:ea typeface="Tahoma" panose="020B0604030504040204" pitchFamily="34" charset="0"/>
+                <a:cs typeface="Tahoma" panose="020B0604030504040204" pitchFamily="34" charset="0"/>
+              </a:rPr>
+              <a:t>ELT</a:t>
+            </a:r>
+            <a:r>
+              <a:rPr lang="it-IT" sz="2200" b="0" dirty="0">
+                <a:solidFill>
+                  <a:schemeClr val="tx1"/>
+                </a:solidFill>
+                <a:latin typeface="Tahoma" panose="020B0604030504040204" pitchFamily="34" charset="0"/>
+                <a:ea typeface="Tahoma" panose="020B0604030504040204" pitchFamily="34" charset="0"/>
+                <a:cs typeface="Tahoma" panose="020B0604030504040204" pitchFamily="34" charset="0"/>
+              </a:rPr>
+              <a:t>. </a:t>
+            </a:r>
+            <a:endParaRPr lang="en-US" sz="2400" b="0" i="0" dirty="0">
               <a:solidFill>
-                <a:schemeClr val="tx1"/>
+                <a:srgbClr val="525252"/>
               </a:solidFill>
-              <a:latin typeface="Tahoma" panose="020B0604030504040204" pitchFamily="34" charset="0"/>
-              <a:ea typeface="Tahoma" panose="020B0604030504040204" pitchFamily="34" charset="0"/>
-              <a:cs typeface="Tahoma" panose="020B0604030504040204" pitchFamily="34" charset="0"/>
+              <a:effectLst/>
+              <a:latin typeface="IBM Plex Sans" panose="020B0503050203000203" pitchFamily="34" charset="0"/>
             </a:endParaRPr>
           </a:p>
         </p:txBody>
@@ -8772,58 +9825,12 @@
           <a:p>
             <a:r>
               <a:rPr lang="it-IT" altLang="it-IT" dirty="0"/>
-              <a:t>ETL – </a:t>
-            </a:r>
-            <a:r>
-              <a:rPr lang="it-IT" altLang="it-IT" dirty="0" err="1"/>
-              <a:t>Extract</a:t>
-            </a:r>
-            <a:r>
-              <a:rPr lang="it-IT" altLang="it-IT" dirty="0"/>
-              <a:t>, </a:t>
-            </a:r>
-            <a:r>
-              <a:rPr lang="it-IT" altLang="it-IT" dirty="0" err="1"/>
-              <a:t>Transform</a:t>
-            </a:r>
-            <a:r>
-              <a:rPr lang="it-IT" altLang="it-IT" dirty="0"/>
-              <a:t> and Load</a:t>
+              <a:t>ETL versus ELT</a:t>
             </a:r>
             <a:endParaRPr lang="it-IT" dirty="0"/>
           </a:p>
         </p:txBody>
       </p:sp>
-      <p:pic>
-        <p:nvPicPr>
-          <p:cNvPr id="4" name="Immagine 3">
-            <a:extLst>
-              <a:ext uri="{FF2B5EF4-FFF2-40B4-BE49-F238E27FC236}">
-                <a16:creationId xmlns:a16="http://schemas.microsoft.com/office/drawing/2014/main" id="{F086394A-6065-C8CF-4979-81B8F4EA4859}"/>
-              </a:ext>
-            </a:extLst>
-          </p:cNvPr>
-          <p:cNvPicPr>
-            <a:picLocks noChangeAspect="1"/>
-          </p:cNvPicPr>
-          <p:nvPr/>
-        </p:nvPicPr>
-        <p:blipFill>
-          <a:blip r:embed="rId2"/>
-          <a:stretch>
-            <a:fillRect/>
-          </a:stretch>
-        </p:blipFill>
-        <p:spPr>
-          <a:xfrm>
-            <a:off x="8088923" y="4951829"/>
-            <a:ext cx="3776780" cy="1742110"/>
-          </a:xfrm>
-          <a:prstGeom prst="rect">
-            <a:avLst/>
-          </a:prstGeom>
-        </p:spPr>
-      </p:pic>
     </p:spTree>
     <p:extLst>
       <p:ext uri="{BB962C8B-B14F-4D97-AF65-F5344CB8AC3E}">
@@ -8885,17 +9892,6 @@
               <a:buChar char="ü"/>
             </a:pPr>
             <a:r>
-              <a:rPr lang="it-IT" sz="2400" b="1" dirty="0">
-                <a:solidFill>
-                  <a:schemeClr val="tx1"/>
-                </a:solidFill>
-                <a:latin typeface="Tahoma" panose="020B0604030504040204" pitchFamily="34" charset="0"/>
-                <a:ea typeface="Tahoma" panose="020B0604030504040204" pitchFamily="34" charset="0"/>
-                <a:cs typeface="Tahoma" panose="020B0604030504040204" pitchFamily="34" charset="0"/>
-              </a:rPr>
-              <a:t>ETL</a:t>
-            </a:r>
-            <a:r>
               <a:rPr lang="it-IT" sz="2400" dirty="0">
                 <a:solidFill>
                   <a:schemeClr val="tx1"/>
@@ -8904,7 +9900,7 @@
                 <a:ea typeface="Tahoma" panose="020B0604030504040204" pitchFamily="34" charset="0"/>
                 <a:cs typeface="Tahoma" panose="020B0604030504040204" pitchFamily="34" charset="0"/>
               </a:rPr>
-              <a:t>, è un processo di Data Integration (Integrazione Dati) che combina i dati provenienti da diverse sorgenti di dati all’interno di una singola data store consistente che è in genere caricato in un data </a:t>
+              <a:t>L’Analisi dell’informazione richiede di solito dati accessibili e ben strutturati per ottenere i migliori risultati possibili. La Data </a:t>
             </a:r>
             <a:r>
               <a:rPr lang="it-IT" sz="2400" dirty="0" err="1">
@@ -8915,7 +9911,7 @@
                 <a:ea typeface="Tahoma" panose="020B0604030504040204" pitchFamily="34" charset="0"/>
                 <a:cs typeface="Tahoma" panose="020B0604030504040204" pitchFamily="34" charset="0"/>
               </a:rPr>
-              <a:t>warehouse</a:t>
+              <a:t>Transformation</a:t>
             </a:r>
             <a:r>
               <a:rPr lang="it-IT" sz="2400" dirty="0">
@@ -8926,7 +9922,29 @@
                 <a:ea typeface="Tahoma" panose="020B0604030504040204" pitchFamily="34" charset="0"/>
                 <a:cs typeface="Tahoma" panose="020B0604030504040204" pitchFamily="34" charset="0"/>
               </a:rPr>
-              <a:t> o un sistema Target. </a:t>
+              <a:t> rende alle </a:t>
+            </a:r>
+            <a:r>
+              <a:rPr lang="it-IT" sz="2400" dirty="0" err="1">
+                <a:solidFill>
+                  <a:schemeClr val="tx1"/>
+                </a:solidFill>
+                <a:latin typeface="Tahoma" panose="020B0604030504040204" pitchFamily="34" charset="0"/>
+                <a:ea typeface="Tahoma" panose="020B0604030504040204" pitchFamily="34" charset="0"/>
+                <a:cs typeface="Tahoma" panose="020B0604030504040204" pitchFamily="34" charset="0"/>
+              </a:rPr>
+              <a:t>organizziazioni</a:t>
+            </a:r>
+            <a:r>
+              <a:rPr lang="it-IT" sz="2400" dirty="0">
+                <a:solidFill>
+                  <a:schemeClr val="tx1"/>
+                </a:solidFill>
+                <a:latin typeface="Tahoma" panose="020B0604030504040204" pitchFamily="34" charset="0"/>
+                <a:ea typeface="Tahoma" panose="020B0604030504040204" pitchFamily="34" charset="0"/>
+                <a:cs typeface="Tahoma" panose="020B0604030504040204" pitchFamily="34" charset="0"/>
+              </a:rPr>
+              <a:t> possibile l’alterazione della struttura e del formato dei dati grezzi secondo le necessità. La Data Analytics più efficiente deriva anche dal modo in cui l’impresa trasforma i suoi dati. </a:t>
             </a:r>
           </a:p>
           <a:p>
@@ -8935,59 +9953,15 @@
               <a:buChar char="ü"/>
             </a:pPr>
             <a:r>
-              <a:rPr lang="it-IT" sz="2400" dirty="0">
-                <a:solidFill>
-                  <a:schemeClr val="tx1"/>
-                </a:solidFill>
-                <a:latin typeface="Tahoma" panose="020B0604030504040204" pitchFamily="34" charset="0"/>
-                <a:ea typeface="Tahoma" panose="020B0604030504040204" pitchFamily="34" charset="0"/>
-                <a:cs typeface="Tahoma" panose="020B0604030504040204" pitchFamily="34" charset="0"/>
-              </a:rPr>
-              <a:t>Man mano che i database sono cresciuti in popolarità intorno al 1970, </a:t>
-            </a:r>
-            <a:r>
-              <a:rPr lang="it-IT" sz="2400" b="1" dirty="0">
-                <a:solidFill>
-                  <a:schemeClr val="tx1"/>
-                </a:solidFill>
-                <a:latin typeface="Tahoma" panose="020B0604030504040204" pitchFamily="34" charset="0"/>
-                <a:ea typeface="Tahoma" panose="020B0604030504040204" pitchFamily="34" charset="0"/>
-                <a:cs typeface="Tahoma" panose="020B0604030504040204" pitchFamily="34" charset="0"/>
-              </a:rPr>
-              <a:t>l’ETL</a:t>
-            </a:r>
-            <a:r>
-              <a:rPr lang="it-IT" sz="2400" dirty="0">
-                <a:solidFill>
-                  <a:schemeClr val="tx1"/>
-                </a:solidFill>
-                <a:latin typeface="Tahoma" panose="020B0604030504040204" pitchFamily="34" charset="0"/>
-                <a:ea typeface="Tahoma" panose="020B0604030504040204" pitchFamily="34" charset="0"/>
-                <a:cs typeface="Tahoma" panose="020B0604030504040204" pitchFamily="34" charset="0"/>
-              </a:rPr>
-              <a:t> fu introdotto come processo di integrazione e caricamento dati per elaborazione ed analisi, e alla fine è divenuto il metodo primario per processare dati per i progetti di data </a:t>
-            </a:r>
-            <a:r>
-              <a:rPr lang="it-IT" sz="2400" b="1" dirty="0">
-                <a:solidFill>
-                  <a:schemeClr val="tx1"/>
-                </a:solidFill>
-                <a:latin typeface="Tahoma" panose="020B0604030504040204" pitchFamily="34" charset="0"/>
-                <a:ea typeface="Tahoma" panose="020B0604030504040204" pitchFamily="34" charset="0"/>
-                <a:cs typeface="Tahoma" panose="020B0604030504040204" pitchFamily="34" charset="0"/>
-              </a:rPr>
-              <a:t>warehousing</a:t>
-            </a:r>
-            <a:r>
-              <a:rPr lang="it-IT" sz="2400" dirty="0">
-                <a:solidFill>
-                  <a:schemeClr val="tx1"/>
-                </a:solidFill>
-                <a:latin typeface="Tahoma" panose="020B0604030504040204" pitchFamily="34" charset="0"/>
-                <a:ea typeface="Tahoma" panose="020B0604030504040204" pitchFamily="34" charset="0"/>
-                <a:cs typeface="Tahoma" panose="020B0604030504040204" pitchFamily="34" charset="0"/>
-              </a:rPr>
-              <a:t>.</a:t>
+              <a:rPr lang="en-US" sz="2400" dirty="0">
+                <a:solidFill>
+                  <a:schemeClr val="tx1"/>
+                </a:solidFill>
+                <a:latin typeface="Tahoma" panose="020B0604030504040204" pitchFamily="34" charset="0"/>
+                <a:ea typeface="Tahoma" panose="020B0604030504040204" pitchFamily="34" charset="0"/>
+                <a:cs typeface="Tahoma" panose="020B0604030504040204" pitchFamily="34" charset="0"/>
+              </a:rPr>
+              <a:t>La Data Transformation </a:t>
             </a:r>
           </a:p>
           <a:p>
@@ -8995,89 +9969,114 @@
               <a:buFont typeface="Wingdings" panose="05000000000000000000" pitchFamily="2" charset="2"/>
               <a:buChar char="ü"/>
             </a:pPr>
-            <a:r>
-              <a:rPr lang="it-IT" sz="2400" dirty="0">
-                <a:solidFill>
-                  <a:schemeClr val="tx1"/>
-                </a:solidFill>
-                <a:latin typeface="Tahoma" panose="020B0604030504040204" pitchFamily="34" charset="0"/>
-                <a:ea typeface="Tahoma" panose="020B0604030504040204" pitchFamily="34" charset="0"/>
-                <a:cs typeface="Tahoma" panose="020B0604030504040204" pitchFamily="34" charset="0"/>
-              </a:rPr>
-              <a:t>Un Enterprise Data </a:t>
-            </a:r>
-            <a:r>
-              <a:rPr lang="it-IT" sz="2400" dirty="0" err="1">
-                <a:solidFill>
-                  <a:schemeClr val="tx1"/>
-                </a:solidFill>
-                <a:latin typeface="Tahoma" panose="020B0604030504040204" pitchFamily="34" charset="0"/>
-                <a:ea typeface="Tahoma" panose="020B0604030504040204" pitchFamily="34" charset="0"/>
-                <a:cs typeface="Tahoma" panose="020B0604030504040204" pitchFamily="34" charset="0"/>
-              </a:rPr>
-              <a:t>Warehouse</a:t>
-            </a:r>
-            <a:r>
-              <a:rPr lang="it-IT" sz="2400" dirty="0">
-                <a:solidFill>
-                  <a:schemeClr val="tx1"/>
-                </a:solidFill>
-                <a:latin typeface="Tahoma" panose="020B0604030504040204" pitchFamily="34" charset="0"/>
-                <a:ea typeface="Tahoma" panose="020B0604030504040204" pitchFamily="34" charset="0"/>
-                <a:cs typeface="Tahoma" panose="020B0604030504040204" pitchFamily="34" charset="0"/>
-              </a:rPr>
-              <a:t> (EDW) è un sistema che aggrega dati provenienti da differenti sorgenti in un singolo data store che supporti processi come: data </a:t>
-            </a:r>
-            <a:r>
-              <a:rPr lang="it-IT" sz="2400" dirty="0" err="1">
-                <a:solidFill>
-                  <a:schemeClr val="tx1"/>
-                </a:solidFill>
-                <a:latin typeface="Tahoma" panose="020B0604030504040204" pitchFamily="34" charset="0"/>
-                <a:ea typeface="Tahoma" panose="020B0604030504040204" pitchFamily="34" charset="0"/>
-                <a:cs typeface="Tahoma" panose="020B0604030504040204" pitchFamily="34" charset="0"/>
-              </a:rPr>
-              <a:t>analysis</a:t>
-            </a:r>
-            <a:r>
-              <a:rPr lang="it-IT" sz="2400" dirty="0">
-                <a:solidFill>
-                  <a:schemeClr val="tx1"/>
-                </a:solidFill>
-                <a:latin typeface="Tahoma" panose="020B0604030504040204" pitchFamily="34" charset="0"/>
-                <a:ea typeface="Tahoma" panose="020B0604030504040204" pitchFamily="34" charset="0"/>
-                <a:cs typeface="Tahoma" panose="020B0604030504040204" pitchFamily="34" charset="0"/>
-              </a:rPr>
-              <a:t>, data mining or </a:t>
-            </a:r>
-            <a:r>
-              <a:rPr lang="it-IT" sz="2400" dirty="0" err="1">
-                <a:solidFill>
-                  <a:schemeClr val="tx1"/>
-                </a:solidFill>
-                <a:latin typeface="Tahoma" panose="020B0604030504040204" pitchFamily="34" charset="0"/>
-                <a:ea typeface="Tahoma" panose="020B0604030504040204" pitchFamily="34" charset="0"/>
-                <a:cs typeface="Tahoma" panose="020B0604030504040204" pitchFamily="34" charset="0"/>
-              </a:rPr>
-              <a:t>Artificial</a:t>
-            </a:r>
-            <a:r>
-              <a:rPr lang="it-IT" sz="2400" dirty="0">
-                <a:solidFill>
-                  <a:schemeClr val="tx1"/>
-                </a:solidFill>
-                <a:latin typeface="Tahoma" panose="020B0604030504040204" pitchFamily="34" charset="0"/>
-                <a:ea typeface="Tahoma" panose="020B0604030504040204" pitchFamily="34" charset="0"/>
-                <a:cs typeface="Tahoma" panose="020B0604030504040204" pitchFamily="34" charset="0"/>
-              </a:rPr>
-              <a:t> Intelligence (AI, ML) </a:t>
-            </a:r>
-          </a:p>
-          <a:p>
-            <a:pPr marL="457200" indent="-457200">
-              <a:buFontTx/>
-              <a:buAutoNum type="arabicParenR"/>
+            <a:endParaRPr lang="en-US" sz="2400" dirty="0">
+              <a:solidFill>
+                <a:srgbClr val="555555"/>
+              </a:solidFill>
+              <a:latin typeface="PT Sans" panose="020B0503020203020204" pitchFamily="34" charset="0"/>
+            </a:endParaRPr>
+          </a:p>
+          <a:p>
+            <a:pPr marL="342900" indent="-342900">
+              <a:buFont typeface="Wingdings" panose="05000000000000000000" pitchFamily="2" charset="2"/>
+              <a:buChar char="ü"/>
             </a:pPr>
+            <a:endParaRPr lang="en-US" sz="2400" b="0" i="0" dirty="0">
+              <a:solidFill>
+                <a:srgbClr val="555555"/>
+              </a:solidFill>
+              <a:effectLst/>
+              <a:latin typeface="PT Sans" panose="020B0503020203020204" pitchFamily="34" charset="0"/>
+            </a:endParaRPr>
+          </a:p>
+          <a:p>
+            <a:pPr marL="342900" indent="-342900">
+              <a:buFont typeface="Wingdings" panose="05000000000000000000" pitchFamily="2" charset="2"/>
+              <a:buChar char="ü"/>
+            </a:pPr>
+            <a:r>
+              <a:rPr lang="en-US" sz="2400" b="0" i="0" dirty="0">
+                <a:solidFill>
+                  <a:srgbClr val="555555"/>
+                </a:solidFill>
+                <a:effectLst/>
+                <a:latin typeface="PT Sans" panose="020B0503020203020204" pitchFamily="34" charset="0"/>
+              </a:rPr>
+              <a:t>Data transformation is the process of changing the format, structure, or values of data. For data analytics projects, data may be transformed at two stages of the data pipeline. Organizations that use on-premises data warehouses generally use an ETL (</a:t>
+            </a:r>
+            <a:r>
+              <a:rPr lang="en-US" sz="2400" b="1" i="0" u="none" strike="noStrike" dirty="0">
+                <a:solidFill>
+                  <a:srgbClr val="0675C1"/>
+                </a:solidFill>
+                <a:effectLst/>
+                <a:latin typeface="PT Sans" panose="020B0503020203020204" pitchFamily="34" charset="0"/>
+                <a:hlinkClick r:id="rId2"/>
+              </a:rPr>
+              <a:t>extract, transform, load</a:t>
+            </a:r>
+            <a:r>
+              <a:rPr lang="en-US" sz="2400" b="0" i="0" dirty="0">
+                <a:solidFill>
+                  <a:srgbClr val="555555"/>
+                </a:solidFill>
+                <a:effectLst/>
+                <a:latin typeface="PT Sans" panose="020B0503020203020204" pitchFamily="34" charset="0"/>
+              </a:rPr>
+              <a:t>) process, in which </a:t>
+            </a:r>
+            <a:r>
+              <a:rPr lang="en-US" sz="2400" b="1" i="0" u="none" strike="noStrike" dirty="0">
+                <a:solidFill>
+                  <a:srgbClr val="0675C1"/>
+                </a:solidFill>
+                <a:effectLst/>
+                <a:latin typeface="PT Sans" panose="020B0503020203020204" pitchFamily="34" charset="0"/>
+                <a:hlinkClick r:id="rId3"/>
+              </a:rPr>
+              <a:t>data transformation is the middle step</a:t>
+            </a:r>
+            <a:r>
+              <a:rPr lang="en-US" sz="2400" b="0" i="0" dirty="0">
+                <a:solidFill>
+                  <a:srgbClr val="555555"/>
+                </a:solidFill>
+                <a:effectLst/>
+                <a:latin typeface="PT Sans" panose="020B0503020203020204" pitchFamily="34" charset="0"/>
+              </a:rPr>
+              <a:t>. Today, most organizations use cloud-based data warehouses, which can scale compute and storage resources with latency measured in seconds or minutes. The scalability of the cloud platform lets organizations skip preload transformations and load raw data into the data warehouse, then transform it at query time — a model called ELT ( </a:t>
+            </a:r>
+            <a:r>
+              <a:rPr lang="en-US" sz="2400" b="1" i="0" u="none" strike="noStrike" dirty="0">
+                <a:solidFill>
+                  <a:srgbClr val="0675C1"/>
+                </a:solidFill>
+                <a:effectLst/>
+                <a:latin typeface="PT Sans" panose="020B0503020203020204" pitchFamily="34" charset="0"/>
+                <a:hlinkClick r:id="rId4"/>
+              </a:rPr>
+              <a:t>extract, load, transform)</a:t>
+            </a:r>
+            <a:r>
+              <a:rPr lang="en-US" sz="2400" b="0" i="0" dirty="0">
+                <a:solidFill>
+                  <a:srgbClr val="555555"/>
+                </a:solidFill>
+                <a:effectLst/>
+                <a:latin typeface="PT Sans" panose="020B0503020203020204" pitchFamily="34" charset="0"/>
+              </a:rPr>
+              <a:t>.</a:t>
+            </a:r>
+            <a:endParaRPr lang="it-IT" sz="2400" dirty="0">
+              <a:solidFill>
+                <a:schemeClr val="tx1"/>
+              </a:solidFill>
+              <a:latin typeface="Tahoma" panose="020B0604030504040204" pitchFamily="34" charset="0"/>
+              <a:ea typeface="Tahoma" panose="020B0604030504040204" pitchFamily="34" charset="0"/>
+              <a:cs typeface="Tahoma" panose="020B0604030504040204" pitchFamily="34" charset="0"/>
+            </a:endParaRPr>
+          </a:p>
+          <a:p>
             <a:endParaRPr lang="it-IT" sz="2400" dirty="0">
               <a:solidFill>
                 <a:schemeClr val="tx1"/>
@@ -9119,6 +10118,348 @@
                 <a:defRPr/>
               </a:pPr>
               <a:t>8</a:t>
+            </a:fld>
+            <a:endParaRPr lang="en-US" dirty="0"/>
+          </a:p>
+        </p:txBody>
+      </p:sp>
+      <p:sp>
+        <p:nvSpPr>
+          <p:cNvPr id="5" name="Titolo 4">
+            <a:extLst>
+              <a:ext uri="{FF2B5EF4-FFF2-40B4-BE49-F238E27FC236}">
+                <a16:creationId xmlns:a16="http://schemas.microsoft.com/office/drawing/2014/main" id="{82C46BA2-B380-4357-B125-BA9F08A643F5}"/>
+              </a:ext>
+            </a:extLst>
+          </p:cNvPr>
+          <p:cNvSpPr>
+            <a:spLocks noGrp="1"/>
+          </p:cNvSpPr>
+          <p:nvPr>
+            <p:ph type="title"/>
+          </p:nvPr>
+        </p:nvSpPr>
+        <p:spPr>
+          <a:xfrm>
+            <a:off x="468895" y="503475"/>
+            <a:ext cx="11269308" cy="384721"/>
+          </a:xfrm>
+        </p:spPr>
+        <p:txBody>
+          <a:bodyPr/>
+          <a:lstStyle/>
+          <a:p>
+            <a:r>
+              <a:rPr lang="it-IT" altLang="it-IT" dirty="0"/>
+              <a:t>Trasformazione dei Dati (Data </a:t>
+            </a:r>
+            <a:r>
+              <a:rPr lang="it-IT" altLang="it-IT" dirty="0" err="1"/>
+              <a:t>Transformation</a:t>
+            </a:r>
+            <a:r>
+              <a:rPr lang="it-IT" altLang="it-IT" dirty="0"/>
+              <a:t>)</a:t>
+            </a:r>
+            <a:endParaRPr lang="it-IT" dirty="0"/>
+          </a:p>
+        </p:txBody>
+      </p:sp>
+    </p:spTree>
+    <p:extLst>
+      <p:ext uri="{BB962C8B-B14F-4D97-AF65-F5344CB8AC3E}">
+        <p14:creationId xmlns:p14="http://schemas.microsoft.com/office/powerpoint/2010/main" val="95832058"/>
+      </p:ext>
+    </p:extLst>
+  </p:cSld>
+  <p:clrMapOvr>
+    <a:masterClrMapping/>
+  </p:clrMapOvr>
+</p:sld>
+</file>
+
+<file path=ppt/slides/slide9.xml><?xml version="1.0" encoding="utf-8"?>
+<p:sld xmlns:a="http://schemas.openxmlformats.org/drawingml/2006/main" xmlns:r="http://schemas.openxmlformats.org/officeDocument/2006/relationships" xmlns:p="http://schemas.openxmlformats.org/presentationml/2006/main">
+  <p:cSld>
+    <p:spTree>
+      <p:nvGrpSpPr>
+        <p:cNvPr id="1" name=""/>
+        <p:cNvGrpSpPr/>
+        <p:nvPr/>
+      </p:nvGrpSpPr>
+      <p:grpSpPr>
+        <a:xfrm>
+          <a:off x="0" y="0"/>
+          <a:ext cx="0" cy="0"/>
+          <a:chOff x="0" y="0"/>
+          <a:chExt cx="0" cy="0"/>
+        </a:xfrm>
+      </p:grpSpPr>
+      <p:sp>
+        <p:nvSpPr>
+          <p:cNvPr id="2" name="Segnaposto testo 1">
+            <a:extLst>
+              <a:ext uri="{FF2B5EF4-FFF2-40B4-BE49-F238E27FC236}">
+                <a16:creationId xmlns:a16="http://schemas.microsoft.com/office/drawing/2014/main" id="{E5AE986C-196F-4141-A898-FA4C4198CDCC}"/>
+              </a:ext>
+            </a:extLst>
+          </p:cNvPr>
+          <p:cNvSpPr>
+            <a:spLocks noGrp="1"/>
+          </p:cNvSpPr>
+          <p:nvPr>
+            <p:ph type="body" idx="1"/>
+          </p:nvPr>
+        </p:nvSpPr>
+        <p:spPr>
+          <a:xfrm>
+            <a:off x="326297" y="1213806"/>
+            <a:ext cx="11518700" cy="4392612"/>
+          </a:xfrm>
+        </p:spPr>
+        <p:txBody>
+          <a:bodyPr/>
+          <a:lstStyle/>
+          <a:p>
+            <a:pPr marL="342900" indent="-342900">
+              <a:buFont typeface="Wingdings" panose="05000000000000000000" pitchFamily="2" charset="2"/>
+              <a:buChar char="ü"/>
+            </a:pPr>
+            <a:r>
+              <a:rPr lang="it-IT" sz="2400" b="1" dirty="0">
+                <a:solidFill>
+                  <a:schemeClr val="tx1"/>
+                </a:solidFill>
+                <a:latin typeface="Tahoma" panose="020B0604030504040204" pitchFamily="34" charset="0"/>
+                <a:ea typeface="Tahoma" panose="020B0604030504040204" pitchFamily="34" charset="0"/>
+                <a:cs typeface="Tahoma" panose="020B0604030504040204" pitchFamily="34" charset="0"/>
+              </a:rPr>
+              <a:t>ETL</a:t>
+            </a:r>
+            <a:r>
+              <a:rPr lang="it-IT" sz="2400" dirty="0">
+                <a:solidFill>
+                  <a:schemeClr val="tx1"/>
+                </a:solidFill>
+                <a:latin typeface="Tahoma" panose="020B0604030504040204" pitchFamily="34" charset="0"/>
+                <a:ea typeface="Tahoma" panose="020B0604030504040204" pitchFamily="34" charset="0"/>
+                <a:cs typeface="Tahoma" panose="020B0604030504040204" pitchFamily="34" charset="0"/>
+              </a:rPr>
+              <a:t>, è un processo di Data Integration (Integrazione Dati) che combina i dati provenienti da diverse sorgenti di dati all’interno di una singola data store consistente che è in genere caricato in un data </a:t>
+            </a:r>
+            <a:r>
+              <a:rPr lang="it-IT" sz="2400" dirty="0" err="1">
+                <a:solidFill>
+                  <a:schemeClr val="tx1"/>
+                </a:solidFill>
+                <a:latin typeface="Tahoma" panose="020B0604030504040204" pitchFamily="34" charset="0"/>
+                <a:ea typeface="Tahoma" panose="020B0604030504040204" pitchFamily="34" charset="0"/>
+                <a:cs typeface="Tahoma" panose="020B0604030504040204" pitchFamily="34" charset="0"/>
+              </a:rPr>
+              <a:t>warehouse</a:t>
+            </a:r>
+            <a:r>
+              <a:rPr lang="it-IT" sz="2400" dirty="0">
+                <a:solidFill>
+                  <a:schemeClr val="tx1"/>
+                </a:solidFill>
+                <a:latin typeface="Tahoma" panose="020B0604030504040204" pitchFamily="34" charset="0"/>
+                <a:ea typeface="Tahoma" panose="020B0604030504040204" pitchFamily="34" charset="0"/>
+                <a:cs typeface="Tahoma" panose="020B0604030504040204" pitchFamily="34" charset="0"/>
+              </a:rPr>
+              <a:t> o un sistema Target. </a:t>
+            </a:r>
+          </a:p>
+          <a:p>
+            <a:pPr marL="342900" indent="-342900">
+              <a:buFont typeface="Wingdings" panose="05000000000000000000" pitchFamily="2" charset="2"/>
+              <a:buChar char="ü"/>
+            </a:pPr>
+            <a:r>
+              <a:rPr lang="it-IT" sz="2400" dirty="0">
+                <a:solidFill>
+                  <a:schemeClr val="tx1"/>
+                </a:solidFill>
+                <a:latin typeface="Tahoma" panose="020B0604030504040204" pitchFamily="34" charset="0"/>
+                <a:ea typeface="Tahoma" panose="020B0604030504040204" pitchFamily="34" charset="0"/>
+                <a:cs typeface="Tahoma" panose="020B0604030504040204" pitchFamily="34" charset="0"/>
+              </a:rPr>
+              <a:t>Man mano che i database sono cresciuti in popolarità intorno al 1970, </a:t>
+            </a:r>
+            <a:r>
+              <a:rPr lang="it-IT" sz="2400" b="1" dirty="0">
+                <a:solidFill>
+                  <a:schemeClr val="tx1"/>
+                </a:solidFill>
+                <a:latin typeface="Tahoma" panose="020B0604030504040204" pitchFamily="34" charset="0"/>
+                <a:ea typeface="Tahoma" panose="020B0604030504040204" pitchFamily="34" charset="0"/>
+                <a:cs typeface="Tahoma" panose="020B0604030504040204" pitchFamily="34" charset="0"/>
+              </a:rPr>
+              <a:t>l’ETL</a:t>
+            </a:r>
+            <a:r>
+              <a:rPr lang="it-IT" sz="2400" dirty="0">
+                <a:solidFill>
+                  <a:schemeClr val="tx1"/>
+                </a:solidFill>
+                <a:latin typeface="Tahoma" panose="020B0604030504040204" pitchFamily="34" charset="0"/>
+                <a:ea typeface="Tahoma" panose="020B0604030504040204" pitchFamily="34" charset="0"/>
+                <a:cs typeface="Tahoma" panose="020B0604030504040204" pitchFamily="34" charset="0"/>
+              </a:rPr>
+              <a:t> fu introdotto come processo di integrazione e caricamento dati per elaborazione ed analisi, e alla fine è divenuto il metodo primario per processare dati per i progetti di data </a:t>
+            </a:r>
+            <a:r>
+              <a:rPr lang="it-IT" sz="2400" b="1" dirty="0">
+                <a:solidFill>
+                  <a:schemeClr val="tx1"/>
+                </a:solidFill>
+                <a:latin typeface="Tahoma" panose="020B0604030504040204" pitchFamily="34" charset="0"/>
+                <a:ea typeface="Tahoma" panose="020B0604030504040204" pitchFamily="34" charset="0"/>
+                <a:cs typeface="Tahoma" panose="020B0604030504040204" pitchFamily="34" charset="0"/>
+              </a:rPr>
+              <a:t>warehousing</a:t>
+            </a:r>
+            <a:r>
+              <a:rPr lang="it-IT" sz="2400" dirty="0">
+                <a:solidFill>
+                  <a:schemeClr val="tx1"/>
+                </a:solidFill>
+                <a:latin typeface="Tahoma" panose="020B0604030504040204" pitchFamily="34" charset="0"/>
+                <a:ea typeface="Tahoma" panose="020B0604030504040204" pitchFamily="34" charset="0"/>
+                <a:cs typeface="Tahoma" panose="020B0604030504040204" pitchFamily="34" charset="0"/>
+              </a:rPr>
+              <a:t>.</a:t>
+            </a:r>
+          </a:p>
+          <a:p>
+            <a:pPr marL="342900" indent="-342900">
+              <a:buFont typeface="Wingdings" panose="05000000000000000000" pitchFamily="2" charset="2"/>
+              <a:buChar char="ü"/>
+            </a:pPr>
+            <a:r>
+              <a:rPr lang="it-IT" sz="2400" dirty="0">
+                <a:solidFill>
+                  <a:schemeClr val="tx1"/>
+                </a:solidFill>
+                <a:latin typeface="Tahoma" panose="020B0604030504040204" pitchFamily="34" charset="0"/>
+                <a:ea typeface="Tahoma" panose="020B0604030504040204" pitchFamily="34" charset="0"/>
+                <a:cs typeface="Tahoma" panose="020B0604030504040204" pitchFamily="34" charset="0"/>
+              </a:rPr>
+              <a:t>Un Enterprise Data </a:t>
+            </a:r>
+            <a:r>
+              <a:rPr lang="it-IT" sz="2400" dirty="0" err="1">
+                <a:solidFill>
+                  <a:schemeClr val="tx1"/>
+                </a:solidFill>
+                <a:latin typeface="Tahoma" panose="020B0604030504040204" pitchFamily="34" charset="0"/>
+                <a:ea typeface="Tahoma" panose="020B0604030504040204" pitchFamily="34" charset="0"/>
+                <a:cs typeface="Tahoma" panose="020B0604030504040204" pitchFamily="34" charset="0"/>
+              </a:rPr>
+              <a:t>Warehouse</a:t>
+            </a:r>
+            <a:r>
+              <a:rPr lang="it-IT" sz="2400" dirty="0">
+                <a:solidFill>
+                  <a:schemeClr val="tx1"/>
+                </a:solidFill>
+                <a:latin typeface="Tahoma" panose="020B0604030504040204" pitchFamily="34" charset="0"/>
+                <a:ea typeface="Tahoma" panose="020B0604030504040204" pitchFamily="34" charset="0"/>
+                <a:cs typeface="Tahoma" panose="020B0604030504040204" pitchFamily="34" charset="0"/>
+              </a:rPr>
+              <a:t> (EDW) è un sistema che aggrega dati provenienti da differenti sorgenti in un singolo data store che supporti processi come: data </a:t>
+            </a:r>
+            <a:r>
+              <a:rPr lang="it-IT" sz="2400" dirty="0" err="1">
+                <a:solidFill>
+                  <a:schemeClr val="tx1"/>
+                </a:solidFill>
+                <a:latin typeface="Tahoma" panose="020B0604030504040204" pitchFamily="34" charset="0"/>
+                <a:ea typeface="Tahoma" panose="020B0604030504040204" pitchFamily="34" charset="0"/>
+                <a:cs typeface="Tahoma" panose="020B0604030504040204" pitchFamily="34" charset="0"/>
+              </a:rPr>
+              <a:t>analysis</a:t>
+            </a:r>
+            <a:r>
+              <a:rPr lang="it-IT" sz="2400" dirty="0">
+                <a:solidFill>
+                  <a:schemeClr val="tx1"/>
+                </a:solidFill>
+                <a:latin typeface="Tahoma" panose="020B0604030504040204" pitchFamily="34" charset="0"/>
+                <a:ea typeface="Tahoma" panose="020B0604030504040204" pitchFamily="34" charset="0"/>
+                <a:cs typeface="Tahoma" panose="020B0604030504040204" pitchFamily="34" charset="0"/>
+              </a:rPr>
+              <a:t>, data mining or </a:t>
+            </a:r>
+            <a:r>
+              <a:rPr lang="it-IT" sz="2400" dirty="0" err="1">
+                <a:solidFill>
+                  <a:schemeClr val="tx1"/>
+                </a:solidFill>
+                <a:latin typeface="Tahoma" panose="020B0604030504040204" pitchFamily="34" charset="0"/>
+                <a:ea typeface="Tahoma" panose="020B0604030504040204" pitchFamily="34" charset="0"/>
+                <a:cs typeface="Tahoma" panose="020B0604030504040204" pitchFamily="34" charset="0"/>
+              </a:rPr>
+              <a:t>Artificial</a:t>
+            </a:r>
+            <a:r>
+              <a:rPr lang="it-IT" sz="2400" dirty="0">
+                <a:solidFill>
+                  <a:schemeClr val="tx1"/>
+                </a:solidFill>
+                <a:latin typeface="Tahoma" panose="020B0604030504040204" pitchFamily="34" charset="0"/>
+                <a:ea typeface="Tahoma" panose="020B0604030504040204" pitchFamily="34" charset="0"/>
+                <a:cs typeface="Tahoma" panose="020B0604030504040204" pitchFamily="34" charset="0"/>
+              </a:rPr>
+              <a:t> Intelligence (AI, ML) </a:t>
+            </a:r>
+          </a:p>
+          <a:p>
+            <a:pPr marL="457200" indent="-457200">
+              <a:buFontTx/>
+              <a:buAutoNum type="arabicParenR"/>
+            </a:pPr>
+            <a:endParaRPr lang="it-IT" sz="2400" dirty="0">
+              <a:solidFill>
+                <a:schemeClr val="tx1"/>
+              </a:solidFill>
+              <a:latin typeface="Tahoma" panose="020B0604030504040204" pitchFamily="34" charset="0"/>
+              <a:ea typeface="Tahoma" panose="020B0604030504040204" pitchFamily="34" charset="0"/>
+              <a:cs typeface="Tahoma" panose="020B0604030504040204" pitchFamily="34" charset="0"/>
+            </a:endParaRPr>
+          </a:p>
+        </p:txBody>
+      </p:sp>
+      <p:sp>
+        <p:nvSpPr>
+          <p:cNvPr id="7" name="Segnaposto numero diapositiva 6">
+            <a:extLst>
+              <a:ext uri="{FF2B5EF4-FFF2-40B4-BE49-F238E27FC236}">
+                <a16:creationId xmlns:a16="http://schemas.microsoft.com/office/drawing/2014/main" id="{AB740BE9-E218-4144-BFDE-AE473D230A3D}"/>
+              </a:ext>
+            </a:extLst>
+          </p:cNvPr>
+          <p:cNvSpPr>
+            <a:spLocks noGrp="1"/>
+          </p:cNvSpPr>
+          <p:nvPr>
+            <p:ph type="sldNum" sz="quarter" idx="12"/>
+          </p:nvPr>
+        </p:nvSpPr>
+        <p:spPr/>
+        <p:txBody>
+          <a:bodyPr/>
+          <a:lstStyle/>
+          <a:p>
+            <a:pPr>
+              <a:defRPr/>
+            </a:pPr>
+            <a:fld id="{48B4153A-D4C5-4CEF-8992-0D8815C829E3}" type="slidenum">
+              <a:rPr lang="en-US" smtClean="0"/>
+              <a:pPr>
+                <a:defRPr/>
+              </a:pPr>
+              <a:t>9</a:t>
             </a:fld>
             <a:endParaRPr lang="en-US" dirty="0"/>
           </a:p>
@@ -9825,79 +11166,6 @@
 </file>
 
 <file path=customXml/item1.xml><?xml version="1.0" encoding="utf-8"?>
-<p:properties xmlns:p="http://schemas.microsoft.com/office/2006/metadata/properties" xmlns:xsi="http://www.w3.org/2001/XMLSchema-instance" xmlns:pc="http://schemas.microsoft.com/office/infopath/2007/PartnerControls">
-  <documentManagement>
-    <SottoCategoria xmlns="679261c3-551f-4e86-913f-177e0e529669">-</SottoCategoria>
-    <Categoria xmlns="c58f2efd-82a8-4ecf-b395-8c25e928921d">Power Point</Categoria>
-    <_dlc_DocId xmlns="459159c4-d20a-4ff3-9b11-fbd127bd52e5">INTRANET-14-158</_dlc_DocId>
-    <_dlc_DocIdUrl xmlns="459159c4-d20a-4ff3-9b11-fbd127bd52e5">
-      <Url>https://intranet.istat.it/Collaborativi/_layouts/15/DocIdRedir.aspx?ID=INTRANET-14-158</Url>
-      <Description>INTRANET-14-158</Description>
-    </_dlc_DocIdUrl>
-  </documentManagement>
-</p:properties>
-</file>
-
-<file path=customXml/item2.xml><?xml version="1.0" encoding="utf-8"?>
-<?mso-contentType ?>
-<FormTemplates xmlns="http://schemas.microsoft.com/sharepoint/v3/contenttype/forms">
-  <Display>DocumentLibraryForm</Display>
-  <Edit>DocumentLibraryForm</Edit>
-  <New>DocumentLibraryForm</New>
-</FormTemplates>
-</file>
-
-<file path=customXml/item3.xml><?xml version="1.0" encoding="utf-8"?>
-<?mso-contentType ?>
-<spe:Receivers xmlns:spe="http://schemas.microsoft.com/sharepoint/events">
-  <Receiver>
-    <Name>Document ID Generator</Name>
-    <Synchronization>Synchronous</Synchronization>
-    <Type>10001</Type>
-    <SequenceNumber>1000</SequenceNumber>
-    <Url/>
-    <Assembly>Microsoft.Office.DocumentManagement, Version=15.0.0.0, Culture=neutral, PublicKeyToken=71e9bce111e9429c</Assembly>
-    <Class>Microsoft.Office.DocumentManagement.Internal.DocIdHandler</Class>
-    <Data/>
-    <Filter/>
-  </Receiver>
-  <Receiver>
-    <Name>Document ID Generator</Name>
-    <Synchronization>Synchronous</Synchronization>
-    <Type>10002</Type>
-    <SequenceNumber>1001</SequenceNumber>
-    <Url/>
-    <Assembly>Microsoft.Office.DocumentManagement, Version=15.0.0.0, Culture=neutral, PublicKeyToken=71e9bce111e9429c</Assembly>
-    <Class>Microsoft.Office.DocumentManagement.Internal.DocIdHandler</Class>
-    <Data/>
-    <Filter/>
-  </Receiver>
-  <Receiver>
-    <Name>Document ID Generator</Name>
-    <Synchronization>Synchronous</Synchronization>
-    <Type>10004</Type>
-    <SequenceNumber>1002</SequenceNumber>
-    <Url/>
-    <Assembly>Microsoft.Office.DocumentManagement, Version=15.0.0.0, Culture=neutral, PublicKeyToken=71e9bce111e9429c</Assembly>
-    <Class>Microsoft.Office.DocumentManagement.Internal.DocIdHandler</Class>
-    <Data/>
-    <Filter/>
-  </Receiver>
-  <Receiver>
-    <Name>Document ID Generator</Name>
-    <Synchronization>Synchronous</Synchronization>
-    <Type>10006</Type>
-    <SequenceNumber>1003</SequenceNumber>
-    <Url/>
-    <Assembly>Microsoft.Office.DocumentManagement, Version=15.0.0.0, Culture=neutral, PublicKeyToken=71e9bce111e9429c</Assembly>
-    <Class>Microsoft.Office.DocumentManagement.Internal.DocIdHandler</Class>
-    <Data/>
-    <Filter/>
-  </Receiver>
-</spe:Receivers>
-</file>
-
-<file path=customXml/item4.xml><?xml version="1.0" encoding="utf-8"?>
 <ct:contentTypeSchema xmlns:ct="http://schemas.microsoft.com/office/2006/metadata/contentType" xmlns:ma="http://schemas.microsoft.com/office/2006/metadata/properties/metaAttributes" ct:_="" ma:_="" ma:contentTypeName="Documento" ma:contentTypeID="0x010100661A2BE3120D674DA36C11D6006822D4" ma:contentTypeVersion="3" ma:contentTypeDescription="Creare un nuovo documento." ma:contentTypeScope="" ma:versionID="2ad8b07f9840a1ce9cd199d874146b74">
   <xsd:schema xmlns:xsd="http://www.w3.org/2001/XMLSchema" xmlns:xs="http://www.w3.org/2001/XMLSchema" xmlns:p="http://schemas.microsoft.com/office/2006/metadata/properties" xmlns:ns2="c58f2efd-82a8-4ecf-b395-8c25e928921d" xmlns:ns3="459159c4-d20a-4ff3-9b11-fbd127bd52e5" xmlns:ns4="679261c3-551f-4e86-913f-177e0e529669" targetNamespace="http://schemas.microsoft.com/office/2006/metadata/properties" ma:root="true" ma:fieldsID="fffb0e16fb90ffea59fef1085e90ecca" ns2:_="" ns3:_="" ns4:_="">
     <xsd:import namespace="c58f2efd-82a8-4ecf-b395-8c25e928921d"/>
@@ -10084,41 +11352,80 @@
 </ct:contentTypeSchema>
 </file>
 
-<file path=customXml/itemProps1.xml><?xml version="1.0" encoding="utf-8"?>
-<ds:datastoreItem xmlns:ds="http://schemas.openxmlformats.org/officeDocument/2006/customXml" ds:itemID="{3EF378BC-F4D0-4510-B4EC-07B6EFE18CF8}">
-  <ds:schemaRefs>
-    <ds:schemaRef ds:uri="http://schemas.microsoft.com/office/2006/metadata/properties"/>
-    <ds:schemaRef ds:uri="http://purl.org/dc/elements/1.1/"/>
-    <ds:schemaRef ds:uri="679261c3-551f-4e86-913f-177e0e529669"/>
-    <ds:schemaRef ds:uri="http://schemas.openxmlformats.org/package/2006/metadata/core-properties"/>
-    <ds:schemaRef ds:uri="459159c4-d20a-4ff3-9b11-fbd127bd52e5"/>
-    <ds:schemaRef ds:uri="http://purl.org/dc/terms/"/>
-    <ds:schemaRef ds:uri="http://schemas.microsoft.com/office/infopath/2007/PartnerControls"/>
-    <ds:schemaRef ds:uri="http://schemas.microsoft.com/office/2006/documentManagement/types"/>
-    <ds:schemaRef ds:uri="c58f2efd-82a8-4ecf-b395-8c25e928921d"/>
-    <ds:schemaRef ds:uri="http://www.w3.org/XML/1998/namespace"/>
-    <ds:schemaRef ds:uri="http://purl.org/dc/dcmitype/"/>
-  </ds:schemaRefs>
-</ds:datastoreItem>
+<file path=customXml/item2.xml><?xml version="1.0" encoding="utf-8"?>
+<?mso-contentType ?>
+<spe:Receivers xmlns:spe="http://schemas.microsoft.com/sharepoint/events">
+  <Receiver>
+    <Name>Document ID Generator</Name>
+    <Synchronization>Synchronous</Synchronization>
+    <Type>10001</Type>
+    <SequenceNumber>1000</SequenceNumber>
+    <Url/>
+    <Assembly>Microsoft.Office.DocumentManagement, Version=15.0.0.0, Culture=neutral, PublicKeyToken=71e9bce111e9429c</Assembly>
+    <Class>Microsoft.Office.DocumentManagement.Internal.DocIdHandler</Class>
+    <Data/>
+    <Filter/>
+  </Receiver>
+  <Receiver>
+    <Name>Document ID Generator</Name>
+    <Synchronization>Synchronous</Synchronization>
+    <Type>10002</Type>
+    <SequenceNumber>1001</SequenceNumber>
+    <Url/>
+    <Assembly>Microsoft.Office.DocumentManagement, Version=15.0.0.0, Culture=neutral, PublicKeyToken=71e9bce111e9429c</Assembly>
+    <Class>Microsoft.Office.DocumentManagement.Internal.DocIdHandler</Class>
+    <Data/>
+    <Filter/>
+  </Receiver>
+  <Receiver>
+    <Name>Document ID Generator</Name>
+    <Synchronization>Synchronous</Synchronization>
+    <Type>10004</Type>
+    <SequenceNumber>1002</SequenceNumber>
+    <Url/>
+    <Assembly>Microsoft.Office.DocumentManagement, Version=15.0.0.0, Culture=neutral, PublicKeyToken=71e9bce111e9429c</Assembly>
+    <Class>Microsoft.Office.DocumentManagement.Internal.DocIdHandler</Class>
+    <Data/>
+    <Filter/>
+  </Receiver>
+  <Receiver>
+    <Name>Document ID Generator</Name>
+    <Synchronization>Synchronous</Synchronization>
+    <Type>10006</Type>
+    <SequenceNumber>1003</SequenceNumber>
+    <Url/>
+    <Assembly>Microsoft.Office.DocumentManagement, Version=15.0.0.0, Culture=neutral, PublicKeyToken=71e9bce111e9429c</Assembly>
+    <Class>Microsoft.Office.DocumentManagement.Internal.DocIdHandler</Class>
+    <Data/>
+    <Filter/>
+  </Receiver>
+</spe:Receivers>
 </file>
 
-<file path=customXml/itemProps2.xml><?xml version="1.0" encoding="utf-8"?>
-<ds:datastoreItem xmlns:ds="http://schemas.openxmlformats.org/officeDocument/2006/customXml" ds:itemID="{BD9C238D-4D5C-4783-820B-4854DCE45D41}">
-  <ds:schemaRefs>
-    <ds:schemaRef ds:uri="http://schemas.microsoft.com/sharepoint/v3/contenttype/forms"/>
-  </ds:schemaRefs>
-</ds:datastoreItem>
+<file path=customXml/item3.xml><?xml version="1.0" encoding="utf-8"?>
+<?mso-contentType ?>
+<FormTemplates xmlns="http://schemas.microsoft.com/sharepoint/v3/contenttype/forms">
+  <Display>DocumentLibraryForm</Display>
+  <Edit>DocumentLibraryForm</Edit>
+  <New>DocumentLibraryForm</New>
+</FormTemplates>
 </file>
 
-<file path=customXml/itemProps3.xml><?xml version="1.0" encoding="utf-8"?>
-<ds:datastoreItem xmlns:ds="http://schemas.openxmlformats.org/officeDocument/2006/customXml" ds:itemID="{D9296C4F-9DE9-4B43-AA80-1FC85656CFFA}">
-  <ds:schemaRefs>
-    <ds:schemaRef ds:uri="http://schemas.microsoft.com/sharepoint/events"/>
-  </ds:schemaRefs>
-</ds:datastoreItem>
+<file path=customXml/item4.xml><?xml version="1.0" encoding="utf-8"?>
+<p:properties xmlns:p="http://schemas.microsoft.com/office/2006/metadata/properties" xmlns:xsi="http://www.w3.org/2001/XMLSchema-instance" xmlns:pc="http://schemas.microsoft.com/office/infopath/2007/PartnerControls">
+  <documentManagement>
+    <SottoCategoria xmlns="679261c3-551f-4e86-913f-177e0e529669">-</SottoCategoria>
+    <Categoria xmlns="c58f2efd-82a8-4ecf-b395-8c25e928921d">Power Point</Categoria>
+    <_dlc_DocId xmlns="459159c4-d20a-4ff3-9b11-fbd127bd52e5">INTRANET-14-158</_dlc_DocId>
+    <_dlc_DocIdUrl xmlns="459159c4-d20a-4ff3-9b11-fbd127bd52e5">
+      <Url>https://intranet.istat.it/Collaborativi/_layouts/15/DocIdRedir.aspx?ID=INTRANET-14-158</Url>
+      <Description>INTRANET-14-158</Description>
+    </_dlc_DocIdUrl>
+  </documentManagement>
+</p:properties>
 </file>
 
-<file path=customXml/itemProps4.xml><?xml version="1.0" encoding="utf-8"?>
+<file path=customXml/itemProps1.xml><?xml version="1.0" encoding="utf-8"?>
 <ds:datastoreItem xmlns:ds="http://schemas.openxmlformats.org/officeDocument/2006/customXml" ds:itemID="{3F66F418-6054-4EA5-BF8E-6AF3CEAE6265}">
   <ds:schemaRefs>
     <ds:schemaRef ds:uri="http://schemas.microsoft.com/office/2006/metadata/contentType"/>
@@ -10136,4 +11443,38 @@
     <ds:schemaRef ds:uri="http://schemas.microsoft.com/internal/obd"/>
   </ds:schemaRefs>
 </ds:datastoreItem>
+</file>
+
+<file path=customXml/itemProps2.xml><?xml version="1.0" encoding="utf-8"?>
+<ds:datastoreItem xmlns:ds="http://schemas.openxmlformats.org/officeDocument/2006/customXml" ds:itemID="{D9296C4F-9DE9-4B43-AA80-1FC85656CFFA}">
+  <ds:schemaRefs>
+    <ds:schemaRef ds:uri="http://schemas.microsoft.com/sharepoint/events"/>
+  </ds:schemaRefs>
+</ds:datastoreItem>
+</file>
+
+<file path=customXml/itemProps3.xml><?xml version="1.0" encoding="utf-8"?>
+<ds:datastoreItem xmlns:ds="http://schemas.openxmlformats.org/officeDocument/2006/customXml" ds:itemID="{BD9C238D-4D5C-4783-820B-4854DCE45D41}">
+  <ds:schemaRefs>
+    <ds:schemaRef ds:uri="http://schemas.microsoft.com/sharepoint/v3/contenttype/forms"/>
+  </ds:schemaRefs>
+</ds:datastoreItem>
+</file>
+
+<file path=customXml/itemProps4.xml><?xml version="1.0" encoding="utf-8"?>
+<ds:datastoreItem xmlns:ds="http://schemas.openxmlformats.org/officeDocument/2006/customXml" ds:itemID="{3EF378BC-F4D0-4510-B4EC-07B6EFE18CF8}">
+  <ds:schemaRefs>
+    <ds:schemaRef ds:uri="http://schemas.microsoft.com/office/2006/metadata/properties"/>
+    <ds:schemaRef ds:uri="http://purl.org/dc/elements/1.1/"/>
+    <ds:schemaRef ds:uri="679261c3-551f-4e86-913f-177e0e529669"/>
+    <ds:schemaRef ds:uri="http://schemas.openxmlformats.org/package/2006/metadata/core-properties"/>
+    <ds:schemaRef ds:uri="459159c4-d20a-4ff3-9b11-fbd127bd52e5"/>
+    <ds:schemaRef ds:uri="http://purl.org/dc/terms/"/>
+    <ds:schemaRef ds:uri="http://schemas.microsoft.com/office/infopath/2007/PartnerControls"/>
+    <ds:schemaRef ds:uri="http://schemas.microsoft.com/office/2006/documentManagement/types"/>
+    <ds:schemaRef ds:uri="c58f2efd-82a8-4ecf-b395-8c25e928921d"/>
+    <ds:schemaRef ds:uri="http://www.w3.org/XML/1998/namespace"/>
+    <ds:schemaRef ds:uri="http://purl.org/dc/dcmitype/"/>
+  </ds:schemaRefs>
+</ds:datastoreItem>
 </file>
--- a/Data_Science_ita.pptx
+++ b/Data_Science_ita.pptx
@@ -5,7 +5,7 @@
     <p:sldMasterId id="2147483648" r:id="rId5"/>
   </p:sldMasterIdLst>
   <p:notesMasterIdLst>
-    <p:notesMasterId r:id="rId17"/>
+    <p:notesMasterId r:id="rId15"/>
   </p:notesMasterIdLst>
   <p:sldIdLst>
     <p:sldId id="256" r:id="rId6"/>
@@ -16,9 +16,7 @@
     <p:sldId id="336" r:id="rId11"/>
     <p:sldId id="338" r:id="rId12"/>
     <p:sldId id="337" r:id="rId13"/>
-    <p:sldId id="339" r:id="rId14"/>
-    <p:sldId id="344" r:id="rId15"/>
-    <p:sldId id="343" r:id="rId16"/>
+    <p:sldId id="343" r:id="rId14"/>
   </p:sldIdLst>
   <p:sldSz cx="12192000" cy="6858000"/>
   <p:notesSz cx="6858000" cy="9144000"/>
@@ -276,7 +274,7 @@
               <a:pPr>
                 <a:defRPr/>
               </a:pPr>
-              <a:t>6/25/2022</a:t>
+              <a:t>6/26/2022</a:t>
             </a:fld>
             <a:endParaRPr lang="en-US"/>
           </a:p>
@@ -6789,513 +6787,6 @@
 </p:sld>
 </file>
 
-<file path=ppt/slides/slide10.xml><?xml version="1.0" encoding="utf-8"?>
-<p:sld xmlns:a="http://schemas.openxmlformats.org/drawingml/2006/main" xmlns:r="http://schemas.openxmlformats.org/officeDocument/2006/relationships" xmlns:p="http://schemas.openxmlformats.org/presentationml/2006/main">
-  <p:cSld>
-    <p:spTree>
-      <p:nvGrpSpPr>
-        <p:cNvPr id="1" name=""/>
-        <p:cNvGrpSpPr/>
-        <p:nvPr/>
-      </p:nvGrpSpPr>
-      <p:grpSpPr>
-        <a:xfrm>
-          <a:off x="0" y="0"/>
-          <a:ext cx="0" cy="0"/>
-          <a:chOff x="0" y="0"/>
-          <a:chExt cx="0" cy="0"/>
-        </a:xfrm>
-      </p:grpSpPr>
-      <p:sp>
-        <p:nvSpPr>
-          <p:cNvPr id="2" name="Segnaposto testo 1">
-            <a:extLst>
-              <a:ext uri="{FF2B5EF4-FFF2-40B4-BE49-F238E27FC236}">
-                <a16:creationId xmlns:a16="http://schemas.microsoft.com/office/drawing/2014/main" id="{E5AE986C-196F-4141-A898-FA4C4198CDCC}"/>
-              </a:ext>
-            </a:extLst>
-          </p:cNvPr>
-          <p:cNvSpPr>
-            <a:spLocks noGrp="1"/>
-          </p:cNvSpPr>
-          <p:nvPr>
-            <p:ph type="body" idx="1"/>
-          </p:nvPr>
-        </p:nvSpPr>
-        <p:spPr>
-          <a:xfrm>
-            <a:off x="326297" y="1213806"/>
-            <a:ext cx="11518700" cy="4392612"/>
-          </a:xfrm>
-        </p:spPr>
-        <p:txBody>
-          <a:bodyPr/>
-          <a:lstStyle/>
-          <a:p>
-            <a:pPr marL="342900" indent="-342900">
-              <a:buFont typeface="Wingdings" panose="05000000000000000000" pitchFamily="2" charset="2"/>
-              <a:buChar char="ü"/>
-            </a:pPr>
-            <a:r>
-              <a:rPr lang="it-IT" sz="2400" b="1" dirty="0">
-                <a:solidFill>
-                  <a:schemeClr val="tx1"/>
-                </a:solidFill>
-                <a:latin typeface="Tahoma" panose="020B0604030504040204" pitchFamily="34" charset="0"/>
-                <a:ea typeface="Tahoma" panose="020B0604030504040204" pitchFamily="34" charset="0"/>
-                <a:cs typeface="Tahoma" panose="020B0604030504040204" pitchFamily="34" charset="0"/>
-              </a:rPr>
-              <a:t>La </a:t>
-            </a:r>
-            <a:r>
-              <a:rPr lang="it-IT" sz="2400" b="1" dirty="0" err="1">
-                <a:solidFill>
-                  <a:schemeClr val="tx1"/>
-                </a:solidFill>
-                <a:latin typeface="Tahoma" panose="020B0604030504040204" pitchFamily="34" charset="0"/>
-                <a:ea typeface="Tahoma" panose="020B0604030504040204" pitchFamily="34" charset="0"/>
-                <a:cs typeface="Tahoma" panose="020B0604030504040204" pitchFamily="34" charset="0"/>
-              </a:rPr>
-              <a:t>stETL</a:t>
-            </a:r>
-            <a:r>
-              <a:rPr lang="it-IT" sz="2400" dirty="0">
-                <a:solidFill>
-                  <a:schemeClr val="tx1"/>
-                </a:solidFill>
-                <a:latin typeface="Tahoma" panose="020B0604030504040204" pitchFamily="34" charset="0"/>
-                <a:ea typeface="Tahoma" panose="020B0604030504040204" pitchFamily="34" charset="0"/>
-                <a:cs typeface="Tahoma" panose="020B0604030504040204" pitchFamily="34" charset="0"/>
-              </a:rPr>
-              <a:t>, è un processo di Data Integration (Integrazione Dati) che combina i dati provenienti da diverse sorgenti di dati all’interno di una singola data store consistente che è in genere caricato in un data </a:t>
-            </a:r>
-            <a:r>
-              <a:rPr lang="it-IT" sz="2400" dirty="0" err="1">
-                <a:solidFill>
-                  <a:schemeClr val="tx1"/>
-                </a:solidFill>
-                <a:latin typeface="Tahoma" panose="020B0604030504040204" pitchFamily="34" charset="0"/>
-                <a:ea typeface="Tahoma" panose="020B0604030504040204" pitchFamily="34" charset="0"/>
-                <a:cs typeface="Tahoma" panose="020B0604030504040204" pitchFamily="34" charset="0"/>
-              </a:rPr>
-              <a:t>warehouse</a:t>
-            </a:r>
-            <a:r>
-              <a:rPr lang="it-IT" sz="2400" dirty="0">
-                <a:solidFill>
-                  <a:schemeClr val="tx1"/>
-                </a:solidFill>
-                <a:latin typeface="Tahoma" panose="020B0604030504040204" pitchFamily="34" charset="0"/>
-                <a:ea typeface="Tahoma" panose="020B0604030504040204" pitchFamily="34" charset="0"/>
-                <a:cs typeface="Tahoma" panose="020B0604030504040204" pitchFamily="34" charset="0"/>
-              </a:rPr>
-              <a:t> o un sistema Target. </a:t>
-            </a:r>
-          </a:p>
-          <a:p>
-            <a:pPr marL="342900" indent="-342900">
-              <a:buFont typeface="Wingdings" panose="05000000000000000000" pitchFamily="2" charset="2"/>
-              <a:buChar char="ü"/>
-            </a:pPr>
-            <a:r>
-              <a:rPr lang="it-IT" sz="2400" dirty="0">
-                <a:solidFill>
-                  <a:schemeClr val="tx1"/>
-                </a:solidFill>
-                <a:latin typeface="Tahoma" panose="020B0604030504040204" pitchFamily="34" charset="0"/>
-                <a:ea typeface="Tahoma" panose="020B0604030504040204" pitchFamily="34" charset="0"/>
-                <a:cs typeface="Tahoma" panose="020B0604030504040204" pitchFamily="34" charset="0"/>
-              </a:rPr>
-              <a:t>Man mano che i database sono cresciuti in popolarità intorno al 1970, </a:t>
-            </a:r>
-            <a:r>
-              <a:rPr lang="it-IT" sz="2400" b="1" dirty="0">
-                <a:solidFill>
-                  <a:schemeClr val="tx1"/>
-                </a:solidFill>
-                <a:latin typeface="Tahoma" panose="020B0604030504040204" pitchFamily="34" charset="0"/>
-                <a:ea typeface="Tahoma" panose="020B0604030504040204" pitchFamily="34" charset="0"/>
-                <a:cs typeface="Tahoma" panose="020B0604030504040204" pitchFamily="34" charset="0"/>
-              </a:rPr>
-              <a:t>l’ETL</a:t>
-            </a:r>
-            <a:r>
-              <a:rPr lang="it-IT" sz="2400" dirty="0">
-                <a:solidFill>
-                  <a:schemeClr val="tx1"/>
-                </a:solidFill>
-                <a:latin typeface="Tahoma" panose="020B0604030504040204" pitchFamily="34" charset="0"/>
-                <a:ea typeface="Tahoma" panose="020B0604030504040204" pitchFamily="34" charset="0"/>
-                <a:cs typeface="Tahoma" panose="020B0604030504040204" pitchFamily="34" charset="0"/>
-              </a:rPr>
-              <a:t> fu introdotto come processo di integrazione e caricamento dati per elaborazione ed analisi, e alla fine è divenuto il metodo primario per processare dati per i progetti di data </a:t>
-            </a:r>
-            <a:r>
-              <a:rPr lang="it-IT" sz="2400" b="1" dirty="0">
-                <a:solidFill>
-                  <a:schemeClr val="tx1"/>
-                </a:solidFill>
-                <a:latin typeface="Tahoma" panose="020B0604030504040204" pitchFamily="34" charset="0"/>
-                <a:ea typeface="Tahoma" panose="020B0604030504040204" pitchFamily="34" charset="0"/>
-                <a:cs typeface="Tahoma" panose="020B0604030504040204" pitchFamily="34" charset="0"/>
-              </a:rPr>
-              <a:t>warehousing</a:t>
-            </a:r>
-            <a:r>
-              <a:rPr lang="it-IT" sz="2400" dirty="0">
-                <a:solidFill>
-                  <a:schemeClr val="tx1"/>
-                </a:solidFill>
-                <a:latin typeface="Tahoma" panose="020B0604030504040204" pitchFamily="34" charset="0"/>
-                <a:ea typeface="Tahoma" panose="020B0604030504040204" pitchFamily="34" charset="0"/>
-                <a:cs typeface="Tahoma" panose="020B0604030504040204" pitchFamily="34" charset="0"/>
-              </a:rPr>
-              <a:t>.</a:t>
-            </a:r>
-          </a:p>
-          <a:p>
-            <a:pPr marL="342900" indent="-342900">
-              <a:buFont typeface="Wingdings" panose="05000000000000000000" pitchFamily="2" charset="2"/>
-              <a:buChar char="ü"/>
-            </a:pPr>
-            <a:r>
-              <a:rPr lang="it-IT" sz="2400" dirty="0">
-                <a:solidFill>
-                  <a:schemeClr val="tx1"/>
-                </a:solidFill>
-                <a:latin typeface="Tahoma" panose="020B0604030504040204" pitchFamily="34" charset="0"/>
-                <a:ea typeface="Tahoma" panose="020B0604030504040204" pitchFamily="34" charset="0"/>
-                <a:cs typeface="Tahoma" panose="020B0604030504040204" pitchFamily="34" charset="0"/>
-              </a:rPr>
-              <a:t>Un Enterprise Data </a:t>
-            </a:r>
-            <a:r>
-              <a:rPr lang="it-IT" sz="2400" dirty="0" err="1">
-                <a:solidFill>
-                  <a:schemeClr val="tx1"/>
-                </a:solidFill>
-                <a:latin typeface="Tahoma" panose="020B0604030504040204" pitchFamily="34" charset="0"/>
-                <a:ea typeface="Tahoma" panose="020B0604030504040204" pitchFamily="34" charset="0"/>
-                <a:cs typeface="Tahoma" panose="020B0604030504040204" pitchFamily="34" charset="0"/>
-              </a:rPr>
-              <a:t>Warehouse</a:t>
-            </a:r>
-            <a:r>
-              <a:rPr lang="it-IT" sz="2400" dirty="0">
-                <a:solidFill>
-                  <a:schemeClr val="tx1"/>
-                </a:solidFill>
-                <a:latin typeface="Tahoma" panose="020B0604030504040204" pitchFamily="34" charset="0"/>
-                <a:ea typeface="Tahoma" panose="020B0604030504040204" pitchFamily="34" charset="0"/>
-                <a:cs typeface="Tahoma" panose="020B0604030504040204" pitchFamily="34" charset="0"/>
-              </a:rPr>
-              <a:t> (EDW) è un sistema che aggrega dati provenienti da differenti sorgenti in un singolo data store che supporti processi come: data </a:t>
-            </a:r>
-            <a:r>
-              <a:rPr lang="it-IT" sz="2400" dirty="0" err="1">
-                <a:solidFill>
-                  <a:schemeClr val="tx1"/>
-                </a:solidFill>
-                <a:latin typeface="Tahoma" panose="020B0604030504040204" pitchFamily="34" charset="0"/>
-                <a:ea typeface="Tahoma" panose="020B0604030504040204" pitchFamily="34" charset="0"/>
-                <a:cs typeface="Tahoma" panose="020B0604030504040204" pitchFamily="34" charset="0"/>
-              </a:rPr>
-              <a:t>analysis</a:t>
-            </a:r>
-            <a:r>
-              <a:rPr lang="it-IT" sz="2400" dirty="0">
-                <a:solidFill>
-                  <a:schemeClr val="tx1"/>
-                </a:solidFill>
-                <a:latin typeface="Tahoma" panose="020B0604030504040204" pitchFamily="34" charset="0"/>
-                <a:ea typeface="Tahoma" panose="020B0604030504040204" pitchFamily="34" charset="0"/>
-                <a:cs typeface="Tahoma" panose="020B0604030504040204" pitchFamily="34" charset="0"/>
-              </a:rPr>
-              <a:t>, data mining or </a:t>
-            </a:r>
-            <a:r>
-              <a:rPr lang="it-IT" sz="2400" dirty="0" err="1">
-                <a:solidFill>
-                  <a:schemeClr val="tx1"/>
-                </a:solidFill>
-                <a:latin typeface="Tahoma" panose="020B0604030504040204" pitchFamily="34" charset="0"/>
-                <a:ea typeface="Tahoma" panose="020B0604030504040204" pitchFamily="34" charset="0"/>
-                <a:cs typeface="Tahoma" panose="020B0604030504040204" pitchFamily="34" charset="0"/>
-              </a:rPr>
-              <a:t>Artificial</a:t>
-            </a:r>
-            <a:r>
-              <a:rPr lang="it-IT" sz="2400" dirty="0">
-                <a:solidFill>
-                  <a:schemeClr val="tx1"/>
-                </a:solidFill>
-                <a:latin typeface="Tahoma" panose="020B0604030504040204" pitchFamily="34" charset="0"/>
-                <a:ea typeface="Tahoma" panose="020B0604030504040204" pitchFamily="34" charset="0"/>
-                <a:cs typeface="Tahoma" panose="020B0604030504040204" pitchFamily="34" charset="0"/>
-              </a:rPr>
-              <a:t> Intelligence (AI, ML) </a:t>
-            </a:r>
-          </a:p>
-          <a:p>
-            <a:pPr marL="457200" indent="-457200">
-              <a:buFontTx/>
-              <a:buAutoNum type="arabicParenR"/>
-            </a:pPr>
-            <a:endParaRPr lang="it-IT" sz="2400" dirty="0">
-              <a:solidFill>
-                <a:schemeClr val="tx1"/>
-              </a:solidFill>
-              <a:latin typeface="Tahoma" panose="020B0604030504040204" pitchFamily="34" charset="0"/>
-              <a:ea typeface="Tahoma" panose="020B0604030504040204" pitchFamily="34" charset="0"/>
-              <a:cs typeface="Tahoma" panose="020B0604030504040204" pitchFamily="34" charset="0"/>
-            </a:endParaRPr>
-          </a:p>
-        </p:txBody>
-      </p:sp>
-      <p:sp>
-        <p:nvSpPr>
-          <p:cNvPr id="7" name="Segnaposto numero diapositiva 6">
-            <a:extLst>
-              <a:ext uri="{FF2B5EF4-FFF2-40B4-BE49-F238E27FC236}">
-                <a16:creationId xmlns:a16="http://schemas.microsoft.com/office/drawing/2014/main" id="{AB740BE9-E218-4144-BFDE-AE473D230A3D}"/>
-              </a:ext>
-            </a:extLst>
-          </p:cNvPr>
-          <p:cNvSpPr>
-            <a:spLocks noGrp="1"/>
-          </p:cNvSpPr>
-          <p:nvPr>
-            <p:ph type="sldNum" sz="quarter" idx="12"/>
-          </p:nvPr>
-        </p:nvSpPr>
-        <p:spPr/>
-        <p:txBody>
-          <a:bodyPr/>
-          <a:lstStyle/>
-          <a:p>
-            <a:pPr>
-              <a:defRPr/>
-            </a:pPr>
-            <a:fld id="{48B4153A-D4C5-4CEF-8992-0D8815C829E3}" type="slidenum">
-              <a:rPr lang="en-US" smtClean="0"/>
-              <a:pPr>
-                <a:defRPr/>
-              </a:pPr>
-              <a:t>10</a:t>
-            </a:fld>
-            <a:endParaRPr lang="en-US" dirty="0"/>
-          </a:p>
-        </p:txBody>
-      </p:sp>
-      <p:sp>
-        <p:nvSpPr>
-          <p:cNvPr id="5" name="Titolo 4">
-            <a:extLst>
-              <a:ext uri="{FF2B5EF4-FFF2-40B4-BE49-F238E27FC236}">
-                <a16:creationId xmlns:a16="http://schemas.microsoft.com/office/drawing/2014/main" id="{82C46BA2-B380-4357-B125-BA9F08A643F5}"/>
-              </a:ext>
-            </a:extLst>
-          </p:cNvPr>
-          <p:cNvSpPr>
-            <a:spLocks noGrp="1"/>
-          </p:cNvSpPr>
-          <p:nvPr>
-            <p:ph type="title"/>
-          </p:nvPr>
-        </p:nvSpPr>
-        <p:spPr>
-          <a:xfrm>
-            <a:off x="468895" y="503475"/>
-            <a:ext cx="11269308" cy="384721"/>
-          </a:xfrm>
-        </p:spPr>
-        <p:txBody>
-          <a:bodyPr/>
-          <a:lstStyle/>
-          <a:p>
-            <a:r>
-              <a:rPr lang="it-IT" dirty="0"/>
-              <a:t>Statistica </a:t>
-            </a:r>
-          </a:p>
-        </p:txBody>
-      </p:sp>
-      <p:pic>
-        <p:nvPicPr>
-          <p:cNvPr id="4" name="Immagine 3">
-            <a:extLst>
-              <a:ext uri="{FF2B5EF4-FFF2-40B4-BE49-F238E27FC236}">
-                <a16:creationId xmlns:a16="http://schemas.microsoft.com/office/drawing/2014/main" id="{F086394A-6065-C8CF-4979-81B8F4EA4859}"/>
-              </a:ext>
-            </a:extLst>
-          </p:cNvPr>
-          <p:cNvPicPr>
-            <a:picLocks noChangeAspect="1"/>
-          </p:cNvPicPr>
-          <p:nvPr/>
-        </p:nvPicPr>
-        <p:blipFill>
-          <a:blip r:embed="rId2"/>
-          <a:stretch>
-            <a:fillRect/>
-          </a:stretch>
-        </p:blipFill>
-        <p:spPr>
-          <a:xfrm>
-            <a:off x="8088923" y="4951829"/>
-            <a:ext cx="3776780" cy="1742110"/>
-          </a:xfrm>
-          <a:prstGeom prst="rect">
-            <a:avLst/>
-          </a:prstGeom>
-        </p:spPr>
-      </p:pic>
-    </p:spTree>
-    <p:extLst>
-      <p:ext uri="{BB962C8B-B14F-4D97-AF65-F5344CB8AC3E}">
-        <p14:creationId xmlns:p14="http://schemas.microsoft.com/office/powerpoint/2010/main" val="395650612"/>
-      </p:ext>
-    </p:extLst>
-  </p:cSld>
-  <p:clrMapOvr>
-    <a:masterClrMapping/>
-  </p:clrMapOvr>
-</p:sld>
-</file>
-
-<file path=ppt/slides/slide11.xml><?xml version="1.0" encoding="utf-8"?>
-<p:sld xmlns:a="http://schemas.openxmlformats.org/drawingml/2006/main" xmlns:r="http://schemas.openxmlformats.org/officeDocument/2006/relationships" xmlns:p="http://schemas.openxmlformats.org/presentationml/2006/main">
-  <p:cSld>
-    <p:spTree>
-      <p:nvGrpSpPr>
-        <p:cNvPr id="1" name=""/>
-        <p:cNvGrpSpPr/>
-        <p:nvPr/>
-      </p:nvGrpSpPr>
-      <p:grpSpPr>
-        <a:xfrm>
-          <a:off x="0" y="0"/>
-          <a:ext cx="0" cy="0"/>
-          <a:chOff x="0" y="0"/>
-          <a:chExt cx="0" cy="0"/>
-        </a:xfrm>
-      </p:grpSpPr>
-      <p:sp>
-        <p:nvSpPr>
-          <p:cNvPr id="7" name="Segnaposto numero diapositiva 6">
-            <a:extLst>
-              <a:ext uri="{FF2B5EF4-FFF2-40B4-BE49-F238E27FC236}">
-                <a16:creationId xmlns:a16="http://schemas.microsoft.com/office/drawing/2014/main" id="{AB740BE9-E218-4144-BFDE-AE473D230A3D}"/>
-              </a:ext>
-            </a:extLst>
-          </p:cNvPr>
-          <p:cNvSpPr>
-            <a:spLocks noGrp="1"/>
-          </p:cNvSpPr>
-          <p:nvPr>
-            <p:ph type="sldNum" sz="quarter" idx="12"/>
-          </p:nvPr>
-        </p:nvSpPr>
-        <p:spPr/>
-        <p:txBody>
-          <a:bodyPr/>
-          <a:lstStyle/>
-          <a:p>
-            <a:pPr>
-              <a:defRPr/>
-            </a:pPr>
-            <a:fld id="{48B4153A-D4C5-4CEF-8992-0D8815C829E3}" type="slidenum">
-              <a:rPr lang="en-US" smtClean="0"/>
-              <a:pPr>
-                <a:defRPr/>
-              </a:pPr>
-              <a:t>11</a:t>
-            </a:fld>
-            <a:endParaRPr lang="en-US" dirty="0"/>
-          </a:p>
-        </p:txBody>
-      </p:sp>
-      <p:sp>
-        <p:nvSpPr>
-          <p:cNvPr id="5" name="Titolo 4">
-            <a:extLst>
-              <a:ext uri="{FF2B5EF4-FFF2-40B4-BE49-F238E27FC236}">
-                <a16:creationId xmlns:a16="http://schemas.microsoft.com/office/drawing/2014/main" id="{82C46BA2-B380-4357-B125-BA9F08A643F5}"/>
-              </a:ext>
-            </a:extLst>
-          </p:cNvPr>
-          <p:cNvSpPr>
-            <a:spLocks noGrp="1"/>
-          </p:cNvSpPr>
-          <p:nvPr>
-            <p:ph type="title"/>
-          </p:nvPr>
-        </p:nvSpPr>
-        <p:spPr>
-          <a:xfrm>
-            <a:off x="468895" y="503475"/>
-            <a:ext cx="11269308" cy="384721"/>
-          </a:xfrm>
-        </p:spPr>
-        <p:txBody>
-          <a:bodyPr/>
-          <a:lstStyle/>
-          <a:p>
-            <a:r>
-              <a:rPr lang="it-IT" altLang="it-IT" dirty="0" err="1"/>
-              <a:t>References</a:t>
-            </a:r>
-            <a:endParaRPr lang="it-IT" dirty="0"/>
-          </a:p>
-        </p:txBody>
-      </p:sp>
-      <p:sp>
-        <p:nvSpPr>
-          <p:cNvPr id="3" name="Segnaposto testo 2">
-            <a:extLst>
-              <a:ext uri="{FF2B5EF4-FFF2-40B4-BE49-F238E27FC236}">
-                <a16:creationId xmlns:a16="http://schemas.microsoft.com/office/drawing/2014/main" id="{15CD42DB-61E6-AA3D-7125-BF4BEDB5D886}"/>
-              </a:ext>
-            </a:extLst>
-          </p:cNvPr>
-          <p:cNvSpPr>
-            <a:spLocks noGrp="1"/>
-          </p:cNvSpPr>
-          <p:nvPr>
-            <p:ph type="body" idx="1"/>
-          </p:nvPr>
-        </p:nvSpPr>
-        <p:spPr/>
-        <p:txBody>
-          <a:bodyPr/>
-          <a:lstStyle/>
-          <a:p>
-            <a:r>
-              <a:rPr lang="it-IT" dirty="0">
-                <a:hlinkClick r:id="rId2"/>
-              </a:rPr>
-              <a:t>https://www.stitchdata.com/resources/data-transformation</a:t>
-            </a:r>
-            <a:endParaRPr lang="it-IT" dirty="0"/>
-          </a:p>
-          <a:p>
-            <a:endParaRPr lang="it-IT" dirty="0"/>
-          </a:p>
-        </p:txBody>
-      </p:sp>
-    </p:spTree>
-    <p:extLst>
-      <p:ext uri="{BB962C8B-B14F-4D97-AF65-F5344CB8AC3E}">
-        <p14:creationId xmlns:p14="http://schemas.microsoft.com/office/powerpoint/2010/main" val="3490964097"/>
-      </p:ext>
-    </p:extLst>
-  </p:cSld>
-  <p:clrMapOvr>
-    <a:masterClrMapping/>
-  </p:clrMapOvr>
-</p:sld>
-</file>
-
 <file path=ppt/slides/slide2.xml><?xml version="1.0" encoding="utf-8"?>
 <p:sld xmlns:a="http://schemas.openxmlformats.org/drawingml/2006/main" xmlns:r="http://schemas.openxmlformats.org/officeDocument/2006/relationships" xmlns:p="http://schemas.openxmlformats.org/presentationml/2006/main">
   <p:cSld>
@@ -10197,241 +9688,6 @@
       </p:grpSpPr>
       <p:sp>
         <p:nvSpPr>
-          <p:cNvPr id="2" name="Segnaposto testo 1">
-            <a:extLst>
-              <a:ext uri="{FF2B5EF4-FFF2-40B4-BE49-F238E27FC236}">
-                <a16:creationId xmlns:a16="http://schemas.microsoft.com/office/drawing/2014/main" id="{E5AE986C-196F-4141-A898-FA4C4198CDCC}"/>
-              </a:ext>
-            </a:extLst>
-          </p:cNvPr>
-          <p:cNvSpPr>
-            <a:spLocks noGrp="1"/>
-          </p:cNvSpPr>
-          <p:nvPr>
-            <p:ph type="body" idx="1"/>
-          </p:nvPr>
-        </p:nvSpPr>
-        <p:spPr>
-          <a:xfrm>
-            <a:off x="326297" y="1213806"/>
-            <a:ext cx="11518700" cy="4392612"/>
-          </a:xfrm>
-        </p:spPr>
-        <p:txBody>
-          <a:bodyPr/>
-          <a:lstStyle/>
-          <a:p>
-            <a:pPr marL="342900" indent="-342900">
-              <a:buFont typeface="Wingdings" panose="05000000000000000000" pitchFamily="2" charset="2"/>
-              <a:buChar char="ü"/>
-            </a:pPr>
-            <a:r>
-              <a:rPr lang="it-IT" sz="2400" b="1" dirty="0">
-                <a:solidFill>
-                  <a:schemeClr val="tx1"/>
-                </a:solidFill>
-                <a:latin typeface="Tahoma" panose="020B0604030504040204" pitchFamily="34" charset="0"/>
-                <a:ea typeface="Tahoma" panose="020B0604030504040204" pitchFamily="34" charset="0"/>
-                <a:cs typeface="Tahoma" panose="020B0604030504040204" pitchFamily="34" charset="0"/>
-              </a:rPr>
-              <a:t>ETL</a:t>
-            </a:r>
-            <a:r>
-              <a:rPr lang="it-IT" sz="2400" dirty="0">
-                <a:solidFill>
-                  <a:schemeClr val="tx1"/>
-                </a:solidFill>
-                <a:latin typeface="Tahoma" panose="020B0604030504040204" pitchFamily="34" charset="0"/>
-                <a:ea typeface="Tahoma" panose="020B0604030504040204" pitchFamily="34" charset="0"/>
-                <a:cs typeface="Tahoma" panose="020B0604030504040204" pitchFamily="34" charset="0"/>
-              </a:rPr>
-              <a:t>, è un processo di Data Integration (Integrazione Dati) che combina i dati provenienti da diverse sorgenti di dati all’interno di una singola data store consistente che è in genere caricato in un data </a:t>
-            </a:r>
-            <a:r>
-              <a:rPr lang="it-IT" sz="2400" dirty="0" err="1">
-                <a:solidFill>
-                  <a:schemeClr val="tx1"/>
-                </a:solidFill>
-                <a:latin typeface="Tahoma" panose="020B0604030504040204" pitchFamily="34" charset="0"/>
-                <a:ea typeface="Tahoma" panose="020B0604030504040204" pitchFamily="34" charset="0"/>
-                <a:cs typeface="Tahoma" panose="020B0604030504040204" pitchFamily="34" charset="0"/>
-              </a:rPr>
-              <a:t>warehouse</a:t>
-            </a:r>
-            <a:r>
-              <a:rPr lang="it-IT" sz="2400" dirty="0">
-                <a:solidFill>
-                  <a:schemeClr val="tx1"/>
-                </a:solidFill>
-                <a:latin typeface="Tahoma" panose="020B0604030504040204" pitchFamily="34" charset="0"/>
-                <a:ea typeface="Tahoma" panose="020B0604030504040204" pitchFamily="34" charset="0"/>
-                <a:cs typeface="Tahoma" panose="020B0604030504040204" pitchFamily="34" charset="0"/>
-              </a:rPr>
-              <a:t> o un sistema Target. </a:t>
-            </a:r>
-          </a:p>
-          <a:p>
-            <a:pPr marL="342900" indent="-342900">
-              <a:buFont typeface="Wingdings" panose="05000000000000000000" pitchFamily="2" charset="2"/>
-              <a:buChar char="ü"/>
-            </a:pPr>
-            <a:r>
-              <a:rPr lang="it-IT" sz="2400" dirty="0">
-                <a:solidFill>
-                  <a:schemeClr val="tx1"/>
-                </a:solidFill>
-                <a:latin typeface="Tahoma" panose="020B0604030504040204" pitchFamily="34" charset="0"/>
-                <a:ea typeface="Tahoma" panose="020B0604030504040204" pitchFamily="34" charset="0"/>
-                <a:cs typeface="Tahoma" panose="020B0604030504040204" pitchFamily="34" charset="0"/>
-              </a:rPr>
-              <a:t>Man mano che i database sono cresciuti in popolarità intorno al 1970, </a:t>
-            </a:r>
-            <a:r>
-              <a:rPr lang="it-IT" sz="2400" b="1" dirty="0">
-                <a:solidFill>
-                  <a:schemeClr val="tx1"/>
-                </a:solidFill>
-                <a:latin typeface="Tahoma" panose="020B0604030504040204" pitchFamily="34" charset="0"/>
-                <a:ea typeface="Tahoma" panose="020B0604030504040204" pitchFamily="34" charset="0"/>
-                <a:cs typeface="Tahoma" panose="020B0604030504040204" pitchFamily="34" charset="0"/>
-              </a:rPr>
-              <a:t>l’ETL</a:t>
-            </a:r>
-            <a:r>
-              <a:rPr lang="it-IT" sz="2400" dirty="0">
-                <a:solidFill>
-                  <a:schemeClr val="tx1"/>
-                </a:solidFill>
-                <a:latin typeface="Tahoma" panose="020B0604030504040204" pitchFamily="34" charset="0"/>
-                <a:ea typeface="Tahoma" panose="020B0604030504040204" pitchFamily="34" charset="0"/>
-                <a:cs typeface="Tahoma" panose="020B0604030504040204" pitchFamily="34" charset="0"/>
-              </a:rPr>
-              <a:t> fu introdotto come processo di integrazione e caricamento dati per elaborazione ed analisi, e alla fine è divenuto il metodo primario per processare dati per i progetti di data </a:t>
-            </a:r>
-            <a:r>
-              <a:rPr lang="it-IT" sz="2400" b="1" dirty="0">
-                <a:solidFill>
-                  <a:schemeClr val="tx1"/>
-                </a:solidFill>
-                <a:latin typeface="Tahoma" panose="020B0604030504040204" pitchFamily="34" charset="0"/>
-                <a:ea typeface="Tahoma" panose="020B0604030504040204" pitchFamily="34" charset="0"/>
-                <a:cs typeface="Tahoma" panose="020B0604030504040204" pitchFamily="34" charset="0"/>
-              </a:rPr>
-              <a:t>warehousing</a:t>
-            </a:r>
-            <a:r>
-              <a:rPr lang="it-IT" sz="2400" dirty="0">
-                <a:solidFill>
-                  <a:schemeClr val="tx1"/>
-                </a:solidFill>
-                <a:latin typeface="Tahoma" panose="020B0604030504040204" pitchFamily="34" charset="0"/>
-                <a:ea typeface="Tahoma" panose="020B0604030504040204" pitchFamily="34" charset="0"/>
-                <a:cs typeface="Tahoma" panose="020B0604030504040204" pitchFamily="34" charset="0"/>
-              </a:rPr>
-              <a:t>.</a:t>
-            </a:r>
-          </a:p>
-          <a:p>
-            <a:pPr marL="342900" indent="-342900">
-              <a:buFont typeface="Wingdings" panose="05000000000000000000" pitchFamily="2" charset="2"/>
-              <a:buChar char="ü"/>
-            </a:pPr>
-            <a:r>
-              <a:rPr lang="it-IT" sz="2400" dirty="0">
-                <a:solidFill>
-                  <a:schemeClr val="tx1"/>
-                </a:solidFill>
-                <a:latin typeface="Tahoma" panose="020B0604030504040204" pitchFamily="34" charset="0"/>
-                <a:ea typeface="Tahoma" panose="020B0604030504040204" pitchFamily="34" charset="0"/>
-                <a:cs typeface="Tahoma" panose="020B0604030504040204" pitchFamily="34" charset="0"/>
-              </a:rPr>
-              <a:t>Un Enterprise Data </a:t>
-            </a:r>
-            <a:r>
-              <a:rPr lang="it-IT" sz="2400" dirty="0" err="1">
-                <a:solidFill>
-                  <a:schemeClr val="tx1"/>
-                </a:solidFill>
-                <a:latin typeface="Tahoma" panose="020B0604030504040204" pitchFamily="34" charset="0"/>
-                <a:ea typeface="Tahoma" panose="020B0604030504040204" pitchFamily="34" charset="0"/>
-                <a:cs typeface="Tahoma" panose="020B0604030504040204" pitchFamily="34" charset="0"/>
-              </a:rPr>
-              <a:t>Warehouse</a:t>
-            </a:r>
-            <a:r>
-              <a:rPr lang="it-IT" sz="2400" dirty="0">
-                <a:solidFill>
-                  <a:schemeClr val="tx1"/>
-                </a:solidFill>
-                <a:latin typeface="Tahoma" panose="020B0604030504040204" pitchFamily="34" charset="0"/>
-                <a:ea typeface="Tahoma" panose="020B0604030504040204" pitchFamily="34" charset="0"/>
-                <a:cs typeface="Tahoma" panose="020B0604030504040204" pitchFamily="34" charset="0"/>
-              </a:rPr>
-              <a:t> (EDW) è un sistema che aggrega dati provenienti da differenti sorgenti in un singolo data store che supporti processi come: data </a:t>
-            </a:r>
-            <a:r>
-              <a:rPr lang="it-IT" sz="2400" dirty="0" err="1">
-                <a:solidFill>
-                  <a:schemeClr val="tx1"/>
-                </a:solidFill>
-                <a:latin typeface="Tahoma" panose="020B0604030504040204" pitchFamily="34" charset="0"/>
-                <a:ea typeface="Tahoma" panose="020B0604030504040204" pitchFamily="34" charset="0"/>
-                <a:cs typeface="Tahoma" panose="020B0604030504040204" pitchFamily="34" charset="0"/>
-              </a:rPr>
-              <a:t>analysis</a:t>
-            </a:r>
-            <a:r>
-              <a:rPr lang="it-IT" sz="2400" dirty="0">
-                <a:solidFill>
-                  <a:schemeClr val="tx1"/>
-                </a:solidFill>
-                <a:latin typeface="Tahoma" panose="020B0604030504040204" pitchFamily="34" charset="0"/>
-                <a:ea typeface="Tahoma" panose="020B0604030504040204" pitchFamily="34" charset="0"/>
-                <a:cs typeface="Tahoma" panose="020B0604030504040204" pitchFamily="34" charset="0"/>
-              </a:rPr>
-              <a:t>, data mining or </a:t>
-            </a:r>
-            <a:r>
-              <a:rPr lang="it-IT" sz="2400" dirty="0" err="1">
-                <a:solidFill>
-                  <a:schemeClr val="tx1"/>
-                </a:solidFill>
-                <a:latin typeface="Tahoma" panose="020B0604030504040204" pitchFamily="34" charset="0"/>
-                <a:ea typeface="Tahoma" panose="020B0604030504040204" pitchFamily="34" charset="0"/>
-                <a:cs typeface="Tahoma" panose="020B0604030504040204" pitchFamily="34" charset="0"/>
-              </a:rPr>
-              <a:t>Artificial</a:t>
-            </a:r>
-            <a:r>
-              <a:rPr lang="it-IT" sz="2400" dirty="0">
-                <a:solidFill>
-                  <a:schemeClr val="tx1"/>
-                </a:solidFill>
-                <a:latin typeface="Tahoma" panose="020B0604030504040204" pitchFamily="34" charset="0"/>
-                <a:ea typeface="Tahoma" panose="020B0604030504040204" pitchFamily="34" charset="0"/>
-                <a:cs typeface="Tahoma" panose="020B0604030504040204" pitchFamily="34" charset="0"/>
-              </a:rPr>
-              <a:t> Intelligence (AI, ML) </a:t>
-            </a:r>
-          </a:p>
-          <a:p>
-            <a:pPr marL="457200" indent="-457200">
-              <a:buFontTx/>
-              <a:buAutoNum type="arabicParenR"/>
-            </a:pPr>
-            <a:endParaRPr lang="it-IT" sz="2400" dirty="0">
-              <a:solidFill>
-                <a:schemeClr val="tx1"/>
-              </a:solidFill>
-              <a:latin typeface="Tahoma" panose="020B0604030504040204" pitchFamily="34" charset="0"/>
-              <a:ea typeface="Tahoma" panose="020B0604030504040204" pitchFamily="34" charset="0"/>
-              <a:cs typeface="Tahoma" panose="020B0604030504040204" pitchFamily="34" charset="0"/>
-            </a:endParaRPr>
-          </a:p>
-        </p:txBody>
-      </p:sp>
-      <p:sp>
-        <p:nvSpPr>
           <p:cNvPr id="7" name="Segnaposto numero diapositiva 6">
             <a:extLst>
               <a:ext uri="{FF2B5EF4-FFF2-40B4-BE49-F238E27FC236}">
@@ -10492,63 +9748,51 @@
           <a:lstStyle/>
           <a:p>
             <a:r>
-              <a:rPr lang="it-IT" altLang="it-IT" dirty="0"/>
-              <a:t>ETL – </a:t>
-            </a:r>
-            <a:r>
-              <a:rPr lang="it-IT" altLang="it-IT" dirty="0" err="1"/>
-              <a:t>Extract</a:t>
-            </a:r>
-            <a:r>
-              <a:rPr lang="it-IT" altLang="it-IT" dirty="0"/>
-              <a:t>, </a:t>
-            </a:r>
-            <a:r>
-              <a:rPr lang="it-IT" altLang="it-IT" dirty="0" err="1"/>
-              <a:t>Transform</a:t>
-            </a:r>
-            <a:r>
-              <a:rPr lang="it-IT" altLang="it-IT" dirty="0"/>
-              <a:t> and Load</a:t>
+              <a:rPr lang="it-IT" altLang="it-IT"/>
+              <a:t>Bibliografia</a:t>
             </a:r>
             <a:endParaRPr lang="it-IT" dirty="0"/>
           </a:p>
         </p:txBody>
       </p:sp>
-      <p:pic>
-        <p:nvPicPr>
-          <p:cNvPr id="4" name="Immagine 3">
+      <p:sp>
+        <p:nvSpPr>
+          <p:cNvPr id="3" name="Segnaposto testo 2">
             <a:extLst>
               <a:ext uri="{FF2B5EF4-FFF2-40B4-BE49-F238E27FC236}">
-                <a16:creationId xmlns:a16="http://schemas.microsoft.com/office/drawing/2014/main" id="{F086394A-6065-C8CF-4979-81B8F4EA4859}"/>
+                <a16:creationId xmlns:a16="http://schemas.microsoft.com/office/drawing/2014/main" id="{15CD42DB-61E6-AA3D-7125-BF4BEDB5D886}"/>
               </a:ext>
             </a:extLst>
           </p:cNvPr>
-          <p:cNvPicPr>
-            <a:picLocks noChangeAspect="1"/>
-          </p:cNvPicPr>
-          <p:nvPr/>
-        </p:nvPicPr>
-        <p:blipFill>
-          <a:blip r:embed="rId2"/>
-          <a:stretch>
-            <a:fillRect/>
-          </a:stretch>
-        </p:blipFill>
-        <p:spPr>
-          <a:xfrm>
-            <a:off x="8088923" y="4951829"/>
-            <a:ext cx="3776780" cy="1742110"/>
-          </a:xfrm>
-          <a:prstGeom prst="rect">
-            <a:avLst/>
-          </a:prstGeom>
-        </p:spPr>
-      </p:pic>
+          <p:cNvSpPr>
+            <a:spLocks noGrp="1"/>
+          </p:cNvSpPr>
+          <p:nvPr>
+            <p:ph type="body" idx="1"/>
+          </p:nvPr>
+        </p:nvSpPr>
+        <p:spPr/>
+        <p:txBody>
+          <a:bodyPr/>
+          <a:lstStyle/>
+          <a:p>
+            <a:r>
+              <a:rPr lang="it-IT" dirty="0">
+                <a:hlinkClick r:id="rId2"/>
+              </a:rPr>
+              <a:t>https://www.stitchdata.com/resources/data-transformation</a:t>
+            </a:r>
+            <a:endParaRPr lang="it-IT" dirty="0"/>
+          </a:p>
+          <a:p>
+            <a:endParaRPr lang="it-IT" dirty="0"/>
+          </a:p>
+        </p:txBody>
+      </p:sp>
     </p:spTree>
     <p:extLst>
       <p:ext uri="{BB962C8B-B14F-4D97-AF65-F5344CB8AC3E}">
-        <p14:creationId xmlns:p14="http://schemas.microsoft.com/office/powerpoint/2010/main" val="1627696033"/>
+        <p14:creationId xmlns:p14="http://schemas.microsoft.com/office/powerpoint/2010/main" val="3490964097"/>
       </p:ext>
     </p:extLst>
   </p:cSld>

--- a/Data_Science_ita.pptx
+++ b/Data_Science_ita.pptx
@@ -5,7 +5,7 @@
     <p:sldMasterId id="2147483648" r:id="rId5"/>
   </p:sldMasterIdLst>
   <p:notesMasterIdLst>
-    <p:notesMasterId r:id="rId15"/>
+    <p:notesMasterId r:id="rId17"/>
   </p:notesMasterIdLst>
   <p:sldIdLst>
     <p:sldId id="256" r:id="rId6"/>
@@ -13,10 +13,12 @@
     <p:sldId id="340" r:id="rId8"/>
     <p:sldId id="341" r:id="rId9"/>
     <p:sldId id="342" r:id="rId10"/>
-    <p:sldId id="336" r:id="rId11"/>
-    <p:sldId id="338" r:id="rId12"/>
-    <p:sldId id="337" r:id="rId13"/>
-    <p:sldId id="343" r:id="rId14"/>
+    <p:sldId id="344" r:id="rId11"/>
+    <p:sldId id="345" r:id="rId12"/>
+    <p:sldId id="336" r:id="rId13"/>
+    <p:sldId id="338" r:id="rId14"/>
+    <p:sldId id="337" r:id="rId15"/>
+    <p:sldId id="343" r:id="rId16"/>
   </p:sldIdLst>
   <p:sldSz cx="12192000" cy="6858000"/>
   <p:notesSz cx="6858000" cy="9144000"/>
@@ -274,7 +276,7 @@
               <a:pPr>
                 <a:defRPr/>
               </a:pPr>
-              <a:t>6/26/2022</a:t>
+              <a:t>6/27/2022</a:t>
             </a:fld>
             <a:endParaRPr lang="en-US"/>
           </a:p>
@@ -6787,6 +6789,502 @@
 </p:sld>
 </file>
 
+<file path=ppt/slides/slide10.xml><?xml version="1.0" encoding="utf-8"?>
+<p:sld xmlns:a="http://schemas.openxmlformats.org/drawingml/2006/main" xmlns:r="http://schemas.openxmlformats.org/officeDocument/2006/relationships" xmlns:p="http://schemas.openxmlformats.org/presentationml/2006/main">
+  <p:cSld>
+    <p:spTree>
+      <p:nvGrpSpPr>
+        <p:cNvPr id="1" name=""/>
+        <p:cNvGrpSpPr/>
+        <p:nvPr/>
+      </p:nvGrpSpPr>
+      <p:grpSpPr>
+        <a:xfrm>
+          <a:off x="0" y="0"/>
+          <a:ext cx="0" cy="0"/>
+          <a:chOff x="0" y="0"/>
+          <a:chExt cx="0" cy="0"/>
+        </a:xfrm>
+      </p:grpSpPr>
+      <p:sp>
+        <p:nvSpPr>
+          <p:cNvPr id="2" name="Segnaposto testo 1">
+            <a:extLst>
+              <a:ext uri="{FF2B5EF4-FFF2-40B4-BE49-F238E27FC236}">
+                <a16:creationId xmlns:a16="http://schemas.microsoft.com/office/drawing/2014/main" id="{E5AE986C-196F-4141-A898-FA4C4198CDCC}"/>
+              </a:ext>
+            </a:extLst>
+          </p:cNvPr>
+          <p:cNvSpPr>
+            <a:spLocks noGrp="1"/>
+          </p:cNvSpPr>
+          <p:nvPr>
+            <p:ph type="body" idx="1"/>
+          </p:nvPr>
+        </p:nvSpPr>
+        <p:spPr>
+          <a:xfrm>
+            <a:off x="326297" y="1213806"/>
+            <a:ext cx="11518700" cy="4392612"/>
+          </a:xfrm>
+        </p:spPr>
+        <p:txBody>
+          <a:bodyPr/>
+          <a:lstStyle/>
+          <a:p>
+            <a:pPr marL="342900" indent="-342900">
+              <a:buFont typeface="Wingdings" panose="05000000000000000000" pitchFamily="2" charset="2"/>
+              <a:buChar char="ü"/>
+            </a:pPr>
+            <a:r>
+              <a:rPr lang="it-IT" sz="2400" dirty="0">
+                <a:solidFill>
+                  <a:schemeClr val="tx1"/>
+                </a:solidFill>
+                <a:latin typeface="Tahoma" panose="020B0604030504040204" pitchFamily="34" charset="0"/>
+                <a:ea typeface="Tahoma" panose="020B0604030504040204" pitchFamily="34" charset="0"/>
+                <a:cs typeface="Tahoma" panose="020B0604030504040204" pitchFamily="34" charset="0"/>
+              </a:rPr>
+              <a:t>L’Analisi dell’informazione richiede di solito dati accessibili e ben strutturati per ottenere i migliori risultati possibili. La Data </a:t>
+            </a:r>
+            <a:r>
+              <a:rPr lang="it-IT" sz="2400" dirty="0" err="1">
+                <a:solidFill>
+                  <a:schemeClr val="tx1"/>
+                </a:solidFill>
+                <a:latin typeface="Tahoma" panose="020B0604030504040204" pitchFamily="34" charset="0"/>
+                <a:ea typeface="Tahoma" panose="020B0604030504040204" pitchFamily="34" charset="0"/>
+                <a:cs typeface="Tahoma" panose="020B0604030504040204" pitchFamily="34" charset="0"/>
+              </a:rPr>
+              <a:t>Transformation</a:t>
+            </a:r>
+            <a:r>
+              <a:rPr lang="it-IT" sz="2400" dirty="0">
+                <a:solidFill>
+                  <a:schemeClr val="tx1"/>
+                </a:solidFill>
+                <a:latin typeface="Tahoma" panose="020B0604030504040204" pitchFamily="34" charset="0"/>
+                <a:ea typeface="Tahoma" panose="020B0604030504040204" pitchFamily="34" charset="0"/>
+                <a:cs typeface="Tahoma" panose="020B0604030504040204" pitchFamily="34" charset="0"/>
+              </a:rPr>
+              <a:t> rende alle </a:t>
+            </a:r>
+            <a:r>
+              <a:rPr lang="it-IT" sz="2400" dirty="0" err="1">
+                <a:solidFill>
+                  <a:schemeClr val="tx1"/>
+                </a:solidFill>
+                <a:latin typeface="Tahoma" panose="020B0604030504040204" pitchFamily="34" charset="0"/>
+                <a:ea typeface="Tahoma" panose="020B0604030504040204" pitchFamily="34" charset="0"/>
+                <a:cs typeface="Tahoma" panose="020B0604030504040204" pitchFamily="34" charset="0"/>
+              </a:rPr>
+              <a:t>organizziazioni</a:t>
+            </a:r>
+            <a:r>
+              <a:rPr lang="it-IT" sz="2400" dirty="0">
+                <a:solidFill>
+                  <a:schemeClr val="tx1"/>
+                </a:solidFill>
+                <a:latin typeface="Tahoma" panose="020B0604030504040204" pitchFamily="34" charset="0"/>
+                <a:ea typeface="Tahoma" panose="020B0604030504040204" pitchFamily="34" charset="0"/>
+                <a:cs typeface="Tahoma" panose="020B0604030504040204" pitchFamily="34" charset="0"/>
+              </a:rPr>
+              <a:t> possibile l’alterazione della struttura e del formato dei dati grezzi secondo le necessità. La Data Analytics più efficiente deriva anche dal modo in cui l’impresa trasforma i suoi dati. </a:t>
+            </a:r>
+          </a:p>
+          <a:p>
+            <a:pPr marL="342900" indent="-342900">
+              <a:buFont typeface="Wingdings" panose="05000000000000000000" pitchFamily="2" charset="2"/>
+              <a:buChar char="ü"/>
+            </a:pPr>
+            <a:r>
+              <a:rPr lang="en-US" sz="2400" dirty="0">
+                <a:solidFill>
+                  <a:schemeClr val="tx1"/>
+                </a:solidFill>
+                <a:latin typeface="Tahoma" panose="020B0604030504040204" pitchFamily="34" charset="0"/>
+                <a:ea typeface="Tahoma" panose="020B0604030504040204" pitchFamily="34" charset="0"/>
+                <a:cs typeface="Tahoma" panose="020B0604030504040204" pitchFamily="34" charset="0"/>
+              </a:rPr>
+              <a:t>La Data Transformation </a:t>
+            </a:r>
+          </a:p>
+          <a:p>
+            <a:pPr marL="342900" indent="-342900">
+              <a:buFont typeface="Wingdings" panose="05000000000000000000" pitchFamily="2" charset="2"/>
+              <a:buChar char="ü"/>
+            </a:pPr>
+            <a:endParaRPr lang="en-US" sz="2400" dirty="0">
+              <a:solidFill>
+                <a:srgbClr val="555555"/>
+              </a:solidFill>
+              <a:latin typeface="PT Sans" panose="020B0503020203020204" pitchFamily="34" charset="0"/>
+            </a:endParaRPr>
+          </a:p>
+          <a:p>
+            <a:pPr marL="342900" indent="-342900">
+              <a:buFont typeface="Wingdings" panose="05000000000000000000" pitchFamily="2" charset="2"/>
+              <a:buChar char="ü"/>
+            </a:pPr>
+            <a:endParaRPr lang="en-US" sz="2400" b="0" i="0" dirty="0">
+              <a:solidFill>
+                <a:srgbClr val="555555"/>
+              </a:solidFill>
+              <a:effectLst/>
+              <a:latin typeface="PT Sans" panose="020B0503020203020204" pitchFamily="34" charset="0"/>
+            </a:endParaRPr>
+          </a:p>
+          <a:p>
+            <a:pPr marL="342900" indent="-342900">
+              <a:buFont typeface="Wingdings" panose="05000000000000000000" pitchFamily="2" charset="2"/>
+              <a:buChar char="ü"/>
+            </a:pPr>
+            <a:r>
+              <a:rPr lang="en-US" sz="2400" b="0" i="0" dirty="0">
+                <a:solidFill>
+                  <a:srgbClr val="555555"/>
+                </a:solidFill>
+                <a:effectLst/>
+                <a:latin typeface="PT Sans" panose="020B0503020203020204" pitchFamily="34" charset="0"/>
+              </a:rPr>
+              <a:t>Data transformation is the process of changing the format, structure, or values of data. For data analytics projects, data may be transformed at two stages of the data pipeline. Organizations that use on-premises data warehouses generally use an ETL (</a:t>
+            </a:r>
+            <a:r>
+              <a:rPr lang="en-US" sz="2400" b="1" i="0" u="none" strike="noStrike" dirty="0">
+                <a:solidFill>
+                  <a:srgbClr val="0675C1"/>
+                </a:solidFill>
+                <a:effectLst/>
+                <a:latin typeface="PT Sans" panose="020B0503020203020204" pitchFamily="34" charset="0"/>
+                <a:hlinkClick r:id="rId2"/>
+              </a:rPr>
+              <a:t>extract, transform, load</a:t>
+            </a:r>
+            <a:r>
+              <a:rPr lang="en-US" sz="2400" b="0" i="0" dirty="0">
+                <a:solidFill>
+                  <a:srgbClr val="555555"/>
+                </a:solidFill>
+                <a:effectLst/>
+                <a:latin typeface="PT Sans" panose="020B0503020203020204" pitchFamily="34" charset="0"/>
+              </a:rPr>
+              <a:t>) process, in which </a:t>
+            </a:r>
+            <a:r>
+              <a:rPr lang="en-US" sz="2400" b="1" i="0" u="none" strike="noStrike" dirty="0">
+                <a:solidFill>
+                  <a:srgbClr val="0675C1"/>
+                </a:solidFill>
+                <a:effectLst/>
+                <a:latin typeface="PT Sans" panose="020B0503020203020204" pitchFamily="34" charset="0"/>
+                <a:hlinkClick r:id="rId3"/>
+              </a:rPr>
+              <a:t>data transformation is the middle step</a:t>
+            </a:r>
+            <a:r>
+              <a:rPr lang="en-US" sz="2400" b="0" i="0" dirty="0">
+                <a:solidFill>
+                  <a:srgbClr val="555555"/>
+                </a:solidFill>
+                <a:effectLst/>
+                <a:latin typeface="PT Sans" panose="020B0503020203020204" pitchFamily="34" charset="0"/>
+              </a:rPr>
+              <a:t>. Today, most organizations use cloud-based data warehouses, which can scale compute and storage resources with latency measured in seconds or minutes. The scalability of the cloud platform lets organizations skip preload transformations and load raw data into the data warehouse, then transform it at query time — a model called ELT ( </a:t>
+            </a:r>
+            <a:r>
+              <a:rPr lang="en-US" sz="2400" b="1" i="0" u="none" strike="noStrike" dirty="0">
+                <a:solidFill>
+                  <a:srgbClr val="0675C1"/>
+                </a:solidFill>
+                <a:effectLst/>
+                <a:latin typeface="PT Sans" panose="020B0503020203020204" pitchFamily="34" charset="0"/>
+                <a:hlinkClick r:id="rId4"/>
+              </a:rPr>
+              <a:t>extract, load, transform)</a:t>
+            </a:r>
+            <a:r>
+              <a:rPr lang="en-US" sz="2400" b="0" i="0" dirty="0">
+                <a:solidFill>
+                  <a:srgbClr val="555555"/>
+                </a:solidFill>
+                <a:effectLst/>
+                <a:latin typeface="PT Sans" panose="020B0503020203020204" pitchFamily="34" charset="0"/>
+              </a:rPr>
+              <a:t>.</a:t>
+            </a:r>
+            <a:endParaRPr lang="it-IT" sz="2400" dirty="0">
+              <a:solidFill>
+                <a:schemeClr val="tx1"/>
+              </a:solidFill>
+              <a:latin typeface="Tahoma" panose="020B0604030504040204" pitchFamily="34" charset="0"/>
+              <a:ea typeface="Tahoma" panose="020B0604030504040204" pitchFamily="34" charset="0"/>
+              <a:cs typeface="Tahoma" panose="020B0604030504040204" pitchFamily="34" charset="0"/>
+            </a:endParaRPr>
+          </a:p>
+          <a:p>
+            <a:endParaRPr lang="it-IT" sz="2400" dirty="0">
+              <a:solidFill>
+                <a:schemeClr val="tx1"/>
+              </a:solidFill>
+              <a:latin typeface="Tahoma" panose="020B0604030504040204" pitchFamily="34" charset="0"/>
+              <a:ea typeface="Tahoma" panose="020B0604030504040204" pitchFamily="34" charset="0"/>
+              <a:cs typeface="Tahoma" panose="020B0604030504040204" pitchFamily="34" charset="0"/>
+            </a:endParaRPr>
+          </a:p>
+        </p:txBody>
+      </p:sp>
+      <p:sp>
+        <p:nvSpPr>
+          <p:cNvPr id="7" name="Segnaposto numero diapositiva 6">
+            <a:extLst>
+              <a:ext uri="{FF2B5EF4-FFF2-40B4-BE49-F238E27FC236}">
+                <a16:creationId xmlns:a16="http://schemas.microsoft.com/office/drawing/2014/main" id="{AB740BE9-E218-4144-BFDE-AE473D230A3D}"/>
+              </a:ext>
+            </a:extLst>
+          </p:cNvPr>
+          <p:cNvSpPr>
+            <a:spLocks noGrp="1"/>
+          </p:cNvSpPr>
+          <p:nvPr>
+            <p:ph type="sldNum" sz="quarter" idx="12"/>
+          </p:nvPr>
+        </p:nvSpPr>
+        <p:spPr/>
+        <p:txBody>
+          <a:bodyPr/>
+          <a:lstStyle/>
+          <a:p>
+            <a:pPr>
+              <a:defRPr/>
+            </a:pPr>
+            <a:fld id="{48B4153A-D4C5-4CEF-8992-0D8815C829E3}" type="slidenum">
+              <a:rPr lang="en-US" smtClean="0"/>
+              <a:pPr>
+                <a:defRPr/>
+              </a:pPr>
+              <a:t>10</a:t>
+            </a:fld>
+            <a:endParaRPr lang="en-US" dirty="0"/>
+          </a:p>
+        </p:txBody>
+      </p:sp>
+      <p:sp>
+        <p:nvSpPr>
+          <p:cNvPr id="5" name="Titolo 4">
+            <a:extLst>
+              <a:ext uri="{FF2B5EF4-FFF2-40B4-BE49-F238E27FC236}">
+                <a16:creationId xmlns:a16="http://schemas.microsoft.com/office/drawing/2014/main" id="{82C46BA2-B380-4357-B125-BA9F08A643F5}"/>
+              </a:ext>
+            </a:extLst>
+          </p:cNvPr>
+          <p:cNvSpPr>
+            <a:spLocks noGrp="1"/>
+          </p:cNvSpPr>
+          <p:nvPr>
+            <p:ph type="title"/>
+          </p:nvPr>
+        </p:nvSpPr>
+        <p:spPr>
+          <a:xfrm>
+            <a:off x="468895" y="503475"/>
+            <a:ext cx="11269308" cy="384721"/>
+          </a:xfrm>
+        </p:spPr>
+        <p:txBody>
+          <a:bodyPr/>
+          <a:lstStyle/>
+          <a:p>
+            <a:r>
+              <a:rPr lang="it-IT" altLang="it-IT" dirty="0"/>
+              <a:t>Trasformazione dei Dati (Data </a:t>
+            </a:r>
+            <a:r>
+              <a:rPr lang="it-IT" altLang="it-IT" dirty="0" err="1"/>
+              <a:t>Transformation</a:t>
+            </a:r>
+            <a:r>
+              <a:rPr lang="it-IT" altLang="it-IT" dirty="0"/>
+              <a:t>)</a:t>
+            </a:r>
+            <a:endParaRPr lang="it-IT" dirty="0"/>
+          </a:p>
+        </p:txBody>
+      </p:sp>
+    </p:spTree>
+    <p:extLst>
+      <p:ext uri="{BB962C8B-B14F-4D97-AF65-F5344CB8AC3E}">
+        <p14:creationId xmlns:p14="http://schemas.microsoft.com/office/powerpoint/2010/main" val="95832058"/>
+      </p:ext>
+    </p:extLst>
+  </p:cSld>
+  <p:clrMapOvr>
+    <a:masterClrMapping/>
+  </p:clrMapOvr>
+</p:sld>
+</file>
+
+<file path=ppt/slides/slide11.xml><?xml version="1.0" encoding="utf-8"?>
+<p:sld xmlns:a="http://schemas.openxmlformats.org/drawingml/2006/main" xmlns:r="http://schemas.openxmlformats.org/officeDocument/2006/relationships" xmlns:p="http://schemas.openxmlformats.org/presentationml/2006/main">
+  <p:cSld>
+    <p:spTree>
+      <p:nvGrpSpPr>
+        <p:cNvPr id="1" name=""/>
+        <p:cNvGrpSpPr/>
+        <p:nvPr/>
+      </p:nvGrpSpPr>
+      <p:grpSpPr>
+        <a:xfrm>
+          <a:off x="0" y="0"/>
+          <a:ext cx="0" cy="0"/>
+          <a:chOff x="0" y="0"/>
+          <a:chExt cx="0" cy="0"/>
+        </a:xfrm>
+      </p:grpSpPr>
+      <p:sp>
+        <p:nvSpPr>
+          <p:cNvPr id="7" name="Segnaposto numero diapositiva 6">
+            <a:extLst>
+              <a:ext uri="{FF2B5EF4-FFF2-40B4-BE49-F238E27FC236}">
+                <a16:creationId xmlns:a16="http://schemas.microsoft.com/office/drawing/2014/main" id="{AB740BE9-E218-4144-BFDE-AE473D230A3D}"/>
+              </a:ext>
+            </a:extLst>
+          </p:cNvPr>
+          <p:cNvSpPr>
+            <a:spLocks noGrp="1"/>
+          </p:cNvSpPr>
+          <p:nvPr>
+            <p:ph type="sldNum" sz="quarter" idx="12"/>
+          </p:nvPr>
+        </p:nvSpPr>
+        <p:spPr/>
+        <p:txBody>
+          <a:bodyPr/>
+          <a:lstStyle/>
+          <a:p>
+            <a:pPr>
+              <a:defRPr/>
+            </a:pPr>
+            <a:fld id="{48B4153A-D4C5-4CEF-8992-0D8815C829E3}" type="slidenum">
+              <a:rPr lang="en-US" smtClean="0"/>
+              <a:pPr>
+                <a:defRPr/>
+              </a:pPr>
+              <a:t>11</a:t>
+            </a:fld>
+            <a:endParaRPr lang="en-US" dirty="0"/>
+          </a:p>
+        </p:txBody>
+      </p:sp>
+      <p:sp>
+        <p:nvSpPr>
+          <p:cNvPr id="5" name="Titolo 4">
+            <a:extLst>
+              <a:ext uri="{FF2B5EF4-FFF2-40B4-BE49-F238E27FC236}">
+                <a16:creationId xmlns:a16="http://schemas.microsoft.com/office/drawing/2014/main" id="{82C46BA2-B380-4357-B125-BA9F08A643F5}"/>
+              </a:ext>
+            </a:extLst>
+          </p:cNvPr>
+          <p:cNvSpPr>
+            <a:spLocks noGrp="1"/>
+          </p:cNvSpPr>
+          <p:nvPr>
+            <p:ph type="title"/>
+          </p:nvPr>
+        </p:nvSpPr>
+        <p:spPr>
+          <a:xfrm>
+            <a:off x="468895" y="503475"/>
+            <a:ext cx="11269308" cy="384721"/>
+          </a:xfrm>
+        </p:spPr>
+        <p:txBody>
+          <a:bodyPr/>
+          <a:lstStyle/>
+          <a:p>
+            <a:r>
+              <a:rPr lang="it-IT" altLang="it-IT"/>
+              <a:t>Bibliografia</a:t>
+            </a:r>
+            <a:endParaRPr lang="it-IT" dirty="0"/>
+          </a:p>
+        </p:txBody>
+      </p:sp>
+      <p:sp>
+        <p:nvSpPr>
+          <p:cNvPr id="3" name="Segnaposto testo 2">
+            <a:extLst>
+              <a:ext uri="{FF2B5EF4-FFF2-40B4-BE49-F238E27FC236}">
+                <a16:creationId xmlns:a16="http://schemas.microsoft.com/office/drawing/2014/main" id="{15CD42DB-61E6-AA3D-7125-BF4BEDB5D886}"/>
+              </a:ext>
+            </a:extLst>
+          </p:cNvPr>
+          <p:cNvSpPr>
+            <a:spLocks noGrp="1"/>
+          </p:cNvSpPr>
+          <p:nvPr>
+            <p:ph type="body" idx="1"/>
+          </p:nvPr>
+        </p:nvSpPr>
+        <p:spPr>
+          <a:xfrm>
+            <a:off x="477519" y="1557338"/>
+            <a:ext cx="11043921" cy="4392612"/>
+          </a:xfrm>
+        </p:spPr>
+        <p:txBody>
+          <a:bodyPr/>
+          <a:lstStyle/>
+          <a:p>
+            <a:r>
+              <a:rPr lang="it-IT" dirty="0">
+                <a:hlinkClick r:id="rId2"/>
+              </a:rPr>
+              <a:t>https://www.stitchdata.com/resources</a:t>
+            </a:r>
+            <a:r>
+              <a:rPr lang="it-IT">
+                <a:hlinkClick r:id="rId2"/>
+              </a:rPr>
+              <a:t>/data-transformation</a:t>
+            </a:r>
+            <a:endParaRPr lang="it-IT"/>
+          </a:p>
+          <a:p>
+            <a:endParaRPr lang="it-IT"/>
+          </a:p>
+          <a:p>
+            <a:r>
+              <a:rPr lang="it-IT">
+                <a:hlinkClick r:id="rId3"/>
+              </a:rPr>
+              <a:t>https://www.ibm.com/cloud/learn/data-warehouse#:~:text=A%20data%20warehouse%2C%20or%20enterprise,AI)%2C%20and%20machine%20learning</a:t>
+            </a:r>
+            <a:r>
+              <a:rPr lang="it-IT"/>
+              <a:t>.</a:t>
+            </a:r>
+          </a:p>
+          <a:p>
+            <a:endParaRPr lang="it-IT" dirty="0"/>
+          </a:p>
+          <a:p>
+            <a:endParaRPr lang="it-IT" dirty="0"/>
+          </a:p>
+        </p:txBody>
+      </p:sp>
+    </p:spTree>
+    <p:extLst>
+      <p:ext uri="{BB962C8B-B14F-4D97-AF65-F5344CB8AC3E}">
+        <p14:creationId xmlns:p14="http://schemas.microsoft.com/office/powerpoint/2010/main" val="3490964097"/>
+      </p:ext>
+    </p:extLst>
+  </p:cSld>
+  <p:clrMapOvr>
+    <a:masterClrMapping/>
+  </p:clrMapOvr>
+</p:sld>
+</file>
+
 <file path=ppt/slides/slide2.xml><?xml version="1.0" encoding="utf-8"?>
 <p:sld xmlns:a="http://schemas.openxmlformats.org/drawingml/2006/main" xmlns:r="http://schemas.openxmlformats.org/officeDocument/2006/relationships" xmlns:p="http://schemas.openxmlformats.org/presentationml/2006/main">
   <p:cSld>
@@ -8438,8 +8936,8 @@
         </p:nvSpPr>
         <p:spPr>
           <a:xfrm>
-            <a:off x="326297" y="1213805"/>
-            <a:ext cx="7706355" cy="4833033"/>
+            <a:off x="326298" y="1213806"/>
+            <a:ext cx="6714582" cy="4392612"/>
           </a:xfrm>
         </p:spPr>
         <p:txBody>
@@ -8451,92 +8949,104 @@
               <a:buChar char="ü"/>
             </a:pPr>
             <a:r>
-              <a:rPr lang="it-IT" sz="2400" b="1" dirty="0">
-                <a:solidFill>
-                  <a:schemeClr val="tx1"/>
-                </a:solidFill>
-                <a:latin typeface="Tahoma" panose="020B0604030504040204" pitchFamily="34" charset="0"/>
-                <a:ea typeface="Tahoma" panose="020B0604030504040204" pitchFamily="34" charset="0"/>
-                <a:cs typeface="Tahoma" panose="020B0604030504040204" pitchFamily="34" charset="0"/>
-              </a:rPr>
-              <a:t>ETL </a:t>
-            </a:r>
-            <a:r>
-              <a:rPr lang="it-IT" sz="2400" dirty="0">
-                <a:solidFill>
-                  <a:schemeClr val="tx1"/>
-                </a:solidFill>
-                <a:latin typeface="Tahoma" panose="020B0604030504040204" pitchFamily="34" charset="0"/>
-                <a:ea typeface="Tahoma" panose="020B0604030504040204" pitchFamily="34" charset="0"/>
-                <a:cs typeface="Tahoma" panose="020B0604030504040204" pitchFamily="34" charset="0"/>
-              </a:rPr>
-              <a:t>fornisce le fondamenta per la data </a:t>
-            </a:r>
-            <a:r>
-              <a:rPr lang="it-IT" sz="2400" dirty="0" err="1">
-                <a:solidFill>
-                  <a:schemeClr val="tx1"/>
-                </a:solidFill>
-                <a:latin typeface="Tahoma" panose="020B0604030504040204" pitchFamily="34" charset="0"/>
-                <a:ea typeface="Tahoma" panose="020B0604030504040204" pitchFamily="34" charset="0"/>
-                <a:cs typeface="Tahoma" panose="020B0604030504040204" pitchFamily="34" charset="0"/>
-              </a:rPr>
-              <a:t>analytics</a:t>
-            </a:r>
-            <a:r>
-              <a:rPr lang="it-IT" sz="2400" dirty="0">
-                <a:solidFill>
-                  <a:schemeClr val="tx1"/>
-                </a:solidFill>
-                <a:latin typeface="Tahoma" panose="020B0604030504040204" pitchFamily="34" charset="0"/>
-                <a:ea typeface="Tahoma" panose="020B0604030504040204" pitchFamily="34" charset="0"/>
-                <a:cs typeface="Tahoma" panose="020B0604030504040204" pitchFamily="34" charset="0"/>
-              </a:rPr>
-              <a:t> e i </a:t>
-            </a:r>
-            <a:r>
-              <a:rPr lang="it-IT" sz="2400" dirty="0" err="1">
-                <a:solidFill>
-                  <a:schemeClr val="tx1"/>
-                </a:solidFill>
-                <a:latin typeface="Tahoma" panose="020B0604030504040204" pitchFamily="34" charset="0"/>
-                <a:ea typeface="Tahoma" panose="020B0604030504040204" pitchFamily="34" charset="0"/>
-                <a:cs typeface="Tahoma" panose="020B0604030504040204" pitchFamily="34" charset="0"/>
-              </a:rPr>
-              <a:t>workstream</a:t>
-            </a:r>
-            <a:r>
-              <a:rPr lang="it-IT" sz="2400" dirty="0">
-                <a:solidFill>
-                  <a:schemeClr val="tx1"/>
-                </a:solidFill>
-                <a:latin typeface="Tahoma" panose="020B0604030504040204" pitchFamily="34" charset="0"/>
-                <a:ea typeface="Tahoma" panose="020B0604030504040204" pitchFamily="34" charset="0"/>
-                <a:cs typeface="Tahoma" panose="020B0604030504040204" pitchFamily="34" charset="0"/>
-              </a:rPr>
-              <a:t> di machine learning. Attraverso una serie di regole, l’ETL purifica e organizza i dati in un modo che incontra specifici bisogni di business intelligence, come report mensili ma </a:t>
-            </a:r>
-            <a:r>
-              <a:rPr lang="it-IT" sz="2400" dirty="0" err="1">
-                <a:solidFill>
-                  <a:schemeClr val="tx1"/>
-                </a:solidFill>
-                <a:latin typeface="Tahoma" panose="020B0604030504040204" pitchFamily="34" charset="0"/>
-                <a:ea typeface="Tahoma" panose="020B0604030504040204" pitchFamily="34" charset="0"/>
-                <a:cs typeface="Tahoma" panose="020B0604030504040204" pitchFamily="34" charset="0"/>
-              </a:rPr>
-              <a:t>piuò</a:t>
-            </a:r>
-            <a:r>
-              <a:rPr lang="it-IT" sz="2400" dirty="0">
-                <a:solidFill>
-                  <a:schemeClr val="tx1"/>
-                </a:solidFill>
-                <a:latin typeface="Tahoma" panose="020B0604030504040204" pitchFamily="34" charset="0"/>
-                <a:ea typeface="Tahoma" panose="020B0604030504040204" pitchFamily="34" charset="0"/>
-                <a:cs typeface="Tahoma" panose="020B0604030504040204" pitchFamily="34" charset="0"/>
-              </a:rPr>
-              <a:t> anche migliorare i processi di back-end o l’esperienza dell’utente finale. </a:t>
+              <a:rPr lang="it-IT" sz="2400" b="1" i="0">
+                <a:solidFill>
+                  <a:schemeClr val="tx1"/>
+                </a:solidFill>
+                <a:effectLst/>
+                <a:latin typeface="Tahoma" panose="020B0604030504040204" pitchFamily="34" charset="0"/>
+                <a:ea typeface="Tahoma" panose="020B0604030504040204" pitchFamily="34" charset="0"/>
+                <a:cs typeface="Tahoma" panose="020B0604030504040204" pitchFamily="34" charset="0"/>
+              </a:rPr>
+              <a:t>OLAP </a:t>
+            </a:r>
+            <a:r>
+              <a:rPr lang="it-IT" sz="2400" b="1">
+                <a:solidFill>
+                  <a:schemeClr val="tx1"/>
+                </a:solidFill>
+                <a:latin typeface="Tahoma" panose="020B0604030504040204" pitchFamily="34" charset="0"/>
+                <a:ea typeface="Tahoma" panose="020B0604030504040204" pitchFamily="34" charset="0"/>
+                <a:cs typeface="Tahoma" panose="020B0604030504040204" pitchFamily="34" charset="0"/>
+              </a:rPr>
+              <a:t>(Online Analytical Processing) </a:t>
+            </a:r>
+            <a:r>
+              <a:rPr lang="it-IT" sz="2400">
+                <a:solidFill>
+                  <a:schemeClr val="tx1"/>
+                </a:solidFill>
+                <a:latin typeface="Tahoma" panose="020B0604030504040204" pitchFamily="34" charset="0"/>
+                <a:ea typeface="Tahoma" panose="020B0604030504040204" pitchFamily="34" charset="0"/>
+                <a:cs typeface="Tahoma" panose="020B0604030504040204" pitchFamily="34" charset="0"/>
+              </a:rPr>
+              <a:t>è un software per eseguire analisi multidimensionali ad alta velocità su grandi volumi di dati provenienti da data store unificati e centralizzati come i </a:t>
+            </a:r>
+            <a:r>
+              <a:rPr lang="it-IT" sz="2400" b="1">
+                <a:solidFill>
+                  <a:schemeClr val="tx1"/>
+                </a:solidFill>
+                <a:latin typeface="Tahoma" panose="020B0604030504040204" pitchFamily="34" charset="0"/>
+                <a:ea typeface="Tahoma" panose="020B0604030504040204" pitchFamily="34" charset="0"/>
+                <a:cs typeface="Tahoma" panose="020B0604030504040204" pitchFamily="34" charset="0"/>
+              </a:rPr>
+              <a:t>Data</a:t>
+            </a:r>
+            <a:r>
+              <a:rPr lang="it-IT" sz="2400">
+                <a:solidFill>
+                  <a:schemeClr val="tx1"/>
+                </a:solidFill>
+                <a:latin typeface="Tahoma" panose="020B0604030504040204" pitchFamily="34" charset="0"/>
+                <a:ea typeface="Tahoma" panose="020B0604030504040204" pitchFamily="34" charset="0"/>
+                <a:cs typeface="Tahoma" panose="020B0604030504040204" pitchFamily="34" charset="0"/>
+              </a:rPr>
+              <a:t> </a:t>
+            </a:r>
+            <a:r>
+              <a:rPr lang="it-IT" sz="2400" b="1">
+                <a:solidFill>
+                  <a:schemeClr val="tx1"/>
+                </a:solidFill>
+                <a:latin typeface="Tahoma" panose="020B0604030504040204" pitchFamily="34" charset="0"/>
+                <a:ea typeface="Tahoma" panose="020B0604030504040204" pitchFamily="34" charset="0"/>
+                <a:cs typeface="Tahoma" panose="020B0604030504040204" pitchFamily="34" charset="0"/>
+              </a:rPr>
+              <a:t>Warehouse</a:t>
+            </a:r>
+            <a:r>
+              <a:rPr lang="it-IT" sz="2400">
+                <a:solidFill>
+                  <a:schemeClr val="tx1"/>
+                </a:solidFill>
+                <a:latin typeface="Tahoma" panose="020B0604030504040204" pitchFamily="34" charset="0"/>
+                <a:ea typeface="Tahoma" panose="020B0604030504040204" pitchFamily="34" charset="0"/>
+                <a:cs typeface="Tahoma" panose="020B0604030504040204" pitchFamily="34" charset="0"/>
+              </a:rPr>
+              <a:t>. </a:t>
+            </a:r>
+            <a:r>
+              <a:rPr lang="it-IT" sz="2400" b="1">
+                <a:solidFill>
+                  <a:schemeClr val="tx1"/>
+                </a:solidFill>
+                <a:latin typeface="Tahoma" panose="020B0604030504040204" pitchFamily="34" charset="0"/>
+                <a:ea typeface="Tahoma" panose="020B0604030504040204" pitchFamily="34" charset="0"/>
+                <a:cs typeface="Tahoma" panose="020B0604030504040204" pitchFamily="34" charset="0"/>
+              </a:rPr>
+              <a:t>OLTP (Online Transactional Processing) </a:t>
+            </a:r>
+            <a:r>
+              <a:rPr lang="it-IT" sz="2400">
+                <a:solidFill>
+                  <a:schemeClr val="tx1"/>
+                </a:solidFill>
+                <a:latin typeface="Tahoma" panose="020B0604030504040204" pitchFamily="34" charset="0"/>
+                <a:ea typeface="Tahoma" panose="020B0604030504040204" pitchFamily="34" charset="0"/>
+                <a:cs typeface="Tahoma" panose="020B0604030504040204" pitchFamily="34" charset="0"/>
+              </a:rPr>
+              <a:t>abilita l’utente ad avere un’esecuzione in tempo reale su grandi numeri di transazioni su database effettuate da un gran numero di persone, tipicamente su Internet. </a:t>
             </a:r>
           </a:p>
           <a:p>
@@ -8545,131 +9055,111 @@
               <a:buChar char="ü"/>
             </a:pPr>
             <a:r>
-              <a:rPr lang="it-IT" sz="2400" dirty="0">
-                <a:solidFill>
-                  <a:schemeClr val="tx1"/>
-                </a:solidFill>
-                <a:latin typeface="Tahoma" panose="020B0604030504040204" pitchFamily="34" charset="0"/>
-                <a:ea typeface="Tahoma" panose="020B0604030504040204" pitchFamily="34" charset="0"/>
-                <a:cs typeface="Tahoma" panose="020B0604030504040204" pitchFamily="34" charset="0"/>
-              </a:rPr>
-              <a:t>In genere </a:t>
-            </a:r>
-            <a:r>
-              <a:rPr lang="it-IT" sz="2400" b="1" dirty="0">
-                <a:solidFill>
-                  <a:schemeClr val="tx1"/>
-                </a:solidFill>
-                <a:latin typeface="Tahoma" panose="020B0604030504040204" pitchFamily="34" charset="0"/>
-                <a:ea typeface="Tahoma" panose="020B0604030504040204" pitchFamily="34" charset="0"/>
-                <a:cs typeface="Tahoma" panose="020B0604030504040204" pitchFamily="34" charset="0"/>
-              </a:rPr>
-              <a:t>l’ETL</a:t>
-            </a:r>
-            <a:r>
-              <a:rPr lang="it-IT" sz="2400" dirty="0">
-                <a:solidFill>
-                  <a:schemeClr val="tx1"/>
-                </a:solidFill>
-                <a:latin typeface="Tahoma" panose="020B0604030504040204" pitchFamily="34" charset="0"/>
-                <a:ea typeface="Tahoma" panose="020B0604030504040204" pitchFamily="34" charset="0"/>
-                <a:cs typeface="Tahoma" panose="020B0604030504040204" pitchFamily="34" charset="0"/>
-              </a:rPr>
-              <a:t> è utilizzato dalle organizzazioni per: </a:t>
-            </a:r>
-          </a:p>
-          <a:p>
-            <a:pPr marL="971550" lvl="1" indent="-514350">
-              <a:buAutoNum type="arabicParenR"/>
-            </a:pPr>
-            <a:r>
-              <a:rPr lang="it-IT" sz="2600" b="0" dirty="0">
-                <a:solidFill>
-                  <a:schemeClr val="tx1"/>
-                </a:solidFill>
-                <a:latin typeface="Tahoma" panose="020B0604030504040204" pitchFamily="34" charset="0"/>
-                <a:ea typeface="Tahoma" panose="020B0604030504040204" pitchFamily="34" charset="0"/>
-                <a:cs typeface="Tahoma" panose="020B0604030504040204" pitchFamily="34" charset="0"/>
-              </a:rPr>
-              <a:t>Estrarre dati da sistemi legacy</a:t>
-            </a:r>
-          </a:p>
-          <a:p>
-            <a:pPr marL="971550" lvl="1" indent="-514350">
-              <a:buAutoNum type="arabicParenR"/>
-            </a:pPr>
-            <a:r>
-              <a:rPr lang="it-IT" sz="2600" b="0" dirty="0">
-                <a:solidFill>
-                  <a:schemeClr val="tx1"/>
-                </a:solidFill>
-                <a:latin typeface="Tahoma" panose="020B0604030504040204" pitchFamily="34" charset="0"/>
-                <a:ea typeface="Tahoma" panose="020B0604030504040204" pitchFamily="34" charset="0"/>
-                <a:cs typeface="Tahoma" panose="020B0604030504040204" pitchFamily="34" charset="0"/>
-              </a:rPr>
-              <a:t>Ripulire i dati per </a:t>
-            </a:r>
-            <a:r>
-              <a:rPr lang="it-IT" sz="2600" b="0" dirty="0" err="1">
-                <a:solidFill>
-                  <a:schemeClr val="tx1"/>
-                </a:solidFill>
-                <a:latin typeface="Tahoma" panose="020B0604030504040204" pitchFamily="34" charset="0"/>
-                <a:ea typeface="Tahoma" panose="020B0604030504040204" pitchFamily="34" charset="0"/>
-                <a:cs typeface="Tahoma" panose="020B0604030504040204" pitchFamily="34" charset="0"/>
-              </a:rPr>
-              <a:t>miglirarne</a:t>
-            </a:r>
-            <a:r>
-              <a:rPr lang="it-IT" sz="2600" b="0" dirty="0">
-                <a:solidFill>
-                  <a:schemeClr val="tx1"/>
-                </a:solidFill>
-                <a:latin typeface="Tahoma" panose="020B0604030504040204" pitchFamily="34" charset="0"/>
-                <a:ea typeface="Tahoma" panose="020B0604030504040204" pitchFamily="34" charset="0"/>
-                <a:cs typeface="Tahoma" panose="020B0604030504040204" pitchFamily="34" charset="0"/>
-              </a:rPr>
-              <a:t> la qualità e </a:t>
-            </a:r>
-          </a:p>
-          <a:p>
-            <a:pPr lvl="1"/>
-            <a:r>
-              <a:rPr lang="it-IT" sz="2600" b="0" dirty="0">
-                <a:solidFill>
-                  <a:schemeClr val="tx1"/>
-                </a:solidFill>
-                <a:latin typeface="Tahoma" panose="020B0604030504040204" pitchFamily="34" charset="0"/>
-                <a:ea typeface="Tahoma" panose="020B0604030504040204" pitchFamily="34" charset="0"/>
-                <a:cs typeface="Tahoma" panose="020B0604030504040204" pitchFamily="34" charset="0"/>
-              </a:rPr>
-              <a:t>	renderli consistenti</a:t>
-            </a:r>
-          </a:p>
-          <a:p>
-            <a:pPr lvl="1"/>
-            <a:r>
-              <a:rPr lang="it-IT" sz="2600" b="0" dirty="0">
-                <a:solidFill>
-                  <a:srgbClr val="FF0000"/>
-                </a:solidFill>
-                <a:latin typeface="Tahoma" panose="020B0604030504040204" pitchFamily="34" charset="0"/>
-                <a:ea typeface="Tahoma" panose="020B0604030504040204" pitchFamily="34" charset="0"/>
-                <a:cs typeface="Tahoma" panose="020B0604030504040204" pitchFamily="34" charset="0"/>
-              </a:rPr>
-              <a:t>3) </a:t>
-            </a:r>
-            <a:r>
-              <a:rPr lang="it-IT" sz="2600" b="0" dirty="0">
-                <a:solidFill>
-                  <a:schemeClr val="tx1"/>
-                </a:solidFill>
-                <a:latin typeface="Tahoma" panose="020B0604030504040204" pitchFamily="34" charset="0"/>
-                <a:ea typeface="Tahoma" panose="020B0604030504040204" pitchFamily="34" charset="0"/>
-                <a:cs typeface="Tahoma" panose="020B0604030504040204" pitchFamily="34" charset="0"/>
-              </a:rPr>
-              <a:t>Caricare i dati all’interno di un database target</a:t>
-            </a:r>
+              <a:rPr lang="it-IT" sz="2400">
+                <a:solidFill>
+                  <a:schemeClr val="tx1"/>
+                </a:solidFill>
+                <a:latin typeface="Tahoma" panose="020B0604030504040204" pitchFamily="34" charset="0"/>
+                <a:ea typeface="Tahoma" panose="020B0604030504040204" pitchFamily="34" charset="0"/>
+                <a:cs typeface="Tahoma" panose="020B0604030504040204" pitchFamily="34" charset="0"/>
+              </a:rPr>
+              <a:t>La principale differenza tra </a:t>
+            </a:r>
+            <a:r>
+              <a:rPr lang="it-IT" sz="2400" b="1">
+                <a:solidFill>
+                  <a:schemeClr val="tx1"/>
+                </a:solidFill>
+                <a:latin typeface="Tahoma" panose="020B0604030504040204" pitchFamily="34" charset="0"/>
+                <a:ea typeface="Tahoma" panose="020B0604030504040204" pitchFamily="34" charset="0"/>
+                <a:cs typeface="Tahoma" panose="020B0604030504040204" pitchFamily="34" charset="0"/>
+              </a:rPr>
+              <a:t>OLAP</a:t>
+            </a:r>
+            <a:r>
+              <a:rPr lang="it-IT" sz="2400">
+                <a:solidFill>
+                  <a:schemeClr val="tx1"/>
+                </a:solidFill>
+                <a:latin typeface="Tahoma" panose="020B0604030504040204" pitchFamily="34" charset="0"/>
+                <a:ea typeface="Tahoma" panose="020B0604030504040204" pitchFamily="34" charset="0"/>
+                <a:cs typeface="Tahoma" panose="020B0604030504040204" pitchFamily="34" charset="0"/>
+              </a:rPr>
+              <a:t> e </a:t>
+            </a:r>
+            <a:r>
+              <a:rPr lang="it-IT" sz="2400" b="1">
+                <a:solidFill>
+                  <a:schemeClr val="tx1"/>
+                </a:solidFill>
+                <a:latin typeface="Tahoma" panose="020B0604030504040204" pitchFamily="34" charset="0"/>
+                <a:ea typeface="Tahoma" panose="020B0604030504040204" pitchFamily="34" charset="0"/>
+                <a:cs typeface="Tahoma" panose="020B0604030504040204" pitchFamily="34" charset="0"/>
+              </a:rPr>
+              <a:t>OLTP </a:t>
+            </a:r>
+            <a:r>
+              <a:rPr lang="it-IT" sz="2400">
+                <a:solidFill>
+                  <a:schemeClr val="tx1"/>
+                </a:solidFill>
+                <a:latin typeface="Tahoma" panose="020B0604030504040204" pitchFamily="34" charset="0"/>
+                <a:ea typeface="Tahoma" panose="020B0604030504040204" pitchFamily="34" charset="0"/>
+                <a:cs typeface="Tahoma" panose="020B0604030504040204" pitchFamily="34" charset="0"/>
+              </a:rPr>
+              <a:t>è il nome: </a:t>
+            </a:r>
+            <a:r>
+              <a:rPr lang="it-IT" sz="2400" b="1">
+                <a:solidFill>
+                  <a:schemeClr val="tx1"/>
+                </a:solidFill>
+                <a:latin typeface="Tahoma" panose="020B0604030504040204" pitchFamily="34" charset="0"/>
+                <a:ea typeface="Tahoma" panose="020B0604030504040204" pitchFamily="34" charset="0"/>
+                <a:cs typeface="Tahoma" panose="020B0604030504040204" pitchFamily="34" charset="0"/>
+              </a:rPr>
+              <a:t>OLAP</a:t>
+            </a:r>
+            <a:r>
+              <a:rPr lang="it-IT" sz="2400">
+                <a:solidFill>
+                  <a:schemeClr val="tx1"/>
+                </a:solidFill>
+                <a:latin typeface="Tahoma" panose="020B0604030504040204" pitchFamily="34" charset="0"/>
+                <a:ea typeface="Tahoma" panose="020B0604030504040204" pitchFamily="34" charset="0"/>
+                <a:cs typeface="Tahoma" panose="020B0604030504040204" pitchFamily="34" charset="0"/>
+              </a:rPr>
+              <a:t> è analitico per natura mentre </a:t>
+            </a:r>
+            <a:r>
+              <a:rPr lang="it-IT" sz="2400" b="1">
+                <a:solidFill>
+                  <a:schemeClr val="tx1"/>
+                </a:solidFill>
+                <a:latin typeface="Tahoma" panose="020B0604030504040204" pitchFamily="34" charset="0"/>
+                <a:ea typeface="Tahoma" panose="020B0604030504040204" pitchFamily="34" charset="0"/>
+                <a:cs typeface="Tahoma" panose="020B0604030504040204" pitchFamily="34" charset="0"/>
+              </a:rPr>
+              <a:t>OLTP</a:t>
+            </a:r>
+            <a:r>
+              <a:rPr lang="it-IT" sz="2400">
+                <a:solidFill>
+                  <a:schemeClr val="tx1"/>
+                </a:solidFill>
+                <a:latin typeface="Tahoma" panose="020B0604030504040204" pitchFamily="34" charset="0"/>
+                <a:ea typeface="Tahoma" panose="020B0604030504040204" pitchFamily="34" charset="0"/>
+                <a:cs typeface="Tahoma" panose="020B0604030504040204" pitchFamily="34" charset="0"/>
+              </a:rPr>
+              <a:t> è transazionale. </a:t>
+            </a:r>
+            <a:endParaRPr lang="en-US" sz="2400" b="1" i="0" dirty="0">
+              <a:solidFill>
+                <a:srgbClr val="525252"/>
+              </a:solidFill>
+              <a:effectLst/>
+              <a:latin typeface="IBM Plex Sans" panose="020B0604020202020204" pitchFamily="34" charset="0"/>
+            </a:endParaRPr>
           </a:p>
         </p:txBody>
       </p:sp>
@@ -8735,24 +9225,8 @@
           <a:lstStyle/>
           <a:p>
             <a:r>
-              <a:rPr lang="it-IT" altLang="it-IT" dirty="0"/>
-              <a:t>ETL – </a:t>
-            </a:r>
-            <a:r>
-              <a:rPr lang="it-IT" altLang="it-IT" dirty="0" err="1"/>
-              <a:t>Extract</a:t>
-            </a:r>
-            <a:r>
-              <a:rPr lang="it-IT" altLang="it-IT" dirty="0"/>
-              <a:t>, </a:t>
-            </a:r>
-            <a:r>
-              <a:rPr lang="it-IT" altLang="it-IT" dirty="0" err="1"/>
-              <a:t>Transform</a:t>
-            </a:r>
-            <a:r>
-              <a:rPr lang="it-IT" altLang="it-IT" dirty="0"/>
-              <a:t> and Load</a:t>
+              <a:rPr lang="it-IT" altLang="it-IT"/>
+              <a:t>Data Warehouse – Comprendere OLAP e OLTP</a:t>
             </a:r>
             <a:endParaRPr lang="it-IT" dirty="0"/>
           </a:p>
@@ -8760,10 +9234,10 @@
       </p:sp>
       <p:pic>
         <p:nvPicPr>
-          <p:cNvPr id="6" name="Immagine 5" descr="Immagine che contiene testo&#10;&#10;Descrizione generata automaticamente">
+          <p:cNvPr id="6" name="Immagine 5">
             <a:extLst>
               <a:ext uri="{FF2B5EF4-FFF2-40B4-BE49-F238E27FC236}">
-                <a16:creationId xmlns:a16="http://schemas.microsoft.com/office/drawing/2014/main" id="{39F9FEBF-2449-D3F8-4D77-33C401C96EC9}"/>
+                <a16:creationId xmlns:a16="http://schemas.microsoft.com/office/drawing/2014/main" id="{37E20231-CFBF-4B9E-AFA7-5B63E823BEFB}"/>
               </a:ext>
             </a:extLst>
           </p:cNvPr>
@@ -8780,8 +9254,8 @@
         </p:blipFill>
         <p:spPr>
           <a:xfrm>
-            <a:off x="8091882" y="2857797"/>
-            <a:ext cx="3773821" cy="2600468"/>
+            <a:off x="7430148" y="1914522"/>
+            <a:ext cx="4073067" cy="3418467"/>
           </a:xfrm>
           <a:prstGeom prst="rect">
             <a:avLst/>
@@ -8791,7 +9265,7 @@
     </p:spTree>
     <p:extLst>
       <p:ext uri="{BB962C8B-B14F-4D97-AF65-F5344CB8AC3E}">
-        <p14:creationId xmlns:p14="http://schemas.microsoft.com/office/powerpoint/2010/main" val="2736730313"/>
+        <p14:creationId xmlns:p14="http://schemas.microsoft.com/office/powerpoint/2010/main" val="1025303344"/>
       </p:ext>
     </p:extLst>
   </p:cSld>
@@ -8836,8 +9310,8 @@
         </p:nvSpPr>
         <p:spPr>
           <a:xfrm>
-            <a:off x="336650" y="1115332"/>
-            <a:ext cx="11518700" cy="4392612"/>
+            <a:off x="326298" y="1213806"/>
+            <a:ext cx="11675202" cy="4392612"/>
           </a:xfrm>
         </p:spPr>
         <p:txBody>
@@ -8849,103 +9323,88 @@
               <a:buChar char="ü"/>
             </a:pPr>
             <a:r>
-              <a:rPr lang="it-IT" sz="2400" dirty="0">
-                <a:solidFill>
-                  <a:schemeClr val="tx1"/>
-                </a:solidFill>
-                <a:latin typeface="Tahoma" panose="020B0604030504040204" pitchFamily="34" charset="0"/>
-                <a:ea typeface="Tahoma" panose="020B0604030504040204" pitchFamily="34" charset="0"/>
-                <a:cs typeface="Tahoma" panose="020B0604030504040204" pitchFamily="34" charset="0"/>
-              </a:rPr>
-              <a:t>La più semplice differenza tra </a:t>
-            </a:r>
-            <a:r>
-              <a:rPr lang="it-IT" sz="2400" b="1" dirty="0">
-                <a:solidFill>
-                  <a:schemeClr val="tx1"/>
-                </a:solidFill>
-                <a:latin typeface="Tahoma" panose="020B0604030504040204" pitchFamily="34" charset="0"/>
-                <a:ea typeface="Tahoma" panose="020B0604030504040204" pitchFamily="34" charset="0"/>
-                <a:cs typeface="Tahoma" panose="020B0604030504040204" pitchFamily="34" charset="0"/>
-              </a:rPr>
-              <a:t>ETL </a:t>
-            </a:r>
-            <a:r>
-              <a:rPr lang="it-IT" sz="2400" dirty="0">
-                <a:solidFill>
-                  <a:schemeClr val="tx1"/>
-                </a:solidFill>
-                <a:latin typeface="Tahoma" panose="020B0604030504040204" pitchFamily="34" charset="0"/>
-                <a:ea typeface="Tahoma" panose="020B0604030504040204" pitchFamily="34" charset="0"/>
-                <a:cs typeface="Tahoma" panose="020B0604030504040204" pitchFamily="34" charset="0"/>
-              </a:rPr>
-              <a:t>e </a:t>
-            </a:r>
-            <a:r>
-              <a:rPr lang="it-IT" sz="2400" b="1" dirty="0">
-                <a:solidFill>
-                  <a:schemeClr val="tx1"/>
-                </a:solidFill>
-                <a:latin typeface="Tahoma" panose="020B0604030504040204" pitchFamily="34" charset="0"/>
-                <a:ea typeface="Tahoma" panose="020B0604030504040204" pitchFamily="34" charset="0"/>
-                <a:cs typeface="Tahoma" panose="020B0604030504040204" pitchFamily="34" charset="0"/>
-              </a:rPr>
-              <a:t>ELT </a:t>
-            </a:r>
-            <a:r>
-              <a:rPr lang="it-IT" sz="2400" dirty="0">
-                <a:solidFill>
-                  <a:schemeClr val="tx1"/>
-                </a:solidFill>
-                <a:latin typeface="Tahoma" panose="020B0604030504040204" pitchFamily="34" charset="0"/>
-                <a:ea typeface="Tahoma" panose="020B0604030504040204" pitchFamily="34" charset="0"/>
-                <a:cs typeface="Tahoma" panose="020B0604030504040204" pitchFamily="34" charset="0"/>
-              </a:rPr>
-              <a:t>è in termini di operazioni. </a:t>
-            </a:r>
-            <a:r>
-              <a:rPr lang="it-IT" sz="2400" b="1" dirty="0">
-                <a:solidFill>
-                  <a:schemeClr val="tx1"/>
-                </a:solidFill>
-                <a:latin typeface="Tahoma" panose="020B0604030504040204" pitchFamily="34" charset="0"/>
-                <a:ea typeface="Tahoma" panose="020B0604030504040204" pitchFamily="34" charset="0"/>
-                <a:cs typeface="Tahoma" panose="020B0604030504040204" pitchFamily="34" charset="0"/>
-              </a:rPr>
-              <a:t>ELT </a:t>
-            </a:r>
-            <a:r>
-              <a:rPr lang="it-IT" sz="2400" dirty="0">
-                <a:solidFill>
-                  <a:schemeClr val="tx1"/>
-                </a:solidFill>
-                <a:latin typeface="Tahoma" panose="020B0604030504040204" pitchFamily="34" charset="0"/>
-                <a:ea typeface="Tahoma" panose="020B0604030504040204" pitchFamily="34" charset="0"/>
-                <a:cs typeface="Tahoma" panose="020B0604030504040204" pitchFamily="34" charset="0"/>
-              </a:rPr>
-              <a:t>copia ed esporta i dati dalle sorgenti, ma invece di caricarli in su un’area per la trasformazione successiva, </a:t>
-            </a:r>
-            <a:r>
-              <a:rPr lang="it-IT" sz="2400" b="1" dirty="0">
-                <a:solidFill>
-                  <a:schemeClr val="tx1"/>
-                </a:solidFill>
-                <a:latin typeface="Tahoma" panose="020B0604030504040204" pitchFamily="34" charset="0"/>
-                <a:ea typeface="Tahoma" panose="020B0604030504040204" pitchFamily="34" charset="0"/>
-                <a:cs typeface="Tahoma" panose="020B0604030504040204" pitchFamily="34" charset="0"/>
-              </a:rPr>
-              <a:t>l’ELT</a:t>
-            </a:r>
-            <a:r>
-              <a:rPr lang="it-IT" sz="2400" dirty="0">
-                <a:solidFill>
-                  <a:schemeClr val="tx1"/>
-                </a:solidFill>
-                <a:latin typeface="Tahoma" panose="020B0604030504040204" pitchFamily="34" charset="0"/>
-                <a:ea typeface="Tahoma" panose="020B0604030504040204" pitchFamily="34" charset="0"/>
-                <a:cs typeface="Tahoma" panose="020B0604030504040204" pitchFamily="34" charset="0"/>
-              </a:rPr>
-              <a:t> carica i dati grezzi direttamente sullo store di target dei dati per poter essere trasformati alla bisogna.</a:t>
+              <a:rPr lang="it-IT" sz="2400" i="0">
+                <a:solidFill>
+                  <a:schemeClr val="tx1"/>
+                </a:solidFill>
+                <a:effectLst/>
+                <a:latin typeface="Tahoma" panose="020B0604030504040204" pitchFamily="34" charset="0"/>
+                <a:ea typeface="Tahoma" panose="020B0604030504040204" pitchFamily="34" charset="0"/>
+                <a:cs typeface="Tahoma" panose="020B0604030504040204" pitchFamily="34" charset="0"/>
+              </a:rPr>
+              <a:t>I tool </a:t>
+            </a:r>
+            <a:r>
+              <a:rPr lang="it-IT" sz="2400" b="1" i="0">
+                <a:solidFill>
+                  <a:schemeClr val="tx1"/>
+                </a:solidFill>
+                <a:effectLst/>
+                <a:latin typeface="Tahoma" panose="020B0604030504040204" pitchFamily="34" charset="0"/>
+                <a:ea typeface="Tahoma" panose="020B0604030504040204" pitchFamily="34" charset="0"/>
+                <a:cs typeface="Tahoma" panose="020B0604030504040204" pitchFamily="34" charset="0"/>
+              </a:rPr>
+              <a:t>OLAP </a:t>
+            </a:r>
+            <a:r>
+              <a:rPr lang="it-IT" sz="2400" i="0">
+                <a:solidFill>
+                  <a:schemeClr val="tx1"/>
+                </a:solidFill>
+                <a:effectLst/>
+                <a:latin typeface="Tahoma" panose="020B0604030504040204" pitchFamily="34" charset="0"/>
+                <a:ea typeface="Tahoma" panose="020B0604030504040204" pitchFamily="34" charset="0"/>
+                <a:cs typeface="Tahoma" panose="020B0604030504040204" pitchFamily="34" charset="0"/>
+              </a:rPr>
+              <a:t>sono progettati per l’analisi multidimensionale dei dati all’interno di un Data Warehouse, il quale contiene sia dati storici che transazionali. I comuni usi di OLAP sono il </a:t>
+            </a:r>
+            <a:r>
+              <a:rPr lang="it-IT" sz="2400" b="1" i="0">
+                <a:solidFill>
+                  <a:schemeClr val="tx1"/>
+                </a:solidFill>
+                <a:effectLst/>
+                <a:latin typeface="Tahoma" panose="020B0604030504040204" pitchFamily="34" charset="0"/>
+                <a:ea typeface="Tahoma" panose="020B0604030504040204" pitchFamily="34" charset="0"/>
+                <a:cs typeface="Tahoma" panose="020B0604030504040204" pitchFamily="34" charset="0"/>
+              </a:rPr>
+              <a:t>Data</a:t>
+            </a:r>
+            <a:r>
+              <a:rPr lang="it-IT" sz="2400" i="0">
+                <a:solidFill>
+                  <a:schemeClr val="tx1"/>
+                </a:solidFill>
+                <a:effectLst/>
+                <a:latin typeface="Tahoma" panose="020B0604030504040204" pitchFamily="34" charset="0"/>
+                <a:ea typeface="Tahoma" panose="020B0604030504040204" pitchFamily="34" charset="0"/>
+                <a:cs typeface="Tahoma" panose="020B0604030504040204" pitchFamily="34" charset="0"/>
+              </a:rPr>
+              <a:t> </a:t>
+            </a:r>
+            <a:r>
+              <a:rPr lang="it-IT" sz="2400" b="1" i="0">
+                <a:solidFill>
+                  <a:schemeClr val="tx1"/>
+                </a:solidFill>
+                <a:effectLst/>
+                <a:latin typeface="Tahoma" panose="020B0604030504040204" pitchFamily="34" charset="0"/>
+                <a:ea typeface="Tahoma" panose="020B0604030504040204" pitchFamily="34" charset="0"/>
+                <a:cs typeface="Tahoma" panose="020B0604030504040204" pitchFamily="34" charset="0"/>
+              </a:rPr>
+              <a:t>Mining </a:t>
+            </a:r>
+            <a:r>
+              <a:rPr lang="it-IT" sz="2400" i="0">
+                <a:solidFill>
+                  <a:schemeClr val="tx1"/>
+                </a:solidFill>
+                <a:effectLst/>
+                <a:latin typeface="Tahoma" panose="020B0604030504040204" pitchFamily="34" charset="0"/>
+                <a:ea typeface="Tahoma" panose="020B0604030504040204" pitchFamily="34" charset="0"/>
+                <a:cs typeface="Tahoma" panose="020B0604030504040204" pitchFamily="34" charset="0"/>
+              </a:rPr>
+              <a:t>ed altre applicazioni di Business Intelligence, calcoli analitici complessi, scenari predittivi, come anche funzioni di reportistica di business come analisi finanziaria, budgeting e forecast plannig. </a:t>
             </a:r>
           </a:p>
           <a:p>
@@ -8954,301 +9413,33 @@
               <a:buChar char="ü"/>
             </a:pPr>
             <a:r>
-              <a:rPr lang="it-IT" sz="2400" b="0" i="0" dirty="0">
-                <a:solidFill>
-                  <a:schemeClr val="tx1"/>
-                </a:solidFill>
-                <a:effectLst/>
-                <a:latin typeface="Tahoma" panose="020B0604030504040204" pitchFamily="34" charset="0"/>
-                <a:ea typeface="Tahoma" panose="020B0604030504040204" pitchFamily="34" charset="0"/>
-                <a:cs typeface="Tahoma" panose="020B0604030504040204" pitchFamily="34" charset="0"/>
-              </a:rPr>
-              <a:t>Mentre entrambi </a:t>
-            </a:r>
-            <a:r>
-              <a:rPr lang="it-IT" sz="2400" b="1" i="0" dirty="0">
-                <a:solidFill>
-                  <a:schemeClr val="tx1"/>
-                </a:solidFill>
-                <a:effectLst/>
-                <a:latin typeface="Tahoma" panose="020B0604030504040204" pitchFamily="34" charset="0"/>
-                <a:ea typeface="Tahoma" panose="020B0604030504040204" pitchFamily="34" charset="0"/>
-                <a:cs typeface="Tahoma" panose="020B0604030504040204" pitchFamily="34" charset="0"/>
-              </a:rPr>
-              <a:t>ETL</a:t>
-            </a:r>
-            <a:r>
-              <a:rPr lang="it-IT" sz="2400" b="0" i="0" dirty="0">
-                <a:solidFill>
-                  <a:schemeClr val="tx1"/>
-                </a:solidFill>
-                <a:effectLst/>
-                <a:latin typeface="Tahoma" panose="020B0604030504040204" pitchFamily="34" charset="0"/>
-                <a:ea typeface="Tahoma" panose="020B0604030504040204" pitchFamily="34" charset="0"/>
-                <a:cs typeface="Tahoma" panose="020B0604030504040204" pitchFamily="34" charset="0"/>
-              </a:rPr>
-              <a:t> e </a:t>
-            </a:r>
-            <a:r>
-              <a:rPr lang="it-IT" sz="2400" b="1" i="0" dirty="0">
-                <a:solidFill>
-                  <a:schemeClr val="tx1"/>
-                </a:solidFill>
-                <a:effectLst/>
-                <a:latin typeface="Tahoma" panose="020B0604030504040204" pitchFamily="34" charset="0"/>
-                <a:ea typeface="Tahoma" panose="020B0604030504040204" pitchFamily="34" charset="0"/>
-                <a:cs typeface="Tahoma" panose="020B0604030504040204" pitchFamily="34" charset="0"/>
-              </a:rPr>
-              <a:t>ELT </a:t>
-            </a:r>
-            <a:r>
-              <a:rPr lang="it-IT" sz="2400" i="0" dirty="0">
-                <a:solidFill>
-                  <a:schemeClr val="tx1"/>
-                </a:solidFill>
-                <a:effectLst/>
-                <a:latin typeface="Tahoma" panose="020B0604030504040204" pitchFamily="34" charset="0"/>
-                <a:ea typeface="Tahoma" panose="020B0604030504040204" pitchFamily="34" charset="0"/>
-                <a:cs typeface="Tahoma" panose="020B0604030504040204" pitchFamily="34" charset="0"/>
-              </a:rPr>
-              <a:t>fanno le</a:t>
-            </a:r>
-            <a:r>
-              <a:rPr lang="it-IT" sz="2400" dirty="0">
-                <a:solidFill>
-                  <a:schemeClr val="tx1"/>
-                </a:solidFill>
-                <a:latin typeface="Tahoma" panose="020B0604030504040204" pitchFamily="34" charset="0"/>
-                <a:ea typeface="Tahoma" panose="020B0604030504040204" pitchFamily="34" charset="0"/>
-                <a:cs typeface="Tahoma" panose="020B0604030504040204" pitchFamily="34" charset="0"/>
-              </a:rPr>
-              <a:t>va su una varietà di repository di dati, quali database, data </a:t>
-            </a:r>
-            <a:r>
-              <a:rPr lang="it-IT" sz="2400" dirty="0" err="1">
-                <a:solidFill>
-                  <a:schemeClr val="tx1"/>
-                </a:solidFill>
-                <a:latin typeface="Tahoma" panose="020B0604030504040204" pitchFamily="34" charset="0"/>
-                <a:ea typeface="Tahoma" panose="020B0604030504040204" pitchFamily="34" charset="0"/>
-                <a:cs typeface="Tahoma" panose="020B0604030504040204" pitchFamily="34" charset="0"/>
-              </a:rPr>
-              <a:t>warehouse</a:t>
-            </a:r>
-            <a:r>
-              <a:rPr lang="it-IT" sz="2400" dirty="0">
-                <a:solidFill>
-                  <a:schemeClr val="tx1"/>
-                </a:solidFill>
-                <a:latin typeface="Tahoma" panose="020B0604030504040204" pitchFamily="34" charset="0"/>
-                <a:ea typeface="Tahoma" panose="020B0604030504040204" pitchFamily="34" charset="0"/>
-                <a:cs typeface="Tahoma" panose="020B0604030504040204" pitchFamily="34" charset="0"/>
-              </a:rPr>
-              <a:t> e data </a:t>
-            </a:r>
-            <a:r>
-              <a:rPr lang="it-IT" sz="2400" dirty="0" err="1">
-                <a:solidFill>
-                  <a:schemeClr val="tx1"/>
-                </a:solidFill>
-                <a:latin typeface="Tahoma" panose="020B0604030504040204" pitchFamily="34" charset="0"/>
-                <a:ea typeface="Tahoma" panose="020B0604030504040204" pitchFamily="34" charset="0"/>
-                <a:cs typeface="Tahoma" panose="020B0604030504040204" pitchFamily="34" charset="0"/>
-              </a:rPr>
-              <a:t>lake</a:t>
-            </a:r>
-            <a:r>
-              <a:rPr lang="it-IT" sz="2400" dirty="0">
-                <a:solidFill>
-                  <a:schemeClr val="tx1"/>
-                </a:solidFill>
-                <a:latin typeface="Tahoma" panose="020B0604030504040204" pitchFamily="34" charset="0"/>
-                <a:ea typeface="Tahoma" panose="020B0604030504040204" pitchFamily="34" charset="0"/>
-                <a:cs typeface="Tahoma" panose="020B0604030504040204" pitchFamily="34" charset="0"/>
-              </a:rPr>
-              <a:t>, ciascuno dei due processi possiede i suoi vantaggi e svantaggi. </a:t>
-            </a:r>
-          </a:p>
-          <a:p>
-            <a:pPr marL="1828800" lvl="3" indent="-457200">
-              <a:buFont typeface="+mj-lt"/>
-              <a:buAutoNum type="arabicPeriod"/>
-            </a:pPr>
-            <a:r>
-              <a:rPr lang="it-IT" sz="2200" b="1" i="0" dirty="0">
-                <a:solidFill>
-                  <a:schemeClr val="tx1"/>
-                </a:solidFill>
-                <a:effectLst/>
-                <a:latin typeface="Tahoma" panose="020B0604030504040204" pitchFamily="34" charset="0"/>
-                <a:ea typeface="Tahoma" panose="020B0604030504040204" pitchFamily="34" charset="0"/>
-                <a:cs typeface="Tahoma" panose="020B0604030504040204" pitchFamily="34" charset="0"/>
-              </a:rPr>
-              <a:t>ETL </a:t>
-            </a:r>
-            <a:r>
-              <a:rPr lang="it-IT" sz="2200" b="0" i="0" dirty="0">
-                <a:solidFill>
-                  <a:schemeClr val="tx1"/>
-                </a:solidFill>
-                <a:effectLst/>
-                <a:latin typeface="Tahoma" panose="020B0604030504040204" pitchFamily="34" charset="0"/>
-                <a:ea typeface="Tahoma" panose="020B0604030504040204" pitchFamily="34" charset="0"/>
-                <a:cs typeface="Tahoma" panose="020B0604030504040204" pitchFamily="34" charset="0"/>
-              </a:rPr>
-              <a:t>è particolarmente utile per dataset ad alto volume non strutturati dal momento che il caricamento può avvenire direttamente dalla sorgente. Questo processo richiede più definizione all’inizio, le regole di business per la data </a:t>
-            </a:r>
-            <a:r>
-              <a:rPr lang="it-IT" sz="2200" b="0" i="0" dirty="0" err="1">
-                <a:solidFill>
-                  <a:schemeClr val="tx1"/>
-                </a:solidFill>
-                <a:effectLst/>
-                <a:latin typeface="Tahoma" panose="020B0604030504040204" pitchFamily="34" charset="0"/>
-                <a:ea typeface="Tahoma" panose="020B0604030504040204" pitchFamily="34" charset="0"/>
-                <a:cs typeface="Tahoma" panose="020B0604030504040204" pitchFamily="34" charset="0"/>
-              </a:rPr>
-              <a:t>transformation</a:t>
-            </a:r>
-            <a:r>
-              <a:rPr lang="it-IT" sz="2200" b="0" i="0" dirty="0">
-                <a:solidFill>
-                  <a:schemeClr val="tx1"/>
-                </a:solidFill>
-                <a:effectLst/>
-                <a:latin typeface="Tahoma" panose="020B0604030504040204" pitchFamily="34" charset="0"/>
-                <a:ea typeface="Tahoma" panose="020B0604030504040204" pitchFamily="34" charset="0"/>
-                <a:cs typeface="Tahoma" panose="020B0604030504040204" pitchFamily="34" charset="0"/>
-              </a:rPr>
-              <a:t> hanno bisogno di essere costruite. </a:t>
-            </a:r>
-          </a:p>
-          <a:p>
-            <a:pPr marL="1828800" lvl="3" indent="-457200">
-              <a:buFont typeface="+mj-lt"/>
-              <a:buAutoNum type="arabicPeriod"/>
-            </a:pPr>
-            <a:r>
-              <a:rPr lang="it-IT" sz="2200" dirty="0">
-                <a:solidFill>
-                  <a:schemeClr val="tx1"/>
-                </a:solidFill>
-                <a:latin typeface="Tahoma" panose="020B0604030504040204" pitchFamily="34" charset="0"/>
-                <a:ea typeface="Tahoma" panose="020B0604030504040204" pitchFamily="34" charset="0"/>
-                <a:cs typeface="Tahoma" panose="020B0604030504040204" pitchFamily="34" charset="0"/>
-              </a:rPr>
-              <a:t>ELT</a:t>
-            </a:r>
-            <a:r>
-              <a:rPr lang="it-IT" sz="2200" b="0" dirty="0">
-                <a:solidFill>
-                  <a:schemeClr val="tx1"/>
-                </a:solidFill>
-                <a:latin typeface="Tahoma" panose="020B0604030504040204" pitchFamily="34" charset="0"/>
-                <a:ea typeface="Tahoma" panose="020B0604030504040204" pitchFamily="34" charset="0"/>
-                <a:cs typeface="Tahoma" panose="020B0604030504040204" pitchFamily="34" charset="0"/>
-              </a:rPr>
-              <a:t> è più ideale per nel </a:t>
-            </a:r>
-            <a:r>
-              <a:rPr lang="it-IT" sz="2200" b="0" dirty="0">
-                <a:solidFill>
-                  <a:schemeClr val="tx1"/>
-                </a:solidFill>
-                <a:effectLst/>
-                <a:latin typeface="Tahoma" panose="020B0604030504040204" pitchFamily="34" charset="0"/>
-                <a:ea typeface="Tahoma" panose="020B0604030504040204" pitchFamily="34" charset="0"/>
-                <a:cs typeface="Tahoma" panose="020B0604030504040204" pitchFamily="34" charset="0"/>
-              </a:rPr>
-              <a:t>mondo dei Big Data dal momento che non richiede una progettazione anticipata per la data </a:t>
-            </a:r>
-            <a:r>
-              <a:rPr lang="it-IT" sz="2200" b="0" dirty="0" err="1">
-                <a:solidFill>
-                  <a:schemeClr val="tx1"/>
-                </a:solidFill>
-                <a:effectLst/>
-                <a:latin typeface="Tahoma" panose="020B0604030504040204" pitchFamily="34" charset="0"/>
-                <a:ea typeface="Tahoma" panose="020B0604030504040204" pitchFamily="34" charset="0"/>
-                <a:cs typeface="Tahoma" panose="020B0604030504040204" pitchFamily="34" charset="0"/>
-              </a:rPr>
-              <a:t>extraction</a:t>
-            </a:r>
-            <a:r>
-              <a:rPr lang="it-IT" sz="2200" b="0" dirty="0">
-                <a:solidFill>
-                  <a:schemeClr val="tx1"/>
-                </a:solidFill>
-                <a:effectLst/>
-                <a:latin typeface="Tahoma" panose="020B0604030504040204" pitchFamily="34" charset="0"/>
-                <a:ea typeface="Tahoma" panose="020B0604030504040204" pitchFamily="34" charset="0"/>
-                <a:cs typeface="Tahoma" panose="020B0604030504040204" pitchFamily="34" charset="0"/>
-              </a:rPr>
-              <a:t> e lo storage dei dati. </a:t>
-            </a:r>
-            <a:r>
-              <a:rPr lang="it-IT" sz="2200" dirty="0">
-                <a:solidFill>
-                  <a:schemeClr val="tx1"/>
-                </a:solidFill>
-                <a:effectLst/>
-                <a:latin typeface="Tahoma" panose="020B0604030504040204" pitchFamily="34" charset="0"/>
-                <a:ea typeface="Tahoma" panose="020B0604030504040204" pitchFamily="34" charset="0"/>
-                <a:cs typeface="Tahoma" panose="020B0604030504040204" pitchFamily="34" charset="0"/>
-              </a:rPr>
-              <a:t>ELT </a:t>
-            </a:r>
-            <a:r>
-              <a:rPr lang="it-IT" sz="2200" b="0" dirty="0">
-                <a:solidFill>
-                  <a:schemeClr val="tx1"/>
-                </a:solidFill>
-                <a:effectLst/>
-                <a:latin typeface="Tahoma" panose="020B0604030504040204" pitchFamily="34" charset="0"/>
-                <a:ea typeface="Tahoma" panose="020B0604030504040204" pitchFamily="34" charset="0"/>
-                <a:cs typeface="Tahoma" panose="020B0604030504040204" pitchFamily="34" charset="0"/>
-              </a:rPr>
-              <a:t>è divenuto più popolare con l’adozione dei database su cloud</a:t>
-            </a:r>
-            <a:r>
-              <a:rPr lang="it-IT" sz="2200" b="0" dirty="0">
-                <a:solidFill>
-                  <a:schemeClr val="tx1"/>
-                </a:solidFill>
-                <a:latin typeface="Tahoma" panose="020B0604030504040204" pitchFamily="34" charset="0"/>
-                <a:ea typeface="Tahoma" panose="020B0604030504040204" pitchFamily="34" charset="0"/>
-                <a:cs typeface="Tahoma" panose="020B0604030504040204" pitchFamily="34" charset="0"/>
-              </a:rPr>
-              <a:t>, anche se non ci sono ancora molte best practices su </a:t>
-            </a:r>
-            <a:r>
-              <a:rPr lang="it-IT" sz="2200" dirty="0">
-                <a:solidFill>
-                  <a:schemeClr val="tx1"/>
-                </a:solidFill>
-                <a:latin typeface="Tahoma" panose="020B0604030504040204" pitchFamily="34" charset="0"/>
-                <a:ea typeface="Tahoma" panose="020B0604030504040204" pitchFamily="34" charset="0"/>
-                <a:cs typeface="Tahoma" panose="020B0604030504040204" pitchFamily="34" charset="0"/>
-              </a:rPr>
-              <a:t>ELT</a:t>
-            </a:r>
-            <a:r>
-              <a:rPr lang="it-IT" sz="2200" b="0" dirty="0">
-                <a:solidFill>
-                  <a:schemeClr val="tx1"/>
-                </a:solidFill>
-                <a:latin typeface="Tahoma" panose="020B0604030504040204" pitchFamily="34" charset="0"/>
-                <a:ea typeface="Tahoma" panose="020B0604030504040204" pitchFamily="34" charset="0"/>
-                <a:cs typeface="Tahoma" panose="020B0604030504040204" pitchFamily="34" charset="0"/>
-              </a:rPr>
-              <a:t>. </a:t>
-            </a:r>
-            <a:endParaRPr lang="en-US" sz="2400" b="0" i="0" dirty="0">
+              <a:rPr lang="it-IT" sz="2400" b="1">
+                <a:solidFill>
+                  <a:schemeClr val="tx1"/>
+                </a:solidFill>
+                <a:latin typeface="Tahoma" panose="020B0604030504040204" pitchFamily="34" charset="0"/>
+                <a:ea typeface="Tahoma" panose="020B0604030504040204" pitchFamily="34" charset="0"/>
+                <a:cs typeface="Tahoma" panose="020B0604030504040204" pitchFamily="34" charset="0"/>
+              </a:rPr>
+              <a:t>OLTP </a:t>
+            </a:r>
+            <a:r>
+              <a:rPr lang="it-IT" sz="2400">
+                <a:solidFill>
+                  <a:schemeClr val="tx1"/>
+                </a:solidFill>
+                <a:latin typeface="Tahoma" panose="020B0604030504040204" pitchFamily="34" charset="0"/>
+                <a:ea typeface="Tahoma" panose="020B0604030504040204" pitchFamily="34" charset="0"/>
+                <a:cs typeface="Tahoma" panose="020B0604030504040204" pitchFamily="34" charset="0"/>
+              </a:rPr>
+              <a:t>è progettato per supportare applicaziomni orientate alle transazioni elaborando transazioni recenti il più rapidamente e accurato possibile. Comuni usi di OLTP includono ATMs, software e-commerce, elaboraziojni di pagamenti di carte di credito, prenotazioni online, sistemi di prenotazioni, strumenti di record-keeping, ecc. </a:t>
+            </a:r>
+            <a:endParaRPr lang="en-US" sz="2400" b="1" i="0" dirty="0">
               <a:solidFill>
                 <a:srgbClr val="525252"/>
               </a:solidFill>
               <a:effectLst/>
-              <a:latin typeface="IBM Plex Sans" panose="020B0503050203000203" pitchFamily="34" charset="0"/>
+              <a:latin typeface="IBM Plex Sans" panose="020B0604020202020204" pitchFamily="34" charset="0"/>
             </a:endParaRPr>
           </a:p>
         </p:txBody>
@@ -9315,17 +9506,47 @@
           <a:lstStyle/>
           <a:p>
             <a:r>
-              <a:rPr lang="it-IT" altLang="it-IT" dirty="0"/>
-              <a:t>ETL versus ELT</a:t>
+              <a:rPr lang="it-IT" altLang="it-IT"/>
+              <a:t>Data Warehouse – Comprendere OLAP e OLTP</a:t>
             </a:r>
             <a:endParaRPr lang="it-IT" dirty="0"/>
           </a:p>
         </p:txBody>
       </p:sp>
+      <p:pic>
+        <p:nvPicPr>
+          <p:cNvPr id="4" name="Immagine 3">
+            <a:extLst>
+              <a:ext uri="{FF2B5EF4-FFF2-40B4-BE49-F238E27FC236}">
+                <a16:creationId xmlns:a16="http://schemas.microsoft.com/office/drawing/2014/main" id="{B9F59AF6-8D18-EDC2-C068-3C5205D78037}"/>
+              </a:ext>
+            </a:extLst>
+          </p:cNvPr>
+          <p:cNvPicPr>
+            <a:picLocks noChangeAspect="1"/>
+          </p:cNvPicPr>
+          <p:nvPr/>
+        </p:nvPicPr>
+        <p:blipFill>
+          <a:blip r:embed="rId2"/>
+          <a:stretch>
+            <a:fillRect/>
+          </a:stretch>
+        </p:blipFill>
+        <p:spPr>
+          <a:xfrm>
+            <a:off x="4480560" y="4723735"/>
+            <a:ext cx="4503420" cy="1856052"/>
+          </a:xfrm>
+          <a:prstGeom prst="rect">
+            <a:avLst/>
+          </a:prstGeom>
+        </p:spPr>
+      </p:pic>
     </p:spTree>
     <p:extLst>
       <p:ext uri="{BB962C8B-B14F-4D97-AF65-F5344CB8AC3E}">
-        <p14:creationId xmlns:p14="http://schemas.microsoft.com/office/powerpoint/2010/main" val="4184373011"/>
+        <p14:creationId xmlns:p14="http://schemas.microsoft.com/office/powerpoint/2010/main" val="178500657"/>
       </p:ext>
     </p:extLst>
   </p:cSld>
@@ -9370,8 +9591,8 @@
         </p:nvSpPr>
         <p:spPr>
           <a:xfrm>
-            <a:off x="326297" y="1213806"/>
-            <a:ext cx="11518700" cy="4392612"/>
+            <a:off x="326297" y="1213805"/>
+            <a:ext cx="7706355" cy="4833033"/>
           </a:xfrm>
         </p:spPr>
         <p:txBody>
@@ -9383,6 +9604,17 @@
               <a:buChar char="ü"/>
             </a:pPr>
             <a:r>
+              <a:rPr lang="it-IT" sz="2400" b="1" dirty="0">
+                <a:solidFill>
+                  <a:schemeClr val="tx1"/>
+                </a:solidFill>
+                <a:latin typeface="Tahoma" panose="020B0604030504040204" pitchFamily="34" charset="0"/>
+                <a:ea typeface="Tahoma" panose="020B0604030504040204" pitchFamily="34" charset="0"/>
+                <a:cs typeface="Tahoma" panose="020B0604030504040204" pitchFamily="34" charset="0"/>
+              </a:rPr>
+              <a:t>ETL </a:t>
+            </a:r>
+            <a:r>
               <a:rPr lang="it-IT" sz="2400" dirty="0">
                 <a:solidFill>
                   <a:schemeClr val="tx1"/>
@@ -9391,7 +9623,7 @@
                 <a:ea typeface="Tahoma" panose="020B0604030504040204" pitchFamily="34" charset="0"/>
                 <a:cs typeface="Tahoma" panose="020B0604030504040204" pitchFamily="34" charset="0"/>
               </a:rPr>
-              <a:t>L’Analisi dell’informazione richiede di solito dati accessibili e ben strutturati per ottenere i migliori risultati possibili. La Data </a:t>
+              <a:t>fornisce le fondamenta per la data </a:t>
             </a:r>
             <a:r>
               <a:rPr lang="it-IT" sz="2400" dirty="0" err="1">
@@ -9402,7 +9634,7 @@
                 <a:ea typeface="Tahoma" panose="020B0604030504040204" pitchFamily="34" charset="0"/>
                 <a:cs typeface="Tahoma" panose="020B0604030504040204" pitchFamily="34" charset="0"/>
               </a:rPr>
-              <a:t>Transformation</a:t>
+              <a:t>analytics</a:t>
             </a:r>
             <a:r>
               <a:rPr lang="it-IT" sz="2400" dirty="0">
@@ -9413,7 +9645,7 @@
                 <a:ea typeface="Tahoma" panose="020B0604030504040204" pitchFamily="34" charset="0"/>
                 <a:cs typeface="Tahoma" panose="020B0604030504040204" pitchFamily="34" charset="0"/>
               </a:rPr>
-              <a:t> rende alle </a:t>
+              <a:t> e i </a:t>
             </a:r>
             <a:r>
               <a:rPr lang="it-IT" sz="2400" dirty="0" err="1">
@@ -9424,7 +9656,7 @@
                 <a:ea typeface="Tahoma" panose="020B0604030504040204" pitchFamily="34" charset="0"/>
                 <a:cs typeface="Tahoma" panose="020B0604030504040204" pitchFamily="34" charset="0"/>
               </a:rPr>
-              <a:t>organizziazioni</a:t>
+              <a:t>workstream</a:t>
             </a:r>
             <a:r>
               <a:rPr lang="it-IT" sz="2400" dirty="0">
@@ -9435,7 +9667,29 @@
                 <a:ea typeface="Tahoma" panose="020B0604030504040204" pitchFamily="34" charset="0"/>
                 <a:cs typeface="Tahoma" panose="020B0604030504040204" pitchFamily="34" charset="0"/>
               </a:rPr>
-              <a:t> possibile l’alterazione della struttura e del formato dei dati grezzi secondo le necessità. La Data Analytics più efficiente deriva anche dal modo in cui l’impresa trasforma i suoi dati. </a:t>
+              <a:t> di machine learning. Attraverso una serie di regole, l’ETL purifica e organizza i dati in un modo che incontra specifici bisogni di business intelligence, come report mensili ma </a:t>
+            </a:r>
+            <a:r>
+              <a:rPr lang="it-IT" sz="2400" dirty="0" err="1">
+                <a:solidFill>
+                  <a:schemeClr val="tx1"/>
+                </a:solidFill>
+                <a:latin typeface="Tahoma" panose="020B0604030504040204" pitchFamily="34" charset="0"/>
+                <a:ea typeface="Tahoma" panose="020B0604030504040204" pitchFamily="34" charset="0"/>
+                <a:cs typeface="Tahoma" panose="020B0604030504040204" pitchFamily="34" charset="0"/>
+              </a:rPr>
+              <a:t>piuò</a:t>
+            </a:r>
+            <a:r>
+              <a:rPr lang="it-IT" sz="2400" dirty="0">
+                <a:solidFill>
+                  <a:schemeClr val="tx1"/>
+                </a:solidFill>
+                <a:latin typeface="Tahoma" panose="020B0604030504040204" pitchFamily="34" charset="0"/>
+                <a:ea typeface="Tahoma" panose="020B0604030504040204" pitchFamily="34" charset="0"/>
+                <a:cs typeface="Tahoma" panose="020B0604030504040204" pitchFamily="34" charset="0"/>
+              </a:rPr>
+              <a:t> anche migliorare i processi di back-end o l’esperienza dell’utente finale. </a:t>
             </a:r>
           </a:p>
           <a:p>
@@ -9444,138 +9698,131 @@
               <a:buChar char="ü"/>
             </a:pPr>
             <a:r>
-              <a:rPr lang="en-US" sz="2400" dirty="0">
-                <a:solidFill>
-                  <a:schemeClr val="tx1"/>
-                </a:solidFill>
-                <a:latin typeface="Tahoma" panose="020B0604030504040204" pitchFamily="34" charset="0"/>
-                <a:ea typeface="Tahoma" panose="020B0604030504040204" pitchFamily="34" charset="0"/>
-                <a:cs typeface="Tahoma" panose="020B0604030504040204" pitchFamily="34" charset="0"/>
-              </a:rPr>
-              <a:t>La Data Transformation </a:t>
-            </a:r>
-          </a:p>
-          <a:p>
-            <a:pPr marL="342900" indent="-342900">
-              <a:buFont typeface="Wingdings" panose="05000000000000000000" pitchFamily="2" charset="2"/>
-              <a:buChar char="ü"/>
+              <a:rPr lang="it-IT" sz="2400" dirty="0">
+                <a:solidFill>
+                  <a:schemeClr val="tx1"/>
+                </a:solidFill>
+                <a:latin typeface="Tahoma" panose="020B0604030504040204" pitchFamily="34" charset="0"/>
+                <a:ea typeface="Tahoma" panose="020B0604030504040204" pitchFamily="34" charset="0"/>
+                <a:cs typeface="Tahoma" panose="020B0604030504040204" pitchFamily="34" charset="0"/>
+              </a:rPr>
+              <a:t>In genere </a:t>
+            </a:r>
+            <a:r>
+              <a:rPr lang="it-IT" sz="2400" b="1" dirty="0">
+                <a:solidFill>
+                  <a:schemeClr val="tx1"/>
+                </a:solidFill>
+                <a:latin typeface="Tahoma" panose="020B0604030504040204" pitchFamily="34" charset="0"/>
+                <a:ea typeface="Tahoma" panose="020B0604030504040204" pitchFamily="34" charset="0"/>
+                <a:cs typeface="Tahoma" panose="020B0604030504040204" pitchFamily="34" charset="0"/>
+              </a:rPr>
+              <a:t>l’ETL</a:t>
+            </a:r>
+            <a:r>
+              <a:rPr lang="it-IT" sz="2400" dirty="0">
+                <a:solidFill>
+                  <a:schemeClr val="tx1"/>
+                </a:solidFill>
+                <a:latin typeface="Tahoma" panose="020B0604030504040204" pitchFamily="34" charset="0"/>
+                <a:ea typeface="Tahoma" panose="020B0604030504040204" pitchFamily="34" charset="0"/>
+                <a:cs typeface="Tahoma" panose="020B0604030504040204" pitchFamily="34" charset="0"/>
+              </a:rPr>
+              <a:t> è utilizzato dalle organizzazioni per: </a:t>
+            </a:r>
+          </a:p>
+          <a:p>
+            <a:pPr marL="971550" lvl="1" indent="-514350">
+              <a:buAutoNum type="arabicParenR"/>
             </a:pPr>
-            <a:endParaRPr lang="en-US" sz="2400" dirty="0">
-              <a:solidFill>
-                <a:srgbClr val="555555"/>
-              </a:solidFill>
-              <a:latin typeface="PT Sans" panose="020B0503020203020204" pitchFamily="34" charset="0"/>
-            </a:endParaRPr>
-          </a:p>
-          <a:p>
-            <a:pPr marL="342900" indent="-342900">
-              <a:buFont typeface="Wingdings" panose="05000000000000000000" pitchFamily="2" charset="2"/>
-              <a:buChar char="ü"/>
+            <a:r>
+              <a:rPr lang="it-IT" sz="2600" b="0" dirty="0">
+                <a:solidFill>
+                  <a:schemeClr val="tx1"/>
+                </a:solidFill>
+                <a:latin typeface="Tahoma" panose="020B0604030504040204" pitchFamily="34" charset="0"/>
+                <a:ea typeface="Tahoma" panose="020B0604030504040204" pitchFamily="34" charset="0"/>
+                <a:cs typeface="Tahoma" panose="020B0604030504040204" pitchFamily="34" charset="0"/>
+              </a:rPr>
+              <a:t>Estrarre dati da sistemi legacy</a:t>
+            </a:r>
+          </a:p>
+          <a:p>
+            <a:pPr marL="971550" lvl="1" indent="-514350">
+              <a:buAutoNum type="arabicParenR"/>
             </a:pPr>
-            <a:endParaRPr lang="en-US" sz="2400" b="0" i="0" dirty="0">
-              <a:solidFill>
-                <a:srgbClr val="555555"/>
-              </a:solidFill>
-              <a:effectLst/>
-              <a:latin typeface="PT Sans" panose="020B0503020203020204" pitchFamily="34" charset="0"/>
-            </a:endParaRPr>
-          </a:p>
-          <a:p>
-            <a:pPr marL="342900" indent="-342900">
-              <a:buFont typeface="Wingdings" panose="05000000000000000000" pitchFamily="2" charset="2"/>
-              <a:buChar char="ü"/>
-            </a:pPr>
-            <a:r>
-              <a:rPr lang="en-US" sz="2400" b="0" i="0" dirty="0">
-                <a:solidFill>
-                  <a:srgbClr val="555555"/>
-                </a:solidFill>
-                <a:effectLst/>
-                <a:latin typeface="PT Sans" panose="020B0503020203020204" pitchFamily="34" charset="0"/>
-              </a:rPr>
-              <a:t>Data transformation is the process of changing the format, structure, or values of data. For data analytics projects, data may be transformed at two stages of the data pipeline. Organizations that use on-premises data warehouses generally use an ETL (</a:t>
-            </a:r>
-            <a:r>
-              <a:rPr lang="en-US" sz="2400" b="1" i="0" u="none" strike="noStrike" dirty="0">
-                <a:solidFill>
-                  <a:srgbClr val="0675C1"/>
-                </a:solidFill>
-                <a:effectLst/>
-                <a:latin typeface="PT Sans" panose="020B0503020203020204" pitchFamily="34" charset="0"/>
-                <a:hlinkClick r:id="rId2"/>
-              </a:rPr>
-              <a:t>extract, transform, load</a:t>
-            </a:r>
-            <a:r>
-              <a:rPr lang="en-US" sz="2400" b="0" i="0" dirty="0">
-                <a:solidFill>
-                  <a:srgbClr val="555555"/>
-                </a:solidFill>
-                <a:effectLst/>
-                <a:latin typeface="PT Sans" panose="020B0503020203020204" pitchFamily="34" charset="0"/>
-              </a:rPr>
-              <a:t>) process, in which </a:t>
-            </a:r>
-            <a:r>
-              <a:rPr lang="en-US" sz="2400" b="1" i="0" u="none" strike="noStrike" dirty="0">
-                <a:solidFill>
-                  <a:srgbClr val="0675C1"/>
-                </a:solidFill>
-                <a:effectLst/>
-                <a:latin typeface="PT Sans" panose="020B0503020203020204" pitchFamily="34" charset="0"/>
-                <a:hlinkClick r:id="rId3"/>
-              </a:rPr>
-              <a:t>data transformation is the middle step</a:t>
-            </a:r>
-            <a:r>
-              <a:rPr lang="en-US" sz="2400" b="0" i="0" dirty="0">
-                <a:solidFill>
-                  <a:srgbClr val="555555"/>
-                </a:solidFill>
-                <a:effectLst/>
-                <a:latin typeface="PT Sans" panose="020B0503020203020204" pitchFamily="34" charset="0"/>
-              </a:rPr>
-              <a:t>. Today, most organizations use cloud-based data warehouses, which can scale compute and storage resources with latency measured in seconds or minutes. The scalability of the cloud platform lets organizations skip preload transformations and load raw data into the data warehouse, then transform it at query time — a model called ELT ( </a:t>
-            </a:r>
-            <a:r>
-              <a:rPr lang="en-US" sz="2400" b="1" i="0" u="none" strike="noStrike" dirty="0">
-                <a:solidFill>
-                  <a:srgbClr val="0675C1"/>
-                </a:solidFill>
-                <a:effectLst/>
-                <a:latin typeface="PT Sans" panose="020B0503020203020204" pitchFamily="34" charset="0"/>
-                <a:hlinkClick r:id="rId4"/>
-              </a:rPr>
-              <a:t>extract, load, transform)</a:t>
-            </a:r>
-            <a:r>
-              <a:rPr lang="en-US" sz="2400" b="0" i="0" dirty="0">
-                <a:solidFill>
-                  <a:srgbClr val="555555"/>
-                </a:solidFill>
-                <a:effectLst/>
-                <a:latin typeface="PT Sans" panose="020B0503020203020204" pitchFamily="34" charset="0"/>
-              </a:rPr>
-              <a:t>.</a:t>
-            </a:r>
-            <a:endParaRPr lang="it-IT" sz="2400" dirty="0">
-              <a:solidFill>
-                <a:schemeClr val="tx1"/>
-              </a:solidFill>
-              <a:latin typeface="Tahoma" panose="020B0604030504040204" pitchFamily="34" charset="0"/>
-              <a:ea typeface="Tahoma" panose="020B0604030504040204" pitchFamily="34" charset="0"/>
-              <a:cs typeface="Tahoma" panose="020B0604030504040204" pitchFamily="34" charset="0"/>
-            </a:endParaRPr>
-          </a:p>
-          <a:p>
-            <a:endParaRPr lang="it-IT" sz="2400" dirty="0">
-              <a:solidFill>
-                <a:schemeClr val="tx1"/>
-              </a:solidFill>
-              <a:latin typeface="Tahoma" panose="020B0604030504040204" pitchFamily="34" charset="0"/>
-              <a:ea typeface="Tahoma" panose="020B0604030504040204" pitchFamily="34" charset="0"/>
-              <a:cs typeface="Tahoma" panose="020B0604030504040204" pitchFamily="34" charset="0"/>
-            </a:endParaRPr>
+            <a:r>
+              <a:rPr lang="it-IT" sz="2600" b="0" dirty="0">
+                <a:solidFill>
+                  <a:schemeClr val="tx1"/>
+                </a:solidFill>
+                <a:latin typeface="Tahoma" panose="020B0604030504040204" pitchFamily="34" charset="0"/>
+                <a:ea typeface="Tahoma" panose="020B0604030504040204" pitchFamily="34" charset="0"/>
+                <a:cs typeface="Tahoma" panose="020B0604030504040204" pitchFamily="34" charset="0"/>
+              </a:rPr>
+              <a:t>Ripulire i dati per </a:t>
+            </a:r>
+            <a:r>
+              <a:rPr lang="it-IT" sz="2600" b="0" dirty="0" err="1">
+                <a:solidFill>
+                  <a:schemeClr val="tx1"/>
+                </a:solidFill>
+                <a:latin typeface="Tahoma" panose="020B0604030504040204" pitchFamily="34" charset="0"/>
+                <a:ea typeface="Tahoma" panose="020B0604030504040204" pitchFamily="34" charset="0"/>
+                <a:cs typeface="Tahoma" panose="020B0604030504040204" pitchFamily="34" charset="0"/>
+              </a:rPr>
+              <a:t>miglirarne</a:t>
+            </a:r>
+            <a:r>
+              <a:rPr lang="it-IT" sz="2600" b="0" dirty="0">
+                <a:solidFill>
+                  <a:schemeClr val="tx1"/>
+                </a:solidFill>
+                <a:latin typeface="Tahoma" panose="020B0604030504040204" pitchFamily="34" charset="0"/>
+                <a:ea typeface="Tahoma" panose="020B0604030504040204" pitchFamily="34" charset="0"/>
+                <a:cs typeface="Tahoma" panose="020B0604030504040204" pitchFamily="34" charset="0"/>
+              </a:rPr>
+              <a:t> la qualità e </a:t>
+            </a:r>
+          </a:p>
+          <a:p>
+            <a:pPr lvl="1"/>
+            <a:r>
+              <a:rPr lang="it-IT" sz="2600" b="0" dirty="0">
+                <a:solidFill>
+                  <a:schemeClr val="tx1"/>
+                </a:solidFill>
+                <a:latin typeface="Tahoma" panose="020B0604030504040204" pitchFamily="34" charset="0"/>
+                <a:ea typeface="Tahoma" panose="020B0604030504040204" pitchFamily="34" charset="0"/>
+                <a:cs typeface="Tahoma" panose="020B0604030504040204" pitchFamily="34" charset="0"/>
+              </a:rPr>
+              <a:t>	renderli consistenti</a:t>
+            </a:r>
+          </a:p>
+          <a:p>
+            <a:pPr lvl="1"/>
+            <a:r>
+              <a:rPr lang="it-IT" sz="2600" b="0" dirty="0">
+                <a:solidFill>
+                  <a:srgbClr val="FF0000"/>
+                </a:solidFill>
+                <a:latin typeface="Tahoma" panose="020B0604030504040204" pitchFamily="34" charset="0"/>
+                <a:ea typeface="Tahoma" panose="020B0604030504040204" pitchFamily="34" charset="0"/>
+                <a:cs typeface="Tahoma" panose="020B0604030504040204" pitchFamily="34" charset="0"/>
+              </a:rPr>
+              <a:t>3) </a:t>
+            </a:r>
+            <a:r>
+              <a:rPr lang="it-IT" sz="2600" b="0" dirty="0">
+                <a:solidFill>
+                  <a:schemeClr val="tx1"/>
+                </a:solidFill>
+                <a:latin typeface="Tahoma" panose="020B0604030504040204" pitchFamily="34" charset="0"/>
+                <a:ea typeface="Tahoma" panose="020B0604030504040204" pitchFamily="34" charset="0"/>
+                <a:cs typeface="Tahoma" panose="020B0604030504040204" pitchFamily="34" charset="0"/>
+              </a:rPr>
+              <a:t>Caricare i dati all’interno di un database target</a:t>
+            </a:r>
           </a:p>
         </p:txBody>
       </p:sp>
@@ -9642,24 +9889,62 @@
           <a:p>
             <a:r>
               <a:rPr lang="it-IT" altLang="it-IT" dirty="0"/>
-              <a:t>Trasformazione dei Dati (Data </a:t>
+              <a:t>ETL – </a:t>
             </a:r>
             <a:r>
               <a:rPr lang="it-IT" altLang="it-IT" dirty="0" err="1"/>
-              <a:t>Transformation</a:t>
+              <a:t>Extract</a:t>
             </a:r>
             <a:r>
               <a:rPr lang="it-IT" altLang="it-IT" dirty="0"/>
-              <a:t>)</a:t>
+              <a:t>, </a:t>
+            </a:r>
+            <a:r>
+              <a:rPr lang="it-IT" altLang="it-IT" dirty="0" err="1"/>
+              <a:t>Transform</a:t>
+            </a:r>
+            <a:r>
+              <a:rPr lang="it-IT" altLang="it-IT" dirty="0"/>
+              <a:t> and Load</a:t>
             </a:r>
             <a:endParaRPr lang="it-IT" dirty="0"/>
           </a:p>
         </p:txBody>
       </p:sp>
+      <p:pic>
+        <p:nvPicPr>
+          <p:cNvPr id="6" name="Immagine 5" descr="Immagine che contiene testo&#10;&#10;Descrizione generata automaticamente">
+            <a:extLst>
+              <a:ext uri="{FF2B5EF4-FFF2-40B4-BE49-F238E27FC236}">
+                <a16:creationId xmlns:a16="http://schemas.microsoft.com/office/drawing/2014/main" id="{39F9FEBF-2449-D3F8-4D77-33C401C96EC9}"/>
+              </a:ext>
+            </a:extLst>
+          </p:cNvPr>
+          <p:cNvPicPr>
+            <a:picLocks noChangeAspect="1"/>
+          </p:cNvPicPr>
+          <p:nvPr/>
+        </p:nvPicPr>
+        <p:blipFill>
+          <a:blip r:embed="rId2"/>
+          <a:stretch>
+            <a:fillRect/>
+          </a:stretch>
+        </p:blipFill>
+        <p:spPr>
+          <a:xfrm>
+            <a:off x="8091882" y="2857797"/>
+            <a:ext cx="3773821" cy="2600468"/>
+          </a:xfrm>
+          <a:prstGeom prst="rect">
+            <a:avLst/>
+          </a:prstGeom>
+        </p:spPr>
+      </p:pic>
     </p:spTree>
     <p:extLst>
       <p:ext uri="{BB962C8B-B14F-4D97-AF65-F5344CB8AC3E}">
-        <p14:creationId xmlns:p14="http://schemas.microsoft.com/office/powerpoint/2010/main" val="95832058"/>
+        <p14:creationId xmlns:p14="http://schemas.microsoft.com/office/powerpoint/2010/main" val="2736730313"/>
       </p:ext>
     </p:extLst>
   </p:cSld>
@@ -9688,6 +9973,441 @@
       </p:grpSpPr>
       <p:sp>
         <p:nvSpPr>
+          <p:cNvPr id="2" name="Segnaposto testo 1">
+            <a:extLst>
+              <a:ext uri="{FF2B5EF4-FFF2-40B4-BE49-F238E27FC236}">
+                <a16:creationId xmlns:a16="http://schemas.microsoft.com/office/drawing/2014/main" id="{E5AE986C-196F-4141-A898-FA4C4198CDCC}"/>
+              </a:ext>
+            </a:extLst>
+          </p:cNvPr>
+          <p:cNvSpPr>
+            <a:spLocks noGrp="1"/>
+          </p:cNvSpPr>
+          <p:nvPr>
+            <p:ph type="body" idx="1"/>
+          </p:nvPr>
+        </p:nvSpPr>
+        <p:spPr>
+          <a:xfrm>
+            <a:off x="336650" y="1115332"/>
+            <a:ext cx="11518700" cy="4392612"/>
+          </a:xfrm>
+        </p:spPr>
+        <p:txBody>
+          <a:bodyPr/>
+          <a:lstStyle/>
+          <a:p>
+            <a:pPr marL="342900" indent="-342900">
+              <a:buFont typeface="Wingdings" panose="05000000000000000000" pitchFamily="2" charset="2"/>
+              <a:buChar char="ü"/>
+            </a:pPr>
+            <a:r>
+              <a:rPr lang="it-IT" sz="2400" dirty="0">
+                <a:solidFill>
+                  <a:schemeClr val="tx1"/>
+                </a:solidFill>
+                <a:latin typeface="Tahoma" panose="020B0604030504040204" pitchFamily="34" charset="0"/>
+                <a:ea typeface="Tahoma" panose="020B0604030504040204" pitchFamily="34" charset="0"/>
+                <a:cs typeface="Tahoma" panose="020B0604030504040204" pitchFamily="34" charset="0"/>
+              </a:rPr>
+              <a:t>La più semplice differenza tra </a:t>
+            </a:r>
+            <a:r>
+              <a:rPr lang="it-IT" sz="2400" b="1" dirty="0">
+                <a:solidFill>
+                  <a:schemeClr val="tx1"/>
+                </a:solidFill>
+                <a:latin typeface="Tahoma" panose="020B0604030504040204" pitchFamily="34" charset="0"/>
+                <a:ea typeface="Tahoma" panose="020B0604030504040204" pitchFamily="34" charset="0"/>
+                <a:cs typeface="Tahoma" panose="020B0604030504040204" pitchFamily="34" charset="0"/>
+              </a:rPr>
+              <a:t>ETL </a:t>
+            </a:r>
+            <a:r>
+              <a:rPr lang="it-IT" sz="2400" dirty="0">
+                <a:solidFill>
+                  <a:schemeClr val="tx1"/>
+                </a:solidFill>
+                <a:latin typeface="Tahoma" panose="020B0604030504040204" pitchFamily="34" charset="0"/>
+                <a:ea typeface="Tahoma" panose="020B0604030504040204" pitchFamily="34" charset="0"/>
+                <a:cs typeface="Tahoma" panose="020B0604030504040204" pitchFamily="34" charset="0"/>
+              </a:rPr>
+              <a:t>e </a:t>
+            </a:r>
+            <a:r>
+              <a:rPr lang="it-IT" sz="2400" b="1" dirty="0">
+                <a:solidFill>
+                  <a:schemeClr val="tx1"/>
+                </a:solidFill>
+                <a:latin typeface="Tahoma" panose="020B0604030504040204" pitchFamily="34" charset="0"/>
+                <a:ea typeface="Tahoma" panose="020B0604030504040204" pitchFamily="34" charset="0"/>
+                <a:cs typeface="Tahoma" panose="020B0604030504040204" pitchFamily="34" charset="0"/>
+              </a:rPr>
+              <a:t>ELT </a:t>
+            </a:r>
+            <a:r>
+              <a:rPr lang="it-IT" sz="2400" dirty="0">
+                <a:solidFill>
+                  <a:schemeClr val="tx1"/>
+                </a:solidFill>
+                <a:latin typeface="Tahoma" panose="020B0604030504040204" pitchFamily="34" charset="0"/>
+                <a:ea typeface="Tahoma" panose="020B0604030504040204" pitchFamily="34" charset="0"/>
+                <a:cs typeface="Tahoma" panose="020B0604030504040204" pitchFamily="34" charset="0"/>
+              </a:rPr>
+              <a:t>è in termini di operazioni. </a:t>
+            </a:r>
+            <a:r>
+              <a:rPr lang="it-IT" sz="2400" b="1" dirty="0">
+                <a:solidFill>
+                  <a:schemeClr val="tx1"/>
+                </a:solidFill>
+                <a:latin typeface="Tahoma" panose="020B0604030504040204" pitchFamily="34" charset="0"/>
+                <a:ea typeface="Tahoma" panose="020B0604030504040204" pitchFamily="34" charset="0"/>
+                <a:cs typeface="Tahoma" panose="020B0604030504040204" pitchFamily="34" charset="0"/>
+              </a:rPr>
+              <a:t>ELT </a:t>
+            </a:r>
+            <a:r>
+              <a:rPr lang="it-IT" sz="2400" dirty="0">
+                <a:solidFill>
+                  <a:schemeClr val="tx1"/>
+                </a:solidFill>
+                <a:latin typeface="Tahoma" panose="020B0604030504040204" pitchFamily="34" charset="0"/>
+                <a:ea typeface="Tahoma" panose="020B0604030504040204" pitchFamily="34" charset="0"/>
+                <a:cs typeface="Tahoma" panose="020B0604030504040204" pitchFamily="34" charset="0"/>
+              </a:rPr>
+              <a:t>copia ed esporta i dati dalle sorgenti, ma invece di caricarli in su un’area per la trasformazione successiva, </a:t>
+            </a:r>
+            <a:r>
+              <a:rPr lang="it-IT" sz="2400" b="1" dirty="0">
+                <a:solidFill>
+                  <a:schemeClr val="tx1"/>
+                </a:solidFill>
+                <a:latin typeface="Tahoma" panose="020B0604030504040204" pitchFamily="34" charset="0"/>
+                <a:ea typeface="Tahoma" panose="020B0604030504040204" pitchFamily="34" charset="0"/>
+                <a:cs typeface="Tahoma" panose="020B0604030504040204" pitchFamily="34" charset="0"/>
+              </a:rPr>
+              <a:t>l’ELT</a:t>
+            </a:r>
+            <a:r>
+              <a:rPr lang="it-IT" sz="2400" dirty="0">
+                <a:solidFill>
+                  <a:schemeClr val="tx1"/>
+                </a:solidFill>
+                <a:latin typeface="Tahoma" panose="020B0604030504040204" pitchFamily="34" charset="0"/>
+                <a:ea typeface="Tahoma" panose="020B0604030504040204" pitchFamily="34" charset="0"/>
+                <a:cs typeface="Tahoma" panose="020B0604030504040204" pitchFamily="34" charset="0"/>
+              </a:rPr>
+              <a:t> carica i dati grezzi direttamente sullo store di target dei dati per poter essere trasformati alla bisogna.</a:t>
+            </a:r>
+          </a:p>
+          <a:p>
+            <a:pPr marL="342900" indent="-342900">
+              <a:buFont typeface="Wingdings" panose="05000000000000000000" pitchFamily="2" charset="2"/>
+              <a:buChar char="ü"/>
+            </a:pPr>
+            <a:r>
+              <a:rPr lang="it-IT" sz="2400" b="0" i="0" dirty="0">
+                <a:solidFill>
+                  <a:schemeClr val="tx1"/>
+                </a:solidFill>
+                <a:effectLst/>
+                <a:latin typeface="Tahoma" panose="020B0604030504040204" pitchFamily="34" charset="0"/>
+                <a:ea typeface="Tahoma" panose="020B0604030504040204" pitchFamily="34" charset="0"/>
+                <a:cs typeface="Tahoma" panose="020B0604030504040204" pitchFamily="34" charset="0"/>
+              </a:rPr>
+              <a:t>Mentre entrambi </a:t>
+            </a:r>
+            <a:r>
+              <a:rPr lang="it-IT" sz="2400" b="1" i="0" dirty="0">
+                <a:solidFill>
+                  <a:schemeClr val="tx1"/>
+                </a:solidFill>
+                <a:effectLst/>
+                <a:latin typeface="Tahoma" panose="020B0604030504040204" pitchFamily="34" charset="0"/>
+                <a:ea typeface="Tahoma" panose="020B0604030504040204" pitchFamily="34" charset="0"/>
+                <a:cs typeface="Tahoma" panose="020B0604030504040204" pitchFamily="34" charset="0"/>
+              </a:rPr>
+              <a:t>ETL</a:t>
+            </a:r>
+            <a:r>
+              <a:rPr lang="it-IT" sz="2400" b="0" i="0" dirty="0">
+                <a:solidFill>
+                  <a:schemeClr val="tx1"/>
+                </a:solidFill>
+                <a:effectLst/>
+                <a:latin typeface="Tahoma" panose="020B0604030504040204" pitchFamily="34" charset="0"/>
+                <a:ea typeface="Tahoma" panose="020B0604030504040204" pitchFamily="34" charset="0"/>
+                <a:cs typeface="Tahoma" panose="020B0604030504040204" pitchFamily="34" charset="0"/>
+              </a:rPr>
+              <a:t> e </a:t>
+            </a:r>
+            <a:r>
+              <a:rPr lang="it-IT" sz="2400" b="1" i="0" dirty="0">
+                <a:solidFill>
+                  <a:schemeClr val="tx1"/>
+                </a:solidFill>
+                <a:effectLst/>
+                <a:latin typeface="Tahoma" panose="020B0604030504040204" pitchFamily="34" charset="0"/>
+                <a:ea typeface="Tahoma" panose="020B0604030504040204" pitchFamily="34" charset="0"/>
+                <a:cs typeface="Tahoma" panose="020B0604030504040204" pitchFamily="34" charset="0"/>
+              </a:rPr>
+              <a:t>ELT </a:t>
+            </a:r>
+            <a:r>
+              <a:rPr lang="it-IT" sz="2400" i="0" dirty="0">
+                <a:solidFill>
+                  <a:schemeClr val="tx1"/>
+                </a:solidFill>
+                <a:effectLst/>
+                <a:latin typeface="Tahoma" panose="020B0604030504040204" pitchFamily="34" charset="0"/>
+                <a:ea typeface="Tahoma" panose="020B0604030504040204" pitchFamily="34" charset="0"/>
+                <a:cs typeface="Tahoma" panose="020B0604030504040204" pitchFamily="34" charset="0"/>
+              </a:rPr>
+              <a:t>fanno le</a:t>
+            </a:r>
+            <a:r>
+              <a:rPr lang="it-IT" sz="2400" dirty="0">
+                <a:solidFill>
+                  <a:schemeClr val="tx1"/>
+                </a:solidFill>
+                <a:latin typeface="Tahoma" panose="020B0604030504040204" pitchFamily="34" charset="0"/>
+                <a:ea typeface="Tahoma" panose="020B0604030504040204" pitchFamily="34" charset="0"/>
+                <a:cs typeface="Tahoma" panose="020B0604030504040204" pitchFamily="34" charset="0"/>
+              </a:rPr>
+              <a:t>va su una varietà di repository di dati, quali database, data </a:t>
+            </a:r>
+            <a:r>
+              <a:rPr lang="it-IT" sz="2400" dirty="0" err="1">
+                <a:solidFill>
+                  <a:schemeClr val="tx1"/>
+                </a:solidFill>
+                <a:latin typeface="Tahoma" panose="020B0604030504040204" pitchFamily="34" charset="0"/>
+                <a:ea typeface="Tahoma" panose="020B0604030504040204" pitchFamily="34" charset="0"/>
+                <a:cs typeface="Tahoma" panose="020B0604030504040204" pitchFamily="34" charset="0"/>
+              </a:rPr>
+              <a:t>warehouse</a:t>
+            </a:r>
+            <a:r>
+              <a:rPr lang="it-IT" sz="2400" dirty="0">
+                <a:solidFill>
+                  <a:schemeClr val="tx1"/>
+                </a:solidFill>
+                <a:latin typeface="Tahoma" panose="020B0604030504040204" pitchFamily="34" charset="0"/>
+                <a:ea typeface="Tahoma" panose="020B0604030504040204" pitchFamily="34" charset="0"/>
+                <a:cs typeface="Tahoma" panose="020B0604030504040204" pitchFamily="34" charset="0"/>
+              </a:rPr>
+              <a:t> e data </a:t>
+            </a:r>
+            <a:r>
+              <a:rPr lang="it-IT" sz="2400" dirty="0" err="1">
+                <a:solidFill>
+                  <a:schemeClr val="tx1"/>
+                </a:solidFill>
+                <a:latin typeface="Tahoma" panose="020B0604030504040204" pitchFamily="34" charset="0"/>
+                <a:ea typeface="Tahoma" panose="020B0604030504040204" pitchFamily="34" charset="0"/>
+                <a:cs typeface="Tahoma" panose="020B0604030504040204" pitchFamily="34" charset="0"/>
+              </a:rPr>
+              <a:t>lake</a:t>
+            </a:r>
+            <a:r>
+              <a:rPr lang="it-IT" sz="2400" dirty="0">
+                <a:solidFill>
+                  <a:schemeClr val="tx1"/>
+                </a:solidFill>
+                <a:latin typeface="Tahoma" panose="020B0604030504040204" pitchFamily="34" charset="0"/>
+                <a:ea typeface="Tahoma" panose="020B0604030504040204" pitchFamily="34" charset="0"/>
+                <a:cs typeface="Tahoma" panose="020B0604030504040204" pitchFamily="34" charset="0"/>
+              </a:rPr>
+              <a:t>, ciascuno dei due processi possiede i suoi vantaggi e svantaggi. </a:t>
+            </a:r>
+          </a:p>
+          <a:p>
+            <a:pPr marL="1828800" lvl="3" indent="-457200">
+              <a:buFont typeface="+mj-lt"/>
+              <a:buAutoNum type="arabicPeriod"/>
+            </a:pPr>
+            <a:r>
+              <a:rPr lang="it-IT" sz="2200" b="1" i="0" dirty="0">
+                <a:solidFill>
+                  <a:schemeClr val="tx1"/>
+                </a:solidFill>
+                <a:effectLst/>
+                <a:latin typeface="Tahoma" panose="020B0604030504040204" pitchFamily="34" charset="0"/>
+                <a:ea typeface="Tahoma" panose="020B0604030504040204" pitchFamily="34" charset="0"/>
+                <a:cs typeface="Tahoma" panose="020B0604030504040204" pitchFamily="34" charset="0"/>
+              </a:rPr>
+              <a:t>ETL </a:t>
+            </a:r>
+            <a:r>
+              <a:rPr lang="it-IT" sz="2200" b="0" i="0" dirty="0">
+                <a:solidFill>
+                  <a:schemeClr val="tx1"/>
+                </a:solidFill>
+                <a:effectLst/>
+                <a:latin typeface="Tahoma" panose="020B0604030504040204" pitchFamily="34" charset="0"/>
+                <a:ea typeface="Tahoma" panose="020B0604030504040204" pitchFamily="34" charset="0"/>
+                <a:cs typeface="Tahoma" panose="020B0604030504040204" pitchFamily="34" charset="0"/>
+              </a:rPr>
+              <a:t>è particolarmente utile per dataset ad alto volume non strutturati dal momento che il caricamento può avvenire direttamente dalla sorgente. Questo processo richiede più definizione all’inizio, le regole di business per la data </a:t>
+            </a:r>
+            <a:r>
+              <a:rPr lang="it-IT" sz="2200" b="0" i="0" dirty="0" err="1">
+                <a:solidFill>
+                  <a:schemeClr val="tx1"/>
+                </a:solidFill>
+                <a:effectLst/>
+                <a:latin typeface="Tahoma" panose="020B0604030504040204" pitchFamily="34" charset="0"/>
+                <a:ea typeface="Tahoma" panose="020B0604030504040204" pitchFamily="34" charset="0"/>
+                <a:cs typeface="Tahoma" panose="020B0604030504040204" pitchFamily="34" charset="0"/>
+              </a:rPr>
+              <a:t>transformation</a:t>
+            </a:r>
+            <a:r>
+              <a:rPr lang="it-IT" sz="2200" b="0" i="0" dirty="0">
+                <a:solidFill>
+                  <a:schemeClr val="tx1"/>
+                </a:solidFill>
+                <a:effectLst/>
+                <a:latin typeface="Tahoma" panose="020B0604030504040204" pitchFamily="34" charset="0"/>
+                <a:ea typeface="Tahoma" panose="020B0604030504040204" pitchFamily="34" charset="0"/>
+                <a:cs typeface="Tahoma" panose="020B0604030504040204" pitchFamily="34" charset="0"/>
+              </a:rPr>
+              <a:t> hanno bisogno di essere costruite. </a:t>
+            </a:r>
+          </a:p>
+          <a:p>
+            <a:pPr marL="1828800" lvl="3" indent="-457200">
+              <a:buFont typeface="+mj-lt"/>
+              <a:buAutoNum type="arabicPeriod"/>
+            </a:pPr>
+            <a:r>
+              <a:rPr lang="it-IT" sz="2200" dirty="0">
+                <a:solidFill>
+                  <a:schemeClr val="tx1"/>
+                </a:solidFill>
+                <a:latin typeface="Tahoma" panose="020B0604030504040204" pitchFamily="34" charset="0"/>
+                <a:ea typeface="Tahoma" panose="020B0604030504040204" pitchFamily="34" charset="0"/>
+                <a:cs typeface="Tahoma" panose="020B0604030504040204" pitchFamily="34" charset="0"/>
+              </a:rPr>
+              <a:t>ELT</a:t>
+            </a:r>
+            <a:r>
+              <a:rPr lang="it-IT" sz="2200" b="0" dirty="0">
+                <a:solidFill>
+                  <a:schemeClr val="tx1"/>
+                </a:solidFill>
+                <a:latin typeface="Tahoma" panose="020B0604030504040204" pitchFamily="34" charset="0"/>
+                <a:ea typeface="Tahoma" panose="020B0604030504040204" pitchFamily="34" charset="0"/>
+                <a:cs typeface="Tahoma" panose="020B0604030504040204" pitchFamily="34" charset="0"/>
+              </a:rPr>
+              <a:t> è più ideale per nel </a:t>
+            </a:r>
+            <a:r>
+              <a:rPr lang="it-IT" sz="2200" b="0" dirty="0">
+                <a:solidFill>
+                  <a:schemeClr val="tx1"/>
+                </a:solidFill>
+                <a:effectLst/>
+                <a:latin typeface="Tahoma" panose="020B0604030504040204" pitchFamily="34" charset="0"/>
+                <a:ea typeface="Tahoma" panose="020B0604030504040204" pitchFamily="34" charset="0"/>
+                <a:cs typeface="Tahoma" panose="020B0604030504040204" pitchFamily="34" charset="0"/>
+              </a:rPr>
+              <a:t>mondo dei Big Data dal momento che non richiede una progettazione anticipata per la data </a:t>
+            </a:r>
+            <a:r>
+              <a:rPr lang="it-IT" sz="2200" b="0" dirty="0" err="1">
+                <a:solidFill>
+                  <a:schemeClr val="tx1"/>
+                </a:solidFill>
+                <a:effectLst/>
+                <a:latin typeface="Tahoma" panose="020B0604030504040204" pitchFamily="34" charset="0"/>
+                <a:ea typeface="Tahoma" panose="020B0604030504040204" pitchFamily="34" charset="0"/>
+                <a:cs typeface="Tahoma" panose="020B0604030504040204" pitchFamily="34" charset="0"/>
+              </a:rPr>
+              <a:t>extraction</a:t>
+            </a:r>
+            <a:r>
+              <a:rPr lang="it-IT" sz="2200" b="0" dirty="0">
+                <a:solidFill>
+                  <a:schemeClr val="tx1"/>
+                </a:solidFill>
+                <a:effectLst/>
+                <a:latin typeface="Tahoma" panose="020B0604030504040204" pitchFamily="34" charset="0"/>
+                <a:ea typeface="Tahoma" panose="020B0604030504040204" pitchFamily="34" charset="0"/>
+                <a:cs typeface="Tahoma" panose="020B0604030504040204" pitchFamily="34" charset="0"/>
+              </a:rPr>
+              <a:t> e lo storage dei dati. </a:t>
+            </a:r>
+            <a:r>
+              <a:rPr lang="it-IT" sz="2200" dirty="0">
+                <a:solidFill>
+                  <a:schemeClr val="tx1"/>
+                </a:solidFill>
+                <a:effectLst/>
+                <a:latin typeface="Tahoma" panose="020B0604030504040204" pitchFamily="34" charset="0"/>
+                <a:ea typeface="Tahoma" panose="020B0604030504040204" pitchFamily="34" charset="0"/>
+                <a:cs typeface="Tahoma" panose="020B0604030504040204" pitchFamily="34" charset="0"/>
+              </a:rPr>
+              <a:t>ELT </a:t>
+            </a:r>
+            <a:r>
+              <a:rPr lang="it-IT" sz="2200" b="0" dirty="0">
+                <a:solidFill>
+                  <a:schemeClr val="tx1"/>
+                </a:solidFill>
+                <a:effectLst/>
+                <a:latin typeface="Tahoma" panose="020B0604030504040204" pitchFamily="34" charset="0"/>
+                <a:ea typeface="Tahoma" panose="020B0604030504040204" pitchFamily="34" charset="0"/>
+                <a:cs typeface="Tahoma" panose="020B0604030504040204" pitchFamily="34" charset="0"/>
+              </a:rPr>
+              <a:t>è divenuto più popolare con l’adozione dei database su cloud</a:t>
+            </a:r>
+            <a:r>
+              <a:rPr lang="it-IT" sz="2200" b="0" dirty="0">
+                <a:solidFill>
+                  <a:schemeClr val="tx1"/>
+                </a:solidFill>
+                <a:latin typeface="Tahoma" panose="020B0604030504040204" pitchFamily="34" charset="0"/>
+                <a:ea typeface="Tahoma" panose="020B0604030504040204" pitchFamily="34" charset="0"/>
+                <a:cs typeface="Tahoma" panose="020B0604030504040204" pitchFamily="34" charset="0"/>
+              </a:rPr>
+              <a:t>, anche se non ci sono ancora molte best practices su </a:t>
+            </a:r>
+            <a:r>
+              <a:rPr lang="it-IT" sz="2200" dirty="0">
+                <a:solidFill>
+                  <a:schemeClr val="tx1"/>
+                </a:solidFill>
+                <a:latin typeface="Tahoma" panose="020B0604030504040204" pitchFamily="34" charset="0"/>
+                <a:ea typeface="Tahoma" panose="020B0604030504040204" pitchFamily="34" charset="0"/>
+                <a:cs typeface="Tahoma" panose="020B0604030504040204" pitchFamily="34" charset="0"/>
+              </a:rPr>
+              <a:t>ELT</a:t>
+            </a:r>
+            <a:r>
+              <a:rPr lang="it-IT" sz="2200" b="0" dirty="0">
+                <a:solidFill>
+                  <a:schemeClr val="tx1"/>
+                </a:solidFill>
+                <a:latin typeface="Tahoma" panose="020B0604030504040204" pitchFamily="34" charset="0"/>
+                <a:ea typeface="Tahoma" panose="020B0604030504040204" pitchFamily="34" charset="0"/>
+                <a:cs typeface="Tahoma" panose="020B0604030504040204" pitchFamily="34" charset="0"/>
+              </a:rPr>
+              <a:t>. </a:t>
+            </a:r>
+            <a:endParaRPr lang="en-US" sz="2400" b="0" i="0" dirty="0">
+              <a:solidFill>
+                <a:srgbClr val="525252"/>
+              </a:solidFill>
+              <a:effectLst/>
+              <a:latin typeface="IBM Plex Sans" panose="020B0503050203000203" pitchFamily="34" charset="0"/>
+            </a:endParaRPr>
+          </a:p>
+        </p:txBody>
+      </p:sp>
+      <p:sp>
+        <p:nvSpPr>
           <p:cNvPr id="7" name="Segnaposto numero diapositiva 6">
             <a:extLst>
               <a:ext uri="{FF2B5EF4-FFF2-40B4-BE49-F238E27FC236}">
@@ -9748,43 +10468,9 @@
           <a:lstStyle/>
           <a:p>
             <a:r>
-              <a:rPr lang="it-IT" altLang="it-IT"/>
-              <a:t>Bibliografia</a:t>
-            </a:r>
-            <a:endParaRPr lang="it-IT" dirty="0"/>
-          </a:p>
-        </p:txBody>
-      </p:sp>
-      <p:sp>
-        <p:nvSpPr>
-          <p:cNvPr id="3" name="Segnaposto testo 2">
-            <a:extLst>
-              <a:ext uri="{FF2B5EF4-FFF2-40B4-BE49-F238E27FC236}">
-                <a16:creationId xmlns:a16="http://schemas.microsoft.com/office/drawing/2014/main" id="{15CD42DB-61E6-AA3D-7125-BF4BEDB5D886}"/>
-              </a:ext>
-            </a:extLst>
-          </p:cNvPr>
-          <p:cNvSpPr>
-            <a:spLocks noGrp="1"/>
-          </p:cNvSpPr>
-          <p:nvPr>
-            <p:ph type="body" idx="1"/>
-          </p:nvPr>
-        </p:nvSpPr>
-        <p:spPr/>
-        <p:txBody>
-          <a:bodyPr/>
-          <a:lstStyle/>
-          <a:p>
-            <a:r>
-              <a:rPr lang="it-IT" dirty="0">
-                <a:hlinkClick r:id="rId2"/>
-              </a:rPr>
-              <a:t>https://www.stitchdata.com/resources/data-transformation</a:t>
-            </a:r>
-            <a:endParaRPr lang="it-IT" dirty="0"/>
-          </a:p>
-          <a:p>
+              <a:rPr lang="it-IT" altLang="it-IT" dirty="0"/>
+              <a:t>ETL versus ELT</a:t>
+            </a:r>
             <a:endParaRPr lang="it-IT" dirty="0"/>
           </a:p>
         </p:txBody>
@@ -9792,7 +10478,7 @@
     </p:spTree>
     <p:extLst>
       <p:ext uri="{BB962C8B-B14F-4D97-AF65-F5344CB8AC3E}">
-        <p14:creationId xmlns:p14="http://schemas.microsoft.com/office/powerpoint/2010/main" val="3490964097"/>
+        <p14:creationId xmlns:p14="http://schemas.microsoft.com/office/powerpoint/2010/main" val="4184373011"/>
       </p:ext>
     </p:extLst>
   </p:cSld>
@@ -10410,6 +11096,56 @@
 </file>
 
 <file path=customXml/item1.xml><?xml version="1.0" encoding="utf-8"?>
+<?mso-contentType ?>
+<spe:Receivers xmlns:spe="http://schemas.microsoft.com/sharepoint/events">
+  <Receiver>
+    <Name>Document ID Generator</Name>
+    <Synchronization>Synchronous</Synchronization>
+    <Type>10001</Type>
+    <SequenceNumber>1000</SequenceNumber>
+    <Url/>
+    <Assembly>Microsoft.Office.DocumentManagement, Version=15.0.0.0, Culture=neutral, PublicKeyToken=71e9bce111e9429c</Assembly>
+    <Class>Microsoft.Office.DocumentManagement.Internal.DocIdHandler</Class>
+    <Data/>
+    <Filter/>
+  </Receiver>
+  <Receiver>
+    <Name>Document ID Generator</Name>
+    <Synchronization>Synchronous</Synchronization>
+    <Type>10002</Type>
+    <SequenceNumber>1001</SequenceNumber>
+    <Url/>
+    <Assembly>Microsoft.Office.DocumentManagement, Version=15.0.0.0, Culture=neutral, PublicKeyToken=71e9bce111e9429c</Assembly>
+    <Class>Microsoft.Office.DocumentManagement.Internal.DocIdHandler</Class>
+    <Data/>
+    <Filter/>
+  </Receiver>
+  <Receiver>
+    <Name>Document ID Generator</Name>
+    <Synchronization>Synchronous</Synchronization>
+    <Type>10004</Type>
+    <SequenceNumber>1002</SequenceNumber>
+    <Url/>
+    <Assembly>Microsoft.Office.DocumentManagement, Version=15.0.0.0, Culture=neutral, PublicKeyToken=71e9bce111e9429c</Assembly>
+    <Class>Microsoft.Office.DocumentManagement.Internal.DocIdHandler</Class>
+    <Data/>
+    <Filter/>
+  </Receiver>
+  <Receiver>
+    <Name>Document ID Generator</Name>
+    <Synchronization>Synchronous</Synchronization>
+    <Type>10006</Type>
+    <SequenceNumber>1003</SequenceNumber>
+    <Url/>
+    <Assembly>Microsoft.Office.DocumentManagement, Version=15.0.0.0, Culture=neutral, PublicKeyToken=71e9bce111e9429c</Assembly>
+    <Class>Microsoft.Office.DocumentManagement.Internal.DocIdHandler</Class>
+    <Data/>
+    <Filter/>
+  </Receiver>
+</spe:Receivers>
+</file>
+
+<file path=customXml/item2.xml><?xml version="1.0" encoding="utf-8"?>
 <ct:contentTypeSchema xmlns:ct="http://schemas.microsoft.com/office/2006/metadata/contentType" xmlns:ma="http://schemas.microsoft.com/office/2006/metadata/properties/metaAttributes" ct:_="" ma:_="" ma:contentTypeName="Documento" ma:contentTypeID="0x010100661A2BE3120D674DA36C11D6006822D4" ma:contentTypeVersion="3" ma:contentTypeDescription="Creare un nuovo documento." ma:contentTypeScope="" ma:versionID="2ad8b07f9840a1ce9cd199d874146b74">
   <xsd:schema xmlns:xsd="http://www.w3.org/2001/XMLSchema" xmlns:xs="http://www.w3.org/2001/XMLSchema" xmlns:p="http://schemas.microsoft.com/office/2006/metadata/properties" xmlns:ns2="c58f2efd-82a8-4ecf-b395-8c25e928921d" xmlns:ns3="459159c4-d20a-4ff3-9b11-fbd127bd52e5" xmlns:ns4="679261c3-551f-4e86-913f-177e0e529669" targetNamespace="http://schemas.microsoft.com/office/2006/metadata/properties" ma:root="true" ma:fieldsID="fffb0e16fb90ffea59fef1085e90ecca" ns2:_="" ns3:_="" ns4:_="">
     <xsd:import namespace="c58f2efd-82a8-4ecf-b395-8c25e928921d"/>
@@ -10596,66 +11332,7 @@
 </ct:contentTypeSchema>
 </file>
 
-<file path=customXml/item2.xml><?xml version="1.0" encoding="utf-8"?>
-<?mso-contentType ?>
-<spe:Receivers xmlns:spe="http://schemas.microsoft.com/sharepoint/events">
-  <Receiver>
-    <Name>Document ID Generator</Name>
-    <Synchronization>Synchronous</Synchronization>
-    <Type>10001</Type>
-    <SequenceNumber>1000</SequenceNumber>
-    <Url/>
-    <Assembly>Microsoft.Office.DocumentManagement, Version=15.0.0.0, Culture=neutral, PublicKeyToken=71e9bce111e9429c</Assembly>
-    <Class>Microsoft.Office.DocumentManagement.Internal.DocIdHandler</Class>
-    <Data/>
-    <Filter/>
-  </Receiver>
-  <Receiver>
-    <Name>Document ID Generator</Name>
-    <Synchronization>Synchronous</Synchronization>
-    <Type>10002</Type>
-    <SequenceNumber>1001</SequenceNumber>
-    <Url/>
-    <Assembly>Microsoft.Office.DocumentManagement, Version=15.0.0.0, Culture=neutral, PublicKeyToken=71e9bce111e9429c</Assembly>
-    <Class>Microsoft.Office.DocumentManagement.Internal.DocIdHandler</Class>
-    <Data/>
-    <Filter/>
-  </Receiver>
-  <Receiver>
-    <Name>Document ID Generator</Name>
-    <Synchronization>Synchronous</Synchronization>
-    <Type>10004</Type>
-    <SequenceNumber>1002</SequenceNumber>
-    <Url/>
-    <Assembly>Microsoft.Office.DocumentManagement, Version=15.0.0.0, Culture=neutral, PublicKeyToken=71e9bce111e9429c</Assembly>
-    <Class>Microsoft.Office.DocumentManagement.Internal.DocIdHandler</Class>
-    <Data/>
-    <Filter/>
-  </Receiver>
-  <Receiver>
-    <Name>Document ID Generator</Name>
-    <Synchronization>Synchronous</Synchronization>
-    <Type>10006</Type>
-    <SequenceNumber>1003</SequenceNumber>
-    <Url/>
-    <Assembly>Microsoft.Office.DocumentManagement, Version=15.0.0.0, Culture=neutral, PublicKeyToken=71e9bce111e9429c</Assembly>
-    <Class>Microsoft.Office.DocumentManagement.Internal.DocIdHandler</Class>
-    <Data/>
-    <Filter/>
-  </Receiver>
-</spe:Receivers>
-</file>
-
 <file path=customXml/item3.xml><?xml version="1.0" encoding="utf-8"?>
-<?mso-contentType ?>
-<FormTemplates xmlns="http://schemas.microsoft.com/sharepoint/v3/contenttype/forms">
-  <Display>DocumentLibraryForm</Display>
-  <Edit>DocumentLibraryForm</Edit>
-  <New>DocumentLibraryForm</New>
-</FormTemplates>
-</file>
-
-<file path=customXml/item4.xml><?xml version="1.0" encoding="utf-8"?>
 <p:properties xmlns:p="http://schemas.microsoft.com/office/2006/metadata/properties" xmlns:xsi="http://www.w3.org/2001/XMLSchema-instance" xmlns:pc="http://schemas.microsoft.com/office/infopath/2007/PartnerControls">
   <documentManagement>
     <SottoCategoria xmlns="679261c3-551f-4e86-913f-177e0e529669">-</SottoCategoria>
@@ -10669,7 +11346,24 @@
 </p:properties>
 </file>
 
+<file path=customXml/item4.xml><?xml version="1.0" encoding="utf-8"?>
+<?mso-contentType ?>
+<FormTemplates xmlns="http://schemas.microsoft.com/sharepoint/v3/contenttype/forms">
+  <Display>DocumentLibraryForm</Display>
+  <Edit>DocumentLibraryForm</Edit>
+  <New>DocumentLibraryForm</New>
+</FormTemplates>
+</file>
+
 <file path=customXml/itemProps1.xml><?xml version="1.0" encoding="utf-8"?>
+<ds:datastoreItem xmlns:ds="http://schemas.openxmlformats.org/officeDocument/2006/customXml" ds:itemID="{D9296C4F-9DE9-4B43-AA80-1FC85656CFFA}">
+  <ds:schemaRefs>
+    <ds:schemaRef ds:uri="http://schemas.microsoft.com/sharepoint/events"/>
+  </ds:schemaRefs>
+</ds:datastoreItem>
+</file>
+
+<file path=customXml/itemProps2.xml><?xml version="1.0" encoding="utf-8"?>
 <ds:datastoreItem xmlns:ds="http://schemas.openxmlformats.org/officeDocument/2006/customXml" ds:itemID="{3F66F418-6054-4EA5-BF8E-6AF3CEAE6265}">
   <ds:schemaRefs>
     <ds:schemaRef ds:uri="http://schemas.microsoft.com/office/2006/metadata/contentType"/>
@@ -10689,36 +11383,28 @@
 </ds:datastoreItem>
 </file>
 
-<file path=customXml/itemProps2.xml><?xml version="1.0" encoding="utf-8"?>
-<ds:datastoreItem xmlns:ds="http://schemas.openxmlformats.org/officeDocument/2006/customXml" ds:itemID="{D9296C4F-9DE9-4B43-AA80-1FC85656CFFA}">
+<file path=customXml/itemProps3.xml><?xml version="1.0" encoding="utf-8"?>
+<ds:datastoreItem xmlns:ds="http://schemas.openxmlformats.org/officeDocument/2006/customXml" ds:itemID="{3EF378BC-F4D0-4510-B4EC-07B6EFE18CF8}">
   <ds:schemaRefs>
-    <ds:schemaRef ds:uri="http://schemas.microsoft.com/sharepoint/events"/>
+    <ds:schemaRef ds:uri="http://schemas.openxmlformats.org/package/2006/metadata/core-properties"/>
+    <ds:schemaRef ds:uri="459159c4-d20a-4ff3-9b11-fbd127bd52e5"/>
+    <ds:schemaRef ds:uri="c58f2efd-82a8-4ecf-b395-8c25e928921d"/>
+    <ds:schemaRef ds:uri="http://schemas.microsoft.com/office/infopath/2007/PartnerControls"/>
+    <ds:schemaRef ds:uri="http://purl.org/dc/terms/"/>
+    <ds:schemaRef ds:uri="http://schemas.microsoft.com/office/2006/documentManagement/types"/>
+    <ds:schemaRef ds:uri="http://purl.org/dc/elements/1.1/"/>
+    <ds:schemaRef ds:uri="679261c3-551f-4e86-913f-177e0e529669"/>
+    <ds:schemaRef ds:uri="http://schemas.microsoft.com/office/2006/metadata/properties"/>
+    <ds:schemaRef ds:uri="http://www.w3.org/XML/1998/namespace"/>
+    <ds:schemaRef ds:uri="http://purl.org/dc/dcmitype/"/>
   </ds:schemaRefs>
 </ds:datastoreItem>
 </file>
 
-<file path=customXml/itemProps3.xml><?xml version="1.0" encoding="utf-8"?>
+<file path=customXml/itemProps4.xml><?xml version="1.0" encoding="utf-8"?>
 <ds:datastoreItem xmlns:ds="http://schemas.openxmlformats.org/officeDocument/2006/customXml" ds:itemID="{BD9C238D-4D5C-4783-820B-4854DCE45D41}">
   <ds:schemaRefs>
     <ds:schemaRef ds:uri="http://schemas.microsoft.com/sharepoint/v3/contenttype/forms"/>
   </ds:schemaRefs>
 </ds:datastoreItem>
-</file>
-
-<file path=customXml/itemProps4.xml><?xml version="1.0" encoding="utf-8"?>
-<ds:datastoreItem xmlns:ds="http://schemas.openxmlformats.org/officeDocument/2006/customXml" ds:itemID="{3EF378BC-F4D0-4510-B4EC-07B6EFE18CF8}">
-  <ds:schemaRefs>
-    <ds:schemaRef ds:uri="http://schemas.microsoft.com/office/2006/metadata/properties"/>
-    <ds:schemaRef ds:uri="http://purl.org/dc/elements/1.1/"/>
-    <ds:schemaRef ds:uri="679261c3-551f-4e86-913f-177e0e529669"/>
-    <ds:schemaRef ds:uri="http://schemas.openxmlformats.org/package/2006/metadata/core-properties"/>
-    <ds:schemaRef ds:uri="459159c4-d20a-4ff3-9b11-fbd127bd52e5"/>
-    <ds:schemaRef ds:uri="http://purl.org/dc/terms/"/>
-    <ds:schemaRef ds:uri="http://schemas.microsoft.com/office/infopath/2007/PartnerControls"/>
-    <ds:schemaRef ds:uri="http://schemas.microsoft.com/office/2006/documentManagement/types"/>
-    <ds:schemaRef ds:uri="c58f2efd-82a8-4ecf-b395-8c25e928921d"/>
-    <ds:schemaRef ds:uri="http://www.w3.org/XML/1998/namespace"/>
-    <ds:schemaRef ds:uri="http://purl.org/dc/dcmitype/"/>
-  </ds:schemaRefs>
-</ds:datastoreItem>
 </file>
--- a/Data_Science_ita.pptx
+++ b/Data_Science_ita.pptx
@@ -5,7 +5,7 @@
     <p:sldMasterId id="2147483648" r:id="rId5"/>
   </p:sldMasterIdLst>
   <p:notesMasterIdLst>
-    <p:notesMasterId r:id="rId17"/>
+    <p:notesMasterId r:id="rId19"/>
   </p:notesMasterIdLst>
   <p:sldIdLst>
     <p:sldId id="256" r:id="rId6"/>
@@ -15,10 +15,12 @@
     <p:sldId id="342" r:id="rId10"/>
     <p:sldId id="344" r:id="rId11"/>
     <p:sldId id="345" r:id="rId12"/>
-    <p:sldId id="336" r:id="rId13"/>
-    <p:sldId id="338" r:id="rId14"/>
-    <p:sldId id="337" r:id="rId15"/>
-    <p:sldId id="343" r:id="rId16"/>
+    <p:sldId id="346" r:id="rId13"/>
+    <p:sldId id="347" r:id="rId14"/>
+    <p:sldId id="336" r:id="rId15"/>
+    <p:sldId id="338" r:id="rId16"/>
+    <p:sldId id="337" r:id="rId17"/>
+    <p:sldId id="343" r:id="rId18"/>
   </p:sldIdLst>
   <p:sldSz cx="12192000" cy="6858000"/>
   <p:notesSz cx="6858000" cy="9144000"/>
@@ -276,7 +278,7 @@
               <a:pPr>
                 <a:defRPr/>
               </a:pPr>
-              <a:t>6/27/2022</a:t>
+              <a:t>6/29/2022</a:t>
             </a:fld>
             <a:endParaRPr lang="en-US"/>
           </a:p>
@@ -6824,8 +6826,8 @@
         </p:nvSpPr>
         <p:spPr>
           <a:xfrm>
-            <a:off x="326297" y="1213806"/>
-            <a:ext cx="11518700" cy="4392612"/>
+            <a:off x="326297" y="1213805"/>
+            <a:ext cx="7706355" cy="4833033"/>
           </a:xfrm>
         </p:spPr>
         <p:txBody>
@@ -6837,6 +6839,17 @@
               <a:buChar char="ü"/>
             </a:pPr>
             <a:r>
+              <a:rPr lang="it-IT" sz="2400" b="1" dirty="0">
+                <a:solidFill>
+                  <a:schemeClr val="tx1"/>
+                </a:solidFill>
+                <a:latin typeface="Tahoma" panose="020B0604030504040204" pitchFamily="34" charset="0"/>
+                <a:ea typeface="Tahoma" panose="020B0604030504040204" pitchFamily="34" charset="0"/>
+                <a:cs typeface="Tahoma" panose="020B0604030504040204" pitchFamily="34" charset="0"/>
+              </a:rPr>
+              <a:t>ETL </a:t>
+            </a:r>
+            <a:r>
               <a:rPr lang="it-IT" sz="2400" dirty="0">
                 <a:solidFill>
                   <a:schemeClr val="tx1"/>
@@ -6845,7 +6858,7 @@
                 <a:ea typeface="Tahoma" panose="020B0604030504040204" pitchFamily="34" charset="0"/>
                 <a:cs typeface="Tahoma" panose="020B0604030504040204" pitchFamily="34" charset="0"/>
               </a:rPr>
-              <a:t>L’Analisi dell’informazione richiede di solito dati accessibili e ben strutturati per ottenere i migliori risultati possibili. La Data </a:t>
+              <a:t>fornisce le fondamenta per la data </a:t>
             </a:r>
             <a:r>
               <a:rPr lang="it-IT" sz="2400" dirty="0" err="1">
@@ -6856,7 +6869,7 @@
                 <a:ea typeface="Tahoma" panose="020B0604030504040204" pitchFamily="34" charset="0"/>
                 <a:cs typeface="Tahoma" panose="020B0604030504040204" pitchFamily="34" charset="0"/>
               </a:rPr>
-              <a:t>Transformation</a:t>
+              <a:t>analytics</a:t>
             </a:r>
             <a:r>
               <a:rPr lang="it-IT" sz="2400" dirty="0">
@@ -6867,7 +6880,7 @@
                 <a:ea typeface="Tahoma" panose="020B0604030504040204" pitchFamily="34" charset="0"/>
                 <a:cs typeface="Tahoma" panose="020B0604030504040204" pitchFamily="34" charset="0"/>
               </a:rPr>
-              <a:t> rende alle </a:t>
+              <a:t> e i </a:t>
             </a:r>
             <a:r>
               <a:rPr lang="it-IT" sz="2400" dirty="0" err="1">
@@ -6878,7 +6891,7 @@
                 <a:ea typeface="Tahoma" panose="020B0604030504040204" pitchFamily="34" charset="0"/>
                 <a:cs typeface="Tahoma" panose="020B0604030504040204" pitchFamily="34" charset="0"/>
               </a:rPr>
-              <a:t>organizziazioni</a:t>
+              <a:t>workstream</a:t>
             </a:r>
             <a:r>
               <a:rPr lang="it-IT" sz="2400" dirty="0">
@@ -6889,7 +6902,29 @@
                 <a:ea typeface="Tahoma" panose="020B0604030504040204" pitchFamily="34" charset="0"/>
                 <a:cs typeface="Tahoma" panose="020B0604030504040204" pitchFamily="34" charset="0"/>
               </a:rPr>
-              <a:t> possibile l’alterazione della struttura e del formato dei dati grezzi secondo le necessità. La Data Analytics più efficiente deriva anche dal modo in cui l’impresa trasforma i suoi dati. </a:t>
+              <a:t> di machine learning. Attraverso una serie di regole, l’ETL purifica e organizza i dati in un modo che incontra specifici bisogni di business intelligence, come report mensili ma </a:t>
+            </a:r>
+            <a:r>
+              <a:rPr lang="it-IT" sz="2400" dirty="0" err="1">
+                <a:solidFill>
+                  <a:schemeClr val="tx1"/>
+                </a:solidFill>
+                <a:latin typeface="Tahoma" panose="020B0604030504040204" pitchFamily="34" charset="0"/>
+                <a:ea typeface="Tahoma" panose="020B0604030504040204" pitchFamily="34" charset="0"/>
+                <a:cs typeface="Tahoma" panose="020B0604030504040204" pitchFamily="34" charset="0"/>
+              </a:rPr>
+              <a:t>piuò</a:t>
+            </a:r>
+            <a:r>
+              <a:rPr lang="it-IT" sz="2400" dirty="0">
+                <a:solidFill>
+                  <a:schemeClr val="tx1"/>
+                </a:solidFill>
+                <a:latin typeface="Tahoma" panose="020B0604030504040204" pitchFamily="34" charset="0"/>
+                <a:ea typeface="Tahoma" panose="020B0604030504040204" pitchFamily="34" charset="0"/>
+                <a:cs typeface="Tahoma" panose="020B0604030504040204" pitchFamily="34" charset="0"/>
+              </a:rPr>
+              <a:t> anche migliorare i processi di back-end o l’esperienza dell’utente finale. </a:t>
             </a:r>
           </a:p>
           <a:p>
@@ -6898,138 +6933,131 @@
               <a:buChar char="ü"/>
             </a:pPr>
             <a:r>
-              <a:rPr lang="en-US" sz="2400" dirty="0">
-                <a:solidFill>
-                  <a:schemeClr val="tx1"/>
-                </a:solidFill>
-                <a:latin typeface="Tahoma" panose="020B0604030504040204" pitchFamily="34" charset="0"/>
-                <a:ea typeface="Tahoma" panose="020B0604030504040204" pitchFamily="34" charset="0"/>
-                <a:cs typeface="Tahoma" panose="020B0604030504040204" pitchFamily="34" charset="0"/>
-              </a:rPr>
-              <a:t>La Data Transformation </a:t>
-            </a:r>
-          </a:p>
-          <a:p>
-            <a:pPr marL="342900" indent="-342900">
-              <a:buFont typeface="Wingdings" panose="05000000000000000000" pitchFamily="2" charset="2"/>
-              <a:buChar char="ü"/>
+              <a:rPr lang="it-IT" sz="2400" dirty="0">
+                <a:solidFill>
+                  <a:schemeClr val="tx1"/>
+                </a:solidFill>
+                <a:latin typeface="Tahoma" panose="020B0604030504040204" pitchFamily="34" charset="0"/>
+                <a:ea typeface="Tahoma" panose="020B0604030504040204" pitchFamily="34" charset="0"/>
+                <a:cs typeface="Tahoma" panose="020B0604030504040204" pitchFamily="34" charset="0"/>
+              </a:rPr>
+              <a:t>In genere </a:t>
+            </a:r>
+            <a:r>
+              <a:rPr lang="it-IT" sz="2400" b="1" dirty="0">
+                <a:solidFill>
+                  <a:schemeClr val="tx1"/>
+                </a:solidFill>
+                <a:latin typeface="Tahoma" panose="020B0604030504040204" pitchFamily="34" charset="0"/>
+                <a:ea typeface="Tahoma" panose="020B0604030504040204" pitchFamily="34" charset="0"/>
+                <a:cs typeface="Tahoma" panose="020B0604030504040204" pitchFamily="34" charset="0"/>
+              </a:rPr>
+              <a:t>l’ETL</a:t>
+            </a:r>
+            <a:r>
+              <a:rPr lang="it-IT" sz="2400" dirty="0">
+                <a:solidFill>
+                  <a:schemeClr val="tx1"/>
+                </a:solidFill>
+                <a:latin typeface="Tahoma" panose="020B0604030504040204" pitchFamily="34" charset="0"/>
+                <a:ea typeface="Tahoma" panose="020B0604030504040204" pitchFamily="34" charset="0"/>
+                <a:cs typeface="Tahoma" panose="020B0604030504040204" pitchFamily="34" charset="0"/>
+              </a:rPr>
+              <a:t> è utilizzato dalle organizzazioni per: </a:t>
+            </a:r>
+          </a:p>
+          <a:p>
+            <a:pPr marL="971550" lvl="1" indent="-514350">
+              <a:buAutoNum type="arabicParenR"/>
             </a:pPr>
-            <a:endParaRPr lang="en-US" sz="2400" dirty="0">
-              <a:solidFill>
-                <a:srgbClr val="555555"/>
-              </a:solidFill>
-              <a:latin typeface="PT Sans" panose="020B0503020203020204" pitchFamily="34" charset="0"/>
-            </a:endParaRPr>
-          </a:p>
-          <a:p>
-            <a:pPr marL="342900" indent="-342900">
-              <a:buFont typeface="Wingdings" panose="05000000000000000000" pitchFamily="2" charset="2"/>
-              <a:buChar char="ü"/>
+            <a:r>
+              <a:rPr lang="it-IT" sz="2600" b="0" dirty="0">
+                <a:solidFill>
+                  <a:schemeClr val="tx1"/>
+                </a:solidFill>
+                <a:latin typeface="Tahoma" panose="020B0604030504040204" pitchFamily="34" charset="0"/>
+                <a:ea typeface="Tahoma" panose="020B0604030504040204" pitchFamily="34" charset="0"/>
+                <a:cs typeface="Tahoma" panose="020B0604030504040204" pitchFamily="34" charset="0"/>
+              </a:rPr>
+              <a:t>Estrarre dati da sistemi legacy</a:t>
+            </a:r>
+          </a:p>
+          <a:p>
+            <a:pPr marL="971550" lvl="1" indent="-514350">
+              <a:buAutoNum type="arabicParenR"/>
             </a:pPr>
-            <a:endParaRPr lang="en-US" sz="2400" b="0" i="0" dirty="0">
-              <a:solidFill>
-                <a:srgbClr val="555555"/>
-              </a:solidFill>
-              <a:effectLst/>
-              <a:latin typeface="PT Sans" panose="020B0503020203020204" pitchFamily="34" charset="0"/>
-            </a:endParaRPr>
-          </a:p>
-          <a:p>
-            <a:pPr marL="342900" indent="-342900">
-              <a:buFont typeface="Wingdings" panose="05000000000000000000" pitchFamily="2" charset="2"/>
-              <a:buChar char="ü"/>
-            </a:pPr>
-            <a:r>
-              <a:rPr lang="en-US" sz="2400" b="0" i="0" dirty="0">
-                <a:solidFill>
-                  <a:srgbClr val="555555"/>
-                </a:solidFill>
-                <a:effectLst/>
-                <a:latin typeface="PT Sans" panose="020B0503020203020204" pitchFamily="34" charset="0"/>
-              </a:rPr>
-              <a:t>Data transformation is the process of changing the format, structure, or values of data. For data analytics projects, data may be transformed at two stages of the data pipeline. Organizations that use on-premises data warehouses generally use an ETL (</a:t>
-            </a:r>
-            <a:r>
-              <a:rPr lang="en-US" sz="2400" b="1" i="0" u="none" strike="noStrike" dirty="0">
-                <a:solidFill>
-                  <a:srgbClr val="0675C1"/>
-                </a:solidFill>
-                <a:effectLst/>
-                <a:latin typeface="PT Sans" panose="020B0503020203020204" pitchFamily="34" charset="0"/>
-                <a:hlinkClick r:id="rId2"/>
-              </a:rPr>
-              <a:t>extract, transform, load</a:t>
-            </a:r>
-            <a:r>
-              <a:rPr lang="en-US" sz="2400" b="0" i="0" dirty="0">
-                <a:solidFill>
-                  <a:srgbClr val="555555"/>
-                </a:solidFill>
-                <a:effectLst/>
-                <a:latin typeface="PT Sans" panose="020B0503020203020204" pitchFamily="34" charset="0"/>
-              </a:rPr>
-              <a:t>) process, in which </a:t>
-            </a:r>
-            <a:r>
-              <a:rPr lang="en-US" sz="2400" b="1" i="0" u="none" strike="noStrike" dirty="0">
-                <a:solidFill>
-                  <a:srgbClr val="0675C1"/>
-                </a:solidFill>
-                <a:effectLst/>
-                <a:latin typeface="PT Sans" panose="020B0503020203020204" pitchFamily="34" charset="0"/>
-                <a:hlinkClick r:id="rId3"/>
-              </a:rPr>
-              <a:t>data transformation is the middle step</a:t>
-            </a:r>
-            <a:r>
-              <a:rPr lang="en-US" sz="2400" b="0" i="0" dirty="0">
-                <a:solidFill>
-                  <a:srgbClr val="555555"/>
-                </a:solidFill>
-                <a:effectLst/>
-                <a:latin typeface="PT Sans" panose="020B0503020203020204" pitchFamily="34" charset="0"/>
-              </a:rPr>
-              <a:t>. Today, most organizations use cloud-based data warehouses, which can scale compute and storage resources with latency measured in seconds or minutes. The scalability of the cloud platform lets organizations skip preload transformations and load raw data into the data warehouse, then transform it at query time — a model called ELT ( </a:t>
-            </a:r>
-            <a:r>
-              <a:rPr lang="en-US" sz="2400" b="1" i="0" u="none" strike="noStrike" dirty="0">
-                <a:solidFill>
-                  <a:srgbClr val="0675C1"/>
-                </a:solidFill>
-                <a:effectLst/>
-                <a:latin typeface="PT Sans" panose="020B0503020203020204" pitchFamily="34" charset="0"/>
-                <a:hlinkClick r:id="rId4"/>
-              </a:rPr>
-              <a:t>extract, load, transform)</a:t>
-            </a:r>
-            <a:r>
-              <a:rPr lang="en-US" sz="2400" b="0" i="0" dirty="0">
-                <a:solidFill>
-                  <a:srgbClr val="555555"/>
-                </a:solidFill>
-                <a:effectLst/>
-                <a:latin typeface="PT Sans" panose="020B0503020203020204" pitchFamily="34" charset="0"/>
-              </a:rPr>
-              <a:t>.</a:t>
-            </a:r>
-            <a:endParaRPr lang="it-IT" sz="2400" dirty="0">
-              <a:solidFill>
-                <a:schemeClr val="tx1"/>
-              </a:solidFill>
-              <a:latin typeface="Tahoma" panose="020B0604030504040204" pitchFamily="34" charset="0"/>
-              <a:ea typeface="Tahoma" panose="020B0604030504040204" pitchFamily="34" charset="0"/>
-              <a:cs typeface="Tahoma" panose="020B0604030504040204" pitchFamily="34" charset="0"/>
-            </a:endParaRPr>
-          </a:p>
-          <a:p>
-            <a:endParaRPr lang="it-IT" sz="2400" dirty="0">
-              <a:solidFill>
-                <a:schemeClr val="tx1"/>
-              </a:solidFill>
-              <a:latin typeface="Tahoma" panose="020B0604030504040204" pitchFamily="34" charset="0"/>
-              <a:ea typeface="Tahoma" panose="020B0604030504040204" pitchFamily="34" charset="0"/>
-              <a:cs typeface="Tahoma" panose="020B0604030504040204" pitchFamily="34" charset="0"/>
-            </a:endParaRPr>
+            <a:r>
+              <a:rPr lang="it-IT" sz="2600" b="0" dirty="0">
+                <a:solidFill>
+                  <a:schemeClr val="tx1"/>
+                </a:solidFill>
+                <a:latin typeface="Tahoma" panose="020B0604030504040204" pitchFamily="34" charset="0"/>
+                <a:ea typeface="Tahoma" panose="020B0604030504040204" pitchFamily="34" charset="0"/>
+                <a:cs typeface="Tahoma" panose="020B0604030504040204" pitchFamily="34" charset="0"/>
+              </a:rPr>
+              <a:t>Ripulire i dati per </a:t>
+            </a:r>
+            <a:r>
+              <a:rPr lang="it-IT" sz="2600" b="0" dirty="0" err="1">
+                <a:solidFill>
+                  <a:schemeClr val="tx1"/>
+                </a:solidFill>
+                <a:latin typeface="Tahoma" panose="020B0604030504040204" pitchFamily="34" charset="0"/>
+                <a:ea typeface="Tahoma" panose="020B0604030504040204" pitchFamily="34" charset="0"/>
+                <a:cs typeface="Tahoma" panose="020B0604030504040204" pitchFamily="34" charset="0"/>
+              </a:rPr>
+              <a:t>miglirarne</a:t>
+            </a:r>
+            <a:r>
+              <a:rPr lang="it-IT" sz="2600" b="0" dirty="0">
+                <a:solidFill>
+                  <a:schemeClr val="tx1"/>
+                </a:solidFill>
+                <a:latin typeface="Tahoma" panose="020B0604030504040204" pitchFamily="34" charset="0"/>
+                <a:ea typeface="Tahoma" panose="020B0604030504040204" pitchFamily="34" charset="0"/>
+                <a:cs typeface="Tahoma" panose="020B0604030504040204" pitchFamily="34" charset="0"/>
+              </a:rPr>
+              <a:t> la qualità e </a:t>
+            </a:r>
+          </a:p>
+          <a:p>
+            <a:pPr lvl="1"/>
+            <a:r>
+              <a:rPr lang="it-IT" sz="2600" b="0" dirty="0">
+                <a:solidFill>
+                  <a:schemeClr val="tx1"/>
+                </a:solidFill>
+                <a:latin typeface="Tahoma" panose="020B0604030504040204" pitchFamily="34" charset="0"/>
+                <a:ea typeface="Tahoma" panose="020B0604030504040204" pitchFamily="34" charset="0"/>
+                <a:cs typeface="Tahoma" panose="020B0604030504040204" pitchFamily="34" charset="0"/>
+              </a:rPr>
+              <a:t>	renderli consistenti</a:t>
+            </a:r>
+          </a:p>
+          <a:p>
+            <a:pPr lvl="1"/>
+            <a:r>
+              <a:rPr lang="it-IT" sz="2600" b="0" dirty="0">
+                <a:solidFill>
+                  <a:srgbClr val="FF0000"/>
+                </a:solidFill>
+                <a:latin typeface="Tahoma" panose="020B0604030504040204" pitchFamily="34" charset="0"/>
+                <a:ea typeface="Tahoma" panose="020B0604030504040204" pitchFamily="34" charset="0"/>
+                <a:cs typeface="Tahoma" panose="020B0604030504040204" pitchFamily="34" charset="0"/>
+              </a:rPr>
+              <a:t>3) </a:t>
+            </a:r>
+            <a:r>
+              <a:rPr lang="it-IT" sz="2600" b="0" dirty="0">
+                <a:solidFill>
+                  <a:schemeClr val="tx1"/>
+                </a:solidFill>
+                <a:latin typeface="Tahoma" panose="020B0604030504040204" pitchFamily="34" charset="0"/>
+                <a:ea typeface="Tahoma" panose="020B0604030504040204" pitchFamily="34" charset="0"/>
+                <a:cs typeface="Tahoma" panose="020B0604030504040204" pitchFamily="34" charset="0"/>
+              </a:rPr>
+              <a:t>Caricare i dati all’interno di un database target</a:t>
+            </a:r>
           </a:p>
         </p:txBody>
       </p:sp>
@@ -7096,24 +7124,62 @@
           <a:p>
             <a:r>
               <a:rPr lang="it-IT" altLang="it-IT" dirty="0"/>
-              <a:t>Trasformazione dei Dati (Data </a:t>
+              <a:t>ETL – </a:t>
             </a:r>
             <a:r>
               <a:rPr lang="it-IT" altLang="it-IT" dirty="0" err="1"/>
-              <a:t>Transformation</a:t>
+              <a:t>Extract</a:t>
             </a:r>
             <a:r>
               <a:rPr lang="it-IT" altLang="it-IT" dirty="0"/>
-              <a:t>)</a:t>
+              <a:t>, </a:t>
+            </a:r>
+            <a:r>
+              <a:rPr lang="it-IT" altLang="it-IT" dirty="0" err="1"/>
+              <a:t>Transform</a:t>
+            </a:r>
+            <a:r>
+              <a:rPr lang="it-IT" altLang="it-IT" dirty="0"/>
+              <a:t> and Load</a:t>
             </a:r>
             <a:endParaRPr lang="it-IT" dirty="0"/>
           </a:p>
         </p:txBody>
       </p:sp>
+      <p:pic>
+        <p:nvPicPr>
+          <p:cNvPr id="6" name="Immagine 5" descr="Immagine che contiene testo&#10;&#10;Descrizione generata automaticamente">
+            <a:extLst>
+              <a:ext uri="{FF2B5EF4-FFF2-40B4-BE49-F238E27FC236}">
+                <a16:creationId xmlns:a16="http://schemas.microsoft.com/office/drawing/2014/main" id="{39F9FEBF-2449-D3F8-4D77-33C401C96EC9}"/>
+              </a:ext>
+            </a:extLst>
+          </p:cNvPr>
+          <p:cNvPicPr>
+            <a:picLocks noChangeAspect="1"/>
+          </p:cNvPicPr>
+          <p:nvPr/>
+        </p:nvPicPr>
+        <p:blipFill>
+          <a:blip r:embed="rId2"/>
+          <a:stretch>
+            <a:fillRect/>
+          </a:stretch>
+        </p:blipFill>
+        <p:spPr>
+          <a:xfrm>
+            <a:off x="8091882" y="2857797"/>
+            <a:ext cx="3773821" cy="2600468"/>
+          </a:xfrm>
+          <a:prstGeom prst="rect">
+            <a:avLst/>
+          </a:prstGeom>
+        </p:spPr>
+      </p:pic>
     </p:spTree>
     <p:extLst>
       <p:ext uri="{BB962C8B-B14F-4D97-AF65-F5344CB8AC3E}">
-        <p14:creationId xmlns:p14="http://schemas.microsoft.com/office/powerpoint/2010/main" val="95832058"/>
+        <p14:creationId xmlns:p14="http://schemas.microsoft.com/office/powerpoint/2010/main" val="2736730313"/>
       </p:ext>
     </p:extLst>
   </p:cSld>
@@ -7142,6 +7208,441 @@
       </p:grpSpPr>
       <p:sp>
         <p:nvSpPr>
+          <p:cNvPr id="2" name="Segnaposto testo 1">
+            <a:extLst>
+              <a:ext uri="{FF2B5EF4-FFF2-40B4-BE49-F238E27FC236}">
+                <a16:creationId xmlns:a16="http://schemas.microsoft.com/office/drawing/2014/main" id="{E5AE986C-196F-4141-A898-FA4C4198CDCC}"/>
+              </a:ext>
+            </a:extLst>
+          </p:cNvPr>
+          <p:cNvSpPr>
+            <a:spLocks noGrp="1"/>
+          </p:cNvSpPr>
+          <p:nvPr>
+            <p:ph type="body" idx="1"/>
+          </p:nvPr>
+        </p:nvSpPr>
+        <p:spPr>
+          <a:xfrm>
+            <a:off x="336650" y="1115332"/>
+            <a:ext cx="11518700" cy="4392612"/>
+          </a:xfrm>
+        </p:spPr>
+        <p:txBody>
+          <a:bodyPr/>
+          <a:lstStyle/>
+          <a:p>
+            <a:pPr marL="342900" indent="-342900">
+              <a:buFont typeface="Wingdings" panose="05000000000000000000" pitchFamily="2" charset="2"/>
+              <a:buChar char="ü"/>
+            </a:pPr>
+            <a:r>
+              <a:rPr lang="it-IT" sz="2400" dirty="0">
+                <a:solidFill>
+                  <a:schemeClr val="tx1"/>
+                </a:solidFill>
+                <a:latin typeface="Tahoma" panose="020B0604030504040204" pitchFamily="34" charset="0"/>
+                <a:ea typeface="Tahoma" panose="020B0604030504040204" pitchFamily="34" charset="0"/>
+                <a:cs typeface="Tahoma" panose="020B0604030504040204" pitchFamily="34" charset="0"/>
+              </a:rPr>
+              <a:t>La più semplice differenza tra </a:t>
+            </a:r>
+            <a:r>
+              <a:rPr lang="it-IT" sz="2400" b="1" dirty="0">
+                <a:solidFill>
+                  <a:schemeClr val="tx1"/>
+                </a:solidFill>
+                <a:latin typeface="Tahoma" panose="020B0604030504040204" pitchFamily="34" charset="0"/>
+                <a:ea typeface="Tahoma" panose="020B0604030504040204" pitchFamily="34" charset="0"/>
+                <a:cs typeface="Tahoma" panose="020B0604030504040204" pitchFamily="34" charset="0"/>
+              </a:rPr>
+              <a:t>ETL </a:t>
+            </a:r>
+            <a:r>
+              <a:rPr lang="it-IT" sz="2400" dirty="0">
+                <a:solidFill>
+                  <a:schemeClr val="tx1"/>
+                </a:solidFill>
+                <a:latin typeface="Tahoma" panose="020B0604030504040204" pitchFamily="34" charset="0"/>
+                <a:ea typeface="Tahoma" panose="020B0604030504040204" pitchFamily="34" charset="0"/>
+                <a:cs typeface="Tahoma" panose="020B0604030504040204" pitchFamily="34" charset="0"/>
+              </a:rPr>
+              <a:t>e </a:t>
+            </a:r>
+            <a:r>
+              <a:rPr lang="it-IT" sz="2400" b="1" dirty="0">
+                <a:solidFill>
+                  <a:schemeClr val="tx1"/>
+                </a:solidFill>
+                <a:latin typeface="Tahoma" panose="020B0604030504040204" pitchFamily="34" charset="0"/>
+                <a:ea typeface="Tahoma" panose="020B0604030504040204" pitchFamily="34" charset="0"/>
+                <a:cs typeface="Tahoma" panose="020B0604030504040204" pitchFamily="34" charset="0"/>
+              </a:rPr>
+              <a:t>ELT </a:t>
+            </a:r>
+            <a:r>
+              <a:rPr lang="it-IT" sz="2400" dirty="0">
+                <a:solidFill>
+                  <a:schemeClr val="tx1"/>
+                </a:solidFill>
+                <a:latin typeface="Tahoma" panose="020B0604030504040204" pitchFamily="34" charset="0"/>
+                <a:ea typeface="Tahoma" panose="020B0604030504040204" pitchFamily="34" charset="0"/>
+                <a:cs typeface="Tahoma" panose="020B0604030504040204" pitchFamily="34" charset="0"/>
+              </a:rPr>
+              <a:t>è in termini di operazioni. </a:t>
+            </a:r>
+            <a:r>
+              <a:rPr lang="it-IT" sz="2400" b="1" dirty="0">
+                <a:solidFill>
+                  <a:schemeClr val="tx1"/>
+                </a:solidFill>
+                <a:latin typeface="Tahoma" panose="020B0604030504040204" pitchFamily="34" charset="0"/>
+                <a:ea typeface="Tahoma" panose="020B0604030504040204" pitchFamily="34" charset="0"/>
+                <a:cs typeface="Tahoma" panose="020B0604030504040204" pitchFamily="34" charset="0"/>
+              </a:rPr>
+              <a:t>ELT </a:t>
+            </a:r>
+            <a:r>
+              <a:rPr lang="it-IT" sz="2400" dirty="0">
+                <a:solidFill>
+                  <a:schemeClr val="tx1"/>
+                </a:solidFill>
+                <a:latin typeface="Tahoma" panose="020B0604030504040204" pitchFamily="34" charset="0"/>
+                <a:ea typeface="Tahoma" panose="020B0604030504040204" pitchFamily="34" charset="0"/>
+                <a:cs typeface="Tahoma" panose="020B0604030504040204" pitchFamily="34" charset="0"/>
+              </a:rPr>
+              <a:t>copia ed esporta i dati dalle sorgenti, ma invece di caricarli in su un’area per la trasformazione successiva, </a:t>
+            </a:r>
+            <a:r>
+              <a:rPr lang="it-IT" sz="2400" b="1" dirty="0">
+                <a:solidFill>
+                  <a:schemeClr val="tx1"/>
+                </a:solidFill>
+                <a:latin typeface="Tahoma" panose="020B0604030504040204" pitchFamily="34" charset="0"/>
+                <a:ea typeface="Tahoma" panose="020B0604030504040204" pitchFamily="34" charset="0"/>
+                <a:cs typeface="Tahoma" panose="020B0604030504040204" pitchFamily="34" charset="0"/>
+              </a:rPr>
+              <a:t>l’ELT</a:t>
+            </a:r>
+            <a:r>
+              <a:rPr lang="it-IT" sz="2400" dirty="0">
+                <a:solidFill>
+                  <a:schemeClr val="tx1"/>
+                </a:solidFill>
+                <a:latin typeface="Tahoma" panose="020B0604030504040204" pitchFamily="34" charset="0"/>
+                <a:ea typeface="Tahoma" panose="020B0604030504040204" pitchFamily="34" charset="0"/>
+                <a:cs typeface="Tahoma" panose="020B0604030504040204" pitchFamily="34" charset="0"/>
+              </a:rPr>
+              <a:t> carica i dati grezzi direttamente sullo store di target dei dati per poter essere trasformati alla bisogna.</a:t>
+            </a:r>
+          </a:p>
+          <a:p>
+            <a:pPr marL="342900" indent="-342900">
+              <a:buFont typeface="Wingdings" panose="05000000000000000000" pitchFamily="2" charset="2"/>
+              <a:buChar char="ü"/>
+            </a:pPr>
+            <a:r>
+              <a:rPr lang="it-IT" sz="2400" b="0" i="0" dirty="0">
+                <a:solidFill>
+                  <a:schemeClr val="tx1"/>
+                </a:solidFill>
+                <a:effectLst/>
+                <a:latin typeface="Tahoma" panose="020B0604030504040204" pitchFamily="34" charset="0"/>
+                <a:ea typeface="Tahoma" panose="020B0604030504040204" pitchFamily="34" charset="0"/>
+                <a:cs typeface="Tahoma" panose="020B0604030504040204" pitchFamily="34" charset="0"/>
+              </a:rPr>
+              <a:t>Mentre entrambi </a:t>
+            </a:r>
+            <a:r>
+              <a:rPr lang="it-IT" sz="2400" b="1" i="0" dirty="0">
+                <a:solidFill>
+                  <a:schemeClr val="tx1"/>
+                </a:solidFill>
+                <a:effectLst/>
+                <a:latin typeface="Tahoma" panose="020B0604030504040204" pitchFamily="34" charset="0"/>
+                <a:ea typeface="Tahoma" panose="020B0604030504040204" pitchFamily="34" charset="0"/>
+                <a:cs typeface="Tahoma" panose="020B0604030504040204" pitchFamily="34" charset="0"/>
+              </a:rPr>
+              <a:t>ETL</a:t>
+            </a:r>
+            <a:r>
+              <a:rPr lang="it-IT" sz="2400" b="0" i="0" dirty="0">
+                <a:solidFill>
+                  <a:schemeClr val="tx1"/>
+                </a:solidFill>
+                <a:effectLst/>
+                <a:latin typeface="Tahoma" panose="020B0604030504040204" pitchFamily="34" charset="0"/>
+                <a:ea typeface="Tahoma" panose="020B0604030504040204" pitchFamily="34" charset="0"/>
+                <a:cs typeface="Tahoma" panose="020B0604030504040204" pitchFamily="34" charset="0"/>
+              </a:rPr>
+              <a:t> e </a:t>
+            </a:r>
+            <a:r>
+              <a:rPr lang="it-IT" sz="2400" b="1" i="0" dirty="0">
+                <a:solidFill>
+                  <a:schemeClr val="tx1"/>
+                </a:solidFill>
+                <a:effectLst/>
+                <a:latin typeface="Tahoma" panose="020B0604030504040204" pitchFamily="34" charset="0"/>
+                <a:ea typeface="Tahoma" panose="020B0604030504040204" pitchFamily="34" charset="0"/>
+                <a:cs typeface="Tahoma" panose="020B0604030504040204" pitchFamily="34" charset="0"/>
+              </a:rPr>
+              <a:t>ELT </a:t>
+            </a:r>
+            <a:r>
+              <a:rPr lang="it-IT" sz="2400" i="0" dirty="0">
+                <a:solidFill>
+                  <a:schemeClr val="tx1"/>
+                </a:solidFill>
+                <a:effectLst/>
+                <a:latin typeface="Tahoma" panose="020B0604030504040204" pitchFamily="34" charset="0"/>
+                <a:ea typeface="Tahoma" panose="020B0604030504040204" pitchFamily="34" charset="0"/>
+                <a:cs typeface="Tahoma" panose="020B0604030504040204" pitchFamily="34" charset="0"/>
+              </a:rPr>
+              <a:t>fanno le</a:t>
+            </a:r>
+            <a:r>
+              <a:rPr lang="it-IT" sz="2400" dirty="0">
+                <a:solidFill>
+                  <a:schemeClr val="tx1"/>
+                </a:solidFill>
+                <a:latin typeface="Tahoma" panose="020B0604030504040204" pitchFamily="34" charset="0"/>
+                <a:ea typeface="Tahoma" panose="020B0604030504040204" pitchFamily="34" charset="0"/>
+                <a:cs typeface="Tahoma" panose="020B0604030504040204" pitchFamily="34" charset="0"/>
+              </a:rPr>
+              <a:t>va su una varietà di repository di dati, quali database, data </a:t>
+            </a:r>
+            <a:r>
+              <a:rPr lang="it-IT" sz="2400" dirty="0" err="1">
+                <a:solidFill>
+                  <a:schemeClr val="tx1"/>
+                </a:solidFill>
+                <a:latin typeface="Tahoma" panose="020B0604030504040204" pitchFamily="34" charset="0"/>
+                <a:ea typeface="Tahoma" panose="020B0604030504040204" pitchFamily="34" charset="0"/>
+                <a:cs typeface="Tahoma" panose="020B0604030504040204" pitchFamily="34" charset="0"/>
+              </a:rPr>
+              <a:t>warehouse</a:t>
+            </a:r>
+            <a:r>
+              <a:rPr lang="it-IT" sz="2400" dirty="0">
+                <a:solidFill>
+                  <a:schemeClr val="tx1"/>
+                </a:solidFill>
+                <a:latin typeface="Tahoma" panose="020B0604030504040204" pitchFamily="34" charset="0"/>
+                <a:ea typeface="Tahoma" panose="020B0604030504040204" pitchFamily="34" charset="0"/>
+                <a:cs typeface="Tahoma" panose="020B0604030504040204" pitchFamily="34" charset="0"/>
+              </a:rPr>
+              <a:t> e data </a:t>
+            </a:r>
+            <a:r>
+              <a:rPr lang="it-IT" sz="2400" dirty="0" err="1">
+                <a:solidFill>
+                  <a:schemeClr val="tx1"/>
+                </a:solidFill>
+                <a:latin typeface="Tahoma" panose="020B0604030504040204" pitchFamily="34" charset="0"/>
+                <a:ea typeface="Tahoma" panose="020B0604030504040204" pitchFamily="34" charset="0"/>
+                <a:cs typeface="Tahoma" panose="020B0604030504040204" pitchFamily="34" charset="0"/>
+              </a:rPr>
+              <a:t>lake</a:t>
+            </a:r>
+            <a:r>
+              <a:rPr lang="it-IT" sz="2400" dirty="0">
+                <a:solidFill>
+                  <a:schemeClr val="tx1"/>
+                </a:solidFill>
+                <a:latin typeface="Tahoma" panose="020B0604030504040204" pitchFamily="34" charset="0"/>
+                <a:ea typeface="Tahoma" panose="020B0604030504040204" pitchFamily="34" charset="0"/>
+                <a:cs typeface="Tahoma" panose="020B0604030504040204" pitchFamily="34" charset="0"/>
+              </a:rPr>
+              <a:t>, ciascuno dei due processi possiede i suoi vantaggi e svantaggi. </a:t>
+            </a:r>
+          </a:p>
+          <a:p>
+            <a:pPr marL="1828800" lvl="3" indent="-457200">
+              <a:buFont typeface="+mj-lt"/>
+              <a:buAutoNum type="arabicPeriod"/>
+            </a:pPr>
+            <a:r>
+              <a:rPr lang="it-IT" sz="2200" b="1" i="0" dirty="0">
+                <a:solidFill>
+                  <a:schemeClr val="tx1"/>
+                </a:solidFill>
+                <a:effectLst/>
+                <a:latin typeface="Tahoma" panose="020B0604030504040204" pitchFamily="34" charset="0"/>
+                <a:ea typeface="Tahoma" panose="020B0604030504040204" pitchFamily="34" charset="0"/>
+                <a:cs typeface="Tahoma" panose="020B0604030504040204" pitchFamily="34" charset="0"/>
+              </a:rPr>
+              <a:t>ETL </a:t>
+            </a:r>
+            <a:r>
+              <a:rPr lang="it-IT" sz="2200" b="0" i="0" dirty="0">
+                <a:solidFill>
+                  <a:schemeClr val="tx1"/>
+                </a:solidFill>
+                <a:effectLst/>
+                <a:latin typeface="Tahoma" panose="020B0604030504040204" pitchFamily="34" charset="0"/>
+                <a:ea typeface="Tahoma" panose="020B0604030504040204" pitchFamily="34" charset="0"/>
+                <a:cs typeface="Tahoma" panose="020B0604030504040204" pitchFamily="34" charset="0"/>
+              </a:rPr>
+              <a:t>è particolarmente utile per dataset ad alto volume non strutturati dal momento che il caricamento può avvenire direttamente dalla sorgente. Questo processo richiede più definizione all’inizio, le regole di business per la data </a:t>
+            </a:r>
+            <a:r>
+              <a:rPr lang="it-IT" sz="2200" b="0" i="0" dirty="0" err="1">
+                <a:solidFill>
+                  <a:schemeClr val="tx1"/>
+                </a:solidFill>
+                <a:effectLst/>
+                <a:latin typeface="Tahoma" panose="020B0604030504040204" pitchFamily="34" charset="0"/>
+                <a:ea typeface="Tahoma" panose="020B0604030504040204" pitchFamily="34" charset="0"/>
+                <a:cs typeface="Tahoma" panose="020B0604030504040204" pitchFamily="34" charset="0"/>
+              </a:rPr>
+              <a:t>transformation</a:t>
+            </a:r>
+            <a:r>
+              <a:rPr lang="it-IT" sz="2200" b="0" i="0" dirty="0">
+                <a:solidFill>
+                  <a:schemeClr val="tx1"/>
+                </a:solidFill>
+                <a:effectLst/>
+                <a:latin typeface="Tahoma" panose="020B0604030504040204" pitchFamily="34" charset="0"/>
+                <a:ea typeface="Tahoma" panose="020B0604030504040204" pitchFamily="34" charset="0"/>
+                <a:cs typeface="Tahoma" panose="020B0604030504040204" pitchFamily="34" charset="0"/>
+              </a:rPr>
+              <a:t> hanno bisogno di essere costruite. </a:t>
+            </a:r>
+          </a:p>
+          <a:p>
+            <a:pPr marL="1828800" lvl="3" indent="-457200">
+              <a:buFont typeface="+mj-lt"/>
+              <a:buAutoNum type="arabicPeriod"/>
+            </a:pPr>
+            <a:r>
+              <a:rPr lang="it-IT" sz="2200" dirty="0">
+                <a:solidFill>
+                  <a:schemeClr val="tx1"/>
+                </a:solidFill>
+                <a:latin typeface="Tahoma" panose="020B0604030504040204" pitchFamily="34" charset="0"/>
+                <a:ea typeface="Tahoma" panose="020B0604030504040204" pitchFamily="34" charset="0"/>
+                <a:cs typeface="Tahoma" panose="020B0604030504040204" pitchFamily="34" charset="0"/>
+              </a:rPr>
+              <a:t>ELT</a:t>
+            </a:r>
+            <a:r>
+              <a:rPr lang="it-IT" sz="2200" b="0" dirty="0">
+                <a:solidFill>
+                  <a:schemeClr val="tx1"/>
+                </a:solidFill>
+                <a:latin typeface="Tahoma" panose="020B0604030504040204" pitchFamily="34" charset="0"/>
+                <a:ea typeface="Tahoma" panose="020B0604030504040204" pitchFamily="34" charset="0"/>
+                <a:cs typeface="Tahoma" panose="020B0604030504040204" pitchFamily="34" charset="0"/>
+              </a:rPr>
+              <a:t> è più ideale per nel </a:t>
+            </a:r>
+            <a:r>
+              <a:rPr lang="it-IT" sz="2200" b="0" dirty="0">
+                <a:solidFill>
+                  <a:schemeClr val="tx1"/>
+                </a:solidFill>
+                <a:effectLst/>
+                <a:latin typeface="Tahoma" panose="020B0604030504040204" pitchFamily="34" charset="0"/>
+                <a:ea typeface="Tahoma" panose="020B0604030504040204" pitchFamily="34" charset="0"/>
+                <a:cs typeface="Tahoma" panose="020B0604030504040204" pitchFamily="34" charset="0"/>
+              </a:rPr>
+              <a:t>mondo dei Big Data dal momento che non richiede una progettazione anticipata per la data </a:t>
+            </a:r>
+            <a:r>
+              <a:rPr lang="it-IT" sz="2200" b="0" dirty="0" err="1">
+                <a:solidFill>
+                  <a:schemeClr val="tx1"/>
+                </a:solidFill>
+                <a:effectLst/>
+                <a:latin typeface="Tahoma" panose="020B0604030504040204" pitchFamily="34" charset="0"/>
+                <a:ea typeface="Tahoma" panose="020B0604030504040204" pitchFamily="34" charset="0"/>
+                <a:cs typeface="Tahoma" panose="020B0604030504040204" pitchFamily="34" charset="0"/>
+              </a:rPr>
+              <a:t>extraction</a:t>
+            </a:r>
+            <a:r>
+              <a:rPr lang="it-IT" sz="2200" b="0" dirty="0">
+                <a:solidFill>
+                  <a:schemeClr val="tx1"/>
+                </a:solidFill>
+                <a:effectLst/>
+                <a:latin typeface="Tahoma" panose="020B0604030504040204" pitchFamily="34" charset="0"/>
+                <a:ea typeface="Tahoma" panose="020B0604030504040204" pitchFamily="34" charset="0"/>
+                <a:cs typeface="Tahoma" panose="020B0604030504040204" pitchFamily="34" charset="0"/>
+              </a:rPr>
+              <a:t> e lo storage dei dati. </a:t>
+            </a:r>
+            <a:r>
+              <a:rPr lang="it-IT" sz="2200" dirty="0">
+                <a:solidFill>
+                  <a:schemeClr val="tx1"/>
+                </a:solidFill>
+                <a:effectLst/>
+                <a:latin typeface="Tahoma" panose="020B0604030504040204" pitchFamily="34" charset="0"/>
+                <a:ea typeface="Tahoma" panose="020B0604030504040204" pitchFamily="34" charset="0"/>
+                <a:cs typeface="Tahoma" panose="020B0604030504040204" pitchFamily="34" charset="0"/>
+              </a:rPr>
+              <a:t>ELT </a:t>
+            </a:r>
+            <a:r>
+              <a:rPr lang="it-IT" sz="2200" b="0" dirty="0">
+                <a:solidFill>
+                  <a:schemeClr val="tx1"/>
+                </a:solidFill>
+                <a:effectLst/>
+                <a:latin typeface="Tahoma" panose="020B0604030504040204" pitchFamily="34" charset="0"/>
+                <a:ea typeface="Tahoma" panose="020B0604030504040204" pitchFamily="34" charset="0"/>
+                <a:cs typeface="Tahoma" panose="020B0604030504040204" pitchFamily="34" charset="0"/>
+              </a:rPr>
+              <a:t>è divenuto più popolare con l’adozione dei database su cloud</a:t>
+            </a:r>
+            <a:r>
+              <a:rPr lang="it-IT" sz="2200" b="0" dirty="0">
+                <a:solidFill>
+                  <a:schemeClr val="tx1"/>
+                </a:solidFill>
+                <a:latin typeface="Tahoma" panose="020B0604030504040204" pitchFamily="34" charset="0"/>
+                <a:ea typeface="Tahoma" panose="020B0604030504040204" pitchFamily="34" charset="0"/>
+                <a:cs typeface="Tahoma" panose="020B0604030504040204" pitchFamily="34" charset="0"/>
+              </a:rPr>
+              <a:t>, anche se non ci sono ancora molte best practices su </a:t>
+            </a:r>
+            <a:r>
+              <a:rPr lang="it-IT" sz="2200" dirty="0">
+                <a:solidFill>
+                  <a:schemeClr val="tx1"/>
+                </a:solidFill>
+                <a:latin typeface="Tahoma" panose="020B0604030504040204" pitchFamily="34" charset="0"/>
+                <a:ea typeface="Tahoma" panose="020B0604030504040204" pitchFamily="34" charset="0"/>
+                <a:cs typeface="Tahoma" panose="020B0604030504040204" pitchFamily="34" charset="0"/>
+              </a:rPr>
+              <a:t>ELT</a:t>
+            </a:r>
+            <a:r>
+              <a:rPr lang="it-IT" sz="2200" b="0" dirty="0">
+                <a:solidFill>
+                  <a:schemeClr val="tx1"/>
+                </a:solidFill>
+                <a:latin typeface="Tahoma" panose="020B0604030504040204" pitchFamily="34" charset="0"/>
+                <a:ea typeface="Tahoma" panose="020B0604030504040204" pitchFamily="34" charset="0"/>
+                <a:cs typeface="Tahoma" panose="020B0604030504040204" pitchFamily="34" charset="0"/>
+              </a:rPr>
+              <a:t>. </a:t>
+            </a:r>
+            <a:endParaRPr lang="en-US" sz="2400" b="0" i="0" dirty="0">
+              <a:solidFill>
+                <a:srgbClr val="525252"/>
+              </a:solidFill>
+              <a:effectLst/>
+              <a:latin typeface="IBM Plex Sans" panose="020B0503050203000203" pitchFamily="34" charset="0"/>
+            </a:endParaRPr>
+          </a:p>
+        </p:txBody>
+      </p:sp>
+      <p:sp>
+        <p:nvSpPr>
           <p:cNvPr id="7" name="Segnaposto numero diapositiva 6">
             <a:extLst>
               <a:ext uri="{FF2B5EF4-FFF2-40B4-BE49-F238E27FC236}">
@@ -7170,6 +7671,439 @@
                 <a:defRPr/>
               </a:pPr>
               <a:t>11</a:t>
+            </a:fld>
+            <a:endParaRPr lang="en-US" dirty="0"/>
+          </a:p>
+        </p:txBody>
+      </p:sp>
+      <p:sp>
+        <p:nvSpPr>
+          <p:cNvPr id="5" name="Titolo 4">
+            <a:extLst>
+              <a:ext uri="{FF2B5EF4-FFF2-40B4-BE49-F238E27FC236}">
+                <a16:creationId xmlns:a16="http://schemas.microsoft.com/office/drawing/2014/main" id="{82C46BA2-B380-4357-B125-BA9F08A643F5}"/>
+              </a:ext>
+            </a:extLst>
+          </p:cNvPr>
+          <p:cNvSpPr>
+            <a:spLocks noGrp="1"/>
+          </p:cNvSpPr>
+          <p:nvPr>
+            <p:ph type="title"/>
+          </p:nvPr>
+        </p:nvSpPr>
+        <p:spPr>
+          <a:xfrm>
+            <a:off x="468895" y="503475"/>
+            <a:ext cx="11269308" cy="384721"/>
+          </a:xfrm>
+        </p:spPr>
+        <p:txBody>
+          <a:bodyPr/>
+          <a:lstStyle/>
+          <a:p>
+            <a:r>
+              <a:rPr lang="it-IT" altLang="it-IT" dirty="0"/>
+              <a:t>ETL versus ELT</a:t>
+            </a:r>
+            <a:endParaRPr lang="it-IT" dirty="0"/>
+          </a:p>
+        </p:txBody>
+      </p:sp>
+    </p:spTree>
+    <p:extLst>
+      <p:ext uri="{BB962C8B-B14F-4D97-AF65-F5344CB8AC3E}">
+        <p14:creationId xmlns:p14="http://schemas.microsoft.com/office/powerpoint/2010/main" val="4184373011"/>
+      </p:ext>
+    </p:extLst>
+  </p:cSld>
+  <p:clrMapOvr>
+    <a:masterClrMapping/>
+  </p:clrMapOvr>
+</p:sld>
+</file>
+
+<file path=ppt/slides/slide12.xml><?xml version="1.0" encoding="utf-8"?>
+<p:sld xmlns:a="http://schemas.openxmlformats.org/drawingml/2006/main" xmlns:r="http://schemas.openxmlformats.org/officeDocument/2006/relationships" xmlns:p="http://schemas.openxmlformats.org/presentationml/2006/main">
+  <p:cSld>
+    <p:spTree>
+      <p:nvGrpSpPr>
+        <p:cNvPr id="1" name=""/>
+        <p:cNvGrpSpPr/>
+        <p:nvPr/>
+      </p:nvGrpSpPr>
+      <p:grpSpPr>
+        <a:xfrm>
+          <a:off x="0" y="0"/>
+          <a:ext cx="0" cy="0"/>
+          <a:chOff x="0" y="0"/>
+          <a:chExt cx="0" cy="0"/>
+        </a:xfrm>
+      </p:grpSpPr>
+      <p:sp>
+        <p:nvSpPr>
+          <p:cNvPr id="2" name="Segnaposto testo 1">
+            <a:extLst>
+              <a:ext uri="{FF2B5EF4-FFF2-40B4-BE49-F238E27FC236}">
+                <a16:creationId xmlns:a16="http://schemas.microsoft.com/office/drawing/2014/main" id="{E5AE986C-196F-4141-A898-FA4C4198CDCC}"/>
+              </a:ext>
+            </a:extLst>
+          </p:cNvPr>
+          <p:cNvSpPr>
+            <a:spLocks noGrp="1"/>
+          </p:cNvSpPr>
+          <p:nvPr>
+            <p:ph type="body" idx="1"/>
+          </p:nvPr>
+        </p:nvSpPr>
+        <p:spPr>
+          <a:xfrm>
+            <a:off x="326297" y="1213806"/>
+            <a:ext cx="11518700" cy="4392612"/>
+          </a:xfrm>
+        </p:spPr>
+        <p:txBody>
+          <a:bodyPr/>
+          <a:lstStyle/>
+          <a:p>
+            <a:pPr marL="342900" indent="-342900">
+              <a:buFont typeface="Wingdings" panose="05000000000000000000" pitchFamily="2" charset="2"/>
+              <a:buChar char="ü"/>
+            </a:pPr>
+            <a:r>
+              <a:rPr lang="it-IT" sz="2400" dirty="0">
+                <a:solidFill>
+                  <a:schemeClr val="tx1"/>
+                </a:solidFill>
+                <a:latin typeface="Tahoma" panose="020B0604030504040204" pitchFamily="34" charset="0"/>
+                <a:ea typeface="Tahoma" panose="020B0604030504040204" pitchFamily="34" charset="0"/>
+                <a:cs typeface="Tahoma" panose="020B0604030504040204" pitchFamily="34" charset="0"/>
+              </a:rPr>
+              <a:t>L’Analisi dell’informazione richiede di solito dati accessibili e ben strutturati per ottenere i migliori risultati possibili. La Data </a:t>
+            </a:r>
+            <a:r>
+              <a:rPr lang="it-IT" sz="2400" dirty="0" err="1">
+                <a:solidFill>
+                  <a:schemeClr val="tx1"/>
+                </a:solidFill>
+                <a:latin typeface="Tahoma" panose="020B0604030504040204" pitchFamily="34" charset="0"/>
+                <a:ea typeface="Tahoma" panose="020B0604030504040204" pitchFamily="34" charset="0"/>
+                <a:cs typeface="Tahoma" panose="020B0604030504040204" pitchFamily="34" charset="0"/>
+              </a:rPr>
+              <a:t>Transformation</a:t>
+            </a:r>
+            <a:r>
+              <a:rPr lang="it-IT" sz="2400" dirty="0">
+                <a:solidFill>
+                  <a:schemeClr val="tx1"/>
+                </a:solidFill>
+                <a:latin typeface="Tahoma" panose="020B0604030504040204" pitchFamily="34" charset="0"/>
+                <a:ea typeface="Tahoma" panose="020B0604030504040204" pitchFamily="34" charset="0"/>
+                <a:cs typeface="Tahoma" panose="020B0604030504040204" pitchFamily="34" charset="0"/>
+              </a:rPr>
+              <a:t> rende alle </a:t>
+            </a:r>
+            <a:r>
+              <a:rPr lang="it-IT" sz="2400" dirty="0" err="1">
+                <a:solidFill>
+                  <a:schemeClr val="tx1"/>
+                </a:solidFill>
+                <a:latin typeface="Tahoma" panose="020B0604030504040204" pitchFamily="34" charset="0"/>
+                <a:ea typeface="Tahoma" panose="020B0604030504040204" pitchFamily="34" charset="0"/>
+                <a:cs typeface="Tahoma" panose="020B0604030504040204" pitchFamily="34" charset="0"/>
+              </a:rPr>
+              <a:t>organizziazioni</a:t>
+            </a:r>
+            <a:r>
+              <a:rPr lang="it-IT" sz="2400" dirty="0">
+                <a:solidFill>
+                  <a:schemeClr val="tx1"/>
+                </a:solidFill>
+                <a:latin typeface="Tahoma" panose="020B0604030504040204" pitchFamily="34" charset="0"/>
+                <a:ea typeface="Tahoma" panose="020B0604030504040204" pitchFamily="34" charset="0"/>
+                <a:cs typeface="Tahoma" panose="020B0604030504040204" pitchFamily="34" charset="0"/>
+              </a:rPr>
+              <a:t> possibile l’alterazione della struttura e del formato dei dati grezzi secondo le necessità. La Data Analytics più efficiente deriva anche dal modo in cui l’impresa trasforma i suoi dati. </a:t>
+            </a:r>
+          </a:p>
+          <a:p>
+            <a:pPr marL="342900" indent="-342900">
+              <a:buFont typeface="Wingdings" panose="05000000000000000000" pitchFamily="2" charset="2"/>
+              <a:buChar char="ü"/>
+            </a:pPr>
+            <a:r>
+              <a:rPr lang="en-US" sz="2400" dirty="0">
+                <a:solidFill>
+                  <a:schemeClr val="tx1"/>
+                </a:solidFill>
+                <a:latin typeface="Tahoma" panose="020B0604030504040204" pitchFamily="34" charset="0"/>
+                <a:ea typeface="Tahoma" panose="020B0604030504040204" pitchFamily="34" charset="0"/>
+                <a:cs typeface="Tahoma" panose="020B0604030504040204" pitchFamily="34" charset="0"/>
+              </a:rPr>
+              <a:t>La Data Transformation </a:t>
+            </a:r>
+          </a:p>
+          <a:p>
+            <a:pPr marL="342900" indent="-342900">
+              <a:buFont typeface="Wingdings" panose="05000000000000000000" pitchFamily="2" charset="2"/>
+              <a:buChar char="ü"/>
+            </a:pPr>
+            <a:endParaRPr lang="en-US" sz="2400" dirty="0">
+              <a:solidFill>
+                <a:srgbClr val="555555"/>
+              </a:solidFill>
+              <a:latin typeface="PT Sans" panose="020B0503020203020204" pitchFamily="34" charset="0"/>
+            </a:endParaRPr>
+          </a:p>
+          <a:p>
+            <a:pPr marL="342900" indent="-342900">
+              <a:buFont typeface="Wingdings" panose="05000000000000000000" pitchFamily="2" charset="2"/>
+              <a:buChar char="ü"/>
+            </a:pPr>
+            <a:endParaRPr lang="en-US" sz="2400" b="0" i="0" dirty="0">
+              <a:solidFill>
+                <a:srgbClr val="555555"/>
+              </a:solidFill>
+              <a:effectLst/>
+              <a:latin typeface="PT Sans" panose="020B0503020203020204" pitchFamily="34" charset="0"/>
+            </a:endParaRPr>
+          </a:p>
+          <a:p>
+            <a:pPr marL="342900" indent="-342900">
+              <a:buFont typeface="Wingdings" panose="05000000000000000000" pitchFamily="2" charset="2"/>
+              <a:buChar char="ü"/>
+            </a:pPr>
+            <a:r>
+              <a:rPr lang="en-US" sz="2400" b="0" i="0" dirty="0">
+                <a:solidFill>
+                  <a:srgbClr val="555555"/>
+                </a:solidFill>
+                <a:effectLst/>
+                <a:latin typeface="PT Sans" panose="020B0503020203020204" pitchFamily="34" charset="0"/>
+              </a:rPr>
+              <a:t>Data transformation is the process of changing the format, structure, or values of data. For data analytics projects, data may be transformed at two stages of the data pipeline. Organizations that use on-premises data warehouses generally use an ETL (</a:t>
+            </a:r>
+            <a:r>
+              <a:rPr lang="en-US" sz="2400" b="1" i="0" u="none" strike="noStrike" dirty="0">
+                <a:solidFill>
+                  <a:srgbClr val="0675C1"/>
+                </a:solidFill>
+                <a:effectLst/>
+                <a:latin typeface="PT Sans" panose="020B0503020203020204" pitchFamily="34" charset="0"/>
+                <a:hlinkClick r:id="rId2"/>
+              </a:rPr>
+              <a:t>extract, transform, load</a:t>
+            </a:r>
+            <a:r>
+              <a:rPr lang="en-US" sz="2400" b="0" i="0" dirty="0">
+                <a:solidFill>
+                  <a:srgbClr val="555555"/>
+                </a:solidFill>
+                <a:effectLst/>
+                <a:latin typeface="PT Sans" panose="020B0503020203020204" pitchFamily="34" charset="0"/>
+              </a:rPr>
+              <a:t>) process, in which </a:t>
+            </a:r>
+            <a:r>
+              <a:rPr lang="en-US" sz="2400" b="1" i="0" u="none" strike="noStrike" dirty="0">
+                <a:solidFill>
+                  <a:srgbClr val="0675C1"/>
+                </a:solidFill>
+                <a:effectLst/>
+                <a:latin typeface="PT Sans" panose="020B0503020203020204" pitchFamily="34" charset="0"/>
+                <a:hlinkClick r:id="rId3"/>
+              </a:rPr>
+              <a:t>data transformation is the middle step</a:t>
+            </a:r>
+            <a:r>
+              <a:rPr lang="en-US" sz="2400" b="0" i="0" dirty="0">
+                <a:solidFill>
+                  <a:srgbClr val="555555"/>
+                </a:solidFill>
+                <a:effectLst/>
+                <a:latin typeface="PT Sans" panose="020B0503020203020204" pitchFamily="34" charset="0"/>
+              </a:rPr>
+              <a:t>. Today, most organizations use cloud-based data warehouses, which can scale compute and storage resources with latency measured in seconds or minutes. The scalability of the cloud platform lets organizations skip preload transformations and load raw data into the data warehouse, then transform it at query time — a model called ELT ( </a:t>
+            </a:r>
+            <a:r>
+              <a:rPr lang="en-US" sz="2400" b="1" i="0" u="none" strike="noStrike" dirty="0">
+                <a:solidFill>
+                  <a:srgbClr val="0675C1"/>
+                </a:solidFill>
+                <a:effectLst/>
+                <a:latin typeface="PT Sans" panose="020B0503020203020204" pitchFamily="34" charset="0"/>
+                <a:hlinkClick r:id="rId4"/>
+              </a:rPr>
+              <a:t>extract, load, transform)</a:t>
+            </a:r>
+            <a:r>
+              <a:rPr lang="en-US" sz="2400" b="0" i="0" dirty="0">
+                <a:solidFill>
+                  <a:srgbClr val="555555"/>
+                </a:solidFill>
+                <a:effectLst/>
+                <a:latin typeface="PT Sans" panose="020B0503020203020204" pitchFamily="34" charset="0"/>
+              </a:rPr>
+              <a:t>.</a:t>
+            </a:r>
+            <a:endParaRPr lang="it-IT" sz="2400" dirty="0">
+              <a:solidFill>
+                <a:schemeClr val="tx1"/>
+              </a:solidFill>
+              <a:latin typeface="Tahoma" panose="020B0604030504040204" pitchFamily="34" charset="0"/>
+              <a:ea typeface="Tahoma" panose="020B0604030504040204" pitchFamily="34" charset="0"/>
+              <a:cs typeface="Tahoma" panose="020B0604030504040204" pitchFamily="34" charset="0"/>
+            </a:endParaRPr>
+          </a:p>
+          <a:p>
+            <a:endParaRPr lang="it-IT" sz="2400" dirty="0">
+              <a:solidFill>
+                <a:schemeClr val="tx1"/>
+              </a:solidFill>
+              <a:latin typeface="Tahoma" panose="020B0604030504040204" pitchFamily="34" charset="0"/>
+              <a:ea typeface="Tahoma" panose="020B0604030504040204" pitchFamily="34" charset="0"/>
+              <a:cs typeface="Tahoma" panose="020B0604030504040204" pitchFamily="34" charset="0"/>
+            </a:endParaRPr>
+          </a:p>
+        </p:txBody>
+      </p:sp>
+      <p:sp>
+        <p:nvSpPr>
+          <p:cNvPr id="7" name="Segnaposto numero diapositiva 6">
+            <a:extLst>
+              <a:ext uri="{FF2B5EF4-FFF2-40B4-BE49-F238E27FC236}">
+                <a16:creationId xmlns:a16="http://schemas.microsoft.com/office/drawing/2014/main" id="{AB740BE9-E218-4144-BFDE-AE473D230A3D}"/>
+              </a:ext>
+            </a:extLst>
+          </p:cNvPr>
+          <p:cNvSpPr>
+            <a:spLocks noGrp="1"/>
+          </p:cNvSpPr>
+          <p:nvPr>
+            <p:ph type="sldNum" sz="quarter" idx="12"/>
+          </p:nvPr>
+        </p:nvSpPr>
+        <p:spPr/>
+        <p:txBody>
+          <a:bodyPr/>
+          <a:lstStyle/>
+          <a:p>
+            <a:pPr>
+              <a:defRPr/>
+            </a:pPr>
+            <a:fld id="{48B4153A-D4C5-4CEF-8992-0D8815C829E3}" type="slidenum">
+              <a:rPr lang="en-US" smtClean="0"/>
+              <a:pPr>
+                <a:defRPr/>
+              </a:pPr>
+              <a:t>12</a:t>
+            </a:fld>
+            <a:endParaRPr lang="en-US" dirty="0"/>
+          </a:p>
+        </p:txBody>
+      </p:sp>
+      <p:sp>
+        <p:nvSpPr>
+          <p:cNvPr id="5" name="Titolo 4">
+            <a:extLst>
+              <a:ext uri="{FF2B5EF4-FFF2-40B4-BE49-F238E27FC236}">
+                <a16:creationId xmlns:a16="http://schemas.microsoft.com/office/drawing/2014/main" id="{82C46BA2-B380-4357-B125-BA9F08A643F5}"/>
+              </a:ext>
+            </a:extLst>
+          </p:cNvPr>
+          <p:cNvSpPr>
+            <a:spLocks noGrp="1"/>
+          </p:cNvSpPr>
+          <p:nvPr>
+            <p:ph type="title"/>
+          </p:nvPr>
+        </p:nvSpPr>
+        <p:spPr>
+          <a:xfrm>
+            <a:off x="468895" y="503475"/>
+            <a:ext cx="11269308" cy="384721"/>
+          </a:xfrm>
+        </p:spPr>
+        <p:txBody>
+          <a:bodyPr/>
+          <a:lstStyle/>
+          <a:p>
+            <a:r>
+              <a:rPr lang="it-IT" altLang="it-IT" dirty="0"/>
+              <a:t>Trasformazione dei Dati (Data </a:t>
+            </a:r>
+            <a:r>
+              <a:rPr lang="it-IT" altLang="it-IT" dirty="0" err="1"/>
+              <a:t>Transformation</a:t>
+            </a:r>
+            <a:r>
+              <a:rPr lang="it-IT" altLang="it-IT" dirty="0"/>
+              <a:t>)</a:t>
+            </a:r>
+            <a:endParaRPr lang="it-IT" dirty="0"/>
+          </a:p>
+        </p:txBody>
+      </p:sp>
+    </p:spTree>
+    <p:extLst>
+      <p:ext uri="{BB962C8B-B14F-4D97-AF65-F5344CB8AC3E}">
+        <p14:creationId xmlns:p14="http://schemas.microsoft.com/office/powerpoint/2010/main" val="95832058"/>
+      </p:ext>
+    </p:extLst>
+  </p:cSld>
+  <p:clrMapOvr>
+    <a:masterClrMapping/>
+  </p:clrMapOvr>
+</p:sld>
+</file>
+
+<file path=ppt/slides/slide13.xml><?xml version="1.0" encoding="utf-8"?>
+<p:sld xmlns:a="http://schemas.openxmlformats.org/drawingml/2006/main" xmlns:r="http://schemas.openxmlformats.org/officeDocument/2006/relationships" xmlns:p="http://schemas.openxmlformats.org/presentationml/2006/main">
+  <p:cSld>
+    <p:spTree>
+      <p:nvGrpSpPr>
+        <p:cNvPr id="1" name=""/>
+        <p:cNvGrpSpPr/>
+        <p:nvPr/>
+      </p:nvGrpSpPr>
+      <p:grpSpPr>
+        <a:xfrm>
+          <a:off x="0" y="0"/>
+          <a:ext cx="0" cy="0"/>
+          <a:chOff x="0" y="0"/>
+          <a:chExt cx="0" cy="0"/>
+        </a:xfrm>
+      </p:grpSpPr>
+      <p:sp>
+        <p:nvSpPr>
+          <p:cNvPr id="7" name="Segnaposto numero diapositiva 6">
+            <a:extLst>
+              <a:ext uri="{FF2B5EF4-FFF2-40B4-BE49-F238E27FC236}">
+                <a16:creationId xmlns:a16="http://schemas.microsoft.com/office/drawing/2014/main" id="{AB740BE9-E218-4144-BFDE-AE473D230A3D}"/>
+              </a:ext>
+            </a:extLst>
+          </p:cNvPr>
+          <p:cNvSpPr>
+            <a:spLocks noGrp="1"/>
+          </p:cNvSpPr>
+          <p:nvPr>
+            <p:ph type="sldNum" sz="quarter" idx="12"/>
+          </p:nvPr>
+        </p:nvSpPr>
+        <p:spPr/>
+        <p:txBody>
+          <a:bodyPr/>
+          <a:lstStyle/>
+          <a:p>
+            <a:pPr>
+              <a:defRPr/>
+            </a:pPr>
+            <a:fld id="{48B4153A-D4C5-4CEF-8992-0D8815C829E3}" type="slidenum">
+              <a:rPr lang="en-US" smtClean="0"/>
+              <a:pPr>
+                <a:defRPr/>
+              </a:pPr>
+              <a:t>13</a:t>
             </a:fld>
             <a:endParaRPr lang="en-US" dirty="0"/>
           </a:p>
@@ -9591,8 +10525,8 @@
         </p:nvSpPr>
         <p:spPr>
           <a:xfrm>
-            <a:off x="326297" y="1213805"/>
-            <a:ext cx="7706355" cy="4833033"/>
+            <a:off x="326298" y="1213806"/>
+            <a:ext cx="6234522" cy="4392612"/>
           </a:xfrm>
         </p:spPr>
         <p:txBody>
@@ -9604,92 +10538,64 @@
               <a:buChar char="ü"/>
             </a:pPr>
             <a:r>
-              <a:rPr lang="it-IT" sz="2400" b="1" dirty="0">
-                <a:solidFill>
-                  <a:schemeClr val="tx1"/>
-                </a:solidFill>
-                <a:latin typeface="Tahoma" panose="020B0604030504040204" pitchFamily="34" charset="0"/>
-                <a:ea typeface="Tahoma" panose="020B0604030504040204" pitchFamily="34" charset="0"/>
-                <a:cs typeface="Tahoma" panose="020B0604030504040204" pitchFamily="34" charset="0"/>
-              </a:rPr>
-              <a:t>ETL </a:t>
-            </a:r>
-            <a:r>
-              <a:rPr lang="it-IT" sz="2400" dirty="0">
-                <a:solidFill>
-                  <a:schemeClr val="tx1"/>
-                </a:solidFill>
-                <a:latin typeface="Tahoma" panose="020B0604030504040204" pitchFamily="34" charset="0"/>
-                <a:ea typeface="Tahoma" panose="020B0604030504040204" pitchFamily="34" charset="0"/>
-                <a:cs typeface="Tahoma" panose="020B0604030504040204" pitchFamily="34" charset="0"/>
-              </a:rPr>
-              <a:t>fornisce le fondamenta per la data </a:t>
-            </a:r>
-            <a:r>
-              <a:rPr lang="it-IT" sz="2400" dirty="0" err="1">
-                <a:solidFill>
-                  <a:schemeClr val="tx1"/>
-                </a:solidFill>
-                <a:latin typeface="Tahoma" panose="020B0604030504040204" pitchFamily="34" charset="0"/>
-                <a:ea typeface="Tahoma" panose="020B0604030504040204" pitchFamily="34" charset="0"/>
-                <a:cs typeface="Tahoma" panose="020B0604030504040204" pitchFamily="34" charset="0"/>
-              </a:rPr>
-              <a:t>analytics</a:t>
-            </a:r>
-            <a:r>
-              <a:rPr lang="it-IT" sz="2400" dirty="0">
-                <a:solidFill>
-                  <a:schemeClr val="tx1"/>
-                </a:solidFill>
-                <a:latin typeface="Tahoma" panose="020B0604030504040204" pitchFamily="34" charset="0"/>
-                <a:ea typeface="Tahoma" panose="020B0604030504040204" pitchFamily="34" charset="0"/>
-                <a:cs typeface="Tahoma" panose="020B0604030504040204" pitchFamily="34" charset="0"/>
-              </a:rPr>
-              <a:t> e i </a:t>
-            </a:r>
-            <a:r>
-              <a:rPr lang="it-IT" sz="2400" dirty="0" err="1">
-                <a:solidFill>
-                  <a:schemeClr val="tx1"/>
-                </a:solidFill>
-                <a:latin typeface="Tahoma" panose="020B0604030504040204" pitchFamily="34" charset="0"/>
-                <a:ea typeface="Tahoma" panose="020B0604030504040204" pitchFamily="34" charset="0"/>
-                <a:cs typeface="Tahoma" panose="020B0604030504040204" pitchFamily="34" charset="0"/>
-              </a:rPr>
-              <a:t>workstream</a:t>
-            </a:r>
-            <a:r>
-              <a:rPr lang="it-IT" sz="2400" dirty="0">
-                <a:solidFill>
-                  <a:schemeClr val="tx1"/>
-                </a:solidFill>
-                <a:latin typeface="Tahoma" panose="020B0604030504040204" pitchFamily="34" charset="0"/>
-                <a:ea typeface="Tahoma" panose="020B0604030504040204" pitchFamily="34" charset="0"/>
-                <a:cs typeface="Tahoma" panose="020B0604030504040204" pitchFamily="34" charset="0"/>
-              </a:rPr>
-              <a:t> di machine learning. Attraverso una serie di regole, l’ETL purifica e organizza i dati in un modo che incontra specifici bisogni di business intelligence, come report mensili ma </a:t>
-            </a:r>
-            <a:r>
-              <a:rPr lang="it-IT" sz="2400" dirty="0" err="1">
-                <a:solidFill>
-                  <a:schemeClr val="tx1"/>
-                </a:solidFill>
-                <a:latin typeface="Tahoma" panose="020B0604030504040204" pitchFamily="34" charset="0"/>
-                <a:ea typeface="Tahoma" panose="020B0604030504040204" pitchFamily="34" charset="0"/>
-                <a:cs typeface="Tahoma" panose="020B0604030504040204" pitchFamily="34" charset="0"/>
-              </a:rPr>
-              <a:t>piuò</a:t>
-            </a:r>
-            <a:r>
-              <a:rPr lang="it-IT" sz="2400" dirty="0">
-                <a:solidFill>
-                  <a:schemeClr val="tx1"/>
-                </a:solidFill>
-                <a:latin typeface="Tahoma" panose="020B0604030504040204" pitchFamily="34" charset="0"/>
-                <a:ea typeface="Tahoma" panose="020B0604030504040204" pitchFamily="34" charset="0"/>
-                <a:cs typeface="Tahoma" panose="020B0604030504040204" pitchFamily="34" charset="0"/>
-              </a:rPr>
-              <a:t> anche migliorare i processi di back-end o l’esperienza dell’utente finale. </a:t>
+              <a:rPr lang="it-IT" sz="2400" i="0">
+                <a:solidFill>
+                  <a:schemeClr val="tx1"/>
+                </a:solidFill>
+                <a:effectLst/>
+                <a:latin typeface="Tahoma" panose="020B0604030504040204" pitchFamily="34" charset="0"/>
+                <a:ea typeface="Tahoma" panose="020B0604030504040204" pitchFamily="34" charset="0"/>
+                <a:cs typeface="Tahoma" panose="020B0604030504040204" pitchFamily="34" charset="0"/>
+              </a:rPr>
+              <a:t>Gli schemi sono i modi in cui i dati sono organizzati all’interno dei database o ddata ware house. Ci sono due principali strutture degli schemi: lo </a:t>
+            </a:r>
+            <a:r>
+              <a:rPr lang="it-IT" sz="2400" b="1" i="0">
+                <a:solidFill>
+                  <a:schemeClr val="tx1"/>
+                </a:solidFill>
+                <a:effectLst/>
+                <a:latin typeface="Tahoma" panose="020B0604030504040204" pitchFamily="34" charset="0"/>
+                <a:ea typeface="Tahoma" panose="020B0604030504040204" pitchFamily="34" charset="0"/>
+                <a:cs typeface="Tahoma" panose="020B0604030504040204" pitchFamily="34" charset="0"/>
+              </a:rPr>
+              <a:t>star schema </a:t>
+            </a:r>
+            <a:r>
+              <a:rPr lang="it-IT" sz="2400" i="0">
+                <a:solidFill>
+                  <a:schemeClr val="tx1"/>
+                </a:solidFill>
+                <a:effectLst/>
+                <a:latin typeface="Tahoma" panose="020B0604030504040204" pitchFamily="34" charset="0"/>
+                <a:ea typeface="Tahoma" panose="020B0604030504040204" pitchFamily="34" charset="0"/>
+                <a:cs typeface="Tahoma" panose="020B0604030504040204" pitchFamily="34" charset="0"/>
+              </a:rPr>
+              <a:t>e lo </a:t>
+            </a:r>
+            <a:r>
+              <a:rPr lang="it-IT" sz="2400" b="1" i="0">
+                <a:solidFill>
+                  <a:schemeClr val="tx1"/>
+                </a:solidFill>
+                <a:effectLst/>
+                <a:latin typeface="Tahoma" panose="020B0604030504040204" pitchFamily="34" charset="0"/>
+                <a:ea typeface="Tahoma" panose="020B0604030504040204" pitchFamily="34" charset="0"/>
+                <a:cs typeface="Tahoma" panose="020B0604030504040204" pitchFamily="34" charset="0"/>
+              </a:rPr>
+              <a:t>snowflake</a:t>
+            </a:r>
+            <a:r>
+              <a:rPr lang="it-IT" sz="2400" i="0">
+                <a:solidFill>
+                  <a:schemeClr val="tx1"/>
+                </a:solidFill>
+                <a:effectLst/>
+                <a:latin typeface="Tahoma" panose="020B0604030504040204" pitchFamily="34" charset="0"/>
+                <a:ea typeface="Tahoma" panose="020B0604030504040204" pitchFamily="34" charset="0"/>
+                <a:cs typeface="Tahoma" panose="020B0604030504040204" pitchFamily="34" charset="0"/>
+              </a:rPr>
+              <a:t>, che influenza il progetto del modello dei dati. </a:t>
             </a:r>
           </a:p>
           <a:p>
@@ -9698,131 +10604,34 @@
               <a:buChar char="ü"/>
             </a:pPr>
             <a:r>
-              <a:rPr lang="it-IT" sz="2400" dirty="0">
-                <a:solidFill>
-                  <a:schemeClr val="tx1"/>
-                </a:solidFill>
-                <a:latin typeface="Tahoma" panose="020B0604030504040204" pitchFamily="34" charset="0"/>
-                <a:ea typeface="Tahoma" panose="020B0604030504040204" pitchFamily="34" charset="0"/>
-                <a:cs typeface="Tahoma" panose="020B0604030504040204" pitchFamily="34" charset="0"/>
-              </a:rPr>
-              <a:t>In genere </a:t>
-            </a:r>
-            <a:r>
-              <a:rPr lang="it-IT" sz="2400" b="1" dirty="0">
-                <a:solidFill>
-                  <a:schemeClr val="tx1"/>
-                </a:solidFill>
-                <a:latin typeface="Tahoma" panose="020B0604030504040204" pitchFamily="34" charset="0"/>
-                <a:ea typeface="Tahoma" panose="020B0604030504040204" pitchFamily="34" charset="0"/>
-                <a:cs typeface="Tahoma" panose="020B0604030504040204" pitchFamily="34" charset="0"/>
-              </a:rPr>
-              <a:t>l’ETL</a:t>
-            </a:r>
-            <a:r>
-              <a:rPr lang="it-IT" sz="2400" dirty="0">
-                <a:solidFill>
-                  <a:schemeClr val="tx1"/>
-                </a:solidFill>
-                <a:latin typeface="Tahoma" panose="020B0604030504040204" pitchFamily="34" charset="0"/>
-                <a:ea typeface="Tahoma" panose="020B0604030504040204" pitchFamily="34" charset="0"/>
-                <a:cs typeface="Tahoma" panose="020B0604030504040204" pitchFamily="34" charset="0"/>
-              </a:rPr>
-              <a:t> è utilizzato dalle organizzazioni per: </a:t>
-            </a:r>
-          </a:p>
-          <a:p>
-            <a:pPr marL="971550" lvl="1" indent="-514350">
-              <a:buAutoNum type="arabicParenR"/>
-            </a:pPr>
-            <a:r>
-              <a:rPr lang="it-IT" sz="2600" b="0" dirty="0">
-                <a:solidFill>
-                  <a:schemeClr val="tx1"/>
-                </a:solidFill>
-                <a:latin typeface="Tahoma" panose="020B0604030504040204" pitchFamily="34" charset="0"/>
-                <a:ea typeface="Tahoma" panose="020B0604030504040204" pitchFamily="34" charset="0"/>
-                <a:cs typeface="Tahoma" panose="020B0604030504040204" pitchFamily="34" charset="0"/>
-              </a:rPr>
-              <a:t>Estrarre dati da sistemi legacy</a:t>
-            </a:r>
-          </a:p>
-          <a:p>
-            <a:pPr marL="971550" lvl="1" indent="-514350">
-              <a:buAutoNum type="arabicParenR"/>
-            </a:pPr>
-            <a:r>
-              <a:rPr lang="it-IT" sz="2600" b="0" dirty="0">
-                <a:solidFill>
-                  <a:schemeClr val="tx1"/>
-                </a:solidFill>
-                <a:latin typeface="Tahoma" panose="020B0604030504040204" pitchFamily="34" charset="0"/>
-                <a:ea typeface="Tahoma" panose="020B0604030504040204" pitchFamily="34" charset="0"/>
-                <a:cs typeface="Tahoma" panose="020B0604030504040204" pitchFamily="34" charset="0"/>
-              </a:rPr>
-              <a:t>Ripulire i dati per </a:t>
-            </a:r>
-            <a:r>
-              <a:rPr lang="it-IT" sz="2600" b="0" dirty="0" err="1">
-                <a:solidFill>
-                  <a:schemeClr val="tx1"/>
-                </a:solidFill>
-                <a:latin typeface="Tahoma" panose="020B0604030504040204" pitchFamily="34" charset="0"/>
-                <a:ea typeface="Tahoma" panose="020B0604030504040204" pitchFamily="34" charset="0"/>
-                <a:cs typeface="Tahoma" panose="020B0604030504040204" pitchFamily="34" charset="0"/>
-              </a:rPr>
-              <a:t>miglirarne</a:t>
-            </a:r>
-            <a:r>
-              <a:rPr lang="it-IT" sz="2600" b="0" dirty="0">
-                <a:solidFill>
-                  <a:schemeClr val="tx1"/>
-                </a:solidFill>
-                <a:latin typeface="Tahoma" panose="020B0604030504040204" pitchFamily="34" charset="0"/>
-                <a:ea typeface="Tahoma" panose="020B0604030504040204" pitchFamily="34" charset="0"/>
-                <a:cs typeface="Tahoma" panose="020B0604030504040204" pitchFamily="34" charset="0"/>
-              </a:rPr>
-              <a:t> la qualità e </a:t>
-            </a:r>
-          </a:p>
-          <a:p>
-            <a:pPr lvl="1"/>
-            <a:r>
-              <a:rPr lang="it-IT" sz="2600" b="0" dirty="0">
-                <a:solidFill>
-                  <a:schemeClr val="tx1"/>
-                </a:solidFill>
-                <a:latin typeface="Tahoma" panose="020B0604030504040204" pitchFamily="34" charset="0"/>
-                <a:ea typeface="Tahoma" panose="020B0604030504040204" pitchFamily="34" charset="0"/>
-                <a:cs typeface="Tahoma" panose="020B0604030504040204" pitchFamily="34" charset="0"/>
-              </a:rPr>
-              <a:t>	renderli consistenti</a:t>
-            </a:r>
-          </a:p>
-          <a:p>
-            <a:pPr lvl="1"/>
-            <a:r>
-              <a:rPr lang="it-IT" sz="2600" b="0" dirty="0">
-                <a:solidFill>
-                  <a:srgbClr val="FF0000"/>
-                </a:solidFill>
-                <a:latin typeface="Tahoma" panose="020B0604030504040204" pitchFamily="34" charset="0"/>
-                <a:ea typeface="Tahoma" panose="020B0604030504040204" pitchFamily="34" charset="0"/>
-                <a:cs typeface="Tahoma" panose="020B0604030504040204" pitchFamily="34" charset="0"/>
-              </a:rPr>
-              <a:t>3) </a:t>
-            </a:r>
-            <a:r>
-              <a:rPr lang="it-IT" sz="2600" b="0" dirty="0">
-                <a:solidFill>
-                  <a:schemeClr val="tx1"/>
-                </a:solidFill>
-                <a:latin typeface="Tahoma" panose="020B0604030504040204" pitchFamily="34" charset="0"/>
-                <a:ea typeface="Tahoma" panose="020B0604030504040204" pitchFamily="34" charset="0"/>
-                <a:cs typeface="Tahoma" panose="020B0604030504040204" pitchFamily="34" charset="0"/>
-              </a:rPr>
-              <a:t>Caricare i dati all’interno di un database target</a:t>
-            </a:r>
+              <a:rPr lang="it-IT" sz="2400" b="1">
+                <a:solidFill>
+                  <a:schemeClr val="tx1"/>
+                </a:solidFill>
+                <a:latin typeface="Tahoma" panose="020B0604030504040204" pitchFamily="34" charset="0"/>
+                <a:ea typeface="Tahoma" panose="020B0604030504040204" pitchFamily="34" charset="0"/>
+                <a:cs typeface="Tahoma" panose="020B0604030504040204" pitchFamily="34" charset="0"/>
+              </a:rPr>
+              <a:t>Star Schema: </a:t>
+            </a:r>
+            <a:r>
+              <a:rPr lang="it-IT" sz="2400">
+                <a:solidFill>
+                  <a:schemeClr val="tx1"/>
+                </a:solidFill>
+                <a:latin typeface="Tahoma" panose="020B0604030504040204" pitchFamily="34" charset="0"/>
+                <a:ea typeface="Tahoma" panose="020B0604030504040204" pitchFamily="34" charset="0"/>
+                <a:cs typeface="Tahoma" panose="020B0604030504040204" pitchFamily="34" charset="0"/>
+              </a:rPr>
+              <a:t>Questo schema è costituito da una «fact table» che può essere unita ad un certo numero di «dimension table» denormalizzate. Esso è considerato il più comune tipo di schema, e i suoi utenti beneficiano delle sue rapide velocità durante il processo di query. </a:t>
+            </a:r>
+            <a:endParaRPr lang="en-US" sz="2400" b="1" i="0" dirty="0">
+              <a:solidFill>
+                <a:srgbClr val="525252"/>
+              </a:solidFill>
+              <a:effectLst/>
+              <a:latin typeface="IBM Plex Sans" panose="020B0604020202020204" pitchFamily="34" charset="0"/>
+            </a:endParaRPr>
           </a:p>
         </p:txBody>
       </p:sp>
@@ -9888,24 +10697,8 @@
           <a:lstStyle/>
           <a:p>
             <a:r>
-              <a:rPr lang="it-IT" altLang="it-IT" dirty="0"/>
-              <a:t>ETL – </a:t>
-            </a:r>
-            <a:r>
-              <a:rPr lang="it-IT" altLang="it-IT" dirty="0" err="1"/>
-              <a:t>Extract</a:t>
-            </a:r>
-            <a:r>
-              <a:rPr lang="it-IT" altLang="it-IT" dirty="0"/>
-              <a:t>, </a:t>
-            </a:r>
-            <a:r>
-              <a:rPr lang="it-IT" altLang="it-IT" dirty="0" err="1"/>
-              <a:t>Transform</a:t>
-            </a:r>
-            <a:r>
-              <a:rPr lang="it-IT" altLang="it-IT" dirty="0"/>
-              <a:t> and Load</a:t>
+              <a:rPr lang="it-IT" altLang="it-IT"/>
+              <a:t>Data Warehouse –Schema</a:t>
             </a:r>
             <a:endParaRPr lang="it-IT" dirty="0"/>
           </a:p>
@@ -9913,10 +10706,10 @@
       </p:sp>
       <p:pic>
         <p:nvPicPr>
-          <p:cNvPr id="6" name="Immagine 5" descr="Immagine che contiene testo&#10;&#10;Descrizione generata automaticamente">
-            <a:extLst>
-              <a:ext uri="{FF2B5EF4-FFF2-40B4-BE49-F238E27FC236}">
-                <a16:creationId xmlns:a16="http://schemas.microsoft.com/office/drawing/2014/main" id="{39F9FEBF-2449-D3F8-4D77-33C401C96EC9}"/>
+          <p:cNvPr id="6" name="Immagine 5">
+            <a:extLst>
+              <a:ext uri="{FF2B5EF4-FFF2-40B4-BE49-F238E27FC236}">
+                <a16:creationId xmlns:a16="http://schemas.microsoft.com/office/drawing/2014/main" id="{2D7A2375-F0D2-3FFF-438D-E06E0F92CA3C}"/>
               </a:ext>
             </a:extLst>
           </p:cNvPr>
@@ -9933,8 +10726,8 @@
         </p:blipFill>
         <p:spPr>
           <a:xfrm>
-            <a:off x="8091882" y="2857797"/>
-            <a:ext cx="3773821" cy="2600468"/>
+            <a:off x="6560820" y="1671637"/>
+            <a:ext cx="5057775" cy="3972557"/>
           </a:xfrm>
           <a:prstGeom prst="rect">
             <a:avLst/>
@@ -9944,7 +10737,7 @@
     </p:spTree>
     <p:extLst>
       <p:ext uri="{BB962C8B-B14F-4D97-AF65-F5344CB8AC3E}">
-        <p14:creationId xmlns:p14="http://schemas.microsoft.com/office/powerpoint/2010/main" val="2736730313"/>
+        <p14:creationId xmlns:p14="http://schemas.microsoft.com/office/powerpoint/2010/main" val="2870484573"/>
       </p:ext>
     </p:extLst>
   </p:cSld>
@@ -9989,8 +10782,8 @@
         </p:nvSpPr>
         <p:spPr>
           <a:xfrm>
-            <a:off x="336650" y="1115332"/>
-            <a:ext cx="11518700" cy="4392612"/>
+            <a:off x="326298" y="1213806"/>
+            <a:ext cx="6234522" cy="4392612"/>
           </a:xfrm>
         </p:spPr>
         <p:txBody>
@@ -10002,406 +10795,33 @@
               <a:buChar char="ü"/>
             </a:pPr>
             <a:r>
-              <a:rPr lang="it-IT" sz="2400" dirty="0">
-                <a:solidFill>
-                  <a:schemeClr val="tx1"/>
-                </a:solidFill>
-                <a:latin typeface="Tahoma" panose="020B0604030504040204" pitchFamily="34" charset="0"/>
-                <a:ea typeface="Tahoma" panose="020B0604030504040204" pitchFamily="34" charset="0"/>
-                <a:cs typeface="Tahoma" panose="020B0604030504040204" pitchFamily="34" charset="0"/>
-              </a:rPr>
-              <a:t>La più semplice differenza tra </a:t>
-            </a:r>
-            <a:r>
-              <a:rPr lang="it-IT" sz="2400" b="1" dirty="0">
-                <a:solidFill>
-                  <a:schemeClr val="tx1"/>
-                </a:solidFill>
-                <a:latin typeface="Tahoma" panose="020B0604030504040204" pitchFamily="34" charset="0"/>
-                <a:ea typeface="Tahoma" panose="020B0604030504040204" pitchFamily="34" charset="0"/>
-                <a:cs typeface="Tahoma" panose="020B0604030504040204" pitchFamily="34" charset="0"/>
-              </a:rPr>
-              <a:t>ETL </a:t>
-            </a:r>
-            <a:r>
-              <a:rPr lang="it-IT" sz="2400" dirty="0">
-                <a:solidFill>
-                  <a:schemeClr val="tx1"/>
-                </a:solidFill>
-                <a:latin typeface="Tahoma" panose="020B0604030504040204" pitchFamily="34" charset="0"/>
-                <a:ea typeface="Tahoma" panose="020B0604030504040204" pitchFamily="34" charset="0"/>
-                <a:cs typeface="Tahoma" panose="020B0604030504040204" pitchFamily="34" charset="0"/>
-              </a:rPr>
-              <a:t>e </a:t>
-            </a:r>
-            <a:r>
-              <a:rPr lang="it-IT" sz="2400" b="1" dirty="0">
-                <a:solidFill>
-                  <a:schemeClr val="tx1"/>
-                </a:solidFill>
-                <a:latin typeface="Tahoma" panose="020B0604030504040204" pitchFamily="34" charset="0"/>
-                <a:ea typeface="Tahoma" panose="020B0604030504040204" pitchFamily="34" charset="0"/>
-                <a:cs typeface="Tahoma" panose="020B0604030504040204" pitchFamily="34" charset="0"/>
-              </a:rPr>
-              <a:t>ELT </a:t>
-            </a:r>
-            <a:r>
-              <a:rPr lang="it-IT" sz="2400" dirty="0">
-                <a:solidFill>
-                  <a:schemeClr val="tx1"/>
-                </a:solidFill>
-                <a:latin typeface="Tahoma" panose="020B0604030504040204" pitchFamily="34" charset="0"/>
-                <a:ea typeface="Tahoma" panose="020B0604030504040204" pitchFamily="34" charset="0"/>
-                <a:cs typeface="Tahoma" panose="020B0604030504040204" pitchFamily="34" charset="0"/>
-              </a:rPr>
-              <a:t>è in termini di operazioni. </a:t>
-            </a:r>
-            <a:r>
-              <a:rPr lang="it-IT" sz="2400" b="1" dirty="0">
-                <a:solidFill>
-                  <a:schemeClr val="tx1"/>
-                </a:solidFill>
-                <a:latin typeface="Tahoma" panose="020B0604030504040204" pitchFamily="34" charset="0"/>
-                <a:ea typeface="Tahoma" panose="020B0604030504040204" pitchFamily="34" charset="0"/>
-                <a:cs typeface="Tahoma" panose="020B0604030504040204" pitchFamily="34" charset="0"/>
-              </a:rPr>
-              <a:t>ELT </a:t>
-            </a:r>
-            <a:r>
-              <a:rPr lang="it-IT" sz="2400" dirty="0">
-                <a:solidFill>
-                  <a:schemeClr val="tx1"/>
-                </a:solidFill>
-                <a:latin typeface="Tahoma" panose="020B0604030504040204" pitchFamily="34" charset="0"/>
-                <a:ea typeface="Tahoma" panose="020B0604030504040204" pitchFamily="34" charset="0"/>
-                <a:cs typeface="Tahoma" panose="020B0604030504040204" pitchFamily="34" charset="0"/>
-              </a:rPr>
-              <a:t>copia ed esporta i dati dalle sorgenti, ma invece di caricarli in su un’area per la trasformazione successiva, </a:t>
-            </a:r>
-            <a:r>
-              <a:rPr lang="it-IT" sz="2400" b="1" dirty="0">
-                <a:solidFill>
-                  <a:schemeClr val="tx1"/>
-                </a:solidFill>
-                <a:latin typeface="Tahoma" panose="020B0604030504040204" pitchFamily="34" charset="0"/>
-                <a:ea typeface="Tahoma" panose="020B0604030504040204" pitchFamily="34" charset="0"/>
-                <a:cs typeface="Tahoma" panose="020B0604030504040204" pitchFamily="34" charset="0"/>
-              </a:rPr>
-              <a:t>l’ELT</a:t>
-            </a:r>
-            <a:r>
-              <a:rPr lang="it-IT" sz="2400" dirty="0">
-                <a:solidFill>
-                  <a:schemeClr val="tx1"/>
-                </a:solidFill>
-                <a:latin typeface="Tahoma" panose="020B0604030504040204" pitchFamily="34" charset="0"/>
-                <a:ea typeface="Tahoma" panose="020B0604030504040204" pitchFamily="34" charset="0"/>
-                <a:cs typeface="Tahoma" panose="020B0604030504040204" pitchFamily="34" charset="0"/>
-              </a:rPr>
-              <a:t> carica i dati grezzi direttamente sullo store di target dei dati per poter essere trasformati alla bisogna.</a:t>
-            </a:r>
-          </a:p>
-          <a:p>
-            <a:pPr marL="342900" indent="-342900">
-              <a:buFont typeface="Wingdings" panose="05000000000000000000" pitchFamily="2" charset="2"/>
-              <a:buChar char="ü"/>
-            </a:pPr>
-            <a:r>
-              <a:rPr lang="it-IT" sz="2400" b="0" i="0" dirty="0">
-                <a:solidFill>
-                  <a:schemeClr val="tx1"/>
-                </a:solidFill>
-                <a:effectLst/>
-                <a:latin typeface="Tahoma" panose="020B0604030504040204" pitchFamily="34" charset="0"/>
-                <a:ea typeface="Tahoma" panose="020B0604030504040204" pitchFamily="34" charset="0"/>
-                <a:cs typeface="Tahoma" panose="020B0604030504040204" pitchFamily="34" charset="0"/>
-              </a:rPr>
-              <a:t>Mentre entrambi </a:t>
-            </a:r>
-            <a:r>
-              <a:rPr lang="it-IT" sz="2400" b="1" i="0" dirty="0">
-                <a:solidFill>
-                  <a:schemeClr val="tx1"/>
-                </a:solidFill>
-                <a:effectLst/>
-                <a:latin typeface="Tahoma" panose="020B0604030504040204" pitchFamily="34" charset="0"/>
-                <a:ea typeface="Tahoma" panose="020B0604030504040204" pitchFamily="34" charset="0"/>
-                <a:cs typeface="Tahoma" panose="020B0604030504040204" pitchFamily="34" charset="0"/>
-              </a:rPr>
-              <a:t>ETL</a:t>
-            </a:r>
-            <a:r>
-              <a:rPr lang="it-IT" sz="2400" b="0" i="0" dirty="0">
-                <a:solidFill>
-                  <a:schemeClr val="tx1"/>
-                </a:solidFill>
-                <a:effectLst/>
-                <a:latin typeface="Tahoma" panose="020B0604030504040204" pitchFamily="34" charset="0"/>
-                <a:ea typeface="Tahoma" panose="020B0604030504040204" pitchFamily="34" charset="0"/>
-                <a:cs typeface="Tahoma" panose="020B0604030504040204" pitchFamily="34" charset="0"/>
-              </a:rPr>
-              <a:t> e </a:t>
-            </a:r>
-            <a:r>
-              <a:rPr lang="it-IT" sz="2400" b="1" i="0" dirty="0">
-                <a:solidFill>
-                  <a:schemeClr val="tx1"/>
-                </a:solidFill>
-                <a:effectLst/>
-                <a:latin typeface="Tahoma" panose="020B0604030504040204" pitchFamily="34" charset="0"/>
-                <a:ea typeface="Tahoma" panose="020B0604030504040204" pitchFamily="34" charset="0"/>
-                <a:cs typeface="Tahoma" panose="020B0604030504040204" pitchFamily="34" charset="0"/>
-              </a:rPr>
-              <a:t>ELT </a:t>
-            </a:r>
-            <a:r>
-              <a:rPr lang="it-IT" sz="2400" i="0" dirty="0">
-                <a:solidFill>
-                  <a:schemeClr val="tx1"/>
-                </a:solidFill>
-                <a:effectLst/>
-                <a:latin typeface="Tahoma" panose="020B0604030504040204" pitchFamily="34" charset="0"/>
-                <a:ea typeface="Tahoma" panose="020B0604030504040204" pitchFamily="34" charset="0"/>
-                <a:cs typeface="Tahoma" panose="020B0604030504040204" pitchFamily="34" charset="0"/>
-              </a:rPr>
-              <a:t>fanno le</a:t>
-            </a:r>
-            <a:r>
-              <a:rPr lang="it-IT" sz="2400" dirty="0">
-                <a:solidFill>
-                  <a:schemeClr val="tx1"/>
-                </a:solidFill>
-                <a:latin typeface="Tahoma" panose="020B0604030504040204" pitchFamily="34" charset="0"/>
-                <a:ea typeface="Tahoma" panose="020B0604030504040204" pitchFamily="34" charset="0"/>
-                <a:cs typeface="Tahoma" panose="020B0604030504040204" pitchFamily="34" charset="0"/>
-              </a:rPr>
-              <a:t>va su una varietà di repository di dati, quali database, data </a:t>
-            </a:r>
-            <a:r>
-              <a:rPr lang="it-IT" sz="2400" dirty="0" err="1">
-                <a:solidFill>
-                  <a:schemeClr val="tx1"/>
-                </a:solidFill>
-                <a:latin typeface="Tahoma" panose="020B0604030504040204" pitchFamily="34" charset="0"/>
-                <a:ea typeface="Tahoma" panose="020B0604030504040204" pitchFamily="34" charset="0"/>
-                <a:cs typeface="Tahoma" panose="020B0604030504040204" pitchFamily="34" charset="0"/>
-              </a:rPr>
-              <a:t>warehouse</a:t>
-            </a:r>
-            <a:r>
-              <a:rPr lang="it-IT" sz="2400" dirty="0">
-                <a:solidFill>
-                  <a:schemeClr val="tx1"/>
-                </a:solidFill>
-                <a:latin typeface="Tahoma" panose="020B0604030504040204" pitchFamily="34" charset="0"/>
-                <a:ea typeface="Tahoma" panose="020B0604030504040204" pitchFamily="34" charset="0"/>
-                <a:cs typeface="Tahoma" panose="020B0604030504040204" pitchFamily="34" charset="0"/>
-              </a:rPr>
-              <a:t> e data </a:t>
-            </a:r>
-            <a:r>
-              <a:rPr lang="it-IT" sz="2400" dirty="0" err="1">
-                <a:solidFill>
-                  <a:schemeClr val="tx1"/>
-                </a:solidFill>
-                <a:latin typeface="Tahoma" panose="020B0604030504040204" pitchFamily="34" charset="0"/>
-                <a:ea typeface="Tahoma" panose="020B0604030504040204" pitchFamily="34" charset="0"/>
-                <a:cs typeface="Tahoma" panose="020B0604030504040204" pitchFamily="34" charset="0"/>
-              </a:rPr>
-              <a:t>lake</a:t>
-            </a:r>
-            <a:r>
-              <a:rPr lang="it-IT" sz="2400" dirty="0">
-                <a:solidFill>
-                  <a:schemeClr val="tx1"/>
-                </a:solidFill>
-                <a:latin typeface="Tahoma" panose="020B0604030504040204" pitchFamily="34" charset="0"/>
-                <a:ea typeface="Tahoma" panose="020B0604030504040204" pitchFamily="34" charset="0"/>
-                <a:cs typeface="Tahoma" panose="020B0604030504040204" pitchFamily="34" charset="0"/>
-              </a:rPr>
-              <a:t>, ciascuno dei due processi possiede i suoi vantaggi e svantaggi. </a:t>
-            </a:r>
-          </a:p>
-          <a:p>
-            <a:pPr marL="1828800" lvl="3" indent="-457200">
-              <a:buFont typeface="+mj-lt"/>
-              <a:buAutoNum type="arabicPeriod"/>
-            </a:pPr>
-            <a:r>
-              <a:rPr lang="it-IT" sz="2200" b="1" i="0" dirty="0">
-                <a:solidFill>
-                  <a:schemeClr val="tx1"/>
-                </a:solidFill>
-                <a:effectLst/>
-                <a:latin typeface="Tahoma" panose="020B0604030504040204" pitchFamily="34" charset="0"/>
-                <a:ea typeface="Tahoma" panose="020B0604030504040204" pitchFamily="34" charset="0"/>
-                <a:cs typeface="Tahoma" panose="020B0604030504040204" pitchFamily="34" charset="0"/>
-              </a:rPr>
-              <a:t>ETL </a:t>
-            </a:r>
-            <a:r>
-              <a:rPr lang="it-IT" sz="2200" b="0" i="0" dirty="0">
-                <a:solidFill>
-                  <a:schemeClr val="tx1"/>
-                </a:solidFill>
-                <a:effectLst/>
-                <a:latin typeface="Tahoma" panose="020B0604030504040204" pitchFamily="34" charset="0"/>
-                <a:ea typeface="Tahoma" panose="020B0604030504040204" pitchFamily="34" charset="0"/>
-                <a:cs typeface="Tahoma" panose="020B0604030504040204" pitchFamily="34" charset="0"/>
-              </a:rPr>
-              <a:t>è particolarmente utile per dataset ad alto volume non strutturati dal momento che il caricamento può avvenire direttamente dalla sorgente. Questo processo richiede più definizione all’inizio, le regole di business per la data </a:t>
-            </a:r>
-            <a:r>
-              <a:rPr lang="it-IT" sz="2200" b="0" i="0" dirty="0" err="1">
-                <a:solidFill>
-                  <a:schemeClr val="tx1"/>
-                </a:solidFill>
-                <a:effectLst/>
-                <a:latin typeface="Tahoma" panose="020B0604030504040204" pitchFamily="34" charset="0"/>
-                <a:ea typeface="Tahoma" panose="020B0604030504040204" pitchFamily="34" charset="0"/>
-                <a:cs typeface="Tahoma" panose="020B0604030504040204" pitchFamily="34" charset="0"/>
-              </a:rPr>
-              <a:t>transformation</a:t>
-            </a:r>
-            <a:r>
-              <a:rPr lang="it-IT" sz="2200" b="0" i="0" dirty="0">
-                <a:solidFill>
-                  <a:schemeClr val="tx1"/>
-                </a:solidFill>
-                <a:effectLst/>
-                <a:latin typeface="Tahoma" panose="020B0604030504040204" pitchFamily="34" charset="0"/>
-                <a:ea typeface="Tahoma" panose="020B0604030504040204" pitchFamily="34" charset="0"/>
-                <a:cs typeface="Tahoma" panose="020B0604030504040204" pitchFamily="34" charset="0"/>
-              </a:rPr>
-              <a:t> hanno bisogno di essere costruite. </a:t>
-            </a:r>
-          </a:p>
-          <a:p>
-            <a:pPr marL="1828800" lvl="3" indent="-457200">
-              <a:buFont typeface="+mj-lt"/>
-              <a:buAutoNum type="arabicPeriod"/>
-            </a:pPr>
-            <a:r>
-              <a:rPr lang="it-IT" sz="2200" dirty="0">
-                <a:solidFill>
-                  <a:schemeClr val="tx1"/>
-                </a:solidFill>
-                <a:latin typeface="Tahoma" panose="020B0604030504040204" pitchFamily="34" charset="0"/>
-                <a:ea typeface="Tahoma" panose="020B0604030504040204" pitchFamily="34" charset="0"/>
-                <a:cs typeface="Tahoma" panose="020B0604030504040204" pitchFamily="34" charset="0"/>
-              </a:rPr>
-              <a:t>ELT</a:t>
-            </a:r>
-            <a:r>
-              <a:rPr lang="it-IT" sz="2200" b="0" dirty="0">
-                <a:solidFill>
-                  <a:schemeClr val="tx1"/>
-                </a:solidFill>
-                <a:latin typeface="Tahoma" panose="020B0604030504040204" pitchFamily="34" charset="0"/>
-                <a:ea typeface="Tahoma" panose="020B0604030504040204" pitchFamily="34" charset="0"/>
-                <a:cs typeface="Tahoma" panose="020B0604030504040204" pitchFamily="34" charset="0"/>
-              </a:rPr>
-              <a:t> è più ideale per nel </a:t>
-            </a:r>
-            <a:r>
-              <a:rPr lang="it-IT" sz="2200" b="0" dirty="0">
-                <a:solidFill>
-                  <a:schemeClr val="tx1"/>
-                </a:solidFill>
-                <a:effectLst/>
-                <a:latin typeface="Tahoma" panose="020B0604030504040204" pitchFamily="34" charset="0"/>
-                <a:ea typeface="Tahoma" panose="020B0604030504040204" pitchFamily="34" charset="0"/>
-                <a:cs typeface="Tahoma" panose="020B0604030504040204" pitchFamily="34" charset="0"/>
-              </a:rPr>
-              <a:t>mondo dei Big Data dal momento che non richiede una progettazione anticipata per la data </a:t>
-            </a:r>
-            <a:r>
-              <a:rPr lang="it-IT" sz="2200" b="0" dirty="0" err="1">
-                <a:solidFill>
-                  <a:schemeClr val="tx1"/>
-                </a:solidFill>
-                <a:effectLst/>
-                <a:latin typeface="Tahoma" panose="020B0604030504040204" pitchFamily="34" charset="0"/>
-                <a:ea typeface="Tahoma" panose="020B0604030504040204" pitchFamily="34" charset="0"/>
-                <a:cs typeface="Tahoma" panose="020B0604030504040204" pitchFamily="34" charset="0"/>
-              </a:rPr>
-              <a:t>extraction</a:t>
-            </a:r>
-            <a:r>
-              <a:rPr lang="it-IT" sz="2200" b="0" dirty="0">
-                <a:solidFill>
-                  <a:schemeClr val="tx1"/>
-                </a:solidFill>
-                <a:effectLst/>
-                <a:latin typeface="Tahoma" panose="020B0604030504040204" pitchFamily="34" charset="0"/>
-                <a:ea typeface="Tahoma" panose="020B0604030504040204" pitchFamily="34" charset="0"/>
-                <a:cs typeface="Tahoma" panose="020B0604030504040204" pitchFamily="34" charset="0"/>
-              </a:rPr>
-              <a:t> e lo storage dei dati. </a:t>
-            </a:r>
-            <a:r>
-              <a:rPr lang="it-IT" sz="2200" dirty="0">
-                <a:solidFill>
-                  <a:schemeClr val="tx1"/>
-                </a:solidFill>
-                <a:effectLst/>
-                <a:latin typeface="Tahoma" panose="020B0604030504040204" pitchFamily="34" charset="0"/>
-                <a:ea typeface="Tahoma" panose="020B0604030504040204" pitchFamily="34" charset="0"/>
-                <a:cs typeface="Tahoma" panose="020B0604030504040204" pitchFamily="34" charset="0"/>
-              </a:rPr>
-              <a:t>ELT </a:t>
-            </a:r>
-            <a:r>
-              <a:rPr lang="it-IT" sz="2200" b="0" dirty="0">
-                <a:solidFill>
-                  <a:schemeClr val="tx1"/>
-                </a:solidFill>
-                <a:effectLst/>
-                <a:latin typeface="Tahoma" panose="020B0604030504040204" pitchFamily="34" charset="0"/>
-                <a:ea typeface="Tahoma" panose="020B0604030504040204" pitchFamily="34" charset="0"/>
-                <a:cs typeface="Tahoma" panose="020B0604030504040204" pitchFamily="34" charset="0"/>
-              </a:rPr>
-              <a:t>è divenuto più popolare con l’adozione dei database su cloud</a:t>
-            </a:r>
-            <a:r>
-              <a:rPr lang="it-IT" sz="2200" b="0" dirty="0">
-                <a:solidFill>
-                  <a:schemeClr val="tx1"/>
-                </a:solidFill>
-                <a:latin typeface="Tahoma" panose="020B0604030504040204" pitchFamily="34" charset="0"/>
-                <a:ea typeface="Tahoma" panose="020B0604030504040204" pitchFamily="34" charset="0"/>
-                <a:cs typeface="Tahoma" panose="020B0604030504040204" pitchFamily="34" charset="0"/>
-              </a:rPr>
-              <a:t>, anche se non ci sono ancora molte best practices su </a:t>
-            </a:r>
-            <a:r>
-              <a:rPr lang="it-IT" sz="2200" dirty="0">
-                <a:solidFill>
-                  <a:schemeClr val="tx1"/>
-                </a:solidFill>
-                <a:latin typeface="Tahoma" panose="020B0604030504040204" pitchFamily="34" charset="0"/>
-                <a:ea typeface="Tahoma" panose="020B0604030504040204" pitchFamily="34" charset="0"/>
-                <a:cs typeface="Tahoma" panose="020B0604030504040204" pitchFamily="34" charset="0"/>
-              </a:rPr>
-              <a:t>ELT</a:t>
-            </a:r>
-            <a:r>
-              <a:rPr lang="it-IT" sz="2200" b="0" dirty="0">
-                <a:solidFill>
-                  <a:schemeClr val="tx1"/>
-                </a:solidFill>
-                <a:latin typeface="Tahoma" panose="020B0604030504040204" pitchFamily="34" charset="0"/>
-                <a:ea typeface="Tahoma" panose="020B0604030504040204" pitchFamily="34" charset="0"/>
-                <a:cs typeface="Tahoma" panose="020B0604030504040204" pitchFamily="34" charset="0"/>
-              </a:rPr>
-              <a:t>. </a:t>
-            </a:r>
-            <a:endParaRPr lang="en-US" sz="2400" b="0" i="0" dirty="0">
+              <a:rPr lang="it-IT" sz="2400" b="1">
+                <a:solidFill>
+                  <a:schemeClr val="tx1"/>
+                </a:solidFill>
+                <a:latin typeface="Tahoma" panose="020B0604030504040204" pitchFamily="34" charset="0"/>
+                <a:ea typeface="Tahoma" panose="020B0604030504040204" pitchFamily="34" charset="0"/>
+                <a:cs typeface="Tahoma" panose="020B0604030504040204" pitchFamily="34" charset="0"/>
+              </a:rPr>
+              <a:t>Snowflake Schema: </a:t>
+            </a:r>
+            <a:r>
+              <a:rPr lang="it-IT" sz="2400">
+                <a:solidFill>
+                  <a:schemeClr val="tx1"/>
+                </a:solidFill>
+                <a:latin typeface="Tahoma" panose="020B0604030504040204" pitchFamily="34" charset="0"/>
+                <a:ea typeface="Tahoma" panose="020B0604030504040204" pitchFamily="34" charset="0"/>
+                <a:cs typeface="Tahoma" panose="020B0604030504040204" pitchFamily="34" charset="0"/>
+              </a:rPr>
+              <a:t>Anche se non è ancora ampiamente usato, lo snowflake schema è un’altra organizzazione della struttura in un data warehouse. In questo caso la fact table è connessa a un numero normalizzato di dimension table. Questo schema è costituito da una «fact table» che può essere unita ad un certo numero di «dimension table» denormalizzate. Esso è considerato il più comune tipo di schema, e i suoi utenti beneficiano delle sue rapide velocità durante il processo di query. </a:t>
+            </a:r>
+            <a:endParaRPr lang="en-US" sz="2400" b="1" i="0" dirty="0">
               <a:solidFill>
                 <a:srgbClr val="525252"/>
               </a:solidFill>
               <a:effectLst/>
-              <a:latin typeface="IBM Plex Sans" panose="020B0503050203000203" pitchFamily="34" charset="0"/>
+              <a:latin typeface="IBM Plex Sans" panose="020B0604020202020204" pitchFamily="34" charset="0"/>
             </a:endParaRPr>
           </a:p>
         </p:txBody>
@@ -10468,17 +10888,47 @@
           <a:lstStyle/>
           <a:p>
             <a:r>
-              <a:rPr lang="it-IT" altLang="it-IT" dirty="0"/>
-              <a:t>ETL versus ELT</a:t>
+              <a:rPr lang="it-IT" altLang="it-IT"/>
+              <a:t>Data Warehouse –Schema</a:t>
             </a:r>
             <a:endParaRPr lang="it-IT" dirty="0"/>
           </a:p>
         </p:txBody>
       </p:sp>
+      <p:pic>
+        <p:nvPicPr>
+          <p:cNvPr id="4" name="Immagine 3">
+            <a:extLst>
+              <a:ext uri="{FF2B5EF4-FFF2-40B4-BE49-F238E27FC236}">
+                <a16:creationId xmlns:a16="http://schemas.microsoft.com/office/drawing/2014/main" id="{89C4403A-431E-C318-2642-210CD7815FF3}"/>
+              </a:ext>
+            </a:extLst>
+          </p:cNvPr>
+          <p:cNvPicPr>
+            <a:picLocks noChangeAspect="1"/>
+          </p:cNvPicPr>
+          <p:nvPr/>
+        </p:nvPicPr>
+        <p:blipFill>
+          <a:blip r:embed="rId2"/>
+          <a:stretch>
+            <a:fillRect/>
+          </a:stretch>
+        </p:blipFill>
+        <p:spPr>
+          <a:xfrm>
+            <a:off x="6791675" y="1859249"/>
+            <a:ext cx="4782912" cy="3101725"/>
+          </a:xfrm>
+          <a:prstGeom prst="rect">
+            <a:avLst/>
+          </a:prstGeom>
+        </p:spPr>
+      </p:pic>
     </p:spTree>
     <p:extLst>
       <p:ext uri="{BB962C8B-B14F-4D97-AF65-F5344CB8AC3E}">
-        <p14:creationId xmlns:p14="http://schemas.microsoft.com/office/powerpoint/2010/main" val="4184373011"/>
+        <p14:creationId xmlns:p14="http://schemas.microsoft.com/office/powerpoint/2010/main" val="3300273277"/>
       </p:ext>
     </p:extLst>
   </p:cSld>
@@ -11096,56 +11546,6 @@
 </file>
 
 <file path=customXml/item1.xml><?xml version="1.0" encoding="utf-8"?>
-<?mso-contentType ?>
-<spe:Receivers xmlns:spe="http://schemas.microsoft.com/sharepoint/events">
-  <Receiver>
-    <Name>Document ID Generator</Name>
-    <Synchronization>Synchronous</Synchronization>
-    <Type>10001</Type>
-    <SequenceNumber>1000</SequenceNumber>
-    <Url/>
-    <Assembly>Microsoft.Office.DocumentManagement, Version=15.0.0.0, Culture=neutral, PublicKeyToken=71e9bce111e9429c</Assembly>
-    <Class>Microsoft.Office.DocumentManagement.Internal.DocIdHandler</Class>
-    <Data/>
-    <Filter/>
-  </Receiver>
-  <Receiver>
-    <Name>Document ID Generator</Name>
-    <Synchronization>Synchronous</Synchronization>
-    <Type>10002</Type>
-    <SequenceNumber>1001</SequenceNumber>
-    <Url/>
-    <Assembly>Microsoft.Office.DocumentManagement, Version=15.0.0.0, Culture=neutral, PublicKeyToken=71e9bce111e9429c</Assembly>
-    <Class>Microsoft.Office.DocumentManagement.Internal.DocIdHandler</Class>
-    <Data/>
-    <Filter/>
-  </Receiver>
-  <Receiver>
-    <Name>Document ID Generator</Name>
-    <Synchronization>Synchronous</Synchronization>
-    <Type>10004</Type>
-    <SequenceNumber>1002</SequenceNumber>
-    <Url/>
-    <Assembly>Microsoft.Office.DocumentManagement, Version=15.0.0.0, Culture=neutral, PublicKeyToken=71e9bce111e9429c</Assembly>
-    <Class>Microsoft.Office.DocumentManagement.Internal.DocIdHandler</Class>
-    <Data/>
-    <Filter/>
-  </Receiver>
-  <Receiver>
-    <Name>Document ID Generator</Name>
-    <Synchronization>Synchronous</Synchronization>
-    <Type>10006</Type>
-    <SequenceNumber>1003</SequenceNumber>
-    <Url/>
-    <Assembly>Microsoft.Office.DocumentManagement, Version=15.0.0.0, Culture=neutral, PublicKeyToken=71e9bce111e9429c</Assembly>
-    <Class>Microsoft.Office.DocumentManagement.Internal.DocIdHandler</Class>
-    <Data/>
-    <Filter/>
-  </Receiver>
-</spe:Receivers>
-</file>
-
-<file path=customXml/item2.xml><?xml version="1.0" encoding="utf-8"?>
 <ct:contentTypeSchema xmlns:ct="http://schemas.microsoft.com/office/2006/metadata/contentType" xmlns:ma="http://schemas.microsoft.com/office/2006/metadata/properties/metaAttributes" ct:_="" ma:_="" ma:contentTypeName="Documento" ma:contentTypeID="0x010100661A2BE3120D674DA36C11D6006822D4" ma:contentTypeVersion="3" ma:contentTypeDescription="Creare un nuovo documento." ma:contentTypeScope="" ma:versionID="2ad8b07f9840a1ce9cd199d874146b74">
   <xsd:schema xmlns:xsd="http://www.w3.org/2001/XMLSchema" xmlns:xs="http://www.w3.org/2001/XMLSchema" xmlns:p="http://schemas.microsoft.com/office/2006/metadata/properties" xmlns:ns2="c58f2efd-82a8-4ecf-b395-8c25e928921d" xmlns:ns3="459159c4-d20a-4ff3-9b11-fbd127bd52e5" xmlns:ns4="679261c3-551f-4e86-913f-177e0e529669" targetNamespace="http://schemas.microsoft.com/office/2006/metadata/properties" ma:root="true" ma:fieldsID="fffb0e16fb90ffea59fef1085e90ecca" ns2:_="" ns3:_="" ns4:_="">
     <xsd:import namespace="c58f2efd-82a8-4ecf-b395-8c25e928921d"/>
@@ -11332,7 +11732,66 @@
 </ct:contentTypeSchema>
 </file>
 
+<file path=customXml/item2.xml><?xml version="1.0" encoding="utf-8"?>
+<?mso-contentType ?>
+<spe:Receivers xmlns:spe="http://schemas.microsoft.com/sharepoint/events">
+  <Receiver>
+    <Name>Document ID Generator</Name>
+    <Synchronization>Synchronous</Synchronization>
+    <Type>10001</Type>
+    <SequenceNumber>1000</SequenceNumber>
+    <Url/>
+    <Assembly>Microsoft.Office.DocumentManagement, Version=15.0.0.0, Culture=neutral, PublicKeyToken=71e9bce111e9429c</Assembly>
+    <Class>Microsoft.Office.DocumentManagement.Internal.DocIdHandler</Class>
+    <Data/>
+    <Filter/>
+  </Receiver>
+  <Receiver>
+    <Name>Document ID Generator</Name>
+    <Synchronization>Synchronous</Synchronization>
+    <Type>10002</Type>
+    <SequenceNumber>1001</SequenceNumber>
+    <Url/>
+    <Assembly>Microsoft.Office.DocumentManagement, Version=15.0.0.0, Culture=neutral, PublicKeyToken=71e9bce111e9429c</Assembly>
+    <Class>Microsoft.Office.DocumentManagement.Internal.DocIdHandler</Class>
+    <Data/>
+    <Filter/>
+  </Receiver>
+  <Receiver>
+    <Name>Document ID Generator</Name>
+    <Synchronization>Synchronous</Synchronization>
+    <Type>10004</Type>
+    <SequenceNumber>1002</SequenceNumber>
+    <Url/>
+    <Assembly>Microsoft.Office.DocumentManagement, Version=15.0.0.0, Culture=neutral, PublicKeyToken=71e9bce111e9429c</Assembly>
+    <Class>Microsoft.Office.DocumentManagement.Internal.DocIdHandler</Class>
+    <Data/>
+    <Filter/>
+  </Receiver>
+  <Receiver>
+    <Name>Document ID Generator</Name>
+    <Synchronization>Synchronous</Synchronization>
+    <Type>10006</Type>
+    <SequenceNumber>1003</SequenceNumber>
+    <Url/>
+    <Assembly>Microsoft.Office.DocumentManagement, Version=15.0.0.0, Culture=neutral, PublicKeyToken=71e9bce111e9429c</Assembly>
+    <Class>Microsoft.Office.DocumentManagement.Internal.DocIdHandler</Class>
+    <Data/>
+    <Filter/>
+  </Receiver>
+</spe:Receivers>
+</file>
+
 <file path=customXml/item3.xml><?xml version="1.0" encoding="utf-8"?>
+<?mso-contentType ?>
+<FormTemplates xmlns="http://schemas.microsoft.com/sharepoint/v3/contenttype/forms">
+  <Display>DocumentLibraryForm</Display>
+  <Edit>DocumentLibraryForm</Edit>
+  <New>DocumentLibraryForm</New>
+</FormTemplates>
+</file>
+
+<file path=customXml/item4.xml><?xml version="1.0" encoding="utf-8"?>
 <p:properties xmlns:p="http://schemas.microsoft.com/office/2006/metadata/properties" xmlns:xsi="http://www.w3.org/2001/XMLSchema-instance" xmlns:pc="http://schemas.microsoft.com/office/infopath/2007/PartnerControls">
   <documentManagement>
     <SottoCategoria xmlns="679261c3-551f-4e86-913f-177e0e529669">-</SottoCategoria>
@@ -11346,24 +11805,7 @@
 </p:properties>
 </file>
 
-<file path=customXml/item4.xml><?xml version="1.0" encoding="utf-8"?>
-<?mso-contentType ?>
-<FormTemplates xmlns="http://schemas.microsoft.com/sharepoint/v3/contenttype/forms">
-  <Display>DocumentLibraryForm</Display>
-  <Edit>DocumentLibraryForm</Edit>
-  <New>DocumentLibraryForm</New>
-</FormTemplates>
-</file>
-
 <file path=customXml/itemProps1.xml><?xml version="1.0" encoding="utf-8"?>
-<ds:datastoreItem xmlns:ds="http://schemas.openxmlformats.org/officeDocument/2006/customXml" ds:itemID="{D9296C4F-9DE9-4B43-AA80-1FC85656CFFA}">
-  <ds:schemaRefs>
-    <ds:schemaRef ds:uri="http://schemas.microsoft.com/sharepoint/events"/>
-  </ds:schemaRefs>
-</ds:datastoreItem>
-</file>
-
-<file path=customXml/itemProps2.xml><?xml version="1.0" encoding="utf-8"?>
 <ds:datastoreItem xmlns:ds="http://schemas.openxmlformats.org/officeDocument/2006/customXml" ds:itemID="{3F66F418-6054-4EA5-BF8E-6AF3CEAE6265}">
   <ds:schemaRefs>
     <ds:schemaRef ds:uri="http://schemas.microsoft.com/office/2006/metadata/contentType"/>
@@ -11383,7 +11825,23 @@
 </ds:datastoreItem>
 </file>
 
+<file path=customXml/itemProps2.xml><?xml version="1.0" encoding="utf-8"?>
+<ds:datastoreItem xmlns:ds="http://schemas.openxmlformats.org/officeDocument/2006/customXml" ds:itemID="{D9296C4F-9DE9-4B43-AA80-1FC85656CFFA}">
+  <ds:schemaRefs>
+    <ds:schemaRef ds:uri="http://schemas.microsoft.com/sharepoint/events"/>
+  </ds:schemaRefs>
+</ds:datastoreItem>
+</file>
+
 <file path=customXml/itemProps3.xml><?xml version="1.0" encoding="utf-8"?>
+<ds:datastoreItem xmlns:ds="http://schemas.openxmlformats.org/officeDocument/2006/customXml" ds:itemID="{BD9C238D-4D5C-4783-820B-4854DCE45D41}">
+  <ds:schemaRefs>
+    <ds:schemaRef ds:uri="http://schemas.microsoft.com/sharepoint/v3/contenttype/forms"/>
+  </ds:schemaRefs>
+</ds:datastoreItem>
+</file>
+
+<file path=customXml/itemProps4.xml><?xml version="1.0" encoding="utf-8"?>
 <ds:datastoreItem xmlns:ds="http://schemas.openxmlformats.org/officeDocument/2006/customXml" ds:itemID="{3EF378BC-F4D0-4510-B4EC-07B6EFE18CF8}">
   <ds:schemaRefs>
     <ds:schemaRef ds:uri="http://schemas.openxmlformats.org/package/2006/metadata/core-properties"/>
@@ -11399,12 +11857,4 @@
     <ds:schemaRef ds:uri="http://purl.org/dc/dcmitype/"/>
   </ds:schemaRefs>
 </ds:datastoreItem>
-</file>
-
-<file path=customXml/itemProps4.xml><?xml version="1.0" encoding="utf-8"?>
-<ds:datastoreItem xmlns:ds="http://schemas.openxmlformats.org/officeDocument/2006/customXml" ds:itemID="{BD9C238D-4D5C-4783-820B-4854DCE45D41}">
-  <ds:schemaRefs>
-    <ds:schemaRef ds:uri="http://schemas.microsoft.com/sharepoint/v3/contenttype/forms"/>
-  </ds:schemaRefs>
-</ds:datastoreItem>
 </file>
--- a/Data_Science_ita.pptx
+++ b/Data_Science_ita.pptx
@@ -5,7 +5,7 @@
     <p:sldMasterId id="2147483648" r:id="rId5"/>
   </p:sldMasterIdLst>
   <p:notesMasterIdLst>
-    <p:notesMasterId r:id="rId19"/>
+    <p:notesMasterId r:id="rId30"/>
   </p:notesMasterIdLst>
   <p:sldIdLst>
     <p:sldId id="256" r:id="rId6"/>
@@ -17,10 +17,21 @@
     <p:sldId id="345" r:id="rId12"/>
     <p:sldId id="346" r:id="rId13"/>
     <p:sldId id="347" r:id="rId14"/>
-    <p:sldId id="336" r:id="rId15"/>
-    <p:sldId id="338" r:id="rId16"/>
-    <p:sldId id="337" r:id="rId17"/>
-    <p:sldId id="343" r:id="rId18"/>
+    <p:sldId id="348" r:id="rId15"/>
+    <p:sldId id="349" r:id="rId16"/>
+    <p:sldId id="351" r:id="rId17"/>
+    <p:sldId id="352" r:id="rId18"/>
+    <p:sldId id="353" r:id="rId19"/>
+    <p:sldId id="355" r:id="rId20"/>
+    <p:sldId id="356" r:id="rId21"/>
+    <p:sldId id="354" r:id="rId22"/>
+    <p:sldId id="336" r:id="rId23"/>
+    <p:sldId id="359" r:id="rId24"/>
+    <p:sldId id="338" r:id="rId25"/>
+    <p:sldId id="337" r:id="rId26"/>
+    <p:sldId id="357" r:id="rId27"/>
+    <p:sldId id="358" r:id="rId28"/>
+    <p:sldId id="343" r:id="rId29"/>
   </p:sldIdLst>
   <p:sldSz cx="12192000" cy="6858000"/>
   <p:notesSz cx="6858000" cy="9144000"/>
@@ -278,7 +289,7 @@
               <a:pPr>
                 <a:defRPr/>
               </a:pPr>
-              <a:t>6/29/2022</a:t>
+              <a:t>7/2/2022</a:t>
             </a:fld>
             <a:endParaRPr lang="en-US"/>
           </a:p>
@@ -6826,8 +6837,8 @@
         </p:nvSpPr>
         <p:spPr>
           <a:xfrm>
-            <a:off x="326297" y="1213805"/>
-            <a:ext cx="7706355" cy="4833033"/>
+            <a:off x="326297" y="1213806"/>
+            <a:ext cx="11411905" cy="4392612"/>
           </a:xfrm>
         </p:spPr>
         <p:txBody>
@@ -6839,92 +6850,70 @@
               <a:buChar char="ü"/>
             </a:pPr>
             <a:r>
-              <a:rPr lang="it-IT" sz="2400" b="1" dirty="0">
-                <a:solidFill>
-                  <a:schemeClr val="tx1"/>
-                </a:solidFill>
-                <a:latin typeface="Tahoma" panose="020B0604030504040204" pitchFamily="34" charset="0"/>
-                <a:ea typeface="Tahoma" panose="020B0604030504040204" pitchFamily="34" charset="0"/>
-                <a:cs typeface="Tahoma" panose="020B0604030504040204" pitchFamily="34" charset="0"/>
-              </a:rPr>
-              <a:t>ETL </a:t>
-            </a:r>
-            <a:r>
-              <a:rPr lang="it-IT" sz="2400" dirty="0">
-                <a:solidFill>
-                  <a:schemeClr val="tx1"/>
-                </a:solidFill>
-                <a:latin typeface="Tahoma" panose="020B0604030504040204" pitchFamily="34" charset="0"/>
-                <a:ea typeface="Tahoma" panose="020B0604030504040204" pitchFamily="34" charset="0"/>
-                <a:cs typeface="Tahoma" panose="020B0604030504040204" pitchFamily="34" charset="0"/>
-              </a:rPr>
-              <a:t>fornisce le fondamenta per la data </a:t>
-            </a:r>
-            <a:r>
-              <a:rPr lang="it-IT" sz="2400" dirty="0" err="1">
-                <a:solidFill>
-                  <a:schemeClr val="tx1"/>
-                </a:solidFill>
-                <a:latin typeface="Tahoma" panose="020B0604030504040204" pitchFamily="34" charset="0"/>
-                <a:ea typeface="Tahoma" panose="020B0604030504040204" pitchFamily="34" charset="0"/>
-                <a:cs typeface="Tahoma" panose="020B0604030504040204" pitchFamily="34" charset="0"/>
-              </a:rPr>
-              <a:t>analytics</a:t>
-            </a:r>
-            <a:r>
-              <a:rPr lang="it-IT" sz="2400" dirty="0">
-                <a:solidFill>
-                  <a:schemeClr val="tx1"/>
-                </a:solidFill>
-                <a:latin typeface="Tahoma" panose="020B0604030504040204" pitchFamily="34" charset="0"/>
-                <a:ea typeface="Tahoma" panose="020B0604030504040204" pitchFamily="34" charset="0"/>
-                <a:cs typeface="Tahoma" panose="020B0604030504040204" pitchFamily="34" charset="0"/>
-              </a:rPr>
-              <a:t> e i </a:t>
-            </a:r>
-            <a:r>
-              <a:rPr lang="it-IT" sz="2400" dirty="0" err="1">
-                <a:solidFill>
-                  <a:schemeClr val="tx1"/>
-                </a:solidFill>
-                <a:latin typeface="Tahoma" panose="020B0604030504040204" pitchFamily="34" charset="0"/>
-                <a:ea typeface="Tahoma" panose="020B0604030504040204" pitchFamily="34" charset="0"/>
-                <a:cs typeface="Tahoma" panose="020B0604030504040204" pitchFamily="34" charset="0"/>
-              </a:rPr>
-              <a:t>workstream</a:t>
-            </a:r>
-            <a:r>
-              <a:rPr lang="it-IT" sz="2400" dirty="0">
-                <a:solidFill>
-                  <a:schemeClr val="tx1"/>
-                </a:solidFill>
-                <a:latin typeface="Tahoma" panose="020B0604030504040204" pitchFamily="34" charset="0"/>
-                <a:ea typeface="Tahoma" panose="020B0604030504040204" pitchFamily="34" charset="0"/>
-                <a:cs typeface="Tahoma" panose="020B0604030504040204" pitchFamily="34" charset="0"/>
-              </a:rPr>
-              <a:t> di machine learning. Attraverso una serie di regole, l’ETL purifica e organizza i dati in un modo che incontra specifici bisogni di business intelligence, come report mensili ma </a:t>
-            </a:r>
-            <a:r>
-              <a:rPr lang="it-IT" sz="2400" dirty="0" err="1">
-                <a:solidFill>
-                  <a:schemeClr val="tx1"/>
-                </a:solidFill>
-                <a:latin typeface="Tahoma" panose="020B0604030504040204" pitchFamily="34" charset="0"/>
-                <a:ea typeface="Tahoma" panose="020B0604030504040204" pitchFamily="34" charset="0"/>
-                <a:cs typeface="Tahoma" panose="020B0604030504040204" pitchFamily="34" charset="0"/>
-              </a:rPr>
-              <a:t>piuò</a:t>
-            </a:r>
-            <a:r>
-              <a:rPr lang="it-IT" sz="2400" dirty="0">
-                <a:solidFill>
-                  <a:schemeClr val="tx1"/>
-                </a:solidFill>
-                <a:latin typeface="Tahoma" panose="020B0604030504040204" pitchFamily="34" charset="0"/>
-                <a:ea typeface="Tahoma" panose="020B0604030504040204" pitchFamily="34" charset="0"/>
-                <a:cs typeface="Tahoma" panose="020B0604030504040204" pitchFamily="34" charset="0"/>
-              </a:rPr>
-              <a:t> anche migliorare i processi di back-end o l’esperienza dell’utente finale. </a:t>
+              <a:rPr lang="it-IT" sz="2400" b="1">
+                <a:solidFill>
+                  <a:schemeClr val="tx1"/>
+                </a:solidFill>
+                <a:latin typeface="Tahoma" panose="020B0604030504040204" pitchFamily="34" charset="0"/>
+                <a:ea typeface="Tahoma" panose="020B0604030504040204" pitchFamily="34" charset="0"/>
+                <a:cs typeface="Tahoma" panose="020B0604030504040204" pitchFamily="34" charset="0"/>
+              </a:rPr>
+              <a:t>Data Warehouse vs Data Lake: </a:t>
+            </a:r>
+            <a:r>
+              <a:rPr lang="it-IT" sz="2400">
+                <a:solidFill>
+                  <a:schemeClr val="tx1"/>
+                </a:solidFill>
+                <a:latin typeface="Tahoma" panose="020B0604030504040204" pitchFamily="34" charset="0"/>
+                <a:ea typeface="Tahoma" panose="020B0604030504040204" pitchFamily="34" charset="0"/>
+                <a:cs typeface="Tahoma" panose="020B0604030504040204" pitchFamily="34" charset="0"/>
+              </a:rPr>
+              <a:t>Un </a:t>
+            </a:r>
+            <a:r>
+              <a:rPr lang="it-IT" sz="2400" b="1">
+                <a:solidFill>
+                  <a:schemeClr val="tx1"/>
+                </a:solidFill>
+                <a:latin typeface="Tahoma" panose="020B0604030504040204" pitchFamily="34" charset="0"/>
+                <a:ea typeface="Tahoma" panose="020B0604030504040204" pitchFamily="34" charset="0"/>
+                <a:cs typeface="Tahoma" panose="020B0604030504040204" pitchFamily="34" charset="0"/>
+              </a:rPr>
+              <a:t>Data Warehouse</a:t>
+            </a:r>
+            <a:r>
+              <a:rPr lang="it-IT" sz="2400">
+                <a:solidFill>
+                  <a:schemeClr val="tx1"/>
+                </a:solidFill>
+                <a:latin typeface="Tahoma" panose="020B0604030504040204" pitchFamily="34" charset="0"/>
+                <a:ea typeface="Tahoma" panose="020B0604030504040204" pitchFamily="34" charset="0"/>
+                <a:cs typeface="Tahoma" panose="020B0604030504040204" pitchFamily="34" charset="0"/>
+              </a:rPr>
+              <a:t> colleziona e riunisce dati grezzi da sorgenti multiple di dati verso un repository centrale, strutturato usando uno schema predefinito di dati espressamente progettato per l'analisi dei dati. Mentre un </a:t>
+            </a:r>
+            <a:r>
+              <a:rPr lang="it-IT" sz="2400" b="1">
+                <a:solidFill>
+                  <a:schemeClr val="tx1"/>
+                </a:solidFill>
+                <a:latin typeface="Tahoma" panose="020B0604030504040204" pitchFamily="34" charset="0"/>
+                <a:ea typeface="Tahoma" panose="020B0604030504040204" pitchFamily="34" charset="0"/>
+                <a:cs typeface="Tahoma" panose="020B0604030504040204" pitchFamily="34" charset="0"/>
+              </a:rPr>
+              <a:t>Data Lake</a:t>
+            </a:r>
+            <a:r>
+              <a:rPr lang="it-IT" sz="2400">
+                <a:solidFill>
+                  <a:schemeClr val="tx1"/>
+                </a:solidFill>
+                <a:latin typeface="Tahoma" panose="020B0604030504040204" pitchFamily="34" charset="0"/>
+                <a:ea typeface="Tahoma" panose="020B0604030504040204" pitchFamily="34" charset="0"/>
+                <a:cs typeface="Tahoma" panose="020B0604030504040204" pitchFamily="34" charset="0"/>
+              </a:rPr>
+              <a:t> è un data warehouse senza uno schema predefinito. Come risultato, il data lake permette più tipi di analisi che un data warehouse semplice. I data lake sono comunemente costruiti su piattaforme di Big Data come Apache Hadoop. </a:t>
             </a:r>
           </a:p>
           <a:p>
@@ -6933,131 +6922,67 @@
               <a:buChar char="ü"/>
             </a:pPr>
             <a:r>
-              <a:rPr lang="it-IT" sz="2400" dirty="0">
-                <a:solidFill>
-                  <a:schemeClr val="tx1"/>
-                </a:solidFill>
-                <a:latin typeface="Tahoma" panose="020B0604030504040204" pitchFamily="34" charset="0"/>
-                <a:ea typeface="Tahoma" panose="020B0604030504040204" pitchFamily="34" charset="0"/>
-                <a:cs typeface="Tahoma" panose="020B0604030504040204" pitchFamily="34" charset="0"/>
-              </a:rPr>
-              <a:t>In genere </a:t>
-            </a:r>
-            <a:r>
-              <a:rPr lang="it-IT" sz="2400" b="1" dirty="0">
-                <a:solidFill>
-                  <a:schemeClr val="tx1"/>
-                </a:solidFill>
-                <a:latin typeface="Tahoma" panose="020B0604030504040204" pitchFamily="34" charset="0"/>
-                <a:ea typeface="Tahoma" panose="020B0604030504040204" pitchFamily="34" charset="0"/>
-                <a:cs typeface="Tahoma" panose="020B0604030504040204" pitchFamily="34" charset="0"/>
-              </a:rPr>
-              <a:t>l’ETL</a:t>
-            </a:r>
-            <a:r>
-              <a:rPr lang="it-IT" sz="2400" dirty="0">
-                <a:solidFill>
-                  <a:schemeClr val="tx1"/>
-                </a:solidFill>
-                <a:latin typeface="Tahoma" panose="020B0604030504040204" pitchFamily="34" charset="0"/>
-                <a:ea typeface="Tahoma" panose="020B0604030504040204" pitchFamily="34" charset="0"/>
-                <a:cs typeface="Tahoma" panose="020B0604030504040204" pitchFamily="34" charset="0"/>
-              </a:rPr>
-              <a:t> è utilizzato dalle organizzazioni per: </a:t>
-            </a:r>
-          </a:p>
-          <a:p>
-            <a:pPr marL="971550" lvl="1" indent="-514350">
-              <a:buAutoNum type="arabicParenR"/>
-            </a:pPr>
-            <a:r>
-              <a:rPr lang="it-IT" sz="2600" b="0" dirty="0">
-                <a:solidFill>
-                  <a:schemeClr val="tx1"/>
-                </a:solidFill>
-                <a:latin typeface="Tahoma" panose="020B0604030504040204" pitchFamily="34" charset="0"/>
-                <a:ea typeface="Tahoma" panose="020B0604030504040204" pitchFamily="34" charset="0"/>
-                <a:cs typeface="Tahoma" panose="020B0604030504040204" pitchFamily="34" charset="0"/>
-              </a:rPr>
-              <a:t>Estrarre dati da sistemi legacy</a:t>
-            </a:r>
-          </a:p>
-          <a:p>
-            <a:pPr marL="971550" lvl="1" indent="-514350">
-              <a:buAutoNum type="arabicParenR"/>
-            </a:pPr>
-            <a:r>
-              <a:rPr lang="it-IT" sz="2600" b="0" dirty="0">
-                <a:solidFill>
-                  <a:schemeClr val="tx1"/>
-                </a:solidFill>
-                <a:latin typeface="Tahoma" panose="020B0604030504040204" pitchFamily="34" charset="0"/>
-                <a:ea typeface="Tahoma" panose="020B0604030504040204" pitchFamily="34" charset="0"/>
-                <a:cs typeface="Tahoma" panose="020B0604030504040204" pitchFamily="34" charset="0"/>
-              </a:rPr>
-              <a:t>Ripulire i dati per </a:t>
-            </a:r>
-            <a:r>
-              <a:rPr lang="it-IT" sz="2600" b="0" dirty="0" err="1">
-                <a:solidFill>
-                  <a:schemeClr val="tx1"/>
-                </a:solidFill>
-                <a:latin typeface="Tahoma" panose="020B0604030504040204" pitchFamily="34" charset="0"/>
-                <a:ea typeface="Tahoma" panose="020B0604030504040204" pitchFamily="34" charset="0"/>
-                <a:cs typeface="Tahoma" panose="020B0604030504040204" pitchFamily="34" charset="0"/>
-              </a:rPr>
-              <a:t>miglirarne</a:t>
-            </a:r>
-            <a:r>
-              <a:rPr lang="it-IT" sz="2600" b="0" dirty="0">
-                <a:solidFill>
-                  <a:schemeClr val="tx1"/>
-                </a:solidFill>
-                <a:latin typeface="Tahoma" panose="020B0604030504040204" pitchFamily="34" charset="0"/>
-                <a:ea typeface="Tahoma" panose="020B0604030504040204" pitchFamily="34" charset="0"/>
-                <a:cs typeface="Tahoma" panose="020B0604030504040204" pitchFamily="34" charset="0"/>
-              </a:rPr>
-              <a:t> la qualità e </a:t>
-            </a:r>
-          </a:p>
-          <a:p>
-            <a:pPr lvl="1"/>
-            <a:r>
-              <a:rPr lang="it-IT" sz="2600" b="0" dirty="0">
-                <a:solidFill>
-                  <a:schemeClr val="tx1"/>
-                </a:solidFill>
-                <a:latin typeface="Tahoma" panose="020B0604030504040204" pitchFamily="34" charset="0"/>
-                <a:ea typeface="Tahoma" panose="020B0604030504040204" pitchFamily="34" charset="0"/>
-                <a:cs typeface="Tahoma" panose="020B0604030504040204" pitchFamily="34" charset="0"/>
-              </a:rPr>
-              <a:t>	renderli consistenti</a:t>
-            </a:r>
-          </a:p>
-          <a:p>
-            <a:pPr lvl="1"/>
-            <a:r>
-              <a:rPr lang="it-IT" sz="2600" b="0" dirty="0">
-                <a:solidFill>
-                  <a:srgbClr val="FF0000"/>
-                </a:solidFill>
-                <a:latin typeface="Tahoma" panose="020B0604030504040204" pitchFamily="34" charset="0"/>
-                <a:ea typeface="Tahoma" panose="020B0604030504040204" pitchFamily="34" charset="0"/>
-                <a:cs typeface="Tahoma" panose="020B0604030504040204" pitchFamily="34" charset="0"/>
-              </a:rPr>
-              <a:t>3) </a:t>
-            </a:r>
-            <a:r>
-              <a:rPr lang="it-IT" sz="2600" b="0" dirty="0">
-                <a:solidFill>
-                  <a:schemeClr val="tx1"/>
-                </a:solidFill>
-                <a:latin typeface="Tahoma" panose="020B0604030504040204" pitchFamily="34" charset="0"/>
-                <a:ea typeface="Tahoma" panose="020B0604030504040204" pitchFamily="34" charset="0"/>
-                <a:cs typeface="Tahoma" panose="020B0604030504040204" pitchFamily="34" charset="0"/>
-              </a:rPr>
-              <a:t>Caricare i dati all’interno di un database target</a:t>
-            </a:r>
+              <a:rPr lang="it-IT" sz="2400">
+                <a:solidFill>
+                  <a:schemeClr val="tx1"/>
+                </a:solidFill>
+                <a:latin typeface="Tahoma" panose="020B0604030504040204" pitchFamily="34" charset="0"/>
+                <a:ea typeface="Tahoma" panose="020B0604030504040204" pitchFamily="34" charset="0"/>
+                <a:cs typeface="Tahoma" panose="020B0604030504040204" pitchFamily="34" charset="0"/>
+              </a:rPr>
+              <a:t> </a:t>
+            </a:r>
+            <a:r>
+              <a:rPr lang="it-IT" sz="2400" b="1">
+                <a:solidFill>
+                  <a:schemeClr val="tx1"/>
+                </a:solidFill>
+                <a:latin typeface="Tahoma" panose="020B0604030504040204" pitchFamily="34" charset="0"/>
+                <a:ea typeface="Tahoma" panose="020B0604030504040204" pitchFamily="34" charset="0"/>
+                <a:cs typeface="Tahoma" panose="020B0604030504040204" pitchFamily="34" charset="0"/>
+              </a:rPr>
+              <a:t>Data Warehouse vs Data Mart: </a:t>
+            </a:r>
+            <a:r>
+              <a:rPr lang="it-IT" sz="2400">
+                <a:solidFill>
+                  <a:schemeClr val="tx1"/>
+                </a:solidFill>
+                <a:latin typeface="Tahoma" panose="020B0604030504040204" pitchFamily="34" charset="0"/>
+                <a:ea typeface="Tahoma" panose="020B0604030504040204" pitchFamily="34" charset="0"/>
+                <a:cs typeface="Tahoma" panose="020B0604030504040204" pitchFamily="34" charset="0"/>
+              </a:rPr>
+              <a:t>Un </a:t>
+            </a:r>
+            <a:r>
+              <a:rPr lang="it-IT" sz="2400" b="1">
+                <a:solidFill>
+                  <a:schemeClr val="tx1"/>
+                </a:solidFill>
+                <a:latin typeface="Tahoma" panose="020B0604030504040204" pitchFamily="34" charset="0"/>
+                <a:ea typeface="Tahoma" panose="020B0604030504040204" pitchFamily="34" charset="0"/>
+                <a:cs typeface="Tahoma" panose="020B0604030504040204" pitchFamily="34" charset="0"/>
+              </a:rPr>
+              <a:t>Data Mart </a:t>
+            </a:r>
+            <a:r>
+              <a:rPr lang="it-IT" sz="2400">
+                <a:solidFill>
+                  <a:schemeClr val="tx1"/>
+                </a:solidFill>
+                <a:latin typeface="Tahoma" panose="020B0604030504040204" pitchFamily="34" charset="0"/>
+                <a:ea typeface="Tahoma" panose="020B0604030504040204" pitchFamily="34" charset="0"/>
+                <a:cs typeface="Tahoma" panose="020B0604030504040204" pitchFamily="34" charset="0"/>
+              </a:rPr>
+              <a:t>è un sottoinsieme di un data warehouse che contiene dati specifici per una particolare linea di business o dipartimento. Dal momento che il data mart contiene un più piccolo sottoinsieme di dati, i data mart permettono ai dipartimenti o linee di business di scoprire informazioni di valore più focalizzati e più rapidamente di quanto sia possibile lavorando con un dataset più ampio presente in un data warehouse. </a:t>
+            </a:r>
+            <a:endParaRPr lang="en-US" sz="2400" b="1" i="0" dirty="0">
+              <a:solidFill>
+                <a:srgbClr val="525252"/>
+              </a:solidFill>
+              <a:effectLst/>
+              <a:latin typeface="IBM Plex Sans" panose="020B0604020202020204" pitchFamily="34" charset="0"/>
+            </a:endParaRPr>
           </a:p>
         </p:txBody>
       </p:sp>
@@ -7123,63 +7048,17 @@
           <a:lstStyle/>
           <a:p>
             <a:r>
-              <a:rPr lang="it-IT" altLang="it-IT" dirty="0"/>
-              <a:t>ETL – </a:t>
-            </a:r>
-            <a:r>
-              <a:rPr lang="it-IT" altLang="it-IT" dirty="0" err="1"/>
-              <a:t>Extract</a:t>
-            </a:r>
-            <a:r>
-              <a:rPr lang="it-IT" altLang="it-IT" dirty="0"/>
-              <a:t>, </a:t>
-            </a:r>
-            <a:r>
-              <a:rPr lang="it-IT" altLang="it-IT" dirty="0" err="1"/>
-              <a:t>Transform</a:t>
-            </a:r>
-            <a:r>
-              <a:rPr lang="it-IT" altLang="it-IT" dirty="0"/>
-              <a:t> and Load</a:t>
+              <a:rPr lang="it-IT" altLang="it-IT"/>
+              <a:t>Data Warehouse vs Database, Data Lake, Data Mart</a:t>
             </a:r>
             <a:endParaRPr lang="it-IT" dirty="0"/>
           </a:p>
         </p:txBody>
       </p:sp>
-      <p:pic>
-        <p:nvPicPr>
-          <p:cNvPr id="6" name="Immagine 5" descr="Immagine che contiene testo&#10;&#10;Descrizione generata automaticamente">
-            <a:extLst>
-              <a:ext uri="{FF2B5EF4-FFF2-40B4-BE49-F238E27FC236}">
-                <a16:creationId xmlns:a16="http://schemas.microsoft.com/office/drawing/2014/main" id="{39F9FEBF-2449-D3F8-4D77-33C401C96EC9}"/>
-              </a:ext>
-            </a:extLst>
-          </p:cNvPr>
-          <p:cNvPicPr>
-            <a:picLocks noChangeAspect="1"/>
-          </p:cNvPicPr>
-          <p:nvPr/>
-        </p:nvPicPr>
-        <p:blipFill>
-          <a:blip r:embed="rId2"/>
-          <a:stretch>
-            <a:fillRect/>
-          </a:stretch>
-        </p:blipFill>
-        <p:spPr>
-          <a:xfrm>
-            <a:off x="8091882" y="2857797"/>
-            <a:ext cx="3773821" cy="2600468"/>
-          </a:xfrm>
-          <a:prstGeom prst="rect">
-            <a:avLst/>
-          </a:prstGeom>
-        </p:spPr>
-      </p:pic>
     </p:spTree>
     <p:extLst>
       <p:ext uri="{BB962C8B-B14F-4D97-AF65-F5344CB8AC3E}">
-        <p14:creationId xmlns:p14="http://schemas.microsoft.com/office/powerpoint/2010/main" val="2736730313"/>
+        <p14:creationId xmlns:p14="http://schemas.microsoft.com/office/powerpoint/2010/main" val="3684176234"/>
       </p:ext>
     </p:extLst>
   </p:cSld>
@@ -7224,8 +7103,8 @@
         </p:nvSpPr>
         <p:spPr>
           <a:xfrm>
-            <a:off x="336650" y="1115332"/>
-            <a:ext cx="11518700" cy="4392612"/>
+            <a:off x="326297" y="1213806"/>
+            <a:ext cx="8496861" cy="4392612"/>
           </a:xfrm>
         </p:spPr>
         <p:txBody>
@@ -7237,103 +7116,26 @@
               <a:buChar char="ü"/>
             </a:pPr>
             <a:r>
-              <a:rPr lang="it-IT" sz="2400" dirty="0">
-                <a:solidFill>
-                  <a:schemeClr val="tx1"/>
-                </a:solidFill>
-                <a:latin typeface="Tahoma" panose="020B0604030504040204" pitchFamily="34" charset="0"/>
-                <a:ea typeface="Tahoma" panose="020B0604030504040204" pitchFamily="34" charset="0"/>
-                <a:cs typeface="Tahoma" panose="020B0604030504040204" pitchFamily="34" charset="0"/>
-              </a:rPr>
-              <a:t>La più semplice differenza tra </a:t>
-            </a:r>
-            <a:r>
-              <a:rPr lang="it-IT" sz="2400" b="1" dirty="0">
-                <a:solidFill>
-                  <a:schemeClr val="tx1"/>
-                </a:solidFill>
-                <a:latin typeface="Tahoma" panose="020B0604030504040204" pitchFamily="34" charset="0"/>
-                <a:ea typeface="Tahoma" panose="020B0604030504040204" pitchFamily="34" charset="0"/>
-                <a:cs typeface="Tahoma" panose="020B0604030504040204" pitchFamily="34" charset="0"/>
-              </a:rPr>
-              <a:t>ETL </a:t>
-            </a:r>
-            <a:r>
-              <a:rPr lang="it-IT" sz="2400" dirty="0">
-                <a:solidFill>
-                  <a:schemeClr val="tx1"/>
-                </a:solidFill>
-                <a:latin typeface="Tahoma" panose="020B0604030504040204" pitchFamily="34" charset="0"/>
-                <a:ea typeface="Tahoma" panose="020B0604030504040204" pitchFamily="34" charset="0"/>
-                <a:cs typeface="Tahoma" panose="020B0604030504040204" pitchFamily="34" charset="0"/>
-              </a:rPr>
-              <a:t>e </a:t>
-            </a:r>
-            <a:r>
-              <a:rPr lang="it-IT" sz="2400" b="1" dirty="0">
-                <a:solidFill>
-                  <a:schemeClr val="tx1"/>
-                </a:solidFill>
-                <a:latin typeface="Tahoma" panose="020B0604030504040204" pitchFamily="34" charset="0"/>
-                <a:ea typeface="Tahoma" panose="020B0604030504040204" pitchFamily="34" charset="0"/>
-                <a:cs typeface="Tahoma" panose="020B0604030504040204" pitchFamily="34" charset="0"/>
-              </a:rPr>
-              <a:t>ELT </a:t>
-            </a:r>
-            <a:r>
-              <a:rPr lang="it-IT" sz="2400" dirty="0">
-                <a:solidFill>
-                  <a:schemeClr val="tx1"/>
-                </a:solidFill>
-                <a:latin typeface="Tahoma" panose="020B0604030504040204" pitchFamily="34" charset="0"/>
-                <a:ea typeface="Tahoma" panose="020B0604030504040204" pitchFamily="34" charset="0"/>
-                <a:cs typeface="Tahoma" panose="020B0604030504040204" pitchFamily="34" charset="0"/>
-              </a:rPr>
-              <a:t>è in termini di operazioni. </a:t>
-            </a:r>
-            <a:r>
-              <a:rPr lang="it-IT" sz="2400" b="1" dirty="0">
-                <a:solidFill>
-                  <a:schemeClr val="tx1"/>
-                </a:solidFill>
-                <a:latin typeface="Tahoma" panose="020B0604030504040204" pitchFamily="34" charset="0"/>
-                <a:ea typeface="Tahoma" panose="020B0604030504040204" pitchFamily="34" charset="0"/>
-                <a:cs typeface="Tahoma" panose="020B0604030504040204" pitchFamily="34" charset="0"/>
-              </a:rPr>
-              <a:t>ELT </a:t>
-            </a:r>
-            <a:r>
-              <a:rPr lang="it-IT" sz="2400" dirty="0">
-                <a:solidFill>
-                  <a:schemeClr val="tx1"/>
-                </a:solidFill>
-                <a:latin typeface="Tahoma" panose="020B0604030504040204" pitchFamily="34" charset="0"/>
-                <a:ea typeface="Tahoma" panose="020B0604030504040204" pitchFamily="34" charset="0"/>
-                <a:cs typeface="Tahoma" panose="020B0604030504040204" pitchFamily="34" charset="0"/>
-              </a:rPr>
-              <a:t>copia ed esporta i dati dalle sorgenti, ma invece di caricarli in su un’area per la trasformazione successiva, </a:t>
-            </a:r>
-            <a:r>
-              <a:rPr lang="it-IT" sz="2400" b="1" dirty="0">
-                <a:solidFill>
-                  <a:schemeClr val="tx1"/>
-                </a:solidFill>
-                <a:latin typeface="Tahoma" panose="020B0604030504040204" pitchFamily="34" charset="0"/>
-                <a:ea typeface="Tahoma" panose="020B0604030504040204" pitchFamily="34" charset="0"/>
-                <a:cs typeface="Tahoma" panose="020B0604030504040204" pitchFamily="34" charset="0"/>
-              </a:rPr>
-              <a:t>l’ELT</a:t>
-            </a:r>
-            <a:r>
-              <a:rPr lang="it-IT" sz="2400" dirty="0">
-                <a:solidFill>
-                  <a:schemeClr val="tx1"/>
-                </a:solidFill>
-                <a:latin typeface="Tahoma" panose="020B0604030504040204" pitchFamily="34" charset="0"/>
-                <a:ea typeface="Tahoma" panose="020B0604030504040204" pitchFamily="34" charset="0"/>
-                <a:cs typeface="Tahoma" panose="020B0604030504040204" pitchFamily="34" charset="0"/>
-              </a:rPr>
-              <a:t> carica i dati grezzi direttamente sullo store di target dei dati per poter essere trasformati alla bisogna.</a:t>
+              <a:rPr lang="it-IT" sz="2400" b="1">
+                <a:solidFill>
+                  <a:schemeClr val="tx1"/>
+                </a:solidFill>
+                <a:latin typeface="Tahoma" panose="020B0604030504040204" pitchFamily="34" charset="0"/>
+                <a:ea typeface="Tahoma" panose="020B0604030504040204" pitchFamily="34" charset="0"/>
+                <a:cs typeface="Tahoma" panose="020B0604030504040204" pitchFamily="34" charset="0"/>
+              </a:rPr>
+              <a:t>Data Warehouse vs Database: </a:t>
+            </a:r>
+            <a:r>
+              <a:rPr lang="it-IT" sz="2400">
+                <a:solidFill>
+                  <a:schemeClr val="tx1"/>
+                </a:solidFill>
+                <a:latin typeface="Tahoma" panose="020B0604030504040204" pitchFamily="34" charset="0"/>
+                <a:ea typeface="Tahoma" panose="020B0604030504040204" pitchFamily="34" charset="0"/>
+                <a:cs typeface="Tahoma" panose="020B0604030504040204" pitchFamily="34" charset="0"/>
+              </a:rPr>
+              <a:t>Un database è costruito principalmente per soddisfare rapide query ed elaborazioni di transazioni, non per fare analytics. </a:t>
             </a:r>
           </a:p>
           <a:p>
@@ -7342,301 +7144,67 @@
               <a:buChar char="ü"/>
             </a:pPr>
             <a:r>
-              <a:rPr lang="it-IT" sz="2400" b="0" i="0" dirty="0">
-                <a:solidFill>
-                  <a:schemeClr val="tx1"/>
-                </a:solidFill>
-                <a:effectLst/>
-                <a:latin typeface="Tahoma" panose="020B0604030504040204" pitchFamily="34" charset="0"/>
-                <a:ea typeface="Tahoma" panose="020B0604030504040204" pitchFamily="34" charset="0"/>
-                <a:cs typeface="Tahoma" panose="020B0604030504040204" pitchFamily="34" charset="0"/>
-              </a:rPr>
-              <a:t>Mentre entrambi </a:t>
-            </a:r>
-            <a:r>
-              <a:rPr lang="it-IT" sz="2400" b="1" i="0" dirty="0">
-                <a:solidFill>
-                  <a:schemeClr val="tx1"/>
-                </a:solidFill>
-                <a:effectLst/>
-                <a:latin typeface="Tahoma" panose="020B0604030504040204" pitchFamily="34" charset="0"/>
-                <a:ea typeface="Tahoma" panose="020B0604030504040204" pitchFamily="34" charset="0"/>
-                <a:cs typeface="Tahoma" panose="020B0604030504040204" pitchFamily="34" charset="0"/>
-              </a:rPr>
-              <a:t>ETL</a:t>
-            </a:r>
-            <a:r>
-              <a:rPr lang="it-IT" sz="2400" b="0" i="0" dirty="0">
-                <a:solidFill>
-                  <a:schemeClr val="tx1"/>
-                </a:solidFill>
-                <a:effectLst/>
-                <a:latin typeface="Tahoma" panose="020B0604030504040204" pitchFamily="34" charset="0"/>
-                <a:ea typeface="Tahoma" panose="020B0604030504040204" pitchFamily="34" charset="0"/>
-                <a:cs typeface="Tahoma" panose="020B0604030504040204" pitchFamily="34" charset="0"/>
-              </a:rPr>
-              <a:t> e </a:t>
-            </a:r>
-            <a:r>
-              <a:rPr lang="it-IT" sz="2400" b="1" i="0" dirty="0">
-                <a:solidFill>
-                  <a:schemeClr val="tx1"/>
-                </a:solidFill>
-                <a:effectLst/>
-                <a:latin typeface="Tahoma" panose="020B0604030504040204" pitchFamily="34" charset="0"/>
-                <a:ea typeface="Tahoma" panose="020B0604030504040204" pitchFamily="34" charset="0"/>
-                <a:cs typeface="Tahoma" panose="020B0604030504040204" pitchFamily="34" charset="0"/>
-              </a:rPr>
-              <a:t>ELT </a:t>
-            </a:r>
-            <a:r>
-              <a:rPr lang="it-IT" sz="2400" i="0" dirty="0">
-                <a:solidFill>
-                  <a:schemeClr val="tx1"/>
-                </a:solidFill>
-                <a:effectLst/>
-                <a:latin typeface="Tahoma" panose="020B0604030504040204" pitchFamily="34" charset="0"/>
-                <a:ea typeface="Tahoma" panose="020B0604030504040204" pitchFamily="34" charset="0"/>
-                <a:cs typeface="Tahoma" panose="020B0604030504040204" pitchFamily="34" charset="0"/>
-              </a:rPr>
-              <a:t>fanno le</a:t>
-            </a:r>
-            <a:r>
-              <a:rPr lang="it-IT" sz="2400" dirty="0">
-                <a:solidFill>
-                  <a:schemeClr val="tx1"/>
-                </a:solidFill>
-                <a:latin typeface="Tahoma" panose="020B0604030504040204" pitchFamily="34" charset="0"/>
-                <a:ea typeface="Tahoma" panose="020B0604030504040204" pitchFamily="34" charset="0"/>
-                <a:cs typeface="Tahoma" panose="020B0604030504040204" pitchFamily="34" charset="0"/>
-              </a:rPr>
-              <a:t>va su una varietà di repository di dati, quali database, data </a:t>
-            </a:r>
-            <a:r>
-              <a:rPr lang="it-IT" sz="2400" dirty="0" err="1">
-                <a:solidFill>
-                  <a:schemeClr val="tx1"/>
-                </a:solidFill>
-                <a:latin typeface="Tahoma" panose="020B0604030504040204" pitchFamily="34" charset="0"/>
-                <a:ea typeface="Tahoma" panose="020B0604030504040204" pitchFamily="34" charset="0"/>
-                <a:cs typeface="Tahoma" panose="020B0604030504040204" pitchFamily="34" charset="0"/>
-              </a:rPr>
-              <a:t>warehouse</a:t>
-            </a:r>
-            <a:r>
-              <a:rPr lang="it-IT" sz="2400" dirty="0">
-                <a:solidFill>
-                  <a:schemeClr val="tx1"/>
-                </a:solidFill>
-                <a:latin typeface="Tahoma" panose="020B0604030504040204" pitchFamily="34" charset="0"/>
-                <a:ea typeface="Tahoma" panose="020B0604030504040204" pitchFamily="34" charset="0"/>
-                <a:cs typeface="Tahoma" panose="020B0604030504040204" pitchFamily="34" charset="0"/>
-              </a:rPr>
-              <a:t> e data </a:t>
-            </a:r>
-            <a:r>
-              <a:rPr lang="it-IT" sz="2400" dirty="0" err="1">
-                <a:solidFill>
-                  <a:schemeClr val="tx1"/>
-                </a:solidFill>
-                <a:latin typeface="Tahoma" panose="020B0604030504040204" pitchFamily="34" charset="0"/>
-                <a:ea typeface="Tahoma" panose="020B0604030504040204" pitchFamily="34" charset="0"/>
-                <a:cs typeface="Tahoma" panose="020B0604030504040204" pitchFamily="34" charset="0"/>
-              </a:rPr>
-              <a:t>lake</a:t>
-            </a:r>
-            <a:r>
-              <a:rPr lang="it-IT" sz="2400" dirty="0">
-                <a:solidFill>
-                  <a:schemeClr val="tx1"/>
-                </a:solidFill>
-                <a:latin typeface="Tahoma" panose="020B0604030504040204" pitchFamily="34" charset="0"/>
-                <a:ea typeface="Tahoma" panose="020B0604030504040204" pitchFamily="34" charset="0"/>
-                <a:cs typeface="Tahoma" panose="020B0604030504040204" pitchFamily="34" charset="0"/>
-              </a:rPr>
-              <a:t>, ciascuno dei due processi possiede i suoi vantaggi e svantaggi. </a:t>
-            </a:r>
-          </a:p>
-          <a:p>
-            <a:pPr marL="1828800" lvl="3" indent="-457200">
-              <a:buFont typeface="+mj-lt"/>
-              <a:buAutoNum type="arabicPeriod"/>
+              <a:rPr lang="it-IT" sz="2400">
+                <a:solidFill>
+                  <a:schemeClr val="tx1"/>
+                </a:solidFill>
+                <a:latin typeface="Tahoma" panose="020B0604030504040204" pitchFamily="34" charset="0"/>
+                <a:ea typeface="Tahoma" panose="020B0604030504040204" pitchFamily="34" charset="0"/>
+                <a:cs typeface="Tahoma" panose="020B0604030504040204" pitchFamily="34" charset="0"/>
+              </a:rPr>
+              <a:t>Un database tipicamente viene utilizzato come </a:t>
+            </a:r>
+            <a:r>
+              <a:rPr lang="it-IT" sz="2400" b="1">
+                <a:solidFill>
+                  <a:schemeClr val="tx1"/>
+                </a:solidFill>
+                <a:latin typeface="Tahoma" panose="020B0604030504040204" pitchFamily="34" charset="0"/>
+                <a:ea typeface="Tahoma" panose="020B0604030504040204" pitchFamily="34" charset="0"/>
+                <a:cs typeface="Tahoma" panose="020B0604030504040204" pitchFamily="34" charset="0"/>
+              </a:rPr>
+              <a:t>data store </a:t>
+            </a:r>
+            <a:r>
+              <a:rPr lang="it-IT" sz="2400">
+                <a:solidFill>
+                  <a:schemeClr val="tx1"/>
+                </a:solidFill>
+                <a:latin typeface="Tahoma" panose="020B0604030504040204" pitchFamily="34" charset="0"/>
+                <a:ea typeface="Tahoma" panose="020B0604030504040204" pitchFamily="34" charset="0"/>
+                <a:cs typeface="Tahoma" panose="020B0604030504040204" pitchFamily="34" charset="0"/>
+              </a:rPr>
+              <a:t>focalizzato ad una specifica applicazione, mentre un data warehouse immagazzina dati provenienti da qualsiasi applicazione o persino tutte quelle appartenenti in una organizzazione. </a:t>
+            </a:r>
+          </a:p>
+          <a:p>
+            <a:pPr marL="342900" indent="-342900">
+              <a:buFont typeface="Wingdings" panose="05000000000000000000" pitchFamily="2" charset="2"/>
+              <a:buChar char="ü"/>
             </a:pPr>
             <a:r>
-              <a:rPr lang="it-IT" sz="2200" b="1" i="0" dirty="0">
-                <a:solidFill>
-                  <a:schemeClr val="tx1"/>
-                </a:solidFill>
-                <a:effectLst/>
-                <a:latin typeface="Tahoma" panose="020B0604030504040204" pitchFamily="34" charset="0"/>
-                <a:ea typeface="Tahoma" panose="020B0604030504040204" pitchFamily="34" charset="0"/>
-                <a:cs typeface="Tahoma" panose="020B0604030504040204" pitchFamily="34" charset="0"/>
-              </a:rPr>
-              <a:t>ETL </a:t>
-            </a:r>
-            <a:r>
-              <a:rPr lang="it-IT" sz="2200" b="0" i="0" dirty="0">
-                <a:solidFill>
-                  <a:schemeClr val="tx1"/>
-                </a:solidFill>
-                <a:effectLst/>
-                <a:latin typeface="Tahoma" panose="020B0604030504040204" pitchFamily="34" charset="0"/>
-                <a:ea typeface="Tahoma" panose="020B0604030504040204" pitchFamily="34" charset="0"/>
-                <a:cs typeface="Tahoma" panose="020B0604030504040204" pitchFamily="34" charset="0"/>
-              </a:rPr>
-              <a:t>è particolarmente utile per dataset ad alto volume non strutturati dal momento che il caricamento può avvenire direttamente dalla sorgente. Questo processo richiede più definizione all’inizio, le regole di business per la data </a:t>
-            </a:r>
-            <a:r>
-              <a:rPr lang="it-IT" sz="2200" b="0" i="0" dirty="0" err="1">
-                <a:solidFill>
-                  <a:schemeClr val="tx1"/>
-                </a:solidFill>
-                <a:effectLst/>
-                <a:latin typeface="Tahoma" panose="020B0604030504040204" pitchFamily="34" charset="0"/>
-                <a:ea typeface="Tahoma" panose="020B0604030504040204" pitchFamily="34" charset="0"/>
-                <a:cs typeface="Tahoma" panose="020B0604030504040204" pitchFamily="34" charset="0"/>
-              </a:rPr>
-              <a:t>transformation</a:t>
-            </a:r>
-            <a:r>
-              <a:rPr lang="it-IT" sz="2200" b="0" i="0" dirty="0">
-                <a:solidFill>
-                  <a:schemeClr val="tx1"/>
-                </a:solidFill>
-                <a:effectLst/>
-                <a:latin typeface="Tahoma" panose="020B0604030504040204" pitchFamily="34" charset="0"/>
-                <a:ea typeface="Tahoma" panose="020B0604030504040204" pitchFamily="34" charset="0"/>
-                <a:cs typeface="Tahoma" panose="020B0604030504040204" pitchFamily="34" charset="0"/>
-              </a:rPr>
-              <a:t> hanno bisogno di essere costruite. </a:t>
-            </a:r>
-          </a:p>
-          <a:p>
-            <a:pPr marL="1828800" lvl="3" indent="-457200">
-              <a:buFont typeface="+mj-lt"/>
-              <a:buAutoNum type="arabicPeriod"/>
+              <a:rPr lang="it-IT" sz="2400">
+                <a:solidFill>
+                  <a:schemeClr val="tx1"/>
+                </a:solidFill>
+                <a:latin typeface="Tahoma" panose="020B0604030504040204" pitchFamily="34" charset="0"/>
+                <a:ea typeface="Tahoma" panose="020B0604030504040204" pitchFamily="34" charset="0"/>
+                <a:cs typeface="Tahoma" panose="020B0604030504040204" pitchFamily="34" charset="0"/>
+              </a:rPr>
+              <a:t>Un database si focalizza su aggiornamento dati in tempo reale mentre un data warehouse ha un obiettivo più ampio, catturando serie storiche di dati o correnti per effettuare analisi predittiva, machine learning e altri tipi di analisi avanzate. </a:t>
+            </a:r>
+          </a:p>
+          <a:p>
+            <a:pPr marL="342900" indent="-342900">
+              <a:buFont typeface="Wingdings" panose="05000000000000000000" pitchFamily="2" charset="2"/>
+              <a:buChar char="ü"/>
             </a:pPr>
-            <a:r>
-              <a:rPr lang="it-IT" sz="2200" dirty="0">
-                <a:solidFill>
-                  <a:schemeClr val="tx1"/>
-                </a:solidFill>
-                <a:latin typeface="Tahoma" panose="020B0604030504040204" pitchFamily="34" charset="0"/>
-                <a:ea typeface="Tahoma" panose="020B0604030504040204" pitchFamily="34" charset="0"/>
-                <a:cs typeface="Tahoma" panose="020B0604030504040204" pitchFamily="34" charset="0"/>
-              </a:rPr>
-              <a:t>ELT</a:t>
-            </a:r>
-            <a:r>
-              <a:rPr lang="it-IT" sz="2200" b="0" dirty="0">
-                <a:solidFill>
-                  <a:schemeClr val="tx1"/>
-                </a:solidFill>
-                <a:latin typeface="Tahoma" panose="020B0604030504040204" pitchFamily="34" charset="0"/>
-                <a:ea typeface="Tahoma" panose="020B0604030504040204" pitchFamily="34" charset="0"/>
-                <a:cs typeface="Tahoma" panose="020B0604030504040204" pitchFamily="34" charset="0"/>
-              </a:rPr>
-              <a:t> è più ideale per nel </a:t>
-            </a:r>
-            <a:r>
-              <a:rPr lang="it-IT" sz="2200" b="0" dirty="0">
-                <a:solidFill>
-                  <a:schemeClr val="tx1"/>
-                </a:solidFill>
-                <a:effectLst/>
-                <a:latin typeface="Tahoma" panose="020B0604030504040204" pitchFamily="34" charset="0"/>
-                <a:ea typeface="Tahoma" panose="020B0604030504040204" pitchFamily="34" charset="0"/>
-                <a:cs typeface="Tahoma" panose="020B0604030504040204" pitchFamily="34" charset="0"/>
-              </a:rPr>
-              <a:t>mondo dei Big Data dal momento che non richiede una progettazione anticipata per la data </a:t>
-            </a:r>
-            <a:r>
-              <a:rPr lang="it-IT" sz="2200" b="0" dirty="0" err="1">
-                <a:solidFill>
-                  <a:schemeClr val="tx1"/>
-                </a:solidFill>
-                <a:effectLst/>
-                <a:latin typeface="Tahoma" panose="020B0604030504040204" pitchFamily="34" charset="0"/>
-                <a:ea typeface="Tahoma" panose="020B0604030504040204" pitchFamily="34" charset="0"/>
-                <a:cs typeface="Tahoma" panose="020B0604030504040204" pitchFamily="34" charset="0"/>
-              </a:rPr>
-              <a:t>extraction</a:t>
-            </a:r>
-            <a:r>
-              <a:rPr lang="it-IT" sz="2200" b="0" dirty="0">
-                <a:solidFill>
-                  <a:schemeClr val="tx1"/>
-                </a:solidFill>
-                <a:effectLst/>
-                <a:latin typeface="Tahoma" panose="020B0604030504040204" pitchFamily="34" charset="0"/>
-                <a:ea typeface="Tahoma" panose="020B0604030504040204" pitchFamily="34" charset="0"/>
-                <a:cs typeface="Tahoma" panose="020B0604030504040204" pitchFamily="34" charset="0"/>
-              </a:rPr>
-              <a:t> e lo storage dei dati. </a:t>
-            </a:r>
-            <a:r>
-              <a:rPr lang="it-IT" sz="2200" dirty="0">
-                <a:solidFill>
-                  <a:schemeClr val="tx1"/>
-                </a:solidFill>
-                <a:effectLst/>
-                <a:latin typeface="Tahoma" panose="020B0604030504040204" pitchFamily="34" charset="0"/>
-                <a:ea typeface="Tahoma" panose="020B0604030504040204" pitchFamily="34" charset="0"/>
-                <a:cs typeface="Tahoma" panose="020B0604030504040204" pitchFamily="34" charset="0"/>
-              </a:rPr>
-              <a:t>ELT </a:t>
-            </a:r>
-            <a:r>
-              <a:rPr lang="it-IT" sz="2200" b="0" dirty="0">
-                <a:solidFill>
-                  <a:schemeClr val="tx1"/>
-                </a:solidFill>
-                <a:effectLst/>
-                <a:latin typeface="Tahoma" panose="020B0604030504040204" pitchFamily="34" charset="0"/>
-                <a:ea typeface="Tahoma" panose="020B0604030504040204" pitchFamily="34" charset="0"/>
-                <a:cs typeface="Tahoma" panose="020B0604030504040204" pitchFamily="34" charset="0"/>
-              </a:rPr>
-              <a:t>è divenuto più popolare con l’adozione dei database su cloud</a:t>
-            </a:r>
-            <a:r>
-              <a:rPr lang="it-IT" sz="2200" b="0" dirty="0">
-                <a:solidFill>
-                  <a:schemeClr val="tx1"/>
-                </a:solidFill>
-                <a:latin typeface="Tahoma" panose="020B0604030504040204" pitchFamily="34" charset="0"/>
-                <a:ea typeface="Tahoma" panose="020B0604030504040204" pitchFamily="34" charset="0"/>
-                <a:cs typeface="Tahoma" panose="020B0604030504040204" pitchFamily="34" charset="0"/>
-              </a:rPr>
-              <a:t>, anche se non ci sono ancora molte best practices su </a:t>
-            </a:r>
-            <a:r>
-              <a:rPr lang="it-IT" sz="2200" dirty="0">
-                <a:solidFill>
-                  <a:schemeClr val="tx1"/>
-                </a:solidFill>
-                <a:latin typeface="Tahoma" panose="020B0604030504040204" pitchFamily="34" charset="0"/>
-                <a:ea typeface="Tahoma" panose="020B0604030504040204" pitchFamily="34" charset="0"/>
-                <a:cs typeface="Tahoma" panose="020B0604030504040204" pitchFamily="34" charset="0"/>
-              </a:rPr>
-              <a:t>ELT</a:t>
-            </a:r>
-            <a:r>
-              <a:rPr lang="it-IT" sz="2200" b="0" dirty="0">
-                <a:solidFill>
-                  <a:schemeClr val="tx1"/>
-                </a:solidFill>
-                <a:latin typeface="Tahoma" panose="020B0604030504040204" pitchFamily="34" charset="0"/>
-                <a:ea typeface="Tahoma" panose="020B0604030504040204" pitchFamily="34" charset="0"/>
-                <a:cs typeface="Tahoma" panose="020B0604030504040204" pitchFamily="34" charset="0"/>
-              </a:rPr>
-              <a:t>. </a:t>
-            </a:r>
-            <a:endParaRPr lang="en-US" sz="2400" b="0" i="0" dirty="0">
+            <a:endParaRPr lang="en-US" sz="2400" b="1" i="0" dirty="0">
               <a:solidFill>
                 <a:srgbClr val="525252"/>
               </a:solidFill>
               <a:effectLst/>
-              <a:latin typeface="IBM Plex Sans" panose="020B0503050203000203" pitchFamily="34" charset="0"/>
+              <a:latin typeface="IBM Plex Sans" panose="020B0604020202020204" pitchFamily="34" charset="0"/>
             </a:endParaRPr>
           </a:p>
         </p:txBody>
@@ -7703,17 +7271,47 @@
           <a:lstStyle/>
           <a:p>
             <a:r>
-              <a:rPr lang="it-IT" altLang="it-IT" dirty="0"/>
-              <a:t>ETL versus ELT</a:t>
+              <a:rPr lang="it-IT" altLang="it-IT"/>
+              <a:t>Data Warehouse vs Database, Data Lake, Data Mart</a:t>
             </a:r>
             <a:endParaRPr lang="it-IT" dirty="0"/>
           </a:p>
         </p:txBody>
       </p:sp>
+      <p:pic>
+        <p:nvPicPr>
+          <p:cNvPr id="10" name="Immagine 9">
+            <a:extLst>
+              <a:ext uri="{FF2B5EF4-FFF2-40B4-BE49-F238E27FC236}">
+                <a16:creationId xmlns:a16="http://schemas.microsoft.com/office/drawing/2014/main" id="{55DADB23-2FB4-6246-4F80-2154F77B792A}"/>
+              </a:ext>
+            </a:extLst>
+          </p:cNvPr>
+          <p:cNvPicPr>
+            <a:picLocks noChangeAspect="1"/>
+          </p:cNvPicPr>
+          <p:nvPr/>
+        </p:nvPicPr>
+        <p:blipFill>
+          <a:blip r:embed="rId2"/>
+          <a:stretch>
+            <a:fillRect/>
+          </a:stretch>
+        </p:blipFill>
+        <p:spPr>
+          <a:xfrm>
+            <a:off x="8633053" y="3065445"/>
+            <a:ext cx="3105150" cy="1466850"/>
+          </a:xfrm>
+          <a:prstGeom prst="rect">
+            <a:avLst/>
+          </a:prstGeom>
+        </p:spPr>
+      </p:pic>
     </p:spTree>
     <p:extLst>
       <p:ext uri="{BB962C8B-B14F-4D97-AF65-F5344CB8AC3E}">
-        <p14:creationId xmlns:p14="http://schemas.microsoft.com/office/powerpoint/2010/main" val="4184373011"/>
+        <p14:creationId xmlns:p14="http://schemas.microsoft.com/office/powerpoint/2010/main" val="3518335150"/>
       </p:ext>
     </p:extLst>
   </p:cSld>
@@ -7759,7 +7357,7 @@
         <p:spPr>
           <a:xfrm>
             <a:off x="326297" y="1213806"/>
-            <a:ext cx="11518700" cy="4392612"/>
+            <a:ext cx="8512903" cy="4392612"/>
           </a:xfrm>
         </p:spPr>
         <p:txBody>
@@ -7771,198 +7369,122 @@
               <a:buChar char="ü"/>
             </a:pPr>
             <a:r>
-              <a:rPr lang="it-IT" sz="2400" dirty="0">
-                <a:solidFill>
-                  <a:schemeClr val="tx1"/>
-                </a:solidFill>
-                <a:latin typeface="Tahoma" panose="020B0604030504040204" pitchFamily="34" charset="0"/>
-                <a:ea typeface="Tahoma" panose="020B0604030504040204" pitchFamily="34" charset="0"/>
-                <a:cs typeface="Tahoma" panose="020B0604030504040204" pitchFamily="34" charset="0"/>
-              </a:rPr>
-              <a:t>L’Analisi dell’informazione richiede di solito dati accessibili e ben strutturati per ottenere i migliori risultati possibili. La Data </a:t>
-            </a:r>
-            <a:r>
-              <a:rPr lang="it-IT" sz="2400" dirty="0" err="1">
-                <a:solidFill>
-                  <a:schemeClr val="tx1"/>
-                </a:solidFill>
-                <a:latin typeface="Tahoma" panose="020B0604030504040204" pitchFamily="34" charset="0"/>
-                <a:ea typeface="Tahoma" panose="020B0604030504040204" pitchFamily="34" charset="0"/>
-                <a:cs typeface="Tahoma" panose="020B0604030504040204" pitchFamily="34" charset="0"/>
-              </a:rPr>
-              <a:t>Transformation</a:t>
-            </a:r>
-            <a:r>
-              <a:rPr lang="it-IT" sz="2400" dirty="0">
-                <a:solidFill>
-                  <a:schemeClr val="tx1"/>
-                </a:solidFill>
-                <a:latin typeface="Tahoma" panose="020B0604030504040204" pitchFamily="34" charset="0"/>
-                <a:ea typeface="Tahoma" panose="020B0604030504040204" pitchFamily="34" charset="0"/>
-                <a:cs typeface="Tahoma" panose="020B0604030504040204" pitchFamily="34" charset="0"/>
-              </a:rPr>
-              <a:t> rende alle </a:t>
-            </a:r>
-            <a:r>
-              <a:rPr lang="it-IT" sz="2400" dirty="0" err="1">
-                <a:solidFill>
-                  <a:schemeClr val="tx1"/>
-                </a:solidFill>
-                <a:latin typeface="Tahoma" panose="020B0604030504040204" pitchFamily="34" charset="0"/>
-                <a:ea typeface="Tahoma" panose="020B0604030504040204" pitchFamily="34" charset="0"/>
-                <a:cs typeface="Tahoma" panose="020B0604030504040204" pitchFamily="34" charset="0"/>
-              </a:rPr>
-              <a:t>organizziazioni</a:t>
-            </a:r>
-            <a:r>
-              <a:rPr lang="it-IT" sz="2400" dirty="0">
-                <a:solidFill>
-                  <a:schemeClr val="tx1"/>
-                </a:solidFill>
-                <a:latin typeface="Tahoma" panose="020B0604030504040204" pitchFamily="34" charset="0"/>
-                <a:ea typeface="Tahoma" panose="020B0604030504040204" pitchFamily="34" charset="0"/>
-                <a:cs typeface="Tahoma" panose="020B0604030504040204" pitchFamily="34" charset="0"/>
-              </a:rPr>
-              <a:t> possibile l’alterazione della struttura e del formato dei dati grezzi secondo le necessità. La Data Analytics più efficiente deriva anche dal modo in cui l’impresa trasforma i suoi dati. </a:t>
-            </a:r>
-          </a:p>
-          <a:p>
-            <a:pPr marL="342900" indent="-342900">
+              <a:rPr lang="it-IT" sz="2400" b="1">
+                <a:solidFill>
+                  <a:schemeClr val="tx1"/>
+                </a:solidFill>
+                <a:latin typeface="Tahoma" panose="020B0604030504040204" pitchFamily="34" charset="0"/>
+                <a:ea typeface="Tahoma" panose="020B0604030504040204" pitchFamily="34" charset="0"/>
+                <a:cs typeface="Tahoma" panose="020B0604030504040204" pitchFamily="34" charset="0"/>
+              </a:rPr>
+              <a:t>Data Warehouse su Cloud: </a:t>
+            </a:r>
+            <a:r>
+              <a:rPr lang="it-IT" sz="2400">
+                <a:solidFill>
+                  <a:schemeClr val="tx1"/>
+                </a:solidFill>
+                <a:latin typeface="Tahoma" panose="020B0604030504040204" pitchFamily="34" charset="0"/>
+                <a:ea typeface="Tahoma" panose="020B0604030504040204" pitchFamily="34" charset="0"/>
+                <a:cs typeface="Tahoma" panose="020B0604030504040204" pitchFamily="34" charset="0"/>
+              </a:rPr>
+              <a:t>Un Cloud Data Watehouse è un data warehouse specificatamente costruito per essere eseguito su cloud, e viene offerto ai clienti come un servizio gestito dal cloud. I data warehouse basati su cloud sono divenuti sempre più popolare negli ultimi 5 anni dal momento che molte compagnie usano servizi cloud per cercare di ridurre sempre più l'impatto dei loro </a:t>
+            </a:r>
+            <a:r>
+              <a:rPr lang="it-IT" sz="2400" b="1">
+                <a:solidFill>
+                  <a:schemeClr val="tx1"/>
+                </a:solidFill>
+                <a:latin typeface="Tahoma" panose="020B0604030504040204" pitchFamily="34" charset="0"/>
+                <a:ea typeface="Tahoma" panose="020B0604030504040204" pitchFamily="34" charset="0"/>
+                <a:cs typeface="Tahoma" panose="020B0604030504040204" pitchFamily="34" charset="0"/>
+              </a:rPr>
+              <a:t>data</a:t>
+            </a:r>
+            <a:r>
+              <a:rPr lang="it-IT" sz="2400">
+                <a:solidFill>
+                  <a:schemeClr val="tx1"/>
+                </a:solidFill>
+                <a:latin typeface="Tahoma" panose="020B0604030504040204" pitchFamily="34" charset="0"/>
+                <a:ea typeface="Tahoma" panose="020B0604030504040204" pitchFamily="34" charset="0"/>
+                <a:cs typeface="Tahoma" panose="020B0604030504040204" pitchFamily="34" charset="0"/>
+              </a:rPr>
+              <a:t> </a:t>
+            </a:r>
+            <a:r>
+              <a:rPr lang="it-IT" sz="2400" b="1">
+                <a:solidFill>
+                  <a:schemeClr val="tx1"/>
+                </a:solidFill>
+                <a:latin typeface="Tahoma" panose="020B0604030504040204" pitchFamily="34" charset="0"/>
+                <a:ea typeface="Tahoma" panose="020B0604030504040204" pitchFamily="34" charset="0"/>
+                <a:cs typeface="Tahoma" panose="020B0604030504040204" pitchFamily="34" charset="0"/>
+              </a:rPr>
+              <a:t>center</a:t>
+            </a:r>
+            <a:r>
+              <a:rPr lang="it-IT" sz="2400">
+                <a:solidFill>
+                  <a:schemeClr val="tx1"/>
+                </a:solidFill>
+                <a:latin typeface="Tahoma" panose="020B0604030504040204" pitchFamily="34" charset="0"/>
+                <a:ea typeface="Tahoma" panose="020B0604030504040204" pitchFamily="34" charset="0"/>
+                <a:cs typeface="Tahoma" panose="020B0604030504040204" pitchFamily="34" charset="0"/>
+              </a:rPr>
+              <a:t> on-premises. </a:t>
+            </a:r>
+          </a:p>
+          <a:p>
+            <a:pPr marL="342900" indent="-342900" algn="just">
               <a:buFont typeface="Wingdings" panose="05000000000000000000" pitchFamily="2" charset="2"/>
               <a:buChar char="ü"/>
             </a:pPr>
             <a:r>
-              <a:rPr lang="en-US" sz="2400" dirty="0">
-                <a:solidFill>
-                  <a:schemeClr val="tx1"/>
-                </a:solidFill>
-                <a:latin typeface="Tahoma" panose="020B0604030504040204" pitchFamily="34" charset="0"/>
-                <a:ea typeface="Tahoma" panose="020B0604030504040204" pitchFamily="34" charset="0"/>
-                <a:cs typeface="Tahoma" panose="020B0604030504040204" pitchFamily="34" charset="0"/>
-              </a:rPr>
-              <a:t>La Data Transformation </a:t>
-            </a:r>
-          </a:p>
-          <a:p>
-            <a:pPr marL="342900" indent="-342900">
+              <a:rPr lang="it-IT" sz="2400">
+                <a:solidFill>
+                  <a:schemeClr val="tx1"/>
+                </a:solidFill>
+                <a:latin typeface="Tahoma" panose="020B0604030504040204" pitchFamily="34" charset="0"/>
+                <a:ea typeface="Tahoma" panose="020B0604030504040204" pitchFamily="34" charset="0"/>
+                <a:cs typeface="Tahoma" panose="020B0604030504040204" pitchFamily="34" charset="0"/>
+              </a:rPr>
+              <a:t>Con il termine </a:t>
+            </a:r>
+            <a:r>
+              <a:rPr lang="it-IT" sz="2400" b="1">
+                <a:solidFill>
+                  <a:schemeClr val="tx1"/>
+                </a:solidFill>
+                <a:latin typeface="Tahoma" panose="020B0604030504040204" pitchFamily="34" charset="0"/>
+                <a:ea typeface="Tahoma" panose="020B0604030504040204" pitchFamily="34" charset="0"/>
+                <a:cs typeface="Tahoma" panose="020B0604030504040204" pitchFamily="34" charset="0"/>
+              </a:rPr>
+              <a:t>software on premise</a:t>
+            </a:r>
+            <a:r>
+              <a:rPr lang="it-IT" sz="2400">
+                <a:solidFill>
+                  <a:schemeClr val="tx1"/>
+                </a:solidFill>
+                <a:latin typeface="Tahoma" panose="020B0604030504040204" pitchFamily="34" charset="0"/>
+                <a:ea typeface="Tahoma" panose="020B0604030504040204" pitchFamily="34" charset="0"/>
+                <a:cs typeface="Tahoma" panose="020B0604030504040204" pitchFamily="34" charset="0"/>
+              </a:rPr>
+              <a:t> (od on premises, come sarebbe più corretto) si fa riferimento alla fornitura di programmi informatici installati e gestiti attraverso computer locali. Deriva dall'inglese “on the premises”: nelle sedi, nei locali (del titolare della licenza).</a:t>
+            </a:r>
+          </a:p>
+          <a:p>
+            <a:pPr marL="342900" indent="-342900" algn="just">
               <a:buFont typeface="Wingdings" panose="05000000000000000000" pitchFamily="2" charset="2"/>
               <a:buChar char="ü"/>
             </a:pPr>
-            <a:endParaRPr lang="en-US" sz="2400" dirty="0">
+            <a:endParaRPr lang="en-US" sz="2400" b="1" i="0" dirty="0">
               <a:solidFill>
-                <a:srgbClr val="555555"/>
-              </a:solidFill>
-              <a:latin typeface="PT Sans" panose="020B0503020203020204" pitchFamily="34" charset="0"/>
-            </a:endParaRPr>
-          </a:p>
-          <a:p>
-            <a:pPr marL="342900" indent="-342900">
-              <a:buFont typeface="Wingdings" panose="05000000000000000000" pitchFamily="2" charset="2"/>
-              <a:buChar char="ü"/>
-            </a:pPr>
-            <a:endParaRPr lang="en-US" sz="2400" b="0" i="0" dirty="0">
-              <a:solidFill>
-                <a:srgbClr val="555555"/>
+                <a:srgbClr val="525252"/>
               </a:solidFill>
               <a:effectLst/>
-              <a:latin typeface="PT Sans" panose="020B0503020203020204" pitchFamily="34" charset="0"/>
-            </a:endParaRPr>
-          </a:p>
-          <a:p>
-            <a:pPr marL="342900" indent="-342900">
-              <a:buFont typeface="Wingdings" panose="05000000000000000000" pitchFamily="2" charset="2"/>
-              <a:buChar char="ü"/>
-            </a:pPr>
-            <a:r>
-              <a:rPr lang="en-US" sz="2400" b="0" i="0" dirty="0">
-                <a:solidFill>
-                  <a:srgbClr val="555555"/>
-                </a:solidFill>
-                <a:effectLst/>
-                <a:latin typeface="PT Sans" panose="020B0503020203020204" pitchFamily="34" charset="0"/>
-              </a:rPr>
-              <a:t>Data transformation is the process of changing the format, structure, or values of data. For data analytics projects, data may be transformed at two stages of the data pipeline. Organizations that use on-premises data warehouses generally use an ETL (</a:t>
-            </a:r>
-            <a:r>
-              <a:rPr lang="en-US" sz="2400" b="1" i="0" u="none" strike="noStrike" dirty="0">
-                <a:solidFill>
-                  <a:srgbClr val="0675C1"/>
-                </a:solidFill>
-                <a:effectLst/>
-                <a:latin typeface="PT Sans" panose="020B0503020203020204" pitchFamily="34" charset="0"/>
-                <a:hlinkClick r:id="rId2"/>
-              </a:rPr>
-              <a:t>extract, transform, load</a:t>
-            </a:r>
-            <a:r>
-              <a:rPr lang="en-US" sz="2400" b="0" i="0" dirty="0">
-                <a:solidFill>
-                  <a:srgbClr val="555555"/>
-                </a:solidFill>
-                <a:effectLst/>
-                <a:latin typeface="PT Sans" panose="020B0503020203020204" pitchFamily="34" charset="0"/>
-              </a:rPr>
-              <a:t>) process, in which </a:t>
-            </a:r>
-            <a:r>
-              <a:rPr lang="en-US" sz="2400" b="1" i="0" u="none" strike="noStrike" dirty="0">
-                <a:solidFill>
-                  <a:srgbClr val="0675C1"/>
-                </a:solidFill>
-                <a:effectLst/>
-                <a:latin typeface="PT Sans" panose="020B0503020203020204" pitchFamily="34" charset="0"/>
-                <a:hlinkClick r:id="rId3"/>
-              </a:rPr>
-              <a:t>data transformation is the middle step</a:t>
-            </a:r>
-            <a:r>
-              <a:rPr lang="en-US" sz="2400" b="0" i="0" dirty="0">
-                <a:solidFill>
-                  <a:srgbClr val="555555"/>
-                </a:solidFill>
-                <a:effectLst/>
-                <a:latin typeface="PT Sans" panose="020B0503020203020204" pitchFamily="34" charset="0"/>
-              </a:rPr>
-              <a:t>. Today, most organizations use cloud-based data warehouses, which can scale compute and storage resources with latency measured in seconds or minutes. The scalability of the cloud platform lets organizations skip preload transformations and load raw data into the data warehouse, then transform it at query time — a model called ELT ( </a:t>
-            </a:r>
-            <a:r>
-              <a:rPr lang="en-US" sz="2400" b="1" i="0" u="none" strike="noStrike" dirty="0">
-                <a:solidFill>
-                  <a:srgbClr val="0675C1"/>
-                </a:solidFill>
-                <a:effectLst/>
-                <a:latin typeface="PT Sans" panose="020B0503020203020204" pitchFamily="34" charset="0"/>
-                <a:hlinkClick r:id="rId4"/>
-              </a:rPr>
-              <a:t>extract, load, transform)</a:t>
-            </a:r>
-            <a:r>
-              <a:rPr lang="en-US" sz="2400" b="0" i="0" dirty="0">
-                <a:solidFill>
-                  <a:srgbClr val="555555"/>
-                </a:solidFill>
-                <a:effectLst/>
-                <a:latin typeface="PT Sans" panose="020B0503020203020204" pitchFamily="34" charset="0"/>
-              </a:rPr>
-              <a:t>.</a:t>
-            </a:r>
-            <a:endParaRPr lang="it-IT" sz="2400" dirty="0">
-              <a:solidFill>
-                <a:schemeClr val="tx1"/>
-              </a:solidFill>
-              <a:latin typeface="Tahoma" panose="020B0604030504040204" pitchFamily="34" charset="0"/>
-              <a:ea typeface="Tahoma" panose="020B0604030504040204" pitchFamily="34" charset="0"/>
-              <a:cs typeface="Tahoma" panose="020B0604030504040204" pitchFamily="34" charset="0"/>
-            </a:endParaRPr>
-          </a:p>
-          <a:p>
-            <a:endParaRPr lang="it-IT" sz="2400" dirty="0">
-              <a:solidFill>
-                <a:schemeClr val="tx1"/>
-              </a:solidFill>
-              <a:latin typeface="Tahoma" panose="020B0604030504040204" pitchFamily="34" charset="0"/>
-              <a:ea typeface="Tahoma" panose="020B0604030504040204" pitchFamily="34" charset="0"/>
-              <a:cs typeface="Tahoma" panose="020B0604030504040204" pitchFamily="34" charset="0"/>
+              <a:latin typeface="IBM Plex Sans" panose="020B0604020202020204" pitchFamily="34" charset="0"/>
             </a:endParaRPr>
           </a:p>
         </p:txBody>
@@ -8029,25 +7551,47 @@
           <a:lstStyle/>
           <a:p>
             <a:r>
-              <a:rPr lang="it-IT" altLang="it-IT" dirty="0"/>
-              <a:t>Trasformazione dei Dati (Data </a:t>
-            </a:r>
-            <a:r>
-              <a:rPr lang="it-IT" altLang="it-IT" dirty="0" err="1"/>
-              <a:t>Transformation</a:t>
-            </a:r>
-            <a:r>
-              <a:rPr lang="it-IT" altLang="it-IT" dirty="0"/>
-              <a:t>)</a:t>
+              <a:rPr lang="it-IT" altLang="it-IT"/>
+              <a:t>Tipi di Data Warehouse</a:t>
             </a:r>
             <a:endParaRPr lang="it-IT" dirty="0"/>
           </a:p>
         </p:txBody>
       </p:sp>
+      <p:pic>
+        <p:nvPicPr>
+          <p:cNvPr id="4" name="Immagine 3">
+            <a:extLst>
+              <a:ext uri="{FF2B5EF4-FFF2-40B4-BE49-F238E27FC236}">
+                <a16:creationId xmlns:a16="http://schemas.microsoft.com/office/drawing/2014/main" id="{488E71E0-EBA0-4C2D-4040-1DEAF4CD9E13}"/>
+              </a:ext>
+            </a:extLst>
+          </p:cNvPr>
+          <p:cNvPicPr>
+            <a:picLocks noChangeAspect="1"/>
+          </p:cNvPicPr>
+          <p:nvPr/>
+        </p:nvPicPr>
+        <p:blipFill>
+          <a:blip r:embed="rId2"/>
+          <a:stretch>
+            <a:fillRect/>
+          </a:stretch>
+        </p:blipFill>
+        <p:spPr>
+          <a:xfrm>
+            <a:off x="8979628" y="2028825"/>
+            <a:ext cx="2886075" cy="1581150"/>
+          </a:xfrm>
+          <a:prstGeom prst="rect">
+            <a:avLst/>
+          </a:prstGeom>
+        </p:spPr>
+      </p:pic>
     </p:spTree>
     <p:extLst>
       <p:ext uri="{BB962C8B-B14F-4D97-AF65-F5344CB8AC3E}">
-        <p14:creationId xmlns:p14="http://schemas.microsoft.com/office/powerpoint/2010/main" val="95832058"/>
+        <p14:creationId xmlns:p14="http://schemas.microsoft.com/office/powerpoint/2010/main" val="3481705275"/>
       </p:ext>
     </p:extLst>
   </p:cSld>
@@ -8076,6 +7620,90 @@
       </p:grpSpPr>
       <p:sp>
         <p:nvSpPr>
+          <p:cNvPr id="2" name="Segnaposto testo 1">
+            <a:extLst>
+              <a:ext uri="{FF2B5EF4-FFF2-40B4-BE49-F238E27FC236}">
+                <a16:creationId xmlns:a16="http://schemas.microsoft.com/office/drawing/2014/main" id="{E5AE986C-196F-4141-A898-FA4C4198CDCC}"/>
+              </a:ext>
+            </a:extLst>
+          </p:cNvPr>
+          <p:cNvSpPr>
+            <a:spLocks noGrp="1"/>
+          </p:cNvSpPr>
+          <p:nvPr>
+            <p:ph type="body" idx="1"/>
+          </p:nvPr>
+        </p:nvSpPr>
+        <p:spPr>
+          <a:xfrm>
+            <a:off x="326297" y="1213806"/>
+            <a:ext cx="7037029" cy="4392612"/>
+          </a:xfrm>
+        </p:spPr>
+        <p:txBody>
+          <a:bodyPr/>
+          <a:lstStyle/>
+          <a:p>
+            <a:pPr marL="342900" indent="-342900">
+              <a:buFont typeface="Wingdings" panose="05000000000000000000" pitchFamily="2" charset="2"/>
+              <a:buChar char="ü"/>
+            </a:pPr>
+            <a:r>
+              <a:rPr lang="it-IT" sz="2400" b="1">
+                <a:solidFill>
+                  <a:schemeClr val="tx1"/>
+                </a:solidFill>
+                <a:latin typeface="Tahoma" panose="020B0604030504040204" pitchFamily="34" charset="0"/>
+                <a:ea typeface="Tahoma" panose="020B0604030504040204" pitchFamily="34" charset="0"/>
+                <a:cs typeface="Tahoma" panose="020B0604030504040204" pitchFamily="34" charset="0"/>
+              </a:rPr>
+              <a:t>Data Warehouse Software (on-premises / su licenza): </a:t>
+            </a:r>
+            <a:r>
+              <a:rPr lang="it-IT" sz="2400">
+                <a:solidFill>
+                  <a:schemeClr val="tx1"/>
+                </a:solidFill>
+                <a:latin typeface="Tahoma" panose="020B0604030504040204" pitchFamily="34" charset="0"/>
+                <a:ea typeface="Tahoma" panose="020B0604030504040204" pitchFamily="34" charset="0"/>
+                <a:cs typeface="Tahoma" panose="020B0604030504040204" pitchFamily="34" charset="0"/>
+              </a:rPr>
+              <a:t>Una organizzazione può acquistare un data warehouse sotto licenza e poi deployare il data warehouse sulla propria infrastruttura on-premises. Sebbene questo sia tipicamente più costoso di un servizio di data warehouse su cloud, può essere una scelta migliore per entità governative (come </a:t>
+            </a:r>
+            <a:r>
+              <a:rPr lang="it-IT" sz="2400" b="1">
+                <a:solidFill>
+                  <a:schemeClr val="tx1"/>
+                </a:solidFill>
+                <a:latin typeface="Tahoma" panose="020B0604030504040204" pitchFamily="34" charset="0"/>
+                <a:ea typeface="Tahoma" panose="020B0604030504040204" pitchFamily="34" charset="0"/>
+                <a:cs typeface="Tahoma" panose="020B0604030504040204" pitchFamily="34" charset="0"/>
+              </a:rPr>
+              <a:t>l'ISTAT</a:t>
+            </a:r>
+            <a:r>
+              <a:rPr lang="it-IT" sz="2400">
+                <a:solidFill>
+                  <a:schemeClr val="tx1"/>
+                </a:solidFill>
+                <a:latin typeface="Tahoma" panose="020B0604030504040204" pitchFamily="34" charset="0"/>
+                <a:ea typeface="Tahoma" panose="020B0604030504040204" pitchFamily="34" charset="0"/>
+                <a:cs typeface="Tahoma" panose="020B0604030504040204" pitchFamily="34" charset="0"/>
+              </a:rPr>
+              <a:t>), istituzione finanziarie o altre organizzazioni che vogliono avere più controllo sui loro dati o anno la necessità di soddisfare rigide norme di sicurezza o standard di privacy dei dati o regolamentazioni varie. </a:t>
+            </a:r>
+            <a:endParaRPr lang="en-US" sz="2400" b="1" i="0" dirty="0">
+              <a:solidFill>
+                <a:srgbClr val="525252"/>
+              </a:solidFill>
+              <a:effectLst/>
+              <a:latin typeface="IBM Plex Sans" panose="020B0604020202020204" pitchFamily="34" charset="0"/>
+            </a:endParaRPr>
+          </a:p>
+        </p:txBody>
+      </p:sp>
+      <p:sp>
+        <p:nvSpPr>
           <p:cNvPr id="7" name="Segnaposto numero diapositiva 6">
             <a:extLst>
               <a:ext uri="{FF2B5EF4-FFF2-40B4-BE49-F238E27FC236}">
@@ -8137,18 +7765,78 @@
           <a:p>
             <a:r>
               <a:rPr lang="it-IT" altLang="it-IT"/>
-              <a:t>Bibliografia</a:t>
+              <a:t>Tipi di Data Warehouse</a:t>
             </a:r>
             <a:endParaRPr lang="it-IT" dirty="0"/>
           </a:p>
         </p:txBody>
       </p:sp>
-      <p:sp>
-        <p:nvSpPr>
-          <p:cNvPr id="3" name="Segnaposto testo 2">
-            <a:extLst>
-              <a:ext uri="{FF2B5EF4-FFF2-40B4-BE49-F238E27FC236}">
-                <a16:creationId xmlns:a16="http://schemas.microsoft.com/office/drawing/2014/main" id="{15CD42DB-61E6-AA3D-7125-BF4BEDB5D886}"/>
+      <p:pic>
+        <p:nvPicPr>
+          <p:cNvPr id="6" name="Immagine 5" descr="Immagine che contiene testo, clipart&#10;&#10;Descrizione generata automaticamente">
+            <a:extLst>
+              <a:ext uri="{FF2B5EF4-FFF2-40B4-BE49-F238E27FC236}">
+                <a16:creationId xmlns:a16="http://schemas.microsoft.com/office/drawing/2014/main" id="{E8AC2029-301A-C036-3BD8-0FC31B527690}"/>
+              </a:ext>
+            </a:extLst>
+          </p:cNvPr>
+          <p:cNvPicPr>
+            <a:picLocks noChangeAspect="1"/>
+          </p:cNvPicPr>
+          <p:nvPr/>
+        </p:nvPicPr>
+        <p:blipFill>
+          <a:blip r:embed="rId2"/>
+          <a:stretch>
+            <a:fillRect/>
+          </a:stretch>
+        </p:blipFill>
+        <p:spPr>
+          <a:xfrm>
+            <a:off x="7238498" y="2217358"/>
+            <a:ext cx="4839214" cy="2146095"/>
+          </a:xfrm>
+          <a:prstGeom prst="rect">
+            <a:avLst/>
+          </a:prstGeom>
+        </p:spPr>
+      </p:pic>
+    </p:spTree>
+    <p:extLst>
+      <p:ext uri="{BB962C8B-B14F-4D97-AF65-F5344CB8AC3E}">
+        <p14:creationId xmlns:p14="http://schemas.microsoft.com/office/powerpoint/2010/main" val="3337552949"/>
+      </p:ext>
+    </p:extLst>
+  </p:cSld>
+  <p:clrMapOvr>
+    <a:masterClrMapping/>
+  </p:clrMapOvr>
+</p:sld>
+</file>
+
+<file path=ppt/slides/slide14.xml><?xml version="1.0" encoding="utf-8"?>
+<p:sld xmlns:a="http://schemas.openxmlformats.org/drawingml/2006/main" xmlns:r="http://schemas.openxmlformats.org/officeDocument/2006/relationships" xmlns:p="http://schemas.openxmlformats.org/presentationml/2006/main">
+  <p:cSld>
+    <p:spTree>
+      <p:nvGrpSpPr>
+        <p:cNvPr id="1" name=""/>
+        <p:cNvGrpSpPr/>
+        <p:nvPr/>
+      </p:nvGrpSpPr>
+      <p:grpSpPr>
+        <a:xfrm>
+          <a:off x="0" y="0"/>
+          <a:ext cx="0" cy="0"/>
+          <a:chOff x="0" y="0"/>
+          <a:chExt cx="0" cy="0"/>
+        </a:xfrm>
+      </p:grpSpPr>
+      <p:sp>
+        <p:nvSpPr>
+          <p:cNvPr id="2" name="Segnaposto testo 1">
+            <a:extLst>
+              <a:ext uri="{FF2B5EF4-FFF2-40B4-BE49-F238E27FC236}">
+                <a16:creationId xmlns:a16="http://schemas.microsoft.com/office/drawing/2014/main" id="{E5AE986C-196F-4141-A898-FA4C4198CDCC}"/>
               </a:ext>
             </a:extLst>
           </p:cNvPr>
@@ -8161,55 +7849,1470 @@
         </p:nvSpPr>
         <p:spPr>
           <a:xfrm>
-            <a:off x="477519" y="1557338"/>
-            <a:ext cx="11043921" cy="4392612"/>
+            <a:off x="326298" y="1213806"/>
+            <a:ext cx="5881998" cy="4392612"/>
           </a:xfrm>
         </p:spPr>
         <p:txBody>
           <a:bodyPr/>
           <a:lstStyle/>
           <a:p>
-            <a:r>
-              <a:rPr lang="it-IT" dirty="0">
-                <a:hlinkClick r:id="rId2"/>
-              </a:rPr>
-              <a:t>https://www.stitchdata.com/resources</a:t>
-            </a:r>
-            <a:r>
-              <a:rPr lang="it-IT">
-                <a:hlinkClick r:id="rId2"/>
-              </a:rPr>
-              <a:t>/data-transformation</a:t>
-            </a:r>
-            <a:endParaRPr lang="it-IT"/>
-          </a:p>
-          <a:p>
-            <a:endParaRPr lang="it-IT"/>
-          </a:p>
-          <a:p>
-            <a:r>
-              <a:rPr lang="it-IT">
-                <a:hlinkClick r:id="rId3"/>
-              </a:rPr>
-              <a:t>https://www.ibm.com/cloud/learn/data-warehouse#:~:text=A%20data%20warehouse%2C%20or%20enterprise,AI)%2C%20and%20machine%20learning</a:t>
-            </a:r>
-            <a:r>
-              <a:rPr lang="it-IT"/>
-              <a:t>.</a:t>
-            </a:r>
-          </a:p>
-          <a:p>
+            <a:pPr marL="342900" indent="-342900">
+              <a:buFont typeface="Wingdings" panose="05000000000000000000" pitchFamily="2" charset="2"/>
+              <a:buChar char="ü"/>
+            </a:pPr>
+            <a:r>
+              <a:rPr lang="it-IT" sz="2400" b="1">
+                <a:solidFill>
+                  <a:schemeClr val="tx1"/>
+                </a:solidFill>
+                <a:latin typeface="Tahoma" panose="020B0604030504040204" pitchFamily="34" charset="0"/>
+                <a:ea typeface="Tahoma" panose="020B0604030504040204" pitchFamily="34" charset="0"/>
+                <a:cs typeface="Tahoma" panose="020B0604030504040204" pitchFamily="34" charset="0"/>
+              </a:rPr>
+              <a:t>Apparati di Data Warehouse (Data Warehouse Appliance): </a:t>
+            </a:r>
+            <a:r>
+              <a:rPr lang="it-IT" sz="2400">
+                <a:solidFill>
+                  <a:schemeClr val="tx1"/>
+                </a:solidFill>
+                <a:latin typeface="Tahoma" panose="020B0604030504040204" pitchFamily="34" charset="0"/>
+                <a:ea typeface="Tahoma" panose="020B0604030504040204" pitchFamily="34" charset="0"/>
+                <a:cs typeface="Tahoma" panose="020B0604030504040204" pitchFamily="34" charset="0"/>
+              </a:rPr>
+              <a:t>Un'apparato di Data Warehouse è un insieme di sistemi hardware e software come CPU, storage, sistema operativo e data warehouse software che un'organizzaione può connettere alla sua rete e usarla come parte di essa. Un data warehouse appliance si colloca tra il cloud e le implementazioni on-premises in termini di costi, velocità di deployment, scalabilità, e controllo di gestione. </a:t>
+            </a:r>
+          </a:p>
+        </p:txBody>
+      </p:sp>
+      <p:sp>
+        <p:nvSpPr>
+          <p:cNvPr id="7" name="Segnaposto numero diapositiva 6">
+            <a:extLst>
+              <a:ext uri="{FF2B5EF4-FFF2-40B4-BE49-F238E27FC236}">
+                <a16:creationId xmlns:a16="http://schemas.microsoft.com/office/drawing/2014/main" id="{AB740BE9-E218-4144-BFDE-AE473D230A3D}"/>
+              </a:ext>
+            </a:extLst>
+          </p:cNvPr>
+          <p:cNvSpPr>
+            <a:spLocks noGrp="1"/>
+          </p:cNvSpPr>
+          <p:nvPr>
+            <p:ph type="sldNum" sz="quarter" idx="12"/>
+          </p:nvPr>
+        </p:nvSpPr>
+        <p:spPr/>
+        <p:txBody>
+          <a:bodyPr/>
+          <a:lstStyle/>
+          <a:p>
+            <a:pPr>
+              <a:defRPr/>
+            </a:pPr>
+            <a:fld id="{48B4153A-D4C5-4CEF-8992-0D8815C829E3}" type="slidenum">
+              <a:rPr lang="en-US" smtClean="0"/>
+              <a:pPr>
+                <a:defRPr/>
+              </a:pPr>
+              <a:t>14</a:t>
+            </a:fld>
+            <a:endParaRPr lang="en-US" dirty="0"/>
+          </a:p>
+        </p:txBody>
+      </p:sp>
+      <p:sp>
+        <p:nvSpPr>
+          <p:cNvPr id="5" name="Titolo 4">
+            <a:extLst>
+              <a:ext uri="{FF2B5EF4-FFF2-40B4-BE49-F238E27FC236}">
+                <a16:creationId xmlns:a16="http://schemas.microsoft.com/office/drawing/2014/main" id="{82C46BA2-B380-4357-B125-BA9F08A643F5}"/>
+              </a:ext>
+            </a:extLst>
+          </p:cNvPr>
+          <p:cNvSpPr>
+            <a:spLocks noGrp="1"/>
+          </p:cNvSpPr>
+          <p:nvPr>
+            <p:ph type="title"/>
+          </p:nvPr>
+        </p:nvSpPr>
+        <p:spPr>
+          <a:xfrm>
+            <a:off x="468895" y="503475"/>
+            <a:ext cx="11269308" cy="384721"/>
+          </a:xfrm>
+        </p:spPr>
+        <p:txBody>
+          <a:bodyPr/>
+          <a:lstStyle/>
+          <a:p>
+            <a:r>
+              <a:rPr lang="it-IT" altLang="it-IT"/>
+              <a:t>Tipi di Data Warehouse</a:t>
+            </a:r>
             <a:endParaRPr lang="it-IT" dirty="0"/>
           </a:p>
-          <a:p>
-            <a:endParaRPr lang="it-IT" dirty="0"/>
-          </a:p>
         </p:txBody>
       </p:sp>
+      <p:pic>
+        <p:nvPicPr>
+          <p:cNvPr id="4" name="Immagine 3">
+            <a:extLst>
+              <a:ext uri="{FF2B5EF4-FFF2-40B4-BE49-F238E27FC236}">
+                <a16:creationId xmlns:a16="http://schemas.microsoft.com/office/drawing/2014/main" id="{BF1B211A-CB4B-DCE1-3F6C-CC4BA6C6926A}"/>
+              </a:ext>
+            </a:extLst>
+          </p:cNvPr>
+          <p:cNvPicPr>
+            <a:picLocks noChangeAspect="1"/>
+          </p:cNvPicPr>
+          <p:nvPr/>
+        </p:nvPicPr>
+        <p:blipFill>
+          <a:blip r:embed="rId2"/>
+          <a:stretch>
+            <a:fillRect/>
+          </a:stretch>
+        </p:blipFill>
+        <p:spPr>
+          <a:xfrm>
+            <a:off x="5875671" y="1876425"/>
+            <a:ext cx="6600160" cy="3481638"/>
+          </a:xfrm>
+          <a:prstGeom prst="rect">
+            <a:avLst/>
+          </a:prstGeom>
+        </p:spPr>
+      </p:pic>
     </p:spTree>
     <p:extLst>
       <p:ext uri="{BB962C8B-B14F-4D97-AF65-F5344CB8AC3E}">
-        <p14:creationId xmlns:p14="http://schemas.microsoft.com/office/powerpoint/2010/main" val="3490964097"/>
+        <p14:creationId xmlns:p14="http://schemas.microsoft.com/office/powerpoint/2010/main" val="4098801862"/>
+      </p:ext>
+    </p:extLst>
+  </p:cSld>
+  <p:clrMapOvr>
+    <a:masterClrMapping/>
+  </p:clrMapOvr>
+</p:sld>
+</file>
+
+<file path=ppt/slides/slide15.xml><?xml version="1.0" encoding="utf-8"?>
+<p:sld xmlns:a="http://schemas.openxmlformats.org/drawingml/2006/main" xmlns:r="http://schemas.openxmlformats.org/officeDocument/2006/relationships" xmlns:p="http://schemas.openxmlformats.org/presentationml/2006/main">
+  <p:cSld>
+    <p:spTree>
+      <p:nvGrpSpPr>
+        <p:cNvPr id="1" name=""/>
+        <p:cNvGrpSpPr/>
+        <p:nvPr/>
+      </p:nvGrpSpPr>
+      <p:grpSpPr>
+        <a:xfrm>
+          <a:off x="0" y="0"/>
+          <a:ext cx="0" cy="0"/>
+          <a:chOff x="0" y="0"/>
+          <a:chExt cx="0" cy="0"/>
+        </a:xfrm>
+      </p:grpSpPr>
+      <p:sp>
+        <p:nvSpPr>
+          <p:cNvPr id="2" name="Segnaposto testo 1">
+            <a:extLst>
+              <a:ext uri="{FF2B5EF4-FFF2-40B4-BE49-F238E27FC236}">
+                <a16:creationId xmlns:a16="http://schemas.microsoft.com/office/drawing/2014/main" id="{E5AE986C-196F-4141-A898-FA4C4198CDCC}"/>
+              </a:ext>
+            </a:extLst>
+          </p:cNvPr>
+          <p:cNvSpPr>
+            <a:spLocks noGrp="1"/>
+          </p:cNvSpPr>
+          <p:nvPr>
+            <p:ph type="body" idx="1"/>
+          </p:nvPr>
+        </p:nvSpPr>
+        <p:spPr>
+          <a:xfrm>
+            <a:off x="326297" y="1213806"/>
+            <a:ext cx="8625198" cy="4392612"/>
+          </a:xfrm>
+        </p:spPr>
+        <p:txBody>
+          <a:bodyPr/>
+          <a:lstStyle/>
+          <a:p>
+            <a:pPr marL="457200" indent="-457200">
+              <a:buFont typeface="+mj-lt"/>
+              <a:buAutoNum type="arabicPeriod"/>
+            </a:pPr>
+            <a:r>
+              <a:rPr lang="it-IT" sz="2400" b="1">
+                <a:solidFill>
+                  <a:schemeClr val="tx1"/>
+                </a:solidFill>
+                <a:latin typeface="Tahoma" panose="020B0604030504040204" pitchFamily="34" charset="0"/>
+                <a:ea typeface="Tahoma" panose="020B0604030504040204" pitchFamily="34" charset="0"/>
+                <a:cs typeface="Tahoma" panose="020B0604030504040204" pitchFamily="34" charset="0"/>
+              </a:rPr>
+              <a:t>Migliore qualità dei dati: </a:t>
+            </a:r>
+            <a:r>
+              <a:rPr lang="it-IT" sz="2400">
+                <a:solidFill>
+                  <a:schemeClr val="tx1"/>
+                </a:solidFill>
+                <a:latin typeface="Tahoma" panose="020B0604030504040204" pitchFamily="34" charset="0"/>
+                <a:ea typeface="Tahoma" panose="020B0604030504040204" pitchFamily="34" charset="0"/>
+                <a:cs typeface="Tahoma" panose="020B0604030504040204" pitchFamily="34" charset="0"/>
+              </a:rPr>
+              <a:t>Un data warehouse centralizza i dati da una varietà di sorgenti di dati, come sistemi transazionali, database operazionali, e file piatti. Dunque, ripulisce i dati, elimina i duplicati e li standardizzato per creare un unica sorgente di dati. </a:t>
+            </a:r>
+          </a:p>
+          <a:p>
+            <a:pPr marL="457200" indent="-457200">
+              <a:buFont typeface="+mj-lt"/>
+              <a:buAutoNum type="arabicPeriod"/>
+            </a:pPr>
+            <a:r>
+              <a:rPr lang="it-IT" sz="2400" b="1">
+                <a:solidFill>
+                  <a:schemeClr val="tx1"/>
+                </a:solidFill>
+                <a:latin typeface="Tahoma" panose="020B0604030504040204" pitchFamily="34" charset="0"/>
+                <a:ea typeface="Tahoma" panose="020B0604030504040204" pitchFamily="34" charset="0"/>
+                <a:cs typeface="Tahoma" panose="020B0604030504040204" pitchFamily="34" charset="0"/>
+              </a:rPr>
+              <a:t>Più veloce e informazioni di business: </a:t>
+            </a:r>
+            <a:r>
+              <a:rPr lang="it-IT" sz="2400">
+                <a:solidFill>
+                  <a:schemeClr val="tx1"/>
+                </a:solidFill>
+                <a:latin typeface="Tahoma" panose="020B0604030504040204" pitchFamily="34" charset="0"/>
+                <a:ea typeface="Tahoma" panose="020B0604030504040204" pitchFamily="34" charset="0"/>
+                <a:cs typeface="Tahoma" panose="020B0604030504040204" pitchFamily="34" charset="0"/>
+              </a:rPr>
+              <a:t>I dati provenienti da disparate sorgenti limitano il potere decisionale dei decision makers per avviare strategie di business con una certa affidabilità. I data warehouse permettono la </a:t>
+            </a:r>
+            <a:r>
+              <a:rPr lang="it-IT" sz="2400" b="1">
+                <a:solidFill>
+                  <a:schemeClr val="tx1"/>
+                </a:solidFill>
+                <a:latin typeface="Tahoma" panose="020B0604030504040204" pitchFamily="34" charset="0"/>
+                <a:ea typeface="Tahoma" panose="020B0604030504040204" pitchFamily="34" charset="0"/>
+                <a:cs typeface="Tahoma" panose="020B0604030504040204" pitchFamily="34" charset="0"/>
+              </a:rPr>
+              <a:t>Data Integration </a:t>
+            </a:r>
+            <a:r>
+              <a:rPr lang="it-IT" sz="2400">
+                <a:solidFill>
+                  <a:schemeClr val="tx1"/>
+                </a:solidFill>
+                <a:latin typeface="Tahoma" panose="020B0604030504040204" pitchFamily="34" charset="0"/>
+                <a:ea typeface="Tahoma" panose="020B0604030504040204" pitchFamily="34" charset="0"/>
+                <a:cs typeface="Tahoma" panose="020B0604030504040204" pitchFamily="34" charset="0"/>
+              </a:rPr>
+              <a:t>(Integrazione Dati), permettendo agli utenti del business di estrarre tutte le informazione necessarie dai dati della compagnia durante ciascuna decisione di business. </a:t>
+            </a:r>
+          </a:p>
+          <a:p>
+            <a:r>
+              <a:rPr lang="it-IT" sz="2400">
+                <a:solidFill>
+                  <a:schemeClr val="tx1"/>
+                </a:solidFill>
+                <a:latin typeface="Tahoma" panose="020B0604030504040204" pitchFamily="34" charset="0"/>
+                <a:ea typeface="Tahoma" panose="020B0604030504040204" pitchFamily="34" charset="0"/>
+                <a:cs typeface="Tahoma" panose="020B0604030504040204" pitchFamily="34" charset="0"/>
+              </a:rPr>
+              <a:t>  </a:t>
+            </a:r>
+          </a:p>
+        </p:txBody>
+      </p:sp>
+      <p:sp>
+        <p:nvSpPr>
+          <p:cNvPr id="7" name="Segnaposto numero diapositiva 6">
+            <a:extLst>
+              <a:ext uri="{FF2B5EF4-FFF2-40B4-BE49-F238E27FC236}">
+                <a16:creationId xmlns:a16="http://schemas.microsoft.com/office/drawing/2014/main" id="{AB740BE9-E218-4144-BFDE-AE473D230A3D}"/>
+              </a:ext>
+            </a:extLst>
+          </p:cNvPr>
+          <p:cNvSpPr>
+            <a:spLocks noGrp="1"/>
+          </p:cNvSpPr>
+          <p:nvPr>
+            <p:ph type="sldNum" sz="quarter" idx="12"/>
+          </p:nvPr>
+        </p:nvSpPr>
+        <p:spPr/>
+        <p:txBody>
+          <a:bodyPr/>
+          <a:lstStyle/>
+          <a:p>
+            <a:pPr>
+              <a:defRPr/>
+            </a:pPr>
+            <a:fld id="{48B4153A-D4C5-4CEF-8992-0D8815C829E3}" type="slidenum">
+              <a:rPr lang="en-US" smtClean="0"/>
+              <a:pPr>
+                <a:defRPr/>
+              </a:pPr>
+              <a:t>15</a:t>
+            </a:fld>
+            <a:endParaRPr lang="en-US" dirty="0"/>
+          </a:p>
+        </p:txBody>
+      </p:sp>
+      <p:sp>
+        <p:nvSpPr>
+          <p:cNvPr id="5" name="Titolo 4">
+            <a:extLst>
+              <a:ext uri="{FF2B5EF4-FFF2-40B4-BE49-F238E27FC236}">
+                <a16:creationId xmlns:a16="http://schemas.microsoft.com/office/drawing/2014/main" id="{82C46BA2-B380-4357-B125-BA9F08A643F5}"/>
+              </a:ext>
+            </a:extLst>
+          </p:cNvPr>
+          <p:cNvSpPr>
+            <a:spLocks noGrp="1"/>
+          </p:cNvSpPr>
+          <p:nvPr>
+            <p:ph type="title"/>
+          </p:nvPr>
+        </p:nvSpPr>
+        <p:spPr>
+          <a:xfrm>
+            <a:off x="468895" y="503475"/>
+            <a:ext cx="11269308" cy="384721"/>
+          </a:xfrm>
+        </p:spPr>
+        <p:txBody>
+          <a:bodyPr/>
+          <a:lstStyle/>
+          <a:p>
+            <a:r>
+              <a:rPr lang="it-IT" altLang="it-IT"/>
+              <a:t>Benefici di un Data WarehouseTipi di Data Warehouse</a:t>
+            </a:r>
+            <a:endParaRPr lang="it-IT" dirty="0"/>
+          </a:p>
+        </p:txBody>
+      </p:sp>
+      <p:pic>
+        <p:nvPicPr>
+          <p:cNvPr id="4" name="Immagine 3">
+            <a:extLst>
+              <a:ext uri="{FF2B5EF4-FFF2-40B4-BE49-F238E27FC236}">
+                <a16:creationId xmlns:a16="http://schemas.microsoft.com/office/drawing/2014/main" id="{799FBDB4-3925-B8DF-A734-3893D22091BD}"/>
+              </a:ext>
+            </a:extLst>
+          </p:cNvPr>
+          <p:cNvPicPr>
+            <a:picLocks noChangeAspect="1"/>
+          </p:cNvPicPr>
+          <p:nvPr/>
+        </p:nvPicPr>
+        <p:blipFill>
+          <a:blip r:embed="rId2"/>
+          <a:stretch>
+            <a:fillRect/>
+          </a:stretch>
+        </p:blipFill>
+        <p:spPr>
+          <a:xfrm>
+            <a:off x="9348787" y="2543337"/>
+            <a:ext cx="2638425" cy="1733550"/>
+          </a:xfrm>
+          <a:prstGeom prst="rect">
+            <a:avLst/>
+          </a:prstGeom>
+        </p:spPr>
+      </p:pic>
+    </p:spTree>
+    <p:extLst>
+      <p:ext uri="{BB962C8B-B14F-4D97-AF65-F5344CB8AC3E}">
+        <p14:creationId xmlns:p14="http://schemas.microsoft.com/office/powerpoint/2010/main" val="1879425816"/>
+      </p:ext>
+    </p:extLst>
+  </p:cSld>
+  <p:clrMapOvr>
+    <a:masterClrMapping/>
+  </p:clrMapOvr>
+</p:sld>
+</file>
+
+<file path=ppt/slides/slide16.xml><?xml version="1.0" encoding="utf-8"?>
+<p:sld xmlns:a="http://schemas.openxmlformats.org/drawingml/2006/main" xmlns:r="http://schemas.openxmlformats.org/officeDocument/2006/relationships" xmlns:p="http://schemas.openxmlformats.org/presentationml/2006/main">
+  <p:cSld>
+    <p:spTree>
+      <p:nvGrpSpPr>
+        <p:cNvPr id="1" name=""/>
+        <p:cNvGrpSpPr/>
+        <p:nvPr/>
+      </p:nvGrpSpPr>
+      <p:grpSpPr>
+        <a:xfrm>
+          <a:off x="0" y="0"/>
+          <a:ext cx="0" cy="0"/>
+          <a:chOff x="0" y="0"/>
+          <a:chExt cx="0" cy="0"/>
+        </a:xfrm>
+      </p:grpSpPr>
+      <p:sp>
+        <p:nvSpPr>
+          <p:cNvPr id="2" name="Segnaposto testo 1">
+            <a:extLst>
+              <a:ext uri="{FF2B5EF4-FFF2-40B4-BE49-F238E27FC236}">
+                <a16:creationId xmlns:a16="http://schemas.microsoft.com/office/drawing/2014/main" id="{E5AE986C-196F-4141-A898-FA4C4198CDCC}"/>
+              </a:ext>
+            </a:extLst>
+          </p:cNvPr>
+          <p:cNvSpPr>
+            <a:spLocks noGrp="1"/>
+          </p:cNvSpPr>
+          <p:nvPr>
+            <p:ph type="body" idx="1"/>
+          </p:nvPr>
+        </p:nvSpPr>
+        <p:spPr>
+          <a:xfrm>
+            <a:off x="326297" y="1213806"/>
+            <a:ext cx="8625198" cy="4392612"/>
+          </a:xfrm>
+        </p:spPr>
+        <p:txBody>
+          <a:bodyPr/>
+          <a:lstStyle/>
+          <a:p>
+            <a:pPr marL="457200" indent="-457200">
+              <a:buFont typeface="+mj-lt"/>
+              <a:buAutoNum type="arabicPeriod" startAt="3"/>
+            </a:pPr>
+            <a:r>
+              <a:rPr lang="it-IT" sz="2400" b="1">
+                <a:solidFill>
+                  <a:schemeClr val="tx1"/>
+                </a:solidFill>
+                <a:latin typeface="Tahoma" panose="020B0604030504040204" pitchFamily="34" charset="0"/>
+                <a:ea typeface="Tahoma" panose="020B0604030504040204" pitchFamily="34" charset="0"/>
+                <a:cs typeface="Tahoma" panose="020B0604030504040204" pitchFamily="34" charset="0"/>
+              </a:rPr>
+              <a:t>Decision-making più intelligente: </a:t>
+            </a:r>
+            <a:r>
+              <a:rPr lang="it-IT" sz="2400">
+                <a:solidFill>
+                  <a:schemeClr val="tx1"/>
+                </a:solidFill>
+                <a:latin typeface="Tahoma" panose="020B0604030504040204" pitchFamily="34" charset="0"/>
+                <a:ea typeface="Tahoma" panose="020B0604030504040204" pitchFamily="34" charset="0"/>
+                <a:cs typeface="Tahoma" panose="020B0604030504040204" pitchFamily="34" charset="0"/>
+              </a:rPr>
+              <a:t>Un data warehouse supporta funzioni di Business Intelligence ad ampia scala come il </a:t>
+            </a:r>
+            <a:r>
+              <a:rPr lang="it-IT" sz="2400" b="1">
+                <a:solidFill>
+                  <a:schemeClr val="tx1"/>
+                </a:solidFill>
+                <a:latin typeface="Tahoma" panose="020B0604030504040204" pitchFamily="34" charset="0"/>
+                <a:ea typeface="Tahoma" panose="020B0604030504040204" pitchFamily="34" charset="0"/>
+                <a:cs typeface="Tahoma" panose="020B0604030504040204" pitchFamily="34" charset="0"/>
+              </a:rPr>
+              <a:t>data mining </a:t>
+            </a:r>
+            <a:r>
+              <a:rPr lang="it-IT" sz="2400">
+                <a:solidFill>
+                  <a:schemeClr val="tx1"/>
+                </a:solidFill>
+                <a:latin typeface="Tahoma" panose="020B0604030504040204" pitchFamily="34" charset="0"/>
+                <a:ea typeface="Tahoma" panose="020B0604030504040204" pitchFamily="34" charset="0"/>
+                <a:cs typeface="Tahoma" panose="020B0604030504040204" pitchFamily="34" charset="0"/>
+              </a:rPr>
+              <a:t>(che cerca pattern e relazioni nei dati), intelligenza artificiale e machine learning. I professionisti e i leader di business possono usare i dati per prendere decisioni smart in virtualmente ogni area dell'organizzazione, dai processi di business al management finanziario all'inventory management. </a:t>
+            </a:r>
+          </a:p>
+          <a:p>
+            <a:pPr marL="457200" indent="-457200">
+              <a:buFont typeface="+mj-lt"/>
+              <a:buAutoNum type="arabicPeriod" startAt="3"/>
+            </a:pPr>
+            <a:r>
+              <a:rPr lang="it-IT" sz="2400" b="1">
+                <a:solidFill>
+                  <a:schemeClr val="tx1"/>
+                </a:solidFill>
+                <a:latin typeface="Tahoma" panose="020B0604030504040204" pitchFamily="34" charset="0"/>
+                <a:ea typeface="Tahoma" panose="020B0604030504040204" pitchFamily="34" charset="0"/>
+                <a:cs typeface="Tahoma" panose="020B0604030504040204" pitchFamily="34" charset="0"/>
+              </a:rPr>
+              <a:t>Guadagnare e far crescere un vantaggio competitivo: </a:t>
+            </a:r>
+            <a:r>
+              <a:rPr lang="it-IT" sz="2400">
+                <a:solidFill>
+                  <a:schemeClr val="tx1"/>
+                </a:solidFill>
+                <a:latin typeface="Tahoma" panose="020B0604030504040204" pitchFamily="34" charset="0"/>
+                <a:ea typeface="Tahoma" panose="020B0604030504040204" pitchFamily="34" charset="0"/>
+                <a:cs typeface="Tahoma" panose="020B0604030504040204" pitchFamily="34" charset="0"/>
+              </a:rPr>
+              <a:t>Tutti i benefici visti si combinano per aiutare un organizzazione a trovare più opportunità nei dati, più rapidamente di quanto sia possibile con data store displocati in luoghi diversi e disparati. </a:t>
+            </a:r>
+          </a:p>
+        </p:txBody>
+      </p:sp>
+      <p:sp>
+        <p:nvSpPr>
+          <p:cNvPr id="7" name="Segnaposto numero diapositiva 6">
+            <a:extLst>
+              <a:ext uri="{FF2B5EF4-FFF2-40B4-BE49-F238E27FC236}">
+                <a16:creationId xmlns:a16="http://schemas.microsoft.com/office/drawing/2014/main" id="{AB740BE9-E218-4144-BFDE-AE473D230A3D}"/>
+              </a:ext>
+            </a:extLst>
+          </p:cNvPr>
+          <p:cNvSpPr>
+            <a:spLocks noGrp="1"/>
+          </p:cNvSpPr>
+          <p:nvPr>
+            <p:ph type="sldNum" sz="quarter" idx="12"/>
+          </p:nvPr>
+        </p:nvSpPr>
+        <p:spPr/>
+        <p:txBody>
+          <a:bodyPr/>
+          <a:lstStyle/>
+          <a:p>
+            <a:pPr>
+              <a:defRPr/>
+            </a:pPr>
+            <a:fld id="{48B4153A-D4C5-4CEF-8992-0D8815C829E3}" type="slidenum">
+              <a:rPr lang="en-US" smtClean="0"/>
+              <a:pPr>
+                <a:defRPr/>
+              </a:pPr>
+              <a:t>16</a:t>
+            </a:fld>
+            <a:endParaRPr lang="en-US" dirty="0"/>
+          </a:p>
+        </p:txBody>
+      </p:sp>
+      <p:sp>
+        <p:nvSpPr>
+          <p:cNvPr id="5" name="Titolo 4">
+            <a:extLst>
+              <a:ext uri="{FF2B5EF4-FFF2-40B4-BE49-F238E27FC236}">
+                <a16:creationId xmlns:a16="http://schemas.microsoft.com/office/drawing/2014/main" id="{82C46BA2-B380-4357-B125-BA9F08A643F5}"/>
+              </a:ext>
+            </a:extLst>
+          </p:cNvPr>
+          <p:cNvSpPr>
+            <a:spLocks noGrp="1"/>
+          </p:cNvSpPr>
+          <p:nvPr>
+            <p:ph type="title"/>
+          </p:nvPr>
+        </p:nvSpPr>
+        <p:spPr>
+          <a:xfrm>
+            <a:off x="468895" y="503475"/>
+            <a:ext cx="11269308" cy="384721"/>
+          </a:xfrm>
+        </p:spPr>
+        <p:txBody>
+          <a:bodyPr/>
+          <a:lstStyle/>
+          <a:p>
+            <a:r>
+              <a:rPr lang="it-IT" altLang="it-IT"/>
+              <a:t>Benefici di un Data WarehouseTipi di Data Warehouse</a:t>
+            </a:r>
+            <a:endParaRPr lang="it-IT" dirty="0"/>
+          </a:p>
+        </p:txBody>
+      </p:sp>
+      <p:pic>
+        <p:nvPicPr>
+          <p:cNvPr id="6" name="Immagine 5">
+            <a:extLst>
+              <a:ext uri="{FF2B5EF4-FFF2-40B4-BE49-F238E27FC236}">
+                <a16:creationId xmlns:a16="http://schemas.microsoft.com/office/drawing/2014/main" id="{FB5C5DAA-01A8-A3BE-1292-7242E827297E}"/>
+              </a:ext>
+            </a:extLst>
+          </p:cNvPr>
+          <p:cNvPicPr>
+            <a:picLocks noChangeAspect="1"/>
+          </p:cNvPicPr>
+          <p:nvPr/>
+        </p:nvPicPr>
+        <p:blipFill>
+          <a:blip r:embed="rId2"/>
+          <a:stretch>
+            <a:fillRect/>
+          </a:stretch>
+        </p:blipFill>
+        <p:spPr>
+          <a:xfrm>
+            <a:off x="8951495" y="2610012"/>
+            <a:ext cx="2857500" cy="1600200"/>
+          </a:xfrm>
+          <a:prstGeom prst="rect">
+            <a:avLst/>
+          </a:prstGeom>
+        </p:spPr>
+      </p:pic>
+    </p:spTree>
+    <p:extLst>
+      <p:ext uri="{BB962C8B-B14F-4D97-AF65-F5344CB8AC3E}">
+        <p14:creationId xmlns:p14="http://schemas.microsoft.com/office/powerpoint/2010/main" val="4165793324"/>
+      </p:ext>
+    </p:extLst>
+  </p:cSld>
+  <p:clrMapOvr>
+    <a:masterClrMapping/>
+  </p:clrMapOvr>
+</p:sld>
+</file>
+
+<file path=ppt/slides/slide17.xml><?xml version="1.0" encoding="utf-8"?>
+<p:sld xmlns:a="http://schemas.openxmlformats.org/drawingml/2006/main" xmlns:r="http://schemas.openxmlformats.org/officeDocument/2006/relationships" xmlns:p="http://schemas.openxmlformats.org/presentationml/2006/main">
+  <p:cSld>
+    <p:spTree>
+      <p:nvGrpSpPr>
+        <p:cNvPr id="1" name=""/>
+        <p:cNvGrpSpPr/>
+        <p:nvPr/>
+      </p:nvGrpSpPr>
+      <p:grpSpPr>
+        <a:xfrm>
+          <a:off x="0" y="0"/>
+          <a:ext cx="0" cy="0"/>
+          <a:chOff x="0" y="0"/>
+          <a:chExt cx="0" cy="0"/>
+        </a:xfrm>
+      </p:grpSpPr>
+      <p:sp>
+        <p:nvSpPr>
+          <p:cNvPr id="2" name="Segnaposto testo 1">
+            <a:extLst>
+              <a:ext uri="{FF2B5EF4-FFF2-40B4-BE49-F238E27FC236}">
+                <a16:creationId xmlns:a16="http://schemas.microsoft.com/office/drawing/2014/main" id="{E5AE986C-196F-4141-A898-FA4C4198CDCC}"/>
+              </a:ext>
+            </a:extLst>
+          </p:cNvPr>
+          <p:cNvSpPr>
+            <a:spLocks noGrp="1"/>
+          </p:cNvSpPr>
+          <p:nvPr>
+            <p:ph type="body" idx="1"/>
+          </p:nvPr>
+        </p:nvSpPr>
+        <p:spPr>
+          <a:xfrm>
+            <a:off x="326297" y="1213806"/>
+            <a:ext cx="11269308" cy="4392612"/>
+          </a:xfrm>
+        </p:spPr>
+        <p:txBody>
+          <a:bodyPr/>
+          <a:lstStyle/>
+          <a:p>
+            <a:pPr marL="342900" indent="-342900">
+              <a:buFont typeface="Wingdings" panose="05000000000000000000" pitchFamily="2" charset="2"/>
+              <a:buChar char="ü"/>
+            </a:pPr>
+            <a:r>
+              <a:rPr lang="it-IT" sz="2400">
+                <a:solidFill>
+                  <a:schemeClr val="tx1"/>
+                </a:solidFill>
+                <a:latin typeface="Tahoma" panose="020B0604030504040204" pitchFamily="34" charset="0"/>
+                <a:ea typeface="Tahoma" panose="020B0604030504040204" pitchFamily="34" charset="0"/>
+                <a:cs typeface="Tahoma" panose="020B0604030504040204" pitchFamily="34" charset="0"/>
+              </a:rPr>
+              <a:t>I </a:t>
+            </a:r>
+            <a:r>
+              <a:rPr lang="it-IT" sz="2400" b="1">
+                <a:solidFill>
+                  <a:schemeClr val="tx1"/>
+                </a:solidFill>
+                <a:latin typeface="Tahoma" panose="020B0604030504040204" pitchFamily="34" charset="0"/>
+                <a:ea typeface="Tahoma" panose="020B0604030504040204" pitchFamily="34" charset="0"/>
+                <a:cs typeface="Tahoma" panose="020B0604030504040204" pitchFamily="34" charset="0"/>
+              </a:rPr>
+              <a:t>Database</a:t>
+            </a:r>
+            <a:r>
+              <a:rPr lang="it-IT" sz="2400">
+                <a:solidFill>
+                  <a:schemeClr val="tx1"/>
+                </a:solidFill>
+                <a:latin typeface="Tahoma" panose="020B0604030504040204" pitchFamily="34" charset="0"/>
+                <a:ea typeface="Tahoma" panose="020B0604030504040204" pitchFamily="34" charset="0"/>
+                <a:cs typeface="Tahoma" panose="020B0604030504040204" pitchFamily="34" charset="0"/>
+              </a:rPr>
+              <a:t> </a:t>
+            </a:r>
+            <a:r>
+              <a:rPr lang="it-IT" sz="2400" b="1">
+                <a:solidFill>
+                  <a:schemeClr val="tx1"/>
+                </a:solidFill>
+                <a:latin typeface="Tahoma" panose="020B0604030504040204" pitchFamily="34" charset="0"/>
+                <a:ea typeface="Tahoma" panose="020B0604030504040204" pitchFamily="34" charset="0"/>
+                <a:cs typeface="Tahoma" panose="020B0604030504040204" pitchFamily="34" charset="0"/>
+              </a:rPr>
+              <a:t>Transazionali</a:t>
+            </a:r>
+            <a:r>
+              <a:rPr lang="it-IT" sz="2400">
+                <a:solidFill>
+                  <a:schemeClr val="tx1"/>
+                </a:solidFill>
+                <a:latin typeface="Tahoma" panose="020B0604030504040204" pitchFamily="34" charset="0"/>
+                <a:ea typeface="Tahoma" panose="020B0604030504040204" pitchFamily="34" charset="0"/>
+                <a:cs typeface="Tahoma" panose="020B0604030504040204" pitchFamily="34" charset="0"/>
+              </a:rPr>
+              <a:t> sono ottimizzati per l'esecuzione di sistemi di produzione, dai siti web alle banche fino ai negozi al dettaglio. Questi database si distinguono per la rapidità di lettura e scrittura di singole righe di dati senza alterarne l'integrità. Questi database transazionali sono archivi di righe, dunque i dati sono archiviati su disco come righe anzichè colonne. Gli archivi di righe sono molto utili quando è necessario sapere tutto di un cliente nella tabella utente, per esempio. Tuttavia non sono ottimali quando per esempio si cerca di conteggiare i clienti di un determinato codice postale, in quanto è necessario caricare in memoria nonsolo la colonna codice postale ma anche le colonne nome, indirizzo, ecc. Dunque i DB transazionali non sono creati per l'analisi. </a:t>
+            </a:r>
+            <a:endParaRPr lang="en-US" sz="2400" b="1" i="0" dirty="0">
+              <a:solidFill>
+                <a:srgbClr val="525252"/>
+              </a:solidFill>
+              <a:effectLst/>
+              <a:latin typeface="IBM Plex Sans" panose="020B0604020202020204" pitchFamily="34" charset="0"/>
+            </a:endParaRPr>
+          </a:p>
+        </p:txBody>
+      </p:sp>
+      <p:sp>
+        <p:nvSpPr>
+          <p:cNvPr id="7" name="Segnaposto numero diapositiva 6">
+            <a:extLst>
+              <a:ext uri="{FF2B5EF4-FFF2-40B4-BE49-F238E27FC236}">
+                <a16:creationId xmlns:a16="http://schemas.microsoft.com/office/drawing/2014/main" id="{AB740BE9-E218-4144-BFDE-AE473D230A3D}"/>
+              </a:ext>
+            </a:extLst>
+          </p:cNvPr>
+          <p:cNvSpPr>
+            <a:spLocks noGrp="1"/>
+          </p:cNvSpPr>
+          <p:nvPr>
+            <p:ph type="sldNum" sz="quarter" idx="12"/>
+          </p:nvPr>
+        </p:nvSpPr>
+        <p:spPr/>
+        <p:txBody>
+          <a:bodyPr/>
+          <a:lstStyle/>
+          <a:p>
+            <a:pPr>
+              <a:defRPr/>
+            </a:pPr>
+            <a:fld id="{48B4153A-D4C5-4CEF-8992-0D8815C829E3}" type="slidenum">
+              <a:rPr lang="en-US" smtClean="0"/>
+              <a:pPr>
+                <a:defRPr/>
+              </a:pPr>
+              <a:t>17</a:t>
+            </a:fld>
+            <a:endParaRPr lang="en-US" dirty="0"/>
+          </a:p>
+        </p:txBody>
+      </p:sp>
+      <p:sp>
+        <p:nvSpPr>
+          <p:cNvPr id="5" name="Titolo 4">
+            <a:extLst>
+              <a:ext uri="{FF2B5EF4-FFF2-40B4-BE49-F238E27FC236}">
+                <a16:creationId xmlns:a16="http://schemas.microsoft.com/office/drawing/2014/main" id="{82C46BA2-B380-4357-B125-BA9F08A643F5}"/>
+              </a:ext>
+            </a:extLst>
+          </p:cNvPr>
+          <p:cNvSpPr>
+            <a:spLocks noGrp="1"/>
+          </p:cNvSpPr>
+          <p:nvPr>
+            <p:ph type="title"/>
+          </p:nvPr>
+        </p:nvSpPr>
+        <p:spPr>
+          <a:xfrm>
+            <a:off x="468895" y="503475"/>
+            <a:ext cx="11269308" cy="384721"/>
+          </a:xfrm>
+        </p:spPr>
+        <p:txBody>
+          <a:bodyPr/>
+          <a:lstStyle/>
+          <a:p>
+            <a:r>
+              <a:rPr lang="it-IT" altLang="it-IT"/>
+              <a:t>Database Transazionali</a:t>
+            </a:r>
+            <a:endParaRPr lang="it-IT" dirty="0"/>
+          </a:p>
+        </p:txBody>
+      </p:sp>
+    </p:spTree>
+    <p:extLst>
+      <p:ext uri="{BB962C8B-B14F-4D97-AF65-F5344CB8AC3E}">
+        <p14:creationId xmlns:p14="http://schemas.microsoft.com/office/powerpoint/2010/main" val="4271878022"/>
+      </p:ext>
+    </p:extLst>
+  </p:cSld>
+  <p:clrMapOvr>
+    <a:masterClrMapping/>
+  </p:clrMapOvr>
+</p:sld>
+</file>
+
+<file path=ppt/slides/slide18.xml><?xml version="1.0" encoding="utf-8"?>
+<p:sld xmlns:a="http://schemas.openxmlformats.org/drawingml/2006/main" xmlns:r="http://schemas.openxmlformats.org/officeDocument/2006/relationships" xmlns:p="http://schemas.openxmlformats.org/presentationml/2006/main">
+  <p:cSld>
+    <p:spTree>
+      <p:nvGrpSpPr>
+        <p:cNvPr id="1" name=""/>
+        <p:cNvGrpSpPr/>
+        <p:nvPr/>
+      </p:nvGrpSpPr>
+      <p:grpSpPr>
+        <a:xfrm>
+          <a:off x="0" y="0"/>
+          <a:ext cx="0" cy="0"/>
+          <a:chOff x="0" y="0"/>
+          <a:chExt cx="0" cy="0"/>
+        </a:xfrm>
+      </p:grpSpPr>
+      <p:sp>
+        <p:nvSpPr>
+          <p:cNvPr id="2" name="Segnaposto testo 1">
+            <a:extLst>
+              <a:ext uri="{FF2B5EF4-FFF2-40B4-BE49-F238E27FC236}">
+                <a16:creationId xmlns:a16="http://schemas.microsoft.com/office/drawing/2014/main" id="{E5AE986C-196F-4141-A898-FA4C4198CDCC}"/>
+              </a:ext>
+            </a:extLst>
+          </p:cNvPr>
+          <p:cNvSpPr>
+            <a:spLocks noGrp="1"/>
+          </p:cNvSpPr>
+          <p:nvPr>
+            <p:ph type="body" idx="1"/>
+          </p:nvPr>
+        </p:nvSpPr>
+        <p:spPr>
+          <a:xfrm>
+            <a:off x="326297" y="1213805"/>
+            <a:ext cx="7706355" cy="4833033"/>
+          </a:xfrm>
+        </p:spPr>
+        <p:txBody>
+          <a:bodyPr/>
+          <a:lstStyle/>
+          <a:p>
+            <a:pPr marL="342900" indent="-342900">
+              <a:buFont typeface="Wingdings" panose="05000000000000000000" pitchFamily="2" charset="2"/>
+              <a:buChar char="ü"/>
+            </a:pPr>
+            <a:r>
+              <a:rPr lang="it-IT" sz="2400" b="1" dirty="0">
+                <a:solidFill>
+                  <a:schemeClr val="tx1"/>
+                </a:solidFill>
+                <a:latin typeface="Tahoma" panose="020B0604030504040204" pitchFamily="34" charset="0"/>
+                <a:ea typeface="Tahoma" panose="020B0604030504040204" pitchFamily="34" charset="0"/>
+                <a:cs typeface="Tahoma" panose="020B0604030504040204" pitchFamily="34" charset="0"/>
+              </a:rPr>
+              <a:t>ETL </a:t>
+            </a:r>
+            <a:r>
+              <a:rPr lang="it-IT" sz="2400" dirty="0">
+                <a:solidFill>
+                  <a:schemeClr val="tx1"/>
+                </a:solidFill>
+                <a:latin typeface="Tahoma" panose="020B0604030504040204" pitchFamily="34" charset="0"/>
+                <a:ea typeface="Tahoma" panose="020B0604030504040204" pitchFamily="34" charset="0"/>
+                <a:cs typeface="Tahoma" panose="020B0604030504040204" pitchFamily="34" charset="0"/>
+              </a:rPr>
+              <a:t>fornisce le fondamenta per la data </a:t>
+            </a:r>
+            <a:r>
+              <a:rPr lang="it-IT" sz="2400" dirty="0" err="1">
+                <a:solidFill>
+                  <a:schemeClr val="tx1"/>
+                </a:solidFill>
+                <a:latin typeface="Tahoma" panose="020B0604030504040204" pitchFamily="34" charset="0"/>
+                <a:ea typeface="Tahoma" panose="020B0604030504040204" pitchFamily="34" charset="0"/>
+                <a:cs typeface="Tahoma" panose="020B0604030504040204" pitchFamily="34" charset="0"/>
+              </a:rPr>
+              <a:t>analytics</a:t>
+            </a:r>
+            <a:r>
+              <a:rPr lang="it-IT" sz="2400" dirty="0">
+                <a:solidFill>
+                  <a:schemeClr val="tx1"/>
+                </a:solidFill>
+                <a:latin typeface="Tahoma" panose="020B0604030504040204" pitchFamily="34" charset="0"/>
+                <a:ea typeface="Tahoma" panose="020B0604030504040204" pitchFamily="34" charset="0"/>
+                <a:cs typeface="Tahoma" panose="020B0604030504040204" pitchFamily="34" charset="0"/>
+              </a:rPr>
+              <a:t> e i </a:t>
+            </a:r>
+            <a:r>
+              <a:rPr lang="it-IT" sz="2400" dirty="0" err="1">
+                <a:solidFill>
+                  <a:schemeClr val="tx1"/>
+                </a:solidFill>
+                <a:latin typeface="Tahoma" panose="020B0604030504040204" pitchFamily="34" charset="0"/>
+                <a:ea typeface="Tahoma" panose="020B0604030504040204" pitchFamily="34" charset="0"/>
+                <a:cs typeface="Tahoma" panose="020B0604030504040204" pitchFamily="34" charset="0"/>
+              </a:rPr>
+              <a:t>workstream</a:t>
+            </a:r>
+            <a:r>
+              <a:rPr lang="it-IT" sz="2400" dirty="0">
+                <a:solidFill>
+                  <a:schemeClr val="tx1"/>
+                </a:solidFill>
+                <a:latin typeface="Tahoma" panose="020B0604030504040204" pitchFamily="34" charset="0"/>
+                <a:ea typeface="Tahoma" panose="020B0604030504040204" pitchFamily="34" charset="0"/>
+                <a:cs typeface="Tahoma" panose="020B0604030504040204" pitchFamily="34" charset="0"/>
+              </a:rPr>
+              <a:t> di machine learning. Attraverso una serie di regole, l’ETL purifica e organizza i dati in un modo che incontra specifici bisogni di business intelligence, come report mensili ma </a:t>
+            </a:r>
+            <a:r>
+              <a:rPr lang="it-IT" sz="2400" dirty="0" err="1">
+                <a:solidFill>
+                  <a:schemeClr val="tx1"/>
+                </a:solidFill>
+                <a:latin typeface="Tahoma" panose="020B0604030504040204" pitchFamily="34" charset="0"/>
+                <a:ea typeface="Tahoma" panose="020B0604030504040204" pitchFamily="34" charset="0"/>
+                <a:cs typeface="Tahoma" panose="020B0604030504040204" pitchFamily="34" charset="0"/>
+              </a:rPr>
+              <a:t>piuò</a:t>
+            </a:r>
+            <a:r>
+              <a:rPr lang="it-IT" sz="2400" dirty="0">
+                <a:solidFill>
+                  <a:schemeClr val="tx1"/>
+                </a:solidFill>
+                <a:latin typeface="Tahoma" panose="020B0604030504040204" pitchFamily="34" charset="0"/>
+                <a:ea typeface="Tahoma" panose="020B0604030504040204" pitchFamily="34" charset="0"/>
+                <a:cs typeface="Tahoma" panose="020B0604030504040204" pitchFamily="34" charset="0"/>
+              </a:rPr>
+              <a:t> anche migliorare i processi di back-end o l’esperienza dell’utente finale. </a:t>
+            </a:r>
+          </a:p>
+          <a:p>
+            <a:pPr marL="342900" indent="-342900">
+              <a:buFont typeface="Wingdings" panose="05000000000000000000" pitchFamily="2" charset="2"/>
+              <a:buChar char="ü"/>
+            </a:pPr>
+            <a:r>
+              <a:rPr lang="it-IT" sz="2400" dirty="0">
+                <a:solidFill>
+                  <a:schemeClr val="tx1"/>
+                </a:solidFill>
+                <a:latin typeface="Tahoma" panose="020B0604030504040204" pitchFamily="34" charset="0"/>
+                <a:ea typeface="Tahoma" panose="020B0604030504040204" pitchFamily="34" charset="0"/>
+                <a:cs typeface="Tahoma" panose="020B0604030504040204" pitchFamily="34" charset="0"/>
+              </a:rPr>
+              <a:t>In genere </a:t>
+            </a:r>
+            <a:r>
+              <a:rPr lang="it-IT" sz="2400" b="1" dirty="0">
+                <a:solidFill>
+                  <a:schemeClr val="tx1"/>
+                </a:solidFill>
+                <a:latin typeface="Tahoma" panose="020B0604030504040204" pitchFamily="34" charset="0"/>
+                <a:ea typeface="Tahoma" panose="020B0604030504040204" pitchFamily="34" charset="0"/>
+                <a:cs typeface="Tahoma" panose="020B0604030504040204" pitchFamily="34" charset="0"/>
+              </a:rPr>
+              <a:t>l’ETL</a:t>
+            </a:r>
+            <a:r>
+              <a:rPr lang="it-IT" sz="2400" dirty="0">
+                <a:solidFill>
+                  <a:schemeClr val="tx1"/>
+                </a:solidFill>
+                <a:latin typeface="Tahoma" panose="020B0604030504040204" pitchFamily="34" charset="0"/>
+                <a:ea typeface="Tahoma" panose="020B0604030504040204" pitchFamily="34" charset="0"/>
+                <a:cs typeface="Tahoma" panose="020B0604030504040204" pitchFamily="34" charset="0"/>
+              </a:rPr>
+              <a:t> è utilizzato dalle organizzazioni per: </a:t>
+            </a:r>
+          </a:p>
+          <a:p>
+            <a:pPr marL="971550" lvl="1" indent="-514350">
+              <a:buAutoNum type="arabicParenR"/>
+            </a:pPr>
+            <a:r>
+              <a:rPr lang="it-IT" sz="2600" b="0" dirty="0">
+                <a:solidFill>
+                  <a:schemeClr val="tx1"/>
+                </a:solidFill>
+                <a:latin typeface="Tahoma" panose="020B0604030504040204" pitchFamily="34" charset="0"/>
+                <a:ea typeface="Tahoma" panose="020B0604030504040204" pitchFamily="34" charset="0"/>
+                <a:cs typeface="Tahoma" panose="020B0604030504040204" pitchFamily="34" charset="0"/>
+              </a:rPr>
+              <a:t>Estrarre dati da sistemi legacy</a:t>
+            </a:r>
+          </a:p>
+          <a:p>
+            <a:pPr marL="971550" lvl="1" indent="-514350">
+              <a:buAutoNum type="arabicParenR"/>
+            </a:pPr>
+            <a:r>
+              <a:rPr lang="it-IT" sz="2600" b="0" dirty="0">
+                <a:solidFill>
+                  <a:schemeClr val="tx1"/>
+                </a:solidFill>
+                <a:latin typeface="Tahoma" panose="020B0604030504040204" pitchFamily="34" charset="0"/>
+                <a:ea typeface="Tahoma" panose="020B0604030504040204" pitchFamily="34" charset="0"/>
+                <a:cs typeface="Tahoma" panose="020B0604030504040204" pitchFamily="34" charset="0"/>
+              </a:rPr>
+              <a:t>Ripulire i dati per </a:t>
+            </a:r>
+            <a:r>
+              <a:rPr lang="it-IT" sz="2600" b="0" dirty="0" err="1">
+                <a:solidFill>
+                  <a:schemeClr val="tx1"/>
+                </a:solidFill>
+                <a:latin typeface="Tahoma" panose="020B0604030504040204" pitchFamily="34" charset="0"/>
+                <a:ea typeface="Tahoma" panose="020B0604030504040204" pitchFamily="34" charset="0"/>
+                <a:cs typeface="Tahoma" panose="020B0604030504040204" pitchFamily="34" charset="0"/>
+              </a:rPr>
+              <a:t>miglirarne</a:t>
+            </a:r>
+            <a:r>
+              <a:rPr lang="it-IT" sz="2600" b="0" dirty="0">
+                <a:solidFill>
+                  <a:schemeClr val="tx1"/>
+                </a:solidFill>
+                <a:latin typeface="Tahoma" panose="020B0604030504040204" pitchFamily="34" charset="0"/>
+                <a:ea typeface="Tahoma" panose="020B0604030504040204" pitchFamily="34" charset="0"/>
+                <a:cs typeface="Tahoma" panose="020B0604030504040204" pitchFamily="34" charset="0"/>
+              </a:rPr>
+              <a:t> la qualità e </a:t>
+            </a:r>
+          </a:p>
+          <a:p>
+            <a:pPr lvl="1"/>
+            <a:r>
+              <a:rPr lang="it-IT" sz="2600" b="0" dirty="0">
+                <a:solidFill>
+                  <a:schemeClr val="tx1"/>
+                </a:solidFill>
+                <a:latin typeface="Tahoma" panose="020B0604030504040204" pitchFamily="34" charset="0"/>
+                <a:ea typeface="Tahoma" panose="020B0604030504040204" pitchFamily="34" charset="0"/>
+                <a:cs typeface="Tahoma" panose="020B0604030504040204" pitchFamily="34" charset="0"/>
+              </a:rPr>
+              <a:t>	renderli consistenti</a:t>
+            </a:r>
+          </a:p>
+          <a:p>
+            <a:pPr lvl="1"/>
+            <a:r>
+              <a:rPr lang="it-IT" sz="2600" b="0" dirty="0">
+                <a:solidFill>
+                  <a:srgbClr val="FF0000"/>
+                </a:solidFill>
+                <a:latin typeface="Tahoma" panose="020B0604030504040204" pitchFamily="34" charset="0"/>
+                <a:ea typeface="Tahoma" panose="020B0604030504040204" pitchFamily="34" charset="0"/>
+                <a:cs typeface="Tahoma" panose="020B0604030504040204" pitchFamily="34" charset="0"/>
+              </a:rPr>
+              <a:t>3) </a:t>
+            </a:r>
+            <a:r>
+              <a:rPr lang="it-IT" sz="2600" b="0" dirty="0">
+                <a:solidFill>
+                  <a:schemeClr val="tx1"/>
+                </a:solidFill>
+                <a:latin typeface="Tahoma" panose="020B0604030504040204" pitchFamily="34" charset="0"/>
+                <a:ea typeface="Tahoma" panose="020B0604030504040204" pitchFamily="34" charset="0"/>
+                <a:cs typeface="Tahoma" panose="020B0604030504040204" pitchFamily="34" charset="0"/>
+              </a:rPr>
+              <a:t>Caricare i dati all’interno di un database target</a:t>
+            </a:r>
+          </a:p>
+        </p:txBody>
+      </p:sp>
+      <p:sp>
+        <p:nvSpPr>
+          <p:cNvPr id="7" name="Segnaposto numero diapositiva 6">
+            <a:extLst>
+              <a:ext uri="{FF2B5EF4-FFF2-40B4-BE49-F238E27FC236}">
+                <a16:creationId xmlns:a16="http://schemas.microsoft.com/office/drawing/2014/main" id="{AB740BE9-E218-4144-BFDE-AE473D230A3D}"/>
+              </a:ext>
+            </a:extLst>
+          </p:cNvPr>
+          <p:cNvSpPr>
+            <a:spLocks noGrp="1"/>
+          </p:cNvSpPr>
+          <p:nvPr>
+            <p:ph type="sldNum" sz="quarter" idx="12"/>
+          </p:nvPr>
+        </p:nvSpPr>
+        <p:spPr/>
+        <p:txBody>
+          <a:bodyPr/>
+          <a:lstStyle/>
+          <a:p>
+            <a:pPr>
+              <a:defRPr/>
+            </a:pPr>
+            <a:fld id="{48B4153A-D4C5-4CEF-8992-0D8815C829E3}" type="slidenum">
+              <a:rPr lang="en-US" smtClean="0"/>
+              <a:pPr>
+                <a:defRPr/>
+              </a:pPr>
+              <a:t>18</a:t>
+            </a:fld>
+            <a:endParaRPr lang="en-US" dirty="0"/>
+          </a:p>
+        </p:txBody>
+      </p:sp>
+      <p:sp>
+        <p:nvSpPr>
+          <p:cNvPr id="5" name="Titolo 4">
+            <a:extLst>
+              <a:ext uri="{FF2B5EF4-FFF2-40B4-BE49-F238E27FC236}">
+                <a16:creationId xmlns:a16="http://schemas.microsoft.com/office/drawing/2014/main" id="{82C46BA2-B380-4357-B125-BA9F08A643F5}"/>
+              </a:ext>
+            </a:extLst>
+          </p:cNvPr>
+          <p:cNvSpPr>
+            <a:spLocks noGrp="1"/>
+          </p:cNvSpPr>
+          <p:nvPr>
+            <p:ph type="title"/>
+          </p:nvPr>
+        </p:nvSpPr>
+        <p:spPr>
+          <a:xfrm>
+            <a:off x="468895" y="503475"/>
+            <a:ext cx="11269308" cy="384721"/>
+          </a:xfrm>
+        </p:spPr>
+        <p:txBody>
+          <a:bodyPr/>
+          <a:lstStyle/>
+          <a:p>
+            <a:r>
+              <a:rPr lang="it-IT" altLang="it-IT" dirty="0"/>
+              <a:t>ETL – </a:t>
+            </a:r>
+            <a:r>
+              <a:rPr lang="it-IT" altLang="it-IT" dirty="0" err="1"/>
+              <a:t>Extract</a:t>
+            </a:r>
+            <a:r>
+              <a:rPr lang="it-IT" altLang="it-IT" dirty="0"/>
+              <a:t>, </a:t>
+            </a:r>
+            <a:r>
+              <a:rPr lang="it-IT" altLang="it-IT" dirty="0" err="1"/>
+              <a:t>Transform</a:t>
+            </a:r>
+            <a:r>
+              <a:rPr lang="it-IT" altLang="it-IT" dirty="0"/>
+              <a:t> and Load</a:t>
+            </a:r>
+            <a:endParaRPr lang="it-IT" dirty="0"/>
+          </a:p>
+        </p:txBody>
+      </p:sp>
+      <p:pic>
+        <p:nvPicPr>
+          <p:cNvPr id="6" name="Immagine 5" descr="Immagine che contiene testo&#10;&#10;Descrizione generata automaticamente">
+            <a:extLst>
+              <a:ext uri="{FF2B5EF4-FFF2-40B4-BE49-F238E27FC236}">
+                <a16:creationId xmlns:a16="http://schemas.microsoft.com/office/drawing/2014/main" id="{39F9FEBF-2449-D3F8-4D77-33C401C96EC9}"/>
+              </a:ext>
+            </a:extLst>
+          </p:cNvPr>
+          <p:cNvPicPr>
+            <a:picLocks noChangeAspect="1"/>
+          </p:cNvPicPr>
+          <p:nvPr/>
+        </p:nvPicPr>
+        <p:blipFill>
+          <a:blip r:embed="rId2"/>
+          <a:stretch>
+            <a:fillRect/>
+          </a:stretch>
+        </p:blipFill>
+        <p:spPr>
+          <a:xfrm>
+            <a:off x="8091882" y="2857797"/>
+            <a:ext cx="3773821" cy="2600468"/>
+          </a:xfrm>
+          <a:prstGeom prst="rect">
+            <a:avLst/>
+          </a:prstGeom>
+        </p:spPr>
+      </p:pic>
+    </p:spTree>
+    <p:extLst>
+      <p:ext uri="{BB962C8B-B14F-4D97-AF65-F5344CB8AC3E}">
+        <p14:creationId xmlns:p14="http://schemas.microsoft.com/office/powerpoint/2010/main" val="2736730313"/>
+      </p:ext>
+    </p:extLst>
+  </p:cSld>
+  <p:clrMapOvr>
+    <a:masterClrMapping/>
+  </p:clrMapOvr>
+</p:sld>
+</file>
+
+<file path=ppt/slides/slide19.xml><?xml version="1.0" encoding="utf-8"?>
+<p:sld xmlns:a="http://schemas.openxmlformats.org/drawingml/2006/main" xmlns:r="http://schemas.openxmlformats.org/officeDocument/2006/relationships" xmlns:p="http://schemas.openxmlformats.org/presentationml/2006/main">
+  <p:cSld>
+    <p:spTree>
+      <p:nvGrpSpPr>
+        <p:cNvPr id="1" name=""/>
+        <p:cNvGrpSpPr/>
+        <p:nvPr/>
+      </p:nvGrpSpPr>
+      <p:grpSpPr>
+        <a:xfrm>
+          <a:off x="0" y="0"/>
+          <a:ext cx="0" cy="0"/>
+          <a:chOff x="0" y="0"/>
+          <a:chExt cx="0" cy="0"/>
+        </a:xfrm>
+      </p:grpSpPr>
+      <p:sp>
+        <p:nvSpPr>
+          <p:cNvPr id="2" name="Segnaposto testo 1">
+            <a:extLst>
+              <a:ext uri="{FF2B5EF4-FFF2-40B4-BE49-F238E27FC236}">
+                <a16:creationId xmlns:a16="http://schemas.microsoft.com/office/drawing/2014/main" id="{E5AE986C-196F-4141-A898-FA4C4198CDCC}"/>
+              </a:ext>
+            </a:extLst>
+          </p:cNvPr>
+          <p:cNvSpPr>
+            <a:spLocks noGrp="1"/>
+          </p:cNvSpPr>
+          <p:nvPr>
+            <p:ph type="body" idx="1"/>
+          </p:nvPr>
+        </p:nvSpPr>
+        <p:spPr>
+          <a:xfrm>
+            <a:off x="326298" y="1213805"/>
+            <a:ext cx="5211474" cy="4833033"/>
+          </a:xfrm>
+        </p:spPr>
+        <p:txBody>
+          <a:bodyPr/>
+          <a:lstStyle/>
+          <a:p>
+            <a:pPr marL="342900" indent="-342900">
+              <a:buFont typeface="Wingdings" panose="05000000000000000000" pitchFamily="2" charset="2"/>
+              <a:buChar char="ü"/>
+            </a:pPr>
+            <a:r>
+              <a:rPr lang="it-IT" sz="2400">
+                <a:solidFill>
+                  <a:schemeClr val="tx1"/>
+                </a:solidFill>
+                <a:latin typeface="Tahoma" panose="020B0604030504040204" pitchFamily="34" charset="0"/>
+                <a:ea typeface="Tahoma" panose="020B0604030504040204" pitchFamily="34" charset="0"/>
+                <a:cs typeface="Tahoma" panose="020B0604030504040204" pitchFamily="34" charset="0"/>
+              </a:rPr>
+              <a:t>Un sistema </a:t>
+            </a:r>
+            <a:r>
+              <a:rPr lang="it-IT" sz="2400" b="1">
+                <a:solidFill>
+                  <a:schemeClr val="tx1"/>
+                </a:solidFill>
+                <a:latin typeface="Tahoma" panose="020B0604030504040204" pitchFamily="34" charset="0"/>
+                <a:ea typeface="Tahoma" panose="020B0604030504040204" pitchFamily="34" charset="0"/>
+                <a:cs typeface="Tahoma" panose="020B0604030504040204" pitchFamily="34" charset="0"/>
+              </a:rPr>
+              <a:t>legacy</a:t>
+            </a:r>
+            <a:r>
+              <a:rPr lang="it-IT" sz="2400">
+                <a:solidFill>
+                  <a:schemeClr val="tx1"/>
+                </a:solidFill>
+                <a:latin typeface="Tahoma" panose="020B0604030504040204" pitchFamily="34" charset="0"/>
+                <a:ea typeface="Tahoma" panose="020B0604030504040204" pitchFamily="34" charset="0"/>
+                <a:cs typeface="Tahoma" panose="020B0604030504040204" pitchFamily="34" charset="0"/>
+              </a:rPr>
+              <a:t>, in informatica, è un sistema informatico, un'applicazione o un componente obsoleto, che continua ad essere usato poiché l'utente (di solito un'organizzazione) non intende o non può rimpiazzarlo. Legacy equivale a versione "retrodatata" (rispetto ai sistemi/tecnologie correnti). Un esempio sono il </a:t>
+            </a:r>
+            <a:r>
+              <a:rPr lang="it-IT" sz="2400" b="1">
+                <a:solidFill>
+                  <a:schemeClr val="tx1"/>
+                </a:solidFill>
+                <a:latin typeface="Tahoma" panose="020B0604030504040204" pitchFamily="34" charset="0"/>
+                <a:ea typeface="Tahoma" panose="020B0604030504040204" pitchFamily="34" charset="0"/>
+                <a:cs typeface="Tahoma" panose="020B0604030504040204" pitchFamily="34" charset="0"/>
+              </a:rPr>
+              <a:t>Cobol </a:t>
+            </a:r>
+            <a:r>
+              <a:rPr lang="it-IT" sz="2400">
+                <a:solidFill>
+                  <a:schemeClr val="tx1"/>
+                </a:solidFill>
+                <a:latin typeface="Tahoma" panose="020B0604030504040204" pitchFamily="34" charset="0"/>
+                <a:ea typeface="Tahoma" panose="020B0604030504040204" pitchFamily="34" charset="0"/>
+                <a:cs typeface="Tahoma" panose="020B0604030504040204" pitchFamily="34" charset="0"/>
+              </a:rPr>
+              <a:t>o i </a:t>
+            </a:r>
+            <a:r>
+              <a:rPr lang="it-IT" sz="2400" b="1">
+                <a:solidFill>
+                  <a:schemeClr val="tx1"/>
+                </a:solidFill>
+                <a:latin typeface="Tahoma" panose="020B0604030504040204" pitchFamily="34" charset="0"/>
+                <a:ea typeface="Tahoma" panose="020B0604030504040204" pitchFamily="34" charset="0"/>
+                <a:cs typeface="Tahoma" panose="020B0604030504040204" pitchFamily="34" charset="0"/>
+              </a:rPr>
+              <a:t>Mainframes</a:t>
+            </a:r>
+            <a:r>
+              <a:rPr lang="it-IT" sz="2400">
+                <a:solidFill>
+                  <a:schemeClr val="tx1"/>
+                </a:solidFill>
+                <a:latin typeface="Tahoma" panose="020B0604030504040204" pitchFamily="34" charset="0"/>
+                <a:ea typeface="Tahoma" panose="020B0604030504040204" pitchFamily="34" charset="0"/>
+                <a:cs typeface="Tahoma" panose="020B0604030504040204" pitchFamily="34" charset="0"/>
+              </a:rPr>
+              <a:t> dei sistemi bancari. </a:t>
+            </a:r>
+            <a:endParaRPr lang="it-IT" sz="2600" b="0" dirty="0">
+              <a:solidFill>
+                <a:schemeClr val="tx1"/>
+              </a:solidFill>
+              <a:latin typeface="Tahoma" panose="020B0604030504040204" pitchFamily="34" charset="0"/>
+              <a:ea typeface="Tahoma" panose="020B0604030504040204" pitchFamily="34" charset="0"/>
+              <a:cs typeface="Tahoma" panose="020B0604030504040204" pitchFamily="34" charset="0"/>
+            </a:endParaRPr>
+          </a:p>
+        </p:txBody>
+      </p:sp>
+      <p:sp>
+        <p:nvSpPr>
+          <p:cNvPr id="7" name="Segnaposto numero diapositiva 6">
+            <a:extLst>
+              <a:ext uri="{FF2B5EF4-FFF2-40B4-BE49-F238E27FC236}">
+                <a16:creationId xmlns:a16="http://schemas.microsoft.com/office/drawing/2014/main" id="{AB740BE9-E218-4144-BFDE-AE473D230A3D}"/>
+              </a:ext>
+            </a:extLst>
+          </p:cNvPr>
+          <p:cNvSpPr>
+            <a:spLocks noGrp="1"/>
+          </p:cNvSpPr>
+          <p:nvPr>
+            <p:ph type="sldNum" sz="quarter" idx="12"/>
+          </p:nvPr>
+        </p:nvSpPr>
+        <p:spPr/>
+        <p:txBody>
+          <a:bodyPr/>
+          <a:lstStyle/>
+          <a:p>
+            <a:pPr>
+              <a:defRPr/>
+            </a:pPr>
+            <a:fld id="{48B4153A-D4C5-4CEF-8992-0D8815C829E3}" type="slidenum">
+              <a:rPr lang="en-US" smtClean="0"/>
+              <a:pPr>
+                <a:defRPr/>
+              </a:pPr>
+              <a:t>19</a:t>
+            </a:fld>
+            <a:endParaRPr lang="en-US" dirty="0"/>
+          </a:p>
+        </p:txBody>
+      </p:sp>
+      <p:sp>
+        <p:nvSpPr>
+          <p:cNvPr id="5" name="Titolo 4">
+            <a:extLst>
+              <a:ext uri="{FF2B5EF4-FFF2-40B4-BE49-F238E27FC236}">
+                <a16:creationId xmlns:a16="http://schemas.microsoft.com/office/drawing/2014/main" id="{82C46BA2-B380-4357-B125-BA9F08A643F5}"/>
+              </a:ext>
+            </a:extLst>
+          </p:cNvPr>
+          <p:cNvSpPr>
+            <a:spLocks noGrp="1"/>
+          </p:cNvSpPr>
+          <p:nvPr>
+            <p:ph type="title"/>
+          </p:nvPr>
+        </p:nvSpPr>
+        <p:spPr>
+          <a:xfrm>
+            <a:off x="468895" y="503475"/>
+            <a:ext cx="11269308" cy="384721"/>
+          </a:xfrm>
+        </p:spPr>
+        <p:txBody>
+          <a:bodyPr/>
+          <a:lstStyle/>
+          <a:p>
+            <a:r>
+              <a:rPr lang="it-IT" altLang="it-IT" dirty="0"/>
+              <a:t>ETL </a:t>
+            </a:r>
+            <a:r>
+              <a:rPr lang="it-IT" altLang="it-IT"/>
+              <a:t>– Sistemi Legacy</a:t>
+            </a:r>
+            <a:endParaRPr lang="it-IT" dirty="0"/>
+          </a:p>
+        </p:txBody>
+      </p:sp>
+      <p:pic>
+        <p:nvPicPr>
+          <p:cNvPr id="4" name="Immagine 3" descr="Immagine che contiene testo&#10;&#10;Descrizione generata automaticamente">
+            <a:extLst>
+              <a:ext uri="{FF2B5EF4-FFF2-40B4-BE49-F238E27FC236}">
+                <a16:creationId xmlns:a16="http://schemas.microsoft.com/office/drawing/2014/main" id="{896F346A-0787-3D66-A5EE-BEB1A8B561FA}"/>
+              </a:ext>
+            </a:extLst>
+          </p:cNvPr>
+          <p:cNvPicPr>
+            <a:picLocks noChangeAspect="1"/>
+          </p:cNvPicPr>
+          <p:nvPr/>
+        </p:nvPicPr>
+        <p:blipFill>
+          <a:blip r:embed="rId2"/>
+          <a:stretch>
+            <a:fillRect/>
+          </a:stretch>
+        </p:blipFill>
+        <p:spPr>
+          <a:xfrm>
+            <a:off x="6095999" y="1944396"/>
+            <a:ext cx="5666731" cy="3531730"/>
+          </a:xfrm>
+          <a:prstGeom prst="rect">
+            <a:avLst/>
+          </a:prstGeom>
+        </p:spPr>
+      </p:pic>
+    </p:spTree>
+    <p:extLst>
+      <p:ext uri="{BB962C8B-B14F-4D97-AF65-F5344CB8AC3E}">
+        <p14:creationId xmlns:p14="http://schemas.microsoft.com/office/powerpoint/2010/main" val="2748786606"/>
       </p:ext>
     </p:extLst>
   </p:cSld>
@@ -8607,6 +9710,1524 @@
 </p:sld>
 </file>
 
+<file path=ppt/slides/slide20.xml><?xml version="1.0" encoding="utf-8"?>
+<p:sld xmlns:a="http://schemas.openxmlformats.org/drawingml/2006/main" xmlns:r="http://schemas.openxmlformats.org/officeDocument/2006/relationships" xmlns:p="http://schemas.openxmlformats.org/presentationml/2006/main">
+  <p:cSld>
+    <p:spTree>
+      <p:nvGrpSpPr>
+        <p:cNvPr id="1" name=""/>
+        <p:cNvGrpSpPr/>
+        <p:nvPr/>
+      </p:nvGrpSpPr>
+      <p:grpSpPr>
+        <a:xfrm>
+          <a:off x="0" y="0"/>
+          <a:ext cx="0" cy="0"/>
+          <a:chOff x="0" y="0"/>
+          <a:chExt cx="0" cy="0"/>
+        </a:xfrm>
+      </p:grpSpPr>
+      <p:sp>
+        <p:nvSpPr>
+          <p:cNvPr id="2" name="Segnaposto testo 1">
+            <a:extLst>
+              <a:ext uri="{FF2B5EF4-FFF2-40B4-BE49-F238E27FC236}">
+                <a16:creationId xmlns:a16="http://schemas.microsoft.com/office/drawing/2014/main" id="{E5AE986C-196F-4141-A898-FA4C4198CDCC}"/>
+              </a:ext>
+            </a:extLst>
+          </p:cNvPr>
+          <p:cNvSpPr>
+            <a:spLocks noGrp="1"/>
+          </p:cNvSpPr>
+          <p:nvPr>
+            <p:ph type="body" idx="1"/>
+          </p:nvPr>
+        </p:nvSpPr>
+        <p:spPr>
+          <a:xfrm>
+            <a:off x="336650" y="1115332"/>
+            <a:ext cx="11518700" cy="4392612"/>
+          </a:xfrm>
+        </p:spPr>
+        <p:txBody>
+          <a:bodyPr/>
+          <a:lstStyle/>
+          <a:p>
+            <a:pPr marL="342900" indent="-342900">
+              <a:buFont typeface="Wingdings" panose="05000000000000000000" pitchFamily="2" charset="2"/>
+              <a:buChar char="ü"/>
+            </a:pPr>
+            <a:r>
+              <a:rPr lang="it-IT" sz="2400" dirty="0">
+                <a:solidFill>
+                  <a:schemeClr val="tx1"/>
+                </a:solidFill>
+                <a:latin typeface="Tahoma" panose="020B0604030504040204" pitchFamily="34" charset="0"/>
+                <a:ea typeface="Tahoma" panose="020B0604030504040204" pitchFamily="34" charset="0"/>
+                <a:cs typeface="Tahoma" panose="020B0604030504040204" pitchFamily="34" charset="0"/>
+              </a:rPr>
+              <a:t>La più semplice differenza tra </a:t>
+            </a:r>
+            <a:r>
+              <a:rPr lang="it-IT" sz="2400" b="1" dirty="0">
+                <a:solidFill>
+                  <a:schemeClr val="tx1"/>
+                </a:solidFill>
+                <a:latin typeface="Tahoma" panose="020B0604030504040204" pitchFamily="34" charset="0"/>
+                <a:ea typeface="Tahoma" panose="020B0604030504040204" pitchFamily="34" charset="0"/>
+                <a:cs typeface="Tahoma" panose="020B0604030504040204" pitchFamily="34" charset="0"/>
+              </a:rPr>
+              <a:t>ETL </a:t>
+            </a:r>
+            <a:r>
+              <a:rPr lang="it-IT" sz="2400" dirty="0">
+                <a:solidFill>
+                  <a:schemeClr val="tx1"/>
+                </a:solidFill>
+                <a:latin typeface="Tahoma" panose="020B0604030504040204" pitchFamily="34" charset="0"/>
+                <a:ea typeface="Tahoma" panose="020B0604030504040204" pitchFamily="34" charset="0"/>
+                <a:cs typeface="Tahoma" panose="020B0604030504040204" pitchFamily="34" charset="0"/>
+              </a:rPr>
+              <a:t>e </a:t>
+            </a:r>
+            <a:r>
+              <a:rPr lang="it-IT" sz="2400" b="1" dirty="0">
+                <a:solidFill>
+                  <a:schemeClr val="tx1"/>
+                </a:solidFill>
+                <a:latin typeface="Tahoma" panose="020B0604030504040204" pitchFamily="34" charset="0"/>
+                <a:ea typeface="Tahoma" panose="020B0604030504040204" pitchFamily="34" charset="0"/>
+                <a:cs typeface="Tahoma" panose="020B0604030504040204" pitchFamily="34" charset="0"/>
+              </a:rPr>
+              <a:t>ELT </a:t>
+            </a:r>
+            <a:r>
+              <a:rPr lang="it-IT" sz="2400" dirty="0">
+                <a:solidFill>
+                  <a:schemeClr val="tx1"/>
+                </a:solidFill>
+                <a:latin typeface="Tahoma" panose="020B0604030504040204" pitchFamily="34" charset="0"/>
+                <a:ea typeface="Tahoma" panose="020B0604030504040204" pitchFamily="34" charset="0"/>
+                <a:cs typeface="Tahoma" panose="020B0604030504040204" pitchFamily="34" charset="0"/>
+              </a:rPr>
+              <a:t>è in termini di operazioni. </a:t>
+            </a:r>
+            <a:r>
+              <a:rPr lang="it-IT" sz="2400" b="1" dirty="0">
+                <a:solidFill>
+                  <a:schemeClr val="tx1"/>
+                </a:solidFill>
+                <a:latin typeface="Tahoma" panose="020B0604030504040204" pitchFamily="34" charset="0"/>
+                <a:ea typeface="Tahoma" panose="020B0604030504040204" pitchFamily="34" charset="0"/>
+                <a:cs typeface="Tahoma" panose="020B0604030504040204" pitchFamily="34" charset="0"/>
+              </a:rPr>
+              <a:t>ELT </a:t>
+            </a:r>
+            <a:r>
+              <a:rPr lang="it-IT" sz="2400" dirty="0">
+                <a:solidFill>
+                  <a:schemeClr val="tx1"/>
+                </a:solidFill>
+                <a:latin typeface="Tahoma" panose="020B0604030504040204" pitchFamily="34" charset="0"/>
+                <a:ea typeface="Tahoma" panose="020B0604030504040204" pitchFamily="34" charset="0"/>
+                <a:cs typeface="Tahoma" panose="020B0604030504040204" pitchFamily="34" charset="0"/>
+              </a:rPr>
+              <a:t>copia ed esporta i dati dalle sorgenti, ma invece di caricarli in su un’area per la trasformazione successiva, </a:t>
+            </a:r>
+            <a:r>
+              <a:rPr lang="it-IT" sz="2400" b="1" dirty="0">
+                <a:solidFill>
+                  <a:schemeClr val="tx1"/>
+                </a:solidFill>
+                <a:latin typeface="Tahoma" panose="020B0604030504040204" pitchFamily="34" charset="0"/>
+                <a:ea typeface="Tahoma" panose="020B0604030504040204" pitchFamily="34" charset="0"/>
+                <a:cs typeface="Tahoma" panose="020B0604030504040204" pitchFamily="34" charset="0"/>
+              </a:rPr>
+              <a:t>l’ELT</a:t>
+            </a:r>
+            <a:r>
+              <a:rPr lang="it-IT" sz="2400" dirty="0">
+                <a:solidFill>
+                  <a:schemeClr val="tx1"/>
+                </a:solidFill>
+                <a:latin typeface="Tahoma" panose="020B0604030504040204" pitchFamily="34" charset="0"/>
+                <a:ea typeface="Tahoma" panose="020B0604030504040204" pitchFamily="34" charset="0"/>
+                <a:cs typeface="Tahoma" panose="020B0604030504040204" pitchFamily="34" charset="0"/>
+              </a:rPr>
+              <a:t> carica i dati grezzi direttamente sullo store di target dei dati per poter essere trasformati alla bisogna.</a:t>
+            </a:r>
+          </a:p>
+          <a:p>
+            <a:pPr marL="342900" indent="-342900">
+              <a:buFont typeface="Wingdings" panose="05000000000000000000" pitchFamily="2" charset="2"/>
+              <a:buChar char="ü"/>
+            </a:pPr>
+            <a:r>
+              <a:rPr lang="it-IT" sz="2400" b="0" i="0" dirty="0">
+                <a:solidFill>
+                  <a:schemeClr val="tx1"/>
+                </a:solidFill>
+                <a:effectLst/>
+                <a:latin typeface="Tahoma" panose="020B0604030504040204" pitchFamily="34" charset="0"/>
+                <a:ea typeface="Tahoma" panose="020B0604030504040204" pitchFamily="34" charset="0"/>
+                <a:cs typeface="Tahoma" panose="020B0604030504040204" pitchFamily="34" charset="0"/>
+              </a:rPr>
+              <a:t>Mentre entrambi </a:t>
+            </a:r>
+            <a:r>
+              <a:rPr lang="it-IT" sz="2400" b="1" i="0" dirty="0">
+                <a:solidFill>
+                  <a:schemeClr val="tx1"/>
+                </a:solidFill>
+                <a:effectLst/>
+                <a:latin typeface="Tahoma" panose="020B0604030504040204" pitchFamily="34" charset="0"/>
+                <a:ea typeface="Tahoma" panose="020B0604030504040204" pitchFamily="34" charset="0"/>
+                <a:cs typeface="Tahoma" panose="020B0604030504040204" pitchFamily="34" charset="0"/>
+              </a:rPr>
+              <a:t>ETL</a:t>
+            </a:r>
+            <a:r>
+              <a:rPr lang="it-IT" sz="2400" b="0" i="0" dirty="0">
+                <a:solidFill>
+                  <a:schemeClr val="tx1"/>
+                </a:solidFill>
+                <a:effectLst/>
+                <a:latin typeface="Tahoma" panose="020B0604030504040204" pitchFamily="34" charset="0"/>
+                <a:ea typeface="Tahoma" panose="020B0604030504040204" pitchFamily="34" charset="0"/>
+                <a:cs typeface="Tahoma" panose="020B0604030504040204" pitchFamily="34" charset="0"/>
+              </a:rPr>
+              <a:t> e </a:t>
+            </a:r>
+            <a:r>
+              <a:rPr lang="it-IT" sz="2400" b="1" i="0" dirty="0">
+                <a:solidFill>
+                  <a:schemeClr val="tx1"/>
+                </a:solidFill>
+                <a:effectLst/>
+                <a:latin typeface="Tahoma" panose="020B0604030504040204" pitchFamily="34" charset="0"/>
+                <a:ea typeface="Tahoma" panose="020B0604030504040204" pitchFamily="34" charset="0"/>
+                <a:cs typeface="Tahoma" panose="020B0604030504040204" pitchFamily="34" charset="0"/>
+              </a:rPr>
+              <a:t>ELT </a:t>
+            </a:r>
+            <a:r>
+              <a:rPr lang="it-IT" sz="2400" i="0" dirty="0">
+                <a:solidFill>
+                  <a:schemeClr val="tx1"/>
+                </a:solidFill>
+                <a:effectLst/>
+                <a:latin typeface="Tahoma" panose="020B0604030504040204" pitchFamily="34" charset="0"/>
+                <a:ea typeface="Tahoma" panose="020B0604030504040204" pitchFamily="34" charset="0"/>
+                <a:cs typeface="Tahoma" panose="020B0604030504040204" pitchFamily="34" charset="0"/>
+              </a:rPr>
+              <a:t>fanno le</a:t>
+            </a:r>
+            <a:r>
+              <a:rPr lang="it-IT" sz="2400" dirty="0">
+                <a:solidFill>
+                  <a:schemeClr val="tx1"/>
+                </a:solidFill>
+                <a:latin typeface="Tahoma" panose="020B0604030504040204" pitchFamily="34" charset="0"/>
+                <a:ea typeface="Tahoma" panose="020B0604030504040204" pitchFamily="34" charset="0"/>
+                <a:cs typeface="Tahoma" panose="020B0604030504040204" pitchFamily="34" charset="0"/>
+              </a:rPr>
+              <a:t>va su una varietà di repository di dati, quali database, data </a:t>
+            </a:r>
+            <a:r>
+              <a:rPr lang="it-IT" sz="2400" dirty="0" err="1">
+                <a:solidFill>
+                  <a:schemeClr val="tx1"/>
+                </a:solidFill>
+                <a:latin typeface="Tahoma" panose="020B0604030504040204" pitchFamily="34" charset="0"/>
+                <a:ea typeface="Tahoma" panose="020B0604030504040204" pitchFamily="34" charset="0"/>
+                <a:cs typeface="Tahoma" panose="020B0604030504040204" pitchFamily="34" charset="0"/>
+              </a:rPr>
+              <a:t>warehouse</a:t>
+            </a:r>
+            <a:r>
+              <a:rPr lang="it-IT" sz="2400" dirty="0">
+                <a:solidFill>
+                  <a:schemeClr val="tx1"/>
+                </a:solidFill>
+                <a:latin typeface="Tahoma" panose="020B0604030504040204" pitchFamily="34" charset="0"/>
+                <a:ea typeface="Tahoma" panose="020B0604030504040204" pitchFamily="34" charset="0"/>
+                <a:cs typeface="Tahoma" panose="020B0604030504040204" pitchFamily="34" charset="0"/>
+              </a:rPr>
+              <a:t> e data </a:t>
+            </a:r>
+            <a:r>
+              <a:rPr lang="it-IT" sz="2400" dirty="0" err="1">
+                <a:solidFill>
+                  <a:schemeClr val="tx1"/>
+                </a:solidFill>
+                <a:latin typeface="Tahoma" panose="020B0604030504040204" pitchFamily="34" charset="0"/>
+                <a:ea typeface="Tahoma" panose="020B0604030504040204" pitchFamily="34" charset="0"/>
+                <a:cs typeface="Tahoma" panose="020B0604030504040204" pitchFamily="34" charset="0"/>
+              </a:rPr>
+              <a:t>lake</a:t>
+            </a:r>
+            <a:r>
+              <a:rPr lang="it-IT" sz="2400" dirty="0">
+                <a:solidFill>
+                  <a:schemeClr val="tx1"/>
+                </a:solidFill>
+                <a:latin typeface="Tahoma" panose="020B0604030504040204" pitchFamily="34" charset="0"/>
+                <a:ea typeface="Tahoma" panose="020B0604030504040204" pitchFamily="34" charset="0"/>
+                <a:cs typeface="Tahoma" panose="020B0604030504040204" pitchFamily="34" charset="0"/>
+              </a:rPr>
+              <a:t>, ciascuno dei due processi possiede i suoi vantaggi e svantaggi. </a:t>
+            </a:r>
+          </a:p>
+          <a:p>
+            <a:pPr marL="1828800" lvl="3" indent="-457200">
+              <a:buFont typeface="+mj-lt"/>
+              <a:buAutoNum type="arabicPeriod"/>
+            </a:pPr>
+            <a:r>
+              <a:rPr lang="it-IT" sz="2200" b="1" i="0" dirty="0">
+                <a:solidFill>
+                  <a:schemeClr val="tx1"/>
+                </a:solidFill>
+                <a:effectLst/>
+                <a:latin typeface="Tahoma" panose="020B0604030504040204" pitchFamily="34" charset="0"/>
+                <a:ea typeface="Tahoma" panose="020B0604030504040204" pitchFamily="34" charset="0"/>
+                <a:cs typeface="Tahoma" panose="020B0604030504040204" pitchFamily="34" charset="0"/>
+              </a:rPr>
+              <a:t>ETL </a:t>
+            </a:r>
+            <a:r>
+              <a:rPr lang="it-IT" sz="2200" b="0" i="0" dirty="0">
+                <a:solidFill>
+                  <a:schemeClr val="tx1"/>
+                </a:solidFill>
+                <a:effectLst/>
+                <a:latin typeface="Tahoma" panose="020B0604030504040204" pitchFamily="34" charset="0"/>
+                <a:ea typeface="Tahoma" panose="020B0604030504040204" pitchFamily="34" charset="0"/>
+                <a:cs typeface="Tahoma" panose="020B0604030504040204" pitchFamily="34" charset="0"/>
+              </a:rPr>
+              <a:t>è particolarmente utile per dataset ad alto volume non strutturati dal momento che il caricamento può avvenire direttamente dalla sorgente. Questo processo richiede più definizione all’inizio, le regole di business per la data </a:t>
+            </a:r>
+            <a:r>
+              <a:rPr lang="it-IT" sz="2200" b="0" i="0" dirty="0" err="1">
+                <a:solidFill>
+                  <a:schemeClr val="tx1"/>
+                </a:solidFill>
+                <a:effectLst/>
+                <a:latin typeface="Tahoma" panose="020B0604030504040204" pitchFamily="34" charset="0"/>
+                <a:ea typeface="Tahoma" panose="020B0604030504040204" pitchFamily="34" charset="0"/>
+                <a:cs typeface="Tahoma" panose="020B0604030504040204" pitchFamily="34" charset="0"/>
+              </a:rPr>
+              <a:t>transformation</a:t>
+            </a:r>
+            <a:r>
+              <a:rPr lang="it-IT" sz="2200" b="0" i="0" dirty="0">
+                <a:solidFill>
+                  <a:schemeClr val="tx1"/>
+                </a:solidFill>
+                <a:effectLst/>
+                <a:latin typeface="Tahoma" panose="020B0604030504040204" pitchFamily="34" charset="0"/>
+                <a:ea typeface="Tahoma" panose="020B0604030504040204" pitchFamily="34" charset="0"/>
+                <a:cs typeface="Tahoma" panose="020B0604030504040204" pitchFamily="34" charset="0"/>
+              </a:rPr>
+              <a:t> hanno bisogno di essere costruite. </a:t>
+            </a:r>
+          </a:p>
+          <a:p>
+            <a:pPr marL="1828800" lvl="3" indent="-457200">
+              <a:buFont typeface="+mj-lt"/>
+              <a:buAutoNum type="arabicPeriod"/>
+            </a:pPr>
+            <a:r>
+              <a:rPr lang="it-IT" sz="2200" dirty="0">
+                <a:solidFill>
+                  <a:schemeClr val="tx1"/>
+                </a:solidFill>
+                <a:latin typeface="Tahoma" panose="020B0604030504040204" pitchFamily="34" charset="0"/>
+                <a:ea typeface="Tahoma" panose="020B0604030504040204" pitchFamily="34" charset="0"/>
+                <a:cs typeface="Tahoma" panose="020B0604030504040204" pitchFamily="34" charset="0"/>
+              </a:rPr>
+              <a:t>ELT</a:t>
+            </a:r>
+            <a:r>
+              <a:rPr lang="it-IT" sz="2200" b="0" dirty="0">
+                <a:solidFill>
+                  <a:schemeClr val="tx1"/>
+                </a:solidFill>
+                <a:latin typeface="Tahoma" panose="020B0604030504040204" pitchFamily="34" charset="0"/>
+                <a:ea typeface="Tahoma" panose="020B0604030504040204" pitchFamily="34" charset="0"/>
+                <a:cs typeface="Tahoma" panose="020B0604030504040204" pitchFamily="34" charset="0"/>
+              </a:rPr>
+              <a:t> è più ideale per nel </a:t>
+            </a:r>
+            <a:r>
+              <a:rPr lang="it-IT" sz="2200" b="0" dirty="0">
+                <a:solidFill>
+                  <a:schemeClr val="tx1"/>
+                </a:solidFill>
+                <a:effectLst/>
+                <a:latin typeface="Tahoma" panose="020B0604030504040204" pitchFamily="34" charset="0"/>
+                <a:ea typeface="Tahoma" panose="020B0604030504040204" pitchFamily="34" charset="0"/>
+                <a:cs typeface="Tahoma" panose="020B0604030504040204" pitchFamily="34" charset="0"/>
+              </a:rPr>
+              <a:t>mondo dei Big Data dal momento che non richiede una progettazione anticipata per la data </a:t>
+            </a:r>
+            <a:r>
+              <a:rPr lang="it-IT" sz="2200" b="0" dirty="0" err="1">
+                <a:solidFill>
+                  <a:schemeClr val="tx1"/>
+                </a:solidFill>
+                <a:effectLst/>
+                <a:latin typeface="Tahoma" panose="020B0604030504040204" pitchFamily="34" charset="0"/>
+                <a:ea typeface="Tahoma" panose="020B0604030504040204" pitchFamily="34" charset="0"/>
+                <a:cs typeface="Tahoma" panose="020B0604030504040204" pitchFamily="34" charset="0"/>
+              </a:rPr>
+              <a:t>extraction</a:t>
+            </a:r>
+            <a:r>
+              <a:rPr lang="it-IT" sz="2200" b="0" dirty="0">
+                <a:solidFill>
+                  <a:schemeClr val="tx1"/>
+                </a:solidFill>
+                <a:effectLst/>
+                <a:latin typeface="Tahoma" panose="020B0604030504040204" pitchFamily="34" charset="0"/>
+                <a:ea typeface="Tahoma" panose="020B0604030504040204" pitchFamily="34" charset="0"/>
+                <a:cs typeface="Tahoma" panose="020B0604030504040204" pitchFamily="34" charset="0"/>
+              </a:rPr>
+              <a:t> e lo storage dei dati. </a:t>
+            </a:r>
+            <a:r>
+              <a:rPr lang="it-IT" sz="2200" dirty="0">
+                <a:solidFill>
+                  <a:schemeClr val="tx1"/>
+                </a:solidFill>
+                <a:effectLst/>
+                <a:latin typeface="Tahoma" panose="020B0604030504040204" pitchFamily="34" charset="0"/>
+                <a:ea typeface="Tahoma" panose="020B0604030504040204" pitchFamily="34" charset="0"/>
+                <a:cs typeface="Tahoma" panose="020B0604030504040204" pitchFamily="34" charset="0"/>
+              </a:rPr>
+              <a:t>ELT </a:t>
+            </a:r>
+            <a:r>
+              <a:rPr lang="it-IT" sz="2200" b="0" dirty="0">
+                <a:solidFill>
+                  <a:schemeClr val="tx1"/>
+                </a:solidFill>
+                <a:effectLst/>
+                <a:latin typeface="Tahoma" panose="020B0604030504040204" pitchFamily="34" charset="0"/>
+                <a:ea typeface="Tahoma" panose="020B0604030504040204" pitchFamily="34" charset="0"/>
+                <a:cs typeface="Tahoma" panose="020B0604030504040204" pitchFamily="34" charset="0"/>
+              </a:rPr>
+              <a:t>è divenuto più popolare con l’adozione dei database su cloud</a:t>
+            </a:r>
+            <a:r>
+              <a:rPr lang="it-IT" sz="2200" b="0" dirty="0">
+                <a:solidFill>
+                  <a:schemeClr val="tx1"/>
+                </a:solidFill>
+                <a:latin typeface="Tahoma" panose="020B0604030504040204" pitchFamily="34" charset="0"/>
+                <a:ea typeface="Tahoma" panose="020B0604030504040204" pitchFamily="34" charset="0"/>
+                <a:cs typeface="Tahoma" panose="020B0604030504040204" pitchFamily="34" charset="0"/>
+              </a:rPr>
+              <a:t>, anche se non ci sono ancora molte best practices su </a:t>
+            </a:r>
+            <a:r>
+              <a:rPr lang="it-IT" sz="2200" dirty="0">
+                <a:solidFill>
+                  <a:schemeClr val="tx1"/>
+                </a:solidFill>
+                <a:latin typeface="Tahoma" panose="020B0604030504040204" pitchFamily="34" charset="0"/>
+                <a:ea typeface="Tahoma" panose="020B0604030504040204" pitchFamily="34" charset="0"/>
+                <a:cs typeface="Tahoma" panose="020B0604030504040204" pitchFamily="34" charset="0"/>
+              </a:rPr>
+              <a:t>ELT</a:t>
+            </a:r>
+            <a:r>
+              <a:rPr lang="it-IT" sz="2200" b="0" dirty="0">
+                <a:solidFill>
+                  <a:schemeClr val="tx1"/>
+                </a:solidFill>
+                <a:latin typeface="Tahoma" panose="020B0604030504040204" pitchFamily="34" charset="0"/>
+                <a:ea typeface="Tahoma" panose="020B0604030504040204" pitchFamily="34" charset="0"/>
+                <a:cs typeface="Tahoma" panose="020B0604030504040204" pitchFamily="34" charset="0"/>
+              </a:rPr>
+              <a:t>. </a:t>
+            </a:r>
+            <a:endParaRPr lang="en-US" sz="2400" b="0" i="0" dirty="0">
+              <a:solidFill>
+                <a:srgbClr val="525252"/>
+              </a:solidFill>
+              <a:effectLst/>
+              <a:latin typeface="IBM Plex Sans" panose="020B0503050203000203" pitchFamily="34" charset="0"/>
+            </a:endParaRPr>
+          </a:p>
+        </p:txBody>
+      </p:sp>
+      <p:sp>
+        <p:nvSpPr>
+          <p:cNvPr id="7" name="Segnaposto numero diapositiva 6">
+            <a:extLst>
+              <a:ext uri="{FF2B5EF4-FFF2-40B4-BE49-F238E27FC236}">
+                <a16:creationId xmlns:a16="http://schemas.microsoft.com/office/drawing/2014/main" id="{AB740BE9-E218-4144-BFDE-AE473D230A3D}"/>
+              </a:ext>
+            </a:extLst>
+          </p:cNvPr>
+          <p:cNvSpPr>
+            <a:spLocks noGrp="1"/>
+          </p:cNvSpPr>
+          <p:nvPr>
+            <p:ph type="sldNum" sz="quarter" idx="12"/>
+          </p:nvPr>
+        </p:nvSpPr>
+        <p:spPr/>
+        <p:txBody>
+          <a:bodyPr/>
+          <a:lstStyle/>
+          <a:p>
+            <a:pPr>
+              <a:defRPr/>
+            </a:pPr>
+            <a:fld id="{48B4153A-D4C5-4CEF-8992-0D8815C829E3}" type="slidenum">
+              <a:rPr lang="en-US" smtClean="0"/>
+              <a:pPr>
+                <a:defRPr/>
+              </a:pPr>
+              <a:t>20</a:t>
+            </a:fld>
+            <a:endParaRPr lang="en-US" dirty="0"/>
+          </a:p>
+        </p:txBody>
+      </p:sp>
+      <p:sp>
+        <p:nvSpPr>
+          <p:cNvPr id="5" name="Titolo 4">
+            <a:extLst>
+              <a:ext uri="{FF2B5EF4-FFF2-40B4-BE49-F238E27FC236}">
+                <a16:creationId xmlns:a16="http://schemas.microsoft.com/office/drawing/2014/main" id="{82C46BA2-B380-4357-B125-BA9F08A643F5}"/>
+              </a:ext>
+            </a:extLst>
+          </p:cNvPr>
+          <p:cNvSpPr>
+            <a:spLocks noGrp="1"/>
+          </p:cNvSpPr>
+          <p:nvPr>
+            <p:ph type="title"/>
+          </p:nvPr>
+        </p:nvSpPr>
+        <p:spPr>
+          <a:xfrm>
+            <a:off x="468895" y="503475"/>
+            <a:ext cx="11269308" cy="384721"/>
+          </a:xfrm>
+        </p:spPr>
+        <p:txBody>
+          <a:bodyPr/>
+          <a:lstStyle/>
+          <a:p>
+            <a:r>
+              <a:rPr lang="it-IT" altLang="it-IT" dirty="0"/>
+              <a:t>ETL versus ELT</a:t>
+            </a:r>
+            <a:endParaRPr lang="it-IT" dirty="0"/>
+          </a:p>
+        </p:txBody>
+      </p:sp>
+    </p:spTree>
+    <p:extLst>
+      <p:ext uri="{BB962C8B-B14F-4D97-AF65-F5344CB8AC3E}">
+        <p14:creationId xmlns:p14="http://schemas.microsoft.com/office/powerpoint/2010/main" val="4184373011"/>
+      </p:ext>
+    </p:extLst>
+  </p:cSld>
+  <p:clrMapOvr>
+    <a:masterClrMapping/>
+  </p:clrMapOvr>
+</p:sld>
+</file>
+
+<file path=ppt/slides/slide21.xml><?xml version="1.0" encoding="utf-8"?>
+<p:sld xmlns:a="http://schemas.openxmlformats.org/drawingml/2006/main" xmlns:r="http://schemas.openxmlformats.org/officeDocument/2006/relationships" xmlns:p="http://schemas.openxmlformats.org/presentationml/2006/main">
+  <p:cSld>
+    <p:spTree>
+      <p:nvGrpSpPr>
+        <p:cNvPr id="1" name=""/>
+        <p:cNvGrpSpPr/>
+        <p:nvPr/>
+      </p:nvGrpSpPr>
+      <p:grpSpPr>
+        <a:xfrm>
+          <a:off x="0" y="0"/>
+          <a:ext cx="0" cy="0"/>
+          <a:chOff x="0" y="0"/>
+          <a:chExt cx="0" cy="0"/>
+        </a:xfrm>
+      </p:grpSpPr>
+      <p:sp>
+        <p:nvSpPr>
+          <p:cNvPr id="2" name="Segnaposto testo 1">
+            <a:extLst>
+              <a:ext uri="{FF2B5EF4-FFF2-40B4-BE49-F238E27FC236}">
+                <a16:creationId xmlns:a16="http://schemas.microsoft.com/office/drawing/2014/main" id="{E5AE986C-196F-4141-A898-FA4C4198CDCC}"/>
+              </a:ext>
+            </a:extLst>
+          </p:cNvPr>
+          <p:cNvSpPr>
+            <a:spLocks noGrp="1"/>
+          </p:cNvSpPr>
+          <p:nvPr>
+            <p:ph type="body" idx="1"/>
+          </p:nvPr>
+        </p:nvSpPr>
+        <p:spPr>
+          <a:xfrm>
+            <a:off x="326297" y="1213806"/>
+            <a:ext cx="11518700" cy="4392612"/>
+          </a:xfrm>
+        </p:spPr>
+        <p:txBody>
+          <a:bodyPr/>
+          <a:lstStyle/>
+          <a:p>
+            <a:pPr marL="342900" indent="-342900">
+              <a:buFont typeface="Wingdings" panose="05000000000000000000" pitchFamily="2" charset="2"/>
+              <a:buChar char="ü"/>
+            </a:pPr>
+            <a:r>
+              <a:rPr lang="it-IT" sz="2400" dirty="0">
+                <a:solidFill>
+                  <a:schemeClr val="tx1"/>
+                </a:solidFill>
+                <a:latin typeface="Tahoma" panose="020B0604030504040204" pitchFamily="34" charset="0"/>
+                <a:ea typeface="Tahoma" panose="020B0604030504040204" pitchFamily="34" charset="0"/>
+                <a:cs typeface="Tahoma" panose="020B0604030504040204" pitchFamily="34" charset="0"/>
+              </a:rPr>
+              <a:t>L’Analisi dell’informazione richiede di solito dati accessibili e ben strutturati per ottenere i migliori risultati possibili. La Data </a:t>
+            </a:r>
+            <a:r>
+              <a:rPr lang="it-IT" sz="2400" dirty="0" err="1">
+                <a:solidFill>
+                  <a:schemeClr val="tx1"/>
+                </a:solidFill>
+                <a:latin typeface="Tahoma" panose="020B0604030504040204" pitchFamily="34" charset="0"/>
+                <a:ea typeface="Tahoma" panose="020B0604030504040204" pitchFamily="34" charset="0"/>
+                <a:cs typeface="Tahoma" panose="020B0604030504040204" pitchFamily="34" charset="0"/>
+              </a:rPr>
+              <a:t>Transformation</a:t>
+            </a:r>
+            <a:r>
+              <a:rPr lang="it-IT" sz="2400" dirty="0">
+                <a:solidFill>
+                  <a:schemeClr val="tx1"/>
+                </a:solidFill>
+                <a:latin typeface="Tahoma" panose="020B0604030504040204" pitchFamily="34" charset="0"/>
+                <a:ea typeface="Tahoma" panose="020B0604030504040204" pitchFamily="34" charset="0"/>
+                <a:cs typeface="Tahoma" panose="020B0604030504040204" pitchFamily="34" charset="0"/>
+              </a:rPr>
+              <a:t> rende alle </a:t>
+            </a:r>
+            <a:r>
+              <a:rPr lang="it-IT" sz="2400" dirty="0" err="1">
+                <a:solidFill>
+                  <a:schemeClr val="tx1"/>
+                </a:solidFill>
+                <a:latin typeface="Tahoma" panose="020B0604030504040204" pitchFamily="34" charset="0"/>
+                <a:ea typeface="Tahoma" panose="020B0604030504040204" pitchFamily="34" charset="0"/>
+                <a:cs typeface="Tahoma" panose="020B0604030504040204" pitchFamily="34" charset="0"/>
+              </a:rPr>
+              <a:t>organizziazioni</a:t>
+            </a:r>
+            <a:r>
+              <a:rPr lang="it-IT" sz="2400" dirty="0">
+                <a:solidFill>
+                  <a:schemeClr val="tx1"/>
+                </a:solidFill>
+                <a:latin typeface="Tahoma" panose="020B0604030504040204" pitchFamily="34" charset="0"/>
+                <a:ea typeface="Tahoma" panose="020B0604030504040204" pitchFamily="34" charset="0"/>
+                <a:cs typeface="Tahoma" panose="020B0604030504040204" pitchFamily="34" charset="0"/>
+              </a:rPr>
+              <a:t> possibile l’alterazione della struttura e del formato dei dati grezzi secondo le necessità. La Data Analytics più efficiente deriva anche dal modo in cui l’impresa trasforma i suoi dati. </a:t>
+            </a:r>
+          </a:p>
+          <a:p>
+            <a:pPr marL="342900" indent="-342900">
+              <a:buFont typeface="Wingdings" panose="05000000000000000000" pitchFamily="2" charset="2"/>
+              <a:buChar char="ü"/>
+            </a:pPr>
+            <a:r>
+              <a:rPr lang="en-US" sz="2400" b="0" i="0">
+                <a:solidFill>
+                  <a:srgbClr val="555555"/>
+                </a:solidFill>
+                <a:effectLst/>
+                <a:latin typeface="PT Sans" panose="020B0503020203020204" pitchFamily="34" charset="0"/>
+              </a:rPr>
+              <a:t>Data </a:t>
+            </a:r>
+            <a:r>
+              <a:rPr lang="en-US" sz="2400" b="0" i="0" dirty="0">
+                <a:solidFill>
+                  <a:srgbClr val="555555"/>
+                </a:solidFill>
+                <a:effectLst/>
+                <a:latin typeface="PT Sans" panose="020B0503020203020204" pitchFamily="34" charset="0"/>
+              </a:rPr>
+              <a:t>transformation is the process of changing the format, structure, or values of data. For data analytics projects, data may be transformed at two stages of the data pipeline. Organizations that use on-premises data warehouses generally use an ETL (</a:t>
+            </a:r>
+            <a:r>
+              <a:rPr lang="en-US" sz="2400" b="1" i="0" u="none" strike="noStrike" dirty="0">
+                <a:solidFill>
+                  <a:srgbClr val="0675C1"/>
+                </a:solidFill>
+                <a:effectLst/>
+                <a:latin typeface="PT Sans" panose="020B0503020203020204" pitchFamily="34" charset="0"/>
+                <a:hlinkClick r:id="rId2"/>
+              </a:rPr>
+              <a:t>extract, transform, load</a:t>
+            </a:r>
+            <a:r>
+              <a:rPr lang="en-US" sz="2400" b="0" i="0" dirty="0">
+                <a:solidFill>
+                  <a:srgbClr val="555555"/>
+                </a:solidFill>
+                <a:effectLst/>
+                <a:latin typeface="PT Sans" panose="020B0503020203020204" pitchFamily="34" charset="0"/>
+              </a:rPr>
+              <a:t>) process, in which </a:t>
+            </a:r>
+            <a:r>
+              <a:rPr lang="en-US" sz="2400" b="1" i="0" u="none" strike="noStrike" dirty="0">
+                <a:solidFill>
+                  <a:srgbClr val="0675C1"/>
+                </a:solidFill>
+                <a:effectLst/>
+                <a:latin typeface="PT Sans" panose="020B0503020203020204" pitchFamily="34" charset="0"/>
+                <a:hlinkClick r:id="rId3"/>
+              </a:rPr>
+              <a:t>data transformation is the middle step</a:t>
+            </a:r>
+            <a:r>
+              <a:rPr lang="en-US" sz="2400" b="0" i="0" dirty="0">
+                <a:solidFill>
+                  <a:srgbClr val="555555"/>
+                </a:solidFill>
+                <a:effectLst/>
+                <a:latin typeface="PT Sans" panose="020B0503020203020204" pitchFamily="34" charset="0"/>
+              </a:rPr>
+              <a:t>. Today, most organizations use cloud-based data warehouses, which can scale compute and storage resources with latency measured in seconds or minutes. The scalability of the cloud platform lets organizations skip preload transformations and load raw data into the data warehouse, then transform it at query time — a model called ELT ( </a:t>
+            </a:r>
+            <a:r>
+              <a:rPr lang="en-US" sz="2400" b="1" i="0" u="none" strike="noStrike" dirty="0">
+                <a:solidFill>
+                  <a:srgbClr val="0675C1"/>
+                </a:solidFill>
+                <a:effectLst/>
+                <a:latin typeface="PT Sans" panose="020B0503020203020204" pitchFamily="34" charset="0"/>
+                <a:hlinkClick r:id="rId4"/>
+              </a:rPr>
+              <a:t>extract, load, transform)</a:t>
+            </a:r>
+            <a:r>
+              <a:rPr lang="en-US" sz="2400" b="0" i="0" dirty="0">
+                <a:solidFill>
+                  <a:srgbClr val="555555"/>
+                </a:solidFill>
+                <a:effectLst/>
+                <a:latin typeface="PT Sans" panose="020B0503020203020204" pitchFamily="34" charset="0"/>
+              </a:rPr>
+              <a:t>.</a:t>
+            </a:r>
+            <a:endParaRPr lang="it-IT" sz="2400" dirty="0">
+              <a:solidFill>
+                <a:schemeClr val="tx1"/>
+              </a:solidFill>
+              <a:latin typeface="Tahoma" panose="020B0604030504040204" pitchFamily="34" charset="0"/>
+              <a:ea typeface="Tahoma" panose="020B0604030504040204" pitchFamily="34" charset="0"/>
+              <a:cs typeface="Tahoma" panose="020B0604030504040204" pitchFamily="34" charset="0"/>
+            </a:endParaRPr>
+          </a:p>
+          <a:p>
+            <a:endParaRPr lang="it-IT" sz="2400" dirty="0">
+              <a:solidFill>
+                <a:schemeClr val="tx1"/>
+              </a:solidFill>
+              <a:latin typeface="Tahoma" panose="020B0604030504040204" pitchFamily="34" charset="0"/>
+              <a:ea typeface="Tahoma" panose="020B0604030504040204" pitchFamily="34" charset="0"/>
+              <a:cs typeface="Tahoma" panose="020B0604030504040204" pitchFamily="34" charset="0"/>
+            </a:endParaRPr>
+          </a:p>
+        </p:txBody>
+      </p:sp>
+      <p:sp>
+        <p:nvSpPr>
+          <p:cNvPr id="7" name="Segnaposto numero diapositiva 6">
+            <a:extLst>
+              <a:ext uri="{FF2B5EF4-FFF2-40B4-BE49-F238E27FC236}">
+                <a16:creationId xmlns:a16="http://schemas.microsoft.com/office/drawing/2014/main" id="{AB740BE9-E218-4144-BFDE-AE473D230A3D}"/>
+              </a:ext>
+            </a:extLst>
+          </p:cNvPr>
+          <p:cNvSpPr>
+            <a:spLocks noGrp="1"/>
+          </p:cNvSpPr>
+          <p:nvPr>
+            <p:ph type="sldNum" sz="quarter" idx="12"/>
+          </p:nvPr>
+        </p:nvSpPr>
+        <p:spPr/>
+        <p:txBody>
+          <a:bodyPr/>
+          <a:lstStyle/>
+          <a:p>
+            <a:pPr>
+              <a:defRPr/>
+            </a:pPr>
+            <a:fld id="{48B4153A-D4C5-4CEF-8992-0D8815C829E3}" type="slidenum">
+              <a:rPr lang="en-US" smtClean="0"/>
+              <a:pPr>
+                <a:defRPr/>
+              </a:pPr>
+              <a:t>21</a:t>
+            </a:fld>
+            <a:endParaRPr lang="en-US" dirty="0"/>
+          </a:p>
+        </p:txBody>
+      </p:sp>
+      <p:sp>
+        <p:nvSpPr>
+          <p:cNvPr id="5" name="Titolo 4">
+            <a:extLst>
+              <a:ext uri="{FF2B5EF4-FFF2-40B4-BE49-F238E27FC236}">
+                <a16:creationId xmlns:a16="http://schemas.microsoft.com/office/drawing/2014/main" id="{82C46BA2-B380-4357-B125-BA9F08A643F5}"/>
+              </a:ext>
+            </a:extLst>
+          </p:cNvPr>
+          <p:cNvSpPr>
+            <a:spLocks noGrp="1"/>
+          </p:cNvSpPr>
+          <p:nvPr>
+            <p:ph type="title"/>
+          </p:nvPr>
+        </p:nvSpPr>
+        <p:spPr>
+          <a:xfrm>
+            <a:off x="468895" y="503475"/>
+            <a:ext cx="11269308" cy="384721"/>
+          </a:xfrm>
+        </p:spPr>
+        <p:txBody>
+          <a:bodyPr/>
+          <a:lstStyle/>
+          <a:p>
+            <a:r>
+              <a:rPr lang="it-IT" altLang="it-IT" dirty="0"/>
+              <a:t>Trasformazione dei Dati (Data </a:t>
+            </a:r>
+            <a:r>
+              <a:rPr lang="it-IT" altLang="it-IT" dirty="0" err="1"/>
+              <a:t>Transformation</a:t>
+            </a:r>
+            <a:r>
+              <a:rPr lang="it-IT" altLang="it-IT" dirty="0"/>
+              <a:t>)</a:t>
+            </a:r>
+            <a:endParaRPr lang="it-IT" dirty="0"/>
+          </a:p>
+        </p:txBody>
+      </p:sp>
+    </p:spTree>
+    <p:extLst>
+      <p:ext uri="{BB962C8B-B14F-4D97-AF65-F5344CB8AC3E}">
+        <p14:creationId xmlns:p14="http://schemas.microsoft.com/office/powerpoint/2010/main" val="95832058"/>
+      </p:ext>
+    </p:extLst>
+  </p:cSld>
+  <p:clrMapOvr>
+    <a:masterClrMapping/>
+  </p:clrMapOvr>
+</p:sld>
+</file>
+
+<file path=ppt/slides/slide22.xml><?xml version="1.0" encoding="utf-8"?>
+<p:sld xmlns:a="http://schemas.openxmlformats.org/drawingml/2006/main" xmlns:r="http://schemas.openxmlformats.org/officeDocument/2006/relationships" xmlns:p="http://schemas.openxmlformats.org/presentationml/2006/main">
+  <p:cSld>
+    <p:spTree>
+      <p:nvGrpSpPr>
+        <p:cNvPr id="1" name=""/>
+        <p:cNvGrpSpPr/>
+        <p:nvPr/>
+      </p:nvGrpSpPr>
+      <p:grpSpPr>
+        <a:xfrm>
+          <a:off x="0" y="0"/>
+          <a:ext cx="0" cy="0"/>
+          <a:chOff x="0" y="0"/>
+          <a:chExt cx="0" cy="0"/>
+        </a:xfrm>
+      </p:grpSpPr>
+      <p:sp>
+        <p:nvSpPr>
+          <p:cNvPr id="2" name="Segnaposto testo 1">
+            <a:extLst>
+              <a:ext uri="{FF2B5EF4-FFF2-40B4-BE49-F238E27FC236}">
+                <a16:creationId xmlns:a16="http://schemas.microsoft.com/office/drawing/2014/main" id="{E5AE986C-196F-4141-A898-FA4C4198CDCC}"/>
+              </a:ext>
+            </a:extLst>
+          </p:cNvPr>
+          <p:cNvSpPr>
+            <a:spLocks noGrp="1"/>
+          </p:cNvSpPr>
+          <p:nvPr>
+            <p:ph type="body" idx="1"/>
+          </p:nvPr>
+        </p:nvSpPr>
+        <p:spPr>
+          <a:xfrm>
+            <a:off x="326297" y="1213806"/>
+            <a:ext cx="11518700" cy="4392612"/>
+          </a:xfrm>
+        </p:spPr>
+        <p:txBody>
+          <a:bodyPr/>
+          <a:lstStyle/>
+          <a:p>
+            <a:pPr marL="342900" indent="-342900">
+              <a:buFont typeface="Wingdings" panose="05000000000000000000" pitchFamily="2" charset="2"/>
+              <a:buChar char="ü"/>
+            </a:pPr>
+            <a:r>
+              <a:rPr lang="it-IT" sz="2400" dirty="0">
+                <a:solidFill>
+                  <a:schemeClr val="tx1"/>
+                </a:solidFill>
+                <a:latin typeface="Tahoma" panose="020B0604030504040204" pitchFamily="34" charset="0"/>
+                <a:ea typeface="Tahoma" panose="020B0604030504040204" pitchFamily="34" charset="0"/>
+                <a:cs typeface="Tahoma" panose="020B0604030504040204" pitchFamily="34" charset="0"/>
+              </a:rPr>
+              <a:t>L’Analisi dell’informazione richiede di solito dati accessibili e ben strutturati per ottenere i migliori risultati possibili. La Data </a:t>
+            </a:r>
+            <a:r>
+              <a:rPr lang="it-IT" sz="2400" dirty="0" err="1">
+                <a:solidFill>
+                  <a:schemeClr val="tx1"/>
+                </a:solidFill>
+                <a:latin typeface="Tahoma" panose="020B0604030504040204" pitchFamily="34" charset="0"/>
+                <a:ea typeface="Tahoma" panose="020B0604030504040204" pitchFamily="34" charset="0"/>
+                <a:cs typeface="Tahoma" panose="020B0604030504040204" pitchFamily="34" charset="0"/>
+              </a:rPr>
+              <a:t>Transformation</a:t>
+            </a:r>
+            <a:r>
+              <a:rPr lang="it-IT" sz="2400" dirty="0">
+                <a:solidFill>
+                  <a:schemeClr val="tx1"/>
+                </a:solidFill>
+                <a:latin typeface="Tahoma" panose="020B0604030504040204" pitchFamily="34" charset="0"/>
+                <a:ea typeface="Tahoma" panose="020B0604030504040204" pitchFamily="34" charset="0"/>
+                <a:cs typeface="Tahoma" panose="020B0604030504040204" pitchFamily="34" charset="0"/>
+              </a:rPr>
+              <a:t> rende alle </a:t>
+            </a:r>
+            <a:r>
+              <a:rPr lang="it-IT" sz="2400" dirty="0" err="1">
+                <a:solidFill>
+                  <a:schemeClr val="tx1"/>
+                </a:solidFill>
+                <a:latin typeface="Tahoma" panose="020B0604030504040204" pitchFamily="34" charset="0"/>
+                <a:ea typeface="Tahoma" panose="020B0604030504040204" pitchFamily="34" charset="0"/>
+                <a:cs typeface="Tahoma" panose="020B0604030504040204" pitchFamily="34" charset="0"/>
+              </a:rPr>
+              <a:t>organizziazioni</a:t>
+            </a:r>
+            <a:r>
+              <a:rPr lang="it-IT" sz="2400" dirty="0">
+                <a:solidFill>
+                  <a:schemeClr val="tx1"/>
+                </a:solidFill>
+                <a:latin typeface="Tahoma" panose="020B0604030504040204" pitchFamily="34" charset="0"/>
+                <a:ea typeface="Tahoma" panose="020B0604030504040204" pitchFamily="34" charset="0"/>
+                <a:cs typeface="Tahoma" panose="020B0604030504040204" pitchFamily="34" charset="0"/>
+              </a:rPr>
+              <a:t> possibile l’alterazione della struttura e del formato dei dati grezzi secondo le necessità. La Data Analytics più efficiente deriva anche dal modo in cui l’impresa trasforma i suoi dati. </a:t>
+            </a:r>
+          </a:p>
+          <a:p>
+            <a:pPr marL="342900" indent="-342900">
+              <a:buFont typeface="Wingdings" panose="05000000000000000000" pitchFamily="2" charset="2"/>
+              <a:buChar char="ü"/>
+            </a:pPr>
+            <a:r>
+              <a:rPr lang="en-US" sz="2400">
+                <a:solidFill>
+                  <a:schemeClr val="tx1"/>
+                </a:solidFill>
+                <a:latin typeface="Tahoma" panose="020B0604030504040204" pitchFamily="34" charset="0"/>
+                <a:ea typeface="Tahoma" panose="020B0604030504040204" pitchFamily="34" charset="0"/>
+                <a:cs typeface="Tahoma" panose="020B0604030504040204" pitchFamily="34" charset="0"/>
+              </a:rPr>
+              <a:t>Cosa è l'IRI in un RDF</a:t>
+            </a:r>
+          </a:p>
+          <a:p>
+            <a:pPr marL="342900" indent="-342900">
+              <a:buFont typeface="Wingdings" panose="05000000000000000000" pitchFamily="2" charset="2"/>
+              <a:buChar char="ü"/>
+            </a:pPr>
+            <a:endParaRPr lang="en-US" sz="2400" dirty="0">
+              <a:solidFill>
+                <a:srgbClr val="555555"/>
+              </a:solidFill>
+              <a:latin typeface="PT Sans" panose="020B0503020203020204" pitchFamily="34" charset="0"/>
+            </a:endParaRPr>
+          </a:p>
+          <a:p>
+            <a:pPr marL="342900" indent="-342900">
+              <a:buFont typeface="Wingdings" panose="05000000000000000000" pitchFamily="2" charset="2"/>
+              <a:buChar char="ü"/>
+            </a:pPr>
+            <a:r>
+              <a:rPr lang="it-IT" sz="2400" b="0" i="0">
+                <a:solidFill>
+                  <a:srgbClr val="202124"/>
+                </a:solidFill>
+                <a:effectLst/>
+                <a:latin typeface="arial" panose="020B0604020202020204" pitchFamily="34" charset="0"/>
+              </a:rPr>
+              <a:t>Un </a:t>
+            </a:r>
+            <a:r>
+              <a:rPr lang="it-IT" sz="2400" b="1" i="0">
+                <a:solidFill>
+                  <a:srgbClr val="202124"/>
+                </a:solidFill>
+                <a:effectLst/>
+                <a:latin typeface="arial" panose="020B0604020202020204" pitchFamily="34" charset="0"/>
+              </a:rPr>
+              <a:t>URI</a:t>
+            </a:r>
+            <a:r>
+              <a:rPr lang="it-IT" sz="2400" b="0" i="0">
+                <a:solidFill>
+                  <a:srgbClr val="202124"/>
+                </a:solidFill>
+                <a:effectLst/>
+                <a:latin typeface="arial" panose="020B0604020202020204" pitchFamily="34" charset="0"/>
+              </a:rPr>
+              <a:t> può essere classificato come qualcosa che definisce posizioni (</a:t>
+            </a:r>
+            <a:r>
+              <a:rPr lang="it-IT" sz="2400" b="1" i="0">
+                <a:solidFill>
+                  <a:srgbClr val="202124"/>
+                </a:solidFill>
+                <a:effectLst/>
+                <a:latin typeface="arial" panose="020B0604020202020204" pitchFamily="34" charset="0"/>
+              </a:rPr>
+              <a:t>URL</a:t>
+            </a:r>
+            <a:r>
+              <a:rPr lang="it-IT" sz="2400" b="0" i="0">
+                <a:solidFill>
+                  <a:srgbClr val="202124"/>
+                </a:solidFill>
+                <a:effectLst/>
+                <a:latin typeface="arial" panose="020B0604020202020204" pitchFamily="34" charset="0"/>
+              </a:rPr>
+              <a:t>) o nomi (URN) o entrambi. Un </a:t>
+            </a:r>
+            <a:r>
+              <a:rPr lang="it-IT" sz="2400" b="1" i="0">
+                <a:solidFill>
+                  <a:srgbClr val="202124"/>
+                </a:solidFill>
+                <a:effectLst/>
+                <a:latin typeface="arial" panose="020B0604020202020204" pitchFamily="34" charset="0"/>
+              </a:rPr>
+              <a:t>URL</a:t>
+            </a:r>
+            <a:r>
+              <a:rPr lang="it-IT" sz="2400" b="0" i="0">
+                <a:solidFill>
+                  <a:srgbClr val="202124"/>
+                </a:solidFill>
+                <a:effectLst/>
+                <a:latin typeface="arial" panose="020B0604020202020204" pitchFamily="34" charset="0"/>
+              </a:rPr>
+              <a:t> (Uniform Resource Locator) </a:t>
+            </a:r>
+            <a:r>
+              <a:rPr lang="it-IT" sz="2400" b="1" i="0">
+                <a:solidFill>
+                  <a:srgbClr val="202124"/>
+                </a:solidFill>
+                <a:effectLst/>
+                <a:latin typeface="arial" panose="020B0604020202020204" pitchFamily="34" charset="0"/>
+              </a:rPr>
+              <a:t>è</a:t>
+            </a:r>
+            <a:r>
+              <a:rPr lang="it-IT" sz="2400" b="0" i="0">
+                <a:solidFill>
+                  <a:srgbClr val="202124"/>
+                </a:solidFill>
+                <a:effectLst/>
+                <a:latin typeface="arial" panose="020B0604020202020204" pitchFamily="34" charset="0"/>
+              </a:rPr>
+              <a:t> un </a:t>
+            </a:r>
+            <a:r>
+              <a:rPr lang="it-IT" sz="2400" b="1" i="0">
+                <a:solidFill>
+                  <a:srgbClr val="202124"/>
+                </a:solidFill>
+                <a:effectLst/>
+                <a:latin typeface="arial" panose="020B0604020202020204" pitchFamily="34" charset="0"/>
+              </a:rPr>
+              <a:t>URI</a:t>
+            </a:r>
+            <a:r>
+              <a:rPr lang="it-IT" sz="2400" b="0" i="0">
+                <a:solidFill>
+                  <a:srgbClr val="202124"/>
+                </a:solidFill>
+                <a:effectLst/>
+                <a:latin typeface="arial" panose="020B0604020202020204" pitchFamily="34" charset="0"/>
+              </a:rPr>
+              <a:t> che identifica una risorsa tramite la sua "collocazione" ("location") in un grafo. Di fatto, non identifica la risorsa per nome, ma con il modo con cui la si può reperire.</a:t>
+            </a:r>
+          </a:p>
+          <a:p>
+            <a:pPr marL="342900" indent="-342900">
+              <a:buFont typeface="Wingdings" panose="05000000000000000000" pitchFamily="2" charset="2"/>
+              <a:buChar char="ü"/>
+            </a:pPr>
+            <a:endParaRPr lang="it-IT" sz="2400">
+              <a:solidFill>
+                <a:srgbClr val="202124"/>
+              </a:solidFill>
+              <a:latin typeface="arial" panose="020B0604020202020204" pitchFamily="34" charset="0"/>
+            </a:endParaRPr>
+          </a:p>
+          <a:p>
+            <a:pPr algn="l"/>
+            <a:endParaRPr lang="it-IT" sz="2400" dirty="0">
+              <a:solidFill>
+                <a:schemeClr val="tx1"/>
+              </a:solidFill>
+              <a:latin typeface="Tahoma" panose="020B0604030504040204" pitchFamily="34" charset="0"/>
+              <a:ea typeface="Tahoma" panose="020B0604030504040204" pitchFamily="34" charset="0"/>
+              <a:cs typeface="Tahoma" panose="020B0604030504040204" pitchFamily="34" charset="0"/>
+            </a:endParaRPr>
+          </a:p>
+        </p:txBody>
+      </p:sp>
+      <p:sp>
+        <p:nvSpPr>
+          <p:cNvPr id="7" name="Segnaposto numero diapositiva 6">
+            <a:extLst>
+              <a:ext uri="{FF2B5EF4-FFF2-40B4-BE49-F238E27FC236}">
+                <a16:creationId xmlns:a16="http://schemas.microsoft.com/office/drawing/2014/main" id="{AB740BE9-E218-4144-BFDE-AE473D230A3D}"/>
+              </a:ext>
+            </a:extLst>
+          </p:cNvPr>
+          <p:cNvSpPr>
+            <a:spLocks noGrp="1"/>
+          </p:cNvSpPr>
+          <p:nvPr>
+            <p:ph type="sldNum" sz="quarter" idx="12"/>
+          </p:nvPr>
+        </p:nvSpPr>
+        <p:spPr/>
+        <p:txBody>
+          <a:bodyPr/>
+          <a:lstStyle/>
+          <a:p>
+            <a:pPr>
+              <a:defRPr/>
+            </a:pPr>
+            <a:fld id="{48B4153A-D4C5-4CEF-8992-0D8815C829E3}" type="slidenum">
+              <a:rPr lang="en-US" smtClean="0"/>
+              <a:pPr>
+                <a:defRPr/>
+              </a:pPr>
+              <a:t>22</a:t>
+            </a:fld>
+            <a:endParaRPr lang="en-US" dirty="0"/>
+          </a:p>
+        </p:txBody>
+      </p:sp>
+      <p:sp>
+        <p:nvSpPr>
+          <p:cNvPr id="5" name="Titolo 4">
+            <a:extLst>
+              <a:ext uri="{FF2B5EF4-FFF2-40B4-BE49-F238E27FC236}">
+                <a16:creationId xmlns:a16="http://schemas.microsoft.com/office/drawing/2014/main" id="{82C46BA2-B380-4357-B125-BA9F08A643F5}"/>
+              </a:ext>
+            </a:extLst>
+          </p:cNvPr>
+          <p:cNvSpPr>
+            <a:spLocks noGrp="1"/>
+          </p:cNvSpPr>
+          <p:nvPr>
+            <p:ph type="title"/>
+          </p:nvPr>
+        </p:nvSpPr>
+        <p:spPr>
+          <a:xfrm>
+            <a:off x="468895" y="503475"/>
+            <a:ext cx="11269308" cy="384721"/>
+          </a:xfrm>
+        </p:spPr>
+        <p:txBody>
+          <a:bodyPr/>
+          <a:lstStyle/>
+          <a:p>
+            <a:r>
+              <a:rPr lang="it-IT" altLang="it-IT"/>
+              <a:t>RDF</a:t>
+            </a:r>
+            <a:endParaRPr lang="it-IT" dirty="0"/>
+          </a:p>
+        </p:txBody>
+      </p:sp>
+    </p:spTree>
+    <p:extLst>
+      <p:ext uri="{BB962C8B-B14F-4D97-AF65-F5344CB8AC3E}">
+        <p14:creationId xmlns:p14="http://schemas.microsoft.com/office/powerpoint/2010/main" val="2116990933"/>
+      </p:ext>
+    </p:extLst>
+  </p:cSld>
+  <p:clrMapOvr>
+    <a:masterClrMapping/>
+  </p:clrMapOvr>
+</p:sld>
+</file>
+
+<file path=ppt/slides/slide23.xml><?xml version="1.0" encoding="utf-8"?>
+<p:sld xmlns:a="http://schemas.openxmlformats.org/drawingml/2006/main" xmlns:r="http://schemas.openxmlformats.org/officeDocument/2006/relationships" xmlns:p="http://schemas.openxmlformats.org/presentationml/2006/main">
+  <p:cSld>
+    <p:spTree>
+      <p:nvGrpSpPr>
+        <p:cNvPr id="1" name=""/>
+        <p:cNvGrpSpPr/>
+        <p:nvPr/>
+      </p:nvGrpSpPr>
+      <p:grpSpPr>
+        <a:xfrm>
+          <a:off x="0" y="0"/>
+          <a:ext cx="0" cy="0"/>
+          <a:chOff x="0" y="0"/>
+          <a:chExt cx="0" cy="0"/>
+        </a:xfrm>
+      </p:grpSpPr>
+      <p:sp>
+        <p:nvSpPr>
+          <p:cNvPr id="2" name="Segnaposto testo 1">
+            <a:extLst>
+              <a:ext uri="{FF2B5EF4-FFF2-40B4-BE49-F238E27FC236}">
+                <a16:creationId xmlns:a16="http://schemas.microsoft.com/office/drawing/2014/main" id="{E5AE986C-196F-4141-A898-FA4C4198CDCC}"/>
+              </a:ext>
+            </a:extLst>
+          </p:cNvPr>
+          <p:cNvSpPr>
+            <a:spLocks noGrp="1"/>
+          </p:cNvSpPr>
+          <p:nvPr>
+            <p:ph type="body" idx="1"/>
+          </p:nvPr>
+        </p:nvSpPr>
+        <p:spPr>
+          <a:xfrm>
+            <a:off x="326297" y="1213806"/>
+            <a:ext cx="11518700" cy="4392612"/>
+          </a:xfrm>
+        </p:spPr>
+        <p:txBody>
+          <a:bodyPr/>
+          <a:lstStyle/>
+          <a:p>
+            <a:pPr algn="l"/>
+            <a:r>
+              <a:rPr lang="en-US" sz="2400" b="0" i="0">
+                <a:solidFill>
+                  <a:srgbClr val="4E4B49"/>
+                </a:solidFill>
+                <a:effectLst/>
+                <a:latin typeface="-apple-system"/>
+              </a:rPr>
+              <a:t>turtleDB is a framework for developers to build offline-first, collaborative web apps. It provides a user-friendly API for developers, empowering them with the ability to create apps with in-browser storage, effective server synchronization, document versioning, and flexible conflict resolution for any document data.</a:t>
+            </a:r>
+          </a:p>
+          <a:p>
+            <a:pPr algn="l"/>
+            <a:r>
+              <a:rPr lang="en-US" sz="2400" b="0" i="0">
+                <a:solidFill>
+                  <a:srgbClr val="4E4B49"/>
+                </a:solidFill>
+                <a:effectLst/>
+                <a:latin typeface="-apple-system"/>
+              </a:rPr>
+              <a:t>Web applications will work seamlessly online or offline, and developers can leave the backend to turtleDB - it will handle all data synchronization and conflict resolution between users. Works with MongoDB out of the box!</a:t>
+            </a:r>
+          </a:p>
+          <a:p>
+            <a:pPr marL="342900" indent="-342900">
+              <a:buFont typeface="Wingdings" panose="05000000000000000000" pitchFamily="2" charset="2"/>
+              <a:buChar char="ü"/>
+            </a:pPr>
+            <a:endParaRPr lang="en-US" sz="2400" b="0" i="0" dirty="0">
+              <a:solidFill>
+                <a:srgbClr val="555555"/>
+              </a:solidFill>
+              <a:effectLst/>
+              <a:latin typeface="PT Sans" panose="020B0503020203020204" pitchFamily="34" charset="0"/>
+            </a:endParaRPr>
+          </a:p>
+        </p:txBody>
+      </p:sp>
+      <p:sp>
+        <p:nvSpPr>
+          <p:cNvPr id="7" name="Segnaposto numero diapositiva 6">
+            <a:extLst>
+              <a:ext uri="{FF2B5EF4-FFF2-40B4-BE49-F238E27FC236}">
+                <a16:creationId xmlns:a16="http://schemas.microsoft.com/office/drawing/2014/main" id="{AB740BE9-E218-4144-BFDE-AE473D230A3D}"/>
+              </a:ext>
+            </a:extLst>
+          </p:cNvPr>
+          <p:cNvSpPr>
+            <a:spLocks noGrp="1"/>
+          </p:cNvSpPr>
+          <p:nvPr>
+            <p:ph type="sldNum" sz="quarter" idx="12"/>
+          </p:nvPr>
+        </p:nvSpPr>
+        <p:spPr/>
+        <p:txBody>
+          <a:bodyPr/>
+          <a:lstStyle/>
+          <a:p>
+            <a:pPr>
+              <a:defRPr/>
+            </a:pPr>
+            <a:fld id="{48B4153A-D4C5-4CEF-8992-0D8815C829E3}" type="slidenum">
+              <a:rPr lang="en-US" smtClean="0"/>
+              <a:pPr>
+                <a:defRPr/>
+              </a:pPr>
+              <a:t>23</a:t>
+            </a:fld>
+            <a:endParaRPr lang="en-US" dirty="0"/>
+          </a:p>
+        </p:txBody>
+      </p:sp>
+      <p:sp>
+        <p:nvSpPr>
+          <p:cNvPr id="5" name="Titolo 4">
+            <a:extLst>
+              <a:ext uri="{FF2B5EF4-FFF2-40B4-BE49-F238E27FC236}">
+                <a16:creationId xmlns:a16="http://schemas.microsoft.com/office/drawing/2014/main" id="{82C46BA2-B380-4357-B125-BA9F08A643F5}"/>
+              </a:ext>
+            </a:extLst>
+          </p:cNvPr>
+          <p:cNvSpPr>
+            <a:spLocks noGrp="1"/>
+          </p:cNvSpPr>
+          <p:nvPr>
+            <p:ph type="title"/>
+          </p:nvPr>
+        </p:nvSpPr>
+        <p:spPr>
+          <a:xfrm>
+            <a:off x="468895" y="503475"/>
+            <a:ext cx="11269308" cy="384721"/>
+          </a:xfrm>
+        </p:spPr>
+        <p:txBody>
+          <a:bodyPr/>
+          <a:lstStyle/>
+          <a:p>
+            <a:r>
+              <a:rPr lang="it-IT"/>
+              <a:t>TurtleDB e Triplestore</a:t>
+            </a:r>
+            <a:endParaRPr lang="it-IT" dirty="0"/>
+          </a:p>
+        </p:txBody>
+      </p:sp>
+    </p:spTree>
+    <p:extLst>
+      <p:ext uri="{BB962C8B-B14F-4D97-AF65-F5344CB8AC3E}">
+        <p14:creationId xmlns:p14="http://schemas.microsoft.com/office/powerpoint/2010/main" val="3360116521"/>
+      </p:ext>
+    </p:extLst>
+  </p:cSld>
+  <p:clrMapOvr>
+    <a:masterClrMapping/>
+  </p:clrMapOvr>
+</p:sld>
+</file>
+
+<file path=ppt/slides/slide24.xml><?xml version="1.0" encoding="utf-8"?>
+<p:sld xmlns:a="http://schemas.openxmlformats.org/drawingml/2006/main" xmlns:r="http://schemas.openxmlformats.org/officeDocument/2006/relationships" xmlns:p="http://schemas.openxmlformats.org/presentationml/2006/main">
+  <p:cSld>
+    <p:spTree>
+      <p:nvGrpSpPr>
+        <p:cNvPr id="1" name=""/>
+        <p:cNvGrpSpPr/>
+        <p:nvPr/>
+      </p:nvGrpSpPr>
+      <p:grpSpPr>
+        <a:xfrm>
+          <a:off x="0" y="0"/>
+          <a:ext cx="0" cy="0"/>
+          <a:chOff x="0" y="0"/>
+          <a:chExt cx="0" cy="0"/>
+        </a:xfrm>
+      </p:grpSpPr>
+      <p:sp>
+        <p:nvSpPr>
+          <p:cNvPr id="7" name="Segnaposto numero diapositiva 6">
+            <a:extLst>
+              <a:ext uri="{FF2B5EF4-FFF2-40B4-BE49-F238E27FC236}">
+                <a16:creationId xmlns:a16="http://schemas.microsoft.com/office/drawing/2014/main" id="{AB740BE9-E218-4144-BFDE-AE473D230A3D}"/>
+              </a:ext>
+            </a:extLst>
+          </p:cNvPr>
+          <p:cNvSpPr>
+            <a:spLocks noGrp="1"/>
+          </p:cNvSpPr>
+          <p:nvPr>
+            <p:ph type="sldNum" sz="quarter" idx="12"/>
+          </p:nvPr>
+        </p:nvSpPr>
+        <p:spPr/>
+        <p:txBody>
+          <a:bodyPr/>
+          <a:lstStyle/>
+          <a:p>
+            <a:pPr>
+              <a:defRPr/>
+            </a:pPr>
+            <a:fld id="{48B4153A-D4C5-4CEF-8992-0D8815C829E3}" type="slidenum">
+              <a:rPr lang="en-US" smtClean="0"/>
+              <a:pPr>
+                <a:defRPr/>
+              </a:pPr>
+              <a:t>24</a:t>
+            </a:fld>
+            <a:endParaRPr lang="en-US" dirty="0"/>
+          </a:p>
+        </p:txBody>
+      </p:sp>
+      <p:sp>
+        <p:nvSpPr>
+          <p:cNvPr id="5" name="Titolo 4">
+            <a:extLst>
+              <a:ext uri="{FF2B5EF4-FFF2-40B4-BE49-F238E27FC236}">
+                <a16:creationId xmlns:a16="http://schemas.microsoft.com/office/drawing/2014/main" id="{82C46BA2-B380-4357-B125-BA9F08A643F5}"/>
+              </a:ext>
+            </a:extLst>
+          </p:cNvPr>
+          <p:cNvSpPr>
+            <a:spLocks noGrp="1"/>
+          </p:cNvSpPr>
+          <p:nvPr>
+            <p:ph type="title"/>
+          </p:nvPr>
+        </p:nvSpPr>
+        <p:spPr>
+          <a:xfrm>
+            <a:off x="468895" y="503475"/>
+            <a:ext cx="11269308" cy="384721"/>
+          </a:xfrm>
+        </p:spPr>
+        <p:txBody>
+          <a:bodyPr/>
+          <a:lstStyle/>
+          <a:p>
+            <a:r>
+              <a:rPr lang="it-IT" altLang="it-IT"/>
+              <a:t>Bibliografia</a:t>
+            </a:r>
+            <a:endParaRPr lang="it-IT" dirty="0"/>
+          </a:p>
+        </p:txBody>
+      </p:sp>
+      <p:sp>
+        <p:nvSpPr>
+          <p:cNvPr id="3" name="Segnaposto testo 2">
+            <a:extLst>
+              <a:ext uri="{FF2B5EF4-FFF2-40B4-BE49-F238E27FC236}">
+                <a16:creationId xmlns:a16="http://schemas.microsoft.com/office/drawing/2014/main" id="{15CD42DB-61E6-AA3D-7125-BF4BEDB5D886}"/>
+              </a:ext>
+            </a:extLst>
+          </p:cNvPr>
+          <p:cNvSpPr>
+            <a:spLocks noGrp="1"/>
+          </p:cNvSpPr>
+          <p:nvPr>
+            <p:ph type="body" idx="1"/>
+          </p:nvPr>
+        </p:nvSpPr>
+        <p:spPr>
+          <a:xfrm>
+            <a:off x="477519" y="1557338"/>
+            <a:ext cx="11043921" cy="4392612"/>
+          </a:xfrm>
+        </p:spPr>
+        <p:txBody>
+          <a:bodyPr/>
+          <a:lstStyle/>
+          <a:p>
+            <a:r>
+              <a:rPr lang="it-IT" dirty="0">
+                <a:hlinkClick r:id="rId2"/>
+              </a:rPr>
+              <a:t>https://www.stitchdata.com/resources</a:t>
+            </a:r>
+            <a:r>
+              <a:rPr lang="it-IT">
+                <a:hlinkClick r:id="rId2"/>
+              </a:rPr>
+              <a:t>/data-transformation</a:t>
+            </a:r>
+            <a:endParaRPr lang="it-IT"/>
+          </a:p>
+          <a:p>
+            <a:endParaRPr lang="it-IT"/>
+          </a:p>
+          <a:p>
+            <a:r>
+              <a:rPr lang="it-IT">
+                <a:hlinkClick r:id="rId3"/>
+              </a:rPr>
+              <a:t>https://www.ibm.com/cloud/learn/data-warehouse#:~:text=A%20data%20warehouse%2C%20or%20enterprise,AI)%2C%20and%20machine%20learning</a:t>
+            </a:r>
+            <a:r>
+              <a:rPr lang="it-IT"/>
+              <a:t>.</a:t>
+            </a:r>
+          </a:p>
+          <a:p>
+            <a:endParaRPr lang="it-IT" dirty="0"/>
+          </a:p>
+          <a:p>
+            <a:endParaRPr lang="it-IT" dirty="0"/>
+          </a:p>
+        </p:txBody>
+      </p:sp>
+    </p:spTree>
+    <p:extLst>
+      <p:ext uri="{BB962C8B-B14F-4D97-AF65-F5344CB8AC3E}">
+        <p14:creationId xmlns:p14="http://schemas.microsoft.com/office/powerpoint/2010/main" val="3490964097"/>
+      </p:ext>
+    </p:extLst>
+  </p:cSld>
+  <p:clrMapOvr>
+    <a:masterClrMapping/>
+  </p:clrMapOvr>
+</p:sld>
+</file>
+
 <file path=ppt/slides/slide3.xml><?xml version="1.0" encoding="utf-8"?>
 <p:sld xmlns:a="http://schemas.openxmlformats.org/drawingml/2006/main" xmlns:r="http://schemas.openxmlformats.org/officeDocument/2006/relationships" xmlns:p="http://schemas.openxmlformats.org/presentationml/2006/main">
   <p:cSld>
@@ -10803,7 +13424,7 @@
                 <a:ea typeface="Tahoma" panose="020B0604030504040204" pitchFamily="34" charset="0"/>
                 <a:cs typeface="Tahoma" panose="020B0604030504040204" pitchFamily="34" charset="0"/>
               </a:rPr>
-              <a:t>Snowflake Schema: </a:t>
+              <a:t>DSnowflake Schema: </a:t>
             </a:r>
             <a:r>
               <a:rPr lang="it-IT" sz="2400">
@@ -11844,15 +14465,15 @@
 <file path=customXml/itemProps4.xml><?xml version="1.0" encoding="utf-8"?>
 <ds:datastoreItem xmlns:ds="http://schemas.openxmlformats.org/officeDocument/2006/customXml" ds:itemID="{3EF378BC-F4D0-4510-B4EC-07B6EFE18CF8}">
   <ds:schemaRefs>
-    <ds:schemaRef ds:uri="http://schemas.openxmlformats.org/package/2006/metadata/core-properties"/>
-    <ds:schemaRef ds:uri="459159c4-d20a-4ff3-9b11-fbd127bd52e5"/>
     <ds:schemaRef ds:uri="c58f2efd-82a8-4ecf-b395-8c25e928921d"/>
     <ds:schemaRef ds:uri="http://schemas.microsoft.com/office/infopath/2007/PartnerControls"/>
+    <ds:schemaRef ds:uri="http://purl.org/dc/elements/1.1/"/>
+    <ds:schemaRef ds:uri="http://schemas.microsoft.com/office/2006/metadata/properties"/>
     <ds:schemaRef ds:uri="http://purl.org/dc/terms/"/>
+    <ds:schemaRef ds:uri="679261c3-551f-4e86-913f-177e0e529669"/>
     <ds:schemaRef ds:uri="http://schemas.microsoft.com/office/2006/documentManagement/types"/>
-    <ds:schemaRef ds:uri="http://purl.org/dc/elements/1.1/"/>
-    <ds:schemaRef ds:uri="679261c3-551f-4e86-913f-177e0e529669"/>
-    <ds:schemaRef ds:uri="http://schemas.microsoft.com/office/2006/metadata/properties"/>
+    <ds:schemaRef ds:uri="459159c4-d20a-4ff3-9b11-fbd127bd52e5"/>
+    <ds:schemaRef ds:uri="http://schemas.openxmlformats.org/package/2006/metadata/core-properties"/>
     <ds:schemaRef ds:uri="http://www.w3.org/XML/1998/namespace"/>
     <ds:schemaRef ds:uri="http://purl.org/dc/dcmitype/"/>
   </ds:schemaRefs>

--- a/Data_Science_ita.pptx
+++ b/Data_Science_ita.pptx
@@ -5,7 +5,7 @@
     <p:sldMasterId id="2147483648" r:id="rId5"/>
   </p:sldMasterIdLst>
   <p:notesMasterIdLst>
-    <p:notesMasterId r:id="rId30"/>
+    <p:notesMasterId r:id="rId45"/>
   </p:notesMasterIdLst>
   <p:sldIdLst>
     <p:sldId id="256" r:id="rId6"/>
@@ -24,14 +24,29 @@
     <p:sldId id="353" r:id="rId19"/>
     <p:sldId id="355" r:id="rId20"/>
     <p:sldId id="356" r:id="rId21"/>
-    <p:sldId id="354" r:id="rId22"/>
-    <p:sldId id="336" r:id="rId23"/>
-    <p:sldId id="359" r:id="rId24"/>
-    <p:sldId id="338" r:id="rId25"/>
-    <p:sldId id="337" r:id="rId26"/>
-    <p:sldId id="357" r:id="rId27"/>
-    <p:sldId id="358" r:id="rId28"/>
-    <p:sldId id="343" r:id="rId29"/>
+    <p:sldId id="336" r:id="rId22"/>
+    <p:sldId id="359" r:id="rId23"/>
+    <p:sldId id="338" r:id="rId24"/>
+    <p:sldId id="337" r:id="rId25"/>
+    <p:sldId id="360" r:id="rId26"/>
+    <p:sldId id="363" r:id="rId27"/>
+    <p:sldId id="364" r:id="rId28"/>
+    <p:sldId id="365" r:id="rId29"/>
+    <p:sldId id="366" r:id="rId30"/>
+    <p:sldId id="367" r:id="rId31"/>
+    <p:sldId id="361" r:id="rId32"/>
+    <p:sldId id="357" r:id="rId33"/>
+    <p:sldId id="362" r:id="rId34"/>
+    <p:sldId id="368" r:id="rId35"/>
+    <p:sldId id="369" r:id="rId36"/>
+    <p:sldId id="370" r:id="rId37"/>
+    <p:sldId id="371" r:id="rId38"/>
+    <p:sldId id="372" r:id="rId39"/>
+    <p:sldId id="373" r:id="rId40"/>
+    <p:sldId id="374" r:id="rId41"/>
+    <p:sldId id="375" r:id="rId42"/>
+    <p:sldId id="358" r:id="rId43"/>
+    <p:sldId id="343" r:id="rId44"/>
   </p:sldIdLst>
   <p:sldSz cx="12192000" cy="6858000"/>
   <p:notesSz cx="6858000" cy="9144000"/>
@@ -289,7 +304,7 @@
               <a:pPr>
                 <a:defRPr/>
               </a:pPr>
-              <a:t>7/2/2022</a:t>
+              <a:t>7/4/2022</a:t>
             </a:fld>
             <a:endParaRPr lang="en-US"/>
           </a:p>
@@ -8514,8 +8529,8 @@
         </p:nvSpPr>
         <p:spPr>
           <a:xfrm>
-            <a:off x="326297" y="1213806"/>
-            <a:ext cx="11269308" cy="4392612"/>
+            <a:off x="326297" y="1213805"/>
+            <a:ext cx="7706355" cy="4833033"/>
           </a:xfrm>
         </p:spPr>
         <p:txBody>
@@ -8527,6 +8542,72 @@
               <a:buChar char="ü"/>
             </a:pPr>
             <a:r>
+              <a:rPr lang="it-IT" sz="2400" b="1" dirty="0">
+                <a:solidFill>
+                  <a:schemeClr val="tx1"/>
+                </a:solidFill>
+                <a:latin typeface="Tahoma" panose="020B0604030504040204" pitchFamily="34" charset="0"/>
+                <a:ea typeface="Tahoma" panose="020B0604030504040204" pitchFamily="34" charset="0"/>
+                <a:cs typeface="Tahoma" panose="020B0604030504040204" pitchFamily="34" charset="0"/>
+              </a:rPr>
+              <a:t>ETL </a:t>
+            </a:r>
+            <a:r>
+              <a:rPr lang="it-IT" sz="2400" dirty="0">
+                <a:solidFill>
+                  <a:schemeClr val="tx1"/>
+                </a:solidFill>
+                <a:latin typeface="Tahoma" panose="020B0604030504040204" pitchFamily="34" charset="0"/>
+                <a:ea typeface="Tahoma" panose="020B0604030504040204" pitchFamily="34" charset="0"/>
+                <a:cs typeface="Tahoma" panose="020B0604030504040204" pitchFamily="34" charset="0"/>
+              </a:rPr>
+              <a:t>fornisce le fondamenta per la data </a:t>
+            </a:r>
+            <a:r>
+              <a:rPr lang="it-IT" sz="2400" dirty="0" err="1">
+                <a:solidFill>
+                  <a:schemeClr val="tx1"/>
+                </a:solidFill>
+                <a:latin typeface="Tahoma" panose="020B0604030504040204" pitchFamily="34" charset="0"/>
+                <a:ea typeface="Tahoma" panose="020B0604030504040204" pitchFamily="34" charset="0"/>
+                <a:cs typeface="Tahoma" panose="020B0604030504040204" pitchFamily="34" charset="0"/>
+              </a:rPr>
+              <a:t>analytics</a:t>
+            </a:r>
+            <a:r>
+              <a:rPr lang="it-IT" sz="2400" dirty="0">
+                <a:solidFill>
+                  <a:schemeClr val="tx1"/>
+                </a:solidFill>
+                <a:latin typeface="Tahoma" panose="020B0604030504040204" pitchFamily="34" charset="0"/>
+                <a:ea typeface="Tahoma" panose="020B0604030504040204" pitchFamily="34" charset="0"/>
+                <a:cs typeface="Tahoma" panose="020B0604030504040204" pitchFamily="34" charset="0"/>
+              </a:rPr>
+              <a:t> e i </a:t>
+            </a:r>
+            <a:r>
+              <a:rPr lang="it-IT" sz="2400" dirty="0" err="1">
+                <a:solidFill>
+                  <a:schemeClr val="tx1"/>
+                </a:solidFill>
+                <a:latin typeface="Tahoma" panose="020B0604030504040204" pitchFamily="34" charset="0"/>
+                <a:ea typeface="Tahoma" panose="020B0604030504040204" pitchFamily="34" charset="0"/>
+                <a:cs typeface="Tahoma" panose="020B0604030504040204" pitchFamily="34" charset="0"/>
+              </a:rPr>
+              <a:t>workstream</a:t>
+            </a:r>
+            <a:r>
+              <a:rPr lang="it-IT" sz="2400" dirty="0">
+                <a:solidFill>
+                  <a:schemeClr val="tx1"/>
+                </a:solidFill>
+                <a:latin typeface="Tahoma" panose="020B0604030504040204" pitchFamily="34" charset="0"/>
+                <a:ea typeface="Tahoma" panose="020B0604030504040204" pitchFamily="34" charset="0"/>
+                <a:cs typeface="Tahoma" panose="020B0604030504040204" pitchFamily="34" charset="0"/>
+              </a:rPr>
+              <a:t> di machine learning. Attraverso una serie di regole, l’ETL purifica e organizza i dati in un modo che incontra specifici bisogni di business intelligence, come report mensili </a:t>
+            </a:r>
+            <a:r>
               <a:rPr lang="it-IT" sz="2400">
                 <a:solidFill>
                   <a:schemeClr val="tx1"/>
@@ -8535,59 +8616,151 @@
                 <a:ea typeface="Tahoma" panose="020B0604030504040204" pitchFamily="34" charset="0"/>
                 <a:cs typeface="Tahoma" panose="020B0604030504040204" pitchFamily="34" charset="0"/>
               </a:rPr>
-              <a:t>I </a:t>
-            </a:r>
-            <a:r>
-              <a:rPr lang="it-IT" sz="2400" b="1">
-                <a:solidFill>
-                  <a:schemeClr val="tx1"/>
-                </a:solidFill>
-                <a:latin typeface="Tahoma" panose="020B0604030504040204" pitchFamily="34" charset="0"/>
-                <a:ea typeface="Tahoma" panose="020B0604030504040204" pitchFamily="34" charset="0"/>
-                <a:cs typeface="Tahoma" panose="020B0604030504040204" pitchFamily="34" charset="0"/>
-              </a:rPr>
-              <a:t>Database</a:t>
-            </a:r>
-            <a:r>
-              <a:rPr lang="it-IT" sz="2400">
-                <a:solidFill>
-                  <a:schemeClr val="tx1"/>
-                </a:solidFill>
-                <a:latin typeface="Tahoma" panose="020B0604030504040204" pitchFamily="34" charset="0"/>
-                <a:ea typeface="Tahoma" panose="020B0604030504040204" pitchFamily="34" charset="0"/>
-                <a:cs typeface="Tahoma" panose="020B0604030504040204" pitchFamily="34" charset="0"/>
-              </a:rPr>
-              <a:t> </a:t>
-            </a:r>
-            <a:r>
-              <a:rPr lang="it-IT" sz="2400" b="1">
-                <a:solidFill>
-                  <a:schemeClr val="tx1"/>
-                </a:solidFill>
-                <a:latin typeface="Tahoma" panose="020B0604030504040204" pitchFamily="34" charset="0"/>
-                <a:ea typeface="Tahoma" panose="020B0604030504040204" pitchFamily="34" charset="0"/>
-                <a:cs typeface="Tahoma" panose="020B0604030504040204" pitchFamily="34" charset="0"/>
-              </a:rPr>
-              <a:t>Transazionali</a:t>
-            </a:r>
-            <a:r>
-              <a:rPr lang="it-IT" sz="2400">
-                <a:solidFill>
-                  <a:schemeClr val="tx1"/>
-                </a:solidFill>
-                <a:latin typeface="Tahoma" panose="020B0604030504040204" pitchFamily="34" charset="0"/>
-                <a:ea typeface="Tahoma" panose="020B0604030504040204" pitchFamily="34" charset="0"/>
-                <a:cs typeface="Tahoma" panose="020B0604030504040204" pitchFamily="34" charset="0"/>
-              </a:rPr>
-              <a:t> sono ottimizzati per l'esecuzione di sistemi di produzione, dai siti web alle banche fino ai negozi al dettaglio. Questi database si distinguono per la rapidità di lettura e scrittura di singole righe di dati senza alterarne l'integrità. Questi database transazionali sono archivi di righe, dunque i dati sono archiviati su disco come righe anzichè colonne. Gli archivi di righe sono molto utili quando è necessario sapere tutto di un cliente nella tabella utente, per esempio. Tuttavia non sono ottimali quando per esempio si cerca di conteggiare i clienti di un determinato codice postale, in quanto è necessario caricare in memoria nonsolo la colonna codice postale ma anche le colonne nome, indirizzo, ecc. Dunque i DB transazionali non sono creati per l'analisi. </a:t>
-            </a:r>
-            <a:endParaRPr lang="en-US" sz="2400" b="1" i="0" dirty="0">
-              <a:solidFill>
-                <a:srgbClr val="525252"/>
-              </a:solidFill>
-              <a:effectLst/>
-              <a:latin typeface="IBM Plex Sans" panose="020B0604020202020204" pitchFamily="34" charset="0"/>
-            </a:endParaRPr>
+              <a:t>ma può </a:t>
+            </a:r>
+            <a:r>
+              <a:rPr lang="it-IT" sz="2400" dirty="0">
+                <a:solidFill>
+                  <a:schemeClr val="tx1"/>
+                </a:solidFill>
+                <a:latin typeface="Tahoma" panose="020B0604030504040204" pitchFamily="34" charset="0"/>
+                <a:ea typeface="Tahoma" panose="020B0604030504040204" pitchFamily="34" charset="0"/>
+                <a:cs typeface="Tahoma" panose="020B0604030504040204" pitchFamily="34" charset="0"/>
+              </a:rPr>
+              <a:t>anche migliorare i processi di back-end o l’esperienza dell’utente finale. </a:t>
+            </a:r>
+          </a:p>
+          <a:p>
+            <a:pPr marL="342900" indent="-342900">
+              <a:buFont typeface="Wingdings" panose="05000000000000000000" pitchFamily="2" charset="2"/>
+              <a:buChar char="ü"/>
+            </a:pPr>
+            <a:r>
+              <a:rPr lang="it-IT" sz="2400" dirty="0">
+                <a:solidFill>
+                  <a:schemeClr val="tx1"/>
+                </a:solidFill>
+                <a:latin typeface="Tahoma" panose="020B0604030504040204" pitchFamily="34" charset="0"/>
+                <a:ea typeface="Tahoma" panose="020B0604030504040204" pitchFamily="34" charset="0"/>
+                <a:cs typeface="Tahoma" panose="020B0604030504040204" pitchFamily="34" charset="0"/>
+              </a:rPr>
+              <a:t>In genere </a:t>
+            </a:r>
+            <a:r>
+              <a:rPr lang="it-IT" sz="2400" b="1" dirty="0">
+                <a:solidFill>
+                  <a:schemeClr val="tx1"/>
+                </a:solidFill>
+                <a:latin typeface="Tahoma" panose="020B0604030504040204" pitchFamily="34" charset="0"/>
+                <a:ea typeface="Tahoma" panose="020B0604030504040204" pitchFamily="34" charset="0"/>
+                <a:cs typeface="Tahoma" panose="020B0604030504040204" pitchFamily="34" charset="0"/>
+              </a:rPr>
+              <a:t>l’ETL</a:t>
+            </a:r>
+            <a:r>
+              <a:rPr lang="it-IT" sz="2400" dirty="0">
+                <a:solidFill>
+                  <a:schemeClr val="tx1"/>
+                </a:solidFill>
+                <a:latin typeface="Tahoma" panose="020B0604030504040204" pitchFamily="34" charset="0"/>
+                <a:ea typeface="Tahoma" panose="020B0604030504040204" pitchFamily="34" charset="0"/>
+                <a:cs typeface="Tahoma" panose="020B0604030504040204" pitchFamily="34" charset="0"/>
+              </a:rPr>
+              <a:t> è utilizzato dalle organizzazioni per: </a:t>
+            </a:r>
+          </a:p>
+          <a:p>
+            <a:pPr marL="971550" lvl="1" indent="-514350">
+              <a:buAutoNum type="arabicParenR"/>
+            </a:pPr>
+            <a:r>
+              <a:rPr lang="it-IT" sz="2600" b="0" dirty="0">
+                <a:solidFill>
+                  <a:schemeClr val="tx1"/>
+                </a:solidFill>
+                <a:latin typeface="Tahoma" panose="020B0604030504040204" pitchFamily="34" charset="0"/>
+                <a:ea typeface="Tahoma" panose="020B0604030504040204" pitchFamily="34" charset="0"/>
+                <a:cs typeface="Tahoma" panose="020B0604030504040204" pitchFamily="34" charset="0"/>
+              </a:rPr>
+              <a:t>Estrarre dati da sistemi legacy</a:t>
+            </a:r>
+          </a:p>
+          <a:p>
+            <a:pPr marL="971550" lvl="1" indent="-514350">
+              <a:buAutoNum type="arabicParenR"/>
+            </a:pPr>
+            <a:r>
+              <a:rPr lang="it-IT" sz="2600" b="0" dirty="0">
+                <a:solidFill>
+                  <a:schemeClr val="tx1"/>
+                </a:solidFill>
+                <a:latin typeface="Tahoma" panose="020B0604030504040204" pitchFamily="34" charset="0"/>
+                <a:ea typeface="Tahoma" panose="020B0604030504040204" pitchFamily="34" charset="0"/>
+                <a:cs typeface="Tahoma" panose="020B0604030504040204" pitchFamily="34" charset="0"/>
+              </a:rPr>
+              <a:t>Ripulire i dati </a:t>
+            </a:r>
+            <a:r>
+              <a:rPr lang="it-IT" sz="2600" b="0">
+                <a:solidFill>
+                  <a:schemeClr val="tx1"/>
+                </a:solidFill>
+                <a:latin typeface="Tahoma" panose="020B0604030504040204" pitchFamily="34" charset="0"/>
+                <a:ea typeface="Tahoma" panose="020B0604030504040204" pitchFamily="34" charset="0"/>
+                <a:cs typeface="Tahoma" panose="020B0604030504040204" pitchFamily="34" charset="0"/>
+              </a:rPr>
+              <a:t>per migliorarne </a:t>
+            </a:r>
+            <a:r>
+              <a:rPr lang="it-IT" sz="2600" b="0" dirty="0">
+                <a:solidFill>
+                  <a:schemeClr val="tx1"/>
+                </a:solidFill>
+                <a:latin typeface="Tahoma" panose="020B0604030504040204" pitchFamily="34" charset="0"/>
+                <a:ea typeface="Tahoma" panose="020B0604030504040204" pitchFamily="34" charset="0"/>
+                <a:cs typeface="Tahoma" panose="020B0604030504040204" pitchFamily="34" charset="0"/>
+              </a:rPr>
+              <a:t>la qualità e </a:t>
+            </a:r>
+          </a:p>
+          <a:p>
+            <a:pPr lvl="1"/>
+            <a:r>
+              <a:rPr lang="it-IT" sz="2600" b="0" dirty="0">
+                <a:solidFill>
+                  <a:schemeClr val="tx1"/>
+                </a:solidFill>
+                <a:latin typeface="Tahoma" panose="020B0604030504040204" pitchFamily="34" charset="0"/>
+                <a:ea typeface="Tahoma" panose="020B0604030504040204" pitchFamily="34" charset="0"/>
+                <a:cs typeface="Tahoma" panose="020B0604030504040204" pitchFamily="34" charset="0"/>
+              </a:rPr>
+              <a:t>	renderli consistenti</a:t>
+            </a:r>
+          </a:p>
+          <a:p>
+            <a:pPr lvl="1"/>
+            <a:r>
+              <a:rPr lang="it-IT" sz="2600" b="0" dirty="0">
+                <a:solidFill>
+                  <a:srgbClr val="FF0000"/>
+                </a:solidFill>
+                <a:latin typeface="Tahoma" panose="020B0604030504040204" pitchFamily="34" charset="0"/>
+                <a:ea typeface="Tahoma" panose="020B0604030504040204" pitchFamily="34" charset="0"/>
+                <a:cs typeface="Tahoma" panose="020B0604030504040204" pitchFamily="34" charset="0"/>
+              </a:rPr>
+              <a:t>3) </a:t>
+            </a:r>
+            <a:r>
+              <a:rPr lang="it-IT" sz="2600" b="0" dirty="0">
+                <a:solidFill>
+                  <a:schemeClr val="tx1"/>
+                </a:solidFill>
+                <a:latin typeface="Tahoma" panose="020B0604030504040204" pitchFamily="34" charset="0"/>
+                <a:ea typeface="Tahoma" panose="020B0604030504040204" pitchFamily="34" charset="0"/>
+                <a:cs typeface="Tahoma" panose="020B0604030504040204" pitchFamily="34" charset="0"/>
+              </a:rPr>
+              <a:t>Caricare i dati all’interno di un database target</a:t>
+            </a:r>
           </a:p>
         </p:txBody>
       </p:sp>
@@ -8653,17 +8826,63 @@
           <a:lstStyle/>
           <a:p>
             <a:r>
-              <a:rPr lang="it-IT" altLang="it-IT"/>
-              <a:t>Database Transazionali</a:t>
+              <a:rPr lang="it-IT" altLang="it-IT" dirty="0"/>
+              <a:t>ETL – </a:t>
+            </a:r>
+            <a:r>
+              <a:rPr lang="it-IT" altLang="it-IT" dirty="0" err="1"/>
+              <a:t>Extract</a:t>
+            </a:r>
+            <a:r>
+              <a:rPr lang="it-IT" altLang="it-IT" dirty="0"/>
+              <a:t>, </a:t>
+            </a:r>
+            <a:r>
+              <a:rPr lang="it-IT" altLang="it-IT" dirty="0" err="1"/>
+              <a:t>Transform</a:t>
+            </a:r>
+            <a:r>
+              <a:rPr lang="it-IT" altLang="it-IT" dirty="0"/>
+              <a:t> and Load</a:t>
             </a:r>
             <a:endParaRPr lang="it-IT" dirty="0"/>
           </a:p>
         </p:txBody>
       </p:sp>
+      <p:pic>
+        <p:nvPicPr>
+          <p:cNvPr id="6" name="Immagine 5" descr="Immagine che contiene testo&#10;&#10;Descrizione generata automaticamente">
+            <a:extLst>
+              <a:ext uri="{FF2B5EF4-FFF2-40B4-BE49-F238E27FC236}">
+                <a16:creationId xmlns:a16="http://schemas.microsoft.com/office/drawing/2014/main" id="{39F9FEBF-2449-D3F8-4D77-33C401C96EC9}"/>
+              </a:ext>
+            </a:extLst>
+          </p:cNvPr>
+          <p:cNvPicPr>
+            <a:picLocks noChangeAspect="1"/>
+          </p:cNvPicPr>
+          <p:nvPr/>
+        </p:nvPicPr>
+        <p:blipFill>
+          <a:blip r:embed="rId2"/>
+          <a:stretch>
+            <a:fillRect/>
+          </a:stretch>
+        </p:blipFill>
+        <p:spPr>
+          <a:xfrm>
+            <a:off x="8091882" y="2857797"/>
+            <a:ext cx="3773821" cy="2600468"/>
+          </a:xfrm>
+          <a:prstGeom prst="rect">
+            <a:avLst/>
+          </a:prstGeom>
+        </p:spPr>
+      </p:pic>
     </p:spTree>
     <p:extLst>
       <p:ext uri="{BB962C8B-B14F-4D97-AF65-F5344CB8AC3E}">
-        <p14:creationId xmlns:p14="http://schemas.microsoft.com/office/powerpoint/2010/main" val="4271878022"/>
+        <p14:creationId xmlns:p14="http://schemas.microsoft.com/office/powerpoint/2010/main" val="2736730313"/>
       </p:ext>
     </p:extLst>
   </p:cSld>
@@ -8708,8 +8927,8 @@
         </p:nvSpPr>
         <p:spPr>
           <a:xfrm>
-            <a:off x="326297" y="1213805"/>
-            <a:ext cx="7706355" cy="4833033"/>
+            <a:off x="326298" y="1213805"/>
+            <a:ext cx="5211474" cy="4833033"/>
           </a:xfrm>
         </p:spPr>
         <p:txBody>
@@ -8721,225 +8940,90 @@
               <a:buChar char="ü"/>
             </a:pPr>
             <a:r>
-              <a:rPr lang="it-IT" sz="2400" b="1" dirty="0">
-                <a:solidFill>
-                  <a:schemeClr val="tx1"/>
-                </a:solidFill>
-                <a:latin typeface="Tahoma" panose="020B0604030504040204" pitchFamily="34" charset="0"/>
-                <a:ea typeface="Tahoma" panose="020B0604030504040204" pitchFamily="34" charset="0"/>
-                <a:cs typeface="Tahoma" panose="020B0604030504040204" pitchFamily="34" charset="0"/>
-              </a:rPr>
-              <a:t>ETL </a:t>
-            </a:r>
-            <a:r>
-              <a:rPr lang="it-IT" sz="2400" dirty="0">
-                <a:solidFill>
-                  <a:schemeClr val="tx1"/>
-                </a:solidFill>
-                <a:latin typeface="Tahoma" panose="020B0604030504040204" pitchFamily="34" charset="0"/>
-                <a:ea typeface="Tahoma" panose="020B0604030504040204" pitchFamily="34" charset="0"/>
-                <a:cs typeface="Tahoma" panose="020B0604030504040204" pitchFamily="34" charset="0"/>
-              </a:rPr>
-              <a:t>fornisce le fondamenta per la data </a:t>
-            </a:r>
-            <a:r>
-              <a:rPr lang="it-IT" sz="2400" dirty="0" err="1">
-                <a:solidFill>
-                  <a:schemeClr val="tx1"/>
-                </a:solidFill>
-                <a:latin typeface="Tahoma" panose="020B0604030504040204" pitchFamily="34" charset="0"/>
-                <a:ea typeface="Tahoma" panose="020B0604030504040204" pitchFamily="34" charset="0"/>
-                <a:cs typeface="Tahoma" panose="020B0604030504040204" pitchFamily="34" charset="0"/>
-              </a:rPr>
-              <a:t>analytics</a:t>
-            </a:r>
-            <a:r>
-              <a:rPr lang="it-IT" sz="2400" dirty="0">
-                <a:solidFill>
-                  <a:schemeClr val="tx1"/>
-                </a:solidFill>
-                <a:latin typeface="Tahoma" panose="020B0604030504040204" pitchFamily="34" charset="0"/>
-                <a:ea typeface="Tahoma" panose="020B0604030504040204" pitchFamily="34" charset="0"/>
-                <a:cs typeface="Tahoma" panose="020B0604030504040204" pitchFamily="34" charset="0"/>
-              </a:rPr>
-              <a:t> e i </a:t>
-            </a:r>
-            <a:r>
-              <a:rPr lang="it-IT" sz="2400" dirty="0" err="1">
-                <a:solidFill>
-                  <a:schemeClr val="tx1"/>
-                </a:solidFill>
-                <a:latin typeface="Tahoma" panose="020B0604030504040204" pitchFamily="34" charset="0"/>
-                <a:ea typeface="Tahoma" panose="020B0604030504040204" pitchFamily="34" charset="0"/>
-                <a:cs typeface="Tahoma" panose="020B0604030504040204" pitchFamily="34" charset="0"/>
-              </a:rPr>
-              <a:t>workstream</a:t>
-            </a:r>
-            <a:r>
-              <a:rPr lang="it-IT" sz="2400" dirty="0">
-                <a:solidFill>
-                  <a:schemeClr val="tx1"/>
-                </a:solidFill>
-                <a:latin typeface="Tahoma" panose="020B0604030504040204" pitchFamily="34" charset="0"/>
-                <a:ea typeface="Tahoma" panose="020B0604030504040204" pitchFamily="34" charset="0"/>
-                <a:cs typeface="Tahoma" panose="020B0604030504040204" pitchFamily="34" charset="0"/>
-              </a:rPr>
-              <a:t> di machine learning. Attraverso una serie di regole, l’ETL purifica e organizza i dati in un modo che incontra specifici bisogni di business intelligence, come report mensili ma </a:t>
-            </a:r>
-            <a:r>
-              <a:rPr lang="it-IT" sz="2400" dirty="0" err="1">
-                <a:solidFill>
-                  <a:schemeClr val="tx1"/>
-                </a:solidFill>
-                <a:latin typeface="Tahoma" panose="020B0604030504040204" pitchFamily="34" charset="0"/>
-                <a:ea typeface="Tahoma" panose="020B0604030504040204" pitchFamily="34" charset="0"/>
-                <a:cs typeface="Tahoma" panose="020B0604030504040204" pitchFamily="34" charset="0"/>
-              </a:rPr>
-              <a:t>piuò</a:t>
-            </a:r>
-            <a:r>
-              <a:rPr lang="it-IT" sz="2400" dirty="0">
-                <a:solidFill>
-                  <a:schemeClr val="tx1"/>
-                </a:solidFill>
-                <a:latin typeface="Tahoma" panose="020B0604030504040204" pitchFamily="34" charset="0"/>
-                <a:ea typeface="Tahoma" panose="020B0604030504040204" pitchFamily="34" charset="0"/>
-                <a:cs typeface="Tahoma" panose="020B0604030504040204" pitchFamily="34" charset="0"/>
-              </a:rPr>
-              <a:t> anche migliorare i processi di back-end o l’esperienza dell’utente finale. </a:t>
-            </a:r>
-          </a:p>
-          <a:p>
-            <a:pPr marL="342900" indent="-342900">
-              <a:buFont typeface="Wingdings" panose="05000000000000000000" pitchFamily="2" charset="2"/>
-              <a:buChar char="ü"/>
-            </a:pPr>
-            <a:r>
-              <a:rPr lang="it-IT" sz="2400" dirty="0">
-                <a:solidFill>
-                  <a:schemeClr val="tx1"/>
-                </a:solidFill>
-                <a:latin typeface="Tahoma" panose="020B0604030504040204" pitchFamily="34" charset="0"/>
-                <a:ea typeface="Tahoma" panose="020B0604030504040204" pitchFamily="34" charset="0"/>
-                <a:cs typeface="Tahoma" panose="020B0604030504040204" pitchFamily="34" charset="0"/>
-              </a:rPr>
-              <a:t>In genere </a:t>
-            </a:r>
-            <a:r>
-              <a:rPr lang="it-IT" sz="2400" b="1" dirty="0">
-                <a:solidFill>
-                  <a:schemeClr val="tx1"/>
-                </a:solidFill>
-                <a:latin typeface="Tahoma" panose="020B0604030504040204" pitchFamily="34" charset="0"/>
-                <a:ea typeface="Tahoma" panose="020B0604030504040204" pitchFamily="34" charset="0"/>
-                <a:cs typeface="Tahoma" panose="020B0604030504040204" pitchFamily="34" charset="0"/>
-              </a:rPr>
-              <a:t>l’ETL</a:t>
-            </a:r>
-            <a:r>
-              <a:rPr lang="it-IT" sz="2400" dirty="0">
-                <a:solidFill>
-                  <a:schemeClr val="tx1"/>
-                </a:solidFill>
-                <a:latin typeface="Tahoma" panose="020B0604030504040204" pitchFamily="34" charset="0"/>
-                <a:ea typeface="Tahoma" panose="020B0604030504040204" pitchFamily="34" charset="0"/>
-                <a:cs typeface="Tahoma" panose="020B0604030504040204" pitchFamily="34" charset="0"/>
-              </a:rPr>
-              <a:t> è utilizzato dalle organizzazioni per: </a:t>
-            </a:r>
-          </a:p>
-          <a:p>
-            <a:pPr marL="971550" lvl="1" indent="-514350">
-              <a:buAutoNum type="arabicParenR"/>
-            </a:pPr>
-            <a:r>
-              <a:rPr lang="it-IT" sz="2600" b="0" dirty="0">
-                <a:solidFill>
-                  <a:schemeClr val="tx1"/>
-                </a:solidFill>
-                <a:latin typeface="Tahoma" panose="020B0604030504040204" pitchFamily="34" charset="0"/>
-                <a:ea typeface="Tahoma" panose="020B0604030504040204" pitchFamily="34" charset="0"/>
-                <a:cs typeface="Tahoma" panose="020B0604030504040204" pitchFamily="34" charset="0"/>
-              </a:rPr>
-              <a:t>Estrarre dati da sistemi legacy</a:t>
-            </a:r>
-          </a:p>
-          <a:p>
-            <a:pPr marL="971550" lvl="1" indent="-514350">
-              <a:buAutoNum type="arabicParenR"/>
-            </a:pPr>
-            <a:r>
-              <a:rPr lang="it-IT" sz="2600" b="0" dirty="0">
-                <a:solidFill>
-                  <a:schemeClr val="tx1"/>
-                </a:solidFill>
-                <a:latin typeface="Tahoma" panose="020B0604030504040204" pitchFamily="34" charset="0"/>
-                <a:ea typeface="Tahoma" panose="020B0604030504040204" pitchFamily="34" charset="0"/>
-                <a:cs typeface="Tahoma" panose="020B0604030504040204" pitchFamily="34" charset="0"/>
-              </a:rPr>
-              <a:t>Ripulire i dati per </a:t>
-            </a:r>
-            <a:r>
-              <a:rPr lang="it-IT" sz="2600" b="0" dirty="0" err="1">
-                <a:solidFill>
-                  <a:schemeClr val="tx1"/>
-                </a:solidFill>
-                <a:latin typeface="Tahoma" panose="020B0604030504040204" pitchFamily="34" charset="0"/>
-                <a:ea typeface="Tahoma" panose="020B0604030504040204" pitchFamily="34" charset="0"/>
-                <a:cs typeface="Tahoma" panose="020B0604030504040204" pitchFamily="34" charset="0"/>
-              </a:rPr>
-              <a:t>miglirarne</a:t>
-            </a:r>
-            <a:r>
-              <a:rPr lang="it-IT" sz="2600" b="0" dirty="0">
-                <a:solidFill>
-                  <a:schemeClr val="tx1"/>
-                </a:solidFill>
-                <a:latin typeface="Tahoma" panose="020B0604030504040204" pitchFamily="34" charset="0"/>
-                <a:ea typeface="Tahoma" panose="020B0604030504040204" pitchFamily="34" charset="0"/>
-                <a:cs typeface="Tahoma" panose="020B0604030504040204" pitchFamily="34" charset="0"/>
-              </a:rPr>
-              <a:t> la qualità e </a:t>
-            </a:r>
-          </a:p>
-          <a:p>
-            <a:pPr lvl="1"/>
-            <a:r>
-              <a:rPr lang="it-IT" sz="2600" b="0" dirty="0">
-                <a:solidFill>
-                  <a:schemeClr val="tx1"/>
-                </a:solidFill>
-                <a:latin typeface="Tahoma" panose="020B0604030504040204" pitchFamily="34" charset="0"/>
-                <a:ea typeface="Tahoma" panose="020B0604030504040204" pitchFamily="34" charset="0"/>
-                <a:cs typeface="Tahoma" panose="020B0604030504040204" pitchFamily="34" charset="0"/>
-              </a:rPr>
-              <a:t>	renderli consistenti</a:t>
-            </a:r>
-          </a:p>
-          <a:p>
-            <a:pPr lvl="1"/>
-            <a:r>
-              <a:rPr lang="it-IT" sz="2600" b="0" dirty="0">
-                <a:solidFill>
-                  <a:srgbClr val="FF0000"/>
-                </a:solidFill>
-                <a:latin typeface="Tahoma" panose="020B0604030504040204" pitchFamily="34" charset="0"/>
-                <a:ea typeface="Tahoma" panose="020B0604030504040204" pitchFamily="34" charset="0"/>
-                <a:cs typeface="Tahoma" panose="020B0604030504040204" pitchFamily="34" charset="0"/>
-              </a:rPr>
-              <a:t>3) </a:t>
-            </a:r>
-            <a:r>
-              <a:rPr lang="it-IT" sz="2600" b="0" dirty="0">
-                <a:solidFill>
-                  <a:schemeClr val="tx1"/>
-                </a:solidFill>
-                <a:latin typeface="Tahoma" panose="020B0604030504040204" pitchFamily="34" charset="0"/>
-                <a:ea typeface="Tahoma" panose="020B0604030504040204" pitchFamily="34" charset="0"/>
-                <a:cs typeface="Tahoma" panose="020B0604030504040204" pitchFamily="34" charset="0"/>
-              </a:rPr>
-              <a:t>Caricare i dati all’interno di un database target</a:t>
-            </a:r>
+              <a:rPr lang="it-IT" sz="2400">
+                <a:solidFill>
+                  <a:schemeClr val="tx1"/>
+                </a:solidFill>
+                <a:latin typeface="Tahoma" panose="020B0604030504040204" pitchFamily="34" charset="0"/>
+                <a:ea typeface="Tahoma" panose="020B0604030504040204" pitchFamily="34" charset="0"/>
+                <a:cs typeface="Tahoma" panose="020B0604030504040204" pitchFamily="34" charset="0"/>
+              </a:rPr>
+              <a:t>Un sistema </a:t>
+            </a:r>
+            <a:r>
+              <a:rPr lang="it-IT" sz="2400" b="1">
+                <a:solidFill>
+                  <a:schemeClr val="tx1"/>
+                </a:solidFill>
+                <a:latin typeface="Tahoma" panose="020B0604030504040204" pitchFamily="34" charset="0"/>
+                <a:ea typeface="Tahoma" panose="020B0604030504040204" pitchFamily="34" charset="0"/>
+                <a:cs typeface="Tahoma" panose="020B0604030504040204" pitchFamily="34" charset="0"/>
+              </a:rPr>
+              <a:t>legacy</a:t>
+            </a:r>
+            <a:r>
+              <a:rPr lang="it-IT" sz="2400">
+                <a:solidFill>
+                  <a:schemeClr val="tx1"/>
+                </a:solidFill>
+                <a:latin typeface="Tahoma" panose="020B0604030504040204" pitchFamily="34" charset="0"/>
+                <a:ea typeface="Tahoma" panose="020B0604030504040204" pitchFamily="34" charset="0"/>
+                <a:cs typeface="Tahoma" panose="020B0604030504040204" pitchFamily="34" charset="0"/>
+              </a:rPr>
+              <a:t>, in informatica, è un sistema informatico, un'applicazione o un componente obsoleto, che continua ad essere usato poiché l'utente (di solito un'organizzazione) non intende o non può rimpiazzarlo. Legacy equivale a versione "retrodatata" (rispetto ai sistemi/tecnologie correnti). Un esempio sono il </a:t>
+            </a:r>
+            <a:r>
+              <a:rPr lang="it-IT" sz="2400" b="1">
+                <a:solidFill>
+                  <a:schemeClr val="tx1"/>
+                </a:solidFill>
+                <a:latin typeface="Tahoma" panose="020B0604030504040204" pitchFamily="34" charset="0"/>
+                <a:ea typeface="Tahoma" panose="020B0604030504040204" pitchFamily="34" charset="0"/>
+                <a:cs typeface="Tahoma" panose="020B0604030504040204" pitchFamily="34" charset="0"/>
+              </a:rPr>
+              <a:t>Cobol </a:t>
+            </a:r>
+            <a:r>
+              <a:rPr lang="it-IT" sz="2400">
+                <a:solidFill>
+                  <a:schemeClr val="tx1"/>
+                </a:solidFill>
+                <a:latin typeface="Tahoma" panose="020B0604030504040204" pitchFamily="34" charset="0"/>
+                <a:ea typeface="Tahoma" panose="020B0604030504040204" pitchFamily="34" charset="0"/>
+                <a:cs typeface="Tahoma" panose="020B0604030504040204" pitchFamily="34" charset="0"/>
+              </a:rPr>
+              <a:t>o i </a:t>
+            </a:r>
+            <a:r>
+              <a:rPr lang="it-IT" sz="2400" b="1">
+                <a:solidFill>
+                  <a:schemeClr val="tx1"/>
+                </a:solidFill>
+                <a:latin typeface="Tahoma" panose="020B0604030504040204" pitchFamily="34" charset="0"/>
+                <a:ea typeface="Tahoma" panose="020B0604030504040204" pitchFamily="34" charset="0"/>
+                <a:cs typeface="Tahoma" panose="020B0604030504040204" pitchFamily="34" charset="0"/>
+              </a:rPr>
+              <a:t>Mainframes</a:t>
+            </a:r>
+            <a:r>
+              <a:rPr lang="it-IT" sz="2400">
+                <a:solidFill>
+                  <a:schemeClr val="tx1"/>
+                </a:solidFill>
+                <a:latin typeface="Tahoma" panose="020B0604030504040204" pitchFamily="34" charset="0"/>
+                <a:ea typeface="Tahoma" panose="020B0604030504040204" pitchFamily="34" charset="0"/>
+                <a:cs typeface="Tahoma" panose="020B0604030504040204" pitchFamily="34" charset="0"/>
+              </a:rPr>
+              <a:t> dei sistemi bancari. </a:t>
+            </a:r>
+            <a:endParaRPr lang="it-IT" sz="2600" b="0" dirty="0">
+              <a:solidFill>
+                <a:schemeClr val="tx1"/>
+              </a:solidFill>
+              <a:latin typeface="Tahoma" panose="020B0604030504040204" pitchFamily="34" charset="0"/>
+              <a:ea typeface="Tahoma" panose="020B0604030504040204" pitchFamily="34" charset="0"/>
+              <a:cs typeface="Tahoma" panose="020B0604030504040204" pitchFamily="34" charset="0"/>
+            </a:endParaRPr>
           </a:p>
         </p:txBody>
       </p:sp>
@@ -9006,23 +9090,11 @@
           <a:p>
             <a:r>
               <a:rPr lang="it-IT" altLang="it-IT" dirty="0"/>
-              <a:t>ETL – </a:t>
-            </a:r>
-            <a:r>
-              <a:rPr lang="it-IT" altLang="it-IT" dirty="0" err="1"/>
-              <a:t>Extract</a:t>
-            </a:r>
-            <a:r>
-              <a:rPr lang="it-IT" altLang="it-IT" dirty="0"/>
-              <a:t>, </a:t>
-            </a:r>
-            <a:r>
-              <a:rPr lang="it-IT" altLang="it-IT" dirty="0" err="1"/>
-              <a:t>Transform</a:t>
-            </a:r>
-            <a:r>
-              <a:rPr lang="it-IT" altLang="it-IT" dirty="0"/>
-              <a:t> and Load</a:t>
+              <a:t>ETL </a:t>
+            </a:r>
+            <a:r>
+              <a:rPr lang="it-IT" altLang="it-IT"/>
+              <a:t>– Sistemi Legacy</a:t>
             </a:r>
             <a:endParaRPr lang="it-IT" dirty="0"/>
           </a:p>
@@ -9030,10 +9102,10 @@
       </p:sp>
       <p:pic>
         <p:nvPicPr>
-          <p:cNvPr id="6" name="Immagine 5" descr="Immagine che contiene testo&#10;&#10;Descrizione generata automaticamente">
-            <a:extLst>
-              <a:ext uri="{FF2B5EF4-FFF2-40B4-BE49-F238E27FC236}">
-                <a16:creationId xmlns:a16="http://schemas.microsoft.com/office/drawing/2014/main" id="{39F9FEBF-2449-D3F8-4D77-33C401C96EC9}"/>
+          <p:cNvPr id="4" name="Immagine 3" descr="Immagine che contiene testo&#10;&#10;Descrizione generata automaticamente">
+            <a:extLst>
+              <a:ext uri="{FF2B5EF4-FFF2-40B4-BE49-F238E27FC236}">
+                <a16:creationId xmlns:a16="http://schemas.microsoft.com/office/drawing/2014/main" id="{896F346A-0787-3D66-A5EE-BEB1A8B561FA}"/>
               </a:ext>
             </a:extLst>
           </p:cNvPr>
@@ -9050,8 +9122,8 @@
         </p:blipFill>
         <p:spPr>
           <a:xfrm>
-            <a:off x="8091882" y="2857797"/>
-            <a:ext cx="3773821" cy="2600468"/>
+            <a:off x="6095999" y="1944396"/>
+            <a:ext cx="5666731" cy="3531730"/>
           </a:xfrm>
           <a:prstGeom prst="rect">
             <a:avLst/>
@@ -9061,7 +9133,7 @@
     </p:spTree>
     <p:extLst>
       <p:ext uri="{BB962C8B-B14F-4D97-AF65-F5344CB8AC3E}">
-        <p14:creationId xmlns:p14="http://schemas.microsoft.com/office/powerpoint/2010/main" val="2736730313"/>
+        <p14:creationId xmlns:p14="http://schemas.microsoft.com/office/powerpoint/2010/main" val="2748786606"/>
       </p:ext>
     </p:extLst>
   </p:cSld>
@@ -9106,8 +9178,8 @@
         </p:nvSpPr>
         <p:spPr>
           <a:xfrm>
-            <a:off x="326298" y="1213805"/>
-            <a:ext cx="5211474" cy="4833033"/>
+            <a:off x="336650" y="1115332"/>
+            <a:ext cx="11518700" cy="4392612"/>
           </a:xfrm>
         </p:spPr>
         <p:txBody>
@@ -9119,89 +9191,406 @@
               <a:buChar char="ü"/>
             </a:pPr>
             <a:r>
-              <a:rPr lang="it-IT" sz="2400">
-                <a:solidFill>
-                  <a:schemeClr val="tx1"/>
-                </a:solidFill>
-                <a:latin typeface="Tahoma" panose="020B0604030504040204" pitchFamily="34" charset="0"/>
-                <a:ea typeface="Tahoma" panose="020B0604030504040204" pitchFamily="34" charset="0"/>
-                <a:cs typeface="Tahoma" panose="020B0604030504040204" pitchFamily="34" charset="0"/>
-              </a:rPr>
-              <a:t>Un sistema </a:t>
-            </a:r>
-            <a:r>
-              <a:rPr lang="it-IT" sz="2400" b="1">
-                <a:solidFill>
-                  <a:schemeClr val="tx1"/>
-                </a:solidFill>
-                <a:latin typeface="Tahoma" panose="020B0604030504040204" pitchFamily="34" charset="0"/>
-                <a:ea typeface="Tahoma" panose="020B0604030504040204" pitchFamily="34" charset="0"/>
-                <a:cs typeface="Tahoma" panose="020B0604030504040204" pitchFamily="34" charset="0"/>
-              </a:rPr>
-              <a:t>legacy</a:t>
-            </a:r>
-            <a:r>
-              <a:rPr lang="it-IT" sz="2400">
-                <a:solidFill>
-                  <a:schemeClr val="tx1"/>
-                </a:solidFill>
-                <a:latin typeface="Tahoma" panose="020B0604030504040204" pitchFamily="34" charset="0"/>
-                <a:ea typeface="Tahoma" panose="020B0604030504040204" pitchFamily="34" charset="0"/>
-                <a:cs typeface="Tahoma" panose="020B0604030504040204" pitchFamily="34" charset="0"/>
-              </a:rPr>
-              <a:t>, in informatica, è un sistema informatico, un'applicazione o un componente obsoleto, che continua ad essere usato poiché l'utente (di solito un'organizzazione) non intende o non può rimpiazzarlo. Legacy equivale a versione "retrodatata" (rispetto ai sistemi/tecnologie correnti). Un esempio sono il </a:t>
-            </a:r>
-            <a:r>
-              <a:rPr lang="it-IT" sz="2400" b="1">
-                <a:solidFill>
-                  <a:schemeClr val="tx1"/>
-                </a:solidFill>
-                <a:latin typeface="Tahoma" panose="020B0604030504040204" pitchFamily="34" charset="0"/>
-                <a:ea typeface="Tahoma" panose="020B0604030504040204" pitchFamily="34" charset="0"/>
-                <a:cs typeface="Tahoma" panose="020B0604030504040204" pitchFamily="34" charset="0"/>
-              </a:rPr>
-              <a:t>Cobol </a:t>
-            </a:r>
-            <a:r>
-              <a:rPr lang="it-IT" sz="2400">
-                <a:solidFill>
-                  <a:schemeClr val="tx1"/>
-                </a:solidFill>
-                <a:latin typeface="Tahoma" panose="020B0604030504040204" pitchFamily="34" charset="0"/>
-                <a:ea typeface="Tahoma" panose="020B0604030504040204" pitchFamily="34" charset="0"/>
-                <a:cs typeface="Tahoma" panose="020B0604030504040204" pitchFamily="34" charset="0"/>
-              </a:rPr>
-              <a:t>o i </a:t>
-            </a:r>
-            <a:r>
-              <a:rPr lang="it-IT" sz="2400" b="1">
-                <a:solidFill>
-                  <a:schemeClr val="tx1"/>
-                </a:solidFill>
-                <a:latin typeface="Tahoma" panose="020B0604030504040204" pitchFamily="34" charset="0"/>
-                <a:ea typeface="Tahoma" panose="020B0604030504040204" pitchFamily="34" charset="0"/>
-                <a:cs typeface="Tahoma" panose="020B0604030504040204" pitchFamily="34" charset="0"/>
-              </a:rPr>
-              <a:t>Mainframes</a:t>
-            </a:r>
-            <a:r>
-              <a:rPr lang="it-IT" sz="2400">
-                <a:solidFill>
-                  <a:schemeClr val="tx1"/>
-                </a:solidFill>
-                <a:latin typeface="Tahoma" panose="020B0604030504040204" pitchFamily="34" charset="0"/>
-                <a:ea typeface="Tahoma" panose="020B0604030504040204" pitchFamily="34" charset="0"/>
-                <a:cs typeface="Tahoma" panose="020B0604030504040204" pitchFamily="34" charset="0"/>
-              </a:rPr>
-              <a:t> dei sistemi bancari. </a:t>
-            </a:r>
-            <a:endParaRPr lang="it-IT" sz="2600" b="0" dirty="0">
+              <a:rPr lang="it-IT" sz="2400" dirty="0">
+                <a:solidFill>
+                  <a:schemeClr val="tx1"/>
+                </a:solidFill>
+                <a:latin typeface="Tahoma" panose="020B0604030504040204" pitchFamily="34" charset="0"/>
+                <a:ea typeface="Tahoma" panose="020B0604030504040204" pitchFamily="34" charset="0"/>
+                <a:cs typeface="Tahoma" panose="020B0604030504040204" pitchFamily="34" charset="0"/>
+              </a:rPr>
+              <a:t>La più semplice differenza tra </a:t>
+            </a:r>
+            <a:r>
+              <a:rPr lang="it-IT" sz="2400" b="1" dirty="0">
+                <a:solidFill>
+                  <a:schemeClr val="tx1"/>
+                </a:solidFill>
+                <a:latin typeface="Tahoma" panose="020B0604030504040204" pitchFamily="34" charset="0"/>
+                <a:ea typeface="Tahoma" panose="020B0604030504040204" pitchFamily="34" charset="0"/>
+                <a:cs typeface="Tahoma" panose="020B0604030504040204" pitchFamily="34" charset="0"/>
+              </a:rPr>
+              <a:t>ETL </a:t>
+            </a:r>
+            <a:r>
+              <a:rPr lang="it-IT" sz="2400" dirty="0">
+                <a:solidFill>
+                  <a:schemeClr val="tx1"/>
+                </a:solidFill>
+                <a:latin typeface="Tahoma" panose="020B0604030504040204" pitchFamily="34" charset="0"/>
+                <a:ea typeface="Tahoma" panose="020B0604030504040204" pitchFamily="34" charset="0"/>
+                <a:cs typeface="Tahoma" panose="020B0604030504040204" pitchFamily="34" charset="0"/>
+              </a:rPr>
+              <a:t>e </a:t>
+            </a:r>
+            <a:r>
+              <a:rPr lang="it-IT" sz="2400" b="1" dirty="0">
+                <a:solidFill>
+                  <a:schemeClr val="tx1"/>
+                </a:solidFill>
+                <a:latin typeface="Tahoma" panose="020B0604030504040204" pitchFamily="34" charset="0"/>
+                <a:ea typeface="Tahoma" panose="020B0604030504040204" pitchFamily="34" charset="0"/>
+                <a:cs typeface="Tahoma" panose="020B0604030504040204" pitchFamily="34" charset="0"/>
+              </a:rPr>
+              <a:t>ELT </a:t>
+            </a:r>
+            <a:r>
+              <a:rPr lang="it-IT" sz="2400" dirty="0">
+                <a:solidFill>
+                  <a:schemeClr val="tx1"/>
+                </a:solidFill>
+                <a:latin typeface="Tahoma" panose="020B0604030504040204" pitchFamily="34" charset="0"/>
+                <a:ea typeface="Tahoma" panose="020B0604030504040204" pitchFamily="34" charset="0"/>
+                <a:cs typeface="Tahoma" panose="020B0604030504040204" pitchFamily="34" charset="0"/>
+              </a:rPr>
+              <a:t>è in termini di operazioni. </a:t>
+            </a:r>
+            <a:r>
+              <a:rPr lang="it-IT" sz="2400" b="1" dirty="0">
+                <a:solidFill>
+                  <a:schemeClr val="tx1"/>
+                </a:solidFill>
+                <a:latin typeface="Tahoma" panose="020B0604030504040204" pitchFamily="34" charset="0"/>
+                <a:ea typeface="Tahoma" panose="020B0604030504040204" pitchFamily="34" charset="0"/>
+                <a:cs typeface="Tahoma" panose="020B0604030504040204" pitchFamily="34" charset="0"/>
+              </a:rPr>
+              <a:t>ELT </a:t>
+            </a:r>
+            <a:r>
+              <a:rPr lang="it-IT" sz="2400" dirty="0">
+                <a:solidFill>
+                  <a:schemeClr val="tx1"/>
+                </a:solidFill>
+                <a:latin typeface="Tahoma" panose="020B0604030504040204" pitchFamily="34" charset="0"/>
+                <a:ea typeface="Tahoma" panose="020B0604030504040204" pitchFamily="34" charset="0"/>
+                <a:cs typeface="Tahoma" panose="020B0604030504040204" pitchFamily="34" charset="0"/>
+              </a:rPr>
+              <a:t>copia ed esporta i dati dalle sorgenti, ma invece di caricarli in su un’area per la trasformazione successiva, </a:t>
+            </a:r>
+            <a:r>
+              <a:rPr lang="it-IT" sz="2400" b="1" dirty="0">
+                <a:solidFill>
+                  <a:schemeClr val="tx1"/>
+                </a:solidFill>
+                <a:latin typeface="Tahoma" panose="020B0604030504040204" pitchFamily="34" charset="0"/>
+                <a:ea typeface="Tahoma" panose="020B0604030504040204" pitchFamily="34" charset="0"/>
+                <a:cs typeface="Tahoma" panose="020B0604030504040204" pitchFamily="34" charset="0"/>
+              </a:rPr>
+              <a:t>l’ELT</a:t>
+            </a:r>
+            <a:r>
+              <a:rPr lang="it-IT" sz="2400" dirty="0">
+                <a:solidFill>
+                  <a:schemeClr val="tx1"/>
+                </a:solidFill>
+                <a:latin typeface="Tahoma" panose="020B0604030504040204" pitchFamily="34" charset="0"/>
+                <a:ea typeface="Tahoma" panose="020B0604030504040204" pitchFamily="34" charset="0"/>
+                <a:cs typeface="Tahoma" panose="020B0604030504040204" pitchFamily="34" charset="0"/>
+              </a:rPr>
+              <a:t> carica i dati grezzi direttamente sullo store di target dei dati per poter essere trasformati alla bisogna.</a:t>
+            </a:r>
+          </a:p>
+          <a:p>
+            <a:pPr marL="342900" indent="-342900">
+              <a:buFont typeface="Wingdings" panose="05000000000000000000" pitchFamily="2" charset="2"/>
+              <a:buChar char="ü"/>
+            </a:pPr>
+            <a:r>
+              <a:rPr lang="it-IT" sz="2400" b="0" i="0" dirty="0">
+                <a:solidFill>
+                  <a:schemeClr val="tx1"/>
+                </a:solidFill>
+                <a:effectLst/>
+                <a:latin typeface="Tahoma" panose="020B0604030504040204" pitchFamily="34" charset="0"/>
+                <a:ea typeface="Tahoma" panose="020B0604030504040204" pitchFamily="34" charset="0"/>
+                <a:cs typeface="Tahoma" panose="020B0604030504040204" pitchFamily="34" charset="0"/>
+              </a:rPr>
+              <a:t>Mentre entrambi </a:t>
+            </a:r>
+            <a:r>
+              <a:rPr lang="it-IT" sz="2400" b="1" i="0" dirty="0">
+                <a:solidFill>
+                  <a:schemeClr val="tx1"/>
+                </a:solidFill>
+                <a:effectLst/>
+                <a:latin typeface="Tahoma" panose="020B0604030504040204" pitchFamily="34" charset="0"/>
+                <a:ea typeface="Tahoma" panose="020B0604030504040204" pitchFamily="34" charset="0"/>
+                <a:cs typeface="Tahoma" panose="020B0604030504040204" pitchFamily="34" charset="0"/>
+              </a:rPr>
+              <a:t>ETL</a:t>
+            </a:r>
+            <a:r>
+              <a:rPr lang="it-IT" sz="2400" b="0" i="0" dirty="0">
+                <a:solidFill>
+                  <a:schemeClr val="tx1"/>
+                </a:solidFill>
+                <a:effectLst/>
+                <a:latin typeface="Tahoma" panose="020B0604030504040204" pitchFamily="34" charset="0"/>
+                <a:ea typeface="Tahoma" panose="020B0604030504040204" pitchFamily="34" charset="0"/>
+                <a:cs typeface="Tahoma" panose="020B0604030504040204" pitchFamily="34" charset="0"/>
+              </a:rPr>
+              <a:t> e </a:t>
+            </a:r>
+            <a:r>
+              <a:rPr lang="it-IT" sz="2400" b="1" i="0" dirty="0">
+                <a:solidFill>
+                  <a:schemeClr val="tx1"/>
+                </a:solidFill>
+                <a:effectLst/>
+                <a:latin typeface="Tahoma" panose="020B0604030504040204" pitchFamily="34" charset="0"/>
+                <a:ea typeface="Tahoma" panose="020B0604030504040204" pitchFamily="34" charset="0"/>
+                <a:cs typeface="Tahoma" panose="020B0604030504040204" pitchFamily="34" charset="0"/>
+              </a:rPr>
+              <a:t>ELT </a:t>
+            </a:r>
+            <a:r>
+              <a:rPr lang="it-IT" sz="2400" i="0" dirty="0">
+                <a:solidFill>
+                  <a:schemeClr val="tx1"/>
+                </a:solidFill>
+                <a:effectLst/>
+                <a:latin typeface="Tahoma" panose="020B0604030504040204" pitchFamily="34" charset="0"/>
+                <a:ea typeface="Tahoma" panose="020B0604030504040204" pitchFamily="34" charset="0"/>
+                <a:cs typeface="Tahoma" panose="020B0604030504040204" pitchFamily="34" charset="0"/>
+              </a:rPr>
+              <a:t>fanno le</a:t>
+            </a:r>
+            <a:r>
+              <a:rPr lang="it-IT" sz="2400" dirty="0">
+                <a:solidFill>
+                  <a:schemeClr val="tx1"/>
+                </a:solidFill>
+                <a:latin typeface="Tahoma" panose="020B0604030504040204" pitchFamily="34" charset="0"/>
+                <a:ea typeface="Tahoma" panose="020B0604030504040204" pitchFamily="34" charset="0"/>
+                <a:cs typeface="Tahoma" panose="020B0604030504040204" pitchFamily="34" charset="0"/>
+              </a:rPr>
+              <a:t>va su una varietà di repository di dati, quali database, data </a:t>
+            </a:r>
+            <a:r>
+              <a:rPr lang="it-IT" sz="2400" dirty="0" err="1">
+                <a:solidFill>
+                  <a:schemeClr val="tx1"/>
+                </a:solidFill>
+                <a:latin typeface="Tahoma" panose="020B0604030504040204" pitchFamily="34" charset="0"/>
+                <a:ea typeface="Tahoma" panose="020B0604030504040204" pitchFamily="34" charset="0"/>
+                <a:cs typeface="Tahoma" panose="020B0604030504040204" pitchFamily="34" charset="0"/>
+              </a:rPr>
+              <a:t>warehouse</a:t>
+            </a:r>
+            <a:r>
+              <a:rPr lang="it-IT" sz="2400" dirty="0">
+                <a:solidFill>
+                  <a:schemeClr val="tx1"/>
+                </a:solidFill>
+                <a:latin typeface="Tahoma" panose="020B0604030504040204" pitchFamily="34" charset="0"/>
+                <a:ea typeface="Tahoma" panose="020B0604030504040204" pitchFamily="34" charset="0"/>
+                <a:cs typeface="Tahoma" panose="020B0604030504040204" pitchFamily="34" charset="0"/>
+              </a:rPr>
+              <a:t> e data </a:t>
+            </a:r>
+            <a:r>
+              <a:rPr lang="it-IT" sz="2400" dirty="0" err="1">
+                <a:solidFill>
+                  <a:schemeClr val="tx1"/>
+                </a:solidFill>
+                <a:latin typeface="Tahoma" panose="020B0604030504040204" pitchFamily="34" charset="0"/>
+                <a:ea typeface="Tahoma" panose="020B0604030504040204" pitchFamily="34" charset="0"/>
+                <a:cs typeface="Tahoma" panose="020B0604030504040204" pitchFamily="34" charset="0"/>
+              </a:rPr>
+              <a:t>lake</a:t>
+            </a:r>
+            <a:r>
+              <a:rPr lang="it-IT" sz="2400" dirty="0">
+                <a:solidFill>
+                  <a:schemeClr val="tx1"/>
+                </a:solidFill>
+                <a:latin typeface="Tahoma" panose="020B0604030504040204" pitchFamily="34" charset="0"/>
+                <a:ea typeface="Tahoma" panose="020B0604030504040204" pitchFamily="34" charset="0"/>
+                <a:cs typeface="Tahoma" panose="020B0604030504040204" pitchFamily="34" charset="0"/>
+              </a:rPr>
+              <a:t>, ciascuno dei due processi possiede i suoi vantaggi e svantaggi. </a:t>
+            </a:r>
+          </a:p>
+          <a:p>
+            <a:pPr marL="1828800" lvl="3" indent="-457200">
+              <a:buFont typeface="+mj-lt"/>
+              <a:buAutoNum type="arabicPeriod"/>
+            </a:pPr>
+            <a:r>
+              <a:rPr lang="it-IT" sz="2200" b="1" i="0" dirty="0">
+                <a:solidFill>
+                  <a:schemeClr val="tx1"/>
+                </a:solidFill>
+                <a:effectLst/>
+                <a:latin typeface="Tahoma" panose="020B0604030504040204" pitchFamily="34" charset="0"/>
+                <a:ea typeface="Tahoma" panose="020B0604030504040204" pitchFamily="34" charset="0"/>
+                <a:cs typeface="Tahoma" panose="020B0604030504040204" pitchFamily="34" charset="0"/>
+              </a:rPr>
+              <a:t>ETL </a:t>
+            </a:r>
+            <a:r>
+              <a:rPr lang="it-IT" sz="2200" b="0" i="0" dirty="0">
+                <a:solidFill>
+                  <a:schemeClr val="tx1"/>
+                </a:solidFill>
+                <a:effectLst/>
+                <a:latin typeface="Tahoma" panose="020B0604030504040204" pitchFamily="34" charset="0"/>
+                <a:ea typeface="Tahoma" panose="020B0604030504040204" pitchFamily="34" charset="0"/>
+                <a:cs typeface="Tahoma" panose="020B0604030504040204" pitchFamily="34" charset="0"/>
+              </a:rPr>
+              <a:t>è particolarmente utile per dataset ad alto volume non strutturati dal momento che il caricamento può avvenire direttamente dalla sorgente. Questo processo richiede più definizione all’inizio, le regole di business per la data </a:t>
+            </a:r>
+            <a:r>
+              <a:rPr lang="it-IT" sz="2200" b="0" i="0" dirty="0" err="1">
+                <a:solidFill>
+                  <a:schemeClr val="tx1"/>
+                </a:solidFill>
+                <a:effectLst/>
+                <a:latin typeface="Tahoma" panose="020B0604030504040204" pitchFamily="34" charset="0"/>
+                <a:ea typeface="Tahoma" panose="020B0604030504040204" pitchFamily="34" charset="0"/>
+                <a:cs typeface="Tahoma" panose="020B0604030504040204" pitchFamily="34" charset="0"/>
+              </a:rPr>
+              <a:t>transformation</a:t>
+            </a:r>
+            <a:r>
+              <a:rPr lang="it-IT" sz="2200" b="0" i="0" dirty="0">
+                <a:solidFill>
+                  <a:schemeClr val="tx1"/>
+                </a:solidFill>
+                <a:effectLst/>
+                <a:latin typeface="Tahoma" panose="020B0604030504040204" pitchFamily="34" charset="0"/>
+                <a:ea typeface="Tahoma" panose="020B0604030504040204" pitchFamily="34" charset="0"/>
+                <a:cs typeface="Tahoma" panose="020B0604030504040204" pitchFamily="34" charset="0"/>
+              </a:rPr>
+              <a:t> hanno bisogno di essere costruite. </a:t>
+            </a:r>
+          </a:p>
+          <a:p>
+            <a:pPr marL="1828800" lvl="3" indent="-457200">
+              <a:buFont typeface="+mj-lt"/>
+              <a:buAutoNum type="arabicPeriod"/>
+            </a:pPr>
+            <a:r>
+              <a:rPr lang="it-IT" sz="2200" dirty="0">
+                <a:solidFill>
+                  <a:schemeClr val="tx1"/>
+                </a:solidFill>
+                <a:latin typeface="Tahoma" panose="020B0604030504040204" pitchFamily="34" charset="0"/>
+                <a:ea typeface="Tahoma" panose="020B0604030504040204" pitchFamily="34" charset="0"/>
+                <a:cs typeface="Tahoma" panose="020B0604030504040204" pitchFamily="34" charset="0"/>
+              </a:rPr>
+              <a:t>ELT</a:t>
+            </a:r>
+            <a:r>
+              <a:rPr lang="it-IT" sz="2200" b="0" dirty="0">
+                <a:solidFill>
+                  <a:schemeClr val="tx1"/>
+                </a:solidFill>
+                <a:latin typeface="Tahoma" panose="020B0604030504040204" pitchFamily="34" charset="0"/>
+                <a:ea typeface="Tahoma" panose="020B0604030504040204" pitchFamily="34" charset="0"/>
+                <a:cs typeface="Tahoma" panose="020B0604030504040204" pitchFamily="34" charset="0"/>
+              </a:rPr>
+              <a:t> è più ideale per nel </a:t>
+            </a:r>
+            <a:r>
+              <a:rPr lang="it-IT" sz="2200" b="0" dirty="0">
+                <a:solidFill>
+                  <a:schemeClr val="tx1"/>
+                </a:solidFill>
+                <a:effectLst/>
+                <a:latin typeface="Tahoma" panose="020B0604030504040204" pitchFamily="34" charset="0"/>
+                <a:ea typeface="Tahoma" panose="020B0604030504040204" pitchFamily="34" charset="0"/>
+                <a:cs typeface="Tahoma" panose="020B0604030504040204" pitchFamily="34" charset="0"/>
+              </a:rPr>
+              <a:t>mondo dei Big Data dal momento che non richiede una progettazione anticipata per la data </a:t>
+            </a:r>
+            <a:r>
+              <a:rPr lang="it-IT" sz="2200" b="0" dirty="0" err="1">
+                <a:solidFill>
+                  <a:schemeClr val="tx1"/>
+                </a:solidFill>
+                <a:effectLst/>
+                <a:latin typeface="Tahoma" panose="020B0604030504040204" pitchFamily="34" charset="0"/>
+                <a:ea typeface="Tahoma" panose="020B0604030504040204" pitchFamily="34" charset="0"/>
+                <a:cs typeface="Tahoma" panose="020B0604030504040204" pitchFamily="34" charset="0"/>
+              </a:rPr>
+              <a:t>extraction</a:t>
+            </a:r>
+            <a:r>
+              <a:rPr lang="it-IT" sz="2200" b="0" dirty="0">
+                <a:solidFill>
+                  <a:schemeClr val="tx1"/>
+                </a:solidFill>
+                <a:effectLst/>
+                <a:latin typeface="Tahoma" panose="020B0604030504040204" pitchFamily="34" charset="0"/>
+                <a:ea typeface="Tahoma" panose="020B0604030504040204" pitchFamily="34" charset="0"/>
+                <a:cs typeface="Tahoma" panose="020B0604030504040204" pitchFamily="34" charset="0"/>
+              </a:rPr>
+              <a:t> e lo storage dei dati. </a:t>
+            </a:r>
+            <a:r>
+              <a:rPr lang="it-IT" sz="2200" dirty="0">
+                <a:solidFill>
+                  <a:schemeClr val="tx1"/>
+                </a:solidFill>
+                <a:effectLst/>
+                <a:latin typeface="Tahoma" panose="020B0604030504040204" pitchFamily="34" charset="0"/>
+                <a:ea typeface="Tahoma" panose="020B0604030504040204" pitchFamily="34" charset="0"/>
+                <a:cs typeface="Tahoma" panose="020B0604030504040204" pitchFamily="34" charset="0"/>
+              </a:rPr>
+              <a:t>ELT </a:t>
+            </a:r>
+            <a:r>
+              <a:rPr lang="it-IT" sz="2200" b="0" dirty="0">
+                <a:solidFill>
+                  <a:schemeClr val="tx1"/>
+                </a:solidFill>
+                <a:effectLst/>
+                <a:latin typeface="Tahoma" panose="020B0604030504040204" pitchFamily="34" charset="0"/>
+                <a:ea typeface="Tahoma" panose="020B0604030504040204" pitchFamily="34" charset="0"/>
+                <a:cs typeface="Tahoma" panose="020B0604030504040204" pitchFamily="34" charset="0"/>
+              </a:rPr>
+              <a:t>è divenuto più popolare con l’adozione dei database su cloud</a:t>
+            </a:r>
+            <a:r>
+              <a:rPr lang="it-IT" sz="2200" b="0" dirty="0">
+                <a:solidFill>
+                  <a:schemeClr val="tx1"/>
+                </a:solidFill>
+                <a:latin typeface="Tahoma" panose="020B0604030504040204" pitchFamily="34" charset="0"/>
+                <a:ea typeface="Tahoma" panose="020B0604030504040204" pitchFamily="34" charset="0"/>
+                <a:cs typeface="Tahoma" panose="020B0604030504040204" pitchFamily="34" charset="0"/>
+              </a:rPr>
+              <a:t>, anche se non ci sono ancora molte best practices su </a:t>
+            </a:r>
+            <a:r>
+              <a:rPr lang="it-IT" sz="2200" dirty="0">
+                <a:solidFill>
+                  <a:schemeClr val="tx1"/>
+                </a:solidFill>
+                <a:latin typeface="Tahoma" panose="020B0604030504040204" pitchFamily="34" charset="0"/>
+                <a:ea typeface="Tahoma" panose="020B0604030504040204" pitchFamily="34" charset="0"/>
+                <a:cs typeface="Tahoma" panose="020B0604030504040204" pitchFamily="34" charset="0"/>
+              </a:rPr>
+              <a:t>ELT</a:t>
+            </a:r>
+            <a:r>
+              <a:rPr lang="it-IT" sz="2200" b="0" dirty="0">
+                <a:solidFill>
+                  <a:schemeClr val="tx1"/>
+                </a:solidFill>
+                <a:latin typeface="Tahoma" panose="020B0604030504040204" pitchFamily="34" charset="0"/>
+                <a:ea typeface="Tahoma" panose="020B0604030504040204" pitchFamily="34" charset="0"/>
+                <a:cs typeface="Tahoma" panose="020B0604030504040204" pitchFamily="34" charset="0"/>
+              </a:rPr>
+              <a:t>. </a:t>
+            </a:r>
+            <a:endParaRPr lang="en-US" sz="2400" b="0" i="0" dirty="0">
               <a:solidFill>
-                <a:schemeClr val="tx1"/>
+                <a:srgbClr val="525252"/>
               </a:solidFill>
-              <a:latin typeface="Tahoma" panose="020B0604030504040204" pitchFamily="34" charset="0"/>
-              <a:ea typeface="Tahoma" panose="020B0604030504040204" pitchFamily="34" charset="0"/>
-              <a:cs typeface="Tahoma" panose="020B0604030504040204" pitchFamily="34" charset="0"/>
+              <a:effectLst/>
+              <a:latin typeface="IBM Plex Sans" panose="020B0503050203000203" pitchFamily="34" charset="0"/>
             </a:endParaRPr>
           </a:p>
         </p:txBody>
@@ -9269,50 +9658,16 @@
           <a:p>
             <a:r>
               <a:rPr lang="it-IT" altLang="it-IT" dirty="0"/>
-              <a:t>ETL </a:t>
-            </a:r>
-            <a:r>
-              <a:rPr lang="it-IT" altLang="it-IT"/>
-              <a:t>– Sistemi Legacy</a:t>
+              <a:t>ETL versus ELT</a:t>
             </a:r>
             <a:endParaRPr lang="it-IT" dirty="0"/>
           </a:p>
         </p:txBody>
       </p:sp>
-      <p:pic>
-        <p:nvPicPr>
-          <p:cNvPr id="4" name="Immagine 3" descr="Immagine che contiene testo&#10;&#10;Descrizione generata automaticamente">
-            <a:extLst>
-              <a:ext uri="{FF2B5EF4-FFF2-40B4-BE49-F238E27FC236}">
-                <a16:creationId xmlns:a16="http://schemas.microsoft.com/office/drawing/2014/main" id="{896F346A-0787-3D66-A5EE-BEB1A8B561FA}"/>
-              </a:ext>
-            </a:extLst>
-          </p:cNvPr>
-          <p:cNvPicPr>
-            <a:picLocks noChangeAspect="1"/>
-          </p:cNvPicPr>
-          <p:nvPr/>
-        </p:nvPicPr>
-        <p:blipFill>
-          <a:blip r:embed="rId2"/>
-          <a:stretch>
-            <a:fillRect/>
-          </a:stretch>
-        </p:blipFill>
-        <p:spPr>
-          <a:xfrm>
-            <a:off x="6095999" y="1944396"/>
-            <a:ext cx="5666731" cy="3531730"/>
-          </a:xfrm>
-          <a:prstGeom prst="rect">
-            <a:avLst/>
-          </a:prstGeom>
-        </p:spPr>
-      </p:pic>
     </p:spTree>
     <p:extLst>
       <p:ext uri="{BB962C8B-B14F-4D97-AF65-F5344CB8AC3E}">
-        <p14:creationId xmlns:p14="http://schemas.microsoft.com/office/powerpoint/2010/main" val="2748786606"/>
+        <p14:creationId xmlns:p14="http://schemas.microsoft.com/office/powerpoint/2010/main" val="4184373011"/>
       </p:ext>
     </p:extLst>
   </p:cSld>
@@ -9745,7 +10100,7 @@
         </p:nvSpPr>
         <p:spPr>
           <a:xfrm>
-            <a:off x="336650" y="1115332"/>
+            <a:off x="326297" y="1213806"/>
             <a:ext cx="11518700" cy="4392612"/>
           </a:xfrm>
         </p:spPr>
@@ -9766,18 +10121,18 @@
                 <a:ea typeface="Tahoma" panose="020B0604030504040204" pitchFamily="34" charset="0"/>
                 <a:cs typeface="Tahoma" panose="020B0604030504040204" pitchFamily="34" charset="0"/>
               </a:rPr>
-              <a:t>La più semplice differenza tra </a:t>
-            </a:r>
-            <a:r>
-              <a:rPr lang="it-IT" sz="2400" b="1" dirty="0">
-                <a:solidFill>
-                  <a:schemeClr val="tx1"/>
-                </a:solidFill>
-                <a:latin typeface="Tahoma" panose="020B0604030504040204" pitchFamily="34" charset="0"/>
-                <a:ea typeface="Tahoma" panose="020B0604030504040204" pitchFamily="34" charset="0"/>
-                <a:cs typeface="Tahoma" panose="020B0604030504040204" pitchFamily="34" charset="0"/>
-              </a:rPr>
-              <a:t>ETL </a:t>
+              <a:t>L’Analisi dell’informazione richiede di solito dati accessibili e ben strutturati per ottenere i migliori risultati possibili. La Data </a:t>
+            </a:r>
+            <a:r>
+              <a:rPr lang="it-IT" sz="2400" dirty="0" err="1">
+                <a:solidFill>
+                  <a:schemeClr val="tx1"/>
+                </a:solidFill>
+                <a:latin typeface="Tahoma" panose="020B0604030504040204" pitchFamily="34" charset="0"/>
+                <a:ea typeface="Tahoma" panose="020B0604030504040204" pitchFamily="34" charset="0"/>
+                <a:cs typeface="Tahoma" panose="020B0604030504040204" pitchFamily="34" charset="0"/>
+              </a:rPr>
+              <a:t>Transformation</a:t>
             </a:r>
             <a:r>
               <a:rPr lang="it-IT" sz="2400" dirty="0">
@@ -9788,18 +10143,18 @@
                 <a:ea typeface="Tahoma" panose="020B0604030504040204" pitchFamily="34" charset="0"/>
                 <a:cs typeface="Tahoma" panose="020B0604030504040204" pitchFamily="34" charset="0"/>
               </a:rPr>
-              <a:t>e </a:t>
-            </a:r>
-            <a:r>
-              <a:rPr lang="it-IT" sz="2400" b="1" dirty="0">
-                <a:solidFill>
-                  <a:schemeClr val="tx1"/>
-                </a:solidFill>
-                <a:latin typeface="Tahoma" panose="020B0604030504040204" pitchFamily="34" charset="0"/>
-                <a:ea typeface="Tahoma" panose="020B0604030504040204" pitchFamily="34" charset="0"/>
-                <a:cs typeface="Tahoma" panose="020B0604030504040204" pitchFamily="34" charset="0"/>
-              </a:rPr>
-              <a:t>ELT </a:t>
+              <a:t> rende alle </a:t>
+            </a:r>
+            <a:r>
+              <a:rPr lang="it-IT" sz="2400" dirty="0" err="1">
+                <a:solidFill>
+                  <a:schemeClr val="tx1"/>
+                </a:solidFill>
+                <a:latin typeface="Tahoma" panose="020B0604030504040204" pitchFamily="34" charset="0"/>
+                <a:ea typeface="Tahoma" panose="020B0604030504040204" pitchFamily="34" charset="0"/>
+                <a:cs typeface="Tahoma" panose="020B0604030504040204" pitchFamily="34" charset="0"/>
+              </a:rPr>
+              <a:t>organizziazioni</a:t>
             </a:r>
             <a:r>
               <a:rPr lang="it-IT" sz="2400" dirty="0">
@@ -9810,51 +10165,18 @@
                 <a:ea typeface="Tahoma" panose="020B0604030504040204" pitchFamily="34" charset="0"/>
                 <a:cs typeface="Tahoma" panose="020B0604030504040204" pitchFamily="34" charset="0"/>
               </a:rPr>
-              <a:t>è in termini di operazioni. </a:t>
-            </a:r>
-            <a:r>
-              <a:rPr lang="it-IT" sz="2400" b="1" dirty="0">
-                <a:solidFill>
-                  <a:schemeClr val="tx1"/>
-                </a:solidFill>
-                <a:latin typeface="Tahoma" panose="020B0604030504040204" pitchFamily="34" charset="0"/>
-                <a:ea typeface="Tahoma" panose="020B0604030504040204" pitchFamily="34" charset="0"/>
-                <a:cs typeface="Tahoma" panose="020B0604030504040204" pitchFamily="34" charset="0"/>
-              </a:rPr>
-              <a:t>ELT </a:t>
-            </a:r>
-            <a:r>
-              <a:rPr lang="it-IT" sz="2400" dirty="0">
-                <a:solidFill>
-                  <a:schemeClr val="tx1"/>
-                </a:solidFill>
-                <a:latin typeface="Tahoma" panose="020B0604030504040204" pitchFamily="34" charset="0"/>
-                <a:ea typeface="Tahoma" panose="020B0604030504040204" pitchFamily="34" charset="0"/>
-                <a:cs typeface="Tahoma" panose="020B0604030504040204" pitchFamily="34" charset="0"/>
-              </a:rPr>
-              <a:t>copia ed esporta i dati dalle sorgenti, ma invece di caricarli in su un’area per la trasformazione successiva, </a:t>
-            </a:r>
-            <a:r>
-              <a:rPr lang="it-IT" sz="2400" b="1" dirty="0">
-                <a:solidFill>
-                  <a:schemeClr val="tx1"/>
-                </a:solidFill>
-                <a:latin typeface="Tahoma" panose="020B0604030504040204" pitchFamily="34" charset="0"/>
-                <a:ea typeface="Tahoma" panose="020B0604030504040204" pitchFamily="34" charset="0"/>
-                <a:cs typeface="Tahoma" panose="020B0604030504040204" pitchFamily="34" charset="0"/>
-              </a:rPr>
-              <a:t>l’ELT</a:t>
-            </a:r>
-            <a:r>
-              <a:rPr lang="it-IT" sz="2400" dirty="0">
-                <a:solidFill>
-                  <a:schemeClr val="tx1"/>
-                </a:solidFill>
-                <a:latin typeface="Tahoma" panose="020B0604030504040204" pitchFamily="34" charset="0"/>
-                <a:ea typeface="Tahoma" panose="020B0604030504040204" pitchFamily="34" charset="0"/>
-                <a:cs typeface="Tahoma" panose="020B0604030504040204" pitchFamily="34" charset="0"/>
-              </a:rPr>
-              <a:t> carica i dati grezzi direttamente sullo store di target dei dati per poter essere trasformati alla bisogna.</a:t>
+              <a:t> possibile l’alterazione della struttura e del formato dei dati grezzi secondo le necessità. La Data Analytics più efficiente deriva anche dal modo in cui l’impresa trasforma i suoi dati</a:t>
+            </a:r>
+            <a:r>
+              <a:rPr lang="it-IT" sz="2400">
+                <a:solidFill>
+                  <a:schemeClr val="tx1"/>
+                </a:solidFill>
+                <a:latin typeface="Tahoma" panose="020B0604030504040204" pitchFamily="34" charset="0"/>
+                <a:ea typeface="Tahoma" panose="020B0604030504040204" pitchFamily="34" charset="0"/>
+                <a:cs typeface="Tahoma" panose="020B0604030504040204" pitchFamily="34" charset="0"/>
+              </a:rPr>
+              <a:t>. </a:t>
             </a:r>
           </a:p>
           <a:p>
@@ -9863,78 +10185,62 @@
               <a:buChar char="ü"/>
             </a:pPr>
             <a:r>
-              <a:rPr lang="it-IT" sz="2400" b="0" i="0" dirty="0">
-                <a:solidFill>
-                  <a:schemeClr val="tx1"/>
-                </a:solidFill>
-                <a:effectLst/>
-                <a:latin typeface="Tahoma" panose="020B0604030504040204" pitchFamily="34" charset="0"/>
-                <a:ea typeface="Tahoma" panose="020B0604030504040204" pitchFamily="34" charset="0"/>
-                <a:cs typeface="Tahoma" panose="020B0604030504040204" pitchFamily="34" charset="0"/>
-              </a:rPr>
-              <a:t>Mentre entrambi </a:t>
-            </a:r>
-            <a:r>
-              <a:rPr lang="it-IT" sz="2400" b="1" i="0" dirty="0">
-                <a:solidFill>
-                  <a:schemeClr val="tx1"/>
-                </a:solidFill>
-                <a:effectLst/>
-                <a:latin typeface="Tahoma" panose="020B0604030504040204" pitchFamily="34" charset="0"/>
-                <a:ea typeface="Tahoma" panose="020B0604030504040204" pitchFamily="34" charset="0"/>
-                <a:cs typeface="Tahoma" panose="020B0604030504040204" pitchFamily="34" charset="0"/>
-              </a:rPr>
-              <a:t>ETL</a:t>
-            </a:r>
-            <a:r>
-              <a:rPr lang="it-IT" sz="2400" b="0" i="0" dirty="0">
-                <a:solidFill>
-                  <a:schemeClr val="tx1"/>
-                </a:solidFill>
-                <a:effectLst/>
-                <a:latin typeface="Tahoma" panose="020B0604030504040204" pitchFamily="34" charset="0"/>
-                <a:ea typeface="Tahoma" panose="020B0604030504040204" pitchFamily="34" charset="0"/>
-                <a:cs typeface="Tahoma" panose="020B0604030504040204" pitchFamily="34" charset="0"/>
-              </a:rPr>
-              <a:t> e </a:t>
-            </a:r>
-            <a:r>
-              <a:rPr lang="it-IT" sz="2400" b="1" i="0" dirty="0">
-                <a:solidFill>
-                  <a:schemeClr val="tx1"/>
-                </a:solidFill>
-                <a:effectLst/>
-                <a:latin typeface="Tahoma" panose="020B0604030504040204" pitchFamily="34" charset="0"/>
-                <a:ea typeface="Tahoma" panose="020B0604030504040204" pitchFamily="34" charset="0"/>
-                <a:cs typeface="Tahoma" panose="020B0604030504040204" pitchFamily="34" charset="0"/>
-              </a:rPr>
-              <a:t>ELT </a:t>
-            </a:r>
-            <a:r>
-              <a:rPr lang="it-IT" sz="2400" i="0" dirty="0">
-                <a:solidFill>
-                  <a:schemeClr val="tx1"/>
-                </a:solidFill>
-                <a:effectLst/>
-                <a:latin typeface="Tahoma" panose="020B0604030504040204" pitchFamily="34" charset="0"/>
-                <a:ea typeface="Tahoma" panose="020B0604030504040204" pitchFamily="34" charset="0"/>
-                <a:cs typeface="Tahoma" panose="020B0604030504040204" pitchFamily="34" charset="0"/>
-              </a:rPr>
-              <a:t>fanno le</a:t>
-            </a:r>
-            <a:r>
-              <a:rPr lang="it-IT" sz="2400" dirty="0">
-                <a:solidFill>
-                  <a:schemeClr val="tx1"/>
-                </a:solidFill>
-                <a:latin typeface="Tahoma" panose="020B0604030504040204" pitchFamily="34" charset="0"/>
-                <a:ea typeface="Tahoma" panose="020B0604030504040204" pitchFamily="34" charset="0"/>
-                <a:cs typeface="Tahoma" panose="020B0604030504040204" pitchFamily="34" charset="0"/>
-              </a:rPr>
-              <a:t>va su una varietà di repository di dati, quali database, data </a:t>
-            </a:r>
-            <a:r>
-              <a:rPr lang="it-IT" sz="2400" dirty="0" err="1">
+              <a:rPr lang="it-IT" sz="2400">
+                <a:solidFill>
+                  <a:schemeClr val="tx1"/>
+                </a:solidFill>
+                <a:latin typeface="Tahoma" panose="020B0604030504040204" pitchFamily="34" charset="0"/>
+                <a:ea typeface="Tahoma" panose="020B0604030504040204" pitchFamily="34" charset="0"/>
+                <a:cs typeface="Tahoma" panose="020B0604030504040204" pitchFamily="34" charset="0"/>
+              </a:rPr>
+              <a:t>La </a:t>
+            </a:r>
+            <a:r>
+              <a:rPr lang="it-IT" sz="2400" b="1">
+                <a:solidFill>
+                  <a:schemeClr val="tx1"/>
+                </a:solidFill>
+                <a:latin typeface="Tahoma" panose="020B0604030504040204" pitchFamily="34" charset="0"/>
+                <a:ea typeface="Tahoma" panose="020B0604030504040204" pitchFamily="34" charset="0"/>
+                <a:cs typeface="Tahoma" panose="020B0604030504040204" pitchFamily="34" charset="0"/>
+              </a:rPr>
+              <a:t>Data Transformation </a:t>
+            </a:r>
+            <a:r>
+              <a:rPr lang="it-IT" sz="2400">
+                <a:solidFill>
+                  <a:schemeClr val="tx1"/>
+                </a:solidFill>
+                <a:latin typeface="Tahoma" panose="020B0604030504040204" pitchFamily="34" charset="0"/>
+                <a:ea typeface="Tahoma" panose="020B0604030504040204" pitchFamily="34" charset="0"/>
+                <a:cs typeface="Tahoma" panose="020B0604030504040204" pitchFamily="34" charset="0"/>
+              </a:rPr>
+              <a:t>è il processo di cambiamento del formato, struttura, e valori dei dati. Per i progetti di data analytics, i dati possono essere trasformati a due livelli della pipeline dei dati. Le organizzazioni che usano i </a:t>
+            </a:r>
+            <a:r>
+              <a:rPr lang="it-IT" sz="2400" b="1">
+                <a:solidFill>
+                  <a:schemeClr val="tx1"/>
+                </a:solidFill>
+                <a:latin typeface="Tahoma" panose="020B0604030504040204" pitchFamily="34" charset="0"/>
+                <a:ea typeface="Tahoma" panose="020B0604030504040204" pitchFamily="34" charset="0"/>
+                <a:cs typeface="Tahoma" panose="020B0604030504040204" pitchFamily="34" charset="0"/>
+              </a:rPr>
+              <a:t>data</a:t>
+            </a:r>
+            <a:r>
+              <a:rPr lang="it-IT" sz="2400">
+                <a:solidFill>
+                  <a:schemeClr val="tx1"/>
+                </a:solidFill>
+                <a:latin typeface="Tahoma" panose="020B0604030504040204" pitchFamily="34" charset="0"/>
+                <a:ea typeface="Tahoma" panose="020B0604030504040204" pitchFamily="34" charset="0"/>
+                <a:cs typeface="Tahoma" panose="020B0604030504040204" pitchFamily="34" charset="0"/>
+              </a:rPr>
+              <a:t> </a:t>
+            </a:r>
+            <a:r>
+              <a:rPr lang="it-IT" sz="2400" b="1">
                 <a:solidFill>
                   <a:schemeClr val="tx1"/>
                 </a:solidFill>
@@ -9945,219 +10251,23 @@
               <a:t>warehouse</a:t>
             </a:r>
             <a:r>
-              <a:rPr lang="it-IT" sz="2400" dirty="0">
-                <a:solidFill>
-                  <a:schemeClr val="tx1"/>
-                </a:solidFill>
-                <a:latin typeface="Tahoma" panose="020B0604030504040204" pitchFamily="34" charset="0"/>
-                <a:ea typeface="Tahoma" panose="020B0604030504040204" pitchFamily="34" charset="0"/>
-                <a:cs typeface="Tahoma" panose="020B0604030504040204" pitchFamily="34" charset="0"/>
-              </a:rPr>
-              <a:t> e data </a:t>
-            </a:r>
-            <a:r>
-              <a:rPr lang="it-IT" sz="2400" dirty="0" err="1">
-                <a:solidFill>
-                  <a:schemeClr val="tx1"/>
-                </a:solidFill>
-                <a:latin typeface="Tahoma" panose="020B0604030504040204" pitchFamily="34" charset="0"/>
-                <a:ea typeface="Tahoma" panose="020B0604030504040204" pitchFamily="34" charset="0"/>
-                <a:cs typeface="Tahoma" panose="020B0604030504040204" pitchFamily="34" charset="0"/>
-              </a:rPr>
-              <a:t>lake</a:t>
-            </a:r>
-            <a:r>
-              <a:rPr lang="it-IT" sz="2400" dirty="0">
-                <a:solidFill>
-                  <a:schemeClr val="tx1"/>
-                </a:solidFill>
-                <a:latin typeface="Tahoma" panose="020B0604030504040204" pitchFamily="34" charset="0"/>
-                <a:ea typeface="Tahoma" panose="020B0604030504040204" pitchFamily="34" charset="0"/>
-                <a:cs typeface="Tahoma" panose="020B0604030504040204" pitchFamily="34" charset="0"/>
-              </a:rPr>
-              <a:t>, ciascuno dei due processi possiede i suoi vantaggi e svantaggi. </a:t>
-            </a:r>
-          </a:p>
-          <a:p>
-            <a:pPr marL="1828800" lvl="3" indent="-457200">
-              <a:buFont typeface="+mj-lt"/>
-              <a:buAutoNum type="arabicPeriod"/>
-            </a:pPr>
-            <a:r>
-              <a:rPr lang="it-IT" sz="2200" b="1" i="0" dirty="0">
-                <a:solidFill>
-                  <a:schemeClr val="tx1"/>
-                </a:solidFill>
-                <a:effectLst/>
-                <a:latin typeface="Tahoma" panose="020B0604030504040204" pitchFamily="34" charset="0"/>
-                <a:ea typeface="Tahoma" panose="020B0604030504040204" pitchFamily="34" charset="0"/>
-                <a:cs typeface="Tahoma" panose="020B0604030504040204" pitchFamily="34" charset="0"/>
-              </a:rPr>
-              <a:t>ETL </a:t>
-            </a:r>
-            <a:r>
-              <a:rPr lang="it-IT" sz="2200" b="0" i="0" dirty="0">
-                <a:solidFill>
-                  <a:schemeClr val="tx1"/>
-                </a:solidFill>
-                <a:effectLst/>
-                <a:latin typeface="Tahoma" panose="020B0604030504040204" pitchFamily="34" charset="0"/>
-                <a:ea typeface="Tahoma" panose="020B0604030504040204" pitchFamily="34" charset="0"/>
-                <a:cs typeface="Tahoma" panose="020B0604030504040204" pitchFamily="34" charset="0"/>
-              </a:rPr>
-              <a:t>è particolarmente utile per dataset ad alto volume non strutturati dal momento che il caricamento può avvenire direttamente dalla sorgente. Questo processo richiede più definizione all’inizio, le regole di business per la data </a:t>
-            </a:r>
-            <a:r>
-              <a:rPr lang="it-IT" sz="2200" b="0" i="0" dirty="0" err="1">
-                <a:solidFill>
-                  <a:schemeClr val="tx1"/>
-                </a:solidFill>
-                <a:effectLst/>
-                <a:latin typeface="Tahoma" panose="020B0604030504040204" pitchFamily="34" charset="0"/>
-                <a:ea typeface="Tahoma" panose="020B0604030504040204" pitchFamily="34" charset="0"/>
-                <a:cs typeface="Tahoma" panose="020B0604030504040204" pitchFamily="34" charset="0"/>
-              </a:rPr>
-              <a:t>transformation</a:t>
-            </a:r>
-            <a:r>
-              <a:rPr lang="it-IT" sz="2200" b="0" i="0" dirty="0">
-                <a:solidFill>
-                  <a:schemeClr val="tx1"/>
-                </a:solidFill>
-                <a:effectLst/>
-                <a:latin typeface="Tahoma" panose="020B0604030504040204" pitchFamily="34" charset="0"/>
-                <a:ea typeface="Tahoma" panose="020B0604030504040204" pitchFamily="34" charset="0"/>
-                <a:cs typeface="Tahoma" panose="020B0604030504040204" pitchFamily="34" charset="0"/>
-              </a:rPr>
-              <a:t> hanno bisogno di essere costruite. </a:t>
-            </a:r>
-          </a:p>
-          <a:p>
-            <a:pPr marL="1828800" lvl="3" indent="-457200">
-              <a:buFont typeface="+mj-lt"/>
-              <a:buAutoNum type="arabicPeriod"/>
-            </a:pPr>
-            <a:r>
-              <a:rPr lang="it-IT" sz="2200" dirty="0">
-                <a:solidFill>
-                  <a:schemeClr val="tx1"/>
-                </a:solidFill>
-                <a:latin typeface="Tahoma" panose="020B0604030504040204" pitchFamily="34" charset="0"/>
-                <a:ea typeface="Tahoma" panose="020B0604030504040204" pitchFamily="34" charset="0"/>
-                <a:cs typeface="Tahoma" panose="020B0604030504040204" pitchFamily="34" charset="0"/>
-              </a:rPr>
-              <a:t>ELT</a:t>
-            </a:r>
-            <a:r>
-              <a:rPr lang="it-IT" sz="2200" b="0" dirty="0">
-                <a:solidFill>
-                  <a:schemeClr val="tx1"/>
-                </a:solidFill>
-                <a:latin typeface="Tahoma" panose="020B0604030504040204" pitchFamily="34" charset="0"/>
-                <a:ea typeface="Tahoma" panose="020B0604030504040204" pitchFamily="34" charset="0"/>
-                <a:cs typeface="Tahoma" panose="020B0604030504040204" pitchFamily="34" charset="0"/>
-              </a:rPr>
-              <a:t> è più ideale per nel </a:t>
-            </a:r>
-            <a:r>
-              <a:rPr lang="it-IT" sz="2200" b="0" dirty="0">
-                <a:solidFill>
-                  <a:schemeClr val="tx1"/>
-                </a:solidFill>
-                <a:effectLst/>
-                <a:latin typeface="Tahoma" panose="020B0604030504040204" pitchFamily="34" charset="0"/>
-                <a:ea typeface="Tahoma" panose="020B0604030504040204" pitchFamily="34" charset="0"/>
-                <a:cs typeface="Tahoma" panose="020B0604030504040204" pitchFamily="34" charset="0"/>
-              </a:rPr>
-              <a:t>mondo dei Big Data dal momento che non richiede una progettazione anticipata per la data </a:t>
-            </a:r>
-            <a:r>
-              <a:rPr lang="it-IT" sz="2200" b="0" dirty="0" err="1">
-                <a:solidFill>
-                  <a:schemeClr val="tx1"/>
-                </a:solidFill>
-                <a:effectLst/>
-                <a:latin typeface="Tahoma" panose="020B0604030504040204" pitchFamily="34" charset="0"/>
-                <a:ea typeface="Tahoma" panose="020B0604030504040204" pitchFamily="34" charset="0"/>
-                <a:cs typeface="Tahoma" panose="020B0604030504040204" pitchFamily="34" charset="0"/>
-              </a:rPr>
-              <a:t>extraction</a:t>
-            </a:r>
-            <a:r>
-              <a:rPr lang="it-IT" sz="2200" b="0" dirty="0">
-                <a:solidFill>
-                  <a:schemeClr val="tx1"/>
-                </a:solidFill>
-                <a:effectLst/>
-                <a:latin typeface="Tahoma" panose="020B0604030504040204" pitchFamily="34" charset="0"/>
-                <a:ea typeface="Tahoma" panose="020B0604030504040204" pitchFamily="34" charset="0"/>
-                <a:cs typeface="Tahoma" panose="020B0604030504040204" pitchFamily="34" charset="0"/>
-              </a:rPr>
-              <a:t> e lo storage dei dati. </a:t>
-            </a:r>
-            <a:r>
-              <a:rPr lang="it-IT" sz="2200" dirty="0">
-                <a:solidFill>
-                  <a:schemeClr val="tx1"/>
-                </a:solidFill>
-                <a:effectLst/>
-                <a:latin typeface="Tahoma" panose="020B0604030504040204" pitchFamily="34" charset="0"/>
-                <a:ea typeface="Tahoma" panose="020B0604030504040204" pitchFamily="34" charset="0"/>
-                <a:cs typeface="Tahoma" panose="020B0604030504040204" pitchFamily="34" charset="0"/>
-              </a:rPr>
-              <a:t>ELT </a:t>
-            </a:r>
-            <a:r>
-              <a:rPr lang="it-IT" sz="2200" b="0" dirty="0">
-                <a:solidFill>
-                  <a:schemeClr val="tx1"/>
-                </a:solidFill>
-                <a:effectLst/>
-                <a:latin typeface="Tahoma" panose="020B0604030504040204" pitchFamily="34" charset="0"/>
-                <a:ea typeface="Tahoma" panose="020B0604030504040204" pitchFamily="34" charset="0"/>
-                <a:cs typeface="Tahoma" panose="020B0604030504040204" pitchFamily="34" charset="0"/>
-              </a:rPr>
-              <a:t>è divenuto più popolare con l’adozione dei database su cloud</a:t>
-            </a:r>
-            <a:r>
-              <a:rPr lang="it-IT" sz="2200" b="0" dirty="0">
-                <a:solidFill>
-                  <a:schemeClr val="tx1"/>
-                </a:solidFill>
-                <a:latin typeface="Tahoma" panose="020B0604030504040204" pitchFamily="34" charset="0"/>
-                <a:ea typeface="Tahoma" panose="020B0604030504040204" pitchFamily="34" charset="0"/>
-                <a:cs typeface="Tahoma" panose="020B0604030504040204" pitchFamily="34" charset="0"/>
-              </a:rPr>
-              <a:t>, anche se non ci sono ancora molte best practices su </a:t>
-            </a:r>
-            <a:r>
-              <a:rPr lang="it-IT" sz="2200" dirty="0">
-                <a:solidFill>
-                  <a:schemeClr val="tx1"/>
-                </a:solidFill>
-                <a:latin typeface="Tahoma" panose="020B0604030504040204" pitchFamily="34" charset="0"/>
-                <a:ea typeface="Tahoma" panose="020B0604030504040204" pitchFamily="34" charset="0"/>
-                <a:cs typeface="Tahoma" panose="020B0604030504040204" pitchFamily="34" charset="0"/>
-              </a:rPr>
-              <a:t>ELT</a:t>
-            </a:r>
-            <a:r>
-              <a:rPr lang="it-IT" sz="2200" b="0" dirty="0">
-                <a:solidFill>
-                  <a:schemeClr val="tx1"/>
-                </a:solidFill>
-                <a:latin typeface="Tahoma" panose="020B0604030504040204" pitchFamily="34" charset="0"/>
-                <a:ea typeface="Tahoma" panose="020B0604030504040204" pitchFamily="34" charset="0"/>
-                <a:cs typeface="Tahoma" panose="020B0604030504040204" pitchFamily="34" charset="0"/>
-              </a:rPr>
-              <a:t>. </a:t>
-            </a:r>
-            <a:endParaRPr lang="en-US" sz="2400" b="0" i="0" dirty="0">
+              <a:rPr lang="it-IT" sz="2400">
+                <a:solidFill>
+                  <a:schemeClr val="tx1"/>
+                </a:solidFill>
+                <a:latin typeface="Tahoma" panose="020B0604030504040204" pitchFamily="34" charset="0"/>
+                <a:ea typeface="Tahoma" panose="020B0604030504040204" pitchFamily="34" charset="0"/>
+                <a:cs typeface="Tahoma" panose="020B0604030504040204" pitchFamily="34" charset="0"/>
+              </a:rPr>
+              <a:t> on-premises generalmente usano un processo ETL, in cui la trasformazione dei dati è il processo intermedio. Oggigiorno, la maggior parte delle organizzazioni usano i data warehouse basati su cloud, i quali possono scalare le risorse di computazione e di storage con una latenza misurata in secondi o minuti.  </a:t>
+            </a:r>
+            <a:endParaRPr lang="it-IT" sz="2400" b="1" dirty="0">
               <a:solidFill>
-                <a:srgbClr val="525252"/>
+                <a:schemeClr val="tx1"/>
               </a:solidFill>
-              <a:effectLst/>
-              <a:latin typeface="IBM Plex Sans" panose="020B0503050203000203" pitchFamily="34" charset="0"/>
+              <a:latin typeface="Tahoma" panose="020B0604030504040204" pitchFamily="34" charset="0"/>
+              <a:ea typeface="Tahoma" panose="020B0604030504040204" pitchFamily="34" charset="0"/>
+              <a:cs typeface="Tahoma" panose="020B0604030504040204" pitchFamily="34" charset="0"/>
             </a:endParaRPr>
           </a:p>
         </p:txBody>
@@ -10225,7 +10335,15 @@
           <a:p>
             <a:r>
               <a:rPr lang="it-IT" altLang="it-IT" dirty="0"/>
-              <a:t>ETL versus ELT</a:t>
+              <a:t>Trasformazione dei Dati (Data </a:t>
+            </a:r>
+            <a:r>
+              <a:rPr lang="it-IT" altLang="it-IT" dirty="0" err="1"/>
+              <a:t>Transformation</a:t>
+            </a:r>
+            <a:r>
+              <a:rPr lang="it-IT" altLang="it-IT" dirty="0"/>
+              <a:t>)</a:t>
             </a:r>
             <a:endParaRPr lang="it-IT" dirty="0"/>
           </a:p>
@@ -10234,7 +10352,7 @@
     </p:spTree>
     <p:extLst>
       <p:ext uri="{BB962C8B-B14F-4D97-AF65-F5344CB8AC3E}">
-        <p14:creationId xmlns:p14="http://schemas.microsoft.com/office/powerpoint/2010/main" val="4184373011"/>
+        <p14:creationId xmlns:p14="http://schemas.microsoft.com/office/powerpoint/2010/main" val="95832058"/>
       </p:ext>
     </p:extLst>
   </p:cSld>
@@ -10279,7 +10397,7 @@
         </p:nvSpPr>
         <p:spPr>
           <a:xfrm>
-            <a:off x="326297" y="1213806"/>
+            <a:off x="344199" y="1446404"/>
             <a:ext cx="11518700" cy="4392612"/>
           </a:xfrm>
         </p:spPr>
@@ -10292,59 +10410,59 @@
               <a:buChar char="ü"/>
             </a:pPr>
             <a:r>
-              <a:rPr lang="it-IT" sz="2400" dirty="0">
-                <a:solidFill>
-                  <a:schemeClr val="tx1"/>
-                </a:solidFill>
-                <a:latin typeface="Tahoma" panose="020B0604030504040204" pitchFamily="34" charset="0"/>
-                <a:ea typeface="Tahoma" panose="020B0604030504040204" pitchFamily="34" charset="0"/>
-                <a:cs typeface="Tahoma" panose="020B0604030504040204" pitchFamily="34" charset="0"/>
-              </a:rPr>
-              <a:t>L’Analisi dell’informazione richiede di solito dati accessibili e ben strutturati per ottenere i migliori risultati possibili. La Data </a:t>
-            </a:r>
-            <a:r>
-              <a:rPr lang="it-IT" sz="2400" dirty="0" err="1">
-                <a:solidFill>
-                  <a:schemeClr val="tx1"/>
-                </a:solidFill>
-                <a:latin typeface="Tahoma" panose="020B0604030504040204" pitchFamily="34" charset="0"/>
-                <a:ea typeface="Tahoma" panose="020B0604030504040204" pitchFamily="34" charset="0"/>
-                <a:cs typeface="Tahoma" panose="020B0604030504040204" pitchFamily="34" charset="0"/>
-              </a:rPr>
-              <a:t>Transformation</a:t>
-            </a:r>
-            <a:r>
-              <a:rPr lang="it-IT" sz="2400" dirty="0">
-                <a:solidFill>
-                  <a:schemeClr val="tx1"/>
-                </a:solidFill>
-                <a:latin typeface="Tahoma" panose="020B0604030504040204" pitchFamily="34" charset="0"/>
-                <a:ea typeface="Tahoma" panose="020B0604030504040204" pitchFamily="34" charset="0"/>
-                <a:cs typeface="Tahoma" panose="020B0604030504040204" pitchFamily="34" charset="0"/>
-              </a:rPr>
-              <a:t> rende alle </a:t>
-            </a:r>
-            <a:r>
-              <a:rPr lang="it-IT" sz="2400" dirty="0" err="1">
-                <a:solidFill>
-                  <a:schemeClr val="tx1"/>
-                </a:solidFill>
-                <a:latin typeface="Tahoma" panose="020B0604030504040204" pitchFamily="34" charset="0"/>
-                <a:ea typeface="Tahoma" panose="020B0604030504040204" pitchFamily="34" charset="0"/>
-                <a:cs typeface="Tahoma" panose="020B0604030504040204" pitchFamily="34" charset="0"/>
-              </a:rPr>
-              <a:t>organizziazioni</a:t>
-            </a:r>
-            <a:r>
-              <a:rPr lang="it-IT" sz="2400" dirty="0">
-                <a:solidFill>
-                  <a:schemeClr val="tx1"/>
-                </a:solidFill>
-                <a:latin typeface="Tahoma" panose="020B0604030504040204" pitchFamily="34" charset="0"/>
-                <a:ea typeface="Tahoma" panose="020B0604030504040204" pitchFamily="34" charset="0"/>
-                <a:cs typeface="Tahoma" panose="020B0604030504040204" pitchFamily="34" charset="0"/>
-              </a:rPr>
-              <a:t> possibile l’alterazione della struttura e del formato dei dati grezzi secondo le necessità. La Data Analytics più efficiente deriva anche dal modo in cui l’impresa trasforma i suoi dati. </a:t>
+              <a:rPr lang="it-IT" sz="2400">
+                <a:solidFill>
+                  <a:schemeClr val="tx1"/>
+                </a:solidFill>
+                <a:latin typeface="Tahoma" panose="020B0604030504040204" pitchFamily="34" charset="0"/>
+                <a:ea typeface="Tahoma" panose="020B0604030504040204" pitchFamily="34" charset="0"/>
+                <a:cs typeface="Tahoma" panose="020B0604030504040204" pitchFamily="34" charset="0"/>
+              </a:rPr>
+              <a:t>La scalabilità delle piattaforme di cloud permette alle organizzazioni di evitare delle trasformazioni precaricate e di caricare i dati grezzi all'interno del data warehouse, per poi trasformarli in una query successiva, si tratta del modello chiamato </a:t>
+            </a:r>
+            <a:r>
+              <a:rPr lang="it-IT" sz="2400" b="1">
+                <a:solidFill>
+                  <a:schemeClr val="tx1"/>
+                </a:solidFill>
+                <a:latin typeface="Tahoma" panose="020B0604030504040204" pitchFamily="34" charset="0"/>
+                <a:ea typeface="Tahoma" panose="020B0604030504040204" pitchFamily="34" charset="0"/>
+                <a:cs typeface="Tahoma" panose="020B0604030504040204" pitchFamily="34" charset="0"/>
+              </a:rPr>
+              <a:t>ELT</a:t>
+            </a:r>
+            <a:r>
+              <a:rPr lang="it-IT" sz="2400">
+                <a:solidFill>
+                  <a:schemeClr val="tx1"/>
+                </a:solidFill>
+                <a:latin typeface="Tahoma" panose="020B0604030504040204" pitchFamily="34" charset="0"/>
+                <a:ea typeface="Tahoma" panose="020B0604030504040204" pitchFamily="34" charset="0"/>
+                <a:cs typeface="Tahoma" panose="020B0604030504040204" pitchFamily="34" charset="0"/>
+              </a:rPr>
+              <a:t>, dove in pratica la trasformazione viene postposta rispetto all'</a:t>
+            </a:r>
+            <a:r>
+              <a:rPr lang="it-IT" sz="2400" b="1">
+                <a:solidFill>
+                  <a:schemeClr val="tx1"/>
+                </a:solidFill>
+                <a:latin typeface="Tahoma" panose="020B0604030504040204" pitchFamily="34" charset="0"/>
+                <a:ea typeface="Tahoma" panose="020B0604030504040204" pitchFamily="34" charset="0"/>
+                <a:cs typeface="Tahoma" panose="020B0604030504040204" pitchFamily="34" charset="0"/>
+              </a:rPr>
+              <a:t> ETL</a:t>
+            </a:r>
+            <a:r>
+              <a:rPr lang="it-IT" sz="2400">
+                <a:solidFill>
+                  <a:schemeClr val="tx1"/>
+                </a:solidFill>
+                <a:latin typeface="Tahoma" panose="020B0604030504040204" pitchFamily="34" charset="0"/>
+                <a:ea typeface="Tahoma" panose="020B0604030504040204" pitchFamily="34" charset="0"/>
+                <a:cs typeface="Tahoma" panose="020B0604030504040204" pitchFamily="34" charset="0"/>
+              </a:rPr>
+              <a:t>. </a:t>
             </a:r>
           </a:p>
           <a:p>
@@ -10353,89 +10471,113 @@
               <a:buChar char="ü"/>
             </a:pPr>
             <a:r>
-              <a:rPr lang="en-US" sz="2400" b="0" i="0">
-                <a:solidFill>
-                  <a:srgbClr val="555555"/>
-                </a:solidFill>
-                <a:effectLst/>
-                <a:latin typeface="PT Sans" panose="020B0503020203020204" pitchFamily="34" charset="0"/>
-              </a:rPr>
-              <a:t>Data </a:t>
-            </a:r>
-            <a:r>
-              <a:rPr lang="en-US" sz="2400" b="0" i="0" dirty="0">
-                <a:solidFill>
-                  <a:srgbClr val="555555"/>
-                </a:solidFill>
-                <a:effectLst/>
-                <a:latin typeface="PT Sans" panose="020B0503020203020204" pitchFamily="34" charset="0"/>
-              </a:rPr>
-              <a:t>transformation is the process of changing the format, structure, or values of data. For data analytics projects, data may be transformed at two stages of the data pipeline. Organizations that use on-premises data warehouses generally use an ETL (</a:t>
-            </a:r>
-            <a:r>
-              <a:rPr lang="en-US" sz="2400" b="1" i="0" u="none" strike="noStrike" dirty="0">
-                <a:solidFill>
-                  <a:srgbClr val="0675C1"/>
-                </a:solidFill>
-                <a:effectLst/>
-                <a:latin typeface="PT Sans" panose="020B0503020203020204" pitchFamily="34" charset="0"/>
-                <a:hlinkClick r:id="rId2"/>
-              </a:rPr>
-              <a:t>extract, transform, load</a:t>
-            </a:r>
-            <a:r>
-              <a:rPr lang="en-US" sz="2400" b="0" i="0" dirty="0">
-                <a:solidFill>
-                  <a:srgbClr val="555555"/>
-                </a:solidFill>
-                <a:effectLst/>
-                <a:latin typeface="PT Sans" panose="020B0503020203020204" pitchFamily="34" charset="0"/>
-              </a:rPr>
-              <a:t>) process, in which </a:t>
-            </a:r>
-            <a:r>
-              <a:rPr lang="en-US" sz="2400" b="1" i="0" u="none" strike="noStrike" dirty="0">
-                <a:solidFill>
-                  <a:srgbClr val="0675C1"/>
-                </a:solidFill>
-                <a:effectLst/>
-                <a:latin typeface="PT Sans" panose="020B0503020203020204" pitchFamily="34" charset="0"/>
-                <a:hlinkClick r:id="rId3"/>
-              </a:rPr>
-              <a:t>data transformation is the middle step</a:t>
-            </a:r>
-            <a:r>
-              <a:rPr lang="en-US" sz="2400" b="0" i="0" dirty="0">
-                <a:solidFill>
-                  <a:srgbClr val="555555"/>
-                </a:solidFill>
-                <a:effectLst/>
-                <a:latin typeface="PT Sans" panose="020B0503020203020204" pitchFamily="34" charset="0"/>
-              </a:rPr>
-              <a:t>. Today, most organizations use cloud-based data warehouses, which can scale compute and storage resources with latency measured in seconds or minutes. The scalability of the cloud platform lets organizations skip preload transformations and load raw data into the data warehouse, then transform it at query time — a model called ELT ( </a:t>
-            </a:r>
-            <a:r>
-              <a:rPr lang="en-US" sz="2400" b="1" i="0" u="none" strike="noStrike" dirty="0">
-                <a:solidFill>
-                  <a:srgbClr val="0675C1"/>
-                </a:solidFill>
-                <a:effectLst/>
-                <a:latin typeface="PT Sans" panose="020B0503020203020204" pitchFamily="34" charset="0"/>
-                <a:hlinkClick r:id="rId4"/>
-              </a:rPr>
-              <a:t>extract, load, transform)</a:t>
-            </a:r>
-            <a:r>
-              <a:rPr lang="en-US" sz="2400" b="0" i="0" dirty="0">
-                <a:solidFill>
-                  <a:srgbClr val="555555"/>
-                </a:solidFill>
-                <a:effectLst/>
-                <a:latin typeface="PT Sans" panose="020B0503020203020204" pitchFamily="34" charset="0"/>
-              </a:rPr>
-              <a:t>.</a:t>
-            </a:r>
-            <a:endParaRPr lang="it-IT" sz="2400" dirty="0">
+              <a:rPr lang="it-IT" sz="2400">
+                <a:solidFill>
+                  <a:schemeClr val="tx1"/>
+                </a:solidFill>
+                <a:latin typeface="Tahoma" panose="020B0604030504040204" pitchFamily="34" charset="0"/>
+                <a:ea typeface="Tahoma" panose="020B0604030504040204" pitchFamily="34" charset="0"/>
+                <a:cs typeface="Tahoma" panose="020B0604030504040204" pitchFamily="34" charset="0"/>
+              </a:rPr>
+              <a:t>Tutti i seguenti processi implicano la </a:t>
+            </a:r>
+            <a:r>
+              <a:rPr lang="it-IT" sz="2400" b="1">
+                <a:solidFill>
+                  <a:schemeClr val="tx1"/>
+                </a:solidFill>
+                <a:latin typeface="Tahoma" panose="020B0604030504040204" pitchFamily="34" charset="0"/>
+                <a:ea typeface="Tahoma" panose="020B0604030504040204" pitchFamily="34" charset="0"/>
+                <a:cs typeface="Tahoma" panose="020B0604030504040204" pitchFamily="34" charset="0"/>
+              </a:rPr>
+              <a:t>Data Transformation</a:t>
+            </a:r>
+            <a:r>
+              <a:rPr lang="it-IT" sz="2400">
+                <a:solidFill>
+                  <a:schemeClr val="tx1"/>
+                </a:solidFill>
+                <a:latin typeface="Tahoma" panose="020B0604030504040204" pitchFamily="34" charset="0"/>
+                <a:ea typeface="Tahoma" panose="020B0604030504040204" pitchFamily="34" charset="0"/>
+                <a:cs typeface="Tahoma" panose="020B0604030504040204" pitchFamily="34" charset="0"/>
+              </a:rPr>
+              <a:t>: </a:t>
+            </a:r>
+          </a:p>
+          <a:p>
+            <a:pPr marL="1828800" lvl="3" indent="-457200">
+              <a:buFont typeface="+mj-lt"/>
+              <a:buAutoNum type="arabicPeriod"/>
+            </a:pPr>
+            <a:r>
+              <a:rPr lang="it-IT" sz="2200">
+                <a:solidFill>
+                  <a:schemeClr val="tx1"/>
+                </a:solidFill>
+                <a:latin typeface="Tahoma" panose="020B0604030504040204" pitchFamily="34" charset="0"/>
+                <a:ea typeface="Tahoma" panose="020B0604030504040204" pitchFamily="34" charset="0"/>
+                <a:cs typeface="Tahoma" panose="020B0604030504040204" pitchFamily="34" charset="0"/>
+              </a:rPr>
+              <a:t>Data Integration</a:t>
+            </a:r>
+          </a:p>
+          <a:p>
+            <a:pPr marL="1828800" lvl="3" indent="-457200">
+              <a:buFont typeface="+mj-lt"/>
+              <a:buAutoNum type="arabicPeriod"/>
+            </a:pPr>
+            <a:r>
+              <a:rPr lang="it-IT" sz="2200">
+                <a:solidFill>
+                  <a:schemeClr val="tx1"/>
+                </a:solidFill>
+                <a:latin typeface="Tahoma" panose="020B0604030504040204" pitchFamily="34" charset="0"/>
+                <a:ea typeface="Tahoma" panose="020B0604030504040204" pitchFamily="34" charset="0"/>
+                <a:cs typeface="Tahoma" panose="020B0604030504040204" pitchFamily="34" charset="0"/>
+              </a:rPr>
+              <a:t>Data Migration</a:t>
+            </a:r>
+          </a:p>
+          <a:p>
+            <a:pPr marL="1828800" lvl="3" indent="-457200">
+              <a:buFont typeface="+mj-lt"/>
+              <a:buAutoNum type="arabicPeriod"/>
+            </a:pPr>
+            <a:r>
+              <a:rPr lang="it-IT" sz="2200">
+                <a:solidFill>
+                  <a:schemeClr val="tx1"/>
+                </a:solidFill>
+                <a:latin typeface="Tahoma" panose="020B0604030504040204" pitchFamily="34" charset="0"/>
+                <a:ea typeface="Tahoma" panose="020B0604030504040204" pitchFamily="34" charset="0"/>
+                <a:cs typeface="Tahoma" panose="020B0604030504040204" pitchFamily="34" charset="0"/>
+              </a:rPr>
+              <a:t>Data Warehousing</a:t>
+            </a:r>
+          </a:p>
+          <a:p>
+            <a:pPr marL="1828800" lvl="3" indent="-457200">
+              <a:buFont typeface="+mj-lt"/>
+              <a:buAutoNum type="arabicPeriod"/>
+            </a:pPr>
+            <a:r>
+              <a:rPr lang="it-IT" sz="2200">
+                <a:solidFill>
+                  <a:schemeClr val="tx1"/>
+                </a:solidFill>
+                <a:latin typeface="Tahoma" panose="020B0604030504040204" pitchFamily="34" charset="0"/>
+                <a:ea typeface="Tahoma" panose="020B0604030504040204" pitchFamily="34" charset="0"/>
+                <a:cs typeface="Tahoma" panose="020B0604030504040204" pitchFamily="34" charset="0"/>
+              </a:rPr>
+              <a:t>Data Wrangling</a:t>
+            </a:r>
+          </a:p>
+          <a:p>
+            <a:pPr marL="1828800" lvl="3" indent="-457200">
+              <a:buFont typeface="+mj-lt"/>
+              <a:buAutoNum type="arabicPeriod"/>
+            </a:pPr>
+            <a:endParaRPr lang="it-IT" sz="2200">
               <a:solidFill>
                 <a:schemeClr val="tx1"/>
               </a:solidFill>
@@ -10445,6 +10587,10 @@
             </a:endParaRPr>
           </a:p>
           <a:p>
+            <a:pPr marL="342900" indent="-342900">
+              <a:buFont typeface="Wingdings" panose="05000000000000000000" pitchFamily="2" charset="2"/>
+              <a:buChar char="ü"/>
+            </a:pPr>
             <a:endParaRPr lang="it-IT" sz="2400" dirty="0">
               <a:solidFill>
                 <a:schemeClr val="tx1"/>
@@ -10536,7 +10682,7 @@
     </p:spTree>
     <p:extLst>
       <p:ext uri="{BB962C8B-B14F-4D97-AF65-F5344CB8AC3E}">
-        <p14:creationId xmlns:p14="http://schemas.microsoft.com/office/powerpoint/2010/main" val="95832058"/>
+        <p14:creationId xmlns:p14="http://schemas.microsoft.com/office/powerpoint/2010/main" val="737988006"/>
       </p:ext>
     </p:extLst>
   </p:cSld>
@@ -10581,7 +10727,7 @@
         </p:nvSpPr>
         <p:spPr>
           <a:xfrm>
-            <a:off x="326297" y="1213806"/>
+            <a:off x="323469" y="1783288"/>
             <a:ext cx="11518700" cy="4392612"/>
           </a:xfrm>
         </p:spPr>
@@ -10594,59 +10740,37 @@
               <a:buChar char="ü"/>
             </a:pPr>
             <a:r>
-              <a:rPr lang="it-IT" sz="2400" dirty="0">
-                <a:solidFill>
-                  <a:schemeClr val="tx1"/>
-                </a:solidFill>
-                <a:latin typeface="Tahoma" panose="020B0604030504040204" pitchFamily="34" charset="0"/>
-                <a:ea typeface="Tahoma" panose="020B0604030504040204" pitchFamily="34" charset="0"/>
-                <a:cs typeface="Tahoma" panose="020B0604030504040204" pitchFamily="34" charset="0"/>
-              </a:rPr>
-              <a:t>L’Analisi dell’informazione richiede di solito dati accessibili e ben strutturati per ottenere i migliori risultati possibili. La Data </a:t>
-            </a:r>
-            <a:r>
-              <a:rPr lang="it-IT" sz="2400" dirty="0" err="1">
-                <a:solidFill>
-                  <a:schemeClr val="tx1"/>
-                </a:solidFill>
-                <a:latin typeface="Tahoma" panose="020B0604030504040204" pitchFamily="34" charset="0"/>
-                <a:ea typeface="Tahoma" panose="020B0604030504040204" pitchFamily="34" charset="0"/>
-                <a:cs typeface="Tahoma" panose="020B0604030504040204" pitchFamily="34" charset="0"/>
-              </a:rPr>
-              <a:t>Transformation</a:t>
-            </a:r>
-            <a:r>
-              <a:rPr lang="it-IT" sz="2400" dirty="0">
-                <a:solidFill>
-                  <a:schemeClr val="tx1"/>
-                </a:solidFill>
-                <a:latin typeface="Tahoma" panose="020B0604030504040204" pitchFamily="34" charset="0"/>
-                <a:ea typeface="Tahoma" panose="020B0604030504040204" pitchFamily="34" charset="0"/>
-                <a:cs typeface="Tahoma" panose="020B0604030504040204" pitchFamily="34" charset="0"/>
-              </a:rPr>
-              <a:t> rende alle </a:t>
-            </a:r>
-            <a:r>
-              <a:rPr lang="it-IT" sz="2400" dirty="0" err="1">
-                <a:solidFill>
-                  <a:schemeClr val="tx1"/>
-                </a:solidFill>
-                <a:latin typeface="Tahoma" panose="020B0604030504040204" pitchFamily="34" charset="0"/>
-                <a:ea typeface="Tahoma" panose="020B0604030504040204" pitchFamily="34" charset="0"/>
-                <a:cs typeface="Tahoma" panose="020B0604030504040204" pitchFamily="34" charset="0"/>
-              </a:rPr>
-              <a:t>organizziazioni</a:t>
-            </a:r>
-            <a:r>
-              <a:rPr lang="it-IT" sz="2400" dirty="0">
-                <a:solidFill>
-                  <a:schemeClr val="tx1"/>
-                </a:solidFill>
-                <a:latin typeface="Tahoma" panose="020B0604030504040204" pitchFamily="34" charset="0"/>
-                <a:ea typeface="Tahoma" panose="020B0604030504040204" pitchFamily="34" charset="0"/>
-                <a:cs typeface="Tahoma" panose="020B0604030504040204" pitchFamily="34" charset="0"/>
-              </a:rPr>
-              <a:t> possibile l’alterazione della struttura e del formato dei dati grezzi secondo le necessità. La Data Analytics più efficiente deriva anche dal modo in cui l’impresa trasforma i suoi dati. </a:t>
+              <a:rPr lang="it-IT" sz="2400">
+                <a:solidFill>
+                  <a:schemeClr val="tx1"/>
+                </a:solidFill>
+                <a:latin typeface="Tahoma" panose="020B0604030504040204" pitchFamily="34" charset="0"/>
+                <a:ea typeface="Tahoma" panose="020B0604030504040204" pitchFamily="34" charset="0"/>
+                <a:cs typeface="Tahoma" panose="020B0604030504040204" pitchFamily="34" charset="0"/>
+              </a:rPr>
+              <a:t>La </a:t>
+            </a:r>
+            <a:r>
+              <a:rPr lang="it-IT" sz="2400" b="1">
+                <a:solidFill>
+                  <a:schemeClr val="tx1"/>
+                </a:solidFill>
+                <a:latin typeface="Tahoma" panose="020B0604030504040204" pitchFamily="34" charset="0"/>
+                <a:ea typeface="Tahoma" panose="020B0604030504040204" pitchFamily="34" charset="0"/>
+                <a:cs typeface="Tahoma" panose="020B0604030504040204" pitchFamily="34" charset="0"/>
+              </a:rPr>
+              <a:t>Data Integration</a:t>
+            </a:r>
+            <a:r>
+              <a:rPr lang="it-IT" sz="2400">
+                <a:solidFill>
+                  <a:schemeClr val="tx1"/>
+                </a:solidFill>
+                <a:latin typeface="Tahoma" panose="020B0604030504040204" pitchFamily="34" charset="0"/>
+                <a:ea typeface="Tahoma" panose="020B0604030504040204" pitchFamily="34" charset="0"/>
+                <a:cs typeface="Tahoma" panose="020B0604030504040204" pitchFamily="34" charset="0"/>
+              </a:rPr>
+              <a:t> è la combinazione di processi tecnici ed economici usati per combinare dati da diverse sorgenti verso una informazione significativa e preziosa.</a:t>
             </a:r>
           </a:p>
           <a:p>
@@ -10655,15 +10779,59 @@
               <a:buChar char="ü"/>
             </a:pPr>
             <a:r>
-              <a:rPr lang="en-US" sz="2400">
-                <a:solidFill>
-                  <a:schemeClr val="tx1"/>
-                </a:solidFill>
-                <a:latin typeface="Tahoma" panose="020B0604030504040204" pitchFamily="34" charset="0"/>
-                <a:ea typeface="Tahoma" panose="020B0604030504040204" pitchFamily="34" charset="0"/>
-                <a:cs typeface="Tahoma" panose="020B0604030504040204" pitchFamily="34" charset="0"/>
-              </a:rPr>
-              <a:t>Cosa è l'IRI in un RDF</a:t>
+              <a:rPr lang="it-IT" sz="2400">
+                <a:solidFill>
+                  <a:schemeClr val="tx1"/>
+                </a:solidFill>
+                <a:latin typeface="Tahoma" panose="020B0604030504040204" pitchFamily="34" charset="0"/>
+                <a:ea typeface="Tahoma" panose="020B0604030504040204" pitchFamily="34" charset="0"/>
+                <a:cs typeface="Tahoma" panose="020B0604030504040204" pitchFamily="34" charset="0"/>
+              </a:rPr>
+              <a:t>Una soluzione di </a:t>
+            </a:r>
+            <a:r>
+              <a:rPr lang="it-IT" sz="2400" b="1">
+                <a:solidFill>
+                  <a:schemeClr val="tx1"/>
+                </a:solidFill>
+                <a:latin typeface="Tahoma" panose="020B0604030504040204" pitchFamily="34" charset="0"/>
+                <a:ea typeface="Tahoma" panose="020B0604030504040204" pitchFamily="34" charset="0"/>
+                <a:cs typeface="Tahoma" panose="020B0604030504040204" pitchFamily="34" charset="0"/>
+              </a:rPr>
+              <a:t>Data</a:t>
+            </a:r>
+            <a:r>
+              <a:rPr lang="it-IT" sz="2400">
+                <a:solidFill>
+                  <a:schemeClr val="tx1"/>
+                </a:solidFill>
+                <a:latin typeface="Tahoma" panose="020B0604030504040204" pitchFamily="34" charset="0"/>
+                <a:ea typeface="Tahoma" panose="020B0604030504040204" pitchFamily="34" charset="0"/>
+                <a:cs typeface="Tahoma" panose="020B0604030504040204" pitchFamily="34" charset="0"/>
+              </a:rPr>
+              <a:t> </a:t>
+            </a:r>
+            <a:r>
+              <a:rPr lang="it-IT" sz="2400" b="1">
+                <a:solidFill>
+                  <a:schemeClr val="tx1"/>
+                </a:solidFill>
+                <a:latin typeface="Tahoma" panose="020B0604030504040204" pitchFamily="34" charset="0"/>
+                <a:ea typeface="Tahoma" panose="020B0604030504040204" pitchFamily="34" charset="0"/>
+                <a:cs typeface="Tahoma" panose="020B0604030504040204" pitchFamily="34" charset="0"/>
+              </a:rPr>
+              <a:t>Integration</a:t>
+            </a:r>
+            <a:r>
+              <a:rPr lang="it-IT" sz="2400">
+                <a:solidFill>
+                  <a:schemeClr val="tx1"/>
+                </a:solidFill>
+                <a:latin typeface="Tahoma" panose="020B0604030504040204" pitchFamily="34" charset="0"/>
+                <a:ea typeface="Tahoma" panose="020B0604030504040204" pitchFamily="34" charset="0"/>
+                <a:cs typeface="Tahoma" panose="020B0604030504040204" pitchFamily="34" charset="0"/>
+              </a:rPr>
+              <a:t> completa fornisce dati affidabili provenienti da varie sorgenti. </a:t>
             </a:r>
           </a:p>
           <a:p>
@@ -10671,12 +10839,61 @@
               <a:buFont typeface="Wingdings" panose="05000000000000000000" pitchFamily="2" charset="2"/>
               <a:buChar char="ü"/>
             </a:pPr>
-            <a:endParaRPr lang="en-US" sz="2400" dirty="0">
-              <a:solidFill>
-                <a:srgbClr val="555555"/>
-              </a:solidFill>
-              <a:latin typeface="PT Sans" panose="020B0503020203020204" pitchFamily="34" charset="0"/>
-            </a:endParaRPr>
+            <a:r>
+              <a:rPr lang="it-IT" sz="2400">
+                <a:solidFill>
+                  <a:schemeClr val="tx1"/>
+                </a:solidFill>
+                <a:latin typeface="Tahoma" panose="020B0604030504040204" pitchFamily="34" charset="0"/>
+                <a:ea typeface="Tahoma" panose="020B0604030504040204" pitchFamily="34" charset="0"/>
+                <a:cs typeface="Tahoma" panose="020B0604030504040204" pitchFamily="34" charset="0"/>
+              </a:rPr>
+              <a:t>La </a:t>
+            </a:r>
+            <a:r>
+              <a:rPr lang="it-IT" sz="2400" b="1">
+                <a:solidFill>
+                  <a:schemeClr val="tx1"/>
+                </a:solidFill>
+                <a:latin typeface="Tahoma" panose="020B0604030504040204" pitchFamily="34" charset="0"/>
+                <a:ea typeface="Tahoma" panose="020B0604030504040204" pitchFamily="34" charset="0"/>
+                <a:cs typeface="Tahoma" panose="020B0604030504040204" pitchFamily="34" charset="0"/>
+              </a:rPr>
+              <a:t>Data Integration </a:t>
+            </a:r>
+            <a:r>
+              <a:rPr lang="it-IT" sz="2400">
+                <a:solidFill>
+                  <a:schemeClr val="tx1"/>
+                </a:solidFill>
+                <a:latin typeface="Tahoma" panose="020B0604030504040204" pitchFamily="34" charset="0"/>
+                <a:ea typeface="Tahoma" panose="020B0604030504040204" pitchFamily="34" charset="0"/>
+                <a:cs typeface="Tahoma" panose="020B0604030504040204" pitchFamily="34" charset="0"/>
+              </a:rPr>
+              <a:t>combina dati da multipli sistemi distinti in una vista unificata. Questa vista unificata è tipicamente immagazzinata in un repository centrale di dati conosciuto come </a:t>
+            </a:r>
+            <a:r>
+              <a:rPr lang="it-IT" sz="2400" b="1">
+                <a:solidFill>
+                  <a:schemeClr val="tx1"/>
+                </a:solidFill>
+                <a:latin typeface="Tahoma" panose="020B0604030504040204" pitchFamily="34" charset="0"/>
+                <a:ea typeface="Tahoma" panose="020B0604030504040204" pitchFamily="34" charset="0"/>
+                <a:cs typeface="Tahoma" panose="020B0604030504040204" pitchFamily="34" charset="0"/>
+              </a:rPr>
+              <a:t>data warehouse</a:t>
+            </a:r>
+            <a:r>
+              <a:rPr lang="it-IT" sz="2400">
+                <a:solidFill>
+                  <a:schemeClr val="tx1"/>
+                </a:solidFill>
+                <a:latin typeface="Tahoma" panose="020B0604030504040204" pitchFamily="34" charset="0"/>
+                <a:ea typeface="Tahoma" panose="020B0604030504040204" pitchFamily="34" charset="0"/>
+                <a:cs typeface="Tahoma" panose="020B0604030504040204" pitchFamily="34" charset="0"/>
+              </a:rPr>
+              <a:t>. </a:t>
+            </a:r>
           </a:p>
           <a:p>
             <a:pPr marL="342900" indent="-342900">
@@ -10684,138 +10901,38 @@
               <a:buChar char="ü"/>
             </a:pPr>
             <a:r>
-              <a:rPr lang="it-IT" sz="2400" b="0" i="0">
-                <a:solidFill>
-                  <a:srgbClr val="202124"/>
-                </a:solidFill>
-                <a:effectLst/>
-                <a:latin typeface="arial" panose="020B0604020202020204" pitchFamily="34" charset="0"/>
-              </a:rPr>
-              <a:t>Un </a:t>
-            </a:r>
-            <a:r>
-              <a:rPr lang="it-IT" sz="2400" b="1" i="0">
-                <a:solidFill>
-                  <a:srgbClr val="202124"/>
-                </a:solidFill>
-                <a:effectLst/>
-                <a:latin typeface="arial" panose="020B0604020202020204" pitchFamily="34" charset="0"/>
-              </a:rPr>
-              <a:t>URI</a:t>
-            </a:r>
-            <a:r>
-              <a:rPr lang="it-IT" sz="2400" b="0" i="0">
-                <a:solidFill>
-                  <a:srgbClr val="202124"/>
-                </a:solidFill>
-                <a:effectLst/>
-                <a:latin typeface="arial" panose="020B0604020202020204" pitchFamily="34" charset="0"/>
-              </a:rPr>
-              <a:t> può essere classificato come qualcosa che definisce posizioni (</a:t>
-            </a:r>
-            <a:r>
-              <a:rPr lang="it-IT" sz="2400" b="1" i="0">
-                <a:solidFill>
-                  <a:srgbClr val="202124"/>
-                </a:solidFill>
-                <a:effectLst/>
-                <a:latin typeface="arial" panose="020B0604020202020204" pitchFamily="34" charset="0"/>
-              </a:rPr>
-              <a:t>URL</a:t>
-            </a:r>
-            <a:r>
-              <a:rPr lang="it-IT" sz="2400" b="0" i="0">
-                <a:solidFill>
-                  <a:srgbClr val="202124"/>
-                </a:solidFill>
-                <a:effectLst/>
-                <a:latin typeface="arial" panose="020B0604020202020204" pitchFamily="34" charset="0"/>
-              </a:rPr>
-              <a:t>) o nomi (URN) o entrambi. Un </a:t>
-            </a:r>
-            <a:r>
-              <a:rPr lang="it-IT" sz="2400" b="1" i="0">
-                <a:solidFill>
-                  <a:srgbClr val="202124"/>
-                </a:solidFill>
-                <a:effectLst/>
-                <a:latin typeface="arial" panose="020B0604020202020204" pitchFamily="34" charset="0"/>
-              </a:rPr>
-              <a:t>URL</a:t>
-            </a:r>
-            <a:r>
-              <a:rPr lang="it-IT" sz="2400" b="0" i="0">
-                <a:solidFill>
-                  <a:srgbClr val="202124"/>
-                </a:solidFill>
-                <a:effectLst/>
-                <a:latin typeface="arial" panose="020B0604020202020204" pitchFamily="34" charset="0"/>
-              </a:rPr>
-              <a:t> (Uniform Resource Locator) </a:t>
-            </a:r>
-            <a:r>
-              <a:rPr lang="it-IT" sz="2400" b="1" i="0">
-                <a:solidFill>
-                  <a:srgbClr val="202124"/>
-                </a:solidFill>
-                <a:effectLst/>
-                <a:latin typeface="arial" panose="020B0604020202020204" pitchFamily="34" charset="0"/>
-              </a:rPr>
-              <a:t>è</a:t>
-            </a:r>
-            <a:r>
-              <a:rPr lang="it-IT" sz="2400" b="0" i="0">
-                <a:solidFill>
-                  <a:srgbClr val="202124"/>
-                </a:solidFill>
-                <a:effectLst/>
-                <a:latin typeface="arial" panose="020B0604020202020204" pitchFamily="34" charset="0"/>
-              </a:rPr>
-              <a:t> un </a:t>
-            </a:r>
-            <a:r>
-              <a:rPr lang="it-IT" sz="2400" b="1" i="0">
-                <a:solidFill>
-                  <a:srgbClr val="202124"/>
-                </a:solidFill>
-                <a:effectLst/>
-                <a:latin typeface="arial" panose="020B0604020202020204" pitchFamily="34" charset="0"/>
-              </a:rPr>
-              <a:t>URI</a:t>
-            </a:r>
-            <a:r>
-              <a:rPr lang="it-IT" sz="2400" b="0" i="0">
-                <a:solidFill>
-                  <a:srgbClr val="202124"/>
-                </a:solidFill>
-                <a:effectLst/>
-                <a:latin typeface="arial" panose="020B0604020202020204" pitchFamily="34" charset="0"/>
-              </a:rPr>
-              <a:t> che identifica una risorsa tramite la sua "collocazione" ("location") in un grafo. Di fatto, non identifica la risorsa per nome, ma con il modo con cui la si può reperire.</a:t>
-            </a:r>
-          </a:p>
-          <a:p>
-            <a:pPr marL="342900" indent="-342900">
-              <a:buFont typeface="Wingdings" panose="05000000000000000000" pitchFamily="2" charset="2"/>
-              <a:buChar char="ü"/>
-            </a:pPr>
-            <a:endParaRPr lang="it-IT" sz="2400">
-              <a:solidFill>
-                <a:srgbClr val="202124"/>
-              </a:solidFill>
-              <a:latin typeface="arial" panose="020B0604020202020204" pitchFamily="34" charset="0"/>
-            </a:endParaRPr>
-          </a:p>
-          <a:p>
-            <a:pPr algn="l"/>
-            <a:endParaRPr lang="it-IT" sz="2400" dirty="0">
-              <a:solidFill>
-                <a:schemeClr val="tx1"/>
-              </a:solidFill>
-              <a:latin typeface="Tahoma" panose="020B0604030504040204" pitchFamily="34" charset="0"/>
-              <a:ea typeface="Tahoma" panose="020B0604030504040204" pitchFamily="34" charset="0"/>
-              <a:cs typeface="Tahoma" panose="020B0604030504040204" pitchFamily="34" charset="0"/>
-            </a:endParaRPr>
+              <a:rPr lang="it-IT" sz="2400">
+                <a:solidFill>
+                  <a:schemeClr val="tx1"/>
+                </a:solidFill>
+                <a:latin typeface="Tahoma" panose="020B0604030504040204" pitchFamily="34" charset="0"/>
+                <a:ea typeface="Tahoma" panose="020B0604030504040204" pitchFamily="34" charset="0"/>
+                <a:cs typeface="Tahoma" panose="020B0604030504040204" pitchFamily="34" charset="0"/>
+              </a:rPr>
+              <a:t>La </a:t>
+            </a:r>
+            <a:r>
+              <a:rPr lang="it-IT" sz="2400" b="1">
+                <a:solidFill>
+                  <a:schemeClr val="tx1"/>
+                </a:solidFill>
+                <a:latin typeface="Tahoma" panose="020B0604030504040204" pitchFamily="34" charset="0"/>
+                <a:ea typeface="Tahoma" panose="020B0604030504040204" pitchFamily="34" charset="0"/>
+                <a:cs typeface="Tahoma" panose="020B0604030504040204" pitchFamily="34" charset="0"/>
+              </a:rPr>
+              <a:t>Data Integration </a:t>
+            </a:r>
+            <a:r>
+              <a:rPr lang="it-IT" sz="2400">
+                <a:solidFill>
+                  <a:schemeClr val="tx1"/>
+                </a:solidFill>
+                <a:latin typeface="Tahoma" panose="020B0604030504040204" pitchFamily="34" charset="0"/>
+                <a:ea typeface="Tahoma" panose="020B0604030504040204" pitchFamily="34" charset="0"/>
+                <a:cs typeface="Tahoma" panose="020B0604030504040204" pitchFamily="34" charset="0"/>
+              </a:rPr>
+              <a:t>è spesso un prerequisito per altri processi che includono, analisi, reportistica e predizione. </a:t>
+            </a:r>
           </a:p>
         </p:txBody>
       </p:sp>
@@ -10882,7 +10999,7 @@
           <a:p>
             <a:r>
               <a:rPr lang="it-IT" altLang="it-IT"/>
-              <a:t>RDF</a:t>
+              <a:t>Processi collegati alla Data Transformation: Data Integration</a:t>
             </a:r>
             <a:endParaRPr lang="it-IT" dirty="0"/>
           </a:p>
@@ -10891,7 +11008,7 @@
     </p:spTree>
     <p:extLst>
       <p:ext uri="{BB962C8B-B14F-4D97-AF65-F5344CB8AC3E}">
-        <p14:creationId xmlns:p14="http://schemas.microsoft.com/office/powerpoint/2010/main" val="2116990933"/>
+        <p14:creationId xmlns:p14="http://schemas.microsoft.com/office/powerpoint/2010/main" val="2936075846"/>
       </p:ext>
     </p:extLst>
   </p:cSld>
@@ -10936,50 +11053,109 @@
         </p:nvSpPr>
         <p:spPr>
           <a:xfrm>
-            <a:off x="326297" y="1213806"/>
+            <a:off x="328157" y="1446404"/>
             <a:ext cx="11518700" cy="4392612"/>
           </a:xfrm>
         </p:spPr>
         <p:txBody>
           <a:bodyPr/>
           <a:lstStyle/>
-          <a:p>
-            <a:pPr algn="l"/>
-            <a:r>
-              <a:rPr lang="en-US" sz="2400" b="0" i="0">
-                <a:solidFill>
-                  <a:srgbClr val="4E4B49"/>
-                </a:solidFill>
-                <a:effectLst/>
-                <a:latin typeface="-apple-system"/>
-              </a:rPr>
-              <a:t>turtleDB is a framework for developers to build offline-first, collaborative web apps. It provides a user-friendly API for developers, empowering them with the ability to create apps with in-browser storage, effective server synchronization, document versioning, and flexible conflict resolution for any document data.</a:t>
-            </a:r>
-          </a:p>
-          <a:p>
-            <a:pPr algn="l"/>
-            <a:r>
-              <a:rPr lang="en-US" sz="2400" b="0" i="0">
-                <a:solidFill>
-                  <a:srgbClr val="4E4B49"/>
-                </a:solidFill>
-                <a:effectLst/>
-                <a:latin typeface="-apple-system"/>
-              </a:rPr>
-              <a:t>Web applications will work seamlessly online or offline, and developers can leave the backend to turtleDB - it will handle all data synchronization and conflict resolution between users. Works with MongoDB out of the box!</a:t>
-            </a:r>
-          </a:p>
           <a:p>
             <a:pPr marL="342900" indent="-342900">
               <a:buFont typeface="Wingdings" panose="05000000000000000000" pitchFamily="2" charset="2"/>
               <a:buChar char="ü"/>
             </a:pPr>
-            <a:endParaRPr lang="en-US" sz="2400" b="0" i="0" dirty="0">
+            <a:r>
+              <a:rPr lang="it-IT" sz="2400">
+                <a:solidFill>
+                  <a:schemeClr val="tx1"/>
+                </a:solidFill>
+                <a:latin typeface="Tahoma" panose="020B0604030504040204" pitchFamily="34" charset="0"/>
+                <a:ea typeface="Tahoma" panose="020B0604030504040204" pitchFamily="34" charset="0"/>
+                <a:cs typeface="Tahoma" panose="020B0604030504040204" pitchFamily="34" charset="0"/>
+              </a:rPr>
+              <a:t>La </a:t>
+            </a:r>
+            <a:r>
+              <a:rPr lang="it-IT" sz="2400" b="1">
+                <a:solidFill>
+                  <a:schemeClr val="tx1"/>
+                </a:solidFill>
+                <a:latin typeface="Tahoma" panose="020B0604030504040204" pitchFamily="34" charset="0"/>
+                <a:ea typeface="Tahoma" panose="020B0604030504040204" pitchFamily="34" charset="0"/>
+                <a:cs typeface="Tahoma" panose="020B0604030504040204" pitchFamily="34" charset="0"/>
+              </a:rPr>
+              <a:t>Data Integration </a:t>
+            </a:r>
+            <a:r>
+              <a:rPr lang="it-IT" sz="2400">
+                <a:solidFill>
+                  <a:schemeClr val="tx1"/>
+                </a:solidFill>
+                <a:latin typeface="Tahoma" panose="020B0604030504040204" pitchFamily="34" charset="0"/>
+                <a:ea typeface="Tahoma" panose="020B0604030504040204" pitchFamily="34" charset="0"/>
+                <a:cs typeface="Tahoma" panose="020B0604030504040204" pitchFamily="34" charset="0"/>
+              </a:rPr>
+              <a:t>supporta l'elaborazione analitica di grandi dataset mediante allineamento, combinazione e presentazione dei data set provenienti da dipartimenti organizzativi e sorgenti esterne remote al fine di soddisfare gli obiettivi dell'integrazione. </a:t>
+            </a:r>
+          </a:p>
+          <a:p>
+            <a:pPr marL="342900" indent="-342900">
+              <a:buFont typeface="Wingdings" panose="05000000000000000000" pitchFamily="2" charset="2"/>
+              <a:buChar char="ü"/>
+            </a:pPr>
+            <a:r>
+              <a:rPr lang="it-IT" sz="2400">
+                <a:solidFill>
+                  <a:schemeClr val="tx1"/>
+                </a:solidFill>
+                <a:latin typeface="Tahoma" panose="020B0604030504040204" pitchFamily="34" charset="0"/>
+                <a:ea typeface="Tahoma" panose="020B0604030504040204" pitchFamily="34" charset="0"/>
+                <a:cs typeface="Tahoma" panose="020B0604030504040204" pitchFamily="34" charset="0"/>
+              </a:rPr>
+              <a:t>Per esempio, un data set completo appartenente ad un utente potrebbe includere dati estratti e combinati dai reparti di marketing, vendite e operazioni in generale. Questo dataset può essere combinato in un modo tale che esso può essere reso consistente, completo, aggiornato e con informazioni corrette per la reportistica di business e analisi. </a:t>
+            </a:r>
+          </a:p>
+          <a:p>
+            <a:pPr marL="342900" indent="-342900">
+              <a:buFont typeface="Wingdings" panose="05000000000000000000" pitchFamily="2" charset="2"/>
+              <a:buChar char="ü"/>
+            </a:pPr>
+            <a:r>
+              <a:rPr lang="it-IT" sz="2400">
+                <a:solidFill>
+                  <a:schemeClr val="tx1"/>
+                </a:solidFill>
+                <a:latin typeface="Tahoma" panose="020B0604030504040204" pitchFamily="34" charset="0"/>
+                <a:ea typeface="Tahoma" panose="020B0604030504040204" pitchFamily="34" charset="0"/>
+                <a:cs typeface="Tahoma" panose="020B0604030504040204" pitchFamily="34" charset="0"/>
+              </a:rPr>
+              <a:t>I sistemi sorgente possono essere vari tipi dispositivi </a:t>
+            </a:r>
+          </a:p>
+          <a:p>
+            <a:pPr marL="342900" indent="-342900">
+              <a:buFont typeface="Wingdings" panose="05000000000000000000" pitchFamily="2" charset="2"/>
+              <a:buChar char="ü"/>
+            </a:pPr>
+            <a:r>
+              <a:rPr lang="it-IT" sz="2400">
+                <a:solidFill>
+                  <a:schemeClr val="tx1"/>
+                </a:solidFill>
+                <a:latin typeface="Tahoma" panose="020B0604030504040204" pitchFamily="34" charset="0"/>
+                <a:ea typeface="Tahoma" panose="020B0604030504040204" pitchFamily="34" charset="0"/>
+                <a:cs typeface="Tahoma" panose="020B0604030504040204" pitchFamily="34" charset="0"/>
+              </a:rPr>
+              <a:t>I dati sorgente possono essere di vari formati differenti. </a:t>
+            </a:r>
+            <a:endParaRPr lang="it-IT" sz="2400" dirty="0">
               <a:solidFill>
-                <a:srgbClr val="555555"/>
+                <a:schemeClr val="tx1"/>
               </a:solidFill>
-              <a:effectLst/>
-              <a:latin typeface="PT Sans" panose="020B0503020203020204" pitchFamily="34" charset="0"/>
+              <a:latin typeface="Tahoma" panose="020B0604030504040204" pitchFamily="34" charset="0"/>
+              <a:ea typeface="Tahoma" panose="020B0604030504040204" pitchFamily="34" charset="0"/>
+              <a:cs typeface="Tahoma" panose="020B0604030504040204" pitchFamily="34" charset="0"/>
             </a:endParaRPr>
           </a:p>
         </p:txBody>
@@ -11046,8 +11222,8 @@
           <a:lstStyle/>
           <a:p>
             <a:r>
-              <a:rPr lang="it-IT"/>
-              <a:t>TurtleDB e Triplestore</a:t>
+              <a:rPr lang="it-IT" altLang="it-IT"/>
+              <a:t>Processi collegati alla Data Transformation: Data Integration</a:t>
             </a:r>
             <a:endParaRPr lang="it-IT" dirty="0"/>
           </a:p>
@@ -11056,7 +11232,7 @@
     </p:spTree>
     <p:extLst>
       <p:ext uri="{BB962C8B-B14F-4D97-AF65-F5344CB8AC3E}">
-        <p14:creationId xmlns:p14="http://schemas.microsoft.com/office/powerpoint/2010/main" val="3360116521"/>
+        <p14:creationId xmlns:p14="http://schemas.microsoft.com/office/powerpoint/2010/main" val="4073785376"/>
       </p:ext>
     </p:extLst>
   </p:cSld>
@@ -11085,6 +11261,145 @@
       </p:grpSpPr>
       <p:sp>
         <p:nvSpPr>
+          <p:cNvPr id="2" name="Segnaposto testo 1">
+            <a:extLst>
+              <a:ext uri="{FF2B5EF4-FFF2-40B4-BE49-F238E27FC236}">
+                <a16:creationId xmlns:a16="http://schemas.microsoft.com/office/drawing/2014/main" id="{E5AE986C-196F-4141-A898-FA4C4198CDCC}"/>
+              </a:ext>
+            </a:extLst>
+          </p:cNvPr>
+          <p:cNvSpPr>
+            <a:spLocks noGrp="1"/>
+          </p:cNvSpPr>
+          <p:nvPr>
+            <p:ph type="body" idx="1"/>
+          </p:nvPr>
+        </p:nvSpPr>
+        <p:spPr>
+          <a:xfrm>
+            <a:off x="328157" y="1446404"/>
+            <a:ext cx="11518700" cy="4392612"/>
+          </a:xfrm>
+        </p:spPr>
+        <p:txBody>
+          <a:bodyPr/>
+          <a:lstStyle/>
+          <a:p>
+            <a:pPr marL="342900" indent="-342900">
+              <a:buFont typeface="Wingdings" panose="05000000000000000000" pitchFamily="2" charset="2"/>
+              <a:buChar char="ü"/>
+            </a:pPr>
+            <a:r>
+              <a:rPr lang="it-IT" sz="2400">
+                <a:solidFill>
+                  <a:schemeClr val="tx1"/>
+                </a:solidFill>
+                <a:latin typeface="Tahoma" panose="020B0604030504040204" pitchFamily="34" charset="0"/>
+                <a:ea typeface="Tahoma" panose="020B0604030504040204" pitchFamily="34" charset="0"/>
+                <a:cs typeface="Tahoma" panose="020B0604030504040204" pitchFamily="34" charset="0"/>
+              </a:rPr>
+              <a:t>La </a:t>
+            </a:r>
+            <a:r>
+              <a:rPr lang="it-IT" sz="2400" b="1">
+                <a:solidFill>
+                  <a:schemeClr val="tx1"/>
+                </a:solidFill>
+                <a:latin typeface="Tahoma" panose="020B0604030504040204" pitchFamily="34" charset="0"/>
+                <a:ea typeface="Tahoma" panose="020B0604030504040204" pitchFamily="34" charset="0"/>
+                <a:cs typeface="Tahoma" panose="020B0604030504040204" pitchFamily="34" charset="0"/>
+              </a:rPr>
+              <a:t>Data Migration </a:t>
+            </a:r>
+            <a:r>
+              <a:rPr lang="it-IT" sz="2400">
+                <a:solidFill>
+                  <a:schemeClr val="tx1"/>
+                </a:solidFill>
+                <a:latin typeface="Tahoma" panose="020B0604030504040204" pitchFamily="34" charset="0"/>
+                <a:ea typeface="Tahoma" panose="020B0604030504040204" pitchFamily="34" charset="0"/>
+                <a:cs typeface="Tahoma" panose="020B0604030504040204" pitchFamily="34" charset="0"/>
+              </a:rPr>
+              <a:t>è il processo di selezione, preparazione, estrazione, trasformazione e trasferimento permanente dei dati da uno storage di un computer ad un altro. </a:t>
+            </a:r>
+          </a:p>
+          <a:p>
+            <a:pPr marL="342900" indent="-342900">
+              <a:buFont typeface="Wingdings" panose="05000000000000000000" pitchFamily="2" charset="2"/>
+              <a:buChar char="ü"/>
+            </a:pPr>
+            <a:r>
+              <a:rPr lang="it-IT" sz="2400">
+                <a:solidFill>
+                  <a:schemeClr val="tx1"/>
+                </a:solidFill>
+                <a:latin typeface="Tahoma" panose="020B0604030504040204" pitchFamily="34" charset="0"/>
+                <a:ea typeface="Tahoma" panose="020B0604030504040204" pitchFamily="34" charset="0"/>
+                <a:cs typeface="Tahoma" panose="020B0604030504040204" pitchFamily="34" charset="0"/>
+              </a:rPr>
+              <a:t>Mentre la </a:t>
+            </a:r>
+            <a:r>
+              <a:rPr lang="it-IT" sz="2400" b="1">
+                <a:solidFill>
+                  <a:schemeClr val="tx1"/>
+                </a:solidFill>
+                <a:latin typeface="Tahoma" panose="020B0604030504040204" pitchFamily="34" charset="0"/>
+                <a:ea typeface="Tahoma" panose="020B0604030504040204" pitchFamily="34" charset="0"/>
+                <a:cs typeface="Tahoma" panose="020B0604030504040204" pitchFamily="34" charset="0"/>
+              </a:rPr>
+              <a:t>Data Integration</a:t>
+            </a:r>
+            <a:r>
+              <a:rPr lang="it-IT" sz="2400">
+                <a:solidFill>
+                  <a:schemeClr val="tx1"/>
+                </a:solidFill>
+                <a:latin typeface="Tahoma" panose="020B0604030504040204" pitchFamily="34" charset="0"/>
+                <a:ea typeface="Tahoma" panose="020B0604030504040204" pitchFamily="34" charset="0"/>
+                <a:cs typeface="Tahoma" panose="020B0604030504040204" pitchFamily="34" charset="0"/>
+              </a:rPr>
+              <a:t> implica la collezione dei dati da sorgenti differenti fuori da un organizzazione di analisi, la migrazione si riferisce allo spostamento di dati già immagazzinati all'interno di diversi sistemi. </a:t>
+            </a:r>
+          </a:p>
+          <a:p>
+            <a:pPr marL="342900" indent="-342900">
+              <a:buFont typeface="Wingdings" panose="05000000000000000000" pitchFamily="2" charset="2"/>
+              <a:buChar char="ü"/>
+            </a:pPr>
+            <a:r>
+              <a:rPr lang="it-IT" sz="2400">
+                <a:solidFill>
+                  <a:schemeClr val="tx1"/>
+                </a:solidFill>
+                <a:latin typeface="Tahoma" panose="020B0604030504040204" pitchFamily="34" charset="0"/>
+                <a:ea typeface="Tahoma" panose="020B0604030504040204" pitchFamily="34" charset="0"/>
+                <a:cs typeface="Tahoma" panose="020B0604030504040204" pitchFamily="34" charset="0"/>
+              </a:rPr>
+              <a:t>Le società tipicamente migrano i dati quando devono implementare un nuovo sistema o devono fondere il vecchio con un nuovo ambiente. Le tecniche di migraizone sono spesso eseguite da un insieme di programmi o script automatizzati che automaticamente trasferiscono i dati. </a:t>
+            </a:r>
+          </a:p>
+          <a:p>
+            <a:pPr marL="342900" indent="-342900">
+              <a:buFont typeface="Wingdings" panose="05000000000000000000" pitchFamily="2" charset="2"/>
+              <a:buChar char="ü"/>
+            </a:pPr>
+            <a:r>
+              <a:rPr lang="it-IT" sz="2400">
+                <a:solidFill>
+                  <a:schemeClr val="tx1"/>
+                </a:solidFill>
+                <a:latin typeface="Tahoma" panose="020B0604030504040204" pitchFamily="34" charset="0"/>
+                <a:ea typeface="Tahoma" panose="020B0604030504040204" pitchFamily="34" charset="0"/>
+                <a:cs typeface="Tahoma" panose="020B0604030504040204" pitchFamily="34" charset="0"/>
+              </a:rPr>
+              <a:t>Addizionalmente, la validazione dei dati migrati </a:t>
+            </a:r>
+          </a:p>
+        </p:txBody>
+      </p:sp>
+      <p:sp>
+        <p:nvSpPr>
           <p:cNvPr id="7" name="Segnaposto numero diapositiva 6">
             <a:extLst>
               <a:ext uri="{FF2B5EF4-FFF2-40B4-BE49-F238E27FC236}">
@@ -11146,18 +11461,48 @@
           <a:p>
             <a:r>
               <a:rPr lang="it-IT" altLang="it-IT"/>
-              <a:t>Bibliografia</a:t>
+              <a:t>Processi collegati alla Data Transformation: Data Migration</a:t>
             </a:r>
             <a:endParaRPr lang="it-IT" dirty="0"/>
           </a:p>
         </p:txBody>
       </p:sp>
-      <p:sp>
-        <p:nvSpPr>
-          <p:cNvPr id="3" name="Segnaposto testo 2">
-            <a:extLst>
-              <a:ext uri="{FF2B5EF4-FFF2-40B4-BE49-F238E27FC236}">
-                <a16:creationId xmlns:a16="http://schemas.microsoft.com/office/drawing/2014/main" id="{15CD42DB-61E6-AA3D-7125-BF4BEDB5D886}"/>
+    </p:spTree>
+    <p:extLst>
+      <p:ext uri="{BB962C8B-B14F-4D97-AF65-F5344CB8AC3E}">
+        <p14:creationId xmlns:p14="http://schemas.microsoft.com/office/powerpoint/2010/main" val="1806220608"/>
+      </p:ext>
+    </p:extLst>
+  </p:cSld>
+  <p:clrMapOvr>
+    <a:masterClrMapping/>
+  </p:clrMapOvr>
+</p:sld>
+</file>
+
+<file path=ppt/slides/slide25.xml><?xml version="1.0" encoding="utf-8"?>
+<p:sld xmlns:a="http://schemas.openxmlformats.org/drawingml/2006/main" xmlns:r="http://schemas.openxmlformats.org/officeDocument/2006/relationships" xmlns:p="http://schemas.openxmlformats.org/presentationml/2006/main">
+  <p:cSld>
+    <p:spTree>
+      <p:nvGrpSpPr>
+        <p:cNvPr id="1" name=""/>
+        <p:cNvGrpSpPr/>
+        <p:nvPr/>
+      </p:nvGrpSpPr>
+      <p:grpSpPr>
+        <a:xfrm>
+          <a:off x="0" y="0"/>
+          <a:ext cx="0" cy="0"/>
+          <a:chOff x="0" y="0"/>
+          <a:chExt cx="0" cy="0"/>
+        </a:xfrm>
+      </p:grpSpPr>
+      <p:sp>
+        <p:nvSpPr>
+          <p:cNvPr id="2" name="Segnaposto testo 1">
+            <a:extLst>
+              <a:ext uri="{FF2B5EF4-FFF2-40B4-BE49-F238E27FC236}">
+                <a16:creationId xmlns:a16="http://schemas.microsoft.com/office/drawing/2014/main" id="{E5AE986C-196F-4141-A898-FA4C4198CDCC}"/>
               </a:ext>
             </a:extLst>
           </p:cNvPr>
@@ -11170,55 +11515,1393 @@
         </p:nvSpPr>
         <p:spPr>
           <a:xfrm>
-            <a:off x="477519" y="1557338"/>
-            <a:ext cx="11043921" cy="4392612"/>
+            <a:off x="328157" y="1446404"/>
+            <a:ext cx="8334580" cy="4392612"/>
           </a:xfrm>
         </p:spPr>
         <p:txBody>
           <a:bodyPr/>
           <a:lstStyle/>
           <a:p>
-            <a:r>
-              <a:rPr lang="it-IT" dirty="0">
-                <a:hlinkClick r:id="rId2"/>
-              </a:rPr>
-              <a:t>https://www.stitchdata.com/resources</a:t>
-            </a:r>
-            <a:r>
-              <a:rPr lang="it-IT">
-                <a:hlinkClick r:id="rId2"/>
-              </a:rPr>
-              <a:t>/data-transformation</a:t>
-            </a:r>
-            <a:endParaRPr lang="it-IT"/>
-          </a:p>
-          <a:p>
-            <a:endParaRPr lang="it-IT"/>
-          </a:p>
-          <a:p>
-            <a:r>
-              <a:rPr lang="it-IT">
-                <a:hlinkClick r:id="rId3"/>
-              </a:rPr>
-              <a:t>https://www.ibm.com/cloud/learn/data-warehouse#:~:text=A%20data%20warehouse%2C%20or%20enterprise,AI)%2C%20and%20machine%20learning</a:t>
-            </a:r>
-            <a:r>
-              <a:rPr lang="it-IT"/>
-              <a:t>.</a:t>
-            </a:r>
-          </a:p>
-          <a:p>
+            <a:pPr marL="342900" indent="-342900">
+              <a:buFont typeface="Wingdings" panose="05000000000000000000" pitchFamily="2" charset="2"/>
+              <a:buChar char="ü"/>
+            </a:pPr>
+            <a:r>
+              <a:rPr lang="it-IT" sz="2400">
+                <a:solidFill>
+                  <a:schemeClr val="tx1"/>
+                </a:solidFill>
+                <a:latin typeface="Tahoma" panose="020B0604030504040204" pitchFamily="34" charset="0"/>
+                <a:ea typeface="Tahoma" panose="020B0604030504040204" pitchFamily="34" charset="0"/>
+                <a:cs typeface="Tahoma" panose="020B0604030504040204" pitchFamily="34" charset="0"/>
+              </a:rPr>
+              <a:t>Addizionalmente, la validazione dei dati migrati per completezza e il decomissionamento dei data storage di tipo legacy (obsoleti) sono considerati fasi integranti del processo di migrazione dei dati. </a:t>
+            </a:r>
+          </a:p>
+          <a:p>
+            <a:pPr marL="342900" indent="-342900">
+              <a:buFont typeface="Wingdings" panose="05000000000000000000" pitchFamily="2" charset="2"/>
+              <a:buChar char="ü"/>
+            </a:pPr>
+            <a:r>
+              <a:rPr lang="it-IT" sz="2400">
+                <a:solidFill>
+                  <a:schemeClr val="tx1"/>
+                </a:solidFill>
+                <a:latin typeface="Tahoma" panose="020B0604030504040204" pitchFamily="34" charset="0"/>
+                <a:ea typeface="Tahoma" panose="020B0604030504040204" pitchFamily="34" charset="0"/>
+                <a:cs typeface="Tahoma" panose="020B0604030504040204" pitchFamily="34" charset="0"/>
+              </a:rPr>
+              <a:t>Tuttavia, "</a:t>
+            </a:r>
+            <a:r>
+              <a:rPr lang="it-IT" sz="2400" b="1">
+                <a:solidFill>
+                  <a:schemeClr val="tx1"/>
+                </a:solidFill>
+                <a:latin typeface="Tahoma" panose="020B0604030504040204" pitchFamily="34" charset="0"/>
+                <a:ea typeface="Tahoma" panose="020B0604030504040204" pitchFamily="34" charset="0"/>
+                <a:cs typeface="Tahoma" panose="020B0604030504040204" pitchFamily="34" charset="0"/>
+              </a:rPr>
+              <a:t>trasferire</a:t>
+            </a:r>
+            <a:r>
+              <a:rPr lang="it-IT" sz="2400">
+                <a:solidFill>
+                  <a:schemeClr val="tx1"/>
+                </a:solidFill>
+                <a:latin typeface="Tahoma" panose="020B0604030504040204" pitchFamily="34" charset="0"/>
+                <a:ea typeface="Tahoma" panose="020B0604030504040204" pitchFamily="34" charset="0"/>
+                <a:cs typeface="Tahoma" panose="020B0604030504040204" pitchFamily="34" charset="0"/>
+              </a:rPr>
+              <a:t>" non è il solo aspetto della metodologia di migrazione dei dati. Se il dato è vario e diversificato, il processo di migrazione include anche operazioni di mapping e trasformazione tra sorgente dei dati e destinazione. </a:t>
+            </a:r>
+          </a:p>
+          <a:p>
+            <a:pPr marL="342900" indent="-342900">
+              <a:buFont typeface="Wingdings" panose="05000000000000000000" pitchFamily="2" charset="2"/>
+              <a:buChar char="ü"/>
+            </a:pPr>
+            <a:r>
+              <a:rPr lang="it-IT" sz="2400">
+                <a:solidFill>
+                  <a:schemeClr val="tx1"/>
+                </a:solidFill>
+                <a:latin typeface="Tahoma" panose="020B0604030504040204" pitchFamily="34" charset="0"/>
+                <a:ea typeface="Tahoma" panose="020B0604030504040204" pitchFamily="34" charset="0"/>
+                <a:cs typeface="Tahoma" panose="020B0604030504040204" pitchFamily="34" charset="0"/>
+              </a:rPr>
+              <a:t>Il tasso di successo di qualsiasi progetto di migrazione dati è direttamente dipendente dalla diversità, volume e qualità dei dati che devono essere trasferiti. </a:t>
+            </a:r>
+          </a:p>
+          <a:p>
+            <a:pPr marL="342900" indent="-342900">
+              <a:buFont typeface="Wingdings" panose="05000000000000000000" pitchFamily="2" charset="2"/>
+              <a:buChar char="ü"/>
+            </a:pPr>
+            <a:endParaRPr lang="it-IT" sz="2400">
+              <a:solidFill>
+                <a:schemeClr val="tx1"/>
+              </a:solidFill>
+              <a:latin typeface="Tahoma" panose="020B0604030504040204" pitchFamily="34" charset="0"/>
+              <a:ea typeface="Tahoma" panose="020B0604030504040204" pitchFamily="34" charset="0"/>
+              <a:cs typeface="Tahoma" panose="020B0604030504040204" pitchFamily="34" charset="0"/>
+            </a:endParaRPr>
+          </a:p>
+        </p:txBody>
+      </p:sp>
+      <p:sp>
+        <p:nvSpPr>
+          <p:cNvPr id="7" name="Segnaposto numero diapositiva 6">
+            <a:extLst>
+              <a:ext uri="{FF2B5EF4-FFF2-40B4-BE49-F238E27FC236}">
+                <a16:creationId xmlns:a16="http://schemas.microsoft.com/office/drawing/2014/main" id="{AB740BE9-E218-4144-BFDE-AE473D230A3D}"/>
+              </a:ext>
+            </a:extLst>
+          </p:cNvPr>
+          <p:cNvSpPr>
+            <a:spLocks noGrp="1"/>
+          </p:cNvSpPr>
+          <p:nvPr>
+            <p:ph type="sldNum" sz="quarter" idx="12"/>
+          </p:nvPr>
+        </p:nvSpPr>
+        <p:spPr/>
+        <p:txBody>
+          <a:bodyPr/>
+          <a:lstStyle/>
+          <a:p>
+            <a:pPr>
+              <a:defRPr/>
+            </a:pPr>
+            <a:fld id="{48B4153A-D4C5-4CEF-8992-0D8815C829E3}" type="slidenum">
+              <a:rPr lang="en-US" smtClean="0"/>
+              <a:pPr>
+                <a:defRPr/>
+              </a:pPr>
+              <a:t>25</a:t>
+            </a:fld>
+            <a:endParaRPr lang="en-US" dirty="0"/>
+          </a:p>
+        </p:txBody>
+      </p:sp>
+      <p:sp>
+        <p:nvSpPr>
+          <p:cNvPr id="5" name="Titolo 4">
+            <a:extLst>
+              <a:ext uri="{FF2B5EF4-FFF2-40B4-BE49-F238E27FC236}">
+                <a16:creationId xmlns:a16="http://schemas.microsoft.com/office/drawing/2014/main" id="{82C46BA2-B380-4357-B125-BA9F08A643F5}"/>
+              </a:ext>
+            </a:extLst>
+          </p:cNvPr>
+          <p:cNvSpPr>
+            <a:spLocks noGrp="1"/>
+          </p:cNvSpPr>
+          <p:nvPr>
+            <p:ph type="title"/>
+          </p:nvPr>
+        </p:nvSpPr>
+        <p:spPr>
+          <a:xfrm>
+            <a:off x="468895" y="503475"/>
+            <a:ext cx="11269308" cy="384721"/>
+          </a:xfrm>
+        </p:spPr>
+        <p:txBody>
+          <a:bodyPr/>
+          <a:lstStyle/>
+          <a:p>
+            <a:r>
+              <a:rPr lang="it-IT" altLang="it-IT"/>
+              <a:t>Processi collegati alla Data Transformation: Data Migration</a:t>
+            </a:r>
             <a:endParaRPr lang="it-IT" dirty="0"/>
           </a:p>
-          <a:p>
-            <a:endParaRPr lang="it-IT" dirty="0"/>
-          </a:p>
         </p:txBody>
       </p:sp>
+      <p:pic>
+        <p:nvPicPr>
+          <p:cNvPr id="4" name="Immagine 3" descr="Immagine che contiene testo, stanza, bisca, scena&#10;&#10;Descrizione generata automaticamente">
+            <a:extLst>
+              <a:ext uri="{FF2B5EF4-FFF2-40B4-BE49-F238E27FC236}">
+                <a16:creationId xmlns:a16="http://schemas.microsoft.com/office/drawing/2014/main" id="{D1D1CE7B-9AEE-2EFA-FCA2-464FC2788C9B}"/>
+              </a:ext>
+            </a:extLst>
+          </p:cNvPr>
+          <p:cNvPicPr>
+            <a:picLocks noChangeAspect="1"/>
+          </p:cNvPicPr>
+          <p:nvPr/>
+        </p:nvPicPr>
+        <p:blipFill>
+          <a:blip r:embed="rId2"/>
+          <a:stretch>
+            <a:fillRect/>
+          </a:stretch>
+        </p:blipFill>
+        <p:spPr>
+          <a:xfrm>
+            <a:off x="8022208" y="2122220"/>
+            <a:ext cx="4041455" cy="2273318"/>
+          </a:xfrm>
+          <a:prstGeom prst="rect">
+            <a:avLst/>
+          </a:prstGeom>
+        </p:spPr>
+      </p:pic>
     </p:spTree>
     <p:extLst>
       <p:ext uri="{BB962C8B-B14F-4D97-AF65-F5344CB8AC3E}">
-        <p14:creationId xmlns:p14="http://schemas.microsoft.com/office/powerpoint/2010/main" val="3490964097"/>
+        <p14:creationId xmlns:p14="http://schemas.microsoft.com/office/powerpoint/2010/main" val="4047639748"/>
+      </p:ext>
+    </p:extLst>
+  </p:cSld>
+  <p:clrMapOvr>
+    <a:masterClrMapping/>
+  </p:clrMapOvr>
+</p:sld>
+</file>
+
+<file path=ppt/slides/slide26.xml><?xml version="1.0" encoding="utf-8"?>
+<p:sld xmlns:a="http://schemas.openxmlformats.org/drawingml/2006/main" xmlns:r="http://schemas.openxmlformats.org/officeDocument/2006/relationships" xmlns:p="http://schemas.openxmlformats.org/presentationml/2006/main">
+  <p:cSld>
+    <p:spTree>
+      <p:nvGrpSpPr>
+        <p:cNvPr id="1" name=""/>
+        <p:cNvGrpSpPr/>
+        <p:nvPr/>
+      </p:nvGrpSpPr>
+      <p:grpSpPr>
+        <a:xfrm>
+          <a:off x="0" y="0"/>
+          <a:ext cx="0" cy="0"/>
+          <a:chOff x="0" y="0"/>
+          <a:chExt cx="0" cy="0"/>
+        </a:xfrm>
+      </p:grpSpPr>
+      <p:sp>
+        <p:nvSpPr>
+          <p:cNvPr id="2" name="Segnaposto testo 1">
+            <a:extLst>
+              <a:ext uri="{FF2B5EF4-FFF2-40B4-BE49-F238E27FC236}">
+                <a16:creationId xmlns:a16="http://schemas.microsoft.com/office/drawing/2014/main" id="{E5AE986C-196F-4141-A898-FA4C4198CDCC}"/>
+              </a:ext>
+            </a:extLst>
+          </p:cNvPr>
+          <p:cNvSpPr>
+            <a:spLocks noGrp="1"/>
+          </p:cNvSpPr>
+          <p:nvPr>
+            <p:ph type="body" idx="1"/>
+          </p:nvPr>
+        </p:nvSpPr>
+        <p:spPr>
+          <a:xfrm>
+            <a:off x="328157" y="1446404"/>
+            <a:ext cx="11651510" cy="4392612"/>
+          </a:xfrm>
+        </p:spPr>
+        <p:txBody>
+          <a:bodyPr/>
+          <a:lstStyle/>
+          <a:p>
+            <a:pPr marL="342900" indent="-342900">
+              <a:buFont typeface="Wingdings" panose="05000000000000000000" pitchFamily="2" charset="2"/>
+              <a:buChar char="ü"/>
+            </a:pPr>
+            <a:r>
+              <a:rPr lang="it-IT" sz="2400">
+                <a:solidFill>
+                  <a:schemeClr val="tx1"/>
+                </a:solidFill>
+                <a:latin typeface="Tahoma" panose="020B0604030504040204" pitchFamily="34" charset="0"/>
+                <a:ea typeface="Tahoma" panose="020B0604030504040204" pitchFamily="34" charset="0"/>
+                <a:cs typeface="Tahoma" panose="020B0604030504040204" pitchFamily="34" charset="0"/>
+              </a:rPr>
+              <a:t>La maggior parte dei processi di migrazione dati avvengono attraverso 5 fasi: </a:t>
+            </a:r>
+          </a:p>
+          <a:p>
+            <a:pPr marL="457200" indent="-457200">
+              <a:buFont typeface="+mj-lt"/>
+              <a:buAutoNum type="arabicPeriod"/>
+            </a:pPr>
+            <a:r>
+              <a:rPr lang="it-IT" sz="2400" b="1">
+                <a:solidFill>
+                  <a:schemeClr val="tx1"/>
+                </a:solidFill>
+                <a:latin typeface="Tahoma" panose="020B0604030504040204" pitchFamily="34" charset="0"/>
+                <a:ea typeface="Tahoma" panose="020B0604030504040204" pitchFamily="34" charset="0"/>
+                <a:cs typeface="Tahoma" panose="020B0604030504040204" pitchFamily="34" charset="0"/>
+              </a:rPr>
+              <a:t>Estrazione</a:t>
+            </a:r>
+            <a:r>
+              <a:rPr lang="it-IT" sz="2400">
+                <a:solidFill>
+                  <a:schemeClr val="tx1"/>
+                </a:solidFill>
+                <a:latin typeface="Tahoma" panose="020B0604030504040204" pitchFamily="34" charset="0"/>
+                <a:ea typeface="Tahoma" panose="020B0604030504040204" pitchFamily="34" charset="0"/>
+                <a:cs typeface="Tahoma" panose="020B0604030504040204" pitchFamily="34" charset="0"/>
+              </a:rPr>
+              <a:t>: </a:t>
+            </a:r>
+            <a:r>
+              <a:rPr lang="it-IT" sz="2400" b="0">
+                <a:solidFill>
+                  <a:schemeClr val="tx1"/>
+                </a:solidFill>
+                <a:latin typeface="Tahoma" panose="020B0604030504040204" pitchFamily="34" charset="0"/>
+                <a:ea typeface="Tahoma" panose="020B0604030504040204" pitchFamily="34" charset="0"/>
+                <a:cs typeface="Tahoma" panose="020B0604030504040204" pitchFamily="34" charset="0"/>
+              </a:rPr>
+              <a:t>si rimuovono i dati la sistema corrente per iniziare a lavorare su di essi</a:t>
+            </a:r>
+          </a:p>
+          <a:p>
+            <a:pPr marL="457200" indent="-457200">
+              <a:buFont typeface="+mj-lt"/>
+              <a:buAutoNum type="arabicPeriod"/>
+            </a:pPr>
+            <a:r>
+              <a:rPr lang="it-IT" sz="2400" b="1">
+                <a:solidFill>
+                  <a:schemeClr val="tx1"/>
+                </a:solidFill>
+                <a:latin typeface="Tahoma" panose="020B0604030504040204" pitchFamily="34" charset="0"/>
+                <a:ea typeface="Tahoma" panose="020B0604030504040204" pitchFamily="34" charset="0"/>
+                <a:cs typeface="Tahoma" panose="020B0604030504040204" pitchFamily="34" charset="0"/>
+              </a:rPr>
+              <a:t>Trasformazione</a:t>
+            </a:r>
+            <a:r>
+              <a:rPr lang="it-IT" sz="2400">
+                <a:solidFill>
+                  <a:schemeClr val="tx1"/>
+                </a:solidFill>
+                <a:latin typeface="Tahoma" panose="020B0604030504040204" pitchFamily="34" charset="0"/>
+                <a:ea typeface="Tahoma" panose="020B0604030504040204" pitchFamily="34" charset="0"/>
+                <a:cs typeface="Tahoma" panose="020B0604030504040204" pitchFamily="34" charset="0"/>
+              </a:rPr>
+              <a:t>: </a:t>
+            </a:r>
+            <a:r>
+              <a:rPr lang="it-IT" sz="2400" b="0">
+                <a:solidFill>
+                  <a:schemeClr val="tx1"/>
+                </a:solidFill>
+                <a:latin typeface="Tahoma" panose="020B0604030504040204" pitchFamily="34" charset="0"/>
+                <a:ea typeface="Tahoma" panose="020B0604030504040204" pitchFamily="34" charset="0"/>
+                <a:cs typeface="Tahoma" panose="020B0604030504040204" pitchFamily="34" charset="0"/>
+              </a:rPr>
+              <a:t>convertire i dati nelle sue nuove forme assicurandosi che i metadata riflettano i dati in ciascun campo. </a:t>
+            </a:r>
+          </a:p>
+          <a:p>
+            <a:pPr marL="457200" indent="-457200">
+              <a:buFont typeface="+mj-lt"/>
+              <a:buAutoNum type="arabicPeriod"/>
+            </a:pPr>
+            <a:r>
+              <a:rPr lang="it-IT" sz="2400" b="1">
+                <a:solidFill>
+                  <a:schemeClr val="tx1"/>
+                </a:solidFill>
+                <a:latin typeface="Tahoma" panose="020B0604030504040204" pitchFamily="34" charset="0"/>
+                <a:ea typeface="Tahoma" panose="020B0604030504040204" pitchFamily="34" charset="0"/>
+                <a:cs typeface="Tahoma" panose="020B0604030504040204" pitchFamily="34" charset="0"/>
+              </a:rPr>
+              <a:t>Pulizia</a:t>
+            </a:r>
+            <a:r>
+              <a:rPr lang="it-IT" sz="2400">
+                <a:solidFill>
+                  <a:schemeClr val="tx1"/>
+                </a:solidFill>
+                <a:latin typeface="Tahoma" panose="020B0604030504040204" pitchFamily="34" charset="0"/>
+                <a:ea typeface="Tahoma" panose="020B0604030504040204" pitchFamily="34" charset="0"/>
+                <a:cs typeface="Tahoma" panose="020B0604030504040204" pitchFamily="34" charset="0"/>
+              </a:rPr>
+              <a:t>: </a:t>
+            </a:r>
+            <a:r>
+              <a:rPr lang="it-IT" sz="2400" b="0">
+                <a:solidFill>
+                  <a:schemeClr val="tx1"/>
+                </a:solidFill>
+                <a:latin typeface="Tahoma" panose="020B0604030504040204" pitchFamily="34" charset="0"/>
+                <a:ea typeface="Tahoma" panose="020B0604030504040204" pitchFamily="34" charset="0"/>
+                <a:cs typeface="Tahoma" panose="020B0604030504040204" pitchFamily="34" charset="0"/>
+              </a:rPr>
+              <a:t>rimozione duplicati, avvio di test, e gestione di qualsiasi tipi di dato corrotto. </a:t>
+            </a:r>
+          </a:p>
+          <a:p>
+            <a:pPr marL="457200" indent="-457200">
+              <a:buFont typeface="+mj-lt"/>
+              <a:buAutoNum type="arabicPeriod"/>
+            </a:pPr>
+            <a:r>
+              <a:rPr lang="it-IT" sz="2400" b="1">
+                <a:solidFill>
+                  <a:schemeClr val="tx1"/>
+                </a:solidFill>
+                <a:latin typeface="Tahoma" panose="020B0604030504040204" pitchFamily="34" charset="0"/>
+                <a:ea typeface="Tahoma" panose="020B0604030504040204" pitchFamily="34" charset="0"/>
+                <a:cs typeface="Tahoma" panose="020B0604030504040204" pitchFamily="34" charset="0"/>
+              </a:rPr>
+              <a:t>Validazione</a:t>
+            </a:r>
+            <a:r>
+              <a:rPr lang="it-IT" sz="2400">
+                <a:solidFill>
+                  <a:schemeClr val="tx1"/>
+                </a:solidFill>
+                <a:latin typeface="Tahoma" panose="020B0604030504040204" pitchFamily="34" charset="0"/>
+                <a:ea typeface="Tahoma" panose="020B0604030504040204" pitchFamily="34" charset="0"/>
+                <a:cs typeface="Tahoma" panose="020B0604030504040204" pitchFamily="34" charset="0"/>
+              </a:rPr>
+              <a:t>: </a:t>
+            </a:r>
+            <a:r>
+              <a:rPr lang="it-IT" sz="2400" b="0">
+                <a:solidFill>
+                  <a:schemeClr val="tx1"/>
+                </a:solidFill>
+                <a:latin typeface="Tahoma" panose="020B0604030504040204" pitchFamily="34" charset="0"/>
+                <a:ea typeface="Tahoma" panose="020B0604030504040204" pitchFamily="34" charset="0"/>
+                <a:cs typeface="Tahoma" panose="020B0604030504040204" pitchFamily="34" charset="0"/>
+              </a:rPr>
+              <a:t>testa e ritesta che spostando i dati alla locazione di target fornisca la risposta attesa. </a:t>
+            </a:r>
+          </a:p>
+          <a:p>
+            <a:pPr marL="457200" indent="-457200">
+              <a:buFont typeface="+mj-lt"/>
+              <a:buAutoNum type="arabicPeriod"/>
+            </a:pPr>
+            <a:r>
+              <a:rPr lang="it-IT" sz="2400" b="1">
+                <a:solidFill>
+                  <a:schemeClr val="tx1"/>
+                </a:solidFill>
+                <a:latin typeface="Tahoma" panose="020B0604030504040204" pitchFamily="34" charset="0"/>
+                <a:ea typeface="Tahoma" panose="020B0604030504040204" pitchFamily="34" charset="0"/>
+                <a:cs typeface="Tahoma" panose="020B0604030504040204" pitchFamily="34" charset="0"/>
+              </a:rPr>
+              <a:t>Caricamento</a:t>
+            </a:r>
+            <a:r>
+              <a:rPr lang="it-IT" sz="2400">
+                <a:solidFill>
+                  <a:schemeClr val="tx1"/>
+                </a:solidFill>
+                <a:latin typeface="Tahoma" panose="020B0604030504040204" pitchFamily="34" charset="0"/>
+                <a:ea typeface="Tahoma" panose="020B0604030504040204" pitchFamily="34" charset="0"/>
+                <a:cs typeface="Tahoma" panose="020B0604030504040204" pitchFamily="34" charset="0"/>
+              </a:rPr>
+              <a:t>: </a:t>
+            </a:r>
+            <a:r>
+              <a:rPr lang="it-IT" sz="2400" b="0">
+                <a:solidFill>
+                  <a:schemeClr val="tx1"/>
+                </a:solidFill>
+                <a:latin typeface="Tahoma" panose="020B0604030504040204" pitchFamily="34" charset="0"/>
+                <a:ea typeface="Tahoma" panose="020B0604030504040204" pitchFamily="34" charset="0"/>
+                <a:cs typeface="Tahoma" panose="020B0604030504040204" pitchFamily="34" charset="0"/>
+              </a:rPr>
+              <a:t>trasferimento dei dati dentro un nuovo sistema e revisione degli errori nuovamente. </a:t>
+            </a:r>
+            <a:endParaRPr lang="it-IT" sz="2400">
+              <a:solidFill>
+                <a:schemeClr val="tx1"/>
+              </a:solidFill>
+              <a:latin typeface="Tahoma" panose="020B0604030504040204" pitchFamily="34" charset="0"/>
+              <a:ea typeface="Tahoma" panose="020B0604030504040204" pitchFamily="34" charset="0"/>
+              <a:cs typeface="Tahoma" panose="020B0604030504040204" pitchFamily="34" charset="0"/>
+            </a:endParaRPr>
+          </a:p>
+        </p:txBody>
+      </p:sp>
+      <p:sp>
+        <p:nvSpPr>
+          <p:cNvPr id="7" name="Segnaposto numero diapositiva 6">
+            <a:extLst>
+              <a:ext uri="{FF2B5EF4-FFF2-40B4-BE49-F238E27FC236}">
+                <a16:creationId xmlns:a16="http://schemas.microsoft.com/office/drawing/2014/main" id="{AB740BE9-E218-4144-BFDE-AE473D230A3D}"/>
+              </a:ext>
+            </a:extLst>
+          </p:cNvPr>
+          <p:cNvSpPr>
+            <a:spLocks noGrp="1"/>
+          </p:cNvSpPr>
+          <p:nvPr>
+            <p:ph type="sldNum" sz="quarter" idx="12"/>
+          </p:nvPr>
+        </p:nvSpPr>
+        <p:spPr/>
+        <p:txBody>
+          <a:bodyPr/>
+          <a:lstStyle/>
+          <a:p>
+            <a:pPr>
+              <a:defRPr/>
+            </a:pPr>
+            <a:fld id="{48B4153A-D4C5-4CEF-8992-0D8815C829E3}" type="slidenum">
+              <a:rPr lang="en-US" smtClean="0"/>
+              <a:pPr>
+                <a:defRPr/>
+              </a:pPr>
+              <a:t>26</a:t>
+            </a:fld>
+            <a:endParaRPr lang="en-US" dirty="0"/>
+          </a:p>
+        </p:txBody>
+      </p:sp>
+      <p:sp>
+        <p:nvSpPr>
+          <p:cNvPr id="5" name="Titolo 4">
+            <a:extLst>
+              <a:ext uri="{FF2B5EF4-FFF2-40B4-BE49-F238E27FC236}">
+                <a16:creationId xmlns:a16="http://schemas.microsoft.com/office/drawing/2014/main" id="{82C46BA2-B380-4357-B125-BA9F08A643F5}"/>
+              </a:ext>
+            </a:extLst>
+          </p:cNvPr>
+          <p:cNvSpPr>
+            <a:spLocks noGrp="1"/>
+          </p:cNvSpPr>
+          <p:nvPr>
+            <p:ph type="title"/>
+          </p:nvPr>
+        </p:nvSpPr>
+        <p:spPr>
+          <a:xfrm>
+            <a:off x="468895" y="503475"/>
+            <a:ext cx="11269308" cy="384721"/>
+          </a:xfrm>
+        </p:spPr>
+        <p:txBody>
+          <a:bodyPr/>
+          <a:lstStyle/>
+          <a:p>
+            <a:r>
+              <a:rPr lang="it-IT" altLang="it-IT"/>
+              <a:t>Processi collegati alla Data Transformation: Data Migration</a:t>
+            </a:r>
+            <a:endParaRPr lang="it-IT" dirty="0"/>
+          </a:p>
+        </p:txBody>
+      </p:sp>
+    </p:spTree>
+    <p:extLst>
+      <p:ext uri="{BB962C8B-B14F-4D97-AF65-F5344CB8AC3E}">
+        <p14:creationId xmlns:p14="http://schemas.microsoft.com/office/powerpoint/2010/main" val="890758014"/>
+      </p:ext>
+    </p:extLst>
+  </p:cSld>
+  <p:clrMapOvr>
+    <a:masterClrMapping/>
+  </p:clrMapOvr>
+</p:sld>
+</file>
+
+<file path=ppt/slides/slide27.xml><?xml version="1.0" encoding="utf-8"?>
+<p:sld xmlns:a="http://schemas.openxmlformats.org/drawingml/2006/main" xmlns:r="http://schemas.openxmlformats.org/officeDocument/2006/relationships" xmlns:p="http://schemas.openxmlformats.org/presentationml/2006/main">
+  <p:cSld>
+    <p:spTree>
+      <p:nvGrpSpPr>
+        <p:cNvPr id="1" name=""/>
+        <p:cNvGrpSpPr/>
+        <p:nvPr/>
+      </p:nvGrpSpPr>
+      <p:grpSpPr>
+        <a:xfrm>
+          <a:off x="0" y="0"/>
+          <a:ext cx="0" cy="0"/>
+          <a:chOff x="0" y="0"/>
+          <a:chExt cx="0" cy="0"/>
+        </a:xfrm>
+      </p:grpSpPr>
+      <p:sp>
+        <p:nvSpPr>
+          <p:cNvPr id="2" name="Segnaposto testo 1">
+            <a:extLst>
+              <a:ext uri="{FF2B5EF4-FFF2-40B4-BE49-F238E27FC236}">
+                <a16:creationId xmlns:a16="http://schemas.microsoft.com/office/drawing/2014/main" id="{E5AE986C-196F-4141-A898-FA4C4198CDCC}"/>
+              </a:ext>
+            </a:extLst>
+          </p:cNvPr>
+          <p:cNvSpPr>
+            <a:spLocks noGrp="1"/>
+          </p:cNvSpPr>
+          <p:nvPr>
+            <p:ph type="body" idx="1"/>
+          </p:nvPr>
+        </p:nvSpPr>
+        <p:spPr>
+          <a:xfrm>
+            <a:off x="344199" y="1446404"/>
+            <a:ext cx="11518700" cy="4392612"/>
+          </a:xfrm>
+        </p:spPr>
+        <p:txBody>
+          <a:bodyPr/>
+          <a:lstStyle/>
+          <a:p>
+            <a:pPr marL="457200" indent="-457200">
+              <a:buFont typeface="Wingdings" panose="05000000000000000000" pitchFamily="2" charset="2"/>
+              <a:buChar char="ü"/>
+            </a:pPr>
+            <a:r>
+              <a:rPr lang="it-IT" sz="2400">
+                <a:solidFill>
+                  <a:schemeClr val="tx1"/>
+                </a:solidFill>
+                <a:latin typeface="Tahoma" panose="020B0604030504040204" pitchFamily="34" charset="0"/>
+                <a:ea typeface="Tahoma" panose="020B0604030504040204" pitchFamily="34" charset="0"/>
+                <a:cs typeface="Tahoma" panose="020B0604030504040204" pitchFamily="34" charset="0"/>
+              </a:rPr>
+              <a:t>La </a:t>
+            </a:r>
+            <a:r>
+              <a:rPr lang="it-IT" sz="2400" b="1">
+                <a:solidFill>
+                  <a:schemeClr val="tx1"/>
+                </a:solidFill>
+                <a:latin typeface="Tahoma" panose="020B0604030504040204" pitchFamily="34" charset="0"/>
+                <a:ea typeface="Tahoma" panose="020B0604030504040204" pitchFamily="34" charset="0"/>
+                <a:cs typeface="Tahoma" panose="020B0604030504040204" pitchFamily="34" charset="0"/>
+              </a:rPr>
+              <a:t>Data</a:t>
+            </a:r>
+            <a:r>
+              <a:rPr lang="it-IT" sz="2400">
+                <a:solidFill>
+                  <a:schemeClr val="tx1"/>
+                </a:solidFill>
+                <a:latin typeface="Tahoma" panose="020B0604030504040204" pitchFamily="34" charset="0"/>
+                <a:ea typeface="Tahoma" panose="020B0604030504040204" pitchFamily="34" charset="0"/>
+                <a:cs typeface="Tahoma" panose="020B0604030504040204" pitchFamily="34" charset="0"/>
+              </a:rPr>
+              <a:t> </a:t>
+            </a:r>
+            <a:r>
+              <a:rPr lang="it-IT" sz="2400" b="1">
+                <a:solidFill>
+                  <a:schemeClr val="tx1"/>
+                </a:solidFill>
+                <a:latin typeface="Tahoma" panose="020B0604030504040204" pitchFamily="34" charset="0"/>
+                <a:ea typeface="Tahoma" panose="020B0604030504040204" pitchFamily="34" charset="0"/>
+                <a:cs typeface="Tahoma" panose="020B0604030504040204" pitchFamily="34" charset="0"/>
+              </a:rPr>
+              <a:t>Transformation</a:t>
+            </a:r>
+            <a:r>
+              <a:rPr lang="it-IT" sz="2400">
+                <a:solidFill>
+                  <a:schemeClr val="tx1"/>
+                </a:solidFill>
+                <a:latin typeface="Tahoma" panose="020B0604030504040204" pitchFamily="34" charset="0"/>
+                <a:ea typeface="Tahoma" panose="020B0604030504040204" pitchFamily="34" charset="0"/>
+                <a:cs typeface="Tahoma" panose="020B0604030504040204" pitchFamily="34" charset="0"/>
+              </a:rPr>
+              <a:t> può essere costruttiva (aggiungere, copiare e replicare i dati), distruttiva (cancellare campi e record)</a:t>
+            </a:r>
+          </a:p>
+          <a:p>
+            <a:pPr marL="342900" indent="-342900">
+              <a:buFont typeface="Wingdings" panose="05000000000000000000" pitchFamily="2" charset="2"/>
+              <a:buChar char="ü"/>
+            </a:pPr>
+            <a:endParaRPr lang="it-IT" sz="2400" dirty="0">
+              <a:solidFill>
+                <a:schemeClr val="tx1"/>
+              </a:solidFill>
+              <a:latin typeface="Tahoma" panose="020B0604030504040204" pitchFamily="34" charset="0"/>
+              <a:ea typeface="Tahoma" panose="020B0604030504040204" pitchFamily="34" charset="0"/>
+              <a:cs typeface="Tahoma" panose="020B0604030504040204" pitchFamily="34" charset="0"/>
+            </a:endParaRPr>
+          </a:p>
+        </p:txBody>
+      </p:sp>
+      <p:sp>
+        <p:nvSpPr>
+          <p:cNvPr id="7" name="Segnaposto numero diapositiva 6">
+            <a:extLst>
+              <a:ext uri="{FF2B5EF4-FFF2-40B4-BE49-F238E27FC236}">
+                <a16:creationId xmlns:a16="http://schemas.microsoft.com/office/drawing/2014/main" id="{AB740BE9-E218-4144-BFDE-AE473D230A3D}"/>
+              </a:ext>
+            </a:extLst>
+          </p:cNvPr>
+          <p:cNvSpPr>
+            <a:spLocks noGrp="1"/>
+          </p:cNvSpPr>
+          <p:nvPr>
+            <p:ph type="sldNum" sz="quarter" idx="12"/>
+          </p:nvPr>
+        </p:nvSpPr>
+        <p:spPr/>
+        <p:txBody>
+          <a:bodyPr/>
+          <a:lstStyle/>
+          <a:p>
+            <a:pPr>
+              <a:defRPr/>
+            </a:pPr>
+            <a:fld id="{48B4153A-D4C5-4CEF-8992-0D8815C829E3}" type="slidenum">
+              <a:rPr lang="en-US" smtClean="0"/>
+              <a:pPr>
+                <a:defRPr/>
+              </a:pPr>
+              <a:t>27</a:t>
+            </a:fld>
+            <a:endParaRPr lang="en-US" dirty="0"/>
+          </a:p>
+        </p:txBody>
+      </p:sp>
+      <p:sp>
+        <p:nvSpPr>
+          <p:cNvPr id="5" name="Titolo 4">
+            <a:extLst>
+              <a:ext uri="{FF2B5EF4-FFF2-40B4-BE49-F238E27FC236}">
+                <a16:creationId xmlns:a16="http://schemas.microsoft.com/office/drawing/2014/main" id="{82C46BA2-B380-4357-B125-BA9F08A643F5}"/>
+              </a:ext>
+            </a:extLst>
+          </p:cNvPr>
+          <p:cNvSpPr>
+            <a:spLocks noGrp="1"/>
+          </p:cNvSpPr>
+          <p:nvPr>
+            <p:ph type="title"/>
+          </p:nvPr>
+        </p:nvSpPr>
+        <p:spPr>
+          <a:xfrm>
+            <a:off x="468895" y="503475"/>
+            <a:ext cx="11269308" cy="384721"/>
+          </a:xfrm>
+        </p:spPr>
+        <p:txBody>
+          <a:bodyPr/>
+          <a:lstStyle/>
+          <a:p>
+            <a:r>
+              <a:rPr lang="it-IT" altLang="it-IT" dirty="0"/>
+              <a:t>Trasformazione dei Dati (Data </a:t>
+            </a:r>
+            <a:r>
+              <a:rPr lang="it-IT" altLang="it-IT" dirty="0" err="1"/>
+              <a:t>Transformation</a:t>
+            </a:r>
+            <a:r>
+              <a:rPr lang="it-IT" altLang="it-IT" dirty="0"/>
+              <a:t>)</a:t>
+            </a:r>
+            <a:endParaRPr lang="it-IT" dirty="0"/>
+          </a:p>
+        </p:txBody>
+      </p:sp>
+    </p:spTree>
+    <p:extLst>
+      <p:ext uri="{BB962C8B-B14F-4D97-AF65-F5344CB8AC3E}">
+        <p14:creationId xmlns:p14="http://schemas.microsoft.com/office/powerpoint/2010/main" val="1972645663"/>
+      </p:ext>
+    </p:extLst>
+  </p:cSld>
+  <p:clrMapOvr>
+    <a:masterClrMapping/>
+  </p:clrMapOvr>
+</p:sld>
+</file>
+
+<file path=ppt/slides/slide28.xml><?xml version="1.0" encoding="utf-8"?>
+<p:sld xmlns:a="http://schemas.openxmlformats.org/drawingml/2006/main" xmlns:r="http://schemas.openxmlformats.org/officeDocument/2006/relationships" xmlns:p="http://schemas.openxmlformats.org/presentationml/2006/main">
+  <p:cSld>
+    <p:spTree>
+      <p:nvGrpSpPr>
+        <p:cNvPr id="1" name=""/>
+        <p:cNvGrpSpPr/>
+        <p:nvPr/>
+      </p:nvGrpSpPr>
+      <p:grpSpPr>
+        <a:xfrm>
+          <a:off x="0" y="0"/>
+          <a:ext cx="0" cy="0"/>
+          <a:chOff x="0" y="0"/>
+          <a:chExt cx="0" cy="0"/>
+        </a:xfrm>
+      </p:grpSpPr>
+      <p:sp>
+        <p:nvSpPr>
+          <p:cNvPr id="2" name="Segnaposto testo 1">
+            <a:extLst>
+              <a:ext uri="{FF2B5EF4-FFF2-40B4-BE49-F238E27FC236}">
+                <a16:creationId xmlns:a16="http://schemas.microsoft.com/office/drawing/2014/main" id="{E5AE986C-196F-4141-A898-FA4C4198CDCC}"/>
+              </a:ext>
+            </a:extLst>
+          </p:cNvPr>
+          <p:cNvSpPr>
+            <a:spLocks noGrp="1"/>
+          </p:cNvSpPr>
+          <p:nvPr>
+            <p:ph type="body" idx="1"/>
+          </p:nvPr>
+        </p:nvSpPr>
+        <p:spPr>
+          <a:xfrm>
+            <a:off x="468895" y="1566732"/>
+            <a:ext cx="11518700" cy="4392612"/>
+          </a:xfrm>
+        </p:spPr>
+        <p:txBody>
+          <a:bodyPr/>
+          <a:lstStyle/>
+          <a:p>
+            <a:pPr marL="342900" indent="-342900">
+              <a:buFont typeface="Wingdings" panose="05000000000000000000" pitchFamily="2" charset="2"/>
+              <a:buChar char="ü"/>
+            </a:pPr>
+            <a:r>
+              <a:rPr lang="it-IT" sz="2400">
+                <a:solidFill>
+                  <a:schemeClr val="tx1"/>
+                </a:solidFill>
+                <a:latin typeface="Tahoma" panose="020B0604030504040204" pitchFamily="34" charset="0"/>
+                <a:ea typeface="Tahoma" panose="020B0604030504040204" pitchFamily="34" charset="0"/>
+                <a:cs typeface="Tahoma" panose="020B0604030504040204" pitchFamily="34" charset="0"/>
+              </a:rPr>
+              <a:t>Il </a:t>
+            </a:r>
+            <a:r>
+              <a:rPr lang="it-IT" sz="2400" b="1">
+                <a:solidFill>
+                  <a:schemeClr val="tx1"/>
+                </a:solidFill>
+                <a:latin typeface="Tahoma" panose="020B0604030504040204" pitchFamily="34" charset="0"/>
+                <a:ea typeface="Tahoma" panose="020B0604030504040204" pitchFamily="34" charset="0"/>
+                <a:cs typeface="Tahoma" panose="020B0604030504040204" pitchFamily="34" charset="0"/>
+              </a:rPr>
+              <a:t>Resource Description Framework (RDF)</a:t>
+            </a:r>
+            <a:r>
+              <a:rPr lang="it-IT" sz="2400">
+                <a:solidFill>
+                  <a:schemeClr val="tx1"/>
+                </a:solidFill>
+                <a:latin typeface="Tahoma" panose="020B0604030504040204" pitchFamily="34" charset="0"/>
+                <a:ea typeface="Tahoma" panose="020B0604030504040204" pitchFamily="34" charset="0"/>
+                <a:cs typeface="Tahoma" panose="020B0604030504040204" pitchFamily="34" charset="0"/>
+              </a:rPr>
+              <a:t> è lo strumento di base proposto da W3C per la codifica, lo scambio e il riutilizzo di metadati strutturati e consente l'interoperabilità semantica tra </a:t>
+            </a:r>
+            <a:r>
+              <a:rPr lang="it-IT" sz="2400" b="1">
+                <a:solidFill>
+                  <a:schemeClr val="tx1"/>
+                </a:solidFill>
+                <a:latin typeface="Tahoma" panose="020B0604030504040204" pitchFamily="34" charset="0"/>
+                <a:ea typeface="Tahoma" panose="020B0604030504040204" pitchFamily="34" charset="0"/>
+                <a:cs typeface="Tahoma" panose="020B0604030504040204" pitchFamily="34" charset="0"/>
+              </a:rPr>
+              <a:t>applicazioni</a:t>
+            </a:r>
+            <a:r>
+              <a:rPr lang="it-IT" sz="2400">
+                <a:solidFill>
+                  <a:schemeClr val="tx1"/>
+                </a:solidFill>
+                <a:latin typeface="Tahoma" panose="020B0604030504040204" pitchFamily="34" charset="0"/>
+                <a:ea typeface="Tahoma" panose="020B0604030504040204" pitchFamily="34" charset="0"/>
+                <a:cs typeface="Tahoma" panose="020B0604030504040204" pitchFamily="34" charset="0"/>
+              </a:rPr>
+              <a:t> che condividono le informazioni sul </a:t>
+            </a:r>
+            <a:r>
+              <a:rPr lang="it-IT" sz="2400" b="1">
+                <a:solidFill>
+                  <a:schemeClr val="tx1"/>
+                </a:solidFill>
+                <a:latin typeface="Tahoma" panose="020B0604030504040204" pitchFamily="34" charset="0"/>
+                <a:ea typeface="Tahoma" panose="020B0604030504040204" pitchFamily="34" charset="0"/>
+                <a:cs typeface="Tahoma" panose="020B0604030504040204" pitchFamily="34" charset="0"/>
+              </a:rPr>
+              <a:t>Web</a:t>
+            </a:r>
+            <a:r>
+              <a:rPr lang="it-IT" sz="2400">
+                <a:solidFill>
+                  <a:schemeClr val="tx1"/>
+                </a:solidFill>
+                <a:latin typeface="Tahoma" panose="020B0604030504040204" pitchFamily="34" charset="0"/>
+                <a:ea typeface="Tahoma" panose="020B0604030504040204" pitchFamily="34" charset="0"/>
+                <a:cs typeface="Tahoma" panose="020B0604030504040204" pitchFamily="34" charset="0"/>
+              </a:rPr>
+              <a:t>. </a:t>
+            </a:r>
+          </a:p>
+          <a:p>
+            <a:pPr marL="342900" indent="-342900">
+              <a:buFont typeface="Wingdings" panose="05000000000000000000" pitchFamily="2" charset="2"/>
+              <a:buChar char="ü"/>
+            </a:pPr>
+            <a:r>
+              <a:rPr lang="it-IT" sz="2400" b="1">
+                <a:solidFill>
+                  <a:schemeClr val="tx1"/>
+                </a:solidFill>
+                <a:latin typeface="Tahoma" panose="020B0604030504040204" pitchFamily="34" charset="0"/>
+                <a:ea typeface="Tahoma" panose="020B0604030504040204" pitchFamily="34" charset="0"/>
+                <a:cs typeface="Tahoma" panose="020B0604030504040204" pitchFamily="34" charset="0"/>
+              </a:rPr>
+              <a:t>Interoperabilità</a:t>
+            </a:r>
+            <a:r>
+              <a:rPr lang="it-IT" sz="2400">
+                <a:solidFill>
+                  <a:schemeClr val="tx1"/>
+                </a:solidFill>
+                <a:latin typeface="Tahoma" panose="020B0604030504040204" pitchFamily="34" charset="0"/>
+                <a:ea typeface="Tahoma" panose="020B0604030504040204" pitchFamily="34" charset="0"/>
+                <a:cs typeface="Tahoma" panose="020B0604030504040204" pitchFamily="34" charset="0"/>
+              </a:rPr>
+              <a:t>: E' la capacità di due o più sistemi, reti, mezzi, applicazioni o componenti, di scambiarsi informazioni e di essere poi in grado di utilizzarle. In ambito informatico è la capacità di un sistema o di un prodotto informatico di cooperare e di scambiare informazioni o servizi con altri sistemi o prodotti in maniera più o meno completa e priva di errori, con affidabilità e con ottimizzazione delle risorse. Obiettivo dell'interoperabilità è dunque quello di facilitare l'interazione tra sistemi differenti, nonchè lo scambio e il riutilizzo delle informazioni anche fra sistemi informativi non omogenei (sia per software che per hardware).  </a:t>
+            </a:r>
+          </a:p>
+          <a:p>
+            <a:pPr marL="342900" indent="-342900">
+              <a:buFont typeface="Wingdings" panose="05000000000000000000" pitchFamily="2" charset="2"/>
+              <a:buChar char="ü"/>
+            </a:pPr>
+            <a:endParaRPr lang="en-US" sz="2400" dirty="0">
+              <a:solidFill>
+                <a:srgbClr val="555555"/>
+              </a:solidFill>
+              <a:latin typeface="PT Sans" panose="020B0503020203020204" pitchFamily="34" charset="0"/>
+            </a:endParaRPr>
+          </a:p>
+          <a:p>
+            <a:pPr algn="l"/>
+            <a:endParaRPr lang="it-IT" sz="2400" dirty="0">
+              <a:solidFill>
+                <a:schemeClr val="tx1"/>
+              </a:solidFill>
+              <a:latin typeface="Tahoma" panose="020B0604030504040204" pitchFamily="34" charset="0"/>
+              <a:ea typeface="Tahoma" panose="020B0604030504040204" pitchFamily="34" charset="0"/>
+              <a:cs typeface="Tahoma" panose="020B0604030504040204" pitchFamily="34" charset="0"/>
+            </a:endParaRPr>
+          </a:p>
+        </p:txBody>
+      </p:sp>
+      <p:sp>
+        <p:nvSpPr>
+          <p:cNvPr id="7" name="Segnaposto numero diapositiva 6">
+            <a:extLst>
+              <a:ext uri="{FF2B5EF4-FFF2-40B4-BE49-F238E27FC236}">
+                <a16:creationId xmlns:a16="http://schemas.microsoft.com/office/drawing/2014/main" id="{AB740BE9-E218-4144-BFDE-AE473D230A3D}"/>
+              </a:ext>
+            </a:extLst>
+          </p:cNvPr>
+          <p:cNvSpPr>
+            <a:spLocks noGrp="1"/>
+          </p:cNvSpPr>
+          <p:nvPr>
+            <p:ph type="sldNum" sz="quarter" idx="12"/>
+          </p:nvPr>
+        </p:nvSpPr>
+        <p:spPr/>
+        <p:txBody>
+          <a:bodyPr/>
+          <a:lstStyle/>
+          <a:p>
+            <a:pPr>
+              <a:defRPr/>
+            </a:pPr>
+            <a:fld id="{48B4153A-D4C5-4CEF-8992-0D8815C829E3}" type="slidenum">
+              <a:rPr lang="en-US" smtClean="0"/>
+              <a:pPr>
+                <a:defRPr/>
+              </a:pPr>
+              <a:t>28</a:t>
+            </a:fld>
+            <a:endParaRPr lang="en-US" dirty="0"/>
+          </a:p>
+        </p:txBody>
+      </p:sp>
+      <p:sp>
+        <p:nvSpPr>
+          <p:cNvPr id="5" name="Titolo 4">
+            <a:extLst>
+              <a:ext uri="{FF2B5EF4-FFF2-40B4-BE49-F238E27FC236}">
+                <a16:creationId xmlns:a16="http://schemas.microsoft.com/office/drawing/2014/main" id="{82C46BA2-B380-4357-B125-BA9F08A643F5}"/>
+              </a:ext>
+            </a:extLst>
+          </p:cNvPr>
+          <p:cNvSpPr>
+            <a:spLocks noGrp="1"/>
+          </p:cNvSpPr>
+          <p:nvPr>
+            <p:ph type="title"/>
+          </p:nvPr>
+        </p:nvSpPr>
+        <p:spPr>
+          <a:xfrm>
+            <a:off x="468895" y="503475"/>
+            <a:ext cx="11269308" cy="384721"/>
+          </a:xfrm>
+        </p:spPr>
+        <p:txBody>
+          <a:bodyPr/>
+          <a:lstStyle/>
+          <a:p>
+            <a:r>
+              <a:rPr lang="it-IT" altLang="it-IT"/>
+              <a:t>RDF - Resource Description Framework</a:t>
+            </a:r>
+            <a:endParaRPr lang="it-IT" dirty="0"/>
+          </a:p>
+        </p:txBody>
+      </p:sp>
+    </p:spTree>
+    <p:extLst>
+      <p:ext uri="{BB962C8B-B14F-4D97-AF65-F5344CB8AC3E}">
+        <p14:creationId xmlns:p14="http://schemas.microsoft.com/office/powerpoint/2010/main" val="2116990933"/>
+      </p:ext>
+    </p:extLst>
+  </p:cSld>
+  <p:clrMapOvr>
+    <a:masterClrMapping/>
+  </p:clrMapOvr>
+</p:sld>
+</file>
+
+<file path=ppt/slides/slide29.xml><?xml version="1.0" encoding="utf-8"?>
+<p:sld xmlns:a="http://schemas.openxmlformats.org/drawingml/2006/main" xmlns:r="http://schemas.openxmlformats.org/officeDocument/2006/relationships" xmlns:p="http://schemas.openxmlformats.org/presentationml/2006/main">
+  <p:cSld>
+    <p:spTree>
+      <p:nvGrpSpPr>
+        <p:cNvPr id="1" name=""/>
+        <p:cNvGrpSpPr/>
+        <p:nvPr/>
+      </p:nvGrpSpPr>
+      <p:grpSpPr>
+        <a:xfrm>
+          <a:off x="0" y="0"/>
+          <a:ext cx="0" cy="0"/>
+          <a:chOff x="0" y="0"/>
+          <a:chExt cx="0" cy="0"/>
+        </a:xfrm>
+      </p:grpSpPr>
+      <p:sp>
+        <p:nvSpPr>
+          <p:cNvPr id="2" name="Segnaposto testo 1">
+            <a:extLst>
+              <a:ext uri="{FF2B5EF4-FFF2-40B4-BE49-F238E27FC236}">
+                <a16:creationId xmlns:a16="http://schemas.microsoft.com/office/drawing/2014/main" id="{E5AE986C-196F-4141-A898-FA4C4198CDCC}"/>
+              </a:ext>
+            </a:extLst>
+          </p:cNvPr>
+          <p:cNvSpPr>
+            <a:spLocks noGrp="1"/>
+          </p:cNvSpPr>
+          <p:nvPr>
+            <p:ph type="body" idx="1"/>
+          </p:nvPr>
+        </p:nvSpPr>
+        <p:spPr>
+          <a:xfrm>
+            <a:off x="326297" y="1213806"/>
+            <a:ext cx="11518700" cy="4392612"/>
+          </a:xfrm>
+        </p:spPr>
+        <p:txBody>
+          <a:bodyPr/>
+          <a:lstStyle/>
+          <a:p>
+            <a:pPr marL="342900" indent="-342900">
+              <a:buFont typeface="Wingdings" panose="05000000000000000000" pitchFamily="2" charset="2"/>
+              <a:buChar char="ü"/>
+            </a:pPr>
+            <a:r>
+              <a:rPr lang="it-IT" sz="2400">
+                <a:solidFill>
+                  <a:schemeClr val="tx1"/>
+                </a:solidFill>
+                <a:latin typeface="Tahoma" panose="020B0604030504040204" pitchFamily="34" charset="0"/>
+                <a:ea typeface="Tahoma" panose="020B0604030504040204" pitchFamily="34" charset="0"/>
+                <a:cs typeface="Tahoma" panose="020B0604030504040204" pitchFamily="34" charset="0"/>
+              </a:rPr>
+              <a:t>Il </a:t>
+            </a:r>
+            <a:r>
+              <a:rPr lang="it-IT" sz="2400" b="1">
+                <a:solidFill>
+                  <a:schemeClr val="tx1"/>
+                </a:solidFill>
+                <a:latin typeface="Tahoma" panose="020B0604030504040204" pitchFamily="34" charset="0"/>
+                <a:ea typeface="Tahoma" panose="020B0604030504040204" pitchFamily="34" charset="0"/>
+                <a:cs typeface="Tahoma" panose="020B0604030504040204" pitchFamily="34" charset="0"/>
+              </a:rPr>
+              <a:t>Resource Description Framework (RDF)</a:t>
+            </a:r>
+            <a:r>
+              <a:rPr lang="it-IT" sz="2400">
+                <a:solidFill>
+                  <a:schemeClr val="tx1"/>
+                </a:solidFill>
+                <a:latin typeface="Tahoma" panose="020B0604030504040204" pitchFamily="34" charset="0"/>
+                <a:ea typeface="Tahoma" panose="020B0604030504040204" pitchFamily="34" charset="0"/>
+                <a:cs typeface="Tahoma" panose="020B0604030504040204" pitchFamily="34" charset="0"/>
+              </a:rPr>
+              <a:t> è lo strumento di base proposto da </a:t>
+            </a:r>
+            <a:r>
+              <a:rPr lang="it-IT" sz="2400" b="1">
+                <a:solidFill>
+                  <a:schemeClr val="tx1"/>
+                </a:solidFill>
+                <a:latin typeface="Tahoma" panose="020B0604030504040204" pitchFamily="34" charset="0"/>
+                <a:ea typeface="Tahoma" panose="020B0604030504040204" pitchFamily="34" charset="0"/>
+                <a:cs typeface="Tahoma" panose="020B0604030504040204" pitchFamily="34" charset="0"/>
+              </a:rPr>
+              <a:t>W3C</a:t>
+            </a:r>
+            <a:r>
+              <a:rPr lang="it-IT" sz="2400">
+                <a:solidFill>
+                  <a:schemeClr val="tx1"/>
+                </a:solidFill>
+                <a:latin typeface="Tahoma" panose="020B0604030504040204" pitchFamily="34" charset="0"/>
+                <a:ea typeface="Tahoma" panose="020B0604030504040204" pitchFamily="34" charset="0"/>
+                <a:cs typeface="Tahoma" panose="020B0604030504040204" pitchFamily="34" charset="0"/>
+              </a:rPr>
+              <a:t> per la codifica, lo scambio e il riutilizzo di metadati strutturati e consente l'interoperabilità semantica tra </a:t>
+            </a:r>
+            <a:r>
+              <a:rPr lang="it-IT" sz="2400" b="1">
+                <a:solidFill>
+                  <a:schemeClr val="tx1"/>
+                </a:solidFill>
+                <a:latin typeface="Tahoma" panose="020B0604030504040204" pitchFamily="34" charset="0"/>
+                <a:ea typeface="Tahoma" panose="020B0604030504040204" pitchFamily="34" charset="0"/>
+                <a:cs typeface="Tahoma" panose="020B0604030504040204" pitchFamily="34" charset="0"/>
+              </a:rPr>
+              <a:t>applicazioni</a:t>
+            </a:r>
+            <a:r>
+              <a:rPr lang="it-IT" sz="2400">
+                <a:solidFill>
+                  <a:schemeClr val="tx1"/>
+                </a:solidFill>
+                <a:latin typeface="Tahoma" panose="020B0604030504040204" pitchFamily="34" charset="0"/>
+                <a:ea typeface="Tahoma" panose="020B0604030504040204" pitchFamily="34" charset="0"/>
+                <a:cs typeface="Tahoma" panose="020B0604030504040204" pitchFamily="34" charset="0"/>
+              </a:rPr>
+              <a:t> che condividono le informazioni sul </a:t>
+            </a:r>
+            <a:r>
+              <a:rPr lang="it-IT" sz="2400" b="1">
+                <a:solidFill>
+                  <a:schemeClr val="tx1"/>
+                </a:solidFill>
+                <a:latin typeface="Tahoma" panose="020B0604030504040204" pitchFamily="34" charset="0"/>
+                <a:ea typeface="Tahoma" panose="020B0604030504040204" pitchFamily="34" charset="0"/>
+                <a:cs typeface="Tahoma" panose="020B0604030504040204" pitchFamily="34" charset="0"/>
+              </a:rPr>
+              <a:t>Web</a:t>
+            </a:r>
+            <a:r>
+              <a:rPr lang="it-IT" sz="2400">
+                <a:solidFill>
+                  <a:schemeClr val="tx1"/>
+                </a:solidFill>
+                <a:latin typeface="Tahoma" panose="020B0604030504040204" pitchFamily="34" charset="0"/>
+                <a:ea typeface="Tahoma" panose="020B0604030504040204" pitchFamily="34" charset="0"/>
+                <a:cs typeface="Tahoma" panose="020B0604030504040204" pitchFamily="34" charset="0"/>
+              </a:rPr>
+              <a:t>. </a:t>
+            </a:r>
+          </a:p>
+          <a:p>
+            <a:pPr marL="342900" indent="-342900">
+              <a:buFont typeface="Wingdings" panose="05000000000000000000" pitchFamily="2" charset="2"/>
+              <a:buChar char="ü"/>
+            </a:pPr>
+            <a:r>
+              <a:rPr lang="it-IT" sz="2400" b="1">
+                <a:solidFill>
+                  <a:schemeClr val="tx1"/>
+                </a:solidFill>
+                <a:latin typeface="Tahoma" panose="020B0604030504040204" pitchFamily="34" charset="0"/>
+                <a:ea typeface="Tahoma" panose="020B0604030504040204" pitchFamily="34" charset="0"/>
+                <a:cs typeface="Tahoma" panose="020B0604030504040204" pitchFamily="34" charset="0"/>
+              </a:rPr>
+              <a:t>RDF </a:t>
+            </a:r>
+            <a:r>
+              <a:rPr lang="it-IT" sz="2400">
+                <a:solidFill>
+                  <a:schemeClr val="tx1"/>
+                </a:solidFill>
+                <a:latin typeface="Tahoma" panose="020B0604030504040204" pitchFamily="34" charset="0"/>
+                <a:ea typeface="Tahoma" panose="020B0604030504040204" pitchFamily="34" charset="0"/>
+                <a:cs typeface="Tahoma" panose="020B0604030504040204" pitchFamily="34" charset="0"/>
+              </a:rPr>
+              <a:t>è costituito da due componenti: </a:t>
+            </a:r>
+          </a:p>
+          <a:p>
+            <a:pPr marL="457200" indent="-457200">
+              <a:buFont typeface="+mj-lt"/>
+              <a:buAutoNum type="arabicPeriod"/>
+            </a:pPr>
+            <a:r>
+              <a:rPr lang="it-IT" sz="2400" b="1">
+                <a:solidFill>
+                  <a:schemeClr val="tx1"/>
+                </a:solidFill>
+                <a:latin typeface="Tahoma" panose="020B0604030504040204" pitchFamily="34" charset="0"/>
+                <a:ea typeface="Tahoma" panose="020B0604030504040204" pitchFamily="34" charset="0"/>
+                <a:cs typeface="Tahoma" panose="020B0604030504040204" pitchFamily="34" charset="0"/>
+              </a:rPr>
+              <a:t>RDF Model and Syntax: </a:t>
+            </a:r>
+            <a:r>
+              <a:rPr lang="it-IT" sz="2400" b="0">
+                <a:solidFill>
+                  <a:schemeClr val="tx1"/>
+                </a:solidFill>
+                <a:latin typeface="Tahoma" panose="020B0604030504040204" pitchFamily="34" charset="0"/>
+                <a:ea typeface="Tahoma" panose="020B0604030504040204" pitchFamily="34" charset="0"/>
+                <a:cs typeface="Tahoma" panose="020B0604030504040204" pitchFamily="34" charset="0"/>
+              </a:rPr>
+              <a:t>che espone la struttura del modello RDF e descrive una possibile sintassi. </a:t>
+            </a:r>
+          </a:p>
+          <a:p>
+            <a:pPr marL="457200" indent="-457200">
+              <a:buFont typeface="+mj-lt"/>
+              <a:buAutoNum type="arabicPeriod"/>
+            </a:pPr>
+            <a:r>
+              <a:rPr lang="it-IT" sz="2400" b="1">
+                <a:solidFill>
+                  <a:schemeClr val="tx1"/>
+                </a:solidFill>
+                <a:latin typeface="Tahoma" panose="020B0604030504040204" pitchFamily="34" charset="0"/>
+                <a:ea typeface="Tahoma" panose="020B0604030504040204" pitchFamily="34" charset="0"/>
+                <a:cs typeface="Tahoma" panose="020B0604030504040204" pitchFamily="34" charset="0"/>
+              </a:rPr>
+              <a:t>RDF Schema</a:t>
+            </a:r>
+            <a:r>
+              <a:rPr lang="it-IT" sz="2400">
+                <a:solidFill>
+                  <a:schemeClr val="tx1"/>
+                </a:solidFill>
+                <a:latin typeface="Tahoma" panose="020B0604030504040204" pitchFamily="34" charset="0"/>
+                <a:ea typeface="Tahoma" panose="020B0604030504040204" pitchFamily="34" charset="0"/>
+                <a:cs typeface="Tahoma" panose="020B0604030504040204" pitchFamily="34" charset="0"/>
+              </a:rPr>
+              <a:t>: </a:t>
+            </a:r>
+            <a:r>
+              <a:rPr lang="it-IT" sz="2400" b="0">
+                <a:solidFill>
+                  <a:schemeClr val="tx1"/>
+                </a:solidFill>
+                <a:latin typeface="Tahoma" panose="020B0604030504040204" pitchFamily="34" charset="0"/>
+                <a:ea typeface="Tahoma" panose="020B0604030504040204" pitchFamily="34" charset="0"/>
+                <a:cs typeface="Tahoma" panose="020B0604030504040204" pitchFamily="34" charset="0"/>
+              </a:rPr>
+              <a:t>espone la sintassi per definire schemi e vocabolari per i metadati. </a:t>
+            </a:r>
+            <a:endParaRPr lang="en-US" sz="2200" b="0" dirty="0">
+              <a:solidFill>
+                <a:srgbClr val="555555"/>
+              </a:solidFill>
+              <a:latin typeface="PT Sans" panose="020B0503020203020204" pitchFamily="34" charset="0"/>
+              <a:ea typeface="Tahoma" panose="020B0604030504040204" pitchFamily="34" charset="0"/>
+              <a:cs typeface="Tahoma" panose="020B0604030504040204" pitchFamily="34" charset="0"/>
+            </a:endParaRPr>
+          </a:p>
+          <a:p>
+            <a:pPr marL="457200" indent="-457200">
+              <a:buFont typeface="Wingdings" panose="05000000000000000000" pitchFamily="2" charset="2"/>
+              <a:buChar char="ü"/>
+            </a:pPr>
+            <a:r>
+              <a:rPr lang="it-IT" sz="2400" b="0">
+                <a:solidFill>
+                  <a:schemeClr val="tx1"/>
+                </a:solidFill>
+                <a:latin typeface="Tahoma" panose="020B0604030504040204" pitchFamily="34" charset="0"/>
+                <a:ea typeface="Tahoma" panose="020B0604030504040204" pitchFamily="34" charset="0"/>
+                <a:cs typeface="Tahoma" panose="020B0604030504040204" pitchFamily="34" charset="0"/>
+              </a:rPr>
+              <a:t>L'</a:t>
+            </a:r>
+            <a:r>
+              <a:rPr lang="it-IT" sz="2400" b="1">
+                <a:solidFill>
+                  <a:schemeClr val="tx1"/>
+                </a:solidFill>
+                <a:latin typeface="Tahoma" panose="020B0604030504040204" pitchFamily="34" charset="0"/>
+                <a:ea typeface="Tahoma" panose="020B0604030504040204" pitchFamily="34" charset="0"/>
+                <a:cs typeface="Tahoma" panose="020B0604030504040204" pitchFamily="34" charset="0"/>
+              </a:rPr>
+              <a:t>RDF Data Model </a:t>
+            </a:r>
+            <a:r>
+              <a:rPr lang="it-IT" sz="2400">
+                <a:solidFill>
+                  <a:schemeClr val="tx1"/>
+                </a:solidFill>
+                <a:latin typeface="Tahoma" panose="020B0604030504040204" pitchFamily="34" charset="0"/>
+                <a:ea typeface="Tahoma" panose="020B0604030504040204" pitchFamily="34" charset="0"/>
+                <a:cs typeface="Tahoma" panose="020B0604030504040204" pitchFamily="34" charset="0"/>
+              </a:rPr>
+              <a:t>si basa su 3 principi chiave: 1) Qualunque cosa può essere identificata da un URI (Uniform Resource Identifier); 2) The least power, ovvero utilizzare il linguaggio meno espressivo possibile per definire qualunque cosa; 3) Qualunque cosa può dire qualunque cosa su qualunque cosa. </a:t>
+            </a:r>
+          </a:p>
+        </p:txBody>
+      </p:sp>
+      <p:sp>
+        <p:nvSpPr>
+          <p:cNvPr id="7" name="Segnaposto numero diapositiva 6">
+            <a:extLst>
+              <a:ext uri="{FF2B5EF4-FFF2-40B4-BE49-F238E27FC236}">
+                <a16:creationId xmlns:a16="http://schemas.microsoft.com/office/drawing/2014/main" id="{AB740BE9-E218-4144-BFDE-AE473D230A3D}"/>
+              </a:ext>
+            </a:extLst>
+          </p:cNvPr>
+          <p:cNvSpPr>
+            <a:spLocks noGrp="1"/>
+          </p:cNvSpPr>
+          <p:nvPr>
+            <p:ph type="sldNum" sz="quarter" idx="12"/>
+          </p:nvPr>
+        </p:nvSpPr>
+        <p:spPr/>
+        <p:txBody>
+          <a:bodyPr/>
+          <a:lstStyle/>
+          <a:p>
+            <a:pPr>
+              <a:defRPr/>
+            </a:pPr>
+            <a:fld id="{48B4153A-D4C5-4CEF-8992-0D8815C829E3}" type="slidenum">
+              <a:rPr lang="en-US" smtClean="0"/>
+              <a:pPr>
+                <a:defRPr/>
+              </a:pPr>
+              <a:t>29</a:t>
+            </a:fld>
+            <a:endParaRPr lang="en-US" dirty="0"/>
+          </a:p>
+        </p:txBody>
+      </p:sp>
+      <p:sp>
+        <p:nvSpPr>
+          <p:cNvPr id="5" name="Titolo 4">
+            <a:extLst>
+              <a:ext uri="{FF2B5EF4-FFF2-40B4-BE49-F238E27FC236}">
+                <a16:creationId xmlns:a16="http://schemas.microsoft.com/office/drawing/2014/main" id="{82C46BA2-B380-4357-B125-BA9F08A643F5}"/>
+              </a:ext>
+            </a:extLst>
+          </p:cNvPr>
+          <p:cNvSpPr>
+            <a:spLocks noGrp="1"/>
+          </p:cNvSpPr>
+          <p:nvPr>
+            <p:ph type="title"/>
+          </p:nvPr>
+        </p:nvSpPr>
+        <p:spPr>
+          <a:xfrm>
+            <a:off x="468895" y="503475"/>
+            <a:ext cx="11269308" cy="384721"/>
+          </a:xfrm>
+        </p:spPr>
+        <p:txBody>
+          <a:bodyPr/>
+          <a:lstStyle/>
+          <a:p>
+            <a:r>
+              <a:rPr lang="it-IT" altLang="it-IT"/>
+              <a:t>RDF - Resource Description Framework</a:t>
+            </a:r>
+            <a:endParaRPr lang="it-IT" dirty="0"/>
+          </a:p>
+        </p:txBody>
+      </p:sp>
+    </p:spTree>
+    <p:extLst>
+      <p:ext uri="{BB962C8B-B14F-4D97-AF65-F5344CB8AC3E}">
+        <p14:creationId xmlns:p14="http://schemas.microsoft.com/office/powerpoint/2010/main" val="1961233345"/>
       </p:ext>
     </p:extLst>
   </p:cSld>
@@ -11627,6 +13310,3140 @@
     <p:extLst>
       <p:ext uri="{BB962C8B-B14F-4D97-AF65-F5344CB8AC3E}">
         <p14:creationId xmlns:p14="http://schemas.microsoft.com/office/powerpoint/2010/main" val="277461911"/>
+      </p:ext>
+    </p:extLst>
+  </p:cSld>
+  <p:clrMapOvr>
+    <a:masterClrMapping/>
+  </p:clrMapOvr>
+</p:sld>
+</file>
+
+<file path=ppt/slides/slide30.xml><?xml version="1.0" encoding="utf-8"?>
+<p:sld xmlns:a="http://schemas.openxmlformats.org/drawingml/2006/main" xmlns:r="http://schemas.openxmlformats.org/officeDocument/2006/relationships" xmlns:p="http://schemas.openxmlformats.org/presentationml/2006/main">
+  <p:cSld>
+    <p:spTree>
+      <p:nvGrpSpPr>
+        <p:cNvPr id="1" name=""/>
+        <p:cNvGrpSpPr/>
+        <p:nvPr/>
+      </p:nvGrpSpPr>
+      <p:grpSpPr>
+        <a:xfrm>
+          <a:off x="0" y="0"/>
+          <a:ext cx="0" cy="0"/>
+          <a:chOff x="0" y="0"/>
+          <a:chExt cx="0" cy="0"/>
+        </a:xfrm>
+      </p:grpSpPr>
+      <p:sp>
+        <p:nvSpPr>
+          <p:cNvPr id="2" name="Segnaposto testo 1">
+            <a:extLst>
+              <a:ext uri="{FF2B5EF4-FFF2-40B4-BE49-F238E27FC236}">
+                <a16:creationId xmlns:a16="http://schemas.microsoft.com/office/drawing/2014/main" id="{E5AE986C-196F-4141-A898-FA4C4198CDCC}"/>
+              </a:ext>
+            </a:extLst>
+          </p:cNvPr>
+          <p:cNvSpPr>
+            <a:spLocks noGrp="1"/>
+          </p:cNvSpPr>
+          <p:nvPr>
+            <p:ph type="body" idx="1"/>
+          </p:nvPr>
+        </p:nvSpPr>
+        <p:spPr>
+          <a:xfrm>
+            <a:off x="326297" y="1213806"/>
+            <a:ext cx="11518700" cy="4392612"/>
+          </a:xfrm>
+        </p:spPr>
+        <p:txBody>
+          <a:bodyPr/>
+          <a:lstStyle/>
+          <a:p>
+            <a:pPr marL="342900" indent="-342900">
+              <a:buFont typeface="Wingdings" panose="05000000000000000000" pitchFamily="2" charset="2"/>
+              <a:buChar char="ü"/>
+            </a:pPr>
+            <a:r>
+              <a:rPr lang="it-IT" sz="2400" b="0" i="0">
+                <a:solidFill>
+                  <a:srgbClr val="202124"/>
+                </a:solidFill>
+                <a:effectLst/>
+                <a:latin typeface="arial" panose="020B0604020202020204" pitchFamily="34" charset="0"/>
+              </a:rPr>
+              <a:t>Un </a:t>
+            </a:r>
+            <a:r>
+              <a:rPr lang="it-IT" sz="2400" b="1" i="0">
+                <a:solidFill>
+                  <a:srgbClr val="202124"/>
+                </a:solidFill>
+                <a:effectLst/>
+                <a:latin typeface="arial" panose="020B0604020202020204" pitchFamily="34" charset="0"/>
+              </a:rPr>
+              <a:t>URI</a:t>
+            </a:r>
+            <a:r>
+              <a:rPr lang="it-IT" sz="2400" b="0" i="0">
+                <a:solidFill>
+                  <a:srgbClr val="202124"/>
+                </a:solidFill>
+                <a:effectLst/>
+                <a:latin typeface="arial" panose="020B0604020202020204" pitchFamily="34" charset="0"/>
+              </a:rPr>
+              <a:t> può essere classificato come qualcosa che definisce posizioni (</a:t>
+            </a:r>
+            <a:r>
+              <a:rPr lang="it-IT" sz="2400" b="1" i="0">
+                <a:solidFill>
+                  <a:srgbClr val="202124"/>
+                </a:solidFill>
+                <a:effectLst/>
+                <a:latin typeface="arial" panose="020B0604020202020204" pitchFamily="34" charset="0"/>
+              </a:rPr>
+              <a:t>URL</a:t>
+            </a:r>
+            <a:r>
+              <a:rPr lang="it-IT" sz="2400" b="0" i="0">
+                <a:solidFill>
+                  <a:srgbClr val="202124"/>
+                </a:solidFill>
+                <a:effectLst/>
+                <a:latin typeface="arial" panose="020B0604020202020204" pitchFamily="34" charset="0"/>
+              </a:rPr>
+              <a:t>) o nomi (URN) o entrambi. Un </a:t>
+            </a:r>
+            <a:r>
+              <a:rPr lang="it-IT" sz="2400" b="1" i="0">
+                <a:solidFill>
+                  <a:srgbClr val="202124"/>
+                </a:solidFill>
+                <a:effectLst/>
+                <a:latin typeface="arial" panose="020B0604020202020204" pitchFamily="34" charset="0"/>
+              </a:rPr>
+              <a:t>URL</a:t>
+            </a:r>
+            <a:r>
+              <a:rPr lang="it-IT" sz="2400" b="0" i="0">
+                <a:solidFill>
+                  <a:srgbClr val="202124"/>
+                </a:solidFill>
+                <a:effectLst/>
+                <a:latin typeface="arial" panose="020B0604020202020204" pitchFamily="34" charset="0"/>
+              </a:rPr>
+              <a:t> (Uniform Resource Locator) </a:t>
+            </a:r>
+            <a:r>
+              <a:rPr lang="it-IT" sz="2400" i="0">
+                <a:solidFill>
+                  <a:srgbClr val="202124"/>
+                </a:solidFill>
+                <a:effectLst/>
+                <a:latin typeface="arial" panose="020B0604020202020204" pitchFamily="34" charset="0"/>
+              </a:rPr>
+              <a:t>è un </a:t>
+            </a:r>
+            <a:r>
+              <a:rPr lang="it-IT" sz="2400" b="1" i="0">
+                <a:solidFill>
+                  <a:srgbClr val="202124"/>
+                </a:solidFill>
+                <a:effectLst/>
+                <a:latin typeface="arial" panose="020B0604020202020204" pitchFamily="34" charset="0"/>
+              </a:rPr>
+              <a:t>URI</a:t>
+            </a:r>
+            <a:r>
+              <a:rPr lang="it-IT" sz="2400" b="0" i="0">
+                <a:solidFill>
+                  <a:srgbClr val="202124"/>
+                </a:solidFill>
+                <a:effectLst/>
+                <a:latin typeface="arial" panose="020B0604020202020204" pitchFamily="34" charset="0"/>
+              </a:rPr>
+              <a:t> che identifica una risorsa tramite la sua "collocazione" ("location") in un grafo. Di fatto, non identifica la risorsa per nome, ma con il modo con cui la si può reperire.</a:t>
+            </a:r>
+          </a:p>
+          <a:p>
+            <a:pPr marL="342900" indent="-342900">
+              <a:buFont typeface="Wingdings" panose="05000000000000000000" pitchFamily="2" charset="2"/>
+              <a:buChar char="ü"/>
+            </a:pPr>
+            <a:r>
+              <a:rPr lang="it-IT" sz="2400">
+                <a:solidFill>
+                  <a:schemeClr val="tx1"/>
+                </a:solidFill>
+                <a:latin typeface="Tahoma" panose="020B0604030504040204" pitchFamily="34" charset="0"/>
+                <a:ea typeface="Tahoma" panose="020B0604030504040204" pitchFamily="34" charset="0"/>
+                <a:cs typeface="Tahoma" panose="020B0604030504040204" pitchFamily="34" charset="0"/>
+              </a:rPr>
+              <a:t>Qualunque cosa descritta da </a:t>
+            </a:r>
+            <a:r>
+              <a:rPr lang="it-IT" sz="2400" b="1">
+                <a:solidFill>
+                  <a:schemeClr val="tx1"/>
+                </a:solidFill>
+                <a:latin typeface="Tahoma" panose="020B0604030504040204" pitchFamily="34" charset="0"/>
+                <a:ea typeface="Tahoma" panose="020B0604030504040204" pitchFamily="34" charset="0"/>
+                <a:cs typeface="Tahoma" panose="020B0604030504040204" pitchFamily="34" charset="0"/>
+              </a:rPr>
+              <a:t>RDF</a:t>
+            </a:r>
+            <a:r>
+              <a:rPr lang="it-IT" sz="2400">
+                <a:solidFill>
+                  <a:schemeClr val="tx1"/>
+                </a:solidFill>
+                <a:latin typeface="Tahoma" panose="020B0604030504040204" pitchFamily="34" charset="0"/>
+                <a:ea typeface="Tahoma" panose="020B0604030504040204" pitchFamily="34" charset="0"/>
+                <a:cs typeface="Tahoma" panose="020B0604030504040204" pitchFamily="34" charset="0"/>
+              </a:rPr>
+              <a:t> è detta </a:t>
+            </a:r>
+            <a:r>
+              <a:rPr lang="it-IT" sz="2400" b="1">
+                <a:solidFill>
+                  <a:schemeClr val="tx1"/>
+                </a:solidFill>
+                <a:latin typeface="Tahoma" panose="020B0604030504040204" pitchFamily="34" charset="0"/>
+                <a:ea typeface="Tahoma" panose="020B0604030504040204" pitchFamily="34" charset="0"/>
+                <a:cs typeface="Tahoma" panose="020B0604030504040204" pitchFamily="34" charset="0"/>
+              </a:rPr>
+              <a:t>risorsa</a:t>
+            </a:r>
+            <a:r>
+              <a:rPr lang="it-IT" sz="2400">
+                <a:solidFill>
+                  <a:schemeClr val="tx1"/>
+                </a:solidFill>
+                <a:latin typeface="Tahoma" panose="020B0604030504040204" pitchFamily="34" charset="0"/>
+                <a:ea typeface="Tahoma" panose="020B0604030504040204" pitchFamily="34" charset="0"/>
+                <a:cs typeface="Tahoma" panose="020B0604030504040204" pitchFamily="34" charset="0"/>
+              </a:rPr>
+              <a:t>. Una risorsa è sostanzialmente reperibile su </a:t>
+            </a:r>
+            <a:r>
+              <a:rPr lang="it-IT" sz="2400" b="1">
+                <a:solidFill>
+                  <a:schemeClr val="tx1"/>
+                </a:solidFill>
+                <a:latin typeface="Tahoma" panose="020B0604030504040204" pitchFamily="34" charset="0"/>
+                <a:ea typeface="Tahoma" panose="020B0604030504040204" pitchFamily="34" charset="0"/>
+                <a:cs typeface="Tahoma" panose="020B0604030504040204" pitchFamily="34" charset="0"/>
+              </a:rPr>
+              <a:t>web, </a:t>
+            </a:r>
+            <a:r>
+              <a:rPr lang="it-IT" sz="2400">
+                <a:solidFill>
+                  <a:schemeClr val="tx1"/>
+                </a:solidFill>
+                <a:latin typeface="Tahoma" panose="020B0604030504040204" pitchFamily="34" charset="0"/>
+                <a:ea typeface="Tahoma" panose="020B0604030504040204" pitchFamily="34" charset="0"/>
+                <a:cs typeface="Tahoma" panose="020B0604030504040204" pitchFamily="34" charset="0"/>
+              </a:rPr>
+              <a:t>ma RDF può descrivere anche risorse che non si trovano direttamente sul </a:t>
+            </a:r>
+            <a:r>
+              <a:rPr lang="it-IT" sz="2400" b="1">
+                <a:solidFill>
+                  <a:schemeClr val="tx1"/>
+                </a:solidFill>
+                <a:latin typeface="Tahoma" panose="020B0604030504040204" pitchFamily="34" charset="0"/>
+                <a:ea typeface="Tahoma" panose="020B0604030504040204" pitchFamily="34" charset="0"/>
+                <a:cs typeface="Tahoma" panose="020B0604030504040204" pitchFamily="34" charset="0"/>
+              </a:rPr>
+              <a:t>web. </a:t>
+            </a:r>
+            <a:r>
+              <a:rPr lang="it-IT" sz="2400">
+                <a:solidFill>
+                  <a:schemeClr val="tx1"/>
+                </a:solidFill>
+                <a:latin typeface="Tahoma" panose="020B0604030504040204" pitchFamily="34" charset="0"/>
+                <a:ea typeface="Tahoma" panose="020B0604030504040204" pitchFamily="34" charset="0"/>
+                <a:cs typeface="Tahoma" panose="020B0604030504040204" pitchFamily="34" charset="0"/>
+              </a:rPr>
+              <a:t>Ogni risorsa è identificata da un </a:t>
+            </a:r>
+            <a:r>
+              <a:rPr lang="it-IT" sz="2400" b="1">
+                <a:solidFill>
+                  <a:schemeClr val="tx1"/>
+                </a:solidFill>
+                <a:latin typeface="Tahoma" panose="020B0604030504040204" pitchFamily="34" charset="0"/>
+                <a:ea typeface="Tahoma" panose="020B0604030504040204" pitchFamily="34" charset="0"/>
+                <a:cs typeface="Tahoma" panose="020B0604030504040204" pitchFamily="34" charset="0"/>
+              </a:rPr>
+              <a:t>URI</a:t>
+            </a:r>
+            <a:r>
+              <a:rPr lang="it-IT" sz="2400">
+                <a:solidFill>
+                  <a:schemeClr val="tx1"/>
+                </a:solidFill>
+                <a:latin typeface="Tahoma" panose="020B0604030504040204" pitchFamily="34" charset="0"/>
+                <a:ea typeface="Tahoma" panose="020B0604030504040204" pitchFamily="34" charset="0"/>
+                <a:cs typeface="Tahoma" panose="020B0604030504040204" pitchFamily="34" charset="0"/>
+              </a:rPr>
+              <a:t>. </a:t>
+            </a:r>
+          </a:p>
+          <a:p>
+            <a:pPr marL="342900" indent="-342900">
+              <a:buFont typeface="Wingdings" panose="05000000000000000000" pitchFamily="2" charset="2"/>
+              <a:buChar char="ü"/>
+            </a:pPr>
+            <a:r>
+              <a:rPr lang="it-IT" sz="2400">
+                <a:solidFill>
+                  <a:schemeClr val="tx1"/>
+                </a:solidFill>
+                <a:latin typeface="Tahoma" panose="020B0604030504040204" pitchFamily="34" charset="0"/>
+                <a:ea typeface="Tahoma" panose="020B0604030504040204" pitchFamily="34" charset="0"/>
+                <a:cs typeface="Tahoma" panose="020B0604030504040204" pitchFamily="34" charset="0"/>
+              </a:rPr>
+              <a:t>Il modello </a:t>
+            </a:r>
+            <a:r>
+              <a:rPr lang="it-IT" sz="2400" b="1">
+                <a:solidFill>
+                  <a:schemeClr val="tx1"/>
+                </a:solidFill>
+                <a:latin typeface="Tahoma" panose="020B0604030504040204" pitchFamily="34" charset="0"/>
+                <a:ea typeface="Tahoma" panose="020B0604030504040204" pitchFamily="34" charset="0"/>
+                <a:cs typeface="Tahoma" panose="020B0604030504040204" pitchFamily="34" charset="0"/>
+              </a:rPr>
+              <a:t>RDF </a:t>
+            </a:r>
+            <a:r>
+              <a:rPr lang="it-IT" sz="2400">
+                <a:solidFill>
+                  <a:schemeClr val="tx1"/>
+                </a:solidFill>
+                <a:latin typeface="Tahoma" panose="020B0604030504040204" pitchFamily="34" charset="0"/>
+                <a:ea typeface="Tahoma" panose="020B0604030504040204" pitchFamily="34" charset="0"/>
+                <a:cs typeface="Tahoma" panose="020B0604030504040204" pitchFamily="34" charset="0"/>
+              </a:rPr>
+              <a:t>è formato da risorse, proprietà e valori: </a:t>
+            </a:r>
+          </a:p>
+          <a:p>
+            <a:pPr marL="342900" indent="-342900">
+              <a:buFont typeface="Wingdings" panose="05000000000000000000" pitchFamily="2" charset="2"/>
+              <a:buChar char="ü"/>
+            </a:pPr>
+            <a:r>
+              <a:rPr lang="it-IT" sz="2400" b="1">
+                <a:solidFill>
+                  <a:schemeClr val="tx1"/>
+                </a:solidFill>
+                <a:latin typeface="Tahoma" panose="020B0604030504040204" pitchFamily="34" charset="0"/>
+                <a:ea typeface="Tahoma" panose="020B0604030504040204" pitchFamily="34" charset="0"/>
+                <a:cs typeface="Tahoma" panose="020B0604030504040204" pitchFamily="34" charset="0"/>
+              </a:rPr>
+              <a:t>Le proprietà: </a:t>
+            </a:r>
+            <a:r>
+              <a:rPr lang="it-IT" sz="2400">
+                <a:solidFill>
+                  <a:schemeClr val="tx1"/>
+                </a:solidFill>
+                <a:latin typeface="Tahoma" panose="020B0604030504040204" pitchFamily="34" charset="0"/>
+                <a:ea typeface="Tahoma" panose="020B0604030504040204" pitchFamily="34" charset="0"/>
+                <a:cs typeface="Tahoma" panose="020B0604030504040204" pitchFamily="34" charset="0"/>
+              </a:rPr>
+              <a:t>sono delle relazioni che legano tra loro risorse e valori e sono anche esse identificate da un </a:t>
+            </a:r>
+            <a:r>
+              <a:rPr lang="it-IT" sz="2400" b="1">
+                <a:solidFill>
+                  <a:schemeClr val="tx1"/>
+                </a:solidFill>
+                <a:latin typeface="Tahoma" panose="020B0604030504040204" pitchFamily="34" charset="0"/>
+                <a:ea typeface="Tahoma" panose="020B0604030504040204" pitchFamily="34" charset="0"/>
+                <a:cs typeface="Tahoma" panose="020B0604030504040204" pitchFamily="34" charset="0"/>
+              </a:rPr>
+              <a:t>URI</a:t>
+            </a:r>
+            <a:r>
+              <a:rPr lang="it-IT" sz="2400">
+                <a:solidFill>
+                  <a:schemeClr val="tx1"/>
+                </a:solidFill>
+                <a:latin typeface="Tahoma" panose="020B0604030504040204" pitchFamily="34" charset="0"/>
+                <a:ea typeface="Tahoma" panose="020B0604030504040204" pitchFamily="34" charset="0"/>
+                <a:cs typeface="Tahoma" panose="020B0604030504040204" pitchFamily="34" charset="0"/>
+              </a:rPr>
+              <a:t>. </a:t>
+            </a:r>
+          </a:p>
+          <a:p>
+            <a:pPr marL="342900" indent="-342900">
+              <a:buFont typeface="Wingdings" panose="05000000000000000000" pitchFamily="2" charset="2"/>
+              <a:buChar char="ü"/>
+            </a:pPr>
+            <a:r>
+              <a:rPr lang="it-IT" sz="2400" b="1">
+                <a:solidFill>
+                  <a:schemeClr val="tx1"/>
+                </a:solidFill>
+                <a:latin typeface="Tahoma" panose="020B0604030504040204" pitchFamily="34" charset="0"/>
+                <a:ea typeface="Tahoma" panose="020B0604030504040204" pitchFamily="34" charset="0"/>
+                <a:cs typeface="Tahoma" panose="020B0604030504040204" pitchFamily="34" charset="0"/>
+              </a:rPr>
+              <a:t>Valore</a:t>
+            </a:r>
+            <a:r>
+              <a:rPr lang="it-IT" sz="2400">
+                <a:solidFill>
+                  <a:schemeClr val="tx1"/>
+                </a:solidFill>
+                <a:latin typeface="Tahoma" panose="020B0604030504040204" pitchFamily="34" charset="0"/>
+                <a:ea typeface="Tahoma" panose="020B0604030504040204" pitchFamily="34" charset="0"/>
+                <a:cs typeface="Tahoma" panose="020B0604030504040204" pitchFamily="34" charset="0"/>
+              </a:rPr>
+              <a:t>: è un tipo di dato primitivo, che può essere una stringa contenente </a:t>
+            </a:r>
+            <a:r>
+              <a:rPr lang="it-IT" sz="2400" b="1">
+                <a:solidFill>
+                  <a:schemeClr val="tx1"/>
+                </a:solidFill>
+                <a:latin typeface="Tahoma" panose="020B0604030504040204" pitchFamily="34" charset="0"/>
+                <a:ea typeface="Tahoma" panose="020B0604030504040204" pitchFamily="34" charset="0"/>
+                <a:cs typeface="Tahoma" panose="020B0604030504040204" pitchFamily="34" charset="0"/>
+              </a:rPr>
+              <a:t>l'URI</a:t>
+            </a:r>
+            <a:r>
+              <a:rPr lang="it-IT" sz="2400">
+                <a:solidFill>
+                  <a:schemeClr val="tx1"/>
+                </a:solidFill>
+                <a:latin typeface="Tahoma" panose="020B0604030504040204" pitchFamily="34" charset="0"/>
+                <a:ea typeface="Tahoma" panose="020B0604030504040204" pitchFamily="34" charset="0"/>
+                <a:cs typeface="Tahoma" panose="020B0604030504040204" pitchFamily="34" charset="0"/>
+              </a:rPr>
+              <a:t> di una risorsa.   </a:t>
+            </a:r>
+            <a:endParaRPr lang="it-IT" sz="2400" b="1">
+              <a:solidFill>
+                <a:schemeClr val="tx1"/>
+              </a:solidFill>
+              <a:latin typeface="Tahoma" panose="020B0604030504040204" pitchFamily="34" charset="0"/>
+              <a:ea typeface="Tahoma" panose="020B0604030504040204" pitchFamily="34" charset="0"/>
+              <a:cs typeface="Tahoma" panose="020B0604030504040204" pitchFamily="34" charset="0"/>
+            </a:endParaRPr>
+          </a:p>
+          <a:p>
+            <a:pPr marL="342900" indent="-342900">
+              <a:buFont typeface="Wingdings" panose="05000000000000000000" pitchFamily="2" charset="2"/>
+              <a:buChar char="ü"/>
+            </a:pPr>
+            <a:endParaRPr lang="it-IT" sz="2400" b="0" i="0">
+              <a:solidFill>
+                <a:srgbClr val="202124"/>
+              </a:solidFill>
+              <a:effectLst/>
+              <a:latin typeface="arial" panose="020B0604020202020204" pitchFamily="34" charset="0"/>
+            </a:endParaRPr>
+          </a:p>
+          <a:p>
+            <a:pPr marL="342900" indent="-342900">
+              <a:buFont typeface="Wingdings" panose="05000000000000000000" pitchFamily="2" charset="2"/>
+              <a:buChar char="ü"/>
+            </a:pPr>
+            <a:endParaRPr lang="it-IT" sz="2400">
+              <a:solidFill>
+                <a:srgbClr val="202124"/>
+              </a:solidFill>
+              <a:latin typeface="arial" panose="020B0604020202020204" pitchFamily="34" charset="0"/>
+            </a:endParaRPr>
+          </a:p>
+          <a:p>
+            <a:pPr algn="l"/>
+            <a:endParaRPr lang="it-IT" sz="2400" dirty="0">
+              <a:solidFill>
+                <a:schemeClr val="tx1"/>
+              </a:solidFill>
+              <a:latin typeface="Tahoma" panose="020B0604030504040204" pitchFamily="34" charset="0"/>
+              <a:ea typeface="Tahoma" panose="020B0604030504040204" pitchFamily="34" charset="0"/>
+              <a:cs typeface="Tahoma" panose="020B0604030504040204" pitchFamily="34" charset="0"/>
+            </a:endParaRPr>
+          </a:p>
+        </p:txBody>
+      </p:sp>
+      <p:sp>
+        <p:nvSpPr>
+          <p:cNvPr id="7" name="Segnaposto numero diapositiva 6">
+            <a:extLst>
+              <a:ext uri="{FF2B5EF4-FFF2-40B4-BE49-F238E27FC236}">
+                <a16:creationId xmlns:a16="http://schemas.microsoft.com/office/drawing/2014/main" id="{AB740BE9-E218-4144-BFDE-AE473D230A3D}"/>
+              </a:ext>
+            </a:extLst>
+          </p:cNvPr>
+          <p:cNvSpPr>
+            <a:spLocks noGrp="1"/>
+          </p:cNvSpPr>
+          <p:nvPr>
+            <p:ph type="sldNum" sz="quarter" idx="12"/>
+          </p:nvPr>
+        </p:nvSpPr>
+        <p:spPr/>
+        <p:txBody>
+          <a:bodyPr/>
+          <a:lstStyle/>
+          <a:p>
+            <a:pPr>
+              <a:defRPr/>
+            </a:pPr>
+            <a:fld id="{48B4153A-D4C5-4CEF-8992-0D8815C829E3}" type="slidenum">
+              <a:rPr lang="en-US" smtClean="0"/>
+              <a:pPr>
+                <a:defRPr/>
+              </a:pPr>
+              <a:t>30</a:t>
+            </a:fld>
+            <a:endParaRPr lang="en-US" dirty="0"/>
+          </a:p>
+        </p:txBody>
+      </p:sp>
+      <p:sp>
+        <p:nvSpPr>
+          <p:cNvPr id="5" name="Titolo 4">
+            <a:extLst>
+              <a:ext uri="{FF2B5EF4-FFF2-40B4-BE49-F238E27FC236}">
+                <a16:creationId xmlns:a16="http://schemas.microsoft.com/office/drawing/2014/main" id="{82C46BA2-B380-4357-B125-BA9F08A643F5}"/>
+              </a:ext>
+            </a:extLst>
+          </p:cNvPr>
+          <p:cNvSpPr>
+            <a:spLocks noGrp="1"/>
+          </p:cNvSpPr>
+          <p:nvPr>
+            <p:ph type="title"/>
+          </p:nvPr>
+        </p:nvSpPr>
+        <p:spPr>
+          <a:xfrm>
+            <a:off x="468895" y="503475"/>
+            <a:ext cx="11269308" cy="384721"/>
+          </a:xfrm>
+        </p:spPr>
+        <p:txBody>
+          <a:bodyPr/>
+          <a:lstStyle/>
+          <a:p>
+            <a:r>
+              <a:rPr lang="it-IT" altLang="it-IT"/>
+              <a:t>RDF - Principi e modello dei dati</a:t>
+            </a:r>
+            <a:endParaRPr lang="it-IT" dirty="0"/>
+          </a:p>
+        </p:txBody>
+      </p:sp>
+    </p:spTree>
+    <p:extLst>
+      <p:ext uri="{BB962C8B-B14F-4D97-AF65-F5344CB8AC3E}">
+        <p14:creationId xmlns:p14="http://schemas.microsoft.com/office/powerpoint/2010/main" val="1183596315"/>
+      </p:ext>
+    </p:extLst>
+  </p:cSld>
+  <p:clrMapOvr>
+    <a:masterClrMapping/>
+  </p:clrMapOvr>
+</p:sld>
+</file>
+
+<file path=ppt/slides/slide31.xml><?xml version="1.0" encoding="utf-8"?>
+<p:sld xmlns:a="http://schemas.openxmlformats.org/drawingml/2006/main" xmlns:r="http://schemas.openxmlformats.org/officeDocument/2006/relationships" xmlns:p="http://schemas.openxmlformats.org/presentationml/2006/main">
+  <p:cSld>
+    <p:spTree>
+      <p:nvGrpSpPr>
+        <p:cNvPr id="1" name=""/>
+        <p:cNvGrpSpPr/>
+        <p:nvPr/>
+      </p:nvGrpSpPr>
+      <p:grpSpPr>
+        <a:xfrm>
+          <a:off x="0" y="0"/>
+          <a:ext cx="0" cy="0"/>
+          <a:chOff x="0" y="0"/>
+          <a:chExt cx="0" cy="0"/>
+        </a:xfrm>
+      </p:grpSpPr>
+      <p:sp>
+        <p:nvSpPr>
+          <p:cNvPr id="2" name="Segnaposto testo 1">
+            <a:extLst>
+              <a:ext uri="{FF2B5EF4-FFF2-40B4-BE49-F238E27FC236}">
+                <a16:creationId xmlns:a16="http://schemas.microsoft.com/office/drawing/2014/main" id="{E5AE986C-196F-4141-A898-FA4C4198CDCC}"/>
+              </a:ext>
+            </a:extLst>
+          </p:cNvPr>
+          <p:cNvSpPr>
+            <a:spLocks noGrp="1"/>
+          </p:cNvSpPr>
+          <p:nvPr>
+            <p:ph type="body" idx="1"/>
+          </p:nvPr>
+        </p:nvSpPr>
+        <p:spPr>
+          <a:xfrm>
+            <a:off x="326297" y="1213806"/>
+            <a:ext cx="8221802" cy="4392612"/>
+          </a:xfrm>
+        </p:spPr>
+        <p:txBody>
+          <a:bodyPr/>
+          <a:lstStyle/>
+          <a:p>
+            <a:pPr marL="342900" indent="-342900">
+              <a:buFont typeface="Wingdings" panose="05000000000000000000" pitchFamily="2" charset="2"/>
+              <a:buChar char="ü"/>
+            </a:pPr>
+            <a:r>
+              <a:rPr lang="it-IT" sz="2400" b="0" i="0">
+                <a:solidFill>
+                  <a:srgbClr val="202124"/>
+                </a:solidFill>
+                <a:effectLst/>
+                <a:latin typeface="Tahoma" panose="020B0604030504040204" pitchFamily="34" charset="0"/>
+                <a:ea typeface="Tahoma" panose="020B0604030504040204" pitchFamily="34" charset="0"/>
+                <a:cs typeface="Tahoma" panose="020B0604030504040204" pitchFamily="34" charset="0"/>
+              </a:rPr>
+              <a:t>L'unità di base per rappresentare un'informazione in </a:t>
+            </a:r>
+            <a:r>
+              <a:rPr lang="it-IT" sz="2400" b="1" i="0">
+                <a:solidFill>
+                  <a:srgbClr val="202124"/>
+                </a:solidFill>
+                <a:effectLst/>
+                <a:latin typeface="Tahoma" panose="020B0604030504040204" pitchFamily="34" charset="0"/>
+                <a:ea typeface="Tahoma" panose="020B0604030504040204" pitchFamily="34" charset="0"/>
+                <a:cs typeface="Tahoma" panose="020B0604030504040204" pitchFamily="34" charset="0"/>
+              </a:rPr>
+              <a:t>RDF </a:t>
+            </a:r>
+            <a:r>
+              <a:rPr lang="it-IT" sz="2400" i="0">
+                <a:solidFill>
+                  <a:srgbClr val="202124"/>
+                </a:solidFill>
+                <a:effectLst/>
+                <a:latin typeface="Tahoma" panose="020B0604030504040204" pitchFamily="34" charset="0"/>
+                <a:ea typeface="Tahoma" panose="020B0604030504040204" pitchFamily="34" charset="0"/>
+                <a:cs typeface="Tahoma" panose="020B0604030504040204" pitchFamily="34" charset="0"/>
+              </a:rPr>
+              <a:t>è lo statement. Uno statement è una tripla del tipo </a:t>
+            </a:r>
+            <a:r>
+              <a:rPr lang="it-IT" sz="2400" b="1">
+                <a:solidFill>
+                  <a:srgbClr val="202124"/>
+                </a:solidFill>
+                <a:effectLst/>
+                <a:latin typeface="Tahoma" panose="020B0604030504040204" pitchFamily="34" charset="0"/>
+                <a:ea typeface="Tahoma" panose="020B0604030504040204" pitchFamily="34" charset="0"/>
+                <a:cs typeface="Tahoma" panose="020B0604030504040204" pitchFamily="34" charset="0"/>
+              </a:rPr>
+              <a:t>Soggetto-Predicato-Oggetto, </a:t>
+            </a:r>
+            <a:r>
+              <a:rPr lang="it-IT" sz="2400">
+                <a:solidFill>
+                  <a:srgbClr val="202124"/>
+                </a:solidFill>
+                <a:effectLst/>
+                <a:latin typeface="Tahoma" panose="020B0604030504040204" pitchFamily="34" charset="0"/>
+                <a:ea typeface="Tahoma" panose="020B0604030504040204" pitchFamily="34" charset="0"/>
+                <a:cs typeface="Tahoma" panose="020B0604030504040204" pitchFamily="34" charset="0"/>
+              </a:rPr>
+              <a:t>dove il soggetto è una risorsa, il predicato è una proprietà e l'oggetto è un valore (e quindi anche un </a:t>
+            </a:r>
+            <a:r>
+              <a:rPr lang="it-IT" sz="2400" b="1" i="0">
+                <a:solidFill>
+                  <a:srgbClr val="202124"/>
+                </a:solidFill>
+                <a:effectLst/>
+                <a:latin typeface="Tahoma" panose="020B0604030504040204" pitchFamily="34" charset="0"/>
+                <a:ea typeface="Tahoma" panose="020B0604030504040204" pitchFamily="34" charset="0"/>
+                <a:cs typeface="Tahoma" panose="020B0604030504040204" pitchFamily="34" charset="0"/>
+              </a:rPr>
+              <a:t>URI</a:t>
+            </a:r>
+            <a:r>
+              <a:rPr lang="it-IT" sz="2400" b="0" i="0">
+                <a:solidFill>
+                  <a:srgbClr val="202124"/>
+                </a:solidFill>
+                <a:effectLst/>
+                <a:latin typeface="Tahoma" panose="020B0604030504040204" pitchFamily="34" charset="0"/>
+                <a:ea typeface="Tahoma" panose="020B0604030504040204" pitchFamily="34" charset="0"/>
+                <a:cs typeface="Tahoma" panose="020B0604030504040204" pitchFamily="34" charset="0"/>
+              </a:rPr>
+              <a:t> che punta ad un'altra risorsa). </a:t>
+            </a:r>
+          </a:p>
+          <a:p>
+            <a:pPr marL="342900" indent="-342900">
+              <a:buFont typeface="Wingdings" panose="05000000000000000000" pitchFamily="2" charset="2"/>
+              <a:buChar char="ü"/>
+            </a:pPr>
+            <a:r>
+              <a:rPr lang="it-IT" sz="2400">
+                <a:solidFill>
+                  <a:srgbClr val="202124"/>
+                </a:solidFill>
+                <a:latin typeface="Tahoma" panose="020B0604030504040204" pitchFamily="34" charset="0"/>
+                <a:ea typeface="Tahoma" panose="020B0604030504040204" pitchFamily="34" charset="0"/>
+                <a:cs typeface="Tahoma" panose="020B0604030504040204" pitchFamily="34" charset="0"/>
+              </a:rPr>
+              <a:t>Il data model </a:t>
+            </a:r>
+            <a:r>
+              <a:rPr lang="it-IT" sz="2400" b="1">
+                <a:solidFill>
+                  <a:srgbClr val="202124"/>
+                </a:solidFill>
+                <a:latin typeface="Tahoma" panose="020B0604030504040204" pitchFamily="34" charset="0"/>
+                <a:ea typeface="Tahoma" panose="020B0604030504040204" pitchFamily="34" charset="0"/>
+                <a:cs typeface="Tahoma" panose="020B0604030504040204" pitchFamily="34" charset="0"/>
+              </a:rPr>
+              <a:t>RDF </a:t>
+            </a:r>
+            <a:r>
+              <a:rPr lang="it-IT" sz="2400">
+                <a:solidFill>
+                  <a:srgbClr val="202124"/>
+                </a:solidFill>
+                <a:latin typeface="Tahoma" panose="020B0604030504040204" pitchFamily="34" charset="0"/>
+                <a:ea typeface="Tahoma" panose="020B0604030504040204" pitchFamily="34" charset="0"/>
+                <a:cs typeface="Tahoma" panose="020B0604030504040204" pitchFamily="34" charset="0"/>
+              </a:rPr>
+              <a:t>permette di definire un modello semplice per descrivere le relazioni tra le risorse, in termini di proprietà identificate da un nome e relativi valori.</a:t>
+            </a:r>
+          </a:p>
+          <a:p>
+            <a:pPr marL="342900" indent="-342900" algn="just">
+              <a:buFont typeface="Wingdings" panose="05000000000000000000" pitchFamily="2" charset="2"/>
+              <a:buChar char="ü"/>
+            </a:pPr>
+            <a:r>
+              <a:rPr lang="it-IT" sz="2400">
+                <a:solidFill>
+                  <a:srgbClr val="202124"/>
+                </a:solidFill>
+                <a:latin typeface="Tahoma" panose="020B0604030504040204" pitchFamily="34" charset="0"/>
+                <a:ea typeface="Tahoma" panose="020B0604030504040204" pitchFamily="34" charset="0"/>
+                <a:cs typeface="Tahoma" panose="020B0604030504040204" pitchFamily="34" charset="0"/>
+              </a:rPr>
+              <a:t>Tuttavia </a:t>
+            </a:r>
+            <a:r>
+              <a:rPr lang="it-IT" sz="2400" b="1">
+                <a:solidFill>
+                  <a:srgbClr val="202124"/>
+                </a:solidFill>
+                <a:latin typeface="Tahoma" panose="020B0604030504040204" pitchFamily="34" charset="0"/>
+                <a:ea typeface="Tahoma" panose="020B0604030504040204" pitchFamily="34" charset="0"/>
+                <a:cs typeface="Tahoma" panose="020B0604030504040204" pitchFamily="34" charset="0"/>
+              </a:rPr>
+              <a:t>RDF </a:t>
+            </a:r>
+            <a:r>
+              <a:rPr lang="it-IT" sz="2400">
+                <a:solidFill>
+                  <a:srgbClr val="202124"/>
+                </a:solidFill>
+                <a:latin typeface="Tahoma" panose="020B0604030504040204" pitchFamily="34" charset="0"/>
+                <a:ea typeface="Tahoma" panose="020B0604030504040204" pitchFamily="34" charset="0"/>
+                <a:cs typeface="Tahoma" panose="020B0604030504040204" pitchFamily="34" charset="0"/>
+              </a:rPr>
+              <a:t>non fornisce nessun meccanismo per dichiarare queste proprietà, nè per definire le relazioni tra queste proprietà ed altre risorse. Tale compito è definito da </a:t>
+            </a:r>
+            <a:r>
+              <a:rPr lang="it-IT" sz="2400" b="1">
+                <a:solidFill>
+                  <a:srgbClr val="202124"/>
+                </a:solidFill>
+                <a:latin typeface="Tahoma" panose="020B0604030504040204" pitchFamily="34" charset="0"/>
+                <a:ea typeface="Tahoma" panose="020B0604030504040204" pitchFamily="34" charset="0"/>
+                <a:cs typeface="Tahoma" panose="020B0604030504040204" pitchFamily="34" charset="0"/>
+              </a:rPr>
+              <a:t>RDF Schema.</a:t>
+            </a:r>
+            <a:r>
+              <a:rPr lang="it-IT" sz="2400">
+                <a:solidFill>
+                  <a:srgbClr val="202124"/>
+                </a:solidFill>
+                <a:latin typeface="Tahoma" panose="020B0604030504040204" pitchFamily="34" charset="0"/>
+                <a:ea typeface="Tahoma" panose="020B0604030504040204" pitchFamily="34" charset="0"/>
+                <a:cs typeface="Tahoma" panose="020B0604030504040204" pitchFamily="34" charset="0"/>
+              </a:rPr>
+              <a:t> </a:t>
+            </a:r>
+            <a:endParaRPr lang="it-IT" sz="2400" dirty="0">
+              <a:solidFill>
+                <a:schemeClr val="tx1"/>
+              </a:solidFill>
+              <a:latin typeface="Tahoma" panose="020B0604030504040204" pitchFamily="34" charset="0"/>
+              <a:ea typeface="Tahoma" panose="020B0604030504040204" pitchFamily="34" charset="0"/>
+              <a:cs typeface="Tahoma" panose="020B0604030504040204" pitchFamily="34" charset="0"/>
+            </a:endParaRPr>
+          </a:p>
+        </p:txBody>
+      </p:sp>
+      <p:sp>
+        <p:nvSpPr>
+          <p:cNvPr id="7" name="Segnaposto numero diapositiva 6">
+            <a:extLst>
+              <a:ext uri="{FF2B5EF4-FFF2-40B4-BE49-F238E27FC236}">
+                <a16:creationId xmlns:a16="http://schemas.microsoft.com/office/drawing/2014/main" id="{AB740BE9-E218-4144-BFDE-AE473D230A3D}"/>
+              </a:ext>
+            </a:extLst>
+          </p:cNvPr>
+          <p:cNvSpPr>
+            <a:spLocks noGrp="1"/>
+          </p:cNvSpPr>
+          <p:nvPr>
+            <p:ph type="sldNum" sz="quarter" idx="12"/>
+          </p:nvPr>
+        </p:nvSpPr>
+        <p:spPr/>
+        <p:txBody>
+          <a:bodyPr/>
+          <a:lstStyle/>
+          <a:p>
+            <a:pPr>
+              <a:defRPr/>
+            </a:pPr>
+            <a:fld id="{48B4153A-D4C5-4CEF-8992-0D8815C829E3}" type="slidenum">
+              <a:rPr lang="en-US" smtClean="0"/>
+              <a:pPr>
+                <a:defRPr/>
+              </a:pPr>
+              <a:t>31</a:t>
+            </a:fld>
+            <a:endParaRPr lang="en-US" dirty="0"/>
+          </a:p>
+        </p:txBody>
+      </p:sp>
+      <p:sp>
+        <p:nvSpPr>
+          <p:cNvPr id="5" name="Titolo 4">
+            <a:extLst>
+              <a:ext uri="{FF2B5EF4-FFF2-40B4-BE49-F238E27FC236}">
+                <a16:creationId xmlns:a16="http://schemas.microsoft.com/office/drawing/2014/main" id="{82C46BA2-B380-4357-B125-BA9F08A643F5}"/>
+              </a:ext>
+            </a:extLst>
+          </p:cNvPr>
+          <p:cNvSpPr>
+            <a:spLocks noGrp="1"/>
+          </p:cNvSpPr>
+          <p:nvPr>
+            <p:ph type="title"/>
+          </p:nvPr>
+        </p:nvSpPr>
+        <p:spPr>
+          <a:xfrm>
+            <a:off x="468895" y="503475"/>
+            <a:ext cx="11269308" cy="384721"/>
+          </a:xfrm>
+        </p:spPr>
+        <p:txBody>
+          <a:bodyPr/>
+          <a:lstStyle/>
+          <a:p>
+            <a:r>
+              <a:rPr lang="it-IT" altLang="it-IT"/>
+              <a:t>RDF - Principi e modello dei dati</a:t>
+            </a:r>
+            <a:endParaRPr lang="it-IT" dirty="0"/>
+          </a:p>
+        </p:txBody>
+      </p:sp>
+      <p:pic>
+        <p:nvPicPr>
+          <p:cNvPr id="4" name="Immagine 3">
+            <a:extLst>
+              <a:ext uri="{FF2B5EF4-FFF2-40B4-BE49-F238E27FC236}">
+                <a16:creationId xmlns:a16="http://schemas.microsoft.com/office/drawing/2014/main" id="{BD6B8987-64FD-8A07-D0DC-F533F24CD87A}"/>
+              </a:ext>
+            </a:extLst>
+          </p:cNvPr>
+          <p:cNvPicPr>
+            <a:picLocks noChangeAspect="1"/>
+          </p:cNvPicPr>
+          <p:nvPr/>
+        </p:nvPicPr>
+        <p:blipFill>
+          <a:blip r:embed="rId2"/>
+          <a:stretch>
+            <a:fillRect/>
+          </a:stretch>
+        </p:blipFill>
+        <p:spPr>
+          <a:xfrm>
+            <a:off x="8129215" y="2780632"/>
+            <a:ext cx="3736488" cy="1935206"/>
+          </a:xfrm>
+          <a:prstGeom prst="rect">
+            <a:avLst/>
+          </a:prstGeom>
+        </p:spPr>
+      </p:pic>
+    </p:spTree>
+    <p:extLst>
+      <p:ext uri="{BB962C8B-B14F-4D97-AF65-F5344CB8AC3E}">
+        <p14:creationId xmlns:p14="http://schemas.microsoft.com/office/powerpoint/2010/main" val="2289001643"/>
+      </p:ext>
+    </p:extLst>
+  </p:cSld>
+  <p:clrMapOvr>
+    <a:masterClrMapping/>
+  </p:clrMapOvr>
+</p:sld>
+</file>
+
+<file path=ppt/slides/slide32.xml><?xml version="1.0" encoding="utf-8"?>
+<p:sld xmlns:a="http://schemas.openxmlformats.org/drawingml/2006/main" xmlns:r="http://schemas.openxmlformats.org/officeDocument/2006/relationships" xmlns:p="http://schemas.openxmlformats.org/presentationml/2006/main">
+  <p:cSld>
+    <p:spTree>
+      <p:nvGrpSpPr>
+        <p:cNvPr id="1" name=""/>
+        <p:cNvGrpSpPr/>
+        <p:nvPr/>
+      </p:nvGrpSpPr>
+      <p:grpSpPr>
+        <a:xfrm>
+          <a:off x="0" y="0"/>
+          <a:ext cx="0" cy="0"/>
+          <a:chOff x="0" y="0"/>
+          <a:chExt cx="0" cy="0"/>
+        </a:xfrm>
+      </p:grpSpPr>
+      <p:sp>
+        <p:nvSpPr>
+          <p:cNvPr id="2" name="Segnaposto testo 1">
+            <a:extLst>
+              <a:ext uri="{FF2B5EF4-FFF2-40B4-BE49-F238E27FC236}">
+                <a16:creationId xmlns:a16="http://schemas.microsoft.com/office/drawing/2014/main" id="{E5AE986C-196F-4141-A898-FA4C4198CDCC}"/>
+              </a:ext>
+            </a:extLst>
+          </p:cNvPr>
+          <p:cNvSpPr>
+            <a:spLocks noGrp="1"/>
+          </p:cNvSpPr>
+          <p:nvPr>
+            <p:ph type="body" idx="1"/>
+          </p:nvPr>
+        </p:nvSpPr>
+        <p:spPr>
+          <a:xfrm>
+            <a:off x="326297" y="1213806"/>
+            <a:ext cx="11411906" cy="4392612"/>
+          </a:xfrm>
+        </p:spPr>
+        <p:txBody>
+          <a:bodyPr/>
+          <a:lstStyle/>
+          <a:p>
+            <a:pPr marL="342900" indent="-342900">
+              <a:buFont typeface="Wingdings" panose="05000000000000000000" pitchFamily="2" charset="2"/>
+              <a:buChar char="ü"/>
+            </a:pPr>
+            <a:r>
+              <a:rPr lang="it-IT" sz="2400" b="1" i="0">
+                <a:solidFill>
+                  <a:srgbClr val="202124"/>
+                </a:solidFill>
+                <a:effectLst/>
+                <a:latin typeface="Tahoma" panose="020B0604030504040204" pitchFamily="34" charset="0"/>
+                <a:ea typeface="Tahoma" panose="020B0604030504040204" pitchFamily="34" charset="0"/>
+                <a:cs typeface="Tahoma" panose="020B0604030504040204" pitchFamily="34" charset="0"/>
+              </a:rPr>
+              <a:t>RDF </a:t>
+            </a:r>
+            <a:r>
+              <a:rPr lang="it-IT" sz="2400" i="0">
+                <a:solidFill>
+                  <a:srgbClr val="202124"/>
+                </a:solidFill>
+                <a:effectLst/>
+                <a:latin typeface="Tahoma" panose="020B0604030504040204" pitchFamily="34" charset="0"/>
+                <a:ea typeface="Tahoma" panose="020B0604030504040204" pitchFamily="34" charset="0"/>
+                <a:cs typeface="Tahoma" panose="020B0604030504040204" pitchFamily="34" charset="0"/>
+              </a:rPr>
+              <a:t>quando deve far riferimento a più di una risorsa, per esempio per descrivere il fatto che la risorsa è associata a più proprietà, definisce dei contenitori (container), ossia liste di risorse.</a:t>
+            </a:r>
+          </a:p>
+          <a:p>
+            <a:pPr marL="342900" indent="-342900">
+              <a:buFont typeface="Wingdings" panose="05000000000000000000" pitchFamily="2" charset="2"/>
+              <a:buChar char="ü"/>
+            </a:pPr>
+            <a:r>
+              <a:rPr lang="it-IT" sz="2400">
+                <a:solidFill>
+                  <a:srgbClr val="202124"/>
+                </a:solidFill>
+                <a:latin typeface="Tahoma" panose="020B0604030504040204" pitchFamily="34" charset="0"/>
+                <a:ea typeface="Tahoma" panose="020B0604030504040204" pitchFamily="34" charset="0"/>
+                <a:cs typeface="Tahoma" panose="020B0604030504040204" pitchFamily="34" charset="0"/>
+              </a:rPr>
+              <a:t>Tre sono i tipi di contenitori: </a:t>
+            </a:r>
+          </a:p>
+          <a:p>
+            <a:pPr marL="342900" indent="-342900">
+              <a:buFont typeface="Wingdings" panose="05000000000000000000" pitchFamily="2" charset="2"/>
+              <a:buChar char="ü"/>
+            </a:pPr>
+            <a:r>
+              <a:rPr lang="it-IT" sz="2400" b="1" i="0">
+                <a:solidFill>
+                  <a:srgbClr val="202124"/>
+                </a:solidFill>
+                <a:effectLst/>
+                <a:latin typeface="Tahoma" panose="020B0604030504040204" pitchFamily="34" charset="0"/>
+                <a:ea typeface="Tahoma" panose="020B0604030504040204" pitchFamily="34" charset="0"/>
+                <a:cs typeface="Tahoma" panose="020B0604030504040204" pitchFamily="34" charset="0"/>
+              </a:rPr>
+              <a:t>Bag: </a:t>
+            </a:r>
+            <a:r>
+              <a:rPr lang="it-IT" sz="2400" i="0">
+                <a:solidFill>
+                  <a:srgbClr val="202124"/>
+                </a:solidFill>
+                <a:effectLst/>
+                <a:latin typeface="Tahoma" panose="020B0604030504040204" pitchFamily="34" charset="0"/>
+                <a:ea typeface="Tahoma" panose="020B0604030504040204" pitchFamily="34" charset="0"/>
+                <a:cs typeface="Tahoma" panose="020B0604030504040204" pitchFamily="34" charset="0"/>
+              </a:rPr>
+              <a:t>è una lista non ordinata di risorse o costanti. Viene utilizzato per dichiarare che una proprietà ha valori multipli. Per esempio i componenti di un convegno. </a:t>
+            </a:r>
+          </a:p>
+          <a:p>
+            <a:pPr marL="342900" indent="-342900">
+              <a:buFont typeface="Wingdings" panose="05000000000000000000" pitchFamily="2" charset="2"/>
+              <a:buChar char="ü"/>
+            </a:pPr>
+            <a:r>
+              <a:rPr lang="it-IT" sz="2400" b="1" i="0">
+                <a:solidFill>
+                  <a:srgbClr val="202124"/>
+                </a:solidFill>
+                <a:effectLst/>
+                <a:latin typeface="Tahoma" panose="020B0604030504040204" pitchFamily="34" charset="0"/>
+                <a:ea typeface="Tahoma" panose="020B0604030504040204" pitchFamily="34" charset="0"/>
+                <a:cs typeface="Tahoma" panose="020B0604030504040204" pitchFamily="34" charset="0"/>
+              </a:rPr>
+              <a:t>Sequence: </a:t>
+            </a:r>
+            <a:r>
+              <a:rPr lang="it-IT" sz="2400" i="0">
+                <a:solidFill>
+                  <a:srgbClr val="202124"/>
+                </a:solidFill>
+                <a:effectLst/>
+                <a:latin typeface="Tahoma" panose="020B0604030504040204" pitchFamily="34" charset="0"/>
+                <a:ea typeface="Tahoma" panose="020B0604030504040204" pitchFamily="34" charset="0"/>
+                <a:cs typeface="Tahoma" panose="020B0604030504040204" pitchFamily="34" charset="0"/>
+              </a:rPr>
+              <a:t>differisce da Bag per il fatto che l'ordine delle risorse è significativo. Per esempio si vuole mantenere l'ordine alfabetico di un insieme di nomi, gli autori di un sito. </a:t>
+            </a:r>
+          </a:p>
+          <a:p>
+            <a:pPr marL="342900" indent="-342900">
+              <a:buFont typeface="Wingdings" panose="05000000000000000000" pitchFamily="2" charset="2"/>
+              <a:buChar char="ü"/>
+            </a:pPr>
+            <a:r>
+              <a:rPr lang="it-IT" sz="2400" b="1">
+                <a:solidFill>
+                  <a:srgbClr val="202124"/>
+                </a:solidFill>
+                <a:latin typeface="Tahoma" panose="020B0604030504040204" pitchFamily="34" charset="0"/>
+                <a:ea typeface="Tahoma" panose="020B0604030504040204" pitchFamily="34" charset="0"/>
+                <a:cs typeface="Tahoma" panose="020B0604030504040204" pitchFamily="34" charset="0"/>
+              </a:rPr>
+              <a:t>Alternative: </a:t>
+            </a:r>
+            <a:r>
+              <a:rPr lang="it-IT" sz="2400">
+                <a:solidFill>
+                  <a:srgbClr val="202124"/>
+                </a:solidFill>
+                <a:latin typeface="Tahoma" panose="020B0604030504040204" pitchFamily="34" charset="0"/>
+                <a:ea typeface="Tahoma" panose="020B0604030504040204" pitchFamily="34" charset="0"/>
+                <a:cs typeface="Tahoma" panose="020B0604030504040204" pitchFamily="34" charset="0"/>
+              </a:rPr>
+              <a:t>è una lista di risorse che definiscono un'alternativa per il valore singolo di una proprietà. Per esempio per fornire titoli alternativi in varie lingue. </a:t>
+            </a:r>
+            <a:endParaRPr lang="it-IT" sz="2400" b="1" i="0">
+              <a:solidFill>
+                <a:srgbClr val="202124"/>
+              </a:solidFill>
+              <a:effectLst/>
+              <a:latin typeface="Tahoma" panose="020B0604030504040204" pitchFamily="34" charset="0"/>
+              <a:ea typeface="Tahoma" panose="020B0604030504040204" pitchFamily="34" charset="0"/>
+              <a:cs typeface="Tahoma" panose="020B0604030504040204" pitchFamily="34" charset="0"/>
+            </a:endParaRPr>
+          </a:p>
+        </p:txBody>
+      </p:sp>
+      <p:sp>
+        <p:nvSpPr>
+          <p:cNvPr id="7" name="Segnaposto numero diapositiva 6">
+            <a:extLst>
+              <a:ext uri="{FF2B5EF4-FFF2-40B4-BE49-F238E27FC236}">
+                <a16:creationId xmlns:a16="http://schemas.microsoft.com/office/drawing/2014/main" id="{AB740BE9-E218-4144-BFDE-AE473D230A3D}"/>
+              </a:ext>
+            </a:extLst>
+          </p:cNvPr>
+          <p:cNvSpPr>
+            <a:spLocks noGrp="1"/>
+          </p:cNvSpPr>
+          <p:nvPr>
+            <p:ph type="sldNum" sz="quarter" idx="12"/>
+          </p:nvPr>
+        </p:nvSpPr>
+        <p:spPr/>
+        <p:txBody>
+          <a:bodyPr/>
+          <a:lstStyle/>
+          <a:p>
+            <a:pPr>
+              <a:defRPr/>
+            </a:pPr>
+            <a:fld id="{48B4153A-D4C5-4CEF-8992-0D8815C829E3}" type="slidenum">
+              <a:rPr lang="en-US" smtClean="0"/>
+              <a:pPr>
+                <a:defRPr/>
+              </a:pPr>
+              <a:t>32</a:t>
+            </a:fld>
+            <a:endParaRPr lang="en-US" dirty="0"/>
+          </a:p>
+        </p:txBody>
+      </p:sp>
+      <p:sp>
+        <p:nvSpPr>
+          <p:cNvPr id="5" name="Titolo 4">
+            <a:extLst>
+              <a:ext uri="{FF2B5EF4-FFF2-40B4-BE49-F238E27FC236}">
+                <a16:creationId xmlns:a16="http://schemas.microsoft.com/office/drawing/2014/main" id="{82C46BA2-B380-4357-B125-BA9F08A643F5}"/>
+              </a:ext>
+            </a:extLst>
+          </p:cNvPr>
+          <p:cNvSpPr>
+            <a:spLocks noGrp="1"/>
+          </p:cNvSpPr>
+          <p:nvPr>
+            <p:ph type="title"/>
+          </p:nvPr>
+        </p:nvSpPr>
+        <p:spPr>
+          <a:xfrm>
+            <a:off x="468895" y="503475"/>
+            <a:ext cx="11269308" cy="384721"/>
+          </a:xfrm>
+        </p:spPr>
+        <p:txBody>
+          <a:bodyPr/>
+          <a:lstStyle/>
+          <a:p>
+            <a:r>
+              <a:rPr lang="it-IT" altLang="it-IT"/>
+              <a:t>RDF - Container</a:t>
+            </a:r>
+            <a:endParaRPr lang="it-IT" dirty="0"/>
+          </a:p>
+        </p:txBody>
+      </p:sp>
+    </p:spTree>
+    <p:extLst>
+      <p:ext uri="{BB962C8B-B14F-4D97-AF65-F5344CB8AC3E}">
+        <p14:creationId xmlns:p14="http://schemas.microsoft.com/office/powerpoint/2010/main" val="3724528411"/>
+      </p:ext>
+    </p:extLst>
+  </p:cSld>
+  <p:clrMapOvr>
+    <a:masterClrMapping/>
+  </p:clrMapOvr>
+</p:sld>
+</file>
+
+<file path=ppt/slides/slide33.xml><?xml version="1.0" encoding="utf-8"?>
+<p:sld xmlns:a="http://schemas.openxmlformats.org/drawingml/2006/main" xmlns:r="http://schemas.openxmlformats.org/officeDocument/2006/relationships" xmlns:p="http://schemas.openxmlformats.org/presentationml/2006/main">
+  <p:cSld>
+    <p:spTree>
+      <p:nvGrpSpPr>
+        <p:cNvPr id="1" name=""/>
+        <p:cNvGrpSpPr/>
+        <p:nvPr/>
+      </p:nvGrpSpPr>
+      <p:grpSpPr>
+        <a:xfrm>
+          <a:off x="0" y="0"/>
+          <a:ext cx="0" cy="0"/>
+          <a:chOff x="0" y="0"/>
+          <a:chExt cx="0" cy="0"/>
+        </a:xfrm>
+      </p:grpSpPr>
+      <p:sp>
+        <p:nvSpPr>
+          <p:cNvPr id="2" name="Segnaposto testo 1">
+            <a:extLst>
+              <a:ext uri="{FF2B5EF4-FFF2-40B4-BE49-F238E27FC236}">
+                <a16:creationId xmlns:a16="http://schemas.microsoft.com/office/drawing/2014/main" id="{E5AE986C-196F-4141-A898-FA4C4198CDCC}"/>
+              </a:ext>
+            </a:extLst>
+          </p:cNvPr>
+          <p:cNvSpPr>
+            <a:spLocks noGrp="1"/>
+          </p:cNvSpPr>
+          <p:nvPr>
+            <p:ph type="body" idx="1"/>
+          </p:nvPr>
+        </p:nvSpPr>
+        <p:spPr>
+          <a:xfrm>
+            <a:off x="326297" y="1213806"/>
+            <a:ext cx="11721324" cy="4392612"/>
+          </a:xfrm>
+        </p:spPr>
+        <p:txBody>
+          <a:bodyPr/>
+          <a:lstStyle/>
+          <a:p>
+            <a:pPr marL="342900" indent="-342900">
+              <a:buFont typeface="Wingdings" panose="05000000000000000000" pitchFamily="2" charset="2"/>
+              <a:buChar char="ü"/>
+            </a:pPr>
+            <a:r>
+              <a:rPr lang="it-IT" sz="2400">
+                <a:solidFill>
+                  <a:srgbClr val="202124"/>
+                </a:solidFill>
+                <a:latin typeface="Tahoma" panose="020B0604030504040204" pitchFamily="34" charset="0"/>
+                <a:ea typeface="Tahoma" panose="020B0604030504040204" pitchFamily="34" charset="0"/>
+                <a:cs typeface="Tahoma" panose="020B0604030504040204" pitchFamily="34" charset="0"/>
+              </a:rPr>
+              <a:t>Un modello </a:t>
+            </a:r>
+            <a:r>
+              <a:rPr lang="it-IT" sz="2400" b="1" i="0">
+                <a:solidFill>
+                  <a:srgbClr val="202124"/>
+                </a:solidFill>
+                <a:effectLst/>
+                <a:latin typeface="Tahoma" panose="020B0604030504040204" pitchFamily="34" charset="0"/>
+                <a:ea typeface="Tahoma" panose="020B0604030504040204" pitchFamily="34" charset="0"/>
+                <a:cs typeface="Tahoma" panose="020B0604030504040204" pitchFamily="34" charset="0"/>
+              </a:rPr>
+              <a:t>RDF </a:t>
+            </a:r>
+            <a:r>
+              <a:rPr lang="it-IT" sz="2400" i="0">
+                <a:solidFill>
+                  <a:srgbClr val="202124"/>
+                </a:solidFill>
+                <a:effectLst/>
+                <a:latin typeface="Tahoma" panose="020B0604030504040204" pitchFamily="34" charset="0"/>
+                <a:ea typeface="Tahoma" panose="020B0604030504040204" pitchFamily="34" charset="0"/>
+                <a:cs typeface="Tahoma" panose="020B0604030504040204" pitchFamily="34" charset="0"/>
+              </a:rPr>
+              <a:t>è rappresentato da un </a:t>
+            </a:r>
+            <a:r>
+              <a:rPr lang="it-IT" sz="2400" b="1" i="0">
+                <a:solidFill>
+                  <a:srgbClr val="202124"/>
+                </a:solidFill>
+                <a:effectLst/>
+                <a:latin typeface="Tahoma" panose="020B0604030504040204" pitchFamily="34" charset="0"/>
+                <a:ea typeface="Tahoma" panose="020B0604030504040204" pitchFamily="34" charset="0"/>
+                <a:cs typeface="Tahoma" panose="020B0604030504040204" pitchFamily="34" charset="0"/>
+              </a:rPr>
+              <a:t>grafo</a:t>
+            </a:r>
+            <a:r>
+              <a:rPr lang="it-IT" sz="2400" i="0">
+                <a:solidFill>
+                  <a:srgbClr val="202124"/>
+                </a:solidFill>
+                <a:effectLst/>
+                <a:latin typeface="Tahoma" panose="020B0604030504040204" pitchFamily="34" charset="0"/>
+                <a:ea typeface="Tahoma" panose="020B0604030504040204" pitchFamily="34" charset="0"/>
+                <a:cs typeface="Tahoma" panose="020B0604030504040204" pitchFamily="34" charset="0"/>
+              </a:rPr>
+              <a:t> orientato sui cui nodi ci sono risorse o tipi primitivi e i cui archi rappresentano le proprietà. </a:t>
+            </a:r>
+          </a:p>
+          <a:p>
+            <a:pPr marL="342900" indent="-342900">
+              <a:buFont typeface="Wingdings" panose="05000000000000000000" pitchFamily="2" charset="2"/>
+              <a:buChar char="ü"/>
+            </a:pPr>
+            <a:r>
+              <a:rPr lang="it-IT" sz="2400">
+                <a:solidFill>
+                  <a:srgbClr val="202124"/>
+                </a:solidFill>
+                <a:latin typeface="Tahoma" panose="020B0604030504040204" pitchFamily="34" charset="0"/>
+                <a:ea typeface="Tahoma" panose="020B0604030504040204" pitchFamily="34" charset="0"/>
+                <a:cs typeface="Tahoma" panose="020B0604030504040204" pitchFamily="34" charset="0"/>
+              </a:rPr>
+              <a:t>Un grafo </a:t>
+            </a:r>
+            <a:r>
+              <a:rPr lang="it-IT" sz="2400" b="1">
+                <a:solidFill>
+                  <a:srgbClr val="202124"/>
+                </a:solidFill>
+                <a:latin typeface="Tahoma" panose="020B0604030504040204" pitchFamily="34" charset="0"/>
+                <a:ea typeface="Tahoma" panose="020B0604030504040204" pitchFamily="34" charset="0"/>
+                <a:cs typeface="Tahoma" panose="020B0604030504040204" pitchFamily="34" charset="0"/>
+              </a:rPr>
+              <a:t>RDF </a:t>
+            </a:r>
+            <a:r>
+              <a:rPr lang="it-IT" sz="2400">
+                <a:solidFill>
+                  <a:srgbClr val="202124"/>
+                </a:solidFill>
+                <a:latin typeface="Tahoma" panose="020B0604030504040204" pitchFamily="34" charset="0"/>
+                <a:ea typeface="Tahoma" panose="020B0604030504040204" pitchFamily="34" charset="0"/>
+                <a:cs typeface="Tahoma" panose="020B0604030504040204" pitchFamily="34" charset="0"/>
+              </a:rPr>
+              <a:t>è rappresentato fisicamente mediante una serializzazione. </a:t>
+            </a:r>
+          </a:p>
+          <a:p>
+            <a:pPr marL="342900" indent="-342900">
+              <a:buFont typeface="Wingdings" panose="05000000000000000000" pitchFamily="2" charset="2"/>
+              <a:buChar char="ü"/>
+            </a:pPr>
+            <a:r>
+              <a:rPr lang="it-IT" sz="2400">
+                <a:solidFill>
+                  <a:srgbClr val="202124"/>
+                </a:solidFill>
+                <a:latin typeface="Tahoma" panose="020B0604030504040204" pitchFamily="34" charset="0"/>
+                <a:ea typeface="Tahoma" panose="020B0604030504040204" pitchFamily="34" charset="0"/>
+                <a:cs typeface="Tahoma" panose="020B0604030504040204" pitchFamily="34" charset="0"/>
+              </a:rPr>
+              <a:t>In Informatica, una </a:t>
+            </a:r>
+            <a:r>
+              <a:rPr lang="it-IT" sz="2400" b="1">
+                <a:solidFill>
+                  <a:srgbClr val="202124"/>
+                </a:solidFill>
+                <a:latin typeface="Tahoma" panose="020B0604030504040204" pitchFamily="34" charset="0"/>
+                <a:ea typeface="Tahoma" panose="020B0604030504040204" pitchFamily="34" charset="0"/>
+                <a:cs typeface="Tahoma" panose="020B0604030504040204" pitchFamily="34" charset="0"/>
+              </a:rPr>
+              <a:t>serializzazione </a:t>
+            </a:r>
+            <a:r>
+              <a:rPr lang="it-IT" sz="2400">
+                <a:solidFill>
+                  <a:srgbClr val="202124"/>
+                </a:solidFill>
+                <a:latin typeface="Tahoma" panose="020B0604030504040204" pitchFamily="34" charset="0"/>
+                <a:ea typeface="Tahoma" panose="020B0604030504040204" pitchFamily="34" charset="0"/>
+                <a:cs typeface="Tahoma" panose="020B0604030504040204" pitchFamily="34" charset="0"/>
+              </a:rPr>
+              <a:t>è un processo per salvare un oggetto su un supporto di memorizzazione lineare (ad esempio, un file o un'area di memoria) o per trasmetterlo attraverso una connessione di rete. La serializzazione può essere in forma </a:t>
+            </a:r>
+            <a:r>
+              <a:rPr lang="it-IT" sz="2400" b="1">
+                <a:solidFill>
+                  <a:srgbClr val="202124"/>
+                </a:solidFill>
+                <a:latin typeface="Tahoma" panose="020B0604030504040204" pitchFamily="34" charset="0"/>
+                <a:ea typeface="Tahoma" panose="020B0604030504040204" pitchFamily="34" charset="0"/>
+                <a:cs typeface="Tahoma" panose="020B0604030504040204" pitchFamily="34" charset="0"/>
+              </a:rPr>
+              <a:t>binaria </a:t>
+            </a:r>
+            <a:r>
+              <a:rPr lang="it-IT" sz="2400">
+                <a:solidFill>
+                  <a:srgbClr val="202124"/>
+                </a:solidFill>
+                <a:latin typeface="Tahoma" panose="020B0604030504040204" pitchFamily="34" charset="0"/>
+                <a:ea typeface="Tahoma" panose="020B0604030504040204" pitchFamily="34" charset="0"/>
+                <a:cs typeface="Tahoma" panose="020B0604030504040204" pitchFamily="34" charset="0"/>
+              </a:rPr>
+              <a:t>o può utilizzare codifiche testuali (ad esempio il formato </a:t>
+            </a:r>
+            <a:r>
+              <a:rPr lang="it-IT" sz="2400" b="1">
+                <a:solidFill>
+                  <a:srgbClr val="202124"/>
+                </a:solidFill>
+                <a:latin typeface="Tahoma" panose="020B0604030504040204" pitchFamily="34" charset="0"/>
+                <a:ea typeface="Tahoma" panose="020B0604030504040204" pitchFamily="34" charset="0"/>
+                <a:cs typeface="Tahoma" panose="020B0604030504040204" pitchFamily="34" charset="0"/>
+              </a:rPr>
+              <a:t>XML</a:t>
+            </a:r>
+            <a:r>
+              <a:rPr lang="it-IT" sz="2400">
+                <a:solidFill>
+                  <a:srgbClr val="202124"/>
+                </a:solidFill>
+                <a:latin typeface="Tahoma" panose="020B0604030504040204" pitchFamily="34" charset="0"/>
+                <a:ea typeface="Tahoma" panose="020B0604030504040204" pitchFamily="34" charset="0"/>
+                <a:cs typeface="Tahoma" panose="020B0604030504040204" pitchFamily="34" charset="0"/>
+              </a:rPr>
+              <a:t>) direttamente leggibili dagli esseri umani. Lo scopo della serializzazione è quello di trasmettere l'intero stato dell'oggetto in modo che esso possa essere successivamente ricreato nello stesso identico stato dal processo inverso, chiamato </a:t>
+            </a:r>
+            <a:r>
+              <a:rPr lang="it-IT" sz="2400" b="1">
+                <a:solidFill>
+                  <a:srgbClr val="202124"/>
+                </a:solidFill>
+                <a:latin typeface="Tahoma" panose="020B0604030504040204" pitchFamily="34" charset="0"/>
+                <a:ea typeface="Tahoma" panose="020B0604030504040204" pitchFamily="34" charset="0"/>
+                <a:cs typeface="Tahoma" panose="020B0604030504040204" pitchFamily="34" charset="0"/>
+              </a:rPr>
+              <a:t>deserializzazione. </a:t>
+            </a:r>
+            <a:r>
+              <a:rPr lang="it-IT" sz="2400">
+                <a:solidFill>
+                  <a:srgbClr val="202124"/>
+                </a:solidFill>
+                <a:latin typeface="Tahoma" panose="020B0604030504040204" pitchFamily="34" charset="0"/>
+                <a:ea typeface="Tahoma" panose="020B0604030504040204" pitchFamily="34" charset="0"/>
+                <a:cs typeface="Tahoma" panose="020B0604030504040204" pitchFamily="34" charset="0"/>
+              </a:rPr>
+              <a:t>I vantaggi della </a:t>
+            </a:r>
+            <a:r>
+              <a:rPr lang="it-IT" sz="2400" b="1">
+                <a:solidFill>
+                  <a:srgbClr val="202124"/>
+                </a:solidFill>
+                <a:latin typeface="Tahoma" panose="020B0604030504040204" pitchFamily="34" charset="0"/>
+                <a:ea typeface="Tahoma" panose="020B0604030504040204" pitchFamily="34" charset="0"/>
+                <a:cs typeface="Tahoma" panose="020B0604030504040204" pitchFamily="34" charset="0"/>
+              </a:rPr>
+              <a:t>serializzazione </a:t>
+            </a:r>
+            <a:r>
+              <a:rPr lang="it-IT" sz="2400">
+                <a:solidFill>
+                  <a:srgbClr val="202124"/>
+                </a:solidFill>
+                <a:latin typeface="Tahoma" panose="020B0604030504040204" pitchFamily="34" charset="0"/>
+                <a:ea typeface="Tahoma" panose="020B0604030504040204" pitchFamily="34" charset="0"/>
+                <a:cs typeface="Tahoma" panose="020B0604030504040204" pitchFamily="34" charset="0"/>
+              </a:rPr>
+              <a:t>sono poter usare gli oggetti persistenti, fare chiamate di procedura remota (rpc) o distribuire oggetti con software come </a:t>
+            </a:r>
+            <a:r>
+              <a:rPr lang="it-IT" sz="2400" b="1">
+                <a:solidFill>
+                  <a:srgbClr val="202124"/>
+                </a:solidFill>
+                <a:latin typeface="Tahoma" panose="020B0604030504040204" pitchFamily="34" charset="0"/>
+                <a:ea typeface="Tahoma" panose="020B0604030504040204" pitchFamily="34" charset="0"/>
+                <a:cs typeface="Tahoma" panose="020B0604030504040204" pitchFamily="34" charset="0"/>
+              </a:rPr>
+              <a:t>CORBA (Common Object Request Broker Architecture).</a:t>
+            </a:r>
+            <a:r>
+              <a:rPr lang="it-IT" sz="2400">
+                <a:solidFill>
+                  <a:srgbClr val="202124"/>
+                </a:solidFill>
+                <a:latin typeface="Tahoma" panose="020B0604030504040204" pitchFamily="34" charset="0"/>
+                <a:ea typeface="Tahoma" panose="020B0604030504040204" pitchFamily="34" charset="0"/>
+                <a:cs typeface="Tahoma" panose="020B0604030504040204" pitchFamily="34" charset="0"/>
+              </a:rPr>
+              <a:t> </a:t>
+            </a:r>
+            <a:endParaRPr lang="it-IT" sz="2400" b="1">
+              <a:solidFill>
+                <a:srgbClr val="202124"/>
+              </a:solidFill>
+              <a:latin typeface="Tahoma" panose="020B0604030504040204" pitchFamily="34" charset="0"/>
+              <a:ea typeface="Tahoma" panose="020B0604030504040204" pitchFamily="34" charset="0"/>
+              <a:cs typeface="Tahoma" panose="020B0604030504040204" pitchFamily="34" charset="0"/>
+            </a:endParaRPr>
+          </a:p>
+        </p:txBody>
+      </p:sp>
+      <p:sp>
+        <p:nvSpPr>
+          <p:cNvPr id="7" name="Segnaposto numero diapositiva 6">
+            <a:extLst>
+              <a:ext uri="{FF2B5EF4-FFF2-40B4-BE49-F238E27FC236}">
+                <a16:creationId xmlns:a16="http://schemas.microsoft.com/office/drawing/2014/main" id="{AB740BE9-E218-4144-BFDE-AE473D230A3D}"/>
+              </a:ext>
+            </a:extLst>
+          </p:cNvPr>
+          <p:cNvSpPr>
+            <a:spLocks noGrp="1"/>
+          </p:cNvSpPr>
+          <p:nvPr>
+            <p:ph type="sldNum" sz="quarter" idx="12"/>
+          </p:nvPr>
+        </p:nvSpPr>
+        <p:spPr/>
+        <p:txBody>
+          <a:bodyPr/>
+          <a:lstStyle/>
+          <a:p>
+            <a:pPr>
+              <a:defRPr/>
+            </a:pPr>
+            <a:fld id="{48B4153A-D4C5-4CEF-8992-0D8815C829E3}" type="slidenum">
+              <a:rPr lang="en-US" smtClean="0"/>
+              <a:pPr>
+                <a:defRPr/>
+              </a:pPr>
+              <a:t>33</a:t>
+            </a:fld>
+            <a:endParaRPr lang="en-US" dirty="0"/>
+          </a:p>
+        </p:txBody>
+      </p:sp>
+      <p:sp>
+        <p:nvSpPr>
+          <p:cNvPr id="5" name="Titolo 4">
+            <a:extLst>
+              <a:ext uri="{FF2B5EF4-FFF2-40B4-BE49-F238E27FC236}">
+                <a16:creationId xmlns:a16="http://schemas.microsoft.com/office/drawing/2014/main" id="{82C46BA2-B380-4357-B125-BA9F08A643F5}"/>
+              </a:ext>
+            </a:extLst>
+          </p:cNvPr>
+          <p:cNvSpPr>
+            <a:spLocks noGrp="1"/>
+          </p:cNvSpPr>
+          <p:nvPr>
+            <p:ph type="title"/>
+          </p:nvPr>
+        </p:nvSpPr>
+        <p:spPr>
+          <a:xfrm>
+            <a:off x="468895" y="503475"/>
+            <a:ext cx="11269308" cy="384721"/>
+          </a:xfrm>
+        </p:spPr>
+        <p:txBody>
+          <a:bodyPr/>
+          <a:lstStyle/>
+          <a:p>
+            <a:r>
+              <a:rPr lang="it-IT"/>
+              <a:t>RDF - Rappresentazione fisica del modello</a:t>
+            </a:r>
+            <a:endParaRPr lang="it-IT" dirty="0"/>
+          </a:p>
+        </p:txBody>
+      </p:sp>
+    </p:spTree>
+    <p:extLst>
+      <p:ext uri="{BB962C8B-B14F-4D97-AF65-F5344CB8AC3E}">
+        <p14:creationId xmlns:p14="http://schemas.microsoft.com/office/powerpoint/2010/main" val="1064940503"/>
+      </p:ext>
+    </p:extLst>
+  </p:cSld>
+  <p:clrMapOvr>
+    <a:masterClrMapping/>
+  </p:clrMapOvr>
+</p:sld>
+</file>
+
+<file path=ppt/slides/slide34.xml><?xml version="1.0" encoding="utf-8"?>
+<p:sld xmlns:a="http://schemas.openxmlformats.org/drawingml/2006/main" xmlns:r="http://schemas.openxmlformats.org/officeDocument/2006/relationships" xmlns:p="http://schemas.openxmlformats.org/presentationml/2006/main">
+  <p:cSld>
+    <p:spTree>
+      <p:nvGrpSpPr>
+        <p:cNvPr id="1" name=""/>
+        <p:cNvGrpSpPr/>
+        <p:nvPr/>
+      </p:nvGrpSpPr>
+      <p:grpSpPr>
+        <a:xfrm>
+          <a:off x="0" y="0"/>
+          <a:ext cx="0" cy="0"/>
+          <a:chOff x="0" y="0"/>
+          <a:chExt cx="0" cy="0"/>
+        </a:xfrm>
+      </p:grpSpPr>
+      <p:sp>
+        <p:nvSpPr>
+          <p:cNvPr id="2" name="Segnaposto testo 1">
+            <a:extLst>
+              <a:ext uri="{FF2B5EF4-FFF2-40B4-BE49-F238E27FC236}">
+                <a16:creationId xmlns:a16="http://schemas.microsoft.com/office/drawing/2014/main" id="{E5AE986C-196F-4141-A898-FA4C4198CDCC}"/>
+              </a:ext>
+            </a:extLst>
+          </p:cNvPr>
+          <p:cNvSpPr>
+            <a:spLocks noGrp="1"/>
+          </p:cNvSpPr>
+          <p:nvPr>
+            <p:ph type="body" idx="1"/>
+          </p:nvPr>
+        </p:nvSpPr>
+        <p:spPr>
+          <a:xfrm>
+            <a:off x="326297" y="1213806"/>
+            <a:ext cx="11641114" cy="4392612"/>
+          </a:xfrm>
+        </p:spPr>
+        <p:txBody>
+          <a:bodyPr/>
+          <a:lstStyle/>
+          <a:p>
+            <a:pPr marL="342900" indent="-342900">
+              <a:buFont typeface="Wingdings" panose="05000000000000000000" pitchFamily="2" charset="2"/>
+              <a:buChar char="ü"/>
+            </a:pPr>
+            <a:r>
+              <a:rPr lang="it-IT" sz="2400" b="0" i="0">
+                <a:solidFill>
+                  <a:srgbClr val="202122"/>
+                </a:solidFill>
+                <a:effectLst/>
+                <a:latin typeface="Arial" panose="020B0604020202020204" pitchFamily="34" charset="0"/>
+              </a:rPr>
+              <a:t>Si supponga di voler serializzare la frase "Mario_Rossi" "è_autore_di" "Rosso_di_sera_bel_tempo_si_spera": il risultato in </a:t>
+            </a:r>
+            <a:r>
+              <a:rPr lang="it-IT" sz="2400" b="1" i="0">
+                <a:solidFill>
+                  <a:srgbClr val="202122"/>
+                </a:solidFill>
+                <a:effectLst/>
+                <a:latin typeface="Arial" panose="020B0604020202020204" pitchFamily="34" charset="0"/>
+              </a:rPr>
+              <a:t>RDF/XML</a:t>
+            </a:r>
+            <a:r>
+              <a:rPr lang="it-IT" sz="2400" b="0" i="0">
+                <a:solidFill>
+                  <a:srgbClr val="202122"/>
+                </a:solidFill>
+                <a:effectLst/>
+                <a:latin typeface="Arial" panose="020B0604020202020204" pitchFamily="34" charset="0"/>
+              </a:rPr>
+              <a:t> sarà:</a:t>
+            </a:r>
+            <a:endParaRPr lang="it-IT" sz="2400">
+              <a:solidFill>
+                <a:srgbClr val="202124"/>
+              </a:solidFill>
+              <a:latin typeface="Tahoma" panose="020B0604030504040204" pitchFamily="34" charset="0"/>
+              <a:ea typeface="Tahoma" panose="020B0604030504040204" pitchFamily="34" charset="0"/>
+              <a:cs typeface="Tahoma" panose="020B0604030504040204" pitchFamily="34" charset="0"/>
+            </a:endParaRPr>
+          </a:p>
+        </p:txBody>
+      </p:sp>
+      <p:sp>
+        <p:nvSpPr>
+          <p:cNvPr id="7" name="Segnaposto numero diapositiva 6">
+            <a:extLst>
+              <a:ext uri="{FF2B5EF4-FFF2-40B4-BE49-F238E27FC236}">
+                <a16:creationId xmlns:a16="http://schemas.microsoft.com/office/drawing/2014/main" id="{AB740BE9-E218-4144-BFDE-AE473D230A3D}"/>
+              </a:ext>
+            </a:extLst>
+          </p:cNvPr>
+          <p:cNvSpPr>
+            <a:spLocks noGrp="1"/>
+          </p:cNvSpPr>
+          <p:nvPr>
+            <p:ph type="sldNum" sz="quarter" idx="12"/>
+          </p:nvPr>
+        </p:nvSpPr>
+        <p:spPr/>
+        <p:txBody>
+          <a:bodyPr/>
+          <a:lstStyle/>
+          <a:p>
+            <a:pPr>
+              <a:defRPr/>
+            </a:pPr>
+            <a:fld id="{48B4153A-D4C5-4CEF-8992-0D8815C829E3}" type="slidenum">
+              <a:rPr lang="en-US" smtClean="0"/>
+              <a:pPr>
+                <a:defRPr/>
+              </a:pPr>
+              <a:t>34</a:t>
+            </a:fld>
+            <a:endParaRPr lang="en-US" dirty="0"/>
+          </a:p>
+        </p:txBody>
+      </p:sp>
+      <p:sp>
+        <p:nvSpPr>
+          <p:cNvPr id="5" name="Titolo 4">
+            <a:extLst>
+              <a:ext uri="{FF2B5EF4-FFF2-40B4-BE49-F238E27FC236}">
+                <a16:creationId xmlns:a16="http://schemas.microsoft.com/office/drawing/2014/main" id="{82C46BA2-B380-4357-B125-BA9F08A643F5}"/>
+              </a:ext>
+            </a:extLst>
+          </p:cNvPr>
+          <p:cNvSpPr>
+            <a:spLocks noGrp="1"/>
+          </p:cNvSpPr>
+          <p:nvPr>
+            <p:ph type="title"/>
+          </p:nvPr>
+        </p:nvSpPr>
+        <p:spPr>
+          <a:xfrm>
+            <a:off x="468895" y="503475"/>
+            <a:ext cx="11269308" cy="384721"/>
+          </a:xfrm>
+        </p:spPr>
+        <p:txBody>
+          <a:bodyPr/>
+          <a:lstStyle/>
+          <a:p>
+            <a:r>
+              <a:rPr lang="it-IT"/>
+              <a:t>RDF - Esempio</a:t>
+            </a:r>
+            <a:endParaRPr lang="it-IT" dirty="0"/>
+          </a:p>
+        </p:txBody>
+      </p:sp>
+      <p:pic>
+        <p:nvPicPr>
+          <p:cNvPr id="8" name="Immagine 7">
+            <a:extLst>
+              <a:ext uri="{FF2B5EF4-FFF2-40B4-BE49-F238E27FC236}">
+                <a16:creationId xmlns:a16="http://schemas.microsoft.com/office/drawing/2014/main" id="{F2F09906-13A7-A11C-F35F-98B4611079D6}"/>
+              </a:ext>
+            </a:extLst>
+          </p:cNvPr>
+          <p:cNvPicPr>
+            <a:picLocks noChangeAspect="1"/>
+          </p:cNvPicPr>
+          <p:nvPr/>
+        </p:nvPicPr>
+        <p:blipFill>
+          <a:blip r:embed="rId2"/>
+          <a:stretch>
+            <a:fillRect/>
+          </a:stretch>
+        </p:blipFill>
+        <p:spPr>
+          <a:xfrm>
+            <a:off x="1646793" y="1997165"/>
+            <a:ext cx="9000122" cy="4400060"/>
+          </a:xfrm>
+          <a:prstGeom prst="rect">
+            <a:avLst/>
+          </a:prstGeom>
+        </p:spPr>
+      </p:pic>
+    </p:spTree>
+    <p:extLst>
+      <p:ext uri="{BB962C8B-B14F-4D97-AF65-F5344CB8AC3E}">
+        <p14:creationId xmlns:p14="http://schemas.microsoft.com/office/powerpoint/2010/main" val="2522191104"/>
+      </p:ext>
+    </p:extLst>
+  </p:cSld>
+  <p:clrMapOvr>
+    <a:masterClrMapping/>
+  </p:clrMapOvr>
+</p:sld>
+</file>
+
+<file path=ppt/slides/slide35.xml><?xml version="1.0" encoding="utf-8"?>
+<p:sld xmlns:a="http://schemas.openxmlformats.org/drawingml/2006/main" xmlns:r="http://schemas.openxmlformats.org/officeDocument/2006/relationships" xmlns:p="http://schemas.openxmlformats.org/presentationml/2006/main">
+  <p:cSld>
+    <p:spTree>
+      <p:nvGrpSpPr>
+        <p:cNvPr id="1" name=""/>
+        <p:cNvGrpSpPr/>
+        <p:nvPr/>
+      </p:nvGrpSpPr>
+      <p:grpSpPr>
+        <a:xfrm>
+          <a:off x="0" y="0"/>
+          <a:ext cx="0" cy="0"/>
+          <a:chOff x="0" y="0"/>
+          <a:chExt cx="0" cy="0"/>
+        </a:xfrm>
+      </p:grpSpPr>
+      <p:sp>
+        <p:nvSpPr>
+          <p:cNvPr id="2" name="Segnaposto testo 1">
+            <a:extLst>
+              <a:ext uri="{FF2B5EF4-FFF2-40B4-BE49-F238E27FC236}">
+                <a16:creationId xmlns:a16="http://schemas.microsoft.com/office/drawing/2014/main" id="{E5AE986C-196F-4141-A898-FA4C4198CDCC}"/>
+              </a:ext>
+            </a:extLst>
+          </p:cNvPr>
+          <p:cNvSpPr>
+            <a:spLocks noGrp="1"/>
+          </p:cNvSpPr>
+          <p:nvPr>
+            <p:ph type="body" idx="1"/>
+          </p:nvPr>
+        </p:nvSpPr>
+        <p:spPr>
+          <a:xfrm>
+            <a:off x="326297" y="1213806"/>
+            <a:ext cx="11411906" cy="4392612"/>
+          </a:xfrm>
+        </p:spPr>
+        <p:txBody>
+          <a:bodyPr/>
+          <a:lstStyle/>
+          <a:p>
+            <a:pPr marL="342900" indent="-342900">
+              <a:buFont typeface="Wingdings" panose="05000000000000000000" pitchFamily="2" charset="2"/>
+              <a:buChar char="ü"/>
+            </a:pPr>
+            <a:r>
+              <a:rPr lang="it-IT" sz="2400">
+                <a:solidFill>
+                  <a:srgbClr val="202124"/>
+                </a:solidFill>
+                <a:latin typeface="Tahoma" panose="020B0604030504040204" pitchFamily="34" charset="0"/>
+                <a:ea typeface="Tahoma" panose="020B0604030504040204" pitchFamily="34" charset="0"/>
+                <a:cs typeface="Tahoma" panose="020B0604030504040204" pitchFamily="34" charset="0"/>
+              </a:rPr>
+              <a:t>In </a:t>
+            </a:r>
+            <a:r>
+              <a:rPr lang="it-IT" sz="2400" b="1">
+                <a:solidFill>
+                  <a:srgbClr val="202124"/>
+                </a:solidFill>
+                <a:latin typeface="Tahoma" panose="020B0604030504040204" pitchFamily="34" charset="0"/>
+                <a:ea typeface="Tahoma" panose="020B0604030504040204" pitchFamily="34" charset="0"/>
+                <a:cs typeface="Tahoma" panose="020B0604030504040204" pitchFamily="34" charset="0"/>
+              </a:rPr>
+              <a:t>RDF</a:t>
+            </a:r>
+            <a:r>
+              <a:rPr lang="it-IT" sz="2400">
+                <a:solidFill>
+                  <a:srgbClr val="202124"/>
+                </a:solidFill>
+                <a:latin typeface="Tahoma" panose="020B0604030504040204" pitchFamily="34" charset="0"/>
+                <a:ea typeface="Tahoma" panose="020B0604030504040204" pitchFamily="34" charset="0"/>
+                <a:cs typeface="Tahoma" panose="020B0604030504040204" pitchFamily="34" charset="0"/>
+              </a:rPr>
+              <a:t> </a:t>
+            </a:r>
+            <a:r>
+              <a:rPr lang="it-IT" sz="2400" b="1">
+                <a:solidFill>
+                  <a:srgbClr val="202124"/>
+                </a:solidFill>
+                <a:latin typeface="Tahoma" panose="020B0604030504040204" pitchFamily="34" charset="0"/>
+                <a:ea typeface="Tahoma" panose="020B0604030504040204" pitchFamily="34" charset="0"/>
+                <a:cs typeface="Tahoma" panose="020B0604030504040204" pitchFamily="34" charset="0"/>
+              </a:rPr>
+              <a:t>Schema (RDFS) </a:t>
+            </a:r>
+            <a:r>
+              <a:rPr lang="it-IT" sz="2400">
+                <a:solidFill>
+                  <a:srgbClr val="202124"/>
+                </a:solidFill>
+                <a:latin typeface="Tahoma" panose="020B0604030504040204" pitchFamily="34" charset="0"/>
+                <a:ea typeface="Tahoma" panose="020B0604030504040204" pitchFamily="34" charset="0"/>
+                <a:cs typeface="Tahoma" panose="020B0604030504040204" pitchFamily="34" charset="0"/>
+              </a:rPr>
+              <a:t>ogni predicato è in relazione con altri predicati e permette di dichiarare l'esistenza di proprietà di un concetto, che permettano di esprimere con metodo sistematico affermazioni simili su risorse simili. RDF Schema permette di definire nuovi tipi di classe, inoltre specificando il concetto di classe e sottoclasse, consente di definire gerarchiedi classi. In </a:t>
+            </a:r>
+            <a:r>
+              <a:rPr lang="it-IT" sz="2400" b="1">
+                <a:solidFill>
+                  <a:srgbClr val="202124"/>
+                </a:solidFill>
+                <a:latin typeface="Tahoma" panose="020B0604030504040204" pitchFamily="34" charset="0"/>
+                <a:ea typeface="Tahoma" panose="020B0604030504040204" pitchFamily="34" charset="0"/>
+                <a:cs typeface="Tahoma" panose="020B0604030504040204" pitchFamily="34" charset="0"/>
+              </a:rPr>
+              <a:t>RDF </a:t>
+            </a:r>
+            <a:r>
+              <a:rPr lang="it-IT" sz="2400">
+                <a:solidFill>
+                  <a:srgbClr val="202124"/>
+                </a:solidFill>
+                <a:latin typeface="Tahoma" panose="020B0604030504040204" pitchFamily="34" charset="0"/>
+                <a:ea typeface="Tahoma" panose="020B0604030504040204" pitchFamily="34" charset="0"/>
+                <a:cs typeface="Tahoma" panose="020B0604030504040204" pitchFamily="34" charset="0"/>
+              </a:rPr>
+              <a:t>si possono rappresentare le risorse come istanze di classi e definire sottoclassi e tipi. </a:t>
+            </a:r>
+          </a:p>
+          <a:p>
+            <a:pPr marL="342900" indent="-342900">
+              <a:buFont typeface="Wingdings" panose="05000000000000000000" pitchFamily="2" charset="2"/>
+              <a:buChar char="ü"/>
+            </a:pPr>
+            <a:r>
+              <a:rPr lang="it-IT" sz="2400" b="1">
+                <a:solidFill>
+                  <a:srgbClr val="202124"/>
+                </a:solidFill>
+                <a:latin typeface="Tahoma" panose="020B0604030504040204" pitchFamily="34" charset="0"/>
+                <a:ea typeface="Tahoma" panose="020B0604030504040204" pitchFamily="34" charset="0"/>
+                <a:cs typeface="Tahoma" panose="020B0604030504040204" pitchFamily="34" charset="0"/>
+              </a:rPr>
+              <a:t>Classi RDF: </a:t>
+            </a:r>
+            <a:r>
+              <a:rPr lang="it-IT" sz="2400">
+                <a:solidFill>
+                  <a:srgbClr val="202124"/>
+                </a:solidFill>
+                <a:latin typeface="Tahoma" panose="020B0604030504040204" pitchFamily="34" charset="0"/>
+                <a:ea typeface="Tahoma" panose="020B0604030504040204" pitchFamily="34" charset="0"/>
+                <a:cs typeface="Tahoma" panose="020B0604030504040204" pitchFamily="34" charset="0"/>
+              </a:rPr>
+              <a:t>Ogni risorsa descritta in </a:t>
+            </a:r>
+            <a:r>
+              <a:rPr lang="it-IT" sz="2400" b="1">
+                <a:solidFill>
+                  <a:srgbClr val="202124"/>
+                </a:solidFill>
+                <a:latin typeface="Tahoma" panose="020B0604030504040204" pitchFamily="34" charset="0"/>
+                <a:ea typeface="Tahoma" panose="020B0604030504040204" pitchFamily="34" charset="0"/>
+                <a:cs typeface="Tahoma" panose="020B0604030504040204" pitchFamily="34" charset="0"/>
+              </a:rPr>
+              <a:t>RDF </a:t>
+            </a:r>
+            <a:r>
+              <a:rPr lang="it-IT" sz="2400">
+                <a:solidFill>
+                  <a:srgbClr val="202124"/>
+                </a:solidFill>
+                <a:latin typeface="Tahoma" panose="020B0604030504040204" pitchFamily="34" charset="0"/>
+                <a:ea typeface="Tahoma" panose="020B0604030504040204" pitchFamily="34" charset="0"/>
+                <a:cs typeface="Tahoma" panose="020B0604030504040204" pitchFamily="34" charset="0"/>
+              </a:rPr>
+              <a:t>è istanza della classe </a:t>
+            </a:r>
+            <a:r>
+              <a:rPr lang="it-IT" sz="2400" b="0" i="1">
+                <a:solidFill>
+                  <a:srgbClr val="202122"/>
+                </a:solidFill>
+                <a:effectLst/>
+                <a:latin typeface="Arial" panose="020B0604020202020204" pitchFamily="34" charset="0"/>
+              </a:rPr>
+              <a:t>rdfs:Resource</a:t>
+            </a:r>
+            <a:r>
+              <a:rPr lang="it-IT" sz="2400" b="0" i="0">
+                <a:solidFill>
+                  <a:srgbClr val="202122"/>
+                </a:solidFill>
+                <a:effectLst/>
+                <a:latin typeface="Arial" panose="020B0604020202020204" pitchFamily="34" charset="0"/>
+              </a:rPr>
+              <a:t>.</a:t>
+            </a:r>
+          </a:p>
+          <a:p>
+            <a:pPr marL="342900" indent="-342900">
+              <a:buFont typeface="Wingdings" panose="05000000000000000000" pitchFamily="2" charset="2"/>
+              <a:buChar char="ü"/>
+            </a:pPr>
+            <a:r>
+              <a:rPr lang="it-IT" sz="2400">
+                <a:solidFill>
+                  <a:srgbClr val="202122"/>
+                </a:solidFill>
+                <a:ea typeface="Tahoma" panose="020B0604030504040204" pitchFamily="34" charset="0"/>
+                <a:cs typeface="Tahoma" panose="020B0604030504040204" pitchFamily="34" charset="0"/>
+              </a:rPr>
+              <a:t>Le sottoclassi di </a:t>
+            </a:r>
+            <a:r>
+              <a:rPr lang="it-IT" sz="2400" b="0" i="1">
+                <a:solidFill>
+                  <a:srgbClr val="202122"/>
+                </a:solidFill>
+                <a:effectLst/>
+                <a:latin typeface="Arial" panose="020B0604020202020204" pitchFamily="34" charset="0"/>
+              </a:rPr>
+              <a:t>rdfs:Resource</a:t>
+            </a:r>
+            <a:r>
+              <a:rPr lang="it-IT" sz="2400">
+                <a:solidFill>
+                  <a:srgbClr val="202122"/>
+                </a:solidFill>
+              </a:rPr>
+              <a:t> sono: </a:t>
+            </a:r>
+          </a:p>
+          <a:p>
+            <a:pPr marL="342900" indent="-342900">
+              <a:buFont typeface="Wingdings" panose="05000000000000000000" pitchFamily="2" charset="2"/>
+              <a:buChar char="ü"/>
+            </a:pPr>
+            <a:r>
+              <a:rPr lang="it-IT" sz="2400" b="1" i="1">
+                <a:solidFill>
+                  <a:srgbClr val="202122"/>
+                </a:solidFill>
+                <a:latin typeface="Tahoma" panose="020B0604030504040204" pitchFamily="34" charset="0"/>
+                <a:ea typeface="Tahoma" panose="020B0604030504040204" pitchFamily="34" charset="0"/>
+                <a:cs typeface="Tahoma" panose="020B0604030504040204" pitchFamily="34" charset="0"/>
+              </a:rPr>
+              <a:t>rdfs:Literal</a:t>
+            </a:r>
+            <a:r>
+              <a:rPr lang="it-IT" sz="2400">
+                <a:solidFill>
+                  <a:srgbClr val="202122"/>
+                </a:solidFill>
+                <a:latin typeface="Tahoma" panose="020B0604030504040204" pitchFamily="34" charset="0"/>
+                <a:ea typeface="Tahoma" panose="020B0604030504040204" pitchFamily="34" charset="0"/>
+                <a:cs typeface="Tahoma" panose="020B0604030504040204" pitchFamily="34" charset="0"/>
+              </a:rPr>
+              <a:t>: rappresenta un letterale, una stringa di testo</a:t>
+            </a:r>
+          </a:p>
+          <a:p>
+            <a:pPr marL="342900" indent="-342900">
+              <a:buFont typeface="Wingdings" panose="05000000000000000000" pitchFamily="2" charset="2"/>
+              <a:buChar char="ü"/>
+            </a:pPr>
+            <a:r>
+              <a:rPr lang="it-IT" sz="2400" b="1" i="1">
+                <a:solidFill>
+                  <a:srgbClr val="202122"/>
+                </a:solidFill>
+                <a:latin typeface="Tahoma" panose="020B0604030504040204" pitchFamily="34" charset="0"/>
+                <a:ea typeface="Tahoma" panose="020B0604030504040204" pitchFamily="34" charset="0"/>
+                <a:cs typeface="Tahoma" panose="020B0604030504040204" pitchFamily="34" charset="0"/>
+              </a:rPr>
+              <a:t>rdfs:Property: </a:t>
+            </a:r>
+            <a:r>
+              <a:rPr lang="it-IT" sz="2400">
+                <a:solidFill>
+                  <a:srgbClr val="202122"/>
+                </a:solidFill>
+                <a:latin typeface="Tahoma" panose="020B0604030504040204" pitchFamily="34" charset="0"/>
+                <a:ea typeface="Tahoma" panose="020B0604030504040204" pitchFamily="34" charset="0"/>
+                <a:cs typeface="Tahoma" panose="020B0604030504040204" pitchFamily="34" charset="0"/>
+              </a:rPr>
+              <a:t>rappresenta le proprietà</a:t>
+            </a:r>
+          </a:p>
+          <a:p>
+            <a:pPr marL="342900" indent="-342900">
+              <a:buFont typeface="Wingdings" panose="05000000000000000000" pitchFamily="2" charset="2"/>
+              <a:buChar char="ü"/>
+            </a:pPr>
+            <a:r>
+              <a:rPr lang="it-IT" sz="2400" b="1" i="1">
+                <a:solidFill>
+                  <a:srgbClr val="202122"/>
+                </a:solidFill>
+                <a:latin typeface="Tahoma" panose="020B0604030504040204" pitchFamily="34" charset="0"/>
+                <a:ea typeface="Tahoma" panose="020B0604030504040204" pitchFamily="34" charset="0"/>
+                <a:cs typeface="Tahoma" panose="020B0604030504040204" pitchFamily="34" charset="0"/>
+              </a:rPr>
+              <a:t>rdf:Class: </a:t>
+            </a:r>
+            <a:r>
+              <a:rPr lang="it-IT" sz="2400">
+                <a:solidFill>
+                  <a:srgbClr val="202122"/>
+                </a:solidFill>
+                <a:latin typeface="Tahoma" panose="020B0604030504040204" pitchFamily="34" charset="0"/>
+                <a:ea typeface="Tahoma" panose="020B0604030504040204" pitchFamily="34" charset="0"/>
+                <a:cs typeface="Tahoma" panose="020B0604030504040204" pitchFamily="34" charset="0"/>
+              </a:rPr>
+              <a:t>rappresenta una classe dei linguaggi orientati agli oggetti</a:t>
+            </a:r>
+            <a:endParaRPr lang="it-IT" sz="2400" b="1" i="1">
+              <a:solidFill>
+                <a:srgbClr val="202124"/>
+              </a:solidFill>
+              <a:latin typeface="Tahoma" panose="020B0604030504040204" pitchFamily="34" charset="0"/>
+              <a:ea typeface="Tahoma" panose="020B0604030504040204" pitchFamily="34" charset="0"/>
+              <a:cs typeface="Tahoma" panose="020B0604030504040204" pitchFamily="34" charset="0"/>
+            </a:endParaRPr>
+          </a:p>
+        </p:txBody>
+      </p:sp>
+      <p:sp>
+        <p:nvSpPr>
+          <p:cNvPr id="7" name="Segnaposto numero diapositiva 6">
+            <a:extLst>
+              <a:ext uri="{FF2B5EF4-FFF2-40B4-BE49-F238E27FC236}">
+                <a16:creationId xmlns:a16="http://schemas.microsoft.com/office/drawing/2014/main" id="{AB740BE9-E218-4144-BFDE-AE473D230A3D}"/>
+              </a:ext>
+            </a:extLst>
+          </p:cNvPr>
+          <p:cNvSpPr>
+            <a:spLocks noGrp="1"/>
+          </p:cNvSpPr>
+          <p:nvPr>
+            <p:ph type="sldNum" sz="quarter" idx="12"/>
+          </p:nvPr>
+        </p:nvSpPr>
+        <p:spPr/>
+        <p:txBody>
+          <a:bodyPr/>
+          <a:lstStyle/>
+          <a:p>
+            <a:pPr>
+              <a:defRPr/>
+            </a:pPr>
+            <a:fld id="{48B4153A-D4C5-4CEF-8992-0D8815C829E3}" type="slidenum">
+              <a:rPr lang="en-US" smtClean="0"/>
+              <a:pPr>
+                <a:defRPr/>
+              </a:pPr>
+              <a:t>35</a:t>
+            </a:fld>
+            <a:endParaRPr lang="en-US" dirty="0"/>
+          </a:p>
+        </p:txBody>
+      </p:sp>
+      <p:sp>
+        <p:nvSpPr>
+          <p:cNvPr id="5" name="Titolo 4">
+            <a:extLst>
+              <a:ext uri="{FF2B5EF4-FFF2-40B4-BE49-F238E27FC236}">
+                <a16:creationId xmlns:a16="http://schemas.microsoft.com/office/drawing/2014/main" id="{82C46BA2-B380-4357-B125-BA9F08A643F5}"/>
+              </a:ext>
+            </a:extLst>
+          </p:cNvPr>
+          <p:cNvSpPr>
+            <a:spLocks noGrp="1"/>
+          </p:cNvSpPr>
+          <p:nvPr>
+            <p:ph type="title"/>
+          </p:nvPr>
+        </p:nvSpPr>
+        <p:spPr>
+          <a:xfrm>
+            <a:off x="468895" y="503475"/>
+            <a:ext cx="11269308" cy="384721"/>
+          </a:xfrm>
+        </p:spPr>
+        <p:txBody>
+          <a:bodyPr/>
+          <a:lstStyle/>
+          <a:p>
+            <a:r>
+              <a:rPr lang="it-IT"/>
+              <a:t>RDF Schema </a:t>
+            </a:r>
+            <a:endParaRPr lang="it-IT" dirty="0"/>
+          </a:p>
+        </p:txBody>
+      </p:sp>
+    </p:spTree>
+    <p:extLst>
+      <p:ext uri="{BB962C8B-B14F-4D97-AF65-F5344CB8AC3E}">
+        <p14:creationId xmlns:p14="http://schemas.microsoft.com/office/powerpoint/2010/main" val="4067594935"/>
+      </p:ext>
+    </p:extLst>
+  </p:cSld>
+  <p:clrMapOvr>
+    <a:masterClrMapping/>
+  </p:clrMapOvr>
+</p:sld>
+</file>
+
+<file path=ppt/slides/slide36.xml><?xml version="1.0" encoding="utf-8"?>
+<p:sld xmlns:a="http://schemas.openxmlformats.org/drawingml/2006/main" xmlns:r="http://schemas.openxmlformats.org/officeDocument/2006/relationships" xmlns:p="http://schemas.openxmlformats.org/presentationml/2006/main">
+  <p:cSld>
+    <p:spTree>
+      <p:nvGrpSpPr>
+        <p:cNvPr id="1" name=""/>
+        <p:cNvGrpSpPr/>
+        <p:nvPr/>
+      </p:nvGrpSpPr>
+      <p:grpSpPr>
+        <a:xfrm>
+          <a:off x="0" y="0"/>
+          <a:ext cx="0" cy="0"/>
+          <a:chOff x="0" y="0"/>
+          <a:chExt cx="0" cy="0"/>
+        </a:xfrm>
+      </p:grpSpPr>
+      <p:sp>
+        <p:nvSpPr>
+          <p:cNvPr id="2" name="Segnaposto testo 1">
+            <a:extLst>
+              <a:ext uri="{FF2B5EF4-FFF2-40B4-BE49-F238E27FC236}">
+                <a16:creationId xmlns:a16="http://schemas.microsoft.com/office/drawing/2014/main" id="{E5AE986C-196F-4141-A898-FA4C4198CDCC}"/>
+              </a:ext>
+            </a:extLst>
+          </p:cNvPr>
+          <p:cNvSpPr>
+            <a:spLocks noGrp="1"/>
+          </p:cNvSpPr>
+          <p:nvPr>
+            <p:ph type="body" idx="1"/>
+          </p:nvPr>
+        </p:nvSpPr>
+        <p:spPr>
+          <a:xfrm>
+            <a:off x="326297" y="1213806"/>
+            <a:ext cx="10806924" cy="4392612"/>
+          </a:xfrm>
+        </p:spPr>
+        <p:txBody>
+          <a:bodyPr/>
+          <a:lstStyle/>
+          <a:p>
+            <a:pPr marL="342900" indent="-342900">
+              <a:buFont typeface="Wingdings" panose="05000000000000000000" pitchFamily="2" charset="2"/>
+              <a:buChar char="ü"/>
+            </a:pPr>
+            <a:r>
+              <a:rPr lang="it-IT" sz="2400" b="1">
+                <a:solidFill>
+                  <a:srgbClr val="202124"/>
+                </a:solidFill>
+                <a:latin typeface="Tahoma" panose="020B0604030504040204" pitchFamily="34" charset="0"/>
+                <a:ea typeface="Tahoma" panose="020B0604030504040204" pitchFamily="34" charset="0"/>
+                <a:cs typeface="Tahoma" panose="020B0604030504040204" pitchFamily="34" charset="0"/>
+              </a:rPr>
+              <a:t>Proprietà RDF:</a:t>
+            </a:r>
+          </a:p>
+          <a:p>
+            <a:pPr marL="342900" indent="-342900">
+              <a:buFont typeface="Wingdings" panose="05000000000000000000" pitchFamily="2" charset="2"/>
+              <a:buChar char="ü"/>
+            </a:pPr>
+            <a:r>
+              <a:rPr lang="it-IT" sz="2400" b="1" i="1">
+                <a:solidFill>
+                  <a:srgbClr val="202124"/>
+                </a:solidFill>
+                <a:latin typeface="Tahoma" panose="020B0604030504040204" pitchFamily="34" charset="0"/>
+                <a:ea typeface="Tahoma" panose="020B0604030504040204" pitchFamily="34" charset="0"/>
+                <a:cs typeface="Tahoma" panose="020B0604030504040204" pitchFamily="34" charset="0"/>
+              </a:rPr>
+              <a:t>rdf:type</a:t>
+            </a:r>
+            <a:r>
+              <a:rPr lang="it-IT" sz="2400" b="1">
+                <a:solidFill>
+                  <a:srgbClr val="202124"/>
+                </a:solidFill>
+                <a:latin typeface="Tahoma" panose="020B0604030504040204" pitchFamily="34" charset="0"/>
+                <a:ea typeface="Tahoma" panose="020B0604030504040204" pitchFamily="34" charset="0"/>
+                <a:cs typeface="Tahoma" panose="020B0604030504040204" pitchFamily="34" charset="0"/>
+              </a:rPr>
+              <a:t>: </a:t>
+            </a:r>
+            <a:r>
+              <a:rPr lang="it-IT" sz="2400">
+                <a:solidFill>
+                  <a:srgbClr val="202124"/>
+                </a:solidFill>
+                <a:latin typeface="Tahoma" panose="020B0604030504040204" pitchFamily="34" charset="0"/>
+                <a:ea typeface="Tahoma" panose="020B0604030504040204" pitchFamily="34" charset="0"/>
+                <a:cs typeface="Tahoma" panose="020B0604030504040204" pitchFamily="34" charset="0"/>
+              </a:rPr>
+              <a:t>indica che una risorsa è del tipo della classe che viene specificata.</a:t>
+            </a:r>
+          </a:p>
+          <a:p>
+            <a:pPr marL="342900" indent="-342900">
+              <a:buFont typeface="Wingdings" panose="05000000000000000000" pitchFamily="2" charset="2"/>
+              <a:buChar char="ü"/>
+            </a:pPr>
+            <a:r>
+              <a:rPr lang="it-IT" sz="2400" b="1" i="1">
+                <a:solidFill>
+                  <a:srgbClr val="202124"/>
+                </a:solidFill>
+                <a:latin typeface="Tahoma" panose="020B0604030504040204" pitchFamily="34" charset="0"/>
+                <a:ea typeface="Tahoma" panose="020B0604030504040204" pitchFamily="34" charset="0"/>
+                <a:cs typeface="Tahoma" panose="020B0604030504040204" pitchFamily="34" charset="0"/>
+              </a:rPr>
+              <a:t>rdfs:subPropertyOf</a:t>
+            </a:r>
+            <a:r>
+              <a:rPr lang="it-IT" sz="2400" b="1">
+                <a:solidFill>
+                  <a:srgbClr val="202124"/>
+                </a:solidFill>
+                <a:latin typeface="Tahoma" panose="020B0604030504040204" pitchFamily="34" charset="0"/>
+                <a:ea typeface="Tahoma" panose="020B0604030504040204" pitchFamily="34" charset="0"/>
+                <a:cs typeface="Tahoma" panose="020B0604030504040204" pitchFamily="34" charset="0"/>
+              </a:rPr>
+              <a:t>: </a:t>
+            </a:r>
+            <a:r>
+              <a:rPr lang="it-IT" sz="2400">
+                <a:solidFill>
+                  <a:srgbClr val="202124"/>
+                </a:solidFill>
+                <a:latin typeface="Tahoma" panose="020B0604030504040204" pitchFamily="34" charset="0"/>
+                <a:ea typeface="Tahoma" panose="020B0604030504040204" pitchFamily="34" charset="0"/>
+                <a:cs typeface="Tahoma" panose="020B0604030504040204" pitchFamily="34" charset="0"/>
+              </a:rPr>
+              <a:t>indica che una proprietà è una specializzazione di un'altra. </a:t>
+            </a:r>
+          </a:p>
+          <a:p>
+            <a:pPr marL="342900" indent="-342900">
+              <a:buFont typeface="Wingdings" panose="05000000000000000000" pitchFamily="2" charset="2"/>
+              <a:buChar char="ü"/>
+            </a:pPr>
+            <a:r>
+              <a:rPr lang="it-IT" sz="2400" b="1" i="1">
+                <a:solidFill>
+                  <a:srgbClr val="202124"/>
+                </a:solidFill>
+                <a:latin typeface="Tahoma" panose="020B0604030504040204" pitchFamily="34" charset="0"/>
+                <a:ea typeface="Tahoma" panose="020B0604030504040204" pitchFamily="34" charset="0"/>
+                <a:cs typeface="Tahoma" panose="020B0604030504040204" pitchFamily="34" charset="0"/>
+              </a:rPr>
+              <a:t>rdfs:seeAlso:</a:t>
+            </a:r>
+            <a:r>
+              <a:rPr lang="it-IT" sz="2400" b="1">
+                <a:solidFill>
+                  <a:srgbClr val="202124"/>
+                </a:solidFill>
+                <a:latin typeface="Tahoma" panose="020B0604030504040204" pitchFamily="34" charset="0"/>
+                <a:ea typeface="Tahoma" panose="020B0604030504040204" pitchFamily="34" charset="0"/>
+                <a:cs typeface="Tahoma" panose="020B0604030504040204" pitchFamily="34" charset="0"/>
+              </a:rPr>
+              <a:t> </a:t>
+            </a:r>
+            <a:r>
+              <a:rPr lang="it-IT" sz="2400">
+                <a:solidFill>
+                  <a:srgbClr val="202124"/>
+                </a:solidFill>
+                <a:latin typeface="Tahoma" panose="020B0604030504040204" pitchFamily="34" charset="0"/>
+                <a:ea typeface="Tahoma" panose="020B0604030504040204" pitchFamily="34" charset="0"/>
+                <a:cs typeface="Tahoma" panose="020B0604030504040204" pitchFamily="34" charset="0"/>
+              </a:rPr>
+              <a:t>Specifica che la risorsa è danche descritta in altre parti. </a:t>
+            </a:r>
+            <a:r>
+              <a:rPr lang="it-IT" sz="2400" b="1">
+                <a:solidFill>
+                  <a:srgbClr val="202124"/>
+                </a:solidFill>
+                <a:latin typeface="Tahoma" panose="020B0604030504040204" pitchFamily="34" charset="0"/>
+                <a:ea typeface="Tahoma" panose="020B0604030504040204" pitchFamily="34" charset="0"/>
+                <a:cs typeface="Tahoma" panose="020B0604030504040204" pitchFamily="34" charset="0"/>
+              </a:rPr>
+              <a:t> </a:t>
+            </a:r>
+          </a:p>
+        </p:txBody>
+      </p:sp>
+      <p:sp>
+        <p:nvSpPr>
+          <p:cNvPr id="7" name="Segnaposto numero diapositiva 6">
+            <a:extLst>
+              <a:ext uri="{FF2B5EF4-FFF2-40B4-BE49-F238E27FC236}">
+                <a16:creationId xmlns:a16="http://schemas.microsoft.com/office/drawing/2014/main" id="{AB740BE9-E218-4144-BFDE-AE473D230A3D}"/>
+              </a:ext>
+            </a:extLst>
+          </p:cNvPr>
+          <p:cNvSpPr>
+            <a:spLocks noGrp="1"/>
+          </p:cNvSpPr>
+          <p:nvPr>
+            <p:ph type="sldNum" sz="quarter" idx="12"/>
+          </p:nvPr>
+        </p:nvSpPr>
+        <p:spPr/>
+        <p:txBody>
+          <a:bodyPr/>
+          <a:lstStyle/>
+          <a:p>
+            <a:pPr>
+              <a:defRPr/>
+            </a:pPr>
+            <a:fld id="{48B4153A-D4C5-4CEF-8992-0D8815C829E3}" type="slidenum">
+              <a:rPr lang="en-US" smtClean="0"/>
+              <a:pPr>
+                <a:defRPr/>
+              </a:pPr>
+              <a:t>36</a:t>
+            </a:fld>
+            <a:endParaRPr lang="en-US" dirty="0"/>
+          </a:p>
+        </p:txBody>
+      </p:sp>
+      <p:sp>
+        <p:nvSpPr>
+          <p:cNvPr id="5" name="Titolo 4">
+            <a:extLst>
+              <a:ext uri="{FF2B5EF4-FFF2-40B4-BE49-F238E27FC236}">
+                <a16:creationId xmlns:a16="http://schemas.microsoft.com/office/drawing/2014/main" id="{82C46BA2-B380-4357-B125-BA9F08A643F5}"/>
+              </a:ext>
+            </a:extLst>
+          </p:cNvPr>
+          <p:cNvSpPr>
+            <a:spLocks noGrp="1"/>
+          </p:cNvSpPr>
+          <p:nvPr>
+            <p:ph type="title"/>
+          </p:nvPr>
+        </p:nvSpPr>
+        <p:spPr>
+          <a:xfrm>
+            <a:off x="468895" y="503475"/>
+            <a:ext cx="11269308" cy="384721"/>
+          </a:xfrm>
+        </p:spPr>
+        <p:txBody>
+          <a:bodyPr/>
+          <a:lstStyle/>
+          <a:p>
+            <a:r>
+              <a:rPr lang="it-IT"/>
+              <a:t>RDF Schema</a:t>
+            </a:r>
+            <a:endParaRPr lang="it-IT" dirty="0"/>
+          </a:p>
+        </p:txBody>
+      </p:sp>
+    </p:spTree>
+    <p:extLst>
+      <p:ext uri="{BB962C8B-B14F-4D97-AF65-F5344CB8AC3E}">
+        <p14:creationId xmlns:p14="http://schemas.microsoft.com/office/powerpoint/2010/main" val="817454347"/>
+      </p:ext>
+    </p:extLst>
+  </p:cSld>
+  <p:clrMapOvr>
+    <a:masterClrMapping/>
+  </p:clrMapOvr>
+</p:sld>
+</file>
+
+<file path=ppt/slides/slide37.xml><?xml version="1.0" encoding="utf-8"?>
+<p:sld xmlns:a="http://schemas.openxmlformats.org/drawingml/2006/main" xmlns:r="http://schemas.openxmlformats.org/officeDocument/2006/relationships" xmlns:p="http://schemas.openxmlformats.org/presentationml/2006/main">
+  <p:cSld>
+    <p:spTree>
+      <p:nvGrpSpPr>
+        <p:cNvPr id="1" name=""/>
+        <p:cNvGrpSpPr/>
+        <p:nvPr/>
+      </p:nvGrpSpPr>
+      <p:grpSpPr>
+        <a:xfrm>
+          <a:off x="0" y="0"/>
+          <a:ext cx="0" cy="0"/>
+          <a:chOff x="0" y="0"/>
+          <a:chExt cx="0" cy="0"/>
+        </a:xfrm>
+      </p:grpSpPr>
+      <p:sp>
+        <p:nvSpPr>
+          <p:cNvPr id="2" name="Segnaposto testo 1">
+            <a:extLst>
+              <a:ext uri="{FF2B5EF4-FFF2-40B4-BE49-F238E27FC236}">
+                <a16:creationId xmlns:a16="http://schemas.microsoft.com/office/drawing/2014/main" id="{E5AE986C-196F-4141-A898-FA4C4198CDCC}"/>
+              </a:ext>
+            </a:extLst>
+          </p:cNvPr>
+          <p:cNvSpPr>
+            <a:spLocks noGrp="1"/>
+          </p:cNvSpPr>
+          <p:nvPr>
+            <p:ph type="body" idx="1"/>
+          </p:nvPr>
+        </p:nvSpPr>
+        <p:spPr>
+          <a:xfrm>
+            <a:off x="326297" y="1213806"/>
+            <a:ext cx="7309745" cy="4392612"/>
+          </a:xfrm>
+        </p:spPr>
+        <p:txBody>
+          <a:bodyPr/>
+          <a:lstStyle/>
+          <a:p>
+            <a:pPr marL="342900" indent="-342900">
+              <a:buFont typeface="Wingdings" panose="05000000000000000000" pitchFamily="2" charset="2"/>
+              <a:buChar char="ü"/>
+            </a:pPr>
+            <a:r>
+              <a:rPr lang="it-IT" sz="2400">
+                <a:solidFill>
+                  <a:srgbClr val="202124"/>
+                </a:solidFill>
+                <a:latin typeface="Tahoma" panose="020B0604030504040204" pitchFamily="34" charset="0"/>
+                <a:ea typeface="Tahoma" panose="020B0604030504040204" pitchFamily="34" charset="0"/>
+                <a:cs typeface="Tahoma" panose="020B0604030504040204" pitchFamily="34" charset="0"/>
+              </a:rPr>
+              <a:t>Le principali serializzazioni adottabili con un </a:t>
+            </a:r>
+            <a:r>
+              <a:rPr lang="it-IT" sz="2400" b="1">
+                <a:solidFill>
+                  <a:srgbClr val="202124"/>
+                </a:solidFill>
+                <a:latin typeface="Tahoma" panose="020B0604030504040204" pitchFamily="34" charset="0"/>
+                <a:ea typeface="Tahoma" panose="020B0604030504040204" pitchFamily="34" charset="0"/>
+                <a:cs typeface="Tahoma" panose="020B0604030504040204" pitchFamily="34" charset="0"/>
+              </a:rPr>
+              <a:t>grafo RDF </a:t>
+            </a:r>
+            <a:r>
+              <a:rPr lang="it-IT" sz="2400">
+                <a:solidFill>
+                  <a:srgbClr val="202124"/>
+                </a:solidFill>
+                <a:latin typeface="Tahoma" panose="020B0604030504040204" pitchFamily="34" charset="0"/>
+                <a:ea typeface="Tahoma" panose="020B0604030504040204" pitchFamily="34" charset="0"/>
+                <a:cs typeface="Tahoma" panose="020B0604030504040204" pitchFamily="34" charset="0"/>
+              </a:rPr>
+              <a:t>sono: </a:t>
+            </a:r>
+          </a:p>
+          <a:p>
+            <a:pPr marL="342900" indent="-342900">
+              <a:buFont typeface="Wingdings" panose="05000000000000000000" pitchFamily="2" charset="2"/>
+              <a:buChar char="ü"/>
+            </a:pPr>
+            <a:r>
+              <a:rPr lang="it-IT" sz="2400" b="1">
+                <a:solidFill>
+                  <a:srgbClr val="202124"/>
+                </a:solidFill>
+                <a:latin typeface="Tahoma" panose="020B0604030504040204" pitchFamily="34" charset="0"/>
+                <a:ea typeface="Tahoma" panose="020B0604030504040204" pitchFamily="34" charset="0"/>
+                <a:cs typeface="Tahoma" panose="020B0604030504040204" pitchFamily="34" charset="0"/>
+              </a:rPr>
+              <a:t>RDF/XML: </a:t>
+            </a:r>
+            <a:r>
+              <a:rPr lang="it-IT" sz="2400">
+                <a:solidFill>
+                  <a:srgbClr val="202124"/>
+                </a:solidFill>
+                <a:latin typeface="Tahoma" panose="020B0604030504040204" pitchFamily="34" charset="0"/>
+                <a:ea typeface="Tahoma" panose="020B0604030504040204" pitchFamily="34" charset="0"/>
+                <a:cs typeface="Tahoma" panose="020B0604030504040204" pitchFamily="34" charset="0"/>
+              </a:rPr>
+              <a:t>documento </a:t>
+            </a:r>
+            <a:r>
+              <a:rPr lang="it-IT" sz="2400" b="1">
+                <a:solidFill>
+                  <a:srgbClr val="202124"/>
+                </a:solidFill>
+                <a:latin typeface="Tahoma" panose="020B0604030504040204" pitchFamily="34" charset="0"/>
+                <a:ea typeface="Tahoma" panose="020B0604030504040204" pitchFamily="34" charset="0"/>
+                <a:cs typeface="Tahoma" panose="020B0604030504040204" pitchFamily="34" charset="0"/>
+              </a:rPr>
+              <a:t>RDF </a:t>
+            </a:r>
+            <a:r>
+              <a:rPr lang="it-IT" sz="2400">
+                <a:solidFill>
+                  <a:srgbClr val="202124"/>
+                </a:solidFill>
+                <a:latin typeface="Tahoma" panose="020B0604030504040204" pitchFamily="34" charset="0"/>
+                <a:ea typeface="Tahoma" panose="020B0604030504040204" pitchFamily="34" charset="0"/>
+                <a:cs typeface="Tahoma" panose="020B0604030504040204" pitchFamily="34" charset="0"/>
+              </a:rPr>
+              <a:t>è serializzato in un file </a:t>
+            </a:r>
+            <a:r>
+              <a:rPr lang="it-IT" sz="2400" b="1">
+                <a:solidFill>
+                  <a:srgbClr val="202124"/>
+                </a:solidFill>
+                <a:latin typeface="Tahoma" panose="020B0604030504040204" pitchFamily="34" charset="0"/>
+                <a:ea typeface="Tahoma" panose="020B0604030504040204" pitchFamily="34" charset="0"/>
+                <a:cs typeface="Tahoma" panose="020B0604030504040204" pitchFamily="34" charset="0"/>
+              </a:rPr>
+              <a:t>XML</a:t>
+            </a:r>
+          </a:p>
+          <a:p>
+            <a:pPr marL="342900" indent="-342900">
+              <a:buFont typeface="Wingdings" panose="05000000000000000000" pitchFamily="2" charset="2"/>
+              <a:buChar char="ü"/>
+            </a:pPr>
+            <a:r>
+              <a:rPr lang="it-IT" sz="2400" b="1" i="0">
+                <a:solidFill>
+                  <a:srgbClr val="202124"/>
+                </a:solidFill>
+                <a:effectLst/>
+                <a:latin typeface="Tahoma" panose="020B0604030504040204" pitchFamily="34" charset="0"/>
+                <a:ea typeface="Tahoma" panose="020B0604030504040204" pitchFamily="34" charset="0"/>
+                <a:cs typeface="Tahoma" panose="020B0604030504040204" pitchFamily="34" charset="0"/>
+              </a:rPr>
+              <a:t>N-Triples: </a:t>
+            </a:r>
+            <a:r>
+              <a:rPr lang="it-IT" sz="2400" i="0">
+                <a:solidFill>
+                  <a:srgbClr val="202124"/>
+                </a:solidFill>
+                <a:effectLst/>
+                <a:latin typeface="Tahoma" panose="020B0604030504040204" pitchFamily="34" charset="0"/>
+                <a:ea typeface="Tahoma" panose="020B0604030504040204" pitchFamily="34" charset="0"/>
+                <a:cs typeface="Tahoma" panose="020B0604030504040204" pitchFamily="34" charset="0"/>
+              </a:rPr>
+              <a:t>serializzazione del grafo come un insieme di triple </a:t>
+            </a:r>
+            <a:r>
+              <a:rPr lang="it-IT" sz="2400" b="1">
+                <a:solidFill>
+                  <a:srgbClr val="202124"/>
+                </a:solidFill>
+                <a:latin typeface="Tahoma" panose="020B0604030504040204" pitchFamily="34" charset="0"/>
+                <a:ea typeface="Tahoma" panose="020B0604030504040204" pitchFamily="34" charset="0"/>
+                <a:cs typeface="Tahoma" panose="020B0604030504040204" pitchFamily="34" charset="0"/>
+              </a:rPr>
+              <a:t>soggetto - predicato - oggetto. </a:t>
+            </a:r>
+          </a:p>
+          <a:p>
+            <a:pPr marL="342900" indent="-342900">
+              <a:buFont typeface="Wingdings" panose="05000000000000000000" pitchFamily="2" charset="2"/>
+              <a:buChar char="ü"/>
+            </a:pPr>
+            <a:r>
+              <a:rPr lang="it-IT" sz="2400" b="1">
+                <a:solidFill>
+                  <a:srgbClr val="202124"/>
+                </a:solidFill>
+                <a:latin typeface="Tahoma" panose="020B0604030504040204" pitchFamily="34" charset="0"/>
+                <a:ea typeface="Tahoma" panose="020B0604030504040204" pitchFamily="34" charset="0"/>
+                <a:cs typeface="Tahoma" panose="020B0604030504040204" pitchFamily="34" charset="0"/>
+              </a:rPr>
+              <a:t>Notation3: </a:t>
+            </a:r>
+            <a:r>
+              <a:rPr lang="it-IT" sz="2400">
+                <a:solidFill>
+                  <a:srgbClr val="202124"/>
+                </a:solidFill>
+                <a:latin typeface="Tahoma" panose="020B0604030504040204" pitchFamily="34" charset="0"/>
+                <a:ea typeface="Tahoma" panose="020B0604030504040204" pitchFamily="34" charset="0"/>
+                <a:cs typeface="Tahoma" panose="020B0604030504040204" pitchFamily="34" charset="0"/>
+              </a:rPr>
+              <a:t>serializzazione del grafo descrivendo, una per volta, una risorsa e tutte le sue proprietà. </a:t>
+            </a:r>
+          </a:p>
+          <a:p>
+            <a:pPr marL="342900" indent="-342900">
+              <a:buFont typeface="Wingdings" panose="05000000000000000000" pitchFamily="2" charset="2"/>
+              <a:buChar char="ü"/>
+            </a:pPr>
+            <a:r>
+              <a:rPr lang="it-IT" sz="2400">
+                <a:solidFill>
+                  <a:srgbClr val="202124"/>
+                </a:solidFill>
+                <a:latin typeface="Tahoma" panose="020B0604030504040204" pitchFamily="34" charset="0"/>
+                <a:ea typeface="Tahoma" panose="020B0604030504040204" pitchFamily="34" charset="0"/>
+                <a:cs typeface="Tahoma" panose="020B0604030504040204" pitchFamily="34" charset="0"/>
+              </a:rPr>
+              <a:t>In particolare la serializzazione in </a:t>
+            </a:r>
+            <a:r>
+              <a:rPr lang="it-IT" sz="2400" b="1">
+                <a:solidFill>
+                  <a:srgbClr val="202124"/>
+                </a:solidFill>
+                <a:latin typeface="Tahoma" panose="020B0604030504040204" pitchFamily="34" charset="0"/>
+                <a:ea typeface="Tahoma" panose="020B0604030504040204" pitchFamily="34" charset="0"/>
+                <a:cs typeface="Tahoma" panose="020B0604030504040204" pitchFamily="34" charset="0"/>
+              </a:rPr>
+              <a:t>XML </a:t>
+            </a:r>
+            <a:r>
+              <a:rPr lang="it-IT" sz="2400">
+                <a:solidFill>
+                  <a:srgbClr val="202124"/>
+                </a:solidFill>
+                <a:latin typeface="Tahoma" panose="020B0604030504040204" pitchFamily="34" charset="0"/>
+                <a:ea typeface="Tahoma" panose="020B0604030504040204" pitchFamily="34" charset="0"/>
+                <a:cs typeface="Tahoma" panose="020B0604030504040204" pitchFamily="34" charset="0"/>
+              </a:rPr>
+              <a:t>può avvenire secondo due metodi, quello classico e quello abbreviato, più leggibile per l'uomo. </a:t>
+            </a:r>
+          </a:p>
+          <a:p>
+            <a:pPr marL="342900" indent="-342900">
+              <a:buFont typeface="Wingdings" panose="05000000000000000000" pitchFamily="2" charset="2"/>
+              <a:buChar char="ü"/>
+            </a:pPr>
+            <a:endParaRPr lang="it-IT" sz="2400">
+              <a:solidFill>
+                <a:srgbClr val="202124"/>
+              </a:solidFill>
+              <a:latin typeface="Tahoma" panose="020B0604030504040204" pitchFamily="34" charset="0"/>
+              <a:ea typeface="Tahoma" panose="020B0604030504040204" pitchFamily="34" charset="0"/>
+              <a:cs typeface="Tahoma" panose="020B0604030504040204" pitchFamily="34" charset="0"/>
+            </a:endParaRPr>
+          </a:p>
+        </p:txBody>
+      </p:sp>
+      <p:sp>
+        <p:nvSpPr>
+          <p:cNvPr id="7" name="Segnaposto numero diapositiva 6">
+            <a:extLst>
+              <a:ext uri="{FF2B5EF4-FFF2-40B4-BE49-F238E27FC236}">
+                <a16:creationId xmlns:a16="http://schemas.microsoft.com/office/drawing/2014/main" id="{AB740BE9-E218-4144-BFDE-AE473D230A3D}"/>
+              </a:ext>
+            </a:extLst>
+          </p:cNvPr>
+          <p:cNvSpPr>
+            <a:spLocks noGrp="1"/>
+          </p:cNvSpPr>
+          <p:nvPr>
+            <p:ph type="sldNum" sz="quarter" idx="12"/>
+          </p:nvPr>
+        </p:nvSpPr>
+        <p:spPr/>
+        <p:txBody>
+          <a:bodyPr/>
+          <a:lstStyle/>
+          <a:p>
+            <a:pPr>
+              <a:defRPr/>
+            </a:pPr>
+            <a:fld id="{48B4153A-D4C5-4CEF-8992-0D8815C829E3}" type="slidenum">
+              <a:rPr lang="en-US" smtClean="0"/>
+              <a:pPr>
+                <a:defRPr/>
+              </a:pPr>
+              <a:t>37</a:t>
+            </a:fld>
+            <a:endParaRPr lang="en-US" dirty="0"/>
+          </a:p>
+        </p:txBody>
+      </p:sp>
+      <p:sp>
+        <p:nvSpPr>
+          <p:cNvPr id="5" name="Titolo 4">
+            <a:extLst>
+              <a:ext uri="{FF2B5EF4-FFF2-40B4-BE49-F238E27FC236}">
+                <a16:creationId xmlns:a16="http://schemas.microsoft.com/office/drawing/2014/main" id="{82C46BA2-B380-4357-B125-BA9F08A643F5}"/>
+              </a:ext>
+            </a:extLst>
+          </p:cNvPr>
+          <p:cNvSpPr>
+            <a:spLocks noGrp="1"/>
+          </p:cNvSpPr>
+          <p:nvPr>
+            <p:ph type="title"/>
+          </p:nvPr>
+        </p:nvSpPr>
+        <p:spPr>
+          <a:xfrm>
+            <a:off x="468895" y="503475"/>
+            <a:ext cx="11269308" cy="384721"/>
+          </a:xfrm>
+        </p:spPr>
+        <p:txBody>
+          <a:bodyPr/>
+          <a:lstStyle/>
+          <a:p>
+            <a:r>
+              <a:rPr lang="it-IT"/>
+              <a:t>RDF - Rappresentazione fisica del modello</a:t>
+            </a:r>
+            <a:endParaRPr lang="it-IT" dirty="0"/>
+          </a:p>
+        </p:txBody>
+      </p:sp>
+      <p:pic>
+        <p:nvPicPr>
+          <p:cNvPr id="4" name="Immagine 3">
+            <a:extLst>
+              <a:ext uri="{FF2B5EF4-FFF2-40B4-BE49-F238E27FC236}">
+                <a16:creationId xmlns:a16="http://schemas.microsoft.com/office/drawing/2014/main" id="{27D81560-A606-1873-0EC3-847B5ACCB0DD}"/>
+              </a:ext>
+            </a:extLst>
+          </p:cNvPr>
+          <p:cNvPicPr>
+            <a:picLocks noChangeAspect="1"/>
+          </p:cNvPicPr>
+          <p:nvPr/>
+        </p:nvPicPr>
+        <p:blipFill>
+          <a:blip r:embed="rId2"/>
+          <a:stretch>
+            <a:fillRect/>
+          </a:stretch>
+        </p:blipFill>
+        <p:spPr>
+          <a:xfrm>
+            <a:off x="8186207" y="2496513"/>
+            <a:ext cx="3679496" cy="2604587"/>
+          </a:xfrm>
+          <a:prstGeom prst="rect">
+            <a:avLst/>
+          </a:prstGeom>
+        </p:spPr>
+      </p:pic>
+    </p:spTree>
+    <p:extLst>
+      <p:ext uri="{BB962C8B-B14F-4D97-AF65-F5344CB8AC3E}">
+        <p14:creationId xmlns:p14="http://schemas.microsoft.com/office/powerpoint/2010/main" val="3460074448"/>
+      </p:ext>
+    </p:extLst>
+  </p:cSld>
+  <p:clrMapOvr>
+    <a:masterClrMapping/>
+  </p:clrMapOvr>
+</p:sld>
+</file>
+
+<file path=ppt/slides/slide38.xml><?xml version="1.0" encoding="utf-8"?>
+<p:sld xmlns:a="http://schemas.openxmlformats.org/drawingml/2006/main" xmlns:r="http://schemas.openxmlformats.org/officeDocument/2006/relationships" xmlns:p="http://schemas.openxmlformats.org/presentationml/2006/main">
+  <p:cSld>
+    <p:spTree>
+      <p:nvGrpSpPr>
+        <p:cNvPr id="1" name=""/>
+        <p:cNvGrpSpPr/>
+        <p:nvPr/>
+      </p:nvGrpSpPr>
+      <p:grpSpPr>
+        <a:xfrm>
+          <a:off x="0" y="0"/>
+          <a:ext cx="0" cy="0"/>
+          <a:chOff x="0" y="0"/>
+          <a:chExt cx="0" cy="0"/>
+        </a:xfrm>
+      </p:grpSpPr>
+      <p:sp>
+        <p:nvSpPr>
+          <p:cNvPr id="2" name="Segnaposto testo 1">
+            <a:extLst>
+              <a:ext uri="{FF2B5EF4-FFF2-40B4-BE49-F238E27FC236}">
+                <a16:creationId xmlns:a16="http://schemas.microsoft.com/office/drawing/2014/main" id="{E5AE986C-196F-4141-A898-FA4C4198CDCC}"/>
+              </a:ext>
+            </a:extLst>
+          </p:cNvPr>
+          <p:cNvSpPr>
+            <a:spLocks noGrp="1"/>
+          </p:cNvSpPr>
+          <p:nvPr>
+            <p:ph type="body" idx="1"/>
+          </p:nvPr>
+        </p:nvSpPr>
+        <p:spPr>
+          <a:xfrm>
+            <a:off x="326297" y="1213806"/>
+            <a:ext cx="11518700" cy="4392612"/>
+          </a:xfrm>
+        </p:spPr>
+        <p:txBody>
+          <a:bodyPr/>
+          <a:lstStyle/>
+          <a:p>
+            <a:pPr algn="l"/>
+            <a:r>
+              <a:rPr lang="en-US" sz="2400" b="0" i="0">
+                <a:solidFill>
+                  <a:srgbClr val="4E4B49"/>
+                </a:solidFill>
+                <a:effectLst/>
+                <a:latin typeface="-apple-system"/>
+              </a:rPr>
+              <a:t>turtleDB is a framework for developers to build offline-first, collaborative web apps. It provides a user-friendly API for developers, empowering them with the ability to create apps with in-browser storage, effective server synchronization, document versioning, and flexible conflict resolution for any document data.</a:t>
+            </a:r>
+          </a:p>
+          <a:p>
+            <a:pPr algn="l"/>
+            <a:r>
+              <a:rPr lang="en-US" sz="2400" b="0" i="0">
+                <a:solidFill>
+                  <a:srgbClr val="4E4B49"/>
+                </a:solidFill>
+                <a:effectLst/>
+                <a:latin typeface="-apple-system"/>
+              </a:rPr>
+              <a:t>Web applications will work seamlessly online or offline, and developers can leave the backend to turtleDB - it will handle all data synchronization and conflict resolution between users. Works with MongoDB out of the box!</a:t>
+            </a:r>
+          </a:p>
+          <a:p>
+            <a:pPr marL="342900" indent="-342900">
+              <a:buFont typeface="Wingdings" panose="05000000000000000000" pitchFamily="2" charset="2"/>
+              <a:buChar char="ü"/>
+            </a:pPr>
+            <a:endParaRPr lang="en-US" sz="2400" b="0" i="0" dirty="0">
+              <a:solidFill>
+                <a:srgbClr val="555555"/>
+              </a:solidFill>
+              <a:effectLst/>
+              <a:latin typeface="PT Sans" panose="020B0503020203020204" pitchFamily="34" charset="0"/>
+            </a:endParaRPr>
+          </a:p>
+        </p:txBody>
+      </p:sp>
+      <p:sp>
+        <p:nvSpPr>
+          <p:cNvPr id="7" name="Segnaposto numero diapositiva 6">
+            <a:extLst>
+              <a:ext uri="{FF2B5EF4-FFF2-40B4-BE49-F238E27FC236}">
+                <a16:creationId xmlns:a16="http://schemas.microsoft.com/office/drawing/2014/main" id="{AB740BE9-E218-4144-BFDE-AE473D230A3D}"/>
+              </a:ext>
+            </a:extLst>
+          </p:cNvPr>
+          <p:cNvSpPr>
+            <a:spLocks noGrp="1"/>
+          </p:cNvSpPr>
+          <p:nvPr>
+            <p:ph type="sldNum" sz="quarter" idx="12"/>
+          </p:nvPr>
+        </p:nvSpPr>
+        <p:spPr/>
+        <p:txBody>
+          <a:bodyPr/>
+          <a:lstStyle/>
+          <a:p>
+            <a:pPr>
+              <a:defRPr/>
+            </a:pPr>
+            <a:fld id="{48B4153A-D4C5-4CEF-8992-0D8815C829E3}" type="slidenum">
+              <a:rPr lang="en-US" smtClean="0"/>
+              <a:pPr>
+                <a:defRPr/>
+              </a:pPr>
+              <a:t>38</a:t>
+            </a:fld>
+            <a:endParaRPr lang="en-US" dirty="0"/>
+          </a:p>
+        </p:txBody>
+      </p:sp>
+      <p:sp>
+        <p:nvSpPr>
+          <p:cNvPr id="5" name="Titolo 4">
+            <a:extLst>
+              <a:ext uri="{FF2B5EF4-FFF2-40B4-BE49-F238E27FC236}">
+                <a16:creationId xmlns:a16="http://schemas.microsoft.com/office/drawing/2014/main" id="{82C46BA2-B380-4357-B125-BA9F08A643F5}"/>
+              </a:ext>
+            </a:extLst>
+          </p:cNvPr>
+          <p:cNvSpPr>
+            <a:spLocks noGrp="1"/>
+          </p:cNvSpPr>
+          <p:nvPr>
+            <p:ph type="title"/>
+          </p:nvPr>
+        </p:nvSpPr>
+        <p:spPr>
+          <a:xfrm>
+            <a:off x="468895" y="503475"/>
+            <a:ext cx="11269308" cy="384721"/>
+          </a:xfrm>
+        </p:spPr>
+        <p:txBody>
+          <a:bodyPr/>
+          <a:lstStyle/>
+          <a:p>
+            <a:r>
+              <a:rPr lang="it-IT"/>
+              <a:t>TurtleDB e Triplestore</a:t>
+            </a:r>
+            <a:endParaRPr lang="it-IT" dirty="0"/>
+          </a:p>
+        </p:txBody>
+      </p:sp>
+    </p:spTree>
+    <p:extLst>
+      <p:ext uri="{BB962C8B-B14F-4D97-AF65-F5344CB8AC3E}">
+        <p14:creationId xmlns:p14="http://schemas.microsoft.com/office/powerpoint/2010/main" val="3360116521"/>
+      </p:ext>
+    </p:extLst>
+  </p:cSld>
+  <p:clrMapOvr>
+    <a:masterClrMapping/>
+  </p:clrMapOvr>
+</p:sld>
+</file>
+
+<file path=ppt/slides/slide39.xml><?xml version="1.0" encoding="utf-8"?>
+<p:sld xmlns:a="http://schemas.openxmlformats.org/drawingml/2006/main" xmlns:r="http://schemas.openxmlformats.org/officeDocument/2006/relationships" xmlns:p="http://schemas.openxmlformats.org/presentationml/2006/main">
+  <p:cSld>
+    <p:spTree>
+      <p:nvGrpSpPr>
+        <p:cNvPr id="1" name=""/>
+        <p:cNvGrpSpPr/>
+        <p:nvPr/>
+      </p:nvGrpSpPr>
+      <p:grpSpPr>
+        <a:xfrm>
+          <a:off x="0" y="0"/>
+          <a:ext cx="0" cy="0"/>
+          <a:chOff x="0" y="0"/>
+          <a:chExt cx="0" cy="0"/>
+        </a:xfrm>
+      </p:grpSpPr>
+      <p:sp>
+        <p:nvSpPr>
+          <p:cNvPr id="7" name="Segnaposto numero diapositiva 6">
+            <a:extLst>
+              <a:ext uri="{FF2B5EF4-FFF2-40B4-BE49-F238E27FC236}">
+                <a16:creationId xmlns:a16="http://schemas.microsoft.com/office/drawing/2014/main" id="{AB740BE9-E218-4144-BFDE-AE473D230A3D}"/>
+              </a:ext>
+            </a:extLst>
+          </p:cNvPr>
+          <p:cNvSpPr>
+            <a:spLocks noGrp="1"/>
+          </p:cNvSpPr>
+          <p:nvPr>
+            <p:ph type="sldNum" sz="quarter" idx="12"/>
+          </p:nvPr>
+        </p:nvSpPr>
+        <p:spPr/>
+        <p:txBody>
+          <a:bodyPr/>
+          <a:lstStyle/>
+          <a:p>
+            <a:pPr>
+              <a:defRPr/>
+            </a:pPr>
+            <a:fld id="{48B4153A-D4C5-4CEF-8992-0D8815C829E3}" type="slidenum">
+              <a:rPr lang="en-US" smtClean="0"/>
+              <a:pPr>
+                <a:defRPr/>
+              </a:pPr>
+              <a:t>39</a:t>
+            </a:fld>
+            <a:endParaRPr lang="en-US" dirty="0"/>
+          </a:p>
+        </p:txBody>
+      </p:sp>
+      <p:sp>
+        <p:nvSpPr>
+          <p:cNvPr id="5" name="Titolo 4">
+            <a:extLst>
+              <a:ext uri="{FF2B5EF4-FFF2-40B4-BE49-F238E27FC236}">
+                <a16:creationId xmlns:a16="http://schemas.microsoft.com/office/drawing/2014/main" id="{82C46BA2-B380-4357-B125-BA9F08A643F5}"/>
+              </a:ext>
+            </a:extLst>
+          </p:cNvPr>
+          <p:cNvSpPr>
+            <a:spLocks noGrp="1"/>
+          </p:cNvSpPr>
+          <p:nvPr>
+            <p:ph type="title"/>
+          </p:nvPr>
+        </p:nvSpPr>
+        <p:spPr>
+          <a:xfrm>
+            <a:off x="468895" y="503475"/>
+            <a:ext cx="11269308" cy="384721"/>
+          </a:xfrm>
+        </p:spPr>
+        <p:txBody>
+          <a:bodyPr/>
+          <a:lstStyle/>
+          <a:p>
+            <a:r>
+              <a:rPr lang="it-IT" altLang="it-IT"/>
+              <a:t>Bibliografia</a:t>
+            </a:r>
+            <a:endParaRPr lang="it-IT" dirty="0"/>
+          </a:p>
+        </p:txBody>
+      </p:sp>
+      <p:sp>
+        <p:nvSpPr>
+          <p:cNvPr id="3" name="Segnaposto testo 2">
+            <a:extLst>
+              <a:ext uri="{FF2B5EF4-FFF2-40B4-BE49-F238E27FC236}">
+                <a16:creationId xmlns:a16="http://schemas.microsoft.com/office/drawing/2014/main" id="{15CD42DB-61E6-AA3D-7125-BF4BEDB5D886}"/>
+              </a:ext>
+            </a:extLst>
+          </p:cNvPr>
+          <p:cNvSpPr>
+            <a:spLocks noGrp="1"/>
+          </p:cNvSpPr>
+          <p:nvPr>
+            <p:ph type="body" idx="1"/>
+          </p:nvPr>
+        </p:nvSpPr>
+        <p:spPr>
+          <a:xfrm>
+            <a:off x="477519" y="1557338"/>
+            <a:ext cx="11043921" cy="4392612"/>
+          </a:xfrm>
+        </p:spPr>
+        <p:txBody>
+          <a:bodyPr/>
+          <a:lstStyle/>
+          <a:p>
+            <a:r>
+              <a:rPr lang="it-IT" dirty="0">
+                <a:hlinkClick r:id="rId2"/>
+              </a:rPr>
+              <a:t>https://www.stitchdata.com/resources</a:t>
+            </a:r>
+            <a:r>
+              <a:rPr lang="it-IT">
+                <a:hlinkClick r:id="rId2"/>
+              </a:rPr>
+              <a:t>/data-transformation</a:t>
+            </a:r>
+            <a:endParaRPr lang="it-IT"/>
+          </a:p>
+          <a:p>
+            <a:endParaRPr lang="it-IT"/>
+          </a:p>
+          <a:p>
+            <a:r>
+              <a:rPr lang="it-IT">
+                <a:hlinkClick r:id="rId3"/>
+              </a:rPr>
+              <a:t>https://www.ibm.com/cloud/learn/data-warehouse#:~:text=A%20data%20warehouse%2C%20or%20enterprise,AI)%2C%20and%20machine%20learning</a:t>
+            </a:r>
+            <a:r>
+              <a:rPr lang="it-IT"/>
+              <a:t>.</a:t>
+            </a:r>
+          </a:p>
+          <a:p>
+            <a:endParaRPr lang="it-IT" dirty="0"/>
+          </a:p>
+          <a:p>
+            <a:endParaRPr lang="it-IT" dirty="0"/>
+          </a:p>
+        </p:txBody>
+      </p:sp>
+    </p:spTree>
+    <p:extLst>
+      <p:ext uri="{BB962C8B-B14F-4D97-AF65-F5344CB8AC3E}">
+        <p14:creationId xmlns:p14="http://schemas.microsoft.com/office/powerpoint/2010/main" val="3490964097"/>
       </p:ext>
     </p:extLst>
   </p:cSld>
@@ -13424,7 +18241,7 @@
                 <a:ea typeface="Tahoma" panose="020B0604030504040204" pitchFamily="34" charset="0"/>
                 <a:cs typeface="Tahoma" panose="020B0604030504040204" pitchFamily="34" charset="0"/>
               </a:rPr>
-              <a:t>DSnowflake Schema: </a:t>
+              <a:t>Snowflake Schema: </a:t>
             </a:r>
             <a:r>
               <a:rPr lang="it-IT" sz="2400">
@@ -14465,15 +19282,15 @@
 <file path=customXml/itemProps4.xml><?xml version="1.0" encoding="utf-8"?>
 <ds:datastoreItem xmlns:ds="http://schemas.openxmlformats.org/officeDocument/2006/customXml" ds:itemID="{3EF378BC-F4D0-4510-B4EC-07B6EFE18CF8}">
   <ds:schemaRefs>
+    <ds:schemaRef ds:uri="http://schemas.microsoft.com/office/2006/documentManagement/types"/>
+    <ds:schemaRef ds:uri="http://purl.org/dc/elements/1.1/"/>
+    <ds:schemaRef ds:uri="679261c3-551f-4e86-913f-177e0e529669"/>
+    <ds:schemaRef ds:uri="http://schemas.openxmlformats.org/package/2006/metadata/core-properties"/>
+    <ds:schemaRef ds:uri="459159c4-d20a-4ff3-9b11-fbd127bd52e5"/>
     <ds:schemaRef ds:uri="c58f2efd-82a8-4ecf-b395-8c25e928921d"/>
     <ds:schemaRef ds:uri="http://schemas.microsoft.com/office/infopath/2007/PartnerControls"/>
-    <ds:schemaRef ds:uri="http://purl.org/dc/elements/1.1/"/>
+    <ds:schemaRef ds:uri="http://purl.org/dc/terms/"/>
     <ds:schemaRef ds:uri="http://schemas.microsoft.com/office/2006/metadata/properties"/>
-    <ds:schemaRef ds:uri="http://purl.org/dc/terms/"/>
-    <ds:schemaRef ds:uri="679261c3-551f-4e86-913f-177e0e529669"/>
-    <ds:schemaRef ds:uri="http://schemas.microsoft.com/office/2006/documentManagement/types"/>
-    <ds:schemaRef ds:uri="459159c4-d20a-4ff3-9b11-fbd127bd52e5"/>
-    <ds:schemaRef ds:uri="http://schemas.openxmlformats.org/package/2006/metadata/core-properties"/>
     <ds:schemaRef ds:uri="http://www.w3.org/XML/1998/namespace"/>
     <ds:schemaRef ds:uri="http://purl.org/dc/dcmitype/"/>
   </ds:schemaRefs>

--- a/Data_Science_ita.pptx
+++ b/Data_Science_ita.pptx
@@ -5,7 +5,7 @@
     <p:sldMasterId id="2147483648" r:id="rId5"/>
   </p:sldMasterIdLst>
   <p:notesMasterIdLst>
-    <p:notesMasterId r:id="rId45"/>
+    <p:notesMasterId r:id="rId51"/>
   </p:notesMasterIdLst>
   <p:sldIdLst>
     <p:sldId id="256" r:id="rId6"/>
@@ -34,19 +34,25 @@
     <p:sldId id="365" r:id="rId29"/>
     <p:sldId id="366" r:id="rId30"/>
     <p:sldId id="367" r:id="rId31"/>
-    <p:sldId id="361" r:id="rId32"/>
-    <p:sldId id="357" r:id="rId33"/>
-    <p:sldId id="362" r:id="rId34"/>
-    <p:sldId id="368" r:id="rId35"/>
-    <p:sldId id="369" r:id="rId36"/>
-    <p:sldId id="370" r:id="rId37"/>
-    <p:sldId id="371" r:id="rId38"/>
-    <p:sldId id="372" r:id="rId39"/>
-    <p:sldId id="373" r:id="rId40"/>
-    <p:sldId id="374" r:id="rId41"/>
-    <p:sldId id="375" r:id="rId42"/>
-    <p:sldId id="358" r:id="rId43"/>
-    <p:sldId id="343" r:id="rId44"/>
+    <p:sldId id="376" r:id="rId32"/>
+    <p:sldId id="377" r:id="rId33"/>
+    <p:sldId id="361" r:id="rId34"/>
+    <p:sldId id="378" r:id="rId35"/>
+    <p:sldId id="379" r:id="rId36"/>
+    <p:sldId id="380" r:id="rId37"/>
+    <p:sldId id="381" r:id="rId38"/>
+    <p:sldId id="357" r:id="rId39"/>
+    <p:sldId id="362" r:id="rId40"/>
+    <p:sldId id="368" r:id="rId41"/>
+    <p:sldId id="369" r:id="rId42"/>
+    <p:sldId id="370" r:id="rId43"/>
+    <p:sldId id="371" r:id="rId44"/>
+    <p:sldId id="372" r:id="rId45"/>
+    <p:sldId id="373" r:id="rId46"/>
+    <p:sldId id="374" r:id="rId47"/>
+    <p:sldId id="375" r:id="rId48"/>
+    <p:sldId id="358" r:id="rId49"/>
+    <p:sldId id="343" r:id="rId50"/>
   </p:sldIdLst>
   <p:sldSz cx="12192000" cy="6858000"/>
   <p:notesSz cx="6858000" cy="9144000"/>
@@ -304,7 +310,7 @@
               <a:pPr>
                 <a:defRPr/>
               </a:pPr>
-              <a:t>7/4/2022</a:t>
+              <a:t>7/5/2022</a:t>
             </a:fld>
             <a:endParaRPr lang="en-US"/>
           </a:p>
@@ -12104,80 +12110,279 @@
         </p:nvSpPr>
         <p:spPr>
           <a:xfrm>
-            <a:off x="344199" y="1446404"/>
-            <a:ext cx="11518700" cy="4392612"/>
+            <a:off x="328157" y="1446404"/>
+            <a:ext cx="11651510" cy="4392612"/>
           </a:xfrm>
         </p:spPr>
         <p:txBody>
           <a:bodyPr/>
           <a:lstStyle/>
           <a:p>
-            <a:pPr marL="457200" indent="-457200">
-              <a:buFont typeface="Wingdings" panose="05000000000000000000" pitchFamily="2" charset="2"/>
-              <a:buChar char="ü"/>
-            </a:pPr>
-            <a:r>
-              <a:rPr lang="it-IT" sz="2400">
-                <a:solidFill>
-                  <a:schemeClr val="tx1"/>
-                </a:solidFill>
-                <a:latin typeface="Tahoma" panose="020B0604030504040204" pitchFamily="34" charset="0"/>
-                <a:ea typeface="Tahoma" panose="020B0604030504040204" pitchFamily="34" charset="0"/>
-                <a:cs typeface="Tahoma" panose="020B0604030504040204" pitchFamily="34" charset="0"/>
-              </a:rPr>
-              <a:t>La </a:t>
-            </a:r>
-            <a:r>
-              <a:rPr lang="it-IT" sz="2400" b="1">
-                <a:solidFill>
-                  <a:schemeClr val="tx1"/>
-                </a:solidFill>
-                <a:latin typeface="Tahoma" panose="020B0604030504040204" pitchFamily="34" charset="0"/>
-                <a:ea typeface="Tahoma" panose="020B0604030504040204" pitchFamily="34" charset="0"/>
-                <a:cs typeface="Tahoma" panose="020B0604030504040204" pitchFamily="34" charset="0"/>
-              </a:rPr>
-              <a:t>Data</a:t>
-            </a:r>
-            <a:r>
-              <a:rPr lang="it-IT" sz="2400">
-                <a:solidFill>
-                  <a:schemeClr val="tx1"/>
-                </a:solidFill>
-                <a:latin typeface="Tahoma" panose="020B0604030504040204" pitchFamily="34" charset="0"/>
-                <a:ea typeface="Tahoma" panose="020B0604030504040204" pitchFamily="34" charset="0"/>
-                <a:cs typeface="Tahoma" panose="020B0604030504040204" pitchFamily="34" charset="0"/>
-              </a:rPr>
-              <a:t> </a:t>
-            </a:r>
-            <a:r>
-              <a:rPr lang="it-IT" sz="2400" b="1">
-                <a:solidFill>
-                  <a:schemeClr val="tx1"/>
-                </a:solidFill>
-                <a:latin typeface="Tahoma" panose="020B0604030504040204" pitchFamily="34" charset="0"/>
-                <a:ea typeface="Tahoma" panose="020B0604030504040204" pitchFamily="34" charset="0"/>
-                <a:cs typeface="Tahoma" panose="020B0604030504040204" pitchFamily="34" charset="0"/>
-              </a:rPr>
-              <a:t>Transformation</a:t>
-            </a:r>
-            <a:r>
-              <a:rPr lang="it-IT" sz="2400">
-                <a:solidFill>
-                  <a:schemeClr val="tx1"/>
-                </a:solidFill>
-                <a:latin typeface="Tahoma" panose="020B0604030504040204" pitchFamily="34" charset="0"/>
-                <a:ea typeface="Tahoma" panose="020B0604030504040204" pitchFamily="34" charset="0"/>
-                <a:cs typeface="Tahoma" panose="020B0604030504040204" pitchFamily="34" charset="0"/>
-              </a:rPr>
-              <a:t> può essere costruttiva (aggiungere, copiare e replicare i dati), distruttiva (cancellare campi e record)</a:t>
-            </a:r>
-          </a:p>
-          <a:p>
             <a:pPr marL="342900" indent="-342900">
               <a:buFont typeface="Wingdings" panose="05000000000000000000" pitchFamily="2" charset="2"/>
               <a:buChar char="ü"/>
             </a:pPr>
-            <a:endParaRPr lang="it-IT" sz="2400" dirty="0">
+            <a:r>
+              <a:rPr lang="it-IT" sz="2400" smtClean="0">
+                <a:solidFill>
+                  <a:schemeClr val="tx1"/>
+                </a:solidFill>
+                <a:latin typeface="Tahoma" panose="020B0604030504040204" pitchFamily="34" charset="0"/>
+                <a:ea typeface="Tahoma" panose="020B0604030504040204" pitchFamily="34" charset="0"/>
+                <a:cs typeface="Tahoma" panose="020B0604030504040204" pitchFamily="34" charset="0"/>
+              </a:rPr>
+              <a:t>Il </a:t>
+            </a:r>
+            <a:r>
+              <a:rPr lang="it-IT" sz="2400" b="1" smtClean="0">
+                <a:solidFill>
+                  <a:schemeClr val="tx1"/>
+                </a:solidFill>
+                <a:latin typeface="Tahoma" panose="020B0604030504040204" pitchFamily="34" charset="0"/>
+                <a:ea typeface="Tahoma" panose="020B0604030504040204" pitchFamily="34" charset="0"/>
+                <a:cs typeface="Tahoma" panose="020B0604030504040204" pitchFamily="34" charset="0"/>
+              </a:rPr>
+              <a:t>Data Wrangling </a:t>
+            </a:r>
+            <a:r>
+              <a:rPr lang="it-IT" sz="2400" smtClean="0">
+                <a:solidFill>
+                  <a:schemeClr val="tx1"/>
+                </a:solidFill>
+                <a:latin typeface="Tahoma" panose="020B0604030504040204" pitchFamily="34" charset="0"/>
+                <a:ea typeface="Tahoma" panose="020B0604030504040204" pitchFamily="34" charset="0"/>
+                <a:cs typeface="Tahoma" panose="020B0604030504040204" pitchFamily="34" charset="0"/>
+              </a:rPr>
+              <a:t>è il processio di collezione, selezione e trasformazione dei dti che risponde ad una domanda analitica. Anche conosciuto come processo di </a:t>
+            </a:r>
+            <a:r>
+              <a:rPr lang="it-IT" sz="2400" b="1" smtClean="0">
+                <a:solidFill>
+                  <a:schemeClr val="tx1"/>
+                </a:solidFill>
+                <a:latin typeface="Tahoma" panose="020B0604030504040204" pitchFamily="34" charset="0"/>
+                <a:ea typeface="Tahoma" panose="020B0604030504040204" pitchFamily="34" charset="0"/>
+                <a:cs typeface="Tahoma" panose="020B0604030504040204" pitchFamily="34" charset="0"/>
+              </a:rPr>
+              <a:t>Data Cleaning</a:t>
+            </a:r>
+            <a:r>
+              <a:rPr lang="it-IT" sz="2400" smtClean="0">
+                <a:solidFill>
+                  <a:schemeClr val="tx1"/>
+                </a:solidFill>
+                <a:latin typeface="Tahoma" panose="020B0604030504040204" pitchFamily="34" charset="0"/>
+                <a:ea typeface="Tahoma" panose="020B0604030504040204" pitchFamily="34" charset="0"/>
+                <a:cs typeface="Tahoma" panose="020B0604030504040204" pitchFamily="34" charset="0"/>
+              </a:rPr>
+              <a:t> o </a:t>
+            </a:r>
+            <a:r>
+              <a:rPr lang="it-IT" sz="2400" b="1" smtClean="0">
+                <a:solidFill>
+                  <a:schemeClr val="tx1"/>
+                </a:solidFill>
+                <a:latin typeface="Tahoma" panose="020B0604030504040204" pitchFamily="34" charset="0"/>
+                <a:ea typeface="Tahoma" panose="020B0604030504040204" pitchFamily="34" charset="0"/>
+                <a:cs typeface="Tahoma" panose="020B0604030504040204" pitchFamily="34" charset="0"/>
+              </a:rPr>
+              <a:t>«data munging» </a:t>
+            </a:r>
+            <a:r>
+              <a:rPr lang="it-IT" sz="2400" smtClean="0">
+                <a:solidFill>
+                  <a:schemeClr val="tx1"/>
+                </a:solidFill>
+                <a:latin typeface="Tahoma" panose="020B0604030504040204" pitchFamily="34" charset="0"/>
+                <a:ea typeface="Tahoma" panose="020B0604030504040204" pitchFamily="34" charset="0"/>
+                <a:cs typeface="Tahoma" panose="020B0604030504040204" pitchFamily="34" charset="0"/>
+              </a:rPr>
+              <a:t>(cambio formato dei dati). </a:t>
+            </a:r>
+          </a:p>
+          <a:p>
+            <a:pPr marL="342900" indent="-342900">
+              <a:buFont typeface="Wingdings" panose="05000000000000000000" pitchFamily="2" charset="2"/>
+              <a:buChar char="ü"/>
+            </a:pPr>
+            <a:r>
+              <a:rPr lang="it-IT" sz="2400" smtClean="0">
+                <a:solidFill>
+                  <a:schemeClr val="tx1"/>
+                </a:solidFill>
+                <a:latin typeface="Tahoma" panose="020B0604030504040204" pitchFamily="34" charset="0"/>
+                <a:ea typeface="Tahoma" panose="020B0604030504040204" pitchFamily="34" charset="0"/>
+                <a:cs typeface="Tahoma" panose="020B0604030504040204" pitchFamily="34" charset="0"/>
+              </a:rPr>
+              <a:t>Secondo una ricerca di </a:t>
+            </a:r>
+            <a:r>
+              <a:rPr lang="it-IT" sz="2400" b="1" smtClean="0">
+                <a:solidFill>
+                  <a:schemeClr val="tx1"/>
+                </a:solidFill>
+                <a:latin typeface="Tahoma" panose="020B0604030504040204" pitchFamily="34" charset="0"/>
+                <a:ea typeface="Tahoma" panose="020B0604030504040204" pitchFamily="34" charset="0"/>
+                <a:cs typeface="Tahoma" panose="020B0604030504040204" pitchFamily="34" charset="0"/>
+              </a:rPr>
+              <a:t>Elder Research</a:t>
+            </a:r>
+            <a:r>
+              <a:rPr lang="it-IT" sz="2400" smtClean="0">
+                <a:solidFill>
+                  <a:schemeClr val="tx1"/>
+                </a:solidFill>
+                <a:latin typeface="Tahoma" panose="020B0604030504040204" pitchFamily="34" charset="0"/>
+                <a:ea typeface="Tahoma" panose="020B0604030504040204" pitchFamily="34" charset="0"/>
+                <a:cs typeface="Tahoma" panose="020B0604030504040204" pitchFamily="34" charset="0"/>
+              </a:rPr>
+              <a:t> sembra che il </a:t>
+            </a:r>
+            <a:r>
+              <a:rPr lang="it-IT" sz="2400" b="1" smtClean="0">
+                <a:solidFill>
+                  <a:schemeClr val="tx1"/>
+                </a:solidFill>
+                <a:latin typeface="Tahoma" panose="020B0604030504040204" pitchFamily="34" charset="0"/>
+                <a:ea typeface="Tahoma" panose="020B0604030504040204" pitchFamily="34" charset="0"/>
+                <a:cs typeface="Tahoma" panose="020B0604030504040204" pitchFamily="34" charset="0"/>
+              </a:rPr>
+              <a:t>Data Wrangling </a:t>
+            </a:r>
+            <a:r>
+              <a:rPr lang="it-IT" sz="2400" smtClean="0">
+                <a:solidFill>
+                  <a:schemeClr val="tx1"/>
+                </a:solidFill>
+                <a:latin typeface="Tahoma" panose="020B0604030504040204" pitchFamily="34" charset="0"/>
+                <a:ea typeface="Tahoma" panose="020B0604030504040204" pitchFamily="34" charset="0"/>
+                <a:cs typeface="Tahoma" panose="020B0604030504040204" pitchFamily="34" charset="0"/>
+              </a:rPr>
+              <a:t>richieda costi analitici pari al 80% del tempo, lasciando solo il 20% </a:t>
+            </a:r>
+            <a:r>
+              <a:rPr lang="it-IT" sz="2400" b="1" smtClean="0">
+                <a:solidFill>
+                  <a:schemeClr val="tx1"/>
+                </a:solidFill>
+                <a:latin typeface="Tahoma" panose="020B0604030504040204" pitchFamily="34" charset="0"/>
+                <a:ea typeface="Tahoma" panose="020B0604030504040204" pitchFamily="34" charset="0"/>
+                <a:cs typeface="Tahoma" panose="020B0604030504040204" pitchFamily="34" charset="0"/>
+              </a:rPr>
+              <a:t>all’esplorazione</a:t>
+            </a:r>
+            <a:r>
+              <a:rPr lang="it-IT" sz="2400" smtClean="0">
+                <a:solidFill>
+                  <a:schemeClr val="tx1"/>
+                </a:solidFill>
+                <a:latin typeface="Tahoma" panose="020B0604030504040204" pitchFamily="34" charset="0"/>
+                <a:ea typeface="Tahoma" panose="020B0604030504040204" pitchFamily="34" charset="0"/>
+                <a:cs typeface="Tahoma" panose="020B0604030504040204" pitchFamily="34" charset="0"/>
+              </a:rPr>
+              <a:t> e alla </a:t>
+            </a:r>
+            <a:r>
+              <a:rPr lang="it-IT" sz="2400" b="1" smtClean="0">
+                <a:solidFill>
+                  <a:schemeClr val="tx1"/>
+                </a:solidFill>
+                <a:latin typeface="Tahoma" panose="020B0604030504040204" pitchFamily="34" charset="0"/>
+                <a:ea typeface="Tahoma" panose="020B0604030504040204" pitchFamily="34" charset="0"/>
+                <a:cs typeface="Tahoma" panose="020B0604030504040204" pitchFamily="34" charset="0"/>
+              </a:rPr>
+              <a:t>modellazione</a:t>
+            </a:r>
+            <a:r>
+              <a:rPr lang="it-IT" sz="2400" smtClean="0">
+                <a:solidFill>
+                  <a:schemeClr val="tx1"/>
+                </a:solidFill>
+                <a:latin typeface="Tahoma" panose="020B0604030504040204" pitchFamily="34" charset="0"/>
+                <a:ea typeface="Tahoma" panose="020B0604030504040204" pitchFamily="34" charset="0"/>
+                <a:cs typeface="Tahoma" panose="020B0604030504040204" pitchFamily="34" charset="0"/>
+              </a:rPr>
+              <a:t>. </a:t>
+            </a:r>
+          </a:p>
+          <a:p>
+            <a:pPr marL="342900" indent="-342900">
+              <a:buFont typeface="Wingdings" panose="05000000000000000000" pitchFamily="2" charset="2"/>
+              <a:buChar char="ü"/>
+            </a:pPr>
+            <a:r>
+              <a:rPr lang="it-IT" sz="2400" smtClean="0">
+                <a:solidFill>
+                  <a:schemeClr val="tx1"/>
+                </a:solidFill>
+                <a:latin typeface="Tahoma" panose="020B0604030504040204" pitchFamily="34" charset="0"/>
+                <a:ea typeface="Tahoma" panose="020B0604030504040204" pitchFamily="34" charset="0"/>
+                <a:cs typeface="Tahoma" panose="020B0604030504040204" pitchFamily="34" charset="0"/>
+              </a:rPr>
+              <a:t>Se si vuole creare una pipeline </a:t>
+            </a:r>
+            <a:r>
+              <a:rPr lang="it-IT" sz="2400" b="1" smtClean="0">
+                <a:solidFill>
+                  <a:schemeClr val="tx1"/>
+                </a:solidFill>
+                <a:latin typeface="Tahoma" panose="020B0604030504040204" pitchFamily="34" charset="0"/>
+                <a:ea typeface="Tahoma" panose="020B0604030504040204" pitchFamily="34" charset="0"/>
+                <a:cs typeface="Tahoma" panose="020B0604030504040204" pitchFamily="34" charset="0"/>
+              </a:rPr>
+              <a:t>ETL </a:t>
+            </a:r>
+            <a:r>
+              <a:rPr lang="it-IT" sz="2400" smtClean="0">
+                <a:solidFill>
+                  <a:schemeClr val="tx1"/>
+                </a:solidFill>
+                <a:latin typeface="Tahoma" panose="020B0604030504040204" pitchFamily="34" charset="0"/>
+                <a:ea typeface="Tahoma" panose="020B0604030504040204" pitchFamily="34" charset="0"/>
+                <a:cs typeface="Tahoma" panose="020B0604030504040204" pitchFamily="34" charset="0"/>
+              </a:rPr>
+              <a:t>efficiente o creare una bella Data Visualization, è necssare fare molto data wrangling. </a:t>
+            </a:r>
+          </a:p>
+          <a:p>
+            <a:pPr marL="342900" indent="-342900">
+              <a:buFont typeface="Wingdings" panose="05000000000000000000" pitchFamily="2" charset="2"/>
+              <a:buChar char="ü"/>
+            </a:pPr>
+            <a:r>
+              <a:rPr lang="it-IT" sz="2400" smtClean="0">
+                <a:solidFill>
+                  <a:schemeClr val="tx1"/>
+                </a:solidFill>
+                <a:latin typeface="Tahoma" panose="020B0604030504040204" pitchFamily="34" charset="0"/>
+                <a:ea typeface="Tahoma" panose="020B0604030504040204" pitchFamily="34" charset="0"/>
+                <a:cs typeface="Tahoma" panose="020B0604030504040204" pitchFamily="34" charset="0"/>
+              </a:rPr>
+              <a:t>Il </a:t>
+            </a:r>
+            <a:r>
+              <a:rPr lang="it-IT" sz="2400" b="1" smtClean="0">
+                <a:solidFill>
+                  <a:schemeClr val="tx1"/>
+                </a:solidFill>
+                <a:latin typeface="Tahoma" panose="020B0604030504040204" pitchFamily="34" charset="0"/>
+                <a:ea typeface="Tahoma" panose="020B0604030504040204" pitchFamily="34" charset="0"/>
+                <a:cs typeface="Tahoma" panose="020B0604030504040204" pitchFamily="34" charset="0"/>
+              </a:rPr>
+              <a:t>Data Wrangling </a:t>
+            </a:r>
+            <a:r>
+              <a:rPr lang="it-IT" sz="2400" smtClean="0">
+                <a:solidFill>
+                  <a:schemeClr val="tx1"/>
+                </a:solidFill>
+                <a:latin typeface="Tahoma" panose="020B0604030504040204" pitchFamily="34" charset="0"/>
+                <a:ea typeface="Tahoma" panose="020B0604030504040204" pitchFamily="34" charset="0"/>
+                <a:cs typeface="Tahoma" panose="020B0604030504040204" pitchFamily="34" charset="0"/>
+              </a:rPr>
+              <a:t>in sostanza è il processo di trasformazione dei dati in un formato che lo renda più facile lavorarci. Questo potrebbe significare trasformare tutti i valori di una data colonna in un certo modo o fondendo colonne multiple insieme. </a:t>
+            </a:r>
+            <a:endParaRPr lang="it-IT" sz="2400">
               <a:solidFill>
                 <a:schemeClr val="tx1"/>
               </a:solidFill>
@@ -12250,16 +12455,12 @@
           <a:lstStyle/>
           <a:p>
             <a:r>
-              <a:rPr lang="it-IT" altLang="it-IT" dirty="0"/>
-              <a:t>Trasformazione dei Dati (Data </a:t>
-            </a:r>
-            <a:r>
-              <a:rPr lang="it-IT" altLang="it-IT" dirty="0" err="1"/>
-              <a:t>Transformation</a:t>
-            </a:r>
-            <a:r>
-              <a:rPr lang="it-IT" altLang="it-IT" dirty="0"/>
-              <a:t>)</a:t>
+              <a:rPr lang="it-IT" altLang="it-IT"/>
+              <a:t>Processi collegati alla Data Transformation: Data </a:t>
+            </a:r>
+            <a:r>
+              <a:rPr lang="it-IT" altLang="it-IT" smtClean="0"/>
+              <a:t>Wrangling</a:t>
             </a:r>
             <a:endParaRPr lang="it-IT" dirty="0"/>
           </a:p>
@@ -12268,7 +12469,7 @@
     </p:spTree>
     <p:extLst>
       <p:ext uri="{BB962C8B-B14F-4D97-AF65-F5344CB8AC3E}">
-        <p14:creationId xmlns:p14="http://schemas.microsoft.com/office/powerpoint/2010/main" val="1972645663"/>
+        <p14:creationId xmlns:p14="http://schemas.microsoft.com/office/powerpoint/2010/main" val="2820215049"/>
       </p:ext>
     </p:extLst>
   </p:cSld>
@@ -12313,8 +12514,8 @@
         </p:nvSpPr>
         <p:spPr>
           <a:xfrm>
-            <a:off x="468895" y="1566732"/>
-            <a:ext cx="11518700" cy="4392612"/>
+            <a:off x="328157" y="1446404"/>
+            <a:ext cx="6557835" cy="4392612"/>
           </a:xfrm>
         </p:spPr>
         <p:txBody>
@@ -12326,81 +12527,37 @@
               <a:buChar char="ü"/>
             </a:pPr>
             <a:r>
-              <a:rPr lang="it-IT" sz="2400">
-                <a:solidFill>
-                  <a:schemeClr val="tx1"/>
-                </a:solidFill>
-                <a:latin typeface="Tahoma" panose="020B0604030504040204" pitchFamily="34" charset="0"/>
-                <a:ea typeface="Tahoma" panose="020B0604030504040204" pitchFamily="34" charset="0"/>
-                <a:cs typeface="Tahoma" panose="020B0604030504040204" pitchFamily="34" charset="0"/>
-              </a:rPr>
-              <a:t>Il </a:t>
-            </a:r>
-            <a:r>
-              <a:rPr lang="it-IT" sz="2400" b="1">
-                <a:solidFill>
-                  <a:schemeClr val="tx1"/>
-                </a:solidFill>
-                <a:latin typeface="Tahoma" panose="020B0604030504040204" pitchFamily="34" charset="0"/>
-                <a:ea typeface="Tahoma" panose="020B0604030504040204" pitchFamily="34" charset="0"/>
-                <a:cs typeface="Tahoma" panose="020B0604030504040204" pitchFamily="34" charset="0"/>
-              </a:rPr>
-              <a:t>Resource Description Framework (RDF)</a:t>
-            </a:r>
-            <a:r>
-              <a:rPr lang="it-IT" sz="2400">
-                <a:solidFill>
-                  <a:schemeClr val="tx1"/>
-                </a:solidFill>
-                <a:latin typeface="Tahoma" panose="020B0604030504040204" pitchFamily="34" charset="0"/>
-                <a:ea typeface="Tahoma" panose="020B0604030504040204" pitchFamily="34" charset="0"/>
-                <a:cs typeface="Tahoma" panose="020B0604030504040204" pitchFamily="34" charset="0"/>
-              </a:rPr>
-              <a:t> è lo strumento di base proposto da W3C per la codifica, lo scambio e il riutilizzo di metadati strutturati e consente l'interoperabilità semantica tra </a:t>
-            </a:r>
-            <a:r>
-              <a:rPr lang="it-IT" sz="2400" b="1">
-                <a:solidFill>
-                  <a:schemeClr val="tx1"/>
-                </a:solidFill>
-                <a:latin typeface="Tahoma" panose="020B0604030504040204" pitchFamily="34" charset="0"/>
-                <a:ea typeface="Tahoma" panose="020B0604030504040204" pitchFamily="34" charset="0"/>
-                <a:cs typeface="Tahoma" panose="020B0604030504040204" pitchFamily="34" charset="0"/>
-              </a:rPr>
-              <a:t>applicazioni</a:t>
-            </a:r>
-            <a:r>
-              <a:rPr lang="it-IT" sz="2400">
-                <a:solidFill>
-                  <a:schemeClr val="tx1"/>
-                </a:solidFill>
-                <a:latin typeface="Tahoma" panose="020B0604030504040204" pitchFamily="34" charset="0"/>
-                <a:ea typeface="Tahoma" panose="020B0604030504040204" pitchFamily="34" charset="0"/>
-                <a:cs typeface="Tahoma" panose="020B0604030504040204" pitchFamily="34" charset="0"/>
-              </a:rPr>
-              <a:t> che condividono le informazioni sul </a:t>
-            </a:r>
-            <a:r>
-              <a:rPr lang="it-IT" sz="2400" b="1">
-                <a:solidFill>
-                  <a:schemeClr val="tx1"/>
-                </a:solidFill>
-                <a:latin typeface="Tahoma" panose="020B0604030504040204" pitchFamily="34" charset="0"/>
-                <a:ea typeface="Tahoma" panose="020B0604030504040204" pitchFamily="34" charset="0"/>
-                <a:cs typeface="Tahoma" panose="020B0604030504040204" pitchFamily="34" charset="0"/>
-              </a:rPr>
-              <a:t>Web</a:t>
-            </a:r>
-            <a:r>
-              <a:rPr lang="it-IT" sz="2400">
-                <a:solidFill>
-                  <a:schemeClr val="tx1"/>
-                </a:solidFill>
-                <a:latin typeface="Tahoma" panose="020B0604030504040204" pitchFamily="34" charset="0"/>
-                <a:ea typeface="Tahoma" panose="020B0604030504040204" pitchFamily="34" charset="0"/>
-                <a:cs typeface="Tahoma" panose="020B0604030504040204" pitchFamily="34" charset="0"/>
-              </a:rPr>
-              <a:t>. </a:t>
+              <a:rPr lang="it-IT" sz="2400" smtClean="0">
+                <a:solidFill>
+                  <a:schemeClr val="tx1"/>
+                </a:solidFill>
+                <a:latin typeface="Tahoma" panose="020B0604030504040204" pitchFamily="34" charset="0"/>
+                <a:ea typeface="Tahoma" panose="020B0604030504040204" pitchFamily="34" charset="0"/>
+                <a:cs typeface="Tahoma" panose="020B0604030504040204" pitchFamily="34" charset="0"/>
+              </a:rPr>
+              <a:t>La necessità del </a:t>
+            </a:r>
+            <a:r>
+              <a:rPr lang="it-IT" sz="2400" b="1" smtClean="0">
+                <a:solidFill>
+                  <a:schemeClr val="tx1"/>
+                </a:solidFill>
+                <a:latin typeface="Tahoma" panose="020B0604030504040204" pitchFamily="34" charset="0"/>
+                <a:ea typeface="Tahoma" panose="020B0604030504040204" pitchFamily="34" charset="0"/>
+                <a:cs typeface="Tahoma" panose="020B0604030504040204" pitchFamily="34" charset="0"/>
+              </a:rPr>
+              <a:t>Data Wrangling </a:t>
+            </a:r>
+            <a:r>
+              <a:rPr lang="it-IT" sz="2400" smtClean="0">
+                <a:solidFill>
+                  <a:schemeClr val="tx1"/>
+                </a:solidFill>
+                <a:latin typeface="Tahoma" panose="020B0604030504040204" pitchFamily="34" charset="0"/>
+                <a:ea typeface="Tahoma" panose="020B0604030504040204" pitchFamily="34" charset="0"/>
+                <a:cs typeface="Tahoma" panose="020B0604030504040204" pitchFamily="34" charset="0"/>
+              </a:rPr>
+              <a:t>è spesso dipendente dal dominio o dal prodotto, di dati collezionati o presentati.</a:t>
             </a:r>
           </a:p>
           <a:p>
@@ -12409,26 +12566,15 @@
               <a:buChar char="ü"/>
             </a:pPr>
             <a:r>
-              <a:rPr lang="it-IT" sz="2400" b="1">
-                <a:solidFill>
-                  <a:schemeClr val="tx1"/>
-                </a:solidFill>
-                <a:latin typeface="Tahoma" panose="020B0604030504040204" pitchFamily="34" charset="0"/>
-                <a:ea typeface="Tahoma" panose="020B0604030504040204" pitchFamily="34" charset="0"/>
-                <a:cs typeface="Tahoma" panose="020B0604030504040204" pitchFamily="34" charset="0"/>
-              </a:rPr>
-              <a:t>Interoperabilità</a:t>
-            </a:r>
-            <a:r>
-              <a:rPr lang="it-IT" sz="2400">
-                <a:solidFill>
-                  <a:schemeClr val="tx1"/>
-                </a:solidFill>
-                <a:latin typeface="Tahoma" panose="020B0604030504040204" pitchFamily="34" charset="0"/>
-                <a:ea typeface="Tahoma" panose="020B0604030504040204" pitchFamily="34" charset="0"/>
-                <a:cs typeface="Tahoma" panose="020B0604030504040204" pitchFamily="34" charset="0"/>
-              </a:rPr>
-              <a:t>: E' la capacità di due o più sistemi, reti, mezzi, applicazioni o componenti, di scambiarsi informazioni e di essere poi in grado di utilizzarle. In ambito informatico è la capacità di un sistema o di un prodotto informatico di cooperare e di scambiare informazioni o servizi con altri sistemi o prodotti in maniera più o meno completa e priva di errori, con affidabilità e con ottimizzazione delle risorse. Obiettivo dell'interoperabilità è dunque quello di facilitare l'interazione tra sistemi differenti, nonchè lo scambio e il riutilizzo delle informazioni anche fra sistemi informativi non omogenei (sia per software che per hardware).  </a:t>
+              <a:rPr lang="it-IT" sz="2400" smtClean="0">
+                <a:solidFill>
+                  <a:schemeClr val="tx1"/>
+                </a:solidFill>
+                <a:latin typeface="Tahoma" panose="020B0604030504040204" pitchFamily="34" charset="0"/>
+                <a:ea typeface="Tahoma" panose="020B0604030504040204" pitchFamily="34" charset="0"/>
+                <a:cs typeface="Tahoma" panose="020B0604030504040204" pitchFamily="34" charset="0"/>
+              </a:rPr>
+              <a:t>I dati vengono manualmente introdotti da umani e sono spesso caricati con errori. </a:t>
             </a:r>
           </a:p>
           <a:p>
@@ -12436,23 +12582,56 @@
               <a:buFont typeface="Wingdings" panose="05000000000000000000" pitchFamily="2" charset="2"/>
               <a:buChar char="ü"/>
             </a:pPr>
-            <a:endParaRPr lang="en-US" sz="2400" dirty="0">
-              <a:solidFill>
-                <a:srgbClr val="555555"/>
-              </a:solidFill>
-              <a:latin typeface="PT Sans" panose="020B0503020203020204" pitchFamily="34" charset="0"/>
-            </a:endParaRPr>
-          </a:p>
-          <a:p>
-            <a:pPr algn="l"/>
-            <a:endParaRPr lang="it-IT" sz="2400" dirty="0">
-              <a:solidFill>
-                <a:schemeClr val="tx1"/>
-              </a:solidFill>
-              <a:latin typeface="Tahoma" panose="020B0604030504040204" pitchFamily="34" charset="0"/>
-              <a:ea typeface="Tahoma" panose="020B0604030504040204" pitchFamily="34" charset="0"/>
-              <a:cs typeface="Tahoma" panose="020B0604030504040204" pitchFamily="34" charset="0"/>
-            </a:endParaRPr>
+            <a:r>
+              <a:rPr lang="it-IT" sz="2400" smtClean="0">
+                <a:solidFill>
+                  <a:schemeClr val="tx1"/>
+                </a:solidFill>
+                <a:latin typeface="Tahoma" panose="020B0604030504040204" pitchFamily="34" charset="0"/>
+                <a:ea typeface="Tahoma" panose="020B0604030504040204" pitchFamily="34" charset="0"/>
+                <a:cs typeface="Tahoma" panose="020B0604030504040204" pitchFamily="34" charset="0"/>
+              </a:rPr>
+              <a:t>I dati collezionati dai siti web sono spesso ottimizzati per essere visualizzati sui siti web, non per essere ordinati o aggregati. </a:t>
+            </a:r>
+          </a:p>
+          <a:p>
+            <a:pPr marL="342900" indent="-342900">
+              <a:buFont typeface="Wingdings" panose="05000000000000000000" pitchFamily="2" charset="2"/>
+              <a:buChar char="ü"/>
+            </a:pPr>
+            <a:r>
+              <a:rPr lang="it-IT" sz="2400" smtClean="0">
+                <a:solidFill>
+                  <a:schemeClr val="tx1"/>
+                </a:solidFill>
+                <a:latin typeface="Tahoma" panose="020B0604030504040204" pitchFamily="34" charset="0"/>
+                <a:ea typeface="Tahoma" panose="020B0604030504040204" pitchFamily="34" charset="0"/>
+                <a:cs typeface="Tahoma" panose="020B0604030504040204" pitchFamily="34" charset="0"/>
+              </a:rPr>
+              <a:t>Se lavoriamo con </a:t>
+            </a:r>
+            <a:r>
+              <a:rPr lang="it-IT" sz="2400" b="1" smtClean="0">
+                <a:solidFill>
+                  <a:schemeClr val="tx1"/>
+                </a:solidFill>
+                <a:latin typeface="Tahoma" panose="020B0604030504040204" pitchFamily="34" charset="0"/>
+                <a:ea typeface="Tahoma" panose="020B0604030504040204" pitchFamily="34" charset="0"/>
+                <a:cs typeface="Tahoma" panose="020B0604030504040204" pitchFamily="34" charset="0"/>
+              </a:rPr>
+              <a:t>SQL </a:t>
+            </a:r>
+            <a:r>
+              <a:rPr lang="it-IT" sz="2400" smtClean="0">
+                <a:solidFill>
+                  <a:schemeClr val="tx1"/>
+                </a:solidFill>
+                <a:latin typeface="Tahoma" panose="020B0604030504040204" pitchFamily="34" charset="0"/>
+                <a:ea typeface="Tahoma" panose="020B0604030504040204" pitchFamily="34" charset="0"/>
+                <a:cs typeface="Tahoma" panose="020B0604030504040204" pitchFamily="34" charset="0"/>
+              </a:rPr>
+              <a:t>regolarmente, abbiamo la necessità di diventare forti con queste capacità di data wrangling.  </a:t>
+            </a:r>
           </a:p>
         </p:txBody>
       </p:sp>
@@ -12519,16 +12698,50 @@
           <a:p>
             <a:r>
               <a:rPr lang="it-IT" altLang="it-IT"/>
-              <a:t>RDF - Resource Description Framework</a:t>
+              <a:t>Processi collegati alla Data Transformation: Data </a:t>
+            </a:r>
+            <a:r>
+              <a:rPr lang="it-IT" altLang="it-IT" smtClean="0"/>
+              <a:t>Wrangling</a:t>
             </a:r>
             <a:endParaRPr lang="it-IT" dirty="0"/>
           </a:p>
         </p:txBody>
       </p:sp>
+      <p:pic>
+        <p:nvPicPr>
+          <p:cNvPr id="3" name="Immagine 2"/>
+          <p:cNvPicPr>
+            <a:picLocks noChangeAspect="1"/>
+          </p:cNvPicPr>
+          <p:nvPr/>
+        </p:nvPicPr>
+        <p:blipFill>
+          <a:blip r:embed="rId2">
+            <a:extLst>
+              <a:ext uri="{28A0092B-C50C-407E-A947-70E740481C1C}">
+                <a14:useLocalDpi xmlns:a14="http://schemas.microsoft.com/office/drawing/2010/main" val="0"/>
+              </a:ext>
+            </a:extLst>
+          </a:blip>
+          <a:stretch>
+            <a:fillRect/>
+          </a:stretch>
+        </p:blipFill>
+        <p:spPr>
+          <a:xfrm>
+            <a:off x="7611595" y="2214562"/>
+            <a:ext cx="4302500" cy="3038756"/>
+          </a:xfrm>
+          <a:prstGeom prst="rect">
+            <a:avLst/>
+          </a:prstGeom>
+        </p:spPr>
+      </p:pic>
     </p:spTree>
     <p:extLst>
       <p:ext uri="{BB962C8B-B14F-4D97-AF65-F5344CB8AC3E}">
-        <p14:creationId xmlns:p14="http://schemas.microsoft.com/office/powerpoint/2010/main" val="2116990933"/>
+        <p14:creationId xmlns:p14="http://schemas.microsoft.com/office/powerpoint/2010/main" val="3749670742"/>
       </p:ext>
     </p:extLst>
   </p:cSld>
@@ -12573,7 +12786,7 @@
         </p:nvSpPr>
         <p:spPr>
           <a:xfrm>
-            <a:off x="326297" y="1213806"/>
+            <a:off x="344199" y="1446404"/>
             <a:ext cx="11518700" cy="4392612"/>
           </a:xfrm>
         </p:spPr>
@@ -12581,251 +12794,376 @@
           <a:bodyPr/>
           <a:lstStyle/>
           <a:p>
+            <a:pPr marL="457200" indent="-457200">
+              <a:buFont typeface="Wingdings" panose="05000000000000000000" pitchFamily="2" charset="2"/>
+              <a:buChar char="ü"/>
+            </a:pPr>
+            <a:r>
+              <a:rPr lang="it-IT" sz="2400">
+                <a:solidFill>
+                  <a:schemeClr val="tx1"/>
+                </a:solidFill>
+                <a:latin typeface="Tahoma" panose="020B0604030504040204" pitchFamily="34" charset="0"/>
+                <a:ea typeface="Tahoma" panose="020B0604030504040204" pitchFamily="34" charset="0"/>
+                <a:cs typeface="Tahoma" panose="020B0604030504040204" pitchFamily="34" charset="0"/>
+              </a:rPr>
+              <a:t>La </a:t>
+            </a:r>
+            <a:r>
+              <a:rPr lang="it-IT" sz="2400" b="1">
+                <a:solidFill>
+                  <a:schemeClr val="tx1"/>
+                </a:solidFill>
+                <a:latin typeface="Tahoma" panose="020B0604030504040204" pitchFamily="34" charset="0"/>
+                <a:ea typeface="Tahoma" panose="020B0604030504040204" pitchFamily="34" charset="0"/>
+                <a:cs typeface="Tahoma" panose="020B0604030504040204" pitchFamily="34" charset="0"/>
+              </a:rPr>
+              <a:t>Data</a:t>
+            </a:r>
+            <a:r>
+              <a:rPr lang="it-IT" sz="2400">
+                <a:solidFill>
+                  <a:schemeClr val="tx1"/>
+                </a:solidFill>
+                <a:latin typeface="Tahoma" panose="020B0604030504040204" pitchFamily="34" charset="0"/>
+                <a:ea typeface="Tahoma" panose="020B0604030504040204" pitchFamily="34" charset="0"/>
+                <a:cs typeface="Tahoma" panose="020B0604030504040204" pitchFamily="34" charset="0"/>
+              </a:rPr>
+              <a:t> </a:t>
+            </a:r>
+            <a:r>
+              <a:rPr lang="it-IT" sz="2400" b="1">
+                <a:solidFill>
+                  <a:schemeClr val="tx1"/>
+                </a:solidFill>
+                <a:latin typeface="Tahoma" panose="020B0604030504040204" pitchFamily="34" charset="0"/>
+                <a:ea typeface="Tahoma" panose="020B0604030504040204" pitchFamily="34" charset="0"/>
+                <a:cs typeface="Tahoma" panose="020B0604030504040204" pitchFamily="34" charset="0"/>
+              </a:rPr>
+              <a:t>Transformation</a:t>
+            </a:r>
+            <a:r>
+              <a:rPr lang="it-IT" sz="2400">
+                <a:solidFill>
+                  <a:schemeClr val="tx1"/>
+                </a:solidFill>
+                <a:latin typeface="Tahoma" panose="020B0604030504040204" pitchFamily="34" charset="0"/>
+                <a:ea typeface="Tahoma" panose="020B0604030504040204" pitchFamily="34" charset="0"/>
+                <a:cs typeface="Tahoma" panose="020B0604030504040204" pitchFamily="34" charset="0"/>
+              </a:rPr>
+              <a:t> può </a:t>
+            </a:r>
+            <a:r>
+              <a:rPr lang="it-IT" sz="2400" smtClean="0">
+                <a:solidFill>
+                  <a:schemeClr val="tx1"/>
+                </a:solidFill>
+                <a:latin typeface="Tahoma" panose="020B0604030504040204" pitchFamily="34" charset="0"/>
+                <a:ea typeface="Tahoma" panose="020B0604030504040204" pitchFamily="34" charset="0"/>
+                <a:cs typeface="Tahoma" panose="020B0604030504040204" pitchFamily="34" charset="0"/>
+              </a:rPr>
+              <a:t>essere:</a:t>
+            </a:r>
+          </a:p>
+          <a:p>
+            <a:pPr marL="1371600" lvl="2" indent="-457200">
+              <a:buFont typeface="+mj-lt"/>
+              <a:buAutoNum type="arabicPeriod"/>
+            </a:pPr>
+            <a:r>
+              <a:rPr lang="it-IT" sz="2400" smtClean="0">
+                <a:solidFill>
+                  <a:schemeClr val="tx1"/>
+                </a:solidFill>
+                <a:latin typeface="Tahoma" panose="020B0604030504040204" pitchFamily="34" charset="0"/>
+                <a:ea typeface="Tahoma" panose="020B0604030504040204" pitchFamily="34" charset="0"/>
+                <a:cs typeface="Tahoma" panose="020B0604030504040204" pitchFamily="34" charset="0"/>
+              </a:rPr>
+              <a:t>costruttiva:</a:t>
+            </a:r>
+            <a:r>
+              <a:rPr lang="it-IT" sz="2400" b="0" smtClean="0">
+                <a:solidFill>
+                  <a:schemeClr val="tx1"/>
+                </a:solidFill>
+                <a:latin typeface="Tahoma" panose="020B0604030504040204" pitchFamily="34" charset="0"/>
+                <a:ea typeface="Tahoma" panose="020B0604030504040204" pitchFamily="34" charset="0"/>
+                <a:cs typeface="Tahoma" panose="020B0604030504040204" pitchFamily="34" charset="0"/>
+              </a:rPr>
+              <a:t> aggiungere</a:t>
+            </a:r>
+            <a:r>
+              <a:rPr lang="it-IT" sz="2400" b="0">
+                <a:solidFill>
+                  <a:schemeClr val="tx1"/>
+                </a:solidFill>
+                <a:latin typeface="Tahoma" panose="020B0604030504040204" pitchFamily="34" charset="0"/>
+                <a:ea typeface="Tahoma" panose="020B0604030504040204" pitchFamily="34" charset="0"/>
+                <a:cs typeface="Tahoma" panose="020B0604030504040204" pitchFamily="34" charset="0"/>
+              </a:rPr>
+              <a:t>, copiare e replicare i </a:t>
+            </a:r>
+            <a:r>
+              <a:rPr lang="it-IT" sz="2400" b="0" smtClean="0">
+                <a:solidFill>
+                  <a:schemeClr val="tx1"/>
+                </a:solidFill>
+                <a:latin typeface="Tahoma" panose="020B0604030504040204" pitchFamily="34" charset="0"/>
+                <a:ea typeface="Tahoma" panose="020B0604030504040204" pitchFamily="34" charset="0"/>
+                <a:cs typeface="Tahoma" panose="020B0604030504040204" pitchFamily="34" charset="0"/>
+              </a:rPr>
+              <a:t>dati.</a:t>
+            </a:r>
+          </a:p>
+          <a:p>
+            <a:pPr marL="1371600" lvl="2" indent="-457200">
+              <a:buFont typeface="+mj-lt"/>
+              <a:buAutoNum type="arabicPeriod"/>
+            </a:pPr>
+            <a:r>
+              <a:rPr lang="it-IT" sz="2400" smtClean="0">
+                <a:solidFill>
+                  <a:schemeClr val="tx1"/>
+                </a:solidFill>
+                <a:latin typeface="Tahoma" panose="020B0604030504040204" pitchFamily="34" charset="0"/>
+                <a:ea typeface="Tahoma" panose="020B0604030504040204" pitchFamily="34" charset="0"/>
+                <a:cs typeface="Tahoma" panose="020B0604030504040204" pitchFamily="34" charset="0"/>
+              </a:rPr>
+              <a:t>distruttiva: </a:t>
+            </a:r>
+            <a:r>
+              <a:rPr lang="it-IT" sz="2400" b="0" smtClean="0">
+                <a:solidFill>
+                  <a:schemeClr val="tx1"/>
+                </a:solidFill>
+                <a:latin typeface="Tahoma" panose="020B0604030504040204" pitchFamily="34" charset="0"/>
+                <a:ea typeface="Tahoma" panose="020B0604030504040204" pitchFamily="34" charset="0"/>
+                <a:cs typeface="Tahoma" panose="020B0604030504040204" pitchFamily="34" charset="0"/>
+              </a:rPr>
+              <a:t>cancellare </a:t>
+            </a:r>
+            <a:r>
+              <a:rPr lang="it-IT" sz="2400" b="0">
+                <a:solidFill>
+                  <a:schemeClr val="tx1"/>
+                </a:solidFill>
+                <a:latin typeface="Tahoma" panose="020B0604030504040204" pitchFamily="34" charset="0"/>
+                <a:ea typeface="Tahoma" panose="020B0604030504040204" pitchFamily="34" charset="0"/>
+                <a:cs typeface="Tahoma" panose="020B0604030504040204" pitchFamily="34" charset="0"/>
+              </a:rPr>
+              <a:t>campi e </a:t>
+            </a:r>
+            <a:r>
+              <a:rPr lang="it-IT" sz="2400" b="0" smtClean="0">
+                <a:solidFill>
+                  <a:schemeClr val="tx1"/>
+                </a:solidFill>
+                <a:latin typeface="Tahoma" panose="020B0604030504040204" pitchFamily="34" charset="0"/>
+                <a:ea typeface="Tahoma" panose="020B0604030504040204" pitchFamily="34" charset="0"/>
+                <a:cs typeface="Tahoma" panose="020B0604030504040204" pitchFamily="34" charset="0"/>
+              </a:rPr>
+              <a:t>record</a:t>
+            </a:r>
+            <a:r>
+              <a:rPr lang="it-IT" sz="2400" smtClean="0">
+                <a:solidFill>
+                  <a:schemeClr val="tx1"/>
+                </a:solidFill>
+                <a:latin typeface="Tahoma" panose="020B0604030504040204" pitchFamily="34" charset="0"/>
+                <a:ea typeface="Tahoma" panose="020B0604030504040204" pitchFamily="34" charset="0"/>
+                <a:cs typeface="Tahoma" panose="020B0604030504040204" pitchFamily="34" charset="0"/>
+              </a:rPr>
+              <a:t>.</a:t>
+            </a:r>
+          </a:p>
+          <a:p>
+            <a:pPr marL="1371600" lvl="2" indent="-457200">
+              <a:buFont typeface="+mj-lt"/>
+              <a:buAutoNum type="arabicPeriod"/>
+            </a:pPr>
+            <a:r>
+              <a:rPr lang="it-IT" sz="2400" smtClean="0">
+                <a:solidFill>
+                  <a:schemeClr val="tx1"/>
+                </a:solidFill>
+                <a:latin typeface="Tahoma" panose="020B0604030504040204" pitchFamily="34" charset="0"/>
+                <a:ea typeface="Tahoma" panose="020B0604030504040204" pitchFamily="34" charset="0"/>
+                <a:cs typeface="Tahoma" panose="020B0604030504040204" pitchFamily="34" charset="0"/>
+              </a:rPr>
+              <a:t>estetica: </a:t>
+            </a:r>
+            <a:r>
+              <a:rPr lang="it-IT" sz="2400" b="0" smtClean="0">
+                <a:solidFill>
+                  <a:schemeClr val="tx1"/>
+                </a:solidFill>
+                <a:latin typeface="Tahoma" panose="020B0604030504040204" pitchFamily="34" charset="0"/>
+                <a:ea typeface="Tahoma" panose="020B0604030504040204" pitchFamily="34" charset="0"/>
+                <a:cs typeface="Tahoma" panose="020B0604030504040204" pitchFamily="34" charset="0"/>
+              </a:rPr>
+              <a:t>standardizzare i nomi delle strade</a:t>
+            </a:r>
+          </a:p>
+          <a:p>
+            <a:pPr marL="1371600" lvl="2" indent="-457200">
+              <a:buFont typeface="+mj-lt"/>
+              <a:buAutoNum type="arabicPeriod"/>
+            </a:pPr>
+            <a:r>
+              <a:rPr lang="it-IT" sz="2400" smtClean="0">
+                <a:solidFill>
+                  <a:schemeClr val="tx1"/>
+                </a:solidFill>
+                <a:latin typeface="Tahoma" panose="020B0604030504040204" pitchFamily="34" charset="0"/>
+                <a:ea typeface="Tahoma" panose="020B0604030504040204" pitchFamily="34" charset="0"/>
+                <a:cs typeface="Tahoma" panose="020B0604030504040204" pitchFamily="34" charset="0"/>
+              </a:rPr>
+              <a:t>strutturale: </a:t>
+            </a:r>
+            <a:r>
+              <a:rPr lang="it-IT" sz="2400" b="0" smtClean="0">
+                <a:solidFill>
+                  <a:schemeClr val="tx1"/>
+                </a:solidFill>
+                <a:latin typeface="Tahoma" panose="020B0604030504040204" pitchFamily="34" charset="0"/>
+                <a:ea typeface="Tahoma" panose="020B0604030504040204" pitchFamily="34" charset="0"/>
+                <a:cs typeface="Tahoma" panose="020B0604030504040204" pitchFamily="34" charset="0"/>
+              </a:rPr>
+              <a:t>rinominare, spostare e combinare più colonne in un DB</a:t>
+            </a:r>
+          </a:p>
+          <a:p>
+            <a:pPr marL="1371600" lvl="2" indent="-457200">
+              <a:buFont typeface="+mj-lt"/>
+              <a:buAutoNum type="arabicPeriod"/>
+            </a:pPr>
+            <a:endParaRPr lang="it-IT" sz="2400" b="0">
+              <a:solidFill>
+                <a:schemeClr val="tx1"/>
+              </a:solidFill>
+              <a:latin typeface="Tahoma" panose="020B0604030504040204" pitchFamily="34" charset="0"/>
+              <a:ea typeface="Tahoma" panose="020B0604030504040204" pitchFamily="34" charset="0"/>
+              <a:cs typeface="Tahoma" panose="020B0604030504040204" pitchFamily="34" charset="0"/>
+            </a:endParaRPr>
+          </a:p>
+          <a:p>
+            <a:pPr marL="457200" indent="-457200">
+              <a:buFont typeface="Wingdings" panose="05000000000000000000" pitchFamily="2" charset="2"/>
+              <a:buChar char="ü"/>
+            </a:pPr>
+            <a:r>
+              <a:rPr lang="it-IT" sz="2400" smtClean="0">
+                <a:solidFill>
+                  <a:schemeClr val="tx1"/>
+                </a:solidFill>
+                <a:latin typeface="Tahoma" panose="020B0604030504040204" pitchFamily="34" charset="0"/>
+                <a:ea typeface="Tahoma" panose="020B0604030504040204" pitchFamily="34" charset="0"/>
+                <a:cs typeface="Tahoma" panose="020B0604030504040204" pitchFamily="34" charset="0"/>
+              </a:rPr>
+              <a:t>Un’organizzazione può scegliere tra una varietà elevata di </a:t>
+            </a:r>
+            <a:r>
+              <a:rPr lang="it-IT" sz="2400" b="1" smtClean="0">
+                <a:solidFill>
+                  <a:schemeClr val="tx1"/>
+                </a:solidFill>
+                <a:latin typeface="Tahoma" panose="020B0604030504040204" pitchFamily="34" charset="0"/>
+                <a:ea typeface="Tahoma" panose="020B0604030504040204" pitchFamily="34" charset="0"/>
+                <a:cs typeface="Tahoma" panose="020B0604030504040204" pitchFamily="34" charset="0"/>
+              </a:rPr>
+              <a:t>tool per ETL </a:t>
+            </a:r>
+            <a:r>
+              <a:rPr lang="it-IT" sz="2400" smtClean="0">
+                <a:solidFill>
+                  <a:schemeClr val="tx1"/>
+                </a:solidFill>
+                <a:latin typeface="Tahoma" panose="020B0604030504040204" pitchFamily="34" charset="0"/>
+                <a:ea typeface="Tahoma" panose="020B0604030504040204" pitchFamily="34" charset="0"/>
+                <a:cs typeface="Tahoma" panose="020B0604030504040204" pitchFamily="34" charset="0"/>
+              </a:rPr>
+              <a:t>che automatizzino il processo della trasformazione dei dati. Gli analisti dei dati, gli ingegneri dei dati, e i data scientist trasformano i dati anche usando </a:t>
+            </a:r>
+            <a:r>
+              <a:rPr lang="it-IT" sz="2400" b="1" smtClean="0">
+                <a:solidFill>
+                  <a:schemeClr val="tx1"/>
+                </a:solidFill>
+                <a:latin typeface="Tahoma" panose="020B0604030504040204" pitchFamily="34" charset="0"/>
+                <a:ea typeface="Tahoma" panose="020B0604030504040204" pitchFamily="34" charset="0"/>
+                <a:cs typeface="Tahoma" panose="020B0604030504040204" pitchFamily="34" charset="0"/>
+              </a:rPr>
+              <a:t>script in Python</a:t>
+            </a:r>
+            <a:r>
+              <a:rPr lang="it-IT" sz="2400" smtClean="0">
+                <a:solidFill>
+                  <a:schemeClr val="tx1"/>
+                </a:solidFill>
+                <a:latin typeface="Tahoma" panose="020B0604030504040204" pitchFamily="34" charset="0"/>
+                <a:ea typeface="Tahoma" panose="020B0604030504040204" pitchFamily="34" charset="0"/>
+                <a:cs typeface="Tahoma" panose="020B0604030504040204" pitchFamily="34" charset="0"/>
+              </a:rPr>
+              <a:t> e </a:t>
+            </a:r>
+            <a:r>
+              <a:rPr lang="it-IT" sz="2400" b="1" smtClean="0">
+                <a:solidFill>
+                  <a:schemeClr val="tx1"/>
+                </a:solidFill>
+                <a:latin typeface="Tahoma" panose="020B0604030504040204" pitchFamily="34" charset="0"/>
+                <a:ea typeface="Tahoma" panose="020B0604030504040204" pitchFamily="34" charset="0"/>
+                <a:cs typeface="Tahoma" panose="020B0604030504040204" pitchFamily="34" charset="0"/>
+              </a:rPr>
+              <a:t>linguaggi specifici del dominio come SQL</a:t>
+            </a:r>
+            <a:r>
+              <a:rPr lang="it-IT" sz="2400" smtClean="0">
+                <a:solidFill>
+                  <a:schemeClr val="tx1"/>
+                </a:solidFill>
+                <a:latin typeface="Tahoma" panose="020B0604030504040204" pitchFamily="34" charset="0"/>
+                <a:ea typeface="Tahoma" panose="020B0604030504040204" pitchFamily="34" charset="0"/>
+                <a:cs typeface="Tahoma" panose="020B0604030504040204" pitchFamily="34" charset="0"/>
+              </a:rPr>
+              <a:t>. </a:t>
+            </a:r>
+            <a:endParaRPr lang="it-IT" sz="2400" b="1">
+              <a:solidFill>
+                <a:schemeClr val="tx1"/>
+              </a:solidFill>
+              <a:latin typeface="Tahoma" panose="020B0604030504040204" pitchFamily="34" charset="0"/>
+              <a:ea typeface="Tahoma" panose="020B0604030504040204" pitchFamily="34" charset="0"/>
+              <a:cs typeface="Tahoma" panose="020B0604030504040204" pitchFamily="34" charset="0"/>
+            </a:endParaRPr>
+          </a:p>
+          <a:p>
+            <a:pPr marL="1371600" lvl="2" indent="-457200">
+              <a:buFont typeface="+mj-lt"/>
+              <a:buAutoNum type="arabicPeriod"/>
+            </a:pPr>
+            <a:endParaRPr lang="it-IT" sz="2400">
+              <a:solidFill>
+                <a:schemeClr val="tx1"/>
+              </a:solidFill>
+              <a:latin typeface="Tahoma" panose="020B0604030504040204" pitchFamily="34" charset="0"/>
+              <a:ea typeface="Tahoma" panose="020B0604030504040204" pitchFamily="34" charset="0"/>
+              <a:cs typeface="Tahoma" panose="020B0604030504040204" pitchFamily="34" charset="0"/>
+            </a:endParaRPr>
+          </a:p>
+          <a:p>
             <a:pPr marL="342900" indent="-342900">
               <a:buFont typeface="Wingdings" panose="05000000000000000000" pitchFamily="2" charset="2"/>
               <a:buChar char="ü"/>
             </a:pPr>
-            <a:r>
-              <a:rPr lang="it-IT" sz="2400">
-                <a:solidFill>
-                  <a:schemeClr val="tx1"/>
-                </a:solidFill>
-                <a:latin typeface="Tahoma" panose="020B0604030504040204" pitchFamily="34" charset="0"/>
-                <a:ea typeface="Tahoma" panose="020B0604030504040204" pitchFamily="34" charset="0"/>
-                <a:cs typeface="Tahoma" panose="020B0604030504040204" pitchFamily="34" charset="0"/>
-              </a:rPr>
-              <a:t>Il </a:t>
-            </a:r>
-            <a:r>
-              <a:rPr lang="it-IT" sz="2400" b="1">
-                <a:solidFill>
-                  <a:schemeClr val="tx1"/>
-                </a:solidFill>
-                <a:latin typeface="Tahoma" panose="020B0604030504040204" pitchFamily="34" charset="0"/>
-                <a:ea typeface="Tahoma" panose="020B0604030504040204" pitchFamily="34" charset="0"/>
-                <a:cs typeface="Tahoma" panose="020B0604030504040204" pitchFamily="34" charset="0"/>
-              </a:rPr>
-              <a:t>Resource Description Framework (RDF)</a:t>
-            </a:r>
-            <a:r>
-              <a:rPr lang="it-IT" sz="2400">
-                <a:solidFill>
-                  <a:schemeClr val="tx1"/>
-                </a:solidFill>
-                <a:latin typeface="Tahoma" panose="020B0604030504040204" pitchFamily="34" charset="0"/>
-                <a:ea typeface="Tahoma" panose="020B0604030504040204" pitchFamily="34" charset="0"/>
-                <a:cs typeface="Tahoma" panose="020B0604030504040204" pitchFamily="34" charset="0"/>
-              </a:rPr>
-              <a:t> è lo strumento di base proposto da </a:t>
-            </a:r>
-            <a:r>
-              <a:rPr lang="it-IT" sz="2400" b="1">
-                <a:solidFill>
-                  <a:schemeClr val="tx1"/>
-                </a:solidFill>
-                <a:latin typeface="Tahoma" panose="020B0604030504040204" pitchFamily="34" charset="0"/>
-                <a:ea typeface="Tahoma" panose="020B0604030504040204" pitchFamily="34" charset="0"/>
-                <a:cs typeface="Tahoma" panose="020B0604030504040204" pitchFamily="34" charset="0"/>
-              </a:rPr>
-              <a:t>W3C</a:t>
-            </a:r>
-            <a:r>
-              <a:rPr lang="it-IT" sz="2400">
-                <a:solidFill>
-                  <a:schemeClr val="tx1"/>
-                </a:solidFill>
-                <a:latin typeface="Tahoma" panose="020B0604030504040204" pitchFamily="34" charset="0"/>
-                <a:ea typeface="Tahoma" panose="020B0604030504040204" pitchFamily="34" charset="0"/>
-                <a:cs typeface="Tahoma" panose="020B0604030504040204" pitchFamily="34" charset="0"/>
-              </a:rPr>
-              <a:t> per la codifica, lo scambio e il riutilizzo di metadati strutturati e consente l'interoperabilità semantica tra </a:t>
-            </a:r>
-            <a:r>
-              <a:rPr lang="it-IT" sz="2400" b="1">
-                <a:solidFill>
-                  <a:schemeClr val="tx1"/>
-                </a:solidFill>
-                <a:latin typeface="Tahoma" panose="020B0604030504040204" pitchFamily="34" charset="0"/>
-                <a:ea typeface="Tahoma" panose="020B0604030504040204" pitchFamily="34" charset="0"/>
-                <a:cs typeface="Tahoma" panose="020B0604030504040204" pitchFamily="34" charset="0"/>
-              </a:rPr>
-              <a:t>applicazioni</a:t>
-            </a:r>
-            <a:r>
-              <a:rPr lang="it-IT" sz="2400">
-                <a:solidFill>
-                  <a:schemeClr val="tx1"/>
-                </a:solidFill>
-                <a:latin typeface="Tahoma" panose="020B0604030504040204" pitchFamily="34" charset="0"/>
-                <a:ea typeface="Tahoma" panose="020B0604030504040204" pitchFamily="34" charset="0"/>
-                <a:cs typeface="Tahoma" panose="020B0604030504040204" pitchFamily="34" charset="0"/>
-              </a:rPr>
-              <a:t> che condividono le informazioni sul </a:t>
-            </a:r>
-            <a:r>
-              <a:rPr lang="it-IT" sz="2400" b="1">
-                <a:solidFill>
-                  <a:schemeClr val="tx1"/>
-                </a:solidFill>
-                <a:latin typeface="Tahoma" panose="020B0604030504040204" pitchFamily="34" charset="0"/>
-                <a:ea typeface="Tahoma" panose="020B0604030504040204" pitchFamily="34" charset="0"/>
-                <a:cs typeface="Tahoma" panose="020B0604030504040204" pitchFamily="34" charset="0"/>
-              </a:rPr>
-              <a:t>Web</a:t>
-            </a:r>
-            <a:r>
-              <a:rPr lang="it-IT" sz="2400">
-                <a:solidFill>
-                  <a:schemeClr val="tx1"/>
-                </a:solidFill>
-                <a:latin typeface="Tahoma" panose="020B0604030504040204" pitchFamily="34" charset="0"/>
-                <a:ea typeface="Tahoma" panose="020B0604030504040204" pitchFamily="34" charset="0"/>
-                <a:cs typeface="Tahoma" panose="020B0604030504040204" pitchFamily="34" charset="0"/>
-              </a:rPr>
-              <a:t>. </a:t>
-            </a:r>
-          </a:p>
-          <a:p>
-            <a:pPr marL="342900" indent="-342900">
-              <a:buFont typeface="Wingdings" panose="05000000000000000000" pitchFamily="2" charset="2"/>
-              <a:buChar char="ü"/>
-            </a:pPr>
-            <a:r>
-              <a:rPr lang="it-IT" sz="2400" b="1">
-                <a:solidFill>
-                  <a:schemeClr val="tx1"/>
-                </a:solidFill>
-                <a:latin typeface="Tahoma" panose="020B0604030504040204" pitchFamily="34" charset="0"/>
-                <a:ea typeface="Tahoma" panose="020B0604030504040204" pitchFamily="34" charset="0"/>
-                <a:cs typeface="Tahoma" panose="020B0604030504040204" pitchFamily="34" charset="0"/>
-              </a:rPr>
-              <a:t>RDF </a:t>
-            </a:r>
-            <a:r>
-              <a:rPr lang="it-IT" sz="2400">
-                <a:solidFill>
-                  <a:schemeClr val="tx1"/>
-                </a:solidFill>
-                <a:latin typeface="Tahoma" panose="020B0604030504040204" pitchFamily="34" charset="0"/>
-                <a:ea typeface="Tahoma" panose="020B0604030504040204" pitchFamily="34" charset="0"/>
-                <a:cs typeface="Tahoma" panose="020B0604030504040204" pitchFamily="34" charset="0"/>
-              </a:rPr>
-              <a:t>è costituito da due componenti: </a:t>
-            </a:r>
-          </a:p>
-          <a:p>
-            <a:pPr marL="457200" indent="-457200">
-              <a:buFont typeface="+mj-lt"/>
-              <a:buAutoNum type="arabicPeriod"/>
-            </a:pPr>
-            <a:r>
-              <a:rPr lang="it-IT" sz="2400" b="1">
-                <a:solidFill>
-                  <a:schemeClr val="tx1"/>
-                </a:solidFill>
-                <a:latin typeface="Tahoma" panose="020B0604030504040204" pitchFamily="34" charset="0"/>
-                <a:ea typeface="Tahoma" panose="020B0604030504040204" pitchFamily="34" charset="0"/>
-                <a:cs typeface="Tahoma" panose="020B0604030504040204" pitchFamily="34" charset="0"/>
-              </a:rPr>
-              <a:t>RDF Model and Syntax: </a:t>
-            </a:r>
-            <a:r>
-              <a:rPr lang="it-IT" sz="2400" b="0">
-                <a:solidFill>
-                  <a:schemeClr val="tx1"/>
-                </a:solidFill>
-                <a:latin typeface="Tahoma" panose="020B0604030504040204" pitchFamily="34" charset="0"/>
-                <a:ea typeface="Tahoma" panose="020B0604030504040204" pitchFamily="34" charset="0"/>
-                <a:cs typeface="Tahoma" panose="020B0604030504040204" pitchFamily="34" charset="0"/>
-              </a:rPr>
-              <a:t>che espone la struttura del modello RDF e descrive una possibile sintassi. </a:t>
-            </a:r>
-          </a:p>
-          <a:p>
-            <a:pPr marL="457200" indent="-457200">
-              <a:buFont typeface="+mj-lt"/>
-              <a:buAutoNum type="arabicPeriod"/>
-            </a:pPr>
-            <a:r>
-              <a:rPr lang="it-IT" sz="2400" b="1">
-                <a:solidFill>
-                  <a:schemeClr val="tx1"/>
-                </a:solidFill>
-                <a:latin typeface="Tahoma" panose="020B0604030504040204" pitchFamily="34" charset="0"/>
-                <a:ea typeface="Tahoma" panose="020B0604030504040204" pitchFamily="34" charset="0"/>
-                <a:cs typeface="Tahoma" panose="020B0604030504040204" pitchFamily="34" charset="0"/>
-              </a:rPr>
-              <a:t>RDF Schema</a:t>
-            </a:r>
-            <a:r>
-              <a:rPr lang="it-IT" sz="2400">
-                <a:solidFill>
-                  <a:schemeClr val="tx1"/>
-                </a:solidFill>
-                <a:latin typeface="Tahoma" panose="020B0604030504040204" pitchFamily="34" charset="0"/>
-                <a:ea typeface="Tahoma" panose="020B0604030504040204" pitchFamily="34" charset="0"/>
-                <a:cs typeface="Tahoma" panose="020B0604030504040204" pitchFamily="34" charset="0"/>
-              </a:rPr>
-              <a:t>: </a:t>
-            </a:r>
-            <a:r>
-              <a:rPr lang="it-IT" sz="2400" b="0">
-                <a:solidFill>
-                  <a:schemeClr val="tx1"/>
-                </a:solidFill>
-                <a:latin typeface="Tahoma" panose="020B0604030504040204" pitchFamily="34" charset="0"/>
-                <a:ea typeface="Tahoma" panose="020B0604030504040204" pitchFamily="34" charset="0"/>
-                <a:cs typeface="Tahoma" panose="020B0604030504040204" pitchFamily="34" charset="0"/>
-              </a:rPr>
-              <a:t>espone la sintassi per definire schemi e vocabolari per i metadati. </a:t>
-            </a:r>
-            <a:endParaRPr lang="en-US" sz="2200" b="0" dirty="0">
+            <a:endParaRPr lang="it-IT" sz="2400" dirty="0">
               <a:solidFill>
-                <a:srgbClr val="555555"/>
+                <a:schemeClr val="tx1"/>
               </a:solidFill>
-              <a:latin typeface="PT Sans" panose="020B0503020203020204" pitchFamily="34" charset="0"/>
+              <a:latin typeface="Tahoma" panose="020B0604030504040204" pitchFamily="34" charset="0"/>
               <a:ea typeface="Tahoma" panose="020B0604030504040204" pitchFamily="34" charset="0"/>
               <a:cs typeface="Tahoma" panose="020B0604030504040204" pitchFamily="34" charset="0"/>
             </a:endParaRPr>
-          </a:p>
-          <a:p>
-            <a:pPr marL="457200" indent="-457200">
-              <a:buFont typeface="Wingdings" panose="05000000000000000000" pitchFamily="2" charset="2"/>
-              <a:buChar char="ü"/>
-            </a:pPr>
-            <a:r>
-              <a:rPr lang="it-IT" sz="2400" b="0">
-                <a:solidFill>
-                  <a:schemeClr val="tx1"/>
-                </a:solidFill>
-                <a:latin typeface="Tahoma" panose="020B0604030504040204" pitchFamily="34" charset="0"/>
-                <a:ea typeface="Tahoma" panose="020B0604030504040204" pitchFamily="34" charset="0"/>
-                <a:cs typeface="Tahoma" panose="020B0604030504040204" pitchFamily="34" charset="0"/>
-              </a:rPr>
-              <a:t>L'</a:t>
-            </a:r>
-            <a:r>
-              <a:rPr lang="it-IT" sz="2400" b="1">
-                <a:solidFill>
-                  <a:schemeClr val="tx1"/>
-                </a:solidFill>
-                <a:latin typeface="Tahoma" panose="020B0604030504040204" pitchFamily="34" charset="0"/>
-                <a:ea typeface="Tahoma" panose="020B0604030504040204" pitchFamily="34" charset="0"/>
-                <a:cs typeface="Tahoma" panose="020B0604030504040204" pitchFamily="34" charset="0"/>
-              </a:rPr>
-              <a:t>RDF Data Model </a:t>
-            </a:r>
-            <a:r>
-              <a:rPr lang="it-IT" sz="2400">
-                <a:solidFill>
-                  <a:schemeClr val="tx1"/>
-                </a:solidFill>
-                <a:latin typeface="Tahoma" panose="020B0604030504040204" pitchFamily="34" charset="0"/>
-                <a:ea typeface="Tahoma" panose="020B0604030504040204" pitchFamily="34" charset="0"/>
-                <a:cs typeface="Tahoma" panose="020B0604030504040204" pitchFamily="34" charset="0"/>
-              </a:rPr>
-              <a:t>si basa su 3 principi chiave: 1) Qualunque cosa può essere identificata da un URI (Uniform Resource Identifier); 2) The least power, ovvero utilizzare il linguaggio meno espressivo possibile per definire qualunque cosa; 3) Qualunque cosa può dire qualunque cosa su qualunque cosa. </a:t>
-            </a:r>
           </a:p>
         </p:txBody>
       </p:sp>
@@ -12891,8 +13229,16 @@
           <a:lstStyle/>
           <a:p>
             <a:r>
-              <a:rPr lang="it-IT" altLang="it-IT"/>
-              <a:t>RDF - Resource Description Framework</a:t>
+              <a:rPr lang="it-IT" altLang="it-IT" dirty="0"/>
+              <a:t>Trasformazione dei Dati (Data </a:t>
+            </a:r>
+            <a:r>
+              <a:rPr lang="it-IT" altLang="it-IT" dirty="0" err="1"/>
+              <a:t>Transformation</a:t>
+            </a:r>
+            <a:r>
+              <a:rPr lang="it-IT" altLang="it-IT" dirty="0"/>
+              <a:t>)</a:t>
             </a:r>
             <a:endParaRPr lang="it-IT" dirty="0"/>
           </a:p>
@@ -12901,7 +13247,7 @@
     </p:spTree>
     <p:extLst>
       <p:ext uri="{BB962C8B-B14F-4D97-AF65-F5344CB8AC3E}">
-        <p14:creationId xmlns:p14="http://schemas.microsoft.com/office/powerpoint/2010/main" val="1961233345"/>
+        <p14:creationId xmlns:p14="http://schemas.microsoft.com/office/powerpoint/2010/main" val="1972645663"/>
       </p:ext>
     </p:extLst>
   </p:cSld>
@@ -13354,125 +13700,19 @@
         </p:nvSpPr>
         <p:spPr>
           <a:xfrm>
-            <a:off x="326297" y="1213806"/>
-            <a:ext cx="11518700" cy="4392612"/>
+            <a:off x="344199" y="1222470"/>
+            <a:ext cx="8650511" cy="4392612"/>
           </a:xfrm>
         </p:spPr>
         <p:txBody>
           <a:bodyPr/>
           <a:lstStyle/>
           <a:p>
-            <a:pPr marL="342900" indent="-342900">
+            <a:pPr marL="457200" indent="-457200">
               <a:buFont typeface="Wingdings" panose="05000000000000000000" pitchFamily="2" charset="2"/>
               <a:buChar char="ü"/>
             </a:pPr>
             <a:r>
-              <a:rPr lang="it-IT" sz="2400" b="0" i="0">
-                <a:solidFill>
-                  <a:srgbClr val="202124"/>
-                </a:solidFill>
-                <a:effectLst/>
-                <a:latin typeface="arial" panose="020B0604020202020204" pitchFamily="34" charset="0"/>
-              </a:rPr>
-              <a:t>Un </a:t>
-            </a:r>
-            <a:r>
-              <a:rPr lang="it-IT" sz="2400" b="1" i="0">
-                <a:solidFill>
-                  <a:srgbClr val="202124"/>
-                </a:solidFill>
-                <a:effectLst/>
-                <a:latin typeface="arial" panose="020B0604020202020204" pitchFamily="34" charset="0"/>
-              </a:rPr>
-              <a:t>URI</a:t>
-            </a:r>
-            <a:r>
-              <a:rPr lang="it-IT" sz="2400" b="0" i="0">
-                <a:solidFill>
-                  <a:srgbClr val="202124"/>
-                </a:solidFill>
-                <a:effectLst/>
-                <a:latin typeface="arial" panose="020B0604020202020204" pitchFamily="34" charset="0"/>
-              </a:rPr>
-              <a:t> può essere classificato come qualcosa che definisce posizioni (</a:t>
-            </a:r>
-            <a:r>
-              <a:rPr lang="it-IT" sz="2400" b="1" i="0">
-                <a:solidFill>
-                  <a:srgbClr val="202124"/>
-                </a:solidFill>
-                <a:effectLst/>
-                <a:latin typeface="arial" panose="020B0604020202020204" pitchFamily="34" charset="0"/>
-              </a:rPr>
-              <a:t>URL</a:t>
-            </a:r>
-            <a:r>
-              <a:rPr lang="it-IT" sz="2400" b="0" i="0">
-                <a:solidFill>
-                  <a:srgbClr val="202124"/>
-                </a:solidFill>
-                <a:effectLst/>
-                <a:latin typeface="arial" panose="020B0604020202020204" pitchFamily="34" charset="0"/>
-              </a:rPr>
-              <a:t>) o nomi (URN) o entrambi. Un </a:t>
-            </a:r>
-            <a:r>
-              <a:rPr lang="it-IT" sz="2400" b="1" i="0">
-                <a:solidFill>
-                  <a:srgbClr val="202124"/>
-                </a:solidFill>
-                <a:effectLst/>
-                <a:latin typeface="arial" panose="020B0604020202020204" pitchFamily="34" charset="0"/>
-              </a:rPr>
-              <a:t>URL</a:t>
-            </a:r>
-            <a:r>
-              <a:rPr lang="it-IT" sz="2400" b="0" i="0">
-                <a:solidFill>
-                  <a:srgbClr val="202124"/>
-                </a:solidFill>
-                <a:effectLst/>
-                <a:latin typeface="arial" panose="020B0604020202020204" pitchFamily="34" charset="0"/>
-              </a:rPr>
-              <a:t> (Uniform Resource Locator) </a:t>
-            </a:r>
-            <a:r>
-              <a:rPr lang="it-IT" sz="2400" i="0">
-                <a:solidFill>
-                  <a:srgbClr val="202124"/>
-                </a:solidFill>
-                <a:effectLst/>
-                <a:latin typeface="arial" panose="020B0604020202020204" pitchFamily="34" charset="0"/>
-              </a:rPr>
-              <a:t>è un </a:t>
-            </a:r>
-            <a:r>
-              <a:rPr lang="it-IT" sz="2400" b="1" i="0">
-                <a:solidFill>
-                  <a:srgbClr val="202124"/>
-                </a:solidFill>
-                <a:effectLst/>
-                <a:latin typeface="arial" panose="020B0604020202020204" pitchFamily="34" charset="0"/>
-              </a:rPr>
-              <a:t>URI</a:t>
-            </a:r>
-            <a:r>
-              <a:rPr lang="it-IT" sz="2400" b="0" i="0">
-                <a:solidFill>
-                  <a:srgbClr val="202124"/>
-                </a:solidFill>
-                <a:effectLst/>
-                <a:latin typeface="arial" panose="020B0604020202020204" pitchFamily="34" charset="0"/>
-              </a:rPr>
-              <a:t> che identifica una risorsa tramite la sua "collocazione" ("location") in un grafo. Di fatto, non identifica la risorsa per nome, ma con il modo con cui la si può reperire.</a:t>
-            </a:r>
-          </a:p>
-          <a:p>
-            <a:pPr marL="342900" indent="-342900">
-              <a:buFont typeface="Wingdings" panose="05000000000000000000" pitchFamily="2" charset="2"/>
-              <a:buChar char="ü"/>
-            </a:pPr>
-            <a:r>
               <a:rPr lang="it-IT" sz="2400">
                 <a:solidFill>
                   <a:schemeClr val="tx1"/>
@@ -13481,7 +13721,7 @@
                 <a:ea typeface="Tahoma" panose="020B0604030504040204" pitchFamily="34" charset="0"/>
                 <a:cs typeface="Tahoma" panose="020B0604030504040204" pitchFamily="34" charset="0"/>
               </a:rPr>
-              <a:t>Qualunque cosa descritta da </a:t>
+              <a:t>La </a:t>
             </a:r>
             <a:r>
               <a:rPr lang="it-IT" sz="2400" b="1">
@@ -13492,7 +13732,7 @@
                 <a:ea typeface="Tahoma" panose="020B0604030504040204" pitchFamily="34" charset="0"/>
                 <a:cs typeface="Tahoma" panose="020B0604030504040204" pitchFamily="34" charset="0"/>
               </a:rPr>
-              <a:t>RDF</a:t>
+              <a:t>Data</a:t>
             </a:r>
             <a:r>
               <a:rPr lang="it-IT" sz="2400">
@@ -13503,18 +13743,18 @@
                 <a:ea typeface="Tahoma" panose="020B0604030504040204" pitchFamily="34" charset="0"/>
                 <a:cs typeface="Tahoma" panose="020B0604030504040204" pitchFamily="34" charset="0"/>
               </a:rPr>
-              <a:t> è detta </a:t>
-            </a:r>
-            <a:r>
-              <a:rPr lang="it-IT" sz="2400" b="1">
-                <a:solidFill>
-                  <a:schemeClr val="tx1"/>
-                </a:solidFill>
-                <a:latin typeface="Tahoma" panose="020B0604030504040204" pitchFamily="34" charset="0"/>
-                <a:ea typeface="Tahoma" panose="020B0604030504040204" pitchFamily="34" charset="0"/>
-                <a:cs typeface="Tahoma" panose="020B0604030504040204" pitchFamily="34" charset="0"/>
-              </a:rPr>
-              <a:t>risorsa</a:t>
+              <a:t> </a:t>
+            </a:r>
+            <a:r>
+              <a:rPr lang="it-IT" sz="2400" b="1" smtClean="0">
+                <a:solidFill>
+                  <a:schemeClr val="tx1"/>
+                </a:solidFill>
+                <a:latin typeface="Tahoma" panose="020B0604030504040204" pitchFamily="34" charset="0"/>
+                <a:ea typeface="Tahoma" panose="020B0604030504040204" pitchFamily="34" charset="0"/>
+                <a:cs typeface="Tahoma" panose="020B0604030504040204" pitchFamily="34" charset="0"/>
+              </a:rPr>
+              <a:t>Transformation</a:t>
             </a:r>
             <a:r>
               <a:rPr lang="it-IT" sz="2400">
@@ -13525,214 +13765,20 @@
                 <a:ea typeface="Tahoma" panose="020B0604030504040204" pitchFamily="34" charset="0"/>
                 <a:cs typeface="Tahoma" panose="020B0604030504040204" pitchFamily="34" charset="0"/>
               </a:rPr>
-              <a:t>. Una risorsa è sostanzialmente reperibile su </a:t>
-            </a:r>
-            <a:r>
-              <a:rPr lang="it-IT" sz="2400" b="1">
-                <a:solidFill>
-                  <a:schemeClr val="tx1"/>
-                </a:solidFill>
-                <a:latin typeface="Tahoma" panose="020B0604030504040204" pitchFamily="34" charset="0"/>
-                <a:ea typeface="Tahoma" panose="020B0604030504040204" pitchFamily="34" charset="0"/>
-                <a:cs typeface="Tahoma" panose="020B0604030504040204" pitchFamily="34" charset="0"/>
-              </a:rPr>
-              <a:t>web, </a:t>
-            </a:r>
-            <a:r>
-              <a:rPr lang="it-IT" sz="2400">
-                <a:solidFill>
-                  <a:schemeClr val="tx1"/>
-                </a:solidFill>
-                <a:latin typeface="Tahoma" panose="020B0604030504040204" pitchFamily="34" charset="0"/>
-                <a:ea typeface="Tahoma" panose="020B0604030504040204" pitchFamily="34" charset="0"/>
-                <a:cs typeface="Tahoma" panose="020B0604030504040204" pitchFamily="34" charset="0"/>
-              </a:rPr>
-              <a:t>ma RDF può descrivere anche risorse che non si trovano direttamente sul </a:t>
-            </a:r>
-            <a:r>
-              <a:rPr lang="it-IT" sz="2400" b="1">
-                <a:solidFill>
-                  <a:schemeClr val="tx1"/>
-                </a:solidFill>
-                <a:latin typeface="Tahoma" panose="020B0604030504040204" pitchFamily="34" charset="0"/>
-                <a:ea typeface="Tahoma" panose="020B0604030504040204" pitchFamily="34" charset="0"/>
-                <a:cs typeface="Tahoma" panose="020B0604030504040204" pitchFamily="34" charset="0"/>
-              </a:rPr>
-              <a:t>web. </a:t>
-            </a:r>
-            <a:r>
-              <a:rPr lang="it-IT" sz="2400">
-                <a:solidFill>
-                  <a:schemeClr val="tx1"/>
-                </a:solidFill>
-                <a:latin typeface="Tahoma" panose="020B0604030504040204" pitchFamily="34" charset="0"/>
-                <a:ea typeface="Tahoma" panose="020B0604030504040204" pitchFamily="34" charset="0"/>
-                <a:cs typeface="Tahoma" panose="020B0604030504040204" pitchFamily="34" charset="0"/>
-              </a:rPr>
-              <a:t>Ogni risorsa è identificata da un </a:t>
-            </a:r>
-            <a:r>
-              <a:rPr lang="it-IT" sz="2400" b="1">
-                <a:solidFill>
-                  <a:schemeClr val="tx1"/>
-                </a:solidFill>
-                <a:latin typeface="Tahoma" panose="020B0604030504040204" pitchFamily="34" charset="0"/>
-                <a:ea typeface="Tahoma" panose="020B0604030504040204" pitchFamily="34" charset="0"/>
-                <a:cs typeface="Tahoma" panose="020B0604030504040204" pitchFamily="34" charset="0"/>
-              </a:rPr>
-              <a:t>URI</a:t>
-            </a:r>
-            <a:r>
-              <a:rPr lang="it-IT" sz="2400">
-                <a:solidFill>
-                  <a:schemeClr val="tx1"/>
-                </a:solidFill>
-                <a:latin typeface="Tahoma" panose="020B0604030504040204" pitchFamily="34" charset="0"/>
-                <a:ea typeface="Tahoma" panose="020B0604030504040204" pitchFamily="34" charset="0"/>
-                <a:cs typeface="Tahoma" panose="020B0604030504040204" pitchFamily="34" charset="0"/>
-              </a:rPr>
-              <a:t>. </a:t>
-            </a:r>
-          </a:p>
-          <a:p>
-            <a:pPr marL="342900" indent="-342900">
-              <a:buFont typeface="Wingdings" panose="05000000000000000000" pitchFamily="2" charset="2"/>
-              <a:buChar char="ü"/>
-            </a:pPr>
-            <a:r>
-              <a:rPr lang="it-IT" sz="2400">
-                <a:solidFill>
-                  <a:schemeClr val="tx1"/>
-                </a:solidFill>
-                <a:latin typeface="Tahoma" panose="020B0604030504040204" pitchFamily="34" charset="0"/>
-                <a:ea typeface="Tahoma" panose="020B0604030504040204" pitchFamily="34" charset="0"/>
-                <a:cs typeface="Tahoma" panose="020B0604030504040204" pitchFamily="34" charset="0"/>
-              </a:rPr>
-              <a:t>Il modello </a:t>
-            </a:r>
-            <a:r>
-              <a:rPr lang="it-IT" sz="2400" b="1">
-                <a:solidFill>
-                  <a:schemeClr val="tx1"/>
-                </a:solidFill>
-                <a:latin typeface="Tahoma" panose="020B0604030504040204" pitchFamily="34" charset="0"/>
-                <a:ea typeface="Tahoma" panose="020B0604030504040204" pitchFamily="34" charset="0"/>
-                <a:cs typeface="Tahoma" panose="020B0604030504040204" pitchFamily="34" charset="0"/>
-              </a:rPr>
-              <a:t>RDF </a:t>
-            </a:r>
-            <a:r>
-              <a:rPr lang="it-IT" sz="2400">
-                <a:solidFill>
-                  <a:schemeClr val="tx1"/>
-                </a:solidFill>
-                <a:latin typeface="Tahoma" panose="020B0604030504040204" pitchFamily="34" charset="0"/>
-                <a:ea typeface="Tahoma" panose="020B0604030504040204" pitchFamily="34" charset="0"/>
-                <a:cs typeface="Tahoma" panose="020B0604030504040204" pitchFamily="34" charset="0"/>
-              </a:rPr>
-              <a:t>è formato da risorse, proprietà e valori: </a:t>
-            </a:r>
-          </a:p>
-          <a:p>
-            <a:pPr marL="342900" indent="-342900">
-              <a:buFont typeface="Wingdings" panose="05000000000000000000" pitchFamily="2" charset="2"/>
-              <a:buChar char="ü"/>
-            </a:pPr>
-            <a:r>
-              <a:rPr lang="it-IT" sz="2400" b="1">
-                <a:solidFill>
-                  <a:schemeClr val="tx1"/>
-                </a:solidFill>
-                <a:latin typeface="Tahoma" panose="020B0604030504040204" pitchFamily="34" charset="0"/>
-                <a:ea typeface="Tahoma" panose="020B0604030504040204" pitchFamily="34" charset="0"/>
-                <a:cs typeface="Tahoma" panose="020B0604030504040204" pitchFamily="34" charset="0"/>
-              </a:rPr>
-              <a:t>Le proprietà: </a:t>
-            </a:r>
-            <a:r>
-              <a:rPr lang="it-IT" sz="2400">
-                <a:solidFill>
-                  <a:schemeClr val="tx1"/>
-                </a:solidFill>
-                <a:latin typeface="Tahoma" panose="020B0604030504040204" pitchFamily="34" charset="0"/>
-                <a:ea typeface="Tahoma" panose="020B0604030504040204" pitchFamily="34" charset="0"/>
-                <a:cs typeface="Tahoma" panose="020B0604030504040204" pitchFamily="34" charset="0"/>
-              </a:rPr>
-              <a:t>sono delle relazioni che legano tra loro risorse e valori e sono anche esse identificate da un </a:t>
-            </a:r>
-            <a:r>
-              <a:rPr lang="it-IT" sz="2400" b="1">
-                <a:solidFill>
-                  <a:schemeClr val="tx1"/>
-                </a:solidFill>
-                <a:latin typeface="Tahoma" panose="020B0604030504040204" pitchFamily="34" charset="0"/>
-                <a:ea typeface="Tahoma" panose="020B0604030504040204" pitchFamily="34" charset="0"/>
-                <a:cs typeface="Tahoma" panose="020B0604030504040204" pitchFamily="34" charset="0"/>
-              </a:rPr>
-              <a:t>URI</a:t>
-            </a:r>
-            <a:r>
-              <a:rPr lang="it-IT" sz="2400">
-                <a:solidFill>
-                  <a:schemeClr val="tx1"/>
-                </a:solidFill>
-                <a:latin typeface="Tahoma" panose="020B0604030504040204" pitchFamily="34" charset="0"/>
-                <a:ea typeface="Tahoma" panose="020B0604030504040204" pitchFamily="34" charset="0"/>
-                <a:cs typeface="Tahoma" panose="020B0604030504040204" pitchFamily="34" charset="0"/>
-              </a:rPr>
-              <a:t>. </a:t>
-            </a:r>
-          </a:p>
-          <a:p>
-            <a:pPr marL="342900" indent="-342900">
-              <a:buFont typeface="Wingdings" panose="05000000000000000000" pitchFamily="2" charset="2"/>
-              <a:buChar char="ü"/>
-            </a:pPr>
-            <a:r>
-              <a:rPr lang="it-IT" sz="2400" b="1">
-                <a:solidFill>
-                  <a:schemeClr val="tx1"/>
-                </a:solidFill>
-                <a:latin typeface="Tahoma" panose="020B0604030504040204" pitchFamily="34" charset="0"/>
-                <a:ea typeface="Tahoma" panose="020B0604030504040204" pitchFamily="34" charset="0"/>
-                <a:cs typeface="Tahoma" panose="020B0604030504040204" pitchFamily="34" charset="0"/>
-              </a:rPr>
-              <a:t>Valore</a:t>
-            </a:r>
-            <a:r>
-              <a:rPr lang="it-IT" sz="2400">
-                <a:solidFill>
-                  <a:schemeClr val="tx1"/>
-                </a:solidFill>
-                <a:latin typeface="Tahoma" panose="020B0604030504040204" pitchFamily="34" charset="0"/>
-                <a:ea typeface="Tahoma" panose="020B0604030504040204" pitchFamily="34" charset="0"/>
-                <a:cs typeface="Tahoma" panose="020B0604030504040204" pitchFamily="34" charset="0"/>
-              </a:rPr>
-              <a:t>: è un tipo di dato primitivo, che può essere una stringa contenente </a:t>
-            </a:r>
-            <a:r>
-              <a:rPr lang="it-IT" sz="2400" b="1">
-                <a:solidFill>
-                  <a:schemeClr val="tx1"/>
-                </a:solidFill>
-                <a:latin typeface="Tahoma" panose="020B0604030504040204" pitchFamily="34" charset="0"/>
-                <a:ea typeface="Tahoma" panose="020B0604030504040204" pitchFamily="34" charset="0"/>
-                <a:cs typeface="Tahoma" panose="020B0604030504040204" pitchFamily="34" charset="0"/>
-              </a:rPr>
-              <a:t>l'URI</a:t>
-            </a:r>
-            <a:r>
-              <a:rPr lang="it-IT" sz="2400">
-                <a:solidFill>
-                  <a:schemeClr val="tx1"/>
-                </a:solidFill>
-                <a:latin typeface="Tahoma" panose="020B0604030504040204" pitchFamily="34" charset="0"/>
-                <a:ea typeface="Tahoma" panose="020B0604030504040204" pitchFamily="34" charset="0"/>
-                <a:cs typeface="Tahoma" panose="020B0604030504040204" pitchFamily="34" charset="0"/>
-              </a:rPr>
-              <a:t> di una risorsa.   </a:t>
-            </a:r>
-            <a:endParaRPr lang="it-IT" sz="2400" b="1">
+              <a:t> </a:t>
+            </a:r>
+            <a:r>
+              <a:rPr lang="it-IT" sz="2400" smtClean="0">
+                <a:solidFill>
+                  <a:schemeClr val="tx1"/>
+                </a:solidFill>
+                <a:latin typeface="Tahoma" panose="020B0604030504040204" pitchFamily="34" charset="0"/>
+                <a:ea typeface="Tahoma" panose="020B0604030504040204" pitchFamily="34" charset="0"/>
+                <a:cs typeface="Tahoma" panose="020B0604030504040204" pitchFamily="34" charset="0"/>
+              </a:rPr>
+              <a:t>produce i seguenti benefici: </a:t>
+            </a:r>
+            <a:endParaRPr lang="it-IT" sz="2400" smtClean="0">
               <a:solidFill>
                 <a:schemeClr val="tx1"/>
               </a:solidFill>
@@ -13742,32 +13788,63 @@
             </a:endParaRPr>
           </a:p>
           <a:p>
-            <a:pPr marL="342900" indent="-342900">
-              <a:buFont typeface="Wingdings" panose="05000000000000000000" pitchFamily="2" charset="2"/>
-              <a:buChar char="ü"/>
-            </a:pPr>
-            <a:endParaRPr lang="it-IT" sz="2400" b="0" i="0">
+            <a:pPr marL="1371600" lvl="2" indent="-457200">
+              <a:buFont typeface="+mj-lt"/>
+              <a:buAutoNum type="arabicPeriod"/>
+            </a:pPr>
+            <a:r>
+              <a:rPr lang="it-IT" sz="2400" b="0" smtClean="0">
+                <a:solidFill>
+                  <a:schemeClr val="tx1"/>
+                </a:solidFill>
+                <a:latin typeface="Tahoma" panose="020B0604030504040204" pitchFamily="34" charset="0"/>
+                <a:ea typeface="Tahoma" panose="020B0604030504040204" pitchFamily="34" charset="0"/>
+                <a:cs typeface="Tahoma" panose="020B0604030504040204" pitchFamily="34" charset="0"/>
+              </a:rPr>
+              <a:t>Il dato è trasformato per essere meglio organizzato. I Dati Trasformati possono essere più facili da interpretare sia per umani che per i computer. </a:t>
+            </a:r>
+            <a:endParaRPr lang="it-IT" sz="2400" b="0" smtClean="0">
               <a:solidFill>
-                <a:srgbClr val="202124"/>
+                <a:schemeClr val="tx1"/>
               </a:solidFill>
-              <a:effectLst/>
-              <a:latin typeface="arial" panose="020B0604020202020204" pitchFamily="34" charset="0"/>
+              <a:latin typeface="Tahoma" panose="020B0604030504040204" pitchFamily="34" charset="0"/>
+              <a:ea typeface="Tahoma" panose="020B0604030504040204" pitchFamily="34" charset="0"/>
+              <a:cs typeface="Tahoma" panose="020B0604030504040204" pitchFamily="34" charset="0"/>
             </a:endParaRPr>
           </a:p>
           <a:p>
-            <a:pPr marL="342900" indent="-342900">
-              <a:buFont typeface="Wingdings" panose="05000000000000000000" pitchFamily="2" charset="2"/>
-              <a:buChar char="ü"/>
-            </a:pPr>
-            <a:endParaRPr lang="it-IT" sz="2400">
-              <a:solidFill>
-                <a:srgbClr val="202124"/>
-              </a:solidFill>
-              <a:latin typeface="arial" panose="020B0604020202020204" pitchFamily="34" charset="0"/>
-            </a:endParaRPr>
-          </a:p>
-          <a:p>
-            <a:pPr algn="l"/>
+            <a:pPr marL="1371600" lvl="2" indent="-457200">
+              <a:buFont typeface="+mj-lt"/>
+              <a:buAutoNum type="arabicPeriod"/>
+            </a:pPr>
+            <a:r>
+              <a:rPr lang="it-IT" sz="2400" b="0" smtClean="0">
+                <a:solidFill>
+                  <a:schemeClr val="tx1"/>
+                </a:solidFill>
+                <a:latin typeface="Tahoma" panose="020B0604030504040204" pitchFamily="34" charset="0"/>
+                <a:ea typeface="Tahoma" panose="020B0604030504040204" pitchFamily="34" charset="0"/>
+                <a:cs typeface="Tahoma" panose="020B0604030504040204" pitchFamily="34" charset="0"/>
+              </a:rPr>
+              <a:t>Appropriatamente formattati e validati i dati migliorano la qualità dei dati e proteggono le applicazioni da problemi potenziali come: valori nulli, duplicati inattesi, indicizzazione errata e formati incompatibili. </a:t>
+            </a:r>
+          </a:p>
+          <a:p>
+            <a:pPr marL="1371600" lvl="2" indent="-457200">
+              <a:buFont typeface="+mj-lt"/>
+              <a:buAutoNum type="arabicPeriod"/>
+            </a:pPr>
+            <a:r>
+              <a:rPr lang="it-IT" sz="2400" b="0" smtClean="0">
+                <a:solidFill>
+                  <a:schemeClr val="tx1"/>
+                </a:solidFill>
+                <a:latin typeface="Tahoma" panose="020B0604030504040204" pitchFamily="34" charset="0"/>
+                <a:ea typeface="Tahoma" panose="020B0604030504040204" pitchFamily="34" charset="0"/>
+                <a:cs typeface="Tahoma" panose="020B0604030504040204" pitchFamily="34" charset="0"/>
+              </a:rPr>
+              <a:t>La Trasformazione dei Dati facilità la compatibilità tra applicazioni, sistemi e tipi di dati. I dati usati per scopi multipli potrebbero avere bisogno di essere trasformati in differenti modi. </a:t>
+            </a:r>
             <a:endParaRPr lang="it-IT" sz="2400" dirty="0">
               <a:solidFill>
                 <a:schemeClr val="tx1"/>
@@ -13832,8 +13909,8 @@
         </p:nvSpPr>
         <p:spPr>
           <a:xfrm>
-            <a:off x="468895" y="503475"/>
-            <a:ext cx="11269308" cy="384721"/>
+            <a:off x="468895" y="118755"/>
+            <a:ext cx="11269308" cy="769441"/>
           </a:xfrm>
         </p:spPr>
         <p:txBody>
@@ -13841,17 +13918,59 @@
           <a:lstStyle/>
           <a:p>
             <a:r>
-              <a:rPr lang="it-IT" altLang="it-IT"/>
-              <a:t>RDF - Principi e modello dei dati</a:t>
+              <a:rPr lang="it-IT" altLang="it-IT" smtClean="0"/>
+              <a:t>Benefici e Sfide della Trasformazione </a:t>
+            </a:r>
+            <a:r>
+              <a:rPr lang="it-IT" altLang="it-IT" dirty="0"/>
+              <a:t>dei Dati (Data </a:t>
+            </a:r>
+            <a:r>
+              <a:rPr lang="it-IT" altLang="it-IT" dirty="0" err="1"/>
+              <a:t>Transformation</a:t>
+            </a:r>
+            <a:r>
+              <a:rPr lang="it-IT" altLang="it-IT" dirty="0"/>
+              <a:t>)</a:t>
             </a:r>
             <a:endParaRPr lang="it-IT" dirty="0"/>
           </a:p>
         </p:txBody>
       </p:sp>
+      <p:pic>
+        <p:nvPicPr>
+          <p:cNvPr id="4" name="Immagine 3"/>
+          <p:cNvPicPr>
+            <a:picLocks noChangeAspect="1"/>
+          </p:cNvPicPr>
+          <p:nvPr/>
+        </p:nvPicPr>
+        <p:blipFill>
+          <a:blip r:embed="rId2">
+            <a:extLst>
+              <a:ext uri="{28A0092B-C50C-407E-A947-70E740481C1C}">
+                <a14:useLocalDpi xmlns:a14="http://schemas.microsoft.com/office/drawing/2010/main" val="0"/>
+              </a:ext>
+            </a:extLst>
+          </a:blip>
+          <a:stretch>
+            <a:fillRect/>
+          </a:stretch>
+        </p:blipFill>
+        <p:spPr>
+          <a:xfrm>
+            <a:off x="8889593" y="2556588"/>
+            <a:ext cx="2848610" cy="2687216"/>
+          </a:xfrm>
+          <a:prstGeom prst="rect">
+            <a:avLst/>
+          </a:prstGeom>
+        </p:spPr>
+      </p:pic>
     </p:spTree>
     <p:extLst>
       <p:ext uri="{BB962C8B-B14F-4D97-AF65-F5344CB8AC3E}">
-        <p14:creationId xmlns:p14="http://schemas.microsoft.com/office/powerpoint/2010/main" val="1183596315"/>
+        <p14:creationId xmlns:p14="http://schemas.microsoft.com/office/powerpoint/2010/main" val="1477021063"/>
       </p:ext>
     </p:extLst>
   </p:cSld>
@@ -13896,202 +14015,168 @@
         </p:nvSpPr>
         <p:spPr>
           <a:xfrm>
-            <a:off x="326297" y="1213806"/>
-            <a:ext cx="8221802" cy="4392612"/>
+            <a:off x="825119" y="1446404"/>
+            <a:ext cx="10759230" cy="4392612"/>
           </a:xfrm>
         </p:spPr>
         <p:txBody>
           <a:bodyPr/>
           <a:lstStyle/>
           <a:p>
-            <a:pPr marL="342900" indent="-342900">
+            <a:pPr marL="457200" indent="-457200">
               <a:buFont typeface="Wingdings" panose="05000000000000000000" pitchFamily="2" charset="2"/>
               <a:buChar char="ü"/>
             </a:pPr>
             <a:r>
-              <a:rPr lang="it-IT" sz="2400" b="0" i="0">
-                <a:solidFill>
-                  <a:srgbClr val="202124"/>
-                </a:solidFill>
-                <a:effectLst/>
-                <a:latin typeface="Tahoma" panose="020B0604030504040204" pitchFamily="34" charset="0"/>
-                <a:ea typeface="Tahoma" panose="020B0604030504040204" pitchFamily="34" charset="0"/>
-                <a:cs typeface="Tahoma" panose="020B0604030504040204" pitchFamily="34" charset="0"/>
-              </a:rPr>
-              <a:t>L'unità di base per rappresentare un'informazione in </a:t>
-            </a:r>
-            <a:r>
-              <a:rPr lang="it-IT" sz="2400" b="1" i="0">
-                <a:solidFill>
-                  <a:srgbClr val="202124"/>
-                </a:solidFill>
-                <a:effectLst/>
-                <a:latin typeface="Tahoma" panose="020B0604030504040204" pitchFamily="34" charset="0"/>
-                <a:ea typeface="Tahoma" panose="020B0604030504040204" pitchFamily="34" charset="0"/>
-                <a:cs typeface="Tahoma" panose="020B0604030504040204" pitchFamily="34" charset="0"/>
-              </a:rPr>
-              <a:t>RDF </a:t>
-            </a:r>
-            <a:r>
-              <a:rPr lang="it-IT" sz="2400" i="0">
-                <a:solidFill>
-                  <a:srgbClr val="202124"/>
-                </a:solidFill>
-                <a:effectLst/>
-                <a:latin typeface="Tahoma" panose="020B0604030504040204" pitchFamily="34" charset="0"/>
-                <a:ea typeface="Tahoma" panose="020B0604030504040204" pitchFamily="34" charset="0"/>
-                <a:cs typeface="Tahoma" panose="020B0604030504040204" pitchFamily="34" charset="0"/>
-              </a:rPr>
-              <a:t>è lo statement. Uno statement è una tripla del tipo </a:t>
+              <a:rPr lang="it-IT" sz="2400">
+                <a:solidFill>
+                  <a:schemeClr val="tx1"/>
+                </a:solidFill>
+                <a:latin typeface="Tahoma" panose="020B0604030504040204" pitchFamily="34" charset="0"/>
+                <a:ea typeface="Tahoma" panose="020B0604030504040204" pitchFamily="34" charset="0"/>
+                <a:cs typeface="Tahoma" panose="020B0604030504040204" pitchFamily="34" charset="0"/>
+              </a:rPr>
+              <a:t>La </a:t>
             </a:r>
             <a:r>
               <a:rPr lang="it-IT" sz="2400" b="1">
                 <a:solidFill>
-                  <a:srgbClr val="202124"/>
-                </a:solidFill>
-                <a:effectLst/>
-                <a:latin typeface="Tahoma" panose="020B0604030504040204" pitchFamily="34" charset="0"/>
-                <a:ea typeface="Tahoma" panose="020B0604030504040204" pitchFamily="34" charset="0"/>
-                <a:cs typeface="Tahoma" panose="020B0604030504040204" pitchFamily="34" charset="0"/>
-              </a:rPr>
-              <a:t>Soggetto-Predicato-Oggetto, </a:t>
+                  <a:schemeClr val="tx1"/>
+                </a:solidFill>
+                <a:latin typeface="Tahoma" panose="020B0604030504040204" pitchFamily="34" charset="0"/>
+                <a:ea typeface="Tahoma" panose="020B0604030504040204" pitchFamily="34" charset="0"/>
+                <a:cs typeface="Tahoma" panose="020B0604030504040204" pitchFamily="34" charset="0"/>
+              </a:rPr>
+              <a:t>Data</a:t>
             </a:r>
             <a:r>
               <a:rPr lang="it-IT" sz="2400">
                 <a:solidFill>
-                  <a:srgbClr val="202124"/>
-                </a:solidFill>
-                <a:effectLst/>
-                <a:latin typeface="Tahoma" panose="020B0604030504040204" pitchFamily="34" charset="0"/>
-                <a:ea typeface="Tahoma" panose="020B0604030504040204" pitchFamily="34" charset="0"/>
-                <a:cs typeface="Tahoma" panose="020B0604030504040204" pitchFamily="34" charset="0"/>
-              </a:rPr>
-              <a:t>dove il soggetto è una risorsa, il predicato è una proprietà e l'oggetto è un valore (e quindi anche un </a:t>
-            </a:r>
-            <a:r>
-              <a:rPr lang="it-IT" sz="2400" b="1" i="0">
-                <a:solidFill>
-                  <a:srgbClr val="202124"/>
-                </a:solidFill>
-                <a:effectLst/>
-                <a:latin typeface="Tahoma" panose="020B0604030504040204" pitchFamily="34" charset="0"/>
-                <a:ea typeface="Tahoma" panose="020B0604030504040204" pitchFamily="34" charset="0"/>
-                <a:cs typeface="Tahoma" panose="020B0604030504040204" pitchFamily="34" charset="0"/>
-              </a:rPr>
-              <a:t>URI</a:t>
-            </a:r>
-            <a:r>
-              <a:rPr lang="it-IT" sz="2400" b="0" i="0">
-                <a:solidFill>
-                  <a:srgbClr val="202124"/>
-                </a:solidFill>
-                <a:effectLst/>
-                <a:latin typeface="Tahoma" panose="020B0604030504040204" pitchFamily="34" charset="0"/>
-                <a:ea typeface="Tahoma" panose="020B0604030504040204" pitchFamily="34" charset="0"/>
-                <a:cs typeface="Tahoma" panose="020B0604030504040204" pitchFamily="34" charset="0"/>
-              </a:rPr>
-              <a:t> che punta ad un'altra risorsa). </a:t>
-            </a:r>
-          </a:p>
-          <a:p>
-            <a:pPr marL="342900" indent="-342900">
+                  <a:schemeClr val="tx1"/>
+                </a:solidFill>
+                <a:latin typeface="Tahoma" panose="020B0604030504040204" pitchFamily="34" charset="0"/>
+                <a:ea typeface="Tahoma" panose="020B0604030504040204" pitchFamily="34" charset="0"/>
+                <a:cs typeface="Tahoma" panose="020B0604030504040204" pitchFamily="34" charset="0"/>
+              </a:rPr>
+              <a:t> </a:t>
+            </a:r>
+            <a:r>
+              <a:rPr lang="it-IT" sz="2400" b="1" smtClean="0">
+                <a:solidFill>
+                  <a:schemeClr val="tx1"/>
+                </a:solidFill>
+                <a:latin typeface="Tahoma" panose="020B0604030504040204" pitchFamily="34" charset="0"/>
+                <a:ea typeface="Tahoma" panose="020B0604030504040204" pitchFamily="34" charset="0"/>
+                <a:cs typeface="Tahoma" panose="020B0604030504040204" pitchFamily="34" charset="0"/>
+              </a:rPr>
+              <a:t>Transformation</a:t>
+            </a:r>
+            <a:r>
+              <a:rPr lang="it-IT" sz="2400">
+                <a:solidFill>
+                  <a:schemeClr val="tx1"/>
+                </a:solidFill>
+                <a:latin typeface="Tahoma" panose="020B0604030504040204" pitchFamily="34" charset="0"/>
+                <a:ea typeface="Tahoma" panose="020B0604030504040204" pitchFamily="34" charset="0"/>
+                <a:cs typeface="Tahoma" panose="020B0604030504040204" pitchFamily="34" charset="0"/>
+              </a:rPr>
+              <a:t> </a:t>
+            </a:r>
+            <a:r>
+              <a:rPr lang="it-IT" sz="2400" smtClean="0">
+                <a:solidFill>
+                  <a:schemeClr val="tx1"/>
+                </a:solidFill>
+                <a:latin typeface="Tahoma" panose="020B0604030504040204" pitchFamily="34" charset="0"/>
+                <a:ea typeface="Tahoma" panose="020B0604030504040204" pitchFamily="34" charset="0"/>
+                <a:cs typeface="Tahoma" panose="020B0604030504040204" pitchFamily="34" charset="0"/>
+              </a:rPr>
+              <a:t>invece deve affrontare le seguenti sfide: </a:t>
+            </a:r>
+          </a:p>
+          <a:p>
+            <a:pPr marL="457200" indent="-457200">
               <a:buFont typeface="Wingdings" panose="05000000000000000000" pitchFamily="2" charset="2"/>
               <a:buChar char="ü"/>
             </a:pPr>
             <a:r>
-              <a:rPr lang="it-IT" sz="2400">
-                <a:solidFill>
-                  <a:srgbClr val="202124"/>
-                </a:solidFill>
-                <a:latin typeface="Tahoma" panose="020B0604030504040204" pitchFamily="34" charset="0"/>
-                <a:ea typeface="Tahoma" panose="020B0604030504040204" pitchFamily="34" charset="0"/>
-                <a:cs typeface="Tahoma" panose="020B0604030504040204" pitchFamily="34" charset="0"/>
-              </a:rPr>
-              <a:t>Il data model </a:t>
-            </a:r>
-            <a:r>
-              <a:rPr lang="it-IT" sz="2400" b="1">
-                <a:solidFill>
-                  <a:srgbClr val="202124"/>
-                </a:solidFill>
-                <a:latin typeface="Tahoma" panose="020B0604030504040204" pitchFamily="34" charset="0"/>
-                <a:ea typeface="Tahoma" panose="020B0604030504040204" pitchFamily="34" charset="0"/>
-                <a:cs typeface="Tahoma" panose="020B0604030504040204" pitchFamily="34" charset="0"/>
-              </a:rPr>
-              <a:t>RDF </a:t>
-            </a:r>
-            <a:r>
-              <a:rPr lang="it-IT" sz="2400">
-                <a:solidFill>
-                  <a:srgbClr val="202124"/>
-                </a:solidFill>
-                <a:latin typeface="Tahoma" panose="020B0604030504040204" pitchFamily="34" charset="0"/>
-                <a:ea typeface="Tahoma" panose="020B0604030504040204" pitchFamily="34" charset="0"/>
-                <a:cs typeface="Tahoma" panose="020B0604030504040204" pitchFamily="34" charset="0"/>
-              </a:rPr>
-              <a:t>permette di definire un modello semplice per descrivere le relazioni tra le risorse, in termini di proprietà identificate da un nome e relativi valori.</a:t>
-            </a:r>
-          </a:p>
-          <a:p>
-            <a:pPr marL="342900" indent="-342900" algn="just">
+              <a:rPr lang="it-IT" sz="2400" b="0" smtClean="0">
+                <a:solidFill>
+                  <a:schemeClr val="tx1"/>
+                </a:solidFill>
+                <a:latin typeface="Tahoma" panose="020B0604030504040204" pitchFamily="34" charset="0"/>
+                <a:ea typeface="Tahoma" panose="020B0604030504040204" pitchFamily="34" charset="0"/>
+                <a:cs typeface="Tahoma" panose="020B0604030504040204" pitchFamily="34" charset="0"/>
+              </a:rPr>
+              <a:t>La </a:t>
+            </a:r>
+            <a:r>
+              <a:rPr lang="it-IT" sz="2400" b="1" smtClean="0">
+                <a:solidFill>
+                  <a:schemeClr val="tx1"/>
+                </a:solidFill>
+                <a:latin typeface="Tahoma" panose="020B0604030504040204" pitchFamily="34" charset="0"/>
+                <a:ea typeface="Tahoma" panose="020B0604030504040204" pitchFamily="34" charset="0"/>
+                <a:cs typeface="Tahoma" panose="020B0604030504040204" pitchFamily="34" charset="0"/>
+              </a:rPr>
+              <a:t>Data Transformation </a:t>
+            </a:r>
+            <a:r>
+              <a:rPr lang="it-IT" sz="2400" smtClean="0">
+                <a:solidFill>
+                  <a:schemeClr val="tx1"/>
+                </a:solidFill>
+                <a:latin typeface="Tahoma" panose="020B0604030504040204" pitchFamily="34" charset="0"/>
+                <a:ea typeface="Tahoma" panose="020B0604030504040204" pitchFamily="34" charset="0"/>
+                <a:cs typeface="Tahoma" panose="020B0604030504040204" pitchFamily="34" charset="0"/>
+              </a:rPr>
+              <a:t>può essere molto costosa. Il costo è dipendente dalla infrastruttura specifica, dal software e dagli strumenti per elaborare i dati. </a:t>
+            </a:r>
+          </a:p>
+          <a:p>
+            <a:pPr marL="457200" indent="-457200">
               <a:buFont typeface="Wingdings" panose="05000000000000000000" pitchFamily="2" charset="2"/>
               <a:buChar char="ü"/>
             </a:pPr>
             <a:r>
-              <a:rPr lang="it-IT" sz="2400">
-                <a:solidFill>
-                  <a:srgbClr val="202124"/>
-                </a:solidFill>
-                <a:latin typeface="Tahoma" panose="020B0604030504040204" pitchFamily="34" charset="0"/>
-                <a:ea typeface="Tahoma" panose="020B0604030504040204" pitchFamily="34" charset="0"/>
-                <a:cs typeface="Tahoma" panose="020B0604030504040204" pitchFamily="34" charset="0"/>
-              </a:rPr>
-              <a:t>Tuttavia </a:t>
-            </a:r>
-            <a:r>
-              <a:rPr lang="it-IT" sz="2400" b="1">
-                <a:solidFill>
-                  <a:srgbClr val="202124"/>
-                </a:solidFill>
-                <a:latin typeface="Tahoma" panose="020B0604030504040204" pitchFamily="34" charset="0"/>
-                <a:ea typeface="Tahoma" panose="020B0604030504040204" pitchFamily="34" charset="0"/>
-                <a:cs typeface="Tahoma" panose="020B0604030504040204" pitchFamily="34" charset="0"/>
-              </a:rPr>
-              <a:t>RDF </a:t>
-            </a:r>
-            <a:r>
-              <a:rPr lang="it-IT" sz="2400">
-                <a:solidFill>
-                  <a:srgbClr val="202124"/>
-                </a:solidFill>
-                <a:latin typeface="Tahoma" panose="020B0604030504040204" pitchFamily="34" charset="0"/>
-                <a:ea typeface="Tahoma" panose="020B0604030504040204" pitchFamily="34" charset="0"/>
-                <a:cs typeface="Tahoma" panose="020B0604030504040204" pitchFamily="34" charset="0"/>
-              </a:rPr>
-              <a:t>non fornisce nessun meccanismo per dichiarare queste proprietà, nè per definire le relazioni tra queste proprietà ed altre risorse. Tale compito è definito da </a:t>
-            </a:r>
-            <a:r>
-              <a:rPr lang="it-IT" sz="2400" b="1">
-                <a:solidFill>
-                  <a:srgbClr val="202124"/>
-                </a:solidFill>
-                <a:latin typeface="Tahoma" panose="020B0604030504040204" pitchFamily="34" charset="0"/>
-                <a:ea typeface="Tahoma" panose="020B0604030504040204" pitchFamily="34" charset="0"/>
-                <a:cs typeface="Tahoma" panose="020B0604030504040204" pitchFamily="34" charset="0"/>
-              </a:rPr>
-              <a:t>RDF Schema.</a:t>
-            </a:r>
-            <a:r>
-              <a:rPr lang="it-IT" sz="2400">
-                <a:solidFill>
-                  <a:srgbClr val="202124"/>
-                </a:solidFill>
-                <a:latin typeface="Tahoma" panose="020B0604030504040204" pitchFamily="34" charset="0"/>
-                <a:ea typeface="Tahoma" panose="020B0604030504040204" pitchFamily="34" charset="0"/>
-                <a:cs typeface="Tahoma" panose="020B0604030504040204" pitchFamily="34" charset="0"/>
-              </a:rPr>
-              <a:t> </a:t>
-            </a:r>
+              <a:rPr lang="it-IT" sz="2400" smtClean="0">
+                <a:solidFill>
+                  <a:schemeClr val="tx1"/>
+                </a:solidFill>
+                <a:latin typeface="Tahoma" panose="020B0604030504040204" pitchFamily="34" charset="0"/>
+                <a:ea typeface="Tahoma" panose="020B0604030504040204" pitchFamily="34" charset="0"/>
+                <a:cs typeface="Tahoma" panose="020B0604030504040204" pitchFamily="34" charset="0"/>
+              </a:rPr>
+              <a:t>La </a:t>
+            </a:r>
+            <a:r>
+              <a:rPr lang="it-IT" sz="2400" b="1" smtClean="0">
+                <a:solidFill>
+                  <a:schemeClr val="tx1"/>
+                </a:solidFill>
+                <a:latin typeface="Tahoma" panose="020B0604030504040204" pitchFamily="34" charset="0"/>
+                <a:ea typeface="Tahoma" panose="020B0604030504040204" pitchFamily="34" charset="0"/>
+                <a:cs typeface="Tahoma" panose="020B0604030504040204" pitchFamily="34" charset="0"/>
+              </a:rPr>
+              <a:t>Data Transformation </a:t>
+            </a:r>
+            <a:r>
+              <a:rPr lang="it-IT" sz="2400" smtClean="0">
+                <a:solidFill>
+                  <a:schemeClr val="tx1"/>
+                </a:solidFill>
+                <a:latin typeface="Tahoma" panose="020B0604030504040204" pitchFamily="34" charset="0"/>
+                <a:ea typeface="Tahoma" panose="020B0604030504040204" pitchFamily="34" charset="0"/>
+                <a:cs typeface="Tahoma" panose="020B0604030504040204" pitchFamily="34" charset="0"/>
+              </a:rPr>
+              <a:t>può richiedere un numero elevato di risorse. Le trasformazioni che vengono eseguite nei data warehouse on-premises dopo il caricamento dei dati e prima di immetterli i alcune applicazioni, possono creare un carico computazionale che rallenta le altre operazioni. Se si usa un data warehouse basato su cloud, è possibile effettuare le trasformazioni solo dopo aver fatto il caricamento dei dati perchè la piattaforma di cloud può scalare espandendosi per incontrare le esigenze della domanda di risorse. </a:t>
+            </a:r>
+          </a:p>
+          <a:p>
+            <a:pPr marL="457200" indent="-457200">
+              <a:buFont typeface="Wingdings" panose="05000000000000000000" pitchFamily="2" charset="2"/>
+              <a:buChar char="ü"/>
+            </a:pPr>
             <a:endParaRPr lang="it-IT" sz="2400" dirty="0">
               <a:solidFill>
                 <a:schemeClr val="tx1"/>
@@ -14133,6 +14218,1859 @@
                 <a:defRPr/>
               </a:pPr>
               <a:t>31</a:t>
+            </a:fld>
+            <a:endParaRPr lang="en-US" dirty="0"/>
+          </a:p>
+        </p:txBody>
+      </p:sp>
+      <p:sp>
+        <p:nvSpPr>
+          <p:cNvPr id="5" name="Titolo 4">
+            <a:extLst>
+              <a:ext uri="{FF2B5EF4-FFF2-40B4-BE49-F238E27FC236}">
+                <a16:creationId xmlns:a16="http://schemas.microsoft.com/office/drawing/2014/main" id="{82C46BA2-B380-4357-B125-BA9F08A643F5}"/>
+              </a:ext>
+            </a:extLst>
+          </p:cNvPr>
+          <p:cNvSpPr>
+            <a:spLocks noGrp="1"/>
+          </p:cNvSpPr>
+          <p:nvPr>
+            <p:ph type="title"/>
+          </p:nvPr>
+        </p:nvSpPr>
+        <p:spPr>
+          <a:xfrm>
+            <a:off x="468895" y="118755"/>
+            <a:ext cx="11269308" cy="769441"/>
+          </a:xfrm>
+        </p:spPr>
+        <p:txBody>
+          <a:bodyPr/>
+          <a:lstStyle/>
+          <a:p>
+            <a:r>
+              <a:rPr lang="it-IT" altLang="it-IT" smtClean="0"/>
+              <a:t>Benefici e Sfide della Trasformazione </a:t>
+            </a:r>
+            <a:r>
+              <a:rPr lang="it-IT" altLang="it-IT" dirty="0"/>
+              <a:t>dei Dati (Data </a:t>
+            </a:r>
+            <a:r>
+              <a:rPr lang="it-IT" altLang="it-IT" dirty="0" err="1"/>
+              <a:t>Transformation</a:t>
+            </a:r>
+            <a:r>
+              <a:rPr lang="it-IT" altLang="it-IT" dirty="0"/>
+              <a:t>)</a:t>
+            </a:r>
+            <a:endParaRPr lang="it-IT" dirty="0"/>
+          </a:p>
+        </p:txBody>
+      </p:sp>
+    </p:spTree>
+    <p:extLst>
+      <p:ext uri="{BB962C8B-B14F-4D97-AF65-F5344CB8AC3E}">
+        <p14:creationId xmlns:p14="http://schemas.microsoft.com/office/powerpoint/2010/main" val="1441824301"/>
+      </p:ext>
+    </p:extLst>
+  </p:cSld>
+  <p:clrMapOvr>
+    <a:masterClrMapping/>
+  </p:clrMapOvr>
+</p:sld>
+</file>
+
+<file path=ppt/slides/slide32.xml><?xml version="1.0" encoding="utf-8"?>
+<p:sld xmlns:a="http://schemas.openxmlformats.org/drawingml/2006/main" xmlns:r="http://schemas.openxmlformats.org/officeDocument/2006/relationships" xmlns:p="http://schemas.openxmlformats.org/presentationml/2006/main">
+  <p:cSld>
+    <p:spTree>
+      <p:nvGrpSpPr>
+        <p:cNvPr id="1" name=""/>
+        <p:cNvGrpSpPr/>
+        <p:nvPr/>
+      </p:nvGrpSpPr>
+      <p:grpSpPr>
+        <a:xfrm>
+          <a:off x="0" y="0"/>
+          <a:ext cx="0" cy="0"/>
+          <a:chOff x="0" y="0"/>
+          <a:chExt cx="0" cy="0"/>
+        </a:xfrm>
+      </p:grpSpPr>
+      <p:sp>
+        <p:nvSpPr>
+          <p:cNvPr id="2" name="Segnaposto testo 1">
+            <a:extLst>
+              <a:ext uri="{FF2B5EF4-FFF2-40B4-BE49-F238E27FC236}">
+                <a16:creationId xmlns:a16="http://schemas.microsoft.com/office/drawing/2014/main" id="{E5AE986C-196F-4141-A898-FA4C4198CDCC}"/>
+              </a:ext>
+            </a:extLst>
+          </p:cNvPr>
+          <p:cNvSpPr>
+            <a:spLocks noGrp="1"/>
+          </p:cNvSpPr>
+          <p:nvPr>
+            <p:ph type="body" idx="1"/>
+          </p:nvPr>
+        </p:nvSpPr>
+        <p:spPr>
+          <a:xfrm>
+            <a:off x="825119" y="1446404"/>
+            <a:ext cx="10759230" cy="4392612"/>
+          </a:xfrm>
+        </p:spPr>
+        <p:txBody>
+          <a:bodyPr/>
+          <a:lstStyle/>
+          <a:p>
+            <a:pPr marL="457200" indent="-457200">
+              <a:buFont typeface="Wingdings" panose="05000000000000000000" pitchFamily="2" charset="2"/>
+              <a:buChar char="ü"/>
+            </a:pPr>
+            <a:r>
+              <a:rPr lang="it-IT" sz="2400" smtClean="0">
+                <a:solidFill>
+                  <a:schemeClr val="tx1"/>
+                </a:solidFill>
+                <a:latin typeface="Tahoma" panose="020B0604030504040204" pitchFamily="34" charset="0"/>
+                <a:ea typeface="Tahoma" panose="020B0604030504040204" pitchFamily="34" charset="0"/>
+                <a:cs typeface="Tahoma" panose="020B0604030504040204" pitchFamily="34" charset="0"/>
+              </a:rPr>
+              <a:t>Mancanza di </a:t>
+            </a:r>
+            <a:r>
+              <a:rPr lang="it-IT" sz="2400" b="1" smtClean="0">
+                <a:solidFill>
+                  <a:schemeClr val="tx1"/>
+                </a:solidFill>
+                <a:latin typeface="Tahoma" panose="020B0604030504040204" pitchFamily="34" charset="0"/>
+                <a:ea typeface="Tahoma" panose="020B0604030504040204" pitchFamily="34" charset="0"/>
+                <a:cs typeface="Tahoma" panose="020B0604030504040204" pitchFamily="34" charset="0"/>
+              </a:rPr>
+              <a:t>expertise </a:t>
+            </a:r>
+            <a:r>
+              <a:rPr lang="it-IT" sz="2400" smtClean="0">
+                <a:solidFill>
+                  <a:schemeClr val="tx1"/>
+                </a:solidFill>
+                <a:latin typeface="Tahoma" panose="020B0604030504040204" pitchFamily="34" charset="0"/>
+                <a:ea typeface="Tahoma" panose="020B0604030504040204" pitchFamily="34" charset="0"/>
+                <a:cs typeface="Tahoma" panose="020B0604030504040204" pitchFamily="34" charset="0"/>
+              </a:rPr>
+              <a:t>e non curanza possono introdurre problemi durante la data transformation. Gli analisti dei dati senza appropriata conoscenza della materia in oggetto meno probabilmente noterano errori di digitazione o dati incorretti perchè non sono esperti di dominio e quindi hanno meno familiarità con gli intervalli dei valori che sono considerati accurati e permessi. Per esempio, qualcuno che lavora su dati medici che non è abituato a termini potrebbe sbagliare nell’etichettare nomi di malattie che potrebbero essere mappate su un singolo valore. </a:t>
+            </a:r>
+          </a:p>
+          <a:p>
+            <a:pPr marL="457200" indent="-457200">
+              <a:buFont typeface="Wingdings" panose="05000000000000000000" pitchFamily="2" charset="2"/>
+              <a:buChar char="ü"/>
+            </a:pPr>
+            <a:r>
+              <a:rPr lang="it-IT" sz="2400" smtClean="0">
+                <a:solidFill>
+                  <a:schemeClr val="tx1"/>
+                </a:solidFill>
+                <a:latin typeface="Tahoma" panose="020B0604030504040204" pitchFamily="34" charset="0"/>
+                <a:ea typeface="Tahoma" panose="020B0604030504040204" pitchFamily="34" charset="0"/>
+                <a:cs typeface="Tahoma" panose="020B0604030504040204" pitchFamily="34" charset="0"/>
+              </a:rPr>
+              <a:t>Le imprese possono eseguire trasformazioni che non si adattano ai loro bisogni. Un’attività potrebbe cambiare informazione a uno specifico formato per un’applicazione solo per reinvertire poi l’informazione a formato orginale per una differente applicazione. </a:t>
+            </a:r>
+            <a:endParaRPr lang="it-IT" sz="2400" smtClean="0">
+              <a:solidFill>
+                <a:schemeClr val="tx1"/>
+              </a:solidFill>
+              <a:latin typeface="Tahoma" panose="020B0604030504040204" pitchFamily="34" charset="0"/>
+              <a:ea typeface="Tahoma" panose="020B0604030504040204" pitchFamily="34" charset="0"/>
+              <a:cs typeface="Tahoma" panose="020B0604030504040204" pitchFamily="34" charset="0"/>
+            </a:endParaRPr>
+          </a:p>
+        </p:txBody>
+      </p:sp>
+      <p:sp>
+        <p:nvSpPr>
+          <p:cNvPr id="7" name="Segnaposto numero diapositiva 6">
+            <a:extLst>
+              <a:ext uri="{FF2B5EF4-FFF2-40B4-BE49-F238E27FC236}">
+                <a16:creationId xmlns:a16="http://schemas.microsoft.com/office/drawing/2014/main" id="{AB740BE9-E218-4144-BFDE-AE473D230A3D}"/>
+              </a:ext>
+            </a:extLst>
+          </p:cNvPr>
+          <p:cNvSpPr>
+            <a:spLocks noGrp="1"/>
+          </p:cNvSpPr>
+          <p:nvPr>
+            <p:ph type="sldNum" sz="quarter" idx="12"/>
+          </p:nvPr>
+        </p:nvSpPr>
+        <p:spPr/>
+        <p:txBody>
+          <a:bodyPr/>
+          <a:lstStyle/>
+          <a:p>
+            <a:pPr>
+              <a:defRPr/>
+            </a:pPr>
+            <a:fld id="{48B4153A-D4C5-4CEF-8992-0D8815C829E3}" type="slidenum">
+              <a:rPr lang="en-US" smtClean="0"/>
+              <a:pPr>
+                <a:defRPr/>
+              </a:pPr>
+              <a:t>32</a:t>
+            </a:fld>
+            <a:endParaRPr lang="en-US" dirty="0"/>
+          </a:p>
+        </p:txBody>
+      </p:sp>
+      <p:sp>
+        <p:nvSpPr>
+          <p:cNvPr id="5" name="Titolo 4">
+            <a:extLst>
+              <a:ext uri="{FF2B5EF4-FFF2-40B4-BE49-F238E27FC236}">
+                <a16:creationId xmlns:a16="http://schemas.microsoft.com/office/drawing/2014/main" id="{82C46BA2-B380-4357-B125-BA9F08A643F5}"/>
+              </a:ext>
+            </a:extLst>
+          </p:cNvPr>
+          <p:cNvSpPr>
+            <a:spLocks noGrp="1"/>
+          </p:cNvSpPr>
+          <p:nvPr>
+            <p:ph type="title"/>
+          </p:nvPr>
+        </p:nvSpPr>
+        <p:spPr>
+          <a:xfrm>
+            <a:off x="468895" y="118755"/>
+            <a:ext cx="11269308" cy="769441"/>
+          </a:xfrm>
+        </p:spPr>
+        <p:txBody>
+          <a:bodyPr/>
+          <a:lstStyle/>
+          <a:p>
+            <a:r>
+              <a:rPr lang="it-IT" altLang="it-IT" smtClean="0"/>
+              <a:t>Benefici e Sfide della Trasformazione </a:t>
+            </a:r>
+            <a:r>
+              <a:rPr lang="it-IT" altLang="it-IT" dirty="0"/>
+              <a:t>dei Dati (Data </a:t>
+            </a:r>
+            <a:r>
+              <a:rPr lang="it-IT" altLang="it-IT" dirty="0" err="1"/>
+              <a:t>Transformation</a:t>
+            </a:r>
+            <a:r>
+              <a:rPr lang="it-IT" altLang="it-IT" dirty="0"/>
+              <a:t>)</a:t>
+            </a:r>
+            <a:endParaRPr lang="it-IT" dirty="0"/>
+          </a:p>
+        </p:txBody>
+      </p:sp>
+    </p:spTree>
+    <p:extLst>
+      <p:ext uri="{BB962C8B-B14F-4D97-AF65-F5344CB8AC3E}">
+        <p14:creationId xmlns:p14="http://schemas.microsoft.com/office/powerpoint/2010/main" val="2778842191"/>
+      </p:ext>
+    </p:extLst>
+  </p:cSld>
+  <p:clrMapOvr>
+    <a:masterClrMapping/>
+  </p:clrMapOvr>
+</p:sld>
+</file>
+
+<file path=ppt/slides/slide33.xml><?xml version="1.0" encoding="utf-8"?>
+<p:sld xmlns:a="http://schemas.openxmlformats.org/drawingml/2006/main" xmlns:r="http://schemas.openxmlformats.org/officeDocument/2006/relationships" xmlns:p="http://schemas.openxmlformats.org/presentationml/2006/main">
+  <p:cSld>
+    <p:spTree>
+      <p:nvGrpSpPr>
+        <p:cNvPr id="1" name=""/>
+        <p:cNvGrpSpPr/>
+        <p:nvPr/>
+      </p:nvGrpSpPr>
+      <p:grpSpPr>
+        <a:xfrm>
+          <a:off x="0" y="0"/>
+          <a:ext cx="0" cy="0"/>
+          <a:chOff x="0" y="0"/>
+          <a:chExt cx="0" cy="0"/>
+        </a:xfrm>
+      </p:grpSpPr>
+      <p:sp>
+        <p:nvSpPr>
+          <p:cNvPr id="2" name="Segnaposto testo 1">
+            <a:extLst>
+              <a:ext uri="{FF2B5EF4-FFF2-40B4-BE49-F238E27FC236}">
+                <a16:creationId xmlns:a16="http://schemas.microsoft.com/office/drawing/2014/main" id="{E5AE986C-196F-4141-A898-FA4C4198CDCC}"/>
+              </a:ext>
+            </a:extLst>
+          </p:cNvPr>
+          <p:cNvSpPr>
+            <a:spLocks noGrp="1"/>
+          </p:cNvSpPr>
+          <p:nvPr>
+            <p:ph type="body" idx="1"/>
+          </p:nvPr>
+        </p:nvSpPr>
+        <p:spPr>
+          <a:xfrm>
+            <a:off x="468895" y="1446404"/>
+            <a:ext cx="10759230" cy="4392612"/>
+          </a:xfrm>
+        </p:spPr>
+        <p:txBody>
+          <a:bodyPr/>
+          <a:lstStyle/>
+          <a:p>
+            <a:pPr marL="457200" indent="-457200">
+              <a:buFont typeface="Wingdings" panose="05000000000000000000" pitchFamily="2" charset="2"/>
+              <a:buChar char="ü"/>
+            </a:pPr>
+            <a:endParaRPr lang="it-IT" sz="2400" smtClean="0">
+              <a:solidFill>
+                <a:schemeClr val="tx1"/>
+              </a:solidFill>
+              <a:latin typeface="Tahoma" panose="020B0604030504040204" pitchFamily="34" charset="0"/>
+              <a:ea typeface="Tahoma" panose="020B0604030504040204" pitchFamily="34" charset="0"/>
+              <a:cs typeface="Tahoma" panose="020B0604030504040204" pitchFamily="34" charset="0"/>
+            </a:endParaRPr>
+          </a:p>
+        </p:txBody>
+      </p:sp>
+      <p:sp>
+        <p:nvSpPr>
+          <p:cNvPr id="7" name="Segnaposto numero diapositiva 6">
+            <a:extLst>
+              <a:ext uri="{FF2B5EF4-FFF2-40B4-BE49-F238E27FC236}">
+                <a16:creationId xmlns:a16="http://schemas.microsoft.com/office/drawing/2014/main" id="{AB740BE9-E218-4144-BFDE-AE473D230A3D}"/>
+              </a:ext>
+            </a:extLst>
+          </p:cNvPr>
+          <p:cNvSpPr>
+            <a:spLocks noGrp="1"/>
+          </p:cNvSpPr>
+          <p:nvPr>
+            <p:ph type="sldNum" sz="quarter" idx="12"/>
+          </p:nvPr>
+        </p:nvSpPr>
+        <p:spPr/>
+        <p:txBody>
+          <a:bodyPr/>
+          <a:lstStyle/>
+          <a:p>
+            <a:pPr>
+              <a:defRPr/>
+            </a:pPr>
+            <a:fld id="{48B4153A-D4C5-4CEF-8992-0D8815C829E3}" type="slidenum">
+              <a:rPr lang="en-US" smtClean="0"/>
+              <a:pPr>
+                <a:defRPr/>
+              </a:pPr>
+              <a:t>33</a:t>
+            </a:fld>
+            <a:endParaRPr lang="en-US" dirty="0"/>
+          </a:p>
+        </p:txBody>
+      </p:sp>
+      <p:sp>
+        <p:nvSpPr>
+          <p:cNvPr id="5" name="Titolo 4">
+            <a:extLst>
+              <a:ext uri="{FF2B5EF4-FFF2-40B4-BE49-F238E27FC236}">
+                <a16:creationId xmlns:a16="http://schemas.microsoft.com/office/drawing/2014/main" id="{82C46BA2-B380-4357-B125-BA9F08A643F5}"/>
+              </a:ext>
+            </a:extLst>
+          </p:cNvPr>
+          <p:cNvSpPr>
+            <a:spLocks noGrp="1"/>
+          </p:cNvSpPr>
+          <p:nvPr>
+            <p:ph type="title"/>
+          </p:nvPr>
+        </p:nvSpPr>
+        <p:spPr>
+          <a:xfrm>
+            <a:off x="468895" y="503475"/>
+            <a:ext cx="11269308" cy="384721"/>
+          </a:xfrm>
+        </p:spPr>
+        <p:txBody>
+          <a:bodyPr/>
+          <a:lstStyle/>
+          <a:p>
+            <a:r>
+              <a:rPr lang="it-IT" altLang="it-IT" smtClean="0"/>
+              <a:t>Come trasformare i dati con la Data Transformation</a:t>
+            </a:r>
+            <a:endParaRPr lang="it-IT" dirty="0"/>
+          </a:p>
+        </p:txBody>
+      </p:sp>
+    </p:spTree>
+    <p:extLst>
+      <p:ext uri="{BB962C8B-B14F-4D97-AF65-F5344CB8AC3E}">
+        <p14:creationId xmlns:p14="http://schemas.microsoft.com/office/powerpoint/2010/main" val="3183351750"/>
+      </p:ext>
+    </p:extLst>
+  </p:cSld>
+  <p:clrMapOvr>
+    <a:masterClrMapping/>
+  </p:clrMapOvr>
+</p:sld>
+</file>
+
+<file path=ppt/slides/slide34.xml><?xml version="1.0" encoding="utf-8"?>
+<p:sld xmlns:a="http://schemas.openxmlformats.org/drawingml/2006/main" xmlns:r="http://schemas.openxmlformats.org/officeDocument/2006/relationships" xmlns:p="http://schemas.openxmlformats.org/presentationml/2006/main">
+  <p:cSld>
+    <p:spTree>
+      <p:nvGrpSpPr>
+        <p:cNvPr id="1" name=""/>
+        <p:cNvGrpSpPr/>
+        <p:nvPr/>
+      </p:nvGrpSpPr>
+      <p:grpSpPr>
+        <a:xfrm>
+          <a:off x="0" y="0"/>
+          <a:ext cx="0" cy="0"/>
+          <a:chOff x="0" y="0"/>
+          <a:chExt cx="0" cy="0"/>
+        </a:xfrm>
+      </p:grpSpPr>
+      <p:sp>
+        <p:nvSpPr>
+          <p:cNvPr id="2" name="Segnaposto testo 1">
+            <a:extLst>
+              <a:ext uri="{FF2B5EF4-FFF2-40B4-BE49-F238E27FC236}">
+                <a16:creationId xmlns:a16="http://schemas.microsoft.com/office/drawing/2014/main" id="{E5AE986C-196F-4141-A898-FA4C4198CDCC}"/>
+              </a:ext>
+            </a:extLst>
+          </p:cNvPr>
+          <p:cNvSpPr>
+            <a:spLocks noGrp="1"/>
+          </p:cNvSpPr>
+          <p:nvPr>
+            <p:ph type="body" idx="1"/>
+          </p:nvPr>
+        </p:nvSpPr>
+        <p:spPr>
+          <a:xfrm>
+            <a:off x="468895" y="1566732"/>
+            <a:ext cx="11518700" cy="4392612"/>
+          </a:xfrm>
+        </p:spPr>
+        <p:txBody>
+          <a:bodyPr/>
+          <a:lstStyle/>
+          <a:p>
+            <a:pPr marL="342900" indent="-342900">
+              <a:buFont typeface="Wingdings" panose="05000000000000000000" pitchFamily="2" charset="2"/>
+              <a:buChar char="ü"/>
+            </a:pPr>
+            <a:r>
+              <a:rPr lang="it-IT" sz="2400">
+                <a:solidFill>
+                  <a:schemeClr val="tx1"/>
+                </a:solidFill>
+                <a:latin typeface="Tahoma" panose="020B0604030504040204" pitchFamily="34" charset="0"/>
+                <a:ea typeface="Tahoma" panose="020B0604030504040204" pitchFamily="34" charset="0"/>
+                <a:cs typeface="Tahoma" panose="020B0604030504040204" pitchFamily="34" charset="0"/>
+              </a:rPr>
+              <a:t>Il </a:t>
+            </a:r>
+            <a:r>
+              <a:rPr lang="it-IT" sz="2400" b="1">
+                <a:solidFill>
+                  <a:schemeClr val="tx1"/>
+                </a:solidFill>
+                <a:latin typeface="Tahoma" panose="020B0604030504040204" pitchFamily="34" charset="0"/>
+                <a:ea typeface="Tahoma" panose="020B0604030504040204" pitchFamily="34" charset="0"/>
+                <a:cs typeface="Tahoma" panose="020B0604030504040204" pitchFamily="34" charset="0"/>
+              </a:rPr>
+              <a:t>Resource Description Framework (RDF)</a:t>
+            </a:r>
+            <a:r>
+              <a:rPr lang="it-IT" sz="2400">
+                <a:solidFill>
+                  <a:schemeClr val="tx1"/>
+                </a:solidFill>
+                <a:latin typeface="Tahoma" panose="020B0604030504040204" pitchFamily="34" charset="0"/>
+                <a:ea typeface="Tahoma" panose="020B0604030504040204" pitchFamily="34" charset="0"/>
+                <a:cs typeface="Tahoma" panose="020B0604030504040204" pitchFamily="34" charset="0"/>
+              </a:rPr>
+              <a:t> è lo strumento di base proposto da W3C per la codifica, lo scambio e il riutilizzo di metadati strutturati e consente l'interoperabilità semantica tra </a:t>
+            </a:r>
+            <a:r>
+              <a:rPr lang="it-IT" sz="2400" b="1">
+                <a:solidFill>
+                  <a:schemeClr val="tx1"/>
+                </a:solidFill>
+                <a:latin typeface="Tahoma" panose="020B0604030504040204" pitchFamily="34" charset="0"/>
+                <a:ea typeface="Tahoma" panose="020B0604030504040204" pitchFamily="34" charset="0"/>
+                <a:cs typeface="Tahoma" panose="020B0604030504040204" pitchFamily="34" charset="0"/>
+              </a:rPr>
+              <a:t>applicazioni</a:t>
+            </a:r>
+            <a:r>
+              <a:rPr lang="it-IT" sz="2400">
+                <a:solidFill>
+                  <a:schemeClr val="tx1"/>
+                </a:solidFill>
+                <a:latin typeface="Tahoma" panose="020B0604030504040204" pitchFamily="34" charset="0"/>
+                <a:ea typeface="Tahoma" panose="020B0604030504040204" pitchFamily="34" charset="0"/>
+                <a:cs typeface="Tahoma" panose="020B0604030504040204" pitchFamily="34" charset="0"/>
+              </a:rPr>
+              <a:t> che condividono le informazioni sul </a:t>
+            </a:r>
+            <a:r>
+              <a:rPr lang="it-IT" sz="2400" b="1">
+                <a:solidFill>
+                  <a:schemeClr val="tx1"/>
+                </a:solidFill>
+                <a:latin typeface="Tahoma" panose="020B0604030504040204" pitchFamily="34" charset="0"/>
+                <a:ea typeface="Tahoma" panose="020B0604030504040204" pitchFamily="34" charset="0"/>
+                <a:cs typeface="Tahoma" panose="020B0604030504040204" pitchFamily="34" charset="0"/>
+              </a:rPr>
+              <a:t>Web</a:t>
+            </a:r>
+            <a:r>
+              <a:rPr lang="it-IT" sz="2400">
+                <a:solidFill>
+                  <a:schemeClr val="tx1"/>
+                </a:solidFill>
+                <a:latin typeface="Tahoma" panose="020B0604030504040204" pitchFamily="34" charset="0"/>
+                <a:ea typeface="Tahoma" panose="020B0604030504040204" pitchFamily="34" charset="0"/>
+                <a:cs typeface="Tahoma" panose="020B0604030504040204" pitchFamily="34" charset="0"/>
+              </a:rPr>
+              <a:t>. </a:t>
+            </a:r>
+          </a:p>
+          <a:p>
+            <a:pPr marL="342900" indent="-342900">
+              <a:buFont typeface="Wingdings" panose="05000000000000000000" pitchFamily="2" charset="2"/>
+              <a:buChar char="ü"/>
+            </a:pPr>
+            <a:r>
+              <a:rPr lang="it-IT" sz="2400" b="1">
+                <a:solidFill>
+                  <a:schemeClr val="tx1"/>
+                </a:solidFill>
+                <a:latin typeface="Tahoma" panose="020B0604030504040204" pitchFamily="34" charset="0"/>
+                <a:ea typeface="Tahoma" panose="020B0604030504040204" pitchFamily="34" charset="0"/>
+                <a:cs typeface="Tahoma" panose="020B0604030504040204" pitchFamily="34" charset="0"/>
+              </a:rPr>
+              <a:t>Interoperabilità</a:t>
+            </a:r>
+            <a:r>
+              <a:rPr lang="it-IT" sz="2400">
+                <a:solidFill>
+                  <a:schemeClr val="tx1"/>
+                </a:solidFill>
+                <a:latin typeface="Tahoma" panose="020B0604030504040204" pitchFamily="34" charset="0"/>
+                <a:ea typeface="Tahoma" panose="020B0604030504040204" pitchFamily="34" charset="0"/>
+                <a:cs typeface="Tahoma" panose="020B0604030504040204" pitchFamily="34" charset="0"/>
+              </a:rPr>
+              <a:t>: E' la capacità di due o più sistemi, reti, mezzi, applicazioni o componenti, di scambiarsi informazioni e di essere poi in grado di utilizzarle. In ambito informatico è la capacità di un sistema o di un prodotto informatico di cooperare e di scambiare informazioni o servizi con altri sistemi o prodotti in maniera più o meno completa e priva di errori, con affidabilità e con ottimizzazione delle risorse. Obiettivo dell'interoperabilità è dunque quello di facilitare l'interazione tra sistemi differenti, nonchè lo scambio e il riutilizzo delle informazioni anche fra sistemi informativi non omogenei (sia per software che per hardware).  </a:t>
+            </a:r>
+          </a:p>
+          <a:p>
+            <a:pPr marL="342900" indent="-342900">
+              <a:buFont typeface="Wingdings" panose="05000000000000000000" pitchFamily="2" charset="2"/>
+              <a:buChar char="ü"/>
+            </a:pPr>
+            <a:endParaRPr lang="en-US" sz="2400" dirty="0">
+              <a:solidFill>
+                <a:srgbClr val="555555"/>
+              </a:solidFill>
+              <a:latin typeface="PT Sans" panose="020B0503020203020204" pitchFamily="34" charset="0"/>
+            </a:endParaRPr>
+          </a:p>
+          <a:p>
+            <a:pPr algn="l"/>
+            <a:endParaRPr lang="it-IT" sz="2400" dirty="0">
+              <a:solidFill>
+                <a:schemeClr val="tx1"/>
+              </a:solidFill>
+              <a:latin typeface="Tahoma" panose="020B0604030504040204" pitchFamily="34" charset="0"/>
+              <a:ea typeface="Tahoma" panose="020B0604030504040204" pitchFamily="34" charset="0"/>
+              <a:cs typeface="Tahoma" panose="020B0604030504040204" pitchFamily="34" charset="0"/>
+            </a:endParaRPr>
+          </a:p>
+        </p:txBody>
+      </p:sp>
+      <p:sp>
+        <p:nvSpPr>
+          <p:cNvPr id="7" name="Segnaposto numero diapositiva 6">
+            <a:extLst>
+              <a:ext uri="{FF2B5EF4-FFF2-40B4-BE49-F238E27FC236}">
+                <a16:creationId xmlns:a16="http://schemas.microsoft.com/office/drawing/2014/main" id="{AB740BE9-E218-4144-BFDE-AE473D230A3D}"/>
+              </a:ext>
+            </a:extLst>
+          </p:cNvPr>
+          <p:cNvSpPr>
+            <a:spLocks noGrp="1"/>
+          </p:cNvSpPr>
+          <p:nvPr>
+            <p:ph type="sldNum" sz="quarter" idx="12"/>
+          </p:nvPr>
+        </p:nvSpPr>
+        <p:spPr/>
+        <p:txBody>
+          <a:bodyPr/>
+          <a:lstStyle/>
+          <a:p>
+            <a:pPr>
+              <a:defRPr/>
+            </a:pPr>
+            <a:fld id="{48B4153A-D4C5-4CEF-8992-0D8815C829E3}" type="slidenum">
+              <a:rPr lang="en-US" smtClean="0"/>
+              <a:pPr>
+                <a:defRPr/>
+              </a:pPr>
+              <a:t>34</a:t>
+            </a:fld>
+            <a:endParaRPr lang="en-US" dirty="0"/>
+          </a:p>
+        </p:txBody>
+      </p:sp>
+      <p:sp>
+        <p:nvSpPr>
+          <p:cNvPr id="5" name="Titolo 4">
+            <a:extLst>
+              <a:ext uri="{FF2B5EF4-FFF2-40B4-BE49-F238E27FC236}">
+                <a16:creationId xmlns:a16="http://schemas.microsoft.com/office/drawing/2014/main" id="{82C46BA2-B380-4357-B125-BA9F08A643F5}"/>
+              </a:ext>
+            </a:extLst>
+          </p:cNvPr>
+          <p:cNvSpPr>
+            <a:spLocks noGrp="1"/>
+          </p:cNvSpPr>
+          <p:nvPr>
+            <p:ph type="title"/>
+          </p:nvPr>
+        </p:nvSpPr>
+        <p:spPr>
+          <a:xfrm>
+            <a:off x="468895" y="503475"/>
+            <a:ext cx="11269308" cy="384721"/>
+          </a:xfrm>
+        </p:spPr>
+        <p:txBody>
+          <a:bodyPr/>
+          <a:lstStyle/>
+          <a:p>
+            <a:r>
+              <a:rPr lang="it-IT" altLang="it-IT"/>
+              <a:t>RDF - Resource Description Framework</a:t>
+            </a:r>
+            <a:endParaRPr lang="it-IT" dirty="0"/>
+          </a:p>
+        </p:txBody>
+      </p:sp>
+    </p:spTree>
+    <p:extLst>
+      <p:ext uri="{BB962C8B-B14F-4D97-AF65-F5344CB8AC3E}">
+        <p14:creationId xmlns:p14="http://schemas.microsoft.com/office/powerpoint/2010/main" val="2116990933"/>
+      </p:ext>
+    </p:extLst>
+  </p:cSld>
+  <p:clrMapOvr>
+    <a:masterClrMapping/>
+  </p:clrMapOvr>
+</p:sld>
+</file>
+
+<file path=ppt/slides/slide35.xml><?xml version="1.0" encoding="utf-8"?>
+<p:sld xmlns:a="http://schemas.openxmlformats.org/drawingml/2006/main" xmlns:r="http://schemas.openxmlformats.org/officeDocument/2006/relationships" xmlns:p="http://schemas.openxmlformats.org/presentationml/2006/main">
+  <p:cSld>
+    <p:spTree>
+      <p:nvGrpSpPr>
+        <p:cNvPr id="1" name=""/>
+        <p:cNvGrpSpPr/>
+        <p:nvPr/>
+      </p:nvGrpSpPr>
+      <p:grpSpPr>
+        <a:xfrm>
+          <a:off x="0" y="0"/>
+          <a:ext cx="0" cy="0"/>
+          <a:chOff x="0" y="0"/>
+          <a:chExt cx="0" cy="0"/>
+        </a:xfrm>
+      </p:grpSpPr>
+      <p:sp>
+        <p:nvSpPr>
+          <p:cNvPr id="2" name="Segnaposto testo 1">
+            <a:extLst>
+              <a:ext uri="{FF2B5EF4-FFF2-40B4-BE49-F238E27FC236}">
+                <a16:creationId xmlns:a16="http://schemas.microsoft.com/office/drawing/2014/main" id="{E5AE986C-196F-4141-A898-FA4C4198CDCC}"/>
+              </a:ext>
+            </a:extLst>
+          </p:cNvPr>
+          <p:cNvSpPr>
+            <a:spLocks noGrp="1"/>
+          </p:cNvSpPr>
+          <p:nvPr>
+            <p:ph type="body" idx="1"/>
+          </p:nvPr>
+        </p:nvSpPr>
+        <p:spPr>
+          <a:xfrm>
+            <a:off x="326297" y="1213806"/>
+            <a:ext cx="11518700" cy="4392612"/>
+          </a:xfrm>
+        </p:spPr>
+        <p:txBody>
+          <a:bodyPr/>
+          <a:lstStyle/>
+          <a:p>
+            <a:pPr marL="342900" indent="-342900">
+              <a:buFont typeface="Wingdings" panose="05000000000000000000" pitchFamily="2" charset="2"/>
+              <a:buChar char="ü"/>
+            </a:pPr>
+            <a:r>
+              <a:rPr lang="it-IT" sz="2400">
+                <a:solidFill>
+                  <a:schemeClr val="tx1"/>
+                </a:solidFill>
+                <a:latin typeface="Tahoma" panose="020B0604030504040204" pitchFamily="34" charset="0"/>
+                <a:ea typeface="Tahoma" panose="020B0604030504040204" pitchFamily="34" charset="0"/>
+                <a:cs typeface="Tahoma" panose="020B0604030504040204" pitchFamily="34" charset="0"/>
+              </a:rPr>
+              <a:t>Il </a:t>
+            </a:r>
+            <a:r>
+              <a:rPr lang="it-IT" sz="2400" b="1">
+                <a:solidFill>
+                  <a:schemeClr val="tx1"/>
+                </a:solidFill>
+                <a:latin typeface="Tahoma" panose="020B0604030504040204" pitchFamily="34" charset="0"/>
+                <a:ea typeface="Tahoma" panose="020B0604030504040204" pitchFamily="34" charset="0"/>
+                <a:cs typeface="Tahoma" panose="020B0604030504040204" pitchFamily="34" charset="0"/>
+              </a:rPr>
+              <a:t>Resource Description Framework (RDF)</a:t>
+            </a:r>
+            <a:r>
+              <a:rPr lang="it-IT" sz="2400">
+                <a:solidFill>
+                  <a:schemeClr val="tx1"/>
+                </a:solidFill>
+                <a:latin typeface="Tahoma" panose="020B0604030504040204" pitchFamily="34" charset="0"/>
+                <a:ea typeface="Tahoma" panose="020B0604030504040204" pitchFamily="34" charset="0"/>
+                <a:cs typeface="Tahoma" panose="020B0604030504040204" pitchFamily="34" charset="0"/>
+              </a:rPr>
+              <a:t> è lo strumento di base proposto da </a:t>
+            </a:r>
+            <a:r>
+              <a:rPr lang="it-IT" sz="2400" b="1">
+                <a:solidFill>
+                  <a:schemeClr val="tx1"/>
+                </a:solidFill>
+                <a:latin typeface="Tahoma" panose="020B0604030504040204" pitchFamily="34" charset="0"/>
+                <a:ea typeface="Tahoma" panose="020B0604030504040204" pitchFamily="34" charset="0"/>
+                <a:cs typeface="Tahoma" panose="020B0604030504040204" pitchFamily="34" charset="0"/>
+              </a:rPr>
+              <a:t>W3C</a:t>
+            </a:r>
+            <a:r>
+              <a:rPr lang="it-IT" sz="2400">
+                <a:solidFill>
+                  <a:schemeClr val="tx1"/>
+                </a:solidFill>
+                <a:latin typeface="Tahoma" panose="020B0604030504040204" pitchFamily="34" charset="0"/>
+                <a:ea typeface="Tahoma" panose="020B0604030504040204" pitchFamily="34" charset="0"/>
+                <a:cs typeface="Tahoma" panose="020B0604030504040204" pitchFamily="34" charset="0"/>
+              </a:rPr>
+              <a:t> per la codifica, lo scambio e il riutilizzo di metadati strutturati e consente l'interoperabilità semantica tra </a:t>
+            </a:r>
+            <a:r>
+              <a:rPr lang="it-IT" sz="2400" b="1">
+                <a:solidFill>
+                  <a:schemeClr val="tx1"/>
+                </a:solidFill>
+                <a:latin typeface="Tahoma" panose="020B0604030504040204" pitchFamily="34" charset="0"/>
+                <a:ea typeface="Tahoma" panose="020B0604030504040204" pitchFamily="34" charset="0"/>
+                <a:cs typeface="Tahoma" panose="020B0604030504040204" pitchFamily="34" charset="0"/>
+              </a:rPr>
+              <a:t>applicazioni</a:t>
+            </a:r>
+            <a:r>
+              <a:rPr lang="it-IT" sz="2400">
+                <a:solidFill>
+                  <a:schemeClr val="tx1"/>
+                </a:solidFill>
+                <a:latin typeface="Tahoma" panose="020B0604030504040204" pitchFamily="34" charset="0"/>
+                <a:ea typeface="Tahoma" panose="020B0604030504040204" pitchFamily="34" charset="0"/>
+                <a:cs typeface="Tahoma" panose="020B0604030504040204" pitchFamily="34" charset="0"/>
+              </a:rPr>
+              <a:t> che condividono le informazioni sul </a:t>
+            </a:r>
+            <a:r>
+              <a:rPr lang="it-IT" sz="2400" b="1">
+                <a:solidFill>
+                  <a:schemeClr val="tx1"/>
+                </a:solidFill>
+                <a:latin typeface="Tahoma" panose="020B0604030504040204" pitchFamily="34" charset="0"/>
+                <a:ea typeface="Tahoma" panose="020B0604030504040204" pitchFamily="34" charset="0"/>
+                <a:cs typeface="Tahoma" panose="020B0604030504040204" pitchFamily="34" charset="0"/>
+              </a:rPr>
+              <a:t>Web</a:t>
+            </a:r>
+            <a:r>
+              <a:rPr lang="it-IT" sz="2400">
+                <a:solidFill>
+                  <a:schemeClr val="tx1"/>
+                </a:solidFill>
+                <a:latin typeface="Tahoma" panose="020B0604030504040204" pitchFamily="34" charset="0"/>
+                <a:ea typeface="Tahoma" panose="020B0604030504040204" pitchFamily="34" charset="0"/>
+                <a:cs typeface="Tahoma" panose="020B0604030504040204" pitchFamily="34" charset="0"/>
+              </a:rPr>
+              <a:t>. </a:t>
+            </a:r>
+          </a:p>
+          <a:p>
+            <a:pPr marL="342900" indent="-342900">
+              <a:buFont typeface="Wingdings" panose="05000000000000000000" pitchFamily="2" charset="2"/>
+              <a:buChar char="ü"/>
+            </a:pPr>
+            <a:r>
+              <a:rPr lang="it-IT" sz="2400" b="1">
+                <a:solidFill>
+                  <a:schemeClr val="tx1"/>
+                </a:solidFill>
+                <a:latin typeface="Tahoma" panose="020B0604030504040204" pitchFamily="34" charset="0"/>
+                <a:ea typeface="Tahoma" panose="020B0604030504040204" pitchFamily="34" charset="0"/>
+                <a:cs typeface="Tahoma" panose="020B0604030504040204" pitchFamily="34" charset="0"/>
+              </a:rPr>
+              <a:t>RDF </a:t>
+            </a:r>
+            <a:r>
+              <a:rPr lang="it-IT" sz="2400">
+                <a:solidFill>
+                  <a:schemeClr val="tx1"/>
+                </a:solidFill>
+                <a:latin typeface="Tahoma" panose="020B0604030504040204" pitchFamily="34" charset="0"/>
+                <a:ea typeface="Tahoma" panose="020B0604030504040204" pitchFamily="34" charset="0"/>
+                <a:cs typeface="Tahoma" panose="020B0604030504040204" pitchFamily="34" charset="0"/>
+              </a:rPr>
+              <a:t>è costituito da due componenti: </a:t>
+            </a:r>
+          </a:p>
+          <a:p>
+            <a:pPr marL="457200" indent="-457200">
+              <a:buFont typeface="+mj-lt"/>
+              <a:buAutoNum type="arabicPeriod"/>
+            </a:pPr>
+            <a:r>
+              <a:rPr lang="it-IT" sz="2400" b="1">
+                <a:solidFill>
+                  <a:schemeClr val="tx1"/>
+                </a:solidFill>
+                <a:latin typeface="Tahoma" panose="020B0604030504040204" pitchFamily="34" charset="0"/>
+                <a:ea typeface="Tahoma" panose="020B0604030504040204" pitchFamily="34" charset="0"/>
+                <a:cs typeface="Tahoma" panose="020B0604030504040204" pitchFamily="34" charset="0"/>
+              </a:rPr>
+              <a:t>RDF Model and Syntax: </a:t>
+            </a:r>
+            <a:r>
+              <a:rPr lang="it-IT" sz="2400" b="0">
+                <a:solidFill>
+                  <a:schemeClr val="tx1"/>
+                </a:solidFill>
+                <a:latin typeface="Tahoma" panose="020B0604030504040204" pitchFamily="34" charset="0"/>
+                <a:ea typeface="Tahoma" panose="020B0604030504040204" pitchFamily="34" charset="0"/>
+                <a:cs typeface="Tahoma" panose="020B0604030504040204" pitchFamily="34" charset="0"/>
+              </a:rPr>
+              <a:t>che espone la struttura del modello RDF e descrive una possibile sintassi. </a:t>
+            </a:r>
+          </a:p>
+          <a:p>
+            <a:pPr marL="457200" indent="-457200">
+              <a:buFont typeface="+mj-lt"/>
+              <a:buAutoNum type="arabicPeriod"/>
+            </a:pPr>
+            <a:r>
+              <a:rPr lang="it-IT" sz="2400" b="1">
+                <a:solidFill>
+                  <a:schemeClr val="tx1"/>
+                </a:solidFill>
+                <a:latin typeface="Tahoma" panose="020B0604030504040204" pitchFamily="34" charset="0"/>
+                <a:ea typeface="Tahoma" panose="020B0604030504040204" pitchFamily="34" charset="0"/>
+                <a:cs typeface="Tahoma" panose="020B0604030504040204" pitchFamily="34" charset="0"/>
+              </a:rPr>
+              <a:t>RDF Schema</a:t>
+            </a:r>
+            <a:r>
+              <a:rPr lang="it-IT" sz="2400">
+                <a:solidFill>
+                  <a:schemeClr val="tx1"/>
+                </a:solidFill>
+                <a:latin typeface="Tahoma" panose="020B0604030504040204" pitchFamily="34" charset="0"/>
+                <a:ea typeface="Tahoma" panose="020B0604030504040204" pitchFamily="34" charset="0"/>
+                <a:cs typeface="Tahoma" panose="020B0604030504040204" pitchFamily="34" charset="0"/>
+              </a:rPr>
+              <a:t>: </a:t>
+            </a:r>
+            <a:r>
+              <a:rPr lang="it-IT" sz="2400" b="0">
+                <a:solidFill>
+                  <a:schemeClr val="tx1"/>
+                </a:solidFill>
+                <a:latin typeface="Tahoma" panose="020B0604030504040204" pitchFamily="34" charset="0"/>
+                <a:ea typeface="Tahoma" panose="020B0604030504040204" pitchFamily="34" charset="0"/>
+                <a:cs typeface="Tahoma" panose="020B0604030504040204" pitchFamily="34" charset="0"/>
+              </a:rPr>
+              <a:t>espone la sintassi per definire schemi e vocabolari per i metadati. </a:t>
+            </a:r>
+            <a:endParaRPr lang="en-US" sz="2200" b="0" dirty="0">
+              <a:solidFill>
+                <a:srgbClr val="555555"/>
+              </a:solidFill>
+              <a:latin typeface="PT Sans" panose="020B0503020203020204" pitchFamily="34" charset="0"/>
+              <a:ea typeface="Tahoma" panose="020B0604030504040204" pitchFamily="34" charset="0"/>
+              <a:cs typeface="Tahoma" panose="020B0604030504040204" pitchFamily="34" charset="0"/>
+            </a:endParaRPr>
+          </a:p>
+          <a:p>
+            <a:pPr marL="457200" indent="-457200">
+              <a:buFont typeface="Wingdings" panose="05000000000000000000" pitchFamily="2" charset="2"/>
+              <a:buChar char="ü"/>
+            </a:pPr>
+            <a:r>
+              <a:rPr lang="it-IT" sz="2400" b="0">
+                <a:solidFill>
+                  <a:schemeClr val="tx1"/>
+                </a:solidFill>
+                <a:latin typeface="Tahoma" panose="020B0604030504040204" pitchFamily="34" charset="0"/>
+                <a:ea typeface="Tahoma" panose="020B0604030504040204" pitchFamily="34" charset="0"/>
+                <a:cs typeface="Tahoma" panose="020B0604030504040204" pitchFamily="34" charset="0"/>
+              </a:rPr>
+              <a:t>L'</a:t>
+            </a:r>
+            <a:r>
+              <a:rPr lang="it-IT" sz="2400" b="1">
+                <a:solidFill>
+                  <a:schemeClr val="tx1"/>
+                </a:solidFill>
+                <a:latin typeface="Tahoma" panose="020B0604030504040204" pitchFamily="34" charset="0"/>
+                <a:ea typeface="Tahoma" panose="020B0604030504040204" pitchFamily="34" charset="0"/>
+                <a:cs typeface="Tahoma" panose="020B0604030504040204" pitchFamily="34" charset="0"/>
+              </a:rPr>
+              <a:t>RDF Data Model </a:t>
+            </a:r>
+            <a:r>
+              <a:rPr lang="it-IT" sz="2400">
+                <a:solidFill>
+                  <a:schemeClr val="tx1"/>
+                </a:solidFill>
+                <a:latin typeface="Tahoma" panose="020B0604030504040204" pitchFamily="34" charset="0"/>
+                <a:ea typeface="Tahoma" panose="020B0604030504040204" pitchFamily="34" charset="0"/>
+                <a:cs typeface="Tahoma" panose="020B0604030504040204" pitchFamily="34" charset="0"/>
+              </a:rPr>
+              <a:t>si basa su 3 principi chiave: 1) Qualunque cosa può essere identificata da un URI (Uniform Resource Identifier); 2) The least power, ovvero utilizzare il linguaggio meno espressivo possibile per definire qualunque cosa; 3) Qualunque cosa può dire qualunque cosa su qualunque cosa. </a:t>
+            </a:r>
+          </a:p>
+        </p:txBody>
+      </p:sp>
+      <p:sp>
+        <p:nvSpPr>
+          <p:cNvPr id="7" name="Segnaposto numero diapositiva 6">
+            <a:extLst>
+              <a:ext uri="{FF2B5EF4-FFF2-40B4-BE49-F238E27FC236}">
+                <a16:creationId xmlns:a16="http://schemas.microsoft.com/office/drawing/2014/main" id="{AB740BE9-E218-4144-BFDE-AE473D230A3D}"/>
+              </a:ext>
+            </a:extLst>
+          </p:cNvPr>
+          <p:cNvSpPr>
+            <a:spLocks noGrp="1"/>
+          </p:cNvSpPr>
+          <p:nvPr>
+            <p:ph type="sldNum" sz="quarter" idx="12"/>
+          </p:nvPr>
+        </p:nvSpPr>
+        <p:spPr/>
+        <p:txBody>
+          <a:bodyPr/>
+          <a:lstStyle/>
+          <a:p>
+            <a:pPr>
+              <a:defRPr/>
+            </a:pPr>
+            <a:fld id="{48B4153A-D4C5-4CEF-8992-0D8815C829E3}" type="slidenum">
+              <a:rPr lang="en-US" smtClean="0"/>
+              <a:pPr>
+                <a:defRPr/>
+              </a:pPr>
+              <a:t>35</a:t>
+            </a:fld>
+            <a:endParaRPr lang="en-US" dirty="0"/>
+          </a:p>
+        </p:txBody>
+      </p:sp>
+      <p:sp>
+        <p:nvSpPr>
+          <p:cNvPr id="5" name="Titolo 4">
+            <a:extLst>
+              <a:ext uri="{FF2B5EF4-FFF2-40B4-BE49-F238E27FC236}">
+                <a16:creationId xmlns:a16="http://schemas.microsoft.com/office/drawing/2014/main" id="{82C46BA2-B380-4357-B125-BA9F08A643F5}"/>
+              </a:ext>
+            </a:extLst>
+          </p:cNvPr>
+          <p:cNvSpPr>
+            <a:spLocks noGrp="1"/>
+          </p:cNvSpPr>
+          <p:nvPr>
+            <p:ph type="title"/>
+          </p:nvPr>
+        </p:nvSpPr>
+        <p:spPr>
+          <a:xfrm>
+            <a:off x="468895" y="503475"/>
+            <a:ext cx="11269308" cy="384721"/>
+          </a:xfrm>
+        </p:spPr>
+        <p:txBody>
+          <a:bodyPr/>
+          <a:lstStyle/>
+          <a:p>
+            <a:r>
+              <a:rPr lang="it-IT" altLang="it-IT"/>
+              <a:t>RDF - Resource Description Framework</a:t>
+            </a:r>
+            <a:endParaRPr lang="it-IT" dirty="0"/>
+          </a:p>
+        </p:txBody>
+      </p:sp>
+    </p:spTree>
+    <p:extLst>
+      <p:ext uri="{BB962C8B-B14F-4D97-AF65-F5344CB8AC3E}">
+        <p14:creationId xmlns:p14="http://schemas.microsoft.com/office/powerpoint/2010/main" val="1961233345"/>
+      </p:ext>
+    </p:extLst>
+  </p:cSld>
+  <p:clrMapOvr>
+    <a:masterClrMapping/>
+  </p:clrMapOvr>
+</p:sld>
+</file>
+
+<file path=ppt/slides/slide36.xml><?xml version="1.0" encoding="utf-8"?>
+<p:sld xmlns:a="http://schemas.openxmlformats.org/drawingml/2006/main" xmlns:r="http://schemas.openxmlformats.org/officeDocument/2006/relationships" xmlns:p="http://schemas.openxmlformats.org/presentationml/2006/main">
+  <p:cSld>
+    <p:spTree>
+      <p:nvGrpSpPr>
+        <p:cNvPr id="1" name=""/>
+        <p:cNvGrpSpPr/>
+        <p:nvPr/>
+      </p:nvGrpSpPr>
+      <p:grpSpPr>
+        <a:xfrm>
+          <a:off x="0" y="0"/>
+          <a:ext cx="0" cy="0"/>
+          <a:chOff x="0" y="0"/>
+          <a:chExt cx="0" cy="0"/>
+        </a:xfrm>
+      </p:grpSpPr>
+      <p:sp>
+        <p:nvSpPr>
+          <p:cNvPr id="2" name="Segnaposto testo 1">
+            <a:extLst>
+              <a:ext uri="{FF2B5EF4-FFF2-40B4-BE49-F238E27FC236}">
+                <a16:creationId xmlns:a16="http://schemas.microsoft.com/office/drawing/2014/main" id="{E5AE986C-196F-4141-A898-FA4C4198CDCC}"/>
+              </a:ext>
+            </a:extLst>
+          </p:cNvPr>
+          <p:cNvSpPr>
+            <a:spLocks noGrp="1"/>
+          </p:cNvSpPr>
+          <p:nvPr>
+            <p:ph type="body" idx="1"/>
+          </p:nvPr>
+        </p:nvSpPr>
+        <p:spPr>
+          <a:xfrm>
+            <a:off x="326297" y="1213806"/>
+            <a:ext cx="11518700" cy="4392612"/>
+          </a:xfrm>
+        </p:spPr>
+        <p:txBody>
+          <a:bodyPr/>
+          <a:lstStyle/>
+          <a:p>
+            <a:pPr marL="342900" indent="-342900">
+              <a:buFont typeface="Wingdings" panose="05000000000000000000" pitchFamily="2" charset="2"/>
+              <a:buChar char="ü"/>
+            </a:pPr>
+            <a:r>
+              <a:rPr lang="it-IT" sz="2400" b="0" i="0">
+                <a:solidFill>
+                  <a:srgbClr val="202124"/>
+                </a:solidFill>
+                <a:effectLst/>
+                <a:latin typeface="arial" panose="020B0604020202020204" pitchFamily="34" charset="0"/>
+              </a:rPr>
+              <a:t>Un </a:t>
+            </a:r>
+            <a:r>
+              <a:rPr lang="it-IT" sz="2400" b="1" i="0">
+                <a:solidFill>
+                  <a:srgbClr val="202124"/>
+                </a:solidFill>
+                <a:effectLst/>
+                <a:latin typeface="arial" panose="020B0604020202020204" pitchFamily="34" charset="0"/>
+              </a:rPr>
+              <a:t>URI</a:t>
+            </a:r>
+            <a:r>
+              <a:rPr lang="it-IT" sz="2400" b="0" i="0">
+                <a:solidFill>
+                  <a:srgbClr val="202124"/>
+                </a:solidFill>
+                <a:effectLst/>
+                <a:latin typeface="arial" panose="020B0604020202020204" pitchFamily="34" charset="0"/>
+              </a:rPr>
+              <a:t> può essere classificato come qualcosa che definisce posizioni (</a:t>
+            </a:r>
+            <a:r>
+              <a:rPr lang="it-IT" sz="2400" b="1" i="0">
+                <a:solidFill>
+                  <a:srgbClr val="202124"/>
+                </a:solidFill>
+                <a:effectLst/>
+                <a:latin typeface="arial" panose="020B0604020202020204" pitchFamily="34" charset="0"/>
+              </a:rPr>
+              <a:t>URL</a:t>
+            </a:r>
+            <a:r>
+              <a:rPr lang="it-IT" sz="2400" b="0" i="0">
+                <a:solidFill>
+                  <a:srgbClr val="202124"/>
+                </a:solidFill>
+                <a:effectLst/>
+                <a:latin typeface="arial" panose="020B0604020202020204" pitchFamily="34" charset="0"/>
+              </a:rPr>
+              <a:t>) o nomi (URN) o entrambi. Un </a:t>
+            </a:r>
+            <a:r>
+              <a:rPr lang="it-IT" sz="2400" b="1" i="0">
+                <a:solidFill>
+                  <a:srgbClr val="202124"/>
+                </a:solidFill>
+                <a:effectLst/>
+                <a:latin typeface="arial" panose="020B0604020202020204" pitchFamily="34" charset="0"/>
+              </a:rPr>
+              <a:t>URL</a:t>
+            </a:r>
+            <a:r>
+              <a:rPr lang="it-IT" sz="2400" b="0" i="0">
+                <a:solidFill>
+                  <a:srgbClr val="202124"/>
+                </a:solidFill>
+                <a:effectLst/>
+                <a:latin typeface="arial" panose="020B0604020202020204" pitchFamily="34" charset="0"/>
+              </a:rPr>
+              <a:t> (Uniform Resource Locator) </a:t>
+            </a:r>
+            <a:r>
+              <a:rPr lang="it-IT" sz="2400" i="0">
+                <a:solidFill>
+                  <a:srgbClr val="202124"/>
+                </a:solidFill>
+                <a:effectLst/>
+                <a:latin typeface="arial" panose="020B0604020202020204" pitchFamily="34" charset="0"/>
+              </a:rPr>
+              <a:t>è un </a:t>
+            </a:r>
+            <a:r>
+              <a:rPr lang="it-IT" sz="2400" b="1" i="0">
+                <a:solidFill>
+                  <a:srgbClr val="202124"/>
+                </a:solidFill>
+                <a:effectLst/>
+                <a:latin typeface="arial" panose="020B0604020202020204" pitchFamily="34" charset="0"/>
+              </a:rPr>
+              <a:t>URI</a:t>
+            </a:r>
+            <a:r>
+              <a:rPr lang="it-IT" sz="2400" b="0" i="0">
+                <a:solidFill>
+                  <a:srgbClr val="202124"/>
+                </a:solidFill>
+                <a:effectLst/>
+                <a:latin typeface="arial" panose="020B0604020202020204" pitchFamily="34" charset="0"/>
+              </a:rPr>
+              <a:t> che identifica una risorsa tramite la sua "collocazione" ("location") in un grafo. Di fatto, non identifica la risorsa per nome, ma con il modo con cui la si può reperire.</a:t>
+            </a:r>
+          </a:p>
+          <a:p>
+            <a:pPr marL="342900" indent="-342900">
+              <a:buFont typeface="Wingdings" panose="05000000000000000000" pitchFamily="2" charset="2"/>
+              <a:buChar char="ü"/>
+            </a:pPr>
+            <a:r>
+              <a:rPr lang="it-IT" sz="2400">
+                <a:solidFill>
+                  <a:schemeClr val="tx1"/>
+                </a:solidFill>
+                <a:latin typeface="Tahoma" panose="020B0604030504040204" pitchFamily="34" charset="0"/>
+                <a:ea typeface="Tahoma" panose="020B0604030504040204" pitchFamily="34" charset="0"/>
+                <a:cs typeface="Tahoma" panose="020B0604030504040204" pitchFamily="34" charset="0"/>
+              </a:rPr>
+              <a:t>Qualunque cosa descritta da </a:t>
+            </a:r>
+            <a:r>
+              <a:rPr lang="it-IT" sz="2400" b="1">
+                <a:solidFill>
+                  <a:schemeClr val="tx1"/>
+                </a:solidFill>
+                <a:latin typeface="Tahoma" panose="020B0604030504040204" pitchFamily="34" charset="0"/>
+                <a:ea typeface="Tahoma" panose="020B0604030504040204" pitchFamily="34" charset="0"/>
+                <a:cs typeface="Tahoma" panose="020B0604030504040204" pitchFamily="34" charset="0"/>
+              </a:rPr>
+              <a:t>RDF</a:t>
+            </a:r>
+            <a:r>
+              <a:rPr lang="it-IT" sz="2400">
+                <a:solidFill>
+                  <a:schemeClr val="tx1"/>
+                </a:solidFill>
+                <a:latin typeface="Tahoma" panose="020B0604030504040204" pitchFamily="34" charset="0"/>
+                <a:ea typeface="Tahoma" panose="020B0604030504040204" pitchFamily="34" charset="0"/>
+                <a:cs typeface="Tahoma" panose="020B0604030504040204" pitchFamily="34" charset="0"/>
+              </a:rPr>
+              <a:t> è detta </a:t>
+            </a:r>
+            <a:r>
+              <a:rPr lang="it-IT" sz="2400" b="1">
+                <a:solidFill>
+                  <a:schemeClr val="tx1"/>
+                </a:solidFill>
+                <a:latin typeface="Tahoma" panose="020B0604030504040204" pitchFamily="34" charset="0"/>
+                <a:ea typeface="Tahoma" panose="020B0604030504040204" pitchFamily="34" charset="0"/>
+                <a:cs typeface="Tahoma" panose="020B0604030504040204" pitchFamily="34" charset="0"/>
+              </a:rPr>
+              <a:t>risorsa</a:t>
+            </a:r>
+            <a:r>
+              <a:rPr lang="it-IT" sz="2400">
+                <a:solidFill>
+                  <a:schemeClr val="tx1"/>
+                </a:solidFill>
+                <a:latin typeface="Tahoma" panose="020B0604030504040204" pitchFamily="34" charset="0"/>
+                <a:ea typeface="Tahoma" panose="020B0604030504040204" pitchFamily="34" charset="0"/>
+                <a:cs typeface="Tahoma" panose="020B0604030504040204" pitchFamily="34" charset="0"/>
+              </a:rPr>
+              <a:t>. Una risorsa è sostanzialmente reperibile su </a:t>
+            </a:r>
+            <a:r>
+              <a:rPr lang="it-IT" sz="2400" b="1">
+                <a:solidFill>
+                  <a:schemeClr val="tx1"/>
+                </a:solidFill>
+                <a:latin typeface="Tahoma" panose="020B0604030504040204" pitchFamily="34" charset="0"/>
+                <a:ea typeface="Tahoma" panose="020B0604030504040204" pitchFamily="34" charset="0"/>
+                <a:cs typeface="Tahoma" panose="020B0604030504040204" pitchFamily="34" charset="0"/>
+              </a:rPr>
+              <a:t>web, </a:t>
+            </a:r>
+            <a:r>
+              <a:rPr lang="it-IT" sz="2400">
+                <a:solidFill>
+                  <a:schemeClr val="tx1"/>
+                </a:solidFill>
+                <a:latin typeface="Tahoma" panose="020B0604030504040204" pitchFamily="34" charset="0"/>
+                <a:ea typeface="Tahoma" panose="020B0604030504040204" pitchFamily="34" charset="0"/>
+                <a:cs typeface="Tahoma" panose="020B0604030504040204" pitchFamily="34" charset="0"/>
+              </a:rPr>
+              <a:t>ma RDF può descrivere anche risorse che non si trovano direttamente sul </a:t>
+            </a:r>
+            <a:r>
+              <a:rPr lang="it-IT" sz="2400" b="1">
+                <a:solidFill>
+                  <a:schemeClr val="tx1"/>
+                </a:solidFill>
+                <a:latin typeface="Tahoma" panose="020B0604030504040204" pitchFamily="34" charset="0"/>
+                <a:ea typeface="Tahoma" panose="020B0604030504040204" pitchFamily="34" charset="0"/>
+                <a:cs typeface="Tahoma" panose="020B0604030504040204" pitchFamily="34" charset="0"/>
+              </a:rPr>
+              <a:t>web. </a:t>
+            </a:r>
+            <a:r>
+              <a:rPr lang="it-IT" sz="2400">
+                <a:solidFill>
+                  <a:schemeClr val="tx1"/>
+                </a:solidFill>
+                <a:latin typeface="Tahoma" panose="020B0604030504040204" pitchFamily="34" charset="0"/>
+                <a:ea typeface="Tahoma" panose="020B0604030504040204" pitchFamily="34" charset="0"/>
+                <a:cs typeface="Tahoma" panose="020B0604030504040204" pitchFamily="34" charset="0"/>
+              </a:rPr>
+              <a:t>Ogni risorsa è identificata da un </a:t>
+            </a:r>
+            <a:r>
+              <a:rPr lang="it-IT" sz="2400" b="1">
+                <a:solidFill>
+                  <a:schemeClr val="tx1"/>
+                </a:solidFill>
+                <a:latin typeface="Tahoma" panose="020B0604030504040204" pitchFamily="34" charset="0"/>
+                <a:ea typeface="Tahoma" panose="020B0604030504040204" pitchFamily="34" charset="0"/>
+                <a:cs typeface="Tahoma" panose="020B0604030504040204" pitchFamily="34" charset="0"/>
+              </a:rPr>
+              <a:t>URI</a:t>
+            </a:r>
+            <a:r>
+              <a:rPr lang="it-IT" sz="2400">
+                <a:solidFill>
+                  <a:schemeClr val="tx1"/>
+                </a:solidFill>
+                <a:latin typeface="Tahoma" panose="020B0604030504040204" pitchFamily="34" charset="0"/>
+                <a:ea typeface="Tahoma" panose="020B0604030504040204" pitchFamily="34" charset="0"/>
+                <a:cs typeface="Tahoma" panose="020B0604030504040204" pitchFamily="34" charset="0"/>
+              </a:rPr>
+              <a:t>. </a:t>
+            </a:r>
+          </a:p>
+          <a:p>
+            <a:pPr marL="342900" indent="-342900">
+              <a:buFont typeface="Wingdings" panose="05000000000000000000" pitchFamily="2" charset="2"/>
+              <a:buChar char="ü"/>
+            </a:pPr>
+            <a:r>
+              <a:rPr lang="it-IT" sz="2400">
+                <a:solidFill>
+                  <a:schemeClr val="tx1"/>
+                </a:solidFill>
+                <a:latin typeface="Tahoma" panose="020B0604030504040204" pitchFamily="34" charset="0"/>
+                <a:ea typeface="Tahoma" panose="020B0604030504040204" pitchFamily="34" charset="0"/>
+                <a:cs typeface="Tahoma" panose="020B0604030504040204" pitchFamily="34" charset="0"/>
+              </a:rPr>
+              <a:t>Il modello </a:t>
+            </a:r>
+            <a:r>
+              <a:rPr lang="it-IT" sz="2400" b="1">
+                <a:solidFill>
+                  <a:schemeClr val="tx1"/>
+                </a:solidFill>
+                <a:latin typeface="Tahoma" panose="020B0604030504040204" pitchFamily="34" charset="0"/>
+                <a:ea typeface="Tahoma" panose="020B0604030504040204" pitchFamily="34" charset="0"/>
+                <a:cs typeface="Tahoma" panose="020B0604030504040204" pitchFamily="34" charset="0"/>
+              </a:rPr>
+              <a:t>RDF </a:t>
+            </a:r>
+            <a:r>
+              <a:rPr lang="it-IT" sz="2400">
+                <a:solidFill>
+                  <a:schemeClr val="tx1"/>
+                </a:solidFill>
+                <a:latin typeface="Tahoma" panose="020B0604030504040204" pitchFamily="34" charset="0"/>
+                <a:ea typeface="Tahoma" panose="020B0604030504040204" pitchFamily="34" charset="0"/>
+                <a:cs typeface="Tahoma" panose="020B0604030504040204" pitchFamily="34" charset="0"/>
+              </a:rPr>
+              <a:t>è formato da risorse, proprietà e valori: </a:t>
+            </a:r>
+          </a:p>
+          <a:p>
+            <a:pPr marL="342900" indent="-342900">
+              <a:buFont typeface="Wingdings" panose="05000000000000000000" pitchFamily="2" charset="2"/>
+              <a:buChar char="ü"/>
+            </a:pPr>
+            <a:r>
+              <a:rPr lang="it-IT" sz="2400" b="1">
+                <a:solidFill>
+                  <a:schemeClr val="tx1"/>
+                </a:solidFill>
+                <a:latin typeface="Tahoma" panose="020B0604030504040204" pitchFamily="34" charset="0"/>
+                <a:ea typeface="Tahoma" panose="020B0604030504040204" pitchFamily="34" charset="0"/>
+                <a:cs typeface="Tahoma" panose="020B0604030504040204" pitchFamily="34" charset="0"/>
+              </a:rPr>
+              <a:t>Le proprietà: </a:t>
+            </a:r>
+            <a:r>
+              <a:rPr lang="it-IT" sz="2400">
+                <a:solidFill>
+                  <a:schemeClr val="tx1"/>
+                </a:solidFill>
+                <a:latin typeface="Tahoma" panose="020B0604030504040204" pitchFamily="34" charset="0"/>
+                <a:ea typeface="Tahoma" panose="020B0604030504040204" pitchFamily="34" charset="0"/>
+                <a:cs typeface="Tahoma" panose="020B0604030504040204" pitchFamily="34" charset="0"/>
+              </a:rPr>
+              <a:t>sono delle relazioni che legano tra loro risorse e valori e sono anche esse identificate da un </a:t>
+            </a:r>
+            <a:r>
+              <a:rPr lang="it-IT" sz="2400" b="1">
+                <a:solidFill>
+                  <a:schemeClr val="tx1"/>
+                </a:solidFill>
+                <a:latin typeface="Tahoma" panose="020B0604030504040204" pitchFamily="34" charset="0"/>
+                <a:ea typeface="Tahoma" panose="020B0604030504040204" pitchFamily="34" charset="0"/>
+                <a:cs typeface="Tahoma" panose="020B0604030504040204" pitchFamily="34" charset="0"/>
+              </a:rPr>
+              <a:t>URI</a:t>
+            </a:r>
+            <a:r>
+              <a:rPr lang="it-IT" sz="2400">
+                <a:solidFill>
+                  <a:schemeClr val="tx1"/>
+                </a:solidFill>
+                <a:latin typeface="Tahoma" panose="020B0604030504040204" pitchFamily="34" charset="0"/>
+                <a:ea typeface="Tahoma" panose="020B0604030504040204" pitchFamily="34" charset="0"/>
+                <a:cs typeface="Tahoma" panose="020B0604030504040204" pitchFamily="34" charset="0"/>
+              </a:rPr>
+              <a:t>. </a:t>
+            </a:r>
+          </a:p>
+          <a:p>
+            <a:pPr marL="342900" indent="-342900">
+              <a:buFont typeface="Wingdings" panose="05000000000000000000" pitchFamily="2" charset="2"/>
+              <a:buChar char="ü"/>
+            </a:pPr>
+            <a:r>
+              <a:rPr lang="it-IT" sz="2400" b="1">
+                <a:solidFill>
+                  <a:schemeClr val="tx1"/>
+                </a:solidFill>
+                <a:latin typeface="Tahoma" panose="020B0604030504040204" pitchFamily="34" charset="0"/>
+                <a:ea typeface="Tahoma" panose="020B0604030504040204" pitchFamily="34" charset="0"/>
+                <a:cs typeface="Tahoma" panose="020B0604030504040204" pitchFamily="34" charset="0"/>
+              </a:rPr>
+              <a:t>Valore</a:t>
+            </a:r>
+            <a:r>
+              <a:rPr lang="it-IT" sz="2400">
+                <a:solidFill>
+                  <a:schemeClr val="tx1"/>
+                </a:solidFill>
+                <a:latin typeface="Tahoma" panose="020B0604030504040204" pitchFamily="34" charset="0"/>
+                <a:ea typeface="Tahoma" panose="020B0604030504040204" pitchFamily="34" charset="0"/>
+                <a:cs typeface="Tahoma" panose="020B0604030504040204" pitchFamily="34" charset="0"/>
+              </a:rPr>
+              <a:t>: è un tipo di dato primitivo, che può essere una stringa contenente </a:t>
+            </a:r>
+            <a:r>
+              <a:rPr lang="it-IT" sz="2400" b="1">
+                <a:solidFill>
+                  <a:schemeClr val="tx1"/>
+                </a:solidFill>
+                <a:latin typeface="Tahoma" panose="020B0604030504040204" pitchFamily="34" charset="0"/>
+                <a:ea typeface="Tahoma" panose="020B0604030504040204" pitchFamily="34" charset="0"/>
+                <a:cs typeface="Tahoma" panose="020B0604030504040204" pitchFamily="34" charset="0"/>
+              </a:rPr>
+              <a:t>l'URI</a:t>
+            </a:r>
+            <a:r>
+              <a:rPr lang="it-IT" sz="2400">
+                <a:solidFill>
+                  <a:schemeClr val="tx1"/>
+                </a:solidFill>
+                <a:latin typeface="Tahoma" panose="020B0604030504040204" pitchFamily="34" charset="0"/>
+                <a:ea typeface="Tahoma" panose="020B0604030504040204" pitchFamily="34" charset="0"/>
+                <a:cs typeface="Tahoma" panose="020B0604030504040204" pitchFamily="34" charset="0"/>
+              </a:rPr>
+              <a:t> di una risorsa.   </a:t>
+            </a:r>
+            <a:endParaRPr lang="it-IT" sz="2400" b="1">
+              <a:solidFill>
+                <a:schemeClr val="tx1"/>
+              </a:solidFill>
+              <a:latin typeface="Tahoma" panose="020B0604030504040204" pitchFamily="34" charset="0"/>
+              <a:ea typeface="Tahoma" panose="020B0604030504040204" pitchFamily="34" charset="0"/>
+              <a:cs typeface="Tahoma" panose="020B0604030504040204" pitchFamily="34" charset="0"/>
+            </a:endParaRPr>
+          </a:p>
+          <a:p>
+            <a:pPr marL="342900" indent="-342900">
+              <a:buFont typeface="Wingdings" panose="05000000000000000000" pitchFamily="2" charset="2"/>
+              <a:buChar char="ü"/>
+            </a:pPr>
+            <a:endParaRPr lang="it-IT" sz="2400" b="0" i="0">
+              <a:solidFill>
+                <a:srgbClr val="202124"/>
+              </a:solidFill>
+              <a:effectLst/>
+              <a:latin typeface="arial" panose="020B0604020202020204" pitchFamily="34" charset="0"/>
+            </a:endParaRPr>
+          </a:p>
+          <a:p>
+            <a:pPr marL="342900" indent="-342900">
+              <a:buFont typeface="Wingdings" panose="05000000000000000000" pitchFamily="2" charset="2"/>
+              <a:buChar char="ü"/>
+            </a:pPr>
+            <a:endParaRPr lang="it-IT" sz="2400">
+              <a:solidFill>
+                <a:srgbClr val="202124"/>
+              </a:solidFill>
+              <a:latin typeface="arial" panose="020B0604020202020204" pitchFamily="34" charset="0"/>
+            </a:endParaRPr>
+          </a:p>
+          <a:p>
+            <a:pPr algn="l"/>
+            <a:endParaRPr lang="it-IT" sz="2400" dirty="0">
+              <a:solidFill>
+                <a:schemeClr val="tx1"/>
+              </a:solidFill>
+              <a:latin typeface="Tahoma" panose="020B0604030504040204" pitchFamily="34" charset="0"/>
+              <a:ea typeface="Tahoma" panose="020B0604030504040204" pitchFamily="34" charset="0"/>
+              <a:cs typeface="Tahoma" panose="020B0604030504040204" pitchFamily="34" charset="0"/>
+            </a:endParaRPr>
+          </a:p>
+        </p:txBody>
+      </p:sp>
+      <p:sp>
+        <p:nvSpPr>
+          <p:cNvPr id="7" name="Segnaposto numero diapositiva 6">
+            <a:extLst>
+              <a:ext uri="{FF2B5EF4-FFF2-40B4-BE49-F238E27FC236}">
+                <a16:creationId xmlns:a16="http://schemas.microsoft.com/office/drawing/2014/main" id="{AB740BE9-E218-4144-BFDE-AE473D230A3D}"/>
+              </a:ext>
+            </a:extLst>
+          </p:cNvPr>
+          <p:cNvSpPr>
+            <a:spLocks noGrp="1"/>
+          </p:cNvSpPr>
+          <p:nvPr>
+            <p:ph type="sldNum" sz="quarter" idx="12"/>
+          </p:nvPr>
+        </p:nvSpPr>
+        <p:spPr/>
+        <p:txBody>
+          <a:bodyPr/>
+          <a:lstStyle/>
+          <a:p>
+            <a:pPr>
+              <a:defRPr/>
+            </a:pPr>
+            <a:fld id="{48B4153A-D4C5-4CEF-8992-0D8815C829E3}" type="slidenum">
+              <a:rPr lang="en-US" smtClean="0"/>
+              <a:pPr>
+                <a:defRPr/>
+              </a:pPr>
+              <a:t>36</a:t>
+            </a:fld>
+            <a:endParaRPr lang="en-US" dirty="0"/>
+          </a:p>
+        </p:txBody>
+      </p:sp>
+      <p:sp>
+        <p:nvSpPr>
+          <p:cNvPr id="5" name="Titolo 4">
+            <a:extLst>
+              <a:ext uri="{FF2B5EF4-FFF2-40B4-BE49-F238E27FC236}">
+                <a16:creationId xmlns:a16="http://schemas.microsoft.com/office/drawing/2014/main" id="{82C46BA2-B380-4357-B125-BA9F08A643F5}"/>
+              </a:ext>
+            </a:extLst>
+          </p:cNvPr>
+          <p:cNvSpPr>
+            <a:spLocks noGrp="1"/>
+          </p:cNvSpPr>
+          <p:nvPr>
+            <p:ph type="title"/>
+          </p:nvPr>
+        </p:nvSpPr>
+        <p:spPr>
+          <a:xfrm>
+            <a:off x="468895" y="503475"/>
+            <a:ext cx="11269308" cy="384721"/>
+          </a:xfrm>
+        </p:spPr>
+        <p:txBody>
+          <a:bodyPr/>
+          <a:lstStyle/>
+          <a:p>
+            <a:r>
+              <a:rPr lang="it-IT" altLang="it-IT"/>
+              <a:t>RDF - Principi e modello dei dati</a:t>
+            </a:r>
+            <a:endParaRPr lang="it-IT" dirty="0"/>
+          </a:p>
+        </p:txBody>
+      </p:sp>
+    </p:spTree>
+    <p:extLst>
+      <p:ext uri="{BB962C8B-B14F-4D97-AF65-F5344CB8AC3E}">
+        <p14:creationId xmlns:p14="http://schemas.microsoft.com/office/powerpoint/2010/main" val="1183596315"/>
+      </p:ext>
+    </p:extLst>
+  </p:cSld>
+  <p:clrMapOvr>
+    <a:masterClrMapping/>
+  </p:clrMapOvr>
+</p:sld>
+</file>
+
+<file path=ppt/slides/slide37.xml><?xml version="1.0" encoding="utf-8"?>
+<p:sld xmlns:a="http://schemas.openxmlformats.org/drawingml/2006/main" xmlns:r="http://schemas.openxmlformats.org/officeDocument/2006/relationships" xmlns:p="http://schemas.openxmlformats.org/presentationml/2006/main">
+  <p:cSld>
+    <p:spTree>
+      <p:nvGrpSpPr>
+        <p:cNvPr id="1" name=""/>
+        <p:cNvGrpSpPr/>
+        <p:nvPr/>
+      </p:nvGrpSpPr>
+      <p:grpSpPr>
+        <a:xfrm>
+          <a:off x="0" y="0"/>
+          <a:ext cx="0" cy="0"/>
+          <a:chOff x="0" y="0"/>
+          <a:chExt cx="0" cy="0"/>
+        </a:xfrm>
+      </p:grpSpPr>
+      <p:sp>
+        <p:nvSpPr>
+          <p:cNvPr id="2" name="Segnaposto testo 1">
+            <a:extLst>
+              <a:ext uri="{FF2B5EF4-FFF2-40B4-BE49-F238E27FC236}">
+                <a16:creationId xmlns:a16="http://schemas.microsoft.com/office/drawing/2014/main" id="{E5AE986C-196F-4141-A898-FA4C4198CDCC}"/>
+              </a:ext>
+            </a:extLst>
+          </p:cNvPr>
+          <p:cNvSpPr>
+            <a:spLocks noGrp="1"/>
+          </p:cNvSpPr>
+          <p:nvPr>
+            <p:ph type="body" idx="1"/>
+          </p:nvPr>
+        </p:nvSpPr>
+        <p:spPr>
+          <a:xfrm>
+            <a:off x="326297" y="1213806"/>
+            <a:ext cx="8221802" cy="4392612"/>
+          </a:xfrm>
+        </p:spPr>
+        <p:txBody>
+          <a:bodyPr/>
+          <a:lstStyle/>
+          <a:p>
+            <a:pPr marL="342900" indent="-342900">
+              <a:buFont typeface="Wingdings" panose="05000000000000000000" pitchFamily="2" charset="2"/>
+              <a:buChar char="ü"/>
+            </a:pPr>
+            <a:r>
+              <a:rPr lang="it-IT" sz="2400" b="0" i="0">
+                <a:solidFill>
+                  <a:srgbClr val="202124"/>
+                </a:solidFill>
+                <a:effectLst/>
+                <a:latin typeface="Tahoma" panose="020B0604030504040204" pitchFamily="34" charset="0"/>
+                <a:ea typeface="Tahoma" panose="020B0604030504040204" pitchFamily="34" charset="0"/>
+                <a:cs typeface="Tahoma" panose="020B0604030504040204" pitchFamily="34" charset="0"/>
+              </a:rPr>
+              <a:t>L'unità di base per rappresentare un'informazione in </a:t>
+            </a:r>
+            <a:r>
+              <a:rPr lang="it-IT" sz="2400" b="1" i="0">
+                <a:solidFill>
+                  <a:srgbClr val="202124"/>
+                </a:solidFill>
+                <a:effectLst/>
+                <a:latin typeface="Tahoma" panose="020B0604030504040204" pitchFamily="34" charset="0"/>
+                <a:ea typeface="Tahoma" panose="020B0604030504040204" pitchFamily="34" charset="0"/>
+                <a:cs typeface="Tahoma" panose="020B0604030504040204" pitchFamily="34" charset="0"/>
+              </a:rPr>
+              <a:t>RDF </a:t>
+            </a:r>
+            <a:r>
+              <a:rPr lang="it-IT" sz="2400" i="0">
+                <a:solidFill>
+                  <a:srgbClr val="202124"/>
+                </a:solidFill>
+                <a:effectLst/>
+                <a:latin typeface="Tahoma" panose="020B0604030504040204" pitchFamily="34" charset="0"/>
+                <a:ea typeface="Tahoma" panose="020B0604030504040204" pitchFamily="34" charset="0"/>
+                <a:cs typeface="Tahoma" panose="020B0604030504040204" pitchFamily="34" charset="0"/>
+              </a:rPr>
+              <a:t>è lo statement. Uno statement è una tripla del tipo </a:t>
+            </a:r>
+            <a:r>
+              <a:rPr lang="it-IT" sz="2400" b="1">
+                <a:solidFill>
+                  <a:srgbClr val="202124"/>
+                </a:solidFill>
+                <a:effectLst/>
+                <a:latin typeface="Tahoma" panose="020B0604030504040204" pitchFamily="34" charset="0"/>
+                <a:ea typeface="Tahoma" panose="020B0604030504040204" pitchFamily="34" charset="0"/>
+                <a:cs typeface="Tahoma" panose="020B0604030504040204" pitchFamily="34" charset="0"/>
+              </a:rPr>
+              <a:t>Soggetto-Predicato-Oggetto, </a:t>
+            </a:r>
+            <a:r>
+              <a:rPr lang="it-IT" sz="2400">
+                <a:solidFill>
+                  <a:srgbClr val="202124"/>
+                </a:solidFill>
+                <a:effectLst/>
+                <a:latin typeface="Tahoma" panose="020B0604030504040204" pitchFamily="34" charset="0"/>
+                <a:ea typeface="Tahoma" panose="020B0604030504040204" pitchFamily="34" charset="0"/>
+                <a:cs typeface="Tahoma" panose="020B0604030504040204" pitchFamily="34" charset="0"/>
+              </a:rPr>
+              <a:t>dove il soggetto è una risorsa, il predicato è una proprietà e l'oggetto è un valore (e quindi anche un </a:t>
+            </a:r>
+            <a:r>
+              <a:rPr lang="it-IT" sz="2400" b="1" i="0">
+                <a:solidFill>
+                  <a:srgbClr val="202124"/>
+                </a:solidFill>
+                <a:effectLst/>
+                <a:latin typeface="Tahoma" panose="020B0604030504040204" pitchFamily="34" charset="0"/>
+                <a:ea typeface="Tahoma" panose="020B0604030504040204" pitchFamily="34" charset="0"/>
+                <a:cs typeface="Tahoma" panose="020B0604030504040204" pitchFamily="34" charset="0"/>
+              </a:rPr>
+              <a:t>URI</a:t>
+            </a:r>
+            <a:r>
+              <a:rPr lang="it-IT" sz="2400" b="0" i="0">
+                <a:solidFill>
+                  <a:srgbClr val="202124"/>
+                </a:solidFill>
+                <a:effectLst/>
+                <a:latin typeface="Tahoma" panose="020B0604030504040204" pitchFamily="34" charset="0"/>
+                <a:ea typeface="Tahoma" panose="020B0604030504040204" pitchFamily="34" charset="0"/>
+                <a:cs typeface="Tahoma" panose="020B0604030504040204" pitchFamily="34" charset="0"/>
+              </a:rPr>
+              <a:t> che punta ad un'altra risorsa). </a:t>
+            </a:r>
+          </a:p>
+          <a:p>
+            <a:pPr marL="342900" indent="-342900">
+              <a:buFont typeface="Wingdings" panose="05000000000000000000" pitchFamily="2" charset="2"/>
+              <a:buChar char="ü"/>
+            </a:pPr>
+            <a:r>
+              <a:rPr lang="it-IT" sz="2400">
+                <a:solidFill>
+                  <a:srgbClr val="202124"/>
+                </a:solidFill>
+                <a:latin typeface="Tahoma" panose="020B0604030504040204" pitchFamily="34" charset="0"/>
+                <a:ea typeface="Tahoma" panose="020B0604030504040204" pitchFamily="34" charset="0"/>
+                <a:cs typeface="Tahoma" panose="020B0604030504040204" pitchFamily="34" charset="0"/>
+              </a:rPr>
+              <a:t>Il data model </a:t>
+            </a:r>
+            <a:r>
+              <a:rPr lang="it-IT" sz="2400" b="1">
+                <a:solidFill>
+                  <a:srgbClr val="202124"/>
+                </a:solidFill>
+                <a:latin typeface="Tahoma" panose="020B0604030504040204" pitchFamily="34" charset="0"/>
+                <a:ea typeface="Tahoma" panose="020B0604030504040204" pitchFamily="34" charset="0"/>
+                <a:cs typeface="Tahoma" panose="020B0604030504040204" pitchFamily="34" charset="0"/>
+              </a:rPr>
+              <a:t>RDF </a:t>
+            </a:r>
+            <a:r>
+              <a:rPr lang="it-IT" sz="2400">
+                <a:solidFill>
+                  <a:srgbClr val="202124"/>
+                </a:solidFill>
+                <a:latin typeface="Tahoma" panose="020B0604030504040204" pitchFamily="34" charset="0"/>
+                <a:ea typeface="Tahoma" panose="020B0604030504040204" pitchFamily="34" charset="0"/>
+                <a:cs typeface="Tahoma" panose="020B0604030504040204" pitchFamily="34" charset="0"/>
+              </a:rPr>
+              <a:t>permette di definire un modello semplice per descrivere le relazioni tra le risorse, in termini di proprietà identificate da un nome e relativi valori.</a:t>
+            </a:r>
+          </a:p>
+          <a:p>
+            <a:pPr marL="342900" indent="-342900" algn="just">
+              <a:buFont typeface="Wingdings" panose="05000000000000000000" pitchFamily="2" charset="2"/>
+              <a:buChar char="ü"/>
+            </a:pPr>
+            <a:r>
+              <a:rPr lang="it-IT" sz="2400">
+                <a:solidFill>
+                  <a:srgbClr val="202124"/>
+                </a:solidFill>
+                <a:latin typeface="Tahoma" panose="020B0604030504040204" pitchFamily="34" charset="0"/>
+                <a:ea typeface="Tahoma" panose="020B0604030504040204" pitchFamily="34" charset="0"/>
+                <a:cs typeface="Tahoma" panose="020B0604030504040204" pitchFamily="34" charset="0"/>
+              </a:rPr>
+              <a:t>Tuttavia </a:t>
+            </a:r>
+            <a:r>
+              <a:rPr lang="it-IT" sz="2400" b="1">
+                <a:solidFill>
+                  <a:srgbClr val="202124"/>
+                </a:solidFill>
+                <a:latin typeface="Tahoma" panose="020B0604030504040204" pitchFamily="34" charset="0"/>
+                <a:ea typeface="Tahoma" panose="020B0604030504040204" pitchFamily="34" charset="0"/>
+                <a:cs typeface="Tahoma" panose="020B0604030504040204" pitchFamily="34" charset="0"/>
+              </a:rPr>
+              <a:t>RDF </a:t>
+            </a:r>
+            <a:r>
+              <a:rPr lang="it-IT" sz="2400">
+                <a:solidFill>
+                  <a:srgbClr val="202124"/>
+                </a:solidFill>
+                <a:latin typeface="Tahoma" panose="020B0604030504040204" pitchFamily="34" charset="0"/>
+                <a:ea typeface="Tahoma" panose="020B0604030504040204" pitchFamily="34" charset="0"/>
+                <a:cs typeface="Tahoma" panose="020B0604030504040204" pitchFamily="34" charset="0"/>
+              </a:rPr>
+              <a:t>non fornisce nessun meccanismo per dichiarare queste proprietà, nè per definire le relazioni tra queste proprietà ed altre risorse. Tale compito è definito da </a:t>
+            </a:r>
+            <a:r>
+              <a:rPr lang="it-IT" sz="2400" b="1">
+                <a:solidFill>
+                  <a:srgbClr val="202124"/>
+                </a:solidFill>
+                <a:latin typeface="Tahoma" panose="020B0604030504040204" pitchFamily="34" charset="0"/>
+                <a:ea typeface="Tahoma" panose="020B0604030504040204" pitchFamily="34" charset="0"/>
+                <a:cs typeface="Tahoma" panose="020B0604030504040204" pitchFamily="34" charset="0"/>
+              </a:rPr>
+              <a:t>RDF Schema.</a:t>
+            </a:r>
+            <a:r>
+              <a:rPr lang="it-IT" sz="2400">
+                <a:solidFill>
+                  <a:srgbClr val="202124"/>
+                </a:solidFill>
+                <a:latin typeface="Tahoma" panose="020B0604030504040204" pitchFamily="34" charset="0"/>
+                <a:ea typeface="Tahoma" panose="020B0604030504040204" pitchFamily="34" charset="0"/>
+                <a:cs typeface="Tahoma" panose="020B0604030504040204" pitchFamily="34" charset="0"/>
+              </a:rPr>
+              <a:t> </a:t>
+            </a:r>
+            <a:endParaRPr lang="it-IT" sz="2400" dirty="0">
+              <a:solidFill>
+                <a:schemeClr val="tx1"/>
+              </a:solidFill>
+              <a:latin typeface="Tahoma" panose="020B0604030504040204" pitchFamily="34" charset="0"/>
+              <a:ea typeface="Tahoma" panose="020B0604030504040204" pitchFamily="34" charset="0"/>
+              <a:cs typeface="Tahoma" panose="020B0604030504040204" pitchFamily="34" charset="0"/>
+            </a:endParaRPr>
+          </a:p>
+        </p:txBody>
+      </p:sp>
+      <p:sp>
+        <p:nvSpPr>
+          <p:cNvPr id="7" name="Segnaposto numero diapositiva 6">
+            <a:extLst>
+              <a:ext uri="{FF2B5EF4-FFF2-40B4-BE49-F238E27FC236}">
+                <a16:creationId xmlns:a16="http://schemas.microsoft.com/office/drawing/2014/main" id="{AB740BE9-E218-4144-BFDE-AE473D230A3D}"/>
+              </a:ext>
+            </a:extLst>
+          </p:cNvPr>
+          <p:cNvSpPr>
+            <a:spLocks noGrp="1"/>
+          </p:cNvSpPr>
+          <p:nvPr>
+            <p:ph type="sldNum" sz="quarter" idx="12"/>
+          </p:nvPr>
+        </p:nvSpPr>
+        <p:spPr/>
+        <p:txBody>
+          <a:bodyPr/>
+          <a:lstStyle/>
+          <a:p>
+            <a:pPr>
+              <a:defRPr/>
+            </a:pPr>
+            <a:fld id="{48B4153A-D4C5-4CEF-8992-0D8815C829E3}" type="slidenum">
+              <a:rPr lang="en-US" smtClean="0"/>
+              <a:pPr>
+                <a:defRPr/>
+              </a:pPr>
+              <a:t>37</a:t>
             </a:fld>
             <a:endParaRPr lang="en-US" dirty="0"/>
           </a:p>
@@ -14215,7 +16153,7 @@
 </p:sld>
 </file>
 
-<file path=ppt/slides/slide32.xml><?xml version="1.0" encoding="utf-8"?>
+<file path=ppt/slides/slide38.xml><?xml version="1.0" encoding="utf-8"?>
 <p:sld xmlns:a="http://schemas.openxmlformats.org/drawingml/2006/main" xmlns:r="http://schemas.openxmlformats.org/officeDocument/2006/relationships" xmlns:p="http://schemas.openxmlformats.org/presentationml/2006/main">
   <p:cSld>
     <p:spTree>
@@ -14432,7 +16370,7 @@
               <a:pPr>
                 <a:defRPr/>
               </a:pPr>
-              <a:t>32</a:t>
+              <a:t>38</a:t>
             </a:fld>
             <a:endParaRPr lang="en-US" dirty="0"/>
           </a:p>
@@ -14485,7 +16423,7 @@
 </p:sld>
 </file>
 
-<file path=ppt/slides/slide33.xml><?xml version="1.0" encoding="utf-8"?>
+<file path=ppt/slides/slide39.xml><?xml version="1.0" encoding="utf-8"?>
 <p:sld xmlns:a="http://schemas.openxmlformats.org/drawingml/2006/main" xmlns:r="http://schemas.openxmlformats.org/officeDocument/2006/relationships" xmlns:p="http://schemas.openxmlformats.org/presentationml/2006/main">
   <p:cSld>
     <p:spTree>
@@ -14819,7 +16757,7 @@
               <a:pPr>
                 <a:defRPr/>
               </a:pPr>
-              <a:t>33</a:t>
+              <a:t>39</a:t>
             </a:fld>
             <a:endParaRPr lang="en-US" dirty="0"/>
           </a:p>
@@ -14872,7 +16810,7 @@
 </p:sld>
 </file>
 
-<file path=ppt/slides/slide34.xml><?xml version="1.0" encoding="utf-8"?>
+<file path=ppt/slides/slide4.xml><?xml version="1.0" encoding="utf-8"?>
 <p:sld xmlns:a="http://schemas.openxmlformats.org/drawingml/2006/main" xmlns:r="http://schemas.openxmlformats.org/officeDocument/2006/relationships" xmlns:p="http://schemas.openxmlformats.org/presentationml/2006/main">
   <p:cSld>
     <p:spTree>
@@ -14908,6 +16846,369 @@
         <p:spPr>
           <a:xfrm>
             <a:off x="326297" y="1213806"/>
+            <a:ext cx="5342983" cy="4392612"/>
+          </a:xfrm>
+        </p:spPr>
+        <p:txBody>
+          <a:bodyPr/>
+          <a:lstStyle/>
+          <a:p>
+            <a:pPr marL="342900" indent="-342900">
+              <a:buFont typeface="Wingdings" panose="05000000000000000000" pitchFamily="2" charset="2"/>
+              <a:buChar char="ü"/>
+            </a:pPr>
+            <a:r>
+              <a:rPr lang="it-IT" sz="2400" dirty="0">
+                <a:solidFill>
+                  <a:schemeClr val="tx1"/>
+                </a:solidFill>
+                <a:latin typeface="Tahoma" panose="020B0604030504040204" pitchFamily="34" charset="0"/>
+                <a:ea typeface="Tahoma" panose="020B0604030504040204" pitchFamily="34" charset="0"/>
+                <a:cs typeface="Tahoma" panose="020B0604030504040204" pitchFamily="34" charset="0"/>
+              </a:rPr>
+              <a:t>Generalmente parlando ha una architettura </a:t>
+            </a:r>
+            <a:r>
+              <a:rPr lang="it-IT" sz="2400" dirty="0" err="1">
+                <a:solidFill>
+                  <a:schemeClr val="tx1"/>
+                </a:solidFill>
+                <a:latin typeface="Tahoma" panose="020B0604030504040204" pitchFamily="34" charset="0"/>
+                <a:ea typeface="Tahoma" panose="020B0604030504040204" pitchFamily="34" charset="0"/>
+                <a:cs typeface="Tahoma" panose="020B0604030504040204" pitchFamily="34" charset="0"/>
+              </a:rPr>
+              <a:t>three-tier</a:t>
+            </a:r>
+            <a:r>
+              <a:rPr lang="it-IT" sz="2400" dirty="0">
+                <a:solidFill>
+                  <a:schemeClr val="tx1"/>
+                </a:solidFill>
+                <a:latin typeface="Tahoma" panose="020B0604030504040204" pitchFamily="34" charset="0"/>
+                <a:ea typeface="Tahoma" panose="020B0604030504040204" pitchFamily="34" charset="0"/>
+                <a:cs typeface="Tahoma" panose="020B0604030504040204" pitchFamily="34" charset="0"/>
+              </a:rPr>
+              <a:t> (3 livelli):</a:t>
+            </a:r>
+          </a:p>
+          <a:p>
+            <a:r>
+              <a:rPr lang="it-IT" sz="2400" b="1" dirty="0">
+                <a:solidFill>
+                  <a:schemeClr val="tx1"/>
+                </a:solidFill>
+                <a:latin typeface="Tahoma" panose="020B0604030504040204" pitchFamily="34" charset="0"/>
+                <a:ea typeface="Tahoma" panose="020B0604030504040204" pitchFamily="34" charset="0"/>
+                <a:cs typeface="Tahoma" panose="020B0604030504040204" pitchFamily="34" charset="0"/>
+              </a:rPr>
+              <a:t>Bottom </a:t>
+            </a:r>
+            <a:r>
+              <a:rPr lang="it-IT" sz="2400" b="1" dirty="0" err="1">
+                <a:solidFill>
+                  <a:schemeClr val="tx1"/>
+                </a:solidFill>
+                <a:latin typeface="Tahoma" panose="020B0604030504040204" pitchFamily="34" charset="0"/>
+                <a:ea typeface="Tahoma" panose="020B0604030504040204" pitchFamily="34" charset="0"/>
+                <a:cs typeface="Tahoma" panose="020B0604030504040204" pitchFamily="34" charset="0"/>
+              </a:rPr>
+              <a:t>tier</a:t>
+            </a:r>
+            <a:r>
+              <a:rPr lang="it-IT" sz="2400" b="1" dirty="0">
+                <a:solidFill>
+                  <a:schemeClr val="tx1"/>
+                </a:solidFill>
+                <a:latin typeface="Tahoma" panose="020B0604030504040204" pitchFamily="34" charset="0"/>
+                <a:ea typeface="Tahoma" panose="020B0604030504040204" pitchFamily="34" charset="0"/>
+                <a:cs typeface="Tahoma" panose="020B0604030504040204" pitchFamily="34" charset="0"/>
+              </a:rPr>
+              <a:t>: </a:t>
+            </a:r>
+            <a:r>
+              <a:rPr lang="it-IT" sz="2400" dirty="0">
+                <a:solidFill>
+                  <a:schemeClr val="tx1"/>
+                </a:solidFill>
+                <a:latin typeface="Tahoma" panose="020B0604030504040204" pitchFamily="34" charset="0"/>
+                <a:ea typeface="Tahoma" panose="020B0604030504040204" pitchFamily="34" charset="0"/>
+                <a:cs typeface="Tahoma" panose="020B0604030504040204" pitchFamily="34" charset="0"/>
+              </a:rPr>
+              <a:t>E’ costituito da una data </a:t>
+            </a:r>
+            <a:r>
+              <a:rPr lang="it-IT" sz="2400" dirty="0" err="1">
+                <a:solidFill>
+                  <a:schemeClr val="tx1"/>
+                </a:solidFill>
+                <a:latin typeface="Tahoma" panose="020B0604030504040204" pitchFamily="34" charset="0"/>
+                <a:ea typeface="Tahoma" panose="020B0604030504040204" pitchFamily="34" charset="0"/>
+                <a:cs typeface="Tahoma" panose="020B0604030504040204" pitchFamily="34" charset="0"/>
+              </a:rPr>
+              <a:t>warehouse</a:t>
+            </a:r>
+            <a:r>
+              <a:rPr lang="it-IT" sz="2400" dirty="0">
+                <a:solidFill>
+                  <a:schemeClr val="tx1"/>
+                </a:solidFill>
+                <a:latin typeface="Tahoma" panose="020B0604030504040204" pitchFamily="34" charset="0"/>
+                <a:ea typeface="Tahoma" panose="020B0604030504040204" pitchFamily="34" charset="0"/>
+                <a:cs typeface="Tahoma" panose="020B0604030504040204" pitchFamily="34" charset="0"/>
+              </a:rPr>
+              <a:t> server, di solito si tratta di un sistema database relazionale, il quale colleziona, ripulisce e trasforma i dati provenienti da sorgenti di dati multiple attraverso un processo conosciuto come ETL (</a:t>
+            </a:r>
+            <a:r>
+              <a:rPr lang="it-IT" sz="2400" dirty="0" err="1">
+                <a:solidFill>
+                  <a:schemeClr val="tx1"/>
+                </a:solidFill>
+                <a:latin typeface="Tahoma" panose="020B0604030504040204" pitchFamily="34" charset="0"/>
+                <a:ea typeface="Tahoma" panose="020B0604030504040204" pitchFamily="34" charset="0"/>
+                <a:cs typeface="Tahoma" panose="020B0604030504040204" pitchFamily="34" charset="0"/>
+              </a:rPr>
+              <a:t>Extract</a:t>
+            </a:r>
+            <a:r>
+              <a:rPr lang="it-IT" sz="2400" dirty="0">
+                <a:solidFill>
+                  <a:schemeClr val="tx1"/>
+                </a:solidFill>
+                <a:latin typeface="Tahoma" panose="020B0604030504040204" pitchFamily="34" charset="0"/>
+                <a:ea typeface="Tahoma" panose="020B0604030504040204" pitchFamily="34" charset="0"/>
+                <a:cs typeface="Tahoma" panose="020B0604030504040204" pitchFamily="34" charset="0"/>
+              </a:rPr>
+              <a:t>, </a:t>
+            </a:r>
+            <a:r>
+              <a:rPr lang="it-IT" sz="2400" dirty="0" err="1">
+                <a:solidFill>
+                  <a:schemeClr val="tx1"/>
+                </a:solidFill>
+                <a:latin typeface="Tahoma" panose="020B0604030504040204" pitchFamily="34" charset="0"/>
+                <a:ea typeface="Tahoma" panose="020B0604030504040204" pitchFamily="34" charset="0"/>
+                <a:cs typeface="Tahoma" panose="020B0604030504040204" pitchFamily="34" charset="0"/>
+              </a:rPr>
+              <a:t>Transform</a:t>
+            </a:r>
+            <a:r>
+              <a:rPr lang="it-IT" sz="2400" dirty="0">
+                <a:solidFill>
+                  <a:schemeClr val="tx1"/>
+                </a:solidFill>
+                <a:latin typeface="Tahoma" panose="020B0604030504040204" pitchFamily="34" charset="0"/>
+                <a:ea typeface="Tahoma" panose="020B0604030504040204" pitchFamily="34" charset="0"/>
+                <a:cs typeface="Tahoma" panose="020B0604030504040204" pitchFamily="34" charset="0"/>
+              </a:rPr>
+              <a:t> and Load) o un processo conosciuto come </a:t>
+            </a:r>
+            <a:r>
+              <a:rPr lang="it-IT" sz="2400" dirty="0" err="1">
+                <a:solidFill>
+                  <a:schemeClr val="tx1"/>
+                </a:solidFill>
+                <a:latin typeface="Tahoma" panose="020B0604030504040204" pitchFamily="34" charset="0"/>
+                <a:ea typeface="Tahoma" panose="020B0604030504040204" pitchFamily="34" charset="0"/>
+                <a:cs typeface="Tahoma" panose="020B0604030504040204" pitchFamily="34" charset="0"/>
+              </a:rPr>
+              <a:t>Extract</a:t>
+            </a:r>
+            <a:r>
+              <a:rPr lang="it-IT" sz="2400" dirty="0">
+                <a:solidFill>
+                  <a:schemeClr val="tx1"/>
+                </a:solidFill>
+                <a:latin typeface="Tahoma" panose="020B0604030504040204" pitchFamily="34" charset="0"/>
+                <a:ea typeface="Tahoma" panose="020B0604030504040204" pitchFamily="34" charset="0"/>
+                <a:cs typeface="Tahoma" panose="020B0604030504040204" pitchFamily="34" charset="0"/>
+              </a:rPr>
+              <a:t>, Load and </a:t>
+            </a:r>
+            <a:r>
+              <a:rPr lang="it-IT" sz="2400" dirty="0" err="1">
+                <a:solidFill>
+                  <a:schemeClr val="tx1"/>
+                </a:solidFill>
+                <a:latin typeface="Tahoma" panose="020B0604030504040204" pitchFamily="34" charset="0"/>
+                <a:ea typeface="Tahoma" panose="020B0604030504040204" pitchFamily="34" charset="0"/>
+                <a:cs typeface="Tahoma" panose="020B0604030504040204" pitchFamily="34" charset="0"/>
+              </a:rPr>
+              <a:t>Transform</a:t>
+            </a:r>
+            <a:r>
+              <a:rPr lang="it-IT" sz="2400" dirty="0">
+                <a:solidFill>
+                  <a:schemeClr val="tx1"/>
+                </a:solidFill>
+                <a:latin typeface="Tahoma" panose="020B0604030504040204" pitchFamily="34" charset="0"/>
+                <a:ea typeface="Tahoma" panose="020B0604030504040204" pitchFamily="34" charset="0"/>
+                <a:cs typeface="Tahoma" panose="020B0604030504040204" pitchFamily="34" charset="0"/>
+              </a:rPr>
+              <a:t> (ELT).</a:t>
+            </a:r>
+            <a:endParaRPr lang="it-IT" sz="2400" b="1" dirty="0">
+              <a:solidFill>
+                <a:schemeClr val="tx1"/>
+              </a:solidFill>
+              <a:latin typeface="Tahoma" panose="020B0604030504040204" pitchFamily="34" charset="0"/>
+              <a:ea typeface="Tahoma" panose="020B0604030504040204" pitchFamily="34" charset="0"/>
+              <a:cs typeface="Tahoma" panose="020B0604030504040204" pitchFamily="34" charset="0"/>
+            </a:endParaRPr>
+          </a:p>
+        </p:txBody>
+      </p:sp>
+      <p:sp>
+        <p:nvSpPr>
+          <p:cNvPr id="7" name="Segnaposto numero diapositiva 6">
+            <a:extLst>
+              <a:ext uri="{FF2B5EF4-FFF2-40B4-BE49-F238E27FC236}">
+                <a16:creationId xmlns:a16="http://schemas.microsoft.com/office/drawing/2014/main" id="{AB740BE9-E218-4144-BFDE-AE473D230A3D}"/>
+              </a:ext>
+            </a:extLst>
+          </p:cNvPr>
+          <p:cNvSpPr>
+            <a:spLocks noGrp="1"/>
+          </p:cNvSpPr>
+          <p:nvPr>
+            <p:ph type="sldNum" sz="quarter" idx="12"/>
+          </p:nvPr>
+        </p:nvSpPr>
+        <p:spPr/>
+        <p:txBody>
+          <a:bodyPr/>
+          <a:lstStyle/>
+          <a:p>
+            <a:pPr>
+              <a:defRPr/>
+            </a:pPr>
+            <a:fld id="{48B4153A-D4C5-4CEF-8992-0D8815C829E3}" type="slidenum">
+              <a:rPr lang="en-US" smtClean="0"/>
+              <a:pPr>
+                <a:defRPr/>
+              </a:pPr>
+              <a:t>4</a:t>
+            </a:fld>
+            <a:endParaRPr lang="en-US" dirty="0"/>
+          </a:p>
+        </p:txBody>
+      </p:sp>
+      <p:sp>
+        <p:nvSpPr>
+          <p:cNvPr id="5" name="Titolo 4">
+            <a:extLst>
+              <a:ext uri="{FF2B5EF4-FFF2-40B4-BE49-F238E27FC236}">
+                <a16:creationId xmlns:a16="http://schemas.microsoft.com/office/drawing/2014/main" id="{82C46BA2-B380-4357-B125-BA9F08A643F5}"/>
+              </a:ext>
+            </a:extLst>
+          </p:cNvPr>
+          <p:cNvSpPr>
+            <a:spLocks noGrp="1"/>
+          </p:cNvSpPr>
+          <p:nvPr>
+            <p:ph type="title"/>
+          </p:nvPr>
+        </p:nvSpPr>
+        <p:spPr>
+          <a:xfrm>
+            <a:off x="468895" y="503475"/>
+            <a:ext cx="11269308" cy="384721"/>
+          </a:xfrm>
+        </p:spPr>
+        <p:txBody>
+          <a:bodyPr/>
+          <a:lstStyle/>
+          <a:p>
+            <a:r>
+              <a:rPr lang="it-IT" altLang="it-IT" dirty="0"/>
+              <a:t>ETL – Architettura di un Data </a:t>
+            </a:r>
+            <a:r>
+              <a:rPr lang="it-IT" altLang="it-IT" dirty="0" err="1"/>
+              <a:t>Warehouse</a:t>
+            </a:r>
+            <a:endParaRPr lang="it-IT" dirty="0"/>
+          </a:p>
+        </p:txBody>
+      </p:sp>
+      <p:pic>
+        <p:nvPicPr>
+          <p:cNvPr id="4" name="Immagine 3">
+            <a:extLst>
+              <a:ext uri="{FF2B5EF4-FFF2-40B4-BE49-F238E27FC236}">
+                <a16:creationId xmlns:a16="http://schemas.microsoft.com/office/drawing/2014/main" id="{14290B2D-95D8-5FC8-2E34-E781049810DB}"/>
+              </a:ext>
+            </a:extLst>
+          </p:cNvPr>
+          <p:cNvPicPr>
+            <a:picLocks noChangeAspect="1"/>
+          </p:cNvPicPr>
+          <p:nvPr/>
+        </p:nvPicPr>
+        <p:blipFill>
+          <a:blip r:embed="rId2"/>
+          <a:stretch>
+            <a:fillRect/>
+          </a:stretch>
+        </p:blipFill>
+        <p:spPr>
+          <a:xfrm>
+            <a:off x="5634677" y="1831918"/>
+            <a:ext cx="6231026" cy="4169903"/>
+          </a:xfrm>
+          <a:prstGeom prst="rect">
+            <a:avLst/>
+          </a:prstGeom>
+        </p:spPr>
+      </p:pic>
+    </p:spTree>
+    <p:extLst>
+      <p:ext uri="{BB962C8B-B14F-4D97-AF65-F5344CB8AC3E}">
+        <p14:creationId xmlns:p14="http://schemas.microsoft.com/office/powerpoint/2010/main" val="2883046441"/>
+      </p:ext>
+    </p:extLst>
+  </p:cSld>
+  <p:clrMapOvr>
+    <a:masterClrMapping/>
+  </p:clrMapOvr>
+</p:sld>
+</file>
+
+<file path=ppt/slides/slide40.xml><?xml version="1.0" encoding="utf-8"?>
+<p:sld xmlns:a="http://schemas.openxmlformats.org/drawingml/2006/main" xmlns:r="http://schemas.openxmlformats.org/officeDocument/2006/relationships" xmlns:p="http://schemas.openxmlformats.org/presentationml/2006/main">
+  <p:cSld>
+    <p:spTree>
+      <p:nvGrpSpPr>
+        <p:cNvPr id="1" name=""/>
+        <p:cNvGrpSpPr/>
+        <p:nvPr/>
+      </p:nvGrpSpPr>
+      <p:grpSpPr>
+        <a:xfrm>
+          <a:off x="0" y="0"/>
+          <a:ext cx="0" cy="0"/>
+          <a:chOff x="0" y="0"/>
+          <a:chExt cx="0" cy="0"/>
+        </a:xfrm>
+      </p:grpSpPr>
+      <p:sp>
+        <p:nvSpPr>
+          <p:cNvPr id="2" name="Segnaposto testo 1">
+            <a:extLst>
+              <a:ext uri="{FF2B5EF4-FFF2-40B4-BE49-F238E27FC236}">
+                <a16:creationId xmlns:a16="http://schemas.microsoft.com/office/drawing/2014/main" id="{E5AE986C-196F-4141-A898-FA4C4198CDCC}"/>
+              </a:ext>
+            </a:extLst>
+          </p:cNvPr>
+          <p:cNvSpPr>
+            <a:spLocks noGrp="1"/>
+          </p:cNvSpPr>
+          <p:nvPr>
+            <p:ph type="body" idx="1"/>
+          </p:nvPr>
+        </p:nvSpPr>
+        <p:spPr>
+          <a:xfrm>
+            <a:off x="326297" y="1213806"/>
             <a:ext cx="11641114" cy="4392612"/>
           </a:xfrm>
         </p:spPr>
@@ -14989,7 +17290,7 @@
               <a:pPr>
                 <a:defRPr/>
               </a:pPr>
-              <a:t>34</a:t>
+              <a:t>40</a:t>
             </a:fld>
             <a:endParaRPr lang="en-US" dirty="0"/>
           </a:p>
@@ -15072,7 +17373,7 @@
 </p:sld>
 </file>
 
-<file path=ppt/slides/slide35.xml><?xml version="1.0" encoding="utf-8"?>
+<file path=ppt/slides/slide41.xml><?xml version="1.0" encoding="utf-8"?>
 <p:sld xmlns:a="http://schemas.openxmlformats.org/drawingml/2006/main" xmlns:r="http://schemas.openxmlformats.org/officeDocument/2006/relationships" xmlns:p="http://schemas.openxmlformats.org/presentationml/2006/main">
   <p:cSld>
     <p:spTree>
@@ -15424,7 +17725,7 @@
               <a:pPr>
                 <a:defRPr/>
               </a:pPr>
-              <a:t>35</a:t>
+              <a:t>41</a:t>
             </a:fld>
             <a:endParaRPr lang="en-US" dirty="0"/>
           </a:p>
@@ -15477,7 +17778,7 @@
 </p:sld>
 </file>
 
-<file path=ppt/slides/slide36.xml><?xml version="1.0" encoding="utf-8"?>
+<file path=ppt/slides/slide42.xml><?xml version="1.0" encoding="utf-8"?>
 <p:sld xmlns:a="http://schemas.openxmlformats.org/drawingml/2006/main" xmlns:r="http://schemas.openxmlformats.org/officeDocument/2006/relationships" xmlns:p="http://schemas.openxmlformats.org/presentationml/2006/main">
   <p:cSld>
     <p:spTree>
@@ -15695,7 +17996,7 @@
               <a:pPr>
                 <a:defRPr/>
               </a:pPr>
-              <a:t>36</a:t>
+              <a:t>42</a:t>
             </a:fld>
             <a:endParaRPr lang="en-US" dirty="0"/>
           </a:p>
@@ -15748,7 +18049,7 @@
 </p:sld>
 </file>
 
-<file path=ppt/slides/slide37.xml><?xml version="1.0" encoding="utf-8"?>
+<file path=ppt/slides/slide43.xml><?xml version="1.0" encoding="utf-8"?>
 <p:sld xmlns:a="http://schemas.openxmlformats.org/drawingml/2006/main" xmlns:r="http://schemas.openxmlformats.org/officeDocument/2006/relationships" xmlns:p="http://schemas.openxmlformats.org/presentationml/2006/main">
   <p:cSld>
     <p:spTree>
@@ -16043,7 +18344,7 @@
               <a:pPr>
                 <a:defRPr/>
               </a:pPr>
-              <a:t>37</a:t>
+              <a:t>43</a:t>
             </a:fld>
             <a:endParaRPr lang="en-US" dirty="0"/>
           </a:p>
@@ -16126,7 +18427,7 @@
 </p:sld>
 </file>
 
-<file path=ppt/slides/slide38.xml><?xml version="1.0" encoding="utf-8"?>
+<file path=ppt/slides/slide44.xml><?xml version="1.0" encoding="utf-8"?>
 <p:sld xmlns:a="http://schemas.openxmlformats.org/drawingml/2006/main" xmlns:r="http://schemas.openxmlformats.org/officeDocument/2006/relationships" xmlns:p="http://schemas.openxmlformats.org/presentationml/2006/main">
   <p:cSld>
     <p:spTree>
@@ -16238,7 +18539,7 @@
               <a:pPr>
                 <a:defRPr/>
               </a:pPr>
-              <a:t>38</a:t>
+              <a:t>44</a:t>
             </a:fld>
             <a:endParaRPr lang="en-US" dirty="0"/>
           </a:p>
@@ -16291,7 +18592,7 @@
 </p:sld>
 </file>
 
-<file path=ppt/slides/slide39.xml><?xml version="1.0" encoding="utf-8"?>
+<file path=ppt/slides/slide45.xml><?xml version="1.0" encoding="utf-8"?>
 <p:sld xmlns:a="http://schemas.openxmlformats.org/drawingml/2006/main" xmlns:r="http://schemas.openxmlformats.org/officeDocument/2006/relationships" xmlns:p="http://schemas.openxmlformats.org/presentationml/2006/main">
   <p:cSld>
     <p:spTree>
@@ -16337,7 +18638,7 @@
               <a:pPr>
                 <a:defRPr/>
               </a:pPr>
-              <a:t>39</a:t>
+              <a:t>45</a:t>
             </a:fld>
             <a:endParaRPr lang="en-US" dirty="0"/>
           </a:p>
@@ -16444,369 +18745,6 @@
     <p:extLst>
       <p:ext uri="{BB962C8B-B14F-4D97-AF65-F5344CB8AC3E}">
         <p14:creationId xmlns:p14="http://schemas.microsoft.com/office/powerpoint/2010/main" val="3490964097"/>
-      </p:ext>
-    </p:extLst>
-  </p:cSld>
-  <p:clrMapOvr>
-    <a:masterClrMapping/>
-  </p:clrMapOvr>
-</p:sld>
-</file>
-
-<file path=ppt/slides/slide4.xml><?xml version="1.0" encoding="utf-8"?>
-<p:sld xmlns:a="http://schemas.openxmlformats.org/drawingml/2006/main" xmlns:r="http://schemas.openxmlformats.org/officeDocument/2006/relationships" xmlns:p="http://schemas.openxmlformats.org/presentationml/2006/main">
-  <p:cSld>
-    <p:spTree>
-      <p:nvGrpSpPr>
-        <p:cNvPr id="1" name=""/>
-        <p:cNvGrpSpPr/>
-        <p:nvPr/>
-      </p:nvGrpSpPr>
-      <p:grpSpPr>
-        <a:xfrm>
-          <a:off x="0" y="0"/>
-          <a:ext cx="0" cy="0"/>
-          <a:chOff x="0" y="0"/>
-          <a:chExt cx="0" cy="0"/>
-        </a:xfrm>
-      </p:grpSpPr>
-      <p:sp>
-        <p:nvSpPr>
-          <p:cNvPr id="2" name="Segnaposto testo 1">
-            <a:extLst>
-              <a:ext uri="{FF2B5EF4-FFF2-40B4-BE49-F238E27FC236}">
-                <a16:creationId xmlns:a16="http://schemas.microsoft.com/office/drawing/2014/main" id="{E5AE986C-196F-4141-A898-FA4C4198CDCC}"/>
-              </a:ext>
-            </a:extLst>
-          </p:cNvPr>
-          <p:cNvSpPr>
-            <a:spLocks noGrp="1"/>
-          </p:cNvSpPr>
-          <p:nvPr>
-            <p:ph type="body" idx="1"/>
-          </p:nvPr>
-        </p:nvSpPr>
-        <p:spPr>
-          <a:xfrm>
-            <a:off x="326297" y="1213806"/>
-            <a:ext cx="5342983" cy="4392612"/>
-          </a:xfrm>
-        </p:spPr>
-        <p:txBody>
-          <a:bodyPr/>
-          <a:lstStyle/>
-          <a:p>
-            <a:pPr marL="342900" indent="-342900">
-              <a:buFont typeface="Wingdings" panose="05000000000000000000" pitchFamily="2" charset="2"/>
-              <a:buChar char="ü"/>
-            </a:pPr>
-            <a:r>
-              <a:rPr lang="it-IT" sz="2400" dirty="0">
-                <a:solidFill>
-                  <a:schemeClr val="tx1"/>
-                </a:solidFill>
-                <a:latin typeface="Tahoma" panose="020B0604030504040204" pitchFamily="34" charset="0"/>
-                <a:ea typeface="Tahoma" panose="020B0604030504040204" pitchFamily="34" charset="0"/>
-                <a:cs typeface="Tahoma" panose="020B0604030504040204" pitchFamily="34" charset="0"/>
-              </a:rPr>
-              <a:t>Generalmente parlando ha una architettura </a:t>
-            </a:r>
-            <a:r>
-              <a:rPr lang="it-IT" sz="2400" dirty="0" err="1">
-                <a:solidFill>
-                  <a:schemeClr val="tx1"/>
-                </a:solidFill>
-                <a:latin typeface="Tahoma" panose="020B0604030504040204" pitchFamily="34" charset="0"/>
-                <a:ea typeface="Tahoma" panose="020B0604030504040204" pitchFamily="34" charset="0"/>
-                <a:cs typeface="Tahoma" panose="020B0604030504040204" pitchFamily="34" charset="0"/>
-              </a:rPr>
-              <a:t>three-tier</a:t>
-            </a:r>
-            <a:r>
-              <a:rPr lang="it-IT" sz="2400" dirty="0">
-                <a:solidFill>
-                  <a:schemeClr val="tx1"/>
-                </a:solidFill>
-                <a:latin typeface="Tahoma" panose="020B0604030504040204" pitchFamily="34" charset="0"/>
-                <a:ea typeface="Tahoma" panose="020B0604030504040204" pitchFamily="34" charset="0"/>
-                <a:cs typeface="Tahoma" panose="020B0604030504040204" pitchFamily="34" charset="0"/>
-              </a:rPr>
-              <a:t> (3 livelli):</a:t>
-            </a:r>
-          </a:p>
-          <a:p>
-            <a:r>
-              <a:rPr lang="it-IT" sz="2400" b="1" dirty="0">
-                <a:solidFill>
-                  <a:schemeClr val="tx1"/>
-                </a:solidFill>
-                <a:latin typeface="Tahoma" panose="020B0604030504040204" pitchFamily="34" charset="0"/>
-                <a:ea typeface="Tahoma" panose="020B0604030504040204" pitchFamily="34" charset="0"/>
-                <a:cs typeface="Tahoma" panose="020B0604030504040204" pitchFamily="34" charset="0"/>
-              </a:rPr>
-              <a:t>Bottom </a:t>
-            </a:r>
-            <a:r>
-              <a:rPr lang="it-IT" sz="2400" b="1" dirty="0" err="1">
-                <a:solidFill>
-                  <a:schemeClr val="tx1"/>
-                </a:solidFill>
-                <a:latin typeface="Tahoma" panose="020B0604030504040204" pitchFamily="34" charset="0"/>
-                <a:ea typeface="Tahoma" panose="020B0604030504040204" pitchFamily="34" charset="0"/>
-                <a:cs typeface="Tahoma" panose="020B0604030504040204" pitchFamily="34" charset="0"/>
-              </a:rPr>
-              <a:t>tier</a:t>
-            </a:r>
-            <a:r>
-              <a:rPr lang="it-IT" sz="2400" b="1" dirty="0">
-                <a:solidFill>
-                  <a:schemeClr val="tx1"/>
-                </a:solidFill>
-                <a:latin typeface="Tahoma" panose="020B0604030504040204" pitchFamily="34" charset="0"/>
-                <a:ea typeface="Tahoma" panose="020B0604030504040204" pitchFamily="34" charset="0"/>
-                <a:cs typeface="Tahoma" panose="020B0604030504040204" pitchFamily="34" charset="0"/>
-              </a:rPr>
-              <a:t>: </a:t>
-            </a:r>
-            <a:r>
-              <a:rPr lang="it-IT" sz="2400" dirty="0">
-                <a:solidFill>
-                  <a:schemeClr val="tx1"/>
-                </a:solidFill>
-                <a:latin typeface="Tahoma" panose="020B0604030504040204" pitchFamily="34" charset="0"/>
-                <a:ea typeface="Tahoma" panose="020B0604030504040204" pitchFamily="34" charset="0"/>
-                <a:cs typeface="Tahoma" panose="020B0604030504040204" pitchFamily="34" charset="0"/>
-              </a:rPr>
-              <a:t>E’ costituito da una data </a:t>
-            </a:r>
-            <a:r>
-              <a:rPr lang="it-IT" sz="2400" dirty="0" err="1">
-                <a:solidFill>
-                  <a:schemeClr val="tx1"/>
-                </a:solidFill>
-                <a:latin typeface="Tahoma" panose="020B0604030504040204" pitchFamily="34" charset="0"/>
-                <a:ea typeface="Tahoma" panose="020B0604030504040204" pitchFamily="34" charset="0"/>
-                <a:cs typeface="Tahoma" panose="020B0604030504040204" pitchFamily="34" charset="0"/>
-              </a:rPr>
-              <a:t>warehouse</a:t>
-            </a:r>
-            <a:r>
-              <a:rPr lang="it-IT" sz="2400" dirty="0">
-                <a:solidFill>
-                  <a:schemeClr val="tx1"/>
-                </a:solidFill>
-                <a:latin typeface="Tahoma" panose="020B0604030504040204" pitchFamily="34" charset="0"/>
-                <a:ea typeface="Tahoma" panose="020B0604030504040204" pitchFamily="34" charset="0"/>
-                <a:cs typeface="Tahoma" panose="020B0604030504040204" pitchFamily="34" charset="0"/>
-              </a:rPr>
-              <a:t> server, di solito si tratta di un sistema database relazionale, il quale colleziona, ripulisce e trasforma i dati provenienti da sorgenti di dati multiple attraverso un processo conosciuto come ETL (</a:t>
-            </a:r>
-            <a:r>
-              <a:rPr lang="it-IT" sz="2400" dirty="0" err="1">
-                <a:solidFill>
-                  <a:schemeClr val="tx1"/>
-                </a:solidFill>
-                <a:latin typeface="Tahoma" panose="020B0604030504040204" pitchFamily="34" charset="0"/>
-                <a:ea typeface="Tahoma" panose="020B0604030504040204" pitchFamily="34" charset="0"/>
-                <a:cs typeface="Tahoma" panose="020B0604030504040204" pitchFamily="34" charset="0"/>
-              </a:rPr>
-              <a:t>Extract</a:t>
-            </a:r>
-            <a:r>
-              <a:rPr lang="it-IT" sz="2400" dirty="0">
-                <a:solidFill>
-                  <a:schemeClr val="tx1"/>
-                </a:solidFill>
-                <a:latin typeface="Tahoma" panose="020B0604030504040204" pitchFamily="34" charset="0"/>
-                <a:ea typeface="Tahoma" panose="020B0604030504040204" pitchFamily="34" charset="0"/>
-                <a:cs typeface="Tahoma" panose="020B0604030504040204" pitchFamily="34" charset="0"/>
-              </a:rPr>
-              <a:t>, </a:t>
-            </a:r>
-            <a:r>
-              <a:rPr lang="it-IT" sz="2400" dirty="0" err="1">
-                <a:solidFill>
-                  <a:schemeClr val="tx1"/>
-                </a:solidFill>
-                <a:latin typeface="Tahoma" panose="020B0604030504040204" pitchFamily="34" charset="0"/>
-                <a:ea typeface="Tahoma" panose="020B0604030504040204" pitchFamily="34" charset="0"/>
-                <a:cs typeface="Tahoma" panose="020B0604030504040204" pitchFamily="34" charset="0"/>
-              </a:rPr>
-              <a:t>Transform</a:t>
-            </a:r>
-            <a:r>
-              <a:rPr lang="it-IT" sz="2400" dirty="0">
-                <a:solidFill>
-                  <a:schemeClr val="tx1"/>
-                </a:solidFill>
-                <a:latin typeface="Tahoma" panose="020B0604030504040204" pitchFamily="34" charset="0"/>
-                <a:ea typeface="Tahoma" panose="020B0604030504040204" pitchFamily="34" charset="0"/>
-                <a:cs typeface="Tahoma" panose="020B0604030504040204" pitchFamily="34" charset="0"/>
-              </a:rPr>
-              <a:t> and Load) o un processo conosciuto come </a:t>
-            </a:r>
-            <a:r>
-              <a:rPr lang="it-IT" sz="2400" dirty="0" err="1">
-                <a:solidFill>
-                  <a:schemeClr val="tx1"/>
-                </a:solidFill>
-                <a:latin typeface="Tahoma" panose="020B0604030504040204" pitchFamily="34" charset="0"/>
-                <a:ea typeface="Tahoma" panose="020B0604030504040204" pitchFamily="34" charset="0"/>
-                <a:cs typeface="Tahoma" panose="020B0604030504040204" pitchFamily="34" charset="0"/>
-              </a:rPr>
-              <a:t>Extract</a:t>
-            </a:r>
-            <a:r>
-              <a:rPr lang="it-IT" sz="2400" dirty="0">
-                <a:solidFill>
-                  <a:schemeClr val="tx1"/>
-                </a:solidFill>
-                <a:latin typeface="Tahoma" panose="020B0604030504040204" pitchFamily="34" charset="0"/>
-                <a:ea typeface="Tahoma" panose="020B0604030504040204" pitchFamily="34" charset="0"/>
-                <a:cs typeface="Tahoma" panose="020B0604030504040204" pitchFamily="34" charset="0"/>
-              </a:rPr>
-              <a:t>, Load and </a:t>
-            </a:r>
-            <a:r>
-              <a:rPr lang="it-IT" sz="2400" dirty="0" err="1">
-                <a:solidFill>
-                  <a:schemeClr val="tx1"/>
-                </a:solidFill>
-                <a:latin typeface="Tahoma" panose="020B0604030504040204" pitchFamily="34" charset="0"/>
-                <a:ea typeface="Tahoma" panose="020B0604030504040204" pitchFamily="34" charset="0"/>
-                <a:cs typeface="Tahoma" panose="020B0604030504040204" pitchFamily="34" charset="0"/>
-              </a:rPr>
-              <a:t>Transform</a:t>
-            </a:r>
-            <a:r>
-              <a:rPr lang="it-IT" sz="2400" dirty="0">
-                <a:solidFill>
-                  <a:schemeClr val="tx1"/>
-                </a:solidFill>
-                <a:latin typeface="Tahoma" panose="020B0604030504040204" pitchFamily="34" charset="0"/>
-                <a:ea typeface="Tahoma" panose="020B0604030504040204" pitchFamily="34" charset="0"/>
-                <a:cs typeface="Tahoma" panose="020B0604030504040204" pitchFamily="34" charset="0"/>
-              </a:rPr>
-              <a:t> (ELT).</a:t>
-            </a:r>
-            <a:endParaRPr lang="it-IT" sz="2400" b="1" dirty="0">
-              <a:solidFill>
-                <a:schemeClr val="tx1"/>
-              </a:solidFill>
-              <a:latin typeface="Tahoma" panose="020B0604030504040204" pitchFamily="34" charset="0"/>
-              <a:ea typeface="Tahoma" panose="020B0604030504040204" pitchFamily="34" charset="0"/>
-              <a:cs typeface="Tahoma" panose="020B0604030504040204" pitchFamily="34" charset="0"/>
-            </a:endParaRPr>
-          </a:p>
-        </p:txBody>
-      </p:sp>
-      <p:sp>
-        <p:nvSpPr>
-          <p:cNvPr id="7" name="Segnaposto numero diapositiva 6">
-            <a:extLst>
-              <a:ext uri="{FF2B5EF4-FFF2-40B4-BE49-F238E27FC236}">
-                <a16:creationId xmlns:a16="http://schemas.microsoft.com/office/drawing/2014/main" id="{AB740BE9-E218-4144-BFDE-AE473D230A3D}"/>
-              </a:ext>
-            </a:extLst>
-          </p:cNvPr>
-          <p:cNvSpPr>
-            <a:spLocks noGrp="1"/>
-          </p:cNvSpPr>
-          <p:nvPr>
-            <p:ph type="sldNum" sz="quarter" idx="12"/>
-          </p:nvPr>
-        </p:nvSpPr>
-        <p:spPr/>
-        <p:txBody>
-          <a:bodyPr/>
-          <a:lstStyle/>
-          <a:p>
-            <a:pPr>
-              <a:defRPr/>
-            </a:pPr>
-            <a:fld id="{48B4153A-D4C5-4CEF-8992-0D8815C829E3}" type="slidenum">
-              <a:rPr lang="en-US" smtClean="0"/>
-              <a:pPr>
-                <a:defRPr/>
-              </a:pPr>
-              <a:t>4</a:t>
-            </a:fld>
-            <a:endParaRPr lang="en-US" dirty="0"/>
-          </a:p>
-        </p:txBody>
-      </p:sp>
-      <p:sp>
-        <p:nvSpPr>
-          <p:cNvPr id="5" name="Titolo 4">
-            <a:extLst>
-              <a:ext uri="{FF2B5EF4-FFF2-40B4-BE49-F238E27FC236}">
-                <a16:creationId xmlns:a16="http://schemas.microsoft.com/office/drawing/2014/main" id="{82C46BA2-B380-4357-B125-BA9F08A643F5}"/>
-              </a:ext>
-            </a:extLst>
-          </p:cNvPr>
-          <p:cNvSpPr>
-            <a:spLocks noGrp="1"/>
-          </p:cNvSpPr>
-          <p:nvPr>
-            <p:ph type="title"/>
-          </p:nvPr>
-        </p:nvSpPr>
-        <p:spPr>
-          <a:xfrm>
-            <a:off x="468895" y="503475"/>
-            <a:ext cx="11269308" cy="384721"/>
-          </a:xfrm>
-        </p:spPr>
-        <p:txBody>
-          <a:bodyPr/>
-          <a:lstStyle/>
-          <a:p>
-            <a:r>
-              <a:rPr lang="it-IT" altLang="it-IT" dirty="0"/>
-              <a:t>ETL – Architettura di un Data </a:t>
-            </a:r>
-            <a:r>
-              <a:rPr lang="it-IT" altLang="it-IT" dirty="0" err="1"/>
-              <a:t>Warehouse</a:t>
-            </a:r>
-            <a:endParaRPr lang="it-IT" dirty="0"/>
-          </a:p>
-        </p:txBody>
-      </p:sp>
-      <p:pic>
-        <p:nvPicPr>
-          <p:cNvPr id="4" name="Immagine 3">
-            <a:extLst>
-              <a:ext uri="{FF2B5EF4-FFF2-40B4-BE49-F238E27FC236}">
-                <a16:creationId xmlns:a16="http://schemas.microsoft.com/office/drawing/2014/main" id="{14290B2D-95D8-5FC8-2E34-E781049810DB}"/>
-              </a:ext>
-            </a:extLst>
-          </p:cNvPr>
-          <p:cNvPicPr>
-            <a:picLocks noChangeAspect="1"/>
-          </p:cNvPicPr>
-          <p:nvPr/>
-        </p:nvPicPr>
-        <p:blipFill>
-          <a:blip r:embed="rId2"/>
-          <a:stretch>
-            <a:fillRect/>
-          </a:stretch>
-        </p:blipFill>
-        <p:spPr>
-          <a:xfrm>
-            <a:off x="5634677" y="1831918"/>
-            <a:ext cx="6231026" cy="4169903"/>
-          </a:xfrm>
-          <a:prstGeom prst="rect">
-            <a:avLst/>
-          </a:prstGeom>
-        </p:spPr>
-      </p:pic>
-    </p:spTree>
-    <p:extLst>
-      <p:ext uri="{BB962C8B-B14F-4D97-AF65-F5344CB8AC3E}">
-        <p14:creationId xmlns:p14="http://schemas.microsoft.com/office/powerpoint/2010/main" val="2883046441"/>
       </p:ext>
     </p:extLst>
   </p:cSld>
@@ -17985,7 +19923,31 @@
                 <a:ea typeface="Tahoma" panose="020B0604030504040204" pitchFamily="34" charset="0"/>
                 <a:cs typeface="Tahoma" panose="020B0604030504040204" pitchFamily="34" charset="0"/>
               </a:rPr>
-              <a:t>Gli schemi sono i modi in cui i dati sono organizzati all’interno dei database o ddata ware house. Ci sono due principali strutture degli schemi: lo </a:t>
+              <a:t>Gli schemi sono i modi in cui i dati sono organizzati all’interno dei database o </a:t>
+            </a:r>
+            <a:r>
+              <a:rPr lang="it-IT" sz="2400" i="0" smtClean="0">
+                <a:solidFill>
+                  <a:schemeClr val="tx1"/>
+                </a:solidFill>
+                <a:effectLst/>
+                <a:latin typeface="Tahoma" panose="020B0604030504040204" pitchFamily="34" charset="0"/>
+                <a:ea typeface="Tahoma" panose="020B0604030504040204" pitchFamily="34" charset="0"/>
+                <a:cs typeface="Tahoma" panose="020B0604030504040204" pitchFamily="34" charset="0"/>
+              </a:rPr>
+              <a:t>data </a:t>
+            </a:r>
+            <a:r>
+              <a:rPr lang="it-IT" sz="2400" i="0">
+                <a:solidFill>
+                  <a:schemeClr val="tx1"/>
+                </a:solidFill>
+                <a:effectLst/>
+                <a:latin typeface="Tahoma" panose="020B0604030504040204" pitchFamily="34" charset="0"/>
+                <a:ea typeface="Tahoma" panose="020B0604030504040204" pitchFamily="34" charset="0"/>
+                <a:cs typeface="Tahoma" panose="020B0604030504040204" pitchFamily="34" charset="0"/>
+              </a:rPr>
+              <a:t>ware house. Ci sono due principali strutture degli schemi: lo </a:t>
             </a:r>
             <a:r>
               <a:rPr lang="it-IT" sz="2400" b="1" i="0">
@@ -18984,6 +20946,56 @@
 </file>
 
 <file path=customXml/item1.xml><?xml version="1.0" encoding="utf-8"?>
+<?mso-contentType ?>
+<spe:Receivers xmlns:spe="http://schemas.microsoft.com/sharepoint/events">
+  <Receiver>
+    <Name>Document ID Generator</Name>
+    <Synchronization>Synchronous</Synchronization>
+    <Type>10001</Type>
+    <SequenceNumber>1000</SequenceNumber>
+    <Url/>
+    <Assembly>Microsoft.Office.DocumentManagement, Version=15.0.0.0, Culture=neutral, PublicKeyToken=71e9bce111e9429c</Assembly>
+    <Class>Microsoft.Office.DocumentManagement.Internal.DocIdHandler</Class>
+    <Data/>
+    <Filter/>
+  </Receiver>
+  <Receiver>
+    <Name>Document ID Generator</Name>
+    <Synchronization>Synchronous</Synchronization>
+    <Type>10002</Type>
+    <SequenceNumber>1001</SequenceNumber>
+    <Url/>
+    <Assembly>Microsoft.Office.DocumentManagement, Version=15.0.0.0, Culture=neutral, PublicKeyToken=71e9bce111e9429c</Assembly>
+    <Class>Microsoft.Office.DocumentManagement.Internal.DocIdHandler</Class>
+    <Data/>
+    <Filter/>
+  </Receiver>
+  <Receiver>
+    <Name>Document ID Generator</Name>
+    <Synchronization>Synchronous</Synchronization>
+    <Type>10004</Type>
+    <SequenceNumber>1002</SequenceNumber>
+    <Url/>
+    <Assembly>Microsoft.Office.DocumentManagement, Version=15.0.0.0, Culture=neutral, PublicKeyToken=71e9bce111e9429c</Assembly>
+    <Class>Microsoft.Office.DocumentManagement.Internal.DocIdHandler</Class>
+    <Data/>
+    <Filter/>
+  </Receiver>
+  <Receiver>
+    <Name>Document ID Generator</Name>
+    <Synchronization>Synchronous</Synchronization>
+    <Type>10006</Type>
+    <SequenceNumber>1003</SequenceNumber>
+    <Url/>
+    <Assembly>Microsoft.Office.DocumentManagement, Version=15.0.0.0, Culture=neutral, PublicKeyToken=71e9bce111e9429c</Assembly>
+    <Class>Microsoft.Office.DocumentManagement.Internal.DocIdHandler</Class>
+    <Data/>
+    <Filter/>
+  </Receiver>
+</spe:Receivers>
+</file>
+
+<file path=customXml/item2.xml><?xml version="1.0" encoding="utf-8"?>
 <ct:contentTypeSchema xmlns:ct="http://schemas.microsoft.com/office/2006/metadata/contentType" xmlns:ma="http://schemas.microsoft.com/office/2006/metadata/properties/metaAttributes" ct:_="" ma:_="" ma:contentTypeName="Documento" ma:contentTypeID="0x010100661A2BE3120D674DA36C11D6006822D4" ma:contentTypeVersion="3" ma:contentTypeDescription="Creare un nuovo documento." ma:contentTypeScope="" ma:versionID="2ad8b07f9840a1ce9cd199d874146b74">
   <xsd:schema xmlns:xsd="http://www.w3.org/2001/XMLSchema" xmlns:xs="http://www.w3.org/2001/XMLSchema" xmlns:p="http://schemas.microsoft.com/office/2006/metadata/properties" xmlns:ns2="c58f2efd-82a8-4ecf-b395-8c25e928921d" xmlns:ns3="459159c4-d20a-4ff3-9b11-fbd127bd52e5" xmlns:ns4="679261c3-551f-4e86-913f-177e0e529669" targetNamespace="http://schemas.microsoft.com/office/2006/metadata/properties" ma:root="true" ma:fieldsID="fffb0e16fb90ffea59fef1085e90ecca" ns2:_="" ns3:_="" ns4:_="">
     <xsd:import namespace="c58f2efd-82a8-4ecf-b395-8c25e928921d"/>
@@ -19170,66 +21182,7 @@
 </ct:contentTypeSchema>
 </file>
 
-<file path=customXml/item2.xml><?xml version="1.0" encoding="utf-8"?>
-<?mso-contentType ?>
-<spe:Receivers xmlns:spe="http://schemas.microsoft.com/sharepoint/events">
-  <Receiver>
-    <Name>Document ID Generator</Name>
-    <Synchronization>Synchronous</Synchronization>
-    <Type>10001</Type>
-    <SequenceNumber>1000</SequenceNumber>
-    <Url/>
-    <Assembly>Microsoft.Office.DocumentManagement, Version=15.0.0.0, Culture=neutral, PublicKeyToken=71e9bce111e9429c</Assembly>
-    <Class>Microsoft.Office.DocumentManagement.Internal.DocIdHandler</Class>
-    <Data/>
-    <Filter/>
-  </Receiver>
-  <Receiver>
-    <Name>Document ID Generator</Name>
-    <Synchronization>Synchronous</Synchronization>
-    <Type>10002</Type>
-    <SequenceNumber>1001</SequenceNumber>
-    <Url/>
-    <Assembly>Microsoft.Office.DocumentManagement, Version=15.0.0.0, Culture=neutral, PublicKeyToken=71e9bce111e9429c</Assembly>
-    <Class>Microsoft.Office.DocumentManagement.Internal.DocIdHandler</Class>
-    <Data/>
-    <Filter/>
-  </Receiver>
-  <Receiver>
-    <Name>Document ID Generator</Name>
-    <Synchronization>Synchronous</Synchronization>
-    <Type>10004</Type>
-    <SequenceNumber>1002</SequenceNumber>
-    <Url/>
-    <Assembly>Microsoft.Office.DocumentManagement, Version=15.0.0.0, Culture=neutral, PublicKeyToken=71e9bce111e9429c</Assembly>
-    <Class>Microsoft.Office.DocumentManagement.Internal.DocIdHandler</Class>
-    <Data/>
-    <Filter/>
-  </Receiver>
-  <Receiver>
-    <Name>Document ID Generator</Name>
-    <Synchronization>Synchronous</Synchronization>
-    <Type>10006</Type>
-    <SequenceNumber>1003</SequenceNumber>
-    <Url/>
-    <Assembly>Microsoft.Office.DocumentManagement, Version=15.0.0.0, Culture=neutral, PublicKeyToken=71e9bce111e9429c</Assembly>
-    <Class>Microsoft.Office.DocumentManagement.Internal.DocIdHandler</Class>
-    <Data/>
-    <Filter/>
-  </Receiver>
-</spe:Receivers>
-</file>
-
 <file path=customXml/item3.xml><?xml version="1.0" encoding="utf-8"?>
-<?mso-contentType ?>
-<FormTemplates xmlns="http://schemas.microsoft.com/sharepoint/v3/contenttype/forms">
-  <Display>DocumentLibraryForm</Display>
-  <Edit>DocumentLibraryForm</Edit>
-  <New>DocumentLibraryForm</New>
-</FormTemplates>
-</file>
-
-<file path=customXml/item4.xml><?xml version="1.0" encoding="utf-8"?>
 <p:properties xmlns:p="http://schemas.microsoft.com/office/2006/metadata/properties" xmlns:xsi="http://www.w3.org/2001/XMLSchema-instance" xmlns:pc="http://schemas.microsoft.com/office/infopath/2007/PartnerControls">
   <documentManagement>
     <SottoCategoria xmlns="679261c3-551f-4e86-913f-177e0e529669">-</SottoCategoria>
@@ -19243,7 +21196,24 @@
 </p:properties>
 </file>
 
+<file path=customXml/item4.xml><?xml version="1.0" encoding="utf-8"?>
+<?mso-contentType ?>
+<FormTemplates xmlns="http://schemas.microsoft.com/sharepoint/v3/contenttype/forms">
+  <Display>DocumentLibraryForm</Display>
+  <Edit>DocumentLibraryForm</Edit>
+  <New>DocumentLibraryForm</New>
+</FormTemplates>
+</file>
+
 <file path=customXml/itemProps1.xml><?xml version="1.0" encoding="utf-8"?>
+<ds:datastoreItem xmlns:ds="http://schemas.openxmlformats.org/officeDocument/2006/customXml" ds:itemID="{D9296C4F-9DE9-4B43-AA80-1FC85656CFFA}">
+  <ds:schemaRefs>
+    <ds:schemaRef ds:uri="http://schemas.microsoft.com/sharepoint/events"/>
+  </ds:schemaRefs>
+</ds:datastoreItem>
+</file>
+
+<file path=customXml/itemProps2.xml><?xml version="1.0" encoding="utf-8"?>
 <ds:datastoreItem xmlns:ds="http://schemas.openxmlformats.org/officeDocument/2006/customXml" ds:itemID="{3F66F418-6054-4EA5-BF8E-6AF3CEAE6265}">
   <ds:schemaRefs>
     <ds:schemaRef ds:uri="http://schemas.microsoft.com/office/2006/metadata/contentType"/>
@@ -19263,23 +21233,7 @@
 </ds:datastoreItem>
 </file>
 
-<file path=customXml/itemProps2.xml><?xml version="1.0" encoding="utf-8"?>
-<ds:datastoreItem xmlns:ds="http://schemas.openxmlformats.org/officeDocument/2006/customXml" ds:itemID="{D9296C4F-9DE9-4B43-AA80-1FC85656CFFA}">
-  <ds:schemaRefs>
-    <ds:schemaRef ds:uri="http://schemas.microsoft.com/sharepoint/events"/>
-  </ds:schemaRefs>
-</ds:datastoreItem>
-</file>
-
 <file path=customXml/itemProps3.xml><?xml version="1.0" encoding="utf-8"?>
-<ds:datastoreItem xmlns:ds="http://schemas.openxmlformats.org/officeDocument/2006/customXml" ds:itemID="{BD9C238D-4D5C-4783-820B-4854DCE45D41}">
-  <ds:schemaRefs>
-    <ds:schemaRef ds:uri="http://schemas.microsoft.com/sharepoint/v3/contenttype/forms"/>
-  </ds:schemaRefs>
-</ds:datastoreItem>
-</file>
-
-<file path=customXml/itemProps4.xml><?xml version="1.0" encoding="utf-8"?>
 <ds:datastoreItem xmlns:ds="http://schemas.openxmlformats.org/officeDocument/2006/customXml" ds:itemID="{3EF378BC-F4D0-4510-B4EC-07B6EFE18CF8}">
   <ds:schemaRefs>
     <ds:schemaRef ds:uri="http://schemas.microsoft.com/office/2006/documentManagement/types"/>
@@ -19295,4 +21249,12 @@
     <ds:schemaRef ds:uri="http://purl.org/dc/dcmitype/"/>
   </ds:schemaRefs>
 </ds:datastoreItem>
+</file>
+
+<file path=customXml/itemProps4.xml><?xml version="1.0" encoding="utf-8"?>
+<ds:datastoreItem xmlns:ds="http://schemas.openxmlformats.org/officeDocument/2006/customXml" ds:itemID="{BD9C238D-4D5C-4783-820B-4854DCE45D41}">
+  <ds:schemaRefs>
+    <ds:schemaRef ds:uri="http://schemas.microsoft.com/sharepoint/v3/contenttype/forms"/>
+  </ds:schemaRefs>
+</ds:datastoreItem>
 </file>
--- a/Data_Science_ita.pptx
+++ b/Data_Science_ita.pptx
@@ -5,7 +5,7 @@
     <p:sldMasterId id="2147483648" r:id="rId5"/>
   </p:sldMasterIdLst>
   <p:notesMasterIdLst>
-    <p:notesMasterId r:id="rId51"/>
+    <p:notesMasterId r:id="rId55"/>
   </p:notesMasterIdLst>
   <p:sldIdLst>
     <p:sldId id="256" r:id="rId6"/>
@@ -41,18 +41,22 @@
     <p:sldId id="379" r:id="rId36"/>
     <p:sldId id="380" r:id="rId37"/>
     <p:sldId id="381" r:id="rId38"/>
-    <p:sldId id="357" r:id="rId39"/>
-    <p:sldId id="362" r:id="rId40"/>
-    <p:sldId id="368" r:id="rId41"/>
-    <p:sldId id="369" r:id="rId42"/>
-    <p:sldId id="370" r:id="rId43"/>
-    <p:sldId id="371" r:id="rId44"/>
-    <p:sldId id="372" r:id="rId45"/>
-    <p:sldId id="373" r:id="rId46"/>
-    <p:sldId id="374" r:id="rId47"/>
-    <p:sldId id="375" r:id="rId48"/>
-    <p:sldId id="358" r:id="rId49"/>
-    <p:sldId id="343" r:id="rId50"/>
+    <p:sldId id="382" r:id="rId39"/>
+    <p:sldId id="383" r:id="rId40"/>
+    <p:sldId id="384" r:id="rId41"/>
+    <p:sldId id="385" r:id="rId42"/>
+    <p:sldId id="357" r:id="rId43"/>
+    <p:sldId id="362" r:id="rId44"/>
+    <p:sldId id="368" r:id="rId45"/>
+    <p:sldId id="369" r:id="rId46"/>
+    <p:sldId id="370" r:id="rId47"/>
+    <p:sldId id="371" r:id="rId48"/>
+    <p:sldId id="372" r:id="rId49"/>
+    <p:sldId id="373" r:id="rId50"/>
+    <p:sldId id="374" r:id="rId51"/>
+    <p:sldId id="375" r:id="rId52"/>
+    <p:sldId id="358" r:id="rId53"/>
+    <p:sldId id="343" r:id="rId54"/>
   </p:sldIdLst>
   <p:sldSz cx="12192000" cy="6858000"/>
   <p:notesSz cx="6858000" cy="9144000"/>
@@ -310,7 +314,7 @@
               <a:pPr>
                 <a:defRPr/>
               </a:pPr>
-              <a:t>7/5/2022</a:t>
+              <a:t>7/6/2022</a:t>
             </a:fld>
             <a:endParaRPr lang="en-US"/>
           </a:p>
@@ -12123,7 +12127,7 @@
               <a:buChar char="ü"/>
             </a:pPr>
             <a:r>
-              <a:rPr lang="it-IT" sz="2400" smtClean="0">
+              <a:rPr lang="it-IT" sz="2400">
                 <a:solidFill>
                   <a:schemeClr val="tx1"/>
                 </a:solidFill>
@@ -12134,7 +12138,7 @@
               <a:t>Il </a:t>
             </a:r>
             <a:r>
-              <a:rPr lang="it-IT" sz="2400" b="1" smtClean="0">
+              <a:rPr lang="it-IT" sz="2400" b="1">
                 <a:solidFill>
                   <a:schemeClr val="tx1"/>
                 </a:solidFill>
@@ -12145,7 +12149,7 @@
               <a:t>Data Wrangling </a:t>
             </a:r>
             <a:r>
-              <a:rPr lang="it-IT" sz="2400" smtClean="0">
+              <a:rPr lang="it-IT" sz="2400">
                 <a:solidFill>
                   <a:schemeClr val="tx1"/>
                 </a:solidFill>
@@ -12156,7 +12160,7 @@
               <a:t>è il processio di collezione, selezione e trasformazione dei dti che risponde ad una domanda analitica. Anche conosciuto come processo di </a:t>
             </a:r>
             <a:r>
-              <a:rPr lang="it-IT" sz="2400" b="1" smtClean="0">
+              <a:rPr lang="it-IT" sz="2400" b="1">
                 <a:solidFill>
                   <a:schemeClr val="tx1"/>
                 </a:solidFill>
@@ -12167,7 +12171,7 @@
               <a:t>Data Cleaning</a:t>
             </a:r>
             <a:r>
-              <a:rPr lang="it-IT" sz="2400" smtClean="0">
+              <a:rPr lang="it-IT" sz="2400">
                 <a:solidFill>
                   <a:schemeClr val="tx1"/>
                 </a:solidFill>
@@ -12178,7 +12182,7 @@
               <a:t> o </a:t>
             </a:r>
             <a:r>
-              <a:rPr lang="it-IT" sz="2400" b="1" smtClean="0">
+              <a:rPr lang="it-IT" sz="2400" b="1">
                 <a:solidFill>
                   <a:schemeClr val="tx1"/>
                 </a:solidFill>
@@ -12189,7 +12193,7 @@
               <a:t>«data munging» </a:t>
             </a:r>
             <a:r>
-              <a:rPr lang="it-IT" sz="2400" smtClean="0">
+              <a:rPr lang="it-IT" sz="2400">
                 <a:solidFill>
                   <a:schemeClr val="tx1"/>
                 </a:solidFill>
@@ -12206,7 +12210,7 @@
               <a:buChar char="ü"/>
             </a:pPr>
             <a:r>
-              <a:rPr lang="it-IT" sz="2400" smtClean="0">
+              <a:rPr lang="it-IT" sz="2400">
                 <a:solidFill>
                   <a:schemeClr val="tx1"/>
                 </a:solidFill>
@@ -12217,7 +12221,7 @@
               <a:t>Secondo una ricerca di </a:t>
             </a:r>
             <a:r>
-              <a:rPr lang="it-IT" sz="2400" b="1" smtClean="0">
+              <a:rPr lang="it-IT" sz="2400" b="1">
                 <a:solidFill>
                   <a:schemeClr val="tx1"/>
                 </a:solidFill>
@@ -12228,7 +12232,7 @@
               <a:t>Elder Research</a:t>
             </a:r>
             <a:r>
-              <a:rPr lang="it-IT" sz="2400" smtClean="0">
+              <a:rPr lang="it-IT" sz="2400">
                 <a:solidFill>
                   <a:schemeClr val="tx1"/>
                 </a:solidFill>
@@ -12239,7 +12243,7 @@
               <a:t> sembra che il </a:t>
             </a:r>
             <a:r>
-              <a:rPr lang="it-IT" sz="2400" b="1" smtClean="0">
+              <a:rPr lang="it-IT" sz="2400" b="1">
                 <a:solidFill>
                   <a:schemeClr val="tx1"/>
                 </a:solidFill>
@@ -12250,7 +12254,7 @@
               <a:t>Data Wrangling </a:t>
             </a:r>
             <a:r>
-              <a:rPr lang="it-IT" sz="2400" smtClean="0">
+              <a:rPr lang="it-IT" sz="2400">
                 <a:solidFill>
                   <a:schemeClr val="tx1"/>
                 </a:solidFill>
@@ -12261,7 +12265,7 @@
               <a:t>richieda costi analitici pari al 80% del tempo, lasciando solo il 20% </a:t>
             </a:r>
             <a:r>
-              <a:rPr lang="it-IT" sz="2400" b="1" smtClean="0">
+              <a:rPr lang="it-IT" sz="2400" b="1">
                 <a:solidFill>
                   <a:schemeClr val="tx1"/>
                 </a:solidFill>
@@ -12272,7 +12276,7 @@
               <a:t>all’esplorazione</a:t>
             </a:r>
             <a:r>
-              <a:rPr lang="it-IT" sz="2400" smtClean="0">
+              <a:rPr lang="it-IT" sz="2400">
                 <a:solidFill>
                   <a:schemeClr val="tx1"/>
                 </a:solidFill>
@@ -12283,7 +12287,7 @@
               <a:t> e alla </a:t>
             </a:r>
             <a:r>
-              <a:rPr lang="it-IT" sz="2400" b="1" smtClean="0">
+              <a:rPr lang="it-IT" sz="2400" b="1">
                 <a:solidFill>
                   <a:schemeClr val="tx1"/>
                 </a:solidFill>
@@ -12294,7 +12298,7 @@
               <a:t>modellazione</a:t>
             </a:r>
             <a:r>
-              <a:rPr lang="it-IT" sz="2400" smtClean="0">
+              <a:rPr lang="it-IT" sz="2400">
                 <a:solidFill>
                   <a:schemeClr val="tx1"/>
                 </a:solidFill>
@@ -12311,7 +12315,7 @@
               <a:buChar char="ü"/>
             </a:pPr>
             <a:r>
-              <a:rPr lang="it-IT" sz="2400" smtClean="0">
+              <a:rPr lang="it-IT" sz="2400">
                 <a:solidFill>
                   <a:schemeClr val="tx1"/>
                 </a:solidFill>
@@ -12322,7 +12326,7 @@
               <a:t>Se si vuole creare una pipeline </a:t>
             </a:r>
             <a:r>
-              <a:rPr lang="it-IT" sz="2400" b="1" smtClean="0">
+              <a:rPr lang="it-IT" sz="2400" b="1">
                 <a:solidFill>
                   <a:schemeClr val="tx1"/>
                 </a:solidFill>
@@ -12333,7 +12337,7 @@
               <a:t>ETL </a:t>
             </a:r>
             <a:r>
-              <a:rPr lang="it-IT" sz="2400" smtClean="0">
+              <a:rPr lang="it-IT" sz="2400">
                 <a:solidFill>
                   <a:schemeClr val="tx1"/>
                 </a:solidFill>
@@ -12350,7 +12354,7 @@
               <a:buChar char="ü"/>
             </a:pPr>
             <a:r>
-              <a:rPr lang="it-IT" sz="2400" smtClean="0">
+              <a:rPr lang="it-IT" sz="2400">
                 <a:solidFill>
                   <a:schemeClr val="tx1"/>
                 </a:solidFill>
@@ -12361,7 +12365,7 @@
               <a:t>Il </a:t>
             </a:r>
             <a:r>
-              <a:rPr lang="it-IT" sz="2400" b="1" smtClean="0">
+              <a:rPr lang="it-IT" sz="2400" b="1">
                 <a:solidFill>
                   <a:schemeClr val="tx1"/>
                 </a:solidFill>
@@ -12372,7 +12376,7 @@
               <a:t>Data Wrangling </a:t>
             </a:r>
             <a:r>
-              <a:rPr lang="it-IT" sz="2400" smtClean="0">
+              <a:rPr lang="it-IT" sz="2400">
                 <a:solidFill>
                   <a:schemeClr val="tx1"/>
                 </a:solidFill>
@@ -12382,14 +12386,6 @@
               </a:rPr>
               <a:t>in sostanza è il processo di trasformazione dei dati in un formato che lo renda più facile lavorarci. Questo potrebbe significare trasformare tutti i valori di una data colonna in un certo modo o fondendo colonne multiple insieme. </a:t>
             </a:r>
-            <a:endParaRPr lang="it-IT" sz="2400">
-              <a:solidFill>
-                <a:schemeClr val="tx1"/>
-              </a:solidFill>
-              <a:latin typeface="Tahoma" panose="020B0604030504040204" pitchFamily="34" charset="0"/>
-              <a:ea typeface="Tahoma" panose="020B0604030504040204" pitchFamily="34" charset="0"/>
-              <a:cs typeface="Tahoma" panose="020B0604030504040204" pitchFamily="34" charset="0"/>
-            </a:endParaRPr>
           </a:p>
         </p:txBody>
       </p:sp>
@@ -12456,11 +12452,7 @@
           <a:p>
             <a:r>
               <a:rPr lang="it-IT" altLang="it-IT"/>
-              <a:t>Processi collegati alla Data Transformation: Data </a:t>
-            </a:r>
-            <a:r>
-              <a:rPr lang="it-IT" altLang="it-IT" smtClean="0"/>
-              <a:t>Wrangling</a:t>
+              <a:t>Processi collegati alla Data Transformation: Data Wrangling</a:t>
             </a:r>
             <a:endParaRPr lang="it-IT" dirty="0"/>
           </a:p>
@@ -12527,7 +12519,7 @@
               <a:buChar char="ü"/>
             </a:pPr>
             <a:r>
-              <a:rPr lang="it-IT" sz="2400" smtClean="0">
+              <a:rPr lang="it-IT" sz="2400">
                 <a:solidFill>
                   <a:schemeClr val="tx1"/>
                 </a:solidFill>
@@ -12538,7 +12530,7 @@
               <a:t>La necessità del </a:t>
             </a:r>
             <a:r>
-              <a:rPr lang="it-IT" sz="2400" b="1" smtClean="0">
+              <a:rPr lang="it-IT" sz="2400" b="1">
                 <a:solidFill>
                   <a:schemeClr val="tx1"/>
                 </a:solidFill>
@@ -12549,7 +12541,7 @@
               <a:t>Data Wrangling </a:t>
             </a:r>
             <a:r>
-              <a:rPr lang="it-IT" sz="2400" smtClean="0">
+              <a:rPr lang="it-IT" sz="2400">
                 <a:solidFill>
                   <a:schemeClr val="tx1"/>
                 </a:solidFill>
@@ -12566,7 +12558,7 @@
               <a:buChar char="ü"/>
             </a:pPr>
             <a:r>
-              <a:rPr lang="it-IT" sz="2400" smtClean="0">
+              <a:rPr lang="it-IT" sz="2400">
                 <a:solidFill>
                   <a:schemeClr val="tx1"/>
                 </a:solidFill>
@@ -12583,7 +12575,7 @@
               <a:buChar char="ü"/>
             </a:pPr>
             <a:r>
-              <a:rPr lang="it-IT" sz="2400" smtClean="0">
+              <a:rPr lang="it-IT" sz="2400">
                 <a:solidFill>
                   <a:schemeClr val="tx1"/>
                 </a:solidFill>
@@ -12600,7 +12592,7 @@
               <a:buChar char="ü"/>
             </a:pPr>
             <a:r>
-              <a:rPr lang="it-IT" sz="2400" smtClean="0">
+              <a:rPr lang="it-IT" sz="2400">
                 <a:solidFill>
                   <a:schemeClr val="tx1"/>
                 </a:solidFill>
@@ -12611,7 +12603,7 @@
               <a:t>Se lavoriamo con </a:t>
             </a:r>
             <a:r>
-              <a:rPr lang="it-IT" sz="2400" b="1" smtClean="0">
+              <a:rPr lang="it-IT" sz="2400" b="1">
                 <a:solidFill>
                   <a:schemeClr val="tx1"/>
                 </a:solidFill>
@@ -12622,7 +12614,7 @@
               <a:t>SQL </a:t>
             </a:r>
             <a:r>
-              <a:rPr lang="it-IT" sz="2400" smtClean="0">
+              <a:rPr lang="it-IT" sz="2400">
                 <a:solidFill>
                   <a:schemeClr val="tx1"/>
                 </a:solidFill>
@@ -12698,11 +12690,7 @@
           <a:p>
             <a:r>
               <a:rPr lang="it-IT" altLang="it-IT"/>
-              <a:t>Processi collegati alla Data Transformation: Data </a:t>
-            </a:r>
-            <a:r>
-              <a:rPr lang="it-IT" altLang="it-IT" smtClean="0"/>
-              <a:t>Wrangling</a:t>
+              <a:t>Processi collegati alla Data Transformation: Data Wrangling</a:t>
             </a:r>
             <a:endParaRPr lang="it-IT" dirty="0"/>
           </a:p>
@@ -12851,18 +12839,7 @@
                 <a:ea typeface="Tahoma" panose="020B0604030504040204" pitchFamily="34" charset="0"/>
                 <a:cs typeface="Tahoma" panose="020B0604030504040204" pitchFamily="34" charset="0"/>
               </a:rPr>
-              <a:t> può </a:t>
-            </a:r>
-            <a:r>
-              <a:rPr lang="it-IT" sz="2400" smtClean="0">
-                <a:solidFill>
-                  <a:schemeClr val="tx1"/>
-                </a:solidFill>
-                <a:latin typeface="Tahoma" panose="020B0604030504040204" pitchFamily="34" charset="0"/>
-                <a:ea typeface="Tahoma" panose="020B0604030504040204" pitchFamily="34" charset="0"/>
-                <a:cs typeface="Tahoma" panose="020B0604030504040204" pitchFamily="34" charset="0"/>
-              </a:rPr>
-              <a:t>essere:</a:t>
+              <a:t> può essere:</a:t>
             </a:r>
           </a:p>
           <a:p>
@@ -12871,7 +12848,7 @@
               <a:buAutoNum type="arabicPeriod"/>
             </a:pPr>
             <a:r>
-              <a:rPr lang="it-IT" sz="2400" smtClean="0">
+              <a:rPr lang="it-IT" sz="2400">
                 <a:solidFill>
                   <a:schemeClr val="tx1"/>
                 </a:solidFill>
@@ -12882,17 +12859,6 @@
               <a:t>costruttiva:</a:t>
             </a:r>
             <a:r>
-              <a:rPr lang="it-IT" sz="2400" b="0" smtClean="0">
-                <a:solidFill>
-                  <a:schemeClr val="tx1"/>
-                </a:solidFill>
-                <a:latin typeface="Tahoma" panose="020B0604030504040204" pitchFamily="34" charset="0"/>
-                <a:ea typeface="Tahoma" panose="020B0604030504040204" pitchFamily="34" charset="0"/>
-                <a:cs typeface="Tahoma" panose="020B0604030504040204" pitchFamily="34" charset="0"/>
-              </a:rPr>
-              <a:t> aggiungere</a:t>
-            </a:r>
-            <a:r>
               <a:rPr lang="it-IT" sz="2400" b="0">
                 <a:solidFill>
                   <a:schemeClr val="tx1"/>
@@ -12901,18 +12867,7 @@
                 <a:ea typeface="Tahoma" panose="020B0604030504040204" pitchFamily="34" charset="0"/>
                 <a:cs typeface="Tahoma" panose="020B0604030504040204" pitchFamily="34" charset="0"/>
               </a:rPr>
-              <a:t>, copiare e replicare i </a:t>
-            </a:r>
-            <a:r>
-              <a:rPr lang="it-IT" sz="2400" b="0" smtClean="0">
-                <a:solidFill>
-                  <a:schemeClr val="tx1"/>
-                </a:solidFill>
-                <a:latin typeface="Tahoma" panose="020B0604030504040204" pitchFamily="34" charset="0"/>
-                <a:ea typeface="Tahoma" panose="020B0604030504040204" pitchFamily="34" charset="0"/>
-                <a:cs typeface="Tahoma" panose="020B0604030504040204" pitchFamily="34" charset="0"/>
-              </a:rPr>
-              <a:t>dati.</a:t>
+              <a:t> aggiungere, copiare e replicare i dati.</a:t>
             </a:r>
           </a:p>
           <a:p>
@@ -12921,7 +12876,7 @@
               <a:buAutoNum type="arabicPeriod"/>
             </a:pPr>
             <a:r>
-              <a:rPr lang="it-IT" sz="2400" smtClean="0">
+              <a:rPr lang="it-IT" sz="2400">
                 <a:solidFill>
                   <a:schemeClr val="tx1"/>
                 </a:solidFill>
@@ -12932,17 +12887,6 @@
               <a:t>distruttiva: </a:t>
             </a:r>
             <a:r>
-              <a:rPr lang="it-IT" sz="2400" b="0" smtClean="0">
-                <a:solidFill>
-                  <a:schemeClr val="tx1"/>
-                </a:solidFill>
-                <a:latin typeface="Tahoma" panose="020B0604030504040204" pitchFamily="34" charset="0"/>
-                <a:ea typeface="Tahoma" panose="020B0604030504040204" pitchFamily="34" charset="0"/>
-                <a:cs typeface="Tahoma" panose="020B0604030504040204" pitchFamily="34" charset="0"/>
-              </a:rPr>
-              <a:t>cancellare </a:t>
-            </a:r>
-            <a:r>
               <a:rPr lang="it-IT" sz="2400" b="0">
                 <a:solidFill>
                   <a:schemeClr val="tx1"/>
@@ -12951,21 +12895,10 @@
                 <a:ea typeface="Tahoma" panose="020B0604030504040204" pitchFamily="34" charset="0"/>
                 <a:cs typeface="Tahoma" panose="020B0604030504040204" pitchFamily="34" charset="0"/>
               </a:rPr>
-              <a:t>campi e </a:t>
-            </a:r>
-            <a:r>
-              <a:rPr lang="it-IT" sz="2400" b="0" smtClean="0">
-                <a:solidFill>
-                  <a:schemeClr val="tx1"/>
-                </a:solidFill>
-                <a:latin typeface="Tahoma" panose="020B0604030504040204" pitchFamily="34" charset="0"/>
-                <a:ea typeface="Tahoma" panose="020B0604030504040204" pitchFamily="34" charset="0"/>
-                <a:cs typeface="Tahoma" panose="020B0604030504040204" pitchFamily="34" charset="0"/>
-              </a:rPr>
-              <a:t>record</a:t>
-            </a:r>
-            <a:r>
-              <a:rPr lang="it-IT" sz="2400" smtClean="0">
+              <a:t>cancellare campi e record</a:t>
+            </a:r>
+            <a:r>
+              <a:rPr lang="it-IT" sz="2400">
                 <a:solidFill>
                   <a:schemeClr val="tx1"/>
                 </a:solidFill>
@@ -12982,7 +12915,7 @@
               <a:buAutoNum type="arabicPeriod"/>
             </a:pPr>
             <a:r>
-              <a:rPr lang="it-IT" sz="2400" smtClean="0">
+              <a:rPr lang="it-IT" sz="2400">
                 <a:solidFill>
                   <a:schemeClr val="tx1"/>
                 </a:solidFill>
@@ -12993,7 +12926,7 @@
               <a:t>estetica: </a:t>
             </a:r>
             <a:r>
-              <a:rPr lang="it-IT" sz="2400" b="0" smtClean="0">
+              <a:rPr lang="it-IT" sz="2400" b="0">
                 <a:solidFill>
                   <a:schemeClr val="tx1"/>
                 </a:solidFill>
@@ -13010,7 +12943,7 @@
               <a:buAutoNum type="arabicPeriod"/>
             </a:pPr>
             <a:r>
-              <a:rPr lang="it-IT" sz="2400" smtClean="0">
+              <a:rPr lang="it-IT" sz="2400">
                 <a:solidFill>
                   <a:schemeClr val="tx1"/>
                 </a:solidFill>
@@ -13021,7 +12954,7 @@
               <a:t>strutturale: </a:t>
             </a:r>
             <a:r>
-              <a:rPr lang="it-IT" sz="2400" b="0" smtClean="0">
+              <a:rPr lang="it-IT" sz="2400" b="0">
                 <a:solidFill>
                   <a:schemeClr val="tx1"/>
                 </a:solidFill>
@@ -13052,7 +12985,7 @@
               <a:buChar char="ü"/>
             </a:pPr>
             <a:r>
-              <a:rPr lang="it-IT" sz="2400" smtClean="0">
+              <a:rPr lang="it-IT" sz="2400">
                 <a:solidFill>
                   <a:schemeClr val="tx1"/>
                 </a:solidFill>
@@ -13063,7 +12996,7 @@
               <a:t>Un’organizzazione può scegliere tra una varietà elevata di </a:t>
             </a:r>
             <a:r>
-              <a:rPr lang="it-IT" sz="2400" b="1" smtClean="0">
+              <a:rPr lang="it-IT" sz="2400" b="1">
                 <a:solidFill>
                   <a:schemeClr val="tx1"/>
                 </a:solidFill>
@@ -13074,7 +13007,7 @@
               <a:t>tool per ETL </a:t>
             </a:r>
             <a:r>
-              <a:rPr lang="it-IT" sz="2400" smtClean="0">
+              <a:rPr lang="it-IT" sz="2400">
                 <a:solidFill>
                   <a:schemeClr val="tx1"/>
                 </a:solidFill>
@@ -13085,7 +13018,7 @@
               <a:t>che automatizzino il processo della trasformazione dei dati. Gli analisti dei dati, gli ingegneri dei dati, e i data scientist trasformano i dati anche usando </a:t>
             </a:r>
             <a:r>
-              <a:rPr lang="it-IT" sz="2400" b="1" smtClean="0">
+              <a:rPr lang="it-IT" sz="2400" b="1">
                 <a:solidFill>
                   <a:schemeClr val="tx1"/>
                 </a:solidFill>
@@ -13096,7 +13029,7 @@
               <a:t>script in Python</a:t>
             </a:r>
             <a:r>
-              <a:rPr lang="it-IT" sz="2400" smtClean="0">
+              <a:rPr lang="it-IT" sz="2400">
                 <a:solidFill>
                   <a:schemeClr val="tx1"/>
                 </a:solidFill>
@@ -13107,7 +13040,7 @@
               <a:t> e </a:t>
             </a:r>
             <a:r>
-              <a:rPr lang="it-IT" sz="2400" b="1" smtClean="0">
+              <a:rPr lang="it-IT" sz="2400" b="1">
                 <a:solidFill>
                   <a:schemeClr val="tx1"/>
                 </a:solidFill>
@@ -13118,7 +13051,7 @@
               <a:t>linguaggi specifici del dominio come SQL</a:t>
             </a:r>
             <a:r>
-              <a:rPr lang="it-IT" sz="2400" smtClean="0">
+              <a:rPr lang="it-IT" sz="2400">
                 <a:solidFill>
                   <a:schemeClr val="tx1"/>
                 </a:solidFill>
@@ -13746,7 +13679,7 @@
               <a:t> </a:t>
             </a:r>
             <a:r>
-              <a:rPr lang="it-IT" sz="2400" b="1" smtClean="0">
+              <a:rPr lang="it-IT" sz="2400" b="1">
                 <a:solidFill>
                   <a:schemeClr val="tx1"/>
                 </a:solidFill>
@@ -13765,27 +13698,8 @@
                 <a:ea typeface="Tahoma" panose="020B0604030504040204" pitchFamily="34" charset="0"/>
                 <a:cs typeface="Tahoma" panose="020B0604030504040204" pitchFamily="34" charset="0"/>
               </a:rPr>
-              <a:t> </a:t>
-            </a:r>
-            <a:r>
-              <a:rPr lang="it-IT" sz="2400" smtClean="0">
-                <a:solidFill>
-                  <a:schemeClr val="tx1"/>
-                </a:solidFill>
-                <a:latin typeface="Tahoma" panose="020B0604030504040204" pitchFamily="34" charset="0"/>
-                <a:ea typeface="Tahoma" panose="020B0604030504040204" pitchFamily="34" charset="0"/>
-                <a:cs typeface="Tahoma" panose="020B0604030504040204" pitchFamily="34" charset="0"/>
-              </a:rPr>
-              <a:t>produce i seguenti benefici: </a:t>
-            </a:r>
-            <a:endParaRPr lang="it-IT" sz="2400" smtClean="0">
-              <a:solidFill>
-                <a:schemeClr val="tx1"/>
-              </a:solidFill>
-              <a:latin typeface="Tahoma" panose="020B0604030504040204" pitchFamily="34" charset="0"/>
-              <a:ea typeface="Tahoma" panose="020B0604030504040204" pitchFamily="34" charset="0"/>
-              <a:cs typeface="Tahoma" panose="020B0604030504040204" pitchFamily="34" charset="0"/>
-            </a:endParaRPr>
+              <a:t> produce i seguenti benefici: </a:t>
+            </a:r>
           </a:p>
           <a:p>
             <a:pPr marL="1371600" lvl="2" indent="-457200">
@@ -13793,7 +13707,7 @@
               <a:buAutoNum type="arabicPeriod"/>
             </a:pPr>
             <a:r>
-              <a:rPr lang="it-IT" sz="2400" b="0" smtClean="0">
+              <a:rPr lang="it-IT" sz="2400" b="0">
                 <a:solidFill>
                   <a:schemeClr val="tx1"/>
                 </a:solidFill>
@@ -13803,14 +13717,6 @@
               </a:rPr>
               <a:t>Il dato è trasformato per essere meglio organizzato. I Dati Trasformati possono essere più facili da interpretare sia per umani che per i computer. </a:t>
             </a:r>
-            <a:endParaRPr lang="it-IT" sz="2400" b="0" smtClean="0">
-              <a:solidFill>
-                <a:schemeClr val="tx1"/>
-              </a:solidFill>
-              <a:latin typeface="Tahoma" panose="020B0604030504040204" pitchFamily="34" charset="0"/>
-              <a:ea typeface="Tahoma" panose="020B0604030504040204" pitchFamily="34" charset="0"/>
-              <a:cs typeface="Tahoma" panose="020B0604030504040204" pitchFamily="34" charset="0"/>
-            </a:endParaRPr>
           </a:p>
           <a:p>
             <a:pPr marL="1371600" lvl="2" indent="-457200">
@@ -13818,7 +13724,7 @@
               <a:buAutoNum type="arabicPeriod"/>
             </a:pPr>
             <a:r>
-              <a:rPr lang="it-IT" sz="2400" b="0" smtClean="0">
+              <a:rPr lang="it-IT" sz="2400" b="0">
                 <a:solidFill>
                   <a:schemeClr val="tx1"/>
                 </a:solidFill>
@@ -13835,7 +13741,7 @@
               <a:buAutoNum type="arabicPeriod"/>
             </a:pPr>
             <a:r>
-              <a:rPr lang="it-IT" sz="2400" b="0" smtClean="0">
+              <a:rPr lang="it-IT" sz="2400" b="0">
                 <a:solidFill>
                   <a:schemeClr val="tx1"/>
                 </a:solidFill>
@@ -13918,7 +13824,7 @@
           <a:lstStyle/>
           <a:p>
             <a:r>
-              <a:rPr lang="it-IT" altLang="it-IT" smtClean="0"/>
+              <a:rPr lang="it-IT" altLang="it-IT"/>
               <a:t>Benefici e Sfide della Trasformazione </a:t>
             </a:r>
             <a:r>
@@ -14061,7 +13967,7 @@
               <a:t> </a:t>
             </a:r>
             <a:r>
-              <a:rPr lang="it-IT" sz="2400" b="1" smtClean="0">
+              <a:rPr lang="it-IT" sz="2400" b="1">
                 <a:solidFill>
                   <a:schemeClr val="tx1"/>
                 </a:solidFill>
@@ -14080,18 +13986,7 @@
                 <a:ea typeface="Tahoma" panose="020B0604030504040204" pitchFamily="34" charset="0"/>
                 <a:cs typeface="Tahoma" panose="020B0604030504040204" pitchFamily="34" charset="0"/>
               </a:rPr>
-              <a:t> </a:t>
-            </a:r>
-            <a:r>
-              <a:rPr lang="it-IT" sz="2400" smtClean="0">
-                <a:solidFill>
-                  <a:schemeClr val="tx1"/>
-                </a:solidFill>
-                <a:latin typeface="Tahoma" panose="020B0604030504040204" pitchFamily="34" charset="0"/>
-                <a:ea typeface="Tahoma" panose="020B0604030504040204" pitchFamily="34" charset="0"/>
-                <a:cs typeface="Tahoma" panose="020B0604030504040204" pitchFamily="34" charset="0"/>
-              </a:rPr>
-              <a:t>invece deve affrontare le seguenti sfide: </a:t>
+              <a:t> invece deve affrontare le seguenti sfide: </a:t>
             </a:r>
           </a:p>
           <a:p>
@@ -14100,7 +13995,7 @@
               <a:buChar char="ü"/>
             </a:pPr>
             <a:r>
-              <a:rPr lang="it-IT" sz="2400" b="0" smtClean="0">
+              <a:rPr lang="it-IT" sz="2400" b="0">
                 <a:solidFill>
                   <a:schemeClr val="tx1"/>
                 </a:solidFill>
@@ -14111,7 +14006,7 @@
               <a:t>La </a:t>
             </a:r>
             <a:r>
-              <a:rPr lang="it-IT" sz="2400" b="1" smtClean="0">
+              <a:rPr lang="it-IT" sz="2400" b="1">
                 <a:solidFill>
                   <a:schemeClr val="tx1"/>
                 </a:solidFill>
@@ -14122,7 +14017,7 @@
               <a:t>Data Transformation </a:t>
             </a:r>
             <a:r>
-              <a:rPr lang="it-IT" sz="2400" smtClean="0">
+              <a:rPr lang="it-IT" sz="2400">
                 <a:solidFill>
                   <a:schemeClr val="tx1"/>
                 </a:solidFill>
@@ -14139,7 +14034,7 @@
               <a:buChar char="ü"/>
             </a:pPr>
             <a:r>
-              <a:rPr lang="it-IT" sz="2400" smtClean="0">
+              <a:rPr lang="it-IT" sz="2400">
                 <a:solidFill>
                   <a:schemeClr val="tx1"/>
                 </a:solidFill>
@@ -14150,7 +14045,7 @@
               <a:t>La </a:t>
             </a:r>
             <a:r>
-              <a:rPr lang="it-IT" sz="2400" b="1" smtClean="0">
+              <a:rPr lang="it-IT" sz="2400" b="1">
                 <a:solidFill>
                   <a:schemeClr val="tx1"/>
                 </a:solidFill>
@@ -14161,7 +14056,7 @@
               <a:t>Data Transformation </a:t>
             </a:r>
             <a:r>
-              <a:rPr lang="it-IT" sz="2400" smtClean="0">
+              <a:rPr lang="it-IT" sz="2400">
                 <a:solidFill>
                   <a:schemeClr val="tx1"/>
                 </a:solidFill>
@@ -14250,7 +14145,7 @@
           <a:lstStyle/>
           <a:p>
             <a:r>
-              <a:rPr lang="it-IT" altLang="it-IT" smtClean="0"/>
+              <a:rPr lang="it-IT" altLang="it-IT"/>
               <a:t>Benefici e Sfide della Trasformazione </a:t>
             </a:r>
             <a:r>
@@ -14330,7 +14225,7 @@
               <a:buChar char="ü"/>
             </a:pPr>
             <a:r>
-              <a:rPr lang="it-IT" sz="2400" smtClean="0">
+              <a:rPr lang="it-IT" sz="2400">
                 <a:solidFill>
                   <a:schemeClr val="tx1"/>
                 </a:solidFill>
@@ -14341,7 +14236,7 @@
               <a:t>Mancanza di </a:t>
             </a:r>
             <a:r>
-              <a:rPr lang="it-IT" sz="2400" b="1" smtClean="0">
+              <a:rPr lang="it-IT" sz="2400" b="1">
                 <a:solidFill>
                   <a:schemeClr val="tx1"/>
                 </a:solidFill>
@@ -14352,7 +14247,7 @@
               <a:t>expertise </a:t>
             </a:r>
             <a:r>
-              <a:rPr lang="it-IT" sz="2400" smtClean="0">
+              <a:rPr lang="it-IT" sz="2400">
                 <a:solidFill>
                   <a:schemeClr val="tx1"/>
                 </a:solidFill>
@@ -14369,7 +14264,7 @@
               <a:buChar char="ü"/>
             </a:pPr>
             <a:r>
-              <a:rPr lang="it-IT" sz="2400" smtClean="0">
+              <a:rPr lang="it-IT" sz="2400">
                 <a:solidFill>
                   <a:schemeClr val="tx1"/>
                 </a:solidFill>
@@ -14379,14 +14274,6 @@
               </a:rPr>
               <a:t>Le imprese possono eseguire trasformazioni che non si adattano ai loro bisogni. Un’attività potrebbe cambiare informazione a uno specifico formato per un’applicazione solo per reinvertire poi l’informazione a formato orginale per una differente applicazione. </a:t>
             </a:r>
-            <a:endParaRPr lang="it-IT" sz="2400" smtClean="0">
-              <a:solidFill>
-                <a:schemeClr val="tx1"/>
-              </a:solidFill>
-              <a:latin typeface="Tahoma" panose="020B0604030504040204" pitchFamily="34" charset="0"/>
-              <a:ea typeface="Tahoma" panose="020B0604030504040204" pitchFamily="34" charset="0"/>
-              <a:cs typeface="Tahoma" panose="020B0604030504040204" pitchFamily="34" charset="0"/>
-            </a:endParaRPr>
           </a:p>
         </p:txBody>
       </p:sp>
@@ -14452,7 +14339,7 @@
           <a:lstStyle/>
           <a:p>
             <a:r>
-              <a:rPr lang="it-IT" altLang="it-IT" smtClean="0"/>
+              <a:rPr lang="it-IT" altLang="it-IT"/>
               <a:t>Benefici e Sfide della Trasformazione </a:t>
             </a:r>
             <a:r>
@@ -14520,7 +14407,7 @@
         <p:spPr>
           <a:xfrm>
             <a:off x="468895" y="1446404"/>
-            <a:ext cx="10759230" cy="4392612"/>
+            <a:ext cx="11610810" cy="4392612"/>
           </a:xfrm>
         </p:spPr>
         <p:txBody>
@@ -14531,7 +14418,229 @@
               <a:buFont typeface="Wingdings" panose="05000000000000000000" pitchFamily="2" charset="2"/>
               <a:buChar char="ü"/>
             </a:pPr>
-            <a:endParaRPr lang="it-IT" sz="2400" smtClean="0">
+            <a:r>
+              <a:rPr lang="it-IT" sz="2400">
+                <a:solidFill>
+                  <a:schemeClr val="tx1"/>
+                </a:solidFill>
+                <a:latin typeface="Tahoma" panose="020B0604030504040204" pitchFamily="34" charset="0"/>
+                <a:ea typeface="Tahoma" panose="020B0604030504040204" pitchFamily="34" charset="0"/>
+                <a:cs typeface="Tahoma" panose="020B0604030504040204" pitchFamily="34" charset="0"/>
+              </a:rPr>
+              <a:t>La </a:t>
+            </a:r>
+            <a:r>
+              <a:rPr lang="it-IT" sz="2400" b="1">
+                <a:solidFill>
+                  <a:schemeClr val="tx1"/>
+                </a:solidFill>
+                <a:latin typeface="Tahoma" panose="020B0604030504040204" pitchFamily="34" charset="0"/>
+                <a:ea typeface="Tahoma" panose="020B0604030504040204" pitchFamily="34" charset="0"/>
+                <a:cs typeface="Tahoma" panose="020B0604030504040204" pitchFamily="34" charset="0"/>
+              </a:rPr>
+              <a:t>Data Transformation </a:t>
+            </a:r>
+            <a:r>
+              <a:rPr lang="it-IT" sz="2400">
+                <a:solidFill>
+                  <a:schemeClr val="tx1"/>
+                </a:solidFill>
+                <a:latin typeface="Tahoma" panose="020B0604030504040204" pitchFamily="34" charset="0"/>
+                <a:ea typeface="Tahoma" panose="020B0604030504040204" pitchFamily="34" charset="0"/>
+                <a:cs typeface="Tahoma" panose="020B0604030504040204" pitchFamily="34" charset="0"/>
+              </a:rPr>
+              <a:t>può incrementare l'efficienza dei processi di business e analitici ed rendere capaci di un migliore decision-making orientato ai dati. </a:t>
+            </a:r>
+          </a:p>
+          <a:p>
+            <a:pPr marL="457200" indent="-457200">
+              <a:buFont typeface="Wingdings" panose="05000000000000000000" pitchFamily="2" charset="2"/>
+              <a:buChar char="ü"/>
+            </a:pPr>
+            <a:r>
+              <a:rPr lang="it-IT" sz="2400">
+                <a:solidFill>
+                  <a:schemeClr val="tx1"/>
+                </a:solidFill>
+                <a:latin typeface="Tahoma" panose="020B0604030504040204" pitchFamily="34" charset="0"/>
+                <a:ea typeface="Tahoma" panose="020B0604030504040204" pitchFamily="34" charset="0"/>
+                <a:cs typeface="Tahoma" panose="020B0604030504040204" pitchFamily="34" charset="0"/>
+              </a:rPr>
+              <a:t>La </a:t>
+            </a:r>
+            <a:r>
+              <a:rPr lang="it-IT" sz="2400" b="1">
+                <a:solidFill>
+                  <a:schemeClr val="tx1"/>
+                </a:solidFill>
+                <a:latin typeface="Tahoma" panose="020B0604030504040204" pitchFamily="34" charset="0"/>
+                <a:ea typeface="Tahoma" panose="020B0604030504040204" pitchFamily="34" charset="0"/>
+                <a:cs typeface="Tahoma" panose="020B0604030504040204" pitchFamily="34" charset="0"/>
+              </a:rPr>
+              <a:t>prima fase </a:t>
+            </a:r>
+            <a:r>
+              <a:rPr lang="it-IT" sz="2400">
+                <a:solidFill>
+                  <a:schemeClr val="tx1"/>
+                </a:solidFill>
+                <a:latin typeface="Tahoma" panose="020B0604030504040204" pitchFamily="34" charset="0"/>
+                <a:ea typeface="Tahoma" panose="020B0604030504040204" pitchFamily="34" charset="0"/>
+                <a:cs typeface="Tahoma" panose="020B0604030504040204" pitchFamily="34" charset="0"/>
+              </a:rPr>
+              <a:t>della </a:t>
+            </a:r>
+            <a:r>
+              <a:rPr lang="it-IT" sz="2400" b="1">
+                <a:solidFill>
+                  <a:schemeClr val="tx1"/>
+                </a:solidFill>
+                <a:latin typeface="Tahoma" panose="020B0604030504040204" pitchFamily="34" charset="0"/>
+                <a:ea typeface="Tahoma" panose="020B0604030504040204" pitchFamily="34" charset="0"/>
+                <a:cs typeface="Tahoma" panose="020B0604030504040204" pitchFamily="34" charset="0"/>
+              </a:rPr>
+              <a:t>Data Tranformation </a:t>
+            </a:r>
+            <a:r>
+              <a:rPr lang="it-IT" sz="2400">
+                <a:solidFill>
+                  <a:schemeClr val="tx1"/>
+                </a:solidFill>
+                <a:latin typeface="Tahoma" panose="020B0604030504040204" pitchFamily="34" charset="0"/>
+                <a:ea typeface="Tahoma" panose="020B0604030504040204" pitchFamily="34" charset="0"/>
+                <a:cs typeface="Tahoma" panose="020B0604030504040204" pitchFamily="34" charset="0"/>
+              </a:rPr>
+              <a:t>dovrebbe includere cose come la </a:t>
+            </a:r>
+            <a:r>
+              <a:rPr lang="it-IT" sz="2400" b="1">
+                <a:solidFill>
+                  <a:schemeClr val="tx1"/>
+                </a:solidFill>
+                <a:latin typeface="Tahoma" panose="020B0604030504040204" pitchFamily="34" charset="0"/>
+                <a:ea typeface="Tahoma" panose="020B0604030504040204" pitchFamily="34" charset="0"/>
+                <a:cs typeface="Tahoma" panose="020B0604030504040204" pitchFamily="34" charset="0"/>
+              </a:rPr>
+              <a:t>conversione di tipi di dati </a:t>
+            </a:r>
+            <a:r>
+              <a:rPr lang="it-IT" sz="2400">
+                <a:solidFill>
+                  <a:schemeClr val="tx1"/>
+                </a:solidFill>
+                <a:latin typeface="Tahoma" panose="020B0604030504040204" pitchFamily="34" charset="0"/>
+                <a:ea typeface="Tahoma" panose="020B0604030504040204" pitchFamily="34" charset="0"/>
+                <a:cs typeface="Tahoma" panose="020B0604030504040204" pitchFamily="34" charset="0"/>
+              </a:rPr>
+              <a:t>e l'appiattimento (flattening) dei dati gerarchici. Queste operazioni modellano i dati in modo da incrementarne la compatibilità con i sistemi di analisi. </a:t>
+            </a:r>
+          </a:p>
+          <a:p>
+            <a:pPr marL="457200" indent="-457200">
+              <a:buFont typeface="Wingdings" panose="05000000000000000000" pitchFamily="2" charset="2"/>
+              <a:buChar char="ü"/>
+            </a:pPr>
+            <a:r>
+              <a:rPr lang="it-IT" sz="2400">
+                <a:solidFill>
+                  <a:schemeClr val="tx1"/>
+                </a:solidFill>
+                <a:latin typeface="Tahoma" panose="020B0604030504040204" pitchFamily="34" charset="0"/>
+                <a:ea typeface="Tahoma" panose="020B0604030504040204" pitchFamily="34" charset="0"/>
+                <a:cs typeface="Tahoma" panose="020B0604030504040204" pitchFamily="34" charset="0"/>
+              </a:rPr>
+              <a:t>Gli analisti dei dati e i </a:t>
+            </a:r>
+            <a:r>
+              <a:rPr lang="it-IT" sz="2400" b="1">
+                <a:solidFill>
+                  <a:schemeClr val="tx1"/>
+                </a:solidFill>
+                <a:latin typeface="Tahoma" panose="020B0604030504040204" pitchFamily="34" charset="0"/>
+                <a:ea typeface="Tahoma" panose="020B0604030504040204" pitchFamily="34" charset="0"/>
+                <a:cs typeface="Tahoma" panose="020B0604030504040204" pitchFamily="34" charset="0"/>
+              </a:rPr>
+              <a:t>Data Scientist </a:t>
+            </a:r>
+            <a:r>
+              <a:rPr lang="it-IT" sz="2400">
+                <a:solidFill>
+                  <a:schemeClr val="tx1"/>
+                </a:solidFill>
+                <a:latin typeface="Tahoma" panose="020B0604030504040204" pitchFamily="34" charset="0"/>
+                <a:ea typeface="Tahoma" panose="020B0604030504040204" pitchFamily="34" charset="0"/>
+                <a:cs typeface="Tahoma" panose="020B0604030504040204" pitchFamily="34" charset="0"/>
+              </a:rPr>
+              <a:t>possono implementare ulteriori trasformazioni aggiungendo alla bisogna un </a:t>
+            </a:r>
+            <a:r>
+              <a:rPr lang="it-IT" sz="2400" b="1">
+                <a:solidFill>
+                  <a:schemeClr val="tx1"/>
+                </a:solidFill>
+                <a:latin typeface="Tahoma" panose="020B0604030504040204" pitchFamily="34" charset="0"/>
+                <a:ea typeface="Tahoma" panose="020B0604030504040204" pitchFamily="34" charset="0"/>
+                <a:cs typeface="Tahoma" panose="020B0604030504040204" pitchFamily="34" charset="0"/>
+              </a:rPr>
+              <a:t>processo a strati individuali </a:t>
+            </a:r>
+            <a:r>
+              <a:rPr lang="it-IT" sz="2400">
+                <a:solidFill>
+                  <a:schemeClr val="tx1"/>
+                </a:solidFill>
+                <a:latin typeface="Tahoma" panose="020B0604030504040204" pitchFamily="34" charset="0"/>
+                <a:ea typeface="Tahoma" panose="020B0604030504040204" pitchFamily="34" charset="0"/>
+                <a:cs typeface="Tahoma" panose="020B0604030504040204" pitchFamily="34" charset="0"/>
+              </a:rPr>
+              <a:t>come avviene per il software </a:t>
+            </a:r>
+            <a:r>
+              <a:rPr lang="it-IT" sz="2400" b="1">
+                <a:solidFill>
+                  <a:schemeClr val="tx1"/>
+                </a:solidFill>
+                <a:latin typeface="Tahoma" panose="020B0604030504040204" pitchFamily="34" charset="0"/>
+                <a:ea typeface="Tahoma" panose="020B0604030504040204" pitchFamily="34" charset="0"/>
+                <a:cs typeface="Tahoma" panose="020B0604030504040204" pitchFamily="34" charset="0"/>
+              </a:rPr>
+              <a:t>Talend</a:t>
+            </a:r>
+            <a:r>
+              <a:rPr lang="it-IT" sz="2400">
+                <a:solidFill>
+                  <a:schemeClr val="tx1"/>
+                </a:solidFill>
+                <a:latin typeface="Tahoma" panose="020B0604030504040204" pitchFamily="34" charset="0"/>
+                <a:ea typeface="Tahoma" panose="020B0604030504040204" pitchFamily="34" charset="0"/>
+                <a:cs typeface="Tahoma" panose="020B0604030504040204" pitchFamily="34" charset="0"/>
+              </a:rPr>
+              <a:t>.   </a:t>
+            </a:r>
+          </a:p>
+          <a:p>
+            <a:pPr marL="457200" indent="-457200">
+              <a:buFont typeface="Wingdings" panose="05000000000000000000" pitchFamily="2" charset="2"/>
+              <a:buChar char="ü"/>
+            </a:pPr>
+            <a:r>
+              <a:rPr lang="it-IT" sz="2400">
+                <a:solidFill>
+                  <a:schemeClr val="tx1"/>
+                </a:solidFill>
+                <a:latin typeface="Tahoma" panose="020B0604030504040204" pitchFamily="34" charset="0"/>
+                <a:ea typeface="Tahoma" panose="020B0604030504040204" pitchFamily="34" charset="0"/>
+                <a:cs typeface="Tahoma" panose="020B0604030504040204" pitchFamily="34" charset="0"/>
+              </a:rPr>
+              <a:t>Ciascuno strato di elaborazione dovrebbe essere progettato per eseguire uno specifico set di task che va incontro ad un'attività conosciuta o una richiesta tecnica. </a:t>
+            </a:r>
+          </a:p>
+          <a:p>
+            <a:pPr marL="457200" indent="-457200">
+              <a:buFont typeface="Wingdings" panose="05000000000000000000" pitchFamily="2" charset="2"/>
+              <a:buChar char="ü"/>
+            </a:pPr>
+            <a:endParaRPr lang="it-IT" sz="2400" b="1">
               <a:solidFill>
                 <a:schemeClr val="tx1"/>
               </a:solidFill>
@@ -14604,7 +14713,7 @@
           <a:lstStyle/>
           <a:p>
             <a:r>
-              <a:rPr lang="it-IT" altLang="it-IT" smtClean="0"/>
+              <a:rPr lang="it-IT" altLang="it-IT"/>
               <a:t>Come trasformare i dati con la Data Transformation</a:t>
             </a:r>
             <a:endParaRPr lang="it-IT" dirty="0"/>
@@ -14659,19 +14768,30 @@
         </p:nvSpPr>
         <p:spPr>
           <a:xfrm>
-            <a:off x="468895" y="1566732"/>
-            <a:ext cx="11518700" cy="4392612"/>
+            <a:off x="468895" y="1232694"/>
+            <a:ext cx="11610810" cy="4392612"/>
           </a:xfrm>
         </p:spPr>
         <p:txBody>
           <a:bodyPr/>
           <a:lstStyle/>
           <a:p>
-            <a:pPr marL="342900" indent="-342900">
+            <a:pPr marL="457200" indent="-457200">
               <a:buFont typeface="Wingdings" panose="05000000000000000000" pitchFamily="2" charset="2"/>
               <a:buChar char="ü"/>
             </a:pPr>
             <a:r>
+              <a:rPr lang="it-IT" sz="2400" b="1">
+                <a:solidFill>
+                  <a:schemeClr val="tx1"/>
+                </a:solidFill>
+                <a:latin typeface="Tahoma" panose="020B0604030504040204" pitchFamily="34" charset="0"/>
+                <a:ea typeface="Tahoma" panose="020B0604030504040204" pitchFamily="34" charset="0"/>
+                <a:cs typeface="Tahoma" panose="020B0604030504040204" pitchFamily="34" charset="0"/>
+              </a:rPr>
+              <a:t>Talend </a:t>
+            </a:r>
+            <a:r>
               <a:rPr lang="it-IT" sz="2400">
                 <a:solidFill>
                   <a:schemeClr val="tx1"/>
@@ -14680,7 +14800,7 @@
                 <a:ea typeface="Tahoma" panose="020B0604030504040204" pitchFamily="34" charset="0"/>
                 <a:cs typeface="Tahoma" panose="020B0604030504040204" pitchFamily="34" charset="0"/>
               </a:rPr>
-              <a:t>Il </a:t>
+              <a:t>è un software che fornisce una piattaforma unificata di </a:t>
             </a:r>
             <a:r>
               <a:rPr lang="it-IT" sz="2400" b="1">
@@ -14691,7 +14811,7 @@
                 <a:ea typeface="Tahoma" panose="020B0604030504040204" pitchFamily="34" charset="0"/>
                 <a:cs typeface="Tahoma" panose="020B0604030504040204" pitchFamily="34" charset="0"/>
               </a:rPr>
-              <a:t>Resource Description Framework (RDF)</a:t>
+              <a:t>Data Integration, Data Integrity e Data Governance. </a:t>
             </a:r>
             <a:r>
               <a:rPr lang="it-IT" sz="2400">
@@ -14702,7 +14822,7 @@
                 <a:ea typeface="Tahoma" panose="020B0604030504040204" pitchFamily="34" charset="0"/>
                 <a:cs typeface="Tahoma" panose="020B0604030504040204" pitchFamily="34" charset="0"/>
               </a:rPr>
-              <a:t> è lo strumento di base proposto da W3C per la codifica, lo scambio e il riutilizzo di metadati strutturati e consente l'interoperabilità semantica tra </a:t>
+              <a:t>Inoltre </a:t>
             </a:r>
             <a:r>
               <a:rPr lang="it-IT" sz="2400" b="1">
@@ -14713,7 +14833,7 @@
                 <a:ea typeface="Tahoma" panose="020B0604030504040204" pitchFamily="34" charset="0"/>
                 <a:cs typeface="Tahoma" panose="020B0604030504040204" pitchFamily="34" charset="0"/>
               </a:rPr>
-              <a:t>applicazioni</a:t>
+              <a:t>Talend </a:t>
             </a:r>
             <a:r>
               <a:rPr lang="it-IT" sz="2400">
@@ -14724,7 +14844,7 @@
                 <a:ea typeface="Tahoma" panose="020B0604030504040204" pitchFamily="34" charset="0"/>
                 <a:cs typeface="Tahoma" panose="020B0604030504040204" pitchFamily="34" charset="0"/>
               </a:rPr>
-              <a:t> che condividono le informazioni sul </a:t>
+              <a:t>offre </a:t>
             </a:r>
             <a:r>
               <a:rPr lang="it-IT" sz="2400" b="1">
@@ -14735,7 +14855,7 @@
                 <a:ea typeface="Tahoma" panose="020B0604030504040204" pitchFamily="34" charset="0"/>
                 <a:cs typeface="Tahoma" panose="020B0604030504040204" pitchFamily="34" charset="0"/>
               </a:rPr>
-              <a:t>Web</a:t>
+              <a:t>data delivery</a:t>
             </a:r>
             <a:r>
               <a:rPr lang="it-IT" sz="2400">
@@ -14746,11 +14866,11 @@
                 <a:ea typeface="Tahoma" panose="020B0604030504040204" pitchFamily="34" charset="0"/>
                 <a:cs typeface="Tahoma" panose="020B0604030504040204" pitchFamily="34" charset="0"/>
               </a:rPr>
-              <a:t>. </a:t>
-            </a:r>
-          </a:p>
-          <a:p>
-            <a:pPr marL="342900" indent="-342900">
+              <a:t> in tempo reale. </a:t>
+            </a:r>
+          </a:p>
+          <a:p>
+            <a:pPr marL="457200" indent="-457200">
               <a:buFont typeface="Wingdings" panose="05000000000000000000" pitchFamily="2" charset="2"/>
               <a:buChar char="ü"/>
             </a:pPr>
@@ -14763,7 +14883,7 @@
                 <a:ea typeface="Tahoma" panose="020B0604030504040204" pitchFamily="34" charset="0"/>
                 <a:cs typeface="Tahoma" panose="020B0604030504040204" pitchFamily="34" charset="0"/>
               </a:rPr>
-              <a:t>Interoperabilità</a:t>
+              <a:t>Talend </a:t>
             </a:r>
             <a:r>
               <a:rPr lang="it-IT" sz="2400">
@@ -14774,24 +14894,200 @@
                 <a:ea typeface="Tahoma" panose="020B0604030504040204" pitchFamily="34" charset="0"/>
                 <a:cs typeface="Tahoma" panose="020B0604030504040204" pitchFamily="34" charset="0"/>
               </a:rPr>
-              <a:t>: E' la capacità di due o più sistemi, reti, mezzi, applicazioni o componenti, di scambiarsi informazioni e di essere poi in grado di utilizzarle. In ambito informatico è la capacità di un sistema o di un prodotto informatico di cooperare e di scambiare informazioni o servizi con altri sistemi o prodotti in maniera più o meno completa e priva di errori, con affidabilità e con ottimizzazione delle risorse. Obiettivo dell'interoperabilità è dunque quello di facilitare l'interazione tra sistemi differenti, nonchè lo scambio e il riutilizzo delle informazioni anche fra sistemi informativi non omogenei (sia per software che per hardware).  </a:t>
-            </a:r>
-          </a:p>
-          <a:p>
-            <a:pPr marL="342900" indent="-342900">
+              <a:t>è inoltre una compagnia privata Data Driven che fornisce soluzioni di </a:t>
+            </a:r>
+            <a:r>
+              <a:rPr lang="it-IT" sz="2400" b="1">
+                <a:solidFill>
+                  <a:schemeClr val="tx1"/>
+                </a:solidFill>
+                <a:latin typeface="Tahoma" panose="020B0604030504040204" pitchFamily="34" charset="0"/>
+                <a:ea typeface="Tahoma" panose="020B0604030504040204" pitchFamily="34" charset="0"/>
+                <a:cs typeface="Tahoma" panose="020B0604030504040204" pitchFamily="34" charset="0"/>
+              </a:rPr>
+              <a:t>Data Integration </a:t>
+            </a:r>
+            <a:r>
+              <a:rPr lang="it-IT" sz="2400">
+                <a:solidFill>
+                  <a:schemeClr val="tx1"/>
+                </a:solidFill>
+                <a:latin typeface="Tahoma" panose="020B0604030504040204" pitchFamily="34" charset="0"/>
+                <a:ea typeface="Tahoma" panose="020B0604030504040204" pitchFamily="34" charset="0"/>
+                <a:cs typeface="Tahoma" panose="020B0604030504040204" pitchFamily="34" charset="0"/>
+              </a:rPr>
+              <a:t>per ottenere valore istantaneo dai dati e per distribuirli in tempo e renderli di facile accesso a tutti. </a:t>
+            </a:r>
+          </a:p>
+          <a:p>
+            <a:pPr marL="457200" indent="-457200">
               <a:buFont typeface="Wingdings" panose="05000000000000000000" pitchFamily="2" charset="2"/>
               <a:buChar char="ü"/>
             </a:pPr>
-            <a:endParaRPr lang="en-US" sz="2400" dirty="0">
+            <a:r>
+              <a:rPr lang="it-IT" sz="2400" b="1">
+                <a:solidFill>
+                  <a:schemeClr val="tx1"/>
+                </a:solidFill>
+                <a:latin typeface="Tahoma" panose="020B0604030504040204" pitchFamily="34" charset="0"/>
+                <a:ea typeface="Tahoma" panose="020B0604030504040204" pitchFamily="34" charset="0"/>
+                <a:cs typeface="Tahoma" panose="020B0604030504040204" pitchFamily="34" charset="0"/>
+              </a:rPr>
+              <a:t>Talend </a:t>
+            </a:r>
+            <a:r>
+              <a:rPr lang="it-IT" sz="2400">
+                <a:solidFill>
+                  <a:schemeClr val="tx1"/>
+                </a:solidFill>
+                <a:latin typeface="Tahoma" panose="020B0604030504040204" pitchFamily="34" charset="0"/>
+                <a:ea typeface="Tahoma" panose="020B0604030504040204" pitchFamily="34" charset="0"/>
+                <a:cs typeface="Tahoma" panose="020B0604030504040204" pitchFamily="34" charset="0"/>
+              </a:rPr>
+              <a:t>viene eseguito nativamente su </a:t>
+            </a:r>
+            <a:r>
+              <a:rPr lang="it-IT" sz="2400" b="1">
+                <a:solidFill>
+                  <a:schemeClr val="tx1"/>
+                </a:solidFill>
+                <a:latin typeface="Tahoma" panose="020B0604030504040204" pitchFamily="34" charset="0"/>
+                <a:ea typeface="Tahoma" panose="020B0604030504040204" pitchFamily="34" charset="0"/>
+                <a:cs typeface="Tahoma" panose="020B0604030504040204" pitchFamily="34" charset="0"/>
+              </a:rPr>
+              <a:t>Hadoop </a:t>
+            </a:r>
+            <a:r>
+              <a:rPr lang="it-IT" sz="2400">
+                <a:solidFill>
+                  <a:schemeClr val="tx1"/>
+                </a:solidFill>
+                <a:latin typeface="Tahoma" panose="020B0604030504040204" pitchFamily="34" charset="0"/>
+                <a:ea typeface="Tahoma" panose="020B0604030504040204" pitchFamily="34" charset="0"/>
+                <a:cs typeface="Tahoma" panose="020B0604030504040204" pitchFamily="34" charset="0"/>
+              </a:rPr>
+              <a:t>usando le ultime innovazioni dell'ecosistema Apache. </a:t>
+            </a:r>
+            <a:r>
+              <a:rPr lang="it-IT" sz="2400" b="1">
+                <a:solidFill>
+                  <a:schemeClr val="tx1"/>
+                </a:solidFill>
+                <a:latin typeface="Tahoma" panose="020B0604030504040204" pitchFamily="34" charset="0"/>
+                <a:ea typeface="Tahoma" panose="020B0604030504040204" pitchFamily="34" charset="0"/>
+                <a:cs typeface="Tahoma" panose="020B0604030504040204" pitchFamily="34" charset="0"/>
+              </a:rPr>
+              <a:t>Talend </a:t>
+            </a:r>
+            <a:r>
+              <a:rPr lang="it-IT" sz="2400">
+                <a:solidFill>
+                  <a:schemeClr val="tx1"/>
+                </a:solidFill>
+                <a:latin typeface="Tahoma" panose="020B0604030504040204" pitchFamily="34" charset="0"/>
+                <a:ea typeface="Tahoma" panose="020B0604030504040204" pitchFamily="34" charset="0"/>
+                <a:cs typeface="Tahoma" panose="020B0604030504040204" pitchFamily="34" charset="0"/>
+              </a:rPr>
+              <a:t>combina componenti di di big data per </a:t>
+            </a:r>
+            <a:r>
+              <a:rPr lang="it-IT" sz="2400" b="1">
+                <a:solidFill>
+                  <a:schemeClr val="tx1"/>
+                </a:solidFill>
+                <a:latin typeface="Tahoma" panose="020B0604030504040204" pitchFamily="34" charset="0"/>
+                <a:ea typeface="Tahoma" panose="020B0604030504040204" pitchFamily="34" charset="0"/>
+                <a:cs typeface="Tahoma" panose="020B0604030504040204" pitchFamily="34" charset="0"/>
+              </a:rPr>
+              <a:t>Hadoop MapReduce 2.0 (YARN), Hadoop, HBase, HCatalog, Sqoop, Hive, Oozie e Pig </a:t>
+            </a:r>
+            <a:r>
+              <a:rPr lang="it-IT" sz="2400">
+                <a:solidFill>
+                  <a:schemeClr val="tx1"/>
+                </a:solidFill>
+                <a:latin typeface="Tahoma" panose="020B0604030504040204" pitchFamily="34" charset="0"/>
+                <a:ea typeface="Tahoma" panose="020B0604030504040204" pitchFamily="34" charset="0"/>
+                <a:cs typeface="Tahoma" panose="020B0604030504040204" pitchFamily="34" charset="0"/>
+              </a:rPr>
+              <a:t>verso ambiente </a:t>
+            </a:r>
+            <a:r>
+              <a:rPr lang="it-IT" sz="2400" b="1">
+                <a:solidFill>
+                  <a:schemeClr val="tx1"/>
+                </a:solidFill>
+                <a:latin typeface="Tahoma" panose="020B0604030504040204" pitchFamily="34" charset="0"/>
+                <a:ea typeface="Tahoma" panose="020B0604030504040204" pitchFamily="34" charset="0"/>
+                <a:cs typeface="Tahoma" panose="020B0604030504040204" pitchFamily="34" charset="0"/>
+              </a:rPr>
+              <a:t>Open Source</a:t>
+            </a:r>
+            <a:r>
+              <a:rPr lang="it-IT" sz="2400">
+                <a:solidFill>
+                  <a:schemeClr val="tx1"/>
+                </a:solidFill>
+                <a:latin typeface="Tahoma" panose="020B0604030504040204" pitchFamily="34" charset="0"/>
+                <a:ea typeface="Tahoma" panose="020B0604030504040204" pitchFamily="34" charset="0"/>
+                <a:cs typeface="Tahoma" panose="020B0604030504040204" pitchFamily="34" charset="0"/>
+              </a:rPr>
+              <a:t> unificato, per elaborare enormi quantità di dati rapidamente. </a:t>
+            </a:r>
+          </a:p>
+          <a:p>
+            <a:pPr marL="457200" indent="-457200">
+              <a:buFont typeface="Wingdings" panose="05000000000000000000" pitchFamily="2" charset="2"/>
+              <a:buChar char="ü"/>
+            </a:pPr>
+            <a:r>
+              <a:rPr lang="it-IT" sz="2400">
+                <a:solidFill>
+                  <a:schemeClr val="tx1"/>
+                </a:solidFill>
+                <a:latin typeface="Tahoma" panose="020B0604030504040204" pitchFamily="34" charset="0"/>
+                <a:ea typeface="Tahoma" panose="020B0604030504040204" pitchFamily="34" charset="0"/>
+                <a:cs typeface="Tahoma" panose="020B0604030504040204" pitchFamily="34" charset="0"/>
+              </a:rPr>
+              <a:t>I prodotti di </a:t>
+            </a:r>
+            <a:r>
+              <a:rPr lang="it-IT" sz="2400" b="1">
+                <a:solidFill>
+                  <a:schemeClr val="tx1"/>
+                </a:solidFill>
+                <a:latin typeface="Tahoma" panose="020B0604030504040204" pitchFamily="34" charset="0"/>
+                <a:ea typeface="Tahoma" panose="020B0604030504040204" pitchFamily="34" charset="0"/>
+                <a:cs typeface="Tahoma" panose="020B0604030504040204" pitchFamily="34" charset="0"/>
+              </a:rPr>
+              <a:t>Data Integration di Talend </a:t>
+            </a:r>
+            <a:r>
+              <a:rPr lang="it-IT" sz="2400">
+                <a:solidFill>
+                  <a:schemeClr val="tx1"/>
+                </a:solidFill>
+                <a:latin typeface="Tahoma" panose="020B0604030504040204" pitchFamily="34" charset="0"/>
+                <a:ea typeface="Tahoma" panose="020B0604030504040204" pitchFamily="34" charset="0"/>
+                <a:cs typeface="Tahoma" panose="020B0604030504040204" pitchFamily="34" charset="0"/>
+              </a:rPr>
+              <a:t>sono disponibili sulla base di sottoscrizioni con free trial. La compagnia offre anche consulenza e supporto. </a:t>
+            </a:r>
+            <a:endParaRPr lang="it-IT" sz="2400" b="1">
               <a:solidFill>
-                <a:srgbClr val="555555"/>
+                <a:schemeClr val="tx1"/>
               </a:solidFill>
-              <a:latin typeface="PT Sans" panose="020B0503020203020204" pitchFamily="34" charset="0"/>
+              <a:latin typeface="Tahoma" panose="020B0604030504040204" pitchFamily="34" charset="0"/>
+              <a:ea typeface="Tahoma" panose="020B0604030504040204" pitchFamily="34" charset="0"/>
+              <a:cs typeface="Tahoma" panose="020B0604030504040204" pitchFamily="34" charset="0"/>
             </a:endParaRPr>
           </a:p>
           <a:p>
-            <a:pPr algn="l"/>
-            <a:endParaRPr lang="it-IT" sz="2400" dirty="0">
+            <a:pPr marL="457200" indent="-457200">
+              <a:buFont typeface="Wingdings" panose="05000000000000000000" pitchFamily="2" charset="2"/>
+              <a:buChar char="ü"/>
+            </a:pPr>
+            <a:endParaRPr lang="it-IT" sz="2400" b="1">
               <a:solidFill>
                 <a:schemeClr val="tx1"/>
               </a:solidFill>
@@ -14865,7 +15161,7 @@
           <a:p>
             <a:r>
               <a:rPr lang="it-IT" altLang="it-IT"/>
-              <a:t>RDF - Resource Description Framework</a:t>
+              <a:t>Talend</a:t>
             </a:r>
             <a:endParaRPr lang="it-IT" dirty="0"/>
           </a:p>
@@ -14874,7 +15170,7 @@
     </p:spTree>
     <p:extLst>
       <p:ext uri="{BB962C8B-B14F-4D97-AF65-F5344CB8AC3E}">
-        <p14:creationId xmlns:p14="http://schemas.microsoft.com/office/powerpoint/2010/main" val="2116990933"/>
+        <p14:creationId xmlns:p14="http://schemas.microsoft.com/office/powerpoint/2010/main" val="2997385390"/>
       </p:ext>
     </p:extLst>
   </p:cSld>
@@ -14919,19 +15215,30 @@
         </p:nvSpPr>
         <p:spPr>
           <a:xfrm>
-            <a:off x="326297" y="1213806"/>
-            <a:ext cx="11518700" cy="4392612"/>
+            <a:off x="468895" y="1446404"/>
+            <a:ext cx="11610810" cy="4392612"/>
           </a:xfrm>
         </p:spPr>
         <p:txBody>
           <a:bodyPr/>
           <a:lstStyle/>
           <a:p>
-            <a:pPr marL="342900" indent="-342900">
+            <a:pPr marL="457200" indent="-457200">
               <a:buFont typeface="Wingdings" panose="05000000000000000000" pitchFamily="2" charset="2"/>
               <a:buChar char="ü"/>
             </a:pPr>
             <a:r>
+              <a:rPr lang="it-IT" sz="2400" b="1">
+                <a:solidFill>
+                  <a:schemeClr val="tx1"/>
+                </a:solidFill>
+                <a:latin typeface="Tahoma" panose="020B0604030504040204" pitchFamily="34" charset="0"/>
+                <a:ea typeface="Tahoma" panose="020B0604030504040204" pitchFamily="34" charset="0"/>
+                <a:cs typeface="Tahoma" panose="020B0604030504040204" pitchFamily="34" charset="0"/>
+              </a:rPr>
+              <a:t>Estrazione e Parsing (Extraction and Parsing): </a:t>
+            </a:r>
+            <a:r>
               <a:rPr lang="it-IT" sz="2400">
                 <a:solidFill>
                   <a:schemeClr val="tx1"/>
@@ -14940,7 +15247,7 @@
                 <a:ea typeface="Tahoma" panose="020B0604030504040204" pitchFamily="34" charset="0"/>
                 <a:cs typeface="Tahoma" panose="020B0604030504040204" pitchFamily="34" charset="0"/>
               </a:rPr>
-              <a:t>Il </a:t>
+              <a:t>nei processi moderni di </a:t>
             </a:r>
             <a:r>
               <a:rPr lang="it-IT" sz="2400" b="1">
@@ -14951,7 +15258,7 @@
                 <a:ea typeface="Tahoma" panose="020B0604030504040204" pitchFamily="34" charset="0"/>
                 <a:cs typeface="Tahoma" panose="020B0604030504040204" pitchFamily="34" charset="0"/>
               </a:rPr>
-              <a:t>Resource Description Framework (RDF)</a:t>
+              <a:t>ETL, </a:t>
             </a:r>
             <a:r>
               <a:rPr lang="it-IT" sz="2400">
@@ -14962,7 +15269,7 @@
                 <a:ea typeface="Tahoma" panose="020B0604030504040204" pitchFamily="34" charset="0"/>
                 <a:cs typeface="Tahoma" panose="020B0604030504040204" pitchFamily="34" charset="0"/>
               </a:rPr>
-              <a:t> è lo strumento di base proposto da </a:t>
+              <a:t>la </a:t>
             </a:r>
             <a:r>
               <a:rPr lang="it-IT" sz="2400" b="1">
@@ -14973,7 +15280,7 @@
                 <a:ea typeface="Tahoma" panose="020B0604030504040204" pitchFamily="34" charset="0"/>
                 <a:cs typeface="Tahoma" panose="020B0604030504040204" pitchFamily="34" charset="0"/>
               </a:rPr>
-              <a:t>W3C</a:t>
+              <a:t>Data Ingestion</a:t>
             </a:r>
             <a:r>
               <a:rPr lang="it-IT" sz="2400">
@@ -14984,7 +15291,7 @@
                 <a:ea typeface="Tahoma" panose="020B0604030504040204" pitchFamily="34" charset="0"/>
                 <a:cs typeface="Tahoma" panose="020B0604030504040204" pitchFamily="34" charset="0"/>
               </a:rPr>
-              <a:t> per la codifica, lo scambio e il riutilizzo di metadati strutturati e consente l'interoperabilità semantica tra </a:t>
+              <a:t>,</a:t>
             </a:r>
             <a:r>
               <a:rPr lang="it-IT" sz="2400" b="1">
@@ -14995,7 +15302,7 @@
                 <a:ea typeface="Tahoma" panose="020B0604030504040204" pitchFamily="34" charset="0"/>
                 <a:cs typeface="Tahoma" panose="020B0604030504040204" pitchFamily="34" charset="0"/>
               </a:rPr>
-              <a:t>applicazioni</a:t>
+              <a:t> </a:t>
             </a:r>
             <a:r>
               <a:rPr lang="it-IT" sz="2400">
@@ -15006,7 +15313,7 @@
                 <a:ea typeface="Tahoma" panose="020B0604030504040204" pitchFamily="34" charset="0"/>
                 <a:cs typeface="Tahoma" panose="020B0604030504040204" pitchFamily="34" charset="0"/>
               </a:rPr>
-              <a:t> che condividono le informazioni sul </a:t>
+              <a:t>inizia con l'estrazione di informazione da una sorgente dati, seguita da una copia dei dati nella sua destinazione. Le trasformazioni iniziali sono focalizzate sulla </a:t>
             </a:r>
             <a:r>
               <a:rPr lang="it-IT" sz="2400" b="1">
@@ -15017,7 +15324,7 @@
                 <a:ea typeface="Tahoma" panose="020B0604030504040204" pitchFamily="34" charset="0"/>
                 <a:cs typeface="Tahoma" panose="020B0604030504040204" pitchFamily="34" charset="0"/>
               </a:rPr>
-              <a:t>Web</a:t>
+              <a:t>modellazione del formato e della struttura dei dati</a:t>
             </a:r>
             <a:r>
               <a:rPr lang="it-IT" sz="2400">
@@ -15028,11 +15335,55 @@
                 <a:ea typeface="Tahoma" panose="020B0604030504040204" pitchFamily="34" charset="0"/>
                 <a:cs typeface="Tahoma" panose="020B0604030504040204" pitchFamily="34" charset="0"/>
               </a:rPr>
-              <a:t>. </a:t>
-            </a:r>
-          </a:p>
-          <a:p>
-            <a:pPr marL="342900" indent="-342900">
+              <a:t> per assicurare la sua compatibilità sia con i sistemi di destinazione ma anche con i dati giù presenti li. Per esempio, parsare i campi all'interno di </a:t>
+            </a:r>
+            <a:r>
+              <a:rPr lang="it-IT" sz="2400" b="1">
+                <a:solidFill>
+                  <a:schemeClr val="tx1"/>
+                </a:solidFill>
+                <a:latin typeface="Tahoma" panose="020B0604030504040204" pitchFamily="34" charset="0"/>
+                <a:ea typeface="Tahoma" panose="020B0604030504040204" pitchFamily="34" charset="0"/>
+                <a:cs typeface="Tahoma" panose="020B0604030504040204" pitchFamily="34" charset="0"/>
+              </a:rPr>
+              <a:t>dati di log </a:t>
+            </a:r>
+            <a:r>
+              <a:rPr lang="it-IT" sz="2400">
+                <a:solidFill>
+                  <a:schemeClr val="tx1"/>
+                </a:solidFill>
+                <a:latin typeface="Tahoma" panose="020B0604030504040204" pitchFamily="34" charset="0"/>
+                <a:ea typeface="Tahoma" panose="020B0604030504040204" pitchFamily="34" charset="0"/>
+                <a:cs typeface="Tahoma" panose="020B0604030504040204" pitchFamily="34" charset="0"/>
+              </a:rPr>
+              <a:t>separati da virgola (CSV) per trasferirli su un database relazionale è un chiaro caso di </a:t>
+            </a:r>
+            <a:r>
+              <a:rPr lang="it-IT" sz="2400" b="1">
+                <a:solidFill>
+                  <a:schemeClr val="tx1"/>
+                </a:solidFill>
+                <a:latin typeface="Tahoma" panose="020B0604030504040204" pitchFamily="34" charset="0"/>
+                <a:ea typeface="Tahoma" panose="020B0604030504040204" pitchFamily="34" charset="0"/>
+                <a:cs typeface="Tahoma" panose="020B0604030504040204" pitchFamily="34" charset="0"/>
+              </a:rPr>
+              <a:t>Data Transformation </a:t>
+            </a:r>
+            <a:r>
+              <a:rPr lang="it-IT" sz="2400">
+                <a:solidFill>
+                  <a:schemeClr val="tx1"/>
+                </a:solidFill>
+                <a:latin typeface="Tahoma" panose="020B0604030504040204" pitchFamily="34" charset="0"/>
+                <a:ea typeface="Tahoma" panose="020B0604030504040204" pitchFamily="34" charset="0"/>
+                <a:cs typeface="Tahoma" panose="020B0604030504040204" pitchFamily="34" charset="0"/>
+              </a:rPr>
+              <a:t>appartenente a questa fase di estrazione e parsing. </a:t>
+            </a:r>
+          </a:p>
+          <a:p>
+            <a:pPr marL="457200" indent="-457200">
               <a:buFont typeface="Wingdings" panose="05000000000000000000" pitchFamily="2" charset="2"/>
               <a:buChar char="ü"/>
             </a:pPr>
@@ -15045,7 +15396,7 @@
                 <a:ea typeface="Tahoma" panose="020B0604030504040204" pitchFamily="34" charset="0"/>
                 <a:cs typeface="Tahoma" panose="020B0604030504040204" pitchFamily="34" charset="0"/>
               </a:rPr>
-              <a:t>RDF </a:t>
+              <a:t>Traduzione e Mapping (Translation and Mapping): </a:t>
             </a:r>
             <a:r>
               <a:rPr lang="it-IT" sz="2400">
@@ -15056,122 +15407,16 @@
                 <a:ea typeface="Tahoma" panose="020B0604030504040204" pitchFamily="34" charset="0"/>
                 <a:cs typeface="Tahoma" panose="020B0604030504040204" pitchFamily="34" charset="0"/>
               </a:rPr>
-              <a:t>è costituito da due componenti: </a:t>
-            </a:r>
-          </a:p>
-          <a:p>
-            <a:pPr marL="457200" indent="-457200">
-              <a:buFont typeface="+mj-lt"/>
-              <a:buAutoNum type="arabicPeriod"/>
-            </a:pPr>
-            <a:r>
-              <a:rPr lang="it-IT" sz="2400" b="1">
-                <a:solidFill>
-                  <a:schemeClr val="tx1"/>
-                </a:solidFill>
-                <a:latin typeface="Tahoma" panose="020B0604030504040204" pitchFamily="34" charset="0"/>
-                <a:ea typeface="Tahoma" panose="020B0604030504040204" pitchFamily="34" charset="0"/>
-                <a:cs typeface="Tahoma" panose="020B0604030504040204" pitchFamily="34" charset="0"/>
-              </a:rPr>
-              <a:t>RDF Model and Syntax: </a:t>
-            </a:r>
-            <a:r>
-              <a:rPr lang="it-IT" sz="2400" b="0">
-                <a:solidFill>
-                  <a:schemeClr val="tx1"/>
-                </a:solidFill>
-                <a:latin typeface="Tahoma" panose="020B0604030504040204" pitchFamily="34" charset="0"/>
-                <a:ea typeface="Tahoma" panose="020B0604030504040204" pitchFamily="34" charset="0"/>
-                <a:cs typeface="Tahoma" panose="020B0604030504040204" pitchFamily="34" charset="0"/>
-              </a:rPr>
-              <a:t>che espone la struttura del modello RDF e descrive una possibile sintassi. </a:t>
-            </a:r>
-          </a:p>
-          <a:p>
-            <a:pPr marL="457200" indent="-457200">
-              <a:buFont typeface="+mj-lt"/>
-              <a:buAutoNum type="arabicPeriod"/>
-            </a:pPr>
-            <a:r>
-              <a:rPr lang="it-IT" sz="2400" b="1">
-                <a:solidFill>
-                  <a:schemeClr val="tx1"/>
-                </a:solidFill>
-                <a:latin typeface="Tahoma" panose="020B0604030504040204" pitchFamily="34" charset="0"/>
-                <a:ea typeface="Tahoma" panose="020B0604030504040204" pitchFamily="34" charset="0"/>
-                <a:cs typeface="Tahoma" panose="020B0604030504040204" pitchFamily="34" charset="0"/>
-              </a:rPr>
-              <a:t>RDF Schema</a:t>
-            </a:r>
-            <a:r>
-              <a:rPr lang="it-IT" sz="2400">
-                <a:solidFill>
-                  <a:schemeClr val="tx1"/>
-                </a:solidFill>
-                <a:latin typeface="Tahoma" panose="020B0604030504040204" pitchFamily="34" charset="0"/>
-                <a:ea typeface="Tahoma" panose="020B0604030504040204" pitchFamily="34" charset="0"/>
-                <a:cs typeface="Tahoma" panose="020B0604030504040204" pitchFamily="34" charset="0"/>
-              </a:rPr>
-              <a:t>: </a:t>
-            </a:r>
-            <a:r>
-              <a:rPr lang="it-IT" sz="2400" b="0">
-                <a:solidFill>
-                  <a:schemeClr val="tx1"/>
-                </a:solidFill>
-                <a:latin typeface="Tahoma" panose="020B0604030504040204" pitchFamily="34" charset="0"/>
-                <a:ea typeface="Tahoma" panose="020B0604030504040204" pitchFamily="34" charset="0"/>
-                <a:cs typeface="Tahoma" panose="020B0604030504040204" pitchFamily="34" charset="0"/>
-              </a:rPr>
-              <a:t>espone la sintassi per definire schemi e vocabolari per i metadati. </a:t>
-            </a:r>
-            <a:endParaRPr lang="en-US" sz="2200" b="0" dirty="0">
+              <a:t>Alcune delle trasformazioni dei dati di base riguardano il mapping e translation dei dati. Per esempio una colonna contentente interi che rappresentano codici di errore può essere mappata nelle relative descrizioni di errori rilevanti, facendo si che la colonna più facile da comprendere è anche la più utile da visualizzazione. </a:t>
+            </a:r>
+            <a:endParaRPr lang="it-IT" sz="2400" b="1">
               <a:solidFill>
-                <a:srgbClr val="555555"/>
+                <a:schemeClr val="tx1"/>
               </a:solidFill>
-              <a:latin typeface="PT Sans" panose="020B0503020203020204" pitchFamily="34" charset="0"/>
+              <a:latin typeface="Tahoma" panose="020B0604030504040204" pitchFamily="34" charset="0"/>
               <a:ea typeface="Tahoma" panose="020B0604030504040204" pitchFamily="34" charset="0"/>
               <a:cs typeface="Tahoma" panose="020B0604030504040204" pitchFamily="34" charset="0"/>
             </a:endParaRPr>
-          </a:p>
-          <a:p>
-            <a:pPr marL="457200" indent="-457200">
-              <a:buFont typeface="Wingdings" panose="05000000000000000000" pitchFamily="2" charset="2"/>
-              <a:buChar char="ü"/>
-            </a:pPr>
-            <a:r>
-              <a:rPr lang="it-IT" sz="2400" b="0">
-                <a:solidFill>
-                  <a:schemeClr val="tx1"/>
-                </a:solidFill>
-                <a:latin typeface="Tahoma" panose="020B0604030504040204" pitchFamily="34" charset="0"/>
-                <a:ea typeface="Tahoma" panose="020B0604030504040204" pitchFamily="34" charset="0"/>
-                <a:cs typeface="Tahoma" panose="020B0604030504040204" pitchFamily="34" charset="0"/>
-              </a:rPr>
-              <a:t>L'</a:t>
-            </a:r>
-            <a:r>
-              <a:rPr lang="it-IT" sz="2400" b="1">
-                <a:solidFill>
-                  <a:schemeClr val="tx1"/>
-                </a:solidFill>
-                <a:latin typeface="Tahoma" panose="020B0604030504040204" pitchFamily="34" charset="0"/>
-                <a:ea typeface="Tahoma" panose="020B0604030504040204" pitchFamily="34" charset="0"/>
-                <a:cs typeface="Tahoma" panose="020B0604030504040204" pitchFamily="34" charset="0"/>
-              </a:rPr>
-              <a:t>RDF Data Model </a:t>
-            </a:r>
-            <a:r>
-              <a:rPr lang="it-IT" sz="2400">
-                <a:solidFill>
-                  <a:schemeClr val="tx1"/>
-                </a:solidFill>
-                <a:latin typeface="Tahoma" panose="020B0604030504040204" pitchFamily="34" charset="0"/>
-                <a:ea typeface="Tahoma" panose="020B0604030504040204" pitchFamily="34" charset="0"/>
-                <a:cs typeface="Tahoma" panose="020B0604030504040204" pitchFamily="34" charset="0"/>
-              </a:rPr>
-              <a:t>si basa su 3 principi chiave: 1) Qualunque cosa può essere identificata da un URI (Uniform Resource Identifier); 2) The least power, ovvero utilizzare il linguaggio meno espressivo possibile per definire qualunque cosa; 3) Qualunque cosa può dire qualunque cosa su qualunque cosa. </a:t>
-            </a:r>
           </a:p>
         </p:txBody>
       </p:sp>
@@ -15238,7 +15483,7 @@
           <a:p>
             <a:r>
               <a:rPr lang="it-IT" altLang="it-IT"/>
-              <a:t>RDF - Resource Description Framework</a:t>
+              <a:t>Funzioni della Data Transformation</a:t>
             </a:r>
             <a:endParaRPr lang="it-IT" dirty="0"/>
           </a:p>
@@ -15247,7 +15492,7 @@
     </p:spTree>
     <p:extLst>
       <p:ext uri="{BB962C8B-B14F-4D97-AF65-F5344CB8AC3E}">
-        <p14:creationId xmlns:p14="http://schemas.microsoft.com/office/powerpoint/2010/main" val="1961233345"/>
+        <p14:creationId xmlns:p14="http://schemas.microsoft.com/office/powerpoint/2010/main" val="733641101"/>
       </p:ext>
     </p:extLst>
   </p:cSld>
@@ -15292,421 +15537,69 @@
         </p:nvSpPr>
         <p:spPr>
           <a:xfrm>
-            <a:off x="326297" y="1213806"/>
-            <a:ext cx="11518700" cy="4392612"/>
+            <a:off x="468895" y="1232694"/>
+            <a:ext cx="7391737" cy="4392612"/>
           </a:xfrm>
         </p:spPr>
         <p:txBody>
           <a:bodyPr/>
           <a:lstStyle/>
           <a:p>
-            <a:pPr marL="342900" indent="-342900">
+            <a:pPr marL="457200" indent="-457200">
               <a:buFont typeface="Wingdings" panose="05000000000000000000" pitchFamily="2" charset="2"/>
               <a:buChar char="ü"/>
             </a:pPr>
             <a:r>
-              <a:rPr lang="it-IT" sz="2400" b="0" i="0">
-                <a:solidFill>
-                  <a:srgbClr val="202124"/>
-                </a:solidFill>
-                <a:effectLst/>
-                <a:latin typeface="arial" panose="020B0604020202020204" pitchFamily="34" charset="0"/>
-              </a:rPr>
-              <a:t>Un </a:t>
-            </a:r>
-            <a:r>
-              <a:rPr lang="it-IT" sz="2400" b="1" i="0">
-                <a:solidFill>
-                  <a:srgbClr val="202124"/>
-                </a:solidFill>
-                <a:effectLst/>
-                <a:latin typeface="arial" panose="020B0604020202020204" pitchFamily="34" charset="0"/>
-              </a:rPr>
-              <a:t>URI</a:t>
-            </a:r>
-            <a:r>
-              <a:rPr lang="it-IT" sz="2400" b="0" i="0">
-                <a:solidFill>
-                  <a:srgbClr val="202124"/>
-                </a:solidFill>
-                <a:effectLst/>
-                <a:latin typeface="arial" panose="020B0604020202020204" pitchFamily="34" charset="0"/>
-              </a:rPr>
-              <a:t> può essere classificato come qualcosa che definisce posizioni (</a:t>
-            </a:r>
-            <a:r>
-              <a:rPr lang="it-IT" sz="2400" b="1" i="0">
-                <a:solidFill>
-                  <a:srgbClr val="202124"/>
-                </a:solidFill>
-                <a:effectLst/>
-                <a:latin typeface="arial" panose="020B0604020202020204" pitchFamily="34" charset="0"/>
-              </a:rPr>
-              <a:t>URL</a:t>
-            </a:r>
-            <a:r>
-              <a:rPr lang="it-IT" sz="2400" b="0" i="0">
-                <a:solidFill>
-                  <a:srgbClr val="202124"/>
-                </a:solidFill>
-                <a:effectLst/>
-                <a:latin typeface="arial" panose="020B0604020202020204" pitchFamily="34" charset="0"/>
-              </a:rPr>
-              <a:t>) o nomi (URN) o entrambi. Un </a:t>
-            </a:r>
-            <a:r>
-              <a:rPr lang="it-IT" sz="2400" b="1" i="0">
-                <a:solidFill>
-                  <a:srgbClr val="202124"/>
-                </a:solidFill>
-                <a:effectLst/>
-                <a:latin typeface="arial" panose="020B0604020202020204" pitchFamily="34" charset="0"/>
-              </a:rPr>
-              <a:t>URL</a:t>
-            </a:r>
-            <a:r>
-              <a:rPr lang="it-IT" sz="2400" b="0" i="0">
-                <a:solidFill>
-                  <a:srgbClr val="202124"/>
-                </a:solidFill>
-                <a:effectLst/>
-                <a:latin typeface="arial" panose="020B0604020202020204" pitchFamily="34" charset="0"/>
-              </a:rPr>
-              <a:t> (Uniform Resource Locator) </a:t>
-            </a:r>
-            <a:r>
-              <a:rPr lang="it-IT" sz="2400" i="0">
-                <a:solidFill>
-                  <a:srgbClr val="202124"/>
-                </a:solidFill>
-                <a:effectLst/>
-                <a:latin typeface="arial" panose="020B0604020202020204" pitchFamily="34" charset="0"/>
-              </a:rPr>
-              <a:t>è un </a:t>
-            </a:r>
-            <a:r>
-              <a:rPr lang="it-IT" sz="2400" b="1" i="0">
-                <a:solidFill>
-                  <a:srgbClr val="202124"/>
-                </a:solidFill>
-                <a:effectLst/>
-                <a:latin typeface="arial" panose="020B0604020202020204" pitchFamily="34" charset="0"/>
-              </a:rPr>
-              <a:t>URI</a:t>
-            </a:r>
-            <a:r>
-              <a:rPr lang="it-IT" sz="2400" b="0" i="0">
-                <a:solidFill>
-                  <a:srgbClr val="202124"/>
-                </a:solidFill>
-                <a:effectLst/>
-                <a:latin typeface="arial" panose="020B0604020202020204" pitchFamily="34" charset="0"/>
-              </a:rPr>
-              <a:t> che identifica una risorsa tramite la sua "collocazione" ("location") in un grafo. Di fatto, non identifica la risorsa per nome, ma con il modo con cui la si può reperire.</a:t>
-            </a:r>
-          </a:p>
-          <a:p>
-            <a:pPr marL="342900" indent="-342900">
+              <a:rPr lang="it-IT" sz="2400" b="1">
+                <a:solidFill>
+                  <a:schemeClr val="tx1"/>
+                </a:solidFill>
+                <a:latin typeface="Tahoma" panose="020B0604030504040204" pitchFamily="34" charset="0"/>
+                <a:ea typeface="Tahoma" panose="020B0604030504040204" pitchFamily="34" charset="0"/>
+                <a:cs typeface="Tahoma" panose="020B0604030504040204" pitchFamily="34" charset="0"/>
+              </a:rPr>
+              <a:t>Filtraggio, aggregazione e sintesi (Filtering, aggregation e summarization): </a:t>
+            </a:r>
+            <a:r>
+              <a:rPr lang="it-IT" sz="2400">
+                <a:solidFill>
+                  <a:schemeClr val="tx1"/>
+                </a:solidFill>
+                <a:latin typeface="Tahoma" panose="020B0604030504040204" pitchFamily="34" charset="0"/>
+                <a:ea typeface="Tahoma" panose="020B0604030504040204" pitchFamily="34" charset="0"/>
+                <a:cs typeface="Tahoma" panose="020B0604030504040204" pitchFamily="34" charset="0"/>
+              </a:rPr>
+              <a:t>spesso la </a:t>
+            </a:r>
+            <a:r>
+              <a:rPr lang="it-IT" sz="2400" b="1">
+                <a:solidFill>
+                  <a:schemeClr val="tx1"/>
+                </a:solidFill>
+                <a:latin typeface="Tahoma" panose="020B0604030504040204" pitchFamily="34" charset="0"/>
+                <a:ea typeface="Tahoma" panose="020B0604030504040204" pitchFamily="34" charset="0"/>
+                <a:cs typeface="Tahoma" panose="020B0604030504040204" pitchFamily="34" charset="0"/>
+              </a:rPr>
+              <a:t>Data Transformation </a:t>
+            </a:r>
+            <a:r>
+              <a:rPr lang="it-IT" sz="2400">
+                <a:solidFill>
+                  <a:schemeClr val="tx1"/>
+                </a:solidFill>
+                <a:latin typeface="Tahoma" panose="020B0604030504040204" pitchFamily="34" charset="0"/>
+                <a:ea typeface="Tahoma" panose="020B0604030504040204" pitchFamily="34" charset="0"/>
+                <a:cs typeface="Tahoma" panose="020B0604030504040204" pitchFamily="34" charset="0"/>
+              </a:rPr>
+              <a:t>ha a che fare con sminuzzamento dei dati in modo da renderli più maneggevoli in un secondo momento. I dati possono essere consolidati filtrandoli dai campi, colonne e record non necessari. I dati omessi potrebbero includere indici numerici nei dati intesi per i grafi e le dashboard o i record provenienti da regioni di attività che non sono di interesse per un determinato studio. I dati potrebbero anche essere aggregati e sintetizzati attraverso per esempio la trasformazione di una serie storica di clienti in conteggi giornalieri o a ore. </a:t>
+            </a:r>
+          </a:p>
+          <a:p>
+            <a:pPr marL="457200" indent="-457200">
               <a:buFont typeface="Wingdings" panose="05000000000000000000" pitchFamily="2" charset="2"/>
               <a:buChar char="ü"/>
             </a:pPr>
-            <a:r>
-              <a:rPr lang="it-IT" sz="2400">
-                <a:solidFill>
-                  <a:schemeClr val="tx1"/>
-                </a:solidFill>
-                <a:latin typeface="Tahoma" panose="020B0604030504040204" pitchFamily="34" charset="0"/>
-                <a:ea typeface="Tahoma" panose="020B0604030504040204" pitchFamily="34" charset="0"/>
-                <a:cs typeface="Tahoma" panose="020B0604030504040204" pitchFamily="34" charset="0"/>
-              </a:rPr>
-              <a:t>Qualunque cosa descritta da </a:t>
-            </a:r>
-            <a:r>
-              <a:rPr lang="it-IT" sz="2400" b="1">
-                <a:solidFill>
-                  <a:schemeClr val="tx1"/>
-                </a:solidFill>
-                <a:latin typeface="Tahoma" panose="020B0604030504040204" pitchFamily="34" charset="0"/>
-                <a:ea typeface="Tahoma" panose="020B0604030504040204" pitchFamily="34" charset="0"/>
-                <a:cs typeface="Tahoma" panose="020B0604030504040204" pitchFamily="34" charset="0"/>
-              </a:rPr>
-              <a:t>RDF</a:t>
-            </a:r>
-            <a:r>
-              <a:rPr lang="it-IT" sz="2400">
-                <a:solidFill>
-                  <a:schemeClr val="tx1"/>
-                </a:solidFill>
-                <a:latin typeface="Tahoma" panose="020B0604030504040204" pitchFamily="34" charset="0"/>
-                <a:ea typeface="Tahoma" panose="020B0604030504040204" pitchFamily="34" charset="0"/>
-                <a:cs typeface="Tahoma" panose="020B0604030504040204" pitchFamily="34" charset="0"/>
-              </a:rPr>
-              <a:t> è detta </a:t>
-            </a:r>
-            <a:r>
-              <a:rPr lang="it-IT" sz="2400" b="1">
-                <a:solidFill>
-                  <a:schemeClr val="tx1"/>
-                </a:solidFill>
-                <a:latin typeface="Tahoma" panose="020B0604030504040204" pitchFamily="34" charset="0"/>
-                <a:ea typeface="Tahoma" panose="020B0604030504040204" pitchFamily="34" charset="0"/>
-                <a:cs typeface="Tahoma" panose="020B0604030504040204" pitchFamily="34" charset="0"/>
-              </a:rPr>
-              <a:t>risorsa</a:t>
-            </a:r>
-            <a:r>
-              <a:rPr lang="it-IT" sz="2400">
-                <a:solidFill>
-                  <a:schemeClr val="tx1"/>
-                </a:solidFill>
-                <a:latin typeface="Tahoma" panose="020B0604030504040204" pitchFamily="34" charset="0"/>
-                <a:ea typeface="Tahoma" panose="020B0604030504040204" pitchFamily="34" charset="0"/>
-                <a:cs typeface="Tahoma" panose="020B0604030504040204" pitchFamily="34" charset="0"/>
-              </a:rPr>
-              <a:t>. Una risorsa è sostanzialmente reperibile su </a:t>
-            </a:r>
-            <a:r>
-              <a:rPr lang="it-IT" sz="2400" b="1">
-                <a:solidFill>
-                  <a:schemeClr val="tx1"/>
-                </a:solidFill>
-                <a:latin typeface="Tahoma" panose="020B0604030504040204" pitchFamily="34" charset="0"/>
-                <a:ea typeface="Tahoma" panose="020B0604030504040204" pitchFamily="34" charset="0"/>
-                <a:cs typeface="Tahoma" panose="020B0604030504040204" pitchFamily="34" charset="0"/>
-              </a:rPr>
-              <a:t>web, </a:t>
-            </a:r>
-            <a:r>
-              <a:rPr lang="it-IT" sz="2400">
-                <a:solidFill>
-                  <a:schemeClr val="tx1"/>
-                </a:solidFill>
-                <a:latin typeface="Tahoma" panose="020B0604030504040204" pitchFamily="34" charset="0"/>
-                <a:ea typeface="Tahoma" panose="020B0604030504040204" pitchFamily="34" charset="0"/>
-                <a:cs typeface="Tahoma" panose="020B0604030504040204" pitchFamily="34" charset="0"/>
-              </a:rPr>
-              <a:t>ma RDF può descrivere anche risorse che non si trovano direttamente sul </a:t>
-            </a:r>
-            <a:r>
-              <a:rPr lang="it-IT" sz="2400" b="1">
-                <a:solidFill>
-                  <a:schemeClr val="tx1"/>
-                </a:solidFill>
-                <a:latin typeface="Tahoma" panose="020B0604030504040204" pitchFamily="34" charset="0"/>
-                <a:ea typeface="Tahoma" panose="020B0604030504040204" pitchFamily="34" charset="0"/>
-                <a:cs typeface="Tahoma" panose="020B0604030504040204" pitchFamily="34" charset="0"/>
-              </a:rPr>
-              <a:t>web. </a:t>
-            </a:r>
-            <a:r>
-              <a:rPr lang="it-IT" sz="2400">
-                <a:solidFill>
-                  <a:schemeClr val="tx1"/>
-                </a:solidFill>
-                <a:latin typeface="Tahoma" panose="020B0604030504040204" pitchFamily="34" charset="0"/>
-                <a:ea typeface="Tahoma" panose="020B0604030504040204" pitchFamily="34" charset="0"/>
-                <a:cs typeface="Tahoma" panose="020B0604030504040204" pitchFamily="34" charset="0"/>
-              </a:rPr>
-              <a:t>Ogni risorsa è identificata da un </a:t>
-            </a:r>
-            <a:r>
-              <a:rPr lang="it-IT" sz="2400" b="1">
-                <a:solidFill>
-                  <a:schemeClr val="tx1"/>
-                </a:solidFill>
-                <a:latin typeface="Tahoma" panose="020B0604030504040204" pitchFamily="34" charset="0"/>
-                <a:ea typeface="Tahoma" panose="020B0604030504040204" pitchFamily="34" charset="0"/>
-                <a:cs typeface="Tahoma" panose="020B0604030504040204" pitchFamily="34" charset="0"/>
-              </a:rPr>
-              <a:t>URI</a:t>
-            </a:r>
-            <a:r>
-              <a:rPr lang="it-IT" sz="2400">
-                <a:solidFill>
-                  <a:schemeClr val="tx1"/>
-                </a:solidFill>
-                <a:latin typeface="Tahoma" panose="020B0604030504040204" pitchFamily="34" charset="0"/>
-                <a:ea typeface="Tahoma" panose="020B0604030504040204" pitchFamily="34" charset="0"/>
-                <a:cs typeface="Tahoma" panose="020B0604030504040204" pitchFamily="34" charset="0"/>
-              </a:rPr>
-              <a:t>. </a:t>
-            </a:r>
-          </a:p>
-          <a:p>
-            <a:pPr marL="342900" indent="-342900">
-              <a:buFont typeface="Wingdings" panose="05000000000000000000" pitchFamily="2" charset="2"/>
-              <a:buChar char="ü"/>
-            </a:pPr>
-            <a:r>
-              <a:rPr lang="it-IT" sz="2400">
-                <a:solidFill>
-                  <a:schemeClr val="tx1"/>
-                </a:solidFill>
-                <a:latin typeface="Tahoma" panose="020B0604030504040204" pitchFamily="34" charset="0"/>
-                <a:ea typeface="Tahoma" panose="020B0604030504040204" pitchFamily="34" charset="0"/>
-                <a:cs typeface="Tahoma" panose="020B0604030504040204" pitchFamily="34" charset="0"/>
-              </a:rPr>
-              <a:t>Il modello </a:t>
-            </a:r>
-            <a:r>
-              <a:rPr lang="it-IT" sz="2400" b="1">
-                <a:solidFill>
-                  <a:schemeClr val="tx1"/>
-                </a:solidFill>
-                <a:latin typeface="Tahoma" panose="020B0604030504040204" pitchFamily="34" charset="0"/>
-                <a:ea typeface="Tahoma" panose="020B0604030504040204" pitchFamily="34" charset="0"/>
-                <a:cs typeface="Tahoma" panose="020B0604030504040204" pitchFamily="34" charset="0"/>
-              </a:rPr>
-              <a:t>RDF </a:t>
-            </a:r>
-            <a:r>
-              <a:rPr lang="it-IT" sz="2400">
-                <a:solidFill>
-                  <a:schemeClr val="tx1"/>
-                </a:solidFill>
-                <a:latin typeface="Tahoma" panose="020B0604030504040204" pitchFamily="34" charset="0"/>
-                <a:ea typeface="Tahoma" panose="020B0604030504040204" pitchFamily="34" charset="0"/>
-                <a:cs typeface="Tahoma" panose="020B0604030504040204" pitchFamily="34" charset="0"/>
-              </a:rPr>
-              <a:t>è formato da risorse, proprietà e valori: </a:t>
-            </a:r>
-          </a:p>
-          <a:p>
-            <a:pPr marL="342900" indent="-342900">
-              <a:buFont typeface="Wingdings" panose="05000000000000000000" pitchFamily="2" charset="2"/>
-              <a:buChar char="ü"/>
-            </a:pPr>
-            <a:r>
-              <a:rPr lang="it-IT" sz="2400" b="1">
-                <a:solidFill>
-                  <a:schemeClr val="tx1"/>
-                </a:solidFill>
-                <a:latin typeface="Tahoma" panose="020B0604030504040204" pitchFamily="34" charset="0"/>
-                <a:ea typeface="Tahoma" panose="020B0604030504040204" pitchFamily="34" charset="0"/>
-                <a:cs typeface="Tahoma" panose="020B0604030504040204" pitchFamily="34" charset="0"/>
-              </a:rPr>
-              <a:t>Le proprietà: </a:t>
-            </a:r>
-            <a:r>
-              <a:rPr lang="it-IT" sz="2400">
-                <a:solidFill>
-                  <a:schemeClr val="tx1"/>
-                </a:solidFill>
-                <a:latin typeface="Tahoma" panose="020B0604030504040204" pitchFamily="34" charset="0"/>
-                <a:ea typeface="Tahoma" panose="020B0604030504040204" pitchFamily="34" charset="0"/>
-                <a:cs typeface="Tahoma" panose="020B0604030504040204" pitchFamily="34" charset="0"/>
-              </a:rPr>
-              <a:t>sono delle relazioni che legano tra loro risorse e valori e sono anche esse identificate da un </a:t>
-            </a:r>
-            <a:r>
-              <a:rPr lang="it-IT" sz="2400" b="1">
-                <a:solidFill>
-                  <a:schemeClr val="tx1"/>
-                </a:solidFill>
-                <a:latin typeface="Tahoma" panose="020B0604030504040204" pitchFamily="34" charset="0"/>
-                <a:ea typeface="Tahoma" panose="020B0604030504040204" pitchFamily="34" charset="0"/>
-                <a:cs typeface="Tahoma" panose="020B0604030504040204" pitchFamily="34" charset="0"/>
-              </a:rPr>
-              <a:t>URI</a:t>
-            </a:r>
-            <a:r>
-              <a:rPr lang="it-IT" sz="2400">
-                <a:solidFill>
-                  <a:schemeClr val="tx1"/>
-                </a:solidFill>
-                <a:latin typeface="Tahoma" panose="020B0604030504040204" pitchFamily="34" charset="0"/>
-                <a:ea typeface="Tahoma" panose="020B0604030504040204" pitchFamily="34" charset="0"/>
-                <a:cs typeface="Tahoma" panose="020B0604030504040204" pitchFamily="34" charset="0"/>
-              </a:rPr>
-              <a:t>. </a:t>
-            </a:r>
-          </a:p>
-          <a:p>
-            <a:pPr marL="342900" indent="-342900">
-              <a:buFont typeface="Wingdings" panose="05000000000000000000" pitchFamily="2" charset="2"/>
-              <a:buChar char="ü"/>
-            </a:pPr>
-            <a:r>
-              <a:rPr lang="it-IT" sz="2400" b="1">
-                <a:solidFill>
-                  <a:schemeClr val="tx1"/>
-                </a:solidFill>
-                <a:latin typeface="Tahoma" panose="020B0604030504040204" pitchFamily="34" charset="0"/>
-                <a:ea typeface="Tahoma" panose="020B0604030504040204" pitchFamily="34" charset="0"/>
-                <a:cs typeface="Tahoma" panose="020B0604030504040204" pitchFamily="34" charset="0"/>
-              </a:rPr>
-              <a:t>Valore</a:t>
-            </a:r>
-            <a:r>
-              <a:rPr lang="it-IT" sz="2400">
-                <a:solidFill>
-                  <a:schemeClr val="tx1"/>
-                </a:solidFill>
-                <a:latin typeface="Tahoma" panose="020B0604030504040204" pitchFamily="34" charset="0"/>
-                <a:ea typeface="Tahoma" panose="020B0604030504040204" pitchFamily="34" charset="0"/>
-                <a:cs typeface="Tahoma" panose="020B0604030504040204" pitchFamily="34" charset="0"/>
-              </a:rPr>
-              <a:t>: è un tipo di dato primitivo, che può essere una stringa contenente </a:t>
-            </a:r>
-            <a:r>
-              <a:rPr lang="it-IT" sz="2400" b="1">
-                <a:solidFill>
-                  <a:schemeClr val="tx1"/>
-                </a:solidFill>
-                <a:latin typeface="Tahoma" panose="020B0604030504040204" pitchFamily="34" charset="0"/>
-                <a:ea typeface="Tahoma" panose="020B0604030504040204" pitchFamily="34" charset="0"/>
-                <a:cs typeface="Tahoma" panose="020B0604030504040204" pitchFamily="34" charset="0"/>
-              </a:rPr>
-              <a:t>l'URI</a:t>
-            </a:r>
-            <a:r>
-              <a:rPr lang="it-IT" sz="2400">
-                <a:solidFill>
-                  <a:schemeClr val="tx1"/>
-                </a:solidFill>
-                <a:latin typeface="Tahoma" panose="020B0604030504040204" pitchFamily="34" charset="0"/>
-                <a:ea typeface="Tahoma" panose="020B0604030504040204" pitchFamily="34" charset="0"/>
-                <a:cs typeface="Tahoma" panose="020B0604030504040204" pitchFamily="34" charset="0"/>
-              </a:rPr>
-              <a:t> di una risorsa.   </a:t>
-            </a:r>
-            <a:endParaRPr lang="it-IT" sz="2400" b="1">
-              <a:solidFill>
-                <a:schemeClr val="tx1"/>
-              </a:solidFill>
-              <a:latin typeface="Tahoma" panose="020B0604030504040204" pitchFamily="34" charset="0"/>
-              <a:ea typeface="Tahoma" panose="020B0604030504040204" pitchFamily="34" charset="0"/>
-              <a:cs typeface="Tahoma" panose="020B0604030504040204" pitchFamily="34" charset="0"/>
-            </a:endParaRPr>
-          </a:p>
-          <a:p>
-            <a:pPr marL="342900" indent="-342900">
-              <a:buFont typeface="Wingdings" panose="05000000000000000000" pitchFamily="2" charset="2"/>
-              <a:buChar char="ü"/>
-            </a:pPr>
-            <a:endParaRPr lang="it-IT" sz="2400" b="0" i="0">
-              <a:solidFill>
-                <a:srgbClr val="202124"/>
-              </a:solidFill>
-              <a:effectLst/>
-              <a:latin typeface="arial" panose="020B0604020202020204" pitchFamily="34" charset="0"/>
-            </a:endParaRPr>
-          </a:p>
-          <a:p>
-            <a:pPr marL="342900" indent="-342900">
-              <a:buFont typeface="Wingdings" panose="05000000000000000000" pitchFamily="2" charset="2"/>
-              <a:buChar char="ü"/>
-            </a:pPr>
             <a:endParaRPr lang="it-IT" sz="2400">
-              <a:solidFill>
-                <a:srgbClr val="202124"/>
-              </a:solidFill>
-              <a:latin typeface="arial" panose="020B0604020202020204" pitchFamily="34" charset="0"/>
-            </a:endParaRPr>
-          </a:p>
-          <a:p>
-            <a:pPr algn="l"/>
-            <a:endParaRPr lang="it-IT" sz="2400" dirty="0">
               <a:solidFill>
                 <a:schemeClr val="tx1"/>
               </a:solidFill>
@@ -15780,7 +15673,7 @@
           <a:p>
             <a:r>
               <a:rPr lang="it-IT" altLang="it-IT"/>
-              <a:t>RDF - Principi e modello dei dati</a:t>
+              <a:t>Funzioni della Data Transformation</a:t>
             </a:r>
             <a:endParaRPr lang="it-IT" dirty="0"/>
           </a:p>
@@ -15789,7 +15682,7 @@
     </p:spTree>
     <p:extLst>
       <p:ext uri="{BB962C8B-B14F-4D97-AF65-F5344CB8AC3E}">
-        <p14:creationId xmlns:p14="http://schemas.microsoft.com/office/powerpoint/2010/main" val="1183596315"/>
+        <p14:creationId xmlns:p14="http://schemas.microsoft.com/office/powerpoint/2010/main" val="2092245890"/>
       </p:ext>
     </p:extLst>
   </p:cSld>
@@ -15834,203 +15727,64 @@
         </p:nvSpPr>
         <p:spPr>
           <a:xfrm>
-            <a:off x="326297" y="1213806"/>
-            <a:ext cx="8221802" cy="4392612"/>
+            <a:off x="468895" y="1232694"/>
+            <a:ext cx="11610810" cy="4392612"/>
           </a:xfrm>
         </p:spPr>
         <p:txBody>
           <a:bodyPr/>
           <a:lstStyle/>
           <a:p>
-            <a:pPr marL="342900" indent="-342900">
+            <a:pPr marL="457200" indent="-457200">
               <a:buFont typeface="Wingdings" panose="05000000000000000000" pitchFamily="2" charset="2"/>
               <a:buChar char="ü"/>
             </a:pPr>
             <a:r>
-              <a:rPr lang="it-IT" sz="2400" b="0" i="0">
-                <a:solidFill>
-                  <a:srgbClr val="202124"/>
-                </a:solidFill>
-                <a:effectLst/>
-                <a:latin typeface="Tahoma" panose="020B0604030504040204" pitchFamily="34" charset="0"/>
-                <a:ea typeface="Tahoma" panose="020B0604030504040204" pitchFamily="34" charset="0"/>
-                <a:cs typeface="Tahoma" panose="020B0604030504040204" pitchFamily="34" charset="0"/>
-              </a:rPr>
-              <a:t>L'unità di base per rappresentare un'informazione in </a:t>
-            </a:r>
-            <a:r>
-              <a:rPr lang="it-IT" sz="2400" b="1" i="0">
-                <a:solidFill>
-                  <a:srgbClr val="202124"/>
-                </a:solidFill>
-                <a:effectLst/>
-                <a:latin typeface="Tahoma" panose="020B0604030504040204" pitchFamily="34" charset="0"/>
-                <a:ea typeface="Tahoma" panose="020B0604030504040204" pitchFamily="34" charset="0"/>
-                <a:cs typeface="Tahoma" panose="020B0604030504040204" pitchFamily="34" charset="0"/>
-              </a:rPr>
-              <a:t>RDF </a:t>
-            </a:r>
-            <a:r>
-              <a:rPr lang="it-IT" sz="2400" i="0">
-                <a:solidFill>
-                  <a:srgbClr val="202124"/>
-                </a:solidFill>
-                <a:effectLst/>
-                <a:latin typeface="Tahoma" panose="020B0604030504040204" pitchFamily="34" charset="0"/>
-                <a:ea typeface="Tahoma" panose="020B0604030504040204" pitchFamily="34" charset="0"/>
-                <a:cs typeface="Tahoma" panose="020B0604030504040204" pitchFamily="34" charset="0"/>
-              </a:rPr>
-              <a:t>è lo statement. Uno statement è una tripla del tipo </a:t>
-            </a:r>
-            <a:r>
               <a:rPr lang="it-IT" sz="2400" b="1">
                 <a:solidFill>
-                  <a:srgbClr val="202124"/>
-                </a:solidFill>
-                <a:effectLst/>
-                <a:latin typeface="Tahoma" panose="020B0604030504040204" pitchFamily="34" charset="0"/>
-                <a:ea typeface="Tahoma" panose="020B0604030504040204" pitchFamily="34" charset="0"/>
-                <a:cs typeface="Tahoma" panose="020B0604030504040204" pitchFamily="34" charset="0"/>
-              </a:rPr>
-              <a:t>Soggetto-Predicato-Oggetto, </a:t>
+                  <a:schemeClr val="tx1"/>
+                </a:solidFill>
+                <a:latin typeface="Tahoma" panose="020B0604030504040204" pitchFamily="34" charset="0"/>
+                <a:ea typeface="Tahoma" panose="020B0604030504040204" pitchFamily="34" charset="0"/>
+                <a:cs typeface="Tahoma" panose="020B0604030504040204" pitchFamily="34" charset="0"/>
+              </a:rPr>
+              <a:t>Arricchimento e Imputazione (Enrichment e Imputatiom): </a:t>
             </a:r>
             <a:r>
               <a:rPr lang="it-IT" sz="2400">
                 <a:solidFill>
-                  <a:srgbClr val="202124"/>
-                </a:solidFill>
-                <a:effectLst/>
-                <a:latin typeface="Tahoma" panose="020B0604030504040204" pitchFamily="34" charset="0"/>
-                <a:ea typeface="Tahoma" panose="020B0604030504040204" pitchFamily="34" charset="0"/>
-                <a:cs typeface="Tahoma" panose="020B0604030504040204" pitchFamily="34" charset="0"/>
-              </a:rPr>
-              <a:t>dove il soggetto è una risorsa, il predicato è una proprietà e l'oggetto è un valore (e quindi anche un </a:t>
-            </a:r>
-            <a:r>
-              <a:rPr lang="it-IT" sz="2400" b="1" i="0">
-                <a:solidFill>
-                  <a:srgbClr val="202124"/>
-                </a:solidFill>
-                <a:effectLst/>
-                <a:latin typeface="Tahoma" panose="020B0604030504040204" pitchFamily="34" charset="0"/>
-                <a:ea typeface="Tahoma" panose="020B0604030504040204" pitchFamily="34" charset="0"/>
-                <a:cs typeface="Tahoma" panose="020B0604030504040204" pitchFamily="34" charset="0"/>
-              </a:rPr>
-              <a:t>URI</a:t>
-            </a:r>
-            <a:r>
-              <a:rPr lang="it-IT" sz="2400" b="0" i="0">
-                <a:solidFill>
-                  <a:srgbClr val="202124"/>
-                </a:solidFill>
-                <a:effectLst/>
-                <a:latin typeface="Tahoma" panose="020B0604030504040204" pitchFamily="34" charset="0"/>
-                <a:ea typeface="Tahoma" panose="020B0604030504040204" pitchFamily="34" charset="0"/>
-                <a:cs typeface="Tahoma" panose="020B0604030504040204" pitchFamily="34" charset="0"/>
-              </a:rPr>
-              <a:t> che punta ad un'altra risorsa). </a:t>
-            </a:r>
-          </a:p>
-          <a:p>
-            <a:pPr marL="342900" indent="-342900">
+                  <a:schemeClr val="tx1"/>
+                </a:solidFill>
+                <a:latin typeface="Tahoma" panose="020B0604030504040204" pitchFamily="34" charset="0"/>
+                <a:ea typeface="Tahoma" panose="020B0604030504040204" pitchFamily="34" charset="0"/>
+                <a:cs typeface="Tahoma" panose="020B0604030504040204" pitchFamily="34" charset="0"/>
+              </a:rPr>
+              <a:t>I dati provenienti da diverse sorgenti possono essere mergiati per creare un informazione arricchita e denormalizzata. Le transazioni dei clienti possono essere arrotolate in una globale e fornite all'utente sottoforma di tabella informativa. Campi lunghi o a forma libera possono essere divisi in colonne multiple e i valori mancanti possono essere imputati e i dati corrotti possono essere rimpiazzati come risultato di queste trasformazioni. </a:t>
+            </a:r>
+          </a:p>
+          <a:p>
+            <a:pPr marL="457200" indent="-457200">
               <a:buFont typeface="Wingdings" panose="05000000000000000000" pitchFamily="2" charset="2"/>
               <a:buChar char="ü"/>
             </a:pPr>
             <a:r>
-              <a:rPr lang="it-IT" sz="2400">
-                <a:solidFill>
-                  <a:srgbClr val="202124"/>
-                </a:solidFill>
-                <a:latin typeface="Tahoma" panose="020B0604030504040204" pitchFamily="34" charset="0"/>
-                <a:ea typeface="Tahoma" panose="020B0604030504040204" pitchFamily="34" charset="0"/>
-                <a:cs typeface="Tahoma" panose="020B0604030504040204" pitchFamily="34" charset="0"/>
-              </a:rPr>
-              <a:t>Il data model </a:t>
-            </a:r>
-            <a:r>
               <a:rPr lang="it-IT" sz="2400" b="1">
                 <a:solidFill>
-                  <a:srgbClr val="202124"/>
-                </a:solidFill>
-                <a:latin typeface="Tahoma" panose="020B0604030504040204" pitchFamily="34" charset="0"/>
-                <a:ea typeface="Tahoma" panose="020B0604030504040204" pitchFamily="34" charset="0"/>
-                <a:cs typeface="Tahoma" panose="020B0604030504040204" pitchFamily="34" charset="0"/>
-              </a:rPr>
-              <a:t>RDF </a:t>
-            </a:r>
-            <a:r>
-              <a:rPr lang="it-IT" sz="2400">
-                <a:solidFill>
-                  <a:srgbClr val="202124"/>
-                </a:solidFill>
-                <a:latin typeface="Tahoma" panose="020B0604030504040204" pitchFamily="34" charset="0"/>
-                <a:ea typeface="Tahoma" panose="020B0604030504040204" pitchFamily="34" charset="0"/>
-                <a:cs typeface="Tahoma" panose="020B0604030504040204" pitchFamily="34" charset="0"/>
-              </a:rPr>
-              <a:t>permette di definire un modello semplice per descrivere le relazioni tra le risorse, in termini di proprietà identificate da un nome e relativi valori.</a:t>
-            </a:r>
-          </a:p>
-          <a:p>
-            <a:pPr marL="342900" indent="-342900" algn="just">
+                  <a:schemeClr val="tx1"/>
+                </a:solidFill>
+                <a:latin typeface="Tahoma" panose="020B0604030504040204" pitchFamily="34" charset="0"/>
+                <a:ea typeface="Tahoma" panose="020B0604030504040204" pitchFamily="34" charset="0"/>
+                <a:cs typeface="Tahoma" panose="020B0604030504040204" pitchFamily="34" charset="0"/>
+              </a:rPr>
+              <a:t>Indicizzazione e ordinamento (Indexing e Ordering): </a:t>
+            </a:r>
+          </a:p>
+          <a:p>
+            <a:pPr marL="457200" indent="-457200">
               <a:buFont typeface="Wingdings" panose="05000000000000000000" pitchFamily="2" charset="2"/>
               <a:buChar char="ü"/>
             </a:pPr>
-            <a:r>
-              <a:rPr lang="it-IT" sz="2400">
-                <a:solidFill>
-                  <a:srgbClr val="202124"/>
-                </a:solidFill>
-                <a:latin typeface="Tahoma" panose="020B0604030504040204" pitchFamily="34" charset="0"/>
-                <a:ea typeface="Tahoma" panose="020B0604030504040204" pitchFamily="34" charset="0"/>
-                <a:cs typeface="Tahoma" panose="020B0604030504040204" pitchFamily="34" charset="0"/>
-              </a:rPr>
-              <a:t>Tuttavia </a:t>
-            </a:r>
-            <a:r>
-              <a:rPr lang="it-IT" sz="2400" b="1">
-                <a:solidFill>
-                  <a:srgbClr val="202124"/>
-                </a:solidFill>
-                <a:latin typeface="Tahoma" panose="020B0604030504040204" pitchFamily="34" charset="0"/>
-                <a:ea typeface="Tahoma" panose="020B0604030504040204" pitchFamily="34" charset="0"/>
-                <a:cs typeface="Tahoma" panose="020B0604030504040204" pitchFamily="34" charset="0"/>
-              </a:rPr>
-              <a:t>RDF </a:t>
-            </a:r>
-            <a:r>
-              <a:rPr lang="it-IT" sz="2400">
-                <a:solidFill>
-                  <a:srgbClr val="202124"/>
-                </a:solidFill>
-                <a:latin typeface="Tahoma" panose="020B0604030504040204" pitchFamily="34" charset="0"/>
-                <a:ea typeface="Tahoma" panose="020B0604030504040204" pitchFamily="34" charset="0"/>
-                <a:cs typeface="Tahoma" panose="020B0604030504040204" pitchFamily="34" charset="0"/>
-              </a:rPr>
-              <a:t>non fornisce nessun meccanismo per dichiarare queste proprietà, nè per definire le relazioni tra queste proprietà ed altre risorse. Tale compito è definito da </a:t>
-            </a:r>
-            <a:r>
-              <a:rPr lang="it-IT" sz="2400" b="1">
-                <a:solidFill>
-                  <a:srgbClr val="202124"/>
-                </a:solidFill>
-                <a:latin typeface="Tahoma" panose="020B0604030504040204" pitchFamily="34" charset="0"/>
-                <a:ea typeface="Tahoma" panose="020B0604030504040204" pitchFamily="34" charset="0"/>
-                <a:cs typeface="Tahoma" panose="020B0604030504040204" pitchFamily="34" charset="0"/>
-              </a:rPr>
-              <a:t>RDF Schema.</a:t>
-            </a:r>
-            <a:r>
-              <a:rPr lang="it-IT" sz="2400">
-                <a:solidFill>
-                  <a:srgbClr val="202124"/>
-                </a:solidFill>
-                <a:latin typeface="Tahoma" panose="020B0604030504040204" pitchFamily="34" charset="0"/>
-                <a:ea typeface="Tahoma" panose="020B0604030504040204" pitchFamily="34" charset="0"/>
-                <a:cs typeface="Tahoma" panose="020B0604030504040204" pitchFamily="34" charset="0"/>
-              </a:rPr>
-              <a:t> </a:t>
-            </a:r>
-            <a:endParaRPr lang="it-IT" sz="2400" dirty="0">
+            <a:endParaRPr lang="it-IT" sz="2400">
               <a:solidFill>
                 <a:schemeClr val="tx1"/>
               </a:solidFill>
@@ -16104,46 +15858,16 @@
           <a:p>
             <a:r>
               <a:rPr lang="it-IT" altLang="it-IT"/>
-              <a:t>RDF - Principi e modello dei dati</a:t>
+              <a:t>Funzioni della Data Transformation</a:t>
             </a:r>
             <a:endParaRPr lang="it-IT" dirty="0"/>
           </a:p>
         </p:txBody>
       </p:sp>
-      <p:pic>
-        <p:nvPicPr>
-          <p:cNvPr id="4" name="Immagine 3">
-            <a:extLst>
-              <a:ext uri="{FF2B5EF4-FFF2-40B4-BE49-F238E27FC236}">
-                <a16:creationId xmlns:a16="http://schemas.microsoft.com/office/drawing/2014/main" id="{BD6B8987-64FD-8A07-D0DC-F533F24CD87A}"/>
-              </a:ext>
-            </a:extLst>
-          </p:cNvPr>
-          <p:cNvPicPr>
-            <a:picLocks noChangeAspect="1"/>
-          </p:cNvPicPr>
-          <p:nvPr/>
-        </p:nvPicPr>
-        <p:blipFill>
-          <a:blip r:embed="rId2"/>
-          <a:stretch>
-            <a:fillRect/>
-          </a:stretch>
-        </p:blipFill>
-        <p:spPr>
-          <a:xfrm>
-            <a:off x="8129215" y="2780632"/>
-            <a:ext cx="3736488" cy="1935206"/>
-          </a:xfrm>
-          <a:prstGeom prst="rect">
-            <a:avLst/>
-          </a:prstGeom>
-        </p:spPr>
-      </p:pic>
     </p:spTree>
     <p:extLst>
       <p:ext uri="{BB962C8B-B14F-4D97-AF65-F5344CB8AC3E}">
-        <p14:creationId xmlns:p14="http://schemas.microsoft.com/office/powerpoint/2010/main" val="2289001643"/>
+        <p14:creationId xmlns:p14="http://schemas.microsoft.com/office/powerpoint/2010/main" val="3920322860"/>
       </p:ext>
     </p:extLst>
   </p:cSld>
@@ -16188,8 +15912,8 @@
         </p:nvSpPr>
         <p:spPr>
           <a:xfrm>
-            <a:off x="326297" y="1213806"/>
-            <a:ext cx="11411906" cy="4392612"/>
+            <a:off x="468895" y="1566732"/>
+            <a:ext cx="11518700" cy="4392612"/>
           </a:xfrm>
         </p:spPr>
         <p:txBody>
@@ -16201,28 +15925,81 @@
               <a:buChar char="ü"/>
             </a:pPr>
             <a:r>
-              <a:rPr lang="it-IT" sz="2400" b="1" i="0">
-                <a:solidFill>
-                  <a:srgbClr val="202124"/>
-                </a:solidFill>
-                <a:effectLst/>
-                <a:latin typeface="Tahoma" panose="020B0604030504040204" pitchFamily="34" charset="0"/>
-                <a:ea typeface="Tahoma" panose="020B0604030504040204" pitchFamily="34" charset="0"/>
-                <a:cs typeface="Tahoma" panose="020B0604030504040204" pitchFamily="34" charset="0"/>
-              </a:rPr>
-              <a:t>RDF </a:t>
-            </a:r>
-            <a:r>
-              <a:rPr lang="it-IT" sz="2400" i="0">
-                <a:solidFill>
-                  <a:srgbClr val="202124"/>
-                </a:solidFill>
-                <a:effectLst/>
-                <a:latin typeface="Tahoma" panose="020B0604030504040204" pitchFamily="34" charset="0"/>
-                <a:ea typeface="Tahoma" panose="020B0604030504040204" pitchFamily="34" charset="0"/>
-                <a:cs typeface="Tahoma" panose="020B0604030504040204" pitchFamily="34" charset="0"/>
-              </a:rPr>
-              <a:t>quando deve far riferimento a più di una risorsa, per esempio per descrivere il fatto che la risorsa è associata a più proprietà, definisce dei contenitori (container), ossia liste di risorse.</a:t>
+              <a:rPr lang="it-IT" sz="2400">
+                <a:solidFill>
+                  <a:schemeClr val="tx1"/>
+                </a:solidFill>
+                <a:latin typeface="Tahoma" panose="020B0604030504040204" pitchFamily="34" charset="0"/>
+                <a:ea typeface="Tahoma" panose="020B0604030504040204" pitchFamily="34" charset="0"/>
+                <a:cs typeface="Tahoma" panose="020B0604030504040204" pitchFamily="34" charset="0"/>
+              </a:rPr>
+              <a:t>Il </a:t>
+            </a:r>
+            <a:r>
+              <a:rPr lang="it-IT" sz="2400" b="1">
+                <a:solidFill>
+                  <a:schemeClr val="tx1"/>
+                </a:solidFill>
+                <a:latin typeface="Tahoma" panose="020B0604030504040204" pitchFamily="34" charset="0"/>
+                <a:ea typeface="Tahoma" panose="020B0604030504040204" pitchFamily="34" charset="0"/>
+                <a:cs typeface="Tahoma" panose="020B0604030504040204" pitchFamily="34" charset="0"/>
+              </a:rPr>
+              <a:t>Resource Description Framework (RDF)</a:t>
+            </a:r>
+            <a:r>
+              <a:rPr lang="it-IT" sz="2400">
+                <a:solidFill>
+                  <a:schemeClr val="tx1"/>
+                </a:solidFill>
+                <a:latin typeface="Tahoma" panose="020B0604030504040204" pitchFamily="34" charset="0"/>
+                <a:ea typeface="Tahoma" panose="020B0604030504040204" pitchFamily="34" charset="0"/>
+                <a:cs typeface="Tahoma" panose="020B0604030504040204" pitchFamily="34" charset="0"/>
+              </a:rPr>
+              <a:t> è lo strumento di base proposto da W3C per la codifica, lo scambio e il riutilizzo di metadati strutturati e consente l'interoperabilità semantica tra </a:t>
+            </a:r>
+            <a:r>
+              <a:rPr lang="it-IT" sz="2400" b="1">
+                <a:solidFill>
+                  <a:schemeClr val="tx1"/>
+                </a:solidFill>
+                <a:latin typeface="Tahoma" panose="020B0604030504040204" pitchFamily="34" charset="0"/>
+                <a:ea typeface="Tahoma" panose="020B0604030504040204" pitchFamily="34" charset="0"/>
+                <a:cs typeface="Tahoma" panose="020B0604030504040204" pitchFamily="34" charset="0"/>
+              </a:rPr>
+              <a:t>applicazioni</a:t>
+            </a:r>
+            <a:r>
+              <a:rPr lang="it-IT" sz="2400">
+                <a:solidFill>
+                  <a:schemeClr val="tx1"/>
+                </a:solidFill>
+                <a:latin typeface="Tahoma" panose="020B0604030504040204" pitchFamily="34" charset="0"/>
+                <a:ea typeface="Tahoma" panose="020B0604030504040204" pitchFamily="34" charset="0"/>
+                <a:cs typeface="Tahoma" panose="020B0604030504040204" pitchFamily="34" charset="0"/>
+              </a:rPr>
+              <a:t> che condividono le informazioni sul </a:t>
+            </a:r>
+            <a:r>
+              <a:rPr lang="it-IT" sz="2400" b="1">
+                <a:solidFill>
+                  <a:schemeClr val="tx1"/>
+                </a:solidFill>
+                <a:latin typeface="Tahoma" panose="020B0604030504040204" pitchFamily="34" charset="0"/>
+                <a:ea typeface="Tahoma" panose="020B0604030504040204" pitchFamily="34" charset="0"/>
+                <a:cs typeface="Tahoma" panose="020B0604030504040204" pitchFamily="34" charset="0"/>
+              </a:rPr>
+              <a:t>Web</a:t>
+            </a:r>
+            <a:r>
+              <a:rPr lang="it-IT" sz="2400">
+                <a:solidFill>
+                  <a:schemeClr val="tx1"/>
+                </a:solidFill>
+                <a:latin typeface="Tahoma" panose="020B0604030504040204" pitchFamily="34" charset="0"/>
+                <a:ea typeface="Tahoma" panose="020B0604030504040204" pitchFamily="34" charset="0"/>
+                <a:cs typeface="Tahoma" panose="020B0604030504040204" pitchFamily="34" charset="0"/>
+              </a:rPr>
+              <a:t>. </a:t>
             </a:r>
           </a:p>
           <a:p>
@@ -16231,15 +16008,26 @@
               <a:buChar char="ü"/>
             </a:pPr>
             <a:r>
+              <a:rPr lang="it-IT" sz="2400" b="1">
+                <a:solidFill>
+                  <a:schemeClr val="tx1"/>
+                </a:solidFill>
+                <a:latin typeface="Tahoma" panose="020B0604030504040204" pitchFamily="34" charset="0"/>
+                <a:ea typeface="Tahoma" panose="020B0604030504040204" pitchFamily="34" charset="0"/>
+                <a:cs typeface="Tahoma" panose="020B0604030504040204" pitchFamily="34" charset="0"/>
+              </a:rPr>
+              <a:t>Interoperabilità</a:t>
+            </a:r>
+            <a:r>
               <a:rPr lang="it-IT" sz="2400">
                 <a:solidFill>
-                  <a:srgbClr val="202124"/>
-                </a:solidFill>
-                <a:latin typeface="Tahoma" panose="020B0604030504040204" pitchFamily="34" charset="0"/>
-                <a:ea typeface="Tahoma" panose="020B0604030504040204" pitchFamily="34" charset="0"/>
-                <a:cs typeface="Tahoma" panose="020B0604030504040204" pitchFamily="34" charset="0"/>
-              </a:rPr>
-              <a:t>Tre sono i tipi di contenitori: </a:t>
+                  <a:schemeClr val="tx1"/>
+                </a:solidFill>
+                <a:latin typeface="Tahoma" panose="020B0604030504040204" pitchFamily="34" charset="0"/>
+                <a:ea typeface="Tahoma" panose="020B0604030504040204" pitchFamily="34" charset="0"/>
+                <a:cs typeface="Tahoma" panose="020B0604030504040204" pitchFamily="34" charset="0"/>
+              </a:rPr>
+              <a:t>: E' la capacità di due o più sistemi, reti, mezzi, applicazioni o componenti, di scambiarsi informazioni e di essere poi in grado di utilizzarle. In ambito informatico è la capacità di un sistema o di un prodotto informatico di cooperare e di scambiare informazioni o servizi con altri sistemi o prodotti in maniera più o meno completa e priva di errori, con affidabilità e con ottimizzazione delle risorse. Obiettivo dell'interoperabilità è dunque quello di facilitare l'interazione tra sistemi differenti, nonchè lo scambio e il riutilizzo delle informazioni anche fra sistemi informativi non omogenei (sia per software che per hardware).  </a:t>
             </a:r>
           </a:p>
           <a:p>
@@ -16247,93 +16035,19 @@
               <a:buFont typeface="Wingdings" panose="05000000000000000000" pitchFamily="2" charset="2"/>
               <a:buChar char="ü"/>
             </a:pPr>
-            <a:r>
-              <a:rPr lang="it-IT" sz="2400" b="1" i="0">
-                <a:solidFill>
-                  <a:srgbClr val="202124"/>
-                </a:solidFill>
-                <a:effectLst/>
-                <a:latin typeface="Tahoma" panose="020B0604030504040204" pitchFamily="34" charset="0"/>
-                <a:ea typeface="Tahoma" panose="020B0604030504040204" pitchFamily="34" charset="0"/>
-                <a:cs typeface="Tahoma" panose="020B0604030504040204" pitchFamily="34" charset="0"/>
-              </a:rPr>
-              <a:t>Bag: </a:t>
-            </a:r>
-            <a:r>
-              <a:rPr lang="it-IT" sz="2400" i="0">
-                <a:solidFill>
-                  <a:srgbClr val="202124"/>
-                </a:solidFill>
-                <a:effectLst/>
-                <a:latin typeface="Tahoma" panose="020B0604030504040204" pitchFamily="34" charset="0"/>
-                <a:ea typeface="Tahoma" panose="020B0604030504040204" pitchFamily="34" charset="0"/>
-                <a:cs typeface="Tahoma" panose="020B0604030504040204" pitchFamily="34" charset="0"/>
-              </a:rPr>
-              <a:t>è una lista non ordinata di risorse o costanti. Viene utilizzato per dichiarare che una proprietà ha valori multipli. Per esempio i componenti di un convegno. </a:t>
-            </a:r>
-          </a:p>
-          <a:p>
-            <a:pPr marL="342900" indent="-342900">
-              <a:buFont typeface="Wingdings" panose="05000000000000000000" pitchFamily="2" charset="2"/>
-              <a:buChar char="ü"/>
-            </a:pPr>
-            <a:r>
-              <a:rPr lang="it-IT" sz="2400" b="1" i="0">
-                <a:solidFill>
-                  <a:srgbClr val="202124"/>
-                </a:solidFill>
-                <a:effectLst/>
-                <a:latin typeface="Tahoma" panose="020B0604030504040204" pitchFamily="34" charset="0"/>
-                <a:ea typeface="Tahoma" panose="020B0604030504040204" pitchFamily="34" charset="0"/>
-                <a:cs typeface="Tahoma" panose="020B0604030504040204" pitchFamily="34" charset="0"/>
-              </a:rPr>
-              <a:t>Sequence: </a:t>
-            </a:r>
-            <a:r>
-              <a:rPr lang="it-IT" sz="2400" i="0">
-                <a:solidFill>
-                  <a:srgbClr val="202124"/>
-                </a:solidFill>
-                <a:effectLst/>
-                <a:latin typeface="Tahoma" panose="020B0604030504040204" pitchFamily="34" charset="0"/>
-                <a:ea typeface="Tahoma" panose="020B0604030504040204" pitchFamily="34" charset="0"/>
-                <a:cs typeface="Tahoma" panose="020B0604030504040204" pitchFamily="34" charset="0"/>
-              </a:rPr>
-              <a:t>differisce da Bag per il fatto che l'ordine delle risorse è significativo. Per esempio si vuole mantenere l'ordine alfabetico di un insieme di nomi, gli autori di un sito. </a:t>
-            </a:r>
-          </a:p>
-          <a:p>
-            <a:pPr marL="342900" indent="-342900">
-              <a:buFont typeface="Wingdings" panose="05000000000000000000" pitchFamily="2" charset="2"/>
-              <a:buChar char="ü"/>
-            </a:pPr>
-            <a:r>
-              <a:rPr lang="it-IT" sz="2400" b="1">
-                <a:solidFill>
-                  <a:srgbClr val="202124"/>
-                </a:solidFill>
-                <a:latin typeface="Tahoma" panose="020B0604030504040204" pitchFamily="34" charset="0"/>
-                <a:ea typeface="Tahoma" panose="020B0604030504040204" pitchFamily="34" charset="0"/>
-                <a:cs typeface="Tahoma" panose="020B0604030504040204" pitchFamily="34" charset="0"/>
-              </a:rPr>
-              <a:t>Alternative: </a:t>
-            </a:r>
-            <a:r>
-              <a:rPr lang="it-IT" sz="2400">
-                <a:solidFill>
-                  <a:srgbClr val="202124"/>
-                </a:solidFill>
-                <a:latin typeface="Tahoma" panose="020B0604030504040204" pitchFamily="34" charset="0"/>
-                <a:ea typeface="Tahoma" panose="020B0604030504040204" pitchFamily="34" charset="0"/>
-                <a:cs typeface="Tahoma" panose="020B0604030504040204" pitchFamily="34" charset="0"/>
-              </a:rPr>
-              <a:t>è una lista di risorse che definiscono un'alternativa per il valore singolo di una proprietà. Per esempio per fornire titoli alternativi in varie lingue. </a:t>
-            </a:r>
-            <a:endParaRPr lang="it-IT" sz="2400" b="1" i="0">
+            <a:endParaRPr lang="en-US" sz="2400" dirty="0">
               <a:solidFill>
-                <a:srgbClr val="202124"/>
+                <a:srgbClr val="555555"/>
               </a:solidFill>
-              <a:effectLst/>
+              <a:latin typeface="PT Sans" panose="020B0503020203020204" pitchFamily="34" charset="0"/>
+            </a:endParaRPr>
+          </a:p>
+          <a:p>
+            <a:pPr algn="l"/>
+            <a:endParaRPr lang="it-IT" sz="2400" dirty="0">
+              <a:solidFill>
+                <a:schemeClr val="tx1"/>
+              </a:solidFill>
               <a:latin typeface="Tahoma" panose="020B0604030504040204" pitchFamily="34" charset="0"/>
               <a:ea typeface="Tahoma" panose="020B0604030504040204" pitchFamily="34" charset="0"/>
               <a:cs typeface="Tahoma" panose="020B0604030504040204" pitchFamily="34" charset="0"/>
@@ -16404,7 +16118,7 @@
           <a:p>
             <a:r>
               <a:rPr lang="it-IT" altLang="it-IT"/>
-              <a:t>RDF - Container</a:t>
+              <a:t>RDF - Resource Description Framework</a:t>
             </a:r>
             <a:endParaRPr lang="it-IT" dirty="0"/>
           </a:p>
@@ -16413,7 +16127,7 @@
     </p:spTree>
     <p:extLst>
       <p:ext uri="{BB962C8B-B14F-4D97-AF65-F5344CB8AC3E}">
-        <p14:creationId xmlns:p14="http://schemas.microsoft.com/office/powerpoint/2010/main" val="3724528411"/>
+        <p14:creationId xmlns:p14="http://schemas.microsoft.com/office/powerpoint/2010/main" val="2116990933"/>
       </p:ext>
     </p:extLst>
   </p:cSld>
@@ -16459,7 +16173,7 @@
         <p:spPr>
           <a:xfrm>
             <a:off x="326297" y="1213806"/>
-            <a:ext cx="11721324" cy="4392612"/>
+            <a:ext cx="11518700" cy="4392612"/>
           </a:xfrm>
         </p:spPr>
         <p:txBody>
@@ -16473,61 +16187,101 @@
             <a:r>
               <a:rPr lang="it-IT" sz="2400">
                 <a:solidFill>
-                  <a:srgbClr val="202124"/>
-                </a:solidFill>
-                <a:latin typeface="Tahoma" panose="020B0604030504040204" pitchFamily="34" charset="0"/>
-                <a:ea typeface="Tahoma" panose="020B0604030504040204" pitchFamily="34" charset="0"/>
-                <a:cs typeface="Tahoma" panose="020B0604030504040204" pitchFamily="34" charset="0"/>
-              </a:rPr>
-              <a:t>Un modello </a:t>
-            </a:r>
-            <a:r>
-              <a:rPr lang="it-IT" sz="2400" b="1" i="0">
-                <a:solidFill>
-                  <a:srgbClr val="202124"/>
-                </a:solidFill>
-                <a:effectLst/>
-                <a:latin typeface="Tahoma" panose="020B0604030504040204" pitchFamily="34" charset="0"/>
-                <a:ea typeface="Tahoma" panose="020B0604030504040204" pitchFamily="34" charset="0"/>
-                <a:cs typeface="Tahoma" panose="020B0604030504040204" pitchFamily="34" charset="0"/>
-              </a:rPr>
-              <a:t>RDF </a:t>
-            </a:r>
-            <a:r>
-              <a:rPr lang="it-IT" sz="2400" i="0">
-                <a:solidFill>
-                  <a:srgbClr val="202124"/>
-                </a:solidFill>
-                <a:effectLst/>
-                <a:latin typeface="Tahoma" panose="020B0604030504040204" pitchFamily="34" charset="0"/>
-                <a:ea typeface="Tahoma" panose="020B0604030504040204" pitchFamily="34" charset="0"/>
-                <a:cs typeface="Tahoma" panose="020B0604030504040204" pitchFamily="34" charset="0"/>
-              </a:rPr>
-              <a:t>è rappresentato da un </a:t>
-            </a:r>
-            <a:r>
-              <a:rPr lang="it-IT" sz="2400" b="1" i="0">
-                <a:solidFill>
-                  <a:srgbClr val="202124"/>
-                </a:solidFill>
-                <a:effectLst/>
-                <a:latin typeface="Tahoma" panose="020B0604030504040204" pitchFamily="34" charset="0"/>
-                <a:ea typeface="Tahoma" panose="020B0604030504040204" pitchFamily="34" charset="0"/>
-                <a:cs typeface="Tahoma" panose="020B0604030504040204" pitchFamily="34" charset="0"/>
-              </a:rPr>
-              <a:t>grafo</a:t>
-            </a:r>
-            <a:r>
-              <a:rPr lang="it-IT" sz="2400" i="0">
-                <a:solidFill>
-                  <a:srgbClr val="202124"/>
-                </a:solidFill>
-                <a:effectLst/>
-                <a:latin typeface="Tahoma" panose="020B0604030504040204" pitchFamily="34" charset="0"/>
-                <a:ea typeface="Tahoma" panose="020B0604030504040204" pitchFamily="34" charset="0"/>
-                <a:cs typeface="Tahoma" panose="020B0604030504040204" pitchFamily="34" charset="0"/>
-              </a:rPr>
-              <a:t> orientato sui cui nodi ci sono risorse o tipi primitivi e i cui archi rappresentano le proprietà. </a:t>
+                  <a:schemeClr val="tx1"/>
+                </a:solidFill>
+                <a:latin typeface="Tahoma" panose="020B0604030504040204" pitchFamily="34" charset="0"/>
+                <a:ea typeface="Tahoma" panose="020B0604030504040204" pitchFamily="34" charset="0"/>
+                <a:cs typeface="Tahoma" panose="020B0604030504040204" pitchFamily="34" charset="0"/>
+              </a:rPr>
+              <a:t>Il </a:t>
+            </a:r>
+            <a:r>
+              <a:rPr lang="it-IT" sz="2400" b="1">
+                <a:solidFill>
+                  <a:schemeClr val="tx1"/>
+                </a:solidFill>
+                <a:latin typeface="Tahoma" panose="020B0604030504040204" pitchFamily="34" charset="0"/>
+                <a:ea typeface="Tahoma" panose="020B0604030504040204" pitchFamily="34" charset="0"/>
+                <a:cs typeface="Tahoma" panose="020B0604030504040204" pitchFamily="34" charset="0"/>
+              </a:rPr>
+              <a:t>Resource Description Framework (RDF)</a:t>
+            </a:r>
+            <a:r>
+              <a:rPr lang="it-IT" sz="2400">
+                <a:solidFill>
+                  <a:schemeClr val="tx1"/>
+                </a:solidFill>
+                <a:latin typeface="Tahoma" panose="020B0604030504040204" pitchFamily="34" charset="0"/>
+                <a:ea typeface="Tahoma" panose="020B0604030504040204" pitchFamily="34" charset="0"/>
+                <a:cs typeface="Tahoma" panose="020B0604030504040204" pitchFamily="34" charset="0"/>
+              </a:rPr>
+              <a:t> è lo strumento di base proposto da </a:t>
+            </a:r>
+            <a:r>
+              <a:rPr lang="it-IT" sz="2400" b="1">
+                <a:solidFill>
+                  <a:schemeClr val="tx1"/>
+                </a:solidFill>
+                <a:latin typeface="Tahoma" panose="020B0604030504040204" pitchFamily="34" charset="0"/>
+                <a:ea typeface="Tahoma" panose="020B0604030504040204" pitchFamily="34" charset="0"/>
+                <a:cs typeface="Tahoma" panose="020B0604030504040204" pitchFamily="34" charset="0"/>
+              </a:rPr>
+              <a:t>W3C</a:t>
+            </a:r>
+            <a:r>
+              <a:rPr lang="it-IT" sz="2400">
+                <a:solidFill>
+                  <a:schemeClr val="tx1"/>
+                </a:solidFill>
+                <a:latin typeface="Tahoma" panose="020B0604030504040204" pitchFamily="34" charset="0"/>
+                <a:ea typeface="Tahoma" panose="020B0604030504040204" pitchFamily="34" charset="0"/>
+                <a:cs typeface="Tahoma" panose="020B0604030504040204" pitchFamily="34" charset="0"/>
+              </a:rPr>
+              <a:t> per la codifica, lo scambio e il riutilizzo di metadati strutturati e consente l'interoperabilità semantica tra </a:t>
+            </a:r>
+            <a:r>
+              <a:rPr lang="it-IT" sz="2400" b="1">
+                <a:solidFill>
+                  <a:schemeClr val="tx1"/>
+                </a:solidFill>
+                <a:latin typeface="Tahoma" panose="020B0604030504040204" pitchFamily="34" charset="0"/>
+                <a:ea typeface="Tahoma" panose="020B0604030504040204" pitchFamily="34" charset="0"/>
+                <a:cs typeface="Tahoma" panose="020B0604030504040204" pitchFamily="34" charset="0"/>
+              </a:rPr>
+              <a:t>applicazioni</a:t>
+            </a:r>
+            <a:r>
+              <a:rPr lang="it-IT" sz="2400">
+                <a:solidFill>
+                  <a:schemeClr val="tx1"/>
+                </a:solidFill>
+                <a:latin typeface="Tahoma" panose="020B0604030504040204" pitchFamily="34" charset="0"/>
+                <a:ea typeface="Tahoma" panose="020B0604030504040204" pitchFamily="34" charset="0"/>
+                <a:cs typeface="Tahoma" panose="020B0604030504040204" pitchFamily="34" charset="0"/>
+              </a:rPr>
+              <a:t> che condividono le informazioni sul </a:t>
+            </a:r>
+            <a:r>
+              <a:rPr lang="it-IT" sz="2400" b="1">
+                <a:solidFill>
+                  <a:schemeClr val="tx1"/>
+                </a:solidFill>
+                <a:latin typeface="Tahoma" panose="020B0604030504040204" pitchFamily="34" charset="0"/>
+                <a:ea typeface="Tahoma" panose="020B0604030504040204" pitchFamily="34" charset="0"/>
+                <a:cs typeface="Tahoma" panose="020B0604030504040204" pitchFamily="34" charset="0"/>
+              </a:rPr>
+              <a:t>Web</a:t>
+            </a:r>
+            <a:r>
+              <a:rPr lang="it-IT" sz="2400">
+                <a:solidFill>
+                  <a:schemeClr val="tx1"/>
+                </a:solidFill>
+                <a:latin typeface="Tahoma" panose="020B0604030504040204" pitchFamily="34" charset="0"/>
+                <a:ea typeface="Tahoma" panose="020B0604030504040204" pitchFamily="34" charset="0"/>
+                <a:cs typeface="Tahoma" panose="020B0604030504040204" pitchFamily="34" charset="0"/>
+              </a:rPr>
+              <a:t>. </a:t>
             </a:r>
           </a:p>
           <a:p>
@@ -16536,195 +16290,141 @@
               <a:buChar char="ü"/>
             </a:pPr>
             <a:r>
+              <a:rPr lang="it-IT" sz="2400" b="1">
+                <a:solidFill>
+                  <a:schemeClr val="tx1"/>
+                </a:solidFill>
+                <a:latin typeface="Tahoma" panose="020B0604030504040204" pitchFamily="34" charset="0"/>
+                <a:ea typeface="Tahoma" panose="020B0604030504040204" pitchFamily="34" charset="0"/>
+                <a:cs typeface="Tahoma" panose="020B0604030504040204" pitchFamily="34" charset="0"/>
+              </a:rPr>
+              <a:t>RDF </a:t>
+            </a:r>
+            <a:r>
               <a:rPr lang="it-IT" sz="2400">
                 <a:solidFill>
-                  <a:srgbClr val="202124"/>
-                </a:solidFill>
-                <a:latin typeface="Tahoma" panose="020B0604030504040204" pitchFamily="34" charset="0"/>
-                <a:ea typeface="Tahoma" panose="020B0604030504040204" pitchFamily="34" charset="0"/>
-                <a:cs typeface="Tahoma" panose="020B0604030504040204" pitchFamily="34" charset="0"/>
-              </a:rPr>
-              <a:t>Un grafo </a:t>
-            </a:r>
+                  <a:schemeClr val="tx1"/>
+                </a:solidFill>
+                <a:latin typeface="Tahoma" panose="020B0604030504040204" pitchFamily="34" charset="0"/>
+                <a:ea typeface="Tahoma" panose="020B0604030504040204" pitchFamily="34" charset="0"/>
+                <a:cs typeface="Tahoma" panose="020B0604030504040204" pitchFamily="34" charset="0"/>
+              </a:rPr>
+              <a:t>è costituito da due componenti: </a:t>
+            </a:r>
+          </a:p>
+          <a:p>
+            <a:pPr marL="457200" indent="-457200">
+              <a:buFont typeface="+mj-lt"/>
+              <a:buAutoNum type="arabicPeriod"/>
+            </a:pPr>
             <a:r>
               <a:rPr lang="it-IT" sz="2400" b="1">
                 <a:solidFill>
-                  <a:srgbClr val="202124"/>
-                </a:solidFill>
-                <a:latin typeface="Tahoma" panose="020B0604030504040204" pitchFamily="34" charset="0"/>
-                <a:ea typeface="Tahoma" panose="020B0604030504040204" pitchFamily="34" charset="0"/>
-                <a:cs typeface="Tahoma" panose="020B0604030504040204" pitchFamily="34" charset="0"/>
-              </a:rPr>
-              <a:t>RDF </a:t>
+                  <a:schemeClr val="tx1"/>
+                </a:solidFill>
+                <a:latin typeface="Tahoma" panose="020B0604030504040204" pitchFamily="34" charset="0"/>
+                <a:ea typeface="Tahoma" panose="020B0604030504040204" pitchFamily="34" charset="0"/>
+                <a:cs typeface="Tahoma" panose="020B0604030504040204" pitchFamily="34" charset="0"/>
+              </a:rPr>
+              <a:t>RDF Model and Syntax: </a:t>
+            </a:r>
+            <a:r>
+              <a:rPr lang="it-IT" sz="2400" b="0">
+                <a:solidFill>
+                  <a:schemeClr val="tx1"/>
+                </a:solidFill>
+                <a:latin typeface="Tahoma" panose="020B0604030504040204" pitchFamily="34" charset="0"/>
+                <a:ea typeface="Tahoma" panose="020B0604030504040204" pitchFamily="34" charset="0"/>
+                <a:cs typeface="Tahoma" panose="020B0604030504040204" pitchFamily="34" charset="0"/>
+              </a:rPr>
+              <a:t>che espone la struttura del modello RDF e descrive una possibile sintassi. </a:t>
+            </a:r>
+          </a:p>
+          <a:p>
+            <a:pPr marL="457200" indent="-457200">
+              <a:buFont typeface="+mj-lt"/>
+              <a:buAutoNum type="arabicPeriod"/>
+            </a:pPr>
+            <a:r>
+              <a:rPr lang="it-IT" sz="2400" b="1">
+                <a:solidFill>
+                  <a:schemeClr val="tx1"/>
+                </a:solidFill>
+                <a:latin typeface="Tahoma" panose="020B0604030504040204" pitchFamily="34" charset="0"/>
+                <a:ea typeface="Tahoma" panose="020B0604030504040204" pitchFamily="34" charset="0"/>
+                <a:cs typeface="Tahoma" panose="020B0604030504040204" pitchFamily="34" charset="0"/>
+              </a:rPr>
+              <a:t>RDF Schema</a:t>
             </a:r>
             <a:r>
               <a:rPr lang="it-IT" sz="2400">
                 <a:solidFill>
-                  <a:srgbClr val="202124"/>
-                </a:solidFill>
-                <a:latin typeface="Tahoma" panose="020B0604030504040204" pitchFamily="34" charset="0"/>
-                <a:ea typeface="Tahoma" panose="020B0604030504040204" pitchFamily="34" charset="0"/>
-                <a:cs typeface="Tahoma" panose="020B0604030504040204" pitchFamily="34" charset="0"/>
-              </a:rPr>
-              <a:t>è rappresentato fisicamente mediante una serializzazione. </a:t>
-            </a:r>
-          </a:p>
-          <a:p>
-            <a:pPr marL="342900" indent="-342900">
-              <a:buFont typeface="Wingdings" panose="05000000000000000000" pitchFamily="2" charset="2"/>
-              <a:buChar char="ü"/>
-            </a:pPr>
-            <a:r>
-              <a:rPr lang="it-IT" sz="2400">
-                <a:solidFill>
-                  <a:srgbClr val="202124"/>
-                </a:solidFill>
-                <a:latin typeface="Tahoma" panose="020B0604030504040204" pitchFamily="34" charset="0"/>
-                <a:ea typeface="Tahoma" panose="020B0604030504040204" pitchFamily="34" charset="0"/>
-                <a:cs typeface="Tahoma" panose="020B0604030504040204" pitchFamily="34" charset="0"/>
-              </a:rPr>
-              <a:t>In Informatica, una </a:t>
-            </a:r>
-            <a:r>
-              <a:rPr lang="it-IT" sz="2400" b="1">
-                <a:solidFill>
-                  <a:srgbClr val="202124"/>
-                </a:solidFill>
-                <a:latin typeface="Tahoma" panose="020B0604030504040204" pitchFamily="34" charset="0"/>
-                <a:ea typeface="Tahoma" panose="020B0604030504040204" pitchFamily="34" charset="0"/>
-                <a:cs typeface="Tahoma" panose="020B0604030504040204" pitchFamily="34" charset="0"/>
-              </a:rPr>
-              <a:t>serializzazione </a:t>
-            </a:r>
-            <a:r>
-              <a:rPr lang="it-IT" sz="2400">
-                <a:solidFill>
-                  <a:srgbClr val="202124"/>
-                </a:solidFill>
-                <a:latin typeface="Tahoma" panose="020B0604030504040204" pitchFamily="34" charset="0"/>
-                <a:ea typeface="Tahoma" panose="020B0604030504040204" pitchFamily="34" charset="0"/>
-                <a:cs typeface="Tahoma" panose="020B0604030504040204" pitchFamily="34" charset="0"/>
-              </a:rPr>
-              <a:t>è un processo per salvare un oggetto su un supporto di memorizzazione lineare (ad esempio, un file o un'area di memoria) o per trasmetterlo attraverso una connessione di rete. La serializzazione può essere in forma </a:t>
-            </a:r>
-            <a:r>
-              <a:rPr lang="it-IT" sz="2400" b="1">
-                <a:solidFill>
-                  <a:srgbClr val="202124"/>
-                </a:solidFill>
-                <a:latin typeface="Tahoma" panose="020B0604030504040204" pitchFamily="34" charset="0"/>
-                <a:ea typeface="Tahoma" panose="020B0604030504040204" pitchFamily="34" charset="0"/>
-                <a:cs typeface="Tahoma" panose="020B0604030504040204" pitchFamily="34" charset="0"/>
-              </a:rPr>
-              <a:t>binaria </a:t>
-            </a:r>
-            <a:r>
-              <a:rPr lang="it-IT" sz="2400">
-                <a:solidFill>
-                  <a:srgbClr val="202124"/>
-                </a:solidFill>
-                <a:latin typeface="Tahoma" panose="020B0604030504040204" pitchFamily="34" charset="0"/>
-                <a:ea typeface="Tahoma" panose="020B0604030504040204" pitchFamily="34" charset="0"/>
-                <a:cs typeface="Tahoma" panose="020B0604030504040204" pitchFamily="34" charset="0"/>
-              </a:rPr>
-              <a:t>o può utilizzare codifiche testuali (ad esempio il formato </a:t>
-            </a:r>
-            <a:r>
-              <a:rPr lang="it-IT" sz="2400" b="1">
-                <a:solidFill>
-                  <a:srgbClr val="202124"/>
-                </a:solidFill>
-                <a:latin typeface="Tahoma" panose="020B0604030504040204" pitchFamily="34" charset="0"/>
-                <a:ea typeface="Tahoma" panose="020B0604030504040204" pitchFamily="34" charset="0"/>
-                <a:cs typeface="Tahoma" panose="020B0604030504040204" pitchFamily="34" charset="0"/>
-              </a:rPr>
-              <a:t>XML</a:t>
-            </a:r>
-            <a:r>
-              <a:rPr lang="it-IT" sz="2400">
-                <a:solidFill>
-                  <a:srgbClr val="202124"/>
-                </a:solidFill>
-                <a:latin typeface="Tahoma" panose="020B0604030504040204" pitchFamily="34" charset="0"/>
-                <a:ea typeface="Tahoma" panose="020B0604030504040204" pitchFamily="34" charset="0"/>
-                <a:cs typeface="Tahoma" panose="020B0604030504040204" pitchFamily="34" charset="0"/>
-              </a:rPr>
-              <a:t>) direttamente leggibili dagli esseri umani. Lo scopo della serializzazione è quello di trasmettere l'intero stato dell'oggetto in modo che esso possa essere successivamente ricreato nello stesso identico stato dal processo inverso, chiamato </a:t>
-            </a:r>
-            <a:r>
-              <a:rPr lang="it-IT" sz="2400" b="1">
-                <a:solidFill>
-                  <a:srgbClr val="202124"/>
-                </a:solidFill>
-                <a:latin typeface="Tahoma" panose="020B0604030504040204" pitchFamily="34" charset="0"/>
-                <a:ea typeface="Tahoma" panose="020B0604030504040204" pitchFamily="34" charset="0"/>
-                <a:cs typeface="Tahoma" panose="020B0604030504040204" pitchFamily="34" charset="0"/>
-              </a:rPr>
-              <a:t>deserializzazione. </a:t>
-            </a:r>
-            <a:r>
-              <a:rPr lang="it-IT" sz="2400">
-                <a:solidFill>
-                  <a:srgbClr val="202124"/>
-                </a:solidFill>
-                <a:latin typeface="Tahoma" panose="020B0604030504040204" pitchFamily="34" charset="0"/>
-                <a:ea typeface="Tahoma" panose="020B0604030504040204" pitchFamily="34" charset="0"/>
-                <a:cs typeface="Tahoma" panose="020B0604030504040204" pitchFamily="34" charset="0"/>
-              </a:rPr>
-              <a:t>I vantaggi della </a:t>
-            </a:r>
-            <a:r>
-              <a:rPr lang="it-IT" sz="2400" b="1">
-                <a:solidFill>
-                  <a:srgbClr val="202124"/>
-                </a:solidFill>
-                <a:latin typeface="Tahoma" panose="020B0604030504040204" pitchFamily="34" charset="0"/>
-                <a:ea typeface="Tahoma" panose="020B0604030504040204" pitchFamily="34" charset="0"/>
-                <a:cs typeface="Tahoma" panose="020B0604030504040204" pitchFamily="34" charset="0"/>
-              </a:rPr>
-              <a:t>serializzazione </a:t>
-            </a:r>
-            <a:r>
-              <a:rPr lang="it-IT" sz="2400">
-                <a:solidFill>
-                  <a:srgbClr val="202124"/>
-                </a:solidFill>
-                <a:latin typeface="Tahoma" panose="020B0604030504040204" pitchFamily="34" charset="0"/>
-                <a:ea typeface="Tahoma" panose="020B0604030504040204" pitchFamily="34" charset="0"/>
-                <a:cs typeface="Tahoma" panose="020B0604030504040204" pitchFamily="34" charset="0"/>
-              </a:rPr>
-              <a:t>sono poter usare gli oggetti persistenti, fare chiamate di procedura remota (rpc) o distribuire oggetti con software come </a:t>
-            </a:r>
-            <a:r>
-              <a:rPr lang="it-IT" sz="2400" b="1">
-                <a:solidFill>
-                  <a:srgbClr val="202124"/>
-                </a:solidFill>
-                <a:latin typeface="Tahoma" panose="020B0604030504040204" pitchFamily="34" charset="0"/>
-                <a:ea typeface="Tahoma" panose="020B0604030504040204" pitchFamily="34" charset="0"/>
-                <a:cs typeface="Tahoma" panose="020B0604030504040204" pitchFamily="34" charset="0"/>
-              </a:rPr>
-              <a:t>CORBA (Common Object Request Broker Architecture).</a:t>
-            </a:r>
-            <a:r>
-              <a:rPr lang="it-IT" sz="2400">
-                <a:solidFill>
-                  <a:srgbClr val="202124"/>
-                </a:solidFill>
-                <a:latin typeface="Tahoma" panose="020B0604030504040204" pitchFamily="34" charset="0"/>
-                <a:ea typeface="Tahoma" panose="020B0604030504040204" pitchFamily="34" charset="0"/>
-                <a:cs typeface="Tahoma" panose="020B0604030504040204" pitchFamily="34" charset="0"/>
-              </a:rPr>
-              <a:t> </a:t>
-            </a:r>
-            <a:endParaRPr lang="it-IT" sz="2400" b="1">
+                  <a:schemeClr val="tx1"/>
+                </a:solidFill>
+                <a:latin typeface="Tahoma" panose="020B0604030504040204" pitchFamily="34" charset="0"/>
+                <a:ea typeface="Tahoma" panose="020B0604030504040204" pitchFamily="34" charset="0"/>
+                <a:cs typeface="Tahoma" panose="020B0604030504040204" pitchFamily="34" charset="0"/>
+              </a:rPr>
+              <a:t>: </a:t>
+            </a:r>
+            <a:r>
+              <a:rPr lang="it-IT" sz="2400" b="0">
+                <a:solidFill>
+                  <a:schemeClr val="tx1"/>
+                </a:solidFill>
+                <a:latin typeface="Tahoma" panose="020B0604030504040204" pitchFamily="34" charset="0"/>
+                <a:ea typeface="Tahoma" panose="020B0604030504040204" pitchFamily="34" charset="0"/>
+                <a:cs typeface="Tahoma" panose="020B0604030504040204" pitchFamily="34" charset="0"/>
+              </a:rPr>
+              <a:t>espone la sintassi per definire schemi e vocabolari per i metadati. </a:t>
+            </a:r>
+            <a:endParaRPr lang="en-US" sz="2200" b="0" dirty="0">
               <a:solidFill>
-                <a:srgbClr val="202124"/>
+                <a:srgbClr val="555555"/>
               </a:solidFill>
-              <a:latin typeface="Tahoma" panose="020B0604030504040204" pitchFamily="34" charset="0"/>
+              <a:latin typeface="PT Sans" panose="020B0503020203020204" pitchFamily="34" charset="0"/>
               <a:ea typeface="Tahoma" panose="020B0604030504040204" pitchFamily="34" charset="0"/>
               <a:cs typeface="Tahoma" panose="020B0604030504040204" pitchFamily="34" charset="0"/>
             </a:endParaRPr>
+          </a:p>
+          <a:p>
+            <a:pPr marL="457200" indent="-457200">
+              <a:buFont typeface="Wingdings" panose="05000000000000000000" pitchFamily="2" charset="2"/>
+              <a:buChar char="ü"/>
+            </a:pPr>
+            <a:r>
+              <a:rPr lang="it-IT" sz="2400" b="0">
+                <a:solidFill>
+                  <a:schemeClr val="tx1"/>
+                </a:solidFill>
+                <a:latin typeface="Tahoma" panose="020B0604030504040204" pitchFamily="34" charset="0"/>
+                <a:ea typeface="Tahoma" panose="020B0604030504040204" pitchFamily="34" charset="0"/>
+                <a:cs typeface="Tahoma" panose="020B0604030504040204" pitchFamily="34" charset="0"/>
+              </a:rPr>
+              <a:t>L'</a:t>
+            </a:r>
+            <a:r>
+              <a:rPr lang="it-IT" sz="2400" b="1">
+                <a:solidFill>
+                  <a:schemeClr val="tx1"/>
+                </a:solidFill>
+                <a:latin typeface="Tahoma" panose="020B0604030504040204" pitchFamily="34" charset="0"/>
+                <a:ea typeface="Tahoma" panose="020B0604030504040204" pitchFamily="34" charset="0"/>
+                <a:cs typeface="Tahoma" panose="020B0604030504040204" pitchFamily="34" charset="0"/>
+              </a:rPr>
+              <a:t>RDF Data Model </a:t>
+            </a:r>
+            <a:r>
+              <a:rPr lang="it-IT" sz="2400">
+                <a:solidFill>
+                  <a:schemeClr val="tx1"/>
+                </a:solidFill>
+                <a:latin typeface="Tahoma" panose="020B0604030504040204" pitchFamily="34" charset="0"/>
+                <a:ea typeface="Tahoma" panose="020B0604030504040204" pitchFamily="34" charset="0"/>
+                <a:cs typeface="Tahoma" panose="020B0604030504040204" pitchFamily="34" charset="0"/>
+              </a:rPr>
+              <a:t>si basa su 3 principi chiave: 1) Qualunque cosa può essere identificata da un URI (Uniform Resource Identifier); 2) The least power, ovvero utilizzare il linguaggio meno espressivo possibile per definire qualunque cosa; 3) Qualunque cosa può dire qualunque cosa su qualunque cosa. </a:t>
+            </a:r>
           </a:p>
         </p:txBody>
       </p:sp>
@@ -16790,8 +16490,8 @@
           <a:lstStyle/>
           <a:p>
             <a:r>
-              <a:rPr lang="it-IT"/>
-              <a:t>RDF - Rappresentazione fisica del modello</a:t>
+              <a:rPr lang="it-IT" altLang="it-IT"/>
+              <a:t>RDF - Resource Description Framework</a:t>
             </a:r>
             <a:endParaRPr lang="it-IT" dirty="0"/>
           </a:p>
@@ -16800,7 +16500,7 @@
     </p:spTree>
     <p:extLst>
       <p:ext uri="{BB962C8B-B14F-4D97-AF65-F5344CB8AC3E}">
-        <p14:creationId xmlns:p14="http://schemas.microsoft.com/office/powerpoint/2010/main" val="1064940503"/>
+        <p14:creationId xmlns:p14="http://schemas.microsoft.com/office/powerpoint/2010/main" val="1961233345"/>
       </p:ext>
     </p:extLst>
   </p:cSld>
@@ -17209,6 +16909,1559 @@
         <p:spPr>
           <a:xfrm>
             <a:off x="326297" y="1213806"/>
+            <a:ext cx="11518700" cy="4392612"/>
+          </a:xfrm>
+        </p:spPr>
+        <p:txBody>
+          <a:bodyPr/>
+          <a:lstStyle/>
+          <a:p>
+            <a:pPr marL="342900" indent="-342900">
+              <a:buFont typeface="Wingdings" panose="05000000000000000000" pitchFamily="2" charset="2"/>
+              <a:buChar char="ü"/>
+            </a:pPr>
+            <a:r>
+              <a:rPr lang="it-IT" sz="2400" b="0" i="0">
+                <a:solidFill>
+                  <a:srgbClr val="202124"/>
+                </a:solidFill>
+                <a:effectLst/>
+                <a:latin typeface="arial" panose="020B0604020202020204" pitchFamily="34" charset="0"/>
+              </a:rPr>
+              <a:t>Un </a:t>
+            </a:r>
+            <a:r>
+              <a:rPr lang="it-IT" sz="2400" b="1" i="0">
+                <a:solidFill>
+                  <a:srgbClr val="202124"/>
+                </a:solidFill>
+                <a:effectLst/>
+                <a:latin typeface="arial" panose="020B0604020202020204" pitchFamily="34" charset="0"/>
+              </a:rPr>
+              <a:t>URI</a:t>
+            </a:r>
+            <a:r>
+              <a:rPr lang="it-IT" sz="2400" b="0" i="0">
+                <a:solidFill>
+                  <a:srgbClr val="202124"/>
+                </a:solidFill>
+                <a:effectLst/>
+                <a:latin typeface="arial" panose="020B0604020202020204" pitchFamily="34" charset="0"/>
+              </a:rPr>
+              <a:t> può essere classificato come qualcosa che definisce posizioni (</a:t>
+            </a:r>
+            <a:r>
+              <a:rPr lang="it-IT" sz="2400" b="1" i="0">
+                <a:solidFill>
+                  <a:srgbClr val="202124"/>
+                </a:solidFill>
+                <a:effectLst/>
+                <a:latin typeface="arial" panose="020B0604020202020204" pitchFamily="34" charset="0"/>
+              </a:rPr>
+              <a:t>URL</a:t>
+            </a:r>
+            <a:r>
+              <a:rPr lang="it-IT" sz="2400" b="0" i="0">
+                <a:solidFill>
+                  <a:srgbClr val="202124"/>
+                </a:solidFill>
+                <a:effectLst/>
+                <a:latin typeface="arial" panose="020B0604020202020204" pitchFamily="34" charset="0"/>
+              </a:rPr>
+              <a:t>) o nomi (URN) o entrambi. Un </a:t>
+            </a:r>
+            <a:r>
+              <a:rPr lang="it-IT" sz="2400" b="1" i="0">
+                <a:solidFill>
+                  <a:srgbClr val="202124"/>
+                </a:solidFill>
+                <a:effectLst/>
+                <a:latin typeface="arial" panose="020B0604020202020204" pitchFamily="34" charset="0"/>
+              </a:rPr>
+              <a:t>URL</a:t>
+            </a:r>
+            <a:r>
+              <a:rPr lang="it-IT" sz="2400" b="0" i="0">
+                <a:solidFill>
+                  <a:srgbClr val="202124"/>
+                </a:solidFill>
+                <a:effectLst/>
+                <a:latin typeface="arial" panose="020B0604020202020204" pitchFamily="34" charset="0"/>
+              </a:rPr>
+              <a:t> (Uniform Resource Locator) </a:t>
+            </a:r>
+            <a:r>
+              <a:rPr lang="it-IT" sz="2400" i="0">
+                <a:solidFill>
+                  <a:srgbClr val="202124"/>
+                </a:solidFill>
+                <a:effectLst/>
+                <a:latin typeface="arial" panose="020B0604020202020204" pitchFamily="34" charset="0"/>
+              </a:rPr>
+              <a:t>è un </a:t>
+            </a:r>
+            <a:r>
+              <a:rPr lang="it-IT" sz="2400" b="1" i="0">
+                <a:solidFill>
+                  <a:srgbClr val="202124"/>
+                </a:solidFill>
+                <a:effectLst/>
+                <a:latin typeface="arial" panose="020B0604020202020204" pitchFamily="34" charset="0"/>
+              </a:rPr>
+              <a:t>URI</a:t>
+            </a:r>
+            <a:r>
+              <a:rPr lang="it-IT" sz="2400" b="0" i="0">
+                <a:solidFill>
+                  <a:srgbClr val="202124"/>
+                </a:solidFill>
+                <a:effectLst/>
+                <a:latin typeface="arial" panose="020B0604020202020204" pitchFamily="34" charset="0"/>
+              </a:rPr>
+              <a:t> che identifica una risorsa tramite la sua "collocazione" ("location") in un grafo. Di fatto, non identifica la risorsa per nome, ma con il modo con cui la si può reperire.</a:t>
+            </a:r>
+          </a:p>
+          <a:p>
+            <a:pPr marL="342900" indent="-342900">
+              <a:buFont typeface="Wingdings" panose="05000000000000000000" pitchFamily="2" charset="2"/>
+              <a:buChar char="ü"/>
+            </a:pPr>
+            <a:r>
+              <a:rPr lang="it-IT" sz="2400">
+                <a:solidFill>
+                  <a:schemeClr val="tx1"/>
+                </a:solidFill>
+                <a:latin typeface="Tahoma" panose="020B0604030504040204" pitchFamily="34" charset="0"/>
+                <a:ea typeface="Tahoma" panose="020B0604030504040204" pitchFamily="34" charset="0"/>
+                <a:cs typeface="Tahoma" panose="020B0604030504040204" pitchFamily="34" charset="0"/>
+              </a:rPr>
+              <a:t>Qualunque cosa descritta da </a:t>
+            </a:r>
+            <a:r>
+              <a:rPr lang="it-IT" sz="2400" b="1">
+                <a:solidFill>
+                  <a:schemeClr val="tx1"/>
+                </a:solidFill>
+                <a:latin typeface="Tahoma" panose="020B0604030504040204" pitchFamily="34" charset="0"/>
+                <a:ea typeface="Tahoma" panose="020B0604030504040204" pitchFamily="34" charset="0"/>
+                <a:cs typeface="Tahoma" panose="020B0604030504040204" pitchFamily="34" charset="0"/>
+              </a:rPr>
+              <a:t>RDF</a:t>
+            </a:r>
+            <a:r>
+              <a:rPr lang="it-IT" sz="2400">
+                <a:solidFill>
+                  <a:schemeClr val="tx1"/>
+                </a:solidFill>
+                <a:latin typeface="Tahoma" panose="020B0604030504040204" pitchFamily="34" charset="0"/>
+                <a:ea typeface="Tahoma" panose="020B0604030504040204" pitchFamily="34" charset="0"/>
+                <a:cs typeface="Tahoma" panose="020B0604030504040204" pitchFamily="34" charset="0"/>
+              </a:rPr>
+              <a:t> è detta </a:t>
+            </a:r>
+            <a:r>
+              <a:rPr lang="it-IT" sz="2400" b="1">
+                <a:solidFill>
+                  <a:schemeClr val="tx1"/>
+                </a:solidFill>
+                <a:latin typeface="Tahoma" panose="020B0604030504040204" pitchFamily="34" charset="0"/>
+                <a:ea typeface="Tahoma" panose="020B0604030504040204" pitchFamily="34" charset="0"/>
+                <a:cs typeface="Tahoma" panose="020B0604030504040204" pitchFamily="34" charset="0"/>
+              </a:rPr>
+              <a:t>risorsa</a:t>
+            </a:r>
+            <a:r>
+              <a:rPr lang="it-IT" sz="2400">
+                <a:solidFill>
+                  <a:schemeClr val="tx1"/>
+                </a:solidFill>
+                <a:latin typeface="Tahoma" panose="020B0604030504040204" pitchFamily="34" charset="0"/>
+                <a:ea typeface="Tahoma" panose="020B0604030504040204" pitchFamily="34" charset="0"/>
+                <a:cs typeface="Tahoma" panose="020B0604030504040204" pitchFamily="34" charset="0"/>
+              </a:rPr>
+              <a:t>. Una risorsa è sostanzialmente reperibile su </a:t>
+            </a:r>
+            <a:r>
+              <a:rPr lang="it-IT" sz="2400" b="1">
+                <a:solidFill>
+                  <a:schemeClr val="tx1"/>
+                </a:solidFill>
+                <a:latin typeface="Tahoma" panose="020B0604030504040204" pitchFamily="34" charset="0"/>
+                <a:ea typeface="Tahoma" panose="020B0604030504040204" pitchFamily="34" charset="0"/>
+                <a:cs typeface="Tahoma" panose="020B0604030504040204" pitchFamily="34" charset="0"/>
+              </a:rPr>
+              <a:t>web, </a:t>
+            </a:r>
+            <a:r>
+              <a:rPr lang="it-IT" sz="2400">
+                <a:solidFill>
+                  <a:schemeClr val="tx1"/>
+                </a:solidFill>
+                <a:latin typeface="Tahoma" panose="020B0604030504040204" pitchFamily="34" charset="0"/>
+                <a:ea typeface="Tahoma" panose="020B0604030504040204" pitchFamily="34" charset="0"/>
+                <a:cs typeface="Tahoma" panose="020B0604030504040204" pitchFamily="34" charset="0"/>
+              </a:rPr>
+              <a:t>ma RDF può descrivere anche risorse che non si trovano direttamente sul </a:t>
+            </a:r>
+            <a:r>
+              <a:rPr lang="it-IT" sz="2400" b="1">
+                <a:solidFill>
+                  <a:schemeClr val="tx1"/>
+                </a:solidFill>
+                <a:latin typeface="Tahoma" panose="020B0604030504040204" pitchFamily="34" charset="0"/>
+                <a:ea typeface="Tahoma" panose="020B0604030504040204" pitchFamily="34" charset="0"/>
+                <a:cs typeface="Tahoma" panose="020B0604030504040204" pitchFamily="34" charset="0"/>
+              </a:rPr>
+              <a:t>web. </a:t>
+            </a:r>
+            <a:r>
+              <a:rPr lang="it-IT" sz="2400">
+                <a:solidFill>
+                  <a:schemeClr val="tx1"/>
+                </a:solidFill>
+                <a:latin typeface="Tahoma" panose="020B0604030504040204" pitchFamily="34" charset="0"/>
+                <a:ea typeface="Tahoma" panose="020B0604030504040204" pitchFamily="34" charset="0"/>
+                <a:cs typeface="Tahoma" panose="020B0604030504040204" pitchFamily="34" charset="0"/>
+              </a:rPr>
+              <a:t>Ogni risorsa è identificata da un </a:t>
+            </a:r>
+            <a:r>
+              <a:rPr lang="it-IT" sz="2400" b="1">
+                <a:solidFill>
+                  <a:schemeClr val="tx1"/>
+                </a:solidFill>
+                <a:latin typeface="Tahoma" panose="020B0604030504040204" pitchFamily="34" charset="0"/>
+                <a:ea typeface="Tahoma" panose="020B0604030504040204" pitchFamily="34" charset="0"/>
+                <a:cs typeface="Tahoma" panose="020B0604030504040204" pitchFamily="34" charset="0"/>
+              </a:rPr>
+              <a:t>URI</a:t>
+            </a:r>
+            <a:r>
+              <a:rPr lang="it-IT" sz="2400">
+                <a:solidFill>
+                  <a:schemeClr val="tx1"/>
+                </a:solidFill>
+                <a:latin typeface="Tahoma" panose="020B0604030504040204" pitchFamily="34" charset="0"/>
+                <a:ea typeface="Tahoma" panose="020B0604030504040204" pitchFamily="34" charset="0"/>
+                <a:cs typeface="Tahoma" panose="020B0604030504040204" pitchFamily="34" charset="0"/>
+              </a:rPr>
+              <a:t>. </a:t>
+            </a:r>
+          </a:p>
+          <a:p>
+            <a:pPr marL="342900" indent="-342900">
+              <a:buFont typeface="Wingdings" panose="05000000000000000000" pitchFamily="2" charset="2"/>
+              <a:buChar char="ü"/>
+            </a:pPr>
+            <a:r>
+              <a:rPr lang="it-IT" sz="2400">
+                <a:solidFill>
+                  <a:schemeClr val="tx1"/>
+                </a:solidFill>
+                <a:latin typeface="Tahoma" panose="020B0604030504040204" pitchFamily="34" charset="0"/>
+                <a:ea typeface="Tahoma" panose="020B0604030504040204" pitchFamily="34" charset="0"/>
+                <a:cs typeface="Tahoma" panose="020B0604030504040204" pitchFamily="34" charset="0"/>
+              </a:rPr>
+              <a:t>Il modello </a:t>
+            </a:r>
+            <a:r>
+              <a:rPr lang="it-IT" sz="2400" b="1">
+                <a:solidFill>
+                  <a:schemeClr val="tx1"/>
+                </a:solidFill>
+                <a:latin typeface="Tahoma" panose="020B0604030504040204" pitchFamily="34" charset="0"/>
+                <a:ea typeface="Tahoma" panose="020B0604030504040204" pitchFamily="34" charset="0"/>
+                <a:cs typeface="Tahoma" panose="020B0604030504040204" pitchFamily="34" charset="0"/>
+              </a:rPr>
+              <a:t>RDF </a:t>
+            </a:r>
+            <a:r>
+              <a:rPr lang="it-IT" sz="2400">
+                <a:solidFill>
+                  <a:schemeClr val="tx1"/>
+                </a:solidFill>
+                <a:latin typeface="Tahoma" panose="020B0604030504040204" pitchFamily="34" charset="0"/>
+                <a:ea typeface="Tahoma" panose="020B0604030504040204" pitchFamily="34" charset="0"/>
+                <a:cs typeface="Tahoma" panose="020B0604030504040204" pitchFamily="34" charset="0"/>
+              </a:rPr>
+              <a:t>è formato da risorse, proprietà e valori: </a:t>
+            </a:r>
+          </a:p>
+          <a:p>
+            <a:pPr marL="342900" indent="-342900">
+              <a:buFont typeface="Wingdings" panose="05000000000000000000" pitchFamily="2" charset="2"/>
+              <a:buChar char="ü"/>
+            </a:pPr>
+            <a:r>
+              <a:rPr lang="it-IT" sz="2400" b="1">
+                <a:solidFill>
+                  <a:schemeClr val="tx1"/>
+                </a:solidFill>
+                <a:latin typeface="Tahoma" panose="020B0604030504040204" pitchFamily="34" charset="0"/>
+                <a:ea typeface="Tahoma" panose="020B0604030504040204" pitchFamily="34" charset="0"/>
+                <a:cs typeface="Tahoma" panose="020B0604030504040204" pitchFamily="34" charset="0"/>
+              </a:rPr>
+              <a:t>Le proprietà: </a:t>
+            </a:r>
+            <a:r>
+              <a:rPr lang="it-IT" sz="2400">
+                <a:solidFill>
+                  <a:schemeClr val="tx1"/>
+                </a:solidFill>
+                <a:latin typeface="Tahoma" panose="020B0604030504040204" pitchFamily="34" charset="0"/>
+                <a:ea typeface="Tahoma" panose="020B0604030504040204" pitchFamily="34" charset="0"/>
+                <a:cs typeface="Tahoma" panose="020B0604030504040204" pitchFamily="34" charset="0"/>
+              </a:rPr>
+              <a:t>sono delle relazioni che legano tra loro risorse e valori e sono anche esse identificate da un </a:t>
+            </a:r>
+            <a:r>
+              <a:rPr lang="it-IT" sz="2400" b="1">
+                <a:solidFill>
+                  <a:schemeClr val="tx1"/>
+                </a:solidFill>
+                <a:latin typeface="Tahoma" panose="020B0604030504040204" pitchFamily="34" charset="0"/>
+                <a:ea typeface="Tahoma" panose="020B0604030504040204" pitchFamily="34" charset="0"/>
+                <a:cs typeface="Tahoma" panose="020B0604030504040204" pitchFamily="34" charset="0"/>
+              </a:rPr>
+              <a:t>URI</a:t>
+            </a:r>
+            <a:r>
+              <a:rPr lang="it-IT" sz="2400">
+                <a:solidFill>
+                  <a:schemeClr val="tx1"/>
+                </a:solidFill>
+                <a:latin typeface="Tahoma" panose="020B0604030504040204" pitchFamily="34" charset="0"/>
+                <a:ea typeface="Tahoma" panose="020B0604030504040204" pitchFamily="34" charset="0"/>
+                <a:cs typeface="Tahoma" panose="020B0604030504040204" pitchFamily="34" charset="0"/>
+              </a:rPr>
+              <a:t>. </a:t>
+            </a:r>
+          </a:p>
+          <a:p>
+            <a:pPr marL="342900" indent="-342900">
+              <a:buFont typeface="Wingdings" panose="05000000000000000000" pitchFamily="2" charset="2"/>
+              <a:buChar char="ü"/>
+            </a:pPr>
+            <a:r>
+              <a:rPr lang="it-IT" sz="2400" b="1">
+                <a:solidFill>
+                  <a:schemeClr val="tx1"/>
+                </a:solidFill>
+                <a:latin typeface="Tahoma" panose="020B0604030504040204" pitchFamily="34" charset="0"/>
+                <a:ea typeface="Tahoma" panose="020B0604030504040204" pitchFamily="34" charset="0"/>
+                <a:cs typeface="Tahoma" panose="020B0604030504040204" pitchFamily="34" charset="0"/>
+              </a:rPr>
+              <a:t>Valore</a:t>
+            </a:r>
+            <a:r>
+              <a:rPr lang="it-IT" sz="2400">
+                <a:solidFill>
+                  <a:schemeClr val="tx1"/>
+                </a:solidFill>
+                <a:latin typeface="Tahoma" panose="020B0604030504040204" pitchFamily="34" charset="0"/>
+                <a:ea typeface="Tahoma" panose="020B0604030504040204" pitchFamily="34" charset="0"/>
+                <a:cs typeface="Tahoma" panose="020B0604030504040204" pitchFamily="34" charset="0"/>
+              </a:rPr>
+              <a:t>: è un tipo di dato primitivo, che può essere una stringa contenente </a:t>
+            </a:r>
+            <a:r>
+              <a:rPr lang="it-IT" sz="2400" b="1">
+                <a:solidFill>
+                  <a:schemeClr val="tx1"/>
+                </a:solidFill>
+                <a:latin typeface="Tahoma" panose="020B0604030504040204" pitchFamily="34" charset="0"/>
+                <a:ea typeface="Tahoma" panose="020B0604030504040204" pitchFamily="34" charset="0"/>
+                <a:cs typeface="Tahoma" panose="020B0604030504040204" pitchFamily="34" charset="0"/>
+              </a:rPr>
+              <a:t>l'URI</a:t>
+            </a:r>
+            <a:r>
+              <a:rPr lang="it-IT" sz="2400">
+                <a:solidFill>
+                  <a:schemeClr val="tx1"/>
+                </a:solidFill>
+                <a:latin typeface="Tahoma" panose="020B0604030504040204" pitchFamily="34" charset="0"/>
+                <a:ea typeface="Tahoma" panose="020B0604030504040204" pitchFamily="34" charset="0"/>
+                <a:cs typeface="Tahoma" panose="020B0604030504040204" pitchFamily="34" charset="0"/>
+              </a:rPr>
+              <a:t> di una risorsa.   </a:t>
+            </a:r>
+            <a:endParaRPr lang="it-IT" sz="2400" b="1">
+              <a:solidFill>
+                <a:schemeClr val="tx1"/>
+              </a:solidFill>
+              <a:latin typeface="Tahoma" panose="020B0604030504040204" pitchFamily="34" charset="0"/>
+              <a:ea typeface="Tahoma" panose="020B0604030504040204" pitchFamily="34" charset="0"/>
+              <a:cs typeface="Tahoma" panose="020B0604030504040204" pitchFamily="34" charset="0"/>
+            </a:endParaRPr>
+          </a:p>
+          <a:p>
+            <a:pPr marL="342900" indent="-342900">
+              <a:buFont typeface="Wingdings" panose="05000000000000000000" pitchFamily="2" charset="2"/>
+              <a:buChar char="ü"/>
+            </a:pPr>
+            <a:endParaRPr lang="it-IT" sz="2400" b="0" i="0">
+              <a:solidFill>
+                <a:srgbClr val="202124"/>
+              </a:solidFill>
+              <a:effectLst/>
+              <a:latin typeface="arial" panose="020B0604020202020204" pitchFamily="34" charset="0"/>
+            </a:endParaRPr>
+          </a:p>
+          <a:p>
+            <a:pPr marL="342900" indent="-342900">
+              <a:buFont typeface="Wingdings" panose="05000000000000000000" pitchFamily="2" charset="2"/>
+              <a:buChar char="ü"/>
+            </a:pPr>
+            <a:endParaRPr lang="it-IT" sz="2400">
+              <a:solidFill>
+                <a:srgbClr val="202124"/>
+              </a:solidFill>
+              <a:latin typeface="arial" panose="020B0604020202020204" pitchFamily="34" charset="0"/>
+            </a:endParaRPr>
+          </a:p>
+          <a:p>
+            <a:pPr algn="l"/>
+            <a:endParaRPr lang="it-IT" sz="2400" dirty="0">
+              <a:solidFill>
+                <a:schemeClr val="tx1"/>
+              </a:solidFill>
+              <a:latin typeface="Tahoma" panose="020B0604030504040204" pitchFamily="34" charset="0"/>
+              <a:ea typeface="Tahoma" panose="020B0604030504040204" pitchFamily="34" charset="0"/>
+              <a:cs typeface="Tahoma" panose="020B0604030504040204" pitchFamily="34" charset="0"/>
+            </a:endParaRPr>
+          </a:p>
+        </p:txBody>
+      </p:sp>
+      <p:sp>
+        <p:nvSpPr>
+          <p:cNvPr id="7" name="Segnaposto numero diapositiva 6">
+            <a:extLst>
+              <a:ext uri="{FF2B5EF4-FFF2-40B4-BE49-F238E27FC236}">
+                <a16:creationId xmlns:a16="http://schemas.microsoft.com/office/drawing/2014/main" id="{AB740BE9-E218-4144-BFDE-AE473D230A3D}"/>
+              </a:ext>
+            </a:extLst>
+          </p:cNvPr>
+          <p:cNvSpPr>
+            <a:spLocks noGrp="1"/>
+          </p:cNvSpPr>
+          <p:nvPr>
+            <p:ph type="sldNum" sz="quarter" idx="12"/>
+          </p:nvPr>
+        </p:nvSpPr>
+        <p:spPr/>
+        <p:txBody>
+          <a:bodyPr/>
+          <a:lstStyle/>
+          <a:p>
+            <a:pPr>
+              <a:defRPr/>
+            </a:pPr>
+            <a:fld id="{48B4153A-D4C5-4CEF-8992-0D8815C829E3}" type="slidenum">
+              <a:rPr lang="en-US" smtClean="0"/>
+              <a:pPr>
+                <a:defRPr/>
+              </a:pPr>
+              <a:t>40</a:t>
+            </a:fld>
+            <a:endParaRPr lang="en-US" dirty="0"/>
+          </a:p>
+        </p:txBody>
+      </p:sp>
+      <p:sp>
+        <p:nvSpPr>
+          <p:cNvPr id="5" name="Titolo 4">
+            <a:extLst>
+              <a:ext uri="{FF2B5EF4-FFF2-40B4-BE49-F238E27FC236}">
+                <a16:creationId xmlns:a16="http://schemas.microsoft.com/office/drawing/2014/main" id="{82C46BA2-B380-4357-B125-BA9F08A643F5}"/>
+              </a:ext>
+            </a:extLst>
+          </p:cNvPr>
+          <p:cNvSpPr>
+            <a:spLocks noGrp="1"/>
+          </p:cNvSpPr>
+          <p:nvPr>
+            <p:ph type="title"/>
+          </p:nvPr>
+        </p:nvSpPr>
+        <p:spPr>
+          <a:xfrm>
+            <a:off x="468895" y="503475"/>
+            <a:ext cx="11269308" cy="384721"/>
+          </a:xfrm>
+        </p:spPr>
+        <p:txBody>
+          <a:bodyPr/>
+          <a:lstStyle/>
+          <a:p>
+            <a:r>
+              <a:rPr lang="it-IT" altLang="it-IT"/>
+              <a:t>RDF - Principi e modello dei dati</a:t>
+            </a:r>
+            <a:endParaRPr lang="it-IT" dirty="0"/>
+          </a:p>
+        </p:txBody>
+      </p:sp>
+    </p:spTree>
+    <p:extLst>
+      <p:ext uri="{BB962C8B-B14F-4D97-AF65-F5344CB8AC3E}">
+        <p14:creationId xmlns:p14="http://schemas.microsoft.com/office/powerpoint/2010/main" val="1183596315"/>
+      </p:ext>
+    </p:extLst>
+  </p:cSld>
+  <p:clrMapOvr>
+    <a:masterClrMapping/>
+  </p:clrMapOvr>
+</p:sld>
+</file>
+
+<file path=ppt/slides/slide41.xml><?xml version="1.0" encoding="utf-8"?>
+<p:sld xmlns:a="http://schemas.openxmlformats.org/drawingml/2006/main" xmlns:r="http://schemas.openxmlformats.org/officeDocument/2006/relationships" xmlns:p="http://schemas.openxmlformats.org/presentationml/2006/main">
+  <p:cSld>
+    <p:spTree>
+      <p:nvGrpSpPr>
+        <p:cNvPr id="1" name=""/>
+        <p:cNvGrpSpPr/>
+        <p:nvPr/>
+      </p:nvGrpSpPr>
+      <p:grpSpPr>
+        <a:xfrm>
+          <a:off x="0" y="0"/>
+          <a:ext cx="0" cy="0"/>
+          <a:chOff x="0" y="0"/>
+          <a:chExt cx="0" cy="0"/>
+        </a:xfrm>
+      </p:grpSpPr>
+      <p:sp>
+        <p:nvSpPr>
+          <p:cNvPr id="2" name="Segnaposto testo 1">
+            <a:extLst>
+              <a:ext uri="{FF2B5EF4-FFF2-40B4-BE49-F238E27FC236}">
+                <a16:creationId xmlns:a16="http://schemas.microsoft.com/office/drawing/2014/main" id="{E5AE986C-196F-4141-A898-FA4C4198CDCC}"/>
+              </a:ext>
+            </a:extLst>
+          </p:cNvPr>
+          <p:cNvSpPr>
+            <a:spLocks noGrp="1"/>
+          </p:cNvSpPr>
+          <p:nvPr>
+            <p:ph type="body" idx="1"/>
+          </p:nvPr>
+        </p:nvSpPr>
+        <p:spPr>
+          <a:xfrm>
+            <a:off x="326297" y="1213806"/>
+            <a:ext cx="8221802" cy="4392612"/>
+          </a:xfrm>
+        </p:spPr>
+        <p:txBody>
+          <a:bodyPr/>
+          <a:lstStyle/>
+          <a:p>
+            <a:pPr marL="342900" indent="-342900">
+              <a:buFont typeface="Wingdings" panose="05000000000000000000" pitchFamily="2" charset="2"/>
+              <a:buChar char="ü"/>
+            </a:pPr>
+            <a:r>
+              <a:rPr lang="it-IT" sz="2400" b="0" i="0">
+                <a:solidFill>
+                  <a:srgbClr val="202124"/>
+                </a:solidFill>
+                <a:effectLst/>
+                <a:latin typeface="Tahoma" panose="020B0604030504040204" pitchFamily="34" charset="0"/>
+                <a:ea typeface="Tahoma" panose="020B0604030504040204" pitchFamily="34" charset="0"/>
+                <a:cs typeface="Tahoma" panose="020B0604030504040204" pitchFamily="34" charset="0"/>
+              </a:rPr>
+              <a:t>L'unità di base per rappresentare un'informazione in </a:t>
+            </a:r>
+            <a:r>
+              <a:rPr lang="it-IT" sz="2400" b="1" i="0">
+                <a:solidFill>
+                  <a:srgbClr val="202124"/>
+                </a:solidFill>
+                <a:effectLst/>
+                <a:latin typeface="Tahoma" panose="020B0604030504040204" pitchFamily="34" charset="0"/>
+                <a:ea typeface="Tahoma" panose="020B0604030504040204" pitchFamily="34" charset="0"/>
+                <a:cs typeface="Tahoma" panose="020B0604030504040204" pitchFamily="34" charset="0"/>
+              </a:rPr>
+              <a:t>RDF </a:t>
+            </a:r>
+            <a:r>
+              <a:rPr lang="it-IT" sz="2400" i="0">
+                <a:solidFill>
+                  <a:srgbClr val="202124"/>
+                </a:solidFill>
+                <a:effectLst/>
+                <a:latin typeface="Tahoma" panose="020B0604030504040204" pitchFamily="34" charset="0"/>
+                <a:ea typeface="Tahoma" panose="020B0604030504040204" pitchFamily="34" charset="0"/>
+                <a:cs typeface="Tahoma" panose="020B0604030504040204" pitchFamily="34" charset="0"/>
+              </a:rPr>
+              <a:t>è lo statement. Uno statement è una tripla del tipo </a:t>
+            </a:r>
+            <a:r>
+              <a:rPr lang="it-IT" sz="2400" b="1">
+                <a:solidFill>
+                  <a:srgbClr val="202124"/>
+                </a:solidFill>
+                <a:effectLst/>
+                <a:latin typeface="Tahoma" panose="020B0604030504040204" pitchFamily="34" charset="0"/>
+                <a:ea typeface="Tahoma" panose="020B0604030504040204" pitchFamily="34" charset="0"/>
+                <a:cs typeface="Tahoma" panose="020B0604030504040204" pitchFamily="34" charset="0"/>
+              </a:rPr>
+              <a:t>Soggetto-Predicato-Oggetto, </a:t>
+            </a:r>
+            <a:r>
+              <a:rPr lang="it-IT" sz="2400">
+                <a:solidFill>
+                  <a:srgbClr val="202124"/>
+                </a:solidFill>
+                <a:effectLst/>
+                <a:latin typeface="Tahoma" panose="020B0604030504040204" pitchFamily="34" charset="0"/>
+                <a:ea typeface="Tahoma" panose="020B0604030504040204" pitchFamily="34" charset="0"/>
+                <a:cs typeface="Tahoma" panose="020B0604030504040204" pitchFamily="34" charset="0"/>
+              </a:rPr>
+              <a:t>dove il soggetto è una risorsa, il predicato è una proprietà e l'oggetto è un valore (e quindi anche un </a:t>
+            </a:r>
+            <a:r>
+              <a:rPr lang="it-IT" sz="2400" b="1" i="0">
+                <a:solidFill>
+                  <a:srgbClr val="202124"/>
+                </a:solidFill>
+                <a:effectLst/>
+                <a:latin typeface="Tahoma" panose="020B0604030504040204" pitchFamily="34" charset="0"/>
+                <a:ea typeface="Tahoma" panose="020B0604030504040204" pitchFamily="34" charset="0"/>
+                <a:cs typeface="Tahoma" panose="020B0604030504040204" pitchFamily="34" charset="0"/>
+              </a:rPr>
+              <a:t>URI</a:t>
+            </a:r>
+            <a:r>
+              <a:rPr lang="it-IT" sz="2400" b="0" i="0">
+                <a:solidFill>
+                  <a:srgbClr val="202124"/>
+                </a:solidFill>
+                <a:effectLst/>
+                <a:latin typeface="Tahoma" panose="020B0604030504040204" pitchFamily="34" charset="0"/>
+                <a:ea typeface="Tahoma" panose="020B0604030504040204" pitchFamily="34" charset="0"/>
+                <a:cs typeface="Tahoma" panose="020B0604030504040204" pitchFamily="34" charset="0"/>
+              </a:rPr>
+              <a:t> che punta ad un'altra risorsa). </a:t>
+            </a:r>
+          </a:p>
+          <a:p>
+            <a:pPr marL="342900" indent="-342900">
+              <a:buFont typeface="Wingdings" panose="05000000000000000000" pitchFamily="2" charset="2"/>
+              <a:buChar char="ü"/>
+            </a:pPr>
+            <a:r>
+              <a:rPr lang="it-IT" sz="2400">
+                <a:solidFill>
+                  <a:srgbClr val="202124"/>
+                </a:solidFill>
+                <a:latin typeface="Tahoma" panose="020B0604030504040204" pitchFamily="34" charset="0"/>
+                <a:ea typeface="Tahoma" panose="020B0604030504040204" pitchFamily="34" charset="0"/>
+                <a:cs typeface="Tahoma" panose="020B0604030504040204" pitchFamily="34" charset="0"/>
+              </a:rPr>
+              <a:t>Il data model </a:t>
+            </a:r>
+            <a:r>
+              <a:rPr lang="it-IT" sz="2400" b="1">
+                <a:solidFill>
+                  <a:srgbClr val="202124"/>
+                </a:solidFill>
+                <a:latin typeface="Tahoma" panose="020B0604030504040204" pitchFamily="34" charset="0"/>
+                <a:ea typeface="Tahoma" panose="020B0604030504040204" pitchFamily="34" charset="0"/>
+                <a:cs typeface="Tahoma" panose="020B0604030504040204" pitchFamily="34" charset="0"/>
+              </a:rPr>
+              <a:t>RDF </a:t>
+            </a:r>
+            <a:r>
+              <a:rPr lang="it-IT" sz="2400">
+                <a:solidFill>
+                  <a:srgbClr val="202124"/>
+                </a:solidFill>
+                <a:latin typeface="Tahoma" panose="020B0604030504040204" pitchFamily="34" charset="0"/>
+                <a:ea typeface="Tahoma" panose="020B0604030504040204" pitchFamily="34" charset="0"/>
+                <a:cs typeface="Tahoma" panose="020B0604030504040204" pitchFamily="34" charset="0"/>
+              </a:rPr>
+              <a:t>permette di definire un modello semplice per descrivere le relazioni tra le risorse, in termini di proprietà identificate da un nome e relativi valori.</a:t>
+            </a:r>
+          </a:p>
+          <a:p>
+            <a:pPr marL="342900" indent="-342900" algn="just">
+              <a:buFont typeface="Wingdings" panose="05000000000000000000" pitchFamily="2" charset="2"/>
+              <a:buChar char="ü"/>
+            </a:pPr>
+            <a:r>
+              <a:rPr lang="it-IT" sz="2400">
+                <a:solidFill>
+                  <a:srgbClr val="202124"/>
+                </a:solidFill>
+                <a:latin typeface="Tahoma" panose="020B0604030504040204" pitchFamily="34" charset="0"/>
+                <a:ea typeface="Tahoma" panose="020B0604030504040204" pitchFamily="34" charset="0"/>
+                <a:cs typeface="Tahoma" panose="020B0604030504040204" pitchFamily="34" charset="0"/>
+              </a:rPr>
+              <a:t>Tuttavia </a:t>
+            </a:r>
+            <a:r>
+              <a:rPr lang="it-IT" sz="2400" b="1">
+                <a:solidFill>
+                  <a:srgbClr val="202124"/>
+                </a:solidFill>
+                <a:latin typeface="Tahoma" panose="020B0604030504040204" pitchFamily="34" charset="0"/>
+                <a:ea typeface="Tahoma" panose="020B0604030504040204" pitchFamily="34" charset="0"/>
+                <a:cs typeface="Tahoma" panose="020B0604030504040204" pitchFamily="34" charset="0"/>
+              </a:rPr>
+              <a:t>RDF </a:t>
+            </a:r>
+            <a:r>
+              <a:rPr lang="it-IT" sz="2400">
+                <a:solidFill>
+                  <a:srgbClr val="202124"/>
+                </a:solidFill>
+                <a:latin typeface="Tahoma" panose="020B0604030504040204" pitchFamily="34" charset="0"/>
+                <a:ea typeface="Tahoma" panose="020B0604030504040204" pitchFamily="34" charset="0"/>
+                <a:cs typeface="Tahoma" panose="020B0604030504040204" pitchFamily="34" charset="0"/>
+              </a:rPr>
+              <a:t>non fornisce nessun meccanismo per dichiarare queste proprietà, nè per definire le relazioni tra queste proprietà ed altre risorse. Tale compito è definito da </a:t>
+            </a:r>
+            <a:r>
+              <a:rPr lang="it-IT" sz="2400" b="1">
+                <a:solidFill>
+                  <a:srgbClr val="202124"/>
+                </a:solidFill>
+                <a:latin typeface="Tahoma" panose="020B0604030504040204" pitchFamily="34" charset="0"/>
+                <a:ea typeface="Tahoma" panose="020B0604030504040204" pitchFamily="34" charset="0"/>
+                <a:cs typeface="Tahoma" panose="020B0604030504040204" pitchFamily="34" charset="0"/>
+              </a:rPr>
+              <a:t>RDF Schema.</a:t>
+            </a:r>
+            <a:r>
+              <a:rPr lang="it-IT" sz="2400">
+                <a:solidFill>
+                  <a:srgbClr val="202124"/>
+                </a:solidFill>
+                <a:latin typeface="Tahoma" panose="020B0604030504040204" pitchFamily="34" charset="0"/>
+                <a:ea typeface="Tahoma" panose="020B0604030504040204" pitchFamily="34" charset="0"/>
+                <a:cs typeface="Tahoma" panose="020B0604030504040204" pitchFamily="34" charset="0"/>
+              </a:rPr>
+              <a:t> </a:t>
+            </a:r>
+            <a:endParaRPr lang="it-IT" sz="2400" dirty="0">
+              <a:solidFill>
+                <a:schemeClr val="tx1"/>
+              </a:solidFill>
+              <a:latin typeface="Tahoma" panose="020B0604030504040204" pitchFamily="34" charset="0"/>
+              <a:ea typeface="Tahoma" panose="020B0604030504040204" pitchFamily="34" charset="0"/>
+              <a:cs typeface="Tahoma" panose="020B0604030504040204" pitchFamily="34" charset="0"/>
+            </a:endParaRPr>
+          </a:p>
+        </p:txBody>
+      </p:sp>
+      <p:sp>
+        <p:nvSpPr>
+          <p:cNvPr id="7" name="Segnaposto numero diapositiva 6">
+            <a:extLst>
+              <a:ext uri="{FF2B5EF4-FFF2-40B4-BE49-F238E27FC236}">
+                <a16:creationId xmlns:a16="http://schemas.microsoft.com/office/drawing/2014/main" id="{AB740BE9-E218-4144-BFDE-AE473D230A3D}"/>
+              </a:ext>
+            </a:extLst>
+          </p:cNvPr>
+          <p:cNvSpPr>
+            <a:spLocks noGrp="1"/>
+          </p:cNvSpPr>
+          <p:nvPr>
+            <p:ph type="sldNum" sz="quarter" idx="12"/>
+          </p:nvPr>
+        </p:nvSpPr>
+        <p:spPr/>
+        <p:txBody>
+          <a:bodyPr/>
+          <a:lstStyle/>
+          <a:p>
+            <a:pPr>
+              <a:defRPr/>
+            </a:pPr>
+            <a:fld id="{48B4153A-D4C5-4CEF-8992-0D8815C829E3}" type="slidenum">
+              <a:rPr lang="en-US" smtClean="0"/>
+              <a:pPr>
+                <a:defRPr/>
+              </a:pPr>
+              <a:t>41</a:t>
+            </a:fld>
+            <a:endParaRPr lang="en-US" dirty="0"/>
+          </a:p>
+        </p:txBody>
+      </p:sp>
+      <p:sp>
+        <p:nvSpPr>
+          <p:cNvPr id="5" name="Titolo 4">
+            <a:extLst>
+              <a:ext uri="{FF2B5EF4-FFF2-40B4-BE49-F238E27FC236}">
+                <a16:creationId xmlns:a16="http://schemas.microsoft.com/office/drawing/2014/main" id="{82C46BA2-B380-4357-B125-BA9F08A643F5}"/>
+              </a:ext>
+            </a:extLst>
+          </p:cNvPr>
+          <p:cNvSpPr>
+            <a:spLocks noGrp="1"/>
+          </p:cNvSpPr>
+          <p:nvPr>
+            <p:ph type="title"/>
+          </p:nvPr>
+        </p:nvSpPr>
+        <p:spPr>
+          <a:xfrm>
+            <a:off x="468895" y="503475"/>
+            <a:ext cx="11269308" cy="384721"/>
+          </a:xfrm>
+        </p:spPr>
+        <p:txBody>
+          <a:bodyPr/>
+          <a:lstStyle/>
+          <a:p>
+            <a:r>
+              <a:rPr lang="it-IT" altLang="it-IT"/>
+              <a:t>RDF - Principi e modello dei dati</a:t>
+            </a:r>
+            <a:endParaRPr lang="it-IT" dirty="0"/>
+          </a:p>
+        </p:txBody>
+      </p:sp>
+      <p:pic>
+        <p:nvPicPr>
+          <p:cNvPr id="4" name="Immagine 3">
+            <a:extLst>
+              <a:ext uri="{FF2B5EF4-FFF2-40B4-BE49-F238E27FC236}">
+                <a16:creationId xmlns:a16="http://schemas.microsoft.com/office/drawing/2014/main" id="{BD6B8987-64FD-8A07-D0DC-F533F24CD87A}"/>
+              </a:ext>
+            </a:extLst>
+          </p:cNvPr>
+          <p:cNvPicPr>
+            <a:picLocks noChangeAspect="1"/>
+          </p:cNvPicPr>
+          <p:nvPr/>
+        </p:nvPicPr>
+        <p:blipFill>
+          <a:blip r:embed="rId2"/>
+          <a:stretch>
+            <a:fillRect/>
+          </a:stretch>
+        </p:blipFill>
+        <p:spPr>
+          <a:xfrm>
+            <a:off x="8129215" y="2780632"/>
+            <a:ext cx="3736488" cy="1935206"/>
+          </a:xfrm>
+          <a:prstGeom prst="rect">
+            <a:avLst/>
+          </a:prstGeom>
+        </p:spPr>
+      </p:pic>
+    </p:spTree>
+    <p:extLst>
+      <p:ext uri="{BB962C8B-B14F-4D97-AF65-F5344CB8AC3E}">
+        <p14:creationId xmlns:p14="http://schemas.microsoft.com/office/powerpoint/2010/main" val="2289001643"/>
+      </p:ext>
+    </p:extLst>
+  </p:cSld>
+  <p:clrMapOvr>
+    <a:masterClrMapping/>
+  </p:clrMapOvr>
+</p:sld>
+</file>
+
+<file path=ppt/slides/slide42.xml><?xml version="1.0" encoding="utf-8"?>
+<p:sld xmlns:a="http://schemas.openxmlformats.org/drawingml/2006/main" xmlns:r="http://schemas.openxmlformats.org/officeDocument/2006/relationships" xmlns:p="http://schemas.openxmlformats.org/presentationml/2006/main">
+  <p:cSld>
+    <p:spTree>
+      <p:nvGrpSpPr>
+        <p:cNvPr id="1" name=""/>
+        <p:cNvGrpSpPr/>
+        <p:nvPr/>
+      </p:nvGrpSpPr>
+      <p:grpSpPr>
+        <a:xfrm>
+          <a:off x="0" y="0"/>
+          <a:ext cx="0" cy="0"/>
+          <a:chOff x="0" y="0"/>
+          <a:chExt cx="0" cy="0"/>
+        </a:xfrm>
+      </p:grpSpPr>
+      <p:sp>
+        <p:nvSpPr>
+          <p:cNvPr id="2" name="Segnaposto testo 1">
+            <a:extLst>
+              <a:ext uri="{FF2B5EF4-FFF2-40B4-BE49-F238E27FC236}">
+                <a16:creationId xmlns:a16="http://schemas.microsoft.com/office/drawing/2014/main" id="{E5AE986C-196F-4141-A898-FA4C4198CDCC}"/>
+              </a:ext>
+            </a:extLst>
+          </p:cNvPr>
+          <p:cNvSpPr>
+            <a:spLocks noGrp="1"/>
+          </p:cNvSpPr>
+          <p:nvPr>
+            <p:ph type="body" idx="1"/>
+          </p:nvPr>
+        </p:nvSpPr>
+        <p:spPr>
+          <a:xfrm>
+            <a:off x="326297" y="1213806"/>
+            <a:ext cx="11411906" cy="4392612"/>
+          </a:xfrm>
+        </p:spPr>
+        <p:txBody>
+          <a:bodyPr/>
+          <a:lstStyle/>
+          <a:p>
+            <a:pPr marL="342900" indent="-342900">
+              <a:buFont typeface="Wingdings" panose="05000000000000000000" pitchFamily="2" charset="2"/>
+              <a:buChar char="ü"/>
+            </a:pPr>
+            <a:r>
+              <a:rPr lang="it-IT" sz="2400" b="1" i="0">
+                <a:solidFill>
+                  <a:srgbClr val="202124"/>
+                </a:solidFill>
+                <a:effectLst/>
+                <a:latin typeface="Tahoma" panose="020B0604030504040204" pitchFamily="34" charset="0"/>
+                <a:ea typeface="Tahoma" panose="020B0604030504040204" pitchFamily="34" charset="0"/>
+                <a:cs typeface="Tahoma" panose="020B0604030504040204" pitchFamily="34" charset="0"/>
+              </a:rPr>
+              <a:t>RDF </a:t>
+            </a:r>
+            <a:r>
+              <a:rPr lang="it-IT" sz="2400" i="0">
+                <a:solidFill>
+                  <a:srgbClr val="202124"/>
+                </a:solidFill>
+                <a:effectLst/>
+                <a:latin typeface="Tahoma" panose="020B0604030504040204" pitchFamily="34" charset="0"/>
+                <a:ea typeface="Tahoma" panose="020B0604030504040204" pitchFamily="34" charset="0"/>
+                <a:cs typeface="Tahoma" panose="020B0604030504040204" pitchFamily="34" charset="0"/>
+              </a:rPr>
+              <a:t>quando deve far riferimento a più di una risorsa, per esempio per descrivere il fatto che la risorsa è associata a più proprietà, definisce dei contenitori (container), ossia liste di risorse.</a:t>
+            </a:r>
+          </a:p>
+          <a:p>
+            <a:pPr marL="342900" indent="-342900">
+              <a:buFont typeface="Wingdings" panose="05000000000000000000" pitchFamily="2" charset="2"/>
+              <a:buChar char="ü"/>
+            </a:pPr>
+            <a:r>
+              <a:rPr lang="it-IT" sz="2400">
+                <a:solidFill>
+                  <a:srgbClr val="202124"/>
+                </a:solidFill>
+                <a:latin typeface="Tahoma" panose="020B0604030504040204" pitchFamily="34" charset="0"/>
+                <a:ea typeface="Tahoma" panose="020B0604030504040204" pitchFamily="34" charset="0"/>
+                <a:cs typeface="Tahoma" panose="020B0604030504040204" pitchFamily="34" charset="0"/>
+              </a:rPr>
+              <a:t>Tre sono i tipi di contenitori: </a:t>
+            </a:r>
+          </a:p>
+          <a:p>
+            <a:pPr marL="342900" indent="-342900">
+              <a:buFont typeface="Wingdings" panose="05000000000000000000" pitchFamily="2" charset="2"/>
+              <a:buChar char="ü"/>
+            </a:pPr>
+            <a:r>
+              <a:rPr lang="it-IT" sz="2400" b="1" i="0">
+                <a:solidFill>
+                  <a:srgbClr val="202124"/>
+                </a:solidFill>
+                <a:effectLst/>
+                <a:latin typeface="Tahoma" panose="020B0604030504040204" pitchFamily="34" charset="0"/>
+                <a:ea typeface="Tahoma" panose="020B0604030504040204" pitchFamily="34" charset="0"/>
+                <a:cs typeface="Tahoma" panose="020B0604030504040204" pitchFamily="34" charset="0"/>
+              </a:rPr>
+              <a:t>Bag: </a:t>
+            </a:r>
+            <a:r>
+              <a:rPr lang="it-IT" sz="2400" i="0">
+                <a:solidFill>
+                  <a:srgbClr val="202124"/>
+                </a:solidFill>
+                <a:effectLst/>
+                <a:latin typeface="Tahoma" panose="020B0604030504040204" pitchFamily="34" charset="0"/>
+                <a:ea typeface="Tahoma" panose="020B0604030504040204" pitchFamily="34" charset="0"/>
+                <a:cs typeface="Tahoma" panose="020B0604030504040204" pitchFamily="34" charset="0"/>
+              </a:rPr>
+              <a:t>è una lista non ordinata di risorse o costanti. Viene utilizzato per dichiarare che una proprietà ha valori multipli. Per esempio i componenti di un convegno. </a:t>
+            </a:r>
+          </a:p>
+          <a:p>
+            <a:pPr marL="342900" indent="-342900">
+              <a:buFont typeface="Wingdings" panose="05000000000000000000" pitchFamily="2" charset="2"/>
+              <a:buChar char="ü"/>
+            </a:pPr>
+            <a:r>
+              <a:rPr lang="it-IT" sz="2400" b="1" i="0">
+                <a:solidFill>
+                  <a:srgbClr val="202124"/>
+                </a:solidFill>
+                <a:effectLst/>
+                <a:latin typeface="Tahoma" panose="020B0604030504040204" pitchFamily="34" charset="0"/>
+                <a:ea typeface="Tahoma" panose="020B0604030504040204" pitchFamily="34" charset="0"/>
+                <a:cs typeface="Tahoma" panose="020B0604030504040204" pitchFamily="34" charset="0"/>
+              </a:rPr>
+              <a:t>Sequence: </a:t>
+            </a:r>
+            <a:r>
+              <a:rPr lang="it-IT" sz="2400" i="0">
+                <a:solidFill>
+                  <a:srgbClr val="202124"/>
+                </a:solidFill>
+                <a:effectLst/>
+                <a:latin typeface="Tahoma" panose="020B0604030504040204" pitchFamily="34" charset="0"/>
+                <a:ea typeface="Tahoma" panose="020B0604030504040204" pitchFamily="34" charset="0"/>
+                <a:cs typeface="Tahoma" panose="020B0604030504040204" pitchFamily="34" charset="0"/>
+              </a:rPr>
+              <a:t>differisce da Bag per il fatto che l'ordine delle risorse è significativo. Per esempio si vuole mantenere l'ordine alfabetico di un insieme di nomi, gli autori di un sito. </a:t>
+            </a:r>
+          </a:p>
+          <a:p>
+            <a:pPr marL="342900" indent="-342900">
+              <a:buFont typeface="Wingdings" panose="05000000000000000000" pitchFamily="2" charset="2"/>
+              <a:buChar char="ü"/>
+            </a:pPr>
+            <a:r>
+              <a:rPr lang="it-IT" sz="2400" b="1">
+                <a:solidFill>
+                  <a:srgbClr val="202124"/>
+                </a:solidFill>
+                <a:latin typeface="Tahoma" panose="020B0604030504040204" pitchFamily="34" charset="0"/>
+                <a:ea typeface="Tahoma" panose="020B0604030504040204" pitchFamily="34" charset="0"/>
+                <a:cs typeface="Tahoma" panose="020B0604030504040204" pitchFamily="34" charset="0"/>
+              </a:rPr>
+              <a:t>Alternative: </a:t>
+            </a:r>
+            <a:r>
+              <a:rPr lang="it-IT" sz="2400">
+                <a:solidFill>
+                  <a:srgbClr val="202124"/>
+                </a:solidFill>
+                <a:latin typeface="Tahoma" panose="020B0604030504040204" pitchFamily="34" charset="0"/>
+                <a:ea typeface="Tahoma" panose="020B0604030504040204" pitchFamily="34" charset="0"/>
+                <a:cs typeface="Tahoma" panose="020B0604030504040204" pitchFamily="34" charset="0"/>
+              </a:rPr>
+              <a:t>è una lista di risorse che definiscono un'alternativa per il valore singolo di una proprietà. Per esempio per fornire titoli alternativi in varie lingue. </a:t>
+            </a:r>
+            <a:endParaRPr lang="it-IT" sz="2400" b="1" i="0">
+              <a:solidFill>
+                <a:srgbClr val="202124"/>
+              </a:solidFill>
+              <a:effectLst/>
+              <a:latin typeface="Tahoma" panose="020B0604030504040204" pitchFamily="34" charset="0"/>
+              <a:ea typeface="Tahoma" panose="020B0604030504040204" pitchFamily="34" charset="0"/>
+              <a:cs typeface="Tahoma" panose="020B0604030504040204" pitchFamily="34" charset="0"/>
+            </a:endParaRPr>
+          </a:p>
+        </p:txBody>
+      </p:sp>
+      <p:sp>
+        <p:nvSpPr>
+          <p:cNvPr id="7" name="Segnaposto numero diapositiva 6">
+            <a:extLst>
+              <a:ext uri="{FF2B5EF4-FFF2-40B4-BE49-F238E27FC236}">
+                <a16:creationId xmlns:a16="http://schemas.microsoft.com/office/drawing/2014/main" id="{AB740BE9-E218-4144-BFDE-AE473D230A3D}"/>
+              </a:ext>
+            </a:extLst>
+          </p:cNvPr>
+          <p:cNvSpPr>
+            <a:spLocks noGrp="1"/>
+          </p:cNvSpPr>
+          <p:nvPr>
+            <p:ph type="sldNum" sz="quarter" idx="12"/>
+          </p:nvPr>
+        </p:nvSpPr>
+        <p:spPr/>
+        <p:txBody>
+          <a:bodyPr/>
+          <a:lstStyle/>
+          <a:p>
+            <a:pPr>
+              <a:defRPr/>
+            </a:pPr>
+            <a:fld id="{48B4153A-D4C5-4CEF-8992-0D8815C829E3}" type="slidenum">
+              <a:rPr lang="en-US" smtClean="0"/>
+              <a:pPr>
+                <a:defRPr/>
+              </a:pPr>
+              <a:t>42</a:t>
+            </a:fld>
+            <a:endParaRPr lang="en-US" dirty="0"/>
+          </a:p>
+        </p:txBody>
+      </p:sp>
+      <p:sp>
+        <p:nvSpPr>
+          <p:cNvPr id="5" name="Titolo 4">
+            <a:extLst>
+              <a:ext uri="{FF2B5EF4-FFF2-40B4-BE49-F238E27FC236}">
+                <a16:creationId xmlns:a16="http://schemas.microsoft.com/office/drawing/2014/main" id="{82C46BA2-B380-4357-B125-BA9F08A643F5}"/>
+              </a:ext>
+            </a:extLst>
+          </p:cNvPr>
+          <p:cNvSpPr>
+            <a:spLocks noGrp="1"/>
+          </p:cNvSpPr>
+          <p:nvPr>
+            <p:ph type="title"/>
+          </p:nvPr>
+        </p:nvSpPr>
+        <p:spPr>
+          <a:xfrm>
+            <a:off x="468895" y="503475"/>
+            <a:ext cx="11269308" cy="384721"/>
+          </a:xfrm>
+        </p:spPr>
+        <p:txBody>
+          <a:bodyPr/>
+          <a:lstStyle/>
+          <a:p>
+            <a:r>
+              <a:rPr lang="it-IT" altLang="it-IT"/>
+              <a:t>RDF - Container</a:t>
+            </a:r>
+            <a:endParaRPr lang="it-IT" dirty="0"/>
+          </a:p>
+        </p:txBody>
+      </p:sp>
+    </p:spTree>
+    <p:extLst>
+      <p:ext uri="{BB962C8B-B14F-4D97-AF65-F5344CB8AC3E}">
+        <p14:creationId xmlns:p14="http://schemas.microsoft.com/office/powerpoint/2010/main" val="3724528411"/>
+      </p:ext>
+    </p:extLst>
+  </p:cSld>
+  <p:clrMapOvr>
+    <a:masterClrMapping/>
+  </p:clrMapOvr>
+</p:sld>
+</file>
+
+<file path=ppt/slides/slide43.xml><?xml version="1.0" encoding="utf-8"?>
+<p:sld xmlns:a="http://schemas.openxmlformats.org/drawingml/2006/main" xmlns:r="http://schemas.openxmlformats.org/officeDocument/2006/relationships" xmlns:p="http://schemas.openxmlformats.org/presentationml/2006/main">
+  <p:cSld>
+    <p:spTree>
+      <p:nvGrpSpPr>
+        <p:cNvPr id="1" name=""/>
+        <p:cNvGrpSpPr/>
+        <p:nvPr/>
+      </p:nvGrpSpPr>
+      <p:grpSpPr>
+        <a:xfrm>
+          <a:off x="0" y="0"/>
+          <a:ext cx="0" cy="0"/>
+          <a:chOff x="0" y="0"/>
+          <a:chExt cx="0" cy="0"/>
+        </a:xfrm>
+      </p:grpSpPr>
+      <p:sp>
+        <p:nvSpPr>
+          <p:cNvPr id="2" name="Segnaposto testo 1">
+            <a:extLst>
+              <a:ext uri="{FF2B5EF4-FFF2-40B4-BE49-F238E27FC236}">
+                <a16:creationId xmlns:a16="http://schemas.microsoft.com/office/drawing/2014/main" id="{E5AE986C-196F-4141-A898-FA4C4198CDCC}"/>
+              </a:ext>
+            </a:extLst>
+          </p:cNvPr>
+          <p:cNvSpPr>
+            <a:spLocks noGrp="1"/>
+          </p:cNvSpPr>
+          <p:nvPr>
+            <p:ph type="body" idx="1"/>
+          </p:nvPr>
+        </p:nvSpPr>
+        <p:spPr>
+          <a:xfrm>
+            <a:off x="326297" y="1213806"/>
+            <a:ext cx="11721324" cy="4392612"/>
+          </a:xfrm>
+        </p:spPr>
+        <p:txBody>
+          <a:bodyPr/>
+          <a:lstStyle/>
+          <a:p>
+            <a:pPr marL="342900" indent="-342900">
+              <a:buFont typeface="Wingdings" panose="05000000000000000000" pitchFamily="2" charset="2"/>
+              <a:buChar char="ü"/>
+            </a:pPr>
+            <a:r>
+              <a:rPr lang="it-IT" sz="2400">
+                <a:solidFill>
+                  <a:srgbClr val="202124"/>
+                </a:solidFill>
+                <a:latin typeface="Tahoma" panose="020B0604030504040204" pitchFamily="34" charset="0"/>
+                <a:ea typeface="Tahoma" panose="020B0604030504040204" pitchFamily="34" charset="0"/>
+                <a:cs typeface="Tahoma" panose="020B0604030504040204" pitchFamily="34" charset="0"/>
+              </a:rPr>
+              <a:t>Un modello </a:t>
+            </a:r>
+            <a:r>
+              <a:rPr lang="it-IT" sz="2400" b="1" i="0">
+                <a:solidFill>
+                  <a:srgbClr val="202124"/>
+                </a:solidFill>
+                <a:effectLst/>
+                <a:latin typeface="Tahoma" panose="020B0604030504040204" pitchFamily="34" charset="0"/>
+                <a:ea typeface="Tahoma" panose="020B0604030504040204" pitchFamily="34" charset="0"/>
+                <a:cs typeface="Tahoma" panose="020B0604030504040204" pitchFamily="34" charset="0"/>
+              </a:rPr>
+              <a:t>RDF </a:t>
+            </a:r>
+            <a:r>
+              <a:rPr lang="it-IT" sz="2400" i="0">
+                <a:solidFill>
+                  <a:srgbClr val="202124"/>
+                </a:solidFill>
+                <a:effectLst/>
+                <a:latin typeface="Tahoma" panose="020B0604030504040204" pitchFamily="34" charset="0"/>
+                <a:ea typeface="Tahoma" panose="020B0604030504040204" pitchFamily="34" charset="0"/>
+                <a:cs typeface="Tahoma" panose="020B0604030504040204" pitchFamily="34" charset="0"/>
+              </a:rPr>
+              <a:t>è rappresentato da un </a:t>
+            </a:r>
+            <a:r>
+              <a:rPr lang="it-IT" sz="2400" b="1" i="0">
+                <a:solidFill>
+                  <a:srgbClr val="202124"/>
+                </a:solidFill>
+                <a:effectLst/>
+                <a:latin typeface="Tahoma" panose="020B0604030504040204" pitchFamily="34" charset="0"/>
+                <a:ea typeface="Tahoma" panose="020B0604030504040204" pitchFamily="34" charset="0"/>
+                <a:cs typeface="Tahoma" panose="020B0604030504040204" pitchFamily="34" charset="0"/>
+              </a:rPr>
+              <a:t>grafo</a:t>
+            </a:r>
+            <a:r>
+              <a:rPr lang="it-IT" sz="2400" i="0">
+                <a:solidFill>
+                  <a:srgbClr val="202124"/>
+                </a:solidFill>
+                <a:effectLst/>
+                <a:latin typeface="Tahoma" panose="020B0604030504040204" pitchFamily="34" charset="0"/>
+                <a:ea typeface="Tahoma" panose="020B0604030504040204" pitchFamily="34" charset="0"/>
+                <a:cs typeface="Tahoma" panose="020B0604030504040204" pitchFamily="34" charset="0"/>
+              </a:rPr>
+              <a:t> orientato sui cui nodi ci sono risorse o tipi primitivi e i cui archi rappresentano le proprietà. </a:t>
+            </a:r>
+          </a:p>
+          <a:p>
+            <a:pPr marL="342900" indent="-342900">
+              <a:buFont typeface="Wingdings" panose="05000000000000000000" pitchFamily="2" charset="2"/>
+              <a:buChar char="ü"/>
+            </a:pPr>
+            <a:r>
+              <a:rPr lang="it-IT" sz="2400">
+                <a:solidFill>
+                  <a:srgbClr val="202124"/>
+                </a:solidFill>
+                <a:latin typeface="Tahoma" panose="020B0604030504040204" pitchFamily="34" charset="0"/>
+                <a:ea typeface="Tahoma" panose="020B0604030504040204" pitchFamily="34" charset="0"/>
+                <a:cs typeface="Tahoma" panose="020B0604030504040204" pitchFamily="34" charset="0"/>
+              </a:rPr>
+              <a:t>Un grafo </a:t>
+            </a:r>
+            <a:r>
+              <a:rPr lang="it-IT" sz="2400" b="1">
+                <a:solidFill>
+                  <a:srgbClr val="202124"/>
+                </a:solidFill>
+                <a:latin typeface="Tahoma" panose="020B0604030504040204" pitchFamily="34" charset="0"/>
+                <a:ea typeface="Tahoma" panose="020B0604030504040204" pitchFamily="34" charset="0"/>
+                <a:cs typeface="Tahoma" panose="020B0604030504040204" pitchFamily="34" charset="0"/>
+              </a:rPr>
+              <a:t>RDF </a:t>
+            </a:r>
+            <a:r>
+              <a:rPr lang="it-IT" sz="2400">
+                <a:solidFill>
+                  <a:srgbClr val="202124"/>
+                </a:solidFill>
+                <a:latin typeface="Tahoma" panose="020B0604030504040204" pitchFamily="34" charset="0"/>
+                <a:ea typeface="Tahoma" panose="020B0604030504040204" pitchFamily="34" charset="0"/>
+                <a:cs typeface="Tahoma" panose="020B0604030504040204" pitchFamily="34" charset="0"/>
+              </a:rPr>
+              <a:t>è rappresentato fisicamente mediante una serializzazione. </a:t>
+            </a:r>
+          </a:p>
+          <a:p>
+            <a:pPr marL="342900" indent="-342900">
+              <a:buFont typeface="Wingdings" panose="05000000000000000000" pitchFamily="2" charset="2"/>
+              <a:buChar char="ü"/>
+            </a:pPr>
+            <a:r>
+              <a:rPr lang="it-IT" sz="2400">
+                <a:solidFill>
+                  <a:srgbClr val="202124"/>
+                </a:solidFill>
+                <a:latin typeface="Tahoma" panose="020B0604030504040204" pitchFamily="34" charset="0"/>
+                <a:ea typeface="Tahoma" panose="020B0604030504040204" pitchFamily="34" charset="0"/>
+                <a:cs typeface="Tahoma" panose="020B0604030504040204" pitchFamily="34" charset="0"/>
+              </a:rPr>
+              <a:t>In Informatica, una </a:t>
+            </a:r>
+            <a:r>
+              <a:rPr lang="it-IT" sz="2400" b="1">
+                <a:solidFill>
+                  <a:srgbClr val="202124"/>
+                </a:solidFill>
+                <a:latin typeface="Tahoma" panose="020B0604030504040204" pitchFamily="34" charset="0"/>
+                <a:ea typeface="Tahoma" panose="020B0604030504040204" pitchFamily="34" charset="0"/>
+                <a:cs typeface="Tahoma" panose="020B0604030504040204" pitchFamily="34" charset="0"/>
+              </a:rPr>
+              <a:t>serializzazione </a:t>
+            </a:r>
+            <a:r>
+              <a:rPr lang="it-IT" sz="2400">
+                <a:solidFill>
+                  <a:srgbClr val="202124"/>
+                </a:solidFill>
+                <a:latin typeface="Tahoma" panose="020B0604030504040204" pitchFamily="34" charset="0"/>
+                <a:ea typeface="Tahoma" panose="020B0604030504040204" pitchFamily="34" charset="0"/>
+                <a:cs typeface="Tahoma" panose="020B0604030504040204" pitchFamily="34" charset="0"/>
+              </a:rPr>
+              <a:t>è un processo per salvare un oggetto su un supporto di memorizzazione lineare (ad esempio, un file o un'area di memoria) o per trasmetterlo attraverso una connessione di rete. La serializzazione può essere in forma </a:t>
+            </a:r>
+            <a:r>
+              <a:rPr lang="it-IT" sz="2400" b="1">
+                <a:solidFill>
+                  <a:srgbClr val="202124"/>
+                </a:solidFill>
+                <a:latin typeface="Tahoma" panose="020B0604030504040204" pitchFamily="34" charset="0"/>
+                <a:ea typeface="Tahoma" panose="020B0604030504040204" pitchFamily="34" charset="0"/>
+                <a:cs typeface="Tahoma" panose="020B0604030504040204" pitchFamily="34" charset="0"/>
+              </a:rPr>
+              <a:t>binaria </a:t>
+            </a:r>
+            <a:r>
+              <a:rPr lang="it-IT" sz="2400">
+                <a:solidFill>
+                  <a:srgbClr val="202124"/>
+                </a:solidFill>
+                <a:latin typeface="Tahoma" panose="020B0604030504040204" pitchFamily="34" charset="0"/>
+                <a:ea typeface="Tahoma" panose="020B0604030504040204" pitchFamily="34" charset="0"/>
+                <a:cs typeface="Tahoma" panose="020B0604030504040204" pitchFamily="34" charset="0"/>
+              </a:rPr>
+              <a:t>o può utilizzare codifiche testuali (ad esempio il formato </a:t>
+            </a:r>
+            <a:r>
+              <a:rPr lang="it-IT" sz="2400" b="1">
+                <a:solidFill>
+                  <a:srgbClr val="202124"/>
+                </a:solidFill>
+                <a:latin typeface="Tahoma" panose="020B0604030504040204" pitchFamily="34" charset="0"/>
+                <a:ea typeface="Tahoma" panose="020B0604030504040204" pitchFamily="34" charset="0"/>
+                <a:cs typeface="Tahoma" panose="020B0604030504040204" pitchFamily="34" charset="0"/>
+              </a:rPr>
+              <a:t>XML</a:t>
+            </a:r>
+            <a:r>
+              <a:rPr lang="it-IT" sz="2400">
+                <a:solidFill>
+                  <a:srgbClr val="202124"/>
+                </a:solidFill>
+                <a:latin typeface="Tahoma" panose="020B0604030504040204" pitchFamily="34" charset="0"/>
+                <a:ea typeface="Tahoma" panose="020B0604030504040204" pitchFamily="34" charset="0"/>
+                <a:cs typeface="Tahoma" panose="020B0604030504040204" pitchFamily="34" charset="0"/>
+              </a:rPr>
+              <a:t>) direttamente leggibili dagli esseri umani. Lo scopo della serializzazione è quello di trasmettere l'intero stato dell'oggetto in modo che esso possa essere successivamente ricreato nello stesso identico stato dal processo inverso, chiamato </a:t>
+            </a:r>
+            <a:r>
+              <a:rPr lang="it-IT" sz="2400" b="1">
+                <a:solidFill>
+                  <a:srgbClr val="202124"/>
+                </a:solidFill>
+                <a:latin typeface="Tahoma" panose="020B0604030504040204" pitchFamily="34" charset="0"/>
+                <a:ea typeface="Tahoma" panose="020B0604030504040204" pitchFamily="34" charset="0"/>
+                <a:cs typeface="Tahoma" panose="020B0604030504040204" pitchFamily="34" charset="0"/>
+              </a:rPr>
+              <a:t>deserializzazione. </a:t>
+            </a:r>
+            <a:r>
+              <a:rPr lang="it-IT" sz="2400">
+                <a:solidFill>
+                  <a:srgbClr val="202124"/>
+                </a:solidFill>
+                <a:latin typeface="Tahoma" panose="020B0604030504040204" pitchFamily="34" charset="0"/>
+                <a:ea typeface="Tahoma" panose="020B0604030504040204" pitchFamily="34" charset="0"/>
+                <a:cs typeface="Tahoma" panose="020B0604030504040204" pitchFamily="34" charset="0"/>
+              </a:rPr>
+              <a:t>I vantaggi della </a:t>
+            </a:r>
+            <a:r>
+              <a:rPr lang="it-IT" sz="2400" b="1">
+                <a:solidFill>
+                  <a:srgbClr val="202124"/>
+                </a:solidFill>
+                <a:latin typeface="Tahoma" panose="020B0604030504040204" pitchFamily="34" charset="0"/>
+                <a:ea typeface="Tahoma" panose="020B0604030504040204" pitchFamily="34" charset="0"/>
+                <a:cs typeface="Tahoma" panose="020B0604030504040204" pitchFamily="34" charset="0"/>
+              </a:rPr>
+              <a:t>serializzazione </a:t>
+            </a:r>
+            <a:r>
+              <a:rPr lang="it-IT" sz="2400">
+                <a:solidFill>
+                  <a:srgbClr val="202124"/>
+                </a:solidFill>
+                <a:latin typeface="Tahoma" panose="020B0604030504040204" pitchFamily="34" charset="0"/>
+                <a:ea typeface="Tahoma" panose="020B0604030504040204" pitchFamily="34" charset="0"/>
+                <a:cs typeface="Tahoma" panose="020B0604030504040204" pitchFamily="34" charset="0"/>
+              </a:rPr>
+              <a:t>sono poter usare gli oggetti persistenti, fare chiamate di procedura remota (rpc) o distribuire oggetti con software come </a:t>
+            </a:r>
+            <a:r>
+              <a:rPr lang="it-IT" sz="2400" b="1">
+                <a:solidFill>
+                  <a:srgbClr val="202124"/>
+                </a:solidFill>
+                <a:latin typeface="Tahoma" panose="020B0604030504040204" pitchFamily="34" charset="0"/>
+                <a:ea typeface="Tahoma" panose="020B0604030504040204" pitchFamily="34" charset="0"/>
+                <a:cs typeface="Tahoma" panose="020B0604030504040204" pitchFamily="34" charset="0"/>
+              </a:rPr>
+              <a:t>CORBA (Common Object Request Broker Architecture).</a:t>
+            </a:r>
+            <a:r>
+              <a:rPr lang="it-IT" sz="2400">
+                <a:solidFill>
+                  <a:srgbClr val="202124"/>
+                </a:solidFill>
+                <a:latin typeface="Tahoma" panose="020B0604030504040204" pitchFamily="34" charset="0"/>
+                <a:ea typeface="Tahoma" panose="020B0604030504040204" pitchFamily="34" charset="0"/>
+                <a:cs typeface="Tahoma" panose="020B0604030504040204" pitchFamily="34" charset="0"/>
+              </a:rPr>
+              <a:t> </a:t>
+            </a:r>
+            <a:endParaRPr lang="it-IT" sz="2400" b="1">
+              <a:solidFill>
+                <a:srgbClr val="202124"/>
+              </a:solidFill>
+              <a:latin typeface="Tahoma" panose="020B0604030504040204" pitchFamily="34" charset="0"/>
+              <a:ea typeface="Tahoma" panose="020B0604030504040204" pitchFamily="34" charset="0"/>
+              <a:cs typeface="Tahoma" panose="020B0604030504040204" pitchFamily="34" charset="0"/>
+            </a:endParaRPr>
+          </a:p>
+        </p:txBody>
+      </p:sp>
+      <p:sp>
+        <p:nvSpPr>
+          <p:cNvPr id="7" name="Segnaposto numero diapositiva 6">
+            <a:extLst>
+              <a:ext uri="{FF2B5EF4-FFF2-40B4-BE49-F238E27FC236}">
+                <a16:creationId xmlns:a16="http://schemas.microsoft.com/office/drawing/2014/main" id="{AB740BE9-E218-4144-BFDE-AE473D230A3D}"/>
+              </a:ext>
+            </a:extLst>
+          </p:cNvPr>
+          <p:cNvSpPr>
+            <a:spLocks noGrp="1"/>
+          </p:cNvSpPr>
+          <p:nvPr>
+            <p:ph type="sldNum" sz="quarter" idx="12"/>
+          </p:nvPr>
+        </p:nvSpPr>
+        <p:spPr/>
+        <p:txBody>
+          <a:bodyPr/>
+          <a:lstStyle/>
+          <a:p>
+            <a:pPr>
+              <a:defRPr/>
+            </a:pPr>
+            <a:fld id="{48B4153A-D4C5-4CEF-8992-0D8815C829E3}" type="slidenum">
+              <a:rPr lang="en-US" smtClean="0"/>
+              <a:pPr>
+                <a:defRPr/>
+              </a:pPr>
+              <a:t>43</a:t>
+            </a:fld>
+            <a:endParaRPr lang="en-US" dirty="0"/>
+          </a:p>
+        </p:txBody>
+      </p:sp>
+      <p:sp>
+        <p:nvSpPr>
+          <p:cNvPr id="5" name="Titolo 4">
+            <a:extLst>
+              <a:ext uri="{FF2B5EF4-FFF2-40B4-BE49-F238E27FC236}">
+                <a16:creationId xmlns:a16="http://schemas.microsoft.com/office/drawing/2014/main" id="{82C46BA2-B380-4357-B125-BA9F08A643F5}"/>
+              </a:ext>
+            </a:extLst>
+          </p:cNvPr>
+          <p:cNvSpPr>
+            <a:spLocks noGrp="1"/>
+          </p:cNvSpPr>
+          <p:nvPr>
+            <p:ph type="title"/>
+          </p:nvPr>
+        </p:nvSpPr>
+        <p:spPr>
+          <a:xfrm>
+            <a:off x="468895" y="503475"/>
+            <a:ext cx="11269308" cy="384721"/>
+          </a:xfrm>
+        </p:spPr>
+        <p:txBody>
+          <a:bodyPr/>
+          <a:lstStyle/>
+          <a:p>
+            <a:r>
+              <a:rPr lang="it-IT"/>
+              <a:t>RDF - Rappresentazione fisica del modello</a:t>
+            </a:r>
+            <a:endParaRPr lang="it-IT" dirty="0"/>
+          </a:p>
+        </p:txBody>
+      </p:sp>
+    </p:spTree>
+    <p:extLst>
+      <p:ext uri="{BB962C8B-B14F-4D97-AF65-F5344CB8AC3E}">
+        <p14:creationId xmlns:p14="http://schemas.microsoft.com/office/powerpoint/2010/main" val="1064940503"/>
+      </p:ext>
+    </p:extLst>
+  </p:cSld>
+  <p:clrMapOvr>
+    <a:masterClrMapping/>
+  </p:clrMapOvr>
+</p:sld>
+</file>
+
+<file path=ppt/slides/slide44.xml><?xml version="1.0" encoding="utf-8"?>
+<p:sld xmlns:a="http://schemas.openxmlformats.org/drawingml/2006/main" xmlns:r="http://schemas.openxmlformats.org/officeDocument/2006/relationships" xmlns:p="http://schemas.openxmlformats.org/presentationml/2006/main">
+  <p:cSld>
+    <p:spTree>
+      <p:nvGrpSpPr>
+        <p:cNvPr id="1" name=""/>
+        <p:cNvGrpSpPr/>
+        <p:nvPr/>
+      </p:nvGrpSpPr>
+      <p:grpSpPr>
+        <a:xfrm>
+          <a:off x="0" y="0"/>
+          <a:ext cx="0" cy="0"/>
+          <a:chOff x="0" y="0"/>
+          <a:chExt cx="0" cy="0"/>
+        </a:xfrm>
+      </p:grpSpPr>
+      <p:sp>
+        <p:nvSpPr>
+          <p:cNvPr id="2" name="Segnaposto testo 1">
+            <a:extLst>
+              <a:ext uri="{FF2B5EF4-FFF2-40B4-BE49-F238E27FC236}">
+                <a16:creationId xmlns:a16="http://schemas.microsoft.com/office/drawing/2014/main" id="{E5AE986C-196F-4141-A898-FA4C4198CDCC}"/>
+              </a:ext>
+            </a:extLst>
+          </p:cNvPr>
+          <p:cNvSpPr>
+            <a:spLocks noGrp="1"/>
+          </p:cNvSpPr>
+          <p:nvPr>
+            <p:ph type="body" idx="1"/>
+          </p:nvPr>
+        </p:nvSpPr>
+        <p:spPr>
+          <a:xfrm>
+            <a:off x="326297" y="1213806"/>
             <a:ext cx="11641114" cy="4392612"/>
           </a:xfrm>
         </p:spPr>
@@ -17290,7 +18543,7 @@
               <a:pPr>
                 <a:defRPr/>
               </a:pPr>
-              <a:t>40</a:t>
+              <a:t>44</a:t>
             </a:fld>
             <a:endParaRPr lang="en-US" dirty="0"/>
           </a:p>
@@ -17373,7 +18626,7 @@
 </p:sld>
 </file>
 
-<file path=ppt/slides/slide41.xml><?xml version="1.0" encoding="utf-8"?>
+<file path=ppt/slides/slide45.xml><?xml version="1.0" encoding="utf-8"?>
 <p:sld xmlns:a="http://schemas.openxmlformats.org/drawingml/2006/main" xmlns:r="http://schemas.openxmlformats.org/officeDocument/2006/relationships" xmlns:p="http://schemas.openxmlformats.org/presentationml/2006/main">
   <p:cSld>
     <p:spTree>
@@ -17725,7 +18978,7 @@
               <a:pPr>
                 <a:defRPr/>
               </a:pPr>
-              <a:t>41</a:t>
+              <a:t>45</a:t>
             </a:fld>
             <a:endParaRPr lang="en-US" dirty="0"/>
           </a:p>
@@ -17778,7 +19031,7 @@
 </p:sld>
 </file>
 
-<file path=ppt/slides/slide42.xml><?xml version="1.0" encoding="utf-8"?>
+<file path=ppt/slides/slide46.xml><?xml version="1.0" encoding="utf-8"?>
 <p:sld xmlns:a="http://schemas.openxmlformats.org/drawingml/2006/main" xmlns:r="http://schemas.openxmlformats.org/officeDocument/2006/relationships" xmlns:p="http://schemas.openxmlformats.org/presentationml/2006/main">
   <p:cSld>
     <p:spTree>
@@ -17996,7 +19249,7 @@
               <a:pPr>
                 <a:defRPr/>
               </a:pPr>
-              <a:t>42</a:t>
+              <a:t>46</a:t>
             </a:fld>
             <a:endParaRPr lang="en-US" dirty="0"/>
           </a:p>
@@ -18049,7 +19302,7 @@
 </p:sld>
 </file>
 
-<file path=ppt/slides/slide43.xml><?xml version="1.0" encoding="utf-8"?>
+<file path=ppt/slides/slide47.xml><?xml version="1.0" encoding="utf-8"?>
 <p:sld xmlns:a="http://schemas.openxmlformats.org/drawingml/2006/main" xmlns:r="http://schemas.openxmlformats.org/officeDocument/2006/relationships" xmlns:p="http://schemas.openxmlformats.org/presentationml/2006/main">
   <p:cSld>
     <p:spTree>
@@ -18344,7 +19597,7 @@
               <a:pPr>
                 <a:defRPr/>
               </a:pPr>
-              <a:t>43</a:t>
+              <a:t>47</a:t>
             </a:fld>
             <a:endParaRPr lang="en-US" dirty="0"/>
           </a:p>
@@ -18427,7 +19680,7 @@
 </p:sld>
 </file>
 
-<file path=ppt/slides/slide44.xml><?xml version="1.0" encoding="utf-8"?>
+<file path=ppt/slides/slide48.xml><?xml version="1.0" encoding="utf-8"?>
 <p:sld xmlns:a="http://schemas.openxmlformats.org/drawingml/2006/main" xmlns:r="http://schemas.openxmlformats.org/officeDocument/2006/relationships" xmlns:p="http://schemas.openxmlformats.org/presentationml/2006/main">
   <p:cSld>
     <p:spTree>
@@ -18539,7 +19792,7 @@
               <a:pPr>
                 <a:defRPr/>
               </a:pPr>
-              <a:t>44</a:t>
+              <a:t>48</a:t>
             </a:fld>
             <a:endParaRPr lang="en-US" dirty="0"/>
           </a:p>
@@ -18592,7 +19845,7 @@
 </p:sld>
 </file>
 
-<file path=ppt/slides/slide45.xml><?xml version="1.0" encoding="utf-8"?>
+<file path=ppt/slides/slide49.xml><?xml version="1.0" encoding="utf-8"?>
 <p:sld xmlns:a="http://schemas.openxmlformats.org/drawingml/2006/main" xmlns:r="http://schemas.openxmlformats.org/officeDocument/2006/relationships" xmlns:p="http://schemas.openxmlformats.org/presentationml/2006/main">
   <p:cSld>
     <p:spTree>
@@ -18638,7 +19891,7 @@
               <a:pPr>
                 <a:defRPr/>
               </a:pPr>
-              <a:t>45</a:t>
+              <a:t>49</a:t>
             </a:fld>
             <a:endParaRPr lang="en-US" dirty="0"/>
           </a:p>
@@ -19923,31 +21176,7 @@
                 <a:ea typeface="Tahoma" panose="020B0604030504040204" pitchFamily="34" charset="0"/>
                 <a:cs typeface="Tahoma" panose="020B0604030504040204" pitchFamily="34" charset="0"/>
               </a:rPr>
-              <a:t>Gli schemi sono i modi in cui i dati sono organizzati all’interno dei database o </a:t>
-            </a:r>
-            <a:r>
-              <a:rPr lang="it-IT" sz="2400" i="0" smtClean="0">
-                <a:solidFill>
-                  <a:schemeClr val="tx1"/>
-                </a:solidFill>
-                <a:effectLst/>
-                <a:latin typeface="Tahoma" panose="020B0604030504040204" pitchFamily="34" charset="0"/>
-                <a:ea typeface="Tahoma" panose="020B0604030504040204" pitchFamily="34" charset="0"/>
-                <a:cs typeface="Tahoma" panose="020B0604030504040204" pitchFamily="34" charset="0"/>
-              </a:rPr>
-              <a:t>data </a:t>
-            </a:r>
-            <a:r>
-              <a:rPr lang="it-IT" sz="2400" i="0">
-                <a:solidFill>
-                  <a:schemeClr val="tx1"/>
-                </a:solidFill>
-                <a:effectLst/>
-                <a:latin typeface="Tahoma" panose="020B0604030504040204" pitchFamily="34" charset="0"/>
-                <a:ea typeface="Tahoma" panose="020B0604030504040204" pitchFamily="34" charset="0"/>
-                <a:cs typeface="Tahoma" panose="020B0604030504040204" pitchFamily="34" charset="0"/>
-              </a:rPr>
-              <a:t>ware house. Ci sono due principali strutture degli schemi: lo </a:t>
+              <a:t>Gli schemi sono i modi in cui i dati sono organizzati all’interno dei database o data ware house. Ci sono due principali strutture degli schemi: lo </a:t>
             </a:r>
             <a:r>
               <a:rPr lang="it-IT" sz="2400" b="1" i="0">
@@ -20946,56 +22175,6 @@
 </file>
 
 <file path=customXml/item1.xml><?xml version="1.0" encoding="utf-8"?>
-<?mso-contentType ?>
-<spe:Receivers xmlns:spe="http://schemas.microsoft.com/sharepoint/events">
-  <Receiver>
-    <Name>Document ID Generator</Name>
-    <Synchronization>Synchronous</Synchronization>
-    <Type>10001</Type>
-    <SequenceNumber>1000</SequenceNumber>
-    <Url/>
-    <Assembly>Microsoft.Office.DocumentManagement, Version=15.0.0.0, Culture=neutral, PublicKeyToken=71e9bce111e9429c</Assembly>
-    <Class>Microsoft.Office.DocumentManagement.Internal.DocIdHandler</Class>
-    <Data/>
-    <Filter/>
-  </Receiver>
-  <Receiver>
-    <Name>Document ID Generator</Name>
-    <Synchronization>Synchronous</Synchronization>
-    <Type>10002</Type>
-    <SequenceNumber>1001</SequenceNumber>
-    <Url/>
-    <Assembly>Microsoft.Office.DocumentManagement, Version=15.0.0.0, Culture=neutral, PublicKeyToken=71e9bce111e9429c</Assembly>
-    <Class>Microsoft.Office.DocumentManagement.Internal.DocIdHandler</Class>
-    <Data/>
-    <Filter/>
-  </Receiver>
-  <Receiver>
-    <Name>Document ID Generator</Name>
-    <Synchronization>Synchronous</Synchronization>
-    <Type>10004</Type>
-    <SequenceNumber>1002</SequenceNumber>
-    <Url/>
-    <Assembly>Microsoft.Office.DocumentManagement, Version=15.0.0.0, Culture=neutral, PublicKeyToken=71e9bce111e9429c</Assembly>
-    <Class>Microsoft.Office.DocumentManagement.Internal.DocIdHandler</Class>
-    <Data/>
-    <Filter/>
-  </Receiver>
-  <Receiver>
-    <Name>Document ID Generator</Name>
-    <Synchronization>Synchronous</Synchronization>
-    <Type>10006</Type>
-    <SequenceNumber>1003</SequenceNumber>
-    <Url/>
-    <Assembly>Microsoft.Office.DocumentManagement, Version=15.0.0.0, Culture=neutral, PublicKeyToken=71e9bce111e9429c</Assembly>
-    <Class>Microsoft.Office.DocumentManagement.Internal.DocIdHandler</Class>
-    <Data/>
-    <Filter/>
-  </Receiver>
-</spe:Receivers>
-</file>
-
-<file path=customXml/item2.xml><?xml version="1.0" encoding="utf-8"?>
 <ct:contentTypeSchema xmlns:ct="http://schemas.microsoft.com/office/2006/metadata/contentType" xmlns:ma="http://schemas.microsoft.com/office/2006/metadata/properties/metaAttributes" ct:_="" ma:_="" ma:contentTypeName="Documento" ma:contentTypeID="0x010100661A2BE3120D674DA36C11D6006822D4" ma:contentTypeVersion="3" ma:contentTypeDescription="Creare un nuovo documento." ma:contentTypeScope="" ma:versionID="2ad8b07f9840a1ce9cd199d874146b74">
   <xsd:schema xmlns:xsd="http://www.w3.org/2001/XMLSchema" xmlns:xs="http://www.w3.org/2001/XMLSchema" xmlns:p="http://schemas.microsoft.com/office/2006/metadata/properties" xmlns:ns2="c58f2efd-82a8-4ecf-b395-8c25e928921d" xmlns:ns3="459159c4-d20a-4ff3-9b11-fbd127bd52e5" xmlns:ns4="679261c3-551f-4e86-913f-177e0e529669" targetNamespace="http://schemas.microsoft.com/office/2006/metadata/properties" ma:root="true" ma:fieldsID="fffb0e16fb90ffea59fef1085e90ecca" ns2:_="" ns3:_="" ns4:_="">
     <xsd:import namespace="c58f2efd-82a8-4ecf-b395-8c25e928921d"/>
@@ -21182,7 +22361,66 @@
 </ct:contentTypeSchema>
 </file>
 
+<file path=customXml/item2.xml><?xml version="1.0" encoding="utf-8"?>
+<?mso-contentType ?>
+<spe:Receivers xmlns:spe="http://schemas.microsoft.com/sharepoint/events">
+  <Receiver>
+    <Name>Document ID Generator</Name>
+    <Synchronization>Synchronous</Synchronization>
+    <Type>10001</Type>
+    <SequenceNumber>1000</SequenceNumber>
+    <Url/>
+    <Assembly>Microsoft.Office.DocumentManagement, Version=15.0.0.0, Culture=neutral, PublicKeyToken=71e9bce111e9429c</Assembly>
+    <Class>Microsoft.Office.DocumentManagement.Internal.DocIdHandler</Class>
+    <Data/>
+    <Filter/>
+  </Receiver>
+  <Receiver>
+    <Name>Document ID Generator</Name>
+    <Synchronization>Synchronous</Synchronization>
+    <Type>10002</Type>
+    <SequenceNumber>1001</SequenceNumber>
+    <Url/>
+    <Assembly>Microsoft.Office.DocumentManagement, Version=15.0.0.0, Culture=neutral, PublicKeyToken=71e9bce111e9429c</Assembly>
+    <Class>Microsoft.Office.DocumentManagement.Internal.DocIdHandler</Class>
+    <Data/>
+    <Filter/>
+  </Receiver>
+  <Receiver>
+    <Name>Document ID Generator</Name>
+    <Synchronization>Synchronous</Synchronization>
+    <Type>10004</Type>
+    <SequenceNumber>1002</SequenceNumber>
+    <Url/>
+    <Assembly>Microsoft.Office.DocumentManagement, Version=15.0.0.0, Culture=neutral, PublicKeyToken=71e9bce111e9429c</Assembly>
+    <Class>Microsoft.Office.DocumentManagement.Internal.DocIdHandler</Class>
+    <Data/>
+    <Filter/>
+  </Receiver>
+  <Receiver>
+    <Name>Document ID Generator</Name>
+    <Synchronization>Synchronous</Synchronization>
+    <Type>10006</Type>
+    <SequenceNumber>1003</SequenceNumber>
+    <Url/>
+    <Assembly>Microsoft.Office.DocumentManagement, Version=15.0.0.0, Culture=neutral, PublicKeyToken=71e9bce111e9429c</Assembly>
+    <Class>Microsoft.Office.DocumentManagement.Internal.DocIdHandler</Class>
+    <Data/>
+    <Filter/>
+  </Receiver>
+</spe:Receivers>
+</file>
+
 <file path=customXml/item3.xml><?xml version="1.0" encoding="utf-8"?>
+<?mso-contentType ?>
+<FormTemplates xmlns="http://schemas.microsoft.com/sharepoint/v3/contenttype/forms">
+  <Display>DocumentLibraryForm</Display>
+  <Edit>DocumentLibraryForm</Edit>
+  <New>DocumentLibraryForm</New>
+</FormTemplates>
+</file>
+
+<file path=customXml/item4.xml><?xml version="1.0" encoding="utf-8"?>
 <p:properties xmlns:p="http://schemas.microsoft.com/office/2006/metadata/properties" xmlns:xsi="http://www.w3.org/2001/XMLSchema-instance" xmlns:pc="http://schemas.microsoft.com/office/infopath/2007/PartnerControls">
   <documentManagement>
     <SottoCategoria xmlns="679261c3-551f-4e86-913f-177e0e529669">-</SottoCategoria>
@@ -21196,24 +22434,7 @@
 </p:properties>
 </file>
 
-<file path=customXml/item4.xml><?xml version="1.0" encoding="utf-8"?>
-<?mso-contentType ?>
-<FormTemplates xmlns="http://schemas.microsoft.com/sharepoint/v3/contenttype/forms">
-  <Display>DocumentLibraryForm</Display>
-  <Edit>DocumentLibraryForm</Edit>
-  <New>DocumentLibraryForm</New>
-</FormTemplates>
-</file>
-
 <file path=customXml/itemProps1.xml><?xml version="1.0" encoding="utf-8"?>
-<ds:datastoreItem xmlns:ds="http://schemas.openxmlformats.org/officeDocument/2006/customXml" ds:itemID="{D9296C4F-9DE9-4B43-AA80-1FC85656CFFA}">
-  <ds:schemaRefs>
-    <ds:schemaRef ds:uri="http://schemas.microsoft.com/sharepoint/events"/>
-  </ds:schemaRefs>
-</ds:datastoreItem>
-</file>
-
-<file path=customXml/itemProps2.xml><?xml version="1.0" encoding="utf-8"?>
 <ds:datastoreItem xmlns:ds="http://schemas.openxmlformats.org/officeDocument/2006/customXml" ds:itemID="{3F66F418-6054-4EA5-BF8E-6AF3CEAE6265}">
   <ds:schemaRefs>
     <ds:schemaRef ds:uri="http://schemas.microsoft.com/office/2006/metadata/contentType"/>
@@ -21233,7 +22454,23 @@
 </ds:datastoreItem>
 </file>
 
+<file path=customXml/itemProps2.xml><?xml version="1.0" encoding="utf-8"?>
+<ds:datastoreItem xmlns:ds="http://schemas.openxmlformats.org/officeDocument/2006/customXml" ds:itemID="{D9296C4F-9DE9-4B43-AA80-1FC85656CFFA}">
+  <ds:schemaRefs>
+    <ds:schemaRef ds:uri="http://schemas.microsoft.com/sharepoint/events"/>
+  </ds:schemaRefs>
+</ds:datastoreItem>
+</file>
+
 <file path=customXml/itemProps3.xml><?xml version="1.0" encoding="utf-8"?>
+<ds:datastoreItem xmlns:ds="http://schemas.openxmlformats.org/officeDocument/2006/customXml" ds:itemID="{BD9C238D-4D5C-4783-820B-4854DCE45D41}">
+  <ds:schemaRefs>
+    <ds:schemaRef ds:uri="http://schemas.microsoft.com/sharepoint/v3/contenttype/forms"/>
+  </ds:schemaRefs>
+</ds:datastoreItem>
+</file>
+
+<file path=customXml/itemProps4.xml><?xml version="1.0" encoding="utf-8"?>
 <ds:datastoreItem xmlns:ds="http://schemas.openxmlformats.org/officeDocument/2006/customXml" ds:itemID="{3EF378BC-F4D0-4510-B4EC-07B6EFE18CF8}">
   <ds:schemaRefs>
     <ds:schemaRef ds:uri="http://schemas.microsoft.com/office/2006/documentManagement/types"/>
@@ -21249,12 +22486,4 @@
     <ds:schemaRef ds:uri="http://purl.org/dc/dcmitype/"/>
   </ds:schemaRefs>
 </ds:datastoreItem>
-</file>
-
-<file path=customXml/itemProps4.xml><?xml version="1.0" encoding="utf-8"?>
-<ds:datastoreItem xmlns:ds="http://schemas.openxmlformats.org/officeDocument/2006/customXml" ds:itemID="{BD9C238D-4D5C-4783-820B-4854DCE45D41}">
-  <ds:schemaRefs>
-    <ds:schemaRef ds:uri="http://schemas.microsoft.com/sharepoint/v3/contenttype/forms"/>
-  </ds:schemaRefs>
-</ds:datastoreItem>
 </file>
--- a/Data_Science_ita.pptx
+++ b/Data_Science_ita.pptx
@@ -5,7 +5,7 @@
     <p:sldMasterId id="2147483648" r:id="rId5"/>
   </p:sldMasterIdLst>
   <p:notesMasterIdLst>
-    <p:notesMasterId r:id="rId55"/>
+    <p:notesMasterId r:id="rId56"/>
   </p:notesMasterIdLst>
   <p:sldIdLst>
     <p:sldId id="256" r:id="rId6"/>
@@ -45,18 +45,19 @@
     <p:sldId id="383" r:id="rId40"/>
     <p:sldId id="384" r:id="rId41"/>
     <p:sldId id="385" r:id="rId42"/>
-    <p:sldId id="357" r:id="rId43"/>
-    <p:sldId id="362" r:id="rId44"/>
-    <p:sldId id="368" r:id="rId45"/>
-    <p:sldId id="369" r:id="rId46"/>
-    <p:sldId id="370" r:id="rId47"/>
-    <p:sldId id="371" r:id="rId48"/>
-    <p:sldId id="372" r:id="rId49"/>
-    <p:sldId id="373" r:id="rId50"/>
-    <p:sldId id="374" r:id="rId51"/>
-    <p:sldId id="375" r:id="rId52"/>
-    <p:sldId id="358" r:id="rId53"/>
-    <p:sldId id="343" r:id="rId54"/>
+    <p:sldId id="386" r:id="rId43"/>
+    <p:sldId id="357" r:id="rId44"/>
+    <p:sldId id="362" r:id="rId45"/>
+    <p:sldId id="368" r:id="rId46"/>
+    <p:sldId id="369" r:id="rId47"/>
+    <p:sldId id="370" r:id="rId48"/>
+    <p:sldId id="371" r:id="rId49"/>
+    <p:sldId id="372" r:id="rId50"/>
+    <p:sldId id="373" r:id="rId51"/>
+    <p:sldId id="374" r:id="rId52"/>
+    <p:sldId id="375" r:id="rId53"/>
+    <p:sldId id="358" r:id="rId54"/>
+    <p:sldId id="343" r:id="rId55"/>
   </p:sldIdLst>
   <p:sldSz cx="12192000" cy="6858000"/>
   <p:notesSz cx="6858000" cy="9144000"/>
@@ -15778,6 +15779,25 @@
               </a:rPr>
               <a:t>Indicizzazione e ordinamento (Indexing e Ordering): </a:t>
             </a:r>
+            <a:r>
+              <a:rPr lang="it-IT" sz="2400">
+                <a:solidFill>
+                  <a:schemeClr val="tx1"/>
+                </a:solidFill>
+                <a:latin typeface="Tahoma" panose="020B0604030504040204" pitchFamily="34" charset="0"/>
+                <a:ea typeface="Tahoma" panose="020B0604030504040204" pitchFamily="34" charset="0"/>
+                <a:cs typeface="Tahoma" panose="020B0604030504040204" pitchFamily="34" charset="0"/>
+              </a:rPr>
+              <a:t>I dati possono essere trasformati in modo tale che possono essere ordinati logicamente oppure possono adattarsi allo schema di immagazzinamento dati. Nei Sistemi di Gestione di Database Relazionali (RDBMSs) per esempio, la creazione degli indici può migliorare la performance o migliorarre la gestione delle relazioni tra differenti tabelle. </a:t>
+            </a:r>
+            <a:endParaRPr lang="it-IT" sz="2400" b="1">
+              <a:solidFill>
+                <a:schemeClr val="tx1"/>
+              </a:solidFill>
+              <a:latin typeface="Tahoma" panose="020B0604030504040204" pitchFamily="34" charset="0"/>
+              <a:ea typeface="Tahoma" panose="020B0604030504040204" pitchFamily="34" charset="0"/>
+              <a:cs typeface="Tahoma" panose="020B0604030504040204" pitchFamily="34" charset="0"/>
+            </a:endParaRPr>
           </a:p>
           <a:p>
             <a:pPr marL="457200" indent="-457200">
@@ -15912,30 +15932,19 @@
         </p:nvSpPr>
         <p:spPr>
           <a:xfrm>
-            <a:off x="468895" y="1566732"/>
-            <a:ext cx="11518700" cy="4392612"/>
+            <a:off x="323469" y="1644174"/>
+            <a:ext cx="11610810" cy="4392612"/>
           </a:xfrm>
         </p:spPr>
         <p:txBody>
           <a:bodyPr/>
           <a:lstStyle/>
           <a:p>
-            <a:pPr marL="342900" indent="-342900">
+            <a:pPr marL="457200" indent="-457200">
               <a:buFont typeface="Wingdings" panose="05000000000000000000" pitchFamily="2" charset="2"/>
               <a:buChar char="ü"/>
             </a:pPr>
             <a:r>
-              <a:rPr lang="it-IT" sz="2400">
-                <a:solidFill>
-                  <a:schemeClr val="tx1"/>
-                </a:solidFill>
-                <a:latin typeface="Tahoma" panose="020B0604030504040204" pitchFamily="34" charset="0"/>
-                <a:ea typeface="Tahoma" panose="020B0604030504040204" pitchFamily="34" charset="0"/>
-                <a:cs typeface="Tahoma" panose="020B0604030504040204" pitchFamily="34" charset="0"/>
-              </a:rPr>
-              <a:t>Il </a:t>
-            </a:r>
-            <a:r>
               <a:rPr lang="it-IT" sz="2400" b="1">
                 <a:solidFill>
                   <a:schemeClr val="tx1"/>
@@ -15944,66 +15953,22 @@
                 <a:ea typeface="Tahoma" panose="020B0604030504040204" pitchFamily="34" charset="0"/>
                 <a:cs typeface="Tahoma" panose="020B0604030504040204" pitchFamily="34" charset="0"/>
               </a:rPr>
-              <a:t>Resource Description Framework (RDF)</a:t>
-            </a:r>
-            <a:r>
-              <a:rPr lang="it-IT" sz="2400">
-                <a:solidFill>
-                  <a:schemeClr val="tx1"/>
-                </a:solidFill>
-                <a:latin typeface="Tahoma" panose="020B0604030504040204" pitchFamily="34" charset="0"/>
-                <a:ea typeface="Tahoma" panose="020B0604030504040204" pitchFamily="34" charset="0"/>
-                <a:cs typeface="Tahoma" panose="020B0604030504040204" pitchFamily="34" charset="0"/>
-              </a:rPr>
-              <a:t> è lo strumento di base proposto da W3C per la codifica, lo scambio e il riutilizzo di metadati strutturati e consente l'interoperabilità semantica tra </a:t>
-            </a:r>
-            <a:r>
-              <a:rPr lang="it-IT" sz="2400" b="1">
-                <a:solidFill>
-                  <a:schemeClr val="tx1"/>
-                </a:solidFill>
-                <a:latin typeface="Tahoma" panose="020B0604030504040204" pitchFamily="34" charset="0"/>
-                <a:ea typeface="Tahoma" panose="020B0604030504040204" pitchFamily="34" charset="0"/>
-                <a:cs typeface="Tahoma" panose="020B0604030504040204" pitchFamily="34" charset="0"/>
-              </a:rPr>
-              <a:t>applicazioni</a:t>
-            </a:r>
-            <a:r>
-              <a:rPr lang="it-IT" sz="2400">
-                <a:solidFill>
-                  <a:schemeClr val="tx1"/>
-                </a:solidFill>
-                <a:latin typeface="Tahoma" panose="020B0604030504040204" pitchFamily="34" charset="0"/>
-                <a:ea typeface="Tahoma" panose="020B0604030504040204" pitchFamily="34" charset="0"/>
-                <a:cs typeface="Tahoma" panose="020B0604030504040204" pitchFamily="34" charset="0"/>
-              </a:rPr>
-              <a:t> che condividono le informazioni sul </a:t>
-            </a:r>
-            <a:r>
-              <a:rPr lang="it-IT" sz="2400" b="1">
-                <a:solidFill>
-                  <a:schemeClr val="tx1"/>
-                </a:solidFill>
-                <a:latin typeface="Tahoma" panose="020B0604030504040204" pitchFamily="34" charset="0"/>
-                <a:ea typeface="Tahoma" panose="020B0604030504040204" pitchFamily="34" charset="0"/>
-                <a:cs typeface="Tahoma" panose="020B0604030504040204" pitchFamily="34" charset="0"/>
-              </a:rPr>
-              <a:t>Web</a:t>
-            </a:r>
-            <a:r>
-              <a:rPr lang="it-IT" sz="2400">
-                <a:solidFill>
-                  <a:schemeClr val="tx1"/>
-                </a:solidFill>
-                <a:latin typeface="Tahoma" panose="020B0604030504040204" pitchFamily="34" charset="0"/>
-                <a:ea typeface="Tahoma" panose="020B0604030504040204" pitchFamily="34" charset="0"/>
-                <a:cs typeface="Tahoma" panose="020B0604030504040204" pitchFamily="34" charset="0"/>
-              </a:rPr>
-              <a:t>. </a:t>
-            </a:r>
-          </a:p>
-          <a:p>
-            <a:pPr marL="342900" indent="-342900">
+              <a:t>Anonimizzazione e Crittografia (Anonymization e encryption): </a:t>
+            </a:r>
+            <a:r>
+              <a:rPr lang="it-IT" sz="2400">
+                <a:solidFill>
+                  <a:schemeClr val="tx1"/>
+                </a:solidFill>
+                <a:latin typeface="Tahoma" panose="020B0604030504040204" pitchFamily="34" charset="0"/>
+                <a:ea typeface="Tahoma" panose="020B0604030504040204" pitchFamily="34" charset="0"/>
+                <a:cs typeface="Tahoma" panose="020B0604030504040204" pitchFamily="34" charset="0"/>
+              </a:rPr>
+              <a:t>I dati contenenti un'informazione personalmente identificabile, o altre informazioni che potrebbero compromettere la privacy o la security, dovrebbero essere anonimizzati prima della diffusione. La crittografia di dati privati è un requisito in molte industrie, e i sistemi possono eseguire una cifratura a livelli multipli, da celle di database individuali a interi record o campi. </a:t>
+            </a:r>
+          </a:p>
+          <a:p>
+            <a:pPr marL="457200" indent="-457200">
               <a:buFont typeface="Wingdings" panose="05000000000000000000" pitchFamily="2" charset="2"/>
               <a:buChar char="ü"/>
             </a:pPr>
@@ -16016,42 +15981,19 @@
                 <a:ea typeface="Tahoma" panose="020B0604030504040204" pitchFamily="34" charset="0"/>
                 <a:cs typeface="Tahoma" panose="020B0604030504040204" pitchFamily="34" charset="0"/>
               </a:rPr>
-              <a:t>Interoperabilità</a:t>
-            </a:r>
-            <a:r>
-              <a:rPr lang="it-IT" sz="2400">
-                <a:solidFill>
-                  <a:schemeClr val="tx1"/>
-                </a:solidFill>
-                <a:latin typeface="Tahoma" panose="020B0604030504040204" pitchFamily="34" charset="0"/>
-                <a:ea typeface="Tahoma" panose="020B0604030504040204" pitchFamily="34" charset="0"/>
-                <a:cs typeface="Tahoma" panose="020B0604030504040204" pitchFamily="34" charset="0"/>
-              </a:rPr>
-              <a:t>: E' la capacità di due o più sistemi, reti, mezzi, applicazioni o componenti, di scambiarsi informazioni e di essere poi in grado di utilizzarle. In ambito informatico è la capacità di un sistema o di un prodotto informatico di cooperare e di scambiare informazioni o servizi con altri sistemi o prodotti in maniera più o meno completa e priva di errori, con affidabilità e con ottimizzazione delle risorse. Obiettivo dell'interoperabilità è dunque quello di facilitare l'interazione tra sistemi differenti, nonchè lo scambio e il riutilizzo delle informazioni anche fra sistemi informativi non omogenei (sia per software che per hardware).  </a:t>
-            </a:r>
-          </a:p>
-          <a:p>
-            <a:pPr marL="342900" indent="-342900">
-              <a:buFont typeface="Wingdings" panose="05000000000000000000" pitchFamily="2" charset="2"/>
-              <a:buChar char="ü"/>
-            </a:pPr>
-            <a:endParaRPr lang="en-US" sz="2400" dirty="0">
-              <a:solidFill>
-                <a:srgbClr val="555555"/>
-              </a:solidFill>
-              <a:latin typeface="PT Sans" panose="020B0503020203020204" pitchFamily="34" charset="0"/>
-            </a:endParaRPr>
-          </a:p>
-          <a:p>
-            <a:pPr algn="l"/>
-            <a:endParaRPr lang="it-IT" sz="2400" dirty="0">
-              <a:solidFill>
-                <a:schemeClr val="tx1"/>
-              </a:solidFill>
-              <a:latin typeface="Tahoma" panose="020B0604030504040204" pitchFamily="34" charset="0"/>
-              <a:ea typeface="Tahoma" panose="020B0604030504040204" pitchFamily="34" charset="0"/>
-              <a:cs typeface="Tahoma" panose="020B0604030504040204" pitchFamily="34" charset="0"/>
-            </a:endParaRPr>
+              <a:t>Modellazione, conversione di tipi, formattazione e rinomina (Modeling, typecasting, formatting e renaming): </a:t>
+            </a:r>
+            <a:r>
+              <a:rPr lang="it-IT" sz="2400">
+                <a:solidFill>
+                  <a:schemeClr val="tx1"/>
+                </a:solidFill>
+                <a:latin typeface="Tahoma" panose="020B0604030504040204" pitchFamily="34" charset="0"/>
+                <a:ea typeface="Tahoma" panose="020B0604030504040204" pitchFamily="34" charset="0"/>
+                <a:cs typeface="Tahoma" panose="020B0604030504040204" pitchFamily="34" charset="0"/>
+              </a:rPr>
+              <a:t>Infine, un intero set di trasformazioni può rimodellare i dati senza cambiare il contenuto. Questo include la conversione dei tipi di dati per garantire la compatibilità, aggiustando le date e orari con offset e formati di localizzazione, e schemi di rinomina, e colonne per chiarezza. </a:t>
+            </a:r>
           </a:p>
         </p:txBody>
       </p:sp>
@@ -16118,7 +16060,7 @@
           <a:p>
             <a:r>
               <a:rPr lang="it-IT" altLang="it-IT"/>
-              <a:t>RDF - Resource Description Framework</a:t>
+              <a:t>Funzioni della Data Transformation</a:t>
             </a:r>
             <a:endParaRPr lang="it-IT" dirty="0"/>
           </a:p>
@@ -16127,7 +16069,7 @@
     </p:spTree>
     <p:extLst>
       <p:ext uri="{BB962C8B-B14F-4D97-AF65-F5344CB8AC3E}">
-        <p14:creationId xmlns:p14="http://schemas.microsoft.com/office/powerpoint/2010/main" val="2116990933"/>
+        <p14:creationId xmlns:p14="http://schemas.microsoft.com/office/powerpoint/2010/main" val="2458792932"/>
       </p:ext>
     </p:extLst>
   </p:cSld>
@@ -16172,7 +16114,7 @@
         </p:nvSpPr>
         <p:spPr>
           <a:xfrm>
-            <a:off x="326297" y="1213806"/>
+            <a:off x="468895" y="1566732"/>
             <a:ext cx="11518700" cy="4392612"/>
           </a:xfrm>
         </p:spPr>
@@ -16215,29 +16157,7 @@
                 <a:ea typeface="Tahoma" panose="020B0604030504040204" pitchFamily="34" charset="0"/>
                 <a:cs typeface="Tahoma" panose="020B0604030504040204" pitchFamily="34" charset="0"/>
               </a:rPr>
-              <a:t> è lo strumento di base proposto da </a:t>
-            </a:r>
-            <a:r>
-              <a:rPr lang="it-IT" sz="2400" b="1">
-                <a:solidFill>
-                  <a:schemeClr val="tx1"/>
-                </a:solidFill>
-                <a:latin typeface="Tahoma" panose="020B0604030504040204" pitchFamily="34" charset="0"/>
-                <a:ea typeface="Tahoma" panose="020B0604030504040204" pitchFamily="34" charset="0"/>
-                <a:cs typeface="Tahoma" panose="020B0604030504040204" pitchFamily="34" charset="0"/>
-              </a:rPr>
-              <a:t>W3C</a:t>
-            </a:r>
-            <a:r>
-              <a:rPr lang="it-IT" sz="2400">
-                <a:solidFill>
-                  <a:schemeClr val="tx1"/>
-                </a:solidFill>
-                <a:latin typeface="Tahoma" panose="020B0604030504040204" pitchFamily="34" charset="0"/>
-                <a:ea typeface="Tahoma" panose="020B0604030504040204" pitchFamily="34" charset="0"/>
-                <a:cs typeface="Tahoma" panose="020B0604030504040204" pitchFamily="34" charset="0"/>
-              </a:rPr>
-              <a:t> per la codifica, lo scambio e il riutilizzo di metadati strutturati e consente l'interoperabilità semantica tra </a:t>
+              <a:t> è lo strumento di base proposto da W3C per la codifica, lo scambio e il riutilizzo di metadati strutturati e consente l'interoperabilità semantica tra </a:t>
             </a:r>
             <a:r>
               <a:rPr lang="it-IT" sz="2400" b="1">
@@ -16298,133 +16218,42 @@
                 <a:ea typeface="Tahoma" panose="020B0604030504040204" pitchFamily="34" charset="0"/>
                 <a:cs typeface="Tahoma" panose="020B0604030504040204" pitchFamily="34" charset="0"/>
               </a:rPr>
-              <a:t>RDF </a:t>
-            </a:r>
-            <a:r>
-              <a:rPr lang="it-IT" sz="2400">
-                <a:solidFill>
-                  <a:schemeClr val="tx1"/>
-                </a:solidFill>
-                <a:latin typeface="Tahoma" panose="020B0604030504040204" pitchFamily="34" charset="0"/>
-                <a:ea typeface="Tahoma" panose="020B0604030504040204" pitchFamily="34" charset="0"/>
-                <a:cs typeface="Tahoma" panose="020B0604030504040204" pitchFamily="34" charset="0"/>
-              </a:rPr>
-              <a:t>è costituito da due componenti: </a:t>
-            </a:r>
-          </a:p>
-          <a:p>
-            <a:pPr marL="457200" indent="-457200">
-              <a:buFont typeface="+mj-lt"/>
-              <a:buAutoNum type="arabicPeriod"/>
-            </a:pPr>
-            <a:r>
-              <a:rPr lang="it-IT" sz="2400" b="1">
-                <a:solidFill>
-                  <a:schemeClr val="tx1"/>
-                </a:solidFill>
-                <a:latin typeface="Tahoma" panose="020B0604030504040204" pitchFamily="34" charset="0"/>
-                <a:ea typeface="Tahoma" panose="020B0604030504040204" pitchFamily="34" charset="0"/>
-                <a:cs typeface="Tahoma" panose="020B0604030504040204" pitchFamily="34" charset="0"/>
-              </a:rPr>
-              <a:t>RDF Model and Syntax: </a:t>
-            </a:r>
-            <a:r>
-              <a:rPr lang="it-IT" sz="2400" b="0">
-                <a:solidFill>
-                  <a:schemeClr val="tx1"/>
-                </a:solidFill>
-                <a:latin typeface="Tahoma" panose="020B0604030504040204" pitchFamily="34" charset="0"/>
-                <a:ea typeface="Tahoma" panose="020B0604030504040204" pitchFamily="34" charset="0"/>
-                <a:cs typeface="Tahoma" panose="020B0604030504040204" pitchFamily="34" charset="0"/>
-              </a:rPr>
-              <a:t>che espone la struttura del modello RDF e descrive una possibile sintassi. </a:t>
-            </a:r>
-          </a:p>
-          <a:p>
-            <a:pPr marL="457200" indent="-457200">
-              <a:buFont typeface="+mj-lt"/>
-              <a:buAutoNum type="arabicPeriod"/>
-            </a:pPr>
-            <a:r>
-              <a:rPr lang="it-IT" sz="2400" b="1">
-                <a:solidFill>
-                  <a:schemeClr val="tx1"/>
-                </a:solidFill>
-                <a:latin typeface="Tahoma" panose="020B0604030504040204" pitchFamily="34" charset="0"/>
-                <a:ea typeface="Tahoma" panose="020B0604030504040204" pitchFamily="34" charset="0"/>
-                <a:cs typeface="Tahoma" panose="020B0604030504040204" pitchFamily="34" charset="0"/>
-              </a:rPr>
-              <a:t>RDF Schema</a:t>
-            </a:r>
-            <a:r>
-              <a:rPr lang="it-IT" sz="2400">
-                <a:solidFill>
-                  <a:schemeClr val="tx1"/>
-                </a:solidFill>
-                <a:latin typeface="Tahoma" panose="020B0604030504040204" pitchFamily="34" charset="0"/>
-                <a:ea typeface="Tahoma" panose="020B0604030504040204" pitchFamily="34" charset="0"/>
-                <a:cs typeface="Tahoma" panose="020B0604030504040204" pitchFamily="34" charset="0"/>
-              </a:rPr>
-              <a:t>: </a:t>
-            </a:r>
-            <a:r>
-              <a:rPr lang="it-IT" sz="2400" b="0">
-                <a:solidFill>
-                  <a:schemeClr val="tx1"/>
-                </a:solidFill>
-                <a:latin typeface="Tahoma" panose="020B0604030504040204" pitchFamily="34" charset="0"/>
-                <a:ea typeface="Tahoma" panose="020B0604030504040204" pitchFamily="34" charset="0"/>
-                <a:cs typeface="Tahoma" panose="020B0604030504040204" pitchFamily="34" charset="0"/>
-              </a:rPr>
-              <a:t>espone la sintassi per definire schemi e vocabolari per i metadati. </a:t>
-            </a:r>
-            <a:endParaRPr lang="en-US" sz="2200" b="0" dirty="0">
+              <a:t>Interoperabilità</a:t>
+            </a:r>
+            <a:r>
+              <a:rPr lang="it-IT" sz="2400">
+                <a:solidFill>
+                  <a:schemeClr val="tx1"/>
+                </a:solidFill>
+                <a:latin typeface="Tahoma" panose="020B0604030504040204" pitchFamily="34" charset="0"/>
+                <a:ea typeface="Tahoma" panose="020B0604030504040204" pitchFamily="34" charset="0"/>
+                <a:cs typeface="Tahoma" panose="020B0604030504040204" pitchFamily="34" charset="0"/>
+              </a:rPr>
+              <a:t>: E' la capacità di due o più sistemi, reti, mezzi, applicazioni o componenti, di scambiarsi informazioni e di essere poi in grado di utilizzarle. In ambito informatico è la capacità di un sistema o di un prodotto informatico di cooperare e di scambiare informazioni o servizi con altri sistemi o prodotti in maniera più o meno completa e priva di errori, con affidabilità e con ottimizzazione delle risorse. Obiettivo dell'interoperabilità è dunque quello di facilitare l'interazione tra sistemi differenti, nonchè lo scambio e il riutilizzo delle informazioni anche fra sistemi informativi non omogenei (sia per software che per hardware).  </a:t>
+            </a:r>
+          </a:p>
+          <a:p>
+            <a:pPr marL="342900" indent="-342900">
+              <a:buFont typeface="Wingdings" panose="05000000000000000000" pitchFamily="2" charset="2"/>
+              <a:buChar char="ü"/>
+            </a:pPr>
+            <a:endParaRPr lang="en-US" sz="2400" dirty="0">
               <a:solidFill>
                 <a:srgbClr val="555555"/>
               </a:solidFill>
               <a:latin typeface="PT Sans" panose="020B0503020203020204" pitchFamily="34" charset="0"/>
+            </a:endParaRPr>
+          </a:p>
+          <a:p>
+            <a:pPr algn="l"/>
+            <a:endParaRPr lang="it-IT" sz="2400" dirty="0">
+              <a:solidFill>
+                <a:schemeClr val="tx1"/>
+              </a:solidFill>
+              <a:latin typeface="Tahoma" panose="020B0604030504040204" pitchFamily="34" charset="0"/>
               <a:ea typeface="Tahoma" panose="020B0604030504040204" pitchFamily="34" charset="0"/>
               <a:cs typeface="Tahoma" panose="020B0604030504040204" pitchFamily="34" charset="0"/>
             </a:endParaRPr>
-          </a:p>
-          <a:p>
-            <a:pPr marL="457200" indent="-457200">
-              <a:buFont typeface="Wingdings" panose="05000000000000000000" pitchFamily="2" charset="2"/>
-              <a:buChar char="ü"/>
-            </a:pPr>
-            <a:r>
-              <a:rPr lang="it-IT" sz="2400" b="0">
-                <a:solidFill>
-                  <a:schemeClr val="tx1"/>
-                </a:solidFill>
-                <a:latin typeface="Tahoma" panose="020B0604030504040204" pitchFamily="34" charset="0"/>
-                <a:ea typeface="Tahoma" panose="020B0604030504040204" pitchFamily="34" charset="0"/>
-                <a:cs typeface="Tahoma" panose="020B0604030504040204" pitchFamily="34" charset="0"/>
-              </a:rPr>
-              <a:t>L'</a:t>
-            </a:r>
-            <a:r>
-              <a:rPr lang="it-IT" sz="2400" b="1">
-                <a:solidFill>
-                  <a:schemeClr val="tx1"/>
-                </a:solidFill>
-                <a:latin typeface="Tahoma" panose="020B0604030504040204" pitchFamily="34" charset="0"/>
-                <a:ea typeface="Tahoma" panose="020B0604030504040204" pitchFamily="34" charset="0"/>
-                <a:cs typeface="Tahoma" panose="020B0604030504040204" pitchFamily="34" charset="0"/>
-              </a:rPr>
-              <a:t>RDF Data Model </a:t>
-            </a:r>
-            <a:r>
-              <a:rPr lang="it-IT" sz="2400">
-                <a:solidFill>
-                  <a:schemeClr val="tx1"/>
-                </a:solidFill>
-                <a:latin typeface="Tahoma" panose="020B0604030504040204" pitchFamily="34" charset="0"/>
-                <a:ea typeface="Tahoma" panose="020B0604030504040204" pitchFamily="34" charset="0"/>
-                <a:cs typeface="Tahoma" panose="020B0604030504040204" pitchFamily="34" charset="0"/>
-              </a:rPr>
-              <a:t>si basa su 3 principi chiave: 1) Qualunque cosa può essere identificata da un URI (Uniform Resource Identifier); 2) The least power, ovvero utilizzare il linguaggio meno espressivo possibile per definire qualunque cosa; 3) Qualunque cosa può dire qualunque cosa su qualunque cosa. </a:t>
-            </a:r>
           </a:p>
         </p:txBody>
       </p:sp>
@@ -16500,7 +16329,7 @@
     </p:spTree>
     <p:extLst>
       <p:ext uri="{BB962C8B-B14F-4D97-AF65-F5344CB8AC3E}">
-        <p14:creationId xmlns:p14="http://schemas.microsoft.com/office/powerpoint/2010/main" val="1961233345"/>
+        <p14:creationId xmlns:p14="http://schemas.microsoft.com/office/powerpoint/2010/main" val="2116990933"/>
       </p:ext>
     </p:extLst>
   </p:cSld>
@@ -16921,104 +16750,103 @@
               <a:buChar char="ü"/>
             </a:pPr>
             <a:r>
-              <a:rPr lang="it-IT" sz="2400" b="0" i="0">
-                <a:solidFill>
-                  <a:srgbClr val="202124"/>
-                </a:solidFill>
-                <a:effectLst/>
-                <a:latin typeface="arial" panose="020B0604020202020204" pitchFamily="34" charset="0"/>
-              </a:rPr>
-              <a:t>Un </a:t>
-            </a:r>
-            <a:r>
-              <a:rPr lang="it-IT" sz="2400" b="1" i="0">
-                <a:solidFill>
-                  <a:srgbClr val="202124"/>
-                </a:solidFill>
-                <a:effectLst/>
-                <a:latin typeface="arial" panose="020B0604020202020204" pitchFamily="34" charset="0"/>
-              </a:rPr>
-              <a:t>URI</a:t>
-            </a:r>
-            <a:r>
-              <a:rPr lang="it-IT" sz="2400" b="0" i="0">
-                <a:solidFill>
-                  <a:srgbClr val="202124"/>
-                </a:solidFill>
-                <a:effectLst/>
-                <a:latin typeface="arial" panose="020B0604020202020204" pitchFamily="34" charset="0"/>
-              </a:rPr>
-              <a:t> può essere classificato come qualcosa che definisce posizioni (</a:t>
-            </a:r>
-            <a:r>
-              <a:rPr lang="it-IT" sz="2400" b="1" i="0">
-                <a:solidFill>
-                  <a:srgbClr val="202124"/>
-                </a:solidFill>
-                <a:effectLst/>
-                <a:latin typeface="arial" panose="020B0604020202020204" pitchFamily="34" charset="0"/>
-              </a:rPr>
-              <a:t>URL</a:t>
-            </a:r>
-            <a:r>
-              <a:rPr lang="it-IT" sz="2400" b="0" i="0">
-                <a:solidFill>
-                  <a:srgbClr val="202124"/>
-                </a:solidFill>
-                <a:effectLst/>
-                <a:latin typeface="arial" panose="020B0604020202020204" pitchFamily="34" charset="0"/>
-              </a:rPr>
-              <a:t>) o nomi (URN) o entrambi. Un </a:t>
-            </a:r>
-            <a:r>
-              <a:rPr lang="it-IT" sz="2400" b="1" i="0">
-                <a:solidFill>
-                  <a:srgbClr val="202124"/>
-                </a:solidFill>
-                <a:effectLst/>
-                <a:latin typeface="arial" panose="020B0604020202020204" pitchFamily="34" charset="0"/>
-              </a:rPr>
-              <a:t>URL</a:t>
-            </a:r>
-            <a:r>
-              <a:rPr lang="it-IT" sz="2400" b="0" i="0">
-                <a:solidFill>
-                  <a:srgbClr val="202124"/>
-                </a:solidFill>
-                <a:effectLst/>
-                <a:latin typeface="arial" panose="020B0604020202020204" pitchFamily="34" charset="0"/>
-              </a:rPr>
-              <a:t> (Uniform Resource Locator) </a:t>
-            </a:r>
-            <a:r>
-              <a:rPr lang="it-IT" sz="2400" i="0">
-                <a:solidFill>
-                  <a:srgbClr val="202124"/>
-                </a:solidFill>
-                <a:effectLst/>
-                <a:latin typeface="arial" panose="020B0604020202020204" pitchFamily="34" charset="0"/>
-              </a:rPr>
-              <a:t>è un </a:t>
-            </a:r>
-            <a:r>
-              <a:rPr lang="it-IT" sz="2400" b="1" i="0">
-                <a:solidFill>
-                  <a:srgbClr val="202124"/>
-                </a:solidFill>
-                <a:effectLst/>
-                <a:latin typeface="arial" panose="020B0604020202020204" pitchFamily="34" charset="0"/>
-              </a:rPr>
-              <a:t>URI</a:t>
-            </a:r>
-            <a:r>
-              <a:rPr lang="it-IT" sz="2400" b="0" i="0">
-                <a:solidFill>
-                  <a:srgbClr val="202124"/>
-                </a:solidFill>
-                <a:effectLst/>
-                <a:latin typeface="arial" panose="020B0604020202020204" pitchFamily="34" charset="0"/>
-              </a:rPr>
-              <a:t> che identifica una risorsa tramite la sua "collocazione" ("location") in un grafo. Di fatto, non identifica la risorsa per nome, ma con il modo con cui la si può reperire.</a:t>
+              <a:rPr lang="it-IT" sz="2400">
+                <a:solidFill>
+                  <a:schemeClr val="tx1"/>
+                </a:solidFill>
+                <a:latin typeface="Tahoma" panose="020B0604030504040204" pitchFamily="34" charset="0"/>
+                <a:ea typeface="Tahoma" panose="020B0604030504040204" pitchFamily="34" charset="0"/>
+                <a:cs typeface="Tahoma" panose="020B0604030504040204" pitchFamily="34" charset="0"/>
+              </a:rPr>
+              <a:t>Il </a:t>
+            </a:r>
+            <a:r>
+              <a:rPr lang="it-IT" sz="2400" b="1">
+                <a:solidFill>
+                  <a:schemeClr val="tx1"/>
+                </a:solidFill>
+                <a:latin typeface="Tahoma" panose="020B0604030504040204" pitchFamily="34" charset="0"/>
+                <a:ea typeface="Tahoma" panose="020B0604030504040204" pitchFamily="34" charset="0"/>
+                <a:cs typeface="Tahoma" panose="020B0604030504040204" pitchFamily="34" charset="0"/>
+              </a:rPr>
+              <a:t>Resource Description Framework (RDF)</a:t>
+            </a:r>
+            <a:r>
+              <a:rPr lang="it-IT" sz="2400">
+                <a:solidFill>
+                  <a:schemeClr val="tx1"/>
+                </a:solidFill>
+                <a:latin typeface="Tahoma" panose="020B0604030504040204" pitchFamily="34" charset="0"/>
+                <a:ea typeface="Tahoma" panose="020B0604030504040204" pitchFamily="34" charset="0"/>
+                <a:cs typeface="Tahoma" panose="020B0604030504040204" pitchFamily="34" charset="0"/>
+              </a:rPr>
+              <a:t> è lo strumento di base proposto da </a:t>
+            </a:r>
+            <a:r>
+              <a:rPr lang="it-IT" sz="2400" b="1">
+                <a:solidFill>
+                  <a:schemeClr val="tx1"/>
+                </a:solidFill>
+                <a:latin typeface="Tahoma" panose="020B0604030504040204" pitchFamily="34" charset="0"/>
+                <a:ea typeface="Tahoma" panose="020B0604030504040204" pitchFamily="34" charset="0"/>
+                <a:cs typeface="Tahoma" panose="020B0604030504040204" pitchFamily="34" charset="0"/>
+              </a:rPr>
+              <a:t>W3C</a:t>
+            </a:r>
+            <a:r>
+              <a:rPr lang="it-IT" sz="2400">
+                <a:solidFill>
+                  <a:schemeClr val="tx1"/>
+                </a:solidFill>
+                <a:latin typeface="Tahoma" panose="020B0604030504040204" pitchFamily="34" charset="0"/>
+                <a:ea typeface="Tahoma" panose="020B0604030504040204" pitchFamily="34" charset="0"/>
+                <a:cs typeface="Tahoma" panose="020B0604030504040204" pitchFamily="34" charset="0"/>
+              </a:rPr>
+              <a:t> per la codifica, lo scambio e il riutilizzo di metadati strutturati e consente l'interoperabilità semantica tra </a:t>
+            </a:r>
+            <a:r>
+              <a:rPr lang="it-IT" sz="2400" b="1">
+                <a:solidFill>
+                  <a:schemeClr val="tx1"/>
+                </a:solidFill>
+                <a:latin typeface="Tahoma" panose="020B0604030504040204" pitchFamily="34" charset="0"/>
+                <a:ea typeface="Tahoma" panose="020B0604030504040204" pitchFamily="34" charset="0"/>
+                <a:cs typeface="Tahoma" panose="020B0604030504040204" pitchFamily="34" charset="0"/>
+              </a:rPr>
+              <a:t>applicazioni</a:t>
+            </a:r>
+            <a:r>
+              <a:rPr lang="it-IT" sz="2400">
+                <a:solidFill>
+                  <a:schemeClr val="tx1"/>
+                </a:solidFill>
+                <a:latin typeface="Tahoma" panose="020B0604030504040204" pitchFamily="34" charset="0"/>
+                <a:ea typeface="Tahoma" panose="020B0604030504040204" pitchFamily="34" charset="0"/>
+                <a:cs typeface="Tahoma" panose="020B0604030504040204" pitchFamily="34" charset="0"/>
+              </a:rPr>
+              <a:t> che condividono le informazioni sul </a:t>
+            </a:r>
+            <a:r>
+              <a:rPr lang="it-IT" sz="2400" b="1">
+                <a:solidFill>
+                  <a:schemeClr val="tx1"/>
+                </a:solidFill>
+                <a:latin typeface="Tahoma" panose="020B0604030504040204" pitchFamily="34" charset="0"/>
+                <a:ea typeface="Tahoma" panose="020B0604030504040204" pitchFamily="34" charset="0"/>
+                <a:cs typeface="Tahoma" panose="020B0604030504040204" pitchFamily="34" charset="0"/>
+              </a:rPr>
+              <a:t>Web</a:t>
+            </a:r>
+            <a:r>
+              <a:rPr lang="it-IT" sz="2400">
+                <a:solidFill>
+                  <a:schemeClr val="tx1"/>
+                </a:solidFill>
+                <a:latin typeface="Tahoma" panose="020B0604030504040204" pitchFamily="34" charset="0"/>
+                <a:ea typeface="Tahoma" panose="020B0604030504040204" pitchFamily="34" charset="0"/>
+                <a:cs typeface="Tahoma" panose="020B0604030504040204" pitchFamily="34" charset="0"/>
+              </a:rPr>
+              <a:t>. </a:t>
             </a:r>
           </a:p>
           <a:p>
@@ -17027,17 +16855,6 @@
               <a:buChar char="ü"/>
             </a:pPr>
             <a:r>
-              <a:rPr lang="it-IT" sz="2400">
-                <a:solidFill>
-                  <a:schemeClr val="tx1"/>
-                </a:solidFill>
-                <a:latin typeface="Tahoma" panose="020B0604030504040204" pitchFamily="34" charset="0"/>
-                <a:ea typeface="Tahoma" panose="020B0604030504040204" pitchFamily="34" charset="0"/>
-                <a:cs typeface="Tahoma" panose="020B0604030504040204" pitchFamily="34" charset="0"/>
-              </a:rPr>
-              <a:t>Qualunque cosa descritta da </a:t>
-            </a:r>
-            <a:r>
               <a:rPr lang="it-IT" sz="2400" b="1">
                 <a:solidFill>
                   <a:schemeClr val="tx1"/>
@@ -17046,19 +16863,25 @@
                 <a:ea typeface="Tahoma" panose="020B0604030504040204" pitchFamily="34" charset="0"/>
                 <a:cs typeface="Tahoma" panose="020B0604030504040204" pitchFamily="34" charset="0"/>
               </a:rPr>
-              <a:t>RDF</a:t>
-            </a:r>
-            <a:r>
-              <a:rPr lang="it-IT" sz="2400">
-                <a:solidFill>
-                  <a:schemeClr val="tx1"/>
-                </a:solidFill>
-                <a:latin typeface="Tahoma" panose="020B0604030504040204" pitchFamily="34" charset="0"/>
-                <a:ea typeface="Tahoma" panose="020B0604030504040204" pitchFamily="34" charset="0"/>
-                <a:cs typeface="Tahoma" panose="020B0604030504040204" pitchFamily="34" charset="0"/>
-              </a:rPr>
-              <a:t> è detta </a:t>
-            </a:r>
+              <a:t>RDF </a:t>
+            </a:r>
+            <a:r>
+              <a:rPr lang="it-IT" sz="2400">
+                <a:solidFill>
+                  <a:schemeClr val="tx1"/>
+                </a:solidFill>
+                <a:latin typeface="Tahoma" panose="020B0604030504040204" pitchFamily="34" charset="0"/>
+                <a:ea typeface="Tahoma" panose="020B0604030504040204" pitchFamily="34" charset="0"/>
+                <a:cs typeface="Tahoma" panose="020B0604030504040204" pitchFamily="34" charset="0"/>
+              </a:rPr>
+              <a:t>è costituito da due componenti: </a:t>
+            </a:r>
+          </a:p>
+          <a:p>
+            <a:pPr marL="457200" indent="-457200">
+              <a:buFont typeface="+mj-lt"/>
+              <a:buAutoNum type="arabicPeriod"/>
+            </a:pPr>
             <a:r>
               <a:rPr lang="it-IT" sz="2400" b="1">
                 <a:solidFill>
@@ -17068,19 +16891,25 @@
                 <a:ea typeface="Tahoma" panose="020B0604030504040204" pitchFamily="34" charset="0"/>
                 <a:cs typeface="Tahoma" panose="020B0604030504040204" pitchFamily="34" charset="0"/>
               </a:rPr>
-              <a:t>risorsa</a:t>
-            </a:r>
-            <a:r>
-              <a:rPr lang="it-IT" sz="2400">
-                <a:solidFill>
-                  <a:schemeClr val="tx1"/>
-                </a:solidFill>
-                <a:latin typeface="Tahoma" panose="020B0604030504040204" pitchFamily="34" charset="0"/>
-                <a:ea typeface="Tahoma" panose="020B0604030504040204" pitchFamily="34" charset="0"/>
-                <a:cs typeface="Tahoma" panose="020B0604030504040204" pitchFamily="34" charset="0"/>
-              </a:rPr>
-              <a:t>. Una risorsa è sostanzialmente reperibile su </a:t>
-            </a:r>
+              <a:t>RDF Model and Syntax: </a:t>
+            </a:r>
+            <a:r>
+              <a:rPr lang="it-IT" sz="2400" b="0">
+                <a:solidFill>
+                  <a:schemeClr val="tx1"/>
+                </a:solidFill>
+                <a:latin typeface="Tahoma" panose="020B0604030504040204" pitchFamily="34" charset="0"/>
+                <a:ea typeface="Tahoma" panose="020B0604030504040204" pitchFamily="34" charset="0"/>
+                <a:cs typeface="Tahoma" panose="020B0604030504040204" pitchFamily="34" charset="0"/>
+              </a:rPr>
+              <a:t>che espone la struttura del modello RDF e descrive una possibile sintassi. </a:t>
+            </a:r>
+          </a:p>
+          <a:p>
+            <a:pPr marL="457200" indent="-457200">
+              <a:buFont typeface="+mj-lt"/>
+              <a:buAutoNum type="arabicPeriod"/>
+            </a:pPr>
             <a:r>
               <a:rPr lang="it-IT" sz="2400" b="1">
                 <a:solidFill>
@@ -17090,246 +16919,77 @@
                 <a:ea typeface="Tahoma" panose="020B0604030504040204" pitchFamily="34" charset="0"/>
                 <a:cs typeface="Tahoma" panose="020B0604030504040204" pitchFamily="34" charset="0"/>
               </a:rPr>
-              <a:t>web, </a:t>
-            </a:r>
-            <a:r>
-              <a:rPr lang="it-IT" sz="2400">
-                <a:solidFill>
-                  <a:schemeClr val="tx1"/>
-                </a:solidFill>
-                <a:latin typeface="Tahoma" panose="020B0604030504040204" pitchFamily="34" charset="0"/>
-                <a:ea typeface="Tahoma" panose="020B0604030504040204" pitchFamily="34" charset="0"/>
-                <a:cs typeface="Tahoma" panose="020B0604030504040204" pitchFamily="34" charset="0"/>
-              </a:rPr>
-              <a:t>ma RDF può descrivere anche risorse che non si trovano direttamente sul </a:t>
-            </a:r>
-            <a:r>
-              <a:rPr lang="it-IT" sz="2400" b="1">
-                <a:solidFill>
-                  <a:schemeClr val="tx1"/>
-                </a:solidFill>
-                <a:latin typeface="Tahoma" panose="020B0604030504040204" pitchFamily="34" charset="0"/>
-                <a:ea typeface="Tahoma" panose="020B0604030504040204" pitchFamily="34" charset="0"/>
-                <a:cs typeface="Tahoma" panose="020B0604030504040204" pitchFamily="34" charset="0"/>
-              </a:rPr>
-              <a:t>web. </a:t>
-            </a:r>
-            <a:r>
-              <a:rPr lang="it-IT" sz="2400">
-                <a:solidFill>
-                  <a:schemeClr val="tx1"/>
-                </a:solidFill>
-                <a:latin typeface="Tahoma" panose="020B0604030504040204" pitchFamily="34" charset="0"/>
-                <a:ea typeface="Tahoma" panose="020B0604030504040204" pitchFamily="34" charset="0"/>
-                <a:cs typeface="Tahoma" panose="020B0604030504040204" pitchFamily="34" charset="0"/>
-              </a:rPr>
-              <a:t>Ogni risorsa è identificata da un </a:t>
-            </a:r>
-            <a:r>
-              <a:rPr lang="it-IT" sz="2400" b="1">
-                <a:solidFill>
-                  <a:schemeClr val="tx1"/>
-                </a:solidFill>
-                <a:latin typeface="Tahoma" panose="020B0604030504040204" pitchFamily="34" charset="0"/>
-                <a:ea typeface="Tahoma" panose="020B0604030504040204" pitchFamily="34" charset="0"/>
-                <a:cs typeface="Tahoma" panose="020B0604030504040204" pitchFamily="34" charset="0"/>
-              </a:rPr>
-              <a:t>URI</a:t>
-            </a:r>
-            <a:r>
-              <a:rPr lang="it-IT" sz="2400">
-                <a:solidFill>
-                  <a:schemeClr val="tx1"/>
-                </a:solidFill>
-                <a:latin typeface="Tahoma" panose="020B0604030504040204" pitchFamily="34" charset="0"/>
-                <a:ea typeface="Tahoma" panose="020B0604030504040204" pitchFamily="34" charset="0"/>
-                <a:cs typeface="Tahoma" panose="020B0604030504040204" pitchFamily="34" charset="0"/>
-              </a:rPr>
-              <a:t>. </a:t>
-            </a:r>
-          </a:p>
-          <a:p>
-            <a:pPr marL="342900" indent="-342900">
-              <a:buFont typeface="Wingdings" panose="05000000000000000000" pitchFamily="2" charset="2"/>
-              <a:buChar char="ü"/>
-            </a:pPr>
-            <a:r>
-              <a:rPr lang="it-IT" sz="2400">
-                <a:solidFill>
-                  <a:schemeClr val="tx1"/>
-                </a:solidFill>
-                <a:latin typeface="Tahoma" panose="020B0604030504040204" pitchFamily="34" charset="0"/>
-                <a:ea typeface="Tahoma" panose="020B0604030504040204" pitchFamily="34" charset="0"/>
-                <a:cs typeface="Tahoma" panose="020B0604030504040204" pitchFamily="34" charset="0"/>
-              </a:rPr>
-              <a:t>Il modello </a:t>
-            </a:r>
-            <a:r>
-              <a:rPr lang="it-IT" sz="2400" b="1">
-                <a:solidFill>
-                  <a:schemeClr val="tx1"/>
-                </a:solidFill>
-                <a:latin typeface="Tahoma" panose="020B0604030504040204" pitchFamily="34" charset="0"/>
-                <a:ea typeface="Tahoma" panose="020B0604030504040204" pitchFamily="34" charset="0"/>
-                <a:cs typeface="Tahoma" panose="020B0604030504040204" pitchFamily="34" charset="0"/>
-              </a:rPr>
-              <a:t>RDF </a:t>
-            </a:r>
-            <a:r>
-              <a:rPr lang="it-IT" sz="2400">
-                <a:solidFill>
-                  <a:schemeClr val="tx1"/>
-                </a:solidFill>
-                <a:latin typeface="Tahoma" panose="020B0604030504040204" pitchFamily="34" charset="0"/>
-                <a:ea typeface="Tahoma" panose="020B0604030504040204" pitchFamily="34" charset="0"/>
-                <a:cs typeface="Tahoma" panose="020B0604030504040204" pitchFamily="34" charset="0"/>
-              </a:rPr>
-              <a:t>è formato da risorse, proprietà e valori: </a:t>
-            </a:r>
-          </a:p>
-          <a:p>
-            <a:pPr marL="342900" indent="-342900">
-              <a:buFont typeface="Wingdings" panose="05000000000000000000" pitchFamily="2" charset="2"/>
-              <a:buChar char="ü"/>
-            </a:pPr>
-            <a:r>
-              <a:rPr lang="it-IT" sz="2400" b="1">
-                <a:solidFill>
-                  <a:schemeClr val="tx1"/>
-                </a:solidFill>
-                <a:latin typeface="Tahoma" panose="020B0604030504040204" pitchFamily="34" charset="0"/>
-                <a:ea typeface="Tahoma" panose="020B0604030504040204" pitchFamily="34" charset="0"/>
-                <a:cs typeface="Tahoma" panose="020B0604030504040204" pitchFamily="34" charset="0"/>
-              </a:rPr>
-              <a:t>Le proprietà: </a:t>
-            </a:r>
-            <a:r>
-              <a:rPr lang="it-IT" sz="2400">
-                <a:solidFill>
-                  <a:schemeClr val="tx1"/>
-                </a:solidFill>
-                <a:latin typeface="Tahoma" panose="020B0604030504040204" pitchFamily="34" charset="0"/>
-                <a:ea typeface="Tahoma" panose="020B0604030504040204" pitchFamily="34" charset="0"/>
-                <a:cs typeface="Tahoma" panose="020B0604030504040204" pitchFamily="34" charset="0"/>
-              </a:rPr>
-              <a:t>sono delle relazioni che legano tra loro risorse e valori e sono anche esse identificate da un </a:t>
-            </a:r>
-            <a:r>
-              <a:rPr lang="it-IT" sz="2400" b="1">
-                <a:solidFill>
-                  <a:schemeClr val="tx1"/>
-                </a:solidFill>
-                <a:latin typeface="Tahoma" panose="020B0604030504040204" pitchFamily="34" charset="0"/>
-                <a:ea typeface="Tahoma" panose="020B0604030504040204" pitchFamily="34" charset="0"/>
-                <a:cs typeface="Tahoma" panose="020B0604030504040204" pitchFamily="34" charset="0"/>
-              </a:rPr>
-              <a:t>URI</a:t>
-            </a:r>
-            <a:r>
-              <a:rPr lang="it-IT" sz="2400">
-                <a:solidFill>
-                  <a:schemeClr val="tx1"/>
-                </a:solidFill>
-                <a:latin typeface="Tahoma" panose="020B0604030504040204" pitchFamily="34" charset="0"/>
-                <a:ea typeface="Tahoma" panose="020B0604030504040204" pitchFamily="34" charset="0"/>
-                <a:cs typeface="Tahoma" panose="020B0604030504040204" pitchFamily="34" charset="0"/>
-              </a:rPr>
-              <a:t>. </a:t>
-            </a:r>
-          </a:p>
-          <a:p>
-            <a:pPr marL="342900" indent="-342900">
-              <a:buFont typeface="Wingdings" panose="05000000000000000000" pitchFamily="2" charset="2"/>
-              <a:buChar char="ü"/>
-            </a:pPr>
-            <a:r>
-              <a:rPr lang="it-IT" sz="2400" b="1">
-                <a:solidFill>
-                  <a:schemeClr val="tx1"/>
-                </a:solidFill>
-                <a:latin typeface="Tahoma" panose="020B0604030504040204" pitchFamily="34" charset="0"/>
-                <a:ea typeface="Tahoma" panose="020B0604030504040204" pitchFamily="34" charset="0"/>
-                <a:cs typeface="Tahoma" panose="020B0604030504040204" pitchFamily="34" charset="0"/>
-              </a:rPr>
-              <a:t>Valore</a:t>
-            </a:r>
-            <a:r>
-              <a:rPr lang="it-IT" sz="2400">
-                <a:solidFill>
-                  <a:schemeClr val="tx1"/>
-                </a:solidFill>
-                <a:latin typeface="Tahoma" panose="020B0604030504040204" pitchFamily="34" charset="0"/>
-                <a:ea typeface="Tahoma" panose="020B0604030504040204" pitchFamily="34" charset="0"/>
-                <a:cs typeface="Tahoma" panose="020B0604030504040204" pitchFamily="34" charset="0"/>
-              </a:rPr>
-              <a:t>: è un tipo di dato primitivo, che può essere una stringa contenente </a:t>
-            </a:r>
-            <a:r>
-              <a:rPr lang="it-IT" sz="2400" b="1">
-                <a:solidFill>
-                  <a:schemeClr val="tx1"/>
-                </a:solidFill>
-                <a:latin typeface="Tahoma" panose="020B0604030504040204" pitchFamily="34" charset="0"/>
-                <a:ea typeface="Tahoma" panose="020B0604030504040204" pitchFamily="34" charset="0"/>
-                <a:cs typeface="Tahoma" panose="020B0604030504040204" pitchFamily="34" charset="0"/>
-              </a:rPr>
-              <a:t>l'URI</a:t>
-            </a:r>
-            <a:r>
-              <a:rPr lang="it-IT" sz="2400">
-                <a:solidFill>
-                  <a:schemeClr val="tx1"/>
-                </a:solidFill>
-                <a:latin typeface="Tahoma" panose="020B0604030504040204" pitchFamily="34" charset="0"/>
-                <a:ea typeface="Tahoma" panose="020B0604030504040204" pitchFamily="34" charset="0"/>
-                <a:cs typeface="Tahoma" panose="020B0604030504040204" pitchFamily="34" charset="0"/>
-              </a:rPr>
-              <a:t> di una risorsa.   </a:t>
-            </a:r>
-            <a:endParaRPr lang="it-IT" sz="2400" b="1">
+              <a:t>RDF Schema</a:t>
+            </a:r>
+            <a:r>
+              <a:rPr lang="it-IT" sz="2400">
+                <a:solidFill>
+                  <a:schemeClr val="tx1"/>
+                </a:solidFill>
+                <a:latin typeface="Tahoma" panose="020B0604030504040204" pitchFamily="34" charset="0"/>
+                <a:ea typeface="Tahoma" panose="020B0604030504040204" pitchFamily="34" charset="0"/>
+                <a:cs typeface="Tahoma" panose="020B0604030504040204" pitchFamily="34" charset="0"/>
+              </a:rPr>
+              <a:t>: </a:t>
+            </a:r>
+            <a:r>
+              <a:rPr lang="it-IT" sz="2400" b="0">
+                <a:solidFill>
+                  <a:schemeClr val="tx1"/>
+                </a:solidFill>
+                <a:latin typeface="Tahoma" panose="020B0604030504040204" pitchFamily="34" charset="0"/>
+                <a:ea typeface="Tahoma" panose="020B0604030504040204" pitchFamily="34" charset="0"/>
+                <a:cs typeface="Tahoma" panose="020B0604030504040204" pitchFamily="34" charset="0"/>
+              </a:rPr>
+              <a:t>espone la sintassi per definire schemi e vocabolari per i metadati. </a:t>
+            </a:r>
+            <a:endParaRPr lang="en-US" sz="2200" b="0" dirty="0">
               <a:solidFill>
-                <a:schemeClr val="tx1"/>
+                <a:srgbClr val="555555"/>
               </a:solidFill>
-              <a:latin typeface="Tahoma" panose="020B0604030504040204" pitchFamily="34" charset="0"/>
+              <a:latin typeface="PT Sans" panose="020B0503020203020204" pitchFamily="34" charset="0"/>
               <a:ea typeface="Tahoma" panose="020B0604030504040204" pitchFamily="34" charset="0"/>
               <a:cs typeface="Tahoma" panose="020B0604030504040204" pitchFamily="34" charset="0"/>
             </a:endParaRPr>
           </a:p>
           <a:p>
-            <a:pPr marL="342900" indent="-342900">
+            <a:pPr marL="457200" indent="-457200">
               <a:buFont typeface="Wingdings" panose="05000000000000000000" pitchFamily="2" charset="2"/>
               <a:buChar char="ü"/>
             </a:pPr>
-            <a:endParaRPr lang="it-IT" sz="2400" b="0" i="0">
-              <a:solidFill>
-                <a:srgbClr val="202124"/>
-              </a:solidFill>
-              <a:effectLst/>
-              <a:latin typeface="arial" panose="020B0604020202020204" pitchFamily="34" charset="0"/>
-            </a:endParaRPr>
-          </a:p>
-          <a:p>
-            <a:pPr marL="342900" indent="-342900">
-              <a:buFont typeface="Wingdings" panose="05000000000000000000" pitchFamily="2" charset="2"/>
-              <a:buChar char="ü"/>
-            </a:pPr>
-            <a:endParaRPr lang="it-IT" sz="2400">
-              <a:solidFill>
-                <a:srgbClr val="202124"/>
-              </a:solidFill>
-              <a:latin typeface="arial" panose="020B0604020202020204" pitchFamily="34" charset="0"/>
-            </a:endParaRPr>
-          </a:p>
-          <a:p>
-            <a:pPr algn="l"/>
-            <a:endParaRPr lang="it-IT" sz="2400" dirty="0">
-              <a:solidFill>
-                <a:schemeClr val="tx1"/>
-              </a:solidFill>
-              <a:latin typeface="Tahoma" panose="020B0604030504040204" pitchFamily="34" charset="0"/>
-              <a:ea typeface="Tahoma" panose="020B0604030504040204" pitchFamily="34" charset="0"/>
-              <a:cs typeface="Tahoma" panose="020B0604030504040204" pitchFamily="34" charset="0"/>
-            </a:endParaRPr>
+            <a:r>
+              <a:rPr lang="it-IT" sz="2400" b="0">
+                <a:solidFill>
+                  <a:schemeClr val="tx1"/>
+                </a:solidFill>
+                <a:latin typeface="Tahoma" panose="020B0604030504040204" pitchFamily="34" charset="0"/>
+                <a:ea typeface="Tahoma" panose="020B0604030504040204" pitchFamily="34" charset="0"/>
+                <a:cs typeface="Tahoma" panose="020B0604030504040204" pitchFamily="34" charset="0"/>
+              </a:rPr>
+              <a:t>L'</a:t>
+            </a:r>
+            <a:r>
+              <a:rPr lang="it-IT" sz="2400" b="1">
+                <a:solidFill>
+                  <a:schemeClr val="tx1"/>
+                </a:solidFill>
+                <a:latin typeface="Tahoma" panose="020B0604030504040204" pitchFamily="34" charset="0"/>
+                <a:ea typeface="Tahoma" panose="020B0604030504040204" pitchFamily="34" charset="0"/>
+                <a:cs typeface="Tahoma" panose="020B0604030504040204" pitchFamily="34" charset="0"/>
+              </a:rPr>
+              <a:t>RDF Data Model </a:t>
+            </a:r>
+            <a:r>
+              <a:rPr lang="it-IT" sz="2400">
+                <a:solidFill>
+                  <a:schemeClr val="tx1"/>
+                </a:solidFill>
+                <a:latin typeface="Tahoma" panose="020B0604030504040204" pitchFamily="34" charset="0"/>
+                <a:ea typeface="Tahoma" panose="020B0604030504040204" pitchFamily="34" charset="0"/>
+                <a:cs typeface="Tahoma" panose="020B0604030504040204" pitchFamily="34" charset="0"/>
+              </a:rPr>
+              <a:t>si basa su 3 principi chiave: 1) Qualunque cosa può essere identificata da un URI (Uniform Resource Identifier); 2) The least power, ovvero utilizzare il linguaggio meno espressivo possibile per definire qualunque cosa; 3) Qualunque cosa può dire qualunque cosa su qualunque cosa. </a:t>
+            </a:r>
           </a:p>
         </p:txBody>
       </p:sp>
@@ -17396,7 +17056,7 @@
           <a:p>
             <a:r>
               <a:rPr lang="it-IT" altLang="it-IT"/>
-              <a:t>RDF - Principi e modello dei dati</a:t>
+              <a:t>RDF - Resource Description Framework</a:t>
             </a:r>
             <a:endParaRPr lang="it-IT" dirty="0"/>
           </a:p>
@@ -17405,7 +17065,7 @@
     </p:spTree>
     <p:extLst>
       <p:ext uri="{BB962C8B-B14F-4D97-AF65-F5344CB8AC3E}">
-        <p14:creationId xmlns:p14="http://schemas.microsoft.com/office/powerpoint/2010/main" val="1183596315"/>
+        <p14:creationId xmlns:p14="http://schemas.microsoft.com/office/powerpoint/2010/main" val="1961233345"/>
       </p:ext>
     </p:extLst>
   </p:cSld>
@@ -17451,7 +17111,7 @@
         <p:spPr>
           <a:xfrm>
             <a:off x="326297" y="1213806"/>
-            <a:ext cx="8221802" cy="4392612"/>
+            <a:ext cx="11518700" cy="4392612"/>
           </a:xfrm>
         </p:spPr>
         <p:txBody>
@@ -17468,11 +17128,9 @@
                   <a:srgbClr val="202124"/>
                 </a:solidFill>
                 <a:effectLst/>
-                <a:latin typeface="Tahoma" panose="020B0604030504040204" pitchFamily="34" charset="0"/>
-                <a:ea typeface="Tahoma" panose="020B0604030504040204" pitchFamily="34" charset="0"/>
-                <a:cs typeface="Tahoma" panose="020B0604030504040204" pitchFamily="34" charset="0"/>
-              </a:rPr>
-              <a:t>L'unità di base per rappresentare un'informazione in </a:t>
+                <a:latin typeface="arial" panose="020B0604020202020204" pitchFamily="34" charset="0"/>
+              </a:rPr>
+              <a:t>Un </a:t>
             </a:r>
             <a:r>
               <a:rPr lang="it-IT" sz="2400" b="1" i="0">
@@ -17480,11 +17138,59 @@
                   <a:srgbClr val="202124"/>
                 </a:solidFill>
                 <a:effectLst/>
-                <a:latin typeface="Tahoma" panose="020B0604030504040204" pitchFamily="34" charset="0"/>
-                <a:ea typeface="Tahoma" panose="020B0604030504040204" pitchFamily="34" charset="0"/>
-                <a:cs typeface="Tahoma" panose="020B0604030504040204" pitchFamily="34" charset="0"/>
-              </a:rPr>
-              <a:t>RDF </a:t>
+                <a:latin typeface="arial" panose="020B0604020202020204" pitchFamily="34" charset="0"/>
+              </a:rPr>
+              <a:t>URI</a:t>
+            </a:r>
+            <a:r>
+              <a:rPr lang="it-IT" sz="2400" b="0" i="0">
+                <a:solidFill>
+                  <a:srgbClr val="202124"/>
+                </a:solidFill>
+                <a:effectLst/>
+                <a:latin typeface="arial" panose="020B0604020202020204" pitchFamily="34" charset="0"/>
+              </a:rPr>
+              <a:t> può essere classificato come qualcosa che definisce posizioni (</a:t>
+            </a:r>
+            <a:r>
+              <a:rPr lang="it-IT" sz="2400" b="1" i="0">
+                <a:solidFill>
+                  <a:srgbClr val="202124"/>
+                </a:solidFill>
+                <a:effectLst/>
+                <a:latin typeface="arial" panose="020B0604020202020204" pitchFamily="34" charset="0"/>
+              </a:rPr>
+              <a:t>URL</a:t>
+            </a:r>
+            <a:r>
+              <a:rPr lang="it-IT" sz="2400" b="0" i="0">
+                <a:solidFill>
+                  <a:srgbClr val="202124"/>
+                </a:solidFill>
+                <a:effectLst/>
+                <a:latin typeface="arial" panose="020B0604020202020204" pitchFamily="34" charset="0"/>
+              </a:rPr>
+              <a:t>) o nomi (URN) o entrambi. Un </a:t>
+            </a:r>
+            <a:r>
+              <a:rPr lang="it-IT" sz="2400" b="1" i="0">
+                <a:solidFill>
+                  <a:srgbClr val="202124"/>
+                </a:solidFill>
+                <a:effectLst/>
+                <a:latin typeface="arial" panose="020B0604020202020204" pitchFamily="34" charset="0"/>
+              </a:rPr>
+              <a:t>URL</a:t>
+            </a:r>
+            <a:r>
+              <a:rPr lang="it-IT" sz="2400" b="0" i="0">
+                <a:solidFill>
+                  <a:srgbClr val="202124"/>
+                </a:solidFill>
+                <a:effectLst/>
+                <a:latin typeface="arial" panose="020B0604020202020204" pitchFamily="34" charset="0"/>
+              </a:rPr>
+              <a:t> (Uniform Resource Locator) </a:t>
             </a:r>
             <a:r>
               <a:rPr lang="it-IT" sz="2400" i="0">
@@ -17492,59 +17198,29 @@
                   <a:srgbClr val="202124"/>
                 </a:solidFill>
                 <a:effectLst/>
-                <a:latin typeface="Tahoma" panose="020B0604030504040204" pitchFamily="34" charset="0"/>
-                <a:ea typeface="Tahoma" panose="020B0604030504040204" pitchFamily="34" charset="0"/>
-                <a:cs typeface="Tahoma" panose="020B0604030504040204" pitchFamily="34" charset="0"/>
-              </a:rPr>
-              <a:t>è lo statement. Uno statement è una tripla del tipo </a:t>
-            </a:r>
-            <a:r>
-              <a:rPr lang="it-IT" sz="2400" b="1">
+                <a:latin typeface="arial" panose="020B0604020202020204" pitchFamily="34" charset="0"/>
+              </a:rPr>
+              <a:t>è un </a:t>
+            </a:r>
+            <a:r>
+              <a:rPr lang="it-IT" sz="2400" b="1" i="0">
                 <a:solidFill>
                   <a:srgbClr val="202124"/>
                 </a:solidFill>
                 <a:effectLst/>
-                <a:latin typeface="Tahoma" panose="020B0604030504040204" pitchFamily="34" charset="0"/>
-                <a:ea typeface="Tahoma" panose="020B0604030504040204" pitchFamily="34" charset="0"/>
-                <a:cs typeface="Tahoma" panose="020B0604030504040204" pitchFamily="34" charset="0"/>
-              </a:rPr>
-              <a:t>Soggetto-Predicato-Oggetto, </a:t>
-            </a:r>
-            <a:r>
-              <a:rPr lang="it-IT" sz="2400">
+                <a:latin typeface="arial" panose="020B0604020202020204" pitchFamily="34" charset="0"/>
+              </a:rPr>
+              <a:t>URI</a:t>
+            </a:r>
+            <a:r>
+              <a:rPr lang="it-IT" sz="2400" b="0" i="0">
                 <a:solidFill>
                   <a:srgbClr val="202124"/>
                 </a:solidFill>
                 <a:effectLst/>
-                <a:latin typeface="Tahoma" panose="020B0604030504040204" pitchFamily="34" charset="0"/>
-                <a:ea typeface="Tahoma" panose="020B0604030504040204" pitchFamily="34" charset="0"/>
-                <a:cs typeface="Tahoma" panose="020B0604030504040204" pitchFamily="34" charset="0"/>
-              </a:rPr>
-              <a:t>dove il soggetto è una risorsa, il predicato è una proprietà e l'oggetto è un valore (e quindi anche un </a:t>
-            </a:r>
-            <a:r>
-              <a:rPr lang="it-IT" sz="2400" b="1" i="0">
-                <a:solidFill>
-                  <a:srgbClr val="202124"/>
-                </a:solidFill>
-                <a:effectLst/>
-                <a:latin typeface="Tahoma" panose="020B0604030504040204" pitchFamily="34" charset="0"/>
-                <a:ea typeface="Tahoma" panose="020B0604030504040204" pitchFamily="34" charset="0"/>
-                <a:cs typeface="Tahoma" panose="020B0604030504040204" pitchFamily="34" charset="0"/>
-              </a:rPr>
-              <a:t>URI</a:t>
-            </a:r>
-            <a:r>
-              <a:rPr lang="it-IT" sz="2400" b="0" i="0">
-                <a:solidFill>
-                  <a:srgbClr val="202124"/>
-                </a:solidFill>
-                <a:effectLst/>
-                <a:latin typeface="Tahoma" panose="020B0604030504040204" pitchFamily="34" charset="0"/>
-                <a:ea typeface="Tahoma" panose="020B0604030504040204" pitchFamily="34" charset="0"/>
-                <a:cs typeface="Tahoma" panose="020B0604030504040204" pitchFamily="34" charset="0"/>
-              </a:rPr>
-              <a:t> che punta ad un'altra risorsa). </a:t>
+                <a:latin typeface="arial" panose="020B0604020202020204" pitchFamily="34" charset="0"/>
+              </a:rPr>
+              <a:t> che identifica una risorsa tramite la sua "collocazione" ("location") in un grafo. Di fatto, non identifica la risorsa per nome, ma con il modo con cui la si può reperire.</a:t>
             </a:r>
           </a:p>
           <a:p>
@@ -17555,57 +17231,145 @@
             <a:r>
               <a:rPr lang="it-IT" sz="2400">
                 <a:solidFill>
-                  <a:srgbClr val="202124"/>
-                </a:solidFill>
-                <a:latin typeface="Tahoma" panose="020B0604030504040204" pitchFamily="34" charset="0"/>
-                <a:ea typeface="Tahoma" panose="020B0604030504040204" pitchFamily="34" charset="0"/>
-                <a:cs typeface="Tahoma" panose="020B0604030504040204" pitchFamily="34" charset="0"/>
-              </a:rPr>
-              <a:t>Il data model </a:t>
+                  <a:schemeClr val="tx1"/>
+                </a:solidFill>
+                <a:latin typeface="Tahoma" panose="020B0604030504040204" pitchFamily="34" charset="0"/>
+                <a:ea typeface="Tahoma" panose="020B0604030504040204" pitchFamily="34" charset="0"/>
+                <a:cs typeface="Tahoma" panose="020B0604030504040204" pitchFamily="34" charset="0"/>
+              </a:rPr>
+              <a:t>Qualunque cosa descritta da </a:t>
             </a:r>
             <a:r>
               <a:rPr lang="it-IT" sz="2400" b="1">
                 <a:solidFill>
-                  <a:srgbClr val="202124"/>
-                </a:solidFill>
-                <a:latin typeface="Tahoma" panose="020B0604030504040204" pitchFamily="34" charset="0"/>
-                <a:ea typeface="Tahoma" panose="020B0604030504040204" pitchFamily="34" charset="0"/>
-                <a:cs typeface="Tahoma" panose="020B0604030504040204" pitchFamily="34" charset="0"/>
-              </a:rPr>
-              <a:t>RDF </a:t>
-            </a:r>
-            <a:r>
-              <a:rPr lang="it-IT" sz="2400">
-                <a:solidFill>
-                  <a:srgbClr val="202124"/>
-                </a:solidFill>
-                <a:latin typeface="Tahoma" panose="020B0604030504040204" pitchFamily="34" charset="0"/>
-                <a:ea typeface="Tahoma" panose="020B0604030504040204" pitchFamily="34" charset="0"/>
-                <a:cs typeface="Tahoma" panose="020B0604030504040204" pitchFamily="34" charset="0"/>
-              </a:rPr>
-              <a:t>permette di definire un modello semplice per descrivere le relazioni tra le risorse, in termini di proprietà identificate da un nome e relativi valori.</a:t>
-            </a:r>
-          </a:p>
-          <a:p>
-            <a:pPr marL="342900" indent="-342900" algn="just">
+                  <a:schemeClr val="tx1"/>
+                </a:solidFill>
+                <a:latin typeface="Tahoma" panose="020B0604030504040204" pitchFamily="34" charset="0"/>
+                <a:ea typeface="Tahoma" panose="020B0604030504040204" pitchFamily="34" charset="0"/>
+                <a:cs typeface="Tahoma" panose="020B0604030504040204" pitchFamily="34" charset="0"/>
+              </a:rPr>
+              <a:t>RDF</a:t>
+            </a:r>
+            <a:r>
+              <a:rPr lang="it-IT" sz="2400">
+                <a:solidFill>
+                  <a:schemeClr val="tx1"/>
+                </a:solidFill>
+                <a:latin typeface="Tahoma" panose="020B0604030504040204" pitchFamily="34" charset="0"/>
+                <a:ea typeface="Tahoma" panose="020B0604030504040204" pitchFamily="34" charset="0"/>
+                <a:cs typeface="Tahoma" panose="020B0604030504040204" pitchFamily="34" charset="0"/>
+              </a:rPr>
+              <a:t> è detta </a:t>
+            </a:r>
+            <a:r>
+              <a:rPr lang="it-IT" sz="2400" b="1">
+                <a:solidFill>
+                  <a:schemeClr val="tx1"/>
+                </a:solidFill>
+                <a:latin typeface="Tahoma" panose="020B0604030504040204" pitchFamily="34" charset="0"/>
+                <a:ea typeface="Tahoma" panose="020B0604030504040204" pitchFamily="34" charset="0"/>
+                <a:cs typeface="Tahoma" panose="020B0604030504040204" pitchFamily="34" charset="0"/>
+              </a:rPr>
+              <a:t>risorsa</a:t>
+            </a:r>
+            <a:r>
+              <a:rPr lang="it-IT" sz="2400">
+                <a:solidFill>
+                  <a:schemeClr val="tx1"/>
+                </a:solidFill>
+                <a:latin typeface="Tahoma" panose="020B0604030504040204" pitchFamily="34" charset="0"/>
+                <a:ea typeface="Tahoma" panose="020B0604030504040204" pitchFamily="34" charset="0"/>
+                <a:cs typeface="Tahoma" panose="020B0604030504040204" pitchFamily="34" charset="0"/>
+              </a:rPr>
+              <a:t>. Una risorsa è sostanzialmente reperibile su </a:t>
+            </a:r>
+            <a:r>
+              <a:rPr lang="it-IT" sz="2400" b="1">
+                <a:solidFill>
+                  <a:schemeClr val="tx1"/>
+                </a:solidFill>
+                <a:latin typeface="Tahoma" panose="020B0604030504040204" pitchFamily="34" charset="0"/>
+                <a:ea typeface="Tahoma" panose="020B0604030504040204" pitchFamily="34" charset="0"/>
+                <a:cs typeface="Tahoma" panose="020B0604030504040204" pitchFamily="34" charset="0"/>
+              </a:rPr>
+              <a:t>web, </a:t>
+            </a:r>
+            <a:r>
+              <a:rPr lang="it-IT" sz="2400">
+                <a:solidFill>
+                  <a:schemeClr val="tx1"/>
+                </a:solidFill>
+                <a:latin typeface="Tahoma" panose="020B0604030504040204" pitchFamily="34" charset="0"/>
+                <a:ea typeface="Tahoma" panose="020B0604030504040204" pitchFamily="34" charset="0"/>
+                <a:cs typeface="Tahoma" panose="020B0604030504040204" pitchFamily="34" charset="0"/>
+              </a:rPr>
+              <a:t>ma RDF può descrivere anche risorse che non si trovano direttamente sul </a:t>
+            </a:r>
+            <a:r>
+              <a:rPr lang="it-IT" sz="2400" b="1">
+                <a:solidFill>
+                  <a:schemeClr val="tx1"/>
+                </a:solidFill>
+                <a:latin typeface="Tahoma" panose="020B0604030504040204" pitchFamily="34" charset="0"/>
+                <a:ea typeface="Tahoma" panose="020B0604030504040204" pitchFamily="34" charset="0"/>
+                <a:cs typeface="Tahoma" panose="020B0604030504040204" pitchFamily="34" charset="0"/>
+              </a:rPr>
+              <a:t>web. </a:t>
+            </a:r>
+            <a:r>
+              <a:rPr lang="it-IT" sz="2400">
+                <a:solidFill>
+                  <a:schemeClr val="tx1"/>
+                </a:solidFill>
+                <a:latin typeface="Tahoma" panose="020B0604030504040204" pitchFamily="34" charset="0"/>
+                <a:ea typeface="Tahoma" panose="020B0604030504040204" pitchFamily="34" charset="0"/>
+                <a:cs typeface="Tahoma" panose="020B0604030504040204" pitchFamily="34" charset="0"/>
+              </a:rPr>
+              <a:t>Ogni risorsa è identificata da un </a:t>
+            </a:r>
+            <a:r>
+              <a:rPr lang="it-IT" sz="2400" b="1">
+                <a:solidFill>
+                  <a:schemeClr val="tx1"/>
+                </a:solidFill>
+                <a:latin typeface="Tahoma" panose="020B0604030504040204" pitchFamily="34" charset="0"/>
+                <a:ea typeface="Tahoma" panose="020B0604030504040204" pitchFamily="34" charset="0"/>
+                <a:cs typeface="Tahoma" panose="020B0604030504040204" pitchFamily="34" charset="0"/>
+              </a:rPr>
+              <a:t>URI</a:t>
+            </a:r>
+            <a:r>
+              <a:rPr lang="it-IT" sz="2400">
+                <a:solidFill>
+                  <a:schemeClr val="tx1"/>
+                </a:solidFill>
+                <a:latin typeface="Tahoma" panose="020B0604030504040204" pitchFamily="34" charset="0"/>
+                <a:ea typeface="Tahoma" panose="020B0604030504040204" pitchFamily="34" charset="0"/>
+                <a:cs typeface="Tahoma" panose="020B0604030504040204" pitchFamily="34" charset="0"/>
+              </a:rPr>
+              <a:t>. </a:t>
+            </a:r>
+          </a:p>
+          <a:p>
+            <a:pPr marL="342900" indent="-342900">
               <a:buFont typeface="Wingdings" panose="05000000000000000000" pitchFamily="2" charset="2"/>
               <a:buChar char="ü"/>
             </a:pPr>
             <a:r>
               <a:rPr lang="it-IT" sz="2400">
                 <a:solidFill>
-                  <a:srgbClr val="202124"/>
-                </a:solidFill>
-                <a:latin typeface="Tahoma" panose="020B0604030504040204" pitchFamily="34" charset="0"/>
-                <a:ea typeface="Tahoma" panose="020B0604030504040204" pitchFamily="34" charset="0"/>
-                <a:cs typeface="Tahoma" panose="020B0604030504040204" pitchFamily="34" charset="0"/>
-              </a:rPr>
-              <a:t>Tuttavia </a:t>
+                  <a:schemeClr val="tx1"/>
+                </a:solidFill>
+                <a:latin typeface="Tahoma" panose="020B0604030504040204" pitchFamily="34" charset="0"/>
+                <a:ea typeface="Tahoma" panose="020B0604030504040204" pitchFamily="34" charset="0"/>
+                <a:cs typeface="Tahoma" panose="020B0604030504040204" pitchFamily="34" charset="0"/>
+              </a:rPr>
+              <a:t>Il modello </a:t>
             </a:r>
             <a:r>
               <a:rPr lang="it-IT" sz="2400" b="1">
                 <a:solidFill>
-                  <a:srgbClr val="202124"/>
+                  <a:schemeClr val="tx1"/>
                 </a:solidFill>
                 <a:latin typeface="Tahoma" panose="020B0604030504040204" pitchFamily="34" charset="0"/>
                 <a:ea typeface="Tahoma" panose="020B0604030504040204" pitchFamily="34" charset="0"/>
@@ -17616,36 +17380,150 @@
             <a:r>
               <a:rPr lang="it-IT" sz="2400">
                 <a:solidFill>
-                  <a:srgbClr val="202124"/>
-                </a:solidFill>
-                <a:latin typeface="Tahoma" panose="020B0604030504040204" pitchFamily="34" charset="0"/>
-                <a:ea typeface="Tahoma" panose="020B0604030504040204" pitchFamily="34" charset="0"/>
-                <a:cs typeface="Tahoma" panose="020B0604030504040204" pitchFamily="34" charset="0"/>
-              </a:rPr>
-              <a:t>non fornisce nessun meccanismo per dichiarare queste proprietà, nè per definire le relazioni tra queste proprietà ed altre risorse. Tale compito è definito da </a:t>
-            </a:r>
+                  <a:schemeClr val="tx1"/>
+                </a:solidFill>
+                <a:latin typeface="Tahoma" panose="020B0604030504040204" pitchFamily="34" charset="0"/>
+                <a:ea typeface="Tahoma" panose="020B0604030504040204" pitchFamily="34" charset="0"/>
+                <a:cs typeface="Tahoma" panose="020B0604030504040204" pitchFamily="34" charset="0"/>
+              </a:rPr>
+              <a:t>è formato da risorse, proprietà e valori: </a:t>
+            </a:r>
+          </a:p>
+          <a:p>
+            <a:pPr marL="342900" indent="-342900">
+              <a:buFont typeface="Wingdings" panose="05000000000000000000" pitchFamily="2" charset="2"/>
+              <a:buChar char="ü"/>
+            </a:pPr>
             <a:r>
               <a:rPr lang="it-IT" sz="2400" b="1">
                 <a:solidFill>
-                  <a:srgbClr val="202124"/>
-                </a:solidFill>
-                <a:latin typeface="Tahoma" panose="020B0604030504040204" pitchFamily="34" charset="0"/>
-                <a:ea typeface="Tahoma" panose="020B0604030504040204" pitchFamily="34" charset="0"/>
-                <a:cs typeface="Tahoma" panose="020B0604030504040204" pitchFamily="34" charset="0"/>
-              </a:rPr>
-              <a:t>RDF Schema.</a:t>
-            </a:r>
-            <a:r>
-              <a:rPr lang="it-IT" sz="2400">
-                <a:solidFill>
-                  <a:srgbClr val="202124"/>
-                </a:solidFill>
-                <a:latin typeface="Tahoma" panose="020B0604030504040204" pitchFamily="34" charset="0"/>
-                <a:ea typeface="Tahoma" panose="020B0604030504040204" pitchFamily="34" charset="0"/>
-                <a:cs typeface="Tahoma" panose="020B0604030504040204" pitchFamily="34" charset="0"/>
-              </a:rPr>
-              <a:t> </a:t>
-            </a:r>
+                  <a:schemeClr val="tx1"/>
+                </a:solidFill>
+                <a:latin typeface="Tahoma" panose="020B0604030504040204" pitchFamily="34" charset="0"/>
+                <a:ea typeface="Tahoma" panose="020B0604030504040204" pitchFamily="34" charset="0"/>
+                <a:cs typeface="Tahoma" panose="020B0604030504040204" pitchFamily="34" charset="0"/>
+              </a:rPr>
+              <a:t>Le proprietà: </a:t>
+            </a:r>
+            <a:r>
+              <a:rPr lang="it-IT" sz="2400">
+                <a:solidFill>
+                  <a:schemeClr val="tx1"/>
+                </a:solidFill>
+                <a:latin typeface="Tahoma" panose="020B0604030504040204" pitchFamily="34" charset="0"/>
+                <a:ea typeface="Tahoma" panose="020B0604030504040204" pitchFamily="34" charset="0"/>
+                <a:cs typeface="Tahoma" panose="020B0604030504040204" pitchFamily="34" charset="0"/>
+              </a:rPr>
+              <a:t>sono delle relazioni che legano tra loro risorse e valori e sono anche esse identificate da un </a:t>
+            </a:r>
+            <a:r>
+              <a:rPr lang="it-IT" sz="2400" b="1">
+                <a:solidFill>
+                  <a:schemeClr val="tx1"/>
+                </a:solidFill>
+                <a:latin typeface="Tahoma" panose="020B0604030504040204" pitchFamily="34" charset="0"/>
+                <a:ea typeface="Tahoma" panose="020B0604030504040204" pitchFamily="34" charset="0"/>
+                <a:cs typeface="Tahoma" panose="020B0604030504040204" pitchFamily="34" charset="0"/>
+              </a:rPr>
+              <a:t>URI</a:t>
+            </a:r>
+            <a:r>
+              <a:rPr lang="it-IT" sz="2400">
+                <a:solidFill>
+                  <a:schemeClr val="tx1"/>
+                </a:solidFill>
+                <a:latin typeface="Tahoma" panose="020B0604030504040204" pitchFamily="34" charset="0"/>
+                <a:ea typeface="Tahoma" panose="020B0604030504040204" pitchFamily="34" charset="0"/>
+                <a:cs typeface="Tahoma" panose="020B0604030504040204" pitchFamily="34" charset="0"/>
+              </a:rPr>
+              <a:t>. </a:t>
+            </a:r>
+          </a:p>
+          <a:p>
+            <a:pPr marL="342900" indent="-342900">
+              <a:buFont typeface="Wingdings" panose="05000000000000000000" pitchFamily="2" charset="2"/>
+              <a:buChar char="ü"/>
+            </a:pPr>
+            <a:r>
+              <a:rPr lang="it-IT" sz="2400" b="1">
+                <a:solidFill>
+                  <a:schemeClr val="tx1"/>
+                </a:solidFill>
+                <a:latin typeface="Tahoma" panose="020B0604030504040204" pitchFamily="34" charset="0"/>
+                <a:ea typeface="Tahoma" panose="020B0604030504040204" pitchFamily="34" charset="0"/>
+                <a:cs typeface="Tahoma" panose="020B0604030504040204" pitchFamily="34" charset="0"/>
+              </a:rPr>
+              <a:t>Valore</a:t>
+            </a:r>
+            <a:r>
+              <a:rPr lang="it-IT" sz="2400">
+                <a:solidFill>
+                  <a:schemeClr val="tx1"/>
+                </a:solidFill>
+                <a:latin typeface="Tahoma" panose="020B0604030504040204" pitchFamily="34" charset="0"/>
+                <a:ea typeface="Tahoma" panose="020B0604030504040204" pitchFamily="34" charset="0"/>
+                <a:cs typeface="Tahoma" panose="020B0604030504040204" pitchFamily="34" charset="0"/>
+              </a:rPr>
+              <a:t>: è un tipo di dato primitivo, che può essere una stringa contenente </a:t>
+            </a:r>
+            <a:r>
+              <a:rPr lang="it-IT" sz="2400" b="1">
+                <a:solidFill>
+                  <a:schemeClr val="tx1"/>
+                </a:solidFill>
+                <a:latin typeface="Tahoma" panose="020B0604030504040204" pitchFamily="34" charset="0"/>
+                <a:ea typeface="Tahoma" panose="020B0604030504040204" pitchFamily="34" charset="0"/>
+                <a:cs typeface="Tahoma" panose="020B0604030504040204" pitchFamily="34" charset="0"/>
+              </a:rPr>
+              <a:t>l'URI</a:t>
+            </a:r>
+            <a:r>
+              <a:rPr lang="it-IT" sz="2400">
+                <a:solidFill>
+                  <a:schemeClr val="tx1"/>
+                </a:solidFill>
+                <a:latin typeface="Tahoma" panose="020B0604030504040204" pitchFamily="34" charset="0"/>
+                <a:ea typeface="Tahoma" panose="020B0604030504040204" pitchFamily="34" charset="0"/>
+                <a:cs typeface="Tahoma" panose="020B0604030504040204" pitchFamily="34" charset="0"/>
+              </a:rPr>
+              <a:t> di una risorsa.   </a:t>
+            </a:r>
+            <a:endParaRPr lang="it-IT" sz="2400" b="1">
+              <a:solidFill>
+                <a:schemeClr val="tx1"/>
+              </a:solidFill>
+              <a:latin typeface="Tahoma" panose="020B0604030504040204" pitchFamily="34" charset="0"/>
+              <a:ea typeface="Tahoma" panose="020B0604030504040204" pitchFamily="34" charset="0"/>
+              <a:cs typeface="Tahoma" panose="020B0604030504040204" pitchFamily="34" charset="0"/>
+            </a:endParaRPr>
+          </a:p>
+          <a:p>
+            <a:pPr marL="342900" indent="-342900">
+              <a:buFont typeface="Wingdings" panose="05000000000000000000" pitchFamily="2" charset="2"/>
+              <a:buChar char="ü"/>
+            </a:pPr>
+            <a:endParaRPr lang="it-IT" sz="2400" b="0" i="0">
+              <a:solidFill>
+                <a:srgbClr val="202124"/>
+              </a:solidFill>
+              <a:effectLst/>
+              <a:latin typeface="arial" panose="020B0604020202020204" pitchFamily="34" charset="0"/>
+            </a:endParaRPr>
+          </a:p>
+          <a:p>
+            <a:pPr marL="342900" indent="-342900">
+              <a:buFont typeface="Wingdings" panose="05000000000000000000" pitchFamily="2" charset="2"/>
+              <a:buChar char="ü"/>
+            </a:pPr>
+            <a:endParaRPr lang="it-IT" sz="2400">
+              <a:solidFill>
+                <a:srgbClr val="202124"/>
+              </a:solidFill>
+              <a:latin typeface="arial" panose="020B0604020202020204" pitchFamily="34" charset="0"/>
+            </a:endParaRPr>
+          </a:p>
+          <a:p>
+            <a:pPr algn="l"/>
             <a:endParaRPr lang="it-IT" sz="2400" dirty="0">
               <a:solidFill>
                 <a:schemeClr val="tx1"/>
@@ -17687,6 +17565,330 @@
                 <a:defRPr/>
               </a:pPr>
               <a:t>41</a:t>
+            </a:fld>
+            <a:endParaRPr lang="en-US" dirty="0"/>
+          </a:p>
+        </p:txBody>
+      </p:sp>
+      <p:sp>
+        <p:nvSpPr>
+          <p:cNvPr id="5" name="Titolo 4">
+            <a:extLst>
+              <a:ext uri="{FF2B5EF4-FFF2-40B4-BE49-F238E27FC236}">
+                <a16:creationId xmlns:a16="http://schemas.microsoft.com/office/drawing/2014/main" id="{82C46BA2-B380-4357-B125-BA9F08A643F5}"/>
+              </a:ext>
+            </a:extLst>
+          </p:cNvPr>
+          <p:cNvSpPr>
+            <a:spLocks noGrp="1"/>
+          </p:cNvSpPr>
+          <p:nvPr>
+            <p:ph type="title"/>
+          </p:nvPr>
+        </p:nvSpPr>
+        <p:spPr>
+          <a:xfrm>
+            <a:off x="468895" y="503475"/>
+            <a:ext cx="11269308" cy="384721"/>
+          </a:xfrm>
+        </p:spPr>
+        <p:txBody>
+          <a:bodyPr/>
+          <a:lstStyle/>
+          <a:p>
+            <a:r>
+              <a:rPr lang="it-IT" altLang="it-IT"/>
+              <a:t>RDF - Principi e modello dei dati</a:t>
+            </a:r>
+            <a:endParaRPr lang="it-IT" dirty="0"/>
+          </a:p>
+        </p:txBody>
+      </p:sp>
+    </p:spTree>
+    <p:extLst>
+      <p:ext uri="{BB962C8B-B14F-4D97-AF65-F5344CB8AC3E}">
+        <p14:creationId xmlns:p14="http://schemas.microsoft.com/office/powerpoint/2010/main" val="1183596315"/>
+      </p:ext>
+    </p:extLst>
+  </p:cSld>
+  <p:clrMapOvr>
+    <a:masterClrMapping/>
+  </p:clrMapOvr>
+</p:sld>
+</file>
+
+<file path=ppt/slides/slide42.xml><?xml version="1.0" encoding="utf-8"?>
+<p:sld xmlns:a="http://schemas.openxmlformats.org/drawingml/2006/main" xmlns:r="http://schemas.openxmlformats.org/officeDocument/2006/relationships" xmlns:p="http://schemas.openxmlformats.org/presentationml/2006/main">
+  <p:cSld>
+    <p:spTree>
+      <p:nvGrpSpPr>
+        <p:cNvPr id="1" name=""/>
+        <p:cNvGrpSpPr/>
+        <p:nvPr/>
+      </p:nvGrpSpPr>
+      <p:grpSpPr>
+        <a:xfrm>
+          <a:off x="0" y="0"/>
+          <a:ext cx="0" cy="0"/>
+          <a:chOff x="0" y="0"/>
+          <a:chExt cx="0" cy="0"/>
+        </a:xfrm>
+      </p:grpSpPr>
+      <p:sp>
+        <p:nvSpPr>
+          <p:cNvPr id="2" name="Segnaposto testo 1">
+            <a:extLst>
+              <a:ext uri="{FF2B5EF4-FFF2-40B4-BE49-F238E27FC236}">
+                <a16:creationId xmlns:a16="http://schemas.microsoft.com/office/drawing/2014/main" id="{E5AE986C-196F-4141-A898-FA4C4198CDCC}"/>
+              </a:ext>
+            </a:extLst>
+          </p:cNvPr>
+          <p:cNvSpPr>
+            <a:spLocks noGrp="1"/>
+          </p:cNvSpPr>
+          <p:nvPr>
+            <p:ph type="body" idx="1"/>
+          </p:nvPr>
+        </p:nvSpPr>
+        <p:spPr>
+          <a:xfrm>
+            <a:off x="326297" y="1213806"/>
+            <a:ext cx="8221802" cy="4392612"/>
+          </a:xfrm>
+        </p:spPr>
+        <p:txBody>
+          <a:bodyPr/>
+          <a:lstStyle/>
+          <a:p>
+            <a:pPr marL="342900" indent="-342900">
+              <a:buFont typeface="Wingdings" panose="05000000000000000000" pitchFamily="2" charset="2"/>
+              <a:buChar char="ü"/>
+            </a:pPr>
+            <a:r>
+              <a:rPr lang="it-IT" sz="2400" b="0" i="0">
+                <a:solidFill>
+                  <a:srgbClr val="202124"/>
+                </a:solidFill>
+                <a:effectLst/>
+                <a:latin typeface="Tahoma" panose="020B0604030504040204" pitchFamily="34" charset="0"/>
+                <a:ea typeface="Tahoma" panose="020B0604030504040204" pitchFamily="34" charset="0"/>
+                <a:cs typeface="Tahoma" panose="020B0604030504040204" pitchFamily="34" charset="0"/>
+              </a:rPr>
+              <a:t>L'unità di base per rappresentare un'informazione in </a:t>
+            </a:r>
+            <a:r>
+              <a:rPr lang="it-IT" sz="2400" b="1" i="0">
+                <a:solidFill>
+                  <a:srgbClr val="202124"/>
+                </a:solidFill>
+                <a:effectLst/>
+                <a:latin typeface="Tahoma" panose="020B0604030504040204" pitchFamily="34" charset="0"/>
+                <a:ea typeface="Tahoma" panose="020B0604030504040204" pitchFamily="34" charset="0"/>
+                <a:cs typeface="Tahoma" panose="020B0604030504040204" pitchFamily="34" charset="0"/>
+              </a:rPr>
+              <a:t>RDF </a:t>
+            </a:r>
+            <a:r>
+              <a:rPr lang="it-IT" sz="2400" i="0">
+                <a:solidFill>
+                  <a:srgbClr val="202124"/>
+                </a:solidFill>
+                <a:effectLst/>
+                <a:latin typeface="Tahoma" panose="020B0604030504040204" pitchFamily="34" charset="0"/>
+                <a:ea typeface="Tahoma" panose="020B0604030504040204" pitchFamily="34" charset="0"/>
+                <a:cs typeface="Tahoma" panose="020B0604030504040204" pitchFamily="34" charset="0"/>
+              </a:rPr>
+              <a:t>è lo statement. Uno statement è una tripla del tipo </a:t>
+            </a:r>
+            <a:r>
+              <a:rPr lang="it-IT" sz="2400" b="1">
+                <a:solidFill>
+                  <a:srgbClr val="202124"/>
+                </a:solidFill>
+                <a:effectLst/>
+                <a:latin typeface="Tahoma" panose="020B0604030504040204" pitchFamily="34" charset="0"/>
+                <a:ea typeface="Tahoma" panose="020B0604030504040204" pitchFamily="34" charset="0"/>
+                <a:cs typeface="Tahoma" panose="020B0604030504040204" pitchFamily="34" charset="0"/>
+              </a:rPr>
+              <a:t>Soggetto-Predicato-Oggetto, </a:t>
+            </a:r>
+            <a:r>
+              <a:rPr lang="it-IT" sz="2400">
+                <a:solidFill>
+                  <a:srgbClr val="202124"/>
+                </a:solidFill>
+                <a:effectLst/>
+                <a:latin typeface="Tahoma" panose="020B0604030504040204" pitchFamily="34" charset="0"/>
+                <a:ea typeface="Tahoma" panose="020B0604030504040204" pitchFamily="34" charset="0"/>
+                <a:cs typeface="Tahoma" panose="020B0604030504040204" pitchFamily="34" charset="0"/>
+              </a:rPr>
+              <a:t>dove il soggetto è una risorsa, il predicato è una proprietà e l'oggetto è un valore (e quindi anche un </a:t>
+            </a:r>
+            <a:r>
+              <a:rPr lang="it-IT" sz="2400" b="1" i="0">
+                <a:solidFill>
+                  <a:srgbClr val="202124"/>
+                </a:solidFill>
+                <a:effectLst/>
+                <a:latin typeface="Tahoma" panose="020B0604030504040204" pitchFamily="34" charset="0"/>
+                <a:ea typeface="Tahoma" panose="020B0604030504040204" pitchFamily="34" charset="0"/>
+                <a:cs typeface="Tahoma" panose="020B0604030504040204" pitchFamily="34" charset="0"/>
+              </a:rPr>
+              <a:t>URI</a:t>
+            </a:r>
+            <a:r>
+              <a:rPr lang="it-IT" sz="2400" b="0" i="0">
+                <a:solidFill>
+                  <a:srgbClr val="202124"/>
+                </a:solidFill>
+                <a:effectLst/>
+                <a:latin typeface="Tahoma" panose="020B0604030504040204" pitchFamily="34" charset="0"/>
+                <a:ea typeface="Tahoma" panose="020B0604030504040204" pitchFamily="34" charset="0"/>
+                <a:cs typeface="Tahoma" panose="020B0604030504040204" pitchFamily="34" charset="0"/>
+              </a:rPr>
+              <a:t> che punta ad un'altra risorsa). </a:t>
+            </a:r>
+          </a:p>
+          <a:p>
+            <a:pPr marL="342900" indent="-342900">
+              <a:buFont typeface="Wingdings" panose="05000000000000000000" pitchFamily="2" charset="2"/>
+              <a:buChar char="ü"/>
+            </a:pPr>
+            <a:r>
+              <a:rPr lang="it-IT" sz="2400">
+                <a:solidFill>
+                  <a:srgbClr val="202124"/>
+                </a:solidFill>
+                <a:latin typeface="Tahoma" panose="020B0604030504040204" pitchFamily="34" charset="0"/>
+                <a:ea typeface="Tahoma" panose="020B0604030504040204" pitchFamily="34" charset="0"/>
+                <a:cs typeface="Tahoma" panose="020B0604030504040204" pitchFamily="34" charset="0"/>
+              </a:rPr>
+              <a:t>Il data model </a:t>
+            </a:r>
+            <a:r>
+              <a:rPr lang="it-IT" sz="2400" b="1">
+                <a:solidFill>
+                  <a:srgbClr val="202124"/>
+                </a:solidFill>
+                <a:latin typeface="Tahoma" panose="020B0604030504040204" pitchFamily="34" charset="0"/>
+                <a:ea typeface="Tahoma" panose="020B0604030504040204" pitchFamily="34" charset="0"/>
+                <a:cs typeface="Tahoma" panose="020B0604030504040204" pitchFamily="34" charset="0"/>
+              </a:rPr>
+              <a:t>RDF </a:t>
+            </a:r>
+            <a:r>
+              <a:rPr lang="it-IT" sz="2400">
+                <a:solidFill>
+                  <a:srgbClr val="202124"/>
+                </a:solidFill>
+                <a:latin typeface="Tahoma" panose="020B0604030504040204" pitchFamily="34" charset="0"/>
+                <a:ea typeface="Tahoma" panose="020B0604030504040204" pitchFamily="34" charset="0"/>
+                <a:cs typeface="Tahoma" panose="020B0604030504040204" pitchFamily="34" charset="0"/>
+              </a:rPr>
+              <a:t>permette di definire un modello semplice per descrivere le relazioni tra le risorse, in termini di proprietà identificate da un nome e relativi valori.</a:t>
+            </a:r>
+          </a:p>
+          <a:p>
+            <a:pPr marL="342900" indent="-342900" algn="just">
+              <a:buFont typeface="Wingdings" panose="05000000000000000000" pitchFamily="2" charset="2"/>
+              <a:buChar char="ü"/>
+            </a:pPr>
+            <a:r>
+              <a:rPr lang="it-IT" sz="2400">
+                <a:solidFill>
+                  <a:srgbClr val="202124"/>
+                </a:solidFill>
+                <a:latin typeface="Tahoma" panose="020B0604030504040204" pitchFamily="34" charset="0"/>
+                <a:ea typeface="Tahoma" panose="020B0604030504040204" pitchFamily="34" charset="0"/>
+                <a:cs typeface="Tahoma" panose="020B0604030504040204" pitchFamily="34" charset="0"/>
+              </a:rPr>
+              <a:t>Tuttavia </a:t>
+            </a:r>
+            <a:r>
+              <a:rPr lang="it-IT" sz="2400" b="1">
+                <a:solidFill>
+                  <a:srgbClr val="202124"/>
+                </a:solidFill>
+                <a:latin typeface="Tahoma" panose="020B0604030504040204" pitchFamily="34" charset="0"/>
+                <a:ea typeface="Tahoma" panose="020B0604030504040204" pitchFamily="34" charset="0"/>
+                <a:cs typeface="Tahoma" panose="020B0604030504040204" pitchFamily="34" charset="0"/>
+              </a:rPr>
+              <a:t>RDF </a:t>
+            </a:r>
+            <a:r>
+              <a:rPr lang="it-IT" sz="2400">
+                <a:solidFill>
+                  <a:srgbClr val="202124"/>
+                </a:solidFill>
+                <a:latin typeface="Tahoma" panose="020B0604030504040204" pitchFamily="34" charset="0"/>
+                <a:ea typeface="Tahoma" panose="020B0604030504040204" pitchFamily="34" charset="0"/>
+                <a:cs typeface="Tahoma" panose="020B0604030504040204" pitchFamily="34" charset="0"/>
+              </a:rPr>
+              <a:t>non fornisce nessun meccanismo per dichiarare queste proprietà, nè per definire le relazioni tra queste proprietà ed altre risorse. Tale compito è definito da </a:t>
+            </a:r>
+            <a:r>
+              <a:rPr lang="it-IT" sz="2400" b="1">
+                <a:solidFill>
+                  <a:srgbClr val="202124"/>
+                </a:solidFill>
+                <a:latin typeface="Tahoma" panose="020B0604030504040204" pitchFamily="34" charset="0"/>
+                <a:ea typeface="Tahoma" panose="020B0604030504040204" pitchFamily="34" charset="0"/>
+                <a:cs typeface="Tahoma" panose="020B0604030504040204" pitchFamily="34" charset="0"/>
+              </a:rPr>
+              <a:t>RDF Schema.</a:t>
+            </a:r>
+            <a:r>
+              <a:rPr lang="it-IT" sz="2400">
+                <a:solidFill>
+                  <a:srgbClr val="202124"/>
+                </a:solidFill>
+                <a:latin typeface="Tahoma" panose="020B0604030504040204" pitchFamily="34" charset="0"/>
+                <a:ea typeface="Tahoma" panose="020B0604030504040204" pitchFamily="34" charset="0"/>
+                <a:cs typeface="Tahoma" panose="020B0604030504040204" pitchFamily="34" charset="0"/>
+              </a:rPr>
+              <a:t> </a:t>
+            </a:r>
+            <a:endParaRPr lang="it-IT" sz="2400" dirty="0">
+              <a:solidFill>
+                <a:schemeClr val="tx1"/>
+              </a:solidFill>
+              <a:latin typeface="Tahoma" panose="020B0604030504040204" pitchFamily="34" charset="0"/>
+              <a:ea typeface="Tahoma" panose="020B0604030504040204" pitchFamily="34" charset="0"/>
+              <a:cs typeface="Tahoma" panose="020B0604030504040204" pitchFamily="34" charset="0"/>
+            </a:endParaRPr>
+          </a:p>
+        </p:txBody>
+      </p:sp>
+      <p:sp>
+        <p:nvSpPr>
+          <p:cNvPr id="7" name="Segnaposto numero diapositiva 6">
+            <a:extLst>
+              <a:ext uri="{FF2B5EF4-FFF2-40B4-BE49-F238E27FC236}">
+                <a16:creationId xmlns:a16="http://schemas.microsoft.com/office/drawing/2014/main" id="{AB740BE9-E218-4144-BFDE-AE473D230A3D}"/>
+              </a:ext>
+            </a:extLst>
+          </p:cNvPr>
+          <p:cNvSpPr>
+            <a:spLocks noGrp="1"/>
+          </p:cNvSpPr>
+          <p:nvPr>
+            <p:ph type="sldNum" sz="quarter" idx="12"/>
+          </p:nvPr>
+        </p:nvSpPr>
+        <p:spPr/>
+        <p:txBody>
+          <a:bodyPr/>
+          <a:lstStyle/>
+          <a:p>
+            <a:pPr>
+              <a:defRPr/>
+            </a:pPr>
+            <a:fld id="{48B4153A-D4C5-4CEF-8992-0D8815C829E3}" type="slidenum">
+              <a:rPr lang="en-US" smtClean="0"/>
+              <a:pPr>
+                <a:defRPr/>
+              </a:pPr>
+              <a:t>42</a:t>
             </a:fld>
             <a:endParaRPr lang="en-US" dirty="0"/>
           </a:p>
@@ -17769,276 +17971,6 @@
 </p:sld>
 </file>
 
-<file path=ppt/slides/slide42.xml><?xml version="1.0" encoding="utf-8"?>
-<p:sld xmlns:a="http://schemas.openxmlformats.org/drawingml/2006/main" xmlns:r="http://schemas.openxmlformats.org/officeDocument/2006/relationships" xmlns:p="http://schemas.openxmlformats.org/presentationml/2006/main">
-  <p:cSld>
-    <p:spTree>
-      <p:nvGrpSpPr>
-        <p:cNvPr id="1" name=""/>
-        <p:cNvGrpSpPr/>
-        <p:nvPr/>
-      </p:nvGrpSpPr>
-      <p:grpSpPr>
-        <a:xfrm>
-          <a:off x="0" y="0"/>
-          <a:ext cx="0" cy="0"/>
-          <a:chOff x="0" y="0"/>
-          <a:chExt cx="0" cy="0"/>
-        </a:xfrm>
-      </p:grpSpPr>
-      <p:sp>
-        <p:nvSpPr>
-          <p:cNvPr id="2" name="Segnaposto testo 1">
-            <a:extLst>
-              <a:ext uri="{FF2B5EF4-FFF2-40B4-BE49-F238E27FC236}">
-                <a16:creationId xmlns:a16="http://schemas.microsoft.com/office/drawing/2014/main" id="{E5AE986C-196F-4141-A898-FA4C4198CDCC}"/>
-              </a:ext>
-            </a:extLst>
-          </p:cNvPr>
-          <p:cNvSpPr>
-            <a:spLocks noGrp="1"/>
-          </p:cNvSpPr>
-          <p:nvPr>
-            <p:ph type="body" idx="1"/>
-          </p:nvPr>
-        </p:nvSpPr>
-        <p:spPr>
-          <a:xfrm>
-            <a:off x="326297" y="1213806"/>
-            <a:ext cx="11411906" cy="4392612"/>
-          </a:xfrm>
-        </p:spPr>
-        <p:txBody>
-          <a:bodyPr/>
-          <a:lstStyle/>
-          <a:p>
-            <a:pPr marL="342900" indent="-342900">
-              <a:buFont typeface="Wingdings" panose="05000000000000000000" pitchFamily="2" charset="2"/>
-              <a:buChar char="ü"/>
-            </a:pPr>
-            <a:r>
-              <a:rPr lang="it-IT" sz="2400" b="1" i="0">
-                <a:solidFill>
-                  <a:srgbClr val="202124"/>
-                </a:solidFill>
-                <a:effectLst/>
-                <a:latin typeface="Tahoma" panose="020B0604030504040204" pitchFamily="34" charset="0"/>
-                <a:ea typeface="Tahoma" panose="020B0604030504040204" pitchFamily="34" charset="0"/>
-                <a:cs typeface="Tahoma" panose="020B0604030504040204" pitchFamily="34" charset="0"/>
-              </a:rPr>
-              <a:t>RDF </a:t>
-            </a:r>
-            <a:r>
-              <a:rPr lang="it-IT" sz="2400" i="0">
-                <a:solidFill>
-                  <a:srgbClr val="202124"/>
-                </a:solidFill>
-                <a:effectLst/>
-                <a:latin typeface="Tahoma" panose="020B0604030504040204" pitchFamily="34" charset="0"/>
-                <a:ea typeface="Tahoma" panose="020B0604030504040204" pitchFamily="34" charset="0"/>
-                <a:cs typeface="Tahoma" panose="020B0604030504040204" pitchFamily="34" charset="0"/>
-              </a:rPr>
-              <a:t>quando deve far riferimento a più di una risorsa, per esempio per descrivere il fatto che la risorsa è associata a più proprietà, definisce dei contenitori (container), ossia liste di risorse.</a:t>
-            </a:r>
-          </a:p>
-          <a:p>
-            <a:pPr marL="342900" indent="-342900">
-              <a:buFont typeface="Wingdings" panose="05000000000000000000" pitchFamily="2" charset="2"/>
-              <a:buChar char="ü"/>
-            </a:pPr>
-            <a:r>
-              <a:rPr lang="it-IT" sz="2400">
-                <a:solidFill>
-                  <a:srgbClr val="202124"/>
-                </a:solidFill>
-                <a:latin typeface="Tahoma" panose="020B0604030504040204" pitchFamily="34" charset="0"/>
-                <a:ea typeface="Tahoma" panose="020B0604030504040204" pitchFamily="34" charset="0"/>
-                <a:cs typeface="Tahoma" panose="020B0604030504040204" pitchFamily="34" charset="0"/>
-              </a:rPr>
-              <a:t>Tre sono i tipi di contenitori: </a:t>
-            </a:r>
-          </a:p>
-          <a:p>
-            <a:pPr marL="342900" indent="-342900">
-              <a:buFont typeface="Wingdings" panose="05000000000000000000" pitchFamily="2" charset="2"/>
-              <a:buChar char="ü"/>
-            </a:pPr>
-            <a:r>
-              <a:rPr lang="it-IT" sz="2400" b="1" i="0">
-                <a:solidFill>
-                  <a:srgbClr val="202124"/>
-                </a:solidFill>
-                <a:effectLst/>
-                <a:latin typeface="Tahoma" panose="020B0604030504040204" pitchFamily="34" charset="0"/>
-                <a:ea typeface="Tahoma" panose="020B0604030504040204" pitchFamily="34" charset="0"/>
-                <a:cs typeface="Tahoma" panose="020B0604030504040204" pitchFamily="34" charset="0"/>
-              </a:rPr>
-              <a:t>Bag: </a:t>
-            </a:r>
-            <a:r>
-              <a:rPr lang="it-IT" sz="2400" i="0">
-                <a:solidFill>
-                  <a:srgbClr val="202124"/>
-                </a:solidFill>
-                <a:effectLst/>
-                <a:latin typeface="Tahoma" panose="020B0604030504040204" pitchFamily="34" charset="0"/>
-                <a:ea typeface="Tahoma" panose="020B0604030504040204" pitchFamily="34" charset="0"/>
-                <a:cs typeface="Tahoma" panose="020B0604030504040204" pitchFamily="34" charset="0"/>
-              </a:rPr>
-              <a:t>è una lista non ordinata di risorse o costanti. Viene utilizzato per dichiarare che una proprietà ha valori multipli. Per esempio i componenti di un convegno. </a:t>
-            </a:r>
-          </a:p>
-          <a:p>
-            <a:pPr marL="342900" indent="-342900">
-              <a:buFont typeface="Wingdings" panose="05000000000000000000" pitchFamily="2" charset="2"/>
-              <a:buChar char="ü"/>
-            </a:pPr>
-            <a:r>
-              <a:rPr lang="it-IT" sz="2400" b="1" i="0">
-                <a:solidFill>
-                  <a:srgbClr val="202124"/>
-                </a:solidFill>
-                <a:effectLst/>
-                <a:latin typeface="Tahoma" panose="020B0604030504040204" pitchFamily="34" charset="0"/>
-                <a:ea typeface="Tahoma" panose="020B0604030504040204" pitchFamily="34" charset="0"/>
-                <a:cs typeface="Tahoma" panose="020B0604030504040204" pitchFamily="34" charset="0"/>
-              </a:rPr>
-              <a:t>Sequence: </a:t>
-            </a:r>
-            <a:r>
-              <a:rPr lang="it-IT" sz="2400" i="0">
-                <a:solidFill>
-                  <a:srgbClr val="202124"/>
-                </a:solidFill>
-                <a:effectLst/>
-                <a:latin typeface="Tahoma" panose="020B0604030504040204" pitchFamily="34" charset="0"/>
-                <a:ea typeface="Tahoma" panose="020B0604030504040204" pitchFamily="34" charset="0"/>
-                <a:cs typeface="Tahoma" panose="020B0604030504040204" pitchFamily="34" charset="0"/>
-              </a:rPr>
-              <a:t>differisce da Bag per il fatto che l'ordine delle risorse è significativo. Per esempio si vuole mantenere l'ordine alfabetico di un insieme di nomi, gli autori di un sito. </a:t>
-            </a:r>
-          </a:p>
-          <a:p>
-            <a:pPr marL="342900" indent="-342900">
-              <a:buFont typeface="Wingdings" panose="05000000000000000000" pitchFamily="2" charset="2"/>
-              <a:buChar char="ü"/>
-            </a:pPr>
-            <a:r>
-              <a:rPr lang="it-IT" sz="2400" b="1">
-                <a:solidFill>
-                  <a:srgbClr val="202124"/>
-                </a:solidFill>
-                <a:latin typeface="Tahoma" panose="020B0604030504040204" pitchFamily="34" charset="0"/>
-                <a:ea typeface="Tahoma" panose="020B0604030504040204" pitchFamily="34" charset="0"/>
-                <a:cs typeface="Tahoma" panose="020B0604030504040204" pitchFamily="34" charset="0"/>
-              </a:rPr>
-              <a:t>Alternative: </a:t>
-            </a:r>
-            <a:r>
-              <a:rPr lang="it-IT" sz="2400">
-                <a:solidFill>
-                  <a:srgbClr val="202124"/>
-                </a:solidFill>
-                <a:latin typeface="Tahoma" panose="020B0604030504040204" pitchFamily="34" charset="0"/>
-                <a:ea typeface="Tahoma" panose="020B0604030504040204" pitchFamily="34" charset="0"/>
-                <a:cs typeface="Tahoma" panose="020B0604030504040204" pitchFamily="34" charset="0"/>
-              </a:rPr>
-              <a:t>è una lista di risorse che definiscono un'alternativa per il valore singolo di una proprietà. Per esempio per fornire titoli alternativi in varie lingue. </a:t>
-            </a:r>
-            <a:endParaRPr lang="it-IT" sz="2400" b="1" i="0">
-              <a:solidFill>
-                <a:srgbClr val="202124"/>
-              </a:solidFill>
-              <a:effectLst/>
-              <a:latin typeface="Tahoma" panose="020B0604030504040204" pitchFamily="34" charset="0"/>
-              <a:ea typeface="Tahoma" panose="020B0604030504040204" pitchFamily="34" charset="0"/>
-              <a:cs typeface="Tahoma" panose="020B0604030504040204" pitchFamily="34" charset="0"/>
-            </a:endParaRPr>
-          </a:p>
-        </p:txBody>
-      </p:sp>
-      <p:sp>
-        <p:nvSpPr>
-          <p:cNvPr id="7" name="Segnaposto numero diapositiva 6">
-            <a:extLst>
-              <a:ext uri="{FF2B5EF4-FFF2-40B4-BE49-F238E27FC236}">
-                <a16:creationId xmlns:a16="http://schemas.microsoft.com/office/drawing/2014/main" id="{AB740BE9-E218-4144-BFDE-AE473D230A3D}"/>
-              </a:ext>
-            </a:extLst>
-          </p:cNvPr>
-          <p:cNvSpPr>
-            <a:spLocks noGrp="1"/>
-          </p:cNvSpPr>
-          <p:nvPr>
-            <p:ph type="sldNum" sz="quarter" idx="12"/>
-          </p:nvPr>
-        </p:nvSpPr>
-        <p:spPr/>
-        <p:txBody>
-          <a:bodyPr/>
-          <a:lstStyle/>
-          <a:p>
-            <a:pPr>
-              <a:defRPr/>
-            </a:pPr>
-            <a:fld id="{48B4153A-D4C5-4CEF-8992-0D8815C829E3}" type="slidenum">
-              <a:rPr lang="en-US" smtClean="0"/>
-              <a:pPr>
-                <a:defRPr/>
-              </a:pPr>
-              <a:t>42</a:t>
-            </a:fld>
-            <a:endParaRPr lang="en-US" dirty="0"/>
-          </a:p>
-        </p:txBody>
-      </p:sp>
-      <p:sp>
-        <p:nvSpPr>
-          <p:cNvPr id="5" name="Titolo 4">
-            <a:extLst>
-              <a:ext uri="{FF2B5EF4-FFF2-40B4-BE49-F238E27FC236}">
-                <a16:creationId xmlns:a16="http://schemas.microsoft.com/office/drawing/2014/main" id="{82C46BA2-B380-4357-B125-BA9F08A643F5}"/>
-              </a:ext>
-            </a:extLst>
-          </p:cNvPr>
-          <p:cNvSpPr>
-            <a:spLocks noGrp="1"/>
-          </p:cNvSpPr>
-          <p:nvPr>
-            <p:ph type="title"/>
-          </p:nvPr>
-        </p:nvSpPr>
-        <p:spPr>
-          <a:xfrm>
-            <a:off x="468895" y="503475"/>
-            <a:ext cx="11269308" cy="384721"/>
-          </a:xfrm>
-        </p:spPr>
-        <p:txBody>
-          <a:bodyPr/>
-          <a:lstStyle/>
-          <a:p>
-            <a:r>
-              <a:rPr lang="it-IT" altLang="it-IT"/>
-              <a:t>RDF - Container</a:t>
-            </a:r>
-            <a:endParaRPr lang="it-IT" dirty="0"/>
-          </a:p>
-        </p:txBody>
-      </p:sp>
-    </p:spTree>
-    <p:extLst>
-      <p:ext uri="{BB962C8B-B14F-4D97-AF65-F5344CB8AC3E}">
-        <p14:creationId xmlns:p14="http://schemas.microsoft.com/office/powerpoint/2010/main" val="3724528411"/>
-      </p:ext>
-    </p:extLst>
-  </p:cSld>
-  <p:clrMapOvr>
-    <a:masterClrMapping/>
-  </p:clrMapOvr>
-</p:sld>
-</file>
-
 <file path=ppt/slides/slide43.xml><?xml version="1.0" encoding="utf-8"?>
 <p:sld xmlns:a="http://schemas.openxmlformats.org/drawingml/2006/main" xmlns:r="http://schemas.openxmlformats.org/officeDocument/2006/relationships" xmlns:p="http://schemas.openxmlformats.org/presentationml/2006/main">
   <p:cSld>
@@ -18075,7 +18007,7 @@
         <p:spPr>
           <a:xfrm>
             <a:off x="326297" y="1213806"/>
-            <a:ext cx="11721324" cy="4392612"/>
+            <a:ext cx="11411906" cy="4392612"/>
           </a:xfrm>
         </p:spPr>
         <p:txBody>
@@ -18087,18 +18019,19 @@
               <a:buChar char="ü"/>
             </a:pPr>
             <a:r>
-              <a:rPr lang="it-IT" sz="2400">
+              <a:rPr lang="it-IT" sz="2400" b="1" i="0">
                 <a:solidFill>
                   <a:srgbClr val="202124"/>
                 </a:solidFill>
-                <a:latin typeface="Tahoma" panose="020B0604030504040204" pitchFamily="34" charset="0"/>
-                <a:ea typeface="Tahoma" panose="020B0604030504040204" pitchFamily="34" charset="0"/>
-                <a:cs typeface="Tahoma" panose="020B0604030504040204" pitchFamily="34" charset="0"/>
-              </a:rPr>
-              <a:t>Un modello </a:t>
-            </a:r>
-            <a:r>
-              <a:rPr lang="it-IT" sz="2400" b="1" i="0">
+                <a:effectLst/>
+                <a:latin typeface="Tahoma" panose="020B0604030504040204" pitchFamily="34" charset="0"/>
+                <a:ea typeface="Tahoma" panose="020B0604030504040204" pitchFamily="34" charset="0"/>
+                <a:cs typeface="Tahoma" panose="020B0604030504040204" pitchFamily="34" charset="0"/>
+              </a:rPr>
+              <a:t>RDF </a:t>
+            </a:r>
+            <a:r>
+              <a:rPr lang="it-IT" sz="2400" i="0">
                 <a:solidFill>
                   <a:srgbClr val="202124"/>
                 </a:solidFill>
@@ -18107,43 +18040,7 @@
                 <a:ea typeface="Tahoma" panose="020B0604030504040204" pitchFamily="34" charset="0"/>
                 <a:cs typeface="Tahoma" panose="020B0604030504040204" pitchFamily="34" charset="0"/>
               </a:rPr>
-              <a:t>RDF </a:t>
-            </a:r>
-            <a:r>
-              <a:rPr lang="it-IT" sz="2400" i="0">
-                <a:solidFill>
-                  <a:srgbClr val="202124"/>
-                </a:solidFill>
-                <a:effectLst/>
-                <a:latin typeface="Tahoma" panose="020B0604030504040204" pitchFamily="34" charset="0"/>
-                <a:ea typeface="Tahoma" panose="020B0604030504040204" pitchFamily="34" charset="0"/>
-                <a:cs typeface="Tahoma" panose="020B0604030504040204" pitchFamily="34" charset="0"/>
-              </a:rPr>
-              <a:t>è rappresentato da un </a:t>
-            </a:r>
-            <a:r>
-              <a:rPr lang="it-IT" sz="2400" b="1" i="0">
-                <a:solidFill>
-                  <a:srgbClr val="202124"/>
-                </a:solidFill>
-                <a:effectLst/>
-                <a:latin typeface="Tahoma" panose="020B0604030504040204" pitchFamily="34" charset="0"/>
-                <a:ea typeface="Tahoma" panose="020B0604030504040204" pitchFamily="34" charset="0"/>
-                <a:cs typeface="Tahoma" panose="020B0604030504040204" pitchFamily="34" charset="0"/>
-              </a:rPr>
-              <a:t>grafo</a:t>
-            </a:r>
-            <a:r>
-              <a:rPr lang="it-IT" sz="2400" i="0">
-                <a:solidFill>
-                  <a:srgbClr val="202124"/>
-                </a:solidFill>
-                <a:effectLst/>
-                <a:latin typeface="Tahoma" panose="020B0604030504040204" pitchFamily="34" charset="0"/>
-                <a:ea typeface="Tahoma" panose="020B0604030504040204" pitchFamily="34" charset="0"/>
-                <a:cs typeface="Tahoma" panose="020B0604030504040204" pitchFamily="34" charset="0"/>
-              </a:rPr>
-              <a:t> orientato sui cui nodi ci sono risorse o tipi primitivi e i cui archi rappresentano le proprietà. </a:t>
+              <a:t>quando deve far riferimento a più di una risorsa, per esempio per descrivere il fatto che la risorsa è associata a più proprietà, definisce dei contenitori (container), ossia liste di risorse.</a:t>
             </a:r>
           </a:p>
           <a:p>
@@ -18160,29 +18057,7 @@
                 <a:ea typeface="Tahoma" panose="020B0604030504040204" pitchFamily="34" charset="0"/>
                 <a:cs typeface="Tahoma" panose="020B0604030504040204" pitchFamily="34" charset="0"/>
               </a:rPr>
-              <a:t>Un grafo </a:t>
-            </a:r>
-            <a:r>
-              <a:rPr lang="it-IT" sz="2400" b="1">
-                <a:solidFill>
-                  <a:srgbClr val="202124"/>
-                </a:solidFill>
-                <a:latin typeface="Tahoma" panose="020B0604030504040204" pitchFamily="34" charset="0"/>
-                <a:ea typeface="Tahoma" panose="020B0604030504040204" pitchFamily="34" charset="0"/>
-                <a:cs typeface="Tahoma" panose="020B0604030504040204" pitchFamily="34" charset="0"/>
-              </a:rPr>
-              <a:t>RDF </a:t>
-            </a:r>
-            <a:r>
-              <a:rPr lang="it-IT" sz="2400">
-                <a:solidFill>
-                  <a:srgbClr val="202124"/>
-                </a:solidFill>
-                <a:latin typeface="Tahoma" panose="020B0604030504040204" pitchFamily="34" charset="0"/>
-                <a:ea typeface="Tahoma" panose="020B0604030504040204" pitchFamily="34" charset="0"/>
-                <a:cs typeface="Tahoma" panose="020B0604030504040204" pitchFamily="34" charset="0"/>
-              </a:rPr>
-              <a:t>è rappresentato fisicamente mediante una serializzazione. </a:t>
+              <a:t>Tre sono i tipi di contenitori: </a:t>
             </a:r>
           </a:p>
           <a:p>
@@ -18191,16 +18066,65 @@
               <a:buChar char="ü"/>
             </a:pPr>
             <a:r>
-              <a:rPr lang="it-IT" sz="2400">
+              <a:rPr lang="it-IT" sz="2400" b="1" i="0">
                 <a:solidFill>
                   <a:srgbClr val="202124"/>
                 </a:solidFill>
-                <a:latin typeface="Tahoma" panose="020B0604030504040204" pitchFamily="34" charset="0"/>
-                <a:ea typeface="Tahoma" panose="020B0604030504040204" pitchFamily="34" charset="0"/>
-                <a:cs typeface="Tahoma" panose="020B0604030504040204" pitchFamily="34" charset="0"/>
-              </a:rPr>
-              <a:t>In Informatica, una </a:t>
-            </a:r>
+                <a:effectLst/>
+                <a:latin typeface="Tahoma" panose="020B0604030504040204" pitchFamily="34" charset="0"/>
+                <a:ea typeface="Tahoma" panose="020B0604030504040204" pitchFamily="34" charset="0"/>
+                <a:cs typeface="Tahoma" panose="020B0604030504040204" pitchFamily="34" charset="0"/>
+              </a:rPr>
+              <a:t>Bag: </a:t>
+            </a:r>
+            <a:r>
+              <a:rPr lang="it-IT" sz="2400" i="0">
+                <a:solidFill>
+                  <a:srgbClr val="202124"/>
+                </a:solidFill>
+                <a:effectLst/>
+                <a:latin typeface="Tahoma" panose="020B0604030504040204" pitchFamily="34" charset="0"/>
+                <a:ea typeface="Tahoma" panose="020B0604030504040204" pitchFamily="34" charset="0"/>
+                <a:cs typeface="Tahoma" panose="020B0604030504040204" pitchFamily="34" charset="0"/>
+              </a:rPr>
+              <a:t>è una lista non ordinata di risorse o costanti. Viene utilizzato per dichiarare che una proprietà ha valori multipli. Per esempio i componenti di un convegno. </a:t>
+            </a:r>
+          </a:p>
+          <a:p>
+            <a:pPr marL="342900" indent="-342900">
+              <a:buFont typeface="Wingdings" panose="05000000000000000000" pitchFamily="2" charset="2"/>
+              <a:buChar char="ü"/>
+            </a:pPr>
+            <a:r>
+              <a:rPr lang="it-IT" sz="2400" b="1" i="0">
+                <a:solidFill>
+                  <a:srgbClr val="202124"/>
+                </a:solidFill>
+                <a:effectLst/>
+                <a:latin typeface="Tahoma" panose="020B0604030504040204" pitchFamily="34" charset="0"/>
+                <a:ea typeface="Tahoma" panose="020B0604030504040204" pitchFamily="34" charset="0"/>
+                <a:cs typeface="Tahoma" panose="020B0604030504040204" pitchFamily="34" charset="0"/>
+              </a:rPr>
+              <a:t>Sequence: </a:t>
+            </a:r>
+            <a:r>
+              <a:rPr lang="it-IT" sz="2400" i="0">
+                <a:solidFill>
+                  <a:srgbClr val="202124"/>
+                </a:solidFill>
+                <a:effectLst/>
+                <a:latin typeface="Tahoma" panose="020B0604030504040204" pitchFamily="34" charset="0"/>
+                <a:ea typeface="Tahoma" panose="020B0604030504040204" pitchFamily="34" charset="0"/>
+                <a:cs typeface="Tahoma" panose="020B0604030504040204" pitchFamily="34" charset="0"/>
+              </a:rPr>
+              <a:t>differisce da Bag per il fatto che l'ordine delle risorse è significativo. Per esempio si vuole mantenere l'ordine alfabetico di un insieme di nomi, gli autori di un sito. </a:t>
+            </a:r>
+          </a:p>
+          <a:p>
+            <a:pPr marL="342900" indent="-342900">
+              <a:buFont typeface="Wingdings" panose="05000000000000000000" pitchFamily="2" charset="2"/>
+              <a:buChar char="ü"/>
+            </a:pPr>
             <a:r>
               <a:rPr lang="it-IT" sz="2400" b="1">
                 <a:solidFill>
@@ -18210,7 +18134,7 @@
                 <a:ea typeface="Tahoma" panose="020B0604030504040204" pitchFamily="34" charset="0"/>
                 <a:cs typeface="Tahoma" panose="020B0604030504040204" pitchFamily="34" charset="0"/>
               </a:rPr>
-              <a:t>serializzazione </a:t>
+              <a:t>Alternative: </a:t>
             </a:r>
             <a:r>
               <a:rPr lang="it-IT" sz="2400">
@@ -18221,122 +18145,13 @@
                 <a:ea typeface="Tahoma" panose="020B0604030504040204" pitchFamily="34" charset="0"/>
                 <a:cs typeface="Tahoma" panose="020B0604030504040204" pitchFamily="34" charset="0"/>
               </a:rPr>
-              <a:t>è un processo per salvare un oggetto su un supporto di memorizzazione lineare (ad esempio, un file o un'area di memoria) o per trasmetterlo attraverso una connessione di rete. La serializzazione può essere in forma </a:t>
-            </a:r>
-            <a:r>
-              <a:rPr lang="it-IT" sz="2400" b="1">
-                <a:solidFill>
-                  <a:srgbClr val="202124"/>
-                </a:solidFill>
-                <a:latin typeface="Tahoma" panose="020B0604030504040204" pitchFamily="34" charset="0"/>
-                <a:ea typeface="Tahoma" panose="020B0604030504040204" pitchFamily="34" charset="0"/>
-                <a:cs typeface="Tahoma" panose="020B0604030504040204" pitchFamily="34" charset="0"/>
-              </a:rPr>
-              <a:t>binaria </a:t>
-            </a:r>
-            <a:r>
-              <a:rPr lang="it-IT" sz="2400">
-                <a:solidFill>
-                  <a:srgbClr val="202124"/>
-                </a:solidFill>
-                <a:latin typeface="Tahoma" panose="020B0604030504040204" pitchFamily="34" charset="0"/>
-                <a:ea typeface="Tahoma" panose="020B0604030504040204" pitchFamily="34" charset="0"/>
-                <a:cs typeface="Tahoma" panose="020B0604030504040204" pitchFamily="34" charset="0"/>
-              </a:rPr>
-              <a:t>o può utilizzare codifiche testuali (ad esempio il formato </a:t>
-            </a:r>
-            <a:r>
-              <a:rPr lang="it-IT" sz="2400" b="1">
-                <a:solidFill>
-                  <a:srgbClr val="202124"/>
-                </a:solidFill>
-                <a:latin typeface="Tahoma" panose="020B0604030504040204" pitchFamily="34" charset="0"/>
-                <a:ea typeface="Tahoma" panose="020B0604030504040204" pitchFamily="34" charset="0"/>
-                <a:cs typeface="Tahoma" panose="020B0604030504040204" pitchFamily="34" charset="0"/>
-              </a:rPr>
-              <a:t>XML</a:t>
-            </a:r>
-            <a:r>
-              <a:rPr lang="it-IT" sz="2400">
-                <a:solidFill>
-                  <a:srgbClr val="202124"/>
-                </a:solidFill>
-                <a:latin typeface="Tahoma" panose="020B0604030504040204" pitchFamily="34" charset="0"/>
-                <a:ea typeface="Tahoma" panose="020B0604030504040204" pitchFamily="34" charset="0"/>
-                <a:cs typeface="Tahoma" panose="020B0604030504040204" pitchFamily="34" charset="0"/>
-              </a:rPr>
-              <a:t>) direttamente leggibili dagli esseri umani. Lo scopo della serializzazione è quello di trasmettere l'intero stato dell'oggetto in modo che esso possa essere successivamente ricreato nello stesso identico stato dal processo inverso, chiamato </a:t>
-            </a:r>
-            <a:r>
-              <a:rPr lang="it-IT" sz="2400" b="1">
-                <a:solidFill>
-                  <a:srgbClr val="202124"/>
-                </a:solidFill>
-                <a:latin typeface="Tahoma" panose="020B0604030504040204" pitchFamily="34" charset="0"/>
-                <a:ea typeface="Tahoma" panose="020B0604030504040204" pitchFamily="34" charset="0"/>
-                <a:cs typeface="Tahoma" panose="020B0604030504040204" pitchFamily="34" charset="0"/>
-              </a:rPr>
-              <a:t>deserializzazione. </a:t>
-            </a:r>
-            <a:r>
-              <a:rPr lang="it-IT" sz="2400">
-                <a:solidFill>
-                  <a:srgbClr val="202124"/>
-                </a:solidFill>
-                <a:latin typeface="Tahoma" panose="020B0604030504040204" pitchFamily="34" charset="0"/>
-                <a:ea typeface="Tahoma" panose="020B0604030504040204" pitchFamily="34" charset="0"/>
-                <a:cs typeface="Tahoma" panose="020B0604030504040204" pitchFamily="34" charset="0"/>
-              </a:rPr>
-              <a:t>I vantaggi della </a:t>
-            </a:r>
-            <a:r>
-              <a:rPr lang="it-IT" sz="2400" b="1">
-                <a:solidFill>
-                  <a:srgbClr val="202124"/>
-                </a:solidFill>
-                <a:latin typeface="Tahoma" panose="020B0604030504040204" pitchFamily="34" charset="0"/>
-                <a:ea typeface="Tahoma" panose="020B0604030504040204" pitchFamily="34" charset="0"/>
-                <a:cs typeface="Tahoma" panose="020B0604030504040204" pitchFamily="34" charset="0"/>
-              </a:rPr>
-              <a:t>serializzazione </a:t>
-            </a:r>
-            <a:r>
-              <a:rPr lang="it-IT" sz="2400">
-                <a:solidFill>
-                  <a:srgbClr val="202124"/>
-                </a:solidFill>
-                <a:latin typeface="Tahoma" panose="020B0604030504040204" pitchFamily="34" charset="0"/>
-                <a:ea typeface="Tahoma" panose="020B0604030504040204" pitchFamily="34" charset="0"/>
-                <a:cs typeface="Tahoma" panose="020B0604030504040204" pitchFamily="34" charset="0"/>
-              </a:rPr>
-              <a:t>sono poter usare gli oggetti persistenti, fare chiamate di procedura remota (rpc) o distribuire oggetti con software come </a:t>
-            </a:r>
-            <a:r>
-              <a:rPr lang="it-IT" sz="2400" b="1">
-                <a:solidFill>
-                  <a:srgbClr val="202124"/>
-                </a:solidFill>
-                <a:latin typeface="Tahoma" panose="020B0604030504040204" pitchFamily="34" charset="0"/>
-                <a:ea typeface="Tahoma" panose="020B0604030504040204" pitchFamily="34" charset="0"/>
-                <a:cs typeface="Tahoma" panose="020B0604030504040204" pitchFamily="34" charset="0"/>
-              </a:rPr>
-              <a:t>CORBA (Common Object Request Broker Architecture).</a:t>
-            </a:r>
-            <a:r>
-              <a:rPr lang="it-IT" sz="2400">
-                <a:solidFill>
-                  <a:srgbClr val="202124"/>
-                </a:solidFill>
-                <a:latin typeface="Tahoma" panose="020B0604030504040204" pitchFamily="34" charset="0"/>
-                <a:ea typeface="Tahoma" panose="020B0604030504040204" pitchFamily="34" charset="0"/>
-                <a:cs typeface="Tahoma" panose="020B0604030504040204" pitchFamily="34" charset="0"/>
-              </a:rPr>
-              <a:t> </a:t>
-            </a:r>
-            <a:endParaRPr lang="it-IT" sz="2400" b="1">
+              <a:t>è una lista di risorse che definiscono un'alternativa per il valore singolo di una proprietà. Per esempio per fornire titoli alternativi in varie lingue. </a:t>
+            </a:r>
+            <a:endParaRPr lang="it-IT" sz="2400" b="1" i="0">
               <a:solidFill>
                 <a:srgbClr val="202124"/>
               </a:solidFill>
+              <a:effectLst/>
               <a:latin typeface="Tahoma" panose="020B0604030504040204" pitchFamily="34" charset="0"/>
               <a:ea typeface="Tahoma" panose="020B0604030504040204" pitchFamily="34" charset="0"/>
               <a:cs typeface="Tahoma" panose="020B0604030504040204" pitchFamily="34" charset="0"/>
@@ -18406,8 +18221,8 @@
           <a:lstStyle/>
           <a:p>
             <a:r>
-              <a:rPr lang="it-IT"/>
-              <a:t>RDF - Rappresentazione fisica del modello</a:t>
+              <a:rPr lang="it-IT" altLang="it-IT"/>
+              <a:t>RDF - Container</a:t>
             </a:r>
             <a:endParaRPr lang="it-IT" dirty="0"/>
           </a:p>
@@ -18416,7 +18231,7 @@
     </p:spTree>
     <p:extLst>
       <p:ext uri="{BB962C8B-B14F-4D97-AF65-F5344CB8AC3E}">
-        <p14:creationId xmlns:p14="http://schemas.microsoft.com/office/powerpoint/2010/main" val="1064940503"/>
+        <p14:creationId xmlns:p14="http://schemas.microsoft.com/office/powerpoint/2010/main" val="3724528411"/>
       </p:ext>
     </p:extLst>
   </p:cSld>
@@ -18462,6 +18277,393 @@
         <p:spPr>
           <a:xfrm>
             <a:off x="326297" y="1213806"/>
+            <a:ext cx="11721324" cy="4392612"/>
+          </a:xfrm>
+        </p:spPr>
+        <p:txBody>
+          <a:bodyPr/>
+          <a:lstStyle/>
+          <a:p>
+            <a:pPr marL="342900" indent="-342900">
+              <a:buFont typeface="Wingdings" panose="05000000000000000000" pitchFamily="2" charset="2"/>
+              <a:buChar char="ü"/>
+            </a:pPr>
+            <a:r>
+              <a:rPr lang="it-IT" sz="2400">
+                <a:solidFill>
+                  <a:srgbClr val="202124"/>
+                </a:solidFill>
+                <a:latin typeface="Tahoma" panose="020B0604030504040204" pitchFamily="34" charset="0"/>
+                <a:ea typeface="Tahoma" panose="020B0604030504040204" pitchFamily="34" charset="0"/>
+                <a:cs typeface="Tahoma" panose="020B0604030504040204" pitchFamily="34" charset="0"/>
+              </a:rPr>
+              <a:t>Un modello </a:t>
+            </a:r>
+            <a:r>
+              <a:rPr lang="it-IT" sz="2400" b="1" i="0">
+                <a:solidFill>
+                  <a:srgbClr val="202124"/>
+                </a:solidFill>
+                <a:effectLst/>
+                <a:latin typeface="Tahoma" panose="020B0604030504040204" pitchFamily="34" charset="0"/>
+                <a:ea typeface="Tahoma" panose="020B0604030504040204" pitchFamily="34" charset="0"/>
+                <a:cs typeface="Tahoma" panose="020B0604030504040204" pitchFamily="34" charset="0"/>
+              </a:rPr>
+              <a:t>RDF </a:t>
+            </a:r>
+            <a:r>
+              <a:rPr lang="it-IT" sz="2400" i="0">
+                <a:solidFill>
+                  <a:srgbClr val="202124"/>
+                </a:solidFill>
+                <a:effectLst/>
+                <a:latin typeface="Tahoma" panose="020B0604030504040204" pitchFamily="34" charset="0"/>
+                <a:ea typeface="Tahoma" panose="020B0604030504040204" pitchFamily="34" charset="0"/>
+                <a:cs typeface="Tahoma" panose="020B0604030504040204" pitchFamily="34" charset="0"/>
+              </a:rPr>
+              <a:t>è rappresentato da un </a:t>
+            </a:r>
+            <a:r>
+              <a:rPr lang="it-IT" sz="2400" b="1" i="0">
+                <a:solidFill>
+                  <a:srgbClr val="202124"/>
+                </a:solidFill>
+                <a:effectLst/>
+                <a:latin typeface="Tahoma" panose="020B0604030504040204" pitchFamily="34" charset="0"/>
+                <a:ea typeface="Tahoma" panose="020B0604030504040204" pitchFamily="34" charset="0"/>
+                <a:cs typeface="Tahoma" panose="020B0604030504040204" pitchFamily="34" charset="0"/>
+              </a:rPr>
+              <a:t>grafo</a:t>
+            </a:r>
+            <a:r>
+              <a:rPr lang="it-IT" sz="2400" i="0">
+                <a:solidFill>
+                  <a:srgbClr val="202124"/>
+                </a:solidFill>
+                <a:effectLst/>
+                <a:latin typeface="Tahoma" panose="020B0604030504040204" pitchFamily="34" charset="0"/>
+                <a:ea typeface="Tahoma" panose="020B0604030504040204" pitchFamily="34" charset="0"/>
+                <a:cs typeface="Tahoma" panose="020B0604030504040204" pitchFamily="34" charset="0"/>
+              </a:rPr>
+              <a:t> orientato sui cui nodi ci sono risorse o tipi primitivi e i cui archi rappresentano le proprietà. </a:t>
+            </a:r>
+          </a:p>
+          <a:p>
+            <a:pPr marL="342900" indent="-342900">
+              <a:buFont typeface="Wingdings" panose="05000000000000000000" pitchFamily="2" charset="2"/>
+              <a:buChar char="ü"/>
+            </a:pPr>
+            <a:r>
+              <a:rPr lang="it-IT" sz="2400">
+                <a:solidFill>
+                  <a:srgbClr val="202124"/>
+                </a:solidFill>
+                <a:latin typeface="Tahoma" panose="020B0604030504040204" pitchFamily="34" charset="0"/>
+                <a:ea typeface="Tahoma" panose="020B0604030504040204" pitchFamily="34" charset="0"/>
+                <a:cs typeface="Tahoma" panose="020B0604030504040204" pitchFamily="34" charset="0"/>
+              </a:rPr>
+              <a:t>Un grafo </a:t>
+            </a:r>
+            <a:r>
+              <a:rPr lang="it-IT" sz="2400" b="1">
+                <a:solidFill>
+                  <a:srgbClr val="202124"/>
+                </a:solidFill>
+                <a:latin typeface="Tahoma" panose="020B0604030504040204" pitchFamily="34" charset="0"/>
+                <a:ea typeface="Tahoma" panose="020B0604030504040204" pitchFamily="34" charset="0"/>
+                <a:cs typeface="Tahoma" panose="020B0604030504040204" pitchFamily="34" charset="0"/>
+              </a:rPr>
+              <a:t>RDF </a:t>
+            </a:r>
+            <a:r>
+              <a:rPr lang="it-IT" sz="2400">
+                <a:solidFill>
+                  <a:srgbClr val="202124"/>
+                </a:solidFill>
+                <a:latin typeface="Tahoma" panose="020B0604030504040204" pitchFamily="34" charset="0"/>
+                <a:ea typeface="Tahoma" panose="020B0604030504040204" pitchFamily="34" charset="0"/>
+                <a:cs typeface="Tahoma" panose="020B0604030504040204" pitchFamily="34" charset="0"/>
+              </a:rPr>
+              <a:t>è rappresentato fisicamente mediante una serializzazione. </a:t>
+            </a:r>
+          </a:p>
+          <a:p>
+            <a:pPr marL="342900" indent="-342900">
+              <a:buFont typeface="Wingdings" panose="05000000000000000000" pitchFamily="2" charset="2"/>
+              <a:buChar char="ü"/>
+            </a:pPr>
+            <a:r>
+              <a:rPr lang="it-IT" sz="2400">
+                <a:solidFill>
+                  <a:srgbClr val="202124"/>
+                </a:solidFill>
+                <a:latin typeface="Tahoma" panose="020B0604030504040204" pitchFamily="34" charset="0"/>
+                <a:ea typeface="Tahoma" panose="020B0604030504040204" pitchFamily="34" charset="0"/>
+                <a:cs typeface="Tahoma" panose="020B0604030504040204" pitchFamily="34" charset="0"/>
+              </a:rPr>
+              <a:t>In Informatica, una </a:t>
+            </a:r>
+            <a:r>
+              <a:rPr lang="it-IT" sz="2400" b="1">
+                <a:solidFill>
+                  <a:srgbClr val="202124"/>
+                </a:solidFill>
+                <a:latin typeface="Tahoma" panose="020B0604030504040204" pitchFamily="34" charset="0"/>
+                <a:ea typeface="Tahoma" panose="020B0604030504040204" pitchFamily="34" charset="0"/>
+                <a:cs typeface="Tahoma" panose="020B0604030504040204" pitchFamily="34" charset="0"/>
+              </a:rPr>
+              <a:t>serializzazione </a:t>
+            </a:r>
+            <a:r>
+              <a:rPr lang="it-IT" sz="2400">
+                <a:solidFill>
+                  <a:srgbClr val="202124"/>
+                </a:solidFill>
+                <a:latin typeface="Tahoma" panose="020B0604030504040204" pitchFamily="34" charset="0"/>
+                <a:ea typeface="Tahoma" panose="020B0604030504040204" pitchFamily="34" charset="0"/>
+                <a:cs typeface="Tahoma" panose="020B0604030504040204" pitchFamily="34" charset="0"/>
+              </a:rPr>
+              <a:t>è un processo per salvare un oggetto su un supporto di memorizzazione lineare (ad esempio, un file o un'area di memoria) o per trasmetterlo attraverso una connessione di rete. La serializzazione può essere in forma </a:t>
+            </a:r>
+            <a:r>
+              <a:rPr lang="it-IT" sz="2400" b="1">
+                <a:solidFill>
+                  <a:srgbClr val="202124"/>
+                </a:solidFill>
+                <a:latin typeface="Tahoma" panose="020B0604030504040204" pitchFamily="34" charset="0"/>
+                <a:ea typeface="Tahoma" panose="020B0604030504040204" pitchFamily="34" charset="0"/>
+                <a:cs typeface="Tahoma" panose="020B0604030504040204" pitchFamily="34" charset="0"/>
+              </a:rPr>
+              <a:t>binaria </a:t>
+            </a:r>
+            <a:r>
+              <a:rPr lang="it-IT" sz="2400">
+                <a:solidFill>
+                  <a:srgbClr val="202124"/>
+                </a:solidFill>
+                <a:latin typeface="Tahoma" panose="020B0604030504040204" pitchFamily="34" charset="0"/>
+                <a:ea typeface="Tahoma" panose="020B0604030504040204" pitchFamily="34" charset="0"/>
+                <a:cs typeface="Tahoma" panose="020B0604030504040204" pitchFamily="34" charset="0"/>
+              </a:rPr>
+              <a:t>o può utilizzare codifiche testuali (ad esempio il formato </a:t>
+            </a:r>
+            <a:r>
+              <a:rPr lang="it-IT" sz="2400" b="1">
+                <a:solidFill>
+                  <a:srgbClr val="202124"/>
+                </a:solidFill>
+                <a:latin typeface="Tahoma" panose="020B0604030504040204" pitchFamily="34" charset="0"/>
+                <a:ea typeface="Tahoma" panose="020B0604030504040204" pitchFamily="34" charset="0"/>
+                <a:cs typeface="Tahoma" panose="020B0604030504040204" pitchFamily="34" charset="0"/>
+              </a:rPr>
+              <a:t>XML</a:t>
+            </a:r>
+            <a:r>
+              <a:rPr lang="it-IT" sz="2400">
+                <a:solidFill>
+                  <a:srgbClr val="202124"/>
+                </a:solidFill>
+                <a:latin typeface="Tahoma" panose="020B0604030504040204" pitchFamily="34" charset="0"/>
+                <a:ea typeface="Tahoma" panose="020B0604030504040204" pitchFamily="34" charset="0"/>
+                <a:cs typeface="Tahoma" panose="020B0604030504040204" pitchFamily="34" charset="0"/>
+              </a:rPr>
+              <a:t>) direttamente leggibili dagli esseri umani. Lo scopo della serializzazione è quello di trasmettere l'intero stato dell'oggetto in modo che esso possa essere successivamente ricreato nello stesso identico stato dal processo inverso, chiamato </a:t>
+            </a:r>
+            <a:r>
+              <a:rPr lang="it-IT" sz="2400" b="1">
+                <a:solidFill>
+                  <a:srgbClr val="202124"/>
+                </a:solidFill>
+                <a:latin typeface="Tahoma" panose="020B0604030504040204" pitchFamily="34" charset="0"/>
+                <a:ea typeface="Tahoma" panose="020B0604030504040204" pitchFamily="34" charset="0"/>
+                <a:cs typeface="Tahoma" panose="020B0604030504040204" pitchFamily="34" charset="0"/>
+              </a:rPr>
+              <a:t>deserializzazione. </a:t>
+            </a:r>
+            <a:r>
+              <a:rPr lang="it-IT" sz="2400">
+                <a:solidFill>
+                  <a:srgbClr val="202124"/>
+                </a:solidFill>
+                <a:latin typeface="Tahoma" panose="020B0604030504040204" pitchFamily="34" charset="0"/>
+                <a:ea typeface="Tahoma" panose="020B0604030504040204" pitchFamily="34" charset="0"/>
+                <a:cs typeface="Tahoma" panose="020B0604030504040204" pitchFamily="34" charset="0"/>
+              </a:rPr>
+              <a:t>I vantaggi della </a:t>
+            </a:r>
+            <a:r>
+              <a:rPr lang="it-IT" sz="2400" b="1">
+                <a:solidFill>
+                  <a:srgbClr val="202124"/>
+                </a:solidFill>
+                <a:latin typeface="Tahoma" panose="020B0604030504040204" pitchFamily="34" charset="0"/>
+                <a:ea typeface="Tahoma" panose="020B0604030504040204" pitchFamily="34" charset="0"/>
+                <a:cs typeface="Tahoma" panose="020B0604030504040204" pitchFamily="34" charset="0"/>
+              </a:rPr>
+              <a:t>serializzazione </a:t>
+            </a:r>
+            <a:r>
+              <a:rPr lang="it-IT" sz="2400">
+                <a:solidFill>
+                  <a:srgbClr val="202124"/>
+                </a:solidFill>
+                <a:latin typeface="Tahoma" panose="020B0604030504040204" pitchFamily="34" charset="0"/>
+                <a:ea typeface="Tahoma" panose="020B0604030504040204" pitchFamily="34" charset="0"/>
+                <a:cs typeface="Tahoma" panose="020B0604030504040204" pitchFamily="34" charset="0"/>
+              </a:rPr>
+              <a:t>sono poter usare gli oggetti persistenti, fare chiamate di procedura remota (rpc) o distribuire oggetti con software come </a:t>
+            </a:r>
+            <a:r>
+              <a:rPr lang="it-IT" sz="2400" b="1">
+                <a:solidFill>
+                  <a:srgbClr val="202124"/>
+                </a:solidFill>
+                <a:latin typeface="Tahoma" panose="020B0604030504040204" pitchFamily="34" charset="0"/>
+                <a:ea typeface="Tahoma" panose="020B0604030504040204" pitchFamily="34" charset="0"/>
+                <a:cs typeface="Tahoma" panose="020B0604030504040204" pitchFamily="34" charset="0"/>
+              </a:rPr>
+              <a:t>CORBA (Common Object Request Broker Architecture).</a:t>
+            </a:r>
+            <a:r>
+              <a:rPr lang="it-IT" sz="2400">
+                <a:solidFill>
+                  <a:srgbClr val="202124"/>
+                </a:solidFill>
+                <a:latin typeface="Tahoma" panose="020B0604030504040204" pitchFamily="34" charset="0"/>
+                <a:ea typeface="Tahoma" panose="020B0604030504040204" pitchFamily="34" charset="0"/>
+                <a:cs typeface="Tahoma" panose="020B0604030504040204" pitchFamily="34" charset="0"/>
+              </a:rPr>
+              <a:t> </a:t>
+            </a:r>
+            <a:endParaRPr lang="it-IT" sz="2400" b="1">
+              <a:solidFill>
+                <a:srgbClr val="202124"/>
+              </a:solidFill>
+              <a:latin typeface="Tahoma" panose="020B0604030504040204" pitchFamily="34" charset="0"/>
+              <a:ea typeface="Tahoma" panose="020B0604030504040204" pitchFamily="34" charset="0"/>
+              <a:cs typeface="Tahoma" panose="020B0604030504040204" pitchFamily="34" charset="0"/>
+            </a:endParaRPr>
+          </a:p>
+        </p:txBody>
+      </p:sp>
+      <p:sp>
+        <p:nvSpPr>
+          <p:cNvPr id="7" name="Segnaposto numero diapositiva 6">
+            <a:extLst>
+              <a:ext uri="{FF2B5EF4-FFF2-40B4-BE49-F238E27FC236}">
+                <a16:creationId xmlns:a16="http://schemas.microsoft.com/office/drawing/2014/main" id="{AB740BE9-E218-4144-BFDE-AE473D230A3D}"/>
+              </a:ext>
+            </a:extLst>
+          </p:cNvPr>
+          <p:cNvSpPr>
+            <a:spLocks noGrp="1"/>
+          </p:cNvSpPr>
+          <p:nvPr>
+            <p:ph type="sldNum" sz="quarter" idx="12"/>
+          </p:nvPr>
+        </p:nvSpPr>
+        <p:spPr/>
+        <p:txBody>
+          <a:bodyPr/>
+          <a:lstStyle/>
+          <a:p>
+            <a:pPr>
+              <a:defRPr/>
+            </a:pPr>
+            <a:fld id="{48B4153A-D4C5-4CEF-8992-0D8815C829E3}" type="slidenum">
+              <a:rPr lang="en-US" smtClean="0"/>
+              <a:pPr>
+                <a:defRPr/>
+              </a:pPr>
+              <a:t>44</a:t>
+            </a:fld>
+            <a:endParaRPr lang="en-US" dirty="0"/>
+          </a:p>
+        </p:txBody>
+      </p:sp>
+      <p:sp>
+        <p:nvSpPr>
+          <p:cNvPr id="5" name="Titolo 4">
+            <a:extLst>
+              <a:ext uri="{FF2B5EF4-FFF2-40B4-BE49-F238E27FC236}">
+                <a16:creationId xmlns:a16="http://schemas.microsoft.com/office/drawing/2014/main" id="{82C46BA2-B380-4357-B125-BA9F08A643F5}"/>
+              </a:ext>
+            </a:extLst>
+          </p:cNvPr>
+          <p:cNvSpPr>
+            <a:spLocks noGrp="1"/>
+          </p:cNvSpPr>
+          <p:nvPr>
+            <p:ph type="title"/>
+          </p:nvPr>
+        </p:nvSpPr>
+        <p:spPr>
+          <a:xfrm>
+            <a:off x="468895" y="503475"/>
+            <a:ext cx="11269308" cy="384721"/>
+          </a:xfrm>
+        </p:spPr>
+        <p:txBody>
+          <a:bodyPr/>
+          <a:lstStyle/>
+          <a:p>
+            <a:r>
+              <a:rPr lang="it-IT"/>
+              <a:t>RDF - Rappresentazione fisica del modello</a:t>
+            </a:r>
+            <a:endParaRPr lang="it-IT" dirty="0"/>
+          </a:p>
+        </p:txBody>
+      </p:sp>
+    </p:spTree>
+    <p:extLst>
+      <p:ext uri="{BB962C8B-B14F-4D97-AF65-F5344CB8AC3E}">
+        <p14:creationId xmlns:p14="http://schemas.microsoft.com/office/powerpoint/2010/main" val="1064940503"/>
+      </p:ext>
+    </p:extLst>
+  </p:cSld>
+  <p:clrMapOvr>
+    <a:masterClrMapping/>
+  </p:clrMapOvr>
+</p:sld>
+</file>
+
+<file path=ppt/slides/slide45.xml><?xml version="1.0" encoding="utf-8"?>
+<p:sld xmlns:a="http://schemas.openxmlformats.org/drawingml/2006/main" xmlns:r="http://schemas.openxmlformats.org/officeDocument/2006/relationships" xmlns:p="http://schemas.openxmlformats.org/presentationml/2006/main">
+  <p:cSld>
+    <p:spTree>
+      <p:nvGrpSpPr>
+        <p:cNvPr id="1" name=""/>
+        <p:cNvGrpSpPr/>
+        <p:nvPr/>
+      </p:nvGrpSpPr>
+      <p:grpSpPr>
+        <a:xfrm>
+          <a:off x="0" y="0"/>
+          <a:ext cx="0" cy="0"/>
+          <a:chOff x="0" y="0"/>
+          <a:chExt cx="0" cy="0"/>
+        </a:xfrm>
+      </p:grpSpPr>
+      <p:sp>
+        <p:nvSpPr>
+          <p:cNvPr id="2" name="Segnaposto testo 1">
+            <a:extLst>
+              <a:ext uri="{FF2B5EF4-FFF2-40B4-BE49-F238E27FC236}">
+                <a16:creationId xmlns:a16="http://schemas.microsoft.com/office/drawing/2014/main" id="{E5AE986C-196F-4141-A898-FA4C4198CDCC}"/>
+              </a:ext>
+            </a:extLst>
+          </p:cNvPr>
+          <p:cNvSpPr>
+            <a:spLocks noGrp="1"/>
+          </p:cNvSpPr>
+          <p:nvPr>
+            <p:ph type="body" idx="1"/>
+          </p:nvPr>
+        </p:nvSpPr>
+        <p:spPr>
+          <a:xfrm>
+            <a:off x="326297" y="1213806"/>
             <a:ext cx="11641114" cy="4392612"/>
           </a:xfrm>
         </p:spPr>
@@ -18543,7 +18745,7 @@
               <a:pPr>
                 <a:defRPr/>
               </a:pPr>
-              <a:t>44</a:t>
+              <a:t>45</a:t>
             </a:fld>
             <a:endParaRPr lang="en-US" dirty="0"/>
           </a:p>
@@ -18626,411 +18828,6 @@
 </p:sld>
 </file>
 
-<file path=ppt/slides/slide45.xml><?xml version="1.0" encoding="utf-8"?>
-<p:sld xmlns:a="http://schemas.openxmlformats.org/drawingml/2006/main" xmlns:r="http://schemas.openxmlformats.org/officeDocument/2006/relationships" xmlns:p="http://schemas.openxmlformats.org/presentationml/2006/main">
-  <p:cSld>
-    <p:spTree>
-      <p:nvGrpSpPr>
-        <p:cNvPr id="1" name=""/>
-        <p:cNvGrpSpPr/>
-        <p:nvPr/>
-      </p:nvGrpSpPr>
-      <p:grpSpPr>
-        <a:xfrm>
-          <a:off x="0" y="0"/>
-          <a:ext cx="0" cy="0"/>
-          <a:chOff x="0" y="0"/>
-          <a:chExt cx="0" cy="0"/>
-        </a:xfrm>
-      </p:grpSpPr>
-      <p:sp>
-        <p:nvSpPr>
-          <p:cNvPr id="2" name="Segnaposto testo 1">
-            <a:extLst>
-              <a:ext uri="{FF2B5EF4-FFF2-40B4-BE49-F238E27FC236}">
-                <a16:creationId xmlns:a16="http://schemas.microsoft.com/office/drawing/2014/main" id="{E5AE986C-196F-4141-A898-FA4C4198CDCC}"/>
-              </a:ext>
-            </a:extLst>
-          </p:cNvPr>
-          <p:cNvSpPr>
-            <a:spLocks noGrp="1"/>
-          </p:cNvSpPr>
-          <p:nvPr>
-            <p:ph type="body" idx="1"/>
-          </p:nvPr>
-        </p:nvSpPr>
-        <p:spPr>
-          <a:xfrm>
-            <a:off x="326297" y="1213806"/>
-            <a:ext cx="11411906" cy="4392612"/>
-          </a:xfrm>
-        </p:spPr>
-        <p:txBody>
-          <a:bodyPr/>
-          <a:lstStyle/>
-          <a:p>
-            <a:pPr marL="342900" indent="-342900">
-              <a:buFont typeface="Wingdings" panose="05000000000000000000" pitchFamily="2" charset="2"/>
-              <a:buChar char="ü"/>
-            </a:pPr>
-            <a:r>
-              <a:rPr lang="it-IT" sz="2400">
-                <a:solidFill>
-                  <a:srgbClr val="202124"/>
-                </a:solidFill>
-                <a:latin typeface="Tahoma" panose="020B0604030504040204" pitchFamily="34" charset="0"/>
-                <a:ea typeface="Tahoma" panose="020B0604030504040204" pitchFamily="34" charset="0"/>
-                <a:cs typeface="Tahoma" panose="020B0604030504040204" pitchFamily="34" charset="0"/>
-              </a:rPr>
-              <a:t>In </a:t>
-            </a:r>
-            <a:r>
-              <a:rPr lang="it-IT" sz="2400" b="1">
-                <a:solidFill>
-                  <a:srgbClr val="202124"/>
-                </a:solidFill>
-                <a:latin typeface="Tahoma" panose="020B0604030504040204" pitchFamily="34" charset="0"/>
-                <a:ea typeface="Tahoma" panose="020B0604030504040204" pitchFamily="34" charset="0"/>
-                <a:cs typeface="Tahoma" panose="020B0604030504040204" pitchFamily="34" charset="0"/>
-              </a:rPr>
-              <a:t>RDF</a:t>
-            </a:r>
-            <a:r>
-              <a:rPr lang="it-IT" sz="2400">
-                <a:solidFill>
-                  <a:srgbClr val="202124"/>
-                </a:solidFill>
-                <a:latin typeface="Tahoma" panose="020B0604030504040204" pitchFamily="34" charset="0"/>
-                <a:ea typeface="Tahoma" panose="020B0604030504040204" pitchFamily="34" charset="0"/>
-                <a:cs typeface="Tahoma" panose="020B0604030504040204" pitchFamily="34" charset="0"/>
-              </a:rPr>
-              <a:t> </a:t>
-            </a:r>
-            <a:r>
-              <a:rPr lang="it-IT" sz="2400" b="1">
-                <a:solidFill>
-                  <a:srgbClr val="202124"/>
-                </a:solidFill>
-                <a:latin typeface="Tahoma" panose="020B0604030504040204" pitchFamily="34" charset="0"/>
-                <a:ea typeface="Tahoma" panose="020B0604030504040204" pitchFamily="34" charset="0"/>
-                <a:cs typeface="Tahoma" panose="020B0604030504040204" pitchFamily="34" charset="0"/>
-              </a:rPr>
-              <a:t>Schema (RDFS) </a:t>
-            </a:r>
-            <a:r>
-              <a:rPr lang="it-IT" sz="2400">
-                <a:solidFill>
-                  <a:srgbClr val="202124"/>
-                </a:solidFill>
-                <a:latin typeface="Tahoma" panose="020B0604030504040204" pitchFamily="34" charset="0"/>
-                <a:ea typeface="Tahoma" panose="020B0604030504040204" pitchFamily="34" charset="0"/>
-                <a:cs typeface="Tahoma" panose="020B0604030504040204" pitchFamily="34" charset="0"/>
-              </a:rPr>
-              <a:t>ogni predicato è in relazione con altri predicati e permette di dichiarare l'esistenza di proprietà di un concetto, che permettano di esprimere con metodo sistematico affermazioni simili su risorse simili. RDF Schema permette di definire nuovi tipi di classe, inoltre specificando il concetto di classe e sottoclasse, consente di definire gerarchiedi classi. In </a:t>
-            </a:r>
-            <a:r>
-              <a:rPr lang="it-IT" sz="2400" b="1">
-                <a:solidFill>
-                  <a:srgbClr val="202124"/>
-                </a:solidFill>
-                <a:latin typeface="Tahoma" panose="020B0604030504040204" pitchFamily="34" charset="0"/>
-                <a:ea typeface="Tahoma" panose="020B0604030504040204" pitchFamily="34" charset="0"/>
-                <a:cs typeface="Tahoma" panose="020B0604030504040204" pitchFamily="34" charset="0"/>
-              </a:rPr>
-              <a:t>RDF </a:t>
-            </a:r>
-            <a:r>
-              <a:rPr lang="it-IT" sz="2400">
-                <a:solidFill>
-                  <a:srgbClr val="202124"/>
-                </a:solidFill>
-                <a:latin typeface="Tahoma" panose="020B0604030504040204" pitchFamily="34" charset="0"/>
-                <a:ea typeface="Tahoma" panose="020B0604030504040204" pitchFamily="34" charset="0"/>
-                <a:cs typeface="Tahoma" panose="020B0604030504040204" pitchFamily="34" charset="0"/>
-              </a:rPr>
-              <a:t>si possono rappresentare le risorse come istanze di classi e definire sottoclassi e tipi. </a:t>
-            </a:r>
-          </a:p>
-          <a:p>
-            <a:pPr marL="342900" indent="-342900">
-              <a:buFont typeface="Wingdings" panose="05000000000000000000" pitchFamily="2" charset="2"/>
-              <a:buChar char="ü"/>
-            </a:pPr>
-            <a:r>
-              <a:rPr lang="it-IT" sz="2400" b="1">
-                <a:solidFill>
-                  <a:srgbClr val="202124"/>
-                </a:solidFill>
-                <a:latin typeface="Tahoma" panose="020B0604030504040204" pitchFamily="34" charset="0"/>
-                <a:ea typeface="Tahoma" panose="020B0604030504040204" pitchFamily="34" charset="0"/>
-                <a:cs typeface="Tahoma" panose="020B0604030504040204" pitchFamily="34" charset="0"/>
-              </a:rPr>
-              <a:t>Classi RDF: </a:t>
-            </a:r>
-            <a:r>
-              <a:rPr lang="it-IT" sz="2400">
-                <a:solidFill>
-                  <a:srgbClr val="202124"/>
-                </a:solidFill>
-                <a:latin typeface="Tahoma" panose="020B0604030504040204" pitchFamily="34" charset="0"/>
-                <a:ea typeface="Tahoma" panose="020B0604030504040204" pitchFamily="34" charset="0"/>
-                <a:cs typeface="Tahoma" panose="020B0604030504040204" pitchFamily="34" charset="0"/>
-              </a:rPr>
-              <a:t>Ogni risorsa descritta in </a:t>
-            </a:r>
-            <a:r>
-              <a:rPr lang="it-IT" sz="2400" b="1">
-                <a:solidFill>
-                  <a:srgbClr val="202124"/>
-                </a:solidFill>
-                <a:latin typeface="Tahoma" panose="020B0604030504040204" pitchFamily="34" charset="0"/>
-                <a:ea typeface="Tahoma" panose="020B0604030504040204" pitchFamily="34" charset="0"/>
-                <a:cs typeface="Tahoma" panose="020B0604030504040204" pitchFamily="34" charset="0"/>
-              </a:rPr>
-              <a:t>RDF </a:t>
-            </a:r>
-            <a:r>
-              <a:rPr lang="it-IT" sz="2400">
-                <a:solidFill>
-                  <a:srgbClr val="202124"/>
-                </a:solidFill>
-                <a:latin typeface="Tahoma" panose="020B0604030504040204" pitchFamily="34" charset="0"/>
-                <a:ea typeface="Tahoma" panose="020B0604030504040204" pitchFamily="34" charset="0"/>
-                <a:cs typeface="Tahoma" panose="020B0604030504040204" pitchFamily="34" charset="0"/>
-              </a:rPr>
-              <a:t>è istanza della classe </a:t>
-            </a:r>
-            <a:r>
-              <a:rPr lang="it-IT" sz="2400" b="0" i="1">
-                <a:solidFill>
-                  <a:srgbClr val="202122"/>
-                </a:solidFill>
-                <a:effectLst/>
-                <a:latin typeface="Arial" panose="020B0604020202020204" pitchFamily="34" charset="0"/>
-              </a:rPr>
-              <a:t>rdfs:Resource</a:t>
-            </a:r>
-            <a:r>
-              <a:rPr lang="it-IT" sz="2400" b="0" i="0">
-                <a:solidFill>
-                  <a:srgbClr val="202122"/>
-                </a:solidFill>
-                <a:effectLst/>
-                <a:latin typeface="Arial" panose="020B0604020202020204" pitchFamily="34" charset="0"/>
-              </a:rPr>
-              <a:t>.</a:t>
-            </a:r>
-          </a:p>
-          <a:p>
-            <a:pPr marL="342900" indent="-342900">
-              <a:buFont typeface="Wingdings" panose="05000000000000000000" pitchFamily="2" charset="2"/>
-              <a:buChar char="ü"/>
-            </a:pPr>
-            <a:r>
-              <a:rPr lang="it-IT" sz="2400">
-                <a:solidFill>
-                  <a:srgbClr val="202122"/>
-                </a:solidFill>
-                <a:ea typeface="Tahoma" panose="020B0604030504040204" pitchFamily="34" charset="0"/>
-                <a:cs typeface="Tahoma" panose="020B0604030504040204" pitchFamily="34" charset="0"/>
-              </a:rPr>
-              <a:t>Le sottoclassi di </a:t>
-            </a:r>
-            <a:r>
-              <a:rPr lang="it-IT" sz="2400" b="0" i="1">
-                <a:solidFill>
-                  <a:srgbClr val="202122"/>
-                </a:solidFill>
-                <a:effectLst/>
-                <a:latin typeface="Arial" panose="020B0604020202020204" pitchFamily="34" charset="0"/>
-              </a:rPr>
-              <a:t>rdfs:Resource</a:t>
-            </a:r>
-            <a:r>
-              <a:rPr lang="it-IT" sz="2400">
-                <a:solidFill>
-                  <a:srgbClr val="202122"/>
-                </a:solidFill>
-              </a:rPr>
-              <a:t> sono: </a:t>
-            </a:r>
-          </a:p>
-          <a:p>
-            <a:pPr marL="342900" indent="-342900">
-              <a:buFont typeface="Wingdings" panose="05000000000000000000" pitchFamily="2" charset="2"/>
-              <a:buChar char="ü"/>
-            </a:pPr>
-            <a:r>
-              <a:rPr lang="it-IT" sz="2400" b="1" i="1">
-                <a:solidFill>
-                  <a:srgbClr val="202122"/>
-                </a:solidFill>
-                <a:latin typeface="Tahoma" panose="020B0604030504040204" pitchFamily="34" charset="0"/>
-                <a:ea typeface="Tahoma" panose="020B0604030504040204" pitchFamily="34" charset="0"/>
-                <a:cs typeface="Tahoma" panose="020B0604030504040204" pitchFamily="34" charset="0"/>
-              </a:rPr>
-              <a:t>rdfs:Literal</a:t>
-            </a:r>
-            <a:r>
-              <a:rPr lang="it-IT" sz="2400">
-                <a:solidFill>
-                  <a:srgbClr val="202122"/>
-                </a:solidFill>
-                <a:latin typeface="Tahoma" panose="020B0604030504040204" pitchFamily="34" charset="0"/>
-                <a:ea typeface="Tahoma" panose="020B0604030504040204" pitchFamily="34" charset="0"/>
-                <a:cs typeface="Tahoma" panose="020B0604030504040204" pitchFamily="34" charset="0"/>
-              </a:rPr>
-              <a:t>: rappresenta un letterale, una stringa di testo</a:t>
-            </a:r>
-          </a:p>
-          <a:p>
-            <a:pPr marL="342900" indent="-342900">
-              <a:buFont typeface="Wingdings" panose="05000000000000000000" pitchFamily="2" charset="2"/>
-              <a:buChar char="ü"/>
-            </a:pPr>
-            <a:r>
-              <a:rPr lang="it-IT" sz="2400" b="1" i="1">
-                <a:solidFill>
-                  <a:srgbClr val="202122"/>
-                </a:solidFill>
-                <a:latin typeface="Tahoma" panose="020B0604030504040204" pitchFamily="34" charset="0"/>
-                <a:ea typeface="Tahoma" panose="020B0604030504040204" pitchFamily="34" charset="0"/>
-                <a:cs typeface="Tahoma" panose="020B0604030504040204" pitchFamily="34" charset="0"/>
-              </a:rPr>
-              <a:t>rdfs:Property: </a:t>
-            </a:r>
-            <a:r>
-              <a:rPr lang="it-IT" sz="2400">
-                <a:solidFill>
-                  <a:srgbClr val="202122"/>
-                </a:solidFill>
-                <a:latin typeface="Tahoma" panose="020B0604030504040204" pitchFamily="34" charset="0"/>
-                <a:ea typeface="Tahoma" panose="020B0604030504040204" pitchFamily="34" charset="0"/>
-                <a:cs typeface="Tahoma" panose="020B0604030504040204" pitchFamily="34" charset="0"/>
-              </a:rPr>
-              <a:t>rappresenta le proprietà</a:t>
-            </a:r>
-          </a:p>
-          <a:p>
-            <a:pPr marL="342900" indent="-342900">
-              <a:buFont typeface="Wingdings" panose="05000000000000000000" pitchFamily="2" charset="2"/>
-              <a:buChar char="ü"/>
-            </a:pPr>
-            <a:r>
-              <a:rPr lang="it-IT" sz="2400" b="1" i="1">
-                <a:solidFill>
-                  <a:srgbClr val="202122"/>
-                </a:solidFill>
-                <a:latin typeface="Tahoma" panose="020B0604030504040204" pitchFamily="34" charset="0"/>
-                <a:ea typeface="Tahoma" panose="020B0604030504040204" pitchFamily="34" charset="0"/>
-                <a:cs typeface="Tahoma" panose="020B0604030504040204" pitchFamily="34" charset="0"/>
-              </a:rPr>
-              <a:t>rdf:Class: </a:t>
-            </a:r>
-            <a:r>
-              <a:rPr lang="it-IT" sz="2400">
-                <a:solidFill>
-                  <a:srgbClr val="202122"/>
-                </a:solidFill>
-                <a:latin typeface="Tahoma" panose="020B0604030504040204" pitchFamily="34" charset="0"/>
-                <a:ea typeface="Tahoma" panose="020B0604030504040204" pitchFamily="34" charset="0"/>
-                <a:cs typeface="Tahoma" panose="020B0604030504040204" pitchFamily="34" charset="0"/>
-              </a:rPr>
-              <a:t>rappresenta una classe dei linguaggi orientati agli oggetti</a:t>
-            </a:r>
-            <a:endParaRPr lang="it-IT" sz="2400" b="1" i="1">
-              <a:solidFill>
-                <a:srgbClr val="202124"/>
-              </a:solidFill>
-              <a:latin typeface="Tahoma" panose="020B0604030504040204" pitchFamily="34" charset="0"/>
-              <a:ea typeface="Tahoma" panose="020B0604030504040204" pitchFamily="34" charset="0"/>
-              <a:cs typeface="Tahoma" panose="020B0604030504040204" pitchFamily="34" charset="0"/>
-            </a:endParaRPr>
-          </a:p>
-        </p:txBody>
-      </p:sp>
-      <p:sp>
-        <p:nvSpPr>
-          <p:cNvPr id="7" name="Segnaposto numero diapositiva 6">
-            <a:extLst>
-              <a:ext uri="{FF2B5EF4-FFF2-40B4-BE49-F238E27FC236}">
-                <a16:creationId xmlns:a16="http://schemas.microsoft.com/office/drawing/2014/main" id="{AB740BE9-E218-4144-BFDE-AE473D230A3D}"/>
-              </a:ext>
-            </a:extLst>
-          </p:cNvPr>
-          <p:cNvSpPr>
-            <a:spLocks noGrp="1"/>
-          </p:cNvSpPr>
-          <p:nvPr>
-            <p:ph type="sldNum" sz="quarter" idx="12"/>
-          </p:nvPr>
-        </p:nvSpPr>
-        <p:spPr/>
-        <p:txBody>
-          <a:bodyPr/>
-          <a:lstStyle/>
-          <a:p>
-            <a:pPr>
-              <a:defRPr/>
-            </a:pPr>
-            <a:fld id="{48B4153A-D4C5-4CEF-8992-0D8815C829E3}" type="slidenum">
-              <a:rPr lang="en-US" smtClean="0"/>
-              <a:pPr>
-                <a:defRPr/>
-              </a:pPr>
-              <a:t>45</a:t>
-            </a:fld>
-            <a:endParaRPr lang="en-US" dirty="0"/>
-          </a:p>
-        </p:txBody>
-      </p:sp>
-      <p:sp>
-        <p:nvSpPr>
-          <p:cNvPr id="5" name="Titolo 4">
-            <a:extLst>
-              <a:ext uri="{FF2B5EF4-FFF2-40B4-BE49-F238E27FC236}">
-                <a16:creationId xmlns:a16="http://schemas.microsoft.com/office/drawing/2014/main" id="{82C46BA2-B380-4357-B125-BA9F08A643F5}"/>
-              </a:ext>
-            </a:extLst>
-          </p:cNvPr>
-          <p:cNvSpPr>
-            <a:spLocks noGrp="1"/>
-          </p:cNvSpPr>
-          <p:nvPr>
-            <p:ph type="title"/>
-          </p:nvPr>
-        </p:nvSpPr>
-        <p:spPr>
-          <a:xfrm>
-            <a:off x="468895" y="503475"/>
-            <a:ext cx="11269308" cy="384721"/>
-          </a:xfrm>
-        </p:spPr>
-        <p:txBody>
-          <a:bodyPr/>
-          <a:lstStyle/>
-          <a:p>
-            <a:r>
-              <a:rPr lang="it-IT"/>
-              <a:t>RDF Schema </a:t>
-            </a:r>
-            <a:endParaRPr lang="it-IT" dirty="0"/>
-          </a:p>
-        </p:txBody>
-      </p:sp>
-    </p:spTree>
-    <p:extLst>
-      <p:ext uri="{BB962C8B-B14F-4D97-AF65-F5344CB8AC3E}">
-        <p14:creationId xmlns:p14="http://schemas.microsoft.com/office/powerpoint/2010/main" val="4067594935"/>
-      </p:ext>
-    </p:extLst>
-  </p:cSld>
-  <p:clrMapOvr>
-    <a:masterClrMapping/>
-  </p:clrMapOvr>
-</p:sld>
-</file>
-
 <file path=ppt/slides/slide46.xml><?xml version="1.0" encoding="utf-8"?>
 <p:sld xmlns:a="http://schemas.openxmlformats.org/drawingml/2006/main" xmlns:r="http://schemas.openxmlformats.org/officeDocument/2006/relationships" xmlns:p="http://schemas.openxmlformats.org/presentationml/2006/main">
   <p:cSld>
@@ -19067,7 +18864,7 @@
         <p:spPr>
           <a:xfrm>
             <a:off x="326297" y="1213806"/>
-            <a:ext cx="10806924" cy="4392612"/>
+            <a:ext cx="11411906" cy="4392612"/>
           </a:xfrm>
         </p:spPr>
         <p:txBody>
@@ -19079,6 +18876,17 @@
               <a:buChar char="ü"/>
             </a:pPr>
             <a:r>
+              <a:rPr lang="it-IT" sz="2400">
+                <a:solidFill>
+                  <a:srgbClr val="202124"/>
+                </a:solidFill>
+                <a:latin typeface="Tahoma" panose="020B0604030504040204" pitchFamily="34" charset="0"/>
+                <a:ea typeface="Tahoma" panose="020B0604030504040204" pitchFamily="34" charset="0"/>
+                <a:cs typeface="Tahoma" panose="020B0604030504040204" pitchFamily="34" charset="0"/>
+              </a:rPr>
+              <a:t>In </a:t>
+            </a:r>
+            <a:r>
               <a:rPr lang="it-IT" sz="2400" b="1">
                 <a:solidFill>
                   <a:srgbClr val="202124"/>
@@ -19087,7 +18895,62 @@
                 <a:ea typeface="Tahoma" panose="020B0604030504040204" pitchFamily="34" charset="0"/>
                 <a:cs typeface="Tahoma" panose="020B0604030504040204" pitchFamily="34" charset="0"/>
               </a:rPr>
-              <a:t>Proprietà RDF:</a:t>
+              <a:t>RDF</a:t>
+            </a:r>
+            <a:r>
+              <a:rPr lang="it-IT" sz="2400">
+                <a:solidFill>
+                  <a:srgbClr val="202124"/>
+                </a:solidFill>
+                <a:latin typeface="Tahoma" panose="020B0604030504040204" pitchFamily="34" charset="0"/>
+                <a:ea typeface="Tahoma" panose="020B0604030504040204" pitchFamily="34" charset="0"/>
+                <a:cs typeface="Tahoma" panose="020B0604030504040204" pitchFamily="34" charset="0"/>
+              </a:rPr>
+              <a:t> </a:t>
+            </a:r>
+            <a:r>
+              <a:rPr lang="it-IT" sz="2400" b="1">
+                <a:solidFill>
+                  <a:srgbClr val="202124"/>
+                </a:solidFill>
+                <a:latin typeface="Tahoma" panose="020B0604030504040204" pitchFamily="34" charset="0"/>
+                <a:ea typeface="Tahoma" panose="020B0604030504040204" pitchFamily="34" charset="0"/>
+                <a:cs typeface="Tahoma" panose="020B0604030504040204" pitchFamily="34" charset="0"/>
+              </a:rPr>
+              <a:t>Schema (RDFS) </a:t>
+            </a:r>
+            <a:r>
+              <a:rPr lang="it-IT" sz="2400">
+                <a:solidFill>
+                  <a:srgbClr val="202124"/>
+                </a:solidFill>
+                <a:latin typeface="Tahoma" panose="020B0604030504040204" pitchFamily="34" charset="0"/>
+                <a:ea typeface="Tahoma" panose="020B0604030504040204" pitchFamily="34" charset="0"/>
+                <a:cs typeface="Tahoma" panose="020B0604030504040204" pitchFamily="34" charset="0"/>
+              </a:rPr>
+              <a:t>ogni predicato è in relazione con altri predicati e permette di dichiarare l'esistenza di proprietà di un concetto, che permettano di esprimere con metodo sistematico affermazioni simili su risorse simili. RDF Schema permette di definire nuovi tipi di classe, inoltre specificando il concetto di classe e sottoclasse, consente di definire gerarchiedi classi. In </a:t>
+            </a:r>
+            <a:r>
+              <a:rPr lang="it-IT" sz="2400" b="1">
+                <a:solidFill>
+                  <a:srgbClr val="202124"/>
+                </a:solidFill>
+                <a:latin typeface="Tahoma" panose="020B0604030504040204" pitchFamily="34" charset="0"/>
+                <a:ea typeface="Tahoma" panose="020B0604030504040204" pitchFamily="34" charset="0"/>
+                <a:cs typeface="Tahoma" panose="020B0604030504040204" pitchFamily="34" charset="0"/>
+              </a:rPr>
+              <a:t>RDF </a:t>
+            </a:r>
+            <a:r>
+              <a:rPr lang="it-IT" sz="2400">
+                <a:solidFill>
+                  <a:srgbClr val="202124"/>
+                </a:solidFill>
+                <a:latin typeface="Tahoma" panose="020B0604030504040204" pitchFamily="34" charset="0"/>
+                <a:ea typeface="Tahoma" panose="020B0604030504040204" pitchFamily="34" charset="0"/>
+                <a:cs typeface="Tahoma" panose="020B0604030504040204" pitchFamily="34" charset="0"/>
+              </a:rPr>
+              <a:t>si possono rappresentare le risorse come istanze di classi e definire sottoclassi e tipi. </a:t>
             </a:r>
           </a:p>
           <a:p>
@@ -19096,7 +18959,7 @@
               <a:buChar char="ü"/>
             </a:pPr>
             <a:r>
-              <a:rPr lang="it-IT" sz="2400" b="1" i="1">
+              <a:rPr lang="it-IT" sz="2400" b="1">
                 <a:solidFill>
                   <a:srgbClr val="202124"/>
                 </a:solidFill>
@@ -19104,7 +18967,18 @@
                 <a:ea typeface="Tahoma" panose="020B0604030504040204" pitchFamily="34" charset="0"/>
                 <a:cs typeface="Tahoma" panose="020B0604030504040204" pitchFamily="34" charset="0"/>
               </a:rPr>
-              <a:t>rdf:type</a:t>
+              <a:t>Classi RDF: </a:t>
+            </a:r>
+            <a:r>
+              <a:rPr lang="it-IT" sz="2400">
+                <a:solidFill>
+                  <a:srgbClr val="202124"/>
+                </a:solidFill>
+                <a:latin typeface="Tahoma" panose="020B0604030504040204" pitchFamily="34" charset="0"/>
+                <a:ea typeface="Tahoma" panose="020B0604030504040204" pitchFamily="34" charset="0"/>
+                <a:cs typeface="Tahoma" panose="020B0604030504040204" pitchFamily="34" charset="0"/>
+              </a:rPr>
+              <a:t>Ogni risorsa descritta in </a:t>
             </a:r>
             <a:r>
               <a:rPr lang="it-IT" sz="2400" b="1">
@@ -19115,7 +18989,7 @@
                 <a:ea typeface="Tahoma" panose="020B0604030504040204" pitchFamily="34" charset="0"/>
                 <a:cs typeface="Tahoma" panose="020B0604030504040204" pitchFamily="34" charset="0"/>
               </a:rPr>
-              <a:t>: </a:t>
+              <a:t>RDF </a:t>
             </a:r>
             <a:r>
               <a:rPr lang="it-IT" sz="2400">
@@ -19126,7 +19000,27 @@
                 <a:ea typeface="Tahoma" panose="020B0604030504040204" pitchFamily="34" charset="0"/>
                 <a:cs typeface="Tahoma" panose="020B0604030504040204" pitchFamily="34" charset="0"/>
               </a:rPr>
-              <a:t>indica che una risorsa è del tipo della classe che viene specificata.</a:t>
+              <a:t>è istanza della classe </a:t>
+            </a:r>
+            <a:r>
+              <a:rPr lang="it-IT" sz="2400" b="0" i="1">
+                <a:solidFill>
+                  <a:srgbClr val="202122"/>
+                </a:solidFill>
+                <a:effectLst/>
+                <a:latin typeface="Arial" panose="020B0604020202020204" pitchFamily="34" charset="0"/>
+              </a:rPr>
+              <a:t>rdfs:Resource</a:t>
+            </a:r>
+            <a:r>
+              <a:rPr lang="it-IT" sz="2400" b="0" i="0">
+                <a:solidFill>
+                  <a:srgbClr val="202122"/>
+                </a:solidFill>
+                <a:effectLst/>
+                <a:latin typeface="Arial" panose="020B0604020202020204" pitchFamily="34" charset="0"/>
+              </a:rPr>
+              <a:t>.</a:t>
             </a:r>
           </a:p>
           <a:p>
@@ -19135,37 +19029,32 @@
               <a:buChar char="ü"/>
             </a:pPr>
             <a:r>
-              <a:rPr lang="it-IT" sz="2400" b="1" i="1">
-                <a:solidFill>
-                  <a:srgbClr val="202124"/>
-                </a:solidFill>
-                <a:latin typeface="Tahoma" panose="020B0604030504040204" pitchFamily="34" charset="0"/>
-                <a:ea typeface="Tahoma" panose="020B0604030504040204" pitchFamily="34" charset="0"/>
-                <a:cs typeface="Tahoma" panose="020B0604030504040204" pitchFamily="34" charset="0"/>
-              </a:rPr>
-              <a:t>rdfs:subPropertyOf</a:t>
-            </a:r>
-            <a:r>
-              <a:rPr lang="it-IT" sz="2400" b="1">
-                <a:solidFill>
-                  <a:srgbClr val="202124"/>
-                </a:solidFill>
-                <a:latin typeface="Tahoma" panose="020B0604030504040204" pitchFamily="34" charset="0"/>
-                <a:ea typeface="Tahoma" panose="020B0604030504040204" pitchFamily="34" charset="0"/>
-                <a:cs typeface="Tahoma" panose="020B0604030504040204" pitchFamily="34" charset="0"/>
-              </a:rPr>
-              <a:t>: </a:t>
-            </a:r>
-            <a:r>
-              <a:rPr lang="it-IT" sz="2400">
-                <a:solidFill>
-                  <a:srgbClr val="202124"/>
-                </a:solidFill>
-                <a:latin typeface="Tahoma" panose="020B0604030504040204" pitchFamily="34" charset="0"/>
-                <a:ea typeface="Tahoma" panose="020B0604030504040204" pitchFamily="34" charset="0"/>
-                <a:cs typeface="Tahoma" panose="020B0604030504040204" pitchFamily="34" charset="0"/>
-              </a:rPr>
-              <a:t>indica che una proprietà è una specializzazione di un'altra. </a:t>
+              <a:rPr lang="it-IT" sz="2400">
+                <a:solidFill>
+                  <a:srgbClr val="202122"/>
+                </a:solidFill>
+                <a:ea typeface="Tahoma" panose="020B0604030504040204" pitchFamily="34" charset="0"/>
+                <a:cs typeface="Tahoma" panose="020B0604030504040204" pitchFamily="34" charset="0"/>
+              </a:rPr>
+              <a:t>Le sottoclassi di </a:t>
+            </a:r>
+            <a:r>
+              <a:rPr lang="it-IT" sz="2400" b="0" i="1">
+                <a:solidFill>
+                  <a:srgbClr val="202122"/>
+                </a:solidFill>
+                <a:effectLst/>
+                <a:latin typeface="Arial" panose="020B0604020202020204" pitchFamily="34" charset="0"/>
+              </a:rPr>
+              <a:t>rdfs:Resource</a:t>
+            </a:r>
+            <a:r>
+              <a:rPr lang="it-IT" sz="2400">
+                <a:solidFill>
+                  <a:srgbClr val="202122"/>
+                </a:solidFill>
+              </a:rPr>
+              <a:t> sono: </a:t>
             </a:r>
           </a:p>
           <a:p>
@@ -19176,47 +19065,89 @@
             <a:r>
               <a:rPr lang="it-IT" sz="2400" b="1" i="1">
                 <a:solidFill>
-                  <a:srgbClr val="202124"/>
-                </a:solidFill>
-                <a:latin typeface="Tahoma" panose="020B0604030504040204" pitchFamily="34" charset="0"/>
-                <a:ea typeface="Tahoma" panose="020B0604030504040204" pitchFamily="34" charset="0"/>
-                <a:cs typeface="Tahoma" panose="020B0604030504040204" pitchFamily="34" charset="0"/>
-              </a:rPr>
-              <a:t>rdfs:seeAlso:</a:t>
-            </a:r>
-            <a:r>
-              <a:rPr lang="it-IT" sz="2400" b="1">
-                <a:solidFill>
-                  <a:srgbClr val="202124"/>
-                </a:solidFill>
-                <a:latin typeface="Tahoma" panose="020B0604030504040204" pitchFamily="34" charset="0"/>
-                <a:ea typeface="Tahoma" panose="020B0604030504040204" pitchFamily="34" charset="0"/>
-                <a:cs typeface="Tahoma" panose="020B0604030504040204" pitchFamily="34" charset="0"/>
-              </a:rPr>
-              <a:t> </a:t>
-            </a:r>
-            <a:r>
-              <a:rPr lang="it-IT" sz="2400">
-                <a:solidFill>
-                  <a:srgbClr val="202124"/>
-                </a:solidFill>
-                <a:latin typeface="Tahoma" panose="020B0604030504040204" pitchFamily="34" charset="0"/>
-                <a:ea typeface="Tahoma" panose="020B0604030504040204" pitchFamily="34" charset="0"/>
-                <a:cs typeface="Tahoma" panose="020B0604030504040204" pitchFamily="34" charset="0"/>
-              </a:rPr>
-              <a:t>Specifica che la risorsa è danche descritta in altre parti. </a:t>
-            </a:r>
-            <a:r>
-              <a:rPr lang="it-IT" sz="2400" b="1">
-                <a:solidFill>
-                  <a:srgbClr val="202124"/>
-                </a:solidFill>
-                <a:latin typeface="Tahoma" panose="020B0604030504040204" pitchFamily="34" charset="0"/>
-                <a:ea typeface="Tahoma" panose="020B0604030504040204" pitchFamily="34" charset="0"/>
-                <a:cs typeface="Tahoma" panose="020B0604030504040204" pitchFamily="34" charset="0"/>
-              </a:rPr>
-              <a:t> </a:t>
-            </a:r>
+                  <a:srgbClr val="202122"/>
+                </a:solidFill>
+                <a:latin typeface="Tahoma" panose="020B0604030504040204" pitchFamily="34" charset="0"/>
+                <a:ea typeface="Tahoma" panose="020B0604030504040204" pitchFamily="34" charset="0"/>
+                <a:cs typeface="Tahoma" panose="020B0604030504040204" pitchFamily="34" charset="0"/>
+              </a:rPr>
+              <a:t>rdfs:Literal</a:t>
+            </a:r>
+            <a:r>
+              <a:rPr lang="it-IT" sz="2400">
+                <a:solidFill>
+                  <a:srgbClr val="202122"/>
+                </a:solidFill>
+                <a:latin typeface="Tahoma" panose="020B0604030504040204" pitchFamily="34" charset="0"/>
+                <a:ea typeface="Tahoma" panose="020B0604030504040204" pitchFamily="34" charset="0"/>
+                <a:cs typeface="Tahoma" panose="020B0604030504040204" pitchFamily="34" charset="0"/>
+              </a:rPr>
+              <a:t>: rappresenta un letterale, una stringa di testo</a:t>
+            </a:r>
+          </a:p>
+          <a:p>
+            <a:pPr marL="342900" indent="-342900">
+              <a:buFont typeface="Wingdings" panose="05000000000000000000" pitchFamily="2" charset="2"/>
+              <a:buChar char="ü"/>
+            </a:pPr>
+            <a:r>
+              <a:rPr lang="it-IT" sz="2400" b="1" i="1">
+                <a:solidFill>
+                  <a:srgbClr val="202122"/>
+                </a:solidFill>
+                <a:latin typeface="Tahoma" panose="020B0604030504040204" pitchFamily="34" charset="0"/>
+                <a:ea typeface="Tahoma" panose="020B0604030504040204" pitchFamily="34" charset="0"/>
+                <a:cs typeface="Tahoma" panose="020B0604030504040204" pitchFamily="34" charset="0"/>
+              </a:rPr>
+              <a:t>rdfs:Property: </a:t>
+            </a:r>
+            <a:r>
+              <a:rPr lang="it-IT" sz="2400">
+                <a:solidFill>
+                  <a:srgbClr val="202122"/>
+                </a:solidFill>
+                <a:latin typeface="Tahoma" panose="020B0604030504040204" pitchFamily="34" charset="0"/>
+                <a:ea typeface="Tahoma" panose="020B0604030504040204" pitchFamily="34" charset="0"/>
+                <a:cs typeface="Tahoma" panose="020B0604030504040204" pitchFamily="34" charset="0"/>
+              </a:rPr>
+              <a:t>rappresenta le proprietà</a:t>
+            </a:r>
+          </a:p>
+          <a:p>
+            <a:pPr marL="342900" indent="-342900">
+              <a:buFont typeface="Wingdings" panose="05000000000000000000" pitchFamily="2" charset="2"/>
+              <a:buChar char="ü"/>
+            </a:pPr>
+            <a:r>
+              <a:rPr lang="it-IT" sz="2400" b="1" i="1">
+                <a:solidFill>
+                  <a:srgbClr val="202122"/>
+                </a:solidFill>
+                <a:latin typeface="Tahoma" panose="020B0604030504040204" pitchFamily="34" charset="0"/>
+                <a:ea typeface="Tahoma" panose="020B0604030504040204" pitchFamily="34" charset="0"/>
+                <a:cs typeface="Tahoma" panose="020B0604030504040204" pitchFamily="34" charset="0"/>
+              </a:rPr>
+              <a:t>rdf:Class: </a:t>
+            </a:r>
+            <a:r>
+              <a:rPr lang="it-IT" sz="2400">
+                <a:solidFill>
+                  <a:srgbClr val="202122"/>
+                </a:solidFill>
+                <a:latin typeface="Tahoma" panose="020B0604030504040204" pitchFamily="34" charset="0"/>
+                <a:ea typeface="Tahoma" panose="020B0604030504040204" pitchFamily="34" charset="0"/>
+                <a:cs typeface="Tahoma" panose="020B0604030504040204" pitchFamily="34" charset="0"/>
+              </a:rPr>
+              <a:t>rappresenta una classe dei linguaggi orientati agli oggetti</a:t>
+            </a:r>
+            <a:endParaRPr lang="it-IT" sz="2400" b="1" i="1">
+              <a:solidFill>
+                <a:srgbClr val="202124"/>
+              </a:solidFill>
+              <a:latin typeface="Tahoma" panose="020B0604030504040204" pitchFamily="34" charset="0"/>
+              <a:ea typeface="Tahoma" panose="020B0604030504040204" pitchFamily="34" charset="0"/>
+              <a:cs typeface="Tahoma" panose="020B0604030504040204" pitchFamily="34" charset="0"/>
+            </a:endParaRPr>
           </a:p>
         </p:txBody>
       </p:sp>
@@ -19283,7 +19214,7 @@
           <a:p>
             <a:r>
               <a:rPr lang="it-IT"/>
-              <a:t>RDF Schema</a:t>
+              <a:t>RDF Schema </a:t>
             </a:r>
             <a:endParaRPr lang="it-IT" dirty="0"/>
           </a:p>
@@ -19292,7 +19223,7 @@
     </p:spTree>
     <p:extLst>
       <p:ext uri="{BB962C8B-B14F-4D97-AF65-F5344CB8AC3E}">
-        <p14:creationId xmlns:p14="http://schemas.microsoft.com/office/powerpoint/2010/main" val="817454347"/>
+        <p14:creationId xmlns:p14="http://schemas.microsoft.com/office/powerpoint/2010/main" val="4067594935"/>
       </p:ext>
     </p:extLst>
   </p:cSld>
@@ -19338,6 +19269,277 @@
         <p:spPr>
           <a:xfrm>
             <a:off x="326297" y="1213806"/>
+            <a:ext cx="10806924" cy="4392612"/>
+          </a:xfrm>
+        </p:spPr>
+        <p:txBody>
+          <a:bodyPr/>
+          <a:lstStyle/>
+          <a:p>
+            <a:pPr marL="342900" indent="-342900">
+              <a:buFont typeface="Wingdings" panose="05000000000000000000" pitchFamily="2" charset="2"/>
+              <a:buChar char="ü"/>
+            </a:pPr>
+            <a:r>
+              <a:rPr lang="it-IT" sz="2400" b="1">
+                <a:solidFill>
+                  <a:srgbClr val="202124"/>
+                </a:solidFill>
+                <a:latin typeface="Tahoma" panose="020B0604030504040204" pitchFamily="34" charset="0"/>
+                <a:ea typeface="Tahoma" panose="020B0604030504040204" pitchFamily="34" charset="0"/>
+                <a:cs typeface="Tahoma" panose="020B0604030504040204" pitchFamily="34" charset="0"/>
+              </a:rPr>
+              <a:t>Proprietà RDF:</a:t>
+            </a:r>
+          </a:p>
+          <a:p>
+            <a:pPr marL="342900" indent="-342900">
+              <a:buFont typeface="Wingdings" panose="05000000000000000000" pitchFamily="2" charset="2"/>
+              <a:buChar char="ü"/>
+            </a:pPr>
+            <a:r>
+              <a:rPr lang="it-IT" sz="2400" b="1" i="1">
+                <a:solidFill>
+                  <a:srgbClr val="202124"/>
+                </a:solidFill>
+                <a:latin typeface="Tahoma" panose="020B0604030504040204" pitchFamily="34" charset="0"/>
+                <a:ea typeface="Tahoma" panose="020B0604030504040204" pitchFamily="34" charset="0"/>
+                <a:cs typeface="Tahoma" panose="020B0604030504040204" pitchFamily="34" charset="0"/>
+              </a:rPr>
+              <a:t>rdf:type</a:t>
+            </a:r>
+            <a:r>
+              <a:rPr lang="it-IT" sz="2400" b="1">
+                <a:solidFill>
+                  <a:srgbClr val="202124"/>
+                </a:solidFill>
+                <a:latin typeface="Tahoma" panose="020B0604030504040204" pitchFamily="34" charset="0"/>
+                <a:ea typeface="Tahoma" panose="020B0604030504040204" pitchFamily="34" charset="0"/>
+                <a:cs typeface="Tahoma" panose="020B0604030504040204" pitchFamily="34" charset="0"/>
+              </a:rPr>
+              <a:t>: </a:t>
+            </a:r>
+            <a:r>
+              <a:rPr lang="it-IT" sz="2400">
+                <a:solidFill>
+                  <a:srgbClr val="202124"/>
+                </a:solidFill>
+                <a:latin typeface="Tahoma" panose="020B0604030504040204" pitchFamily="34" charset="0"/>
+                <a:ea typeface="Tahoma" panose="020B0604030504040204" pitchFamily="34" charset="0"/>
+                <a:cs typeface="Tahoma" panose="020B0604030504040204" pitchFamily="34" charset="0"/>
+              </a:rPr>
+              <a:t>indica che una risorsa è del tipo della classe che viene specificata.</a:t>
+            </a:r>
+          </a:p>
+          <a:p>
+            <a:pPr marL="342900" indent="-342900">
+              <a:buFont typeface="Wingdings" panose="05000000000000000000" pitchFamily="2" charset="2"/>
+              <a:buChar char="ü"/>
+            </a:pPr>
+            <a:r>
+              <a:rPr lang="it-IT" sz="2400" b="1" i="1">
+                <a:solidFill>
+                  <a:srgbClr val="202124"/>
+                </a:solidFill>
+                <a:latin typeface="Tahoma" panose="020B0604030504040204" pitchFamily="34" charset="0"/>
+                <a:ea typeface="Tahoma" panose="020B0604030504040204" pitchFamily="34" charset="0"/>
+                <a:cs typeface="Tahoma" panose="020B0604030504040204" pitchFamily="34" charset="0"/>
+              </a:rPr>
+              <a:t>rdfs:subPropertyOf</a:t>
+            </a:r>
+            <a:r>
+              <a:rPr lang="it-IT" sz="2400" b="1">
+                <a:solidFill>
+                  <a:srgbClr val="202124"/>
+                </a:solidFill>
+                <a:latin typeface="Tahoma" panose="020B0604030504040204" pitchFamily="34" charset="0"/>
+                <a:ea typeface="Tahoma" panose="020B0604030504040204" pitchFamily="34" charset="0"/>
+                <a:cs typeface="Tahoma" panose="020B0604030504040204" pitchFamily="34" charset="0"/>
+              </a:rPr>
+              <a:t>: </a:t>
+            </a:r>
+            <a:r>
+              <a:rPr lang="it-IT" sz="2400">
+                <a:solidFill>
+                  <a:srgbClr val="202124"/>
+                </a:solidFill>
+                <a:latin typeface="Tahoma" panose="020B0604030504040204" pitchFamily="34" charset="0"/>
+                <a:ea typeface="Tahoma" panose="020B0604030504040204" pitchFamily="34" charset="0"/>
+                <a:cs typeface="Tahoma" panose="020B0604030504040204" pitchFamily="34" charset="0"/>
+              </a:rPr>
+              <a:t>indica che una proprietà è una specializzazione di un'altra. </a:t>
+            </a:r>
+          </a:p>
+          <a:p>
+            <a:pPr marL="342900" indent="-342900">
+              <a:buFont typeface="Wingdings" panose="05000000000000000000" pitchFamily="2" charset="2"/>
+              <a:buChar char="ü"/>
+            </a:pPr>
+            <a:r>
+              <a:rPr lang="it-IT" sz="2400" b="1" i="1">
+                <a:solidFill>
+                  <a:srgbClr val="202124"/>
+                </a:solidFill>
+                <a:latin typeface="Tahoma" panose="020B0604030504040204" pitchFamily="34" charset="0"/>
+                <a:ea typeface="Tahoma" panose="020B0604030504040204" pitchFamily="34" charset="0"/>
+                <a:cs typeface="Tahoma" panose="020B0604030504040204" pitchFamily="34" charset="0"/>
+              </a:rPr>
+              <a:t>rdfs:seeAlso:</a:t>
+            </a:r>
+            <a:r>
+              <a:rPr lang="it-IT" sz="2400" b="1">
+                <a:solidFill>
+                  <a:srgbClr val="202124"/>
+                </a:solidFill>
+                <a:latin typeface="Tahoma" panose="020B0604030504040204" pitchFamily="34" charset="0"/>
+                <a:ea typeface="Tahoma" panose="020B0604030504040204" pitchFamily="34" charset="0"/>
+                <a:cs typeface="Tahoma" panose="020B0604030504040204" pitchFamily="34" charset="0"/>
+              </a:rPr>
+              <a:t> </a:t>
+            </a:r>
+            <a:r>
+              <a:rPr lang="it-IT" sz="2400">
+                <a:solidFill>
+                  <a:srgbClr val="202124"/>
+                </a:solidFill>
+                <a:latin typeface="Tahoma" panose="020B0604030504040204" pitchFamily="34" charset="0"/>
+                <a:ea typeface="Tahoma" panose="020B0604030504040204" pitchFamily="34" charset="0"/>
+                <a:cs typeface="Tahoma" panose="020B0604030504040204" pitchFamily="34" charset="0"/>
+              </a:rPr>
+              <a:t>Specifica che la risorsa è danche descritta in altre parti. </a:t>
+            </a:r>
+            <a:r>
+              <a:rPr lang="it-IT" sz="2400" b="1">
+                <a:solidFill>
+                  <a:srgbClr val="202124"/>
+                </a:solidFill>
+                <a:latin typeface="Tahoma" panose="020B0604030504040204" pitchFamily="34" charset="0"/>
+                <a:ea typeface="Tahoma" panose="020B0604030504040204" pitchFamily="34" charset="0"/>
+                <a:cs typeface="Tahoma" panose="020B0604030504040204" pitchFamily="34" charset="0"/>
+              </a:rPr>
+              <a:t> </a:t>
+            </a:r>
+          </a:p>
+        </p:txBody>
+      </p:sp>
+      <p:sp>
+        <p:nvSpPr>
+          <p:cNvPr id="7" name="Segnaposto numero diapositiva 6">
+            <a:extLst>
+              <a:ext uri="{FF2B5EF4-FFF2-40B4-BE49-F238E27FC236}">
+                <a16:creationId xmlns:a16="http://schemas.microsoft.com/office/drawing/2014/main" id="{AB740BE9-E218-4144-BFDE-AE473D230A3D}"/>
+              </a:ext>
+            </a:extLst>
+          </p:cNvPr>
+          <p:cNvSpPr>
+            <a:spLocks noGrp="1"/>
+          </p:cNvSpPr>
+          <p:nvPr>
+            <p:ph type="sldNum" sz="quarter" idx="12"/>
+          </p:nvPr>
+        </p:nvSpPr>
+        <p:spPr/>
+        <p:txBody>
+          <a:bodyPr/>
+          <a:lstStyle/>
+          <a:p>
+            <a:pPr>
+              <a:defRPr/>
+            </a:pPr>
+            <a:fld id="{48B4153A-D4C5-4CEF-8992-0D8815C829E3}" type="slidenum">
+              <a:rPr lang="en-US" smtClean="0"/>
+              <a:pPr>
+                <a:defRPr/>
+              </a:pPr>
+              <a:t>47</a:t>
+            </a:fld>
+            <a:endParaRPr lang="en-US" dirty="0"/>
+          </a:p>
+        </p:txBody>
+      </p:sp>
+      <p:sp>
+        <p:nvSpPr>
+          <p:cNvPr id="5" name="Titolo 4">
+            <a:extLst>
+              <a:ext uri="{FF2B5EF4-FFF2-40B4-BE49-F238E27FC236}">
+                <a16:creationId xmlns:a16="http://schemas.microsoft.com/office/drawing/2014/main" id="{82C46BA2-B380-4357-B125-BA9F08A643F5}"/>
+              </a:ext>
+            </a:extLst>
+          </p:cNvPr>
+          <p:cNvSpPr>
+            <a:spLocks noGrp="1"/>
+          </p:cNvSpPr>
+          <p:nvPr>
+            <p:ph type="title"/>
+          </p:nvPr>
+        </p:nvSpPr>
+        <p:spPr>
+          <a:xfrm>
+            <a:off x="468895" y="503475"/>
+            <a:ext cx="11269308" cy="384721"/>
+          </a:xfrm>
+        </p:spPr>
+        <p:txBody>
+          <a:bodyPr/>
+          <a:lstStyle/>
+          <a:p>
+            <a:r>
+              <a:rPr lang="it-IT"/>
+              <a:t>RDF Schema</a:t>
+            </a:r>
+            <a:endParaRPr lang="it-IT" dirty="0"/>
+          </a:p>
+        </p:txBody>
+      </p:sp>
+    </p:spTree>
+    <p:extLst>
+      <p:ext uri="{BB962C8B-B14F-4D97-AF65-F5344CB8AC3E}">
+        <p14:creationId xmlns:p14="http://schemas.microsoft.com/office/powerpoint/2010/main" val="817454347"/>
+      </p:ext>
+    </p:extLst>
+  </p:cSld>
+  <p:clrMapOvr>
+    <a:masterClrMapping/>
+  </p:clrMapOvr>
+</p:sld>
+</file>
+
+<file path=ppt/slides/slide48.xml><?xml version="1.0" encoding="utf-8"?>
+<p:sld xmlns:a="http://schemas.openxmlformats.org/drawingml/2006/main" xmlns:r="http://schemas.openxmlformats.org/officeDocument/2006/relationships" xmlns:p="http://schemas.openxmlformats.org/presentationml/2006/main">
+  <p:cSld>
+    <p:spTree>
+      <p:nvGrpSpPr>
+        <p:cNvPr id="1" name=""/>
+        <p:cNvGrpSpPr/>
+        <p:nvPr/>
+      </p:nvGrpSpPr>
+      <p:grpSpPr>
+        <a:xfrm>
+          <a:off x="0" y="0"/>
+          <a:ext cx="0" cy="0"/>
+          <a:chOff x="0" y="0"/>
+          <a:chExt cx="0" cy="0"/>
+        </a:xfrm>
+      </p:grpSpPr>
+      <p:sp>
+        <p:nvSpPr>
+          <p:cNvPr id="2" name="Segnaposto testo 1">
+            <a:extLst>
+              <a:ext uri="{FF2B5EF4-FFF2-40B4-BE49-F238E27FC236}">
+                <a16:creationId xmlns:a16="http://schemas.microsoft.com/office/drawing/2014/main" id="{E5AE986C-196F-4141-A898-FA4C4198CDCC}"/>
+              </a:ext>
+            </a:extLst>
+          </p:cNvPr>
+          <p:cNvSpPr>
+            <a:spLocks noGrp="1"/>
+          </p:cNvSpPr>
+          <p:nvPr>
+            <p:ph type="body" idx="1"/>
+          </p:nvPr>
+        </p:nvSpPr>
+        <p:spPr>
+          <a:xfrm>
+            <a:off x="326297" y="1213806"/>
             <a:ext cx="7309745" cy="4392612"/>
           </a:xfrm>
         </p:spPr>
@@ -19597,7 +19799,7 @@
               <a:pPr>
                 <a:defRPr/>
               </a:pPr>
-              <a:t>47</a:t>
+              <a:t>48</a:t>
             </a:fld>
             <a:endParaRPr lang="en-US" dirty="0"/>
           </a:p>
@@ -19680,171 +19882,6 @@
 </p:sld>
 </file>
 
-<file path=ppt/slides/slide48.xml><?xml version="1.0" encoding="utf-8"?>
-<p:sld xmlns:a="http://schemas.openxmlformats.org/drawingml/2006/main" xmlns:r="http://schemas.openxmlformats.org/officeDocument/2006/relationships" xmlns:p="http://schemas.openxmlformats.org/presentationml/2006/main">
-  <p:cSld>
-    <p:spTree>
-      <p:nvGrpSpPr>
-        <p:cNvPr id="1" name=""/>
-        <p:cNvGrpSpPr/>
-        <p:nvPr/>
-      </p:nvGrpSpPr>
-      <p:grpSpPr>
-        <a:xfrm>
-          <a:off x="0" y="0"/>
-          <a:ext cx="0" cy="0"/>
-          <a:chOff x="0" y="0"/>
-          <a:chExt cx="0" cy="0"/>
-        </a:xfrm>
-      </p:grpSpPr>
-      <p:sp>
-        <p:nvSpPr>
-          <p:cNvPr id="2" name="Segnaposto testo 1">
-            <a:extLst>
-              <a:ext uri="{FF2B5EF4-FFF2-40B4-BE49-F238E27FC236}">
-                <a16:creationId xmlns:a16="http://schemas.microsoft.com/office/drawing/2014/main" id="{E5AE986C-196F-4141-A898-FA4C4198CDCC}"/>
-              </a:ext>
-            </a:extLst>
-          </p:cNvPr>
-          <p:cNvSpPr>
-            <a:spLocks noGrp="1"/>
-          </p:cNvSpPr>
-          <p:nvPr>
-            <p:ph type="body" idx="1"/>
-          </p:nvPr>
-        </p:nvSpPr>
-        <p:spPr>
-          <a:xfrm>
-            <a:off x="326297" y="1213806"/>
-            <a:ext cx="11518700" cy="4392612"/>
-          </a:xfrm>
-        </p:spPr>
-        <p:txBody>
-          <a:bodyPr/>
-          <a:lstStyle/>
-          <a:p>
-            <a:pPr algn="l"/>
-            <a:r>
-              <a:rPr lang="en-US" sz="2400" b="0" i="0">
-                <a:solidFill>
-                  <a:srgbClr val="4E4B49"/>
-                </a:solidFill>
-                <a:effectLst/>
-                <a:latin typeface="-apple-system"/>
-              </a:rPr>
-              <a:t>turtleDB is a framework for developers to build offline-first, collaborative web apps. It provides a user-friendly API for developers, empowering them with the ability to create apps with in-browser storage, effective server synchronization, document versioning, and flexible conflict resolution for any document data.</a:t>
-            </a:r>
-          </a:p>
-          <a:p>
-            <a:pPr algn="l"/>
-            <a:r>
-              <a:rPr lang="en-US" sz="2400" b="0" i="0">
-                <a:solidFill>
-                  <a:srgbClr val="4E4B49"/>
-                </a:solidFill>
-                <a:effectLst/>
-                <a:latin typeface="-apple-system"/>
-              </a:rPr>
-              <a:t>Web applications will work seamlessly online or offline, and developers can leave the backend to turtleDB - it will handle all data synchronization and conflict resolution between users. Works with MongoDB out of the box!</a:t>
-            </a:r>
-          </a:p>
-          <a:p>
-            <a:pPr marL="342900" indent="-342900">
-              <a:buFont typeface="Wingdings" panose="05000000000000000000" pitchFamily="2" charset="2"/>
-              <a:buChar char="ü"/>
-            </a:pPr>
-            <a:endParaRPr lang="en-US" sz="2400" b="0" i="0" dirty="0">
-              <a:solidFill>
-                <a:srgbClr val="555555"/>
-              </a:solidFill>
-              <a:effectLst/>
-              <a:latin typeface="PT Sans" panose="020B0503020203020204" pitchFamily="34" charset="0"/>
-            </a:endParaRPr>
-          </a:p>
-        </p:txBody>
-      </p:sp>
-      <p:sp>
-        <p:nvSpPr>
-          <p:cNvPr id="7" name="Segnaposto numero diapositiva 6">
-            <a:extLst>
-              <a:ext uri="{FF2B5EF4-FFF2-40B4-BE49-F238E27FC236}">
-                <a16:creationId xmlns:a16="http://schemas.microsoft.com/office/drawing/2014/main" id="{AB740BE9-E218-4144-BFDE-AE473D230A3D}"/>
-              </a:ext>
-            </a:extLst>
-          </p:cNvPr>
-          <p:cNvSpPr>
-            <a:spLocks noGrp="1"/>
-          </p:cNvSpPr>
-          <p:nvPr>
-            <p:ph type="sldNum" sz="quarter" idx="12"/>
-          </p:nvPr>
-        </p:nvSpPr>
-        <p:spPr/>
-        <p:txBody>
-          <a:bodyPr/>
-          <a:lstStyle/>
-          <a:p>
-            <a:pPr>
-              <a:defRPr/>
-            </a:pPr>
-            <a:fld id="{48B4153A-D4C5-4CEF-8992-0D8815C829E3}" type="slidenum">
-              <a:rPr lang="en-US" smtClean="0"/>
-              <a:pPr>
-                <a:defRPr/>
-              </a:pPr>
-              <a:t>48</a:t>
-            </a:fld>
-            <a:endParaRPr lang="en-US" dirty="0"/>
-          </a:p>
-        </p:txBody>
-      </p:sp>
-      <p:sp>
-        <p:nvSpPr>
-          <p:cNvPr id="5" name="Titolo 4">
-            <a:extLst>
-              <a:ext uri="{FF2B5EF4-FFF2-40B4-BE49-F238E27FC236}">
-                <a16:creationId xmlns:a16="http://schemas.microsoft.com/office/drawing/2014/main" id="{82C46BA2-B380-4357-B125-BA9F08A643F5}"/>
-              </a:ext>
-            </a:extLst>
-          </p:cNvPr>
-          <p:cNvSpPr>
-            <a:spLocks noGrp="1"/>
-          </p:cNvSpPr>
-          <p:nvPr>
-            <p:ph type="title"/>
-          </p:nvPr>
-        </p:nvSpPr>
-        <p:spPr>
-          <a:xfrm>
-            <a:off x="468895" y="503475"/>
-            <a:ext cx="11269308" cy="384721"/>
-          </a:xfrm>
-        </p:spPr>
-        <p:txBody>
-          <a:bodyPr/>
-          <a:lstStyle/>
-          <a:p>
-            <a:r>
-              <a:rPr lang="it-IT"/>
-              <a:t>TurtleDB e Triplestore</a:t>
-            </a:r>
-            <a:endParaRPr lang="it-IT" dirty="0"/>
-          </a:p>
-        </p:txBody>
-      </p:sp>
-    </p:spTree>
-    <p:extLst>
-      <p:ext uri="{BB962C8B-B14F-4D97-AF65-F5344CB8AC3E}">
-        <p14:creationId xmlns:p14="http://schemas.microsoft.com/office/powerpoint/2010/main" val="3360116521"/>
-      </p:ext>
-    </p:extLst>
-  </p:cSld>
-  <p:clrMapOvr>
-    <a:masterClrMapping/>
-  </p:clrMapOvr>
-</p:sld>
-</file>
-
 <file path=ppt/slides/slide49.xml><?xml version="1.0" encoding="utf-8"?>
 <p:sld xmlns:a="http://schemas.openxmlformats.org/drawingml/2006/main" xmlns:r="http://schemas.openxmlformats.org/officeDocument/2006/relationships" xmlns:p="http://schemas.openxmlformats.org/presentationml/2006/main">
   <p:cSld>
@@ -19864,6 +19901,72 @@
       </p:grpSpPr>
       <p:sp>
         <p:nvSpPr>
+          <p:cNvPr id="2" name="Segnaposto testo 1">
+            <a:extLst>
+              <a:ext uri="{FF2B5EF4-FFF2-40B4-BE49-F238E27FC236}">
+                <a16:creationId xmlns:a16="http://schemas.microsoft.com/office/drawing/2014/main" id="{E5AE986C-196F-4141-A898-FA4C4198CDCC}"/>
+              </a:ext>
+            </a:extLst>
+          </p:cNvPr>
+          <p:cNvSpPr>
+            <a:spLocks noGrp="1"/>
+          </p:cNvSpPr>
+          <p:nvPr>
+            <p:ph type="body" idx="1"/>
+          </p:nvPr>
+        </p:nvSpPr>
+        <p:spPr>
+          <a:xfrm>
+            <a:off x="326297" y="1213806"/>
+            <a:ext cx="11518700" cy="4392612"/>
+          </a:xfrm>
+        </p:spPr>
+        <p:txBody>
+          <a:bodyPr/>
+          <a:lstStyle/>
+          <a:p>
+            <a:pPr algn="l"/>
+            <a:r>
+              <a:rPr lang="en-US" sz="2400" b="0" i="0">
+                <a:solidFill>
+                  <a:srgbClr val="4E4B49"/>
+                </a:solidFill>
+                <a:effectLst/>
+                <a:latin typeface="-apple-system"/>
+              </a:rPr>
+              <a:t>turtleDB is a framework for developers to build offline-first, collaborative web apps. It provides a user-friendly API for developers, empowering them with the ability to create apps with in-browser storage, effective server synchronization, document versioning, and flexible conflict resolution for any document data.</a:t>
+            </a:r>
+          </a:p>
+          <a:p>
+            <a:pPr algn="l"/>
+            <a:r>
+              <a:rPr lang="en-US" sz="2400" b="0" i="0">
+                <a:solidFill>
+                  <a:srgbClr val="4E4B49"/>
+                </a:solidFill>
+                <a:effectLst/>
+                <a:latin typeface="-apple-system"/>
+              </a:rPr>
+              <a:t>Web applications will work seamlessly online or offline, and developers can leave the backend to turtleDB - it will handle all data synchronization and conflict resolution between users. Works with MongoDB out of the box!</a:t>
+            </a:r>
+          </a:p>
+          <a:p>
+            <a:pPr marL="342900" indent="-342900">
+              <a:buFont typeface="Wingdings" panose="05000000000000000000" pitchFamily="2" charset="2"/>
+              <a:buChar char="ü"/>
+            </a:pPr>
+            <a:endParaRPr lang="en-US" sz="2400" b="0" i="0" dirty="0">
+              <a:solidFill>
+                <a:srgbClr val="555555"/>
+              </a:solidFill>
+              <a:effectLst/>
+              <a:latin typeface="PT Sans" panose="020B0503020203020204" pitchFamily="34" charset="0"/>
+            </a:endParaRPr>
+          </a:p>
+        </p:txBody>
+      </p:sp>
+      <p:sp>
+        <p:nvSpPr>
           <p:cNvPr id="7" name="Segnaposto numero diapositiva 6">
             <a:extLst>
               <a:ext uri="{FF2B5EF4-FFF2-40B4-BE49-F238E27FC236}">
@@ -19924,72 +20027,9 @@
           <a:lstStyle/>
           <a:p>
             <a:r>
-              <a:rPr lang="it-IT" altLang="it-IT"/>
-              <a:t>Bibliografia</a:t>
-            </a:r>
-            <a:endParaRPr lang="it-IT" dirty="0"/>
-          </a:p>
-        </p:txBody>
-      </p:sp>
-      <p:sp>
-        <p:nvSpPr>
-          <p:cNvPr id="3" name="Segnaposto testo 2">
-            <a:extLst>
-              <a:ext uri="{FF2B5EF4-FFF2-40B4-BE49-F238E27FC236}">
-                <a16:creationId xmlns:a16="http://schemas.microsoft.com/office/drawing/2014/main" id="{15CD42DB-61E6-AA3D-7125-BF4BEDB5D886}"/>
-              </a:ext>
-            </a:extLst>
-          </p:cNvPr>
-          <p:cNvSpPr>
-            <a:spLocks noGrp="1"/>
-          </p:cNvSpPr>
-          <p:nvPr>
-            <p:ph type="body" idx="1"/>
-          </p:nvPr>
-        </p:nvSpPr>
-        <p:spPr>
-          <a:xfrm>
-            <a:off x="477519" y="1557338"/>
-            <a:ext cx="11043921" cy="4392612"/>
-          </a:xfrm>
-        </p:spPr>
-        <p:txBody>
-          <a:bodyPr/>
-          <a:lstStyle/>
-          <a:p>
-            <a:r>
-              <a:rPr lang="it-IT" dirty="0">
-                <a:hlinkClick r:id="rId2"/>
-              </a:rPr>
-              <a:t>https://www.stitchdata.com/resources</a:t>
-            </a:r>
-            <a:r>
-              <a:rPr lang="it-IT">
-                <a:hlinkClick r:id="rId2"/>
-              </a:rPr>
-              <a:t>/data-transformation</a:t>
-            </a:r>
-            <a:endParaRPr lang="it-IT"/>
-          </a:p>
-          <a:p>
-            <a:endParaRPr lang="it-IT"/>
-          </a:p>
-          <a:p>
-            <a:r>
-              <a:rPr lang="it-IT">
-                <a:hlinkClick r:id="rId3"/>
-              </a:rPr>
-              <a:t>https://www.ibm.com/cloud/learn/data-warehouse#:~:text=A%20data%20warehouse%2C%20or%20enterprise,AI)%2C%20and%20machine%20learning</a:t>
-            </a:r>
-            <a:r>
               <a:rPr lang="it-IT"/>
-              <a:t>.</a:t>
-            </a:r>
-          </a:p>
-          <a:p>
-            <a:endParaRPr lang="it-IT" dirty="0"/>
-          </a:p>
-          <a:p>
+              <a:t>TurtleDB e Triplestore</a:t>
+            </a:r>
             <a:endParaRPr lang="it-IT" dirty="0"/>
           </a:p>
         </p:txBody>
@@ -19997,7 +20037,7 @@
     </p:spTree>
     <p:extLst>
       <p:ext uri="{BB962C8B-B14F-4D97-AF65-F5344CB8AC3E}">
-        <p14:creationId xmlns:p14="http://schemas.microsoft.com/office/powerpoint/2010/main" val="3490964097"/>
+        <p14:creationId xmlns:p14="http://schemas.microsoft.com/office/powerpoint/2010/main" val="3360116521"/>
       </p:ext>
     </p:extLst>
   </p:cSld>
@@ -20455,6 +20495,168 @@
     <p:extLst>
       <p:ext uri="{BB962C8B-B14F-4D97-AF65-F5344CB8AC3E}">
         <p14:creationId xmlns:p14="http://schemas.microsoft.com/office/powerpoint/2010/main" val="1980472192"/>
+      </p:ext>
+    </p:extLst>
+  </p:cSld>
+  <p:clrMapOvr>
+    <a:masterClrMapping/>
+  </p:clrMapOvr>
+</p:sld>
+</file>
+
+<file path=ppt/slides/slide50.xml><?xml version="1.0" encoding="utf-8"?>
+<p:sld xmlns:a="http://schemas.openxmlformats.org/drawingml/2006/main" xmlns:r="http://schemas.openxmlformats.org/officeDocument/2006/relationships" xmlns:p="http://schemas.openxmlformats.org/presentationml/2006/main">
+  <p:cSld>
+    <p:spTree>
+      <p:nvGrpSpPr>
+        <p:cNvPr id="1" name=""/>
+        <p:cNvGrpSpPr/>
+        <p:nvPr/>
+      </p:nvGrpSpPr>
+      <p:grpSpPr>
+        <a:xfrm>
+          <a:off x="0" y="0"/>
+          <a:ext cx="0" cy="0"/>
+          <a:chOff x="0" y="0"/>
+          <a:chExt cx="0" cy="0"/>
+        </a:xfrm>
+      </p:grpSpPr>
+      <p:sp>
+        <p:nvSpPr>
+          <p:cNvPr id="7" name="Segnaposto numero diapositiva 6">
+            <a:extLst>
+              <a:ext uri="{FF2B5EF4-FFF2-40B4-BE49-F238E27FC236}">
+                <a16:creationId xmlns:a16="http://schemas.microsoft.com/office/drawing/2014/main" id="{AB740BE9-E218-4144-BFDE-AE473D230A3D}"/>
+              </a:ext>
+            </a:extLst>
+          </p:cNvPr>
+          <p:cNvSpPr>
+            <a:spLocks noGrp="1"/>
+          </p:cNvSpPr>
+          <p:nvPr>
+            <p:ph type="sldNum" sz="quarter" idx="12"/>
+          </p:nvPr>
+        </p:nvSpPr>
+        <p:spPr/>
+        <p:txBody>
+          <a:bodyPr/>
+          <a:lstStyle/>
+          <a:p>
+            <a:pPr>
+              <a:defRPr/>
+            </a:pPr>
+            <a:fld id="{48B4153A-D4C5-4CEF-8992-0D8815C829E3}" type="slidenum">
+              <a:rPr lang="en-US" smtClean="0"/>
+              <a:pPr>
+                <a:defRPr/>
+              </a:pPr>
+              <a:t>50</a:t>
+            </a:fld>
+            <a:endParaRPr lang="en-US" dirty="0"/>
+          </a:p>
+        </p:txBody>
+      </p:sp>
+      <p:sp>
+        <p:nvSpPr>
+          <p:cNvPr id="5" name="Titolo 4">
+            <a:extLst>
+              <a:ext uri="{FF2B5EF4-FFF2-40B4-BE49-F238E27FC236}">
+                <a16:creationId xmlns:a16="http://schemas.microsoft.com/office/drawing/2014/main" id="{82C46BA2-B380-4357-B125-BA9F08A643F5}"/>
+              </a:ext>
+            </a:extLst>
+          </p:cNvPr>
+          <p:cNvSpPr>
+            <a:spLocks noGrp="1"/>
+          </p:cNvSpPr>
+          <p:nvPr>
+            <p:ph type="title"/>
+          </p:nvPr>
+        </p:nvSpPr>
+        <p:spPr>
+          <a:xfrm>
+            <a:off x="468895" y="503475"/>
+            <a:ext cx="11269308" cy="384721"/>
+          </a:xfrm>
+        </p:spPr>
+        <p:txBody>
+          <a:bodyPr/>
+          <a:lstStyle/>
+          <a:p>
+            <a:r>
+              <a:rPr lang="it-IT" altLang="it-IT"/>
+              <a:t>Bibliografia</a:t>
+            </a:r>
+            <a:endParaRPr lang="it-IT" dirty="0"/>
+          </a:p>
+        </p:txBody>
+      </p:sp>
+      <p:sp>
+        <p:nvSpPr>
+          <p:cNvPr id="3" name="Segnaposto testo 2">
+            <a:extLst>
+              <a:ext uri="{FF2B5EF4-FFF2-40B4-BE49-F238E27FC236}">
+                <a16:creationId xmlns:a16="http://schemas.microsoft.com/office/drawing/2014/main" id="{15CD42DB-61E6-AA3D-7125-BF4BEDB5D886}"/>
+              </a:ext>
+            </a:extLst>
+          </p:cNvPr>
+          <p:cNvSpPr>
+            <a:spLocks noGrp="1"/>
+          </p:cNvSpPr>
+          <p:nvPr>
+            <p:ph type="body" idx="1"/>
+          </p:nvPr>
+        </p:nvSpPr>
+        <p:spPr>
+          <a:xfrm>
+            <a:off x="477519" y="1557338"/>
+            <a:ext cx="11043921" cy="4392612"/>
+          </a:xfrm>
+        </p:spPr>
+        <p:txBody>
+          <a:bodyPr/>
+          <a:lstStyle/>
+          <a:p>
+            <a:r>
+              <a:rPr lang="it-IT" dirty="0">
+                <a:hlinkClick r:id="rId2"/>
+              </a:rPr>
+              <a:t>https://www.stitchdata.com/resources</a:t>
+            </a:r>
+            <a:r>
+              <a:rPr lang="it-IT">
+                <a:hlinkClick r:id="rId2"/>
+              </a:rPr>
+              <a:t>/data-transformation</a:t>
+            </a:r>
+            <a:endParaRPr lang="it-IT"/>
+          </a:p>
+          <a:p>
+            <a:endParaRPr lang="it-IT"/>
+          </a:p>
+          <a:p>
+            <a:r>
+              <a:rPr lang="it-IT">
+                <a:hlinkClick r:id="rId3"/>
+              </a:rPr>
+              <a:t>https://www.ibm.com/cloud/learn/data-warehouse#:~:text=A%20data%20warehouse%2C%20or%20enterprise,AI)%2C%20and%20machine%20learning</a:t>
+            </a:r>
+            <a:r>
+              <a:rPr lang="it-IT"/>
+              <a:t>.</a:t>
+            </a:r>
+          </a:p>
+          <a:p>
+            <a:endParaRPr lang="it-IT" dirty="0"/>
+          </a:p>
+          <a:p>
+            <a:endParaRPr lang="it-IT" dirty="0"/>
+          </a:p>
+        </p:txBody>
+      </p:sp>
+    </p:spTree>
+    <p:extLst>
+      <p:ext uri="{BB962C8B-B14F-4D97-AF65-F5344CB8AC3E}">
+        <p14:creationId xmlns:p14="http://schemas.microsoft.com/office/powerpoint/2010/main" val="3490964097"/>
       </p:ext>
     </p:extLst>
   </p:cSld>
@@ -22175,6 +22377,56 @@
 </file>
 
 <file path=customXml/item1.xml><?xml version="1.0" encoding="utf-8"?>
+<?mso-contentType ?>
+<spe:Receivers xmlns:spe="http://schemas.microsoft.com/sharepoint/events">
+  <Receiver>
+    <Name>Document ID Generator</Name>
+    <Synchronization>Synchronous</Synchronization>
+    <Type>10001</Type>
+    <SequenceNumber>1000</SequenceNumber>
+    <Url/>
+    <Assembly>Microsoft.Office.DocumentManagement, Version=15.0.0.0, Culture=neutral, PublicKeyToken=71e9bce111e9429c</Assembly>
+    <Class>Microsoft.Office.DocumentManagement.Internal.DocIdHandler</Class>
+    <Data/>
+    <Filter/>
+  </Receiver>
+  <Receiver>
+    <Name>Document ID Generator</Name>
+    <Synchronization>Synchronous</Synchronization>
+    <Type>10002</Type>
+    <SequenceNumber>1001</SequenceNumber>
+    <Url/>
+    <Assembly>Microsoft.Office.DocumentManagement, Version=15.0.0.0, Culture=neutral, PublicKeyToken=71e9bce111e9429c</Assembly>
+    <Class>Microsoft.Office.DocumentManagement.Internal.DocIdHandler</Class>
+    <Data/>
+    <Filter/>
+  </Receiver>
+  <Receiver>
+    <Name>Document ID Generator</Name>
+    <Synchronization>Synchronous</Synchronization>
+    <Type>10004</Type>
+    <SequenceNumber>1002</SequenceNumber>
+    <Url/>
+    <Assembly>Microsoft.Office.DocumentManagement, Version=15.0.0.0, Culture=neutral, PublicKeyToken=71e9bce111e9429c</Assembly>
+    <Class>Microsoft.Office.DocumentManagement.Internal.DocIdHandler</Class>
+    <Data/>
+    <Filter/>
+  </Receiver>
+  <Receiver>
+    <Name>Document ID Generator</Name>
+    <Synchronization>Synchronous</Synchronization>
+    <Type>10006</Type>
+    <SequenceNumber>1003</SequenceNumber>
+    <Url/>
+    <Assembly>Microsoft.Office.DocumentManagement, Version=15.0.0.0, Culture=neutral, PublicKeyToken=71e9bce111e9429c</Assembly>
+    <Class>Microsoft.Office.DocumentManagement.Internal.DocIdHandler</Class>
+    <Data/>
+    <Filter/>
+  </Receiver>
+</spe:Receivers>
+</file>
+
+<file path=customXml/item2.xml><?xml version="1.0" encoding="utf-8"?>
 <ct:contentTypeSchema xmlns:ct="http://schemas.microsoft.com/office/2006/metadata/contentType" xmlns:ma="http://schemas.microsoft.com/office/2006/metadata/properties/metaAttributes" ct:_="" ma:_="" ma:contentTypeName="Documento" ma:contentTypeID="0x010100661A2BE3120D674DA36C11D6006822D4" ma:contentTypeVersion="3" ma:contentTypeDescription="Creare un nuovo documento." ma:contentTypeScope="" ma:versionID="2ad8b07f9840a1ce9cd199d874146b74">
   <xsd:schema xmlns:xsd="http://www.w3.org/2001/XMLSchema" xmlns:xs="http://www.w3.org/2001/XMLSchema" xmlns:p="http://schemas.microsoft.com/office/2006/metadata/properties" xmlns:ns2="c58f2efd-82a8-4ecf-b395-8c25e928921d" xmlns:ns3="459159c4-d20a-4ff3-9b11-fbd127bd52e5" xmlns:ns4="679261c3-551f-4e86-913f-177e0e529669" targetNamespace="http://schemas.microsoft.com/office/2006/metadata/properties" ma:root="true" ma:fieldsID="fffb0e16fb90ffea59fef1085e90ecca" ns2:_="" ns3:_="" ns4:_="">
     <xsd:import namespace="c58f2efd-82a8-4ecf-b395-8c25e928921d"/>
@@ -22361,66 +22613,7 @@
 </ct:contentTypeSchema>
 </file>
 
-<file path=customXml/item2.xml><?xml version="1.0" encoding="utf-8"?>
-<?mso-contentType ?>
-<spe:Receivers xmlns:spe="http://schemas.microsoft.com/sharepoint/events">
-  <Receiver>
-    <Name>Document ID Generator</Name>
-    <Synchronization>Synchronous</Synchronization>
-    <Type>10001</Type>
-    <SequenceNumber>1000</SequenceNumber>
-    <Url/>
-    <Assembly>Microsoft.Office.DocumentManagement, Version=15.0.0.0, Culture=neutral, PublicKeyToken=71e9bce111e9429c</Assembly>
-    <Class>Microsoft.Office.DocumentManagement.Internal.DocIdHandler</Class>
-    <Data/>
-    <Filter/>
-  </Receiver>
-  <Receiver>
-    <Name>Document ID Generator</Name>
-    <Synchronization>Synchronous</Synchronization>
-    <Type>10002</Type>
-    <SequenceNumber>1001</SequenceNumber>
-    <Url/>
-    <Assembly>Microsoft.Office.DocumentManagement, Version=15.0.0.0, Culture=neutral, PublicKeyToken=71e9bce111e9429c</Assembly>
-    <Class>Microsoft.Office.DocumentManagement.Internal.DocIdHandler</Class>
-    <Data/>
-    <Filter/>
-  </Receiver>
-  <Receiver>
-    <Name>Document ID Generator</Name>
-    <Synchronization>Synchronous</Synchronization>
-    <Type>10004</Type>
-    <SequenceNumber>1002</SequenceNumber>
-    <Url/>
-    <Assembly>Microsoft.Office.DocumentManagement, Version=15.0.0.0, Culture=neutral, PublicKeyToken=71e9bce111e9429c</Assembly>
-    <Class>Microsoft.Office.DocumentManagement.Internal.DocIdHandler</Class>
-    <Data/>
-    <Filter/>
-  </Receiver>
-  <Receiver>
-    <Name>Document ID Generator</Name>
-    <Synchronization>Synchronous</Synchronization>
-    <Type>10006</Type>
-    <SequenceNumber>1003</SequenceNumber>
-    <Url/>
-    <Assembly>Microsoft.Office.DocumentManagement, Version=15.0.0.0, Culture=neutral, PublicKeyToken=71e9bce111e9429c</Assembly>
-    <Class>Microsoft.Office.DocumentManagement.Internal.DocIdHandler</Class>
-    <Data/>
-    <Filter/>
-  </Receiver>
-</spe:Receivers>
-</file>
-
 <file path=customXml/item3.xml><?xml version="1.0" encoding="utf-8"?>
-<?mso-contentType ?>
-<FormTemplates xmlns="http://schemas.microsoft.com/sharepoint/v3/contenttype/forms">
-  <Display>DocumentLibraryForm</Display>
-  <Edit>DocumentLibraryForm</Edit>
-  <New>DocumentLibraryForm</New>
-</FormTemplates>
-</file>
-
-<file path=customXml/item4.xml><?xml version="1.0" encoding="utf-8"?>
 <p:properties xmlns:p="http://schemas.microsoft.com/office/2006/metadata/properties" xmlns:xsi="http://www.w3.org/2001/XMLSchema-instance" xmlns:pc="http://schemas.microsoft.com/office/infopath/2007/PartnerControls">
   <documentManagement>
     <SottoCategoria xmlns="679261c3-551f-4e86-913f-177e0e529669">-</SottoCategoria>
@@ -22434,7 +22627,24 @@
 </p:properties>
 </file>
 
+<file path=customXml/item4.xml><?xml version="1.0" encoding="utf-8"?>
+<?mso-contentType ?>
+<FormTemplates xmlns="http://schemas.microsoft.com/sharepoint/v3/contenttype/forms">
+  <Display>DocumentLibraryForm</Display>
+  <Edit>DocumentLibraryForm</Edit>
+  <New>DocumentLibraryForm</New>
+</FormTemplates>
+</file>
+
 <file path=customXml/itemProps1.xml><?xml version="1.0" encoding="utf-8"?>
+<ds:datastoreItem xmlns:ds="http://schemas.openxmlformats.org/officeDocument/2006/customXml" ds:itemID="{D9296C4F-9DE9-4B43-AA80-1FC85656CFFA}">
+  <ds:schemaRefs>
+    <ds:schemaRef ds:uri="http://schemas.microsoft.com/sharepoint/events"/>
+  </ds:schemaRefs>
+</ds:datastoreItem>
+</file>
+
+<file path=customXml/itemProps2.xml><?xml version="1.0" encoding="utf-8"?>
 <ds:datastoreItem xmlns:ds="http://schemas.openxmlformats.org/officeDocument/2006/customXml" ds:itemID="{3F66F418-6054-4EA5-BF8E-6AF3CEAE6265}">
   <ds:schemaRefs>
     <ds:schemaRef ds:uri="http://schemas.microsoft.com/office/2006/metadata/contentType"/>
@@ -22454,36 +22664,28 @@
 </ds:datastoreItem>
 </file>
 
-<file path=customXml/itemProps2.xml><?xml version="1.0" encoding="utf-8"?>
-<ds:datastoreItem xmlns:ds="http://schemas.openxmlformats.org/officeDocument/2006/customXml" ds:itemID="{D9296C4F-9DE9-4B43-AA80-1FC85656CFFA}">
-  <ds:schemaRefs>
-    <ds:schemaRef ds:uri="http://schemas.microsoft.com/sharepoint/events"/>
-  </ds:schemaRefs>
-</ds:datastoreItem>
-</file>
-
 <file path=customXml/itemProps3.xml><?xml version="1.0" encoding="utf-8"?>
-<ds:datastoreItem xmlns:ds="http://schemas.openxmlformats.org/officeDocument/2006/customXml" ds:itemID="{BD9C238D-4D5C-4783-820B-4854DCE45D41}">
-  <ds:schemaRefs>
-    <ds:schemaRef ds:uri="http://schemas.microsoft.com/sharepoint/v3/contenttype/forms"/>
-  </ds:schemaRefs>
-</ds:datastoreItem>
-</file>
-
-<file path=customXml/itemProps4.xml><?xml version="1.0" encoding="utf-8"?>
 <ds:datastoreItem xmlns:ds="http://schemas.openxmlformats.org/officeDocument/2006/customXml" ds:itemID="{3EF378BC-F4D0-4510-B4EC-07B6EFE18CF8}">
   <ds:schemaRefs>
+    <ds:schemaRef ds:uri="http://schemas.microsoft.com/office/infopath/2007/PartnerControls"/>
+    <ds:schemaRef ds:uri="http://purl.org/dc/terms/"/>
     <ds:schemaRef ds:uri="http://schemas.microsoft.com/office/2006/documentManagement/types"/>
     <ds:schemaRef ds:uri="http://purl.org/dc/elements/1.1/"/>
     <ds:schemaRef ds:uri="679261c3-551f-4e86-913f-177e0e529669"/>
     <ds:schemaRef ds:uri="http://schemas.openxmlformats.org/package/2006/metadata/core-properties"/>
     <ds:schemaRef ds:uri="459159c4-d20a-4ff3-9b11-fbd127bd52e5"/>
     <ds:schemaRef ds:uri="c58f2efd-82a8-4ecf-b395-8c25e928921d"/>
-    <ds:schemaRef ds:uri="http://schemas.microsoft.com/office/infopath/2007/PartnerControls"/>
-    <ds:schemaRef ds:uri="http://purl.org/dc/terms/"/>
     <ds:schemaRef ds:uri="http://schemas.microsoft.com/office/2006/metadata/properties"/>
     <ds:schemaRef ds:uri="http://www.w3.org/XML/1998/namespace"/>
     <ds:schemaRef ds:uri="http://purl.org/dc/dcmitype/"/>
   </ds:schemaRefs>
 </ds:datastoreItem>
+</file>
+
+<file path=customXml/itemProps4.xml><?xml version="1.0" encoding="utf-8"?>
+<ds:datastoreItem xmlns:ds="http://schemas.openxmlformats.org/officeDocument/2006/customXml" ds:itemID="{BD9C238D-4D5C-4783-820B-4854DCE45D41}">
+  <ds:schemaRefs>
+    <ds:schemaRef ds:uri="http://schemas.microsoft.com/sharepoint/v3/contenttype/forms"/>
+  </ds:schemaRefs>
+</ds:datastoreItem>
 </file>